--- a/courses/apcsp/lect7.pptx
+++ b/courses/apcsp/lect7.pptx
@@ -13,17 +13,15 @@
     <p:sldId id="336" r:id="rId7"/>
     <p:sldId id="319" r:id="rId8"/>
     <p:sldId id="323" r:id="rId9"/>
-    <p:sldId id="313" r:id="rId10"/>
-    <p:sldId id="314" r:id="rId11"/>
-    <p:sldId id="316" r:id="rId12"/>
-    <p:sldId id="315" r:id="rId13"/>
-    <p:sldId id="318" r:id="rId14"/>
-    <p:sldId id="317" r:id="rId15"/>
-    <p:sldId id="324" r:id="rId16"/>
+    <p:sldId id="337" r:id="rId10"/>
+    <p:sldId id="313" r:id="rId11"/>
+    <p:sldId id="314" r:id="rId12"/>
+    <p:sldId id="338" r:id="rId13"/>
+    <p:sldId id="316" r:id="rId14"/>
+    <p:sldId id="318" r:id="rId15"/>
+    <p:sldId id="317" r:id="rId16"/>
     <p:sldId id="325" r:id="rId17"/>
-    <p:sldId id="288" r:id="rId18"/>
-    <p:sldId id="266" r:id="rId19"/>
-    <p:sldId id="284" r:id="rId20"/>
+    <p:sldId id="284" r:id="rId18"/>
   </p:sldIdLst>
   <p:sldSz cx="9144000" cy="5715000" type="screen16x10"/>
   <p:notesSz cx="6858000" cy="9144000"/>
@@ -133,7 +131,7 @@
 <file path=ppt/revisionInfo.xml><?xml version="1.0" encoding="utf-8"?>
 <p1510:revInfo xmlns:a="http://schemas.openxmlformats.org/drawingml/2006/main" xmlns:r="http://schemas.openxmlformats.org/officeDocument/2006/relationships" xmlns:p1510="http://schemas.microsoft.com/office/powerpoint/2015/10/main">
   <p1510:revLst>
-    <p1510:client id="{6ED56420-F59F-4945-BA02-53AF79C1F3AC}" v="1" dt="2019-10-11T02:03:35.565"/>
+    <p1510:client id="{6ED56420-F59F-4945-BA02-53AF79C1F3AC}" v="43" dt="2019-10-15T20:44:26.485"/>
   </p1510:revLst>
 </p1510:revInfo>
 </file>
@@ -175,21 +173,6 @@
         </pc:spChg>
       </pc:sldChg>
       <pc:sldChg chg="modSp">
-        <pc:chgData name="Long B Nguyen" userId="f59fb8f3-a021-417a-8bc1-65c8d471c621" providerId="ADAL" clId="{EC1E750C-42C7-A84F-81F0-83B2F940DF8B}" dt="2019-10-07T19:26:31.916" v="1681" actId="20577"/>
-        <pc:sldMkLst>
-          <pc:docMk/>
-          <pc:sldMk cId="278045358" sldId="257"/>
-        </pc:sldMkLst>
-        <pc:spChg chg="mod">
-          <ac:chgData name="Long B Nguyen" userId="f59fb8f3-a021-417a-8bc1-65c8d471c621" providerId="ADAL" clId="{EC1E750C-42C7-A84F-81F0-83B2F940DF8B}" dt="2019-10-07T19:26:31.916" v="1681" actId="20577"/>
-          <ac:spMkLst>
-            <pc:docMk/>
-            <pc:sldMk cId="278045358" sldId="257"/>
-            <ac:spMk id="9" creationId="{E3B2E017-30B2-884B-A113-B419A2ED51AD}"/>
-          </ac:spMkLst>
-        </pc:spChg>
-      </pc:sldChg>
-      <pc:sldChg chg="modSp">
         <pc:chgData name="Long B Nguyen" userId="f59fb8f3-a021-417a-8bc1-65c8d471c621" providerId="ADAL" clId="{EC1E750C-42C7-A84F-81F0-83B2F940DF8B}" dt="2019-10-07T19:25:17.829" v="1615" actId="20577"/>
         <pc:sldMkLst>
           <pc:docMk/>
@@ -200,197 +183,6 @@
           <ac:spMkLst>
             <pc:docMk/>
             <pc:sldMk cId="131840209" sldId="286"/>
-            <ac:spMk id="9" creationId="{E3B2E017-30B2-884B-A113-B419A2ED51AD}"/>
-          </ac:spMkLst>
-        </pc:spChg>
-      </pc:sldChg>
-      <pc:sldChg chg="modSp">
-        <pc:chgData name="Long B Nguyen" userId="f59fb8f3-a021-417a-8bc1-65c8d471c621" providerId="ADAL" clId="{EC1E750C-42C7-A84F-81F0-83B2F940DF8B}" dt="2019-10-07T19:43:07.384" v="1731" actId="20577"/>
-        <pc:sldMkLst>
-          <pc:docMk/>
-          <pc:sldMk cId="1313115290" sldId="287"/>
-        </pc:sldMkLst>
-        <pc:spChg chg="mod">
-          <ac:chgData name="Long B Nguyen" userId="f59fb8f3-a021-417a-8bc1-65c8d471c621" providerId="ADAL" clId="{EC1E750C-42C7-A84F-81F0-83B2F940DF8B}" dt="2019-10-07T19:43:07.384" v="1731" actId="20577"/>
-          <ac:spMkLst>
-            <pc:docMk/>
-            <pc:sldMk cId="1313115290" sldId="287"/>
-            <ac:spMk id="9" creationId="{E3B2E017-30B2-884B-A113-B419A2ED51AD}"/>
-          </ac:spMkLst>
-        </pc:spChg>
-      </pc:sldChg>
-      <pc:sldChg chg="modSp add">
-        <pc:chgData name="Long B Nguyen" userId="f59fb8f3-a021-417a-8bc1-65c8d471c621" providerId="ADAL" clId="{EC1E750C-42C7-A84F-81F0-83B2F940DF8B}" dt="2019-10-07T20:38:07.354" v="2821" actId="20577"/>
-        <pc:sldMkLst>
-          <pc:docMk/>
-          <pc:sldMk cId="2259044443" sldId="300"/>
-        </pc:sldMkLst>
-        <pc:spChg chg="mod">
-          <ac:chgData name="Long B Nguyen" userId="f59fb8f3-a021-417a-8bc1-65c8d471c621" providerId="ADAL" clId="{EC1E750C-42C7-A84F-81F0-83B2F940DF8B}" dt="2019-10-07T20:38:07.354" v="2821" actId="20577"/>
-          <ac:spMkLst>
-            <pc:docMk/>
-            <pc:sldMk cId="2259044443" sldId="300"/>
-            <ac:spMk id="2" creationId="{AA3A228F-61D0-D949-A5E7-F83756230BF8}"/>
-          </ac:spMkLst>
-        </pc:spChg>
-        <pc:spChg chg="mod">
-          <ac:chgData name="Long B Nguyen" userId="f59fb8f3-a021-417a-8bc1-65c8d471c621" providerId="ADAL" clId="{EC1E750C-42C7-A84F-81F0-83B2F940DF8B}" dt="2019-10-07T19:44:50.223" v="1752" actId="20577"/>
-          <ac:spMkLst>
-            <pc:docMk/>
-            <pc:sldMk cId="2259044443" sldId="300"/>
-            <ac:spMk id="9" creationId="{E3B2E017-30B2-884B-A113-B419A2ED51AD}"/>
-          </ac:spMkLst>
-        </pc:spChg>
-        <pc:graphicFrameChg chg="mod modGraphic">
-          <ac:chgData name="Long B Nguyen" userId="f59fb8f3-a021-417a-8bc1-65c8d471c621" providerId="ADAL" clId="{EC1E750C-42C7-A84F-81F0-83B2F940DF8B}" dt="2019-10-07T20:31:48.889" v="2559" actId="1076"/>
-          <ac:graphicFrameMkLst>
-            <pc:docMk/>
-            <pc:sldMk cId="2259044443" sldId="300"/>
-            <ac:graphicFrameMk id="3" creationId="{57EBABBC-BF53-D54B-B535-A6EEF3CDBAF8}"/>
-          </ac:graphicFrameMkLst>
-        </pc:graphicFrameChg>
-      </pc:sldChg>
-      <pc:sldChg chg="modSp add">
-        <pc:chgData name="Long B Nguyen" userId="f59fb8f3-a021-417a-8bc1-65c8d471c621" providerId="ADAL" clId="{EC1E750C-42C7-A84F-81F0-83B2F940DF8B}" dt="2019-10-07T20:22:22.440" v="2496" actId="20577"/>
-        <pc:sldMkLst>
-          <pc:docMk/>
-          <pc:sldMk cId="2979282" sldId="306"/>
-        </pc:sldMkLst>
-        <pc:spChg chg="mod">
-          <ac:chgData name="Long B Nguyen" userId="f59fb8f3-a021-417a-8bc1-65c8d471c621" providerId="ADAL" clId="{EC1E750C-42C7-A84F-81F0-83B2F940DF8B}" dt="2019-10-07T20:22:22.440" v="2496" actId="20577"/>
-          <ac:spMkLst>
-            <pc:docMk/>
-            <pc:sldMk cId="2979282" sldId="306"/>
-            <ac:spMk id="2" creationId="{AA3A228F-61D0-D949-A5E7-F83756230BF8}"/>
-          </ac:spMkLst>
-        </pc:spChg>
-        <pc:spChg chg="mod">
-          <ac:chgData name="Long B Nguyen" userId="f59fb8f3-a021-417a-8bc1-65c8d471c621" providerId="ADAL" clId="{EC1E750C-42C7-A84F-81F0-83B2F940DF8B}" dt="2019-10-07T19:44:12.514" v="1740" actId="20577"/>
-          <ac:spMkLst>
-            <pc:docMk/>
-            <pc:sldMk cId="2979282" sldId="306"/>
-            <ac:spMk id="9" creationId="{E3B2E017-30B2-884B-A113-B419A2ED51AD}"/>
-          </ac:spMkLst>
-        </pc:spChg>
-      </pc:sldChg>
-      <pc:sldChg chg="delSp modSp">
-        <pc:chgData name="Long B Nguyen" userId="f59fb8f3-a021-417a-8bc1-65c8d471c621" providerId="ADAL" clId="{EC1E750C-42C7-A84F-81F0-83B2F940DF8B}" dt="2019-10-06T14:58:22.444" v="643" actId="20577"/>
-        <pc:sldMkLst>
-          <pc:docMk/>
-          <pc:sldMk cId="2816034367" sldId="307"/>
-        </pc:sldMkLst>
-        <pc:spChg chg="mod">
-          <ac:chgData name="Long B Nguyen" userId="f59fb8f3-a021-417a-8bc1-65c8d471c621" providerId="ADAL" clId="{EC1E750C-42C7-A84F-81F0-83B2F940DF8B}" dt="2019-10-06T14:58:22.444" v="643" actId="20577"/>
-          <ac:spMkLst>
-            <pc:docMk/>
-            <pc:sldMk cId="2816034367" sldId="307"/>
-            <ac:spMk id="9" creationId="{E3B2E017-30B2-884B-A113-B419A2ED51AD}"/>
-          </ac:spMkLst>
-        </pc:spChg>
-        <pc:picChg chg="del">
-          <ac:chgData name="Long B Nguyen" userId="f59fb8f3-a021-417a-8bc1-65c8d471c621" providerId="ADAL" clId="{EC1E750C-42C7-A84F-81F0-83B2F940DF8B}" dt="2019-10-06T14:52:38.760" v="458" actId="478"/>
-          <ac:picMkLst>
-            <pc:docMk/>
-            <pc:sldMk cId="2816034367" sldId="307"/>
-            <ac:picMk id="3" creationId="{01205C96-4873-E74D-9647-F792C437AC65}"/>
-          </ac:picMkLst>
-        </pc:picChg>
-      </pc:sldChg>
-      <pc:sldChg chg="addSp delSp modSp add">
-        <pc:chgData name="Long B Nguyen" userId="f59fb8f3-a021-417a-8bc1-65c8d471c621" providerId="ADAL" clId="{EC1E750C-42C7-A84F-81F0-83B2F940DF8B}" dt="2019-10-06T15:02:02.148" v="713" actId="20577"/>
-        <pc:sldMkLst>
-          <pc:docMk/>
-          <pc:sldMk cId="3647198221" sldId="308"/>
-        </pc:sldMkLst>
-        <pc:spChg chg="mod">
-          <ac:chgData name="Long B Nguyen" userId="f59fb8f3-a021-417a-8bc1-65c8d471c621" providerId="ADAL" clId="{EC1E750C-42C7-A84F-81F0-83B2F940DF8B}" dt="2019-10-06T15:02:02.148" v="713" actId="20577"/>
-          <ac:spMkLst>
-            <pc:docMk/>
-            <pc:sldMk cId="3647198221" sldId="308"/>
-            <ac:spMk id="9" creationId="{E3B2E017-30B2-884B-A113-B419A2ED51AD}"/>
-          </ac:spMkLst>
-        </pc:spChg>
-        <pc:picChg chg="del">
-          <ac:chgData name="Long B Nguyen" userId="f59fb8f3-a021-417a-8bc1-65c8d471c621" providerId="ADAL" clId="{EC1E750C-42C7-A84F-81F0-83B2F940DF8B}" dt="2019-10-06T14:49:30.025" v="227" actId="478"/>
-          <ac:picMkLst>
-            <pc:docMk/>
-            <pc:sldMk cId="3647198221" sldId="308"/>
-            <ac:picMk id="3" creationId="{01205C96-4873-E74D-9647-F792C437AC65}"/>
-          </ac:picMkLst>
-        </pc:picChg>
-        <pc:picChg chg="add mod">
-          <ac:chgData name="Long B Nguyen" userId="f59fb8f3-a021-417a-8bc1-65c8d471c621" providerId="ADAL" clId="{EC1E750C-42C7-A84F-81F0-83B2F940DF8B}" dt="2019-10-06T15:01:36.617" v="671" actId="1076"/>
-          <ac:picMkLst>
-            <pc:docMk/>
-            <pc:sldMk cId="3647198221" sldId="308"/>
-            <ac:picMk id="5" creationId="{E0FFF880-C4B5-8F48-BCDD-3A8604715F1F}"/>
-          </ac:picMkLst>
-        </pc:picChg>
-      </pc:sldChg>
-      <pc:sldChg chg="modSp">
-        <pc:chgData name="Long B Nguyen" userId="f59fb8f3-a021-417a-8bc1-65c8d471c621" providerId="ADAL" clId="{EC1E750C-42C7-A84F-81F0-83B2F940DF8B}" dt="2019-10-06T15:00:17.237" v="660" actId="20577"/>
-        <pc:sldMkLst>
-          <pc:docMk/>
-          <pc:sldMk cId="3130680389" sldId="309"/>
-        </pc:sldMkLst>
-        <pc:spChg chg="mod">
-          <ac:chgData name="Long B Nguyen" userId="f59fb8f3-a021-417a-8bc1-65c8d471c621" providerId="ADAL" clId="{EC1E750C-42C7-A84F-81F0-83B2F940DF8B}" dt="2019-10-06T15:00:17.237" v="660" actId="20577"/>
-          <ac:spMkLst>
-            <pc:docMk/>
-            <pc:sldMk cId="3130680389" sldId="309"/>
-            <ac:spMk id="9" creationId="{E3B2E017-30B2-884B-A113-B419A2ED51AD}"/>
-          </ac:spMkLst>
-        </pc:spChg>
-        <pc:picChg chg="mod">
-          <ac:chgData name="Long B Nguyen" userId="f59fb8f3-a021-417a-8bc1-65c8d471c621" providerId="ADAL" clId="{EC1E750C-42C7-A84F-81F0-83B2F940DF8B}" dt="2019-10-06T14:59:41.812" v="652" actId="1076"/>
-          <ac:picMkLst>
-            <pc:docMk/>
-            <pc:sldMk cId="3130680389" sldId="309"/>
-            <ac:picMk id="3" creationId="{01205C96-4873-E74D-9647-F792C437AC65}"/>
-          </ac:picMkLst>
-        </pc:picChg>
-      </pc:sldChg>
-      <pc:sldChg chg="addSp delSp">
-        <pc:chgData name="Long B Nguyen" userId="f59fb8f3-a021-417a-8bc1-65c8d471c621" providerId="ADAL" clId="{EC1E750C-42C7-A84F-81F0-83B2F940DF8B}" dt="2019-10-07T19:43:18.143" v="1733"/>
-        <pc:sldMkLst>
-          <pc:docMk/>
-          <pc:sldMk cId="3718152399" sldId="310"/>
-        </pc:sldMkLst>
-        <pc:spChg chg="add del">
-          <ac:chgData name="Long B Nguyen" userId="f59fb8f3-a021-417a-8bc1-65c8d471c621" providerId="ADAL" clId="{EC1E750C-42C7-A84F-81F0-83B2F940DF8B}" dt="2019-10-07T19:43:18.143" v="1733"/>
-          <ac:spMkLst>
-            <pc:docMk/>
-            <pc:sldMk cId="3718152399" sldId="310"/>
-            <ac:spMk id="4" creationId="{47258E98-E172-D14F-B3EA-94FC79084D94}"/>
-          </ac:spMkLst>
-        </pc:spChg>
-      </pc:sldChg>
-      <pc:sldChg chg="modSp">
-        <pc:chgData name="Long B Nguyen" userId="f59fb8f3-a021-417a-8bc1-65c8d471c621" providerId="ADAL" clId="{EC1E750C-42C7-A84F-81F0-83B2F940DF8B}" dt="2019-10-06T15:03:08.075" v="715" actId="20577"/>
-        <pc:sldMkLst>
-          <pc:docMk/>
-          <pc:sldMk cId="2605170782" sldId="311"/>
-        </pc:sldMkLst>
-        <pc:spChg chg="mod">
-          <ac:chgData name="Long B Nguyen" userId="f59fb8f3-a021-417a-8bc1-65c8d471c621" providerId="ADAL" clId="{EC1E750C-42C7-A84F-81F0-83B2F940DF8B}" dt="2019-10-06T15:03:08.075" v="715" actId="20577"/>
-          <ac:spMkLst>
-            <pc:docMk/>
-            <pc:sldMk cId="2605170782" sldId="311"/>
-            <ac:spMk id="9" creationId="{E3B2E017-30B2-884B-A113-B419A2ED51AD}"/>
-          </ac:spMkLst>
-        </pc:spChg>
-      </pc:sldChg>
-      <pc:sldChg chg="modSp">
-        <pc:chgData name="Long B Nguyen" userId="f59fb8f3-a021-417a-8bc1-65c8d471c621" providerId="ADAL" clId="{EC1E750C-42C7-A84F-81F0-83B2F940DF8B}" dt="2019-10-06T15:03:36.051" v="727" actId="20577"/>
-        <pc:sldMkLst>
-          <pc:docMk/>
-          <pc:sldMk cId="1753618663" sldId="312"/>
-        </pc:sldMkLst>
-        <pc:spChg chg="mod">
-          <ac:chgData name="Long B Nguyen" userId="f59fb8f3-a021-417a-8bc1-65c8d471c621" providerId="ADAL" clId="{EC1E750C-42C7-A84F-81F0-83B2F940DF8B}" dt="2019-10-06T15:03:36.051" v="727" actId="20577"/>
-          <ac:spMkLst>
-            <pc:docMk/>
-            <pc:sldMk cId="1753618663" sldId="312"/>
             <ac:spMk id="9" creationId="{E3B2E017-30B2-884B-A113-B419A2ED51AD}"/>
           </ac:spMkLst>
         </pc:spChg>
@@ -448,157 +240,6 @@
           </ac:spMkLst>
         </pc:spChg>
       </pc:sldChg>
-      <pc:sldChg chg="modSp">
-        <pc:chgData name="Long B Nguyen" userId="f59fb8f3-a021-417a-8bc1-65c8d471c621" providerId="ADAL" clId="{EC1E750C-42C7-A84F-81F0-83B2F940DF8B}" dt="2019-10-06T15:14:00.927" v="949" actId="20577"/>
-        <pc:sldMkLst>
-          <pc:docMk/>
-          <pc:sldMk cId="2097438965" sldId="320"/>
-        </pc:sldMkLst>
-        <pc:spChg chg="mod">
-          <ac:chgData name="Long B Nguyen" userId="f59fb8f3-a021-417a-8bc1-65c8d471c621" providerId="ADAL" clId="{EC1E750C-42C7-A84F-81F0-83B2F940DF8B}" dt="2019-10-06T15:14:00.927" v="949" actId="20577"/>
-          <ac:spMkLst>
-            <pc:docMk/>
-            <pc:sldMk cId="2097438965" sldId="320"/>
-            <ac:spMk id="9" creationId="{E3B2E017-30B2-884B-A113-B419A2ED51AD}"/>
-          </ac:spMkLst>
-        </pc:spChg>
-      </pc:sldChg>
-      <pc:sldChg chg="modSp">
-        <pc:chgData name="Long B Nguyen" userId="f59fb8f3-a021-417a-8bc1-65c8d471c621" providerId="ADAL" clId="{EC1E750C-42C7-A84F-81F0-83B2F940DF8B}" dt="2019-10-06T15:52:09.886" v="1199" actId="20577"/>
-        <pc:sldMkLst>
-          <pc:docMk/>
-          <pc:sldMk cId="866882917" sldId="322"/>
-        </pc:sldMkLst>
-        <pc:spChg chg="mod">
-          <ac:chgData name="Long B Nguyen" userId="f59fb8f3-a021-417a-8bc1-65c8d471c621" providerId="ADAL" clId="{EC1E750C-42C7-A84F-81F0-83B2F940DF8B}" dt="2019-10-06T15:52:09.886" v="1199" actId="20577"/>
-          <ac:spMkLst>
-            <pc:docMk/>
-            <pc:sldMk cId="866882917" sldId="322"/>
-            <ac:spMk id="9" creationId="{E3B2E017-30B2-884B-A113-B419A2ED51AD}"/>
-          </ac:spMkLst>
-        </pc:spChg>
-      </pc:sldChg>
-      <pc:sldChg chg="modSp add">
-        <pc:chgData name="Long B Nguyen" userId="f59fb8f3-a021-417a-8bc1-65c8d471c621" providerId="ADAL" clId="{EC1E750C-42C7-A84F-81F0-83B2F940DF8B}" dt="2019-10-06T14:52:27.884" v="457" actId="20577"/>
-        <pc:sldMkLst>
-          <pc:docMk/>
-          <pc:sldMk cId="2224964763" sldId="326"/>
-        </pc:sldMkLst>
-        <pc:spChg chg="mod">
-          <ac:chgData name="Long B Nguyen" userId="f59fb8f3-a021-417a-8bc1-65c8d471c621" providerId="ADAL" clId="{EC1E750C-42C7-A84F-81F0-83B2F940DF8B}" dt="2019-10-06T14:46:32.245" v="184" actId="20577"/>
-          <ac:spMkLst>
-            <pc:docMk/>
-            <pc:sldMk cId="2224964763" sldId="326"/>
-            <ac:spMk id="2" creationId="{AA3A228F-61D0-D949-A5E7-F83756230BF8}"/>
-          </ac:spMkLst>
-        </pc:spChg>
-        <pc:spChg chg="mod">
-          <ac:chgData name="Long B Nguyen" userId="f59fb8f3-a021-417a-8bc1-65c8d471c621" providerId="ADAL" clId="{EC1E750C-42C7-A84F-81F0-83B2F940DF8B}" dt="2019-10-06T14:52:27.884" v="457" actId="20577"/>
-          <ac:spMkLst>
-            <pc:docMk/>
-            <pc:sldMk cId="2224964763" sldId="326"/>
-            <ac:spMk id="9" creationId="{E3B2E017-30B2-884B-A113-B419A2ED51AD}"/>
-          </ac:spMkLst>
-        </pc:spChg>
-      </pc:sldChg>
-      <pc:sldChg chg="modSp add">
-        <pc:chgData name="Long B Nguyen" userId="f59fb8f3-a021-417a-8bc1-65c8d471c621" providerId="ADAL" clId="{EC1E750C-42C7-A84F-81F0-83B2F940DF8B}" dt="2019-10-06T14:52:17.845" v="454" actId="2711"/>
-        <pc:sldMkLst>
-          <pc:docMk/>
-          <pc:sldMk cId="725508398" sldId="327"/>
-        </pc:sldMkLst>
-        <pc:spChg chg="mod">
-          <ac:chgData name="Long B Nguyen" userId="f59fb8f3-a021-417a-8bc1-65c8d471c621" providerId="ADAL" clId="{EC1E750C-42C7-A84F-81F0-83B2F940DF8B}" dt="2019-10-06T14:52:17.845" v="454" actId="2711"/>
-          <ac:spMkLst>
-            <pc:docMk/>
-            <pc:sldMk cId="725508398" sldId="327"/>
-            <ac:spMk id="9" creationId="{E3B2E017-30B2-884B-A113-B419A2ED51AD}"/>
-          </ac:spMkLst>
-        </pc:spChg>
-      </pc:sldChg>
-      <pc:sldChg chg="modSp add">
-        <pc:chgData name="Long B Nguyen" userId="f59fb8f3-a021-417a-8bc1-65c8d471c621" providerId="ADAL" clId="{EC1E750C-42C7-A84F-81F0-83B2F940DF8B}" dt="2019-10-06T15:14:06.499" v="951" actId="20577"/>
-        <pc:sldMkLst>
-          <pc:docMk/>
-          <pc:sldMk cId="295479311" sldId="328"/>
-        </pc:sldMkLst>
-        <pc:spChg chg="mod">
-          <ac:chgData name="Long B Nguyen" userId="f59fb8f3-a021-417a-8bc1-65c8d471c621" providerId="ADAL" clId="{EC1E750C-42C7-A84F-81F0-83B2F940DF8B}" dt="2019-10-06T15:14:06.499" v="951" actId="20577"/>
-          <ac:spMkLst>
-            <pc:docMk/>
-            <pc:sldMk cId="295479311" sldId="328"/>
-            <ac:spMk id="9" creationId="{E3B2E017-30B2-884B-A113-B419A2ED51AD}"/>
-          </ac:spMkLst>
-        </pc:spChg>
-      </pc:sldChg>
-      <pc:sldChg chg="modSp add">
-        <pc:chgData name="Long B Nguyen" userId="f59fb8f3-a021-417a-8bc1-65c8d471c621" providerId="ADAL" clId="{EC1E750C-42C7-A84F-81F0-83B2F940DF8B}" dt="2019-10-06T15:49:52.795" v="1196" actId="20577"/>
-        <pc:sldMkLst>
-          <pc:docMk/>
-          <pc:sldMk cId="771839009" sldId="329"/>
-        </pc:sldMkLst>
-        <pc:spChg chg="mod">
-          <ac:chgData name="Long B Nguyen" userId="f59fb8f3-a021-417a-8bc1-65c8d471c621" providerId="ADAL" clId="{EC1E750C-42C7-A84F-81F0-83B2F940DF8B}" dt="2019-10-06T15:15:50.916" v="985" actId="20577"/>
-          <ac:spMkLst>
-            <pc:docMk/>
-            <pc:sldMk cId="771839009" sldId="329"/>
-            <ac:spMk id="2" creationId="{AA3A228F-61D0-D949-A5E7-F83756230BF8}"/>
-          </ac:spMkLst>
-        </pc:spChg>
-        <pc:spChg chg="mod">
-          <ac:chgData name="Long B Nguyen" userId="f59fb8f3-a021-417a-8bc1-65c8d471c621" providerId="ADAL" clId="{EC1E750C-42C7-A84F-81F0-83B2F940DF8B}" dt="2019-10-06T15:49:52.795" v="1196" actId="20577"/>
-          <ac:spMkLst>
-            <pc:docMk/>
-            <pc:sldMk cId="771839009" sldId="329"/>
-            <ac:spMk id="9" creationId="{E3B2E017-30B2-884B-A113-B419A2ED51AD}"/>
-          </ac:spMkLst>
-        </pc:spChg>
-      </pc:sldChg>
-      <pc:sldChg chg="modSp add">
-        <pc:chgData name="Long B Nguyen" userId="f59fb8f3-a021-417a-8bc1-65c8d471c621" providerId="ADAL" clId="{EC1E750C-42C7-A84F-81F0-83B2F940DF8B}" dt="2019-10-07T19:30:31.667" v="1684" actId="20577"/>
-        <pc:sldMkLst>
-          <pc:docMk/>
-          <pc:sldMk cId="1160750792" sldId="330"/>
-        </pc:sldMkLst>
-        <pc:spChg chg="mod">
-          <ac:chgData name="Long B Nguyen" userId="f59fb8f3-a021-417a-8bc1-65c8d471c621" providerId="ADAL" clId="{EC1E750C-42C7-A84F-81F0-83B2F940DF8B}" dt="2019-10-07T19:30:31.667" v="1684" actId="20577"/>
-          <ac:spMkLst>
-            <pc:docMk/>
-            <pc:sldMk cId="1160750792" sldId="330"/>
-            <ac:spMk id="9" creationId="{E3B2E017-30B2-884B-A113-B419A2ED51AD}"/>
-          </ac:spMkLst>
-        </pc:spChg>
-      </pc:sldChg>
-      <pc:sldChg chg="add">
-        <pc:chgData name="Long B Nguyen" userId="f59fb8f3-a021-417a-8bc1-65c8d471c621" providerId="ADAL" clId="{EC1E750C-42C7-A84F-81F0-83B2F940DF8B}" dt="2019-10-07T19:30:22.583" v="1682"/>
-        <pc:sldMkLst>
-          <pc:docMk/>
-          <pc:sldMk cId="3240178995" sldId="331"/>
-        </pc:sldMkLst>
-      </pc:sldChg>
-      <pc:sldChg chg="modSp add">
-        <pc:chgData name="Long B Nguyen" userId="f59fb8f3-a021-417a-8bc1-65c8d471c621" providerId="ADAL" clId="{EC1E750C-42C7-A84F-81F0-83B2F940DF8B}" dt="2019-10-07T20:38:01.895" v="2811" actId="20577"/>
-        <pc:sldMkLst>
-          <pc:docMk/>
-          <pc:sldMk cId="121458461" sldId="332"/>
-        </pc:sldMkLst>
-        <pc:spChg chg="mod">
-          <ac:chgData name="Long B Nguyen" userId="f59fb8f3-a021-417a-8bc1-65c8d471c621" providerId="ADAL" clId="{EC1E750C-42C7-A84F-81F0-83B2F940DF8B}" dt="2019-10-07T20:38:01.895" v="2811" actId="20577"/>
-          <ac:spMkLst>
-            <pc:docMk/>
-            <pc:sldMk cId="121458461" sldId="332"/>
-            <ac:spMk id="2" creationId="{AA3A228F-61D0-D949-A5E7-F83756230BF8}"/>
-          </ac:spMkLst>
-        </pc:spChg>
-        <pc:spChg chg="mod">
-          <ac:chgData name="Long B Nguyen" userId="f59fb8f3-a021-417a-8bc1-65c8d471c621" providerId="ADAL" clId="{EC1E750C-42C7-A84F-81F0-83B2F940DF8B}" dt="2019-10-07T20:37:49.407" v="2799" actId="20577"/>
-          <ac:spMkLst>
-            <pc:docMk/>
-            <pc:sldMk cId="121458461" sldId="332"/>
-            <ac:spMk id="9" creationId="{E3B2E017-30B2-884B-A113-B419A2ED51AD}"/>
-          </ac:spMkLst>
-        </pc:spChg>
-      </pc:sldChg>
     </pc:docChg>
   </pc:docChgLst>
   <pc:docChgLst>
@@ -612,8 +253,8 @@
   </pc:docChgLst>
   <pc:docChgLst>
     <pc:chgData name="Long B Nguyen" userId="f59fb8f3-a021-417a-8bc1-65c8d471c621" providerId="ADAL" clId="{6ED56420-F59F-4945-BA02-53AF79C1F3AC}"/>
-    <pc:docChg chg="undo addSld delSld modSld">
-      <pc:chgData name="Long B Nguyen" userId="f59fb8f3-a021-417a-8bc1-65c8d471c621" providerId="ADAL" clId="{6ED56420-F59F-4945-BA02-53AF79C1F3AC}" dt="2019-10-11T02:05:21.497" v="51" actId="2696"/>
+    <pc:docChg chg="undo custSel addSld delSld modSld">
+      <pc:chgData name="Long B Nguyen" userId="f59fb8f3-a021-417a-8bc1-65c8d471c621" providerId="ADAL" clId="{6ED56420-F59F-4945-BA02-53AF79C1F3AC}" dt="2019-10-15T20:44:41.832" v="424" actId="20577"/>
       <pc:docMkLst>
         <pc:docMk/>
       </pc:docMkLst>
@@ -633,10 +274,10 @@
         </pc:spChg>
       </pc:sldChg>
       <pc:sldChg chg="del">
-        <pc:chgData name="Long B Nguyen" userId="f59fb8f3-a021-417a-8bc1-65c8d471c621" providerId="ADAL" clId="{6ED56420-F59F-4945-BA02-53AF79C1F3AC}" dt="2019-10-11T02:04:40.796" v="43" actId="2696"/>
+        <pc:chgData name="Long B Nguyen" userId="f59fb8f3-a021-417a-8bc1-65c8d471c621" providerId="ADAL" clId="{6ED56420-F59F-4945-BA02-53AF79C1F3AC}" dt="2019-10-15T20:31:02.642" v="176" actId="2696"/>
         <pc:sldMkLst>
           <pc:docMk/>
-          <pc:sldMk cId="278045358" sldId="257"/>
+          <pc:sldMk cId="15889227" sldId="266"/>
         </pc:sldMkLst>
       </pc:sldChg>
       <pc:sldChg chg="modSp">
@@ -655,144 +296,131 @@
         </pc:spChg>
       </pc:sldChg>
       <pc:sldChg chg="del">
-        <pc:chgData name="Long B Nguyen" userId="f59fb8f3-a021-417a-8bc1-65c8d471c621" providerId="ADAL" clId="{6ED56420-F59F-4945-BA02-53AF79C1F3AC}" dt="2019-10-11T02:04:40.794" v="42" actId="2696"/>
+        <pc:chgData name="Long B Nguyen" userId="f59fb8f3-a021-417a-8bc1-65c8d471c621" providerId="ADAL" clId="{6ED56420-F59F-4945-BA02-53AF79C1F3AC}" dt="2019-10-15T20:31:02.644" v="177" actId="2696"/>
         <pc:sldMkLst>
           <pc:docMk/>
-          <pc:sldMk cId="1313115290" sldId="287"/>
+          <pc:sldMk cId="1552642527" sldId="288"/>
         </pc:sldMkLst>
       </pc:sldChg>
-      <pc:sldChg chg="del">
-        <pc:chgData name="Long B Nguyen" userId="f59fb8f3-a021-417a-8bc1-65c8d471c621" providerId="ADAL" clId="{6ED56420-F59F-4945-BA02-53AF79C1F3AC}" dt="2019-10-11T02:04:40.776" v="34" actId="2696"/>
+      <pc:sldChg chg="modSp">
+        <pc:chgData name="Long B Nguyen" userId="f59fb8f3-a021-417a-8bc1-65c8d471c621" providerId="ADAL" clId="{6ED56420-F59F-4945-BA02-53AF79C1F3AC}" dt="2019-10-15T20:43:24.341" v="375" actId="20577"/>
         <pc:sldMkLst>
           <pc:docMk/>
-          <pc:sldMk cId="2259044443" sldId="300"/>
+          <pc:sldMk cId="18163085" sldId="314"/>
+        </pc:sldMkLst>
+        <pc:spChg chg="mod">
+          <ac:chgData name="Long B Nguyen" userId="f59fb8f3-a021-417a-8bc1-65c8d471c621" providerId="ADAL" clId="{6ED56420-F59F-4945-BA02-53AF79C1F3AC}" dt="2019-10-15T20:43:24.341" v="375" actId="20577"/>
+          <ac:spMkLst>
+            <pc:docMk/>
+            <pc:sldMk cId="18163085" sldId="314"/>
+            <ac:spMk id="9" creationId="{E3B2E017-30B2-884B-A113-B419A2ED51AD}"/>
+          </ac:spMkLst>
+        </pc:spChg>
+      </pc:sldChg>
+      <pc:sldChg chg="del">
+        <pc:chgData name="Long B Nguyen" userId="f59fb8f3-a021-417a-8bc1-65c8d471c621" providerId="ADAL" clId="{6ED56420-F59F-4945-BA02-53AF79C1F3AC}" dt="2019-10-15T20:30:25.287" v="151" actId="2696"/>
+        <pc:sldMkLst>
+          <pc:docMk/>
+          <pc:sldMk cId="908349489" sldId="315"/>
         </pc:sldMkLst>
       </pc:sldChg>
-      <pc:sldChg chg="del">
-        <pc:chgData name="Long B Nguyen" userId="f59fb8f3-a021-417a-8bc1-65c8d471c621" providerId="ADAL" clId="{6ED56420-F59F-4945-BA02-53AF79C1F3AC}" dt="2019-10-11T02:04:40.778" v="35" actId="2696"/>
+      <pc:sldChg chg="modSp">
+        <pc:chgData name="Long B Nguyen" userId="f59fb8f3-a021-417a-8bc1-65c8d471c621" providerId="ADAL" clId="{6ED56420-F59F-4945-BA02-53AF79C1F3AC}" dt="2019-10-15T20:44:41.832" v="424" actId="20577"/>
         <pc:sldMkLst>
           <pc:docMk/>
-          <pc:sldMk cId="2979282" sldId="306"/>
+          <pc:sldMk cId="2648987374" sldId="316"/>
+        </pc:sldMkLst>
+        <pc:spChg chg="mod">
+          <ac:chgData name="Long B Nguyen" userId="f59fb8f3-a021-417a-8bc1-65c8d471c621" providerId="ADAL" clId="{6ED56420-F59F-4945-BA02-53AF79C1F3AC}" dt="2019-10-15T20:44:41.832" v="424" actId="20577"/>
+          <ac:spMkLst>
+            <pc:docMk/>
+            <pc:sldMk cId="2648987374" sldId="316"/>
+            <ac:spMk id="9" creationId="{E3B2E017-30B2-884B-A113-B419A2ED51AD}"/>
+          </ac:spMkLst>
+        </pc:spChg>
+      </pc:sldChg>
+      <pc:sldChg chg="modSp">
+        <pc:chgData name="Long B Nguyen" userId="f59fb8f3-a021-417a-8bc1-65c8d471c621" providerId="ADAL" clId="{6ED56420-F59F-4945-BA02-53AF79C1F3AC}" dt="2019-10-15T20:30:50.085" v="175" actId="20577"/>
+        <pc:sldMkLst>
+          <pc:docMk/>
+          <pc:sldMk cId="3246446892" sldId="317"/>
+        </pc:sldMkLst>
+        <pc:spChg chg="mod">
+          <ac:chgData name="Long B Nguyen" userId="f59fb8f3-a021-417a-8bc1-65c8d471c621" providerId="ADAL" clId="{6ED56420-F59F-4945-BA02-53AF79C1F3AC}" dt="2019-10-15T20:30:50.085" v="175" actId="20577"/>
+          <ac:spMkLst>
+            <pc:docMk/>
+            <pc:sldMk cId="3246446892" sldId="317"/>
+            <ac:spMk id="9" creationId="{E3B2E017-30B2-884B-A113-B419A2ED51AD}"/>
+          </ac:spMkLst>
+        </pc:spChg>
+      </pc:sldChg>
+      <pc:sldChg chg="modSp">
+        <pc:chgData name="Long B Nguyen" userId="f59fb8f3-a021-417a-8bc1-65c8d471c621" providerId="ADAL" clId="{6ED56420-F59F-4945-BA02-53AF79C1F3AC}" dt="2019-10-15T20:28:57.769" v="114" actId="113"/>
+        <pc:sldMkLst>
+          <pc:docMk/>
+          <pc:sldMk cId="1289346350" sldId="323"/>
+        </pc:sldMkLst>
+        <pc:spChg chg="mod">
+          <ac:chgData name="Long B Nguyen" userId="f59fb8f3-a021-417a-8bc1-65c8d471c621" providerId="ADAL" clId="{6ED56420-F59F-4945-BA02-53AF79C1F3AC}" dt="2019-10-15T20:28:57.769" v="114" actId="113"/>
+          <ac:spMkLst>
+            <pc:docMk/>
+            <pc:sldMk cId="1289346350" sldId="323"/>
+            <ac:spMk id="9" creationId="{E3B2E017-30B2-884B-A113-B419A2ED51AD}"/>
+          </ac:spMkLst>
+        </pc:spChg>
+      </pc:sldChg>
+      <pc:sldChg chg="del">
+        <pc:chgData name="Long B Nguyen" userId="f59fb8f3-a021-417a-8bc1-65c8d471c621" providerId="ADAL" clId="{6ED56420-F59F-4945-BA02-53AF79C1F3AC}" dt="2019-10-15T20:32:49.695" v="178" actId="2696"/>
+        <pc:sldMkLst>
+          <pc:docMk/>
+          <pc:sldMk cId="3883735123" sldId="324"/>
         </pc:sldMkLst>
       </pc:sldChg>
-      <pc:sldChg chg="del">
-        <pc:chgData name="Long B Nguyen" userId="f59fb8f3-a021-417a-8bc1-65c8d471c621" providerId="ADAL" clId="{6ED56420-F59F-4945-BA02-53AF79C1F3AC}" dt="2019-10-11T02:04:40.785" v="38" actId="2696"/>
+      <pc:sldChg chg="delSp modSp">
+        <pc:chgData name="Long B Nguyen" userId="f59fb8f3-a021-417a-8bc1-65c8d471c621" providerId="ADAL" clId="{6ED56420-F59F-4945-BA02-53AF79C1F3AC}" dt="2019-10-15T20:33:53.562" v="217" actId="20577"/>
         <pc:sldMkLst>
           <pc:docMk/>
-          <pc:sldMk cId="2816034367" sldId="307"/>
+          <pc:sldMk cId="97464883" sldId="325"/>
         </pc:sldMkLst>
+        <pc:spChg chg="mod">
+          <ac:chgData name="Long B Nguyen" userId="f59fb8f3-a021-417a-8bc1-65c8d471c621" providerId="ADAL" clId="{6ED56420-F59F-4945-BA02-53AF79C1F3AC}" dt="2019-10-15T20:33:53.562" v="217" actId="20577"/>
+          <ac:spMkLst>
+            <pc:docMk/>
+            <pc:sldMk cId="97464883" sldId="325"/>
+            <ac:spMk id="2" creationId="{AA3A228F-61D0-D949-A5E7-F83756230BF8}"/>
+          </ac:spMkLst>
+        </pc:spChg>
+        <pc:spChg chg="del mod">
+          <ac:chgData name="Long B Nguyen" userId="f59fb8f3-a021-417a-8bc1-65c8d471c621" providerId="ADAL" clId="{6ED56420-F59F-4945-BA02-53AF79C1F3AC}" dt="2019-10-15T20:33:28.144" v="203" actId="478"/>
+          <ac:spMkLst>
+            <pc:docMk/>
+            <pc:sldMk cId="97464883" sldId="325"/>
+            <ac:spMk id="6" creationId="{2B2AA30A-82DB-F148-8204-27387E5FE6F1}"/>
+          </ac:spMkLst>
+        </pc:spChg>
+        <pc:spChg chg="mod">
+          <ac:chgData name="Long B Nguyen" userId="f59fb8f3-a021-417a-8bc1-65c8d471c621" providerId="ADAL" clId="{6ED56420-F59F-4945-BA02-53AF79C1F3AC}" dt="2019-10-15T20:33:47.950" v="207" actId="20577"/>
+          <ac:spMkLst>
+            <pc:docMk/>
+            <pc:sldMk cId="97464883" sldId="325"/>
+            <ac:spMk id="9" creationId="{E3B2E017-30B2-884B-A113-B419A2ED51AD}"/>
+          </ac:spMkLst>
+        </pc:spChg>
       </pc:sldChg>
-      <pc:sldChg chg="del">
-        <pc:chgData name="Long B Nguyen" userId="f59fb8f3-a021-417a-8bc1-65c8d471c621" providerId="ADAL" clId="{6ED56420-F59F-4945-BA02-53AF79C1F3AC}" dt="2019-10-11T02:04:40.792" v="41" actId="2696"/>
-        <pc:sldMkLst>
-          <pc:docMk/>
-          <pc:sldMk cId="3647198221" sldId="308"/>
-        </pc:sldMkLst>
-      </pc:sldChg>
-      <pc:sldChg chg="del">
-        <pc:chgData name="Long B Nguyen" userId="f59fb8f3-a021-417a-8bc1-65c8d471c621" providerId="ADAL" clId="{6ED56420-F59F-4945-BA02-53AF79C1F3AC}" dt="2019-10-11T02:04:40.783" v="37" actId="2696"/>
-        <pc:sldMkLst>
-          <pc:docMk/>
-          <pc:sldMk cId="3130680389" sldId="309"/>
-        </pc:sldMkLst>
-      </pc:sldChg>
-      <pc:sldChg chg="del">
-        <pc:chgData name="Long B Nguyen" userId="f59fb8f3-a021-417a-8bc1-65c8d471c621" providerId="ADAL" clId="{6ED56420-F59F-4945-BA02-53AF79C1F3AC}" dt="2019-10-11T02:04:40.780" v="36" actId="2696"/>
-        <pc:sldMkLst>
-          <pc:docMk/>
-          <pc:sldMk cId="3718152399" sldId="310"/>
-        </pc:sldMkLst>
-      </pc:sldChg>
-      <pc:sldChg chg="del">
-        <pc:chgData name="Long B Nguyen" userId="f59fb8f3-a021-417a-8bc1-65c8d471c621" providerId="ADAL" clId="{6ED56420-F59F-4945-BA02-53AF79C1F3AC}" dt="2019-10-11T02:03:56.365" v="29" actId="2696"/>
-        <pc:sldMkLst>
-          <pc:docMk/>
-          <pc:sldMk cId="2605170782" sldId="311"/>
-        </pc:sldMkLst>
-      </pc:sldChg>
-      <pc:sldChg chg="del">
-        <pc:chgData name="Long B Nguyen" userId="f59fb8f3-a021-417a-8bc1-65c8d471c621" providerId="ADAL" clId="{6ED56420-F59F-4945-BA02-53AF79C1F3AC}" dt="2019-10-11T02:03:56.383" v="30" actId="2696"/>
-        <pc:sldMkLst>
-          <pc:docMk/>
-          <pc:sldMk cId="1753618663" sldId="312"/>
-        </pc:sldMkLst>
-      </pc:sldChg>
-      <pc:sldChg chg="del">
-        <pc:chgData name="Long B Nguyen" userId="f59fb8f3-a021-417a-8bc1-65c8d471c621" providerId="ADAL" clId="{6ED56420-F59F-4945-BA02-53AF79C1F3AC}" dt="2019-10-11T02:03:56.397" v="31" actId="2696"/>
-        <pc:sldMkLst>
-          <pc:docMk/>
-          <pc:sldMk cId="2097438965" sldId="320"/>
-        </pc:sldMkLst>
-      </pc:sldChg>
-      <pc:sldChg chg="del">
-        <pc:chgData name="Long B Nguyen" userId="f59fb8f3-a021-417a-8bc1-65c8d471c621" providerId="ADAL" clId="{6ED56420-F59F-4945-BA02-53AF79C1F3AC}" dt="2019-10-11T02:05:07.886" v="48" actId="2696"/>
-        <pc:sldMkLst>
-          <pc:docMk/>
-          <pc:sldMk cId="2404797560" sldId="321"/>
-        </pc:sldMkLst>
-      </pc:sldChg>
-      <pc:sldChg chg="del">
-        <pc:chgData name="Long B Nguyen" userId="f59fb8f3-a021-417a-8bc1-65c8d471c621" providerId="ADAL" clId="{6ED56420-F59F-4945-BA02-53AF79C1F3AC}" dt="2019-10-11T02:05:05.264" v="47" actId="2696"/>
-        <pc:sldMkLst>
-          <pc:docMk/>
-          <pc:sldMk cId="866882917" sldId="322"/>
-        </pc:sldMkLst>
-      </pc:sldChg>
-      <pc:sldChg chg="del">
-        <pc:chgData name="Long B Nguyen" userId="f59fb8f3-a021-417a-8bc1-65c8d471c621" providerId="ADAL" clId="{6ED56420-F59F-4945-BA02-53AF79C1F3AC}" dt="2019-10-11T02:04:40.787" v="39" actId="2696"/>
-        <pc:sldMkLst>
-          <pc:docMk/>
-          <pc:sldMk cId="2224964763" sldId="326"/>
-        </pc:sldMkLst>
-      </pc:sldChg>
-      <pc:sldChg chg="del">
-        <pc:chgData name="Long B Nguyen" userId="f59fb8f3-a021-417a-8bc1-65c8d471c621" providerId="ADAL" clId="{6ED56420-F59F-4945-BA02-53AF79C1F3AC}" dt="2019-10-11T02:04:40.789" v="40" actId="2696"/>
-        <pc:sldMkLst>
-          <pc:docMk/>
-          <pc:sldMk cId="725508398" sldId="327"/>
-        </pc:sldMkLst>
-      </pc:sldChg>
-      <pc:sldChg chg="del">
-        <pc:chgData name="Long B Nguyen" userId="f59fb8f3-a021-417a-8bc1-65c8d471c621" providerId="ADAL" clId="{6ED56420-F59F-4945-BA02-53AF79C1F3AC}" dt="2019-10-11T02:03:56.413" v="32" actId="2696"/>
-        <pc:sldMkLst>
-          <pc:docMk/>
-          <pc:sldMk cId="295479311" sldId="328"/>
-        </pc:sldMkLst>
-      </pc:sldChg>
-      <pc:sldChg chg="add del">
-        <pc:chgData name="Long B Nguyen" userId="f59fb8f3-a021-417a-8bc1-65c8d471c621" providerId="ADAL" clId="{6ED56420-F59F-4945-BA02-53AF79C1F3AC}" dt="2019-10-11T02:05:21.497" v="51" actId="2696"/>
-        <pc:sldMkLst>
-          <pc:docMk/>
-          <pc:sldMk cId="771839009" sldId="329"/>
-        </pc:sldMkLst>
-      </pc:sldChg>
-      <pc:sldChg chg="del">
-        <pc:chgData name="Long B Nguyen" userId="f59fb8f3-a021-417a-8bc1-65c8d471c621" providerId="ADAL" clId="{6ED56420-F59F-4945-BA02-53AF79C1F3AC}" dt="2019-10-11T02:05:05.263" v="46" actId="2696"/>
-        <pc:sldMkLst>
-          <pc:docMk/>
-          <pc:sldMk cId="1160750792" sldId="330"/>
-        </pc:sldMkLst>
-      </pc:sldChg>
-      <pc:sldChg chg="del">
-        <pc:chgData name="Long B Nguyen" userId="f59fb8f3-a021-417a-8bc1-65c8d471c621" providerId="ADAL" clId="{6ED56420-F59F-4945-BA02-53AF79C1F3AC}" dt="2019-10-11T02:05:05.261" v="45" actId="2696"/>
-        <pc:sldMkLst>
-          <pc:docMk/>
-          <pc:sldMk cId="3240178995" sldId="331"/>
-        </pc:sldMkLst>
-      </pc:sldChg>
-      <pc:sldChg chg="del">
-        <pc:chgData name="Long B Nguyen" userId="f59fb8f3-a021-417a-8bc1-65c8d471c621" providerId="ADAL" clId="{6ED56420-F59F-4945-BA02-53AF79C1F3AC}" dt="2019-10-11T02:04:40.774" v="33" actId="2696"/>
-        <pc:sldMkLst>
-          <pc:docMk/>
-          <pc:sldMk cId="121458461" sldId="332"/>
-        </pc:sldMkLst>
-      </pc:sldChg>
-      <pc:sldChg chg="add">
-        <pc:chgData name="Long B Nguyen" userId="f59fb8f3-a021-417a-8bc1-65c8d471c621" providerId="ADAL" clId="{6ED56420-F59F-4945-BA02-53AF79C1F3AC}" dt="2019-10-11T02:03:35.564" v="28"/>
+      <pc:sldChg chg="modSp add">
+        <pc:chgData name="Long B Nguyen" userId="f59fb8f3-a021-417a-8bc1-65c8d471c621" providerId="ADAL" clId="{6ED56420-F59F-4945-BA02-53AF79C1F3AC}" dt="2019-10-15T20:28:02.134" v="75" actId="20577"/>
         <pc:sldMkLst>
           <pc:docMk/>
           <pc:sldMk cId="214403129" sldId="333"/>
         </pc:sldMkLst>
+        <pc:spChg chg="mod">
+          <ac:chgData name="Long B Nguyen" userId="f59fb8f3-a021-417a-8bc1-65c8d471c621" providerId="ADAL" clId="{6ED56420-F59F-4945-BA02-53AF79C1F3AC}" dt="2019-10-15T20:28:02.134" v="75" actId="20577"/>
+          <ac:spMkLst>
+            <pc:docMk/>
+            <pc:sldMk cId="214403129" sldId="333"/>
+            <ac:spMk id="9" creationId="{E3B2E017-30B2-884B-A113-B419A2ED51AD}"/>
+          </ac:spMkLst>
+        </pc:spChg>
       </pc:sldChg>
       <pc:sldChg chg="add">
         <pc:chgData name="Long B Nguyen" userId="f59fb8f3-a021-417a-8bc1-65c8d471c621" providerId="ADAL" clId="{6ED56420-F59F-4945-BA02-53AF79C1F3AC}" dt="2019-10-11T02:03:35.564" v="28"/>
@@ -814,6 +442,51 @@
           <pc:docMk/>
           <pc:sldMk cId="3783627139" sldId="336"/>
         </pc:sldMkLst>
+      </pc:sldChg>
+      <pc:sldChg chg="modSp add">
+        <pc:chgData name="Long B Nguyen" userId="f59fb8f3-a021-417a-8bc1-65c8d471c621" providerId="ADAL" clId="{6ED56420-F59F-4945-BA02-53AF79C1F3AC}" dt="2019-10-15T20:29:28.350" v="148" actId="20577"/>
+        <pc:sldMkLst>
+          <pc:docMk/>
+          <pc:sldMk cId="2765901336" sldId="337"/>
+        </pc:sldMkLst>
+        <pc:spChg chg="mod">
+          <ac:chgData name="Long B Nguyen" userId="f59fb8f3-a021-417a-8bc1-65c8d471c621" providerId="ADAL" clId="{6ED56420-F59F-4945-BA02-53AF79C1F3AC}" dt="2019-10-15T20:29:28.350" v="148" actId="20577"/>
+          <ac:spMkLst>
+            <pc:docMk/>
+            <pc:sldMk cId="2765901336" sldId="337"/>
+            <ac:spMk id="9" creationId="{E3B2E017-30B2-884B-A113-B419A2ED51AD}"/>
+          </ac:spMkLst>
+        </pc:spChg>
+      </pc:sldChg>
+      <pc:sldChg chg="modSp add del">
+        <pc:chgData name="Long B Nguyen" userId="f59fb8f3-a021-417a-8bc1-65c8d471c621" providerId="ADAL" clId="{6ED56420-F59F-4945-BA02-53AF79C1F3AC}" dt="2019-10-15T20:36:57.561" v="231" actId="2696"/>
+        <pc:sldMkLst>
+          <pc:docMk/>
+          <pc:sldMk cId="1839189879" sldId="338"/>
+        </pc:sldMkLst>
+        <pc:spChg chg="mod">
+          <ac:chgData name="Long B Nguyen" userId="f59fb8f3-a021-417a-8bc1-65c8d471c621" providerId="ADAL" clId="{6ED56420-F59F-4945-BA02-53AF79C1F3AC}" dt="2019-10-15T20:36:28.272" v="230" actId="20577"/>
+          <ac:spMkLst>
+            <pc:docMk/>
+            <pc:sldMk cId="1839189879" sldId="338"/>
+            <ac:spMk id="9" creationId="{E3B2E017-30B2-884B-A113-B419A2ED51AD}"/>
+          </ac:spMkLst>
+        </pc:spChg>
+      </pc:sldChg>
+      <pc:sldChg chg="modSp add">
+        <pc:chgData name="Long B Nguyen" userId="f59fb8f3-a021-417a-8bc1-65c8d471c621" providerId="ADAL" clId="{6ED56420-F59F-4945-BA02-53AF79C1F3AC}" dt="2019-10-15T20:43:46.928" v="387" actId="20577"/>
+        <pc:sldMkLst>
+          <pc:docMk/>
+          <pc:sldMk cId="2368568690" sldId="338"/>
+        </pc:sldMkLst>
+        <pc:spChg chg="mod">
+          <ac:chgData name="Long B Nguyen" userId="f59fb8f3-a021-417a-8bc1-65c8d471c621" providerId="ADAL" clId="{6ED56420-F59F-4945-BA02-53AF79C1F3AC}" dt="2019-10-15T20:43:46.928" v="387" actId="20577"/>
+          <ac:spMkLst>
+            <pc:docMk/>
+            <pc:sldMk cId="2368568690" sldId="338"/>
+            <ac:spMk id="9" creationId="{E3B2E017-30B2-884B-A113-B419A2ED51AD}"/>
+          </ac:spMkLst>
+        </pc:spChg>
       </pc:sldChg>
     </pc:docChg>
   </pc:docChgLst>
@@ -954,7 +627,7 @@
           <a:p>
             <a:fld id="{4AAD347D-5ACD-4C99-B74B-A9C85AD731AF}" type="datetimeFigureOut">
               <a:rPr lang="en-US" smtClean="0"/>
-              <a:t>10/10/19</a:t>
+              <a:t>10/15/19</a:t>
             </a:fld>
             <a:endParaRPr lang="en-US" dirty="0"/>
           </a:p>
@@ -1124,7 +797,7 @@
           <a:p>
             <a:fld id="{4509A250-FF31-4206-8172-F9D3106AACB1}" type="datetimeFigureOut">
               <a:rPr lang="en-US" smtClean="0"/>
-              <a:t>10/10/19</a:t>
+              <a:t>10/15/19</a:t>
             </a:fld>
             <a:endParaRPr lang="en-US" dirty="0"/>
           </a:p>
@@ -1304,7 +977,7 @@
           <a:p>
             <a:fld id="{4509A250-FF31-4206-8172-F9D3106AACB1}" type="datetimeFigureOut">
               <a:rPr lang="en-US" smtClean="0"/>
-              <a:t>10/10/19</a:t>
+              <a:t>10/15/19</a:t>
             </a:fld>
             <a:endParaRPr lang="en-US" dirty="0"/>
           </a:p>
@@ -1474,7 +1147,7 @@
           <a:p>
             <a:fld id="{4509A250-FF31-4206-8172-F9D3106AACB1}" type="datetimeFigureOut">
               <a:rPr lang="en-US" smtClean="0"/>
-              <a:t>10/10/19</a:t>
+              <a:t>10/15/19</a:t>
             </a:fld>
             <a:endParaRPr lang="en-US" dirty="0"/>
           </a:p>
@@ -1720,7 +1393,7 @@
           <a:p>
             <a:fld id="{9796027F-7875-4030-9381-8BD8C4F21935}" type="datetimeFigureOut">
               <a:rPr lang="en-US" smtClean="0"/>
-              <a:t>10/10/19</a:t>
+              <a:t>10/15/19</a:t>
             </a:fld>
             <a:endParaRPr lang="en-US" dirty="0"/>
           </a:p>
@@ -1952,7 +1625,7 @@
           <a:p>
             <a:fld id="{9796027F-7875-4030-9381-8BD8C4F21935}" type="datetimeFigureOut">
               <a:rPr lang="en-US" smtClean="0"/>
-              <a:t>10/10/19</a:t>
+              <a:t>10/15/19</a:t>
             </a:fld>
             <a:endParaRPr lang="en-US" dirty="0"/>
           </a:p>
@@ -2319,7 +1992,7 @@
           <a:p>
             <a:fld id="{9796027F-7875-4030-9381-8BD8C4F21935}" type="datetimeFigureOut">
               <a:rPr lang="en-US" smtClean="0"/>
-              <a:t>10/10/19</a:t>
+              <a:t>10/15/19</a:t>
             </a:fld>
             <a:endParaRPr lang="en-US" dirty="0"/>
           </a:p>
@@ -2437,7 +2110,7 @@
           <a:p>
             <a:fld id="{4509A250-FF31-4206-8172-F9D3106AACB1}" type="datetimeFigureOut">
               <a:rPr lang="en-US" smtClean="0"/>
-              <a:t>10/10/19</a:t>
+              <a:t>10/15/19</a:t>
             </a:fld>
             <a:endParaRPr lang="en-US" dirty="0"/>
           </a:p>
@@ -2532,7 +2205,7 @@
           <a:p>
             <a:fld id="{4509A250-FF31-4206-8172-F9D3106AACB1}" type="datetimeFigureOut">
               <a:rPr lang="en-US" smtClean="0"/>
-              <a:t>10/10/19</a:t>
+              <a:t>10/15/19</a:t>
             </a:fld>
             <a:endParaRPr lang="en-US" dirty="0"/>
           </a:p>
@@ -2809,7 +2482,7 @@
           <a:p>
             <a:fld id="{4509A250-FF31-4206-8172-F9D3106AACB1}" type="datetimeFigureOut">
               <a:rPr lang="en-US" smtClean="0"/>
-              <a:t>10/10/19</a:t>
+              <a:t>10/15/19</a:t>
             </a:fld>
             <a:endParaRPr lang="en-US" dirty="0"/>
           </a:p>
@@ -3066,7 +2739,7 @@
           <a:p>
             <a:fld id="{4509A250-FF31-4206-8172-F9D3106AACB1}" type="datetimeFigureOut">
               <a:rPr lang="en-US" smtClean="0"/>
-              <a:t>10/10/19</a:t>
+              <a:t>10/15/19</a:t>
             </a:fld>
             <a:endParaRPr lang="en-US" dirty="0"/>
           </a:p>
@@ -3279,7 +2952,7 @@
           <a:p>
             <a:fld id="{4AAD347D-5ACD-4C99-B74B-A9C85AD731AF}" type="datetimeFigureOut">
               <a:rPr lang="en-US" smtClean="0"/>
-              <a:t>10/10/19</a:t>
+              <a:t>10/15/19</a:t>
             </a:fld>
             <a:endParaRPr lang="en-US" dirty="0"/>
           </a:p>
@@ -4053,156 +3726,21 @@
             </a:pPr>
             <a:r>
               <a:rPr lang="en-US" dirty="0"/>
-              <a:t>New items can be added to the dictionary using indexing as well.</a:t>
-            </a:r>
-            <a:endParaRPr lang="en-US" sz="2400" dirty="0"/>
-          </a:p>
-          <a:p>
-            <a:pPr marL="0" indent="0">
-              <a:buNone/>
-            </a:pPr>
-            <a:endParaRPr lang="en-US" b="1" dirty="0">
-              <a:solidFill>
-                <a:srgbClr val="000087"/>
-              </a:solidFill>
-              <a:latin typeface="Inconsolata Medium" panose="020B0609030003000000" pitchFamily="49" charset="77"/>
-            </a:endParaRPr>
-          </a:p>
-          <a:p>
-            <a:pPr marL="0" indent="0">
-              <a:buNone/>
-            </a:pPr>
-            <a:r>
-              <a:rPr lang="en-US" b="1" dirty="0">
-                <a:solidFill>
-                  <a:srgbClr val="000087"/>
-                </a:solidFill>
-                <a:latin typeface="Inconsolata Medium" panose="020B0609030003000000" pitchFamily="49" charset="77"/>
-              </a:rPr>
-              <a:t>In </a:t>
-            </a:r>
-            <a:r>
-              <a:rPr lang="en-US" b="1" dirty="0">
-                <a:latin typeface="Inconsolata Medium" panose="020B0609030003000000" pitchFamily="49" charset="77"/>
-              </a:rPr>
-              <a:t>[</a:t>
-            </a:r>
-            <a:r>
-              <a:rPr lang="en-US" b="1" dirty="0">
-                <a:solidFill>
-                  <a:srgbClr val="FF6600"/>
-                </a:solidFill>
-                <a:latin typeface="Inconsolata Medium" panose="020B0609030003000000" pitchFamily="49" charset="77"/>
-              </a:rPr>
-              <a:t>29</a:t>
-            </a:r>
-            <a:r>
-              <a:rPr lang="en-US" b="1" dirty="0">
-                <a:latin typeface="Inconsolata Medium" panose="020B0609030003000000" pitchFamily="49" charset="77"/>
-              </a:rPr>
-              <a:t>]: </a:t>
-            </a:r>
-            <a:r>
-              <a:rPr lang="en-US" b="1" i="1" dirty="0">
-                <a:solidFill>
-                  <a:srgbClr val="33566B"/>
-                </a:solidFill>
-                <a:latin typeface="Inconsolata Medium" panose="020B0609030003000000" pitchFamily="49" charset="77"/>
-              </a:rPr>
-              <a:t># Set a new key/value pair </a:t>
-            </a:r>
-          </a:p>
-          <a:p>
-            <a:pPr marL="0" indent="0">
-              <a:buNone/>
-            </a:pPr>
-            <a:r>
-              <a:rPr lang="en-US" b="1" dirty="0">
-                <a:solidFill>
-                  <a:srgbClr val="000087"/>
-                </a:solidFill>
-                <a:latin typeface="Inconsolata Medium" panose="020B0609030003000000" pitchFamily="49" charset="77"/>
-              </a:rPr>
-              <a:t>In </a:t>
-            </a:r>
-            <a:r>
-              <a:rPr lang="en-US" b="1" dirty="0">
-                <a:latin typeface="Inconsolata Medium" panose="020B0609030003000000" pitchFamily="49" charset="77"/>
-              </a:rPr>
-              <a:t>[</a:t>
-            </a:r>
-            <a:r>
-              <a:rPr lang="en-US" b="1" dirty="0">
-                <a:solidFill>
-                  <a:srgbClr val="FF6600"/>
-                </a:solidFill>
-                <a:latin typeface="Inconsolata Medium" panose="020B0609030003000000" pitchFamily="49" charset="77"/>
-              </a:rPr>
-              <a:t>29</a:t>
-            </a:r>
-            <a:r>
-              <a:rPr lang="en-US" b="1" dirty="0">
-                <a:latin typeface="Inconsolata Medium" panose="020B0609030003000000" pitchFamily="49" charset="77"/>
-              </a:rPr>
-              <a:t>]</a:t>
-            </a:r>
-            <a:r>
-              <a:rPr lang="en-US" b="1" i="1" dirty="0">
-                <a:solidFill>
-                  <a:srgbClr val="33566B"/>
-                </a:solidFill>
-                <a:latin typeface="Inconsolata Medium" panose="020B0609030003000000" pitchFamily="49" charset="77"/>
-              </a:rPr>
-              <a:t>  </a:t>
-            </a:r>
-            <a:r>
-              <a:rPr lang="en-US" b="1" dirty="0">
-                <a:solidFill>
-                  <a:srgbClr val="000087"/>
-                </a:solidFill>
-                <a:latin typeface="Inconsolata Medium" panose="020B0609030003000000" pitchFamily="49" charset="77"/>
-              </a:rPr>
-              <a:t>numbers</a:t>
-            </a:r>
-            <a:r>
-              <a:rPr lang="en-US" b="1" dirty="0">
-                <a:latin typeface="Inconsolata Medium" panose="020B0609030003000000" pitchFamily="49" charset="77"/>
-              </a:rPr>
-              <a:t>[</a:t>
-            </a:r>
-            <a:r>
-              <a:rPr lang="en-US" b="1" dirty="0">
-                <a:solidFill>
-                  <a:srgbClr val="CC3300"/>
-                </a:solidFill>
-                <a:latin typeface="Inconsolata Medium" panose="020B0609030003000000" pitchFamily="49" charset="77"/>
-              </a:rPr>
-              <a:t>'ninety'</a:t>
-            </a:r>
-            <a:r>
-              <a:rPr lang="en-US" b="1" dirty="0">
-                <a:latin typeface="Inconsolata Medium" panose="020B0609030003000000" pitchFamily="49" charset="77"/>
-              </a:rPr>
-              <a:t>] </a:t>
-            </a:r>
-            <a:r>
-              <a:rPr lang="en-US" b="1" dirty="0">
-                <a:solidFill>
-                  <a:srgbClr val="545454"/>
-                </a:solidFill>
-                <a:latin typeface="Inconsolata Medium" panose="020B0609030003000000" pitchFamily="49" charset="77"/>
-              </a:rPr>
-              <a:t>= </a:t>
-            </a:r>
-            <a:r>
-              <a:rPr lang="en-US" b="1" dirty="0">
-                <a:solidFill>
-                  <a:srgbClr val="FF6600"/>
-                </a:solidFill>
-                <a:latin typeface="Inconsolata Medium" panose="020B0609030003000000" pitchFamily="49" charset="77"/>
-              </a:rPr>
-              <a:t>90 </a:t>
-            </a:r>
+              <a:t>Dictionaries are extremely flexible mappings of keys to values, and form the basis of much of Python’s internal implementation. They can be created via a comma-separated list of </a:t>
+            </a:r>
+            <a:r>
+              <a:rPr lang="en-US" dirty="0" err="1"/>
+              <a:t>key:value</a:t>
+            </a:r>
+            <a:r>
+              <a:rPr lang="en-US" dirty="0"/>
+              <a:t> pairs within curly braces: </a:t>
+            </a:r>
+          </a:p>
+          <a:p>
+            <a:pPr marL="0" indent="0">
+              <a:buNone/>
+            </a:pPr>
             <a:endParaRPr lang="en-US" b="1" dirty="0">
               <a:latin typeface="Inconsolata Medium" panose="020B0609030003000000" pitchFamily="49" charset="77"/>
             </a:endParaRPr>
@@ -4233,28 +3771,13 @@
                 </a:solidFill>
                 <a:latin typeface="Inconsolata Medium" panose="020B0609030003000000" pitchFamily="49" charset="77"/>
               </a:rPr>
-              <a:t>29</a:t>
-            </a:r>
-            <a:r>
-              <a:rPr lang="en-US" b="1" dirty="0">
-                <a:latin typeface="Inconsolata Medium" panose="020B0609030003000000" pitchFamily="49" charset="77"/>
-              </a:rPr>
-              <a:t>]</a:t>
-            </a:r>
-            <a:r>
-              <a:rPr lang="en-US" b="1" dirty="0">
-                <a:solidFill>
-                  <a:srgbClr val="006699"/>
-                </a:solidFill>
-                <a:latin typeface="Inconsolata Medium" panose="020B0609030003000000" pitchFamily="49" charset="77"/>
-              </a:rPr>
-              <a:t>  print</a:t>
-            </a:r>
-            <a:r>
-              <a:rPr lang="en-US" b="1" dirty="0">
-                <a:latin typeface="Inconsolata Medium" panose="020B0609030003000000" pitchFamily="49" charset="77"/>
-              </a:rPr>
-              <a:t>(</a:t>
+              <a:t>27</a:t>
+            </a:r>
+            <a:r>
+              <a:rPr lang="en-US" b="1" dirty="0">
+                <a:latin typeface="Inconsolata Medium" panose="020B0609030003000000" pitchFamily="49" charset="77"/>
+              </a:rPr>
+              <a:t>]: </a:t>
             </a:r>
             <a:r>
               <a:rPr lang="en-US" b="1" dirty="0">
@@ -4263,30 +3786,174 @@
                 </a:solidFill>
                 <a:latin typeface="Inconsolata Medium" panose="020B0609030003000000" pitchFamily="49" charset="77"/>
               </a:rPr>
-              <a:t>numbers</a:t>
-            </a:r>
-            <a:r>
-              <a:rPr lang="en-US" b="1" dirty="0">
-                <a:latin typeface="Inconsolata Medium" panose="020B0609030003000000" pitchFamily="49" charset="77"/>
-              </a:rPr>
-              <a:t>)</a:t>
-            </a:r>
-            <a:br>
-              <a:rPr lang="en-US" b="1" dirty="0">
-                <a:latin typeface="Inconsolata Medium" panose="020B0609030003000000" pitchFamily="49" charset="77"/>
-              </a:rPr>
-            </a:br>
-            <a:r>
-              <a:rPr lang="en-US" b="1" dirty="0">
-                <a:latin typeface="Inconsolata Medium" panose="020B0609030003000000" pitchFamily="49" charset="77"/>
-              </a:rPr>
-              <a:t>{'three': 3, 'ninety': 90, 'two': 2, 'one': 1} </a:t>
-            </a:r>
-          </a:p>
-          <a:p>
-            <a:pPr marL="0" indent="0">
-              <a:buNone/>
-            </a:pPr>
+              <a:t>numbers </a:t>
+            </a:r>
+            <a:r>
+              <a:rPr lang="en-US" b="1" dirty="0">
+                <a:solidFill>
+                  <a:srgbClr val="545454"/>
+                </a:solidFill>
+                <a:latin typeface="Inconsolata Medium" panose="020B0609030003000000" pitchFamily="49" charset="77"/>
+              </a:rPr>
+              <a:t>= </a:t>
+            </a:r>
+            <a:r>
+              <a:rPr lang="en-US" b="1" dirty="0">
+                <a:latin typeface="Inconsolata Medium" panose="020B0609030003000000" pitchFamily="49" charset="77"/>
+              </a:rPr>
+              <a:t>{</a:t>
+            </a:r>
+            <a:r>
+              <a:rPr lang="en-US" b="1" dirty="0">
+                <a:solidFill>
+                  <a:srgbClr val="CC3300"/>
+                </a:solidFill>
+                <a:latin typeface="Inconsolata Medium" panose="020B0609030003000000" pitchFamily="49" charset="77"/>
+              </a:rPr>
+              <a:t>"one"</a:t>
+            </a:r>
+            <a:r>
+              <a:rPr lang="en-US" b="1" dirty="0">
+                <a:latin typeface="Inconsolata Medium" panose="020B0609030003000000" pitchFamily="49" charset="77"/>
+              </a:rPr>
+              <a:t>:</a:t>
+            </a:r>
+            <a:r>
+              <a:rPr lang="en-US" b="1" dirty="0">
+                <a:solidFill>
+                  <a:srgbClr val="FF6600"/>
+                </a:solidFill>
+                <a:latin typeface="Inconsolata Medium" panose="020B0609030003000000" pitchFamily="49" charset="77"/>
+              </a:rPr>
+              <a:t>1</a:t>
+            </a:r>
+            <a:r>
+              <a:rPr lang="en-US" b="1" dirty="0">
+                <a:latin typeface="Inconsolata Medium" panose="020B0609030003000000" pitchFamily="49" charset="77"/>
+              </a:rPr>
+              <a:t>, </a:t>
+            </a:r>
+            <a:r>
+              <a:rPr lang="en-US" b="1" dirty="0">
+                <a:solidFill>
+                  <a:srgbClr val="CC3300"/>
+                </a:solidFill>
+                <a:latin typeface="Inconsolata Medium" panose="020B0609030003000000" pitchFamily="49" charset="77"/>
+              </a:rPr>
+              <a:t>"two"</a:t>
+            </a:r>
+            <a:r>
+              <a:rPr lang="en-US" b="1" dirty="0">
+                <a:latin typeface="Inconsolata Medium" panose="020B0609030003000000" pitchFamily="49" charset="77"/>
+              </a:rPr>
+              <a:t>:</a:t>
+            </a:r>
+            <a:r>
+              <a:rPr lang="en-US" b="1" dirty="0">
+                <a:solidFill>
+                  <a:srgbClr val="FF6600"/>
+                </a:solidFill>
+                <a:latin typeface="Inconsolata Medium" panose="020B0609030003000000" pitchFamily="49" charset="77"/>
+              </a:rPr>
+              <a:t>2</a:t>
+            </a:r>
+            <a:r>
+              <a:rPr lang="en-US" b="1" dirty="0">
+                <a:latin typeface="Inconsolata Medium" panose="020B0609030003000000" pitchFamily="49" charset="77"/>
+              </a:rPr>
+              <a:t>, </a:t>
+            </a:r>
+            <a:r>
+              <a:rPr lang="en-US" b="1" dirty="0">
+                <a:solidFill>
+                  <a:srgbClr val="CC3300"/>
+                </a:solidFill>
+                <a:latin typeface="Inconsolata Medium" panose="020B0609030003000000" pitchFamily="49" charset="77"/>
+              </a:rPr>
+              <a:t>"three"</a:t>
+            </a:r>
+            <a:r>
+              <a:rPr lang="en-US" b="1" dirty="0">
+                <a:latin typeface="Inconsolata Medium" panose="020B0609030003000000" pitchFamily="49" charset="77"/>
+              </a:rPr>
+              <a:t>:</a:t>
+            </a:r>
+            <a:r>
+              <a:rPr lang="en-US" b="1" dirty="0">
+                <a:solidFill>
+                  <a:srgbClr val="FF6600"/>
+                </a:solidFill>
+                <a:latin typeface="Inconsolata Medium" panose="020B0609030003000000" pitchFamily="49" charset="77"/>
+              </a:rPr>
+              <a:t>3</a:t>
+            </a:r>
+            <a:r>
+              <a:rPr lang="en-US" b="1" dirty="0">
+                <a:latin typeface="Inconsolata Medium" panose="020B0609030003000000" pitchFamily="49" charset="77"/>
+              </a:rPr>
+              <a:t>} </a:t>
+            </a:r>
+          </a:p>
+          <a:p>
+            <a:pPr marL="0" indent="0">
+              <a:buNone/>
+            </a:pPr>
+            <a:r>
+              <a:rPr lang="en-US" b="1" dirty="0">
+                <a:solidFill>
+                  <a:srgbClr val="000087"/>
+                </a:solidFill>
+                <a:latin typeface="Inconsolata Medium" panose="020B0609030003000000" pitchFamily="49" charset="77"/>
+              </a:rPr>
+              <a:t>In </a:t>
+            </a:r>
+            <a:r>
+              <a:rPr lang="en-US" b="1" dirty="0">
+                <a:latin typeface="Inconsolata Medium" panose="020B0609030003000000" pitchFamily="49" charset="77"/>
+              </a:rPr>
+              <a:t>[</a:t>
+            </a:r>
+            <a:r>
+              <a:rPr lang="en-US" b="1" dirty="0">
+                <a:solidFill>
+                  <a:srgbClr val="FF6600"/>
+                </a:solidFill>
+                <a:latin typeface="Inconsolata Medium" panose="020B0609030003000000" pitchFamily="49" charset="77"/>
+              </a:rPr>
+              <a:t>28</a:t>
+            </a:r>
+            <a:r>
+              <a:rPr lang="en-US" b="1" dirty="0">
+                <a:latin typeface="Inconsolata Medium" panose="020B0609030003000000" pitchFamily="49" charset="77"/>
+              </a:rPr>
+              <a:t>]: type(numbers)</a:t>
+            </a:r>
+            <a:r>
+              <a:rPr lang="en-US" b="1" i="1" dirty="0">
+                <a:solidFill>
+                  <a:srgbClr val="33566B"/>
+                </a:solidFill>
+                <a:latin typeface="Inconsolata Medium" panose="020B0609030003000000" pitchFamily="49" charset="77"/>
+              </a:rPr>
+              <a:t> </a:t>
+            </a:r>
+          </a:p>
+          <a:p>
+            <a:pPr marL="0" indent="0">
+              <a:buNone/>
+            </a:pPr>
+            <a:r>
+              <a:rPr lang="en-US" b="1" dirty="0">
+                <a:latin typeface="Inconsolata Medium" panose="020B0609030003000000" pitchFamily="49" charset="77"/>
+              </a:rPr>
+              <a:t>Out [28]: </a:t>
+            </a:r>
+            <a:r>
+              <a:rPr lang="en-US" b="1" dirty="0" err="1">
+                <a:latin typeface="Inconsolata Medium" panose="020B0609030003000000" pitchFamily="49" charset="77"/>
+              </a:rPr>
+              <a:t>dict</a:t>
+            </a:r>
             <a:endParaRPr lang="en-US" b="1" dirty="0">
               <a:latin typeface="Inconsolata Medium" panose="020B0609030003000000" pitchFamily="49" charset="77"/>
             </a:endParaRPr>
@@ -4317,7 +3984,7 @@
                 </a:solidFill>
                 <a:latin typeface="Inconsolata Medium" panose="020B0609030003000000" pitchFamily="49" charset="77"/>
               </a:rPr>
-              <a:t>29</a:t>
+              <a:t>28</a:t>
             </a:r>
             <a:r>
               <a:rPr lang="en-US" b="1" dirty="0">
@@ -4326,6 +3993,29 @@
               <a:t>]: </a:t>
             </a:r>
             <a:r>
+              <a:rPr lang="en-US" b="1" i="1" dirty="0">
+                <a:solidFill>
+                  <a:srgbClr val="33566B"/>
+                </a:solidFill>
+                <a:latin typeface="Inconsolata Medium" panose="020B0609030003000000" pitchFamily="49" charset="77"/>
+              </a:rPr>
+              <a:t># Access a value via the key </a:t>
+            </a:r>
+          </a:p>
+          <a:p>
+            <a:pPr marL="0" indent="0">
+              <a:buNone/>
+            </a:pPr>
+            <a:r>
+              <a:rPr lang="en-US" b="1" i="1" dirty="0">
+                <a:solidFill>
+                  <a:srgbClr val="33566B"/>
+                </a:solidFill>
+                <a:latin typeface="Inconsolata Medium" panose="020B0609030003000000" pitchFamily="49" charset="77"/>
+              </a:rPr>
+              <a:t>	    </a:t>
+            </a:r>
+            <a:r>
               <a:rPr lang="en-US" b="1" dirty="0">
                 <a:solidFill>
                   <a:srgbClr val="000087"/>
@@ -4347,136 +4037,31 @@
                 </a:solidFill>
                 <a:latin typeface="Inconsolata Medium" panose="020B0609030003000000" pitchFamily="49" charset="77"/>
               </a:rPr>
-              <a:t>'one'</a:t>
-            </a:r>
-            <a:r>
-              <a:rPr lang="en-US" b="1" dirty="0">
-                <a:latin typeface="Inconsolata Medium" panose="020B0609030003000000" pitchFamily="49" charset="77"/>
-              </a:rPr>
-              <a:t>] +</a:t>
-            </a:r>
-            <a:r>
-              <a:rPr lang="en-US" b="1" dirty="0">
-                <a:solidFill>
-                  <a:srgbClr val="545454"/>
-                </a:solidFill>
-                <a:latin typeface="Inconsolata Medium" panose="020B0609030003000000" pitchFamily="49" charset="77"/>
-              </a:rPr>
-              <a:t>= </a:t>
-            </a:r>
-            <a:r>
-              <a:rPr lang="en-US" b="1" dirty="0">
-                <a:solidFill>
-                  <a:srgbClr val="FF6600"/>
-                </a:solidFill>
-                <a:latin typeface="Inconsolata Medium" panose="020B0609030003000000" pitchFamily="49" charset="77"/>
-              </a:rPr>
-              <a:t>5 </a:t>
-            </a:r>
-            <a:endParaRPr lang="en-US" b="1" dirty="0">
-              <a:latin typeface="Inconsolata Medium" panose="020B0609030003000000" pitchFamily="49" charset="77"/>
-            </a:endParaRPr>
-          </a:p>
-          <a:p>
-            <a:pPr marL="0" indent="0">
-              <a:buNone/>
-            </a:pPr>
-            <a:r>
-              <a:rPr lang="en-US" b="1" dirty="0">
-                <a:solidFill>
-                  <a:srgbClr val="000087"/>
-                </a:solidFill>
-                <a:latin typeface="Inconsolata Medium" panose="020B0609030003000000" pitchFamily="49" charset="77"/>
-              </a:rPr>
-              <a:t>In </a:t>
-            </a:r>
-            <a:r>
-              <a:rPr lang="en-US" b="1" dirty="0">
-                <a:latin typeface="Inconsolata Medium" panose="020B0609030003000000" pitchFamily="49" charset="77"/>
-              </a:rPr>
-              <a:t>[</a:t>
-            </a:r>
-            <a:r>
-              <a:rPr lang="en-US" b="1" dirty="0">
-                <a:solidFill>
-                  <a:srgbClr val="FF6600"/>
-                </a:solidFill>
-                <a:latin typeface="Inconsolata Medium" panose="020B0609030003000000" pitchFamily="49" charset="77"/>
-              </a:rPr>
-              <a:t>29</a:t>
-            </a:r>
-            <a:r>
-              <a:rPr lang="en-US" b="1" dirty="0">
-                <a:latin typeface="Inconsolata Medium" panose="020B0609030003000000" pitchFamily="49" charset="77"/>
-              </a:rPr>
-              <a:t>]</a:t>
-            </a:r>
-            <a:r>
-              <a:rPr lang="en-US" b="1" dirty="0">
-                <a:solidFill>
-                  <a:srgbClr val="006699"/>
-                </a:solidFill>
-                <a:latin typeface="Inconsolata Medium" panose="020B0609030003000000" pitchFamily="49" charset="77"/>
-              </a:rPr>
-              <a:t>  print</a:t>
-            </a:r>
-            <a:r>
-              <a:rPr lang="en-US" b="1" dirty="0">
-                <a:latin typeface="Inconsolata Medium" panose="020B0609030003000000" pitchFamily="49" charset="77"/>
-              </a:rPr>
-              <a:t>(</a:t>
-            </a:r>
-            <a:r>
-              <a:rPr lang="en-US" b="1" dirty="0">
-                <a:solidFill>
-                  <a:srgbClr val="000087"/>
-                </a:solidFill>
-                <a:latin typeface="Inconsolata Medium" panose="020B0609030003000000" pitchFamily="49" charset="77"/>
-              </a:rPr>
-              <a:t>numbers</a:t>
-            </a:r>
-            <a:r>
-              <a:rPr lang="en-US" b="1" dirty="0">
-                <a:latin typeface="Inconsolata Medium" panose="020B0609030003000000" pitchFamily="49" charset="77"/>
-              </a:rPr>
-              <a:t>)</a:t>
-            </a:r>
-            <a:br>
-              <a:rPr lang="en-US" b="1" dirty="0">
-                <a:latin typeface="Inconsolata Medium" panose="020B0609030003000000" pitchFamily="49" charset="77"/>
-              </a:rPr>
-            </a:br>
-            <a:r>
-              <a:rPr lang="en-US" b="1" dirty="0">
-                <a:latin typeface="Inconsolata Medium" panose="020B0609030003000000" pitchFamily="49" charset="77"/>
-              </a:rPr>
-              <a:t>{'three': 3, 'ninety': 90, 'two': 2, 'one': 6} </a:t>
-            </a:r>
-          </a:p>
-          <a:p>
-            <a:pPr marL="0" indent="0">
-              <a:buNone/>
-            </a:pPr>
-            <a:endParaRPr lang="en-US" b="1" i="1" dirty="0">
-              <a:solidFill>
-                <a:srgbClr val="33566B"/>
-              </a:solidFill>
-              <a:latin typeface="Inconsolata Medium" panose="020B0609030003000000" pitchFamily="49" charset="77"/>
-            </a:endParaRPr>
-          </a:p>
-          <a:p>
-            <a:pPr marL="0" indent="0">
-              <a:buNone/>
-            </a:pPr>
-            <a:endParaRPr lang="en-US" b="1" dirty="0">
-              <a:latin typeface="Inconsolata Medium" panose="020B0609030003000000" pitchFamily="49" charset="77"/>
-            </a:endParaRPr>
-          </a:p>
-          <a:p>
-            <a:pPr marL="0" indent="0">
-              <a:buNone/>
-            </a:pPr>
-            <a:endParaRPr lang="en-US" b="1" dirty="0">
+              <a:t>"two"</a:t>
+            </a:r>
+            <a:r>
+              <a:rPr lang="en-US" b="1" dirty="0">
+                <a:latin typeface="Inconsolata Medium" panose="020B0609030003000000" pitchFamily="49" charset="77"/>
+              </a:rPr>
+              <a:t>] </a:t>
+            </a:r>
+          </a:p>
+          <a:p>
+            <a:pPr marL="0" indent="0">
+              <a:buNone/>
+            </a:pPr>
+            <a:r>
+              <a:rPr lang="en-US" b="1" dirty="0">
+                <a:latin typeface="Inconsolata Medium" panose="020B0609030003000000" pitchFamily="49" charset="77"/>
+              </a:rPr>
+              <a:t>Out [28]: 2 </a:t>
+            </a:r>
+          </a:p>
+          <a:p>
+            <a:pPr marL="0" indent="0">
+              <a:buNone/>
+            </a:pPr>
+            <a:endParaRPr lang="en-US" sz="2400" b="1" dirty="0">
               <a:latin typeface="Inconsolata Medium" panose="020B0609030003000000" pitchFamily="49" charset="77"/>
             </a:endParaRPr>
           </a:p>
@@ -4524,7 +4109,7 @@
     </p:spTree>
     <p:extLst>
       <p:ext uri="{BB962C8B-B14F-4D97-AF65-F5344CB8AC3E}">
-        <p14:creationId xmlns:p14="http://schemas.microsoft.com/office/powerpoint/2010/main" val="18163085"/>
+        <p14:creationId xmlns:p14="http://schemas.microsoft.com/office/powerpoint/2010/main" val="114946794"/>
       </p:ext>
     </p:extLst>
   </p:cSld>
@@ -4617,8 +4202,14 @@
             </a:pPr>
             <a:r>
               <a:rPr lang="en-US" dirty="0"/>
-              <a:t>The keys and values can be extracted from a dictionary via keys() and values().</a:t>
-            </a:r>
+              <a:t>New items can be added to the dictionary using indexing as well.</a:t>
+            </a:r>
+            <a:endParaRPr lang="en-US" sz="2400" dirty="0"/>
+          </a:p>
+          <a:p>
+            <a:pPr marL="0" indent="0">
+              <a:buNone/>
+            </a:pPr>
             <a:endParaRPr lang="en-US" b="1" dirty="0">
               <a:solidFill>
                 <a:srgbClr val="000087"/>
@@ -4652,82 +4243,270 @@
                 </a:solidFill>
                 <a:latin typeface="Inconsolata Medium" panose="020B0609030003000000" pitchFamily="49" charset="77"/>
               </a:rPr>
+              <a:t>27</a:t>
+            </a:r>
+            <a:r>
+              <a:rPr lang="en-US" b="1" dirty="0">
+                <a:latin typeface="Inconsolata Medium" panose="020B0609030003000000" pitchFamily="49" charset="77"/>
+              </a:rPr>
+              <a:t>]: </a:t>
+            </a:r>
+            <a:r>
+              <a:rPr lang="en-US" b="1" dirty="0">
+                <a:solidFill>
+                  <a:srgbClr val="000087"/>
+                </a:solidFill>
+                <a:latin typeface="Inconsolata Medium" panose="020B0609030003000000" pitchFamily="49" charset="77"/>
+              </a:rPr>
+              <a:t>numbers </a:t>
+            </a:r>
+            <a:r>
+              <a:rPr lang="en-US" b="1" dirty="0">
+                <a:solidFill>
+                  <a:srgbClr val="545454"/>
+                </a:solidFill>
+                <a:latin typeface="Inconsolata Medium" panose="020B0609030003000000" pitchFamily="49" charset="77"/>
+              </a:rPr>
+              <a:t>= </a:t>
+            </a:r>
+            <a:r>
+              <a:rPr lang="en-US" b="1" dirty="0">
+                <a:latin typeface="Inconsolata Medium" panose="020B0609030003000000" pitchFamily="49" charset="77"/>
+              </a:rPr>
+              <a:t>{</a:t>
+            </a:r>
+            <a:r>
+              <a:rPr lang="en-US" b="1" dirty="0">
+                <a:solidFill>
+                  <a:srgbClr val="CC3300"/>
+                </a:solidFill>
+                <a:latin typeface="Inconsolata Medium" panose="020B0609030003000000" pitchFamily="49" charset="77"/>
+              </a:rPr>
+              <a:t>"one"</a:t>
+            </a:r>
+            <a:r>
+              <a:rPr lang="en-US" b="1" dirty="0">
+                <a:latin typeface="Inconsolata Medium" panose="020B0609030003000000" pitchFamily="49" charset="77"/>
+              </a:rPr>
+              <a:t>:</a:t>
+            </a:r>
+            <a:r>
+              <a:rPr lang="en-US" b="1" dirty="0">
+                <a:solidFill>
+                  <a:srgbClr val="FF6600"/>
+                </a:solidFill>
+                <a:latin typeface="Inconsolata Medium" panose="020B0609030003000000" pitchFamily="49" charset="77"/>
+              </a:rPr>
+              <a:t>1</a:t>
+            </a:r>
+            <a:r>
+              <a:rPr lang="en-US" b="1" dirty="0">
+                <a:latin typeface="Inconsolata Medium" panose="020B0609030003000000" pitchFamily="49" charset="77"/>
+              </a:rPr>
+              <a:t>, </a:t>
+            </a:r>
+            <a:r>
+              <a:rPr lang="en-US" b="1" dirty="0">
+                <a:solidFill>
+                  <a:srgbClr val="CC3300"/>
+                </a:solidFill>
+                <a:latin typeface="Inconsolata Medium" panose="020B0609030003000000" pitchFamily="49" charset="77"/>
+              </a:rPr>
+              <a:t>"two"</a:t>
+            </a:r>
+            <a:r>
+              <a:rPr lang="en-US" b="1" dirty="0">
+                <a:latin typeface="Inconsolata Medium" panose="020B0609030003000000" pitchFamily="49" charset="77"/>
+              </a:rPr>
+              <a:t>:</a:t>
+            </a:r>
+            <a:r>
+              <a:rPr lang="en-US" b="1" dirty="0">
+                <a:solidFill>
+                  <a:srgbClr val="FF6600"/>
+                </a:solidFill>
+                <a:latin typeface="Inconsolata Medium" panose="020B0609030003000000" pitchFamily="49" charset="77"/>
+              </a:rPr>
+              <a:t>2</a:t>
+            </a:r>
+            <a:r>
+              <a:rPr lang="en-US" b="1" dirty="0">
+                <a:latin typeface="Inconsolata Medium" panose="020B0609030003000000" pitchFamily="49" charset="77"/>
+              </a:rPr>
+              <a:t>, </a:t>
+            </a:r>
+            <a:r>
+              <a:rPr lang="en-US" b="1" dirty="0">
+                <a:solidFill>
+                  <a:srgbClr val="CC3300"/>
+                </a:solidFill>
+                <a:latin typeface="Inconsolata Medium" panose="020B0609030003000000" pitchFamily="49" charset="77"/>
+              </a:rPr>
+              <a:t>"three"</a:t>
+            </a:r>
+            <a:r>
+              <a:rPr lang="en-US" b="1" dirty="0">
+                <a:latin typeface="Inconsolata Medium" panose="020B0609030003000000" pitchFamily="49" charset="77"/>
+              </a:rPr>
+              <a:t>:</a:t>
+            </a:r>
+            <a:r>
+              <a:rPr lang="en-US" b="1" dirty="0">
+                <a:solidFill>
+                  <a:srgbClr val="FF6600"/>
+                </a:solidFill>
+                <a:latin typeface="Inconsolata Medium" panose="020B0609030003000000" pitchFamily="49" charset="77"/>
+              </a:rPr>
+              <a:t>3</a:t>
+            </a:r>
+            <a:r>
+              <a:rPr lang="en-US" b="1" dirty="0">
+                <a:latin typeface="Inconsolata Medium" panose="020B0609030003000000" pitchFamily="49" charset="77"/>
+              </a:rPr>
+              <a:t>} </a:t>
+            </a:r>
+            <a:endParaRPr lang="en-US" b="1" dirty="0">
+              <a:solidFill>
+                <a:srgbClr val="000087"/>
+              </a:solidFill>
+              <a:latin typeface="Inconsolata Medium" panose="020B0609030003000000" pitchFamily="49" charset="77"/>
+            </a:endParaRPr>
+          </a:p>
+          <a:p>
+            <a:pPr marL="0" indent="0">
+              <a:buNone/>
+            </a:pPr>
+            <a:r>
+              <a:rPr lang="en-US" b="1" dirty="0">
+                <a:solidFill>
+                  <a:srgbClr val="000087"/>
+                </a:solidFill>
+                <a:latin typeface="Inconsolata Medium" panose="020B0609030003000000" pitchFamily="49" charset="77"/>
+              </a:rPr>
+              <a:t>In </a:t>
+            </a:r>
+            <a:r>
+              <a:rPr lang="en-US" b="1" dirty="0">
+                <a:latin typeface="Inconsolata Medium" panose="020B0609030003000000" pitchFamily="49" charset="77"/>
+              </a:rPr>
+              <a:t>[</a:t>
+            </a:r>
+            <a:r>
+              <a:rPr lang="en-US" b="1" dirty="0">
+                <a:solidFill>
+                  <a:srgbClr val="FF6600"/>
+                </a:solidFill>
+                <a:latin typeface="Inconsolata Medium" panose="020B0609030003000000" pitchFamily="49" charset="77"/>
+              </a:rPr>
               <a:t>29</a:t>
             </a:r>
             <a:r>
               <a:rPr lang="en-US" b="1" dirty="0">
                 <a:latin typeface="Inconsolata Medium" panose="020B0609030003000000" pitchFamily="49" charset="77"/>
               </a:rPr>
-              <a:t>]: k = </a:t>
-            </a:r>
-            <a:r>
-              <a:rPr lang="en-US" b="1" dirty="0">
-                <a:solidFill>
-                  <a:srgbClr val="336666"/>
-                </a:solidFill>
-                <a:latin typeface="Inconsolata Medium" panose="020B0609030003000000" pitchFamily="49" charset="77"/>
-              </a:rPr>
-              <a:t>list</a:t>
-            </a:r>
-            <a:r>
-              <a:rPr lang="en-US" b="1" dirty="0">
-                <a:latin typeface="Inconsolata Medium" panose="020B0609030003000000" pitchFamily="49" charset="77"/>
-              </a:rPr>
-              <a:t>(</a:t>
-            </a:r>
-            <a:r>
-              <a:rPr lang="en-US" b="1" dirty="0" err="1">
-                <a:latin typeface="Inconsolata Medium" panose="020B0609030003000000" pitchFamily="49" charset="77"/>
-              </a:rPr>
-              <a:t>numbers.keys</a:t>
-            </a:r>
-            <a:r>
-              <a:rPr lang="en-US" b="1" dirty="0">
-                <a:latin typeface="Inconsolata Medium" panose="020B0609030003000000" pitchFamily="49" charset="77"/>
-              </a:rPr>
-              <a:t>())</a:t>
-            </a:r>
-          </a:p>
-          <a:p>
-            <a:pPr marL="0" indent="0">
-              <a:buNone/>
-            </a:pPr>
-            <a:r>
-              <a:rPr lang="en-US" b="1" dirty="0">
-                <a:solidFill>
-                  <a:srgbClr val="006699"/>
-                </a:solidFill>
-                <a:latin typeface="Inconsolata Medium" panose="020B0609030003000000" pitchFamily="49" charset="77"/>
-              </a:rPr>
-              <a:t>	    print</a:t>
-            </a:r>
-            <a:r>
-              <a:rPr lang="en-US" b="1" dirty="0">
-                <a:latin typeface="Inconsolata Medium" panose="020B0609030003000000" pitchFamily="49" charset="77"/>
-              </a:rPr>
-              <a:t>(k)</a:t>
-            </a:r>
-          </a:p>
-          <a:p>
-            <a:pPr marL="0" indent="0">
-              <a:buNone/>
-            </a:pPr>
-            <a:br>
-              <a:rPr lang="en-US" b="1" dirty="0">
-                <a:latin typeface="Inconsolata Medium" panose="020B0609030003000000" pitchFamily="49" charset="77"/>
-              </a:rPr>
-            </a:br>
-            <a:r>
-              <a:rPr lang="en-US" b="1" dirty="0">
-                <a:latin typeface="Inconsolata Medium" panose="020B0609030003000000" pitchFamily="49" charset="77"/>
-              </a:rPr>
-              <a:t>['three', 'ninety’, ‘two’, 'one’] </a:t>
-            </a:r>
-          </a:p>
-          <a:p>
-            <a:pPr marL="0" indent="0">
-              <a:buNone/>
-            </a:pPr>
+              <a:t>]: </a:t>
+            </a:r>
+            <a:r>
+              <a:rPr lang="en-US" b="1" i="1" dirty="0">
+                <a:solidFill>
+                  <a:srgbClr val="33566B"/>
+                </a:solidFill>
+                <a:latin typeface="Inconsolata Medium" panose="020B0609030003000000" pitchFamily="49" charset="77"/>
+              </a:rPr>
+              <a:t># Set a new key/value pair </a:t>
+            </a:r>
+          </a:p>
+          <a:p>
+            <a:pPr marL="0" indent="0">
+              <a:buNone/>
+            </a:pPr>
+            <a:r>
+              <a:rPr lang="en-US" b="1" dirty="0">
+                <a:solidFill>
+                  <a:srgbClr val="000087"/>
+                </a:solidFill>
+                <a:latin typeface="Inconsolata Medium" panose="020B0609030003000000" pitchFamily="49" charset="77"/>
+              </a:rPr>
+              <a:t>In </a:t>
+            </a:r>
+            <a:r>
+              <a:rPr lang="en-US" b="1" dirty="0">
+                <a:latin typeface="Inconsolata Medium" panose="020B0609030003000000" pitchFamily="49" charset="77"/>
+              </a:rPr>
+              <a:t>[</a:t>
+            </a:r>
+            <a:r>
+              <a:rPr lang="en-US" b="1" dirty="0">
+                <a:solidFill>
+                  <a:srgbClr val="FF6600"/>
+                </a:solidFill>
+                <a:latin typeface="Inconsolata Medium" panose="020B0609030003000000" pitchFamily="49" charset="77"/>
+              </a:rPr>
+              <a:t>29</a:t>
+            </a:r>
+            <a:r>
+              <a:rPr lang="en-US" b="1" dirty="0">
+                <a:latin typeface="Inconsolata Medium" panose="020B0609030003000000" pitchFamily="49" charset="77"/>
+              </a:rPr>
+              <a:t>]</a:t>
+            </a:r>
+            <a:r>
+              <a:rPr lang="en-US" b="1" i="1" dirty="0">
+                <a:solidFill>
+                  <a:srgbClr val="33566B"/>
+                </a:solidFill>
+                <a:latin typeface="Inconsolata Medium" panose="020B0609030003000000" pitchFamily="49" charset="77"/>
+              </a:rPr>
+              <a:t>  </a:t>
+            </a:r>
+            <a:r>
+              <a:rPr lang="en-US" b="1" dirty="0">
+                <a:solidFill>
+                  <a:srgbClr val="000087"/>
+                </a:solidFill>
+                <a:latin typeface="Inconsolata Medium" panose="020B0609030003000000" pitchFamily="49" charset="77"/>
+              </a:rPr>
+              <a:t>numbers</a:t>
+            </a:r>
+            <a:r>
+              <a:rPr lang="en-US" b="1" dirty="0">
+                <a:latin typeface="Inconsolata Medium" panose="020B0609030003000000" pitchFamily="49" charset="77"/>
+              </a:rPr>
+              <a:t>[</a:t>
+            </a:r>
+            <a:r>
+              <a:rPr lang="en-US" b="1" dirty="0">
+                <a:solidFill>
+                  <a:srgbClr val="CC3300"/>
+                </a:solidFill>
+                <a:latin typeface="Inconsolata Medium" panose="020B0609030003000000" pitchFamily="49" charset="77"/>
+              </a:rPr>
+              <a:t>'ninety'</a:t>
+            </a:r>
+            <a:r>
+              <a:rPr lang="en-US" b="1" dirty="0">
+                <a:latin typeface="Inconsolata Medium" panose="020B0609030003000000" pitchFamily="49" charset="77"/>
+              </a:rPr>
+              <a:t>] </a:t>
+            </a:r>
+            <a:r>
+              <a:rPr lang="en-US" b="1" dirty="0">
+                <a:solidFill>
+                  <a:srgbClr val="545454"/>
+                </a:solidFill>
+                <a:latin typeface="Inconsolata Medium" panose="020B0609030003000000" pitchFamily="49" charset="77"/>
+              </a:rPr>
+              <a:t>= </a:t>
+            </a:r>
+            <a:r>
+              <a:rPr lang="en-US" b="1" dirty="0">
+                <a:solidFill>
+                  <a:srgbClr val="FF6600"/>
+                </a:solidFill>
+                <a:latin typeface="Inconsolata Medium" panose="020B0609030003000000" pitchFamily="49" charset="77"/>
+              </a:rPr>
+              <a:t>90 </a:t>
+            </a:r>
             <a:endParaRPr lang="en-US" b="1" dirty="0">
               <a:latin typeface="Inconsolata Medium" panose="020B0609030003000000" pitchFamily="49" charset="77"/>
             </a:endParaRPr>
@@ -4764,16 +4543,16 @@
               <a:rPr lang="en-US" b="1" dirty="0">
                 <a:latin typeface="Inconsolata Medium" panose="020B0609030003000000" pitchFamily="49" charset="77"/>
               </a:rPr>
-              <a:t>]: k = </a:t>
-            </a:r>
-            <a:r>
-              <a:rPr lang="en-US" b="1" dirty="0">
-                <a:solidFill>
-                  <a:srgbClr val="336666"/>
-                </a:solidFill>
-                <a:latin typeface="Inconsolata Medium" panose="020B0609030003000000" pitchFamily="49" charset="77"/>
-              </a:rPr>
-              <a:t>list</a:t>
+              <a:t>]</a:t>
+            </a:r>
+            <a:r>
+              <a:rPr lang="en-US" b="1" dirty="0">
+                <a:solidFill>
+                  <a:srgbClr val="006699"/>
+                </a:solidFill>
+                <a:latin typeface="Inconsolata Medium" panose="020B0609030003000000" pitchFamily="49" charset="77"/>
+              </a:rPr>
+              <a:t>  print</a:t>
             </a:r>
             <a:r>
               <a:rPr lang="en-US" b="1" dirty="0">
@@ -4782,42 +4561,20 @@
               <a:t>(</a:t>
             </a:r>
             <a:r>
-              <a:rPr lang="en-US" b="1" dirty="0" err="1">
-                <a:latin typeface="Inconsolata Medium" panose="020B0609030003000000" pitchFamily="49" charset="77"/>
-              </a:rPr>
-              <a:t>numbers.values</a:t>
-            </a:r>
-            <a:r>
-              <a:rPr lang="en-US" b="1" dirty="0">
-                <a:latin typeface="Inconsolata Medium" panose="020B0609030003000000" pitchFamily="49" charset="77"/>
-              </a:rPr>
-              <a:t>())</a:t>
-            </a:r>
-          </a:p>
-          <a:p>
-            <a:pPr marL="0" indent="0">
-              <a:buNone/>
-            </a:pPr>
-            <a:r>
-              <a:rPr lang="en-US" b="1" dirty="0">
-                <a:solidFill>
-                  <a:srgbClr val="006699"/>
-                </a:solidFill>
-                <a:latin typeface="Inconsolata Medium" panose="020B0609030003000000" pitchFamily="49" charset="77"/>
-              </a:rPr>
-              <a:t>	    print</a:t>
-            </a:r>
-            <a:r>
-              <a:rPr lang="en-US" b="1" dirty="0">
-                <a:latin typeface="Inconsolata Medium" panose="020B0609030003000000" pitchFamily="49" charset="77"/>
-              </a:rPr>
-              <a:t>(k)</a:t>
-            </a:r>
-          </a:p>
-          <a:p>
-            <a:pPr marL="0" indent="0">
-              <a:buNone/>
-            </a:pPr>
+              <a:rPr lang="en-US" b="1" dirty="0">
+                <a:solidFill>
+                  <a:srgbClr val="000087"/>
+                </a:solidFill>
+                <a:latin typeface="Inconsolata Medium" panose="020B0609030003000000" pitchFamily="49" charset="77"/>
+              </a:rPr>
+              <a:t>numbers</a:t>
+            </a:r>
+            <a:r>
+              <a:rPr lang="en-US" b="1" dirty="0">
+                <a:latin typeface="Inconsolata Medium" panose="020B0609030003000000" pitchFamily="49" charset="77"/>
+              </a:rPr>
+              <a:t>)</a:t>
+            </a:r>
             <a:br>
               <a:rPr lang="en-US" b="1" dirty="0">
                 <a:latin typeface="Inconsolata Medium" panose="020B0609030003000000" pitchFamily="49" charset="77"/>
@@ -4827,8 +4584,130 @@
               <a:rPr lang="en-US" b="1" dirty="0">
                 <a:latin typeface="Inconsolata Medium" panose="020B0609030003000000" pitchFamily="49" charset="77"/>
               </a:rPr>
-              <a:t>[3, 90, 2, 1] </a:t>
-            </a:r>
+              <a:t>{'one': 1, 'two': 2, 'three': 3, 'ninety': 90} </a:t>
+            </a:r>
+          </a:p>
+          <a:p>
+            <a:pPr marL="0" indent="0">
+              <a:buNone/>
+            </a:pPr>
+            <a:endParaRPr lang="en-US" b="1" dirty="0">
+              <a:latin typeface="Inconsolata Medium" panose="020B0609030003000000" pitchFamily="49" charset="77"/>
+            </a:endParaRPr>
+          </a:p>
+          <a:p>
+            <a:pPr marL="0" indent="0">
+              <a:buNone/>
+            </a:pPr>
+            <a:r>
+              <a:rPr lang="en-US" b="1" dirty="0">
+                <a:solidFill>
+                  <a:srgbClr val="000087"/>
+                </a:solidFill>
+                <a:latin typeface="Inconsolata Medium" panose="020B0609030003000000" pitchFamily="49" charset="77"/>
+              </a:rPr>
+              <a:t>In </a:t>
+            </a:r>
+            <a:r>
+              <a:rPr lang="en-US" b="1" dirty="0">
+                <a:latin typeface="Inconsolata Medium" panose="020B0609030003000000" pitchFamily="49" charset="77"/>
+              </a:rPr>
+              <a:t>[</a:t>
+            </a:r>
+            <a:r>
+              <a:rPr lang="en-US" b="1" dirty="0">
+                <a:solidFill>
+                  <a:srgbClr val="FF6600"/>
+                </a:solidFill>
+                <a:latin typeface="Inconsolata Medium" panose="020B0609030003000000" pitchFamily="49" charset="77"/>
+              </a:rPr>
+              <a:t>29</a:t>
+            </a:r>
+            <a:r>
+              <a:rPr lang="en-US" b="1" dirty="0">
+                <a:latin typeface="Inconsolata Medium" panose="020B0609030003000000" pitchFamily="49" charset="77"/>
+              </a:rPr>
+              <a:t>]: </a:t>
+            </a:r>
+            <a:r>
+              <a:rPr lang="en-US" b="1" dirty="0">
+                <a:solidFill>
+                  <a:srgbClr val="000087"/>
+                </a:solidFill>
+                <a:latin typeface="Inconsolata Medium" panose="020B0609030003000000" pitchFamily="49" charset="77"/>
+              </a:rPr>
+              <a:t>numbers</a:t>
+            </a:r>
+            <a:r>
+              <a:rPr lang="en-US" b="1" dirty="0">
+                <a:latin typeface="Inconsolata Medium" panose="020B0609030003000000" pitchFamily="49" charset="77"/>
+              </a:rPr>
+              <a:t>[</a:t>
+            </a:r>
+            <a:r>
+              <a:rPr lang="en-US" b="1" dirty="0">
+                <a:solidFill>
+                  <a:srgbClr val="CC3300"/>
+                </a:solidFill>
+                <a:latin typeface="Inconsolata Medium" panose="020B0609030003000000" pitchFamily="49" charset="77"/>
+              </a:rPr>
+              <a:t>'four'</a:t>
+            </a:r>
+            <a:r>
+              <a:rPr lang="en-US" b="1" dirty="0">
+                <a:latin typeface="Inconsolata Medium" panose="020B0609030003000000" pitchFamily="49" charset="77"/>
+              </a:rPr>
+              <a:t>] </a:t>
+            </a:r>
+            <a:r>
+              <a:rPr lang="en-US" sz="2000" b="1" dirty="0">
+                <a:solidFill>
+                  <a:srgbClr val="33566B"/>
+                </a:solidFill>
+                <a:latin typeface="Inconsolata Medium" panose="020B0609030003000000" pitchFamily="49" charset="77"/>
+              </a:rPr>
+              <a:t># </a:t>
+            </a:r>
+            <a:r>
+              <a:rPr lang="en-US" sz="2000" b="1" dirty="0" err="1">
+                <a:solidFill>
+                  <a:srgbClr val="33566B"/>
+                </a:solidFill>
+                <a:latin typeface="Inconsolata Medium" panose="020B0609030003000000" pitchFamily="49" charset="77"/>
+              </a:rPr>
+              <a:t>KeyError</a:t>
+            </a:r>
+            <a:r>
+              <a:rPr lang="en-US" sz="2000" b="1" dirty="0">
+                <a:solidFill>
+                  <a:srgbClr val="33566B"/>
+                </a:solidFill>
+                <a:latin typeface="Inconsolata Medium" panose="020B0609030003000000" pitchFamily="49" charset="77"/>
+              </a:rPr>
+              <a:t>, 'four' not set as key</a:t>
+            </a:r>
+            <a:endParaRPr lang="en-US" sz="2000" b="1" dirty="0">
+              <a:latin typeface="Inconsolata Medium" panose="020B0609030003000000" pitchFamily="49" charset="77"/>
+            </a:endParaRPr>
+          </a:p>
+          <a:p>
+            <a:pPr marL="0" indent="0">
+              <a:buNone/>
+            </a:pPr>
+            <a:endParaRPr lang="en-US" b="1" i="1" dirty="0">
+              <a:solidFill>
+                <a:srgbClr val="33566B"/>
+              </a:solidFill>
+              <a:latin typeface="Inconsolata Medium" panose="020B0609030003000000" pitchFamily="49" charset="77"/>
+            </a:endParaRPr>
+          </a:p>
+          <a:p>
+            <a:pPr marL="0" indent="0">
+              <a:buNone/>
+            </a:pPr>
+            <a:endParaRPr lang="en-US" b="1" dirty="0">
+              <a:latin typeface="Inconsolata Medium" panose="020B0609030003000000" pitchFamily="49" charset="77"/>
+            </a:endParaRPr>
           </a:p>
           <a:p>
             <a:pPr marL="0" indent="0">
@@ -4882,7 +4761,7 @@
     </p:spTree>
     <p:extLst>
       <p:ext uri="{BB962C8B-B14F-4D97-AF65-F5344CB8AC3E}">
-        <p14:creationId xmlns:p14="http://schemas.microsoft.com/office/powerpoint/2010/main" val="2648987374"/>
+        <p14:creationId xmlns:p14="http://schemas.microsoft.com/office/powerpoint/2010/main" val="18163085"/>
       </p:ext>
     </p:extLst>
   </p:cSld>
@@ -4936,10 +4815,9 @@
           <a:lstStyle/>
           <a:p>
             <a:r>
-              <a:rPr lang="en-US" dirty="0" err="1"/>
-              <a:t>Iterables</a:t>
-            </a:r>
-            <a:endParaRPr lang="en-US" dirty="0"/>
+              <a:rPr lang="en-US" dirty="0"/>
+              <a:t>Dictionaries</a:t>
+            </a:r>
           </a:p>
         </p:txBody>
       </p:sp>
@@ -4975,28 +4853,336 @@
               <a:buNone/>
             </a:pPr>
             <a:r>
-              <a:rPr lang="en-US" dirty="0"/>
-              <a:t>An </a:t>
-            </a:r>
-            <a:r>
-              <a:rPr lang="en-US" dirty="0" err="1"/>
-              <a:t>iterable</a:t>
-            </a:r>
-            <a:r>
-              <a:rPr lang="en-US" dirty="0"/>
-              <a:t> is an object from which we can loop over. Lists, strings, tuples and dictionaries are all </a:t>
-            </a:r>
-            <a:r>
-              <a:rPr lang="en-US" dirty="0" err="1"/>
-              <a:t>iterables</a:t>
-            </a:r>
-            <a:r>
-              <a:rPr lang="en-US" dirty="0"/>
-              <a:t>. </a:t>
-            </a:r>
+              <a:rPr lang="en-US" sz="2400" dirty="0"/>
+              <a:t>Modifying dictionary. </a:t>
+            </a:r>
+          </a:p>
+          <a:p>
+            <a:pPr marL="0" indent="0">
+              <a:buNone/>
+            </a:pPr>
             <a:endParaRPr lang="en-US" b="1" dirty="0">
+              <a:latin typeface="Inconsolata Medium" panose="020B0609030003000000" pitchFamily="49" charset="77"/>
+            </a:endParaRPr>
+          </a:p>
+          <a:p>
+            <a:pPr marL="0" indent="0">
+              <a:buNone/>
+            </a:pPr>
+            <a:r>
+              <a:rPr lang="en-US" b="1" dirty="0">
+                <a:solidFill>
+                  <a:srgbClr val="000087"/>
+                </a:solidFill>
+                <a:latin typeface="Inconsolata Medium" panose="020B0609030003000000" pitchFamily="49" charset="77"/>
+              </a:rPr>
+              <a:t>In </a:t>
+            </a:r>
+            <a:r>
+              <a:rPr lang="en-US" b="1" dirty="0">
+                <a:latin typeface="Inconsolata Medium" panose="020B0609030003000000" pitchFamily="49" charset="77"/>
+              </a:rPr>
+              <a:t>[</a:t>
+            </a:r>
+            <a:r>
+              <a:rPr lang="en-US" b="1" dirty="0">
+                <a:solidFill>
+                  <a:srgbClr val="FF6600"/>
+                </a:solidFill>
+                <a:latin typeface="Inconsolata Medium" panose="020B0609030003000000" pitchFamily="49" charset="77"/>
+              </a:rPr>
+              <a:t>27</a:t>
+            </a:r>
+            <a:r>
+              <a:rPr lang="en-US" b="1" dirty="0">
+                <a:latin typeface="Inconsolata Medium" panose="020B0609030003000000" pitchFamily="49" charset="77"/>
+              </a:rPr>
+              <a:t>]: </a:t>
+            </a:r>
+            <a:r>
+              <a:rPr lang="en-US" b="1" dirty="0">
+                <a:solidFill>
+                  <a:srgbClr val="000087"/>
+                </a:solidFill>
+                <a:latin typeface="Inconsolata Medium" panose="020B0609030003000000" pitchFamily="49" charset="77"/>
+              </a:rPr>
+              <a:t>numbers </a:t>
+            </a:r>
+            <a:r>
+              <a:rPr lang="en-US" b="1" dirty="0">
+                <a:solidFill>
+                  <a:srgbClr val="545454"/>
+                </a:solidFill>
+                <a:latin typeface="Inconsolata Medium" panose="020B0609030003000000" pitchFamily="49" charset="77"/>
+              </a:rPr>
+              <a:t>= </a:t>
+            </a:r>
+            <a:r>
+              <a:rPr lang="en-US" b="1" dirty="0">
+                <a:latin typeface="Inconsolata Medium" panose="020B0609030003000000" pitchFamily="49" charset="77"/>
+              </a:rPr>
+              <a:t>{</a:t>
+            </a:r>
+            <a:r>
+              <a:rPr lang="en-US" b="1" dirty="0">
+                <a:solidFill>
+                  <a:srgbClr val="CC3300"/>
+                </a:solidFill>
+                <a:latin typeface="Inconsolata Medium" panose="020B0609030003000000" pitchFamily="49" charset="77"/>
+              </a:rPr>
+              <a:t>"one"</a:t>
+            </a:r>
+            <a:r>
+              <a:rPr lang="en-US" b="1" dirty="0">
+                <a:latin typeface="Inconsolata Medium" panose="020B0609030003000000" pitchFamily="49" charset="77"/>
+              </a:rPr>
+              <a:t>:</a:t>
+            </a:r>
+            <a:r>
+              <a:rPr lang="en-US" b="1" dirty="0">
+                <a:solidFill>
+                  <a:srgbClr val="FF6600"/>
+                </a:solidFill>
+                <a:latin typeface="Inconsolata Medium" panose="020B0609030003000000" pitchFamily="49" charset="77"/>
+              </a:rPr>
+              <a:t>1</a:t>
+            </a:r>
+            <a:r>
+              <a:rPr lang="en-US" b="1" dirty="0">
+                <a:latin typeface="Inconsolata Medium" panose="020B0609030003000000" pitchFamily="49" charset="77"/>
+              </a:rPr>
+              <a:t>, </a:t>
+            </a:r>
+            <a:r>
+              <a:rPr lang="en-US" b="1" dirty="0">
+                <a:solidFill>
+                  <a:srgbClr val="CC3300"/>
+                </a:solidFill>
+                <a:latin typeface="Inconsolata Medium" panose="020B0609030003000000" pitchFamily="49" charset="77"/>
+              </a:rPr>
+              <a:t>"two"</a:t>
+            </a:r>
+            <a:r>
+              <a:rPr lang="en-US" b="1" dirty="0">
+                <a:latin typeface="Inconsolata Medium" panose="020B0609030003000000" pitchFamily="49" charset="77"/>
+              </a:rPr>
+              <a:t>:</a:t>
+            </a:r>
+            <a:r>
+              <a:rPr lang="en-US" b="1" dirty="0">
+                <a:solidFill>
+                  <a:srgbClr val="FF6600"/>
+                </a:solidFill>
+                <a:latin typeface="Inconsolata Medium" panose="020B0609030003000000" pitchFamily="49" charset="77"/>
+              </a:rPr>
+              <a:t>2</a:t>
+            </a:r>
+            <a:r>
+              <a:rPr lang="en-US" b="1" dirty="0">
+                <a:latin typeface="Inconsolata Medium" panose="020B0609030003000000" pitchFamily="49" charset="77"/>
+              </a:rPr>
+              <a:t>, </a:t>
+            </a:r>
+            <a:r>
+              <a:rPr lang="en-US" b="1" dirty="0">
+                <a:solidFill>
+                  <a:srgbClr val="CC3300"/>
+                </a:solidFill>
+                <a:latin typeface="Inconsolata Medium" panose="020B0609030003000000" pitchFamily="49" charset="77"/>
+              </a:rPr>
+              <a:t>"three"</a:t>
+            </a:r>
+            <a:r>
+              <a:rPr lang="en-US" b="1" dirty="0">
+                <a:latin typeface="Inconsolata Medium" panose="020B0609030003000000" pitchFamily="49" charset="77"/>
+              </a:rPr>
+              <a:t>:</a:t>
+            </a:r>
+            <a:r>
+              <a:rPr lang="en-US" b="1" dirty="0">
+                <a:solidFill>
+                  <a:srgbClr val="FF6600"/>
+                </a:solidFill>
+                <a:latin typeface="Inconsolata Medium" panose="020B0609030003000000" pitchFamily="49" charset="77"/>
+              </a:rPr>
+              <a:t>3</a:t>
+            </a:r>
+            <a:r>
+              <a:rPr lang="en-US" b="1" dirty="0">
+                <a:latin typeface="Inconsolata Medium" panose="020B0609030003000000" pitchFamily="49" charset="77"/>
+              </a:rPr>
+              <a:t>} </a:t>
+            </a:r>
+          </a:p>
+          <a:p>
+            <a:pPr marL="0" indent="0">
+              <a:buNone/>
+            </a:pPr>
+            <a:r>
+              <a:rPr lang="en-US" b="1" dirty="0">
+                <a:solidFill>
+                  <a:srgbClr val="000087"/>
+                </a:solidFill>
+                <a:latin typeface="Inconsolata Medium" panose="020B0609030003000000" pitchFamily="49" charset="77"/>
+              </a:rPr>
+              <a:t>In </a:t>
+            </a:r>
+            <a:r>
+              <a:rPr lang="en-US" b="1" dirty="0">
+                <a:latin typeface="Inconsolata Medium" panose="020B0609030003000000" pitchFamily="49" charset="77"/>
+              </a:rPr>
+              <a:t>[</a:t>
+            </a:r>
+            <a:r>
+              <a:rPr lang="en-US" b="1" dirty="0">
+                <a:solidFill>
+                  <a:srgbClr val="FF6600"/>
+                </a:solidFill>
+                <a:latin typeface="Inconsolata Medium" panose="020B0609030003000000" pitchFamily="49" charset="77"/>
+              </a:rPr>
+              <a:t>29</a:t>
+            </a:r>
+            <a:r>
+              <a:rPr lang="en-US" b="1" dirty="0">
+                <a:latin typeface="Inconsolata Medium" panose="020B0609030003000000" pitchFamily="49" charset="77"/>
+              </a:rPr>
+              <a:t>]: </a:t>
+            </a:r>
+            <a:r>
+              <a:rPr lang="en-US" b="1" dirty="0">
+                <a:solidFill>
+                  <a:srgbClr val="000087"/>
+                </a:solidFill>
+                <a:latin typeface="Inconsolata Medium" panose="020B0609030003000000" pitchFamily="49" charset="77"/>
+              </a:rPr>
+              <a:t>numbers</a:t>
+            </a:r>
+            <a:r>
+              <a:rPr lang="en-US" b="1" dirty="0">
+                <a:latin typeface="Inconsolata Medium" panose="020B0609030003000000" pitchFamily="49" charset="77"/>
+              </a:rPr>
+              <a:t>[</a:t>
+            </a:r>
+            <a:r>
+              <a:rPr lang="en-US" b="1" dirty="0">
+                <a:solidFill>
+                  <a:srgbClr val="CC3300"/>
+                </a:solidFill>
+                <a:latin typeface="Inconsolata Medium" panose="020B0609030003000000" pitchFamily="49" charset="77"/>
+              </a:rPr>
+              <a:t>'one'</a:t>
+            </a:r>
+            <a:r>
+              <a:rPr lang="en-US" b="1" dirty="0">
+                <a:latin typeface="Inconsolata Medium" panose="020B0609030003000000" pitchFamily="49" charset="77"/>
+              </a:rPr>
+              <a:t>] +</a:t>
+            </a:r>
+            <a:r>
+              <a:rPr lang="en-US" b="1" dirty="0">
+                <a:solidFill>
+                  <a:srgbClr val="545454"/>
+                </a:solidFill>
+                <a:latin typeface="Inconsolata Medium" panose="020B0609030003000000" pitchFamily="49" charset="77"/>
+              </a:rPr>
+              <a:t>= </a:t>
+            </a:r>
+            <a:r>
+              <a:rPr lang="en-US" b="1" dirty="0">
+                <a:solidFill>
+                  <a:srgbClr val="FF6600"/>
+                </a:solidFill>
+                <a:latin typeface="Inconsolata Medium" panose="020B0609030003000000" pitchFamily="49" charset="77"/>
+              </a:rPr>
+              <a:t>5 </a:t>
+            </a:r>
+            <a:endParaRPr lang="en-US" b="1" dirty="0">
+              <a:latin typeface="Inconsolata Medium" panose="020B0609030003000000" pitchFamily="49" charset="77"/>
+            </a:endParaRPr>
+          </a:p>
+          <a:p>
+            <a:pPr marL="0" indent="0">
+              <a:buNone/>
+            </a:pPr>
+            <a:r>
+              <a:rPr lang="en-US" b="1" dirty="0">
+                <a:solidFill>
+                  <a:srgbClr val="000087"/>
+                </a:solidFill>
+                <a:latin typeface="Inconsolata Medium" panose="020B0609030003000000" pitchFamily="49" charset="77"/>
+              </a:rPr>
+              <a:t>In </a:t>
+            </a:r>
+            <a:r>
+              <a:rPr lang="en-US" b="1" dirty="0">
+                <a:latin typeface="Inconsolata Medium" panose="020B0609030003000000" pitchFamily="49" charset="77"/>
+              </a:rPr>
+              <a:t>[</a:t>
+            </a:r>
+            <a:r>
+              <a:rPr lang="en-US" b="1" dirty="0">
+                <a:solidFill>
+                  <a:srgbClr val="FF6600"/>
+                </a:solidFill>
+                <a:latin typeface="Inconsolata Medium" panose="020B0609030003000000" pitchFamily="49" charset="77"/>
+              </a:rPr>
+              <a:t>29</a:t>
+            </a:r>
+            <a:r>
+              <a:rPr lang="en-US" b="1" dirty="0">
+                <a:latin typeface="Inconsolata Medium" panose="020B0609030003000000" pitchFamily="49" charset="77"/>
+              </a:rPr>
+              <a:t>]</a:t>
+            </a:r>
+            <a:r>
+              <a:rPr lang="en-US" b="1" dirty="0">
+                <a:solidFill>
+                  <a:srgbClr val="006699"/>
+                </a:solidFill>
+                <a:latin typeface="Inconsolata Medium" panose="020B0609030003000000" pitchFamily="49" charset="77"/>
+              </a:rPr>
+              <a:t>  print</a:t>
+            </a:r>
+            <a:r>
+              <a:rPr lang="en-US" b="1" dirty="0">
+                <a:latin typeface="Inconsolata Medium" panose="020B0609030003000000" pitchFamily="49" charset="77"/>
+              </a:rPr>
+              <a:t>(</a:t>
+            </a:r>
+            <a:r>
+              <a:rPr lang="en-US" b="1" dirty="0">
+                <a:solidFill>
+                  <a:srgbClr val="000087"/>
+                </a:solidFill>
+                <a:latin typeface="Inconsolata Medium" panose="020B0609030003000000" pitchFamily="49" charset="77"/>
+              </a:rPr>
+              <a:t>numbers</a:t>
+            </a:r>
+            <a:r>
+              <a:rPr lang="en-US" b="1" dirty="0">
+                <a:latin typeface="Inconsolata Medium" panose="020B0609030003000000" pitchFamily="49" charset="77"/>
+              </a:rPr>
+              <a:t>)</a:t>
+            </a:r>
+            <a:br>
+              <a:rPr lang="en-US" b="1" dirty="0">
+                <a:latin typeface="Inconsolata Medium" panose="020B0609030003000000" pitchFamily="49" charset="77"/>
+              </a:rPr>
+            </a:br>
+            <a:r>
+              <a:rPr lang="en-US" b="1" dirty="0">
+                <a:latin typeface="Inconsolata Medium" panose="020B0609030003000000" pitchFamily="49" charset="77"/>
+              </a:rPr>
+              <a:t>{'one': 6, 'two': 2, 'three': 3} </a:t>
+            </a:r>
+          </a:p>
+          <a:p>
+            <a:pPr marL="0" indent="0">
+              <a:buNone/>
+            </a:pPr>
+            <a:endParaRPr lang="en-US" b="1" i="1" dirty="0">
               <a:solidFill>
-                <a:srgbClr val="000087"/>
+                <a:srgbClr val="33566B"/>
               </a:solidFill>
               <a:latin typeface="Inconsolata Medium" panose="020B0609030003000000" pitchFamily="49" charset="77"/>
             </a:endParaRPr>
@@ -5005,315 +5191,7 @@
             <a:pPr marL="0" indent="0">
               <a:buNone/>
             </a:pPr>
-            <a:r>
-              <a:rPr lang="en-US" b="1" dirty="0">
-                <a:solidFill>
-                  <a:srgbClr val="000087"/>
-                </a:solidFill>
-                <a:latin typeface="Inconsolata Medium" panose="020B0609030003000000" pitchFamily="49" charset="77"/>
-              </a:rPr>
-              <a:t>In</a:t>
-            </a:r>
-            <a:r>
-              <a:rPr lang="en-US" b="1" dirty="0">
-                <a:latin typeface="Inconsolata Medium" panose="020B0609030003000000" pitchFamily="49" charset="77"/>
-              </a:rPr>
-              <a:t>[</a:t>
-            </a:r>
-            <a:r>
-              <a:rPr lang="en-US" b="1" dirty="0">
-                <a:solidFill>
-                  <a:srgbClr val="FF6600"/>
-                </a:solidFill>
-                <a:latin typeface="Inconsolata Medium" panose="020B0609030003000000" pitchFamily="49" charset="77"/>
-              </a:rPr>
-              <a:t>3</a:t>
-            </a:r>
-            <a:r>
-              <a:rPr lang="en-US" b="1" dirty="0">
-                <a:latin typeface="Inconsolata Medium" panose="020B0609030003000000" pitchFamily="49" charset="77"/>
-              </a:rPr>
-              <a:t>]: </a:t>
-            </a:r>
-            <a:r>
-              <a:rPr lang="en-US" b="1" dirty="0" err="1">
-                <a:solidFill>
-                  <a:srgbClr val="000087"/>
-                </a:solidFill>
-                <a:latin typeface="Inconsolata Medium" panose="020B0609030003000000" pitchFamily="49" charset="77"/>
-              </a:rPr>
-              <a:t>lst</a:t>
-            </a:r>
-            <a:r>
-              <a:rPr lang="en-US" b="1" dirty="0">
-                <a:solidFill>
-                  <a:srgbClr val="000087"/>
-                </a:solidFill>
-                <a:latin typeface="Inconsolata Medium" panose="020B0609030003000000" pitchFamily="49" charset="77"/>
-              </a:rPr>
-              <a:t> </a:t>
-            </a:r>
-            <a:r>
-              <a:rPr lang="en-US" b="1" dirty="0">
-                <a:solidFill>
-                  <a:srgbClr val="545454"/>
-                </a:solidFill>
-                <a:latin typeface="Inconsolata Medium" panose="020B0609030003000000" pitchFamily="49" charset="77"/>
-              </a:rPr>
-              <a:t>= </a:t>
-            </a:r>
-            <a:r>
-              <a:rPr lang="en-US" b="1" dirty="0">
-                <a:latin typeface="Inconsolata Medium" panose="020B0609030003000000" pitchFamily="49" charset="77"/>
-              </a:rPr>
-              <a:t>[</a:t>
-            </a:r>
-            <a:r>
-              <a:rPr lang="en-US" b="1" dirty="0">
-                <a:solidFill>
-                  <a:srgbClr val="FF6600"/>
-                </a:solidFill>
-                <a:latin typeface="Inconsolata Medium" panose="020B0609030003000000" pitchFamily="49" charset="77"/>
-              </a:rPr>
-              <a:t>2</a:t>
-            </a:r>
-            <a:r>
-              <a:rPr lang="en-US" b="1" dirty="0">
-                <a:latin typeface="Inconsolata Medium" panose="020B0609030003000000" pitchFamily="49" charset="77"/>
-              </a:rPr>
-              <a:t>, </a:t>
-            </a:r>
-            <a:r>
-              <a:rPr lang="en-US" b="1" dirty="0">
-                <a:solidFill>
-                  <a:srgbClr val="FF6600"/>
-                </a:solidFill>
-                <a:latin typeface="Inconsolata Medium" panose="020B0609030003000000" pitchFamily="49" charset="77"/>
-              </a:rPr>
-              <a:t>3</a:t>
-            </a:r>
-            <a:r>
-              <a:rPr lang="en-US" b="1" dirty="0">
-                <a:latin typeface="Inconsolata Medium" panose="020B0609030003000000" pitchFamily="49" charset="77"/>
-              </a:rPr>
-              <a:t>, </a:t>
-            </a:r>
-            <a:r>
-              <a:rPr lang="en-US" b="1" dirty="0">
-                <a:solidFill>
-                  <a:srgbClr val="FF6600"/>
-                </a:solidFill>
-                <a:latin typeface="Inconsolata Medium" panose="020B0609030003000000" pitchFamily="49" charset="77"/>
-              </a:rPr>
-              <a:t>5</a:t>
-            </a:r>
-            <a:r>
-              <a:rPr lang="en-US" b="1" dirty="0">
-                <a:latin typeface="Inconsolata Medium" panose="020B0609030003000000" pitchFamily="49" charset="77"/>
-              </a:rPr>
-              <a:t>, </a:t>
-            </a:r>
-            <a:r>
-              <a:rPr lang="en-US" b="1" dirty="0">
-                <a:solidFill>
-                  <a:srgbClr val="FF6600"/>
-                </a:solidFill>
-                <a:latin typeface="Inconsolata Medium" panose="020B0609030003000000" pitchFamily="49" charset="77"/>
-              </a:rPr>
-              <a:t>7</a:t>
-            </a:r>
-            <a:r>
-              <a:rPr lang="en-US" b="1" dirty="0">
-                <a:latin typeface="Inconsolata Medium" panose="020B0609030003000000" pitchFamily="49" charset="77"/>
-              </a:rPr>
-              <a:t>] </a:t>
-            </a:r>
-          </a:p>
-          <a:p>
-            <a:pPr marL="0" indent="0">
-              <a:buNone/>
-            </a:pPr>
-            <a:r>
-              <a:rPr lang="en-US" b="1" dirty="0">
-                <a:solidFill>
-                  <a:srgbClr val="006699"/>
-                </a:solidFill>
-                <a:latin typeface="Inconsolata Medium" panose="020B0609030003000000" pitchFamily="49" charset="77"/>
-              </a:rPr>
-              <a:t>	  for </a:t>
-            </a:r>
-            <a:r>
-              <a:rPr lang="en-US" b="1" dirty="0">
-                <a:solidFill>
-                  <a:srgbClr val="000087"/>
-                </a:solidFill>
-                <a:latin typeface="Inconsolata Medium" panose="020B0609030003000000" pitchFamily="49" charset="77"/>
-              </a:rPr>
-              <a:t>x </a:t>
-            </a:r>
-            <a:r>
-              <a:rPr lang="en-US" b="1" dirty="0">
-                <a:latin typeface="Inconsolata Medium" panose="020B0609030003000000" pitchFamily="49" charset="77"/>
-              </a:rPr>
-              <a:t>in </a:t>
-            </a:r>
-            <a:r>
-              <a:rPr lang="en-US" b="1" dirty="0" err="1">
-                <a:solidFill>
-                  <a:srgbClr val="336666"/>
-                </a:solidFill>
-                <a:latin typeface="Inconsolata Medium" panose="020B0609030003000000" pitchFamily="49" charset="77"/>
-              </a:rPr>
-              <a:t>lst</a:t>
-            </a:r>
-            <a:r>
-              <a:rPr lang="en-US" b="1" dirty="0">
-                <a:latin typeface="Inconsolata Medium" panose="020B0609030003000000" pitchFamily="49" charset="77"/>
-              </a:rPr>
-              <a:t>: </a:t>
-            </a:r>
-          </a:p>
-          <a:p>
-            <a:pPr marL="0" indent="0">
-              <a:buNone/>
-            </a:pPr>
-            <a:r>
-              <a:rPr lang="en-US" b="1" dirty="0">
-                <a:solidFill>
-                  <a:srgbClr val="006699"/>
-                </a:solidFill>
-                <a:latin typeface="Inconsolata Medium" panose="020B0609030003000000" pitchFamily="49" charset="77"/>
-              </a:rPr>
-              <a:t>		print</a:t>
-            </a:r>
-            <a:r>
-              <a:rPr lang="en-US" b="1" dirty="0">
-                <a:latin typeface="Inconsolata Medium" panose="020B0609030003000000" pitchFamily="49" charset="77"/>
-              </a:rPr>
-              <a:t>(</a:t>
-            </a:r>
-            <a:r>
-              <a:rPr lang="en-US" b="1" dirty="0">
-                <a:solidFill>
-                  <a:srgbClr val="000087"/>
-                </a:solidFill>
-                <a:latin typeface="Inconsolata Medium" panose="020B0609030003000000" pitchFamily="49" charset="77"/>
-              </a:rPr>
-              <a:t>x</a:t>
-            </a:r>
-            <a:r>
-              <a:rPr lang="en-US" b="1" dirty="0">
-                <a:latin typeface="Inconsolata Medium" panose="020B0609030003000000" pitchFamily="49" charset="77"/>
-              </a:rPr>
-              <a:t>, </a:t>
-            </a:r>
-            <a:r>
-              <a:rPr lang="en-US" b="1" dirty="0">
-                <a:solidFill>
-                  <a:srgbClr val="000087"/>
-                </a:solidFill>
-                <a:latin typeface="Inconsolata Medium" panose="020B0609030003000000" pitchFamily="49" charset="77"/>
-              </a:rPr>
-              <a:t>end</a:t>
-            </a:r>
-            <a:r>
-              <a:rPr lang="en-US" b="1" dirty="0">
-                <a:solidFill>
-                  <a:srgbClr val="545454"/>
-                </a:solidFill>
-                <a:latin typeface="Inconsolata Medium" panose="020B0609030003000000" pitchFamily="49" charset="77"/>
-              </a:rPr>
-              <a:t>=</a:t>
-            </a:r>
-            <a:r>
-              <a:rPr lang="en-US" b="1" dirty="0">
-                <a:solidFill>
-                  <a:srgbClr val="CC3300"/>
-                </a:solidFill>
-                <a:latin typeface="Inconsolata Medium" panose="020B0609030003000000" pitchFamily="49" charset="77"/>
-              </a:rPr>
-              <a:t>‘ ’</a:t>
-            </a:r>
-            <a:r>
-              <a:rPr lang="en-US" b="1" dirty="0">
-                <a:latin typeface="Inconsolata Medium" panose="020B0609030003000000" pitchFamily="49" charset="77"/>
-              </a:rPr>
-              <a:t>) </a:t>
-            </a:r>
-          </a:p>
-          <a:p>
-            <a:pPr marL="0" indent="0">
-              <a:buNone/>
-            </a:pPr>
-            <a:r>
-              <a:rPr lang="en-US" b="1" dirty="0">
-                <a:latin typeface="Inconsolata Medium" panose="020B0609030003000000" pitchFamily="49" charset="77"/>
-              </a:rPr>
-              <a:t>2 3 5 7</a:t>
-            </a:r>
-          </a:p>
-          <a:p>
-            <a:pPr marL="0" indent="0">
-              <a:buNone/>
-            </a:pPr>
-            <a:endParaRPr lang="en-US" dirty="0"/>
-          </a:p>
-          <a:p>
-            <a:pPr marL="0" indent="0">
-              <a:buNone/>
-            </a:pPr>
-            <a:r>
-              <a:rPr lang="en-US" b="1" dirty="0">
-                <a:solidFill>
-                  <a:srgbClr val="000087"/>
-                </a:solidFill>
-                <a:latin typeface="Inconsolata Medium" panose="020B0609030003000000" pitchFamily="49" charset="77"/>
-              </a:rPr>
-              <a:t>In </a:t>
-            </a:r>
-            <a:r>
-              <a:rPr lang="en-US" b="1" dirty="0">
-                <a:latin typeface="Inconsolata Medium" panose="020B0609030003000000" pitchFamily="49" charset="77"/>
-              </a:rPr>
-              <a:t>[</a:t>
-            </a:r>
-            <a:r>
-              <a:rPr lang="en-US" b="1" dirty="0">
-                <a:solidFill>
-                  <a:srgbClr val="FF6600"/>
-                </a:solidFill>
-                <a:latin typeface="Inconsolata Medium" panose="020B0609030003000000" pitchFamily="49" charset="77"/>
-              </a:rPr>
-              <a:t>26</a:t>
-            </a:r>
-            <a:r>
-              <a:rPr lang="en-US" b="1" dirty="0">
-                <a:latin typeface="Inconsolata Medium" panose="020B0609030003000000" pitchFamily="49" charset="77"/>
-              </a:rPr>
-              <a:t>]: </a:t>
-            </a:r>
-            <a:r>
-              <a:rPr lang="en-US" b="1" dirty="0">
-                <a:solidFill>
-                  <a:srgbClr val="000087"/>
-                </a:solidFill>
-                <a:latin typeface="Inconsolata Medium" panose="020B0609030003000000" pitchFamily="49" charset="77"/>
-              </a:rPr>
-              <a:t>message = </a:t>
-            </a:r>
-            <a:r>
-              <a:rPr lang="en-US" dirty="0">
-                <a:solidFill>
-                  <a:srgbClr val="CC3300"/>
-                </a:solidFill>
-                <a:latin typeface="UbuntuMono"/>
-              </a:rPr>
-              <a:t>“python” </a:t>
-            </a:r>
             <a:endParaRPr lang="en-US" b="1" dirty="0">
-              <a:solidFill>
-                <a:srgbClr val="000087"/>
-              </a:solidFill>
               <a:latin typeface="Inconsolata Medium" panose="020B0609030003000000" pitchFamily="49" charset="77"/>
             </a:endParaRPr>
           </a:p>
@@ -5321,128 +5199,15 @@
             <a:pPr marL="0" indent="0">
               <a:buNone/>
             </a:pPr>
-            <a:r>
-              <a:rPr lang="en-US" dirty="0"/>
-              <a:t>	       </a:t>
-            </a:r>
-            <a:r>
-              <a:rPr lang="en-US" b="1" dirty="0">
-                <a:solidFill>
-                  <a:srgbClr val="006699"/>
-                </a:solidFill>
-                <a:latin typeface="Inconsolata Medium" panose="020B0609030003000000" pitchFamily="49" charset="77"/>
-              </a:rPr>
-              <a:t>for </a:t>
-            </a:r>
-            <a:r>
-              <a:rPr lang="en-US" b="1" dirty="0">
-                <a:solidFill>
-                  <a:srgbClr val="000087"/>
-                </a:solidFill>
-                <a:latin typeface="Inconsolata Medium" panose="020B0609030003000000" pitchFamily="49" charset="77"/>
-              </a:rPr>
-              <a:t>x </a:t>
-            </a:r>
-            <a:r>
-              <a:rPr lang="en-US" b="1" dirty="0">
-                <a:latin typeface="Inconsolata Medium" panose="020B0609030003000000" pitchFamily="49" charset="77"/>
-              </a:rPr>
-              <a:t>in </a:t>
-            </a:r>
-            <a:r>
-              <a:rPr lang="en-US" b="1" dirty="0">
-                <a:solidFill>
-                  <a:srgbClr val="336666"/>
-                </a:solidFill>
-                <a:latin typeface="Inconsolata Medium" panose="020B0609030003000000" pitchFamily="49" charset="77"/>
-              </a:rPr>
-              <a:t>message</a:t>
-            </a:r>
-            <a:r>
-              <a:rPr lang="en-US" b="1" dirty="0">
-                <a:latin typeface="Inconsolata Medium" panose="020B0609030003000000" pitchFamily="49" charset="77"/>
-              </a:rPr>
-              <a:t>: </a:t>
-            </a:r>
-          </a:p>
-          <a:p>
-            <a:pPr marL="0" indent="0">
-              <a:buNone/>
-            </a:pPr>
-            <a:r>
-              <a:rPr lang="en-US" b="1" dirty="0">
-                <a:solidFill>
-                  <a:srgbClr val="006699"/>
-                </a:solidFill>
-                <a:latin typeface="Inconsolata Medium" panose="020B0609030003000000" pitchFamily="49" charset="77"/>
-              </a:rPr>
-              <a:t>		print</a:t>
-            </a:r>
-            <a:r>
-              <a:rPr lang="en-US" b="1" dirty="0">
-                <a:latin typeface="Inconsolata Medium" panose="020B0609030003000000" pitchFamily="49" charset="77"/>
-              </a:rPr>
-              <a:t>(</a:t>
-            </a:r>
-            <a:r>
-              <a:rPr lang="en-US" b="1" dirty="0">
-                <a:solidFill>
-                  <a:srgbClr val="000087"/>
-                </a:solidFill>
-                <a:latin typeface="Inconsolata Medium" panose="020B0609030003000000" pitchFamily="49" charset="77"/>
-              </a:rPr>
-              <a:t>x</a:t>
-            </a:r>
-            <a:r>
-              <a:rPr lang="en-US" b="1" dirty="0">
-                <a:latin typeface="Inconsolata Medium" panose="020B0609030003000000" pitchFamily="49" charset="77"/>
-              </a:rPr>
-              <a:t>, </a:t>
-            </a:r>
-            <a:r>
-              <a:rPr lang="en-US" b="1" dirty="0">
-                <a:solidFill>
-                  <a:srgbClr val="000087"/>
-                </a:solidFill>
-                <a:latin typeface="Inconsolata Medium" panose="020B0609030003000000" pitchFamily="49" charset="77"/>
-              </a:rPr>
-              <a:t>end</a:t>
-            </a:r>
-            <a:r>
-              <a:rPr lang="en-US" b="1" dirty="0">
-                <a:solidFill>
-                  <a:srgbClr val="545454"/>
-                </a:solidFill>
-                <a:latin typeface="Inconsolata Medium" panose="020B0609030003000000" pitchFamily="49" charset="77"/>
-              </a:rPr>
-              <a:t>=</a:t>
-            </a:r>
-            <a:r>
-              <a:rPr lang="en-US" b="1" dirty="0">
-                <a:solidFill>
-                  <a:srgbClr val="CC3300"/>
-                </a:solidFill>
-                <a:latin typeface="Inconsolata Medium" panose="020B0609030003000000" pitchFamily="49" charset="77"/>
-              </a:rPr>
-              <a:t>‘ ’</a:t>
-            </a:r>
-            <a:r>
-              <a:rPr lang="en-US" b="1" dirty="0">
-                <a:latin typeface="Inconsolata Medium" panose="020B0609030003000000" pitchFamily="49" charset="77"/>
-              </a:rPr>
-              <a:t>) </a:t>
-            </a:r>
-          </a:p>
-          <a:p>
-            <a:pPr marL="0" indent="0">
-              <a:buNone/>
-            </a:pPr>
-            <a:r>
-              <a:rPr lang="en-US" b="1" dirty="0">
-                <a:latin typeface="Inconsolata Medium" panose="020B0609030003000000" pitchFamily="49" charset="77"/>
-              </a:rPr>
-              <a:t>p y t h o n</a:t>
-            </a:r>
+            <a:endParaRPr lang="en-US" b="1" dirty="0">
+              <a:latin typeface="Inconsolata Medium" panose="020B0609030003000000" pitchFamily="49" charset="77"/>
+            </a:endParaRPr>
+          </a:p>
+          <a:p>
+            <a:pPr marL="0" indent="0">
+              <a:buNone/>
+            </a:pPr>
+            <a:endParaRPr lang="en-US" dirty="0"/>
           </a:p>
           <a:p>
             <a:pPr marL="0" indent="0">
@@ -5482,7 +5247,7 @@
     </p:spTree>
     <p:extLst>
       <p:ext uri="{BB962C8B-B14F-4D97-AF65-F5344CB8AC3E}">
-        <p14:creationId xmlns:p14="http://schemas.microsoft.com/office/powerpoint/2010/main" val="908349489"/>
+        <p14:creationId xmlns:p14="http://schemas.microsoft.com/office/powerpoint/2010/main" val="2368568690"/>
       </p:ext>
     </p:extLst>
   </p:cSld>
@@ -5536,10 +5301,9 @@
           <a:lstStyle/>
           <a:p>
             <a:r>
-              <a:rPr lang="en-US" dirty="0" err="1"/>
-              <a:t>Iterables</a:t>
-            </a:r>
-            <a:endParaRPr lang="en-US" dirty="0"/>
+              <a:rPr lang="en-US" dirty="0"/>
+              <a:t>Dictionaries</a:t>
+            </a:r>
           </a:p>
         </p:txBody>
       </p:sp>
@@ -5576,7 +5340,156 @@
             </a:pPr>
             <a:r>
               <a:rPr lang="en-US" dirty="0"/>
-              <a:t>It is easy to iterate over keys of the dictionary. </a:t>
+              <a:t>The keys and values can be extracted from a dictionary via keys() and values().</a:t>
+            </a:r>
+          </a:p>
+          <a:p>
+            <a:pPr marL="0" indent="0">
+              <a:buNone/>
+            </a:pPr>
+            <a:r>
+              <a:rPr lang="en-US" b="1" dirty="0">
+                <a:solidFill>
+                  <a:srgbClr val="000087"/>
+                </a:solidFill>
+                <a:latin typeface="Inconsolata Medium" panose="020B0609030003000000" pitchFamily="49" charset="77"/>
+              </a:rPr>
+              <a:t>In </a:t>
+            </a:r>
+            <a:r>
+              <a:rPr lang="en-US" b="1" dirty="0">
+                <a:latin typeface="Inconsolata Medium" panose="020B0609030003000000" pitchFamily="49" charset="77"/>
+              </a:rPr>
+              <a:t>[</a:t>
+            </a:r>
+            <a:r>
+              <a:rPr lang="en-US" b="1" dirty="0">
+                <a:solidFill>
+                  <a:srgbClr val="FF6600"/>
+                </a:solidFill>
+                <a:latin typeface="Inconsolata Medium" panose="020B0609030003000000" pitchFamily="49" charset="77"/>
+              </a:rPr>
+              <a:t>27</a:t>
+            </a:r>
+            <a:r>
+              <a:rPr lang="en-US" b="1" dirty="0">
+                <a:latin typeface="Inconsolata Medium" panose="020B0609030003000000" pitchFamily="49" charset="77"/>
+              </a:rPr>
+              <a:t>]: </a:t>
+            </a:r>
+            <a:r>
+              <a:rPr lang="en-US" b="1" dirty="0">
+                <a:solidFill>
+                  <a:srgbClr val="000087"/>
+                </a:solidFill>
+                <a:latin typeface="Inconsolata Medium" panose="020B0609030003000000" pitchFamily="49" charset="77"/>
+              </a:rPr>
+              <a:t>numbers </a:t>
+            </a:r>
+            <a:r>
+              <a:rPr lang="en-US" b="1" dirty="0">
+                <a:solidFill>
+                  <a:srgbClr val="545454"/>
+                </a:solidFill>
+                <a:latin typeface="Inconsolata Medium" panose="020B0609030003000000" pitchFamily="49" charset="77"/>
+              </a:rPr>
+              <a:t>= </a:t>
+            </a:r>
+            <a:r>
+              <a:rPr lang="en-US" b="1" dirty="0">
+                <a:latin typeface="Inconsolata Medium" panose="020B0609030003000000" pitchFamily="49" charset="77"/>
+              </a:rPr>
+              <a:t>{</a:t>
+            </a:r>
+            <a:r>
+              <a:rPr lang="en-US" b="1" dirty="0">
+                <a:solidFill>
+                  <a:srgbClr val="CC3300"/>
+                </a:solidFill>
+                <a:latin typeface="Inconsolata Medium" panose="020B0609030003000000" pitchFamily="49" charset="77"/>
+              </a:rPr>
+              <a:t>"one"</a:t>
+            </a:r>
+            <a:r>
+              <a:rPr lang="en-US" b="1" dirty="0">
+                <a:latin typeface="Inconsolata Medium" panose="020B0609030003000000" pitchFamily="49" charset="77"/>
+              </a:rPr>
+              <a:t>:</a:t>
+            </a:r>
+            <a:r>
+              <a:rPr lang="en-US" b="1" dirty="0">
+                <a:solidFill>
+                  <a:srgbClr val="FF6600"/>
+                </a:solidFill>
+                <a:latin typeface="Inconsolata Medium" panose="020B0609030003000000" pitchFamily="49" charset="77"/>
+              </a:rPr>
+              <a:t>1</a:t>
+            </a:r>
+            <a:r>
+              <a:rPr lang="en-US" b="1" dirty="0">
+                <a:latin typeface="Inconsolata Medium" panose="020B0609030003000000" pitchFamily="49" charset="77"/>
+              </a:rPr>
+              <a:t>, </a:t>
+            </a:r>
+            <a:r>
+              <a:rPr lang="en-US" b="1" dirty="0">
+                <a:solidFill>
+                  <a:srgbClr val="CC3300"/>
+                </a:solidFill>
+                <a:latin typeface="Inconsolata Medium" panose="020B0609030003000000" pitchFamily="49" charset="77"/>
+              </a:rPr>
+              <a:t>"two"</a:t>
+            </a:r>
+            <a:r>
+              <a:rPr lang="en-US" b="1" dirty="0">
+                <a:latin typeface="Inconsolata Medium" panose="020B0609030003000000" pitchFamily="49" charset="77"/>
+              </a:rPr>
+              <a:t>:</a:t>
+            </a:r>
+            <a:r>
+              <a:rPr lang="en-US" b="1" dirty="0">
+                <a:solidFill>
+                  <a:srgbClr val="FF6600"/>
+                </a:solidFill>
+                <a:latin typeface="Inconsolata Medium" panose="020B0609030003000000" pitchFamily="49" charset="77"/>
+              </a:rPr>
+              <a:t>2</a:t>
+            </a:r>
+            <a:r>
+              <a:rPr lang="en-US" b="1" dirty="0">
+                <a:latin typeface="Inconsolata Medium" panose="020B0609030003000000" pitchFamily="49" charset="77"/>
+              </a:rPr>
+              <a:t>, </a:t>
+            </a:r>
+            <a:r>
+              <a:rPr lang="en-US" b="1" dirty="0">
+                <a:solidFill>
+                  <a:srgbClr val="CC3300"/>
+                </a:solidFill>
+                <a:latin typeface="Inconsolata Medium" panose="020B0609030003000000" pitchFamily="49" charset="77"/>
+              </a:rPr>
+              <a:t>"three"</a:t>
+            </a:r>
+            <a:r>
+              <a:rPr lang="en-US" b="1" dirty="0">
+                <a:latin typeface="Inconsolata Medium" panose="020B0609030003000000" pitchFamily="49" charset="77"/>
+              </a:rPr>
+              <a:t>:</a:t>
+            </a:r>
+            <a:r>
+              <a:rPr lang="en-US" b="1" dirty="0">
+                <a:solidFill>
+                  <a:srgbClr val="FF6600"/>
+                </a:solidFill>
+                <a:latin typeface="Inconsolata Medium" panose="020B0609030003000000" pitchFamily="49" charset="77"/>
+              </a:rPr>
+              <a:t>3</a:t>
+            </a:r>
+            <a:r>
+              <a:rPr lang="en-US" b="1" dirty="0">
+                <a:latin typeface="Inconsolata Medium" panose="020B0609030003000000" pitchFamily="49" charset="77"/>
+              </a:rPr>
+              <a:t>} </a:t>
             </a:r>
             <a:endParaRPr lang="en-US" b="1" dirty="0">
               <a:solidFill>
@@ -5589,10 +5502,100 @@
             <a:pPr marL="0" indent="0">
               <a:buNone/>
             </a:pPr>
+            <a:r>
+              <a:rPr lang="en-US" b="1" dirty="0">
+                <a:solidFill>
+                  <a:srgbClr val="000087"/>
+                </a:solidFill>
+                <a:latin typeface="Inconsolata Medium" panose="020B0609030003000000" pitchFamily="49" charset="77"/>
+              </a:rPr>
+              <a:t>In </a:t>
+            </a:r>
+            <a:r>
+              <a:rPr lang="en-US" b="1" dirty="0">
+                <a:latin typeface="Inconsolata Medium" panose="020B0609030003000000" pitchFamily="49" charset="77"/>
+              </a:rPr>
+              <a:t>[</a:t>
+            </a:r>
+            <a:r>
+              <a:rPr lang="en-US" b="1" dirty="0">
+                <a:solidFill>
+                  <a:srgbClr val="FF6600"/>
+                </a:solidFill>
+                <a:latin typeface="Inconsolata Medium" panose="020B0609030003000000" pitchFamily="49" charset="77"/>
+              </a:rPr>
+              <a:t>29</a:t>
+            </a:r>
+            <a:r>
+              <a:rPr lang="en-US" b="1" dirty="0">
+                <a:latin typeface="Inconsolata Medium" panose="020B0609030003000000" pitchFamily="49" charset="77"/>
+              </a:rPr>
+              <a:t>]: k = </a:t>
+            </a:r>
+            <a:r>
+              <a:rPr lang="en-US" b="1" dirty="0">
+                <a:solidFill>
+                  <a:srgbClr val="336666"/>
+                </a:solidFill>
+                <a:latin typeface="Inconsolata Medium" panose="020B0609030003000000" pitchFamily="49" charset="77"/>
+              </a:rPr>
+              <a:t>list</a:t>
+            </a:r>
+            <a:r>
+              <a:rPr lang="en-US" b="1" dirty="0">
+                <a:latin typeface="Inconsolata Medium" panose="020B0609030003000000" pitchFamily="49" charset="77"/>
+              </a:rPr>
+              <a:t>(</a:t>
+            </a:r>
+            <a:r>
+              <a:rPr lang="en-US" b="1" dirty="0" err="1">
+                <a:latin typeface="Inconsolata Medium" panose="020B0609030003000000" pitchFamily="49" charset="77"/>
+              </a:rPr>
+              <a:t>numbers.keys</a:t>
+            </a:r>
+            <a:r>
+              <a:rPr lang="en-US" b="1" dirty="0">
+                <a:latin typeface="Inconsolata Medium" panose="020B0609030003000000" pitchFamily="49" charset="77"/>
+              </a:rPr>
+              <a:t>())</a:t>
+            </a:r>
+          </a:p>
+          <a:p>
+            <a:pPr marL="0" indent="0">
+              <a:buNone/>
+            </a:pPr>
+            <a:r>
+              <a:rPr lang="en-US" b="1" dirty="0">
+                <a:solidFill>
+                  <a:srgbClr val="006699"/>
+                </a:solidFill>
+                <a:latin typeface="Inconsolata Medium" panose="020B0609030003000000" pitchFamily="49" charset="77"/>
+              </a:rPr>
+              <a:t>	    print</a:t>
+            </a:r>
+            <a:r>
+              <a:rPr lang="en-US" b="1" dirty="0">
+                <a:latin typeface="Inconsolata Medium" panose="020B0609030003000000" pitchFamily="49" charset="77"/>
+              </a:rPr>
+              <a:t>(k)</a:t>
+            </a:r>
+            <a:br>
+              <a:rPr lang="en-US" b="1" dirty="0">
+                <a:latin typeface="Inconsolata Medium" panose="020B0609030003000000" pitchFamily="49" charset="77"/>
+              </a:rPr>
+            </a:br>
+            <a:r>
+              <a:rPr lang="en-US" b="1" dirty="0">
+                <a:latin typeface="Inconsolata Medium" panose="020B0609030003000000" pitchFamily="49" charset="77"/>
+              </a:rPr>
+              <a:t>['one, 'two, 'three'] </a:t>
+            </a:r>
+          </a:p>
+          <a:p>
+            <a:pPr marL="0" indent="0">
+              <a:buNone/>
+            </a:pPr>
             <a:endParaRPr lang="en-US" b="1" dirty="0">
-              <a:solidFill>
-                <a:srgbClr val="000087"/>
-              </a:solidFill>
               <a:latin typeface="Inconsolata Medium" panose="020B0609030003000000" pitchFamily="49" charset="77"/>
             </a:endParaRPr>
           </a:p>
@@ -5622,240 +5625,130 @@
                 </a:solidFill>
                 <a:latin typeface="Inconsolata Medium" panose="020B0609030003000000" pitchFamily="49" charset="77"/>
               </a:rPr>
-              <a:t>27</a:t>
-            </a:r>
-            <a:r>
-              <a:rPr lang="en-US" b="1" dirty="0">
-                <a:latin typeface="Inconsolata Medium" panose="020B0609030003000000" pitchFamily="49" charset="77"/>
-              </a:rPr>
-              <a:t>]: </a:t>
-            </a:r>
-            <a:r>
-              <a:rPr lang="en-US" b="1" dirty="0">
-                <a:solidFill>
-                  <a:srgbClr val="000087"/>
-                </a:solidFill>
-                <a:latin typeface="Inconsolata Medium" panose="020B0609030003000000" pitchFamily="49" charset="77"/>
-              </a:rPr>
-              <a:t>numbers </a:t>
-            </a:r>
-            <a:r>
-              <a:rPr lang="en-US" b="1" dirty="0">
-                <a:solidFill>
-                  <a:srgbClr val="545454"/>
-                </a:solidFill>
-                <a:latin typeface="Inconsolata Medium" panose="020B0609030003000000" pitchFamily="49" charset="77"/>
-              </a:rPr>
-              <a:t>= </a:t>
-            </a:r>
-            <a:r>
-              <a:rPr lang="en-US" b="1" dirty="0">
-                <a:latin typeface="Inconsolata Medium" panose="020B0609030003000000" pitchFamily="49" charset="77"/>
-              </a:rPr>
-              <a:t>{</a:t>
-            </a:r>
-            <a:r>
-              <a:rPr lang="en-US" b="1" dirty="0">
-                <a:solidFill>
-                  <a:srgbClr val="CC3300"/>
-                </a:solidFill>
-                <a:latin typeface="Inconsolata Medium" panose="020B0609030003000000" pitchFamily="49" charset="77"/>
-              </a:rPr>
-              <a:t>'one'</a:t>
-            </a:r>
-            <a:r>
-              <a:rPr lang="en-US" b="1" dirty="0">
-                <a:latin typeface="Inconsolata Medium" panose="020B0609030003000000" pitchFamily="49" charset="77"/>
-              </a:rPr>
-              <a:t>:</a:t>
-            </a:r>
-            <a:r>
-              <a:rPr lang="en-US" b="1" dirty="0">
-                <a:solidFill>
-                  <a:srgbClr val="FF6600"/>
-                </a:solidFill>
-                <a:latin typeface="Inconsolata Medium" panose="020B0609030003000000" pitchFamily="49" charset="77"/>
-              </a:rPr>
-              <a:t>1</a:t>
-            </a:r>
-            <a:r>
-              <a:rPr lang="en-US" b="1" dirty="0">
+              <a:t>29</a:t>
+            </a:r>
+            <a:r>
+              <a:rPr lang="en-US" b="1" dirty="0">
+                <a:latin typeface="Inconsolata Medium" panose="020B0609030003000000" pitchFamily="49" charset="77"/>
+              </a:rPr>
+              <a:t>]: k = </a:t>
+            </a:r>
+            <a:r>
+              <a:rPr lang="en-US" b="1" dirty="0">
+                <a:solidFill>
+                  <a:srgbClr val="336666"/>
+                </a:solidFill>
+                <a:latin typeface="Inconsolata Medium" panose="020B0609030003000000" pitchFamily="49" charset="77"/>
+              </a:rPr>
+              <a:t>list</a:t>
+            </a:r>
+            <a:r>
+              <a:rPr lang="en-US" b="1" dirty="0">
+                <a:latin typeface="Inconsolata Medium" panose="020B0609030003000000" pitchFamily="49" charset="77"/>
+              </a:rPr>
+              <a:t>(</a:t>
+            </a:r>
+            <a:r>
+              <a:rPr lang="en-US" b="1" dirty="0" err="1">
+                <a:latin typeface="Inconsolata Medium" panose="020B0609030003000000" pitchFamily="49" charset="77"/>
+              </a:rPr>
+              <a:t>numbers.values</a:t>
+            </a:r>
+            <a:r>
+              <a:rPr lang="en-US" b="1" dirty="0">
+                <a:latin typeface="Inconsolata Medium" panose="020B0609030003000000" pitchFamily="49" charset="77"/>
+              </a:rPr>
+              <a:t>())</a:t>
+            </a:r>
+          </a:p>
+          <a:p>
+            <a:pPr marL="0" indent="0">
+              <a:buNone/>
+            </a:pPr>
+            <a:r>
+              <a:rPr lang="en-US" b="1" dirty="0">
+                <a:solidFill>
+                  <a:srgbClr val="006699"/>
+                </a:solidFill>
+                <a:latin typeface="Inconsolata Medium" panose="020B0609030003000000" pitchFamily="49" charset="77"/>
+              </a:rPr>
+              <a:t>	    print</a:t>
+            </a:r>
+            <a:r>
+              <a:rPr lang="en-US" b="1" dirty="0">
+                <a:latin typeface="Inconsolata Medium" panose="020B0609030003000000" pitchFamily="49" charset="77"/>
+              </a:rPr>
+              <a:t>(k)</a:t>
+            </a:r>
+          </a:p>
+          <a:p>
+            <a:pPr marL="0" indent="0">
+              <a:buNone/>
+            </a:pPr>
+            <a:br>
+              <a:rPr lang="en-US" b="1">
+                <a:latin typeface="Inconsolata Medium" panose="020B0609030003000000" pitchFamily="49" charset="77"/>
+              </a:rPr>
+            </a:br>
+            <a:r>
+              <a:rPr lang="en-US" b="1">
+                <a:latin typeface="Inconsolata Medium" panose="020B0609030003000000" pitchFamily="49" charset="77"/>
+              </a:rPr>
+              <a:t>[1, </a:t>
+            </a:r>
+            <a:r>
+              <a:rPr lang="en-US" b="1" dirty="0">
+                <a:latin typeface="Inconsolata Medium" panose="020B0609030003000000" pitchFamily="49" charset="77"/>
+              </a:rPr>
+              <a:t>2</a:t>
+            </a:r>
+            <a:r>
+              <a:rPr lang="en-US" b="1">
                 <a:latin typeface="Inconsolata Medium" panose="020B0609030003000000" pitchFamily="49" charset="77"/>
               </a:rPr>
               <a:t>, </a:t>
             </a:r>
             <a:r>
               <a:rPr lang="en-US" b="1" dirty="0">
-                <a:solidFill>
-                  <a:srgbClr val="CC3300"/>
-                </a:solidFill>
-                <a:latin typeface="Inconsolata Medium" panose="020B0609030003000000" pitchFamily="49" charset="77"/>
-              </a:rPr>
-              <a:t>'two'</a:t>
-            </a:r>
-            <a:r>
-              <a:rPr lang="en-US" b="1" dirty="0">
-                <a:latin typeface="Inconsolata Medium" panose="020B0609030003000000" pitchFamily="49" charset="77"/>
-              </a:rPr>
-              <a:t>:</a:t>
-            </a:r>
-            <a:r>
-              <a:rPr lang="en-US" b="1" dirty="0">
-                <a:solidFill>
-                  <a:srgbClr val="FF6600"/>
-                </a:solidFill>
-                <a:latin typeface="Inconsolata Medium" panose="020B0609030003000000" pitchFamily="49" charset="77"/>
-              </a:rPr>
-              <a:t>2</a:t>
-            </a:r>
-            <a:r>
-              <a:rPr lang="en-US" b="1" dirty="0">
-                <a:latin typeface="Inconsolata Medium" panose="020B0609030003000000" pitchFamily="49" charset="77"/>
-              </a:rPr>
-              <a:t>, </a:t>
-            </a:r>
-            <a:r>
-              <a:rPr lang="en-US" b="1" dirty="0">
-                <a:solidFill>
-                  <a:srgbClr val="CC3300"/>
-                </a:solidFill>
-                <a:latin typeface="Inconsolata Medium" panose="020B0609030003000000" pitchFamily="49" charset="77"/>
-              </a:rPr>
-              <a:t>'three'</a:t>
-            </a:r>
-            <a:r>
-              <a:rPr lang="en-US" b="1" dirty="0">
-                <a:latin typeface="Inconsolata Medium" panose="020B0609030003000000" pitchFamily="49" charset="77"/>
-              </a:rPr>
-              <a:t>:</a:t>
-            </a:r>
-            <a:r>
-              <a:rPr lang="en-US" b="1" dirty="0">
-                <a:solidFill>
-                  <a:srgbClr val="FF6600"/>
-                </a:solidFill>
                 <a:latin typeface="Inconsolata Medium" panose="020B0609030003000000" pitchFamily="49" charset="77"/>
               </a:rPr>
               <a:t>3</a:t>
             </a:r>
             <a:r>
-              <a:rPr lang="en-US" b="1" dirty="0">
-                <a:latin typeface="Inconsolata Medium" panose="020B0609030003000000" pitchFamily="49" charset="77"/>
-              </a:rPr>
-              <a:t>} </a:t>
-            </a:r>
-          </a:p>
-          <a:p>
-            <a:pPr marL="0" indent="0">
-              <a:buNone/>
-            </a:pPr>
-            <a:r>
-              <a:rPr lang="en-US" b="1" dirty="0">
-                <a:solidFill>
-                  <a:srgbClr val="006699"/>
-                </a:solidFill>
-                <a:latin typeface="Inconsolata Medium" panose="020B0609030003000000" pitchFamily="49" charset="77"/>
-              </a:rPr>
-              <a:t>	    for </a:t>
-            </a:r>
-            <a:r>
-              <a:rPr lang="en-US" b="1" dirty="0">
-                <a:solidFill>
-                  <a:srgbClr val="000087"/>
-                </a:solidFill>
-                <a:latin typeface="Inconsolata Medium" panose="020B0609030003000000" pitchFamily="49" charset="77"/>
-              </a:rPr>
-              <a:t>x </a:t>
-            </a:r>
-            <a:r>
-              <a:rPr lang="en-US" b="1" dirty="0">
-                <a:latin typeface="Inconsolata Medium" panose="020B0609030003000000" pitchFamily="49" charset="77"/>
-              </a:rPr>
-              <a:t>in </a:t>
-            </a:r>
-            <a:r>
-              <a:rPr lang="en-US" b="1" dirty="0">
-                <a:solidFill>
-                  <a:srgbClr val="336666"/>
-                </a:solidFill>
-                <a:latin typeface="Inconsolata Medium" panose="020B0609030003000000" pitchFamily="49" charset="77"/>
-              </a:rPr>
-              <a:t>numbers</a:t>
-            </a:r>
-            <a:r>
-              <a:rPr lang="en-US" b="1" dirty="0">
-                <a:latin typeface="Inconsolata Medium" panose="020B0609030003000000" pitchFamily="49" charset="77"/>
-              </a:rPr>
-              <a:t>: </a:t>
-            </a:r>
-          </a:p>
-          <a:p>
-            <a:pPr marL="0" indent="0">
-              <a:buNone/>
-            </a:pPr>
-            <a:r>
-              <a:rPr lang="en-US" b="1" dirty="0">
-                <a:solidFill>
-                  <a:srgbClr val="006699"/>
-                </a:solidFill>
-                <a:latin typeface="Inconsolata Medium" panose="020B0609030003000000" pitchFamily="49" charset="77"/>
-              </a:rPr>
-              <a:t>		  print</a:t>
-            </a:r>
-            <a:r>
-              <a:rPr lang="en-US" b="1" dirty="0">
-                <a:latin typeface="Inconsolata Medium" panose="020B0609030003000000" pitchFamily="49" charset="77"/>
-              </a:rPr>
-              <a:t>(</a:t>
-            </a:r>
-            <a:r>
-              <a:rPr lang="en-US" b="1" dirty="0">
-                <a:solidFill>
-                  <a:srgbClr val="000087"/>
-                </a:solidFill>
-                <a:latin typeface="Inconsolata Medium" panose="020B0609030003000000" pitchFamily="49" charset="77"/>
-              </a:rPr>
-              <a:t>x</a:t>
-            </a:r>
-            <a:r>
-              <a:rPr lang="en-US" b="1" dirty="0">
-                <a:latin typeface="Inconsolata Medium" panose="020B0609030003000000" pitchFamily="49" charset="77"/>
-              </a:rPr>
-              <a:t>, </a:t>
-            </a:r>
-            <a:r>
-              <a:rPr lang="en-US" b="1" dirty="0">
-                <a:solidFill>
-                  <a:srgbClr val="000087"/>
-                </a:solidFill>
-                <a:latin typeface="Inconsolata Medium" panose="020B0609030003000000" pitchFamily="49" charset="77"/>
-              </a:rPr>
-              <a:t>end</a:t>
-            </a:r>
-            <a:r>
-              <a:rPr lang="en-US" b="1" dirty="0">
-                <a:solidFill>
-                  <a:srgbClr val="545454"/>
-                </a:solidFill>
-                <a:latin typeface="Inconsolata Medium" panose="020B0609030003000000" pitchFamily="49" charset="77"/>
-              </a:rPr>
-              <a:t>=</a:t>
-            </a:r>
-            <a:r>
-              <a:rPr lang="en-US" b="1" dirty="0">
-                <a:solidFill>
-                  <a:srgbClr val="CC3300"/>
-                </a:solidFill>
-                <a:latin typeface="Inconsolata Medium" panose="020B0609030003000000" pitchFamily="49" charset="77"/>
-              </a:rPr>
-              <a:t>‘ ’</a:t>
-            </a:r>
-            <a:r>
-              <a:rPr lang="en-US" b="1" dirty="0">
-                <a:latin typeface="Inconsolata Medium" panose="020B0609030003000000" pitchFamily="49" charset="77"/>
-              </a:rPr>
-              <a:t>) </a:t>
-            </a:r>
+              <a:rPr lang="en-US" b="1">
+                <a:latin typeface="Inconsolata Medium" panose="020B0609030003000000" pitchFamily="49" charset="77"/>
+              </a:rPr>
+              <a:t>] </a:t>
+            </a:r>
+            <a:endParaRPr lang="en-US" b="1" dirty="0">
+              <a:latin typeface="Inconsolata Medium" panose="020B0609030003000000" pitchFamily="49" charset="77"/>
+            </a:endParaRPr>
+          </a:p>
+          <a:p>
+            <a:pPr marL="0" indent="0">
+              <a:buNone/>
+            </a:pPr>
+            <a:endParaRPr lang="en-US" b="1" dirty="0">
+              <a:latin typeface="Inconsolata Medium" panose="020B0609030003000000" pitchFamily="49" charset="77"/>
+            </a:endParaRPr>
+          </a:p>
+          <a:p>
+            <a:pPr marL="0" indent="0">
+              <a:buNone/>
+            </a:pPr>
+            <a:endParaRPr lang="en-US" dirty="0"/>
+          </a:p>
+          <a:p>
+            <a:pPr marL="0" indent="0">
+              <a:buNone/>
+            </a:pPr>
+            <a:endParaRPr lang="en-US" dirty="0"/>
+          </a:p>
+          <a:p>
+            <a:pPr marL="0" indent="0">
+              <a:buNone/>
+            </a:pPr>
+            <a:endParaRPr lang="en-US" dirty="0"/>
           </a:p>
           <a:p>
             <a:pPr marL="0" indent="0">
@@ -5863,182 +5756,7 @@
             </a:pPr>
             <a:r>
               <a:rPr lang="en-US" dirty="0"/>
-              <a:t>one two three</a:t>
-            </a:r>
-          </a:p>
-          <a:p>
-            <a:pPr marL="0" indent="0">
-              <a:buNone/>
-            </a:pPr>
-            <a:endParaRPr lang="en-US" dirty="0"/>
-          </a:p>
-          <a:p>
-            <a:pPr marL="0" indent="0">
-              <a:buNone/>
-            </a:pPr>
-            <a:r>
-              <a:rPr lang="en-US" dirty="0"/>
-              <a:t>To iterate over values of the dictionary use, values().</a:t>
-            </a:r>
-          </a:p>
-          <a:p>
-            <a:pPr marL="0" indent="0">
-              <a:buNone/>
-            </a:pPr>
-            <a:r>
-              <a:rPr lang="en-US" b="1" dirty="0">
-                <a:solidFill>
-                  <a:srgbClr val="000087"/>
-                </a:solidFill>
-                <a:latin typeface="Inconsolata Medium" panose="020B0609030003000000" pitchFamily="49" charset="77"/>
-              </a:rPr>
-              <a:t>In </a:t>
-            </a:r>
-            <a:r>
-              <a:rPr lang="en-US" b="1" dirty="0">
-                <a:latin typeface="Inconsolata Medium" panose="020B0609030003000000" pitchFamily="49" charset="77"/>
-              </a:rPr>
-              <a:t>[</a:t>
-            </a:r>
-            <a:r>
-              <a:rPr lang="en-US" b="1" dirty="0">
-                <a:solidFill>
-                  <a:srgbClr val="FF6600"/>
-                </a:solidFill>
-                <a:latin typeface="Inconsolata Medium" panose="020B0609030003000000" pitchFamily="49" charset="77"/>
-              </a:rPr>
-              <a:t>27</a:t>
-            </a:r>
-            <a:r>
-              <a:rPr lang="en-US" b="1" dirty="0">
-                <a:latin typeface="Inconsolata Medium" panose="020B0609030003000000" pitchFamily="49" charset="77"/>
-              </a:rPr>
-              <a:t>]: </a:t>
-            </a:r>
-            <a:r>
-              <a:rPr lang="en-US" b="1" dirty="0">
-                <a:solidFill>
-                  <a:srgbClr val="006699"/>
-                </a:solidFill>
-                <a:latin typeface="Inconsolata Medium" panose="020B0609030003000000" pitchFamily="49" charset="77"/>
-              </a:rPr>
-              <a:t>for </a:t>
-            </a:r>
-            <a:r>
-              <a:rPr lang="en-US" b="1" dirty="0">
-                <a:solidFill>
-                  <a:srgbClr val="000087"/>
-                </a:solidFill>
-                <a:latin typeface="Inconsolata Medium" panose="020B0609030003000000" pitchFamily="49" charset="77"/>
-              </a:rPr>
-              <a:t>x </a:t>
-            </a:r>
-            <a:r>
-              <a:rPr lang="en-US" b="1" dirty="0">
-                <a:latin typeface="Inconsolata Medium" panose="020B0609030003000000" pitchFamily="49" charset="77"/>
-              </a:rPr>
-              <a:t>in </a:t>
-            </a:r>
-            <a:r>
-              <a:rPr lang="en-US" b="1" dirty="0" err="1">
-                <a:solidFill>
-                  <a:srgbClr val="336666"/>
-                </a:solidFill>
-                <a:latin typeface="Inconsolata Medium" panose="020B0609030003000000" pitchFamily="49" charset="77"/>
-              </a:rPr>
-              <a:t>numbers.values</a:t>
-            </a:r>
-            <a:r>
-              <a:rPr lang="en-US" b="1" dirty="0">
-                <a:solidFill>
-                  <a:srgbClr val="336666"/>
-                </a:solidFill>
-                <a:latin typeface="Inconsolata Medium" panose="020B0609030003000000" pitchFamily="49" charset="77"/>
-              </a:rPr>
-              <a:t>()</a:t>
-            </a:r>
-            <a:r>
-              <a:rPr lang="en-US" b="1" dirty="0">
-                <a:latin typeface="Inconsolata Medium" panose="020B0609030003000000" pitchFamily="49" charset="77"/>
-              </a:rPr>
-              <a:t>: </a:t>
-            </a:r>
-          </a:p>
-          <a:p>
-            <a:pPr marL="0" indent="0">
-              <a:buNone/>
-            </a:pPr>
-            <a:r>
-              <a:rPr lang="en-US" b="1" dirty="0">
-                <a:solidFill>
-                  <a:srgbClr val="006699"/>
-                </a:solidFill>
-                <a:latin typeface="Inconsolata Medium" panose="020B0609030003000000" pitchFamily="49" charset="77"/>
-              </a:rPr>
-              <a:t>		  print</a:t>
-            </a:r>
-            <a:r>
-              <a:rPr lang="en-US" b="1" dirty="0">
-                <a:latin typeface="Inconsolata Medium" panose="020B0609030003000000" pitchFamily="49" charset="77"/>
-              </a:rPr>
-              <a:t>(</a:t>
-            </a:r>
-            <a:r>
-              <a:rPr lang="en-US" b="1" dirty="0">
-                <a:solidFill>
-                  <a:srgbClr val="000087"/>
-                </a:solidFill>
-                <a:latin typeface="Inconsolata Medium" panose="020B0609030003000000" pitchFamily="49" charset="77"/>
-              </a:rPr>
-              <a:t>x</a:t>
-            </a:r>
-            <a:r>
-              <a:rPr lang="en-US" b="1" dirty="0">
-                <a:latin typeface="Inconsolata Medium" panose="020B0609030003000000" pitchFamily="49" charset="77"/>
-              </a:rPr>
-              <a:t>, </a:t>
-            </a:r>
-            <a:r>
-              <a:rPr lang="en-US" b="1" dirty="0">
-                <a:solidFill>
-                  <a:srgbClr val="000087"/>
-                </a:solidFill>
-                <a:latin typeface="Inconsolata Medium" panose="020B0609030003000000" pitchFamily="49" charset="77"/>
-              </a:rPr>
-              <a:t>end</a:t>
-            </a:r>
-            <a:r>
-              <a:rPr lang="en-US" b="1" dirty="0">
-                <a:solidFill>
-                  <a:srgbClr val="545454"/>
-                </a:solidFill>
-                <a:latin typeface="Inconsolata Medium" panose="020B0609030003000000" pitchFamily="49" charset="77"/>
-              </a:rPr>
-              <a:t>=</a:t>
-            </a:r>
-            <a:r>
-              <a:rPr lang="en-US" b="1" dirty="0">
-                <a:solidFill>
-                  <a:srgbClr val="CC3300"/>
-                </a:solidFill>
-                <a:latin typeface="Inconsolata Medium" panose="020B0609030003000000" pitchFamily="49" charset="77"/>
-              </a:rPr>
-              <a:t>‘ ’</a:t>
-            </a:r>
-            <a:r>
-              <a:rPr lang="en-US" b="1" dirty="0">
-                <a:latin typeface="Inconsolata Medium" panose="020B0609030003000000" pitchFamily="49" charset="77"/>
-              </a:rPr>
-              <a:t>) </a:t>
-            </a:r>
-          </a:p>
-          <a:p>
-            <a:pPr marL="0" indent="0">
-              <a:buNone/>
-            </a:pPr>
-            <a:r>
-              <a:rPr lang="en-US" dirty="0"/>
-              <a:t>1 2 3</a:t>
+              <a:t> </a:t>
             </a:r>
           </a:p>
           <a:p>
@@ -6058,7 +5776,7 @@
     </p:spTree>
     <p:extLst>
       <p:ext uri="{BB962C8B-B14F-4D97-AF65-F5344CB8AC3E}">
-        <p14:creationId xmlns:p14="http://schemas.microsoft.com/office/powerpoint/2010/main" val="67073653"/>
+        <p14:creationId xmlns:p14="http://schemas.microsoft.com/office/powerpoint/2010/main" val="2648987374"/>
       </p:ext>
     </p:extLst>
   </p:cSld>
@@ -6152,7 +5870,7 @@
             </a:pPr>
             <a:r>
               <a:rPr lang="en-US" dirty="0"/>
-              <a:t>It is easy to iterate over both keys and values of the dictionary. </a:t>
+              <a:t>It is easy to iterate over keys of the dictionary. </a:t>
             </a:r>
             <a:endParaRPr lang="en-US" b="1" dirty="0">
               <a:solidFill>
@@ -6341,7 +6059,7 @@
                 </a:solidFill>
                 <a:latin typeface="Inconsolata Medium" panose="020B0609030003000000" pitchFamily="49" charset="77"/>
               </a:rPr>
-              <a:t>k, v </a:t>
+              <a:t>x </a:t>
             </a:r>
             <a:r>
               <a:rPr lang="en-US" b="1" dirty="0">
@@ -6350,13 +6068,179 @@
               <a:t>in </a:t>
             </a:r>
             <a:r>
+              <a:rPr lang="en-US" b="1" dirty="0">
+                <a:solidFill>
+                  <a:srgbClr val="336666"/>
+                </a:solidFill>
+                <a:latin typeface="Inconsolata Medium" panose="020B0609030003000000" pitchFamily="49" charset="77"/>
+              </a:rPr>
+              <a:t>numbers</a:t>
+            </a:r>
+            <a:r>
+              <a:rPr lang="en-US" b="1" dirty="0">
+                <a:latin typeface="Inconsolata Medium" panose="020B0609030003000000" pitchFamily="49" charset="77"/>
+              </a:rPr>
+              <a:t>: </a:t>
+            </a:r>
+          </a:p>
+          <a:p>
+            <a:pPr marL="0" indent="0">
+              <a:buNone/>
+            </a:pPr>
+            <a:r>
+              <a:rPr lang="en-US" b="1" dirty="0">
+                <a:solidFill>
+                  <a:srgbClr val="006699"/>
+                </a:solidFill>
+                <a:latin typeface="Inconsolata Medium" panose="020B0609030003000000" pitchFamily="49" charset="77"/>
+              </a:rPr>
+              <a:t>		  print</a:t>
+            </a:r>
+            <a:r>
+              <a:rPr lang="en-US" b="1" dirty="0">
+                <a:latin typeface="Inconsolata Medium" panose="020B0609030003000000" pitchFamily="49" charset="77"/>
+              </a:rPr>
+              <a:t>(</a:t>
+            </a:r>
+            <a:r>
+              <a:rPr lang="en-US" b="1" dirty="0">
+                <a:solidFill>
+                  <a:srgbClr val="000087"/>
+                </a:solidFill>
+                <a:latin typeface="Inconsolata Medium" panose="020B0609030003000000" pitchFamily="49" charset="77"/>
+              </a:rPr>
+              <a:t>x</a:t>
+            </a:r>
+            <a:r>
+              <a:rPr lang="en-US" b="1" dirty="0">
+                <a:latin typeface="Inconsolata Medium" panose="020B0609030003000000" pitchFamily="49" charset="77"/>
+              </a:rPr>
+              <a:t>, </a:t>
+            </a:r>
+            <a:r>
+              <a:rPr lang="en-US" b="1" dirty="0">
+                <a:solidFill>
+                  <a:srgbClr val="000087"/>
+                </a:solidFill>
+                <a:latin typeface="Inconsolata Medium" panose="020B0609030003000000" pitchFamily="49" charset="77"/>
+              </a:rPr>
+              <a:t>end</a:t>
+            </a:r>
+            <a:r>
+              <a:rPr lang="en-US" b="1" dirty="0">
+                <a:solidFill>
+                  <a:srgbClr val="545454"/>
+                </a:solidFill>
+                <a:latin typeface="Inconsolata Medium" panose="020B0609030003000000" pitchFamily="49" charset="77"/>
+              </a:rPr>
+              <a:t>=</a:t>
+            </a:r>
+            <a:r>
+              <a:rPr lang="en-US" b="1" dirty="0">
+                <a:solidFill>
+                  <a:srgbClr val="CC3300"/>
+                </a:solidFill>
+                <a:latin typeface="Inconsolata Medium" panose="020B0609030003000000" pitchFamily="49" charset="77"/>
+              </a:rPr>
+              <a:t>‘ ’</a:t>
+            </a:r>
+            <a:r>
+              <a:rPr lang="en-US" b="1" dirty="0">
+                <a:latin typeface="Inconsolata Medium" panose="020B0609030003000000" pitchFamily="49" charset="77"/>
+              </a:rPr>
+              <a:t>) </a:t>
+            </a:r>
+          </a:p>
+          <a:p>
+            <a:pPr marL="0" indent="0">
+              <a:buNone/>
+            </a:pPr>
+            <a:r>
+              <a:rPr lang="en-US" dirty="0"/>
+              <a:t>one two three</a:t>
+            </a:r>
+          </a:p>
+          <a:p>
+            <a:pPr marL="0" indent="0">
+              <a:buNone/>
+            </a:pPr>
+            <a:endParaRPr lang="en-US" dirty="0"/>
+          </a:p>
+          <a:p>
+            <a:pPr marL="0" indent="0">
+              <a:buNone/>
+            </a:pPr>
+            <a:r>
+              <a:rPr lang="en-US" dirty="0"/>
+              <a:t>To iterate over values of the dictionary use, values().</a:t>
+            </a:r>
+          </a:p>
+          <a:p>
+            <a:pPr marL="0" indent="0">
+              <a:buNone/>
+            </a:pPr>
+            <a:r>
+              <a:rPr lang="en-US" b="1" dirty="0">
+                <a:solidFill>
+                  <a:srgbClr val="000087"/>
+                </a:solidFill>
+                <a:latin typeface="Inconsolata Medium" panose="020B0609030003000000" pitchFamily="49" charset="77"/>
+              </a:rPr>
+              <a:t>In </a:t>
+            </a:r>
+            <a:r>
+              <a:rPr lang="en-US" b="1" dirty="0">
+                <a:latin typeface="Inconsolata Medium" panose="020B0609030003000000" pitchFamily="49" charset="77"/>
+              </a:rPr>
+              <a:t>[</a:t>
+            </a:r>
+            <a:r>
+              <a:rPr lang="en-US" b="1" dirty="0">
+                <a:solidFill>
+                  <a:srgbClr val="FF6600"/>
+                </a:solidFill>
+                <a:latin typeface="Inconsolata Medium" panose="020B0609030003000000" pitchFamily="49" charset="77"/>
+              </a:rPr>
+              <a:t>27</a:t>
+            </a:r>
+            <a:r>
+              <a:rPr lang="en-US" b="1" dirty="0">
+                <a:latin typeface="Inconsolata Medium" panose="020B0609030003000000" pitchFamily="49" charset="77"/>
+              </a:rPr>
+              <a:t>]: </a:t>
+            </a:r>
+            <a:r>
+              <a:rPr lang="en-US" b="1" dirty="0">
+                <a:solidFill>
+                  <a:srgbClr val="006699"/>
+                </a:solidFill>
+                <a:latin typeface="Inconsolata Medium" panose="020B0609030003000000" pitchFamily="49" charset="77"/>
+              </a:rPr>
+              <a:t>for </a:t>
+            </a:r>
+            <a:r>
+              <a:rPr lang="en-US" b="1" dirty="0">
+                <a:solidFill>
+                  <a:srgbClr val="000087"/>
+                </a:solidFill>
+                <a:latin typeface="Inconsolata Medium" panose="020B0609030003000000" pitchFamily="49" charset="77"/>
+              </a:rPr>
+              <a:t>x </a:t>
+            </a:r>
+            <a:r>
+              <a:rPr lang="en-US" b="1" dirty="0">
+                <a:latin typeface="Inconsolata Medium" panose="020B0609030003000000" pitchFamily="49" charset="77"/>
+              </a:rPr>
+              <a:t>in </a:t>
+            </a:r>
+            <a:r>
               <a:rPr lang="en-US" b="1" dirty="0" err="1">
                 <a:solidFill>
                   <a:srgbClr val="336666"/>
                 </a:solidFill>
                 <a:latin typeface="Inconsolata Medium" panose="020B0609030003000000" pitchFamily="49" charset="77"/>
               </a:rPr>
-              <a:t>numbers.items</a:t>
+              <a:t>numbers.values</a:t>
             </a:r>
             <a:r>
               <a:rPr lang="en-US" b="1" dirty="0">
@@ -6400,7 +6284,40 @@
                 </a:solidFill>
                 <a:latin typeface="Inconsolata Medium" panose="020B0609030003000000" pitchFamily="49" charset="77"/>
               </a:rPr>
-              <a:t>k, v</a:t>
+              <a:t>x</a:t>
+            </a:r>
+            <a:r>
+              <a:rPr lang="en-US" b="1" dirty="0">
+                <a:latin typeface="Inconsolata Medium" panose="020B0609030003000000" pitchFamily="49" charset="77"/>
+              </a:rPr>
+              <a:t>, </a:t>
+            </a:r>
+            <a:r>
+              <a:rPr lang="en-US" b="1" dirty="0">
+                <a:solidFill>
+                  <a:srgbClr val="000087"/>
+                </a:solidFill>
+                <a:latin typeface="Inconsolata Medium" panose="020B0609030003000000" pitchFamily="49" charset="77"/>
+              </a:rPr>
+              <a:t>end</a:t>
+            </a:r>
+            <a:r>
+              <a:rPr lang="en-US" b="1" dirty="0">
+                <a:solidFill>
+                  <a:srgbClr val="545454"/>
+                </a:solidFill>
+                <a:latin typeface="Inconsolata Medium" panose="020B0609030003000000" pitchFamily="49" charset="77"/>
+              </a:rPr>
+              <a:t>=</a:t>
+            </a:r>
+            <a:r>
+              <a:rPr lang="en-US" b="1" dirty="0">
+                <a:solidFill>
+                  <a:srgbClr val="CC3300"/>
+                </a:solidFill>
+                <a:latin typeface="Inconsolata Medium" panose="020B0609030003000000" pitchFamily="49" charset="77"/>
+              </a:rPr>
+              <a:t>‘ ’</a:t>
             </a:r>
             <a:r>
               <a:rPr lang="en-US" b="1" dirty="0">
@@ -6415,32 +6332,8 @@
             </a:pPr>
             <a:r>
               <a:rPr lang="en-US" dirty="0"/>
-              <a:t>one 1</a:t>
-            </a:r>
-          </a:p>
-          <a:p>
-            <a:pPr marL="0" indent="0">
-              <a:buNone/>
-            </a:pPr>
-            <a:r>
-              <a:rPr lang="en-US" dirty="0"/>
-              <a:t>two 2</a:t>
-            </a:r>
-          </a:p>
-          <a:p>
-            <a:pPr marL="0" indent="0">
-              <a:buNone/>
-            </a:pPr>
-            <a:r>
-              <a:rPr lang="en-US" dirty="0"/>
-              <a:t>three 3</a:t>
-            </a:r>
-          </a:p>
-          <a:p>
-            <a:pPr marL="0" indent="0">
-              <a:buNone/>
-            </a:pPr>
-            <a:endParaRPr lang="en-US" dirty="0"/>
+              <a:t>1 2 3</a:t>
+            </a:r>
           </a:p>
           <a:p>
             <a:pPr marL="0" indent="0">
@@ -6459,7 +6352,7 @@
     </p:spTree>
     <p:extLst>
       <p:ext uri="{BB962C8B-B14F-4D97-AF65-F5344CB8AC3E}">
-        <p14:creationId xmlns:p14="http://schemas.microsoft.com/office/powerpoint/2010/main" val="3246446892"/>
+        <p14:creationId xmlns:p14="http://schemas.microsoft.com/office/powerpoint/2010/main" val="67073653"/>
       </p:ext>
     </p:extLst>
   </p:cSld>
@@ -6513,9 +6406,10 @@
           <a:lstStyle/>
           <a:p>
             <a:r>
-              <a:rPr lang="en-US" dirty="0"/>
-              <a:t>Membership and  Operations</a:t>
-            </a:r>
+              <a:rPr lang="en-US" dirty="0" err="1"/>
+              <a:t>Iterables</a:t>
+            </a:r>
+            <a:endParaRPr lang="en-US" dirty="0"/>
           </a:p>
         </p:txBody>
       </p:sp>
@@ -6537,8 +6431,8 @@
         </p:nvSpPr>
         <p:spPr>
           <a:xfrm>
-            <a:off x="483848" y="1150913"/>
-            <a:ext cx="8051725" cy="4440590"/>
+            <a:off x="483848" y="1150912"/>
+            <a:ext cx="8051725" cy="4564087"/>
           </a:xfrm>
         </p:spPr>
         <p:txBody>
@@ -6550,82 +6444,316 @@
             <a:pPr marL="0" indent="0">
               <a:buNone/>
             </a:pPr>
-            <a:endParaRPr lang="en-US" dirty="0"/>
-          </a:p>
-          <a:p>
-            <a:pPr marL="0" indent="0">
-              <a:buNone/>
-            </a:pPr>
-            <a:endParaRPr lang="en-US" dirty="0"/>
-          </a:p>
-          <a:p>
-            <a:pPr marL="0" indent="0">
-              <a:buNone/>
-            </a:pPr>
-            <a:endParaRPr lang="en-US" dirty="0"/>
-          </a:p>
-          <a:p>
-            <a:pPr marL="0" indent="0">
-              <a:buNone/>
-            </a:pPr>
-            <a:endParaRPr lang="en-US" dirty="0"/>
-          </a:p>
-          <a:p>
-            <a:pPr marL="0" indent="0">
-              <a:buNone/>
-            </a:pPr>
-            <a:endParaRPr lang="en-US" dirty="0"/>
-          </a:p>
-          <a:p>
-            <a:pPr marL="0" indent="0">
-              <a:buNone/>
-            </a:pPr>
-            <a:endParaRPr lang="en-US" dirty="0"/>
-          </a:p>
-          <a:p>
-            <a:pPr marL="0" indent="0">
-              <a:buNone/>
-            </a:pPr>
-            <a:endParaRPr lang="en-US" sz="1900" b="1" dirty="0">
+            <a:r>
+              <a:rPr lang="en-US" dirty="0"/>
+              <a:t>It is easy to iterate over both keys and values of the dictionary.  Use the method items().</a:t>
+            </a:r>
+            <a:endParaRPr lang="en-US" b="1" dirty="0">
+              <a:solidFill>
+                <a:srgbClr val="000087"/>
+              </a:solidFill>
               <a:latin typeface="Inconsolata Medium" panose="020B0609030003000000" pitchFamily="49" charset="77"/>
             </a:endParaRPr>
           </a:p>
+          <a:p>
+            <a:pPr marL="0" indent="0">
+              <a:buNone/>
+            </a:pPr>
+            <a:endParaRPr lang="en-US" b="1" dirty="0">
+              <a:solidFill>
+                <a:srgbClr val="000087"/>
+              </a:solidFill>
+              <a:latin typeface="Inconsolata Medium" panose="020B0609030003000000" pitchFamily="49" charset="77"/>
+            </a:endParaRPr>
+          </a:p>
+          <a:p>
+            <a:pPr marL="0" indent="0">
+              <a:buNone/>
+            </a:pPr>
+            <a:r>
+              <a:rPr lang="en-US" b="1" dirty="0">
+                <a:solidFill>
+                  <a:srgbClr val="000087"/>
+                </a:solidFill>
+                <a:latin typeface="Inconsolata Medium" panose="020B0609030003000000" pitchFamily="49" charset="77"/>
+              </a:rPr>
+              <a:t>In </a:t>
+            </a:r>
+            <a:r>
+              <a:rPr lang="en-US" b="1" dirty="0">
+                <a:latin typeface="Inconsolata Medium" panose="020B0609030003000000" pitchFamily="49" charset="77"/>
+              </a:rPr>
+              <a:t>[</a:t>
+            </a:r>
+            <a:r>
+              <a:rPr lang="en-US" b="1" dirty="0">
+                <a:solidFill>
+                  <a:srgbClr val="FF6600"/>
+                </a:solidFill>
+                <a:latin typeface="Inconsolata Medium" panose="020B0609030003000000" pitchFamily="49" charset="77"/>
+              </a:rPr>
+              <a:t>27</a:t>
+            </a:r>
+            <a:r>
+              <a:rPr lang="en-US" b="1" dirty="0">
+                <a:latin typeface="Inconsolata Medium" panose="020B0609030003000000" pitchFamily="49" charset="77"/>
+              </a:rPr>
+              <a:t>]: </a:t>
+            </a:r>
+            <a:r>
+              <a:rPr lang="en-US" b="1" dirty="0">
+                <a:solidFill>
+                  <a:srgbClr val="000087"/>
+                </a:solidFill>
+                <a:latin typeface="Inconsolata Medium" panose="020B0609030003000000" pitchFamily="49" charset="77"/>
+              </a:rPr>
+              <a:t>numbers </a:t>
+            </a:r>
+            <a:r>
+              <a:rPr lang="en-US" b="1" dirty="0">
+                <a:solidFill>
+                  <a:srgbClr val="545454"/>
+                </a:solidFill>
+                <a:latin typeface="Inconsolata Medium" panose="020B0609030003000000" pitchFamily="49" charset="77"/>
+              </a:rPr>
+              <a:t>= </a:t>
+            </a:r>
+            <a:r>
+              <a:rPr lang="en-US" b="1" dirty="0">
+                <a:latin typeface="Inconsolata Medium" panose="020B0609030003000000" pitchFamily="49" charset="77"/>
+              </a:rPr>
+              <a:t>{</a:t>
+            </a:r>
+            <a:r>
+              <a:rPr lang="en-US" b="1" dirty="0">
+                <a:solidFill>
+                  <a:srgbClr val="CC3300"/>
+                </a:solidFill>
+                <a:latin typeface="Inconsolata Medium" panose="020B0609030003000000" pitchFamily="49" charset="77"/>
+              </a:rPr>
+              <a:t>'one'</a:t>
+            </a:r>
+            <a:r>
+              <a:rPr lang="en-US" b="1" dirty="0">
+                <a:latin typeface="Inconsolata Medium" panose="020B0609030003000000" pitchFamily="49" charset="77"/>
+              </a:rPr>
+              <a:t>:</a:t>
+            </a:r>
+            <a:r>
+              <a:rPr lang="en-US" b="1" dirty="0">
+                <a:solidFill>
+                  <a:srgbClr val="FF6600"/>
+                </a:solidFill>
+                <a:latin typeface="Inconsolata Medium" panose="020B0609030003000000" pitchFamily="49" charset="77"/>
+              </a:rPr>
+              <a:t>1</a:t>
+            </a:r>
+            <a:r>
+              <a:rPr lang="en-US" b="1" dirty="0">
+                <a:latin typeface="Inconsolata Medium" panose="020B0609030003000000" pitchFamily="49" charset="77"/>
+              </a:rPr>
+              <a:t>, </a:t>
+            </a:r>
+            <a:r>
+              <a:rPr lang="en-US" b="1" dirty="0">
+                <a:solidFill>
+                  <a:srgbClr val="CC3300"/>
+                </a:solidFill>
+                <a:latin typeface="Inconsolata Medium" panose="020B0609030003000000" pitchFamily="49" charset="77"/>
+              </a:rPr>
+              <a:t>'two'</a:t>
+            </a:r>
+            <a:r>
+              <a:rPr lang="en-US" b="1" dirty="0">
+                <a:latin typeface="Inconsolata Medium" panose="020B0609030003000000" pitchFamily="49" charset="77"/>
+              </a:rPr>
+              <a:t>:</a:t>
+            </a:r>
+            <a:r>
+              <a:rPr lang="en-US" b="1" dirty="0">
+                <a:solidFill>
+                  <a:srgbClr val="FF6600"/>
+                </a:solidFill>
+                <a:latin typeface="Inconsolata Medium" panose="020B0609030003000000" pitchFamily="49" charset="77"/>
+              </a:rPr>
+              <a:t>2</a:t>
+            </a:r>
+            <a:r>
+              <a:rPr lang="en-US" b="1" dirty="0">
+                <a:latin typeface="Inconsolata Medium" panose="020B0609030003000000" pitchFamily="49" charset="77"/>
+              </a:rPr>
+              <a:t>, </a:t>
+            </a:r>
+            <a:r>
+              <a:rPr lang="en-US" b="1" dirty="0">
+                <a:solidFill>
+                  <a:srgbClr val="CC3300"/>
+                </a:solidFill>
+                <a:latin typeface="Inconsolata Medium" panose="020B0609030003000000" pitchFamily="49" charset="77"/>
+              </a:rPr>
+              <a:t>'three'</a:t>
+            </a:r>
+            <a:r>
+              <a:rPr lang="en-US" b="1" dirty="0">
+                <a:latin typeface="Inconsolata Medium" panose="020B0609030003000000" pitchFamily="49" charset="77"/>
+              </a:rPr>
+              <a:t>:</a:t>
+            </a:r>
+            <a:r>
+              <a:rPr lang="en-US" b="1" dirty="0">
+                <a:solidFill>
+                  <a:srgbClr val="FF6600"/>
+                </a:solidFill>
+                <a:latin typeface="Inconsolata Medium" panose="020B0609030003000000" pitchFamily="49" charset="77"/>
+              </a:rPr>
+              <a:t>3</a:t>
+            </a:r>
+            <a:r>
+              <a:rPr lang="en-US" b="1" dirty="0">
+                <a:latin typeface="Inconsolata Medium" panose="020B0609030003000000" pitchFamily="49" charset="77"/>
+              </a:rPr>
+              <a:t>} </a:t>
+            </a:r>
+          </a:p>
+          <a:p>
+            <a:pPr marL="0" indent="0">
+              <a:buNone/>
+            </a:pPr>
+            <a:r>
+              <a:rPr lang="en-US" b="1" dirty="0">
+                <a:solidFill>
+                  <a:srgbClr val="006699"/>
+                </a:solidFill>
+                <a:latin typeface="Inconsolata Medium" panose="020B0609030003000000" pitchFamily="49" charset="77"/>
+              </a:rPr>
+              <a:t>	    for </a:t>
+            </a:r>
+            <a:r>
+              <a:rPr lang="en-US" b="1" dirty="0">
+                <a:solidFill>
+                  <a:srgbClr val="000087"/>
+                </a:solidFill>
+                <a:latin typeface="Inconsolata Medium" panose="020B0609030003000000" pitchFamily="49" charset="77"/>
+              </a:rPr>
+              <a:t>k, v </a:t>
+            </a:r>
+            <a:r>
+              <a:rPr lang="en-US" b="1" dirty="0">
+                <a:latin typeface="Inconsolata Medium" panose="020B0609030003000000" pitchFamily="49" charset="77"/>
+              </a:rPr>
+              <a:t>in </a:t>
+            </a:r>
+            <a:r>
+              <a:rPr lang="en-US" b="1" dirty="0" err="1">
+                <a:solidFill>
+                  <a:srgbClr val="336666"/>
+                </a:solidFill>
+                <a:latin typeface="Inconsolata Medium" panose="020B0609030003000000" pitchFamily="49" charset="77"/>
+              </a:rPr>
+              <a:t>numbers.items</a:t>
+            </a:r>
+            <a:r>
+              <a:rPr lang="en-US" b="1" dirty="0">
+                <a:solidFill>
+                  <a:srgbClr val="336666"/>
+                </a:solidFill>
+                <a:latin typeface="Inconsolata Medium" panose="020B0609030003000000" pitchFamily="49" charset="77"/>
+              </a:rPr>
+              <a:t>()</a:t>
+            </a:r>
+            <a:r>
+              <a:rPr lang="en-US" b="1" dirty="0">
+                <a:latin typeface="Inconsolata Medium" panose="020B0609030003000000" pitchFamily="49" charset="77"/>
+              </a:rPr>
+              <a:t>: </a:t>
+            </a:r>
+          </a:p>
+          <a:p>
+            <a:pPr marL="0" indent="0">
+              <a:buNone/>
+            </a:pPr>
+            <a:r>
+              <a:rPr lang="en-US" b="1" dirty="0">
+                <a:solidFill>
+                  <a:srgbClr val="006699"/>
+                </a:solidFill>
+                <a:latin typeface="Inconsolata Medium" panose="020B0609030003000000" pitchFamily="49" charset="77"/>
+              </a:rPr>
+              <a:t>		  print</a:t>
+            </a:r>
+            <a:r>
+              <a:rPr lang="en-US" b="1" dirty="0">
+                <a:latin typeface="Inconsolata Medium" panose="020B0609030003000000" pitchFamily="49" charset="77"/>
+              </a:rPr>
+              <a:t>(</a:t>
+            </a:r>
+            <a:r>
+              <a:rPr lang="en-US" b="1" dirty="0">
+                <a:solidFill>
+                  <a:srgbClr val="000087"/>
+                </a:solidFill>
+                <a:latin typeface="Inconsolata Medium" panose="020B0609030003000000" pitchFamily="49" charset="77"/>
+              </a:rPr>
+              <a:t>k, v</a:t>
+            </a:r>
+            <a:r>
+              <a:rPr lang="en-US" b="1" dirty="0">
+                <a:latin typeface="Inconsolata Medium" panose="020B0609030003000000" pitchFamily="49" charset="77"/>
+              </a:rPr>
+              <a:t>) </a:t>
+            </a:r>
+          </a:p>
+          <a:p>
+            <a:pPr marL="0" indent="0">
+              <a:buNone/>
+            </a:pPr>
+            <a:r>
+              <a:rPr lang="en-US" dirty="0"/>
+              <a:t>one 1</a:t>
+            </a:r>
+          </a:p>
+          <a:p>
+            <a:pPr marL="0" indent="0">
+              <a:buNone/>
+            </a:pPr>
+            <a:r>
+              <a:rPr lang="en-US" dirty="0"/>
+              <a:t>two 2</a:t>
+            </a:r>
+          </a:p>
+          <a:p>
+            <a:pPr marL="0" indent="0">
+              <a:buNone/>
+            </a:pPr>
+            <a:r>
+              <a:rPr lang="en-US" dirty="0"/>
+              <a:t>three 3</a:t>
+            </a:r>
+          </a:p>
+          <a:p>
+            <a:pPr marL="0" indent="0">
+              <a:buNone/>
+            </a:pPr>
+            <a:endParaRPr lang="en-US" dirty="0"/>
+          </a:p>
+          <a:p>
+            <a:pPr marL="0" indent="0">
+              <a:buNone/>
+            </a:pPr>
+            <a:endParaRPr lang="en-US" dirty="0"/>
+          </a:p>
+          <a:p>
+            <a:pPr marL="0" indent="0">
+              <a:buNone/>
+            </a:pPr>
+            <a:endParaRPr lang="en-US" dirty="0"/>
+          </a:p>
         </p:txBody>
       </p:sp>
-      <p:pic>
-        <p:nvPicPr>
-          <p:cNvPr id="6" name="Picture 5">
-            <a:extLst>
-              <a:ext uri="{FF2B5EF4-FFF2-40B4-BE49-F238E27FC236}">
-                <a16:creationId xmlns:a16="http://schemas.microsoft.com/office/drawing/2014/main" id="{FE6799D1-000E-F24E-9DA4-3EA460D9A16B}"/>
-              </a:ext>
-            </a:extLst>
-          </p:cNvPr>
-          <p:cNvPicPr>
-            <a:picLocks noChangeAspect="1"/>
-          </p:cNvPicPr>
-          <p:nvPr/>
-        </p:nvPicPr>
-        <p:blipFill>
-          <a:blip r:embed="rId2"/>
-          <a:stretch>
-            <a:fillRect/>
-          </a:stretch>
-        </p:blipFill>
-        <p:spPr>
-          <a:xfrm>
-            <a:off x="255174" y="1408493"/>
-            <a:ext cx="6202888" cy="2787494"/>
-          </a:xfrm>
-          <a:prstGeom prst="rect">
-            <a:avLst/>
-          </a:prstGeom>
-        </p:spPr>
-      </p:pic>
     </p:spTree>
     <p:extLst>
       <p:ext uri="{BB962C8B-B14F-4D97-AF65-F5344CB8AC3E}">
-        <p14:creationId xmlns:p14="http://schemas.microsoft.com/office/powerpoint/2010/main" val="3883735123"/>
+        <p14:creationId xmlns:p14="http://schemas.microsoft.com/office/powerpoint/2010/main" val="3246446892"/>
       </p:ext>
     </p:extLst>
   </p:cSld>
@@ -6680,7 +6808,7 @@
           <a:p>
             <a:r>
               <a:rPr lang="en-US" dirty="0"/>
-              <a:t>Identity Operations</a:t>
+              <a:t>Membership Operations</a:t>
             </a:r>
           </a:p>
         </p:txBody>
@@ -6716,365 +6844,6 @@
             <a:pPr marL="0" indent="0">
               <a:buNone/>
             </a:pPr>
-            <a:r>
-              <a:rPr lang="en-US" dirty="0"/>
-              <a:t>The comparison operator == checks for </a:t>
-            </a:r>
-            <a:r>
-              <a:rPr lang="en-US" i="1" dirty="0"/>
-              <a:t>object equality</a:t>
-            </a:r>
-            <a:r>
-              <a:rPr lang="en-US" dirty="0"/>
-              <a:t>. </a:t>
-            </a:r>
-          </a:p>
-          <a:p>
-            <a:pPr marL="0" indent="0">
-              <a:buNone/>
-            </a:pPr>
-            <a:r>
-              <a:rPr lang="en-US" b="1" dirty="0">
-                <a:solidFill>
-                  <a:srgbClr val="000087"/>
-                </a:solidFill>
-                <a:latin typeface="Inconsolata Medium" panose="020B0609030003000000" pitchFamily="49" charset="77"/>
-              </a:rPr>
-              <a:t>In </a:t>
-            </a:r>
-            <a:r>
-              <a:rPr lang="en-US" b="1" dirty="0">
-                <a:latin typeface="Inconsolata Medium" panose="020B0609030003000000" pitchFamily="49" charset="77"/>
-              </a:rPr>
-              <a:t>[</a:t>
-            </a:r>
-            <a:r>
-              <a:rPr lang="en-US" b="1" dirty="0">
-                <a:solidFill>
-                  <a:srgbClr val="FF6600"/>
-                </a:solidFill>
-                <a:latin typeface="Inconsolata Medium" panose="020B0609030003000000" pitchFamily="49" charset="77"/>
-              </a:rPr>
-              <a:t>19</a:t>
-            </a:r>
-            <a:r>
-              <a:rPr lang="en-US" b="1" dirty="0">
-                <a:latin typeface="Inconsolata Medium" panose="020B0609030003000000" pitchFamily="49" charset="77"/>
-              </a:rPr>
-              <a:t>]: </a:t>
-            </a:r>
-            <a:r>
-              <a:rPr lang="en-US" b="1" dirty="0">
-                <a:solidFill>
-                  <a:srgbClr val="000087"/>
-                </a:solidFill>
-                <a:latin typeface="Inconsolata Medium" panose="020B0609030003000000" pitchFamily="49" charset="77"/>
-              </a:rPr>
-              <a:t>a </a:t>
-            </a:r>
-            <a:r>
-              <a:rPr lang="en-US" b="1" dirty="0">
-                <a:solidFill>
-                  <a:srgbClr val="545454"/>
-                </a:solidFill>
-                <a:latin typeface="Inconsolata Medium" panose="020B0609030003000000" pitchFamily="49" charset="77"/>
-              </a:rPr>
-              <a:t>= </a:t>
-            </a:r>
-            <a:r>
-              <a:rPr lang="en-US" b="1" dirty="0">
-                <a:latin typeface="Inconsolata Medium" panose="020B0609030003000000" pitchFamily="49" charset="77"/>
-              </a:rPr>
-              <a:t>[</a:t>
-            </a:r>
-            <a:r>
-              <a:rPr lang="en-US" b="1" dirty="0">
-                <a:solidFill>
-                  <a:srgbClr val="FF6600"/>
-                </a:solidFill>
-                <a:latin typeface="Inconsolata Medium" panose="020B0609030003000000" pitchFamily="49" charset="77"/>
-              </a:rPr>
-              <a:t>1</a:t>
-            </a:r>
-            <a:r>
-              <a:rPr lang="en-US" b="1" dirty="0">
-                <a:latin typeface="Inconsolata Medium" panose="020B0609030003000000" pitchFamily="49" charset="77"/>
-              </a:rPr>
-              <a:t>,</a:t>
-            </a:r>
-            <a:r>
-              <a:rPr lang="en-US" b="1" dirty="0">
-                <a:solidFill>
-                  <a:srgbClr val="FF6600"/>
-                </a:solidFill>
-                <a:latin typeface="Inconsolata Medium" panose="020B0609030003000000" pitchFamily="49" charset="77"/>
-              </a:rPr>
-              <a:t>2</a:t>
-            </a:r>
-            <a:r>
-              <a:rPr lang="en-US" b="1" dirty="0">
-                <a:latin typeface="Inconsolata Medium" panose="020B0609030003000000" pitchFamily="49" charset="77"/>
-              </a:rPr>
-              <a:t>,</a:t>
-            </a:r>
-            <a:r>
-              <a:rPr lang="en-US" b="1" dirty="0">
-                <a:solidFill>
-                  <a:srgbClr val="FF6600"/>
-                </a:solidFill>
-                <a:latin typeface="Inconsolata Medium" panose="020B0609030003000000" pitchFamily="49" charset="77"/>
-              </a:rPr>
-              <a:t>3</a:t>
-            </a:r>
-            <a:r>
-              <a:rPr lang="en-US" b="1" dirty="0">
-                <a:latin typeface="Inconsolata Medium" panose="020B0609030003000000" pitchFamily="49" charset="77"/>
-              </a:rPr>
-              <a:t>] </a:t>
-            </a:r>
-          </a:p>
-          <a:p>
-            <a:pPr marL="0" indent="0">
-              <a:buNone/>
-            </a:pPr>
-            <a:r>
-              <a:rPr lang="en-US" b="1" dirty="0">
-                <a:solidFill>
-                  <a:srgbClr val="000087"/>
-                </a:solidFill>
-                <a:latin typeface="Inconsolata Medium" panose="020B0609030003000000" pitchFamily="49" charset="77"/>
-              </a:rPr>
-              <a:t>	    b </a:t>
-            </a:r>
-            <a:r>
-              <a:rPr lang="en-US" b="1" dirty="0">
-                <a:solidFill>
-                  <a:srgbClr val="545454"/>
-                </a:solidFill>
-                <a:latin typeface="Inconsolata Medium" panose="020B0609030003000000" pitchFamily="49" charset="77"/>
-              </a:rPr>
-              <a:t>= </a:t>
-            </a:r>
-            <a:r>
-              <a:rPr lang="en-US" b="1" dirty="0">
-                <a:latin typeface="Inconsolata Medium" panose="020B0609030003000000" pitchFamily="49" charset="77"/>
-              </a:rPr>
-              <a:t>[</a:t>
-            </a:r>
-            <a:r>
-              <a:rPr lang="en-US" b="1" dirty="0">
-                <a:solidFill>
-                  <a:srgbClr val="FF6600"/>
-                </a:solidFill>
-                <a:latin typeface="Inconsolata Medium" panose="020B0609030003000000" pitchFamily="49" charset="77"/>
-              </a:rPr>
-              <a:t>1</a:t>
-            </a:r>
-            <a:r>
-              <a:rPr lang="en-US" b="1" dirty="0">
-                <a:latin typeface="Inconsolata Medium" panose="020B0609030003000000" pitchFamily="49" charset="77"/>
-              </a:rPr>
-              <a:t>,</a:t>
-            </a:r>
-            <a:r>
-              <a:rPr lang="en-US" b="1" dirty="0">
-                <a:solidFill>
-                  <a:srgbClr val="FF6600"/>
-                </a:solidFill>
-                <a:latin typeface="Inconsolata Medium" panose="020B0609030003000000" pitchFamily="49" charset="77"/>
-              </a:rPr>
-              <a:t>2</a:t>
-            </a:r>
-            <a:r>
-              <a:rPr lang="en-US" b="1" dirty="0">
-                <a:latin typeface="Inconsolata Medium" panose="020B0609030003000000" pitchFamily="49" charset="77"/>
-              </a:rPr>
-              <a:t>,</a:t>
-            </a:r>
-            <a:r>
-              <a:rPr lang="en-US" b="1" dirty="0">
-                <a:solidFill>
-                  <a:srgbClr val="FF6600"/>
-                </a:solidFill>
-                <a:latin typeface="Inconsolata Medium" panose="020B0609030003000000" pitchFamily="49" charset="77"/>
-              </a:rPr>
-              <a:t>3</a:t>
-            </a:r>
-            <a:r>
-              <a:rPr lang="en-US" b="1" dirty="0">
-                <a:latin typeface="Inconsolata Medium" panose="020B0609030003000000" pitchFamily="49" charset="77"/>
-              </a:rPr>
-              <a:t>] </a:t>
-            </a:r>
-          </a:p>
-          <a:p>
-            <a:pPr marL="0" indent="0">
-              <a:buNone/>
-            </a:pPr>
-            <a:r>
-              <a:rPr lang="en-US" b="1" dirty="0">
-                <a:solidFill>
-                  <a:srgbClr val="000087"/>
-                </a:solidFill>
-                <a:latin typeface="Inconsolata Medium" panose="020B0609030003000000" pitchFamily="49" charset="77"/>
-              </a:rPr>
-              <a:t>In</a:t>
-            </a:r>
-            <a:r>
-              <a:rPr lang="en-US" b="1" dirty="0">
-                <a:latin typeface="Inconsolata Medium" panose="020B0609030003000000" pitchFamily="49" charset="77"/>
-              </a:rPr>
-              <a:t>[</a:t>
-            </a:r>
-            <a:r>
-              <a:rPr lang="en-US" b="1" dirty="0">
-                <a:solidFill>
-                  <a:srgbClr val="FF6600"/>
-                </a:solidFill>
-                <a:latin typeface="Inconsolata Medium" panose="020B0609030003000000" pitchFamily="49" charset="77"/>
-              </a:rPr>
-              <a:t>20</a:t>
-            </a:r>
-            <a:r>
-              <a:rPr lang="en-US" b="1" dirty="0">
-                <a:latin typeface="Inconsolata Medium" panose="020B0609030003000000" pitchFamily="49" charset="77"/>
-              </a:rPr>
-              <a:t>]:  </a:t>
-            </a:r>
-            <a:r>
-              <a:rPr lang="en-US" b="1" dirty="0">
-                <a:solidFill>
-                  <a:srgbClr val="000087"/>
-                </a:solidFill>
-                <a:latin typeface="Inconsolata Medium" panose="020B0609030003000000" pitchFamily="49" charset="77"/>
-              </a:rPr>
-              <a:t>a </a:t>
-            </a:r>
-            <a:r>
-              <a:rPr lang="en-US" b="1" dirty="0">
-                <a:solidFill>
-                  <a:srgbClr val="545454"/>
-                </a:solidFill>
-                <a:latin typeface="Inconsolata Medium" panose="020B0609030003000000" pitchFamily="49" charset="77"/>
-              </a:rPr>
-              <a:t>== </a:t>
-            </a:r>
-            <a:r>
-              <a:rPr lang="en-US" b="1" dirty="0">
-                <a:solidFill>
-                  <a:srgbClr val="000087"/>
-                </a:solidFill>
-                <a:latin typeface="Inconsolata Medium" panose="020B0609030003000000" pitchFamily="49" charset="77"/>
-              </a:rPr>
-              <a:t>b </a:t>
-            </a:r>
-            <a:endParaRPr lang="en-US" b="1" dirty="0">
-              <a:latin typeface="Inconsolata Medium" panose="020B0609030003000000" pitchFamily="49" charset="77"/>
-            </a:endParaRPr>
-          </a:p>
-          <a:p>
-            <a:pPr marL="0" indent="0">
-              <a:buNone/>
-            </a:pPr>
-            <a:r>
-              <a:rPr lang="en-US" b="1" dirty="0">
-                <a:latin typeface="Inconsolata Medium" panose="020B0609030003000000" pitchFamily="49" charset="77"/>
-              </a:rPr>
-              <a:t>Out [20]: True </a:t>
-            </a:r>
-            <a:endParaRPr lang="en-US" dirty="0"/>
-          </a:p>
-          <a:p>
-            <a:pPr marL="0" indent="0">
-              <a:buNone/>
-            </a:pPr>
-            <a:r>
-              <a:rPr lang="en-US" dirty="0"/>
-              <a:t>The identity operators, is and is not, check for </a:t>
-            </a:r>
-            <a:r>
-              <a:rPr lang="en-US" i="1" dirty="0"/>
-              <a:t>object identity</a:t>
-            </a:r>
-            <a:r>
-              <a:rPr lang="en-US" dirty="0"/>
-              <a:t>. </a:t>
-            </a:r>
-          </a:p>
-          <a:p>
-            <a:pPr marL="0" indent="0">
-              <a:buNone/>
-            </a:pPr>
-            <a:r>
-              <a:rPr lang="en-US" b="1" dirty="0">
-                <a:solidFill>
-                  <a:srgbClr val="000087"/>
-                </a:solidFill>
-                <a:latin typeface="Inconsolata Medium" panose="020B0609030003000000" pitchFamily="49" charset="77"/>
-              </a:rPr>
-              <a:t>In</a:t>
-            </a:r>
-            <a:r>
-              <a:rPr lang="en-US" b="1" dirty="0">
-                <a:latin typeface="Inconsolata Medium" panose="020B0609030003000000" pitchFamily="49" charset="77"/>
-              </a:rPr>
-              <a:t>[</a:t>
-            </a:r>
-            <a:r>
-              <a:rPr lang="en-US" b="1" dirty="0">
-                <a:solidFill>
-                  <a:srgbClr val="FF6600"/>
-                </a:solidFill>
-                <a:latin typeface="Inconsolata Medium" panose="020B0609030003000000" pitchFamily="49" charset="77"/>
-              </a:rPr>
-              <a:t>21</a:t>
-            </a:r>
-            <a:r>
-              <a:rPr lang="en-US" b="1" dirty="0">
-                <a:latin typeface="Inconsolata Medium" panose="020B0609030003000000" pitchFamily="49" charset="77"/>
-              </a:rPr>
-              <a:t>]: </a:t>
-            </a:r>
-            <a:r>
-              <a:rPr lang="en-US" b="1" dirty="0">
-                <a:solidFill>
-                  <a:srgbClr val="000087"/>
-                </a:solidFill>
-                <a:latin typeface="Inconsolata Medium" panose="020B0609030003000000" pitchFamily="49" charset="77"/>
-              </a:rPr>
-              <a:t>a </a:t>
-            </a:r>
-            <a:r>
-              <a:rPr lang="en-US" b="1" dirty="0">
-                <a:latin typeface="Inconsolata Medium" panose="020B0609030003000000" pitchFamily="49" charset="77"/>
-              </a:rPr>
-              <a:t>is </a:t>
-            </a:r>
-            <a:r>
-              <a:rPr lang="en-US" b="1" dirty="0">
-                <a:solidFill>
-                  <a:srgbClr val="000087"/>
-                </a:solidFill>
-                <a:latin typeface="Inconsolata Medium" panose="020B0609030003000000" pitchFamily="49" charset="77"/>
-              </a:rPr>
-              <a:t>b </a:t>
-            </a:r>
-          </a:p>
-          <a:p>
-            <a:pPr marL="0" indent="0">
-              <a:buNone/>
-            </a:pPr>
-            <a:r>
-              <a:rPr lang="en-US" b="1" dirty="0">
-                <a:latin typeface="Inconsolata Medium" panose="020B0609030003000000" pitchFamily="49" charset="77"/>
-              </a:rPr>
-              <a:t>Out [21]: False </a:t>
-            </a:r>
-          </a:p>
-          <a:p>
-            <a:pPr marL="0" indent="0">
-              <a:buNone/>
-            </a:pPr>
             <a:endParaRPr lang="en-US" b="1" dirty="0">
               <a:solidFill>
                 <a:srgbClr val="000087"/>
@@ -7086,278 +6855,254 @@
             <a:pPr marL="0" indent="0">
               <a:buNone/>
             </a:pPr>
-            <a:r>
-              <a:rPr lang="en-US" b="1" dirty="0">
-                <a:solidFill>
-                  <a:srgbClr val="000087"/>
-                </a:solidFill>
-                <a:latin typeface="Inconsolata Medium" panose="020B0609030003000000" pitchFamily="49" charset="77"/>
-              </a:rPr>
-              <a:t>In</a:t>
-            </a:r>
-            <a:r>
-              <a:rPr lang="en-US" b="1" dirty="0">
-                <a:latin typeface="Inconsolata Medium" panose="020B0609030003000000" pitchFamily="49" charset="77"/>
-              </a:rPr>
-              <a:t>[</a:t>
-            </a:r>
-            <a:r>
-              <a:rPr lang="en-US" b="1" dirty="0">
-                <a:solidFill>
-                  <a:srgbClr val="FF6600"/>
-                </a:solidFill>
-                <a:latin typeface="Inconsolata Medium" panose="020B0609030003000000" pitchFamily="49" charset="77"/>
-              </a:rPr>
-              <a:t>22</a:t>
-            </a:r>
-            <a:r>
-              <a:rPr lang="en-US" b="1" dirty="0">
-                <a:latin typeface="Inconsolata Medium" panose="020B0609030003000000" pitchFamily="49" charset="77"/>
-              </a:rPr>
-              <a:t>]: </a:t>
-            </a:r>
-            <a:r>
-              <a:rPr lang="en-US" b="1" dirty="0">
-                <a:solidFill>
-                  <a:srgbClr val="000087"/>
-                </a:solidFill>
-                <a:latin typeface="Inconsolata Medium" panose="020B0609030003000000" pitchFamily="49" charset="77"/>
-              </a:rPr>
-              <a:t>a </a:t>
-            </a:r>
-            <a:r>
-              <a:rPr lang="en-US" b="1" dirty="0">
-                <a:latin typeface="Inconsolata Medium" panose="020B0609030003000000" pitchFamily="49" charset="77"/>
-              </a:rPr>
-              <a:t>is not </a:t>
-            </a:r>
-            <a:r>
-              <a:rPr lang="en-US" b="1" dirty="0">
-                <a:solidFill>
-                  <a:srgbClr val="000087"/>
-                </a:solidFill>
-                <a:latin typeface="Inconsolata Medium" panose="020B0609030003000000" pitchFamily="49" charset="77"/>
-              </a:rPr>
-              <a:t>b </a:t>
-            </a:r>
-          </a:p>
-          <a:p>
-            <a:pPr marL="0" indent="0">
-              <a:buNone/>
-            </a:pPr>
-            <a:r>
-              <a:rPr lang="en-US" b="1" dirty="0">
-                <a:latin typeface="Inconsolata Medium" panose="020B0609030003000000" pitchFamily="49" charset="77"/>
-              </a:rPr>
-              <a:t>Out [22]: True </a:t>
-            </a:r>
-          </a:p>
-          <a:p>
-            <a:pPr marL="0" indent="0">
-              <a:buNone/>
-            </a:pPr>
-            <a:endParaRPr lang="en-US" dirty="0"/>
-          </a:p>
-        </p:txBody>
-      </p:sp>
-      <p:sp>
-        <p:nvSpPr>
-          <p:cNvPr id="6" name="TextBox 5">
-            <a:extLst>
-              <a:ext uri="{FF2B5EF4-FFF2-40B4-BE49-F238E27FC236}">
-                <a16:creationId xmlns:a16="http://schemas.microsoft.com/office/drawing/2014/main" id="{2B2AA30A-82DB-F148-8204-27387E5FE6F1}"/>
-              </a:ext>
-            </a:extLst>
-          </p:cNvPr>
-          <p:cNvSpPr txBox="1"/>
-          <p:nvPr/>
-        </p:nvSpPr>
-        <p:spPr>
-          <a:xfrm>
-            <a:off x="4010619" y="3512634"/>
-            <a:ext cx="3237674" cy="1708160"/>
-          </a:xfrm>
-          <a:prstGeom prst="rect">
-            <a:avLst/>
-          </a:prstGeom>
-          <a:noFill/>
-        </p:spPr>
-        <p:txBody>
-          <a:bodyPr wrap="square" rtlCol="0">
-            <a:spAutoFit/>
-          </a:bodyPr>
-          <a:lstStyle/>
-          <a:p>
-            <a:r>
-              <a:rPr lang="en-US" sz="2100" b="1" dirty="0">
-                <a:solidFill>
-                  <a:srgbClr val="000087"/>
-                </a:solidFill>
-                <a:latin typeface="Inconsolata Medium" panose="020B0609030003000000" pitchFamily="49" charset="77"/>
-              </a:rPr>
-              <a:t>In </a:t>
-            </a:r>
-            <a:r>
-              <a:rPr lang="en-US" sz="2100" b="1" dirty="0">
-                <a:latin typeface="Inconsolata Medium" panose="020B0609030003000000" pitchFamily="49" charset="77"/>
-              </a:rPr>
-              <a:t>[</a:t>
-            </a:r>
-            <a:r>
-              <a:rPr lang="en-US" sz="2100" b="1" dirty="0">
-                <a:solidFill>
-                  <a:srgbClr val="FF6600"/>
-                </a:solidFill>
-                <a:latin typeface="Inconsolata Medium" panose="020B0609030003000000" pitchFamily="49" charset="77"/>
-              </a:rPr>
-              <a:t>23</a:t>
-            </a:r>
-            <a:r>
-              <a:rPr lang="en-US" sz="2100" b="1" dirty="0">
-                <a:latin typeface="Inconsolata Medium" panose="020B0609030003000000" pitchFamily="49" charset="77"/>
-              </a:rPr>
-              <a:t>]:	</a:t>
-            </a:r>
-            <a:r>
-              <a:rPr lang="en-US" sz="2100" b="1" dirty="0">
-                <a:solidFill>
-                  <a:srgbClr val="000087"/>
-                </a:solidFill>
-                <a:latin typeface="Inconsolata Medium" panose="020B0609030003000000" pitchFamily="49" charset="77"/>
-              </a:rPr>
-              <a:t>a </a:t>
-            </a:r>
-            <a:r>
-              <a:rPr lang="en-US" sz="2100" b="1" dirty="0">
-                <a:solidFill>
-                  <a:srgbClr val="545454"/>
-                </a:solidFill>
-                <a:latin typeface="Inconsolata Medium" panose="020B0609030003000000" pitchFamily="49" charset="77"/>
-              </a:rPr>
-              <a:t>= </a:t>
-            </a:r>
-            <a:r>
-              <a:rPr lang="en-US" sz="2100" b="1" dirty="0">
-                <a:latin typeface="Inconsolata Medium" panose="020B0609030003000000" pitchFamily="49" charset="77"/>
-              </a:rPr>
-              <a:t>[</a:t>
-            </a:r>
-            <a:r>
-              <a:rPr lang="en-US" sz="2100" b="1" dirty="0">
-                <a:solidFill>
-                  <a:srgbClr val="FF6600"/>
-                </a:solidFill>
-                <a:latin typeface="Inconsolata Medium" panose="020B0609030003000000" pitchFamily="49" charset="77"/>
-              </a:rPr>
-              <a:t>1</a:t>
-            </a:r>
-            <a:r>
-              <a:rPr lang="en-US" sz="2100" b="1" dirty="0">
-                <a:latin typeface="Inconsolata Medium" panose="020B0609030003000000" pitchFamily="49" charset="77"/>
-              </a:rPr>
-              <a:t>,</a:t>
-            </a:r>
-            <a:r>
-              <a:rPr lang="en-US" sz="2100" b="1" dirty="0">
-                <a:solidFill>
-                  <a:srgbClr val="FF6600"/>
-                </a:solidFill>
-                <a:latin typeface="Inconsolata Medium" panose="020B0609030003000000" pitchFamily="49" charset="77"/>
-              </a:rPr>
-              <a:t>2</a:t>
-            </a:r>
-            <a:r>
-              <a:rPr lang="en-US" sz="2100" b="1" dirty="0">
-                <a:latin typeface="Inconsolata Medium" panose="020B0609030003000000" pitchFamily="49" charset="77"/>
-              </a:rPr>
-              <a:t>,</a:t>
-            </a:r>
-            <a:r>
-              <a:rPr lang="en-US" sz="2100" b="1" dirty="0">
-                <a:solidFill>
-                  <a:srgbClr val="FF6600"/>
-                </a:solidFill>
-                <a:latin typeface="Inconsolata Medium" panose="020B0609030003000000" pitchFamily="49" charset="77"/>
-              </a:rPr>
-              <a:t>3</a:t>
-            </a:r>
-            <a:r>
-              <a:rPr lang="en-US" sz="2100" b="1" dirty="0">
-                <a:latin typeface="Inconsolata Medium" panose="020B0609030003000000" pitchFamily="49" charset="77"/>
-              </a:rPr>
-              <a:t>] </a:t>
-            </a:r>
-          </a:p>
-          <a:p>
-            <a:r>
-              <a:rPr lang="en-US" sz="2100" b="1" dirty="0">
-                <a:solidFill>
-                  <a:srgbClr val="000087"/>
-                </a:solidFill>
-                <a:latin typeface="Inconsolata Medium" panose="020B0609030003000000" pitchFamily="49" charset="77"/>
-              </a:rPr>
-              <a:t>	   		b </a:t>
-            </a:r>
-            <a:r>
-              <a:rPr lang="en-US" sz="2100" b="1" dirty="0">
-                <a:solidFill>
-                  <a:srgbClr val="545454"/>
-                </a:solidFill>
-                <a:latin typeface="Inconsolata Medium" panose="020B0609030003000000" pitchFamily="49" charset="77"/>
-              </a:rPr>
-              <a:t>= </a:t>
-            </a:r>
-            <a:r>
-              <a:rPr lang="en-US" sz="2100" b="1" dirty="0">
-                <a:solidFill>
-                  <a:srgbClr val="000087"/>
-                </a:solidFill>
-                <a:latin typeface="Inconsolata Medium" panose="020B0609030003000000" pitchFamily="49" charset="77"/>
-              </a:rPr>
-              <a:t>a </a:t>
-            </a:r>
-            <a:endParaRPr lang="en-US" sz="2100" b="1" dirty="0">
+            <a:endParaRPr lang="en-US" b="1" dirty="0">
+              <a:solidFill>
+                <a:srgbClr val="000087"/>
+              </a:solidFill>
               <a:latin typeface="Inconsolata Medium" panose="020B0609030003000000" pitchFamily="49" charset="77"/>
             </a:endParaRPr>
           </a:p>
           <a:p>
-            <a:r>
-              <a:rPr lang="en-US" sz="2100" b="1" dirty="0">
-                <a:solidFill>
-                  <a:srgbClr val="000087"/>
-                </a:solidFill>
-                <a:latin typeface="Inconsolata Medium" panose="020B0609030003000000" pitchFamily="49" charset="77"/>
-              </a:rPr>
-              <a:t>				a </a:t>
-            </a:r>
-            <a:r>
-              <a:rPr lang="en-US" sz="2100" b="1" dirty="0">
-                <a:latin typeface="Inconsolata Medium" panose="020B0609030003000000" pitchFamily="49" charset="77"/>
-              </a:rPr>
-              <a:t>is </a:t>
-            </a:r>
-            <a:r>
-              <a:rPr lang="en-US" sz="2100" b="1" dirty="0">
-                <a:solidFill>
-                  <a:srgbClr val="000087"/>
-                </a:solidFill>
-                <a:latin typeface="Inconsolata Medium" panose="020B0609030003000000" pitchFamily="49" charset="77"/>
-              </a:rPr>
-              <a:t>b </a:t>
-            </a:r>
-          </a:p>
-          <a:p>
-            <a:r>
-              <a:rPr lang="en-US" sz="2100" b="1" dirty="0">
-                <a:latin typeface="Inconsolata Medium" panose="020B0609030003000000" pitchFamily="49" charset="77"/>
-              </a:rPr>
-              <a:t>Out [23]: True </a:t>
-            </a:r>
-          </a:p>
-          <a:p>
-            <a:endParaRPr lang="en-US" sz="2100" b="1" dirty="0">
+            <a:pPr marL="0" indent="0">
+              <a:buNone/>
+            </a:pPr>
+            <a:endParaRPr lang="en-US" b="1" dirty="0">
+              <a:solidFill>
+                <a:srgbClr val="000087"/>
+              </a:solidFill>
               <a:latin typeface="Inconsolata Medium" panose="020B0609030003000000" pitchFamily="49" charset="77"/>
             </a:endParaRPr>
+          </a:p>
+          <a:p>
+            <a:pPr marL="0" indent="0">
+              <a:buNone/>
+            </a:pPr>
+            <a:r>
+              <a:rPr lang="en-US" b="1" dirty="0">
+                <a:solidFill>
+                  <a:srgbClr val="000087"/>
+                </a:solidFill>
+                <a:latin typeface="Inconsolata Medium" panose="020B0609030003000000" pitchFamily="49" charset="77"/>
+              </a:rPr>
+              <a:t>In </a:t>
+            </a:r>
+            <a:r>
+              <a:rPr lang="en-US" b="1" dirty="0">
+                <a:latin typeface="Inconsolata Medium" panose="020B0609030003000000" pitchFamily="49" charset="77"/>
+              </a:rPr>
+              <a:t>[</a:t>
+            </a:r>
+            <a:r>
+              <a:rPr lang="en-US" b="1" dirty="0">
+                <a:solidFill>
+                  <a:srgbClr val="FF6600"/>
+                </a:solidFill>
+                <a:latin typeface="Inconsolata Medium" panose="020B0609030003000000" pitchFamily="49" charset="77"/>
+              </a:rPr>
+              <a:t>19</a:t>
+            </a:r>
+            <a:r>
+              <a:rPr lang="en-US" b="1" dirty="0">
+                <a:latin typeface="Inconsolata Medium" panose="020B0609030003000000" pitchFamily="49" charset="77"/>
+              </a:rPr>
+              <a:t>]: </a:t>
+            </a:r>
+            <a:r>
+              <a:rPr lang="en-US" b="1" dirty="0">
+                <a:solidFill>
+                  <a:srgbClr val="000087"/>
+                </a:solidFill>
+                <a:latin typeface="Inconsolata Medium" panose="020B0609030003000000" pitchFamily="49" charset="77"/>
+              </a:rPr>
+              <a:t>numbers </a:t>
+            </a:r>
+            <a:r>
+              <a:rPr lang="en-US" b="1" dirty="0">
+                <a:solidFill>
+                  <a:srgbClr val="545454"/>
+                </a:solidFill>
+                <a:latin typeface="Inconsolata Medium" panose="020B0609030003000000" pitchFamily="49" charset="77"/>
+              </a:rPr>
+              <a:t>= </a:t>
+            </a:r>
+            <a:r>
+              <a:rPr lang="en-US" b="1" dirty="0">
+                <a:latin typeface="Inconsolata Medium" panose="020B0609030003000000" pitchFamily="49" charset="77"/>
+              </a:rPr>
+              <a:t>{</a:t>
+            </a:r>
+            <a:r>
+              <a:rPr lang="en-US" b="1" dirty="0">
+                <a:solidFill>
+                  <a:srgbClr val="CC3300"/>
+                </a:solidFill>
+                <a:latin typeface="Inconsolata Medium" panose="020B0609030003000000" pitchFamily="49" charset="77"/>
+              </a:rPr>
+              <a:t>'one'</a:t>
+            </a:r>
+            <a:r>
+              <a:rPr lang="en-US" b="1" dirty="0">
+                <a:latin typeface="Inconsolata Medium" panose="020B0609030003000000" pitchFamily="49" charset="77"/>
+              </a:rPr>
+              <a:t>:</a:t>
+            </a:r>
+            <a:r>
+              <a:rPr lang="en-US" b="1" dirty="0">
+                <a:solidFill>
+                  <a:srgbClr val="FF6600"/>
+                </a:solidFill>
+                <a:latin typeface="Inconsolata Medium" panose="020B0609030003000000" pitchFamily="49" charset="77"/>
+              </a:rPr>
+              <a:t>1</a:t>
+            </a:r>
+            <a:r>
+              <a:rPr lang="en-US" b="1" dirty="0">
+                <a:latin typeface="Inconsolata Medium" panose="020B0609030003000000" pitchFamily="49" charset="77"/>
+              </a:rPr>
+              <a:t>, </a:t>
+            </a:r>
+            <a:r>
+              <a:rPr lang="en-US" b="1" dirty="0">
+                <a:solidFill>
+                  <a:srgbClr val="CC3300"/>
+                </a:solidFill>
+                <a:latin typeface="Inconsolata Medium" panose="020B0609030003000000" pitchFamily="49" charset="77"/>
+              </a:rPr>
+              <a:t>'two'</a:t>
+            </a:r>
+            <a:r>
+              <a:rPr lang="en-US" b="1" dirty="0">
+                <a:latin typeface="Inconsolata Medium" panose="020B0609030003000000" pitchFamily="49" charset="77"/>
+              </a:rPr>
+              <a:t>:</a:t>
+            </a:r>
+            <a:r>
+              <a:rPr lang="en-US" b="1" dirty="0">
+                <a:solidFill>
+                  <a:srgbClr val="FF6600"/>
+                </a:solidFill>
+                <a:latin typeface="Inconsolata Medium" panose="020B0609030003000000" pitchFamily="49" charset="77"/>
+              </a:rPr>
+              <a:t>2</a:t>
+            </a:r>
+            <a:r>
+              <a:rPr lang="en-US" b="1" dirty="0">
+                <a:latin typeface="Inconsolata Medium" panose="020B0609030003000000" pitchFamily="49" charset="77"/>
+              </a:rPr>
+              <a:t>, </a:t>
+            </a:r>
+            <a:r>
+              <a:rPr lang="en-US" b="1" dirty="0">
+                <a:solidFill>
+                  <a:srgbClr val="CC3300"/>
+                </a:solidFill>
+                <a:latin typeface="Inconsolata Medium" panose="020B0609030003000000" pitchFamily="49" charset="77"/>
+              </a:rPr>
+              <a:t>'three'</a:t>
+            </a:r>
+            <a:r>
+              <a:rPr lang="en-US" b="1" dirty="0">
+                <a:latin typeface="Inconsolata Medium" panose="020B0609030003000000" pitchFamily="49" charset="77"/>
+              </a:rPr>
+              <a:t>:</a:t>
+            </a:r>
+            <a:r>
+              <a:rPr lang="en-US" b="1" dirty="0">
+                <a:solidFill>
+                  <a:srgbClr val="FF6600"/>
+                </a:solidFill>
+                <a:latin typeface="Inconsolata Medium" panose="020B0609030003000000" pitchFamily="49" charset="77"/>
+              </a:rPr>
+              <a:t>3</a:t>
+            </a:r>
+            <a:r>
+              <a:rPr lang="en-US" b="1" dirty="0">
+                <a:latin typeface="Inconsolata Medium" panose="020B0609030003000000" pitchFamily="49" charset="77"/>
+              </a:rPr>
+              <a:t>} </a:t>
+            </a:r>
+          </a:p>
+          <a:p>
+            <a:pPr marL="0" indent="0">
+              <a:buNone/>
+            </a:pPr>
+            <a:endParaRPr lang="en-US" b="1" dirty="0">
+              <a:solidFill>
+                <a:srgbClr val="000087"/>
+              </a:solidFill>
+              <a:latin typeface="Inconsolata Medium" panose="020B0609030003000000" pitchFamily="49" charset="77"/>
+            </a:endParaRPr>
+          </a:p>
+          <a:p>
+            <a:pPr marL="0" indent="0">
+              <a:buNone/>
+            </a:pPr>
+            <a:r>
+              <a:rPr lang="en-US" b="1" dirty="0">
+                <a:solidFill>
+                  <a:srgbClr val="000087"/>
+                </a:solidFill>
+                <a:latin typeface="Inconsolata Medium" panose="020B0609030003000000" pitchFamily="49" charset="77"/>
+              </a:rPr>
+              <a:t>In </a:t>
+            </a:r>
+            <a:r>
+              <a:rPr lang="en-US" b="1" dirty="0">
+                <a:latin typeface="Inconsolata Medium" panose="020B0609030003000000" pitchFamily="49" charset="77"/>
+              </a:rPr>
+              <a:t>[</a:t>
+            </a:r>
+            <a:r>
+              <a:rPr lang="en-US" b="1" dirty="0">
+                <a:solidFill>
+                  <a:srgbClr val="FF6600"/>
+                </a:solidFill>
+                <a:latin typeface="Inconsolata Medium" panose="020B0609030003000000" pitchFamily="49" charset="77"/>
+              </a:rPr>
+              <a:t>20</a:t>
+            </a:r>
+            <a:r>
+              <a:rPr lang="en-US" b="1" dirty="0">
+                <a:latin typeface="Inconsolata Medium" panose="020B0609030003000000" pitchFamily="49" charset="77"/>
+              </a:rPr>
+              <a:t>]:  </a:t>
+            </a:r>
+            <a:r>
+              <a:rPr lang="en-US" b="1" dirty="0">
+                <a:solidFill>
+                  <a:srgbClr val="000087"/>
+                </a:solidFill>
+                <a:latin typeface="Inconsolata Medium" panose="020B0609030003000000" pitchFamily="49" charset="77"/>
+              </a:rPr>
+              <a:t>'one' in numbers </a:t>
+            </a:r>
+            <a:endParaRPr lang="en-US" b="1" dirty="0">
+              <a:latin typeface="Inconsolata Medium" panose="020B0609030003000000" pitchFamily="49" charset="77"/>
+            </a:endParaRPr>
+          </a:p>
+          <a:p>
+            <a:pPr marL="0" indent="0">
+              <a:buNone/>
+            </a:pPr>
+            <a:r>
+              <a:rPr lang="en-US" b="1" dirty="0">
+                <a:latin typeface="Inconsolata Medium" panose="020B0609030003000000" pitchFamily="49" charset="77"/>
+              </a:rPr>
+              <a:t>Out [20]: True </a:t>
+            </a:r>
+            <a:endParaRPr lang="en-US" dirty="0"/>
+          </a:p>
+          <a:p>
+            <a:pPr marL="0" indent="0">
+              <a:buNone/>
+            </a:pPr>
+            <a:endParaRPr lang="en-US" dirty="0"/>
+          </a:p>
+          <a:p>
+            <a:pPr marL="0" indent="0">
+              <a:buNone/>
+            </a:pPr>
+            <a:endParaRPr lang="en-US" dirty="0"/>
           </a:p>
         </p:txBody>
       </p:sp>
@@ -7419,998 +7164,6 @@
           <a:p>
             <a:r>
               <a:rPr lang="en-US" dirty="0"/>
-              <a:t>Membership Operations</a:t>
-            </a:r>
-          </a:p>
-        </p:txBody>
-      </p:sp>
-      <p:sp>
-        <p:nvSpPr>
-          <p:cNvPr id="9" name="Content Placeholder 8">
-            <a:extLst>
-              <a:ext uri="{FF2B5EF4-FFF2-40B4-BE49-F238E27FC236}">
-                <a16:creationId xmlns:a16="http://schemas.microsoft.com/office/drawing/2014/main" id="{E3B2E017-30B2-884B-A113-B419A2ED51AD}"/>
-              </a:ext>
-            </a:extLst>
-          </p:cNvPr>
-          <p:cNvSpPr>
-            <a:spLocks noGrp="1"/>
-          </p:cNvSpPr>
-          <p:nvPr>
-            <p:ph idx="1"/>
-          </p:nvPr>
-        </p:nvSpPr>
-        <p:spPr>
-          <a:xfrm>
-            <a:off x="462828" y="1056320"/>
-            <a:ext cx="8051725" cy="4440590"/>
-          </a:xfrm>
-        </p:spPr>
-        <p:txBody>
-          <a:bodyPr>
-            <a:noAutofit/>
-          </a:bodyPr>
-          <a:lstStyle/>
-          <a:p>
-            <a:pPr marL="0" indent="0">
-              <a:buNone/>
-            </a:pPr>
-            <a:r>
-              <a:rPr lang="en-US" dirty="0"/>
-              <a:t>Membership operators check for membership within compound objects like lists.</a:t>
-            </a:r>
-          </a:p>
-          <a:p>
-            <a:pPr marL="0" indent="0">
-              <a:buNone/>
-            </a:pPr>
-            <a:r>
-              <a:rPr lang="en-US" dirty="0"/>
-              <a:t> </a:t>
-            </a:r>
-          </a:p>
-          <a:p>
-            <a:pPr marL="0" indent="0">
-              <a:buNone/>
-            </a:pPr>
-            <a:r>
-              <a:rPr lang="en-US" b="1" dirty="0">
-                <a:solidFill>
-                  <a:srgbClr val="000087"/>
-                </a:solidFill>
-                <a:latin typeface="Inconsolata Medium" panose="020B0609030003000000" pitchFamily="49" charset="77"/>
-              </a:rPr>
-              <a:t>In </a:t>
-            </a:r>
-            <a:r>
-              <a:rPr lang="en-US" b="1" dirty="0">
-                <a:latin typeface="Inconsolata Medium" panose="020B0609030003000000" pitchFamily="49" charset="77"/>
-              </a:rPr>
-              <a:t>[</a:t>
-            </a:r>
-            <a:r>
-              <a:rPr lang="en-US" b="1" dirty="0">
-                <a:solidFill>
-                  <a:srgbClr val="FF6600"/>
-                </a:solidFill>
-                <a:latin typeface="Inconsolata Medium" panose="020B0609030003000000" pitchFamily="49" charset="77"/>
-              </a:rPr>
-              <a:t>24</a:t>
-            </a:r>
-            <a:r>
-              <a:rPr lang="en-US" b="1" dirty="0">
-                <a:latin typeface="Inconsolata Medium" panose="020B0609030003000000" pitchFamily="49" charset="77"/>
-              </a:rPr>
-              <a:t>]: </a:t>
-            </a:r>
-            <a:r>
-              <a:rPr lang="en-US" b="1" dirty="0">
-                <a:solidFill>
-                  <a:srgbClr val="FF6600"/>
-                </a:solidFill>
-                <a:latin typeface="Inconsolata Medium" panose="020B0609030003000000" pitchFamily="49" charset="77"/>
-              </a:rPr>
-              <a:t>1 </a:t>
-            </a:r>
-            <a:r>
-              <a:rPr lang="en-US" b="1" dirty="0">
-                <a:latin typeface="Inconsolata Medium" panose="020B0609030003000000" pitchFamily="49" charset="77"/>
-              </a:rPr>
-              <a:t>in [</a:t>
-            </a:r>
-            <a:r>
-              <a:rPr lang="en-US" b="1" dirty="0">
-                <a:solidFill>
-                  <a:srgbClr val="FF6600"/>
-                </a:solidFill>
-                <a:latin typeface="Inconsolata Medium" panose="020B0609030003000000" pitchFamily="49" charset="77"/>
-              </a:rPr>
-              <a:t>1</a:t>
-            </a:r>
-            <a:r>
-              <a:rPr lang="en-US" b="1" dirty="0">
-                <a:latin typeface="Inconsolata Medium" panose="020B0609030003000000" pitchFamily="49" charset="77"/>
-              </a:rPr>
-              <a:t>, </a:t>
-            </a:r>
-            <a:r>
-              <a:rPr lang="en-US" b="1" dirty="0">
-                <a:solidFill>
-                  <a:srgbClr val="FF6600"/>
-                </a:solidFill>
-                <a:latin typeface="Inconsolata Medium" panose="020B0609030003000000" pitchFamily="49" charset="77"/>
-              </a:rPr>
-              <a:t>2</a:t>
-            </a:r>
-            <a:r>
-              <a:rPr lang="en-US" b="1" dirty="0">
-                <a:latin typeface="Inconsolata Medium" panose="020B0609030003000000" pitchFamily="49" charset="77"/>
-              </a:rPr>
-              <a:t>, </a:t>
-            </a:r>
-            <a:r>
-              <a:rPr lang="en-US" b="1" dirty="0">
-                <a:solidFill>
-                  <a:srgbClr val="FF6600"/>
-                </a:solidFill>
-                <a:latin typeface="Inconsolata Medium" panose="020B0609030003000000" pitchFamily="49" charset="77"/>
-              </a:rPr>
-              <a:t>3</a:t>
-            </a:r>
-            <a:r>
-              <a:rPr lang="en-US" b="1" dirty="0">
-                <a:latin typeface="Inconsolata Medium" panose="020B0609030003000000" pitchFamily="49" charset="77"/>
-              </a:rPr>
-              <a:t>] </a:t>
-            </a:r>
-          </a:p>
-          <a:p>
-            <a:pPr marL="0" indent="0">
-              <a:buNone/>
-            </a:pPr>
-            <a:r>
-              <a:rPr lang="en-US" b="1" dirty="0">
-                <a:latin typeface="Inconsolata Medium" panose="020B0609030003000000" pitchFamily="49" charset="77"/>
-              </a:rPr>
-              <a:t>Out [24]: True </a:t>
-            </a:r>
-          </a:p>
-          <a:p>
-            <a:pPr marL="0" indent="0">
-              <a:buNone/>
-            </a:pPr>
-            <a:endParaRPr lang="en-US" b="1">
-              <a:solidFill>
-                <a:srgbClr val="000087"/>
-              </a:solidFill>
-              <a:latin typeface="Inconsolata Medium" panose="020B0609030003000000" pitchFamily="49" charset="77"/>
-            </a:endParaRPr>
-          </a:p>
-          <a:p>
-            <a:pPr marL="0" indent="0">
-              <a:buNone/>
-            </a:pPr>
-            <a:r>
-              <a:rPr lang="en-US" b="1">
-                <a:solidFill>
-                  <a:srgbClr val="000087"/>
-                </a:solidFill>
-                <a:latin typeface="Inconsolata Medium" panose="020B0609030003000000" pitchFamily="49" charset="77"/>
-              </a:rPr>
-              <a:t>In</a:t>
-            </a:r>
-            <a:r>
-              <a:rPr lang="en-US" b="1" dirty="0">
-                <a:latin typeface="Inconsolata Medium" panose="020B0609030003000000" pitchFamily="49" charset="77"/>
-              </a:rPr>
-              <a:t>[</a:t>
-            </a:r>
-            <a:r>
-              <a:rPr lang="en-US" b="1" dirty="0">
-                <a:solidFill>
-                  <a:srgbClr val="FF6600"/>
-                </a:solidFill>
-                <a:latin typeface="Inconsolata Medium" panose="020B0609030003000000" pitchFamily="49" charset="77"/>
-              </a:rPr>
-              <a:t>25</a:t>
-            </a:r>
-            <a:r>
-              <a:rPr lang="en-US" b="1" dirty="0">
-                <a:latin typeface="Inconsolata Medium" panose="020B0609030003000000" pitchFamily="49" charset="77"/>
-              </a:rPr>
-              <a:t>]: </a:t>
-            </a:r>
-            <a:r>
-              <a:rPr lang="en-US" b="1">
-                <a:solidFill>
-                  <a:srgbClr val="FF6600"/>
-                </a:solidFill>
-                <a:latin typeface="Inconsolata Medium" panose="020B0609030003000000" pitchFamily="49" charset="77"/>
-              </a:rPr>
-              <a:t>2 </a:t>
-            </a:r>
-            <a:r>
-              <a:rPr lang="en-US" b="1">
-                <a:latin typeface="Inconsolata Medium" panose="020B0609030003000000" pitchFamily="49" charset="77"/>
-              </a:rPr>
-              <a:t>not in [</a:t>
-            </a:r>
-            <a:r>
-              <a:rPr lang="en-US" b="1" dirty="0">
-                <a:solidFill>
-                  <a:srgbClr val="FF6600"/>
-                </a:solidFill>
-                <a:latin typeface="Inconsolata Medium" panose="020B0609030003000000" pitchFamily="49" charset="77"/>
-              </a:rPr>
-              <a:t>1</a:t>
-            </a:r>
-            <a:r>
-              <a:rPr lang="en-US" b="1" dirty="0">
-                <a:latin typeface="Inconsolata Medium" panose="020B0609030003000000" pitchFamily="49" charset="77"/>
-              </a:rPr>
-              <a:t>,</a:t>
-            </a:r>
-            <a:r>
-              <a:rPr lang="en-US" b="1" dirty="0">
-                <a:solidFill>
-                  <a:srgbClr val="FF6600"/>
-                </a:solidFill>
-                <a:latin typeface="Inconsolata Medium" panose="020B0609030003000000" pitchFamily="49" charset="77"/>
-              </a:rPr>
-              <a:t>2</a:t>
-            </a:r>
-            <a:r>
-              <a:rPr lang="en-US" b="1" dirty="0">
-                <a:latin typeface="Inconsolata Medium" panose="020B0609030003000000" pitchFamily="49" charset="77"/>
-              </a:rPr>
-              <a:t>,</a:t>
-            </a:r>
-            <a:r>
-              <a:rPr lang="en-US" b="1" dirty="0">
-                <a:solidFill>
-                  <a:srgbClr val="FF6600"/>
-                </a:solidFill>
-                <a:latin typeface="Inconsolata Medium" panose="020B0609030003000000" pitchFamily="49" charset="77"/>
-              </a:rPr>
-              <a:t>3</a:t>
-            </a:r>
-            <a:r>
-              <a:rPr lang="en-US" b="1" dirty="0">
-                <a:latin typeface="Inconsolata Medium" panose="020B0609030003000000" pitchFamily="49" charset="77"/>
-              </a:rPr>
-              <a:t>] </a:t>
-            </a:r>
-          </a:p>
-          <a:p>
-            <a:pPr marL="0" indent="0">
-              <a:buNone/>
-            </a:pPr>
-            <a:r>
-              <a:rPr lang="en-US" b="1" dirty="0">
-                <a:latin typeface="Inconsolata Medium" panose="020B0609030003000000" pitchFamily="49" charset="77"/>
-              </a:rPr>
-              <a:t>Out [25]: False </a:t>
-            </a:r>
-          </a:p>
-          <a:p>
-            <a:pPr marL="0" indent="0">
-              <a:buNone/>
-            </a:pPr>
-            <a:endParaRPr lang="en-US" dirty="0"/>
-          </a:p>
-          <a:p>
-            <a:pPr marL="0" indent="0">
-              <a:buNone/>
-            </a:pPr>
-            <a:endParaRPr lang="en-US" dirty="0"/>
-          </a:p>
-          <a:p>
-            <a:pPr marL="0" indent="0">
-              <a:buNone/>
-            </a:pPr>
-            <a:endParaRPr lang="en-US" dirty="0"/>
-          </a:p>
-          <a:p>
-            <a:pPr marL="0" indent="0">
-              <a:buNone/>
-            </a:pPr>
-            <a:endParaRPr lang="en-US" dirty="0"/>
-          </a:p>
-          <a:p>
-            <a:pPr marL="0" indent="0">
-              <a:buNone/>
-            </a:pPr>
-            <a:endParaRPr lang="en-US" dirty="0"/>
-          </a:p>
-        </p:txBody>
-      </p:sp>
-    </p:spTree>
-    <p:extLst>
-      <p:ext uri="{BB962C8B-B14F-4D97-AF65-F5344CB8AC3E}">
-        <p14:creationId xmlns:p14="http://schemas.microsoft.com/office/powerpoint/2010/main" val="1552642527"/>
-      </p:ext>
-    </p:extLst>
-  </p:cSld>
-  <p:clrMapOvr>
-    <a:masterClrMapping/>
-  </p:clrMapOvr>
-</p:sld>
-</file>
-
-<file path=ppt/slides/slide18.xml><?xml version="1.0" encoding="utf-8"?>
-<p:sld xmlns:a="http://schemas.openxmlformats.org/drawingml/2006/main" xmlns:r="http://schemas.openxmlformats.org/officeDocument/2006/relationships" xmlns:p="http://schemas.openxmlformats.org/presentationml/2006/main">
-  <p:cSld>
-    <p:spTree>
-      <p:nvGrpSpPr>
-        <p:cNvPr id="1" name=""/>
-        <p:cNvGrpSpPr/>
-        <p:nvPr/>
-      </p:nvGrpSpPr>
-      <p:grpSpPr>
-        <a:xfrm>
-          <a:off x="0" y="0"/>
-          <a:ext cx="0" cy="0"/>
-          <a:chOff x="0" y="0"/>
-          <a:chExt cx="0" cy="0"/>
-        </a:xfrm>
-      </p:grpSpPr>
-      <p:sp>
-        <p:nvSpPr>
-          <p:cNvPr id="2" name="Title 1">
-            <a:extLst>
-              <a:ext uri="{FF2B5EF4-FFF2-40B4-BE49-F238E27FC236}">
-                <a16:creationId xmlns:a16="http://schemas.microsoft.com/office/drawing/2014/main" id="{AA3A228F-61D0-D949-A5E7-F83756230BF8}"/>
-              </a:ext>
-            </a:extLst>
-          </p:cNvPr>
-          <p:cNvSpPr>
-            <a:spLocks noGrp="1"/>
-          </p:cNvSpPr>
-          <p:nvPr>
-            <p:ph type="title"/>
-          </p:nvPr>
-        </p:nvSpPr>
-        <p:spPr>
-          <a:xfrm>
-            <a:off x="483848" y="467027"/>
-            <a:ext cx="7053542" cy="683886"/>
-          </a:xfrm>
-        </p:spPr>
-        <p:txBody>
-          <a:bodyPr/>
-          <a:lstStyle/>
-          <a:p>
-            <a:r>
-              <a:rPr lang="en-US" dirty="0"/>
-              <a:t>Variables Are Pointers</a:t>
-            </a:r>
-          </a:p>
-        </p:txBody>
-      </p:sp>
-      <p:sp>
-        <p:nvSpPr>
-          <p:cNvPr id="9" name="Content Placeholder 8">
-            <a:extLst>
-              <a:ext uri="{FF2B5EF4-FFF2-40B4-BE49-F238E27FC236}">
-                <a16:creationId xmlns:a16="http://schemas.microsoft.com/office/drawing/2014/main" id="{E3B2E017-30B2-884B-A113-B419A2ED51AD}"/>
-              </a:ext>
-            </a:extLst>
-          </p:cNvPr>
-          <p:cNvSpPr>
-            <a:spLocks noGrp="1"/>
-          </p:cNvSpPr>
-          <p:nvPr>
-            <p:ph idx="1"/>
-          </p:nvPr>
-        </p:nvSpPr>
-        <p:spPr>
-          <a:xfrm>
-            <a:off x="483848" y="1150912"/>
-            <a:ext cx="8051725" cy="4564087"/>
-          </a:xfrm>
-        </p:spPr>
-        <p:txBody>
-          <a:bodyPr>
-            <a:noAutofit/>
-          </a:bodyPr>
-          <a:lstStyle/>
-          <a:p>
-            <a:pPr marL="0" indent="0">
-              <a:buNone/>
-            </a:pPr>
-            <a:r>
-              <a:rPr lang="en-US" b="1" dirty="0">
-                <a:solidFill>
-                  <a:srgbClr val="000087"/>
-                </a:solidFill>
-                <a:latin typeface="Inconsolata Medium" panose="020B0609030003000000" pitchFamily="49" charset="77"/>
-              </a:rPr>
-              <a:t>In </a:t>
-            </a:r>
-            <a:r>
-              <a:rPr lang="en-US" b="1" dirty="0">
-                <a:latin typeface="Inconsolata Medium" panose="020B0609030003000000" pitchFamily="49" charset="77"/>
-              </a:rPr>
-              <a:t>[</a:t>
-            </a:r>
-            <a:r>
-              <a:rPr lang="en-US" b="1" dirty="0">
-                <a:solidFill>
-                  <a:srgbClr val="FF6600"/>
-                </a:solidFill>
-                <a:latin typeface="Inconsolata Medium" panose="020B0609030003000000" pitchFamily="49" charset="77"/>
-              </a:rPr>
-              <a:t>2</a:t>
-            </a:r>
-            <a:r>
-              <a:rPr lang="en-US" b="1" dirty="0">
-                <a:latin typeface="Inconsolata Medium" panose="020B0609030003000000" pitchFamily="49" charset="77"/>
-              </a:rPr>
-              <a:t>]: </a:t>
-            </a:r>
-            <a:r>
-              <a:rPr lang="en-US" b="1" dirty="0">
-                <a:solidFill>
-                  <a:srgbClr val="000087"/>
-                </a:solidFill>
-                <a:latin typeface="Inconsolata Medium" panose="020B0609030003000000" pitchFamily="49" charset="77"/>
-              </a:rPr>
-              <a:t>x </a:t>
-            </a:r>
-            <a:r>
-              <a:rPr lang="en-US" b="1" dirty="0">
-                <a:solidFill>
-                  <a:srgbClr val="545454"/>
-                </a:solidFill>
-                <a:latin typeface="Inconsolata Medium" panose="020B0609030003000000" pitchFamily="49" charset="77"/>
-              </a:rPr>
-              <a:t>= </a:t>
-            </a:r>
-            <a:r>
-              <a:rPr lang="en-US" b="1" dirty="0">
-                <a:latin typeface="Inconsolata Medium" panose="020B0609030003000000" pitchFamily="49" charset="77"/>
-              </a:rPr>
-              <a:t>[</a:t>
-            </a:r>
-            <a:r>
-              <a:rPr lang="en-US" b="1" dirty="0">
-                <a:solidFill>
-                  <a:srgbClr val="FF6600"/>
-                </a:solidFill>
-                <a:latin typeface="Inconsolata Medium" panose="020B0609030003000000" pitchFamily="49" charset="77"/>
-              </a:rPr>
-              <a:t>1</a:t>
-            </a:r>
-            <a:r>
-              <a:rPr lang="en-US" b="1" dirty="0">
-                <a:latin typeface="Inconsolata Medium" panose="020B0609030003000000" pitchFamily="49" charset="77"/>
-              </a:rPr>
-              <a:t>, </a:t>
-            </a:r>
-            <a:r>
-              <a:rPr lang="en-US" b="1" dirty="0">
-                <a:solidFill>
-                  <a:srgbClr val="FF6600"/>
-                </a:solidFill>
-                <a:latin typeface="Inconsolata Medium" panose="020B0609030003000000" pitchFamily="49" charset="77"/>
-              </a:rPr>
-              <a:t>2</a:t>
-            </a:r>
-            <a:r>
-              <a:rPr lang="en-US" b="1" dirty="0">
-                <a:latin typeface="Inconsolata Medium" panose="020B0609030003000000" pitchFamily="49" charset="77"/>
-              </a:rPr>
-              <a:t>, </a:t>
-            </a:r>
-            <a:r>
-              <a:rPr lang="en-US" b="1" dirty="0">
-                <a:solidFill>
-                  <a:srgbClr val="FF6600"/>
-                </a:solidFill>
-                <a:latin typeface="Inconsolata Medium" panose="020B0609030003000000" pitchFamily="49" charset="77"/>
-              </a:rPr>
-              <a:t>3</a:t>
-            </a:r>
-            <a:r>
-              <a:rPr lang="en-US" b="1" dirty="0">
-                <a:latin typeface="Inconsolata Medium" panose="020B0609030003000000" pitchFamily="49" charset="77"/>
-              </a:rPr>
-              <a:t>] </a:t>
-            </a:r>
-          </a:p>
-          <a:p>
-            <a:pPr marL="0" indent="0">
-              <a:buNone/>
-            </a:pPr>
-            <a:r>
-              <a:rPr lang="en-US" b="1" dirty="0">
-                <a:solidFill>
-                  <a:srgbClr val="000087"/>
-                </a:solidFill>
-                <a:latin typeface="Inconsolata Medium" panose="020B0609030003000000" pitchFamily="49" charset="77"/>
-              </a:rPr>
-              <a:t>	  y </a:t>
-            </a:r>
-            <a:r>
-              <a:rPr lang="en-US" b="1" dirty="0">
-                <a:solidFill>
-                  <a:srgbClr val="545454"/>
-                </a:solidFill>
-                <a:latin typeface="Inconsolata Medium" panose="020B0609030003000000" pitchFamily="49" charset="77"/>
-              </a:rPr>
-              <a:t>= </a:t>
-            </a:r>
-            <a:r>
-              <a:rPr lang="en-US" b="1" dirty="0">
-                <a:solidFill>
-                  <a:srgbClr val="000087"/>
-                </a:solidFill>
-                <a:latin typeface="Inconsolata Medium" panose="020B0609030003000000" pitchFamily="49" charset="77"/>
-              </a:rPr>
-              <a:t>x</a:t>
-            </a:r>
-          </a:p>
-          <a:p>
-            <a:pPr marL="0" indent="0">
-              <a:buNone/>
-            </a:pPr>
-            <a:r>
-              <a:rPr lang="en-US" b="1" dirty="0">
-                <a:solidFill>
-                  <a:srgbClr val="000087"/>
-                </a:solidFill>
-                <a:latin typeface="Inconsolata Medium" panose="020B0609030003000000" pitchFamily="49" charset="77"/>
-              </a:rPr>
-              <a:t>In </a:t>
-            </a:r>
-            <a:r>
-              <a:rPr lang="en-US" b="1" dirty="0">
-                <a:latin typeface="Inconsolata Medium" panose="020B0609030003000000" pitchFamily="49" charset="77"/>
-              </a:rPr>
-              <a:t>[</a:t>
-            </a:r>
-            <a:r>
-              <a:rPr lang="en-US" b="1" dirty="0">
-                <a:solidFill>
-                  <a:srgbClr val="FF6600"/>
-                </a:solidFill>
-                <a:latin typeface="Inconsolata Medium" panose="020B0609030003000000" pitchFamily="49" charset="77"/>
-              </a:rPr>
-              <a:t>3</a:t>
-            </a:r>
-            <a:r>
-              <a:rPr lang="en-US" b="1" dirty="0">
-                <a:latin typeface="Inconsolata Medium" panose="020B0609030003000000" pitchFamily="49" charset="77"/>
-              </a:rPr>
-              <a:t>]: </a:t>
-            </a:r>
-            <a:r>
-              <a:rPr lang="en-US" b="1" dirty="0">
-                <a:solidFill>
-                  <a:srgbClr val="006699"/>
-                </a:solidFill>
-                <a:latin typeface="Inconsolata Medium" panose="020B0609030003000000" pitchFamily="49" charset="77"/>
-              </a:rPr>
-              <a:t>print</a:t>
-            </a:r>
-            <a:r>
-              <a:rPr lang="en-US" b="1" dirty="0">
-                <a:latin typeface="Inconsolata Medium" panose="020B0609030003000000" pitchFamily="49" charset="77"/>
-              </a:rPr>
-              <a:t>(</a:t>
-            </a:r>
-            <a:r>
-              <a:rPr lang="en-US" b="1" dirty="0">
-                <a:solidFill>
-                  <a:srgbClr val="000087"/>
-                </a:solidFill>
-                <a:latin typeface="Inconsolata Medium" panose="020B0609030003000000" pitchFamily="49" charset="77"/>
-              </a:rPr>
-              <a:t>y</a:t>
-            </a:r>
-            <a:r>
-              <a:rPr lang="en-US" b="1" dirty="0">
-                <a:latin typeface="Inconsolata Medium" panose="020B0609030003000000" pitchFamily="49" charset="77"/>
-              </a:rPr>
-              <a:t>) </a:t>
-            </a:r>
-          </a:p>
-          <a:p>
-            <a:pPr marL="0" indent="0">
-              <a:buNone/>
-            </a:pPr>
-            <a:r>
-              <a:rPr lang="en-US" b="1" dirty="0">
-                <a:latin typeface="Inconsolata Medium" panose="020B0609030003000000" pitchFamily="49" charset="77"/>
-              </a:rPr>
-              <a:t>[1, 2, 3] </a:t>
-            </a:r>
-          </a:p>
-          <a:p>
-            <a:pPr marL="0" indent="0">
-              <a:buNone/>
-            </a:pPr>
-            <a:endParaRPr lang="en-US" b="1" dirty="0">
-              <a:latin typeface="Inconsolata Medium" panose="020B0609030003000000" pitchFamily="49" charset="77"/>
-            </a:endParaRPr>
-          </a:p>
-          <a:p>
-            <a:pPr marL="0" indent="0">
-              <a:buNone/>
-            </a:pPr>
-            <a:r>
-              <a:rPr lang="en-US" b="1" dirty="0">
-                <a:solidFill>
-                  <a:srgbClr val="000087"/>
-                </a:solidFill>
-                <a:latin typeface="Inconsolata Medium" panose="020B0609030003000000" pitchFamily="49" charset="77"/>
-              </a:rPr>
-              <a:t>In </a:t>
-            </a:r>
-            <a:r>
-              <a:rPr lang="en-US" b="1" dirty="0">
-                <a:latin typeface="Inconsolata Medium" panose="020B0609030003000000" pitchFamily="49" charset="77"/>
-              </a:rPr>
-              <a:t>[</a:t>
-            </a:r>
-            <a:r>
-              <a:rPr lang="en-US" b="1" dirty="0">
-                <a:solidFill>
-                  <a:srgbClr val="FF6600"/>
-                </a:solidFill>
-                <a:latin typeface="Inconsolata Medium" panose="020B0609030003000000" pitchFamily="49" charset="77"/>
-              </a:rPr>
-              <a:t>4</a:t>
-            </a:r>
-            <a:r>
-              <a:rPr lang="en-US" b="1" dirty="0">
-                <a:latin typeface="Inconsolata Medium" panose="020B0609030003000000" pitchFamily="49" charset="77"/>
-              </a:rPr>
-              <a:t>]: </a:t>
-            </a:r>
-            <a:r>
-              <a:rPr lang="en-US" b="1" dirty="0" err="1">
-                <a:solidFill>
-                  <a:srgbClr val="000087"/>
-                </a:solidFill>
-                <a:latin typeface="Inconsolata Medium" panose="020B0609030003000000" pitchFamily="49" charset="77"/>
-              </a:rPr>
-              <a:t>x</a:t>
-            </a:r>
-            <a:r>
-              <a:rPr lang="en-US" b="1" dirty="0" err="1">
-                <a:solidFill>
-                  <a:srgbClr val="545454"/>
-                </a:solidFill>
-                <a:latin typeface="Inconsolata Medium" panose="020B0609030003000000" pitchFamily="49" charset="77"/>
-              </a:rPr>
-              <a:t>.</a:t>
-            </a:r>
-            <a:r>
-              <a:rPr lang="en-US" b="1" dirty="0" err="1">
-                <a:solidFill>
-                  <a:srgbClr val="000087"/>
-                </a:solidFill>
-                <a:latin typeface="Inconsolata Medium" panose="020B0609030003000000" pitchFamily="49" charset="77"/>
-              </a:rPr>
-              <a:t>append</a:t>
-            </a:r>
-            <a:r>
-              <a:rPr lang="en-US" b="1" dirty="0">
-                <a:latin typeface="Inconsolata Medium" panose="020B0609030003000000" pitchFamily="49" charset="77"/>
-              </a:rPr>
-              <a:t>(</a:t>
-            </a:r>
-            <a:r>
-              <a:rPr lang="en-US" b="1" dirty="0">
-                <a:solidFill>
-                  <a:srgbClr val="FF6600"/>
-                </a:solidFill>
-                <a:latin typeface="Inconsolata Medium" panose="020B0609030003000000" pitchFamily="49" charset="77"/>
-              </a:rPr>
-              <a:t>4</a:t>
-            </a:r>
-            <a:r>
-              <a:rPr lang="en-US" b="1" dirty="0">
-                <a:latin typeface="Inconsolata Medium" panose="020B0609030003000000" pitchFamily="49" charset="77"/>
-              </a:rPr>
-              <a:t>) </a:t>
-            </a:r>
-            <a:r>
-              <a:rPr lang="en-US" sz="2000" b="1" dirty="0">
-                <a:solidFill>
-                  <a:srgbClr val="33566B"/>
-                </a:solidFill>
-                <a:latin typeface="Inconsolata Medium" panose="020B0609030003000000" pitchFamily="49" charset="77"/>
-              </a:rPr>
-              <a:t># append 4 to the list pointed to by x</a:t>
-            </a:r>
-            <a:r>
-              <a:rPr lang="en-US" b="1" dirty="0">
-                <a:solidFill>
-                  <a:srgbClr val="33566B"/>
-                </a:solidFill>
-                <a:latin typeface="Inconsolata Medium" panose="020B0609030003000000" pitchFamily="49" charset="77"/>
-              </a:rPr>
-              <a:t> </a:t>
-            </a:r>
-            <a:r>
-              <a:rPr lang="en-US" b="1" i="1" dirty="0">
-                <a:solidFill>
-                  <a:srgbClr val="33566B"/>
-                </a:solidFill>
-                <a:latin typeface="Inconsolata Medium" panose="020B0609030003000000" pitchFamily="49" charset="77"/>
-              </a:rPr>
-              <a:t>	   </a:t>
-            </a:r>
-            <a:r>
-              <a:rPr lang="en-US" b="1" dirty="0">
-                <a:solidFill>
-                  <a:srgbClr val="006699"/>
-                </a:solidFill>
-                <a:latin typeface="Inconsolata Medium" panose="020B0609030003000000" pitchFamily="49" charset="77"/>
-              </a:rPr>
-              <a:t>print</a:t>
-            </a:r>
-            <a:r>
-              <a:rPr lang="en-US" b="1" dirty="0">
-                <a:latin typeface="Inconsolata Medium" panose="020B0609030003000000" pitchFamily="49" charset="77"/>
-              </a:rPr>
-              <a:t>(</a:t>
-            </a:r>
-            <a:r>
-              <a:rPr lang="en-US" b="1" dirty="0">
-                <a:solidFill>
-                  <a:srgbClr val="000087"/>
-                </a:solidFill>
-                <a:latin typeface="Inconsolata Medium" panose="020B0609030003000000" pitchFamily="49" charset="77"/>
-              </a:rPr>
-              <a:t>y</a:t>
-            </a:r>
-            <a:r>
-              <a:rPr lang="en-US" b="1" dirty="0">
-                <a:latin typeface="Inconsolata Medium" panose="020B0609030003000000" pitchFamily="49" charset="77"/>
-              </a:rPr>
-              <a:t>) 	</a:t>
-            </a:r>
-            <a:r>
-              <a:rPr lang="en-US" sz="2000" b="1" dirty="0">
-                <a:solidFill>
-                  <a:srgbClr val="33566B"/>
-                </a:solidFill>
-                <a:latin typeface="Inconsolata Medium" panose="020B0609030003000000" pitchFamily="49" charset="77"/>
-              </a:rPr>
-              <a:t># y's list is modified as well! </a:t>
-            </a:r>
-            <a:endParaRPr lang="en-US" sz="2000" b="1" dirty="0">
-              <a:latin typeface="Inconsolata Medium" panose="020B0609030003000000" pitchFamily="49" charset="77"/>
-            </a:endParaRPr>
-          </a:p>
-          <a:p>
-            <a:pPr marL="0" indent="0">
-              <a:buNone/>
-            </a:pPr>
-            <a:r>
-              <a:rPr lang="en-US" b="1" dirty="0">
-                <a:latin typeface="Inconsolata Medium" panose="020B0609030003000000" pitchFamily="49" charset="77"/>
-              </a:rPr>
-              <a:t>[1, 2, 3, 4] </a:t>
-            </a:r>
-          </a:p>
-          <a:p>
-            <a:pPr marL="0" indent="0">
-              <a:buNone/>
-            </a:pPr>
-            <a:endParaRPr lang="en-US" b="1" dirty="0">
-              <a:latin typeface="Inconsolata Medium" panose="020B0609030003000000" pitchFamily="49" charset="77"/>
-            </a:endParaRPr>
-          </a:p>
-          <a:p>
-            <a:pPr marL="0" indent="0">
-              <a:buNone/>
-            </a:pPr>
-            <a:r>
-              <a:rPr lang="en-US" b="1" dirty="0">
-                <a:solidFill>
-                  <a:srgbClr val="000087"/>
-                </a:solidFill>
-                <a:latin typeface="Inconsolata Medium" panose="020B0609030003000000" pitchFamily="49" charset="77"/>
-              </a:rPr>
-              <a:t>In </a:t>
-            </a:r>
-            <a:r>
-              <a:rPr lang="en-US" b="1" dirty="0">
-                <a:latin typeface="Inconsolata Medium" panose="020B0609030003000000" pitchFamily="49" charset="77"/>
-              </a:rPr>
-              <a:t>[</a:t>
-            </a:r>
-            <a:r>
-              <a:rPr lang="en-US" b="1" dirty="0">
-                <a:solidFill>
-                  <a:srgbClr val="FF6600"/>
-                </a:solidFill>
-                <a:latin typeface="Inconsolata Medium" panose="020B0609030003000000" pitchFamily="49" charset="77"/>
-              </a:rPr>
-              <a:t>5</a:t>
-            </a:r>
-            <a:r>
-              <a:rPr lang="en-US" b="1" dirty="0">
-                <a:latin typeface="Inconsolata Medium" panose="020B0609030003000000" pitchFamily="49" charset="77"/>
-              </a:rPr>
-              <a:t>]: </a:t>
-            </a:r>
-            <a:r>
-              <a:rPr lang="en-US" b="1" dirty="0">
-                <a:solidFill>
-                  <a:srgbClr val="000087"/>
-                </a:solidFill>
-                <a:latin typeface="Inconsolata Medium" panose="020B0609030003000000" pitchFamily="49" charset="77"/>
-              </a:rPr>
-              <a:t>x </a:t>
-            </a:r>
-            <a:r>
-              <a:rPr lang="en-US" b="1" dirty="0">
-                <a:solidFill>
-                  <a:srgbClr val="545454"/>
-                </a:solidFill>
-                <a:latin typeface="Inconsolata Medium" panose="020B0609030003000000" pitchFamily="49" charset="77"/>
-              </a:rPr>
-              <a:t>= </a:t>
-            </a:r>
-            <a:r>
-              <a:rPr lang="en-US" b="1" dirty="0">
-                <a:solidFill>
-                  <a:srgbClr val="CC3300"/>
-                </a:solidFill>
-                <a:latin typeface="Inconsolata Medium" panose="020B0609030003000000" pitchFamily="49" charset="77"/>
-              </a:rPr>
-              <a:t>'something else’ </a:t>
-            </a:r>
-          </a:p>
-          <a:p>
-            <a:pPr marL="0" indent="0">
-              <a:buNone/>
-            </a:pPr>
-            <a:r>
-              <a:rPr lang="en-US" b="1" dirty="0">
-                <a:solidFill>
-                  <a:srgbClr val="CC3300"/>
-                </a:solidFill>
-                <a:latin typeface="Inconsolata Medium" panose="020B0609030003000000" pitchFamily="49" charset="77"/>
-              </a:rPr>
-              <a:t>	   </a:t>
-            </a:r>
-            <a:r>
-              <a:rPr lang="en-US" b="1" dirty="0">
-                <a:solidFill>
-                  <a:srgbClr val="006699"/>
-                </a:solidFill>
-                <a:latin typeface="Inconsolata Medium" panose="020B0609030003000000" pitchFamily="49" charset="77"/>
-              </a:rPr>
-              <a:t>print</a:t>
-            </a:r>
-            <a:r>
-              <a:rPr lang="en-US" b="1" dirty="0">
-                <a:latin typeface="Inconsolata Medium" panose="020B0609030003000000" pitchFamily="49" charset="77"/>
-              </a:rPr>
-              <a:t>(</a:t>
-            </a:r>
-            <a:r>
-              <a:rPr lang="en-US" b="1" dirty="0">
-                <a:solidFill>
-                  <a:srgbClr val="000087"/>
-                </a:solidFill>
-                <a:latin typeface="Inconsolata Medium" panose="020B0609030003000000" pitchFamily="49" charset="77"/>
-              </a:rPr>
-              <a:t>y</a:t>
-            </a:r>
-            <a:r>
-              <a:rPr lang="en-US" b="1" dirty="0">
-                <a:latin typeface="Inconsolata Medium" panose="020B0609030003000000" pitchFamily="49" charset="77"/>
-              </a:rPr>
-              <a:t>) </a:t>
-            </a:r>
-            <a:r>
-              <a:rPr lang="en-US" b="1" i="1" dirty="0">
-                <a:solidFill>
-                  <a:srgbClr val="33566B"/>
-                </a:solidFill>
-                <a:latin typeface="Inconsolata Medium" panose="020B0609030003000000" pitchFamily="49" charset="77"/>
-              </a:rPr>
-              <a:t># y is unchanged </a:t>
-            </a:r>
-            <a:endParaRPr lang="en-US" b="1" dirty="0">
-              <a:latin typeface="Inconsolata Medium" panose="020B0609030003000000" pitchFamily="49" charset="77"/>
-            </a:endParaRPr>
-          </a:p>
-          <a:p>
-            <a:pPr marL="0" indent="0">
-              <a:buNone/>
-            </a:pPr>
-            <a:r>
-              <a:rPr lang="en-US" b="1" dirty="0">
-                <a:latin typeface="Inconsolata Medium" panose="020B0609030003000000" pitchFamily="49" charset="77"/>
-              </a:rPr>
-              <a:t>[1, 2, 3, 4] </a:t>
-            </a:r>
-          </a:p>
-          <a:p>
-            <a:pPr marL="0" indent="0">
-              <a:buNone/>
-            </a:pPr>
-            <a:r>
-              <a:rPr lang="en-US" b="1" dirty="0">
-                <a:solidFill>
-                  <a:srgbClr val="000087"/>
-                </a:solidFill>
-                <a:latin typeface="Inconsolata Medium" panose="020B0609030003000000" pitchFamily="49" charset="77"/>
-              </a:rPr>
-              <a:t> </a:t>
-            </a:r>
-            <a:endParaRPr lang="en-US" b="1" dirty="0">
-              <a:latin typeface="Inconsolata Medium" panose="020B0609030003000000" pitchFamily="49" charset="77"/>
-            </a:endParaRPr>
-          </a:p>
-        </p:txBody>
-      </p:sp>
-    </p:spTree>
-    <p:extLst>
-      <p:ext uri="{BB962C8B-B14F-4D97-AF65-F5344CB8AC3E}">
-        <p14:creationId xmlns:p14="http://schemas.microsoft.com/office/powerpoint/2010/main" val="15889227"/>
-      </p:ext>
-    </p:extLst>
-  </p:cSld>
-  <p:clrMapOvr>
-    <a:masterClrMapping/>
-  </p:clrMapOvr>
-</p:sld>
-</file>
-
-<file path=ppt/slides/slide19.xml><?xml version="1.0" encoding="utf-8"?>
-<p:sld xmlns:a="http://schemas.openxmlformats.org/drawingml/2006/main" xmlns:r="http://schemas.openxmlformats.org/officeDocument/2006/relationships" xmlns:p="http://schemas.openxmlformats.org/presentationml/2006/main">
-  <p:cSld>
-    <p:spTree>
-      <p:nvGrpSpPr>
-        <p:cNvPr id="1" name=""/>
-        <p:cNvGrpSpPr/>
-        <p:nvPr/>
-      </p:nvGrpSpPr>
-      <p:grpSpPr>
-        <a:xfrm>
-          <a:off x="0" y="0"/>
-          <a:ext cx="0" cy="0"/>
-          <a:chOff x="0" y="0"/>
-          <a:chExt cx="0" cy="0"/>
-        </a:xfrm>
-      </p:grpSpPr>
-      <p:sp>
-        <p:nvSpPr>
-          <p:cNvPr id="2" name="Title 1">
-            <a:extLst>
-              <a:ext uri="{FF2B5EF4-FFF2-40B4-BE49-F238E27FC236}">
-                <a16:creationId xmlns:a16="http://schemas.microsoft.com/office/drawing/2014/main" id="{AA3A228F-61D0-D949-A5E7-F83756230BF8}"/>
-              </a:ext>
-            </a:extLst>
-          </p:cNvPr>
-          <p:cNvSpPr>
-            <a:spLocks noGrp="1"/>
-          </p:cNvSpPr>
-          <p:nvPr>
-            <p:ph type="title"/>
-          </p:nvPr>
-        </p:nvSpPr>
-        <p:spPr>
-          <a:xfrm>
-            <a:off x="483848" y="467027"/>
-            <a:ext cx="7053542" cy="683886"/>
-          </a:xfrm>
-        </p:spPr>
-        <p:txBody>
-          <a:bodyPr/>
-          <a:lstStyle/>
-          <a:p>
-            <a:r>
-              <a:rPr lang="en-US" dirty="0"/>
               <a:t>References</a:t>
             </a:r>
           </a:p>
@@ -9014,7 +7767,7 @@
                 <a:latin typeface="Inconsolata Medium" panose="020B0609030003000000" pitchFamily="49" charset="77"/>
                 <a:cs typeface="InaiMathi" pitchFamily="2" charset="0"/>
               </a:rPr>
-              <a:t>	    </a:t>
+              <a:t>	 </a:t>
             </a:r>
             <a:r>
               <a:rPr lang="en-US" b="1" dirty="0">
@@ -9041,7 +7794,7 @@
                 <a:latin typeface="Inconsolata Medium" panose="020B0609030003000000" pitchFamily="49" charset="77"/>
                 <a:cs typeface="InaiMathi" pitchFamily="2" charset="0"/>
               </a:rPr>
-              <a:t>t</a:t>
+              <a:t>t, type(t)</a:t>
             </a:r>
             <a:r>
               <a:rPr lang="en-US" b="1" dirty="0">
@@ -9060,7 +7813,7 @@
                 <a:latin typeface="Inconsolata Medium" panose="020B0609030003000000" pitchFamily="49" charset="77"/>
                 <a:cs typeface="InaiMathi" pitchFamily="2" charset="0"/>
               </a:rPr>
-              <a:t>(1, 2, 3)</a:t>
+              <a:t>(1, 2, 3) tuple</a:t>
             </a:r>
           </a:p>
           <a:p>
@@ -11775,11 +10528,6 @@
               <a:rPr lang="en-US" dirty="0"/>
               <a:t>We can form a list of tuples(or of lists) and iterate over them by using nested loop or tuple unpacking.</a:t>
             </a:r>
-          </a:p>
-          <a:p>
-            <a:pPr marL="0" indent="0">
-              <a:buNone/>
-            </a:pPr>
             <a:endParaRPr lang="en-US" b="1" dirty="0">
               <a:solidFill>
                 <a:srgbClr val="000087"/>
@@ -11979,208 +10727,74 @@
             <a:pPr marL="0" indent="0">
               <a:buNone/>
             </a:pPr>
+            <a:r>
+              <a:rPr lang="en-US" sz="2000" dirty="0">
+                <a:latin typeface="Gill Sans MT" panose="020B0502020104020203" pitchFamily="34" charset="77"/>
+              </a:rPr>
+              <a:t>Mike</a:t>
+            </a:r>
+          </a:p>
+          <a:p>
+            <a:pPr marL="0" indent="0">
+              <a:buNone/>
+            </a:pPr>
+            <a:r>
+              <a:rPr lang="en-US" sz="2000" dirty="0">
+                <a:latin typeface="Gill Sans MT" panose="020B0502020104020203" pitchFamily="34" charset="77"/>
+              </a:rPr>
+              <a:t>3.2</a:t>
+            </a:r>
+          </a:p>
+          <a:p>
+            <a:pPr marL="0" indent="0">
+              <a:buNone/>
+            </a:pPr>
+            <a:r>
+              <a:rPr lang="en-US" sz="2000" dirty="0">
+                <a:latin typeface="Gill Sans MT" panose="020B0502020104020203" pitchFamily="34" charset="77"/>
+              </a:rPr>
+              <a:t>Sarah</a:t>
+            </a:r>
+          </a:p>
+          <a:p>
+            <a:pPr marL="0" indent="0">
+              <a:buNone/>
+            </a:pPr>
+            <a:r>
+              <a:rPr lang="en-US" sz="2000" dirty="0">
+                <a:latin typeface="Gill Sans MT" panose="020B0502020104020203" pitchFamily="34" charset="77"/>
+              </a:rPr>
+              <a:t>3.6</a:t>
+            </a:r>
+          </a:p>
+          <a:p>
+            <a:pPr marL="0" indent="0">
+              <a:buNone/>
+            </a:pPr>
+            <a:r>
+              <a:rPr lang="en-US" sz="2000" dirty="0">
+                <a:latin typeface="Gill Sans MT" panose="020B0502020104020203" pitchFamily="34" charset="77"/>
+              </a:rPr>
+              <a:t>Jack</a:t>
+            </a:r>
+          </a:p>
+          <a:p>
+            <a:pPr marL="0" indent="0">
+              <a:buNone/>
+            </a:pPr>
+            <a:r>
+              <a:rPr lang="en-US" sz="2000" dirty="0">
+                <a:latin typeface="Gill Sans MT" panose="020B0502020104020203" pitchFamily="34" charset="77"/>
+              </a:rPr>
+              <a:t>2.8</a:t>
+            </a:r>
+          </a:p>
+          <a:p>
+            <a:pPr marL="0" indent="0">
+              <a:buNone/>
+            </a:pPr>
             <a:endParaRPr lang="en-US" sz="2000" b="1" dirty="0">
-              <a:solidFill>
-                <a:srgbClr val="336666"/>
-              </a:solidFill>
-              <a:latin typeface="Inconsolata Medium" panose="020B0609030003000000" pitchFamily="49" charset="77"/>
-            </a:endParaRPr>
-          </a:p>
-          <a:p>
-            <a:pPr marL="0" indent="0">
-              <a:buNone/>
-            </a:pPr>
-            <a:r>
-              <a:rPr lang="en-US" sz="2000" b="1" dirty="0">
-                <a:solidFill>
-                  <a:srgbClr val="000087"/>
-                </a:solidFill>
-                <a:latin typeface="Inconsolata Medium" panose="020B0609030003000000" pitchFamily="49" charset="77"/>
-              </a:rPr>
-              <a:t>In</a:t>
-            </a:r>
-            <a:r>
-              <a:rPr lang="en-US" sz="2000" b="1" dirty="0">
-                <a:latin typeface="Inconsolata Medium" panose="020B0609030003000000" pitchFamily="49" charset="77"/>
-              </a:rPr>
-              <a:t>[</a:t>
-            </a:r>
-            <a:r>
-              <a:rPr lang="en-US" sz="2000" b="1" dirty="0">
-                <a:solidFill>
-                  <a:srgbClr val="FF6600"/>
-                </a:solidFill>
-                <a:latin typeface="Inconsolata Medium" panose="020B0609030003000000" pitchFamily="49" charset="77"/>
-              </a:rPr>
-              <a:t>3</a:t>
-            </a:r>
-            <a:r>
-              <a:rPr lang="en-US" sz="2000" b="1" dirty="0">
-                <a:latin typeface="Inconsolata Medium" panose="020B0609030003000000" pitchFamily="49" charset="77"/>
-              </a:rPr>
-              <a:t>]: </a:t>
-            </a:r>
-            <a:r>
-              <a:rPr lang="en-US" sz="2000" b="1" dirty="0" err="1">
-                <a:solidFill>
-                  <a:srgbClr val="000087"/>
-                </a:solidFill>
-                <a:latin typeface="Inconsolata Medium" panose="020B0609030003000000" pitchFamily="49" charset="77"/>
-              </a:rPr>
-              <a:t>lst</a:t>
-            </a:r>
-            <a:r>
-              <a:rPr lang="en-US" sz="2000" b="1" dirty="0">
-                <a:solidFill>
-                  <a:srgbClr val="000087"/>
-                </a:solidFill>
-                <a:latin typeface="Inconsolata Medium" panose="020B0609030003000000" pitchFamily="49" charset="77"/>
-              </a:rPr>
-              <a:t> </a:t>
-            </a:r>
-            <a:r>
-              <a:rPr lang="en-US" sz="2000" b="1" dirty="0">
-                <a:solidFill>
-                  <a:srgbClr val="545454"/>
-                </a:solidFill>
-                <a:latin typeface="Inconsolata Medium" panose="020B0609030003000000" pitchFamily="49" charset="77"/>
-              </a:rPr>
-              <a:t>= </a:t>
-            </a:r>
-            <a:r>
-              <a:rPr lang="en-US" sz="2000" b="1" dirty="0">
-                <a:latin typeface="Inconsolata Medium" panose="020B0609030003000000" pitchFamily="49" charset="77"/>
-              </a:rPr>
-              <a:t>[</a:t>
-            </a:r>
-            <a:r>
-              <a:rPr lang="en-US" sz="2000" b="1" dirty="0">
-                <a:solidFill>
-                  <a:srgbClr val="FF6600"/>
-                </a:solidFill>
-                <a:latin typeface="Inconsolata Medium" panose="020B0609030003000000" pitchFamily="49" charset="77"/>
-              </a:rPr>
-              <a:t>(“Mike”, 3.2), (“Sarah”, 3.6), (“Jack”, 2.8)</a:t>
-            </a:r>
-            <a:r>
-              <a:rPr lang="en-US" sz="2000" b="1" dirty="0">
-                <a:latin typeface="Inconsolata Medium" panose="020B0609030003000000" pitchFamily="49" charset="77"/>
-              </a:rPr>
-              <a:t>]</a:t>
-            </a:r>
-          </a:p>
-          <a:p>
-            <a:pPr marL="0" indent="0">
-              <a:buNone/>
-            </a:pPr>
-            <a:r>
-              <a:rPr lang="en-US" sz="2000" b="1" dirty="0">
-                <a:latin typeface="Inconsolata Medium" panose="020B0609030003000000" pitchFamily="49" charset="77"/>
-              </a:rPr>
-              <a:t>	  </a:t>
-            </a:r>
-            <a:r>
-              <a:rPr lang="en-US" sz="2000" b="1" dirty="0">
-                <a:solidFill>
-                  <a:srgbClr val="006699"/>
-                </a:solidFill>
-                <a:latin typeface="Inconsolata Medium" panose="020B0609030003000000" pitchFamily="49" charset="77"/>
-              </a:rPr>
-              <a:t>for </a:t>
-            </a:r>
-            <a:r>
-              <a:rPr lang="en-US" sz="2000" b="1" dirty="0">
-                <a:solidFill>
-                  <a:srgbClr val="000087"/>
-                </a:solidFill>
-                <a:latin typeface="Inconsolata Medium" panose="020B0609030003000000" pitchFamily="49" charset="77"/>
-              </a:rPr>
-              <a:t>name, </a:t>
-            </a:r>
-            <a:r>
-              <a:rPr lang="en-US" sz="2000" b="1" dirty="0" err="1">
-                <a:solidFill>
-                  <a:srgbClr val="000087"/>
-                </a:solidFill>
-                <a:latin typeface="Inconsolata Medium" panose="020B0609030003000000" pitchFamily="49" charset="77"/>
-              </a:rPr>
-              <a:t>gpa</a:t>
-            </a:r>
-            <a:r>
-              <a:rPr lang="en-US" sz="2000" b="1" dirty="0">
-                <a:solidFill>
-                  <a:srgbClr val="000087"/>
-                </a:solidFill>
-                <a:latin typeface="Inconsolata Medium" panose="020B0609030003000000" pitchFamily="49" charset="77"/>
-              </a:rPr>
-              <a:t> </a:t>
-            </a:r>
-            <a:r>
-              <a:rPr lang="en-US" sz="2000" b="1" dirty="0">
-                <a:latin typeface="Inconsolata Medium" panose="020B0609030003000000" pitchFamily="49" charset="77"/>
-              </a:rPr>
-              <a:t>in </a:t>
-            </a:r>
-            <a:r>
-              <a:rPr lang="en-US" sz="2000" b="1" dirty="0" err="1">
-                <a:solidFill>
-                  <a:srgbClr val="336666"/>
-                </a:solidFill>
-                <a:latin typeface="Inconsolata Medium" panose="020B0609030003000000" pitchFamily="49" charset="77"/>
-              </a:rPr>
-              <a:t>lst</a:t>
-            </a:r>
-            <a:r>
-              <a:rPr lang="en-US" sz="2000" b="1" dirty="0">
-                <a:solidFill>
-                  <a:srgbClr val="336666"/>
-                </a:solidFill>
-                <a:latin typeface="Inconsolata Medium" panose="020B0609030003000000" pitchFamily="49" charset="77"/>
-              </a:rPr>
-              <a:t>:  # tuple unpacking</a:t>
-            </a:r>
-          </a:p>
-          <a:p>
-            <a:pPr marL="0" indent="0">
-              <a:buNone/>
-            </a:pPr>
-            <a:r>
-              <a:rPr lang="en-US" sz="2000" b="1" dirty="0">
-                <a:solidFill>
-                  <a:srgbClr val="336666"/>
-                </a:solidFill>
-                <a:latin typeface="Inconsolata Medium" panose="020B0609030003000000" pitchFamily="49" charset="77"/>
-              </a:rPr>
-              <a:t>		print(name, </a:t>
-            </a:r>
-            <a:r>
-              <a:rPr lang="en-US" sz="2000" b="1" dirty="0" err="1">
-                <a:solidFill>
-                  <a:srgbClr val="336666"/>
-                </a:solidFill>
-                <a:latin typeface="Inconsolata Medium" panose="020B0609030003000000" pitchFamily="49" charset="77"/>
-              </a:rPr>
-              <a:t>gpa</a:t>
-            </a:r>
-            <a:r>
-              <a:rPr lang="en-US" sz="2000" b="1" dirty="0">
-                <a:solidFill>
-                  <a:srgbClr val="336666"/>
-                </a:solidFill>
-                <a:latin typeface="Inconsolata Medium" panose="020B0609030003000000" pitchFamily="49" charset="77"/>
-              </a:rPr>
-              <a:t>)</a:t>
-            </a:r>
-          </a:p>
-          <a:p>
-            <a:pPr marL="0" indent="0">
-              <a:buNone/>
-            </a:pPr>
-            <a:endParaRPr lang="en-US" sz="2000" b="1" dirty="0">
-              <a:solidFill>
-                <a:srgbClr val="336666"/>
-              </a:solidFill>
-              <a:latin typeface="Inconsolata Medium" panose="020B0609030003000000" pitchFamily="49" charset="77"/>
+              <a:latin typeface="Gill Sans MT" panose="020B0502020104020203" pitchFamily="34" charset="77"/>
             </a:endParaRPr>
           </a:p>
           <a:p>
@@ -12293,7 +10907,7 @@
           <a:p>
             <a:r>
               <a:rPr lang="en-US" dirty="0"/>
-              <a:t>Dictionaries</a:t>
+              <a:t>List of Tuples</a:t>
             </a:r>
           </a:p>
         </p:txBody>
@@ -12331,22 +10945,17 @@
             </a:pPr>
             <a:r>
               <a:rPr lang="en-US" dirty="0"/>
-              <a:t>Dictionaries are extremely flexible mappings of keys to values, and form the basis of much of Python’s internal implementation. They can be created via a comma-separated list of </a:t>
-            </a:r>
-            <a:r>
-              <a:rPr lang="en-US" dirty="0" err="1"/>
-              <a:t>key:value</a:t>
-            </a:r>
-            <a:r>
-              <a:rPr lang="en-US" dirty="0"/>
-              <a:t> pairs within curly braces: </a:t>
-            </a:r>
-          </a:p>
-          <a:p>
-            <a:pPr marL="0" indent="0">
-              <a:buNone/>
-            </a:pPr>
-            <a:endParaRPr lang="en-US" b="1" dirty="0">
+              <a:t>We can form a list of tuples(or of lists) and iterate over them by using nested loop or tuple unpacking.</a:t>
+            </a:r>
+          </a:p>
+          <a:p>
+            <a:pPr marL="0" indent="0">
+              <a:buNone/>
+            </a:pPr>
+            <a:endParaRPr lang="en-US" sz="2000" b="1" dirty="0">
+              <a:solidFill>
+                <a:srgbClr val="336666"/>
+              </a:solidFill>
               <a:latin typeface="Inconsolata Medium" panose="020B0609030003000000" pitchFamily="49" charset="77"/>
             </a:endParaRPr>
           </a:p>
@@ -12355,46 +10964,55 @@
               <a:buNone/>
             </a:pPr>
             <a:r>
-              <a:rPr lang="en-US" b="1" dirty="0">
+              <a:rPr lang="en-US" sz="2000" b="1" dirty="0">
                 <a:solidFill>
                   <a:srgbClr val="000087"/>
                 </a:solidFill>
                 <a:latin typeface="Inconsolata Medium" panose="020B0609030003000000" pitchFamily="49" charset="77"/>
               </a:rPr>
-              <a:t>In </a:t>
-            </a:r>
-            <a:r>
-              <a:rPr lang="en-US" b="1" dirty="0">
+              <a:t>In</a:t>
+            </a:r>
+            <a:r>
+              <a:rPr lang="en-US" sz="2000" b="1" dirty="0">
                 <a:latin typeface="Inconsolata Medium" panose="020B0609030003000000" pitchFamily="49" charset="77"/>
               </a:rPr>
               <a:t>[</a:t>
             </a:r>
             <a:r>
-              <a:rPr lang="en-US" b="1" dirty="0">
+              <a:rPr lang="en-US" sz="2000" b="1" dirty="0">
                 <a:solidFill>
                   <a:srgbClr val="FF6600"/>
                 </a:solidFill>
                 <a:latin typeface="Inconsolata Medium" panose="020B0609030003000000" pitchFamily="49" charset="77"/>
               </a:rPr>
-              <a:t>27</a:t>
-            </a:r>
-            <a:r>
-              <a:rPr lang="en-US" b="1" dirty="0">
+              <a:t>3</a:t>
+            </a:r>
+            <a:r>
+              <a:rPr lang="en-US" sz="2000" b="1" dirty="0">
                 <a:latin typeface="Inconsolata Medium" panose="020B0609030003000000" pitchFamily="49" charset="77"/>
               </a:rPr>
               <a:t>]: </a:t>
             </a:r>
             <a:r>
-              <a:rPr lang="en-US" b="1" dirty="0">
+              <a:rPr lang="en-US" sz="2000" b="1" dirty="0" err="1">
                 <a:solidFill>
                   <a:srgbClr val="000087"/>
                 </a:solidFill>
                 <a:latin typeface="Inconsolata Medium" panose="020B0609030003000000" pitchFamily="49" charset="77"/>
               </a:rPr>
-              <a:t>numbers </a:t>
-            </a:r>
-            <a:r>
-              <a:rPr lang="en-US" b="1" dirty="0">
+              <a:t>lst</a:t>
+            </a:r>
+            <a:r>
+              <a:rPr lang="en-US" sz="2000" b="1" dirty="0">
+                <a:solidFill>
+                  <a:srgbClr val="000087"/>
+                </a:solidFill>
+                <a:latin typeface="Inconsolata Medium" panose="020B0609030003000000" pitchFamily="49" charset="77"/>
+              </a:rPr>
+              <a:t> </a:t>
+            </a:r>
+            <a:r>
+              <a:rPr lang="en-US" sz="2000" b="1" dirty="0">
                 <a:solidFill>
                   <a:srgbClr val="545454"/>
                 </a:solidFill>
@@ -12403,163 +11021,138 @@
               <a:t>= </a:t>
             </a:r>
             <a:r>
-              <a:rPr lang="en-US" b="1" dirty="0">
-                <a:latin typeface="Inconsolata Medium" panose="020B0609030003000000" pitchFamily="49" charset="77"/>
-              </a:rPr>
-              <a:t>{</a:t>
-            </a:r>
-            <a:r>
-              <a:rPr lang="en-US" b="1" dirty="0">
-                <a:solidFill>
-                  <a:srgbClr val="CC3300"/>
-                </a:solidFill>
-                <a:latin typeface="Inconsolata Medium" panose="020B0609030003000000" pitchFamily="49" charset="77"/>
-              </a:rPr>
-              <a:t>"one"</a:t>
-            </a:r>
-            <a:r>
-              <a:rPr lang="en-US" b="1" dirty="0">
-                <a:latin typeface="Inconsolata Medium" panose="020B0609030003000000" pitchFamily="49" charset="77"/>
-              </a:rPr>
-              <a:t>:</a:t>
-            </a:r>
-            <a:r>
-              <a:rPr lang="en-US" b="1" dirty="0">
+              <a:rPr lang="en-US" sz="2000" b="1" dirty="0">
+                <a:latin typeface="Inconsolata Medium" panose="020B0609030003000000" pitchFamily="49" charset="77"/>
+              </a:rPr>
+              <a:t>[</a:t>
+            </a:r>
+            <a:r>
+              <a:rPr lang="en-US" sz="2000" b="1" dirty="0">
                 <a:solidFill>
                   <a:srgbClr val="FF6600"/>
                 </a:solidFill>
                 <a:latin typeface="Inconsolata Medium" panose="020B0609030003000000" pitchFamily="49" charset="77"/>
               </a:rPr>
-              <a:t>1</a:t>
-            </a:r>
-            <a:r>
-              <a:rPr lang="en-US" b="1" dirty="0">
-                <a:latin typeface="Inconsolata Medium" panose="020B0609030003000000" pitchFamily="49" charset="77"/>
-              </a:rPr>
-              <a:t>, </a:t>
-            </a:r>
-            <a:r>
-              <a:rPr lang="en-US" b="1" dirty="0">
-                <a:solidFill>
-                  <a:srgbClr val="CC3300"/>
-                </a:solidFill>
-                <a:latin typeface="Inconsolata Medium" panose="020B0609030003000000" pitchFamily="49" charset="77"/>
-              </a:rPr>
-              <a:t>"two"</a:t>
-            </a:r>
-            <a:r>
-              <a:rPr lang="en-US" b="1" dirty="0">
-                <a:latin typeface="Inconsolata Medium" panose="020B0609030003000000" pitchFamily="49" charset="77"/>
-              </a:rPr>
-              <a:t>:</a:t>
-            </a:r>
-            <a:r>
-              <a:rPr lang="en-US" b="1" dirty="0">
-                <a:solidFill>
-                  <a:srgbClr val="FF6600"/>
-                </a:solidFill>
-                <a:latin typeface="Inconsolata Medium" panose="020B0609030003000000" pitchFamily="49" charset="77"/>
-              </a:rPr>
-              <a:t>2</a:t>
-            </a:r>
-            <a:r>
-              <a:rPr lang="en-US" b="1" dirty="0">
-                <a:latin typeface="Inconsolata Medium" panose="020B0609030003000000" pitchFamily="49" charset="77"/>
-              </a:rPr>
-              <a:t>, </a:t>
-            </a:r>
-            <a:r>
-              <a:rPr lang="en-US" b="1" dirty="0">
-                <a:solidFill>
-                  <a:srgbClr val="CC3300"/>
-                </a:solidFill>
-                <a:latin typeface="Inconsolata Medium" panose="020B0609030003000000" pitchFamily="49" charset="77"/>
-              </a:rPr>
-              <a:t>"three"</a:t>
-            </a:r>
-            <a:r>
-              <a:rPr lang="en-US" b="1" dirty="0">
-                <a:latin typeface="Inconsolata Medium" panose="020B0609030003000000" pitchFamily="49" charset="77"/>
-              </a:rPr>
-              <a:t>:</a:t>
-            </a:r>
-            <a:r>
-              <a:rPr lang="en-US" b="1" dirty="0">
-                <a:solidFill>
-                  <a:srgbClr val="FF6600"/>
-                </a:solidFill>
-                <a:latin typeface="Inconsolata Medium" panose="020B0609030003000000" pitchFamily="49" charset="77"/>
-              </a:rPr>
-              <a:t>3</a:t>
-            </a:r>
-            <a:r>
-              <a:rPr lang="en-US" b="1" dirty="0">
-                <a:latin typeface="Inconsolata Medium" panose="020B0609030003000000" pitchFamily="49" charset="77"/>
-              </a:rPr>
-              <a:t>} </a:t>
-            </a:r>
-          </a:p>
-          <a:p>
-            <a:pPr marL="0" indent="0">
-              <a:buNone/>
-            </a:pPr>
-            <a:r>
-              <a:rPr lang="en-US" b="1" dirty="0">
+              <a:t>(“Mike”, 3.2), (“Sarah”, 3.6), (“Jack”, 2.8)</a:t>
+            </a:r>
+            <a:r>
+              <a:rPr lang="en-US" sz="2000" b="1" dirty="0">
+                <a:latin typeface="Inconsolata Medium" panose="020B0609030003000000" pitchFamily="49" charset="77"/>
+              </a:rPr>
+              <a:t>]</a:t>
+            </a:r>
+          </a:p>
+          <a:p>
+            <a:pPr marL="0" indent="0">
+              <a:buNone/>
+            </a:pPr>
+            <a:r>
+              <a:rPr lang="en-US" sz="2000" b="1" dirty="0">
+                <a:latin typeface="Inconsolata Medium" panose="020B0609030003000000" pitchFamily="49" charset="77"/>
+              </a:rPr>
+              <a:t>	  </a:t>
+            </a:r>
+            <a:r>
+              <a:rPr lang="en-US" sz="2000" b="1" dirty="0">
+                <a:solidFill>
+                  <a:srgbClr val="006699"/>
+                </a:solidFill>
+                <a:latin typeface="Inconsolata Medium" panose="020B0609030003000000" pitchFamily="49" charset="77"/>
+              </a:rPr>
+              <a:t>for </a:t>
+            </a:r>
+            <a:r>
+              <a:rPr lang="en-US" sz="2000" b="1" dirty="0">
                 <a:solidFill>
                   <a:srgbClr val="000087"/>
                 </a:solidFill>
                 <a:latin typeface="Inconsolata Medium" panose="020B0609030003000000" pitchFamily="49" charset="77"/>
               </a:rPr>
-              <a:t>In </a:t>
-            </a:r>
-            <a:r>
-              <a:rPr lang="en-US" b="1" dirty="0">
-                <a:latin typeface="Inconsolata Medium" panose="020B0609030003000000" pitchFamily="49" charset="77"/>
-              </a:rPr>
-              <a:t>[</a:t>
-            </a:r>
-            <a:r>
-              <a:rPr lang="en-US" b="1" dirty="0">
-                <a:solidFill>
-                  <a:srgbClr val="FF6600"/>
-                </a:solidFill>
-                <a:latin typeface="Inconsolata Medium" panose="020B0609030003000000" pitchFamily="49" charset="77"/>
-              </a:rPr>
-              <a:t>28</a:t>
-            </a:r>
-            <a:r>
-              <a:rPr lang="en-US" b="1" dirty="0">
-                <a:latin typeface="Inconsolata Medium" panose="020B0609030003000000" pitchFamily="49" charset="77"/>
-              </a:rPr>
-              <a:t>]: type(numbers)</a:t>
-            </a:r>
-            <a:r>
-              <a:rPr lang="en-US" b="1" i="1" dirty="0">
-                <a:solidFill>
-                  <a:srgbClr val="33566B"/>
+              <a:t>name, </a:t>
+            </a:r>
+            <a:r>
+              <a:rPr lang="en-US" sz="2000" b="1" dirty="0" err="1">
+                <a:solidFill>
+                  <a:srgbClr val="000087"/>
+                </a:solidFill>
+                <a:latin typeface="Inconsolata Medium" panose="020B0609030003000000" pitchFamily="49" charset="77"/>
+              </a:rPr>
+              <a:t>gpa</a:t>
+            </a:r>
+            <a:r>
+              <a:rPr lang="en-US" sz="2000" b="1" dirty="0">
+                <a:solidFill>
+                  <a:srgbClr val="000087"/>
                 </a:solidFill>
                 <a:latin typeface="Inconsolata Medium" panose="020B0609030003000000" pitchFamily="49" charset="77"/>
               </a:rPr>
               <a:t> </a:t>
             </a:r>
-          </a:p>
-          <a:p>
-            <a:pPr marL="0" indent="0">
-              <a:buNone/>
-            </a:pPr>
-            <a:r>
-              <a:rPr lang="en-US" b="1" dirty="0">
-                <a:latin typeface="Inconsolata Medium" panose="020B0609030003000000" pitchFamily="49" charset="77"/>
-              </a:rPr>
-              <a:t>Out [28]: </a:t>
-            </a:r>
-            <a:r>
-              <a:rPr lang="en-US" b="1" dirty="0" err="1">
-                <a:latin typeface="Inconsolata Medium" panose="020B0609030003000000" pitchFamily="49" charset="77"/>
-              </a:rPr>
-              <a:t>dict</a:t>
-            </a:r>
-            <a:endParaRPr lang="en-US" b="1" dirty="0">
+            <a:r>
+              <a:rPr lang="en-US" sz="2000" b="1" dirty="0">
+                <a:latin typeface="Inconsolata Medium" panose="020B0609030003000000" pitchFamily="49" charset="77"/>
+              </a:rPr>
+              <a:t>in </a:t>
+            </a:r>
+            <a:r>
+              <a:rPr lang="en-US" sz="2000" b="1" dirty="0" err="1">
+                <a:solidFill>
+                  <a:srgbClr val="336666"/>
+                </a:solidFill>
+                <a:latin typeface="Inconsolata Medium" panose="020B0609030003000000" pitchFamily="49" charset="77"/>
+              </a:rPr>
+              <a:t>lst</a:t>
+            </a:r>
+            <a:r>
+              <a:rPr lang="en-US" sz="2000" b="1" dirty="0">
+                <a:solidFill>
+                  <a:srgbClr val="336666"/>
+                </a:solidFill>
+                <a:latin typeface="Inconsolata Medium" panose="020B0609030003000000" pitchFamily="49" charset="77"/>
+              </a:rPr>
+              <a:t>:  # tuple unpacking</a:t>
+            </a:r>
+          </a:p>
+          <a:p>
+            <a:pPr marL="0" indent="0">
+              <a:buNone/>
+            </a:pPr>
+            <a:r>
+              <a:rPr lang="en-US" sz="2000" b="1" dirty="0">
+                <a:solidFill>
+                  <a:srgbClr val="336666"/>
+                </a:solidFill>
+                <a:latin typeface="Inconsolata Medium" panose="020B0609030003000000" pitchFamily="49" charset="77"/>
+              </a:rPr>
+              <a:t>		print(name, </a:t>
+            </a:r>
+            <a:r>
+              <a:rPr lang="en-US" sz="2000" b="1" dirty="0" err="1">
+                <a:solidFill>
+                  <a:srgbClr val="336666"/>
+                </a:solidFill>
+                <a:latin typeface="Inconsolata Medium" panose="020B0609030003000000" pitchFamily="49" charset="77"/>
+              </a:rPr>
+              <a:t>gpa</a:t>
+            </a:r>
+            <a:r>
+              <a:rPr lang="en-US" sz="2000" b="1" dirty="0">
+                <a:solidFill>
+                  <a:srgbClr val="336666"/>
+                </a:solidFill>
+                <a:latin typeface="Inconsolata Medium" panose="020B0609030003000000" pitchFamily="49" charset="77"/>
+              </a:rPr>
+              <a:t>)</a:t>
+            </a:r>
+          </a:p>
+          <a:p>
+            <a:pPr marL="0" indent="0">
+              <a:buNone/>
+            </a:pPr>
+            <a:endParaRPr lang="en-US" sz="2000" b="1" dirty="0">
+              <a:solidFill>
+                <a:srgbClr val="336666"/>
+              </a:solidFill>
               <a:latin typeface="Inconsolata Medium" panose="020B0609030003000000" pitchFamily="49" charset="77"/>
             </a:endParaRPr>
           </a:p>
@@ -12568,113 +11161,42 @@
               <a:buNone/>
             </a:pPr>
             <a:r>
-              <a:rPr lang="en-US" b="1" dirty="0">
-                <a:solidFill>
-                  <a:srgbClr val="000087"/>
-                </a:solidFill>
-                <a:latin typeface="Inconsolata Medium" panose="020B0609030003000000" pitchFamily="49" charset="77"/>
-              </a:rPr>
-              <a:t>In </a:t>
-            </a:r>
-            <a:r>
-              <a:rPr lang="en-US" b="1" dirty="0">
-                <a:latin typeface="Inconsolata Medium" panose="020B0609030003000000" pitchFamily="49" charset="77"/>
-              </a:rPr>
-              <a:t>[</a:t>
-            </a:r>
-            <a:r>
-              <a:rPr lang="en-US" b="1" dirty="0">
-                <a:solidFill>
-                  <a:srgbClr val="FF6600"/>
-                </a:solidFill>
-                <a:latin typeface="Inconsolata Medium" panose="020B0609030003000000" pitchFamily="49" charset="77"/>
-              </a:rPr>
-              <a:t>28</a:t>
-            </a:r>
-            <a:r>
-              <a:rPr lang="en-US" b="1" dirty="0">
-                <a:latin typeface="Inconsolata Medium" panose="020B0609030003000000" pitchFamily="49" charset="77"/>
-              </a:rPr>
-              <a:t>]: </a:t>
-            </a:r>
-            <a:r>
-              <a:rPr lang="en-US" b="1" i="1" dirty="0">
-                <a:solidFill>
-                  <a:srgbClr val="33566B"/>
-                </a:solidFill>
-                <a:latin typeface="Inconsolata Medium" panose="020B0609030003000000" pitchFamily="49" charset="77"/>
-              </a:rPr>
-              <a:t># Access a value via the key </a:t>
-            </a:r>
-          </a:p>
-          <a:p>
-            <a:pPr marL="0" indent="0">
-              <a:buNone/>
-            </a:pPr>
-            <a:r>
-              <a:rPr lang="en-US" b="1" i="1" dirty="0">
-                <a:solidFill>
-                  <a:srgbClr val="33566B"/>
-                </a:solidFill>
-                <a:latin typeface="Inconsolata Medium" panose="020B0609030003000000" pitchFamily="49" charset="77"/>
-              </a:rPr>
-              <a:t>	    </a:t>
-            </a:r>
-            <a:r>
-              <a:rPr lang="en-US" b="1" dirty="0">
-                <a:solidFill>
-                  <a:srgbClr val="000087"/>
-                </a:solidFill>
-                <a:latin typeface="Inconsolata Medium" panose="020B0609030003000000" pitchFamily="49" charset="77"/>
-              </a:rPr>
-              <a:t>numbers</a:t>
-            </a:r>
-            <a:r>
-              <a:rPr lang="en-US" b="1" dirty="0">
-                <a:latin typeface="Inconsolata Medium" panose="020B0609030003000000" pitchFamily="49" charset="77"/>
-              </a:rPr>
-              <a:t>[</a:t>
-            </a:r>
-            <a:r>
-              <a:rPr lang="en-US" b="1" dirty="0">
-                <a:solidFill>
-                  <a:srgbClr val="CC3300"/>
-                </a:solidFill>
-                <a:latin typeface="Inconsolata Medium" panose="020B0609030003000000" pitchFamily="49" charset="77"/>
-              </a:rPr>
-              <a:t>"two"</a:t>
-            </a:r>
-            <a:r>
-              <a:rPr lang="en-US" b="1" dirty="0">
-                <a:latin typeface="Inconsolata Medium" panose="020B0609030003000000" pitchFamily="49" charset="77"/>
-              </a:rPr>
-              <a:t>] </a:t>
-            </a:r>
-          </a:p>
-          <a:p>
-            <a:pPr marL="0" indent="0">
-              <a:buNone/>
-            </a:pPr>
-            <a:r>
-              <a:rPr lang="en-US" b="1" dirty="0">
-                <a:latin typeface="Inconsolata Medium" panose="020B0609030003000000" pitchFamily="49" charset="77"/>
-              </a:rPr>
-              <a:t>Out [28]: 2 </a:t>
-            </a:r>
-          </a:p>
-          <a:p>
-            <a:pPr marL="0" indent="0">
-              <a:buNone/>
-            </a:pPr>
-            <a:endParaRPr lang="en-US" sz="2400" b="1" dirty="0">
-              <a:latin typeface="Inconsolata Medium" panose="020B0609030003000000" pitchFamily="49" charset="77"/>
-            </a:endParaRPr>
-          </a:p>
-          <a:p>
-            <a:pPr marL="0" indent="0">
-              <a:buNone/>
-            </a:pPr>
-            <a:endParaRPr lang="en-US" dirty="0"/>
+              <a:rPr lang="en-US" sz="2000" b="1" dirty="0">
+                <a:latin typeface="Inconsolata Medium" panose="020B0609030003000000" pitchFamily="49" charset="77"/>
+              </a:rPr>
+              <a:t>Mike 3.2</a:t>
+            </a:r>
+          </a:p>
+          <a:p>
+            <a:pPr marL="0" indent="0">
+              <a:buNone/>
+            </a:pPr>
+            <a:r>
+              <a:rPr lang="en-US" sz="2000" b="1" dirty="0">
+                <a:latin typeface="Inconsolata Medium" panose="020B0609030003000000" pitchFamily="49" charset="77"/>
+              </a:rPr>
+              <a:t>Sarah 3.6</a:t>
+            </a:r>
+          </a:p>
+          <a:p>
+            <a:pPr marL="0" indent="0">
+              <a:buNone/>
+            </a:pPr>
+            <a:r>
+              <a:rPr lang="en-US" sz="2000" b="1" dirty="0">
+                <a:latin typeface="Inconsolata Medium" panose="020B0609030003000000" pitchFamily="49" charset="77"/>
+              </a:rPr>
+              <a:t>Jack 2.8</a:t>
+            </a:r>
+          </a:p>
+          <a:p>
+            <a:pPr marL="0" indent="0">
+              <a:buNone/>
+            </a:pPr>
+            <a:r>
+              <a:rPr lang="en-US" dirty="0"/>
+              <a:t>  	                </a:t>
+            </a:r>
           </a:p>
           <a:p>
             <a:pPr marL="0" indent="0">
@@ -12714,7 +11236,7 @@
     </p:spTree>
     <p:extLst>
       <p:ext uri="{BB962C8B-B14F-4D97-AF65-F5344CB8AC3E}">
-        <p14:creationId xmlns:p14="http://schemas.microsoft.com/office/powerpoint/2010/main" val="114946794"/>
+        <p14:creationId xmlns:p14="http://schemas.microsoft.com/office/powerpoint/2010/main" val="2765901336"/>
       </p:ext>
     </p:extLst>
   </p:cSld>

--- a/courses/apcsp/lect7.pptx
+++ b/courses/apcsp/lect7.pptx
@@ -13,15 +13,18 @@
     <p:sldId id="336" r:id="rId7"/>
     <p:sldId id="319" r:id="rId8"/>
     <p:sldId id="323" r:id="rId9"/>
-    <p:sldId id="337" r:id="rId10"/>
-    <p:sldId id="313" r:id="rId11"/>
-    <p:sldId id="314" r:id="rId12"/>
-    <p:sldId id="338" r:id="rId13"/>
-    <p:sldId id="316" r:id="rId14"/>
-    <p:sldId id="318" r:id="rId15"/>
-    <p:sldId id="317" r:id="rId16"/>
+    <p:sldId id="341" r:id="rId10"/>
+    <p:sldId id="337" r:id="rId11"/>
+    <p:sldId id="313" r:id="rId12"/>
+    <p:sldId id="339" r:id="rId13"/>
+    <p:sldId id="314" r:id="rId14"/>
+    <p:sldId id="338" r:id="rId15"/>
+    <p:sldId id="316" r:id="rId16"/>
     <p:sldId id="325" r:id="rId17"/>
-    <p:sldId id="284" r:id="rId18"/>
+    <p:sldId id="318" r:id="rId18"/>
+    <p:sldId id="317" r:id="rId19"/>
+    <p:sldId id="340" r:id="rId20"/>
+    <p:sldId id="284" r:id="rId21"/>
   </p:sldIdLst>
   <p:sldSz cx="9144000" cy="5715000" type="screen16x10"/>
   <p:notesSz cx="6858000" cy="9144000"/>
@@ -131,7 +134,7 @@
 <file path=ppt/revisionInfo.xml><?xml version="1.0" encoding="utf-8"?>
 <p1510:revInfo xmlns:a="http://schemas.openxmlformats.org/drawingml/2006/main" xmlns:r="http://schemas.openxmlformats.org/officeDocument/2006/relationships" xmlns:p1510="http://schemas.microsoft.com/office/powerpoint/2015/10/main">
   <p1510:revLst>
-    <p1510:client id="{6ED56420-F59F-4945-BA02-53AF79C1F3AC}" v="43" dt="2019-10-15T20:44:26.485"/>
+    <p1510:client id="{6ED56420-F59F-4945-BA02-53AF79C1F3AC}" v="81" dt="2019-10-21T11:50:47.774"/>
   </p1510:revLst>
 </p1510:revInfo>
 </file>
@@ -253,8 +256,8 @@
   </pc:docChgLst>
   <pc:docChgLst>
     <pc:chgData name="Long B Nguyen" userId="f59fb8f3-a021-417a-8bc1-65c8d471c621" providerId="ADAL" clId="{6ED56420-F59F-4945-BA02-53AF79C1F3AC}"/>
-    <pc:docChg chg="undo custSel addSld delSld modSld">
-      <pc:chgData name="Long B Nguyen" userId="f59fb8f3-a021-417a-8bc1-65c8d471c621" providerId="ADAL" clId="{6ED56420-F59F-4945-BA02-53AF79C1F3AC}" dt="2019-10-15T20:44:41.832" v="424" actId="20577"/>
+    <pc:docChg chg="undo custSel addSld delSld modSld sldOrd">
+      <pc:chgData name="Long B Nguyen" userId="f59fb8f3-a021-417a-8bc1-65c8d471c621" providerId="ADAL" clId="{6ED56420-F59F-4945-BA02-53AF79C1F3AC}" dt="2019-10-21T11:51:35.045" v="1980" actId="20577"/>
       <pc:docMkLst>
         <pc:docMk/>
       </pc:docMkLst>
@@ -273,13 +276,6 @@
           </ac:spMkLst>
         </pc:spChg>
       </pc:sldChg>
-      <pc:sldChg chg="del">
-        <pc:chgData name="Long B Nguyen" userId="f59fb8f3-a021-417a-8bc1-65c8d471c621" providerId="ADAL" clId="{6ED56420-F59F-4945-BA02-53AF79C1F3AC}" dt="2019-10-15T20:31:02.642" v="176" actId="2696"/>
-        <pc:sldMkLst>
-          <pc:docMk/>
-          <pc:sldMk cId="15889227" sldId="266"/>
-        </pc:sldMkLst>
-      </pc:sldChg>
       <pc:sldChg chg="modSp">
         <pc:chgData name="Long B Nguyen" userId="f59fb8f3-a021-417a-8bc1-65c8d471c621" providerId="ADAL" clId="{6ED56420-F59F-4945-BA02-53AF79C1F3AC}" dt="2019-10-11T02:04:49.109" v="44" actId="20577"/>
         <pc:sldMkLst>
@@ -295,12 +291,20 @@
           </ac:spMkLst>
         </pc:spChg>
       </pc:sldChg>
-      <pc:sldChg chg="del">
-        <pc:chgData name="Long B Nguyen" userId="f59fb8f3-a021-417a-8bc1-65c8d471c621" providerId="ADAL" clId="{6ED56420-F59F-4945-BA02-53AF79C1F3AC}" dt="2019-10-15T20:31:02.644" v="177" actId="2696"/>
+      <pc:sldChg chg="modSp">
+        <pc:chgData name="Long B Nguyen" userId="f59fb8f3-a021-417a-8bc1-65c8d471c621" providerId="ADAL" clId="{6ED56420-F59F-4945-BA02-53AF79C1F3AC}" dt="2019-10-21T11:35:04.583" v="1197" actId="20577"/>
         <pc:sldMkLst>
           <pc:docMk/>
-          <pc:sldMk cId="1552642527" sldId="288"/>
+          <pc:sldMk cId="114946794" sldId="313"/>
         </pc:sldMkLst>
+        <pc:spChg chg="mod">
+          <ac:chgData name="Long B Nguyen" userId="f59fb8f3-a021-417a-8bc1-65c8d471c621" providerId="ADAL" clId="{6ED56420-F59F-4945-BA02-53AF79C1F3AC}" dt="2019-10-21T11:35:04.583" v="1197" actId="20577"/>
+          <ac:spMkLst>
+            <pc:docMk/>
+            <pc:sldMk cId="114946794" sldId="313"/>
+            <ac:spMk id="9" creationId="{E3B2E017-30B2-884B-A113-B419A2ED51AD}"/>
+          </ac:spMkLst>
+        </pc:spChg>
       </pc:sldChg>
       <pc:sldChg chg="modSp">
         <pc:chgData name="Long B Nguyen" userId="f59fb8f3-a021-417a-8bc1-65c8d471c621" providerId="ADAL" clId="{6ED56420-F59F-4945-BA02-53AF79C1F3AC}" dt="2019-10-15T20:43:24.341" v="375" actId="20577"/>
@@ -316,13 +320,6 @@
             <ac:spMk id="9" creationId="{E3B2E017-30B2-884B-A113-B419A2ED51AD}"/>
           </ac:spMkLst>
         </pc:spChg>
-      </pc:sldChg>
-      <pc:sldChg chg="del">
-        <pc:chgData name="Long B Nguyen" userId="f59fb8f3-a021-417a-8bc1-65c8d471c621" providerId="ADAL" clId="{6ED56420-F59F-4945-BA02-53AF79C1F3AC}" dt="2019-10-15T20:30:25.287" v="151" actId="2696"/>
-        <pc:sldMkLst>
-          <pc:docMk/>
-          <pc:sldMk cId="908349489" sldId="315"/>
-        </pc:sldMkLst>
       </pc:sldChg>
       <pc:sldChg chg="modSp">
         <pc:chgData name="Long B Nguyen" userId="f59fb8f3-a021-417a-8bc1-65c8d471c621" providerId="ADAL" clId="{6ED56420-F59F-4945-BA02-53AF79C1F3AC}" dt="2019-10-15T20:44:41.832" v="424" actId="20577"/>
@@ -340,16 +337,31 @@
         </pc:spChg>
       </pc:sldChg>
       <pc:sldChg chg="modSp">
-        <pc:chgData name="Long B Nguyen" userId="f59fb8f3-a021-417a-8bc1-65c8d471c621" providerId="ADAL" clId="{6ED56420-F59F-4945-BA02-53AF79C1F3AC}" dt="2019-10-15T20:30:50.085" v="175" actId="20577"/>
+        <pc:chgData name="Long B Nguyen" userId="f59fb8f3-a021-417a-8bc1-65c8d471c621" providerId="ADAL" clId="{6ED56420-F59F-4945-BA02-53AF79C1F3AC}" dt="2019-10-20T11:47:16.393" v="511" actId="20577"/>
         <pc:sldMkLst>
           <pc:docMk/>
           <pc:sldMk cId="3246446892" sldId="317"/>
         </pc:sldMkLst>
         <pc:spChg chg="mod">
-          <ac:chgData name="Long B Nguyen" userId="f59fb8f3-a021-417a-8bc1-65c8d471c621" providerId="ADAL" clId="{6ED56420-F59F-4945-BA02-53AF79C1F3AC}" dt="2019-10-15T20:30:50.085" v="175" actId="20577"/>
+          <ac:chgData name="Long B Nguyen" userId="f59fb8f3-a021-417a-8bc1-65c8d471c621" providerId="ADAL" clId="{6ED56420-F59F-4945-BA02-53AF79C1F3AC}" dt="2019-10-20T11:47:16.393" v="511" actId="20577"/>
           <ac:spMkLst>
             <pc:docMk/>
             <pc:sldMk cId="3246446892" sldId="317"/>
+            <ac:spMk id="9" creationId="{E3B2E017-30B2-884B-A113-B419A2ED51AD}"/>
+          </ac:spMkLst>
+        </pc:spChg>
+      </pc:sldChg>
+      <pc:sldChg chg="modSp">
+        <pc:chgData name="Long B Nguyen" userId="f59fb8f3-a021-417a-8bc1-65c8d471c621" providerId="ADAL" clId="{6ED56420-F59F-4945-BA02-53AF79C1F3AC}" dt="2019-10-20T11:46:52.672" v="489" actId="20577"/>
+        <pc:sldMkLst>
+          <pc:docMk/>
+          <pc:sldMk cId="67073653" sldId="318"/>
+        </pc:sldMkLst>
+        <pc:spChg chg="mod">
+          <ac:chgData name="Long B Nguyen" userId="f59fb8f3-a021-417a-8bc1-65c8d471c621" providerId="ADAL" clId="{6ED56420-F59F-4945-BA02-53AF79C1F3AC}" dt="2019-10-20T11:46:52.672" v="489" actId="20577"/>
+          <ac:spMkLst>
+            <pc:docMk/>
+            <pc:sldMk cId="67073653" sldId="318"/>
             <ac:spMk id="9" creationId="{E3B2E017-30B2-884B-A113-B419A2ED51AD}"/>
           </ac:spMkLst>
         </pc:spChg>
@@ -369,15 +381,8 @@
           </ac:spMkLst>
         </pc:spChg>
       </pc:sldChg>
-      <pc:sldChg chg="del">
-        <pc:chgData name="Long B Nguyen" userId="f59fb8f3-a021-417a-8bc1-65c8d471c621" providerId="ADAL" clId="{6ED56420-F59F-4945-BA02-53AF79C1F3AC}" dt="2019-10-15T20:32:49.695" v="178" actId="2696"/>
-        <pc:sldMkLst>
-          <pc:docMk/>
-          <pc:sldMk cId="3883735123" sldId="324"/>
-        </pc:sldMkLst>
-      </pc:sldChg>
-      <pc:sldChg chg="delSp modSp">
-        <pc:chgData name="Long B Nguyen" userId="f59fb8f3-a021-417a-8bc1-65c8d471c621" providerId="ADAL" clId="{6ED56420-F59F-4945-BA02-53AF79C1F3AC}" dt="2019-10-15T20:33:53.562" v="217" actId="20577"/>
+      <pc:sldChg chg="delSp modSp del">
+        <pc:chgData name="Long B Nguyen" userId="f59fb8f3-a021-417a-8bc1-65c8d471c621" providerId="ADAL" clId="{6ED56420-F59F-4945-BA02-53AF79C1F3AC}" dt="2019-10-21T01:25:21.706" v="1085" actId="2696"/>
         <pc:sldMkLst>
           <pc:docMk/>
           <pc:sldMk cId="97464883" sldId="325"/>
@@ -407,6 +412,20 @@
           </ac:spMkLst>
         </pc:spChg>
       </pc:sldChg>
+      <pc:sldChg chg="add">
+        <pc:chgData name="Long B Nguyen" userId="f59fb8f3-a021-417a-8bc1-65c8d471c621" providerId="ADAL" clId="{6ED56420-F59F-4945-BA02-53AF79C1F3AC}" dt="2019-10-21T01:25:45.358" v="1088"/>
+        <pc:sldMkLst>
+          <pc:docMk/>
+          <pc:sldMk cId="2693651593" sldId="325"/>
+        </pc:sldMkLst>
+      </pc:sldChg>
+      <pc:sldChg chg="add del">
+        <pc:chgData name="Long B Nguyen" userId="f59fb8f3-a021-417a-8bc1-65c8d471c621" providerId="ADAL" clId="{6ED56420-F59F-4945-BA02-53AF79C1F3AC}" dt="2019-10-21T01:25:42.087" v="1087" actId="2696"/>
+        <pc:sldMkLst>
+          <pc:docMk/>
+          <pc:sldMk cId="3937255370" sldId="325"/>
+        </pc:sldMkLst>
+      </pc:sldChg>
       <pc:sldChg chg="modSp add">
         <pc:chgData name="Long B Nguyen" userId="f59fb8f3-a021-417a-8bc1-65c8d471c621" providerId="ADAL" clId="{6ED56420-F59F-4945-BA02-53AF79C1F3AC}" dt="2019-10-15T20:28:02.134" v="75" actId="20577"/>
         <pc:sldMkLst>
@@ -422,8 +441,8 @@
           </ac:spMkLst>
         </pc:spChg>
       </pc:sldChg>
-      <pc:sldChg chg="add">
-        <pc:chgData name="Long B Nguyen" userId="f59fb8f3-a021-417a-8bc1-65c8d471c621" providerId="ADAL" clId="{6ED56420-F59F-4945-BA02-53AF79C1F3AC}" dt="2019-10-11T02:03:35.564" v="28"/>
+      <pc:sldChg chg="add ord">
+        <pc:chgData name="Long B Nguyen" userId="f59fb8f3-a021-417a-8bc1-65c8d471c621" providerId="ADAL" clId="{6ED56420-F59F-4945-BA02-53AF79C1F3AC}" dt="2019-10-21T01:09:24.592" v="512"/>
         <pc:sldMkLst>
           <pc:docMk/>
           <pc:sldMk cId="2112071836" sldId="334"/>
@@ -444,31 +463,16 @@
         </pc:sldMkLst>
       </pc:sldChg>
       <pc:sldChg chg="modSp add">
-        <pc:chgData name="Long B Nguyen" userId="f59fb8f3-a021-417a-8bc1-65c8d471c621" providerId="ADAL" clId="{6ED56420-F59F-4945-BA02-53AF79C1F3AC}" dt="2019-10-15T20:29:28.350" v="148" actId="20577"/>
+        <pc:chgData name="Long B Nguyen" userId="f59fb8f3-a021-417a-8bc1-65c8d471c621" providerId="ADAL" clId="{6ED56420-F59F-4945-BA02-53AF79C1F3AC}" dt="2019-10-21T11:50:52.435" v="1945" actId="20577"/>
         <pc:sldMkLst>
           <pc:docMk/>
           <pc:sldMk cId="2765901336" sldId="337"/>
         </pc:sldMkLst>
         <pc:spChg chg="mod">
-          <ac:chgData name="Long B Nguyen" userId="f59fb8f3-a021-417a-8bc1-65c8d471c621" providerId="ADAL" clId="{6ED56420-F59F-4945-BA02-53AF79C1F3AC}" dt="2019-10-15T20:29:28.350" v="148" actId="20577"/>
+          <ac:chgData name="Long B Nguyen" userId="f59fb8f3-a021-417a-8bc1-65c8d471c621" providerId="ADAL" clId="{6ED56420-F59F-4945-BA02-53AF79C1F3AC}" dt="2019-10-21T11:50:52.435" v="1945" actId="20577"/>
           <ac:spMkLst>
             <pc:docMk/>
             <pc:sldMk cId="2765901336" sldId="337"/>
-            <ac:spMk id="9" creationId="{E3B2E017-30B2-884B-A113-B419A2ED51AD}"/>
-          </ac:spMkLst>
-        </pc:spChg>
-      </pc:sldChg>
-      <pc:sldChg chg="modSp add del">
-        <pc:chgData name="Long B Nguyen" userId="f59fb8f3-a021-417a-8bc1-65c8d471c621" providerId="ADAL" clId="{6ED56420-F59F-4945-BA02-53AF79C1F3AC}" dt="2019-10-15T20:36:57.561" v="231" actId="2696"/>
-        <pc:sldMkLst>
-          <pc:docMk/>
-          <pc:sldMk cId="1839189879" sldId="338"/>
-        </pc:sldMkLst>
-        <pc:spChg chg="mod">
-          <ac:chgData name="Long B Nguyen" userId="f59fb8f3-a021-417a-8bc1-65c8d471c621" providerId="ADAL" clId="{6ED56420-F59F-4945-BA02-53AF79C1F3AC}" dt="2019-10-15T20:36:28.272" v="230" actId="20577"/>
-          <ac:spMkLst>
-            <pc:docMk/>
-            <pc:sldMk cId="1839189879" sldId="338"/>
             <ac:spMk id="9" creationId="{E3B2E017-30B2-884B-A113-B419A2ED51AD}"/>
           </ac:spMkLst>
         </pc:spChg>
@@ -484,6 +488,51 @@
           <ac:spMkLst>
             <pc:docMk/>
             <pc:sldMk cId="2368568690" sldId="338"/>
+            <ac:spMk id="9" creationId="{E3B2E017-30B2-884B-A113-B419A2ED51AD}"/>
+          </ac:spMkLst>
+        </pc:spChg>
+      </pc:sldChg>
+      <pc:sldChg chg="add">
+        <pc:chgData name="Long B Nguyen" userId="f59fb8f3-a021-417a-8bc1-65c8d471c621" providerId="ADAL" clId="{6ED56420-F59F-4945-BA02-53AF79C1F3AC}" dt="2019-10-21T01:16:11.459" v="513"/>
+        <pc:sldMkLst>
+          <pc:docMk/>
+          <pc:sldMk cId="3131687406" sldId="339"/>
+        </pc:sldMkLst>
+      </pc:sldChg>
+      <pc:sldChg chg="modSp add">
+        <pc:chgData name="Long B Nguyen" userId="f59fb8f3-a021-417a-8bc1-65c8d471c621" providerId="ADAL" clId="{6ED56420-F59F-4945-BA02-53AF79C1F3AC}" dt="2019-10-21T11:51:35.045" v="1980" actId="20577"/>
+        <pc:sldMkLst>
+          <pc:docMk/>
+          <pc:sldMk cId="994161803" sldId="340"/>
+        </pc:sldMkLst>
+        <pc:spChg chg="mod">
+          <ac:chgData name="Long B Nguyen" userId="f59fb8f3-a021-417a-8bc1-65c8d471c621" providerId="ADAL" clId="{6ED56420-F59F-4945-BA02-53AF79C1F3AC}" dt="2019-10-21T11:51:35.045" v="1980" actId="20577"/>
+          <ac:spMkLst>
+            <pc:docMk/>
+            <pc:sldMk cId="994161803" sldId="340"/>
+            <ac:spMk id="2" creationId="{AA3A228F-61D0-D949-A5E7-F83756230BF8}"/>
+          </ac:spMkLst>
+        </pc:spChg>
+        <pc:spChg chg="mod">
+          <ac:chgData name="Long B Nguyen" userId="f59fb8f3-a021-417a-8bc1-65c8d471c621" providerId="ADAL" clId="{6ED56420-F59F-4945-BA02-53AF79C1F3AC}" dt="2019-10-21T11:48:10.444" v="1811" actId="20577"/>
+          <ac:spMkLst>
+            <pc:docMk/>
+            <pc:sldMk cId="994161803" sldId="340"/>
+            <ac:spMk id="9" creationId="{E3B2E017-30B2-884B-A113-B419A2ED51AD}"/>
+          </ac:spMkLst>
+        </pc:spChg>
+      </pc:sldChg>
+      <pc:sldChg chg="modSp add">
+        <pc:chgData name="Long B Nguyen" userId="f59fb8f3-a021-417a-8bc1-65c8d471c621" providerId="ADAL" clId="{6ED56420-F59F-4945-BA02-53AF79C1F3AC}" dt="2019-10-21T11:51:12.063" v="1947" actId="113"/>
+        <pc:sldMkLst>
+          <pc:docMk/>
+          <pc:sldMk cId="2834108163" sldId="341"/>
+        </pc:sldMkLst>
+        <pc:spChg chg="mod">
+          <ac:chgData name="Long B Nguyen" userId="f59fb8f3-a021-417a-8bc1-65c8d471c621" providerId="ADAL" clId="{6ED56420-F59F-4945-BA02-53AF79C1F3AC}" dt="2019-10-21T11:51:12.063" v="1947" actId="113"/>
+          <ac:spMkLst>
+            <pc:docMk/>
+            <pc:sldMk cId="2834108163" sldId="341"/>
             <ac:spMk id="9" creationId="{E3B2E017-30B2-884B-A113-B419A2ED51AD}"/>
           </ac:spMkLst>
         </pc:spChg>
@@ -627,7 +676,7 @@
           <a:p>
             <a:fld id="{4AAD347D-5ACD-4C99-B74B-A9C85AD731AF}" type="datetimeFigureOut">
               <a:rPr lang="en-US" smtClean="0"/>
-              <a:t>10/15/19</a:t>
+              <a:t>10/20/19</a:t>
             </a:fld>
             <a:endParaRPr lang="en-US" dirty="0"/>
           </a:p>
@@ -797,7 +846,7 @@
           <a:p>
             <a:fld id="{4509A250-FF31-4206-8172-F9D3106AACB1}" type="datetimeFigureOut">
               <a:rPr lang="en-US" smtClean="0"/>
-              <a:t>10/15/19</a:t>
+              <a:t>10/20/19</a:t>
             </a:fld>
             <a:endParaRPr lang="en-US" dirty="0"/>
           </a:p>
@@ -977,7 +1026,7 @@
           <a:p>
             <a:fld id="{4509A250-FF31-4206-8172-F9D3106AACB1}" type="datetimeFigureOut">
               <a:rPr lang="en-US" smtClean="0"/>
-              <a:t>10/15/19</a:t>
+              <a:t>10/20/19</a:t>
             </a:fld>
             <a:endParaRPr lang="en-US" dirty="0"/>
           </a:p>
@@ -1147,7 +1196,7 @@
           <a:p>
             <a:fld id="{4509A250-FF31-4206-8172-F9D3106AACB1}" type="datetimeFigureOut">
               <a:rPr lang="en-US" smtClean="0"/>
-              <a:t>10/15/19</a:t>
+              <a:t>10/20/19</a:t>
             </a:fld>
             <a:endParaRPr lang="en-US" dirty="0"/>
           </a:p>
@@ -1393,7 +1442,7 @@
           <a:p>
             <a:fld id="{9796027F-7875-4030-9381-8BD8C4F21935}" type="datetimeFigureOut">
               <a:rPr lang="en-US" smtClean="0"/>
-              <a:t>10/15/19</a:t>
+              <a:t>10/20/19</a:t>
             </a:fld>
             <a:endParaRPr lang="en-US" dirty="0"/>
           </a:p>
@@ -1625,7 +1674,7 @@
           <a:p>
             <a:fld id="{9796027F-7875-4030-9381-8BD8C4F21935}" type="datetimeFigureOut">
               <a:rPr lang="en-US" smtClean="0"/>
-              <a:t>10/15/19</a:t>
+              <a:t>10/20/19</a:t>
             </a:fld>
             <a:endParaRPr lang="en-US" dirty="0"/>
           </a:p>
@@ -1992,7 +2041,7 @@
           <a:p>
             <a:fld id="{9796027F-7875-4030-9381-8BD8C4F21935}" type="datetimeFigureOut">
               <a:rPr lang="en-US" smtClean="0"/>
-              <a:t>10/15/19</a:t>
+              <a:t>10/20/19</a:t>
             </a:fld>
             <a:endParaRPr lang="en-US" dirty="0"/>
           </a:p>
@@ -2110,7 +2159,7 @@
           <a:p>
             <a:fld id="{4509A250-FF31-4206-8172-F9D3106AACB1}" type="datetimeFigureOut">
               <a:rPr lang="en-US" smtClean="0"/>
-              <a:t>10/15/19</a:t>
+              <a:t>10/20/19</a:t>
             </a:fld>
             <a:endParaRPr lang="en-US" dirty="0"/>
           </a:p>
@@ -2205,7 +2254,7 @@
           <a:p>
             <a:fld id="{4509A250-FF31-4206-8172-F9D3106AACB1}" type="datetimeFigureOut">
               <a:rPr lang="en-US" smtClean="0"/>
-              <a:t>10/15/19</a:t>
+              <a:t>10/20/19</a:t>
             </a:fld>
             <a:endParaRPr lang="en-US" dirty="0"/>
           </a:p>
@@ -2482,7 +2531,7 @@
           <a:p>
             <a:fld id="{4509A250-FF31-4206-8172-F9D3106AACB1}" type="datetimeFigureOut">
               <a:rPr lang="en-US" smtClean="0"/>
-              <a:t>10/15/19</a:t>
+              <a:t>10/20/19</a:t>
             </a:fld>
             <a:endParaRPr lang="en-US" dirty="0"/>
           </a:p>
@@ -2739,7 +2788,7 @@
           <a:p>
             <a:fld id="{4509A250-FF31-4206-8172-F9D3106AACB1}" type="datetimeFigureOut">
               <a:rPr lang="en-US" smtClean="0"/>
-              <a:t>10/15/19</a:t>
+              <a:t>10/20/19</a:t>
             </a:fld>
             <a:endParaRPr lang="en-US" dirty="0"/>
           </a:p>
@@ -2952,7 +3001,7 @@
           <a:p>
             <a:fld id="{4AAD347D-5ACD-4C99-B74B-A9C85AD731AF}" type="datetimeFigureOut">
               <a:rPr lang="en-US" smtClean="0"/>
-              <a:t>10/15/19</a:t>
+              <a:t>10/20/19</a:t>
             </a:fld>
             <a:endParaRPr lang="en-US" dirty="0"/>
           </a:p>
@@ -3688,7 +3737,7 @@
           <a:p>
             <a:r>
               <a:rPr lang="en-US" dirty="0"/>
-              <a:t>Dictionaries</a:t>
+              <a:t>List of Tuples</a:t>
             </a:r>
           </a:p>
         </p:txBody>
@@ -3726,22 +3775,17 @@
             </a:pPr>
             <a:r>
               <a:rPr lang="en-US" dirty="0"/>
-              <a:t>Dictionaries are extremely flexible mappings of keys to values, and form the basis of much of Python’s internal implementation. They can be created via a comma-separated list of </a:t>
-            </a:r>
-            <a:r>
-              <a:rPr lang="en-US" dirty="0" err="1"/>
-              <a:t>key:value</a:t>
-            </a:r>
-            <a:r>
-              <a:rPr lang="en-US" dirty="0"/>
-              <a:t> pairs within curly braces: </a:t>
-            </a:r>
-          </a:p>
-          <a:p>
-            <a:pPr marL="0" indent="0">
-              <a:buNone/>
-            </a:pPr>
-            <a:endParaRPr lang="en-US" b="1" dirty="0">
+              <a:t>Same as the previous example but uses tuple unpacking to access values. </a:t>
+            </a:r>
+          </a:p>
+          <a:p>
+            <a:pPr marL="0" indent="0">
+              <a:buNone/>
+            </a:pPr>
+            <a:endParaRPr lang="en-US" sz="2000" b="1" dirty="0">
+              <a:solidFill>
+                <a:srgbClr val="336666"/>
+              </a:solidFill>
               <a:latin typeface="Inconsolata Medium" panose="020B0609030003000000" pitchFamily="49" charset="77"/>
             </a:endParaRPr>
           </a:p>
@@ -3750,46 +3794,55 @@
               <a:buNone/>
             </a:pPr>
             <a:r>
-              <a:rPr lang="en-US" b="1" dirty="0">
+              <a:rPr lang="en-US" sz="2000" b="1" dirty="0">
                 <a:solidFill>
                   <a:srgbClr val="000087"/>
                 </a:solidFill>
                 <a:latin typeface="Inconsolata Medium" panose="020B0609030003000000" pitchFamily="49" charset="77"/>
               </a:rPr>
-              <a:t>In </a:t>
-            </a:r>
-            <a:r>
-              <a:rPr lang="en-US" b="1" dirty="0">
+              <a:t>In</a:t>
+            </a:r>
+            <a:r>
+              <a:rPr lang="en-US" sz="2000" b="1" dirty="0">
                 <a:latin typeface="Inconsolata Medium" panose="020B0609030003000000" pitchFamily="49" charset="77"/>
               </a:rPr>
               <a:t>[</a:t>
             </a:r>
             <a:r>
-              <a:rPr lang="en-US" b="1" dirty="0">
+              <a:rPr lang="en-US" sz="2000" b="1" dirty="0">
                 <a:solidFill>
                   <a:srgbClr val="FF6600"/>
                 </a:solidFill>
                 <a:latin typeface="Inconsolata Medium" panose="020B0609030003000000" pitchFamily="49" charset="77"/>
               </a:rPr>
-              <a:t>27</a:t>
-            </a:r>
-            <a:r>
-              <a:rPr lang="en-US" b="1" dirty="0">
+              <a:t>3</a:t>
+            </a:r>
+            <a:r>
+              <a:rPr lang="en-US" sz="2000" b="1" dirty="0">
                 <a:latin typeface="Inconsolata Medium" panose="020B0609030003000000" pitchFamily="49" charset="77"/>
               </a:rPr>
               <a:t>]: </a:t>
             </a:r>
             <a:r>
-              <a:rPr lang="en-US" b="1" dirty="0">
+              <a:rPr lang="en-US" sz="2000" b="1" dirty="0" err="1">
                 <a:solidFill>
                   <a:srgbClr val="000087"/>
                 </a:solidFill>
                 <a:latin typeface="Inconsolata Medium" panose="020B0609030003000000" pitchFamily="49" charset="77"/>
               </a:rPr>
-              <a:t>numbers </a:t>
-            </a:r>
-            <a:r>
-              <a:rPr lang="en-US" b="1" dirty="0">
+              <a:t>lst</a:t>
+            </a:r>
+            <a:r>
+              <a:rPr lang="en-US" sz="2000" b="1" dirty="0">
+                <a:solidFill>
+                  <a:srgbClr val="000087"/>
+                </a:solidFill>
+                <a:latin typeface="Inconsolata Medium" panose="020B0609030003000000" pitchFamily="49" charset="77"/>
+              </a:rPr>
+              <a:t> </a:t>
+            </a:r>
+            <a:r>
+              <a:rPr lang="en-US" sz="2000" b="1" dirty="0">
                 <a:solidFill>
                   <a:srgbClr val="545454"/>
                 </a:solidFill>
@@ -3798,163 +3851,138 @@
               <a:t>= </a:t>
             </a:r>
             <a:r>
-              <a:rPr lang="en-US" b="1" dirty="0">
-                <a:latin typeface="Inconsolata Medium" panose="020B0609030003000000" pitchFamily="49" charset="77"/>
-              </a:rPr>
-              <a:t>{</a:t>
-            </a:r>
-            <a:r>
-              <a:rPr lang="en-US" b="1" dirty="0">
-                <a:solidFill>
-                  <a:srgbClr val="CC3300"/>
-                </a:solidFill>
-                <a:latin typeface="Inconsolata Medium" panose="020B0609030003000000" pitchFamily="49" charset="77"/>
-              </a:rPr>
-              <a:t>"one"</a:t>
-            </a:r>
-            <a:r>
-              <a:rPr lang="en-US" b="1" dirty="0">
-                <a:latin typeface="Inconsolata Medium" panose="020B0609030003000000" pitchFamily="49" charset="77"/>
-              </a:rPr>
-              <a:t>:</a:t>
-            </a:r>
-            <a:r>
-              <a:rPr lang="en-US" b="1" dirty="0">
+              <a:rPr lang="en-US" sz="2000" b="1" dirty="0">
+                <a:latin typeface="Inconsolata Medium" panose="020B0609030003000000" pitchFamily="49" charset="77"/>
+              </a:rPr>
+              <a:t>[</a:t>
+            </a:r>
+            <a:r>
+              <a:rPr lang="en-US" sz="2000" b="1" dirty="0">
                 <a:solidFill>
                   <a:srgbClr val="FF6600"/>
                 </a:solidFill>
                 <a:latin typeface="Inconsolata Medium" panose="020B0609030003000000" pitchFamily="49" charset="77"/>
               </a:rPr>
-              <a:t>1</a:t>
-            </a:r>
-            <a:r>
-              <a:rPr lang="en-US" b="1" dirty="0">
-                <a:latin typeface="Inconsolata Medium" panose="020B0609030003000000" pitchFamily="49" charset="77"/>
-              </a:rPr>
-              <a:t>, </a:t>
-            </a:r>
-            <a:r>
-              <a:rPr lang="en-US" b="1" dirty="0">
-                <a:solidFill>
-                  <a:srgbClr val="CC3300"/>
-                </a:solidFill>
-                <a:latin typeface="Inconsolata Medium" panose="020B0609030003000000" pitchFamily="49" charset="77"/>
-              </a:rPr>
-              <a:t>"two"</a:t>
-            </a:r>
-            <a:r>
-              <a:rPr lang="en-US" b="1" dirty="0">
-                <a:latin typeface="Inconsolata Medium" panose="020B0609030003000000" pitchFamily="49" charset="77"/>
-              </a:rPr>
-              <a:t>:</a:t>
-            </a:r>
-            <a:r>
-              <a:rPr lang="en-US" b="1" dirty="0">
-                <a:solidFill>
-                  <a:srgbClr val="FF6600"/>
-                </a:solidFill>
-                <a:latin typeface="Inconsolata Medium" panose="020B0609030003000000" pitchFamily="49" charset="77"/>
-              </a:rPr>
-              <a:t>2</a:t>
-            </a:r>
-            <a:r>
-              <a:rPr lang="en-US" b="1" dirty="0">
-                <a:latin typeface="Inconsolata Medium" panose="020B0609030003000000" pitchFamily="49" charset="77"/>
-              </a:rPr>
-              <a:t>, </a:t>
-            </a:r>
-            <a:r>
-              <a:rPr lang="en-US" b="1" dirty="0">
-                <a:solidFill>
-                  <a:srgbClr val="CC3300"/>
-                </a:solidFill>
-                <a:latin typeface="Inconsolata Medium" panose="020B0609030003000000" pitchFamily="49" charset="77"/>
-              </a:rPr>
-              <a:t>"three"</a:t>
-            </a:r>
-            <a:r>
-              <a:rPr lang="en-US" b="1" dirty="0">
-                <a:latin typeface="Inconsolata Medium" panose="020B0609030003000000" pitchFamily="49" charset="77"/>
-              </a:rPr>
-              <a:t>:</a:t>
-            </a:r>
-            <a:r>
-              <a:rPr lang="en-US" b="1" dirty="0">
-                <a:solidFill>
-                  <a:srgbClr val="FF6600"/>
-                </a:solidFill>
-                <a:latin typeface="Inconsolata Medium" panose="020B0609030003000000" pitchFamily="49" charset="77"/>
-              </a:rPr>
-              <a:t>3</a:t>
-            </a:r>
-            <a:r>
-              <a:rPr lang="en-US" b="1" dirty="0">
-                <a:latin typeface="Inconsolata Medium" panose="020B0609030003000000" pitchFamily="49" charset="77"/>
-              </a:rPr>
-              <a:t>} </a:t>
-            </a:r>
-          </a:p>
-          <a:p>
-            <a:pPr marL="0" indent="0">
-              <a:buNone/>
-            </a:pPr>
-            <a:r>
-              <a:rPr lang="en-US" b="1" dirty="0">
+              <a:t>(“Mike”, 3.2), (“Sarah”, 3.6), (“Jack”, 2.8)</a:t>
+            </a:r>
+            <a:r>
+              <a:rPr lang="en-US" sz="2000" b="1" dirty="0">
+                <a:latin typeface="Inconsolata Medium" panose="020B0609030003000000" pitchFamily="49" charset="77"/>
+              </a:rPr>
+              <a:t>]</a:t>
+            </a:r>
+          </a:p>
+          <a:p>
+            <a:pPr marL="0" indent="0">
+              <a:buNone/>
+            </a:pPr>
+            <a:r>
+              <a:rPr lang="en-US" sz="2000" b="1" dirty="0">
+                <a:latin typeface="Inconsolata Medium" panose="020B0609030003000000" pitchFamily="49" charset="77"/>
+              </a:rPr>
+              <a:t>	  </a:t>
+            </a:r>
+            <a:r>
+              <a:rPr lang="en-US" sz="2000" b="1" dirty="0">
+                <a:solidFill>
+                  <a:srgbClr val="006699"/>
+                </a:solidFill>
+                <a:latin typeface="Inconsolata Medium" panose="020B0609030003000000" pitchFamily="49" charset="77"/>
+              </a:rPr>
+              <a:t>for </a:t>
+            </a:r>
+            <a:r>
+              <a:rPr lang="en-US" sz="2000" b="1" dirty="0">
                 <a:solidFill>
                   <a:srgbClr val="000087"/>
                 </a:solidFill>
                 <a:latin typeface="Inconsolata Medium" panose="020B0609030003000000" pitchFamily="49" charset="77"/>
               </a:rPr>
-              <a:t>In </a:t>
-            </a:r>
-            <a:r>
-              <a:rPr lang="en-US" b="1" dirty="0">
-                <a:latin typeface="Inconsolata Medium" panose="020B0609030003000000" pitchFamily="49" charset="77"/>
-              </a:rPr>
-              <a:t>[</a:t>
-            </a:r>
-            <a:r>
-              <a:rPr lang="en-US" b="1" dirty="0">
-                <a:solidFill>
-                  <a:srgbClr val="FF6600"/>
-                </a:solidFill>
-                <a:latin typeface="Inconsolata Medium" panose="020B0609030003000000" pitchFamily="49" charset="77"/>
-              </a:rPr>
-              <a:t>28</a:t>
-            </a:r>
-            <a:r>
-              <a:rPr lang="en-US" b="1" dirty="0">
-                <a:latin typeface="Inconsolata Medium" panose="020B0609030003000000" pitchFamily="49" charset="77"/>
-              </a:rPr>
-              <a:t>]: type(numbers)</a:t>
-            </a:r>
-            <a:r>
-              <a:rPr lang="en-US" b="1" i="1" dirty="0">
-                <a:solidFill>
-                  <a:srgbClr val="33566B"/>
+              <a:t>name, </a:t>
+            </a:r>
+            <a:r>
+              <a:rPr lang="en-US" sz="2000" b="1" dirty="0" err="1">
+                <a:solidFill>
+                  <a:srgbClr val="000087"/>
+                </a:solidFill>
+                <a:latin typeface="Inconsolata Medium" panose="020B0609030003000000" pitchFamily="49" charset="77"/>
+              </a:rPr>
+              <a:t>gpa</a:t>
+            </a:r>
+            <a:r>
+              <a:rPr lang="en-US" sz="2000" b="1" dirty="0">
+                <a:solidFill>
+                  <a:srgbClr val="000087"/>
                 </a:solidFill>
                 <a:latin typeface="Inconsolata Medium" panose="020B0609030003000000" pitchFamily="49" charset="77"/>
               </a:rPr>
               <a:t> </a:t>
             </a:r>
-          </a:p>
-          <a:p>
-            <a:pPr marL="0" indent="0">
-              <a:buNone/>
-            </a:pPr>
-            <a:r>
-              <a:rPr lang="en-US" b="1" dirty="0">
-                <a:latin typeface="Inconsolata Medium" panose="020B0609030003000000" pitchFamily="49" charset="77"/>
-              </a:rPr>
-              <a:t>Out [28]: </a:t>
-            </a:r>
-            <a:r>
-              <a:rPr lang="en-US" b="1" dirty="0" err="1">
-                <a:latin typeface="Inconsolata Medium" panose="020B0609030003000000" pitchFamily="49" charset="77"/>
-              </a:rPr>
-              <a:t>dict</a:t>
-            </a:r>
-            <a:endParaRPr lang="en-US" b="1" dirty="0">
+            <a:r>
+              <a:rPr lang="en-US" sz="2000" b="1" dirty="0">
+                <a:latin typeface="Inconsolata Medium" panose="020B0609030003000000" pitchFamily="49" charset="77"/>
+              </a:rPr>
+              <a:t>in </a:t>
+            </a:r>
+            <a:r>
+              <a:rPr lang="en-US" sz="2000" b="1" dirty="0" err="1">
+                <a:solidFill>
+                  <a:srgbClr val="336666"/>
+                </a:solidFill>
+                <a:latin typeface="Inconsolata Medium" panose="020B0609030003000000" pitchFamily="49" charset="77"/>
+              </a:rPr>
+              <a:t>lst</a:t>
+            </a:r>
+            <a:r>
+              <a:rPr lang="en-US" sz="2000" b="1" dirty="0">
+                <a:solidFill>
+                  <a:srgbClr val="336666"/>
+                </a:solidFill>
+                <a:latin typeface="Inconsolata Medium" panose="020B0609030003000000" pitchFamily="49" charset="77"/>
+              </a:rPr>
+              <a:t>:  # tuple unpacking</a:t>
+            </a:r>
+          </a:p>
+          <a:p>
+            <a:pPr marL="0" indent="0">
+              <a:buNone/>
+            </a:pPr>
+            <a:r>
+              <a:rPr lang="en-US" sz="2000" b="1" dirty="0">
+                <a:solidFill>
+                  <a:srgbClr val="336666"/>
+                </a:solidFill>
+                <a:latin typeface="Inconsolata Medium" panose="020B0609030003000000" pitchFamily="49" charset="77"/>
+              </a:rPr>
+              <a:t>		print(name, </a:t>
+            </a:r>
+            <a:r>
+              <a:rPr lang="en-US" sz="2000" b="1" dirty="0" err="1">
+                <a:solidFill>
+                  <a:srgbClr val="336666"/>
+                </a:solidFill>
+                <a:latin typeface="Inconsolata Medium" panose="020B0609030003000000" pitchFamily="49" charset="77"/>
+              </a:rPr>
+              <a:t>gpa</a:t>
+            </a:r>
+            <a:r>
+              <a:rPr lang="en-US" sz="2000" b="1" dirty="0">
+                <a:solidFill>
+                  <a:srgbClr val="336666"/>
+                </a:solidFill>
+                <a:latin typeface="Inconsolata Medium" panose="020B0609030003000000" pitchFamily="49" charset="77"/>
+              </a:rPr>
+              <a:t>)</a:t>
+            </a:r>
+          </a:p>
+          <a:p>
+            <a:pPr marL="0" indent="0">
+              <a:buNone/>
+            </a:pPr>
+            <a:endParaRPr lang="en-US" sz="2000" b="1" dirty="0">
+              <a:solidFill>
+                <a:srgbClr val="336666"/>
+              </a:solidFill>
               <a:latin typeface="Inconsolata Medium" panose="020B0609030003000000" pitchFamily="49" charset="77"/>
             </a:endParaRPr>
           </a:p>
@@ -3963,113 +3991,42 @@
               <a:buNone/>
             </a:pPr>
             <a:r>
-              <a:rPr lang="en-US" b="1" dirty="0">
-                <a:solidFill>
-                  <a:srgbClr val="000087"/>
-                </a:solidFill>
-                <a:latin typeface="Inconsolata Medium" panose="020B0609030003000000" pitchFamily="49" charset="77"/>
-              </a:rPr>
-              <a:t>In </a:t>
-            </a:r>
-            <a:r>
-              <a:rPr lang="en-US" b="1" dirty="0">
-                <a:latin typeface="Inconsolata Medium" panose="020B0609030003000000" pitchFamily="49" charset="77"/>
-              </a:rPr>
-              <a:t>[</a:t>
-            </a:r>
-            <a:r>
-              <a:rPr lang="en-US" b="1" dirty="0">
-                <a:solidFill>
-                  <a:srgbClr val="FF6600"/>
-                </a:solidFill>
-                <a:latin typeface="Inconsolata Medium" panose="020B0609030003000000" pitchFamily="49" charset="77"/>
-              </a:rPr>
-              <a:t>28</a:t>
-            </a:r>
-            <a:r>
-              <a:rPr lang="en-US" b="1" dirty="0">
-                <a:latin typeface="Inconsolata Medium" panose="020B0609030003000000" pitchFamily="49" charset="77"/>
-              </a:rPr>
-              <a:t>]: </a:t>
-            </a:r>
-            <a:r>
-              <a:rPr lang="en-US" b="1" i="1" dirty="0">
-                <a:solidFill>
-                  <a:srgbClr val="33566B"/>
-                </a:solidFill>
-                <a:latin typeface="Inconsolata Medium" panose="020B0609030003000000" pitchFamily="49" charset="77"/>
-              </a:rPr>
-              <a:t># Access a value via the key </a:t>
-            </a:r>
-          </a:p>
-          <a:p>
-            <a:pPr marL="0" indent="0">
-              <a:buNone/>
-            </a:pPr>
-            <a:r>
-              <a:rPr lang="en-US" b="1" i="1" dirty="0">
-                <a:solidFill>
-                  <a:srgbClr val="33566B"/>
-                </a:solidFill>
-                <a:latin typeface="Inconsolata Medium" panose="020B0609030003000000" pitchFamily="49" charset="77"/>
-              </a:rPr>
-              <a:t>	    </a:t>
-            </a:r>
-            <a:r>
-              <a:rPr lang="en-US" b="1" dirty="0">
-                <a:solidFill>
-                  <a:srgbClr val="000087"/>
-                </a:solidFill>
-                <a:latin typeface="Inconsolata Medium" panose="020B0609030003000000" pitchFamily="49" charset="77"/>
-              </a:rPr>
-              <a:t>numbers</a:t>
-            </a:r>
-            <a:r>
-              <a:rPr lang="en-US" b="1" dirty="0">
-                <a:latin typeface="Inconsolata Medium" panose="020B0609030003000000" pitchFamily="49" charset="77"/>
-              </a:rPr>
-              <a:t>[</a:t>
-            </a:r>
-            <a:r>
-              <a:rPr lang="en-US" b="1" dirty="0">
-                <a:solidFill>
-                  <a:srgbClr val="CC3300"/>
-                </a:solidFill>
-                <a:latin typeface="Inconsolata Medium" panose="020B0609030003000000" pitchFamily="49" charset="77"/>
-              </a:rPr>
-              <a:t>"two"</a:t>
-            </a:r>
-            <a:r>
-              <a:rPr lang="en-US" b="1" dirty="0">
-                <a:latin typeface="Inconsolata Medium" panose="020B0609030003000000" pitchFamily="49" charset="77"/>
-              </a:rPr>
-              <a:t>] </a:t>
-            </a:r>
-          </a:p>
-          <a:p>
-            <a:pPr marL="0" indent="0">
-              <a:buNone/>
-            </a:pPr>
-            <a:r>
-              <a:rPr lang="en-US" b="1" dirty="0">
-                <a:latin typeface="Inconsolata Medium" panose="020B0609030003000000" pitchFamily="49" charset="77"/>
-              </a:rPr>
-              <a:t>Out [28]: 2 </a:t>
-            </a:r>
-          </a:p>
-          <a:p>
-            <a:pPr marL="0" indent="0">
-              <a:buNone/>
-            </a:pPr>
-            <a:endParaRPr lang="en-US" sz="2400" b="1" dirty="0">
-              <a:latin typeface="Inconsolata Medium" panose="020B0609030003000000" pitchFamily="49" charset="77"/>
-            </a:endParaRPr>
-          </a:p>
-          <a:p>
-            <a:pPr marL="0" indent="0">
-              <a:buNone/>
-            </a:pPr>
-            <a:endParaRPr lang="en-US" dirty="0"/>
+              <a:rPr lang="en-US" sz="2000" b="1" dirty="0">
+                <a:latin typeface="Inconsolata Medium" panose="020B0609030003000000" pitchFamily="49" charset="77"/>
+              </a:rPr>
+              <a:t>Mike 3.2</a:t>
+            </a:r>
+          </a:p>
+          <a:p>
+            <a:pPr marL="0" indent="0">
+              <a:buNone/>
+            </a:pPr>
+            <a:r>
+              <a:rPr lang="en-US" sz="2000" b="1" dirty="0">
+                <a:latin typeface="Inconsolata Medium" panose="020B0609030003000000" pitchFamily="49" charset="77"/>
+              </a:rPr>
+              <a:t>Sarah 3.6</a:t>
+            </a:r>
+          </a:p>
+          <a:p>
+            <a:pPr marL="0" indent="0">
+              <a:buNone/>
+            </a:pPr>
+            <a:r>
+              <a:rPr lang="en-US" sz="2000" b="1" dirty="0">
+                <a:latin typeface="Inconsolata Medium" panose="020B0609030003000000" pitchFamily="49" charset="77"/>
+              </a:rPr>
+              <a:t>Jack 2.8</a:t>
+            </a:r>
+          </a:p>
+          <a:p>
+            <a:pPr marL="0" indent="0">
+              <a:buNone/>
+            </a:pPr>
+            <a:r>
+              <a:rPr lang="en-US" dirty="0"/>
+              <a:t>  	                </a:t>
+            </a:r>
           </a:p>
           <a:p>
             <a:pPr marL="0" indent="0">
@@ -4109,7 +4066,7 @@
     </p:spTree>
     <p:extLst>
       <p:ext uri="{BB962C8B-B14F-4D97-AF65-F5344CB8AC3E}">
-        <p14:creationId xmlns:p14="http://schemas.microsoft.com/office/powerpoint/2010/main" val="114946794"/>
+        <p14:creationId xmlns:p14="http://schemas.microsoft.com/office/powerpoint/2010/main" val="2765901336"/>
       </p:ext>
     </p:extLst>
   </p:cSld>
@@ -4202,526 +4159,73 @@
             </a:pPr>
             <a:r>
               <a:rPr lang="en-US" dirty="0"/>
-              <a:t>New items can be added to the dictionary using indexing as well.</a:t>
-            </a:r>
-            <a:endParaRPr lang="en-US" sz="2400" dirty="0"/>
-          </a:p>
-          <a:p>
-            <a:pPr marL="0" indent="0">
-              <a:buNone/>
-            </a:pPr>
-            <a:endParaRPr lang="en-US" b="1" dirty="0">
-              <a:solidFill>
-                <a:srgbClr val="000087"/>
-              </a:solidFill>
-              <a:latin typeface="Inconsolata Medium" panose="020B0609030003000000" pitchFamily="49" charset="77"/>
-            </a:endParaRPr>
-          </a:p>
-          <a:p>
-            <a:pPr marL="0" indent="0">
-              <a:buNone/>
-            </a:pPr>
-            <a:r>
-              <a:rPr lang="en-US" b="1" dirty="0">
-                <a:solidFill>
-                  <a:srgbClr val="000087"/>
-                </a:solidFill>
-                <a:latin typeface="Inconsolata Medium" panose="020B0609030003000000" pitchFamily="49" charset="77"/>
-              </a:rPr>
-              <a:t>In </a:t>
-            </a:r>
-            <a:r>
-              <a:rPr lang="en-US" b="1" dirty="0">
-                <a:latin typeface="Inconsolata Medium" panose="020B0609030003000000" pitchFamily="49" charset="77"/>
-              </a:rPr>
-              <a:t>[</a:t>
-            </a:r>
-            <a:r>
-              <a:rPr lang="en-US" b="1" dirty="0">
-                <a:solidFill>
-                  <a:srgbClr val="FF6600"/>
-                </a:solidFill>
-                <a:latin typeface="Inconsolata Medium" panose="020B0609030003000000" pitchFamily="49" charset="77"/>
-              </a:rPr>
-              <a:t>27</a:t>
-            </a:r>
-            <a:r>
-              <a:rPr lang="en-US" b="1" dirty="0">
-                <a:latin typeface="Inconsolata Medium" panose="020B0609030003000000" pitchFamily="49" charset="77"/>
-              </a:rPr>
-              <a:t>]: </a:t>
-            </a:r>
-            <a:r>
-              <a:rPr lang="en-US" b="1" dirty="0">
-                <a:solidFill>
-                  <a:srgbClr val="000087"/>
-                </a:solidFill>
-                <a:latin typeface="Inconsolata Medium" panose="020B0609030003000000" pitchFamily="49" charset="77"/>
-              </a:rPr>
-              <a:t>numbers </a:t>
-            </a:r>
-            <a:r>
-              <a:rPr lang="en-US" b="1" dirty="0">
-                <a:solidFill>
-                  <a:srgbClr val="545454"/>
-                </a:solidFill>
-                <a:latin typeface="Inconsolata Medium" panose="020B0609030003000000" pitchFamily="49" charset="77"/>
-              </a:rPr>
-              <a:t>= </a:t>
-            </a:r>
-            <a:r>
-              <a:rPr lang="en-US" b="1" dirty="0">
-                <a:latin typeface="Inconsolata Medium" panose="020B0609030003000000" pitchFamily="49" charset="77"/>
-              </a:rPr>
-              <a:t>{</a:t>
-            </a:r>
-            <a:r>
-              <a:rPr lang="en-US" b="1" dirty="0">
-                <a:solidFill>
-                  <a:srgbClr val="CC3300"/>
-                </a:solidFill>
-                <a:latin typeface="Inconsolata Medium" panose="020B0609030003000000" pitchFamily="49" charset="77"/>
-              </a:rPr>
-              <a:t>"one"</a:t>
-            </a:r>
-            <a:r>
-              <a:rPr lang="en-US" b="1" dirty="0">
-                <a:latin typeface="Inconsolata Medium" panose="020B0609030003000000" pitchFamily="49" charset="77"/>
-              </a:rPr>
-              <a:t>:</a:t>
-            </a:r>
-            <a:r>
-              <a:rPr lang="en-US" b="1" dirty="0">
-                <a:solidFill>
-                  <a:srgbClr val="FF6600"/>
-                </a:solidFill>
-                <a:latin typeface="Inconsolata Medium" panose="020B0609030003000000" pitchFamily="49" charset="77"/>
-              </a:rPr>
-              <a:t>1</a:t>
-            </a:r>
-            <a:r>
-              <a:rPr lang="en-US" b="1" dirty="0">
-                <a:latin typeface="Inconsolata Medium" panose="020B0609030003000000" pitchFamily="49" charset="77"/>
-              </a:rPr>
-              <a:t>, </a:t>
-            </a:r>
-            <a:r>
-              <a:rPr lang="en-US" b="1" dirty="0">
-                <a:solidFill>
-                  <a:srgbClr val="CC3300"/>
-                </a:solidFill>
-                <a:latin typeface="Inconsolata Medium" panose="020B0609030003000000" pitchFamily="49" charset="77"/>
-              </a:rPr>
-              <a:t>"two"</a:t>
-            </a:r>
-            <a:r>
-              <a:rPr lang="en-US" b="1" dirty="0">
-                <a:latin typeface="Inconsolata Medium" panose="020B0609030003000000" pitchFamily="49" charset="77"/>
-              </a:rPr>
-              <a:t>:</a:t>
-            </a:r>
-            <a:r>
-              <a:rPr lang="en-US" b="1" dirty="0">
-                <a:solidFill>
-                  <a:srgbClr val="FF6600"/>
-                </a:solidFill>
-                <a:latin typeface="Inconsolata Medium" panose="020B0609030003000000" pitchFamily="49" charset="77"/>
-              </a:rPr>
-              <a:t>2</a:t>
-            </a:r>
-            <a:r>
-              <a:rPr lang="en-US" b="1" dirty="0">
-                <a:latin typeface="Inconsolata Medium" panose="020B0609030003000000" pitchFamily="49" charset="77"/>
-              </a:rPr>
-              <a:t>, </a:t>
-            </a:r>
-            <a:r>
-              <a:rPr lang="en-US" b="1" dirty="0">
-                <a:solidFill>
-                  <a:srgbClr val="CC3300"/>
-                </a:solidFill>
-                <a:latin typeface="Inconsolata Medium" panose="020B0609030003000000" pitchFamily="49" charset="77"/>
-              </a:rPr>
-              <a:t>"three"</a:t>
-            </a:r>
-            <a:r>
-              <a:rPr lang="en-US" b="1" dirty="0">
-                <a:latin typeface="Inconsolata Medium" panose="020B0609030003000000" pitchFamily="49" charset="77"/>
-              </a:rPr>
-              <a:t>:</a:t>
-            </a:r>
-            <a:r>
-              <a:rPr lang="en-US" b="1" dirty="0">
-                <a:solidFill>
-                  <a:srgbClr val="FF6600"/>
-                </a:solidFill>
-                <a:latin typeface="Inconsolata Medium" panose="020B0609030003000000" pitchFamily="49" charset="77"/>
-              </a:rPr>
-              <a:t>3</a:t>
-            </a:r>
-            <a:r>
-              <a:rPr lang="en-US" b="1" dirty="0">
-                <a:latin typeface="Inconsolata Medium" panose="020B0609030003000000" pitchFamily="49" charset="77"/>
-              </a:rPr>
-              <a:t>} </a:t>
-            </a:r>
-            <a:endParaRPr lang="en-US" b="1" dirty="0">
-              <a:solidFill>
-                <a:srgbClr val="000087"/>
-              </a:solidFill>
-              <a:latin typeface="Inconsolata Medium" panose="020B0609030003000000" pitchFamily="49" charset="77"/>
-            </a:endParaRPr>
-          </a:p>
-          <a:p>
-            <a:pPr marL="0" indent="0">
-              <a:buNone/>
-            </a:pPr>
-            <a:r>
-              <a:rPr lang="en-US" b="1" dirty="0">
-                <a:solidFill>
-                  <a:srgbClr val="000087"/>
-                </a:solidFill>
-                <a:latin typeface="Inconsolata Medium" panose="020B0609030003000000" pitchFamily="49" charset="77"/>
-              </a:rPr>
-              <a:t>In </a:t>
-            </a:r>
-            <a:r>
-              <a:rPr lang="en-US" b="1" dirty="0">
-                <a:latin typeface="Inconsolata Medium" panose="020B0609030003000000" pitchFamily="49" charset="77"/>
-              </a:rPr>
-              <a:t>[</a:t>
-            </a:r>
-            <a:r>
-              <a:rPr lang="en-US" b="1" dirty="0">
-                <a:solidFill>
-                  <a:srgbClr val="FF6600"/>
-                </a:solidFill>
-                <a:latin typeface="Inconsolata Medium" panose="020B0609030003000000" pitchFamily="49" charset="77"/>
-              </a:rPr>
-              <a:t>29</a:t>
-            </a:r>
-            <a:r>
-              <a:rPr lang="en-US" b="1" dirty="0">
-                <a:latin typeface="Inconsolata Medium" panose="020B0609030003000000" pitchFamily="49" charset="77"/>
-              </a:rPr>
-              <a:t>]: </a:t>
-            </a:r>
-            <a:r>
-              <a:rPr lang="en-US" b="1" i="1" dirty="0">
-                <a:solidFill>
-                  <a:srgbClr val="33566B"/>
-                </a:solidFill>
-                <a:latin typeface="Inconsolata Medium" panose="020B0609030003000000" pitchFamily="49" charset="77"/>
-              </a:rPr>
-              <a:t># Set a new key/value pair </a:t>
-            </a:r>
-          </a:p>
-          <a:p>
-            <a:pPr marL="0" indent="0">
-              <a:buNone/>
-            </a:pPr>
-            <a:r>
-              <a:rPr lang="en-US" b="1" dirty="0">
-                <a:solidFill>
-                  <a:srgbClr val="000087"/>
-                </a:solidFill>
-                <a:latin typeface="Inconsolata Medium" panose="020B0609030003000000" pitchFamily="49" charset="77"/>
-              </a:rPr>
-              <a:t>In </a:t>
-            </a:r>
-            <a:r>
-              <a:rPr lang="en-US" b="1" dirty="0">
-                <a:latin typeface="Inconsolata Medium" panose="020B0609030003000000" pitchFamily="49" charset="77"/>
-              </a:rPr>
-              <a:t>[</a:t>
-            </a:r>
-            <a:r>
-              <a:rPr lang="en-US" b="1" dirty="0">
-                <a:solidFill>
-                  <a:srgbClr val="FF6600"/>
-                </a:solidFill>
-                <a:latin typeface="Inconsolata Medium" panose="020B0609030003000000" pitchFamily="49" charset="77"/>
-              </a:rPr>
-              <a:t>29</a:t>
-            </a:r>
-            <a:r>
-              <a:rPr lang="en-US" b="1" dirty="0">
-                <a:latin typeface="Inconsolata Medium" panose="020B0609030003000000" pitchFamily="49" charset="77"/>
-              </a:rPr>
-              <a:t>]</a:t>
-            </a:r>
-            <a:r>
-              <a:rPr lang="en-US" b="1" i="1" dirty="0">
-                <a:solidFill>
-                  <a:srgbClr val="33566B"/>
-                </a:solidFill>
-                <a:latin typeface="Inconsolata Medium" panose="020B0609030003000000" pitchFamily="49" charset="77"/>
-              </a:rPr>
-              <a:t>  </a:t>
-            </a:r>
-            <a:r>
-              <a:rPr lang="en-US" b="1" dirty="0">
-                <a:solidFill>
-                  <a:srgbClr val="000087"/>
-                </a:solidFill>
-                <a:latin typeface="Inconsolata Medium" panose="020B0609030003000000" pitchFamily="49" charset="77"/>
-              </a:rPr>
-              <a:t>numbers</a:t>
-            </a:r>
-            <a:r>
-              <a:rPr lang="en-US" b="1" dirty="0">
-                <a:latin typeface="Inconsolata Medium" panose="020B0609030003000000" pitchFamily="49" charset="77"/>
-              </a:rPr>
-              <a:t>[</a:t>
-            </a:r>
-            <a:r>
-              <a:rPr lang="en-US" b="1" dirty="0">
-                <a:solidFill>
-                  <a:srgbClr val="CC3300"/>
-                </a:solidFill>
-                <a:latin typeface="Inconsolata Medium" panose="020B0609030003000000" pitchFamily="49" charset="77"/>
-              </a:rPr>
-              <a:t>'ninety'</a:t>
-            </a:r>
-            <a:r>
-              <a:rPr lang="en-US" b="1" dirty="0">
-                <a:latin typeface="Inconsolata Medium" panose="020B0609030003000000" pitchFamily="49" charset="77"/>
-              </a:rPr>
-              <a:t>] </a:t>
-            </a:r>
-            <a:r>
-              <a:rPr lang="en-US" b="1" dirty="0">
-                <a:solidFill>
-                  <a:srgbClr val="545454"/>
-                </a:solidFill>
-                <a:latin typeface="Inconsolata Medium" panose="020B0609030003000000" pitchFamily="49" charset="77"/>
-              </a:rPr>
-              <a:t>= </a:t>
-            </a:r>
-            <a:r>
-              <a:rPr lang="en-US" b="1" dirty="0">
-                <a:solidFill>
-                  <a:srgbClr val="FF6600"/>
-                </a:solidFill>
-                <a:latin typeface="Inconsolata Medium" panose="020B0609030003000000" pitchFamily="49" charset="77"/>
-              </a:rPr>
-              <a:t>90 </a:t>
-            </a:r>
-            <a:endParaRPr lang="en-US" b="1" dirty="0">
-              <a:latin typeface="Inconsolata Medium" panose="020B0609030003000000" pitchFamily="49" charset="77"/>
-            </a:endParaRPr>
-          </a:p>
-          <a:p>
-            <a:pPr marL="0" indent="0">
-              <a:buNone/>
-            </a:pPr>
-            <a:r>
-              <a:rPr lang="en-US" b="1" dirty="0">
-                <a:solidFill>
-                  <a:srgbClr val="000087"/>
-                </a:solidFill>
-                <a:latin typeface="Inconsolata Medium" panose="020B0609030003000000" pitchFamily="49" charset="77"/>
-              </a:rPr>
-              <a:t>In </a:t>
-            </a:r>
-            <a:r>
-              <a:rPr lang="en-US" b="1" dirty="0">
-                <a:latin typeface="Inconsolata Medium" panose="020B0609030003000000" pitchFamily="49" charset="77"/>
-              </a:rPr>
-              <a:t>[</a:t>
-            </a:r>
-            <a:r>
-              <a:rPr lang="en-US" b="1" dirty="0">
-                <a:solidFill>
-                  <a:srgbClr val="FF6600"/>
-                </a:solidFill>
-                <a:latin typeface="Inconsolata Medium" panose="020B0609030003000000" pitchFamily="49" charset="77"/>
-              </a:rPr>
-              <a:t>29</a:t>
-            </a:r>
-            <a:r>
-              <a:rPr lang="en-US" b="1" dirty="0">
-                <a:latin typeface="Inconsolata Medium" panose="020B0609030003000000" pitchFamily="49" charset="77"/>
-              </a:rPr>
-              <a:t>]</a:t>
-            </a:r>
-            <a:r>
-              <a:rPr lang="en-US" b="1" dirty="0">
-                <a:solidFill>
-                  <a:srgbClr val="006699"/>
-                </a:solidFill>
-                <a:latin typeface="Inconsolata Medium" panose="020B0609030003000000" pitchFamily="49" charset="77"/>
-              </a:rPr>
-              <a:t>  print</a:t>
-            </a:r>
-            <a:r>
-              <a:rPr lang="en-US" b="1" dirty="0">
-                <a:latin typeface="Inconsolata Medium" panose="020B0609030003000000" pitchFamily="49" charset="77"/>
-              </a:rPr>
-              <a:t>(</a:t>
-            </a:r>
-            <a:r>
-              <a:rPr lang="en-US" b="1" dirty="0">
-                <a:solidFill>
-                  <a:srgbClr val="000087"/>
-                </a:solidFill>
-                <a:latin typeface="Inconsolata Medium" panose="020B0609030003000000" pitchFamily="49" charset="77"/>
-              </a:rPr>
-              <a:t>numbers</a:t>
-            </a:r>
-            <a:r>
-              <a:rPr lang="en-US" b="1" dirty="0">
-                <a:latin typeface="Inconsolata Medium" panose="020B0609030003000000" pitchFamily="49" charset="77"/>
-              </a:rPr>
-              <a:t>)</a:t>
-            </a:r>
-            <a:br>
-              <a:rPr lang="en-US" b="1" dirty="0">
-                <a:latin typeface="Inconsolata Medium" panose="020B0609030003000000" pitchFamily="49" charset="77"/>
-              </a:rPr>
-            </a:br>
-            <a:r>
-              <a:rPr lang="en-US" b="1" dirty="0">
-                <a:latin typeface="Inconsolata Medium" panose="020B0609030003000000" pitchFamily="49" charset="77"/>
-              </a:rPr>
-              <a:t>{'one': 1, 'two': 2, 'three': 3, 'ninety': 90} </a:t>
-            </a:r>
-          </a:p>
-          <a:p>
-            <a:pPr marL="0" indent="0">
-              <a:buNone/>
-            </a:pPr>
-            <a:endParaRPr lang="en-US" b="1" dirty="0">
-              <a:latin typeface="Inconsolata Medium" panose="020B0609030003000000" pitchFamily="49" charset="77"/>
-            </a:endParaRPr>
-          </a:p>
-          <a:p>
-            <a:pPr marL="0" indent="0">
-              <a:buNone/>
-            </a:pPr>
-            <a:r>
-              <a:rPr lang="en-US" b="1" dirty="0">
-                <a:solidFill>
-                  <a:srgbClr val="000087"/>
-                </a:solidFill>
-                <a:latin typeface="Inconsolata Medium" panose="020B0609030003000000" pitchFamily="49" charset="77"/>
-              </a:rPr>
-              <a:t>In </a:t>
-            </a:r>
-            <a:r>
-              <a:rPr lang="en-US" b="1" dirty="0">
-                <a:latin typeface="Inconsolata Medium" panose="020B0609030003000000" pitchFamily="49" charset="77"/>
-              </a:rPr>
-              <a:t>[</a:t>
-            </a:r>
-            <a:r>
-              <a:rPr lang="en-US" b="1" dirty="0">
-                <a:solidFill>
-                  <a:srgbClr val="FF6600"/>
-                </a:solidFill>
-                <a:latin typeface="Inconsolata Medium" panose="020B0609030003000000" pitchFamily="49" charset="77"/>
-              </a:rPr>
-              <a:t>29</a:t>
-            </a:r>
-            <a:r>
-              <a:rPr lang="en-US" b="1" dirty="0">
-                <a:latin typeface="Inconsolata Medium" panose="020B0609030003000000" pitchFamily="49" charset="77"/>
-              </a:rPr>
-              <a:t>]: </a:t>
-            </a:r>
-            <a:r>
-              <a:rPr lang="en-US" b="1" dirty="0">
-                <a:solidFill>
-                  <a:srgbClr val="000087"/>
-                </a:solidFill>
-                <a:latin typeface="Inconsolata Medium" panose="020B0609030003000000" pitchFamily="49" charset="77"/>
-              </a:rPr>
-              <a:t>numbers</a:t>
-            </a:r>
-            <a:r>
-              <a:rPr lang="en-US" b="1" dirty="0">
-                <a:latin typeface="Inconsolata Medium" panose="020B0609030003000000" pitchFamily="49" charset="77"/>
-              </a:rPr>
-              <a:t>[</a:t>
-            </a:r>
-            <a:r>
-              <a:rPr lang="en-US" b="1" dirty="0">
-                <a:solidFill>
-                  <a:srgbClr val="CC3300"/>
-                </a:solidFill>
-                <a:latin typeface="Inconsolata Medium" panose="020B0609030003000000" pitchFamily="49" charset="77"/>
-              </a:rPr>
-              <a:t>'four'</a:t>
-            </a:r>
-            <a:r>
-              <a:rPr lang="en-US" b="1" dirty="0">
-                <a:latin typeface="Inconsolata Medium" panose="020B0609030003000000" pitchFamily="49" charset="77"/>
-              </a:rPr>
-              <a:t>] </a:t>
-            </a:r>
-            <a:r>
-              <a:rPr lang="en-US" sz="2000" b="1" dirty="0">
-                <a:solidFill>
-                  <a:srgbClr val="33566B"/>
-                </a:solidFill>
-                <a:latin typeface="Inconsolata Medium" panose="020B0609030003000000" pitchFamily="49" charset="77"/>
-              </a:rPr>
-              <a:t># </a:t>
-            </a:r>
-            <a:r>
-              <a:rPr lang="en-US" sz="2000" b="1" dirty="0" err="1">
-                <a:solidFill>
-                  <a:srgbClr val="33566B"/>
-                </a:solidFill>
-                <a:latin typeface="Inconsolata Medium" panose="020B0609030003000000" pitchFamily="49" charset="77"/>
-              </a:rPr>
-              <a:t>KeyError</a:t>
-            </a:r>
-            <a:r>
-              <a:rPr lang="en-US" sz="2000" b="1" dirty="0">
-                <a:solidFill>
-                  <a:srgbClr val="33566B"/>
-                </a:solidFill>
-                <a:latin typeface="Inconsolata Medium" panose="020B0609030003000000" pitchFamily="49" charset="77"/>
-              </a:rPr>
-              <a:t>, 'four' not set as key</a:t>
-            </a:r>
-            <a:endParaRPr lang="en-US" sz="2000" b="1" dirty="0">
-              <a:latin typeface="Inconsolata Medium" panose="020B0609030003000000" pitchFamily="49" charset="77"/>
-            </a:endParaRPr>
-          </a:p>
-          <a:p>
-            <a:pPr marL="0" indent="0">
-              <a:buNone/>
-            </a:pPr>
-            <a:endParaRPr lang="en-US" b="1" i="1" dirty="0">
-              <a:solidFill>
-                <a:srgbClr val="33566B"/>
-              </a:solidFill>
-              <a:latin typeface="Inconsolata Medium" panose="020B0609030003000000" pitchFamily="49" charset="77"/>
-            </a:endParaRPr>
-          </a:p>
-          <a:p>
-            <a:pPr marL="0" indent="0">
-              <a:buNone/>
-            </a:pPr>
-            <a:endParaRPr lang="en-US" b="1" dirty="0">
-              <a:latin typeface="Inconsolata Medium" panose="020B0609030003000000" pitchFamily="49" charset="77"/>
-            </a:endParaRPr>
-          </a:p>
-          <a:p>
-            <a:pPr marL="0" indent="0">
-              <a:buNone/>
-            </a:pPr>
-            <a:endParaRPr lang="en-US" b="1" dirty="0">
-              <a:latin typeface="Inconsolata Medium" panose="020B0609030003000000" pitchFamily="49" charset="77"/>
-            </a:endParaRPr>
+              <a:t>Python lists are useful but in some applications, it is nice to have a different indexing scheme than the integers.  For example, consider a database of students' names and their grades:</a:t>
+            </a:r>
           </a:p>
           <a:p>
             <a:pPr marL="0" indent="0">
               <a:buNone/>
             </a:pPr>
             <a:endParaRPr lang="en-US" dirty="0"/>
+          </a:p>
+          <a:p>
+            <a:pPr marL="0" indent="0">
+              <a:buNone/>
+            </a:pPr>
+            <a:r>
+              <a:rPr lang="en-US" dirty="0"/>
+              <a:t>Mike: [70,81, 84]</a:t>
+            </a:r>
+          </a:p>
+          <a:p>
+            <a:pPr marL="0" indent="0">
+              <a:buNone/>
+            </a:pPr>
+            <a:r>
+              <a:rPr lang="en-US" dirty="0"/>
+              <a:t>Sarah: [88,71,85]</a:t>
+            </a:r>
+          </a:p>
+          <a:p>
+            <a:pPr marL="0" indent="0">
+              <a:buNone/>
+            </a:pPr>
+            <a:r>
+              <a:rPr lang="en-US" dirty="0"/>
+              <a:t>…</a:t>
+            </a:r>
+          </a:p>
+          <a:p>
+            <a:pPr marL="0" indent="0">
+              <a:buNone/>
+            </a:pPr>
+            <a:r>
+              <a:rPr lang="en-US" dirty="0"/>
+              <a:t>Suppose that this database has hundreds of records. It is hard to access these students' grades using 0-based integer indexing. </a:t>
+            </a:r>
+          </a:p>
+          <a:p>
+            <a:pPr marL="0" indent="0">
+              <a:buNone/>
+            </a:pPr>
+            <a:endParaRPr lang="en-US" dirty="0"/>
+          </a:p>
+          <a:p>
+            <a:pPr marL="0" indent="0">
+              <a:buNone/>
+            </a:pPr>
+            <a:r>
+              <a:rPr lang="en-US" dirty="0"/>
+              <a:t>Python dictionaries allow "values" to be accessed by meaningful "keys". In the example above, we can access the database of grades by </a:t>
+            </a:r>
+            <a:r>
+              <a:rPr lang="en-US" dirty="0" err="1"/>
+              <a:t>nam</a:t>
+            </a:r>
+            <a:r>
+              <a:rPr lang="en-US" dirty="0"/>
+              <a:t>(keys) instead of integer index. </a:t>
+            </a:r>
           </a:p>
           <a:p>
             <a:pPr marL="0" indent="0">
@@ -4761,7 +4265,7 @@
     </p:spTree>
     <p:extLst>
       <p:ext uri="{BB962C8B-B14F-4D97-AF65-F5344CB8AC3E}">
-        <p14:creationId xmlns:p14="http://schemas.microsoft.com/office/powerpoint/2010/main" val="18163085"/>
+        <p14:creationId xmlns:p14="http://schemas.microsoft.com/office/powerpoint/2010/main" val="114946794"/>
       </p:ext>
     </p:extLst>
   </p:cSld>
@@ -4853,8 +4357,16 @@
               <a:buNone/>
             </a:pPr>
             <a:r>
-              <a:rPr lang="en-US" sz="2400" dirty="0"/>
-              <a:t>Modifying dictionary. </a:t>
+              <a:rPr lang="en-US" dirty="0"/>
+              <a:t>Dictionaries are extremely flexible mappings of keys to values, and form the basis of much of Python’s internal implementation. They can be created via a comma-separated list of </a:t>
+            </a:r>
+            <a:r>
+              <a:rPr lang="en-US" dirty="0" err="1"/>
+              <a:t>key:value</a:t>
+            </a:r>
+            <a:r>
+              <a:rPr lang="en-US" dirty="0"/>
+              <a:t> pairs within curly braces: </a:t>
             </a:r>
           </a:p>
           <a:p>
@@ -5040,61 +4552,39 @@
                 </a:solidFill>
                 <a:latin typeface="Inconsolata Medium" panose="020B0609030003000000" pitchFamily="49" charset="77"/>
               </a:rPr>
-              <a:t>29</a:t>
-            </a:r>
-            <a:r>
-              <a:rPr lang="en-US" b="1" dirty="0">
-                <a:latin typeface="Inconsolata Medium" panose="020B0609030003000000" pitchFamily="49" charset="77"/>
-              </a:rPr>
-              <a:t>]: </a:t>
-            </a:r>
-            <a:r>
-              <a:rPr lang="en-US" b="1" dirty="0">
-                <a:solidFill>
-                  <a:srgbClr val="000087"/>
-                </a:solidFill>
-                <a:latin typeface="Inconsolata Medium" panose="020B0609030003000000" pitchFamily="49" charset="77"/>
-              </a:rPr>
-              <a:t>numbers</a:t>
-            </a:r>
-            <a:r>
-              <a:rPr lang="en-US" b="1" dirty="0">
-                <a:latin typeface="Inconsolata Medium" panose="020B0609030003000000" pitchFamily="49" charset="77"/>
-              </a:rPr>
-              <a:t>[</a:t>
-            </a:r>
-            <a:r>
-              <a:rPr lang="en-US" b="1" dirty="0">
-                <a:solidFill>
-                  <a:srgbClr val="CC3300"/>
-                </a:solidFill>
-                <a:latin typeface="Inconsolata Medium" panose="020B0609030003000000" pitchFamily="49" charset="77"/>
-              </a:rPr>
-              <a:t>'one'</a:t>
-            </a:r>
-            <a:r>
-              <a:rPr lang="en-US" b="1" dirty="0">
-                <a:latin typeface="Inconsolata Medium" panose="020B0609030003000000" pitchFamily="49" charset="77"/>
-              </a:rPr>
-              <a:t>] +</a:t>
-            </a:r>
-            <a:r>
-              <a:rPr lang="en-US" b="1" dirty="0">
-                <a:solidFill>
-                  <a:srgbClr val="545454"/>
-                </a:solidFill>
-                <a:latin typeface="Inconsolata Medium" panose="020B0609030003000000" pitchFamily="49" charset="77"/>
-              </a:rPr>
-              <a:t>= </a:t>
-            </a:r>
-            <a:r>
-              <a:rPr lang="en-US" b="1" dirty="0">
-                <a:solidFill>
-                  <a:srgbClr val="FF6600"/>
-                </a:solidFill>
-                <a:latin typeface="Inconsolata Medium" panose="020B0609030003000000" pitchFamily="49" charset="77"/>
-              </a:rPr>
-              <a:t>5 </a:t>
+              <a:t>28</a:t>
+            </a:r>
+            <a:r>
+              <a:rPr lang="en-US" b="1" dirty="0">
+                <a:latin typeface="Inconsolata Medium" panose="020B0609030003000000" pitchFamily="49" charset="77"/>
+              </a:rPr>
+              <a:t>]: type(numbers)</a:t>
+            </a:r>
+            <a:r>
+              <a:rPr lang="en-US" b="1" i="1" dirty="0">
+                <a:solidFill>
+                  <a:srgbClr val="33566B"/>
+                </a:solidFill>
+                <a:latin typeface="Inconsolata Medium" panose="020B0609030003000000" pitchFamily="49" charset="77"/>
+              </a:rPr>
+              <a:t> </a:t>
+            </a:r>
+          </a:p>
+          <a:p>
+            <a:pPr marL="0" indent="0">
+              <a:buNone/>
+            </a:pPr>
+            <a:r>
+              <a:rPr lang="en-US" b="1" dirty="0">
+                <a:latin typeface="Inconsolata Medium" panose="020B0609030003000000" pitchFamily="49" charset="77"/>
+              </a:rPr>
+              <a:t>Out [28]: </a:t>
+            </a:r>
+            <a:r>
+              <a:rPr lang="en-US" b="1" dirty="0" err="1">
+                <a:latin typeface="Inconsolata Medium" panose="020B0609030003000000" pitchFamily="49" charset="77"/>
+              </a:rPr>
+              <a:t>dict</a:t>
             </a:r>
             <a:endParaRPr lang="en-US" b="1" dirty="0">
               <a:latin typeface="Inconsolata Medium" panose="020B0609030003000000" pitchFamily="49" charset="77"/>
@@ -5126,28 +4616,36 @@
                 </a:solidFill>
                 <a:latin typeface="Inconsolata Medium" panose="020B0609030003000000" pitchFamily="49" charset="77"/>
               </a:rPr>
-              <a:t>29</a:t>
-            </a:r>
-            <a:r>
-              <a:rPr lang="en-US" b="1" dirty="0">
-                <a:latin typeface="Inconsolata Medium" panose="020B0609030003000000" pitchFamily="49" charset="77"/>
-              </a:rPr>
-              <a:t>]</a:t>
-            </a:r>
-            <a:r>
-              <a:rPr lang="en-US" b="1" dirty="0">
-                <a:solidFill>
-                  <a:srgbClr val="006699"/>
-                </a:solidFill>
-                <a:latin typeface="Inconsolata Medium" panose="020B0609030003000000" pitchFamily="49" charset="77"/>
-              </a:rPr>
-              <a:t>  print</a:t>
-            </a:r>
-            <a:r>
-              <a:rPr lang="en-US" b="1" dirty="0">
-                <a:latin typeface="Inconsolata Medium" panose="020B0609030003000000" pitchFamily="49" charset="77"/>
-              </a:rPr>
-              <a:t>(</a:t>
+              <a:t>28</a:t>
+            </a:r>
+            <a:r>
+              <a:rPr lang="en-US" b="1" dirty="0">
+                <a:latin typeface="Inconsolata Medium" panose="020B0609030003000000" pitchFamily="49" charset="77"/>
+              </a:rPr>
+              <a:t>]: </a:t>
+            </a:r>
+            <a:r>
+              <a:rPr lang="en-US" b="1" i="1" dirty="0">
+                <a:solidFill>
+                  <a:srgbClr val="33566B"/>
+                </a:solidFill>
+                <a:latin typeface="Inconsolata Medium" panose="020B0609030003000000" pitchFamily="49" charset="77"/>
+              </a:rPr>
+              <a:t># Access a value via the key </a:t>
+            </a:r>
+          </a:p>
+          <a:p>
+            <a:pPr marL="0" indent="0">
+              <a:buNone/>
+            </a:pPr>
+            <a:r>
+              <a:rPr lang="en-US" b="1" i="1" dirty="0">
+                <a:solidFill>
+                  <a:srgbClr val="33566B"/>
+                </a:solidFill>
+                <a:latin typeface="Inconsolata Medium" panose="020B0609030003000000" pitchFamily="49" charset="77"/>
+              </a:rPr>
+              <a:t>	    </a:t>
             </a:r>
             <a:r>
               <a:rPr lang="en-US" b="1" dirty="0">
@@ -5162,44 +4660,40 @@
               <a:rPr lang="en-US" b="1" dirty="0">
                 <a:latin typeface="Inconsolata Medium" panose="020B0609030003000000" pitchFamily="49" charset="77"/>
               </a:rPr>
-              <a:t>)</a:t>
-            </a:r>
-            <a:br>
-              <a:rPr lang="en-US" b="1" dirty="0">
-                <a:latin typeface="Inconsolata Medium" panose="020B0609030003000000" pitchFamily="49" charset="77"/>
-              </a:rPr>
-            </a:br>
-            <a:r>
-              <a:rPr lang="en-US" b="1" dirty="0">
-                <a:latin typeface="Inconsolata Medium" panose="020B0609030003000000" pitchFamily="49" charset="77"/>
-              </a:rPr>
-              <a:t>{'one': 6, 'two': 2, 'three': 3} </a:t>
-            </a:r>
-          </a:p>
-          <a:p>
-            <a:pPr marL="0" indent="0">
-              <a:buNone/>
-            </a:pPr>
-            <a:endParaRPr lang="en-US" b="1" i="1" dirty="0">
-              <a:solidFill>
-                <a:srgbClr val="33566B"/>
-              </a:solidFill>
-              <a:latin typeface="Inconsolata Medium" panose="020B0609030003000000" pitchFamily="49" charset="77"/>
-            </a:endParaRPr>
-          </a:p>
-          <a:p>
-            <a:pPr marL="0" indent="0">
-              <a:buNone/>
-            </a:pPr>
-            <a:endParaRPr lang="en-US" b="1" dirty="0">
-              <a:latin typeface="Inconsolata Medium" panose="020B0609030003000000" pitchFamily="49" charset="77"/>
-            </a:endParaRPr>
-          </a:p>
-          <a:p>
-            <a:pPr marL="0" indent="0">
-              <a:buNone/>
-            </a:pPr>
-            <a:endParaRPr lang="en-US" b="1" dirty="0">
+              <a:t>[</a:t>
+            </a:r>
+            <a:r>
+              <a:rPr lang="en-US" b="1" dirty="0">
+                <a:solidFill>
+                  <a:srgbClr val="CC3300"/>
+                </a:solidFill>
+                <a:latin typeface="Inconsolata Medium" panose="020B0609030003000000" pitchFamily="49" charset="77"/>
+              </a:rPr>
+              <a:t>"two"</a:t>
+            </a:r>
+            <a:r>
+              <a:rPr lang="en-US" b="1" dirty="0">
+                <a:latin typeface="Inconsolata Medium" panose="020B0609030003000000" pitchFamily="49" charset="77"/>
+              </a:rPr>
+              <a:t>] </a:t>
+            </a:r>
+          </a:p>
+          <a:p>
+            <a:pPr marL="0" indent="0">
+              <a:buNone/>
+            </a:pPr>
+            <a:r>
+              <a:rPr lang="en-US" b="1" dirty="0">
+                <a:latin typeface="Inconsolata Medium" panose="020B0609030003000000" pitchFamily="49" charset="77"/>
+              </a:rPr>
+              <a:t>Out [28]: 2 </a:t>
+            </a:r>
+          </a:p>
+          <a:p>
+            <a:pPr marL="0" indent="0">
+              <a:buNone/>
+            </a:pPr>
+            <a:endParaRPr lang="en-US" sz="2400" b="1" dirty="0">
               <a:latin typeface="Inconsolata Medium" panose="020B0609030003000000" pitchFamily="49" charset="77"/>
             </a:endParaRPr>
           </a:p>
@@ -5247,7 +4741,7 @@
     </p:spTree>
     <p:extLst>
       <p:ext uri="{BB962C8B-B14F-4D97-AF65-F5344CB8AC3E}">
-        <p14:creationId xmlns:p14="http://schemas.microsoft.com/office/powerpoint/2010/main" val="2368568690"/>
+        <p14:creationId xmlns:p14="http://schemas.microsoft.com/office/powerpoint/2010/main" val="3131687406"/>
       </p:ext>
     </p:extLst>
   </p:cSld>
@@ -5340,157 +4834,14 @@
             </a:pPr>
             <a:r>
               <a:rPr lang="en-US" dirty="0"/>
-              <a:t>The keys and values can be extracted from a dictionary via keys() and values().</a:t>
-            </a:r>
-          </a:p>
-          <a:p>
-            <a:pPr marL="0" indent="0">
-              <a:buNone/>
-            </a:pPr>
-            <a:r>
-              <a:rPr lang="en-US" b="1" dirty="0">
-                <a:solidFill>
-                  <a:srgbClr val="000087"/>
-                </a:solidFill>
-                <a:latin typeface="Inconsolata Medium" panose="020B0609030003000000" pitchFamily="49" charset="77"/>
-              </a:rPr>
-              <a:t>In </a:t>
-            </a:r>
-            <a:r>
-              <a:rPr lang="en-US" b="1" dirty="0">
-                <a:latin typeface="Inconsolata Medium" panose="020B0609030003000000" pitchFamily="49" charset="77"/>
-              </a:rPr>
-              <a:t>[</a:t>
-            </a:r>
-            <a:r>
-              <a:rPr lang="en-US" b="1" dirty="0">
-                <a:solidFill>
-                  <a:srgbClr val="FF6600"/>
-                </a:solidFill>
-                <a:latin typeface="Inconsolata Medium" panose="020B0609030003000000" pitchFamily="49" charset="77"/>
-              </a:rPr>
-              <a:t>27</a:t>
-            </a:r>
-            <a:r>
-              <a:rPr lang="en-US" b="1" dirty="0">
-                <a:latin typeface="Inconsolata Medium" panose="020B0609030003000000" pitchFamily="49" charset="77"/>
-              </a:rPr>
-              <a:t>]: </a:t>
-            </a:r>
-            <a:r>
-              <a:rPr lang="en-US" b="1" dirty="0">
-                <a:solidFill>
-                  <a:srgbClr val="000087"/>
-                </a:solidFill>
-                <a:latin typeface="Inconsolata Medium" panose="020B0609030003000000" pitchFamily="49" charset="77"/>
-              </a:rPr>
-              <a:t>numbers </a:t>
-            </a:r>
-            <a:r>
-              <a:rPr lang="en-US" b="1" dirty="0">
-                <a:solidFill>
-                  <a:srgbClr val="545454"/>
-                </a:solidFill>
-                <a:latin typeface="Inconsolata Medium" panose="020B0609030003000000" pitchFamily="49" charset="77"/>
-              </a:rPr>
-              <a:t>= </a:t>
-            </a:r>
-            <a:r>
-              <a:rPr lang="en-US" b="1" dirty="0">
-                <a:latin typeface="Inconsolata Medium" panose="020B0609030003000000" pitchFamily="49" charset="77"/>
-              </a:rPr>
-              <a:t>{</a:t>
-            </a:r>
-            <a:r>
-              <a:rPr lang="en-US" b="1" dirty="0">
-                <a:solidFill>
-                  <a:srgbClr val="CC3300"/>
-                </a:solidFill>
-                <a:latin typeface="Inconsolata Medium" panose="020B0609030003000000" pitchFamily="49" charset="77"/>
-              </a:rPr>
-              <a:t>"one"</a:t>
-            </a:r>
-            <a:r>
-              <a:rPr lang="en-US" b="1" dirty="0">
-                <a:latin typeface="Inconsolata Medium" panose="020B0609030003000000" pitchFamily="49" charset="77"/>
-              </a:rPr>
-              <a:t>:</a:t>
-            </a:r>
-            <a:r>
-              <a:rPr lang="en-US" b="1" dirty="0">
-                <a:solidFill>
-                  <a:srgbClr val="FF6600"/>
-                </a:solidFill>
-                <a:latin typeface="Inconsolata Medium" panose="020B0609030003000000" pitchFamily="49" charset="77"/>
-              </a:rPr>
-              <a:t>1</a:t>
-            </a:r>
-            <a:r>
-              <a:rPr lang="en-US" b="1" dirty="0">
-                <a:latin typeface="Inconsolata Medium" panose="020B0609030003000000" pitchFamily="49" charset="77"/>
-              </a:rPr>
-              <a:t>, </a:t>
-            </a:r>
-            <a:r>
-              <a:rPr lang="en-US" b="1" dirty="0">
-                <a:solidFill>
-                  <a:srgbClr val="CC3300"/>
-                </a:solidFill>
-                <a:latin typeface="Inconsolata Medium" panose="020B0609030003000000" pitchFamily="49" charset="77"/>
-              </a:rPr>
-              <a:t>"two"</a:t>
-            </a:r>
-            <a:r>
-              <a:rPr lang="en-US" b="1" dirty="0">
-                <a:latin typeface="Inconsolata Medium" panose="020B0609030003000000" pitchFamily="49" charset="77"/>
-              </a:rPr>
-              <a:t>:</a:t>
-            </a:r>
-            <a:r>
-              <a:rPr lang="en-US" b="1" dirty="0">
-                <a:solidFill>
-                  <a:srgbClr val="FF6600"/>
-                </a:solidFill>
-                <a:latin typeface="Inconsolata Medium" panose="020B0609030003000000" pitchFamily="49" charset="77"/>
-              </a:rPr>
-              <a:t>2</a:t>
-            </a:r>
-            <a:r>
-              <a:rPr lang="en-US" b="1" dirty="0">
-                <a:latin typeface="Inconsolata Medium" panose="020B0609030003000000" pitchFamily="49" charset="77"/>
-              </a:rPr>
-              <a:t>, </a:t>
-            </a:r>
-            <a:r>
-              <a:rPr lang="en-US" b="1" dirty="0">
-                <a:solidFill>
-                  <a:srgbClr val="CC3300"/>
-                </a:solidFill>
-                <a:latin typeface="Inconsolata Medium" panose="020B0609030003000000" pitchFamily="49" charset="77"/>
-              </a:rPr>
-              <a:t>"three"</a:t>
-            </a:r>
-            <a:r>
-              <a:rPr lang="en-US" b="1" dirty="0">
-                <a:latin typeface="Inconsolata Medium" panose="020B0609030003000000" pitchFamily="49" charset="77"/>
-              </a:rPr>
-              <a:t>:</a:t>
-            </a:r>
-            <a:r>
-              <a:rPr lang="en-US" b="1" dirty="0">
-                <a:solidFill>
-                  <a:srgbClr val="FF6600"/>
-                </a:solidFill>
-                <a:latin typeface="Inconsolata Medium" panose="020B0609030003000000" pitchFamily="49" charset="77"/>
-              </a:rPr>
-              <a:t>3</a:t>
-            </a:r>
-            <a:r>
-              <a:rPr lang="en-US" b="1" dirty="0">
-                <a:latin typeface="Inconsolata Medium" panose="020B0609030003000000" pitchFamily="49" charset="77"/>
-              </a:rPr>
-              <a:t>} </a:t>
-            </a:r>
+              <a:t>New items can be added to the dictionary using indexing as well.</a:t>
+            </a:r>
+            <a:endParaRPr lang="en-US" sz="2400" dirty="0"/>
+          </a:p>
+          <a:p>
+            <a:pPr marL="0" indent="0">
+              <a:buNone/>
+            </a:pPr>
             <a:endParaRPr lang="en-US" b="1" dirty="0">
               <a:solidFill>
                 <a:srgbClr val="000087"/>
@@ -5524,77 +4875,270 @@
                 </a:solidFill>
                 <a:latin typeface="Inconsolata Medium" panose="020B0609030003000000" pitchFamily="49" charset="77"/>
               </a:rPr>
+              <a:t>27</a:t>
+            </a:r>
+            <a:r>
+              <a:rPr lang="en-US" b="1" dirty="0">
+                <a:latin typeface="Inconsolata Medium" panose="020B0609030003000000" pitchFamily="49" charset="77"/>
+              </a:rPr>
+              <a:t>]: </a:t>
+            </a:r>
+            <a:r>
+              <a:rPr lang="en-US" b="1" dirty="0">
+                <a:solidFill>
+                  <a:srgbClr val="000087"/>
+                </a:solidFill>
+                <a:latin typeface="Inconsolata Medium" panose="020B0609030003000000" pitchFamily="49" charset="77"/>
+              </a:rPr>
+              <a:t>numbers </a:t>
+            </a:r>
+            <a:r>
+              <a:rPr lang="en-US" b="1" dirty="0">
+                <a:solidFill>
+                  <a:srgbClr val="545454"/>
+                </a:solidFill>
+                <a:latin typeface="Inconsolata Medium" panose="020B0609030003000000" pitchFamily="49" charset="77"/>
+              </a:rPr>
+              <a:t>= </a:t>
+            </a:r>
+            <a:r>
+              <a:rPr lang="en-US" b="1" dirty="0">
+                <a:latin typeface="Inconsolata Medium" panose="020B0609030003000000" pitchFamily="49" charset="77"/>
+              </a:rPr>
+              <a:t>{</a:t>
+            </a:r>
+            <a:r>
+              <a:rPr lang="en-US" b="1" dirty="0">
+                <a:solidFill>
+                  <a:srgbClr val="CC3300"/>
+                </a:solidFill>
+                <a:latin typeface="Inconsolata Medium" panose="020B0609030003000000" pitchFamily="49" charset="77"/>
+              </a:rPr>
+              <a:t>"one"</a:t>
+            </a:r>
+            <a:r>
+              <a:rPr lang="en-US" b="1" dirty="0">
+                <a:latin typeface="Inconsolata Medium" panose="020B0609030003000000" pitchFamily="49" charset="77"/>
+              </a:rPr>
+              <a:t>:</a:t>
+            </a:r>
+            <a:r>
+              <a:rPr lang="en-US" b="1" dirty="0">
+                <a:solidFill>
+                  <a:srgbClr val="FF6600"/>
+                </a:solidFill>
+                <a:latin typeface="Inconsolata Medium" panose="020B0609030003000000" pitchFamily="49" charset="77"/>
+              </a:rPr>
+              <a:t>1</a:t>
+            </a:r>
+            <a:r>
+              <a:rPr lang="en-US" b="1" dirty="0">
+                <a:latin typeface="Inconsolata Medium" panose="020B0609030003000000" pitchFamily="49" charset="77"/>
+              </a:rPr>
+              <a:t>, </a:t>
+            </a:r>
+            <a:r>
+              <a:rPr lang="en-US" b="1" dirty="0">
+                <a:solidFill>
+                  <a:srgbClr val="CC3300"/>
+                </a:solidFill>
+                <a:latin typeface="Inconsolata Medium" panose="020B0609030003000000" pitchFamily="49" charset="77"/>
+              </a:rPr>
+              <a:t>"two"</a:t>
+            </a:r>
+            <a:r>
+              <a:rPr lang="en-US" b="1" dirty="0">
+                <a:latin typeface="Inconsolata Medium" panose="020B0609030003000000" pitchFamily="49" charset="77"/>
+              </a:rPr>
+              <a:t>:</a:t>
+            </a:r>
+            <a:r>
+              <a:rPr lang="en-US" b="1" dirty="0">
+                <a:solidFill>
+                  <a:srgbClr val="FF6600"/>
+                </a:solidFill>
+                <a:latin typeface="Inconsolata Medium" panose="020B0609030003000000" pitchFamily="49" charset="77"/>
+              </a:rPr>
+              <a:t>2</a:t>
+            </a:r>
+            <a:r>
+              <a:rPr lang="en-US" b="1" dirty="0">
+                <a:latin typeface="Inconsolata Medium" panose="020B0609030003000000" pitchFamily="49" charset="77"/>
+              </a:rPr>
+              <a:t>, </a:t>
+            </a:r>
+            <a:r>
+              <a:rPr lang="en-US" b="1" dirty="0">
+                <a:solidFill>
+                  <a:srgbClr val="CC3300"/>
+                </a:solidFill>
+                <a:latin typeface="Inconsolata Medium" panose="020B0609030003000000" pitchFamily="49" charset="77"/>
+              </a:rPr>
+              <a:t>"three"</a:t>
+            </a:r>
+            <a:r>
+              <a:rPr lang="en-US" b="1" dirty="0">
+                <a:latin typeface="Inconsolata Medium" panose="020B0609030003000000" pitchFamily="49" charset="77"/>
+              </a:rPr>
+              <a:t>:</a:t>
+            </a:r>
+            <a:r>
+              <a:rPr lang="en-US" b="1" dirty="0">
+                <a:solidFill>
+                  <a:srgbClr val="FF6600"/>
+                </a:solidFill>
+                <a:latin typeface="Inconsolata Medium" panose="020B0609030003000000" pitchFamily="49" charset="77"/>
+              </a:rPr>
+              <a:t>3</a:t>
+            </a:r>
+            <a:r>
+              <a:rPr lang="en-US" b="1" dirty="0">
+                <a:latin typeface="Inconsolata Medium" panose="020B0609030003000000" pitchFamily="49" charset="77"/>
+              </a:rPr>
+              <a:t>} </a:t>
+            </a:r>
+            <a:endParaRPr lang="en-US" b="1" dirty="0">
+              <a:solidFill>
+                <a:srgbClr val="000087"/>
+              </a:solidFill>
+              <a:latin typeface="Inconsolata Medium" panose="020B0609030003000000" pitchFamily="49" charset="77"/>
+            </a:endParaRPr>
+          </a:p>
+          <a:p>
+            <a:pPr marL="0" indent="0">
+              <a:buNone/>
+            </a:pPr>
+            <a:r>
+              <a:rPr lang="en-US" b="1" dirty="0">
+                <a:solidFill>
+                  <a:srgbClr val="000087"/>
+                </a:solidFill>
+                <a:latin typeface="Inconsolata Medium" panose="020B0609030003000000" pitchFamily="49" charset="77"/>
+              </a:rPr>
+              <a:t>In </a:t>
+            </a:r>
+            <a:r>
+              <a:rPr lang="en-US" b="1" dirty="0">
+                <a:latin typeface="Inconsolata Medium" panose="020B0609030003000000" pitchFamily="49" charset="77"/>
+              </a:rPr>
+              <a:t>[</a:t>
+            </a:r>
+            <a:r>
+              <a:rPr lang="en-US" b="1" dirty="0">
+                <a:solidFill>
+                  <a:srgbClr val="FF6600"/>
+                </a:solidFill>
+                <a:latin typeface="Inconsolata Medium" panose="020B0609030003000000" pitchFamily="49" charset="77"/>
+              </a:rPr>
               <a:t>29</a:t>
             </a:r>
             <a:r>
               <a:rPr lang="en-US" b="1" dirty="0">
                 <a:latin typeface="Inconsolata Medium" panose="020B0609030003000000" pitchFamily="49" charset="77"/>
               </a:rPr>
-              <a:t>]: k = </a:t>
-            </a:r>
-            <a:r>
-              <a:rPr lang="en-US" b="1" dirty="0">
-                <a:solidFill>
-                  <a:srgbClr val="336666"/>
-                </a:solidFill>
-                <a:latin typeface="Inconsolata Medium" panose="020B0609030003000000" pitchFamily="49" charset="77"/>
-              </a:rPr>
-              <a:t>list</a:t>
-            </a:r>
-            <a:r>
-              <a:rPr lang="en-US" b="1" dirty="0">
-                <a:latin typeface="Inconsolata Medium" panose="020B0609030003000000" pitchFamily="49" charset="77"/>
-              </a:rPr>
-              <a:t>(</a:t>
-            </a:r>
-            <a:r>
-              <a:rPr lang="en-US" b="1" dirty="0" err="1">
-                <a:latin typeface="Inconsolata Medium" panose="020B0609030003000000" pitchFamily="49" charset="77"/>
-              </a:rPr>
-              <a:t>numbers.keys</a:t>
-            </a:r>
-            <a:r>
-              <a:rPr lang="en-US" b="1" dirty="0">
-                <a:latin typeface="Inconsolata Medium" panose="020B0609030003000000" pitchFamily="49" charset="77"/>
-              </a:rPr>
-              <a:t>())</a:t>
-            </a:r>
-          </a:p>
-          <a:p>
-            <a:pPr marL="0" indent="0">
-              <a:buNone/>
-            </a:pPr>
-            <a:r>
-              <a:rPr lang="en-US" b="1" dirty="0">
-                <a:solidFill>
-                  <a:srgbClr val="006699"/>
-                </a:solidFill>
-                <a:latin typeface="Inconsolata Medium" panose="020B0609030003000000" pitchFamily="49" charset="77"/>
-              </a:rPr>
-              <a:t>	    print</a:t>
-            </a:r>
-            <a:r>
-              <a:rPr lang="en-US" b="1" dirty="0">
-                <a:latin typeface="Inconsolata Medium" panose="020B0609030003000000" pitchFamily="49" charset="77"/>
-              </a:rPr>
-              <a:t>(k)</a:t>
-            </a:r>
-            <a:br>
-              <a:rPr lang="en-US" b="1" dirty="0">
-                <a:latin typeface="Inconsolata Medium" panose="020B0609030003000000" pitchFamily="49" charset="77"/>
-              </a:rPr>
-            </a:br>
-            <a:r>
-              <a:rPr lang="en-US" b="1" dirty="0">
-                <a:latin typeface="Inconsolata Medium" panose="020B0609030003000000" pitchFamily="49" charset="77"/>
-              </a:rPr>
-              <a:t>['one, 'two, 'three'] </a:t>
-            </a:r>
-          </a:p>
-          <a:p>
-            <a:pPr marL="0" indent="0">
-              <a:buNone/>
-            </a:pPr>
+              <a:t>]: </a:t>
+            </a:r>
+            <a:r>
+              <a:rPr lang="en-US" b="1" i="1" dirty="0">
+                <a:solidFill>
+                  <a:srgbClr val="33566B"/>
+                </a:solidFill>
+                <a:latin typeface="Inconsolata Medium" panose="020B0609030003000000" pitchFamily="49" charset="77"/>
+              </a:rPr>
+              <a:t># Set a new key/value pair </a:t>
+            </a:r>
+          </a:p>
+          <a:p>
+            <a:pPr marL="0" indent="0">
+              <a:buNone/>
+            </a:pPr>
+            <a:r>
+              <a:rPr lang="en-US" b="1" dirty="0">
+                <a:solidFill>
+                  <a:srgbClr val="000087"/>
+                </a:solidFill>
+                <a:latin typeface="Inconsolata Medium" panose="020B0609030003000000" pitchFamily="49" charset="77"/>
+              </a:rPr>
+              <a:t>In </a:t>
+            </a:r>
+            <a:r>
+              <a:rPr lang="en-US" b="1" dirty="0">
+                <a:latin typeface="Inconsolata Medium" panose="020B0609030003000000" pitchFamily="49" charset="77"/>
+              </a:rPr>
+              <a:t>[</a:t>
+            </a:r>
+            <a:r>
+              <a:rPr lang="en-US" b="1" dirty="0">
+                <a:solidFill>
+                  <a:srgbClr val="FF6600"/>
+                </a:solidFill>
+                <a:latin typeface="Inconsolata Medium" panose="020B0609030003000000" pitchFamily="49" charset="77"/>
+              </a:rPr>
+              <a:t>29</a:t>
+            </a:r>
+            <a:r>
+              <a:rPr lang="en-US" b="1" dirty="0">
+                <a:latin typeface="Inconsolata Medium" panose="020B0609030003000000" pitchFamily="49" charset="77"/>
+              </a:rPr>
+              <a:t>]</a:t>
+            </a:r>
+            <a:r>
+              <a:rPr lang="en-US" b="1" i="1" dirty="0">
+                <a:solidFill>
+                  <a:srgbClr val="33566B"/>
+                </a:solidFill>
+                <a:latin typeface="Inconsolata Medium" panose="020B0609030003000000" pitchFamily="49" charset="77"/>
+              </a:rPr>
+              <a:t>  </a:t>
+            </a:r>
+            <a:r>
+              <a:rPr lang="en-US" b="1" dirty="0">
+                <a:solidFill>
+                  <a:srgbClr val="000087"/>
+                </a:solidFill>
+                <a:latin typeface="Inconsolata Medium" panose="020B0609030003000000" pitchFamily="49" charset="77"/>
+              </a:rPr>
+              <a:t>numbers</a:t>
+            </a:r>
+            <a:r>
+              <a:rPr lang="en-US" b="1" dirty="0">
+                <a:latin typeface="Inconsolata Medium" panose="020B0609030003000000" pitchFamily="49" charset="77"/>
+              </a:rPr>
+              <a:t>[</a:t>
+            </a:r>
+            <a:r>
+              <a:rPr lang="en-US" b="1" dirty="0">
+                <a:solidFill>
+                  <a:srgbClr val="CC3300"/>
+                </a:solidFill>
+                <a:latin typeface="Inconsolata Medium" panose="020B0609030003000000" pitchFamily="49" charset="77"/>
+              </a:rPr>
+              <a:t>'ninety'</a:t>
+            </a:r>
+            <a:r>
+              <a:rPr lang="en-US" b="1" dirty="0">
+                <a:latin typeface="Inconsolata Medium" panose="020B0609030003000000" pitchFamily="49" charset="77"/>
+              </a:rPr>
+              <a:t>] </a:t>
+            </a:r>
+            <a:r>
+              <a:rPr lang="en-US" b="1" dirty="0">
+                <a:solidFill>
+                  <a:srgbClr val="545454"/>
+                </a:solidFill>
+                <a:latin typeface="Inconsolata Medium" panose="020B0609030003000000" pitchFamily="49" charset="77"/>
+              </a:rPr>
+              <a:t>= </a:t>
+            </a:r>
+            <a:r>
+              <a:rPr lang="en-US" b="1" dirty="0">
+                <a:solidFill>
+                  <a:srgbClr val="FF6600"/>
+                </a:solidFill>
+                <a:latin typeface="Inconsolata Medium" panose="020B0609030003000000" pitchFamily="49" charset="77"/>
+              </a:rPr>
+              <a:t>90 </a:t>
+            </a:r>
             <a:endParaRPr lang="en-US" b="1" dirty="0">
               <a:latin typeface="Inconsolata Medium" panose="020B0609030003000000" pitchFamily="49" charset="77"/>
             </a:endParaRPr>
@@ -5631,16 +5175,16 @@
               <a:rPr lang="en-US" b="1" dirty="0">
                 <a:latin typeface="Inconsolata Medium" panose="020B0609030003000000" pitchFamily="49" charset="77"/>
               </a:rPr>
-              <a:t>]: k = </a:t>
-            </a:r>
-            <a:r>
-              <a:rPr lang="en-US" b="1" dirty="0">
-                <a:solidFill>
-                  <a:srgbClr val="336666"/>
-                </a:solidFill>
-                <a:latin typeface="Inconsolata Medium" panose="020B0609030003000000" pitchFamily="49" charset="77"/>
-              </a:rPr>
-              <a:t>list</a:t>
+              <a:t>]</a:t>
+            </a:r>
+            <a:r>
+              <a:rPr lang="en-US" b="1" dirty="0">
+                <a:solidFill>
+                  <a:srgbClr val="006699"/>
+                </a:solidFill>
+                <a:latin typeface="Inconsolata Medium" panose="020B0609030003000000" pitchFamily="49" charset="77"/>
+              </a:rPr>
+              <a:t>  print</a:t>
             </a:r>
             <a:r>
               <a:rPr lang="en-US" b="1" dirty="0">
@@ -5649,77 +5193,150 @@
               <a:t>(</a:t>
             </a:r>
             <a:r>
-              <a:rPr lang="en-US" b="1" dirty="0" err="1">
-                <a:latin typeface="Inconsolata Medium" panose="020B0609030003000000" pitchFamily="49" charset="77"/>
-              </a:rPr>
-              <a:t>numbers.values</a:t>
-            </a:r>
-            <a:r>
-              <a:rPr lang="en-US" b="1" dirty="0">
-                <a:latin typeface="Inconsolata Medium" panose="020B0609030003000000" pitchFamily="49" charset="77"/>
-              </a:rPr>
-              <a:t>())</a:t>
-            </a:r>
-          </a:p>
-          <a:p>
-            <a:pPr marL="0" indent="0">
-              <a:buNone/>
-            </a:pPr>
-            <a:r>
-              <a:rPr lang="en-US" b="1" dirty="0">
-                <a:solidFill>
-                  <a:srgbClr val="006699"/>
-                </a:solidFill>
-                <a:latin typeface="Inconsolata Medium" panose="020B0609030003000000" pitchFamily="49" charset="77"/>
-              </a:rPr>
-              <a:t>	    print</a:t>
-            </a:r>
-            <a:r>
-              <a:rPr lang="en-US" b="1" dirty="0">
-                <a:latin typeface="Inconsolata Medium" panose="020B0609030003000000" pitchFamily="49" charset="77"/>
-              </a:rPr>
-              <a:t>(k)</a:t>
-            </a:r>
-          </a:p>
-          <a:p>
-            <a:pPr marL="0" indent="0">
-              <a:buNone/>
-            </a:pPr>
+              <a:rPr lang="en-US" b="1" dirty="0">
+                <a:solidFill>
+                  <a:srgbClr val="000087"/>
+                </a:solidFill>
+                <a:latin typeface="Inconsolata Medium" panose="020B0609030003000000" pitchFamily="49" charset="77"/>
+              </a:rPr>
+              <a:t>numbers</a:t>
+            </a:r>
+            <a:r>
+              <a:rPr lang="en-US" b="1" dirty="0">
+                <a:latin typeface="Inconsolata Medium" panose="020B0609030003000000" pitchFamily="49" charset="77"/>
+              </a:rPr>
+              <a:t>)</a:t>
+            </a:r>
             <a:br>
-              <a:rPr lang="en-US" b="1">
+              <a:rPr lang="en-US" b="1" dirty="0">
                 <a:latin typeface="Inconsolata Medium" panose="020B0609030003000000" pitchFamily="49" charset="77"/>
               </a:rPr>
             </a:br>
             <a:r>
-              <a:rPr lang="en-US" b="1">
-                <a:latin typeface="Inconsolata Medium" panose="020B0609030003000000" pitchFamily="49" charset="77"/>
-              </a:rPr>
-              <a:t>[1, </a:t>
-            </a:r>
-            <a:r>
-              <a:rPr lang="en-US" b="1" dirty="0">
-                <a:latin typeface="Inconsolata Medium" panose="020B0609030003000000" pitchFamily="49" charset="77"/>
-              </a:rPr>
-              <a:t>2</a:t>
-            </a:r>
-            <a:r>
-              <a:rPr lang="en-US" b="1">
-                <a:latin typeface="Inconsolata Medium" panose="020B0609030003000000" pitchFamily="49" charset="77"/>
-              </a:rPr>
-              <a:t>, </a:t>
-            </a:r>
-            <a:r>
-              <a:rPr lang="en-US" b="1" dirty="0">
-                <a:latin typeface="Inconsolata Medium" panose="020B0609030003000000" pitchFamily="49" charset="77"/>
-              </a:rPr>
-              <a:t>3</a:t>
-            </a:r>
-            <a:r>
-              <a:rPr lang="en-US" b="1">
+              <a:rPr lang="en-US" b="1" dirty="0">
+                <a:latin typeface="Inconsolata Medium" panose="020B0609030003000000" pitchFamily="49" charset="77"/>
+              </a:rPr>
+              <a:t>{'one': 1, 'two': 2, 'three': 3, 'ninety': 90} </a:t>
+            </a:r>
+          </a:p>
+          <a:p>
+            <a:pPr marL="0" indent="0">
+              <a:buNone/>
+            </a:pPr>
+            <a:endParaRPr lang="en-US" b="1" dirty="0">
+              <a:latin typeface="Inconsolata Medium" panose="020B0609030003000000" pitchFamily="49" charset="77"/>
+            </a:endParaRPr>
+          </a:p>
+          <a:p>
+            <a:pPr marL="0" indent="0">
+              <a:buNone/>
+            </a:pPr>
+            <a:r>
+              <a:rPr lang="en-US" b="1" dirty="0">
+                <a:solidFill>
+                  <a:srgbClr val="000087"/>
+                </a:solidFill>
+                <a:latin typeface="Inconsolata Medium" panose="020B0609030003000000" pitchFamily="49" charset="77"/>
+              </a:rPr>
+              <a:t>In </a:t>
+            </a:r>
+            <a:r>
+              <a:rPr lang="en-US" b="1" dirty="0">
+                <a:latin typeface="Inconsolata Medium" panose="020B0609030003000000" pitchFamily="49" charset="77"/>
+              </a:rPr>
+              <a:t>[</a:t>
+            </a:r>
+            <a:r>
+              <a:rPr lang="en-US" b="1" dirty="0">
+                <a:solidFill>
+                  <a:srgbClr val="FF6600"/>
+                </a:solidFill>
+                <a:latin typeface="Inconsolata Medium" panose="020B0609030003000000" pitchFamily="49" charset="77"/>
+              </a:rPr>
+              <a:t>29</a:t>
+            </a:r>
+            <a:r>
+              <a:rPr lang="en-US" b="1" dirty="0">
+                <a:latin typeface="Inconsolata Medium" panose="020B0609030003000000" pitchFamily="49" charset="77"/>
+              </a:rPr>
+              <a:t>]: </a:t>
+            </a:r>
+            <a:r>
+              <a:rPr lang="en-US" b="1" dirty="0">
+                <a:solidFill>
+                  <a:srgbClr val="000087"/>
+                </a:solidFill>
+                <a:latin typeface="Inconsolata Medium" panose="020B0609030003000000" pitchFamily="49" charset="77"/>
+              </a:rPr>
+              <a:t>numbers</a:t>
+            </a:r>
+            <a:r>
+              <a:rPr lang="en-US" b="1" dirty="0">
+                <a:latin typeface="Inconsolata Medium" panose="020B0609030003000000" pitchFamily="49" charset="77"/>
+              </a:rPr>
+              <a:t>[</a:t>
+            </a:r>
+            <a:r>
+              <a:rPr lang="en-US" b="1" dirty="0">
+                <a:solidFill>
+                  <a:srgbClr val="CC3300"/>
+                </a:solidFill>
+                <a:latin typeface="Inconsolata Medium" panose="020B0609030003000000" pitchFamily="49" charset="77"/>
+              </a:rPr>
+              <a:t>'four'</a:t>
+            </a:r>
+            <a:r>
+              <a:rPr lang="en-US" b="1" dirty="0">
                 <a:latin typeface="Inconsolata Medium" panose="020B0609030003000000" pitchFamily="49" charset="77"/>
               </a:rPr>
               <a:t>] </a:t>
             </a:r>
+            <a:r>
+              <a:rPr lang="en-US" sz="2000" b="1" dirty="0">
+                <a:solidFill>
+                  <a:srgbClr val="33566B"/>
+                </a:solidFill>
+                <a:latin typeface="Inconsolata Medium" panose="020B0609030003000000" pitchFamily="49" charset="77"/>
+              </a:rPr>
+              <a:t># </a:t>
+            </a:r>
+            <a:r>
+              <a:rPr lang="en-US" sz="2000" b="1" dirty="0" err="1">
+                <a:solidFill>
+                  <a:srgbClr val="33566B"/>
+                </a:solidFill>
+                <a:latin typeface="Inconsolata Medium" panose="020B0609030003000000" pitchFamily="49" charset="77"/>
+              </a:rPr>
+              <a:t>KeyError</a:t>
+            </a:r>
+            <a:r>
+              <a:rPr lang="en-US" sz="2000" b="1" dirty="0">
+                <a:solidFill>
+                  <a:srgbClr val="33566B"/>
+                </a:solidFill>
+                <a:latin typeface="Inconsolata Medium" panose="020B0609030003000000" pitchFamily="49" charset="77"/>
+              </a:rPr>
+              <a:t>, 'four' not set as key</a:t>
+            </a:r>
+            <a:endParaRPr lang="en-US" sz="2000" b="1" dirty="0">
+              <a:latin typeface="Inconsolata Medium" panose="020B0609030003000000" pitchFamily="49" charset="77"/>
+            </a:endParaRPr>
+          </a:p>
+          <a:p>
+            <a:pPr marL="0" indent="0">
+              <a:buNone/>
+            </a:pPr>
+            <a:endParaRPr lang="en-US" b="1" i="1" dirty="0">
+              <a:solidFill>
+                <a:srgbClr val="33566B"/>
+              </a:solidFill>
+              <a:latin typeface="Inconsolata Medium" panose="020B0609030003000000" pitchFamily="49" charset="77"/>
+            </a:endParaRPr>
+          </a:p>
+          <a:p>
+            <a:pPr marL="0" indent="0">
+              <a:buNone/>
+            </a:pPr>
             <a:endParaRPr lang="en-US" b="1" dirty="0">
               <a:latin typeface="Inconsolata Medium" panose="020B0609030003000000" pitchFamily="49" charset="77"/>
             </a:endParaRPr>
@@ -5776,7 +5393,7 @@
     </p:spTree>
     <p:extLst>
       <p:ext uri="{BB962C8B-B14F-4D97-AF65-F5344CB8AC3E}">
-        <p14:creationId xmlns:p14="http://schemas.microsoft.com/office/powerpoint/2010/main" val="2648987374"/>
+        <p14:creationId xmlns:p14="http://schemas.microsoft.com/office/powerpoint/2010/main" val="18163085"/>
       </p:ext>
     </p:extLst>
   </p:cSld>
@@ -5830,10 +5447,9 @@
           <a:lstStyle/>
           <a:p>
             <a:r>
-              <a:rPr lang="en-US" dirty="0" err="1"/>
-              <a:t>Iterables</a:t>
-            </a:r>
-            <a:endParaRPr lang="en-US" dirty="0"/>
+              <a:rPr lang="en-US" dirty="0"/>
+              <a:t>Dictionaries</a:t>
+            </a:r>
           </a:p>
         </p:txBody>
       </p:sp>
@@ -5869,12 +5485,336 @@
               <a:buNone/>
             </a:pPr>
             <a:r>
-              <a:rPr lang="en-US" dirty="0"/>
-              <a:t>It is easy to iterate over keys of the dictionary. </a:t>
-            </a:r>
+              <a:rPr lang="en-US" sz="2400" dirty="0"/>
+              <a:t>Modifying dictionary. </a:t>
+            </a:r>
+          </a:p>
+          <a:p>
+            <a:pPr marL="0" indent="0">
+              <a:buNone/>
+            </a:pPr>
             <a:endParaRPr lang="en-US" b="1" dirty="0">
+              <a:latin typeface="Inconsolata Medium" panose="020B0609030003000000" pitchFamily="49" charset="77"/>
+            </a:endParaRPr>
+          </a:p>
+          <a:p>
+            <a:pPr marL="0" indent="0">
+              <a:buNone/>
+            </a:pPr>
+            <a:r>
+              <a:rPr lang="en-US" b="1" dirty="0">
+                <a:solidFill>
+                  <a:srgbClr val="000087"/>
+                </a:solidFill>
+                <a:latin typeface="Inconsolata Medium" panose="020B0609030003000000" pitchFamily="49" charset="77"/>
+              </a:rPr>
+              <a:t>In </a:t>
+            </a:r>
+            <a:r>
+              <a:rPr lang="en-US" b="1" dirty="0">
+                <a:latin typeface="Inconsolata Medium" panose="020B0609030003000000" pitchFamily="49" charset="77"/>
+              </a:rPr>
+              <a:t>[</a:t>
+            </a:r>
+            <a:r>
+              <a:rPr lang="en-US" b="1" dirty="0">
+                <a:solidFill>
+                  <a:srgbClr val="FF6600"/>
+                </a:solidFill>
+                <a:latin typeface="Inconsolata Medium" panose="020B0609030003000000" pitchFamily="49" charset="77"/>
+              </a:rPr>
+              <a:t>27</a:t>
+            </a:r>
+            <a:r>
+              <a:rPr lang="en-US" b="1" dirty="0">
+                <a:latin typeface="Inconsolata Medium" panose="020B0609030003000000" pitchFamily="49" charset="77"/>
+              </a:rPr>
+              <a:t>]: </a:t>
+            </a:r>
+            <a:r>
+              <a:rPr lang="en-US" b="1" dirty="0">
+                <a:solidFill>
+                  <a:srgbClr val="000087"/>
+                </a:solidFill>
+                <a:latin typeface="Inconsolata Medium" panose="020B0609030003000000" pitchFamily="49" charset="77"/>
+              </a:rPr>
+              <a:t>numbers </a:t>
+            </a:r>
+            <a:r>
+              <a:rPr lang="en-US" b="1" dirty="0">
+                <a:solidFill>
+                  <a:srgbClr val="545454"/>
+                </a:solidFill>
+                <a:latin typeface="Inconsolata Medium" panose="020B0609030003000000" pitchFamily="49" charset="77"/>
+              </a:rPr>
+              <a:t>= </a:t>
+            </a:r>
+            <a:r>
+              <a:rPr lang="en-US" b="1" dirty="0">
+                <a:latin typeface="Inconsolata Medium" panose="020B0609030003000000" pitchFamily="49" charset="77"/>
+              </a:rPr>
+              <a:t>{</a:t>
+            </a:r>
+            <a:r>
+              <a:rPr lang="en-US" b="1" dirty="0">
+                <a:solidFill>
+                  <a:srgbClr val="CC3300"/>
+                </a:solidFill>
+                <a:latin typeface="Inconsolata Medium" panose="020B0609030003000000" pitchFamily="49" charset="77"/>
+              </a:rPr>
+              <a:t>"one"</a:t>
+            </a:r>
+            <a:r>
+              <a:rPr lang="en-US" b="1" dirty="0">
+                <a:latin typeface="Inconsolata Medium" panose="020B0609030003000000" pitchFamily="49" charset="77"/>
+              </a:rPr>
+              <a:t>:</a:t>
+            </a:r>
+            <a:r>
+              <a:rPr lang="en-US" b="1" dirty="0">
+                <a:solidFill>
+                  <a:srgbClr val="FF6600"/>
+                </a:solidFill>
+                <a:latin typeface="Inconsolata Medium" panose="020B0609030003000000" pitchFamily="49" charset="77"/>
+              </a:rPr>
+              <a:t>1</a:t>
+            </a:r>
+            <a:r>
+              <a:rPr lang="en-US" b="1" dirty="0">
+                <a:latin typeface="Inconsolata Medium" panose="020B0609030003000000" pitchFamily="49" charset="77"/>
+              </a:rPr>
+              <a:t>, </a:t>
+            </a:r>
+            <a:r>
+              <a:rPr lang="en-US" b="1" dirty="0">
+                <a:solidFill>
+                  <a:srgbClr val="CC3300"/>
+                </a:solidFill>
+                <a:latin typeface="Inconsolata Medium" panose="020B0609030003000000" pitchFamily="49" charset="77"/>
+              </a:rPr>
+              <a:t>"two"</a:t>
+            </a:r>
+            <a:r>
+              <a:rPr lang="en-US" b="1" dirty="0">
+                <a:latin typeface="Inconsolata Medium" panose="020B0609030003000000" pitchFamily="49" charset="77"/>
+              </a:rPr>
+              <a:t>:</a:t>
+            </a:r>
+            <a:r>
+              <a:rPr lang="en-US" b="1" dirty="0">
+                <a:solidFill>
+                  <a:srgbClr val="FF6600"/>
+                </a:solidFill>
+                <a:latin typeface="Inconsolata Medium" panose="020B0609030003000000" pitchFamily="49" charset="77"/>
+              </a:rPr>
+              <a:t>2</a:t>
+            </a:r>
+            <a:r>
+              <a:rPr lang="en-US" b="1" dirty="0">
+                <a:latin typeface="Inconsolata Medium" panose="020B0609030003000000" pitchFamily="49" charset="77"/>
+              </a:rPr>
+              <a:t>, </a:t>
+            </a:r>
+            <a:r>
+              <a:rPr lang="en-US" b="1" dirty="0">
+                <a:solidFill>
+                  <a:srgbClr val="CC3300"/>
+                </a:solidFill>
+                <a:latin typeface="Inconsolata Medium" panose="020B0609030003000000" pitchFamily="49" charset="77"/>
+              </a:rPr>
+              <a:t>"three"</a:t>
+            </a:r>
+            <a:r>
+              <a:rPr lang="en-US" b="1" dirty="0">
+                <a:latin typeface="Inconsolata Medium" panose="020B0609030003000000" pitchFamily="49" charset="77"/>
+              </a:rPr>
+              <a:t>:</a:t>
+            </a:r>
+            <a:r>
+              <a:rPr lang="en-US" b="1" dirty="0">
+                <a:solidFill>
+                  <a:srgbClr val="FF6600"/>
+                </a:solidFill>
+                <a:latin typeface="Inconsolata Medium" panose="020B0609030003000000" pitchFamily="49" charset="77"/>
+              </a:rPr>
+              <a:t>3</a:t>
+            </a:r>
+            <a:r>
+              <a:rPr lang="en-US" b="1" dirty="0">
+                <a:latin typeface="Inconsolata Medium" panose="020B0609030003000000" pitchFamily="49" charset="77"/>
+              </a:rPr>
+              <a:t>} </a:t>
+            </a:r>
+          </a:p>
+          <a:p>
+            <a:pPr marL="0" indent="0">
+              <a:buNone/>
+            </a:pPr>
+            <a:r>
+              <a:rPr lang="en-US" b="1" dirty="0">
+                <a:solidFill>
+                  <a:srgbClr val="000087"/>
+                </a:solidFill>
+                <a:latin typeface="Inconsolata Medium" panose="020B0609030003000000" pitchFamily="49" charset="77"/>
+              </a:rPr>
+              <a:t>In </a:t>
+            </a:r>
+            <a:r>
+              <a:rPr lang="en-US" b="1" dirty="0">
+                <a:latin typeface="Inconsolata Medium" panose="020B0609030003000000" pitchFamily="49" charset="77"/>
+              </a:rPr>
+              <a:t>[</a:t>
+            </a:r>
+            <a:r>
+              <a:rPr lang="en-US" b="1" dirty="0">
+                <a:solidFill>
+                  <a:srgbClr val="FF6600"/>
+                </a:solidFill>
+                <a:latin typeface="Inconsolata Medium" panose="020B0609030003000000" pitchFamily="49" charset="77"/>
+              </a:rPr>
+              <a:t>29</a:t>
+            </a:r>
+            <a:r>
+              <a:rPr lang="en-US" b="1" dirty="0">
+                <a:latin typeface="Inconsolata Medium" panose="020B0609030003000000" pitchFamily="49" charset="77"/>
+              </a:rPr>
+              <a:t>]: </a:t>
+            </a:r>
+            <a:r>
+              <a:rPr lang="en-US" b="1" dirty="0">
+                <a:solidFill>
+                  <a:srgbClr val="000087"/>
+                </a:solidFill>
+                <a:latin typeface="Inconsolata Medium" panose="020B0609030003000000" pitchFamily="49" charset="77"/>
+              </a:rPr>
+              <a:t>numbers</a:t>
+            </a:r>
+            <a:r>
+              <a:rPr lang="en-US" b="1" dirty="0">
+                <a:latin typeface="Inconsolata Medium" panose="020B0609030003000000" pitchFamily="49" charset="77"/>
+              </a:rPr>
+              <a:t>[</a:t>
+            </a:r>
+            <a:r>
+              <a:rPr lang="en-US" b="1" dirty="0">
+                <a:solidFill>
+                  <a:srgbClr val="CC3300"/>
+                </a:solidFill>
+                <a:latin typeface="Inconsolata Medium" panose="020B0609030003000000" pitchFamily="49" charset="77"/>
+              </a:rPr>
+              <a:t>'one'</a:t>
+            </a:r>
+            <a:r>
+              <a:rPr lang="en-US" b="1" dirty="0">
+                <a:latin typeface="Inconsolata Medium" panose="020B0609030003000000" pitchFamily="49" charset="77"/>
+              </a:rPr>
+              <a:t>] +</a:t>
+            </a:r>
+            <a:r>
+              <a:rPr lang="en-US" b="1" dirty="0">
+                <a:solidFill>
+                  <a:srgbClr val="545454"/>
+                </a:solidFill>
+                <a:latin typeface="Inconsolata Medium" panose="020B0609030003000000" pitchFamily="49" charset="77"/>
+              </a:rPr>
+              <a:t>= </a:t>
+            </a:r>
+            <a:r>
+              <a:rPr lang="en-US" b="1" dirty="0">
+                <a:solidFill>
+                  <a:srgbClr val="FF6600"/>
+                </a:solidFill>
+                <a:latin typeface="Inconsolata Medium" panose="020B0609030003000000" pitchFamily="49" charset="77"/>
+              </a:rPr>
+              <a:t>5 </a:t>
+            </a:r>
+            <a:endParaRPr lang="en-US" b="1" dirty="0">
+              <a:latin typeface="Inconsolata Medium" panose="020B0609030003000000" pitchFamily="49" charset="77"/>
+            </a:endParaRPr>
+          </a:p>
+          <a:p>
+            <a:pPr marL="0" indent="0">
+              <a:buNone/>
+            </a:pPr>
+            <a:r>
+              <a:rPr lang="en-US" b="1" dirty="0">
+                <a:solidFill>
+                  <a:srgbClr val="000087"/>
+                </a:solidFill>
+                <a:latin typeface="Inconsolata Medium" panose="020B0609030003000000" pitchFamily="49" charset="77"/>
+              </a:rPr>
+              <a:t>In </a:t>
+            </a:r>
+            <a:r>
+              <a:rPr lang="en-US" b="1" dirty="0">
+                <a:latin typeface="Inconsolata Medium" panose="020B0609030003000000" pitchFamily="49" charset="77"/>
+              </a:rPr>
+              <a:t>[</a:t>
+            </a:r>
+            <a:r>
+              <a:rPr lang="en-US" b="1" dirty="0">
+                <a:solidFill>
+                  <a:srgbClr val="FF6600"/>
+                </a:solidFill>
+                <a:latin typeface="Inconsolata Medium" panose="020B0609030003000000" pitchFamily="49" charset="77"/>
+              </a:rPr>
+              <a:t>29</a:t>
+            </a:r>
+            <a:r>
+              <a:rPr lang="en-US" b="1" dirty="0">
+                <a:latin typeface="Inconsolata Medium" panose="020B0609030003000000" pitchFamily="49" charset="77"/>
+              </a:rPr>
+              <a:t>]</a:t>
+            </a:r>
+            <a:r>
+              <a:rPr lang="en-US" b="1" dirty="0">
+                <a:solidFill>
+                  <a:srgbClr val="006699"/>
+                </a:solidFill>
+                <a:latin typeface="Inconsolata Medium" panose="020B0609030003000000" pitchFamily="49" charset="77"/>
+              </a:rPr>
+              <a:t>  print</a:t>
+            </a:r>
+            <a:r>
+              <a:rPr lang="en-US" b="1" dirty="0">
+                <a:latin typeface="Inconsolata Medium" panose="020B0609030003000000" pitchFamily="49" charset="77"/>
+              </a:rPr>
+              <a:t>(</a:t>
+            </a:r>
+            <a:r>
+              <a:rPr lang="en-US" b="1" dirty="0">
+                <a:solidFill>
+                  <a:srgbClr val="000087"/>
+                </a:solidFill>
+                <a:latin typeface="Inconsolata Medium" panose="020B0609030003000000" pitchFamily="49" charset="77"/>
+              </a:rPr>
+              <a:t>numbers</a:t>
+            </a:r>
+            <a:r>
+              <a:rPr lang="en-US" b="1" dirty="0">
+                <a:latin typeface="Inconsolata Medium" panose="020B0609030003000000" pitchFamily="49" charset="77"/>
+              </a:rPr>
+              <a:t>)</a:t>
+            </a:r>
+            <a:br>
+              <a:rPr lang="en-US" b="1" dirty="0">
+                <a:latin typeface="Inconsolata Medium" panose="020B0609030003000000" pitchFamily="49" charset="77"/>
+              </a:rPr>
+            </a:br>
+            <a:r>
+              <a:rPr lang="en-US" b="1" dirty="0">
+                <a:latin typeface="Inconsolata Medium" panose="020B0609030003000000" pitchFamily="49" charset="77"/>
+              </a:rPr>
+              <a:t>{'one': 6, 'two': 2, 'three': 3} </a:t>
+            </a:r>
+          </a:p>
+          <a:p>
+            <a:pPr marL="0" indent="0">
+              <a:buNone/>
+            </a:pPr>
+            <a:endParaRPr lang="en-US" b="1" i="1" dirty="0">
               <a:solidFill>
-                <a:srgbClr val="000087"/>
+                <a:srgbClr val="33566B"/>
               </a:solidFill>
               <a:latin typeface="Inconsolata Medium" panose="020B0609030003000000" pitchFamily="49" charset="77"/>
             </a:endParaRPr>
@@ -5884,9 +5824,6 @@
               <a:buNone/>
             </a:pPr>
             <a:endParaRPr lang="en-US" b="1" dirty="0">
-              <a:solidFill>
-                <a:srgbClr val="000087"/>
-              </a:solidFill>
               <a:latin typeface="Inconsolata Medium" panose="020B0609030003000000" pitchFamily="49" charset="77"/>
             </a:endParaRPr>
           </a:p>
@@ -5894,262 +5831,27 @@
             <a:pPr marL="0" indent="0">
               <a:buNone/>
             </a:pPr>
-            <a:r>
-              <a:rPr lang="en-US" b="1" dirty="0">
-                <a:solidFill>
-                  <a:srgbClr val="000087"/>
-                </a:solidFill>
-                <a:latin typeface="Inconsolata Medium" panose="020B0609030003000000" pitchFamily="49" charset="77"/>
-              </a:rPr>
-              <a:t>In </a:t>
-            </a:r>
-            <a:r>
-              <a:rPr lang="en-US" b="1" dirty="0">
-                <a:latin typeface="Inconsolata Medium" panose="020B0609030003000000" pitchFamily="49" charset="77"/>
-              </a:rPr>
-              <a:t>[</a:t>
-            </a:r>
-            <a:r>
-              <a:rPr lang="en-US" b="1" dirty="0">
-                <a:solidFill>
-                  <a:srgbClr val="FF6600"/>
-                </a:solidFill>
-                <a:latin typeface="Inconsolata Medium" panose="020B0609030003000000" pitchFamily="49" charset="77"/>
-              </a:rPr>
-              <a:t>27</a:t>
-            </a:r>
-            <a:r>
-              <a:rPr lang="en-US" b="1" dirty="0">
-                <a:latin typeface="Inconsolata Medium" panose="020B0609030003000000" pitchFamily="49" charset="77"/>
-              </a:rPr>
-              <a:t>]: </a:t>
-            </a:r>
-            <a:r>
-              <a:rPr lang="en-US" b="1" dirty="0">
-                <a:solidFill>
-                  <a:srgbClr val="000087"/>
-                </a:solidFill>
-                <a:latin typeface="Inconsolata Medium" panose="020B0609030003000000" pitchFamily="49" charset="77"/>
-              </a:rPr>
-              <a:t>numbers </a:t>
-            </a:r>
-            <a:r>
-              <a:rPr lang="en-US" b="1" dirty="0">
-                <a:solidFill>
-                  <a:srgbClr val="545454"/>
-                </a:solidFill>
-                <a:latin typeface="Inconsolata Medium" panose="020B0609030003000000" pitchFamily="49" charset="77"/>
-              </a:rPr>
-              <a:t>= </a:t>
-            </a:r>
-            <a:r>
-              <a:rPr lang="en-US" b="1" dirty="0">
-                <a:latin typeface="Inconsolata Medium" panose="020B0609030003000000" pitchFamily="49" charset="77"/>
-              </a:rPr>
-              <a:t>{</a:t>
-            </a:r>
-            <a:r>
-              <a:rPr lang="en-US" b="1" dirty="0">
-                <a:solidFill>
-                  <a:srgbClr val="CC3300"/>
-                </a:solidFill>
-                <a:latin typeface="Inconsolata Medium" panose="020B0609030003000000" pitchFamily="49" charset="77"/>
-              </a:rPr>
-              <a:t>'one'</a:t>
-            </a:r>
-            <a:r>
-              <a:rPr lang="en-US" b="1" dirty="0">
-                <a:latin typeface="Inconsolata Medium" panose="020B0609030003000000" pitchFamily="49" charset="77"/>
-              </a:rPr>
-              <a:t>:</a:t>
-            </a:r>
-            <a:r>
-              <a:rPr lang="en-US" b="1" dirty="0">
-                <a:solidFill>
-                  <a:srgbClr val="FF6600"/>
-                </a:solidFill>
-                <a:latin typeface="Inconsolata Medium" panose="020B0609030003000000" pitchFamily="49" charset="77"/>
-              </a:rPr>
-              <a:t>1</a:t>
-            </a:r>
-            <a:r>
-              <a:rPr lang="en-US" b="1" dirty="0">
-                <a:latin typeface="Inconsolata Medium" panose="020B0609030003000000" pitchFamily="49" charset="77"/>
-              </a:rPr>
-              <a:t>, </a:t>
-            </a:r>
-            <a:r>
-              <a:rPr lang="en-US" b="1" dirty="0">
-                <a:solidFill>
-                  <a:srgbClr val="CC3300"/>
-                </a:solidFill>
-                <a:latin typeface="Inconsolata Medium" panose="020B0609030003000000" pitchFamily="49" charset="77"/>
-              </a:rPr>
-              <a:t>'two'</a:t>
-            </a:r>
-            <a:r>
-              <a:rPr lang="en-US" b="1" dirty="0">
-                <a:latin typeface="Inconsolata Medium" panose="020B0609030003000000" pitchFamily="49" charset="77"/>
-              </a:rPr>
-              <a:t>:</a:t>
-            </a:r>
-            <a:r>
-              <a:rPr lang="en-US" b="1" dirty="0">
-                <a:solidFill>
-                  <a:srgbClr val="FF6600"/>
-                </a:solidFill>
-                <a:latin typeface="Inconsolata Medium" panose="020B0609030003000000" pitchFamily="49" charset="77"/>
-              </a:rPr>
-              <a:t>2</a:t>
-            </a:r>
-            <a:r>
-              <a:rPr lang="en-US" b="1" dirty="0">
-                <a:latin typeface="Inconsolata Medium" panose="020B0609030003000000" pitchFamily="49" charset="77"/>
-              </a:rPr>
-              <a:t>, </a:t>
-            </a:r>
-            <a:r>
-              <a:rPr lang="en-US" b="1" dirty="0">
-                <a:solidFill>
-                  <a:srgbClr val="CC3300"/>
-                </a:solidFill>
-                <a:latin typeface="Inconsolata Medium" panose="020B0609030003000000" pitchFamily="49" charset="77"/>
-              </a:rPr>
-              <a:t>'three'</a:t>
-            </a:r>
-            <a:r>
-              <a:rPr lang="en-US" b="1" dirty="0">
-                <a:latin typeface="Inconsolata Medium" panose="020B0609030003000000" pitchFamily="49" charset="77"/>
-              </a:rPr>
-              <a:t>:</a:t>
-            </a:r>
-            <a:r>
-              <a:rPr lang="en-US" b="1" dirty="0">
-                <a:solidFill>
-                  <a:srgbClr val="FF6600"/>
-                </a:solidFill>
-                <a:latin typeface="Inconsolata Medium" panose="020B0609030003000000" pitchFamily="49" charset="77"/>
-              </a:rPr>
-              <a:t>3</a:t>
-            </a:r>
-            <a:r>
-              <a:rPr lang="en-US" b="1" dirty="0">
-                <a:latin typeface="Inconsolata Medium" panose="020B0609030003000000" pitchFamily="49" charset="77"/>
-              </a:rPr>
-              <a:t>} </a:t>
-            </a:r>
-          </a:p>
-          <a:p>
-            <a:pPr marL="0" indent="0">
-              <a:buNone/>
-            </a:pPr>
-            <a:r>
-              <a:rPr lang="en-US" b="1" dirty="0">
-                <a:solidFill>
-                  <a:srgbClr val="006699"/>
-                </a:solidFill>
-                <a:latin typeface="Inconsolata Medium" panose="020B0609030003000000" pitchFamily="49" charset="77"/>
-              </a:rPr>
-              <a:t>	    for </a:t>
-            </a:r>
-            <a:r>
-              <a:rPr lang="en-US" b="1" dirty="0">
-                <a:solidFill>
-                  <a:srgbClr val="000087"/>
-                </a:solidFill>
-                <a:latin typeface="Inconsolata Medium" panose="020B0609030003000000" pitchFamily="49" charset="77"/>
-              </a:rPr>
-              <a:t>x </a:t>
-            </a:r>
-            <a:r>
-              <a:rPr lang="en-US" b="1" dirty="0">
-                <a:latin typeface="Inconsolata Medium" panose="020B0609030003000000" pitchFamily="49" charset="77"/>
-              </a:rPr>
-              <a:t>in </a:t>
-            </a:r>
-            <a:r>
-              <a:rPr lang="en-US" b="1" dirty="0">
-                <a:solidFill>
-                  <a:srgbClr val="336666"/>
-                </a:solidFill>
-                <a:latin typeface="Inconsolata Medium" panose="020B0609030003000000" pitchFamily="49" charset="77"/>
-              </a:rPr>
-              <a:t>numbers</a:t>
-            </a:r>
-            <a:r>
-              <a:rPr lang="en-US" b="1" dirty="0">
-                <a:latin typeface="Inconsolata Medium" panose="020B0609030003000000" pitchFamily="49" charset="77"/>
-              </a:rPr>
-              <a:t>: </a:t>
-            </a:r>
-          </a:p>
-          <a:p>
-            <a:pPr marL="0" indent="0">
-              <a:buNone/>
-            </a:pPr>
-            <a:r>
-              <a:rPr lang="en-US" b="1" dirty="0">
-                <a:solidFill>
-                  <a:srgbClr val="006699"/>
-                </a:solidFill>
-                <a:latin typeface="Inconsolata Medium" panose="020B0609030003000000" pitchFamily="49" charset="77"/>
-              </a:rPr>
-              <a:t>		  print</a:t>
-            </a:r>
-            <a:r>
-              <a:rPr lang="en-US" b="1" dirty="0">
-                <a:latin typeface="Inconsolata Medium" panose="020B0609030003000000" pitchFamily="49" charset="77"/>
-              </a:rPr>
-              <a:t>(</a:t>
-            </a:r>
-            <a:r>
-              <a:rPr lang="en-US" b="1" dirty="0">
-                <a:solidFill>
-                  <a:srgbClr val="000087"/>
-                </a:solidFill>
-                <a:latin typeface="Inconsolata Medium" panose="020B0609030003000000" pitchFamily="49" charset="77"/>
-              </a:rPr>
-              <a:t>x</a:t>
-            </a:r>
-            <a:r>
-              <a:rPr lang="en-US" b="1" dirty="0">
-                <a:latin typeface="Inconsolata Medium" panose="020B0609030003000000" pitchFamily="49" charset="77"/>
-              </a:rPr>
-              <a:t>, </a:t>
-            </a:r>
-            <a:r>
-              <a:rPr lang="en-US" b="1" dirty="0">
-                <a:solidFill>
-                  <a:srgbClr val="000087"/>
-                </a:solidFill>
-                <a:latin typeface="Inconsolata Medium" panose="020B0609030003000000" pitchFamily="49" charset="77"/>
-              </a:rPr>
-              <a:t>end</a:t>
-            </a:r>
-            <a:r>
-              <a:rPr lang="en-US" b="1" dirty="0">
-                <a:solidFill>
-                  <a:srgbClr val="545454"/>
-                </a:solidFill>
-                <a:latin typeface="Inconsolata Medium" panose="020B0609030003000000" pitchFamily="49" charset="77"/>
-              </a:rPr>
-              <a:t>=</a:t>
-            </a:r>
-            <a:r>
-              <a:rPr lang="en-US" b="1" dirty="0">
-                <a:solidFill>
-                  <a:srgbClr val="CC3300"/>
-                </a:solidFill>
-                <a:latin typeface="Inconsolata Medium" panose="020B0609030003000000" pitchFamily="49" charset="77"/>
-              </a:rPr>
-              <a:t>‘ ’</a:t>
-            </a:r>
-            <a:r>
-              <a:rPr lang="en-US" b="1" dirty="0">
-                <a:latin typeface="Inconsolata Medium" panose="020B0609030003000000" pitchFamily="49" charset="77"/>
-              </a:rPr>
-              <a:t>) </a:t>
-            </a:r>
+            <a:endParaRPr lang="en-US" b="1" dirty="0">
+              <a:latin typeface="Inconsolata Medium" panose="020B0609030003000000" pitchFamily="49" charset="77"/>
+            </a:endParaRPr>
+          </a:p>
+          <a:p>
+            <a:pPr marL="0" indent="0">
+              <a:buNone/>
+            </a:pPr>
+            <a:endParaRPr lang="en-US" dirty="0"/>
+          </a:p>
+          <a:p>
+            <a:pPr marL="0" indent="0">
+              <a:buNone/>
+            </a:pPr>
+            <a:endParaRPr lang="en-US" dirty="0"/>
+          </a:p>
+          <a:p>
+            <a:pPr marL="0" indent="0">
+              <a:buNone/>
+            </a:pPr>
+            <a:endParaRPr lang="en-US" dirty="0"/>
           </a:p>
           <a:p>
             <a:pPr marL="0" indent="0">
@@ -6157,182 +5859,7 @@
             </a:pPr>
             <a:r>
               <a:rPr lang="en-US" dirty="0"/>
-              <a:t>one two three</a:t>
-            </a:r>
-          </a:p>
-          <a:p>
-            <a:pPr marL="0" indent="0">
-              <a:buNone/>
-            </a:pPr>
-            <a:endParaRPr lang="en-US" dirty="0"/>
-          </a:p>
-          <a:p>
-            <a:pPr marL="0" indent="0">
-              <a:buNone/>
-            </a:pPr>
-            <a:r>
-              <a:rPr lang="en-US" dirty="0"/>
-              <a:t>To iterate over values of the dictionary use, values().</a:t>
-            </a:r>
-          </a:p>
-          <a:p>
-            <a:pPr marL="0" indent="0">
-              <a:buNone/>
-            </a:pPr>
-            <a:r>
-              <a:rPr lang="en-US" b="1" dirty="0">
-                <a:solidFill>
-                  <a:srgbClr val="000087"/>
-                </a:solidFill>
-                <a:latin typeface="Inconsolata Medium" panose="020B0609030003000000" pitchFamily="49" charset="77"/>
-              </a:rPr>
-              <a:t>In </a:t>
-            </a:r>
-            <a:r>
-              <a:rPr lang="en-US" b="1" dirty="0">
-                <a:latin typeface="Inconsolata Medium" panose="020B0609030003000000" pitchFamily="49" charset="77"/>
-              </a:rPr>
-              <a:t>[</a:t>
-            </a:r>
-            <a:r>
-              <a:rPr lang="en-US" b="1" dirty="0">
-                <a:solidFill>
-                  <a:srgbClr val="FF6600"/>
-                </a:solidFill>
-                <a:latin typeface="Inconsolata Medium" panose="020B0609030003000000" pitchFamily="49" charset="77"/>
-              </a:rPr>
-              <a:t>27</a:t>
-            </a:r>
-            <a:r>
-              <a:rPr lang="en-US" b="1" dirty="0">
-                <a:latin typeface="Inconsolata Medium" panose="020B0609030003000000" pitchFamily="49" charset="77"/>
-              </a:rPr>
-              <a:t>]: </a:t>
-            </a:r>
-            <a:r>
-              <a:rPr lang="en-US" b="1" dirty="0">
-                <a:solidFill>
-                  <a:srgbClr val="006699"/>
-                </a:solidFill>
-                <a:latin typeface="Inconsolata Medium" panose="020B0609030003000000" pitchFamily="49" charset="77"/>
-              </a:rPr>
-              <a:t>for </a:t>
-            </a:r>
-            <a:r>
-              <a:rPr lang="en-US" b="1" dirty="0">
-                <a:solidFill>
-                  <a:srgbClr val="000087"/>
-                </a:solidFill>
-                <a:latin typeface="Inconsolata Medium" panose="020B0609030003000000" pitchFamily="49" charset="77"/>
-              </a:rPr>
-              <a:t>x </a:t>
-            </a:r>
-            <a:r>
-              <a:rPr lang="en-US" b="1" dirty="0">
-                <a:latin typeface="Inconsolata Medium" panose="020B0609030003000000" pitchFamily="49" charset="77"/>
-              </a:rPr>
-              <a:t>in </a:t>
-            </a:r>
-            <a:r>
-              <a:rPr lang="en-US" b="1" dirty="0" err="1">
-                <a:solidFill>
-                  <a:srgbClr val="336666"/>
-                </a:solidFill>
-                <a:latin typeface="Inconsolata Medium" panose="020B0609030003000000" pitchFamily="49" charset="77"/>
-              </a:rPr>
-              <a:t>numbers.values</a:t>
-            </a:r>
-            <a:r>
-              <a:rPr lang="en-US" b="1" dirty="0">
-                <a:solidFill>
-                  <a:srgbClr val="336666"/>
-                </a:solidFill>
-                <a:latin typeface="Inconsolata Medium" panose="020B0609030003000000" pitchFamily="49" charset="77"/>
-              </a:rPr>
-              <a:t>()</a:t>
-            </a:r>
-            <a:r>
-              <a:rPr lang="en-US" b="1" dirty="0">
-                <a:latin typeface="Inconsolata Medium" panose="020B0609030003000000" pitchFamily="49" charset="77"/>
-              </a:rPr>
-              <a:t>: </a:t>
-            </a:r>
-          </a:p>
-          <a:p>
-            <a:pPr marL="0" indent="0">
-              <a:buNone/>
-            </a:pPr>
-            <a:r>
-              <a:rPr lang="en-US" b="1" dirty="0">
-                <a:solidFill>
-                  <a:srgbClr val="006699"/>
-                </a:solidFill>
-                <a:latin typeface="Inconsolata Medium" panose="020B0609030003000000" pitchFamily="49" charset="77"/>
-              </a:rPr>
-              <a:t>		  print</a:t>
-            </a:r>
-            <a:r>
-              <a:rPr lang="en-US" b="1" dirty="0">
-                <a:latin typeface="Inconsolata Medium" panose="020B0609030003000000" pitchFamily="49" charset="77"/>
-              </a:rPr>
-              <a:t>(</a:t>
-            </a:r>
-            <a:r>
-              <a:rPr lang="en-US" b="1" dirty="0">
-                <a:solidFill>
-                  <a:srgbClr val="000087"/>
-                </a:solidFill>
-                <a:latin typeface="Inconsolata Medium" panose="020B0609030003000000" pitchFamily="49" charset="77"/>
-              </a:rPr>
-              <a:t>x</a:t>
-            </a:r>
-            <a:r>
-              <a:rPr lang="en-US" b="1" dirty="0">
-                <a:latin typeface="Inconsolata Medium" panose="020B0609030003000000" pitchFamily="49" charset="77"/>
-              </a:rPr>
-              <a:t>, </a:t>
-            </a:r>
-            <a:r>
-              <a:rPr lang="en-US" b="1" dirty="0">
-                <a:solidFill>
-                  <a:srgbClr val="000087"/>
-                </a:solidFill>
-                <a:latin typeface="Inconsolata Medium" panose="020B0609030003000000" pitchFamily="49" charset="77"/>
-              </a:rPr>
-              <a:t>end</a:t>
-            </a:r>
-            <a:r>
-              <a:rPr lang="en-US" b="1" dirty="0">
-                <a:solidFill>
-                  <a:srgbClr val="545454"/>
-                </a:solidFill>
-                <a:latin typeface="Inconsolata Medium" panose="020B0609030003000000" pitchFamily="49" charset="77"/>
-              </a:rPr>
-              <a:t>=</a:t>
-            </a:r>
-            <a:r>
-              <a:rPr lang="en-US" b="1" dirty="0">
-                <a:solidFill>
-                  <a:srgbClr val="CC3300"/>
-                </a:solidFill>
-                <a:latin typeface="Inconsolata Medium" panose="020B0609030003000000" pitchFamily="49" charset="77"/>
-              </a:rPr>
-              <a:t>‘ ’</a:t>
-            </a:r>
-            <a:r>
-              <a:rPr lang="en-US" b="1" dirty="0">
-                <a:latin typeface="Inconsolata Medium" panose="020B0609030003000000" pitchFamily="49" charset="77"/>
-              </a:rPr>
-              <a:t>) </a:t>
-            </a:r>
-          </a:p>
-          <a:p>
-            <a:pPr marL="0" indent="0">
-              <a:buNone/>
-            </a:pPr>
-            <a:r>
-              <a:rPr lang="en-US" dirty="0"/>
-              <a:t>1 2 3</a:t>
+              <a:t> </a:t>
             </a:r>
           </a:p>
           <a:p>
@@ -6352,7 +5879,7 @@
     </p:spTree>
     <p:extLst>
       <p:ext uri="{BB962C8B-B14F-4D97-AF65-F5344CB8AC3E}">
-        <p14:creationId xmlns:p14="http://schemas.microsoft.com/office/powerpoint/2010/main" val="67073653"/>
+        <p14:creationId xmlns:p14="http://schemas.microsoft.com/office/powerpoint/2010/main" val="2368568690"/>
       </p:ext>
     </p:extLst>
   </p:cSld>
@@ -6406,10 +5933,9 @@
           <a:lstStyle/>
           <a:p>
             <a:r>
-              <a:rPr lang="en-US" dirty="0" err="1"/>
-              <a:t>Iterables</a:t>
-            </a:r>
-            <a:endParaRPr lang="en-US" dirty="0"/>
+              <a:rPr lang="en-US" dirty="0"/>
+              <a:t>Dictionaries</a:t>
+            </a:r>
           </a:p>
         </p:txBody>
       </p:sp>
@@ -6446,7 +5972,156 @@
             </a:pPr>
             <a:r>
               <a:rPr lang="en-US" dirty="0"/>
-              <a:t>It is easy to iterate over both keys and values of the dictionary.  Use the method items().</a:t>
+              <a:t>The keys and values can be extracted from a dictionary via keys() and values().</a:t>
+            </a:r>
+          </a:p>
+          <a:p>
+            <a:pPr marL="0" indent="0">
+              <a:buNone/>
+            </a:pPr>
+            <a:r>
+              <a:rPr lang="en-US" b="1" dirty="0">
+                <a:solidFill>
+                  <a:srgbClr val="000087"/>
+                </a:solidFill>
+                <a:latin typeface="Inconsolata Medium" panose="020B0609030003000000" pitchFamily="49" charset="77"/>
+              </a:rPr>
+              <a:t>In </a:t>
+            </a:r>
+            <a:r>
+              <a:rPr lang="en-US" b="1" dirty="0">
+                <a:latin typeface="Inconsolata Medium" panose="020B0609030003000000" pitchFamily="49" charset="77"/>
+              </a:rPr>
+              <a:t>[</a:t>
+            </a:r>
+            <a:r>
+              <a:rPr lang="en-US" b="1" dirty="0">
+                <a:solidFill>
+                  <a:srgbClr val="FF6600"/>
+                </a:solidFill>
+                <a:latin typeface="Inconsolata Medium" panose="020B0609030003000000" pitchFamily="49" charset="77"/>
+              </a:rPr>
+              <a:t>27</a:t>
+            </a:r>
+            <a:r>
+              <a:rPr lang="en-US" b="1" dirty="0">
+                <a:latin typeface="Inconsolata Medium" panose="020B0609030003000000" pitchFamily="49" charset="77"/>
+              </a:rPr>
+              <a:t>]: </a:t>
+            </a:r>
+            <a:r>
+              <a:rPr lang="en-US" b="1" dirty="0">
+                <a:solidFill>
+                  <a:srgbClr val="000087"/>
+                </a:solidFill>
+                <a:latin typeface="Inconsolata Medium" panose="020B0609030003000000" pitchFamily="49" charset="77"/>
+              </a:rPr>
+              <a:t>numbers </a:t>
+            </a:r>
+            <a:r>
+              <a:rPr lang="en-US" b="1" dirty="0">
+                <a:solidFill>
+                  <a:srgbClr val="545454"/>
+                </a:solidFill>
+                <a:latin typeface="Inconsolata Medium" panose="020B0609030003000000" pitchFamily="49" charset="77"/>
+              </a:rPr>
+              <a:t>= </a:t>
+            </a:r>
+            <a:r>
+              <a:rPr lang="en-US" b="1" dirty="0">
+                <a:latin typeface="Inconsolata Medium" panose="020B0609030003000000" pitchFamily="49" charset="77"/>
+              </a:rPr>
+              <a:t>{</a:t>
+            </a:r>
+            <a:r>
+              <a:rPr lang="en-US" b="1" dirty="0">
+                <a:solidFill>
+                  <a:srgbClr val="CC3300"/>
+                </a:solidFill>
+                <a:latin typeface="Inconsolata Medium" panose="020B0609030003000000" pitchFamily="49" charset="77"/>
+              </a:rPr>
+              <a:t>"one"</a:t>
+            </a:r>
+            <a:r>
+              <a:rPr lang="en-US" b="1" dirty="0">
+                <a:latin typeface="Inconsolata Medium" panose="020B0609030003000000" pitchFamily="49" charset="77"/>
+              </a:rPr>
+              <a:t>:</a:t>
+            </a:r>
+            <a:r>
+              <a:rPr lang="en-US" b="1" dirty="0">
+                <a:solidFill>
+                  <a:srgbClr val="FF6600"/>
+                </a:solidFill>
+                <a:latin typeface="Inconsolata Medium" panose="020B0609030003000000" pitchFamily="49" charset="77"/>
+              </a:rPr>
+              <a:t>1</a:t>
+            </a:r>
+            <a:r>
+              <a:rPr lang="en-US" b="1" dirty="0">
+                <a:latin typeface="Inconsolata Medium" panose="020B0609030003000000" pitchFamily="49" charset="77"/>
+              </a:rPr>
+              <a:t>, </a:t>
+            </a:r>
+            <a:r>
+              <a:rPr lang="en-US" b="1" dirty="0">
+                <a:solidFill>
+                  <a:srgbClr val="CC3300"/>
+                </a:solidFill>
+                <a:latin typeface="Inconsolata Medium" panose="020B0609030003000000" pitchFamily="49" charset="77"/>
+              </a:rPr>
+              <a:t>"two"</a:t>
+            </a:r>
+            <a:r>
+              <a:rPr lang="en-US" b="1" dirty="0">
+                <a:latin typeface="Inconsolata Medium" panose="020B0609030003000000" pitchFamily="49" charset="77"/>
+              </a:rPr>
+              <a:t>:</a:t>
+            </a:r>
+            <a:r>
+              <a:rPr lang="en-US" b="1" dirty="0">
+                <a:solidFill>
+                  <a:srgbClr val="FF6600"/>
+                </a:solidFill>
+                <a:latin typeface="Inconsolata Medium" panose="020B0609030003000000" pitchFamily="49" charset="77"/>
+              </a:rPr>
+              <a:t>2</a:t>
+            </a:r>
+            <a:r>
+              <a:rPr lang="en-US" b="1" dirty="0">
+                <a:latin typeface="Inconsolata Medium" panose="020B0609030003000000" pitchFamily="49" charset="77"/>
+              </a:rPr>
+              <a:t>, </a:t>
+            </a:r>
+            <a:r>
+              <a:rPr lang="en-US" b="1" dirty="0">
+                <a:solidFill>
+                  <a:srgbClr val="CC3300"/>
+                </a:solidFill>
+                <a:latin typeface="Inconsolata Medium" panose="020B0609030003000000" pitchFamily="49" charset="77"/>
+              </a:rPr>
+              <a:t>"three"</a:t>
+            </a:r>
+            <a:r>
+              <a:rPr lang="en-US" b="1" dirty="0">
+                <a:latin typeface="Inconsolata Medium" panose="020B0609030003000000" pitchFamily="49" charset="77"/>
+              </a:rPr>
+              <a:t>:</a:t>
+            </a:r>
+            <a:r>
+              <a:rPr lang="en-US" b="1" dirty="0">
+                <a:solidFill>
+                  <a:srgbClr val="FF6600"/>
+                </a:solidFill>
+                <a:latin typeface="Inconsolata Medium" panose="020B0609030003000000" pitchFamily="49" charset="77"/>
+              </a:rPr>
+              <a:t>3</a:t>
+            </a:r>
+            <a:r>
+              <a:rPr lang="en-US" b="1" dirty="0">
+                <a:latin typeface="Inconsolata Medium" panose="020B0609030003000000" pitchFamily="49" charset="77"/>
+              </a:rPr>
+              <a:t>} </a:t>
             </a:r>
             <a:endParaRPr lang="en-US" b="1" dirty="0">
               <a:solidFill>
@@ -6459,10 +6134,100 @@
             <a:pPr marL="0" indent="0">
               <a:buNone/>
             </a:pPr>
+            <a:r>
+              <a:rPr lang="en-US" b="1" dirty="0">
+                <a:solidFill>
+                  <a:srgbClr val="000087"/>
+                </a:solidFill>
+                <a:latin typeface="Inconsolata Medium" panose="020B0609030003000000" pitchFamily="49" charset="77"/>
+              </a:rPr>
+              <a:t>In </a:t>
+            </a:r>
+            <a:r>
+              <a:rPr lang="en-US" b="1" dirty="0">
+                <a:latin typeface="Inconsolata Medium" panose="020B0609030003000000" pitchFamily="49" charset="77"/>
+              </a:rPr>
+              <a:t>[</a:t>
+            </a:r>
+            <a:r>
+              <a:rPr lang="en-US" b="1" dirty="0">
+                <a:solidFill>
+                  <a:srgbClr val="FF6600"/>
+                </a:solidFill>
+                <a:latin typeface="Inconsolata Medium" panose="020B0609030003000000" pitchFamily="49" charset="77"/>
+              </a:rPr>
+              <a:t>29</a:t>
+            </a:r>
+            <a:r>
+              <a:rPr lang="en-US" b="1" dirty="0">
+                <a:latin typeface="Inconsolata Medium" panose="020B0609030003000000" pitchFamily="49" charset="77"/>
+              </a:rPr>
+              <a:t>]: k = </a:t>
+            </a:r>
+            <a:r>
+              <a:rPr lang="en-US" b="1" dirty="0">
+                <a:solidFill>
+                  <a:srgbClr val="336666"/>
+                </a:solidFill>
+                <a:latin typeface="Inconsolata Medium" panose="020B0609030003000000" pitchFamily="49" charset="77"/>
+              </a:rPr>
+              <a:t>list</a:t>
+            </a:r>
+            <a:r>
+              <a:rPr lang="en-US" b="1" dirty="0">
+                <a:latin typeface="Inconsolata Medium" panose="020B0609030003000000" pitchFamily="49" charset="77"/>
+              </a:rPr>
+              <a:t>(</a:t>
+            </a:r>
+            <a:r>
+              <a:rPr lang="en-US" b="1" dirty="0" err="1">
+                <a:latin typeface="Inconsolata Medium" panose="020B0609030003000000" pitchFamily="49" charset="77"/>
+              </a:rPr>
+              <a:t>numbers.keys</a:t>
+            </a:r>
+            <a:r>
+              <a:rPr lang="en-US" b="1" dirty="0">
+                <a:latin typeface="Inconsolata Medium" panose="020B0609030003000000" pitchFamily="49" charset="77"/>
+              </a:rPr>
+              <a:t>())</a:t>
+            </a:r>
+          </a:p>
+          <a:p>
+            <a:pPr marL="0" indent="0">
+              <a:buNone/>
+            </a:pPr>
+            <a:r>
+              <a:rPr lang="en-US" b="1" dirty="0">
+                <a:solidFill>
+                  <a:srgbClr val="006699"/>
+                </a:solidFill>
+                <a:latin typeface="Inconsolata Medium" panose="020B0609030003000000" pitchFamily="49" charset="77"/>
+              </a:rPr>
+              <a:t>	    print</a:t>
+            </a:r>
+            <a:r>
+              <a:rPr lang="en-US" b="1" dirty="0">
+                <a:latin typeface="Inconsolata Medium" panose="020B0609030003000000" pitchFamily="49" charset="77"/>
+              </a:rPr>
+              <a:t>(k)</a:t>
+            </a:r>
+            <a:br>
+              <a:rPr lang="en-US" b="1" dirty="0">
+                <a:latin typeface="Inconsolata Medium" panose="020B0609030003000000" pitchFamily="49" charset="77"/>
+              </a:rPr>
+            </a:br>
+            <a:r>
+              <a:rPr lang="en-US" b="1" dirty="0">
+                <a:latin typeface="Inconsolata Medium" panose="020B0609030003000000" pitchFamily="49" charset="77"/>
+              </a:rPr>
+              <a:t>['one, 'two, 'three'] </a:t>
+            </a:r>
+          </a:p>
+          <a:p>
+            <a:pPr marL="0" indent="0">
+              <a:buNone/>
+            </a:pPr>
             <a:endParaRPr lang="en-US" b="1" dirty="0">
-              <a:solidFill>
-                <a:srgbClr val="000087"/>
-              </a:solidFill>
               <a:latin typeface="Inconsolata Medium" panose="020B0609030003000000" pitchFamily="49" charset="77"/>
             </a:endParaRPr>
           </a:p>
@@ -6492,216 +6257,130 @@
                 </a:solidFill>
                 <a:latin typeface="Inconsolata Medium" panose="020B0609030003000000" pitchFamily="49" charset="77"/>
               </a:rPr>
-              <a:t>27</a:t>
-            </a:r>
-            <a:r>
-              <a:rPr lang="en-US" b="1" dirty="0">
-                <a:latin typeface="Inconsolata Medium" panose="020B0609030003000000" pitchFamily="49" charset="77"/>
-              </a:rPr>
-              <a:t>]: </a:t>
-            </a:r>
-            <a:r>
-              <a:rPr lang="en-US" b="1" dirty="0">
-                <a:solidFill>
-                  <a:srgbClr val="000087"/>
-                </a:solidFill>
-                <a:latin typeface="Inconsolata Medium" panose="020B0609030003000000" pitchFamily="49" charset="77"/>
-              </a:rPr>
-              <a:t>numbers </a:t>
-            </a:r>
-            <a:r>
-              <a:rPr lang="en-US" b="1" dirty="0">
-                <a:solidFill>
-                  <a:srgbClr val="545454"/>
-                </a:solidFill>
-                <a:latin typeface="Inconsolata Medium" panose="020B0609030003000000" pitchFamily="49" charset="77"/>
-              </a:rPr>
-              <a:t>= </a:t>
-            </a:r>
-            <a:r>
-              <a:rPr lang="en-US" b="1" dirty="0">
-                <a:latin typeface="Inconsolata Medium" panose="020B0609030003000000" pitchFamily="49" charset="77"/>
-              </a:rPr>
-              <a:t>{</a:t>
-            </a:r>
-            <a:r>
-              <a:rPr lang="en-US" b="1" dirty="0">
-                <a:solidFill>
-                  <a:srgbClr val="CC3300"/>
-                </a:solidFill>
-                <a:latin typeface="Inconsolata Medium" panose="020B0609030003000000" pitchFamily="49" charset="77"/>
-              </a:rPr>
-              <a:t>'one'</a:t>
-            </a:r>
-            <a:r>
-              <a:rPr lang="en-US" b="1" dirty="0">
-                <a:latin typeface="Inconsolata Medium" panose="020B0609030003000000" pitchFamily="49" charset="77"/>
-              </a:rPr>
-              <a:t>:</a:t>
-            </a:r>
-            <a:r>
-              <a:rPr lang="en-US" b="1" dirty="0">
-                <a:solidFill>
-                  <a:srgbClr val="FF6600"/>
-                </a:solidFill>
-                <a:latin typeface="Inconsolata Medium" panose="020B0609030003000000" pitchFamily="49" charset="77"/>
-              </a:rPr>
-              <a:t>1</a:t>
-            </a:r>
-            <a:r>
-              <a:rPr lang="en-US" b="1" dirty="0">
+              <a:t>29</a:t>
+            </a:r>
+            <a:r>
+              <a:rPr lang="en-US" b="1" dirty="0">
+                <a:latin typeface="Inconsolata Medium" panose="020B0609030003000000" pitchFamily="49" charset="77"/>
+              </a:rPr>
+              <a:t>]: k = </a:t>
+            </a:r>
+            <a:r>
+              <a:rPr lang="en-US" b="1" dirty="0">
+                <a:solidFill>
+                  <a:srgbClr val="336666"/>
+                </a:solidFill>
+                <a:latin typeface="Inconsolata Medium" panose="020B0609030003000000" pitchFamily="49" charset="77"/>
+              </a:rPr>
+              <a:t>list</a:t>
+            </a:r>
+            <a:r>
+              <a:rPr lang="en-US" b="1" dirty="0">
+                <a:latin typeface="Inconsolata Medium" panose="020B0609030003000000" pitchFamily="49" charset="77"/>
+              </a:rPr>
+              <a:t>(</a:t>
+            </a:r>
+            <a:r>
+              <a:rPr lang="en-US" b="1" dirty="0" err="1">
+                <a:latin typeface="Inconsolata Medium" panose="020B0609030003000000" pitchFamily="49" charset="77"/>
+              </a:rPr>
+              <a:t>numbers.values</a:t>
+            </a:r>
+            <a:r>
+              <a:rPr lang="en-US" b="1" dirty="0">
+                <a:latin typeface="Inconsolata Medium" panose="020B0609030003000000" pitchFamily="49" charset="77"/>
+              </a:rPr>
+              <a:t>())</a:t>
+            </a:r>
+          </a:p>
+          <a:p>
+            <a:pPr marL="0" indent="0">
+              <a:buNone/>
+            </a:pPr>
+            <a:r>
+              <a:rPr lang="en-US" b="1" dirty="0">
+                <a:solidFill>
+                  <a:srgbClr val="006699"/>
+                </a:solidFill>
+                <a:latin typeface="Inconsolata Medium" panose="020B0609030003000000" pitchFamily="49" charset="77"/>
+              </a:rPr>
+              <a:t>	    print</a:t>
+            </a:r>
+            <a:r>
+              <a:rPr lang="en-US" b="1" dirty="0">
+                <a:latin typeface="Inconsolata Medium" panose="020B0609030003000000" pitchFamily="49" charset="77"/>
+              </a:rPr>
+              <a:t>(k)</a:t>
+            </a:r>
+          </a:p>
+          <a:p>
+            <a:pPr marL="0" indent="0">
+              <a:buNone/>
+            </a:pPr>
+            <a:br>
+              <a:rPr lang="en-US" b="1">
+                <a:latin typeface="Inconsolata Medium" panose="020B0609030003000000" pitchFamily="49" charset="77"/>
+              </a:rPr>
+            </a:br>
+            <a:r>
+              <a:rPr lang="en-US" b="1">
+                <a:latin typeface="Inconsolata Medium" panose="020B0609030003000000" pitchFamily="49" charset="77"/>
+              </a:rPr>
+              <a:t>[1, </a:t>
+            </a:r>
+            <a:r>
+              <a:rPr lang="en-US" b="1" dirty="0">
+                <a:latin typeface="Inconsolata Medium" panose="020B0609030003000000" pitchFamily="49" charset="77"/>
+              </a:rPr>
+              <a:t>2</a:t>
+            </a:r>
+            <a:r>
+              <a:rPr lang="en-US" b="1">
                 <a:latin typeface="Inconsolata Medium" panose="020B0609030003000000" pitchFamily="49" charset="77"/>
               </a:rPr>
               <a:t>, </a:t>
             </a:r>
             <a:r>
               <a:rPr lang="en-US" b="1" dirty="0">
-                <a:solidFill>
-                  <a:srgbClr val="CC3300"/>
-                </a:solidFill>
-                <a:latin typeface="Inconsolata Medium" panose="020B0609030003000000" pitchFamily="49" charset="77"/>
-              </a:rPr>
-              <a:t>'two'</a:t>
-            </a:r>
-            <a:r>
-              <a:rPr lang="en-US" b="1" dirty="0">
-                <a:latin typeface="Inconsolata Medium" panose="020B0609030003000000" pitchFamily="49" charset="77"/>
-              </a:rPr>
-              <a:t>:</a:t>
-            </a:r>
-            <a:r>
-              <a:rPr lang="en-US" b="1" dirty="0">
-                <a:solidFill>
-                  <a:srgbClr val="FF6600"/>
-                </a:solidFill>
-                <a:latin typeface="Inconsolata Medium" panose="020B0609030003000000" pitchFamily="49" charset="77"/>
-              </a:rPr>
-              <a:t>2</a:t>
-            </a:r>
-            <a:r>
-              <a:rPr lang="en-US" b="1" dirty="0">
-                <a:latin typeface="Inconsolata Medium" panose="020B0609030003000000" pitchFamily="49" charset="77"/>
-              </a:rPr>
-              <a:t>, </a:t>
-            </a:r>
-            <a:r>
-              <a:rPr lang="en-US" b="1" dirty="0">
-                <a:solidFill>
-                  <a:srgbClr val="CC3300"/>
-                </a:solidFill>
-                <a:latin typeface="Inconsolata Medium" panose="020B0609030003000000" pitchFamily="49" charset="77"/>
-              </a:rPr>
-              <a:t>'three'</a:t>
-            </a:r>
-            <a:r>
-              <a:rPr lang="en-US" b="1" dirty="0">
-                <a:latin typeface="Inconsolata Medium" panose="020B0609030003000000" pitchFamily="49" charset="77"/>
-              </a:rPr>
-              <a:t>:</a:t>
-            </a:r>
-            <a:r>
-              <a:rPr lang="en-US" b="1" dirty="0">
-                <a:solidFill>
-                  <a:srgbClr val="FF6600"/>
-                </a:solidFill>
                 <a:latin typeface="Inconsolata Medium" panose="020B0609030003000000" pitchFamily="49" charset="77"/>
               </a:rPr>
               <a:t>3</a:t>
             </a:r>
             <a:r>
-              <a:rPr lang="en-US" b="1" dirty="0">
-                <a:latin typeface="Inconsolata Medium" panose="020B0609030003000000" pitchFamily="49" charset="77"/>
-              </a:rPr>
-              <a:t>} </a:t>
-            </a:r>
-          </a:p>
-          <a:p>
-            <a:pPr marL="0" indent="0">
-              <a:buNone/>
-            </a:pPr>
-            <a:r>
-              <a:rPr lang="en-US" b="1" dirty="0">
-                <a:solidFill>
-                  <a:srgbClr val="006699"/>
-                </a:solidFill>
-                <a:latin typeface="Inconsolata Medium" panose="020B0609030003000000" pitchFamily="49" charset="77"/>
-              </a:rPr>
-              <a:t>	    for </a:t>
-            </a:r>
-            <a:r>
-              <a:rPr lang="en-US" b="1" dirty="0">
-                <a:solidFill>
-                  <a:srgbClr val="000087"/>
-                </a:solidFill>
-                <a:latin typeface="Inconsolata Medium" panose="020B0609030003000000" pitchFamily="49" charset="77"/>
-              </a:rPr>
-              <a:t>k, v </a:t>
-            </a:r>
-            <a:r>
-              <a:rPr lang="en-US" b="1" dirty="0">
-                <a:latin typeface="Inconsolata Medium" panose="020B0609030003000000" pitchFamily="49" charset="77"/>
-              </a:rPr>
-              <a:t>in </a:t>
-            </a:r>
-            <a:r>
-              <a:rPr lang="en-US" b="1" dirty="0" err="1">
-                <a:solidFill>
-                  <a:srgbClr val="336666"/>
-                </a:solidFill>
-                <a:latin typeface="Inconsolata Medium" panose="020B0609030003000000" pitchFamily="49" charset="77"/>
-              </a:rPr>
-              <a:t>numbers.items</a:t>
-            </a:r>
-            <a:r>
-              <a:rPr lang="en-US" b="1" dirty="0">
-                <a:solidFill>
-                  <a:srgbClr val="336666"/>
-                </a:solidFill>
-                <a:latin typeface="Inconsolata Medium" panose="020B0609030003000000" pitchFamily="49" charset="77"/>
-              </a:rPr>
-              <a:t>()</a:t>
-            </a:r>
-            <a:r>
-              <a:rPr lang="en-US" b="1" dirty="0">
-                <a:latin typeface="Inconsolata Medium" panose="020B0609030003000000" pitchFamily="49" charset="77"/>
-              </a:rPr>
-              <a:t>: </a:t>
-            </a:r>
-          </a:p>
-          <a:p>
-            <a:pPr marL="0" indent="0">
-              <a:buNone/>
-            </a:pPr>
-            <a:r>
-              <a:rPr lang="en-US" b="1" dirty="0">
-                <a:solidFill>
-                  <a:srgbClr val="006699"/>
-                </a:solidFill>
-                <a:latin typeface="Inconsolata Medium" panose="020B0609030003000000" pitchFamily="49" charset="77"/>
-              </a:rPr>
-              <a:t>		  print</a:t>
-            </a:r>
-            <a:r>
-              <a:rPr lang="en-US" b="1" dirty="0">
-                <a:latin typeface="Inconsolata Medium" panose="020B0609030003000000" pitchFamily="49" charset="77"/>
-              </a:rPr>
-              <a:t>(</a:t>
-            </a:r>
-            <a:r>
-              <a:rPr lang="en-US" b="1" dirty="0">
-                <a:solidFill>
-                  <a:srgbClr val="000087"/>
-                </a:solidFill>
-                <a:latin typeface="Inconsolata Medium" panose="020B0609030003000000" pitchFamily="49" charset="77"/>
-              </a:rPr>
-              <a:t>k, v</a:t>
-            </a:r>
-            <a:r>
-              <a:rPr lang="en-US" b="1" dirty="0">
-                <a:latin typeface="Inconsolata Medium" panose="020B0609030003000000" pitchFamily="49" charset="77"/>
-              </a:rPr>
-              <a:t>) </a:t>
-            </a:r>
+              <a:rPr lang="en-US" b="1">
+                <a:latin typeface="Inconsolata Medium" panose="020B0609030003000000" pitchFamily="49" charset="77"/>
+              </a:rPr>
+              <a:t>] </a:t>
+            </a:r>
+            <a:endParaRPr lang="en-US" b="1" dirty="0">
+              <a:latin typeface="Inconsolata Medium" panose="020B0609030003000000" pitchFamily="49" charset="77"/>
+            </a:endParaRPr>
+          </a:p>
+          <a:p>
+            <a:pPr marL="0" indent="0">
+              <a:buNone/>
+            </a:pPr>
+            <a:endParaRPr lang="en-US" b="1" dirty="0">
+              <a:latin typeface="Inconsolata Medium" panose="020B0609030003000000" pitchFamily="49" charset="77"/>
+            </a:endParaRPr>
+          </a:p>
+          <a:p>
+            <a:pPr marL="0" indent="0">
+              <a:buNone/>
+            </a:pPr>
+            <a:endParaRPr lang="en-US" dirty="0"/>
+          </a:p>
+          <a:p>
+            <a:pPr marL="0" indent="0">
+              <a:buNone/>
+            </a:pPr>
+            <a:endParaRPr lang="en-US" dirty="0"/>
+          </a:p>
+          <a:p>
+            <a:pPr marL="0" indent="0">
+              <a:buNone/>
+            </a:pPr>
+            <a:endParaRPr lang="en-US" dirty="0"/>
           </a:p>
           <a:p>
             <a:pPr marL="0" indent="0">
@@ -6709,32 +6388,8 @@
             </a:pPr>
             <a:r>
               <a:rPr lang="en-US" dirty="0"/>
-              <a:t>one 1</a:t>
-            </a:r>
-          </a:p>
-          <a:p>
-            <a:pPr marL="0" indent="0">
-              <a:buNone/>
-            </a:pPr>
-            <a:r>
-              <a:rPr lang="en-US" dirty="0"/>
-              <a:t>two 2</a:t>
-            </a:r>
-          </a:p>
-          <a:p>
-            <a:pPr marL="0" indent="0">
-              <a:buNone/>
-            </a:pPr>
-            <a:r>
-              <a:rPr lang="en-US" dirty="0"/>
-              <a:t>three 3</a:t>
-            </a:r>
-          </a:p>
-          <a:p>
-            <a:pPr marL="0" indent="0">
-              <a:buNone/>
-            </a:pPr>
-            <a:endParaRPr lang="en-US" dirty="0"/>
+              <a:t> </a:t>
+            </a:r>
           </a:p>
           <a:p>
             <a:pPr marL="0" indent="0">
@@ -6753,7 +6408,7 @@
     </p:spTree>
     <p:extLst>
       <p:ext uri="{BB962C8B-B14F-4D97-AF65-F5344CB8AC3E}">
-        <p14:creationId xmlns:p14="http://schemas.microsoft.com/office/powerpoint/2010/main" val="3246446892"/>
+        <p14:creationId xmlns:p14="http://schemas.microsoft.com/office/powerpoint/2010/main" val="2648987374"/>
       </p:ext>
     </p:extLst>
   </p:cSld>
@@ -7109,7 +6764,7 @@
     </p:spTree>
     <p:extLst>
       <p:ext uri="{BB962C8B-B14F-4D97-AF65-F5344CB8AC3E}">
-        <p14:creationId xmlns:p14="http://schemas.microsoft.com/office/powerpoint/2010/main" val="97464883"/>
+        <p14:creationId xmlns:p14="http://schemas.microsoft.com/office/powerpoint/2010/main" val="2693651593"/>
       </p:ext>
     </p:extLst>
   </p:cSld>
@@ -7163,9 +6818,10 @@
           <a:lstStyle/>
           <a:p>
             <a:r>
-              <a:rPr lang="en-US" dirty="0"/>
-              <a:t>References</a:t>
-            </a:r>
+              <a:rPr lang="en-US" dirty="0" err="1"/>
+              <a:t>Iterables</a:t>
+            </a:r>
+            <a:endParaRPr lang="en-US" dirty="0"/>
           </a:p>
         </p:txBody>
       </p:sp>
@@ -7187,8 +6843,8 @@
         </p:nvSpPr>
         <p:spPr>
           <a:xfrm>
-            <a:off x="483848" y="1150913"/>
-            <a:ext cx="8051725" cy="4440590"/>
+            <a:off x="483848" y="1150912"/>
+            <a:ext cx="8051725" cy="4564087"/>
           </a:xfrm>
         </p:spPr>
         <p:txBody>
@@ -7200,34 +6856,478 @@
             <a:pPr marL="0" indent="0">
               <a:buNone/>
             </a:pPr>
+            <a:r>
+              <a:rPr lang="en-US" dirty="0"/>
+              <a:t>It is easy to iterate over keys of the dictionary. The default loop iterates over the keys. </a:t>
+            </a:r>
+            <a:endParaRPr lang="en-US" b="1" dirty="0">
+              <a:solidFill>
+                <a:srgbClr val="000087"/>
+              </a:solidFill>
+              <a:latin typeface="Inconsolata Medium" panose="020B0609030003000000" pitchFamily="49" charset="77"/>
+            </a:endParaRPr>
+          </a:p>
+          <a:p>
+            <a:pPr marL="0" indent="0">
+              <a:buNone/>
+            </a:pPr>
+            <a:endParaRPr lang="en-US" b="1" dirty="0">
+              <a:solidFill>
+                <a:srgbClr val="000087"/>
+              </a:solidFill>
+              <a:latin typeface="Inconsolata Medium" panose="020B0609030003000000" pitchFamily="49" charset="77"/>
+            </a:endParaRPr>
+          </a:p>
+          <a:p>
+            <a:pPr marL="0" indent="0">
+              <a:buNone/>
+            </a:pPr>
+            <a:r>
+              <a:rPr lang="en-US" b="1" dirty="0">
+                <a:solidFill>
+                  <a:srgbClr val="000087"/>
+                </a:solidFill>
+                <a:latin typeface="Inconsolata Medium" panose="020B0609030003000000" pitchFamily="49" charset="77"/>
+              </a:rPr>
+              <a:t>In </a:t>
+            </a:r>
+            <a:r>
+              <a:rPr lang="en-US" b="1" dirty="0">
+                <a:latin typeface="Inconsolata Medium" panose="020B0609030003000000" pitchFamily="49" charset="77"/>
+              </a:rPr>
+              <a:t>[</a:t>
+            </a:r>
+            <a:r>
+              <a:rPr lang="en-US" b="1" dirty="0">
+                <a:solidFill>
+                  <a:srgbClr val="FF6600"/>
+                </a:solidFill>
+                <a:latin typeface="Inconsolata Medium" panose="020B0609030003000000" pitchFamily="49" charset="77"/>
+              </a:rPr>
+              <a:t>27</a:t>
+            </a:r>
+            <a:r>
+              <a:rPr lang="en-US" b="1" dirty="0">
+                <a:latin typeface="Inconsolata Medium" panose="020B0609030003000000" pitchFamily="49" charset="77"/>
+              </a:rPr>
+              <a:t>]: </a:t>
+            </a:r>
+            <a:r>
+              <a:rPr lang="en-US" b="1" dirty="0">
+                <a:solidFill>
+                  <a:srgbClr val="000087"/>
+                </a:solidFill>
+                <a:latin typeface="Inconsolata Medium" panose="020B0609030003000000" pitchFamily="49" charset="77"/>
+              </a:rPr>
+              <a:t>numbers </a:t>
+            </a:r>
+            <a:r>
+              <a:rPr lang="en-US" b="1" dirty="0">
+                <a:solidFill>
+                  <a:srgbClr val="545454"/>
+                </a:solidFill>
+                <a:latin typeface="Inconsolata Medium" panose="020B0609030003000000" pitchFamily="49" charset="77"/>
+              </a:rPr>
+              <a:t>= </a:t>
+            </a:r>
+            <a:r>
+              <a:rPr lang="en-US" b="1" dirty="0">
+                <a:latin typeface="Inconsolata Medium" panose="020B0609030003000000" pitchFamily="49" charset="77"/>
+              </a:rPr>
+              <a:t>{</a:t>
+            </a:r>
+            <a:r>
+              <a:rPr lang="en-US" b="1" dirty="0">
+                <a:solidFill>
+                  <a:srgbClr val="CC3300"/>
+                </a:solidFill>
+                <a:latin typeface="Inconsolata Medium" panose="020B0609030003000000" pitchFamily="49" charset="77"/>
+              </a:rPr>
+              <a:t>'one'</a:t>
+            </a:r>
+            <a:r>
+              <a:rPr lang="en-US" b="1" dirty="0">
+                <a:latin typeface="Inconsolata Medium" panose="020B0609030003000000" pitchFamily="49" charset="77"/>
+              </a:rPr>
+              <a:t>:</a:t>
+            </a:r>
+            <a:r>
+              <a:rPr lang="en-US" b="1" dirty="0">
+                <a:solidFill>
+                  <a:srgbClr val="FF6600"/>
+                </a:solidFill>
+                <a:latin typeface="Inconsolata Medium" panose="020B0609030003000000" pitchFamily="49" charset="77"/>
+              </a:rPr>
+              <a:t>1</a:t>
+            </a:r>
+            <a:r>
+              <a:rPr lang="en-US" b="1" dirty="0">
+                <a:latin typeface="Inconsolata Medium" panose="020B0609030003000000" pitchFamily="49" charset="77"/>
+              </a:rPr>
+              <a:t>, </a:t>
+            </a:r>
+            <a:r>
+              <a:rPr lang="en-US" b="1" dirty="0">
+                <a:solidFill>
+                  <a:srgbClr val="CC3300"/>
+                </a:solidFill>
+                <a:latin typeface="Inconsolata Medium" panose="020B0609030003000000" pitchFamily="49" charset="77"/>
+              </a:rPr>
+              <a:t>'two'</a:t>
+            </a:r>
+            <a:r>
+              <a:rPr lang="en-US" b="1" dirty="0">
+                <a:latin typeface="Inconsolata Medium" panose="020B0609030003000000" pitchFamily="49" charset="77"/>
+              </a:rPr>
+              <a:t>:</a:t>
+            </a:r>
+            <a:r>
+              <a:rPr lang="en-US" b="1" dirty="0">
+                <a:solidFill>
+                  <a:srgbClr val="FF6600"/>
+                </a:solidFill>
+                <a:latin typeface="Inconsolata Medium" panose="020B0609030003000000" pitchFamily="49" charset="77"/>
+              </a:rPr>
+              <a:t>2</a:t>
+            </a:r>
+            <a:r>
+              <a:rPr lang="en-US" b="1" dirty="0">
+                <a:latin typeface="Inconsolata Medium" panose="020B0609030003000000" pitchFamily="49" charset="77"/>
+              </a:rPr>
+              <a:t>, </a:t>
+            </a:r>
+            <a:r>
+              <a:rPr lang="en-US" b="1" dirty="0">
+                <a:solidFill>
+                  <a:srgbClr val="CC3300"/>
+                </a:solidFill>
+                <a:latin typeface="Inconsolata Medium" panose="020B0609030003000000" pitchFamily="49" charset="77"/>
+              </a:rPr>
+              <a:t>'three'</a:t>
+            </a:r>
+            <a:r>
+              <a:rPr lang="en-US" b="1" dirty="0">
+                <a:latin typeface="Inconsolata Medium" panose="020B0609030003000000" pitchFamily="49" charset="77"/>
+              </a:rPr>
+              <a:t>:</a:t>
+            </a:r>
+            <a:r>
+              <a:rPr lang="en-US" b="1" dirty="0">
+                <a:solidFill>
+                  <a:srgbClr val="FF6600"/>
+                </a:solidFill>
+                <a:latin typeface="Inconsolata Medium" panose="020B0609030003000000" pitchFamily="49" charset="77"/>
+              </a:rPr>
+              <a:t>3</a:t>
+            </a:r>
+            <a:r>
+              <a:rPr lang="en-US" b="1" dirty="0">
+                <a:latin typeface="Inconsolata Medium" panose="020B0609030003000000" pitchFamily="49" charset="77"/>
+              </a:rPr>
+              <a:t>} </a:t>
+            </a:r>
+          </a:p>
+          <a:p>
+            <a:pPr marL="0" indent="0">
+              <a:buNone/>
+            </a:pPr>
+            <a:r>
+              <a:rPr lang="en-US" b="1" dirty="0">
+                <a:solidFill>
+                  <a:srgbClr val="006699"/>
+                </a:solidFill>
+                <a:latin typeface="Inconsolata Medium" panose="020B0609030003000000" pitchFamily="49" charset="77"/>
+              </a:rPr>
+              <a:t>	    for </a:t>
+            </a:r>
+            <a:r>
+              <a:rPr lang="en-US" b="1" dirty="0">
+                <a:solidFill>
+                  <a:srgbClr val="000087"/>
+                </a:solidFill>
+                <a:latin typeface="Inconsolata Medium" panose="020B0609030003000000" pitchFamily="49" charset="77"/>
+              </a:rPr>
+              <a:t>x </a:t>
+            </a:r>
+            <a:r>
+              <a:rPr lang="en-US" b="1" dirty="0">
+                <a:latin typeface="Inconsolata Medium" panose="020B0609030003000000" pitchFamily="49" charset="77"/>
+              </a:rPr>
+              <a:t>in </a:t>
+            </a:r>
+            <a:r>
+              <a:rPr lang="en-US" b="1" dirty="0">
+                <a:solidFill>
+                  <a:srgbClr val="336666"/>
+                </a:solidFill>
+                <a:latin typeface="Inconsolata Medium" panose="020B0609030003000000" pitchFamily="49" charset="77"/>
+              </a:rPr>
+              <a:t>numbers</a:t>
+            </a:r>
+            <a:r>
+              <a:rPr lang="en-US" b="1" dirty="0">
+                <a:latin typeface="Inconsolata Medium" panose="020B0609030003000000" pitchFamily="49" charset="77"/>
+              </a:rPr>
+              <a:t>: </a:t>
+            </a:r>
+          </a:p>
+          <a:p>
+            <a:pPr marL="0" indent="0">
+              <a:buNone/>
+            </a:pPr>
+            <a:r>
+              <a:rPr lang="en-US" b="1" dirty="0">
+                <a:solidFill>
+                  <a:srgbClr val="006699"/>
+                </a:solidFill>
+                <a:latin typeface="Inconsolata Medium" panose="020B0609030003000000" pitchFamily="49" charset="77"/>
+              </a:rPr>
+              <a:t>		  print</a:t>
+            </a:r>
+            <a:r>
+              <a:rPr lang="en-US" b="1" dirty="0">
+                <a:latin typeface="Inconsolata Medium" panose="020B0609030003000000" pitchFamily="49" charset="77"/>
+              </a:rPr>
+              <a:t>(</a:t>
+            </a:r>
+            <a:r>
+              <a:rPr lang="en-US" b="1" dirty="0">
+                <a:solidFill>
+                  <a:srgbClr val="000087"/>
+                </a:solidFill>
+                <a:latin typeface="Inconsolata Medium" panose="020B0609030003000000" pitchFamily="49" charset="77"/>
+              </a:rPr>
+              <a:t>x</a:t>
+            </a:r>
+            <a:r>
+              <a:rPr lang="en-US" b="1" dirty="0">
+                <a:latin typeface="Inconsolata Medium" panose="020B0609030003000000" pitchFamily="49" charset="77"/>
+              </a:rPr>
+              <a:t>, </a:t>
+            </a:r>
+            <a:r>
+              <a:rPr lang="en-US" b="1" dirty="0">
+                <a:solidFill>
+                  <a:srgbClr val="000087"/>
+                </a:solidFill>
+                <a:latin typeface="Inconsolata Medium" panose="020B0609030003000000" pitchFamily="49" charset="77"/>
+              </a:rPr>
+              <a:t>end</a:t>
+            </a:r>
+            <a:r>
+              <a:rPr lang="en-US" b="1" dirty="0">
+                <a:solidFill>
+                  <a:srgbClr val="545454"/>
+                </a:solidFill>
+                <a:latin typeface="Inconsolata Medium" panose="020B0609030003000000" pitchFamily="49" charset="77"/>
+              </a:rPr>
+              <a:t>=</a:t>
+            </a:r>
+            <a:r>
+              <a:rPr lang="en-US" b="1" dirty="0">
+                <a:solidFill>
+                  <a:srgbClr val="CC3300"/>
+                </a:solidFill>
+                <a:latin typeface="Inconsolata Medium" panose="020B0609030003000000" pitchFamily="49" charset="77"/>
+              </a:rPr>
+              <a:t>" "</a:t>
+            </a:r>
+            <a:r>
+              <a:rPr lang="en-US" b="1" dirty="0">
+                <a:latin typeface="Inconsolata Medium" panose="020B0609030003000000" pitchFamily="49" charset="77"/>
+              </a:rPr>
+              <a:t>) </a:t>
+            </a:r>
+          </a:p>
+          <a:p>
+            <a:pPr marL="0" indent="0">
+              <a:buNone/>
+            </a:pPr>
+            <a:r>
+              <a:rPr lang="en-US" dirty="0"/>
+              <a:t>one two three</a:t>
+            </a:r>
+          </a:p>
+          <a:p>
+            <a:pPr marL="0" indent="0">
+              <a:buNone/>
+            </a:pPr>
             <a:endParaRPr lang="en-US" dirty="0"/>
           </a:p>
           <a:p>
             <a:pPr marL="0" indent="0">
               <a:buNone/>
             </a:pPr>
+            <a:r>
+              <a:rPr lang="en-US" dirty="0"/>
+              <a:t>To iterate over values of the dictionary use, values().</a:t>
+            </a:r>
+          </a:p>
+          <a:p>
+            <a:pPr marL="0" indent="0">
+              <a:buNone/>
+            </a:pPr>
+            <a:r>
+              <a:rPr lang="en-US" b="1" dirty="0">
+                <a:solidFill>
+                  <a:srgbClr val="000087"/>
+                </a:solidFill>
+                <a:latin typeface="Inconsolata Medium" panose="020B0609030003000000" pitchFamily="49" charset="77"/>
+              </a:rPr>
+              <a:t>In </a:t>
+            </a:r>
+            <a:r>
+              <a:rPr lang="en-US" b="1" dirty="0">
+                <a:latin typeface="Inconsolata Medium" panose="020B0609030003000000" pitchFamily="49" charset="77"/>
+              </a:rPr>
+              <a:t>[</a:t>
+            </a:r>
+            <a:r>
+              <a:rPr lang="en-US" b="1" dirty="0">
+                <a:solidFill>
+                  <a:srgbClr val="FF6600"/>
+                </a:solidFill>
+                <a:latin typeface="Inconsolata Medium" panose="020B0609030003000000" pitchFamily="49" charset="77"/>
+              </a:rPr>
+              <a:t>27</a:t>
+            </a:r>
+            <a:r>
+              <a:rPr lang="en-US" b="1" dirty="0">
+                <a:latin typeface="Inconsolata Medium" panose="020B0609030003000000" pitchFamily="49" charset="77"/>
+              </a:rPr>
+              <a:t>]: </a:t>
+            </a:r>
+            <a:r>
+              <a:rPr lang="en-US" b="1" dirty="0">
+                <a:solidFill>
+                  <a:srgbClr val="006699"/>
+                </a:solidFill>
+                <a:latin typeface="Inconsolata Medium" panose="020B0609030003000000" pitchFamily="49" charset="77"/>
+              </a:rPr>
+              <a:t>for </a:t>
+            </a:r>
+            <a:r>
+              <a:rPr lang="en-US" b="1" dirty="0">
+                <a:solidFill>
+                  <a:srgbClr val="000087"/>
+                </a:solidFill>
+                <a:latin typeface="Inconsolata Medium" panose="020B0609030003000000" pitchFamily="49" charset="77"/>
+              </a:rPr>
+              <a:t>x </a:t>
+            </a:r>
+            <a:r>
+              <a:rPr lang="en-US" b="1" dirty="0">
+                <a:latin typeface="Inconsolata Medium" panose="020B0609030003000000" pitchFamily="49" charset="77"/>
+              </a:rPr>
+              <a:t>in </a:t>
+            </a:r>
+            <a:r>
+              <a:rPr lang="en-US" b="1" dirty="0" err="1">
+                <a:solidFill>
+                  <a:srgbClr val="336666"/>
+                </a:solidFill>
+                <a:latin typeface="Inconsolata Medium" panose="020B0609030003000000" pitchFamily="49" charset="77"/>
+              </a:rPr>
+              <a:t>numbers.values</a:t>
+            </a:r>
+            <a:r>
+              <a:rPr lang="en-US" b="1" dirty="0">
+                <a:solidFill>
+                  <a:srgbClr val="336666"/>
+                </a:solidFill>
+                <a:latin typeface="Inconsolata Medium" panose="020B0609030003000000" pitchFamily="49" charset="77"/>
+              </a:rPr>
+              <a:t>()</a:t>
+            </a:r>
+            <a:r>
+              <a:rPr lang="en-US" b="1" dirty="0">
+                <a:latin typeface="Inconsolata Medium" panose="020B0609030003000000" pitchFamily="49" charset="77"/>
+              </a:rPr>
+              <a:t>: </a:t>
+            </a:r>
+          </a:p>
+          <a:p>
+            <a:pPr marL="0" indent="0">
+              <a:buNone/>
+            </a:pPr>
+            <a:r>
+              <a:rPr lang="en-US" b="1" dirty="0">
+                <a:solidFill>
+                  <a:srgbClr val="006699"/>
+                </a:solidFill>
+                <a:latin typeface="Inconsolata Medium" panose="020B0609030003000000" pitchFamily="49" charset="77"/>
+              </a:rPr>
+              <a:t>		  print</a:t>
+            </a:r>
+            <a:r>
+              <a:rPr lang="en-US" b="1" dirty="0">
+                <a:latin typeface="Inconsolata Medium" panose="020B0609030003000000" pitchFamily="49" charset="77"/>
+              </a:rPr>
+              <a:t>(</a:t>
+            </a:r>
+            <a:r>
+              <a:rPr lang="en-US" b="1" dirty="0">
+                <a:solidFill>
+                  <a:srgbClr val="000087"/>
+                </a:solidFill>
+                <a:latin typeface="Inconsolata Medium" panose="020B0609030003000000" pitchFamily="49" charset="77"/>
+              </a:rPr>
+              <a:t>x</a:t>
+            </a:r>
+            <a:r>
+              <a:rPr lang="en-US" b="1" dirty="0">
+                <a:latin typeface="Inconsolata Medium" panose="020B0609030003000000" pitchFamily="49" charset="77"/>
+              </a:rPr>
+              <a:t>, </a:t>
+            </a:r>
+            <a:r>
+              <a:rPr lang="en-US" b="1" dirty="0">
+                <a:solidFill>
+                  <a:srgbClr val="000087"/>
+                </a:solidFill>
+                <a:latin typeface="Inconsolata Medium" panose="020B0609030003000000" pitchFamily="49" charset="77"/>
+              </a:rPr>
+              <a:t>end</a:t>
+            </a:r>
+            <a:r>
+              <a:rPr lang="en-US" b="1" dirty="0">
+                <a:solidFill>
+                  <a:srgbClr val="545454"/>
+                </a:solidFill>
+                <a:latin typeface="Inconsolata Medium" panose="020B0609030003000000" pitchFamily="49" charset="77"/>
+              </a:rPr>
+              <a:t>=</a:t>
+            </a:r>
+            <a:r>
+              <a:rPr lang="en-US" b="1" dirty="0">
+                <a:solidFill>
+                  <a:srgbClr val="CC3300"/>
+                </a:solidFill>
+                <a:latin typeface="Inconsolata Medium" panose="020B0609030003000000" pitchFamily="49" charset="77"/>
+              </a:rPr>
+              <a:t>‘ ’</a:t>
+            </a:r>
+            <a:r>
+              <a:rPr lang="en-US" b="1" dirty="0">
+                <a:latin typeface="Inconsolata Medium" panose="020B0609030003000000" pitchFamily="49" charset="77"/>
+              </a:rPr>
+              <a:t>) </a:t>
+            </a:r>
+          </a:p>
+          <a:p>
+            <a:pPr marL="0" indent="0">
+              <a:buNone/>
+            </a:pPr>
+            <a:r>
+              <a:rPr lang="en-US" dirty="0"/>
+              <a:t>1 2 3</a:t>
+            </a:r>
+          </a:p>
+          <a:p>
+            <a:pPr marL="0" indent="0">
+              <a:buNone/>
+            </a:pPr>
             <a:endParaRPr lang="en-US" dirty="0"/>
-          </a:p>
-          <a:p>
-            <a:pPr marL="457200" indent="-457200">
-              <a:buAutoNum type="arabicParenR"/>
-            </a:pPr>
-            <a:r>
-              <a:rPr lang="en-US" dirty="0" err="1"/>
-              <a:t>Vanderplas</a:t>
-            </a:r>
-            <a:r>
-              <a:rPr lang="en-US" dirty="0"/>
-              <a:t>, Jake, A Whirlwind Tour of Python, </a:t>
-            </a:r>
-            <a:r>
-              <a:rPr lang="en-US" dirty="0" err="1"/>
-              <a:t>O’reilly</a:t>
-            </a:r>
-            <a:r>
-              <a:rPr lang="en-US" dirty="0"/>
-              <a:t> Media. </a:t>
-            </a:r>
           </a:p>
           <a:p>
             <a:pPr marL="0" indent="0">
@@ -7240,7 +7340,1072 @@
     </p:spTree>
     <p:extLst>
       <p:ext uri="{BB962C8B-B14F-4D97-AF65-F5344CB8AC3E}">
-        <p14:creationId xmlns:p14="http://schemas.microsoft.com/office/powerpoint/2010/main" val="1438711869"/>
+        <p14:creationId xmlns:p14="http://schemas.microsoft.com/office/powerpoint/2010/main" val="67073653"/>
+      </p:ext>
+    </p:extLst>
+  </p:cSld>
+  <p:clrMapOvr>
+    <a:masterClrMapping/>
+  </p:clrMapOvr>
+</p:sld>
+</file>
+
+<file path=ppt/slides/slide18.xml><?xml version="1.0" encoding="utf-8"?>
+<p:sld xmlns:a="http://schemas.openxmlformats.org/drawingml/2006/main" xmlns:r="http://schemas.openxmlformats.org/officeDocument/2006/relationships" xmlns:p="http://schemas.openxmlformats.org/presentationml/2006/main">
+  <p:cSld>
+    <p:spTree>
+      <p:nvGrpSpPr>
+        <p:cNvPr id="1" name=""/>
+        <p:cNvGrpSpPr/>
+        <p:nvPr/>
+      </p:nvGrpSpPr>
+      <p:grpSpPr>
+        <a:xfrm>
+          <a:off x="0" y="0"/>
+          <a:ext cx="0" cy="0"/>
+          <a:chOff x="0" y="0"/>
+          <a:chExt cx="0" cy="0"/>
+        </a:xfrm>
+      </p:grpSpPr>
+      <p:sp>
+        <p:nvSpPr>
+          <p:cNvPr id="2" name="Title 1">
+            <a:extLst>
+              <a:ext uri="{FF2B5EF4-FFF2-40B4-BE49-F238E27FC236}">
+                <a16:creationId xmlns:a16="http://schemas.microsoft.com/office/drawing/2014/main" id="{AA3A228F-61D0-D949-A5E7-F83756230BF8}"/>
+              </a:ext>
+            </a:extLst>
+          </p:cNvPr>
+          <p:cNvSpPr>
+            <a:spLocks noGrp="1"/>
+          </p:cNvSpPr>
+          <p:nvPr>
+            <p:ph type="title"/>
+          </p:nvPr>
+        </p:nvSpPr>
+        <p:spPr>
+          <a:xfrm>
+            <a:off x="483848" y="467027"/>
+            <a:ext cx="7053542" cy="683886"/>
+          </a:xfrm>
+        </p:spPr>
+        <p:txBody>
+          <a:bodyPr/>
+          <a:lstStyle/>
+          <a:p>
+            <a:r>
+              <a:rPr lang="en-US" dirty="0" err="1"/>
+              <a:t>Iterables</a:t>
+            </a:r>
+            <a:endParaRPr lang="en-US" dirty="0"/>
+          </a:p>
+        </p:txBody>
+      </p:sp>
+      <p:sp>
+        <p:nvSpPr>
+          <p:cNvPr id="9" name="Content Placeholder 8">
+            <a:extLst>
+              <a:ext uri="{FF2B5EF4-FFF2-40B4-BE49-F238E27FC236}">
+                <a16:creationId xmlns:a16="http://schemas.microsoft.com/office/drawing/2014/main" id="{E3B2E017-30B2-884B-A113-B419A2ED51AD}"/>
+              </a:ext>
+            </a:extLst>
+          </p:cNvPr>
+          <p:cNvSpPr>
+            <a:spLocks noGrp="1"/>
+          </p:cNvSpPr>
+          <p:nvPr>
+            <p:ph idx="1"/>
+          </p:nvPr>
+        </p:nvSpPr>
+        <p:spPr>
+          <a:xfrm>
+            <a:off x="483848" y="1150912"/>
+            <a:ext cx="8051725" cy="4564087"/>
+          </a:xfrm>
+        </p:spPr>
+        <p:txBody>
+          <a:bodyPr>
+            <a:noAutofit/>
+          </a:bodyPr>
+          <a:lstStyle/>
+          <a:p>
+            <a:pPr marL="0" indent="0">
+              <a:buNone/>
+            </a:pPr>
+            <a:r>
+              <a:rPr lang="en-US" dirty="0"/>
+              <a:t>It is easy to iterate over both keys and values of the dictionary.  Use the method items() and tuple unpacking.</a:t>
+            </a:r>
+            <a:endParaRPr lang="en-US" b="1" dirty="0">
+              <a:solidFill>
+                <a:srgbClr val="000087"/>
+              </a:solidFill>
+              <a:latin typeface="Inconsolata Medium" panose="020B0609030003000000" pitchFamily="49" charset="77"/>
+            </a:endParaRPr>
+          </a:p>
+          <a:p>
+            <a:pPr marL="0" indent="0">
+              <a:buNone/>
+            </a:pPr>
+            <a:endParaRPr lang="en-US" b="1" dirty="0">
+              <a:solidFill>
+                <a:srgbClr val="000087"/>
+              </a:solidFill>
+              <a:latin typeface="Inconsolata Medium" panose="020B0609030003000000" pitchFamily="49" charset="77"/>
+            </a:endParaRPr>
+          </a:p>
+          <a:p>
+            <a:pPr marL="0" indent="0">
+              <a:buNone/>
+            </a:pPr>
+            <a:r>
+              <a:rPr lang="en-US" b="1" dirty="0">
+                <a:solidFill>
+                  <a:srgbClr val="000087"/>
+                </a:solidFill>
+                <a:latin typeface="Inconsolata Medium" panose="020B0609030003000000" pitchFamily="49" charset="77"/>
+              </a:rPr>
+              <a:t>In </a:t>
+            </a:r>
+            <a:r>
+              <a:rPr lang="en-US" b="1" dirty="0">
+                <a:latin typeface="Inconsolata Medium" panose="020B0609030003000000" pitchFamily="49" charset="77"/>
+              </a:rPr>
+              <a:t>[</a:t>
+            </a:r>
+            <a:r>
+              <a:rPr lang="en-US" b="1" dirty="0">
+                <a:solidFill>
+                  <a:srgbClr val="FF6600"/>
+                </a:solidFill>
+                <a:latin typeface="Inconsolata Medium" panose="020B0609030003000000" pitchFamily="49" charset="77"/>
+              </a:rPr>
+              <a:t>27</a:t>
+            </a:r>
+            <a:r>
+              <a:rPr lang="en-US" b="1" dirty="0">
+                <a:latin typeface="Inconsolata Medium" panose="020B0609030003000000" pitchFamily="49" charset="77"/>
+              </a:rPr>
+              <a:t>]: </a:t>
+            </a:r>
+            <a:r>
+              <a:rPr lang="en-US" b="1" dirty="0">
+                <a:solidFill>
+                  <a:srgbClr val="000087"/>
+                </a:solidFill>
+                <a:latin typeface="Inconsolata Medium" panose="020B0609030003000000" pitchFamily="49" charset="77"/>
+              </a:rPr>
+              <a:t>numbers </a:t>
+            </a:r>
+            <a:r>
+              <a:rPr lang="en-US" b="1" dirty="0">
+                <a:solidFill>
+                  <a:srgbClr val="545454"/>
+                </a:solidFill>
+                <a:latin typeface="Inconsolata Medium" panose="020B0609030003000000" pitchFamily="49" charset="77"/>
+              </a:rPr>
+              <a:t>= </a:t>
+            </a:r>
+            <a:r>
+              <a:rPr lang="en-US" b="1" dirty="0">
+                <a:latin typeface="Inconsolata Medium" panose="020B0609030003000000" pitchFamily="49" charset="77"/>
+              </a:rPr>
+              <a:t>{</a:t>
+            </a:r>
+            <a:r>
+              <a:rPr lang="en-US" b="1" dirty="0">
+                <a:solidFill>
+                  <a:srgbClr val="CC3300"/>
+                </a:solidFill>
+                <a:latin typeface="Inconsolata Medium" panose="020B0609030003000000" pitchFamily="49" charset="77"/>
+              </a:rPr>
+              <a:t>'one'</a:t>
+            </a:r>
+            <a:r>
+              <a:rPr lang="en-US" b="1" dirty="0">
+                <a:latin typeface="Inconsolata Medium" panose="020B0609030003000000" pitchFamily="49" charset="77"/>
+              </a:rPr>
+              <a:t>:</a:t>
+            </a:r>
+            <a:r>
+              <a:rPr lang="en-US" b="1" dirty="0">
+                <a:solidFill>
+                  <a:srgbClr val="FF6600"/>
+                </a:solidFill>
+                <a:latin typeface="Inconsolata Medium" panose="020B0609030003000000" pitchFamily="49" charset="77"/>
+              </a:rPr>
+              <a:t>1</a:t>
+            </a:r>
+            <a:r>
+              <a:rPr lang="en-US" b="1" dirty="0">
+                <a:latin typeface="Inconsolata Medium" panose="020B0609030003000000" pitchFamily="49" charset="77"/>
+              </a:rPr>
+              <a:t>, </a:t>
+            </a:r>
+            <a:r>
+              <a:rPr lang="en-US" b="1" dirty="0">
+                <a:solidFill>
+                  <a:srgbClr val="CC3300"/>
+                </a:solidFill>
+                <a:latin typeface="Inconsolata Medium" panose="020B0609030003000000" pitchFamily="49" charset="77"/>
+              </a:rPr>
+              <a:t>'two'</a:t>
+            </a:r>
+            <a:r>
+              <a:rPr lang="en-US" b="1" dirty="0">
+                <a:latin typeface="Inconsolata Medium" panose="020B0609030003000000" pitchFamily="49" charset="77"/>
+              </a:rPr>
+              <a:t>:</a:t>
+            </a:r>
+            <a:r>
+              <a:rPr lang="en-US" b="1" dirty="0">
+                <a:solidFill>
+                  <a:srgbClr val="FF6600"/>
+                </a:solidFill>
+                <a:latin typeface="Inconsolata Medium" panose="020B0609030003000000" pitchFamily="49" charset="77"/>
+              </a:rPr>
+              <a:t>2</a:t>
+            </a:r>
+            <a:r>
+              <a:rPr lang="en-US" b="1" dirty="0">
+                <a:latin typeface="Inconsolata Medium" panose="020B0609030003000000" pitchFamily="49" charset="77"/>
+              </a:rPr>
+              <a:t>, </a:t>
+            </a:r>
+            <a:r>
+              <a:rPr lang="en-US" b="1" dirty="0">
+                <a:solidFill>
+                  <a:srgbClr val="CC3300"/>
+                </a:solidFill>
+                <a:latin typeface="Inconsolata Medium" panose="020B0609030003000000" pitchFamily="49" charset="77"/>
+              </a:rPr>
+              <a:t>'three'</a:t>
+            </a:r>
+            <a:r>
+              <a:rPr lang="en-US" b="1" dirty="0">
+                <a:latin typeface="Inconsolata Medium" panose="020B0609030003000000" pitchFamily="49" charset="77"/>
+              </a:rPr>
+              <a:t>:</a:t>
+            </a:r>
+            <a:r>
+              <a:rPr lang="en-US" b="1" dirty="0">
+                <a:solidFill>
+                  <a:srgbClr val="FF6600"/>
+                </a:solidFill>
+                <a:latin typeface="Inconsolata Medium" panose="020B0609030003000000" pitchFamily="49" charset="77"/>
+              </a:rPr>
+              <a:t>3</a:t>
+            </a:r>
+            <a:r>
+              <a:rPr lang="en-US" b="1" dirty="0">
+                <a:latin typeface="Inconsolata Medium" panose="020B0609030003000000" pitchFamily="49" charset="77"/>
+              </a:rPr>
+              <a:t>} </a:t>
+            </a:r>
+          </a:p>
+          <a:p>
+            <a:pPr marL="0" indent="0">
+              <a:buNone/>
+            </a:pPr>
+            <a:r>
+              <a:rPr lang="en-US" b="1" dirty="0">
+                <a:solidFill>
+                  <a:srgbClr val="006699"/>
+                </a:solidFill>
+                <a:latin typeface="Inconsolata Medium" panose="020B0609030003000000" pitchFamily="49" charset="77"/>
+              </a:rPr>
+              <a:t>	    for </a:t>
+            </a:r>
+            <a:r>
+              <a:rPr lang="en-US" b="1" dirty="0">
+                <a:solidFill>
+                  <a:srgbClr val="000087"/>
+                </a:solidFill>
+                <a:latin typeface="Inconsolata Medium" panose="020B0609030003000000" pitchFamily="49" charset="77"/>
+              </a:rPr>
+              <a:t>k, v </a:t>
+            </a:r>
+            <a:r>
+              <a:rPr lang="en-US" b="1" dirty="0">
+                <a:latin typeface="Inconsolata Medium" panose="020B0609030003000000" pitchFamily="49" charset="77"/>
+              </a:rPr>
+              <a:t>in </a:t>
+            </a:r>
+            <a:r>
+              <a:rPr lang="en-US" b="1" dirty="0" err="1">
+                <a:solidFill>
+                  <a:srgbClr val="336666"/>
+                </a:solidFill>
+                <a:latin typeface="Inconsolata Medium" panose="020B0609030003000000" pitchFamily="49" charset="77"/>
+              </a:rPr>
+              <a:t>numbers.items</a:t>
+            </a:r>
+            <a:r>
+              <a:rPr lang="en-US" b="1" dirty="0">
+                <a:solidFill>
+                  <a:srgbClr val="336666"/>
+                </a:solidFill>
+                <a:latin typeface="Inconsolata Medium" panose="020B0609030003000000" pitchFamily="49" charset="77"/>
+              </a:rPr>
+              <a:t>()</a:t>
+            </a:r>
+            <a:r>
+              <a:rPr lang="en-US" b="1" dirty="0">
+                <a:latin typeface="Inconsolata Medium" panose="020B0609030003000000" pitchFamily="49" charset="77"/>
+              </a:rPr>
+              <a:t>: </a:t>
+            </a:r>
+          </a:p>
+          <a:p>
+            <a:pPr marL="0" indent="0">
+              <a:buNone/>
+            </a:pPr>
+            <a:r>
+              <a:rPr lang="en-US" b="1" dirty="0">
+                <a:solidFill>
+                  <a:srgbClr val="006699"/>
+                </a:solidFill>
+                <a:latin typeface="Inconsolata Medium" panose="020B0609030003000000" pitchFamily="49" charset="77"/>
+              </a:rPr>
+              <a:t>		  print</a:t>
+            </a:r>
+            <a:r>
+              <a:rPr lang="en-US" b="1" dirty="0">
+                <a:latin typeface="Inconsolata Medium" panose="020B0609030003000000" pitchFamily="49" charset="77"/>
+              </a:rPr>
+              <a:t>(</a:t>
+            </a:r>
+            <a:r>
+              <a:rPr lang="en-US" b="1" dirty="0">
+                <a:solidFill>
+                  <a:srgbClr val="000087"/>
+                </a:solidFill>
+                <a:latin typeface="Inconsolata Medium" panose="020B0609030003000000" pitchFamily="49" charset="77"/>
+              </a:rPr>
+              <a:t>k, v</a:t>
+            </a:r>
+            <a:r>
+              <a:rPr lang="en-US" b="1" dirty="0">
+                <a:latin typeface="Inconsolata Medium" panose="020B0609030003000000" pitchFamily="49" charset="77"/>
+              </a:rPr>
+              <a:t>) </a:t>
+            </a:r>
+          </a:p>
+          <a:p>
+            <a:pPr marL="0" indent="0">
+              <a:buNone/>
+            </a:pPr>
+            <a:r>
+              <a:rPr lang="en-US" dirty="0"/>
+              <a:t>one 1</a:t>
+            </a:r>
+          </a:p>
+          <a:p>
+            <a:pPr marL="0" indent="0">
+              <a:buNone/>
+            </a:pPr>
+            <a:r>
+              <a:rPr lang="en-US" dirty="0"/>
+              <a:t>two 2</a:t>
+            </a:r>
+          </a:p>
+          <a:p>
+            <a:pPr marL="0" indent="0">
+              <a:buNone/>
+            </a:pPr>
+            <a:r>
+              <a:rPr lang="en-US" dirty="0"/>
+              <a:t>three 3</a:t>
+            </a:r>
+          </a:p>
+          <a:p>
+            <a:pPr marL="0" indent="0">
+              <a:buNone/>
+            </a:pPr>
+            <a:endParaRPr lang="en-US" dirty="0"/>
+          </a:p>
+          <a:p>
+            <a:pPr marL="0" indent="0">
+              <a:buNone/>
+            </a:pPr>
+            <a:endParaRPr lang="en-US" dirty="0"/>
+          </a:p>
+          <a:p>
+            <a:pPr marL="0" indent="0">
+              <a:buNone/>
+            </a:pPr>
+            <a:endParaRPr lang="en-US" dirty="0"/>
+          </a:p>
+        </p:txBody>
+      </p:sp>
+    </p:spTree>
+    <p:extLst>
+      <p:ext uri="{BB962C8B-B14F-4D97-AF65-F5344CB8AC3E}">
+        <p14:creationId xmlns:p14="http://schemas.microsoft.com/office/powerpoint/2010/main" val="3246446892"/>
+      </p:ext>
+    </p:extLst>
+  </p:cSld>
+  <p:clrMapOvr>
+    <a:masterClrMapping/>
+  </p:clrMapOvr>
+</p:sld>
+</file>
+
+<file path=ppt/slides/slide19.xml><?xml version="1.0" encoding="utf-8"?>
+<p:sld xmlns:a="http://schemas.openxmlformats.org/drawingml/2006/main" xmlns:r="http://schemas.openxmlformats.org/officeDocument/2006/relationships" xmlns:p="http://schemas.openxmlformats.org/presentationml/2006/main">
+  <p:cSld>
+    <p:spTree>
+      <p:nvGrpSpPr>
+        <p:cNvPr id="1" name=""/>
+        <p:cNvGrpSpPr/>
+        <p:nvPr/>
+      </p:nvGrpSpPr>
+      <p:grpSpPr>
+        <a:xfrm>
+          <a:off x="0" y="0"/>
+          <a:ext cx="0" cy="0"/>
+          <a:chOff x="0" y="0"/>
+          <a:chExt cx="0" cy="0"/>
+        </a:xfrm>
+      </p:grpSpPr>
+      <p:sp>
+        <p:nvSpPr>
+          <p:cNvPr id="2" name="Title 1">
+            <a:extLst>
+              <a:ext uri="{FF2B5EF4-FFF2-40B4-BE49-F238E27FC236}">
+                <a16:creationId xmlns:a16="http://schemas.microsoft.com/office/drawing/2014/main" id="{AA3A228F-61D0-D949-A5E7-F83756230BF8}"/>
+              </a:ext>
+            </a:extLst>
+          </p:cNvPr>
+          <p:cNvSpPr>
+            <a:spLocks noGrp="1"/>
+          </p:cNvSpPr>
+          <p:nvPr>
+            <p:ph type="title"/>
+          </p:nvPr>
+        </p:nvSpPr>
+        <p:spPr>
+          <a:xfrm>
+            <a:off x="483848" y="467027"/>
+            <a:ext cx="7053542" cy="683886"/>
+          </a:xfrm>
+        </p:spPr>
+        <p:txBody>
+          <a:bodyPr/>
+          <a:lstStyle/>
+          <a:p>
+            <a:r>
+              <a:rPr lang="en-US" dirty="0"/>
+              <a:t>Example of a Use </a:t>
+            </a:r>
+            <a:r>
+              <a:rPr lang="en-US"/>
+              <a:t>for Dictionaries</a:t>
+            </a:r>
+            <a:endParaRPr lang="en-US" dirty="0"/>
+          </a:p>
+        </p:txBody>
+      </p:sp>
+      <p:sp>
+        <p:nvSpPr>
+          <p:cNvPr id="9" name="Content Placeholder 8">
+            <a:extLst>
+              <a:ext uri="{FF2B5EF4-FFF2-40B4-BE49-F238E27FC236}">
+                <a16:creationId xmlns:a16="http://schemas.microsoft.com/office/drawing/2014/main" id="{E3B2E017-30B2-884B-A113-B419A2ED51AD}"/>
+              </a:ext>
+            </a:extLst>
+          </p:cNvPr>
+          <p:cNvSpPr>
+            <a:spLocks noGrp="1"/>
+          </p:cNvSpPr>
+          <p:nvPr>
+            <p:ph idx="1"/>
+          </p:nvPr>
+        </p:nvSpPr>
+        <p:spPr>
+          <a:xfrm>
+            <a:off x="483848" y="1150912"/>
+            <a:ext cx="8051725" cy="4564087"/>
+          </a:xfrm>
+        </p:spPr>
+        <p:txBody>
+          <a:bodyPr>
+            <a:noAutofit/>
+          </a:bodyPr>
+          <a:lstStyle/>
+          <a:p>
+            <a:pPr marL="0" indent="0">
+              <a:buNone/>
+            </a:pPr>
+            <a:r>
+              <a:rPr lang="en-US" b="1" dirty="0">
+                <a:solidFill>
+                  <a:srgbClr val="000087"/>
+                </a:solidFill>
+                <a:latin typeface="Inconsolata Medium" panose="020B0609030003000000" pitchFamily="49" charset="77"/>
+              </a:rPr>
+              <a:t>database </a:t>
+            </a:r>
+            <a:r>
+              <a:rPr lang="en-US" b="1" dirty="0">
+                <a:solidFill>
+                  <a:srgbClr val="545454"/>
+                </a:solidFill>
+                <a:latin typeface="Inconsolata Medium" panose="020B0609030003000000" pitchFamily="49" charset="77"/>
+              </a:rPr>
+              <a:t>= </a:t>
+            </a:r>
+            <a:r>
+              <a:rPr lang="en-US" b="1" dirty="0">
+                <a:latin typeface="Inconsolata Medium" panose="020B0609030003000000" pitchFamily="49" charset="77"/>
+              </a:rPr>
+              <a:t>{</a:t>
+            </a:r>
+            <a:r>
+              <a:rPr lang="en-US" b="1" dirty="0">
+                <a:solidFill>
+                  <a:srgbClr val="CC3300"/>
+                </a:solidFill>
+                <a:latin typeface="Inconsolata Medium" panose="020B0609030003000000" pitchFamily="49" charset="77"/>
+              </a:rPr>
+              <a:t>'Mike'</a:t>
+            </a:r>
+            <a:r>
+              <a:rPr lang="en-US" b="1" dirty="0">
+                <a:latin typeface="Inconsolata Medium" panose="020B0609030003000000" pitchFamily="49" charset="77"/>
+              </a:rPr>
+              <a:t>:</a:t>
+            </a:r>
+            <a:r>
+              <a:rPr lang="en-US" b="1" dirty="0">
+                <a:solidFill>
+                  <a:srgbClr val="FF6600"/>
+                </a:solidFill>
+                <a:latin typeface="Inconsolata Medium" panose="020B0609030003000000" pitchFamily="49" charset="77"/>
+              </a:rPr>
+              <a:t>[70]</a:t>
+            </a:r>
+            <a:r>
+              <a:rPr lang="en-US" b="1" dirty="0">
+                <a:latin typeface="Inconsolata Medium" panose="020B0609030003000000" pitchFamily="49" charset="77"/>
+              </a:rPr>
+              <a:t>, </a:t>
+            </a:r>
+            <a:r>
+              <a:rPr lang="en-US" b="1" dirty="0">
+                <a:solidFill>
+                  <a:srgbClr val="CC3300"/>
+                </a:solidFill>
+                <a:latin typeface="Inconsolata Medium" panose="020B0609030003000000" pitchFamily="49" charset="77"/>
+              </a:rPr>
+              <a:t>'Sarah'</a:t>
+            </a:r>
+            <a:r>
+              <a:rPr lang="en-US" b="1" dirty="0">
+                <a:latin typeface="Inconsolata Medium" panose="020B0609030003000000" pitchFamily="49" charset="77"/>
+              </a:rPr>
+              <a:t>:</a:t>
+            </a:r>
+            <a:r>
+              <a:rPr lang="en-US" b="1" dirty="0">
+                <a:solidFill>
+                  <a:srgbClr val="FF6600"/>
+                </a:solidFill>
+                <a:latin typeface="Inconsolata Medium" panose="020B0609030003000000" pitchFamily="49" charset="77"/>
+              </a:rPr>
+              <a:t>[88]</a:t>
+            </a:r>
+            <a:r>
+              <a:rPr lang="en-US" b="1" dirty="0">
+                <a:latin typeface="Inconsolata Medium" panose="020B0609030003000000" pitchFamily="49" charset="77"/>
+              </a:rPr>
+              <a:t>} </a:t>
+            </a:r>
+          </a:p>
+          <a:p>
+            <a:pPr marL="0" indent="0">
+              <a:buNone/>
+            </a:pPr>
+            <a:r>
+              <a:rPr lang="en-US" b="1" dirty="0" err="1">
+                <a:solidFill>
+                  <a:srgbClr val="000087"/>
+                </a:solidFill>
+                <a:latin typeface="Inconsolata Medium" panose="020B0609030003000000" pitchFamily="49" charset="77"/>
+              </a:rPr>
+              <a:t>names_to_add</a:t>
+            </a:r>
+            <a:r>
+              <a:rPr lang="en-US" b="1" dirty="0">
+                <a:solidFill>
+                  <a:srgbClr val="000087"/>
+                </a:solidFill>
+                <a:latin typeface="Inconsolata Medium" panose="020B0609030003000000" pitchFamily="49" charset="77"/>
+              </a:rPr>
+              <a:t> </a:t>
+            </a:r>
+            <a:r>
+              <a:rPr lang="en-US" b="1" dirty="0">
+                <a:solidFill>
+                  <a:srgbClr val="545454"/>
+                </a:solidFill>
+                <a:latin typeface="Inconsolata Medium" panose="020B0609030003000000" pitchFamily="49" charset="77"/>
+              </a:rPr>
+              <a:t>= </a:t>
+            </a:r>
+            <a:r>
+              <a:rPr lang="en-US" b="1" dirty="0">
+                <a:latin typeface="Inconsolata Medium" panose="020B0609030003000000" pitchFamily="49" charset="77"/>
+              </a:rPr>
+              <a:t>[(</a:t>
+            </a:r>
+            <a:r>
+              <a:rPr lang="en-US" b="1" dirty="0">
+                <a:solidFill>
+                  <a:srgbClr val="CC3300"/>
+                </a:solidFill>
+                <a:latin typeface="Inconsolata Medium" panose="020B0609030003000000" pitchFamily="49" charset="77"/>
+              </a:rPr>
+              <a:t>'Sarah',</a:t>
+            </a:r>
+            <a:r>
+              <a:rPr lang="en-US" b="1" dirty="0">
+                <a:solidFill>
+                  <a:srgbClr val="FF6600"/>
+                </a:solidFill>
+                <a:latin typeface="Inconsolata Medium" panose="020B0609030003000000" pitchFamily="49" charset="77"/>
+              </a:rPr>
+              <a:t>75</a:t>
+            </a:r>
+            <a:r>
+              <a:rPr lang="en-US" b="1" dirty="0">
+                <a:latin typeface="Inconsolata Medium" panose="020B0609030003000000" pitchFamily="49" charset="77"/>
+              </a:rPr>
+              <a:t>), (</a:t>
+            </a:r>
+            <a:r>
+              <a:rPr lang="en-US" b="1" dirty="0">
+                <a:solidFill>
+                  <a:srgbClr val="CC3300"/>
+                </a:solidFill>
+                <a:latin typeface="Inconsolata Medium" panose="020B0609030003000000" pitchFamily="49" charset="77"/>
+              </a:rPr>
+              <a:t>'John',</a:t>
+            </a:r>
+            <a:r>
+              <a:rPr lang="en-US" b="1" dirty="0">
+                <a:solidFill>
+                  <a:srgbClr val="FF6600"/>
+                </a:solidFill>
+                <a:latin typeface="Inconsolata Medium" panose="020B0609030003000000" pitchFamily="49" charset="77"/>
+              </a:rPr>
+              <a:t>90</a:t>
+            </a:r>
+            <a:r>
+              <a:rPr lang="en-US" b="1" dirty="0">
+                <a:latin typeface="Inconsolata Medium" panose="020B0609030003000000" pitchFamily="49" charset="77"/>
+              </a:rPr>
+              <a:t>),</a:t>
+            </a:r>
+            <a:r>
+              <a:rPr lang="en-US" b="1" dirty="0">
+                <a:solidFill>
+                  <a:srgbClr val="FF6600"/>
+                </a:solidFill>
+                <a:latin typeface="Inconsolata Medium" panose="020B0609030003000000" pitchFamily="49" charset="77"/>
+              </a:rPr>
+              <a:t> </a:t>
+            </a:r>
+            <a:r>
+              <a:rPr lang="en-US" b="1" dirty="0">
+                <a:latin typeface="Inconsolata Medium" panose="020B0609030003000000" pitchFamily="49" charset="77"/>
+              </a:rPr>
+              <a:t>(</a:t>
+            </a:r>
+            <a:r>
+              <a:rPr lang="en-US" b="1" dirty="0">
+                <a:solidFill>
+                  <a:srgbClr val="CC3300"/>
+                </a:solidFill>
+                <a:latin typeface="Inconsolata Medium" panose="020B0609030003000000" pitchFamily="49" charset="77"/>
+              </a:rPr>
+              <a:t>'Mike'</a:t>
+            </a:r>
+            <a:r>
+              <a:rPr lang="en-US" b="1" dirty="0">
+                <a:solidFill>
+                  <a:srgbClr val="FF6600"/>
+                </a:solidFill>
+                <a:latin typeface="Inconsolata Medium" panose="020B0609030003000000" pitchFamily="49" charset="77"/>
+              </a:rPr>
+              <a:t>,81</a:t>
+            </a:r>
+            <a:r>
+              <a:rPr lang="en-US" b="1" dirty="0">
+                <a:latin typeface="Inconsolata Medium" panose="020B0609030003000000" pitchFamily="49" charset="77"/>
+              </a:rPr>
+              <a:t>)]</a:t>
+            </a:r>
+          </a:p>
+          <a:p>
+            <a:pPr marL="0" indent="0">
+              <a:buNone/>
+            </a:pPr>
+            <a:endParaRPr lang="en-US" dirty="0"/>
+          </a:p>
+          <a:p>
+            <a:pPr marL="0" indent="0">
+              <a:buNone/>
+            </a:pPr>
+            <a:r>
+              <a:rPr lang="en-US" dirty="0"/>
+              <a:t>We can add new records into our database:</a:t>
+            </a:r>
+            <a:endParaRPr lang="en-US" sz="2000" dirty="0"/>
+          </a:p>
+          <a:p>
+            <a:pPr marL="0" indent="0">
+              <a:buNone/>
+            </a:pPr>
+            <a:r>
+              <a:rPr lang="en-US" sz="2000" b="1" dirty="0">
+                <a:solidFill>
+                  <a:srgbClr val="006699"/>
+                </a:solidFill>
+                <a:latin typeface="Inconsolata Medium" panose="020B0609030003000000" pitchFamily="49" charset="77"/>
+              </a:rPr>
+              <a:t>for </a:t>
+            </a:r>
+            <a:r>
+              <a:rPr lang="en-US" sz="2000" b="1" dirty="0">
+                <a:solidFill>
+                  <a:srgbClr val="000087"/>
+                </a:solidFill>
+                <a:latin typeface="Inconsolata Medium" panose="020B0609030003000000" pitchFamily="49" charset="77"/>
+              </a:rPr>
+              <a:t>student </a:t>
+            </a:r>
+            <a:r>
+              <a:rPr lang="en-US" sz="2000" b="1" dirty="0">
+                <a:latin typeface="Inconsolata Medium" panose="020B0609030003000000" pitchFamily="49" charset="77"/>
+              </a:rPr>
+              <a:t>in </a:t>
+            </a:r>
+            <a:r>
+              <a:rPr lang="en-US" sz="2000" b="1" dirty="0" err="1">
+                <a:solidFill>
+                  <a:srgbClr val="000087"/>
+                </a:solidFill>
+                <a:latin typeface="Inconsolata Medium" panose="020B0609030003000000" pitchFamily="49" charset="77"/>
+              </a:rPr>
+              <a:t>names_to_add</a:t>
+            </a:r>
+            <a:r>
+              <a:rPr lang="en-US" sz="2000" b="1" dirty="0">
+                <a:solidFill>
+                  <a:srgbClr val="336666"/>
+                </a:solidFill>
+                <a:latin typeface="Inconsolata Medium" panose="020B0609030003000000" pitchFamily="49" charset="77"/>
+              </a:rPr>
+              <a:t>:</a:t>
+            </a:r>
+          </a:p>
+          <a:p>
+            <a:pPr marL="0" indent="0">
+              <a:buNone/>
+            </a:pPr>
+            <a:r>
+              <a:rPr lang="en-US" sz="2000" b="1" dirty="0">
+                <a:solidFill>
+                  <a:srgbClr val="000087"/>
+                </a:solidFill>
+                <a:latin typeface="Inconsolata Medium" panose="020B0609030003000000" pitchFamily="49" charset="77"/>
+              </a:rPr>
+              <a:t>	name, score = student  </a:t>
+            </a:r>
+            <a:r>
+              <a:rPr lang="en-US" sz="2000" b="1" dirty="0">
+                <a:solidFill>
+                  <a:srgbClr val="336666"/>
+                </a:solidFill>
+                <a:latin typeface="Inconsolata Medium" panose="020B0609030003000000" pitchFamily="49" charset="77"/>
+              </a:rPr>
+              <a:t># tuple unpacking </a:t>
+            </a:r>
+          </a:p>
+          <a:p>
+            <a:pPr marL="0" indent="0">
+              <a:buNone/>
+            </a:pPr>
+            <a:r>
+              <a:rPr lang="en-US" sz="2000" b="1" dirty="0">
+                <a:solidFill>
+                  <a:srgbClr val="336666"/>
+                </a:solidFill>
+                <a:latin typeface="Inconsolata Medium" panose="020B0609030003000000" pitchFamily="49" charset="77"/>
+              </a:rPr>
+              <a:t>	if </a:t>
+            </a:r>
+            <a:r>
+              <a:rPr lang="en-US" sz="2000" b="1" dirty="0">
+                <a:solidFill>
+                  <a:srgbClr val="000087"/>
+                </a:solidFill>
+                <a:latin typeface="Inconsolata Medium" panose="020B0609030003000000" pitchFamily="49" charset="77"/>
+              </a:rPr>
+              <a:t>name</a:t>
+            </a:r>
+            <a:r>
+              <a:rPr lang="en-US" sz="2000" b="1" dirty="0">
+                <a:solidFill>
+                  <a:srgbClr val="336666"/>
+                </a:solidFill>
+                <a:latin typeface="Inconsolata Medium" panose="020B0609030003000000" pitchFamily="49" charset="77"/>
+              </a:rPr>
+              <a:t> in </a:t>
+            </a:r>
+            <a:r>
+              <a:rPr lang="en-US" sz="2000" b="1" dirty="0">
+                <a:solidFill>
+                  <a:srgbClr val="000087"/>
+                </a:solidFill>
+                <a:latin typeface="Inconsolata Medium" panose="020B0609030003000000" pitchFamily="49" charset="77"/>
+              </a:rPr>
+              <a:t>database</a:t>
+            </a:r>
+            <a:r>
+              <a:rPr lang="en-US" sz="2000" b="1" dirty="0">
+                <a:solidFill>
+                  <a:srgbClr val="336666"/>
+                </a:solidFill>
+                <a:latin typeface="Inconsolata Medium" panose="020B0609030003000000" pitchFamily="49" charset="77"/>
+              </a:rPr>
+              <a:t>:</a:t>
+            </a:r>
+          </a:p>
+          <a:p>
+            <a:pPr marL="0" indent="0">
+              <a:buNone/>
+            </a:pPr>
+            <a:r>
+              <a:rPr lang="en-US" sz="2000" b="1" dirty="0">
+                <a:solidFill>
+                  <a:srgbClr val="336666"/>
+                </a:solidFill>
+                <a:latin typeface="Inconsolata Medium" panose="020B0609030003000000" pitchFamily="49" charset="77"/>
+              </a:rPr>
+              <a:t>		</a:t>
+            </a:r>
+            <a:r>
+              <a:rPr lang="en-US" sz="2000" b="1" dirty="0">
+                <a:solidFill>
+                  <a:srgbClr val="000087"/>
+                </a:solidFill>
+                <a:latin typeface="Inconsolata Medium" panose="020B0609030003000000" pitchFamily="49" charset="77"/>
+              </a:rPr>
+              <a:t>database</a:t>
+            </a:r>
+            <a:r>
+              <a:rPr lang="en-US" sz="2000" b="1" dirty="0">
+                <a:solidFill>
+                  <a:srgbClr val="336666"/>
+                </a:solidFill>
+                <a:latin typeface="Inconsolata Medium" panose="020B0609030003000000" pitchFamily="49" charset="77"/>
+              </a:rPr>
+              <a:t>[name].</a:t>
+            </a:r>
+            <a:r>
+              <a:rPr lang="en-US" sz="2000" b="1" dirty="0">
+                <a:solidFill>
+                  <a:srgbClr val="000087"/>
+                </a:solidFill>
+                <a:latin typeface="Inconsolata Medium" panose="020B0609030003000000" pitchFamily="49" charset="77"/>
+              </a:rPr>
+              <a:t>append</a:t>
+            </a:r>
+            <a:r>
+              <a:rPr lang="en-US" sz="2000" b="1" dirty="0">
+                <a:solidFill>
+                  <a:srgbClr val="336666"/>
+                </a:solidFill>
+                <a:latin typeface="Inconsolata Medium" panose="020B0609030003000000" pitchFamily="49" charset="77"/>
+              </a:rPr>
+              <a:t>(</a:t>
+            </a:r>
+            <a:r>
+              <a:rPr lang="en-US" sz="2000" b="1" dirty="0">
+                <a:solidFill>
+                  <a:srgbClr val="CC3300"/>
+                </a:solidFill>
+                <a:latin typeface="Inconsolata Medium" panose="020B0609030003000000" pitchFamily="49" charset="77"/>
+              </a:rPr>
+              <a:t>score</a:t>
+            </a:r>
+            <a:r>
+              <a:rPr lang="en-US" sz="2000" b="1" dirty="0">
+                <a:solidFill>
+                  <a:srgbClr val="336666"/>
+                </a:solidFill>
+                <a:latin typeface="Inconsolata Medium" panose="020B0609030003000000" pitchFamily="49" charset="77"/>
+              </a:rPr>
+              <a:t>)</a:t>
+            </a:r>
+          </a:p>
+          <a:p>
+            <a:pPr marL="0" indent="0">
+              <a:buNone/>
+            </a:pPr>
+            <a:r>
+              <a:rPr lang="en-US" sz="2000" b="1" dirty="0">
+                <a:solidFill>
+                  <a:srgbClr val="336666"/>
+                </a:solidFill>
+                <a:latin typeface="Inconsolata Medium" panose="020B0609030003000000" pitchFamily="49" charset="77"/>
+              </a:rPr>
+              <a:t>	else:</a:t>
+            </a:r>
+          </a:p>
+          <a:p>
+            <a:pPr marL="0" indent="0">
+              <a:buNone/>
+            </a:pPr>
+            <a:r>
+              <a:rPr lang="en-US" sz="2000" b="1" dirty="0">
+                <a:solidFill>
+                  <a:srgbClr val="336666"/>
+                </a:solidFill>
+                <a:latin typeface="Inconsolata Medium" panose="020B0609030003000000" pitchFamily="49" charset="77"/>
+              </a:rPr>
+              <a:t>		</a:t>
+            </a:r>
+            <a:r>
+              <a:rPr lang="en-US" sz="2000" b="1" dirty="0">
+                <a:solidFill>
+                  <a:srgbClr val="000087"/>
+                </a:solidFill>
+                <a:latin typeface="Inconsolata Medium" panose="020B0609030003000000" pitchFamily="49" charset="77"/>
+              </a:rPr>
+              <a:t>database</a:t>
+            </a:r>
+            <a:r>
+              <a:rPr lang="en-US" sz="2000" b="1" dirty="0">
+                <a:solidFill>
+                  <a:srgbClr val="336666"/>
+                </a:solidFill>
+                <a:latin typeface="Inconsolata Medium" panose="020B0609030003000000" pitchFamily="49" charset="77"/>
+              </a:rPr>
+              <a:t>[name] = </a:t>
+            </a:r>
+            <a:r>
+              <a:rPr lang="en-US" sz="2000" b="1" dirty="0">
+                <a:solidFill>
+                  <a:srgbClr val="CC3300"/>
+                </a:solidFill>
+                <a:latin typeface="Inconsolata Medium" panose="020B0609030003000000" pitchFamily="49" charset="77"/>
+              </a:rPr>
+              <a:t>[]  </a:t>
+            </a:r>
+            <a:r>
+              <a:rPr lang="en-US" sz="2000" b="1" dirty="0">
+                <a:solidFill>
+                  <a:srgbClr val="336666"/>
+                </a:solidFill>
+                <a:latin typeface="Inconsolata Medium" panose="020B0609030003000000" pitchFamily="49" charset="77"/>
+              </a:rPr>
+              <a:t># create new key/value </a:t>
+            </a:r>
+          </a:p>
+          <a:p>
+            <a:pPr marL="0" indent="0">
+              <a:buNone/>
+            </a:pPr>
+            <a:r>
+              <a:rPr lang="en-US" sz="2000" b="1" dirty="0">
+                <a:solidFill>
+                  <a:srgbClr val="336666"/>
+                </a:solidFill>
+                <a:latin typeface="Inconsolata Medium" panose="020B0609030003000000" pitchFamily="49" charset="77"/>
+              </a:rPr>
+              <a:t>		</a:t>
+            </a:r>
+            <a:r>
+              <a:rPr lang="en-US" sz="2000" b="1" dirty="0">
+                <a:solidFill>
+                  <a:srgbClr val="000087"/>
+                </a:solidFill>
+                <a:latin typeface="Inconsolata Medium" panose="020B0609030003000000" pitchFamily="49" charset="77"/>
+              </a:rPr>
+              <a:t>database</a:t>
+            </a:r>
+            <a:r>
+              <a:rPr lang="en-US" sz="2000" b="1" dirty="0">
+                <a:solidFill>
+                  <a:srgbClr val="336666"/>
+                </a:solidFill>
+                <a:latin typeface="Inconsolata Medium" panose="020B0609030003000000" pitchFamily="49" charset="77"/>
+              </a:rPr>
+              <a:t>[name].</a:t>
+            </a:r>
+            <a:r>
+              <a:rPr lang="en-US" sz="2000" b="1" dirty="0">
+                <a:solidFill>
+                  <a:srgbClr val="000087"/>
+                </a:solidFill>
+                <a:latin typeface="Inconsolata Medium" panose="020B0609030003000000" pitchFamily="49" charset="77"/>
+              </a:rPr>
+              <a:t>append</a:t>
+            </a:r>
+            <a:r>
+              <a:rPr lang="en-US" sz="2000" b="1" dirty="0">
+                <a:solidFill>
+                  <a:srgbClr val="336666"/>
+                </a:solidFill>
+                <a:latin typeface="Inconsolata Medium" panose="020B0609030003000000" pitchFamily="49" charset="77"/>
+              </a:rPr>
+              <a:t>(</a:t>
+            </a:r>
+            <a:r>
+              <a:rPr lang="en-US" sz="2000" b="1" dirty="0">
+                <a:solidFill>
+                  <a:srgbClr val="CC3300"/>
+                </a:solidFill>
+                <a:latin typeface="Inconsolata Medium" panose="020B0609030003000000" pitchFamily="49" charset="77"/>
+              </a:rPr>
+              <a:t>score</a:t>
+            </a:r>
+            <a:r>
+              <a:rPr lang="en-US" sz="2000" b="1" dirty="0">
+                <a:solidFill>
+                  <a:srgbClr val="336666"/>
+                </a:solidFill>
+                <a:latin typeface="Inconsolata Medium" panose="020B0609030003000000" pitchFamily="49" charset="77"/>
+              </a:rPr>
+              <a:t>) # add score to list </a:t>
+            </a:r>
+          </a:p>
+          <a:p>
+            <a:pPr marL="0" indent="0">
+              <a:buNone/>
+            </a:pPr>
+            <a:endParaRPr lang="en-US" b="1" dirty="0">
+              <a:solidFill>
+                <a:srgbClr val="336666"/>
+              </a:solidFill>
+              <a:latin typeface="Inconsolata Medium" panose="020B0609030003000000" pitchFamily="49" charset="77"/>
+            </a:endParaRPr>
+          </a:p>
+          <a:p>
+            <a:pPr marL="0" indent="0">
+              <a:buNone/>
+            </a:pPr>
+            <a:endParaRPr lang="en-US" dirty="0"/>
+          </a:p>
+        </p:txBody>
+      </p:sp>
+    </p:spTree>
+    <p:extLst>
+      <p:ext uri="{BB962C8B-B14F-4D97-AF65-F5344CB8AC3E}">
+        <p14:creationId xmlns:p14="http://schemas.microsoft.com/office/powerpoint/2010/main" val="994161803"/>
       </p:ext>
     </p:extLst>
   </p:cSld>
@@ -7423,6 +8588,137 @@
     <p:extLst>
       <p:ext uri="{BB962C8B-B14F-4D97-AF65-F5344CB8AC3E}">
         <p14:creationId xmlns:p14="http://schemas.microsoft.com/office/powerpoint/2010/main" val="131840209"/>
+      </p:ext>
+    </p:extLst>
+  </p:cSld>
+  <p:clrMapOvr>
+    <a:masterClrMapping/>
+  </p:clrMapOvr>
+</p:sld>
+</file>
+
+<file path=ppt/slides/slide20.xml><?xml version="1.0" encoding="utf-8"?>
+<p:sld xmlns:a="http://schemas.openxmlformats.org/drawingml/2006/main" xmlns:r="http://schemas.openxmlformats.org/officeDocument/2006/relationships" xmlns:p="http://schemas.openxmlformats.org/presentationml/2006/main">
+  <p:cSld>
+    <p:spTree>
+      <p:nvGrpSpPr>
+        <p:cNvPr id="1" name=""/>
+        <p:cNvGrpSpPr/>
+        <p:nvPr/>
+      </p:nvGrpSpPr>
+      <p:grpSpPr>
+        <a:xfrm>
+          <a:off x="0" y="0"/>
+          <a:ext cx="0" cy="0"/>
+          <a:chOff x="0" y="0"/>
+          <a:chExt cx="0" cy="0"/>
+        </a:xfrm>
+      </p:grpSpPr>
+      <p:sp>
+        <p:nvSpPr>
+          <p:cNvPr id="2" name="Title 1">
+            <a:extLst>
+              <a:ext uri="{FF2B5EF4-FFF2-40B4-BE49-F238E27FC236}">
+                <a16:creationId xmlns:a16="http://schemas.microsoft.com/office/drawing/2014/main" id="{AA3A228F-61D0-D949-A5E7-F83756230BF8}"/>
+              </a:ext>
+            </a:extLst>
+          </p:cNvPr>
+          <p:cNvSpPr>
+            <a:spLocks noGrp="1"/>
+          </p:cNvSpPr>
+          <p:nvPr>
+            <p:ph type="title"/>
+          </p:nvPr>
+        </p:nvSpPr>
+        <p:spPr>
+          <a:xfrm>
+            <a:off x="483848" y="467027"/>
+            <a:ext cx="7053542" cy="683886"/>
+          </a:xfrm>
+        </p:spPr>
+        <p:txBody>
+          <a:bodyPr/>
+          <a:lstStyle/>
+          <a:p>
+            <a:r>
+              <a:rPr lang="en-US" dirty="0"/>
+              <a:t>References</a:t>
+            </a:r>
+          </a:p>
+        </p:txBody>
+      </p:sp>
+      <p:sp>
+        <p:nvSpPr>
+          <p:cNvPr id="9" name="Content Placeholder 8">
+            <a:extLst>
+              <a:ext uri="{FF2B5EF4-FFF2-40B4-BE49-F238E27FC236}">
+                <a16:creationId xmlns:a16="http://schemas.microsoft.com/office/drawing/2014/main" id="{E3B2E017-30B2-884B-A113-B419A2ED51AD}"/>
+              </a:ext>
+            </a:extLst>
+          </p:cNvPr>
+          <p:cNvSpPr>
+            <a:spLocks noGrp="1"/>
+          </p:cNvSpPr>
+          <p:nvPr>
+            <p:ph idx="1"/>
+          </p:nvPr>
+        </p:nvSpPr>
+        <p:spPr>
+          <a:xfrm>
+            <a:off x="483848" y="1150913"/>
+            <a:ext cx="8051725" cy="4440590"/>
+          </a:xfrm>
+        </p:spPr>
+        <p:txBody>
+          <a:bodyPr>
+            <a:noAutofit/>
+          </a:bodyPr>
+          <a:lstStyle/>
+          <a:p>
+            <a:pPr marL="0" indent="0">
+              <a:buNone/>
+            </a:pPr>
+            <a:endParaRPr lang="en-US" dirty="0"/>
+          </a:p>
+          <a:p>
+            <a:pPr marL="0" indent="0">
+              <a:buNone/>
+            </a:pPr>
+            <a:endParaRPr lang="en-US" dirty="0"/>
+          </a:p>
+          <a:p>
+            <a:pPr marL="457200" indent="-457200">
+              <a:buAutoNum type="arabicParenR"/>
+            </a:pPr>
+            <a:r>
+              <a:rPr lang="en-US" dirty="0" err="1"/>
+              <a:t>Vanderplas</a:t>
+            </a:r>
+            <a:r>
+              <a:rPr lang="en-US" dirty="0"/>
+              <a:t>, Jake, A Whirlwind Tour of Python, </a:t>
+            </a:r>
+            <a:r>
+              <a:rPr lang="en-US" dirty="0" err="1"/>
+              <a:t>O’reilly</a:t>
+            </a:r>
+            <a:r>
+              <a:rPr lang="en-US" dirty="0"/>
+              <a:t> Media. </a:t>
+            </a:r>
+          </a:p>
+          <a:p>
+            <a:pPr marL="0" indent="0">
+              <a:buNone/>
+            </a:pPr>
+            <a:endParaRPr lang="en-US" dirty="0"/>
+          </a:p>
+        </p:txBody>
+      </p:sp>
+    </p:spTree>
+    <p:extLst>
+      <p:ext uri="{BB962C8B-B14F-4D97-AF65-F5344CB8AC3E}">
+        <p14:creationId xmlns:p14="http://schemas.microsoft.com/office/powerpoint/2010/main" val="1438711869"/>
       </p:ext>
     </p:extLst>
   </p:cSld>
@@ -10945,16 +12241,16 @@
             </a:pPr>
             <a:r>
               <a:rPr lang="en-US" dirty="0"/>
-              <a:t>We can form a list of tuples(or of lists) and iterate over them by using nested loop or tuple unpacking.</a:t>
-            </a:r>
-          </a:p>
-          <a:p>
-            <a:pPr marL="0" indent="0">
-              <a:buNone/>
-            </a:pPr>
-            <a:endParaRPr lang="en-US" sz="2000" b="1" dirty="0">
+              <a:t>Same as the previous example but uses [] to access values. </a:t>
+            </a:r>
+          </a:p>
+          <a:p>
+            <a:pPr marL="0" indent="0">
+              <a:buNone/>
+            </a:pPr>
+            <a:endParaRPr lang="en-US" b="1" dirty="0">
               <a:solidFill>
-                <a:srgbClr val="336666"/>
+                <a:srgbClr val="000087"/>
               </a:solidFill>
               <a:latin typeface="Inconsolata Medium" panose="020B0609030003000000" pitchFamily="49" charset="77"/>
             </a:endParaRPr>
@@ -11068,49 +12364,93 @@
                 </a:solidFill>
                 <a:latin typeface="Inconsolata Medium" panose="020B0609030003000000" pitchFamily="49" charset="77"/>
               </a:rPr>
-              <a:t>name, </a:t>
+              <a:t>student </a:t>
+            </a:r>
+            <a:r>
+              <a:rPr lang="en-US" sz="2000" b="1" dirty="0">
+                <a:latin typeface="Inconsolata Medium" panose="020B0609030003000000" pitchFamily="49" charset="77"/>
+              </a:rPr>
+              <a:t>in </a:t>
             </a:r>
             <a:r>
               <a:rPr lang="en-US" sz="2000" b="1" dirty="0" err="1">
                 <a:solidFill>
+                  <a:srgbClr val="336666"/>
+                </a:solidFill>
+                <a:latin typeface="Inconsolata Medium" panose="020B0609030003000000" pitchFamily="49" charset="77"/>
+              </a:rPr>
+              <a:t>lst</a:t>
+            </a:r>
+            <a:r>
+              <a:rPr lang="en-US" sz="2000" b="1" dirty="0">
+                <a:solidFill>
+                  <a:srgbClr val="336666"/>
+                </a:solidFill>
+                <a:latin typeface="Inconsolata Medium" panose="020B0609030003000000" pitchFamily="49" charset="77"/>
+              </a:rPr>
+              <a:t>:</a:t>
+            </a:r>
+          </a:p>
+          <a:p>
+            <a:pPr marL="0" indent="0">
+              <a:buNone/>
+            </a:pPr>
+            <a:r>
+              <a:rPr lang="en-US" sz="2000" b="1" dirty="0">
+                <a:solidFill>
+                  <a:srgbClr val="336666"/>
+                </a:solidFill>
+                <a:latin typeface="Inconsolata Medium" panose="020B0609030003000000" pitchFamily="49" charset="77"/>
+              </a:rPr>
+              <a:t>		print(</a:t>
+            </a:r>
+            <a:r>
+              <a:rPr lang="en-US" sz="2000" b="1" dirty="0">
+                <a:solidFill>
                   <a:srgbClr val="000087"/>
                 </a:solidFill>
                 <a:latin typeface="Inconsolata Medium" panose="020B0609030003000000" pitchFamily="49" charset="77"/>
               </a:rPr>
-              <a:t>gpa</a:t>
+              <a:t>student[0], student[1]</a:t>
             </a:r>
             <a:r>
               <a:rPr lang="en-US" sz="2000" b="1" dirty="0">
                 <a:solidFill>
-                  <a:srgbClr val="000087"/>
-                </a:solidFill>
-                <a:latin typeface="Inconsolata Medium" panose="020B0609030003000000" pitchFamily="49" charset="77"/>
-              </a:rPr>
-              <a:t> </a:t>
-            </a:r>
+                  <a:srgbClr val="336666"/>
+                </a:solidFill>
+                <a:latin typeface="Inconsolata Medium" panose="020B0609030003000000" pitchFamily="49" charset="77"/>
+              </a:rPr>
+              <a:t>)</a:t>
+            </a:r>
+          </a:p>
+          <a:p>
+            <a:pPr marL="0" indent="0">
+              <a:buNone/>
+            </a:pPr>
+            <a:endParaRPr lang="en-US" sz="2000" dirty="0">
+              <a:latin typeface="Gill Sans MT" panose="020B0502020104020203" pitchFamily="34" charset="77"/>
+            </a:endParaRPr>
+          </a:p>
+          <a:p>
+            <a:pPr marL="0" indent="0">
+              <a:buNone/>
+            </a:pPr>
             <a:r>
               <a:rPr lang="en-US" sz="2000" b="1" dirty="0">
                 <a:latin typeface="Inconsolata Medium" panose="020B0609030003000000" pitchFamily="49" charset="77"/>
               </a:rPr>
-              <a:t>in </a:t>
-            </a:r>
-            <a:r>
-              <a:rPr lang="en-US" sz="2000" b="1" dirty="0" err="1">
-                <a:solidFill>
-                  <a:srgbClr val="336666"/>
-                </a:solidFill>
-                <a:latin typeface="Inconsolata Medium" panose="020B0609030003000000" pitchFamily="49" charset="77"/>
-              </a:rPr>
-              <a:t>lst</a:t>
-            </a:r>
+              <a:t>Mike 3.2</a:t>
+            </a:r>
+          </a:p>
+          <a:p>
+            <a:pPr marL="0" indent="0">
+              <a:buNone/>
+            </a:pPr>
             <a:r>
               <a:rPr lang="en-US" sz="2000" b="1" dirty="0">
-                <a:solidFill>
-                  <a:srgbClr val="336666"/>
-                </a:solidFill>
-                <a:latin typeface="Inconsolata Medium" panose="020B0609030003000000" pitchFamily="49" charset="77"/>
-              </a:rPr>
-              <a:t>:  # tuple unpacking</a:t>
+                <a:latin typeface="Inconsolata Medium" panose="020B0609030003000000" pitchFamily="49" charset="77"/>
+              </a:rPr>
+              <a:t>Sarah 3.6</a:t>
             </a:r>
           </a:p>
           <a:p>
@@ -11119,30 +12459,9 @@
             </a:pPr>
             <a:r>
               <a:rPr lang="en-US" sz="2000" b="1" dirty="0">
-                <a:solidFill>
-                  <a:srgbClr val="336666"/>
-                </a:solidFill>
-                <a:latin typeface="Inconsolata Medium" panose="020B0609030003000000" pitchFamily="49" charset="77"/>
-              </a:rPr>
-              <a:t>		print(name, </a:t>
-            </a:r>
-            <a:r>
-              <a:rPr lang="en-US" sz="2000" b="1" dirty="0" err="1">
-                <a:solidFill>
-                  <a:srgbClr val="336666"/>
-                </a:solidFill>
-                <a:latin typeface="Inconsolata Medium" panose="020B0609030003000000" pitchFamily="49" charset="77"/>
-              </a:rPr>
-              <a:t>gpa</a:t>
-            </a:r>
-            <a:r>
-              <a:rPr lang="en-US" sz="2000" b="1" dirty="0">
-                <a:solidFill>
-                  <a:srgbClr val="336666"/>
-                </a:solidFill>
-                <a:latin typeface="Inconsolata Medium" panose="020B0609030003000000" pitchFamily="49" charset="77"/>
-              </a:rPr>
-              <a:t>)</a:t>
+                <a:latin typeface="Inconsolata Medium" panose="020B0609030003000000" pitchFamily="49" charset="77"/>
+              </a:rPr>
+              <a:t>Jack 2.8</a:t>
             </a:r>
           </a:p>
           <a:p>
@@ -11150,44 +12469,16 @@
               <a:buNone/>
             </a:pPr>
             <a:endParaRPr lang="en-US" sz="2000" b="1" dirty="0">
-              <a:solidFill>
-                <a:srgbClr val="336666"/>
-              </a:solidFill>
+              <a:latin typeface="Gill Sans MT" panose="020B0502020104020203" pitchFamily="34" charset="77"/>
+            </a:endParaRPr>
+          </a:p>
+          <a:p>
+            <a:pPr marL="0" indent="0">
+              <a:buNone/>
+            </a:pPr>
+            <a:endParaRPr lang="en-US" sz="2000" b="1" dirty="0">
               <a:latin typeface="Inconsolata Medium" panose="020B0609030003000000" pitchFamily="49" charset="77"/>
             </a:endParaRPr>
-          </a:p>
-          <a:p>
-            <a:pPr marL="0" indent="0">
-              <a:buNone/>
-            </a:pPr>
-            <a:r>
-              <a:rPr lang="en-US" sz="2000" b="1" dirty="0">
-                <a:latin typeface="Inconsolata Medium" panose="020B0609030003000000" pitchFamily="49" charset="77"/>
-              </a:rPr>
-              <a:t>Mike 3.2</a:t>
-            </a:r>
-          </a:p>
-          <a:p>
-            <a:pPr marL="0" indent="0">
-              <a:buNone/>
-            </a:pPr>
-            <a:r>
-              <a:rPr lang="en-US" sz="2000" b="1" dirty="0">
-                <a:latin typeface="Inconsolata Medium" panose="020B0609030003000000" pitchFamily="49" charset="77"/>
-              </a:rPr>
-              <a:t>Sarah 3.6</a:t>
-            </a:r>
-          </a:p>
-          <a:p>
-            <a:pPr marL="0" indent="0">
-              <a:buNone/>
-            </a:pPr>
-            <a:r>
-              <a:rPr lang="en-US" sz="2000" b="1" dirty="0">
-                <a:latin typeface="Inconsolata Medium" panose="020B0609030003000000" pitchFamily="49" charset="77"/>
-              </a:rPr>
-              <a:t>Jack 2.8</a:t>
-            </a:r>
           </a:p>
           <a:p>
             <a:pPr marL="0" indent="0">
@@ -11236,7 +12527,7 @@
     </p:spTree>
     <p:extLst>
       <p:ext uri="{BB962C8B-B14F-4D97-AF65-F5344CB8AC3E}">
-        <p14:creationId xmlns:p14="http://schemas.microsoft.com/office/powerpoint/2010/main" val="2765901336"/>
+        <p14:creationId xmlns:p14="http://schemas.microsoft.com/office/powerpoint/2010/main" val="2834108163"/>
       </p:ext>
     </p:extLst>
   </p:cSld>

--- a/courses/apcsp/lect7.pptx
+++ b/courses/apcsp/lect7.pptx
@@ -9,29 +9,30 @@
     <p:sldId id="286" r:id="rId3"/>
     <p:sldId id="333" r:id="rId4"/>
     <p:sldId id="334" r:id="rId5"/>
-    <p:sldId id="335" r:id="rId6"/>
-    <p:sldId id="336" r:id="rId7"/>
-    <p:sldId id="319" r:id="rId8"/>
-    <p:sldId id="323" r:id="rId9"/>
-    <p:sldId id="341" r:id="rId10"/>
-    <p:sldId id="337" r:id="rId11"/>
-    <p:sldId id="343" r:id="rId12"/>
-    <p:sldId id="344" r:id="rId13"/>
-    <p:sldId id="345" r:id="rId14"/>
-    <p:sldId id="347" r:id="rId15"/>
-    <p:sldId id="346" r:id="rId16"/>
-    <p:sldId id="313" r:id="rId17"/>
-    <p:sldId id="339" r:id="rId18"/>
-    <p:sldId id="314" r:id="rId19"/>
-    <p:sldId id="338" r:id="rId20"/>
-    <p:sldId id="342" r:id="rId21"/>
-    <p:sldId id="316" r:id="rId22"/>
-    <p:sldId id="325" r:id="rId23"/>
-    <p:sldId id="318" r:id="rId24"/>
-    <p:sldId id="317" r:id="rId25"/>
-    <p:sldId id="340" r:id="rId26"/>
-    <p:sldId id="348" r:id="rId27"/>
-    <p:sldId id="284" r:id="rId28"/>
+    <p:sldId id="349" r:id="rId6"/>
+    <p:sldId id="335" r:id="rId7"/>
+    <p:sldId id="336" r:id="rId8"/>
+    <p:sldId id="319" r:id="rId9"/>
+    <p:sldId id="323" r:id="rId10"/>
+    <p:sldId id="341" r:id="rId11"/>
+    <p:sldId id="337" r:id="rId12"/>
+    <p:sldId id="343" r:id="rId13"/>
+    <p:sldId id="344" r:id="rId14"/>
+    <p:sldId id="345" r:id="rId15"/>
+    <p:sldId id="347" r:id="rId16"/>
+    <p:sldId id="346" r:id="rId17"/>
+    <p:sldId id="313" r:id="rId18"/>
+    <p:sldId id="339" r:id="rId19"/>
+    <p:sldId id="314" r:id="rId20"/>
+    <p:sldId id="338" r:id="rId21"/>
+    <p:sldId id="342" r:id="rId22"/>
+    <p:sldId id="316" r:id="rId23"/>
+    <p:sldId id="325" r:id="rId24"/>
+    <p:sldId id="318" r:id="rId25"/>
+    <p:sldId id="317" r:id="rId26"/>
+    <p:sldId id="340" r:id="rId27"/>
+    <p:sldId id="348" r:id="rId28"/>
+    <p:sldId id="284" r:id="rId29"/>
   </p:sldIdLst>
   <p:sldSz cx="9144000" cy="5715000" type="screen16x10"/>
   <p:notesSz cx="6858000" cy="9144000"/>
@@ -141,7 +142,7 @@
 <file path=ppt/revisionInfo.xml><?xml version="1.0" encoding="utf-8"?>
 <p1510:revInfo xmlns:a="http://schemas.openxmlformats.org/drawingml/2006/main" xmlns:r="http://schemas.openxmlformats.org/officeDocument/2006/relationships" xmlns:p1510="http://schemas.microsoft.com/office/powerpoint/2015/10/main">
   <p1510:revLst>
-    <p1510:client id="{6ED56420-F59F-4945-BA02-53AF79C1F3AC}" v="730" dt="2019-10-21T14:41:40.430"/>
+    <p1510:client id="{6ED56420-F59F-4945-BA02-53AF79C1F3AC}" v="1187" dt="2019-10-21T15:58:28.940"/>
   </p1510:revLst>
 </p1510:revInfo>
 </file>
@@ -264,7 +265,7 @@
   <pc:docChgLst>
     <pc:chgData name="Long B Nguyen" userId="f59fb8f3-a021-417a-8bc1-65c8d471c621" providerId="ADAL" clId="{6ED56420-F59F-4945-BA02-53AF79C1F3AC}"/>
     <pc:docChg chg="undo custSel addSld delSld modSld sldOrd">
-      <pc:chgData name="Long B Nguyen" userId="f59fb8f3-a021-417a-8bc1-65c8d471c621" providerId="ADAL" clId="{6ED56420-F59F-4945-BA02-53AF79C1F3AC}" dt="2019-10-21T14:41:40.430" v="4242" actId="20577"/>
+      <pc:chgData name="Long B Nguyen" userId="f59fb8f3-a021-417a-8bc1-65c8d471c621" providerId="ADAL" clId="{6ED56420-F59F-4945-BA02-53AF79C1F3AC}" dt="2019-10-21T15:58:28.940" v="5005"/>
       <pc:docMkLst>
         <pc:docMk/>
       </pc:docMkLst>
@@ -314,13 +315,13 @@
         </pc:spChg>
       </pc:sldChg>
       <pc:sldChg chg="modSp modAnim">
-        <pc:chgData name="Long B Nguyen" userId="f59fb8f3-a021-417a-8bc1-65c8d471c621" providerId="ADAL" clId="{6ED56420-F59F-4945-BA02-53AF79C1F3AC}" dt="2019-10-21T13:40:13.899" v="3666"/>
+        <pc:chgData name="Long B Nguyen" userId="f59fb8f3-a021-417a-8bc1-65c8d471c621" providerId="ADAL" clId="{6ED56420-F59F-4945-BA02-53AF79C1F3AC}" dt="2019-10-21T15:27:57.089" v="4552" actId="20577"/>
         <pc:sldMkLst>
           <pc:docMk/>
           <pc:sldMk cId="18163085" sldId="314"/>
         </pc:sldMkLst>
         <pc:spChg chg="mod">
-          <ac:chgData name="Long B Nguyen" userId="f59fb8f3-a021-417a-8bc1-65c8d471c621" providerId="ADAL" clId="{6ED56420-F59F-4945-BA02-53AF79C1F3AC}" dt="2019-10-21T13:40:05.844" v="3664" actId="20577"/>
+          <ac:chgData name="Long B Nguyen" userId="f59fb8f3-a021-417a-8bc1-65c8d471c621" providerId="ADAL" clId="{6ED56420-F59F-4945-BA02-53AF79C1F3AC}" dt="2019-10-21T15:27:57.089" v="4552" actId="20577"/>
           <ac:spMkLst>
             <pc:docMk/>
             <pc:sldMk cId="18163085" sldId="314"/>
@@ -329,13 +330,13 @@
         </pc:spChg>
       </pc:sldChg>
       <pc:sldChg chg="modSp modAnim">
-        <pc:chgData name="Long B Nguyen" userId="f59fb8f3-a021-417a-8bc1-65c8d471c621" providerId="ADAL" clId="{6ED56420-F59F-4945-BA02-53AF79C1F3AC}" dt="2019-10-21T13:40:52.469" v="3673"/>
+        <pc:chgData name="Long B Nguyen" userId="f59fb8f3-a021-417a-8bc1-65c8d471c621" providerId="ADAL" clId="{6ED56420-F59F-4945-BA02-53AF79C1F3AC}" dt="2019-10-21T15:56:59.683" v="4964" actId="20577"/>
         <pc:sldMkLst>
           <pc:docMk/>
           <pc:sldMk cId="2648987374" sldId="316"/>
         </pc:sldMkLst>
         <pc:spChg chg="mod">
-          <ac:chgData name="Long B Nguyen" userId="f59fb8f3-a021-417a-8bc1-65c8d471c621" providerId="ADAL" clId="{6ED56420-F59F-4945-BA02-53AF79C1F3AC}" dt="2019-10-15T20:44:41.832" v="424" actId="20577"/>
+          <ac:chgData name="Long B Nguyen" userId="f59fb8f3-a021-417a-8bc1-65c8d471c621" providerId="ADAL" clId="{6ED56420-F59F-4945-BA02-53AF79C1F3AC}" dt="2019-10-21T15:56:59.683" v="4964" actId="20577"/>
           <ac:spMkLst>
             <pc:docMk/>
             <pc:sldMk cId="2648987374" sldId="316"/>
@@ -344,13 +345,13 @@
         </pc:spChg>
       </pc:sldChg>
       <pc:sldChg chg="modSp modAnim">
-        <pc:chgData name="Long B Nguyen" userId="f59fb8f3-a021-417a-8bc1-65c8d471c621" providerId="ADAL" clId="{6ED56420-F59F-4945-BA02-53AF79C1F3AC}" dt="2019-10-21T13:43:24.907" v="3753"/>
+        <pc:chgData name="Long B Nguyen" userId="f59fb8f3-a021-417a-8bc1-65c8d471c621" providerId="ADAL" clId="{6ED56420-F59F-4945-BA02-53AF79C1F3AC}" dt="2019-10-21T15:56:31.487" v="4944" actId="20577"/>
         <pc:sldMkLst>
           <pc:docMk/>
           <pc:sldMk cId="3246446892" sldId="317"/>
         </pc:sldMkLst>
         <pc:spChg chg="mod">
-          <ac:chgData name="Long B Nguyen" userId="f59fb8f3-a021-417a-8bc1-65c8d471c621" providerId="ADAL" clId="{6ED56420-F59F-4945-BA02-53AF79C1F3AC}" dt="2019-10-20T11:47:16.393" v="511" actId="20577"/>
+          <ac:chgData name="Long B Nguyen" userId="f59fb8f3-a021-417a-8bc1-65c8d471c621" providerId="ADAL" clId="{6ED56420-F59F-4945-BA02-53AF79C1F3AC}" dt="2019-10-21T15:56:31.487" v="4944" actId="20577"/>
           <ac:spMkLst>
             <pc:docMk/>
             <pc:sldMk cId="3246446892" sldId="317"/>
@@ -359,13 +360,13 @@
         </pc:spChg>
       </pc:sldChg>
       <pc:sldChg chg="modSp modAnim">
-        <pc:chgData name="Long B Nguyen" userId="f59fb8f3-a021-417a-8bc1-65c8d471c621" providerId="ADAL" clId="{6ED56420-F59F-4945-BA02-53AF79C1F3AC}" dt="2019-10-21T13:43:16.410" v="3751"/>
+        <pc:chgData name="Long B Nguyen" userId="f59fb8f3-a021-417a-8bc1-65c8d471c621" providerId="ADAL" clId="{6ED56420-F59F-4945-BA02-53AF79C1F3AC}" dt="2019-10-21T15:56:38.773" v="4948" actId="20577"/>
         <pc:sldMkLst>
           <pc:docMk/>
           <pc:sldMk cId="67073653" sldId="318"/>
         </pc:sldMkLst>
         <pc:spChg chg="mod">
-          <ac:chgData name="Long B Nguyen" userId="f59fb8f3-a021-417a-8bc1-65c8d471c621" providerId="ADAL" clId="{6ED56420-F59F-4945-BA02-53AF79C1F3AC}" dt="2019-10-20T11:46:52.672" v="489" actId="20577"/>
+          <ac:chgData name="Long B Nguyen" userId="f59fb8f3-a021-417a-8bc1-65c8d471c621" providerId="ADAL" clId="{6ED56420-F59F-4945-BA02-53AF79C1F3AC}" dt="2019-10-21T15:56:38.773" v="4948" actId="20577"/>
           <ac:spMkLst>
             <pc:docMk/>
             <pc:sldMk cId="67073653" sldId="318"/>
@@ -373,21 +374,29 @@
           </ac:spMkLst>
         </pc:spChg>
       </pc:sldChg>
-      <pc:sldChg chg="modAnim">
-        <pc:chgData name="Long B Nguyen" userId="f59fb8f3-a021-417a-8bc1-65c8d471c621" providerId="ADAL" clId="{6ED56420-F59F-4945-BA02-53AF79C1F3AC}" dt="2019-10-21T13:33:36.992" v="3480"/>
+      <pc:sldChg chg="modSp modAnim">
+        <pc:chgData name="Long B Nguyen" userId="f59fb8f3-a021-417a-8bc1-65c8d471c621" providerId="ADAL" clId="{6ED56420-F59F-4945-BA02-53AF79C1F3AC}" dt="2019-10-21T15:24:20.942" v="4381" actId="20577"/>
         <pc:sldMkLst>
           <pc:docMk/>
           <pc:sldMk cId="1997478848" sldId="319"/>
         </pc:sldMkLst>
+        <pc:spChg chg="mod">
+          <ac:chgData name="Long B Nguyen" userId="f59fb8f3-a021-417a-8bc1-65c8d471c621" providerId="ADAL" clId="{6ED56420-F59F-4945-BA02-53AF79C1F3AC}" dt="2019-10-21T15:24:20.942" v="4381" actId="20577"/>
+          <ac:spMkLst>
+            <pc:docMk/>
+            <pc:sldMk cId="1997478848" sldId="319"/>
+            <ac:spMk id="9" creationId="{E3B2E017-30B2-884B-A113-B419A2ED51AD}"/>
+          </ac:spMkLst>
+        </pc:spChg>
       </pc:sldChg>
       <pc:sldChg chg="modSp modAnim">
-        <pc:chgData name="Long B Nguyen" userId="f59fb8f3-a021-417a-8bc1-65c8d471c621" providerId="ADAL" clId="{6ED56420-F59F-4945-BA02-53AF79C1F3AC}" dt="2019-10-21T13:36:06.244" v="3542"/>
+        <pc:chgData name="Long B Nguyen" userId="f59fb8f3-a021-417a-8bc1-65c8d471c621" providerId="ADAL" clId="{6ED56420-F59F-4945-BA02-53AF79C1F3AC}" dt="2019-10-21T15:26:54.743" v="4487" actId="20577"/>
         <pc:sldMkLst>
           <pc:docMk/>
           <pc:sldMk cId="1289346350" sldId="323"/>
         </pc:sldMkLst>
         <pc:spChg chg="mod">
-          <ac:chgData name="Long B Nguyen" userId="f59fb8f3-a021-417a-8bc1-65c8d471c621" providerId="ADAL" clId="{6ED56420-F59F-4945-BA02-53AF79C1F3AC}" dt="2019-10-21T13:35:29.783" v="3536" actId="207"/>
+          <ac:chgData name="Long B Nguyen" userId="f59fb8f3-a021-417a-8bc1-65c8d471c621" providerId="ADAL" clId="{6ED56420-F59F-4945-BA02-53AF79C1F3AC}" dt="2019-10-21T15:26:54.743" v="4487" actId="20577"/>
           <ac:spMkLst>
             <pc:docMk/>
             <pc:sldMk cId="1289346350" sldId="323"/>
@@ -427,13 +436,13 @@
         </pc:spChg>
       </pc:sldChg>
       <pc:sldChg chg="modSp add">
-        <pc:chgData name="Long B Nguyen" userId="f59fb8f3-a021-417a-8bc1-65c8d471c621" providerId="ADAL" clId="{6ED56420-F59F-4945-BA02-53AF79C1F3AC}" dt="2019-10-21T14:36:33.155" v="4058" actId="20577"/>
+        <pc:chgData name="Long B Nguyen" userId="f59fb8f3-a021-417a-8bc1-65c8d471c621" providerId="ADAL" clId="{6ED56420-F59F-4945-BA02-53AF79C1F3AC}" dt="2019-10-21T15:56:50.536" v="4957" actId="20577"/>
         <pc:sldMkLst>
           <pc:docMk/>
           <pc:sldMk cId="2693651593" sldId="325"/>
         </pc:sldMkLst>
         <pc:spChg chg="mod">
-          <ac:chgData name="Long B Nguyen" userId="f59fb8f3-a021-417a-8bc1-65c8d471c621" providerId="ADAL" clId="{6ED56420-F59F-4945-BA02-53AF79C1F3AC}" dt="2019-10-21T14:36:33.155" v="4058" actId="20577"/>
+          <ac:chgData name="Long B Nguyen" userId="f59fb8f3-a021-417a-8bc1-65c8d471c621" providerId="ADAL" clId="{6ED56420-F59F-4945-BA02-53AF79C1F3AC}" dt="2019-10-21T15:56:50.536" v="4957" actId="20577"/>
           <ac:spMkLst>
             <pc:docMk/>
             <pc:sldMk cId="2693651593" sldId="325"/>
@@ -464,13 +473,13 @@
         </pc:spChg>
       </pc:sldChg>
       <pc:sldChg chg="modSp add ord modAnim">
-        <pc:chgData name="Long B Nguyen" userId="f59fb8f3-a021-417a-8bc1-65c8d471c621" providerId="ADAL" clId="{6ED56420-F59F-4945-BA02-53AF79C1F3AC}" dt="2019-10-21T14:33:16.491" v="3870" actId="20577"/>
+        <pc:chgData name="Long B Nguyen" userId="f59fb8f3-a021-417a-8bc1-65c8d471c621" providerId="ADAL" clId="{6ED56420-F59F-4945-BA02-53AF79C1F3AC}" dt="2019-10-21T15:58:28.940" v="5005"/>
         <pc:sldMkLst>
           <pc:docMk/>
           <pc:sldMk cId="2112071836" sldId="334"/>
         </pc:sldMkLst>
         <pc:spChg chg="mod">
-          <ac:chgData name="Long B Nguyen" userId="f59fb8f3-a021-417a-8bc1-65c8d471c621" providerId="ADAL" clId="{6ED56420-F59F-4945-BA02-53AF79C1F3AC}" dt="2019-10-21T14:33:16.491" v="3870" actId="20577"/>
+          <ac:chgData name="Long B Nguyen" userId="f59fb8f3-a021-417a-8bc1-65c8d471c621" providerId="ADAL" clId="{6ED56420-F59F-4945-BA02-53AF79C1F3AC}" dt="2019-10-21T15:22:17.955" v="4268" actId="20577"/>
           <ac:spMkLst>
             <pc:docMk/>
             <pc:sldMk cId="2112071836" sldId="334"/>
@@ -485,21 +494,29 @@
           <pc:sldMk cId="247153204" sldId="335"/>
         </pc:sldMkLst>
       </pc:sldChg>
-      <pc:sldChg chg="add">
-        <pc:chgData name="Long B Nguyen" userId="f59fb8f3-a021-417a-8bc1-65c8d471c621" providerId="ADAL" clId="{6ED56420-F59F-4945-BA02-53AF79C1F3AC}" dt="2019-10-11T02:03:35.564" v="28"/>
+      <pc:sldChg chg="modSp add modAnim">
+        <pc:chgData name="Long B Nguyen" userId="f59fb8f3-a021-417a-8bc1-65c8d471c621" providerId="ADAL" clId="{6ED56420-F59F-4945-BA02-53AF79C1F3AC}" dt="2019-10-21T15:23:18.705" v="4342" actId="207"/>
         <pc:sldMkLst>
           <pc:docMk/>
           <pc:sldMk cId="3783627139" sldId="336"/>
         </pc:sldMkLst>
+        <pc:spChg chg="mod">
+          <ac:chgData name="Long B Nguyen" userId="f59fb8f3-a021-417a-8bc1-65c8d471c621" providerId="ADAL" clId="{6ED56420-F59F-4945-BA02-53AF79C1F3AC}" dt="2019-10-21T15:23:18.705" v="4342" actId="207"/>
+          <ac:spMkLst>
+            <pc:docMk/>
+            <pc:sldMk cId="3783627139" sldId="336"/>
+            <ac:spMk id="9" creationId="{E3B2E017-30B2-884B-A113-B419A2ED51AD}"/>
+          </ac:spMkLst>
+        </pc:spChg>
       </pc:sldChg>
       <pc:sldChg chg="modSp add modAnim">
-        <pc:chgData name="Long B Nguyen" userId="f59fb8f3-a021-417a-8bc1-65c8d471c621" providerId="ADAL" clId="{6ED56420-F59F-4945-BA02-53AF79C1F3AC}" dt="2019-10-21T13:36:17.865" v="3544"/>
+        <pc:chgData name="Long B Nguyen" userId="f59fb8f3-a021-417a-8bc1-65c8d471c621" providerId="ADAL" clId="{6ED56420-F59F-4945-BA02-53AF79C1F3AC}" dt="2019-10-21T15:27:00.631" v="4491" actId="20577"/>
         <pc:sldMkLst>
           <pc:docMk/>
           <pc:sldMk cId="2765901336" sldId="337"/>
         </pc:sldMkLst>
         <pc:spChg chg="mod">
-          <ac:chgData name="Long B Nguyen" userId="f59fb8f3-a021-417a-8bc1-65c8d471c621" providerId="ADAL" clId="{6ED56420-F59F-4945-BA02-53AF79C1F3AC}" dt="2019-10-21T13:35:38.692" v="3538" actId="207"/>
+          <ac:chgData name="Long B Nguyen" userId="f59fb8f3-a021-417a-8bc1-65c8d471c621" providerId="ADAL" clId="{6ED56420-F59F-4945-BA02-53AF79C1F3AC}" dt="2019-10-21T15:27:00.631" v="4491" actId="20577"/>
           <ac:spMkLst>
             <pc:docMk/>
             <pc:sldMk cId="2765901336" sldId="337"/>
@@ -508,13 +525,13 @@
         </pc:spChg>
       </pc:sldChg>
       <pc:sldChg chg="modSp add modAnim">
-        <pc:chgData name="Long B Nguyen" userId="f59fb8f3-a021-417a-8bc1-65c8d471c621" providerId="ADAL" clId="{6ED56420-F59F-4945-BA02-53AF79C1F3AC}" dt="2019-10-21T14:36:15.085" v="4042" actId="20577"/>
+        <pc:chgData name="Long B Nguyen" userId="f59fb8f3-a021-417a-8bc1-65c8d471c621" providerId="ADAL" clId="{6ED56420-F59F-4945-BA02-53AF79C1F3AC}" dt="2019-10-21T15:57:29.879" v="4996" actId="20577"/>
         <pc:sldMkLst>
           <pc:docMk/>
           <pc:sldMk cId="2368568690" sldId="338"/>
         </pc:sldMkLst>
         <pc:spChg chg="mod">
-          <ac:chgData name="Long B Nguyen" userId="f59fb8f3-a021-417a-8bc1-65c8d471c621" providerId="ADAL" clId="{6ED56420-F59F-4945-BA02-53AF79C1F3AC}" dt="2019-10-21T14:36:15.085" v="4042" actId="20577"/>
+          <ac:chgData name="Long B Nguyen" userId="f59fb8f3-a021-417a-8bc1-65c8d471c621" providerId="ADAL" clId="{6ED56420-F59F-4945-BA02-53AF79C1F3AC}" dt="2019-10-21T15:57:29.879" v="4996" actId="20577"/>
           <ac:spMkLst>
             <pc:docMk/>
             <pc:sldMk cId="2368568690" sldId="338"/>
@@ -523,13 +540,13 @@
         </pc:spChg>
       </pc:sldChg>
       <pc:sldChg chg="modSp add modAnim">
-        <pc:chgData name="Long B Nguyen" userId="f59fb8f3-a021-417a-8bc1-65c8d471c621" providerId="ADAL" clId="{6ED56420-F59F-4945-BA02-53AF79C1F3AC}" dt="2019-10-21T13:39:56.788" v="3662"/>
+        <pc:chgData name="Long B Nguyen" userId="f59fb8f3-a021-417a-8bc1-65c8d471c621" providerId="ADAL" clId="{6ED56420-F59F-4945-BA02-53AF79C1F3AC}" dt="2019-10-21T15:27:47.321" v="4540" actId="20577"/>
         <pc:sldMkLst>
           <pc:docMk/>
           <pc:sldMk cId="3131687406" sldId="339"/>
         </pc:sldMkLst>
         <pc:spChg chg="mod">
-          <ac:chgData name="Long B Nguyen" userId="f59fb8f3-a021-417a-8bc1-65c8d471c621" providerId="ADAL" clId="{6ED56420-F59F-4945-BA02-53AF79C1F3AC}" dt="2019-10-21T13:39:39.228" v="3659" actId="20577"/>
+          <ac:chgData name="Long B Nguyen" userId="f59fb8f3-a021-417a-8bc1-65c8d471c621" providerId="ADAL" clId="{6ED56420-F59F-4945-BA02-53AF79C1F3AC}" dt="2019-10-21T15:27:47.321" v="4540" actId="20577"/>
           <ac:spMkLst>
             <pc:docMk/>
             <pc:sldMk cId="3131687406" sldId="339"/>
@@ -538,7 +555,7 @@
         </pc:spChg>
       </pc:sldChg>
       <pc:sldChg chg="modSp add modAnim">
-        <pc:chgData name="Long B Nguyen" userId="f59fb8f3-a021-417a-8bc1-65c8d471c621" providerId="ADAL" clId="{6ED56420-F59F-4945-BA02-53AF79C1F3AC}" dt="2019-10-21T14:41:40.430" v="4242" actId="20577"/>
+        <pc:chgData name="Long B Nguyen" userId="f59fb8f3-a021-417a-8bc1-65c8d471c621" providerId="ADAL" clId="{6ED56420-F59F-4945-BA02-53AF79C1F3AC}" dt="2019-10-21T15:55:40.610" v="4926"/>
         <pc:sldMkLst>
           <pc:docMk/>
           <pc:sldMk cId="994161803" sldId="340"/>
@@ -552,7 +569,7 @@
           </ac:spMkLst>
         </pc:spChg>
         <pc:spChg chg="mod">
-          <ac:chgData name="Long B Nguyen" userId="f59fb8f3-a021-417a-8bc1-65c8d471c621" providerId="ADAL" clId="{6ED56420-F59F-4945-BA02-53AF79C1F3AC}" dt="2019-10-21T14:41:40.430" v="4242" actId="20577"/>
+          <ac:chgData name="Long B Nguyen" userId="f59fb8f3-a021-417a-8bc1-65c8d471c621" providerId="ADAL" clId="{6ED56420-F59F-4945-BA02-53AF79C1F3AC}" dt="2019-10-21T15:55:05.044" v="4921" actId="20577"/>
           <ac:spMkLst>
             <pc:docMk/>
             <pc:sldMk cId="994161803" sldId="340"/>
@@ -561,13 +578,13 @@
         </pc:spChg>
       </pc:sldChg>
       <pc:sldChg chg="modSp add modAnim">
-        <pc:chgData name="Long B Nguyen" userId="f59fb8f3-a021-417a-8bc1-65c8d471c621" providerId="ADAL" clId="{6ED56420-F59F-4945-BA02-53AF79C1F3AC}" dt="2019-10-21T13:36:00.233" v="3541"/>
+        <pc:chgData name="Long B Nguyen" userId="f59fb8f3-a021-417a-8bc1-65c8d471c621" providerId="ADAL" clId="{6ED56420-F59F-4945-BA02-53AF79C1F3AC}" dt="2019-10-21T15:26:57.342" v="4489" actId="20577"/>
         <pc:sldMkLst>
           <pc:docMk/>
           <pc:sldMk cId="2834108163" sldId="341"/>
         </pc:sldMkLst>
         <pc:spChg chg="mod">
-          <ac:chgData name="Long B Nguyen" userId="f59fb8f3-a021-417a-8bc1-65c8d471c621" providerId="ADAL" clId="{6ED56420-F59F-4945-BA02-53AF79C1F3AC}" dt="2019-10-21T13:35:32.990" v="3537" actId="207"/>
+          <ac:chgData name="Long B Nguyen" userId="f59fb8f3-a021-417a-8bc1-65c8d471c621" providerId="ADAL" clId="{6ED56420-F59F-4945-BA02-53AF79C1F3AC}" dt="2019-10-21T15:26:57.342" v="4489" actId="20577"/>
           <ac:spMkLst>
             <pc:docMk/>
             <pc:sldMk cId="2834108163" sldId="341"/>
@@ -576,13 +593,13 @@
         </pc:spChg>
       </pc:sldChg>
       <pc:sldChg chg="modSp add modAnim">
-        <pc:chgData name="Long B Nguyen" userId="f59fb8f3-a021-417a-8bc1-65c8d471c621" providerId="ADAL" clId="{6ED56420-F59F-4945-BA02-53AF79C1F3AC}" dt="2019-10-21T13:40:37.878" v="3670"/>
+        <pc:chgData name="Long B Nguyen" userId="f59fb8f3-a021-417a-8bc1-65c8d471c621" providerId="ADAL" clId="{6ED56420-F59F-4945-BA02-53AF79C1F3AC}" dt="2019-10-21T15:57:16.236" v="4983" actId="20577"/>
         <pc:sldMkLst>
           <pc:docMk/>
           <pc:sldMk cId="2283393882" sldId="342"/>
         </pc:sldMkLst>
         <pc:spChg chg="mod">
-          <ac:chgData name="Long B Nguyen" userId="f59fb8f3-a021-417a-8bc1-65c8d471c621" providerId="ADAL" clId="{6ED56420-F59F-4945-BA02-53AF79C1F3AC}" dt="2019-10-21T13:12:00.125" v="2345" actId="20577"/>
+          <ac:chgData name="Long B Nguyen" userId="f59fb8f3-a021-417a-8bc1-65c8d471c621" providerId="ADAL" clId="{6ED56420-F59F-4945-BA02-53AF79C1F3AC}" dt="2019-10-21T15:57:16.236" v="4983" actId="20577"/>
           <ac:spMkLst>
             <pc:docMk/>
             <pc:sldMk cId="2283393882" sldId="342"/>
@@ -591,7 +608,7 @@
         </pc:spChg>
       </pc:sldChg>
       <pc:sldChg chg="modSp add modAnim">
-        <pc:chgData name="Long B Nguyen" userId="f59fb8f3-a021-417a-8bc1-65c8d471c621" providerId="ADAL" clId="{6ED56420-F59F-4945-BA02-53AF79C1F3AC}" dt="2019-10-21T13:36:42.833" v="3551"/>
+        <pc:chgData name="Long B Nguyen" userId="f59fb8f3-a021-417a-8bc1-65c8d471c621" providerId="ADAL" clId="{6ED56420-F59F-4945-BA02-53AF79C1F3AC}" dt="2019-10-21T15:27:16.249" v="4511" actId="20577"/>
         <pc:sldMkLst>
           <pc:docMk/>
           <pc:sldMk cId="2714252416" sldId="343"/>
@@ -605,7 +622,7 @@
           </ac:spMkLst>
         </pc:spChg>
         <pc:spChg chg="mod">
-          <ac:chgData name="Long B Nguyen" userId="f59fb8f3-a021-417a-8bc1-65c8d471c621" providerId="ADAL" clId="{6ED56420-F59F-4945-BA02-53AF79C1F3AC}" dt="2019-10-21T13:18:26.812" v="2611" actId="20577"/>
+          <ac:chgData name="Long B Nguyen" userId="f59fb8f3-a021-417a-8bc1-65c8d471c621" providerId="ADAL" clId="{6ED56420-F59F-4945-BA02-53AF79C1F3AC}" dt="2019-10-21T15:27:16.249" v="4511" actId="20577"/>
           <ac:spMkLst>
             <pc:docMk/>
             <pc:sldMk cId="2714252416" sldId="343"/>
@@ -621,7 +638,7 @@
         </pc:sldMkLst>
       </pc:sldChg>
       <pc:sldChg chg="modSp add modAnim">
-        <pc:chgData name="Long B Nguyen" userId="f59fb8f3-a021-417a-8bc1-65c8d471c621" providerId="ADAL" clId="{6ED56420-F59F-4945-BA02-53AF79C1F3AC}" dt="2019-10-21T13:36:51.193" v="3553"/>
+        <pc:chgData name="Long B Nguyen" userId="f59fb8f3-a021-417a-8bc1-65c8d471c621" providerId="ADAL" clId="{6ED56420-F59F-4945-BA02-53AF79C1F3AC}" dt="2019-10-21T15:27:21.428" v="4517" actId="20577"/>
         <pc:sldMkLst>
           <pc:docMk/>
           <pc:sldMk cId="3596157879" sldId="344"/>
@@ -635,7 +652,7 @@
           </ac:spMkLst>
         </pc:spChg>
         <pc:spChg chg="mod">
-          <ac:chgData name="Long B Nguyen" userId="f59fb8f3-a021-417a-8bc1-65c8d471c621" providerId="ADAL" clId="{6ED56420-F59F-4945-BA02-53AF79C1F3AC}" dt="2019-10-21T13:25:38.005" v="3040" actId="20577"/>
+          <ac:chgData name="Long B Nguyen" userId="f59fb8f3-a021-417a-8bc1-65c8d471c621" providerId="ADAL" clId="{6ED56420-F59F-4945-BA02-53AF79C1F3AC}" dt="2019-10-21T15:27:21.428" v="4517" actId="20577"/>
           <ac:spMkLst>
             <pc:docMk/>
             <pc:sldMk cId="3596157879" sldId="344"/>
@@ -644,13 +661,13 @@
         </pc:spChg>
       </pc:sldChg>
       <pc:sldChg chg="modSp add modAnim">
-        <pc:chgData name="Long B Nguyen" userId="f59fb8f3-a021-417a-8bc1-65c8d471c621" providerId="ADAL" clId="{6ED56420-F59F-4945-BA02-53AF79C1F3AC}" dt="2019-10-21T13:36:59.930" v="3554"/>
+        <pc:chgData name="Long B Nguyen" userId="f59fb8f3-a021-417a-8bc1-65c8d471c621" providerId="ADAL" clId="{6ED56420-F59F-4945-BA02-53AF79C1F3AC}" dt="2019-10-21T15:27:26.280" v="4521" actId="20577"/>
         <pc:sldMkLst>
           <pc:docMk/>
           <pc:sldMk cId="1211608734" sldId="345"/>
         </pc:sldMkLst>
         <pc:spChg chg="mod">
-          <ac:chgData name="Long B Nguyen" userId="f59fb8f3-a021-417a-8bc1-65c8d471c621" providerId="ADAL" clId="{6ED56420-F59F-4945-BA02-53AF79C1F3AC}" dt="2019-10-21T13:26:56.016" v="3123" actId="20577"/>
+          <ac:chgData name="Long B Nguyen" userId="f59fb8f3-a021-417a-8bc1-65c8d471c621" providerId="ADAL" clId="{6ED56420-F59F-4945-BA02-53AF79C1F3AC}" dt="2019-10-21T15:27:26.280" v="4521" actId="20577"/>
           <ac:spMkLst>
             <pc:docMk/>
             <pc:sldMk cId="1211608734" sldId="345"/>
@@ -659,7 +676,7 @@
         </pc:spChg>
       </pc:sldChg>
       <pc:sldChg chg="modSp add modAnim">
-        <pc:chgData name="Long B Nguyen" userId="f59fb8f3-a021-417a-8bc1-65c8d471c621" providerId="ADAL" clId="{6ED56420-F59F-4945-BA02-53AF79C1F3AC}" dt="2019-10-21T14:35:10.096" v="4025" actId="20577"/>
+        <pc:chgData name="Long B Nguyen" userId="f59fb8f3-a021-417a-8bc1-65c8d471c621" providerId="ADAL" clId="{6ED56420-F59F-4945-BA02-53AF79C1F3AC}" dt="2019-10-21T15:27:35.888" v="4529" actId="20577"/>
         <pc:sldMkLst>
           <pc:docMk/>
           <pc:sldMk cId="4020528382" sldId="346"/>
@@ -673,7 +690,7 @@
           </ac:spMkLst>
         </pc:spChg>
         <pc:spChg chg="mod">
-          <ac:chgData name="Long B Nguyen" userId="f59fb8f3-a021-417a-8bc1-65c8d471c621" providerId="ADAL" clId="{6ED56420-F59F-4945-BA02-53AF79C1F3AC}" dt="2019-10-21T14:35:10.096" v="4025" actId="20577"/>
+          <ac:chgData name="Long B Nguyen" userId="f59fb8f3-a021-417a-8bc1-65c8d471c621" providerId="ADAL" clId="{6ED56420-F59F-4945-BA02-53AF79C1F3AC}" dt="2019-10-21T15:27:35.888" v="4529" actId="20577"/>
           <ac:spMkLst>
             <pc:docMk/>
             <pc:sldMk cId="4020528382" sldId="346"/>
@@ -682,13 +699,13 @@
         </pc:spChg>
       </pc:sldChg>
       <pc:sldChg chg="modSp add modAnim">
-        <pc:chgData name="Long B Nguyen" userId="f59fb8f3-a021-417a-8bc1-65c8d471c621" providerId="ADAL" clId="{6ED56420-F59F-4945-BA02-53AF79C1F3AC}" dt="2019-10-21T14:34:58.727" v="4023" actId="20577"/>
+        <pc:chgData name="Long B Nguyen" userId="f59fb8f3-a021-417a-8bc1-65c8d471c621" providerId="ADAL" clId="{6ED56420-F59F-4945-BA02-53AF79C1F3AC}" dt="2019-10-21T15:27:30.616" v="4525" actId="20577"/>
         <pc:sldMkLst>
           <pc:docMk/>
           <pc:sldMk cId="1535116463" sldId="347"/>
         </pc:sldMkLst>
         <pc:spChg chg="mod">
-          <ac:chgData name="Long B Nguyen" userId="f59fb8f3-a021-417a-8bc1-65c8d471c621" providerId="ADAL" clId="{6ED56420-F59F-4945-BA02-53AF79C1F3AC}" dt="2019-10-21T14:34:58.727" v="4023" actId="20577"/>
+          <ac:chgData name="Long B Nguyen" userId="f59fb8f3-a021-417a-8bc1-65c8d471c621" providerId="ADAL" clId="{6ED56420-F59F-4945-BA02-53AF79C1F3AC}" dt="2019-10-21T15:27:30.616" v="4525" actId="20577"/>
           <ac:spMkLst>
             <pc:docMk/>
             <pc:sldMk cId="1535116463" sldId="347"/>
@@ -696,12 +713,35 @@
           </ac:spMkLst>
         </pc:spChg>
       </pc:sldChg>
-      <pc:sldChg chg="add">
-        <pc:chgData name="Long B Nguyen" userId="f59fb8f3-a021-417a-8bc1-65c8d471c621" providerId="ADAL" clId="{6ED56420-F59F-4945-BA02-53AF79C1F3AC}" dt="2019-10-21T14:39:04.852" v="4059"/>
+      <pc:sldChg chg="modSp add modAnim">
+        <pc:chgData name="Long B Nguyen" userId="f59fb8f3-a021-417a-8bc1-65c8d471c621" providerId="ADAL" clId="{6ED56420-F59F-4945-BA02-53AF79C1F3AC}" dt="2019-10-21T15:56:15.262" v="4941"/>
         <pc:sldMkLst>
           <pc:docMk/>
           <pc:sldMk cId="1701624766" sldId="348"/>
         </pc:sldMkLst>
+        <pc:spChg chg="mod">
+          <ac:chgData name="Long B Nguyen" userId="f59fb8f3-a021-417a-8bc1-65c8d471c621" providerId="ADAL" clId="{6ED56420-F59F-4945-BA02-53AF79C1F3AC}" dt="2019-10-21T15:54:33.189" v="4915" actId="20577"/>
+          <ac:spMkLst>
+            <pc:docMk/>
+            <pc:sldMk cId="1701624766" sldId="348"/>
+            <ac:spMk id="9" creationId="{E3B2E017-30B2-884B-A113-B419A2ED51AD}"/>
+          </ac:spMkLst>
+        </pc:spChg>
+      </pc:sldChg>
+      <pc:sldChg chg="modSp add modAnim">
+        <pc:chgData name="Long B Nguyen" userId="f59fb8f3-a021-417a-8bc1-65c8d471c621" providerId="ADAL" clId="{6ED56420-F59F-4945-BA02-53AF79C1F3AC}" dt="2019-10-21T15:22:23.898" v="4270" actId="20577"/>
+        <pc:sldMkLst>
+          <pc:docMk/>
+          <pc:sldMk cId="1363458133" sldId="349"/>
+        </pc:sldMkLst>
+        <pc:spChg chg="mod">
+          <ac:chgData name="Long B Nguyen" userId="f59fb8f3-a021-417a-8bc1-65c8d471c621" providerId="ADAL" clId="{6ED56420-F59F-4945-BA02-53AF79C1F3AC}" dt="2019-10-21T15:22:23.898" v="4270" actId="20577"/>
+          <ac:spMkLst>
+            <pc:docMk/>
+            <pc:sldMk cId="1363458133" sldId="349"/>
+            <ac:spMk id="9" creationId="{E3B2E017-30B2-884B-A113-B419A2ED51AD}"/>
+          </ac:spMkLst>
+        </pc:spChg>
       </pc:sldChg>
     </pc:docChg>
   </pc:docChgLst>
@@ -3955,6 +3995,640 @@
                 </a:solidFill>
                 <a:latin typeface="Inconsolata Medium" panose="020B0609030003000000" pitchFamily="49" charset="77"/>
               </a:rPr>
+              <a:t>Using []:</a:t>
+            </a:r>
+          </a:p>
+          <a:p>
+            <a:pPr marL="0" indent="0">
+              <a:buNone/>
+            </a:pPr>
+            <a:r>
+              <a:rPr lang="en-US" sz="2000" b="1" dirty="0">
+                <a:solidFill>
+                  <a:srgbClr val="000087"/>
+                </a:solidFill>
+                <a:latin typeface="Inconsolata Medium" panose="020B0609030003000000" pitchFamily="49" charset="77"/>
+              </a:rPr>
+              <a:t>In</a:t>
+            </a:r>
+            <a:r>
+              <a:rPr lang="en-US" sz="2000" b="1" dirty="0">
+                <a:latin typeface="Inconsolata Medium" panose="020B0609030003000000" pitchFamily="49" charset="77"/>
+              </a:rPr>
+              <a:t>[</a:t>
+            </a:r>
+            <a:r>
+              <a:rPr lang="en-US" sz="2000" b="1" dirty="0">
+                <a:solidFill>
+                  <a:srgbClr val="FF6600"/>
+                </a:solidFill>
+                <a:latin typeface="Inconsolata Medium" panose="020B0609030003000000" pitchFamily="49" charset="77"/>
+              </a:rPr>
+              <a:t>1</a:t>
+            </a:r>
+            <a:r>
+              <a:rPr lang="en-US" sz="2000" b="1" dirty="0">
+                <a:latin typeface="Inconsolata Medium" panose="020B0609030003000000" pitchFamily="49" charset="77"/>
+              </a:rPr>
+              <a:t>]: </a:t>
+            </a:r>
+            <a:r>
+              <a:rPr lang="en-US" sz="2000" b="1" dirty="0" err="1">
+                <a:solidFill>
+                  <a:srgbClr val="000087"/>
+                </a:solidFill>
+                <a:latin typeface="Inconsolata Medium" panose="020B0609030003000000" pitchFamily="49" charset="77"/>
+              </a:rPr>
+              <a:t>lst</a:t>
+            </a:r>
+            <a:r>
+              <a:rPr lang="en-US" sz="2000" b="1" dirty="0">
+                <a:solidFill>
+                  <a:srgbClr val="000087"/>
+                </a:solidFill>
+                <a:latin typeface="Inconsolata Medium" panose="020B0609030003000000" pitchFamily="49" charset="77"/>
+              </a:rPr>
+              <a:t> </a:t>
+            </a:r>
+            <a:r>
+              <a:rPr lang="en-US" sz="2000" b="1" dirty="0">
+                <a:solidFill>
+                  <a:srgbClr val="545454"/>
+                </a:solidFill>
+                <a:latin typeface="Inconsolata Medium" panose="020B0609030003000000" pitchFamily="49" charset="77"/>
+              </a:rPr>
+              <a:t>= </a:t>
+            </a:r>
+            <a:r>
+              <a:rPr lang="en-US" sz="2000" b="1" dirty="0">
+                <a:latin typeface="Inconsolata Medium" panose="020B0609030003000000" pitchFamily="49" charset="77"/>
+              </a:rPr>
+              <a:t>[</a:t>
+            </a:r>
+            <a:r>
+              <a:rPr lang="en-US" sz="2000" b="1" dirty="0">
+                <a:solidFill>
+                  <a:srgbClr val="FF6600"/>
+                </a:solidFill>
+                <a:latin typeface="Inconsolata Medium" panose="020B0609030003000000" pitchFamily="49" charset="77"/>
+              </a:rPr>
+              <a:t>(“Mike”, 3.2), (“Sarah”, 3.6), (“Jack”, 2.8)</a:t>
+            </a:r>
+            <a:r>
+              <a:rPr lang="en-US" sz="2000" b="1" dirty="0">
+                <a:latin typeface="Inconsolata Medium" panose="020B0609030003000000" pitchFamily="49" charset="77"/>
+              </a:rPr>
+              <a:t>]</a:t>
+            </a:r>
+          </a:p>
+          <a:p>
+            <a:pPr marL="0" indent="0">
+              <a:buNone/>
+            </a:pPr>
+            <a:r>
+              <a:rPr lang="en-US" sz="2000" b="1" dirty="0">
+                <a:latin typeface="Inconsolata Medium" panose="020B0609030003000000" pitchFamily="49" charset="77"/>
+              </a:rPr>
+              <a:t>	  </a:t>
+            </a:r>
+            <a:r>
+              <a:rPr lang="en-US" sz="2000" b="1" dirty="0">
+                <a:solidFill>
+                  <a:srgbClr val="006699"/>
+                </a:solidFill>
+                <a:latin typeface="Inconsolata Medium" panose="020B0609030003000000" pitchFamily="49" charset="77"/>
+              </a:rPr>
+              <a:t>for </a:t>
+            </a:r>
+            <a:r>
+              <a:rPr lang="en-US" sz="2000" b="1" dirty="0">
+                <a:solidFill>
+                  <a:srgbClr val="000087"/>
+                </a:solidFill>
+                <a:latin typeface="Inconsolata Medium" panose="020B0609030003000000" pitchFamily="49" charset="77"/>
+              </a:rPr>
+              <a:t>student </a:t>
+            </a:r>
+            <a:r>
+              <a:rPr lang="en-US" sz="2000" b="1" dirty="0">
+                <a:latin typeface="Inconsolata Medium" panose="020B0609030003000000" pitchFamily="49" charset="77"/>
+              </a:rPr>
+              <a:t>in </a:t>
+            </a:r>
+            <a:r>
+              <a:rPr lang="en-US" sz="2000" b="1" dirty="0" err="1">
+                <a:solidFill>
+                  <a:srgbClr val="336666"/>
+                </a:solidFill>
+                <a:latin typeface="Inconsolata Medium" panose="020B0609030003000000" pitchFamily="49" charset="77"/>
+              </a:rPr>
+              <a:t>lst</a:t>
+            </a:r>
+            <a:r>
+              <a:rPr lang="en-US" sz="2000" b="1" dirty="0">
+                <a:solidFill>
+                  <a:srgbClr val="336666"/>
+                </a:solidFill>
+                <a:latin typeface="Inconsolata Medium" panose="020B0609030003000000" pitchFamily="49" charset="77"/>
+              </a:rPr>
+              <a:t>:</a:t>
+            </a:r>
+          </a:p>
+          <a:p>
+            <a:pPr marL="0" indent="0">
+              <a:buNone/>
+            </a:pPr>
+            <a:r>
+              <a:rPr lang="en-US" sz="2000" b="1" dirty="0">
+                <a:solidFill>
+                  <a:srgbClr val="336666"/>
+                </a:solidFill>
+                <a:latin typeface="Inconsolata Medium" panose="020B0609030003000000" pitchFamily="49" charset="77"/>
+              </a:rPr>
+              <a:t>		print(</a:t>
+            </a:r>
+            <a:r>
+              <a:rPr lang="en-US" sz="2000" b="1" dirty="0">
+                <a:solidFill>
+                  <a:srgbClr val="000087"/>
+                </a:solidFill>
+                <a:latin typeface="Inconsolata Medium" panose="020B0609030003000000" pitchFamily="49" charset="77"/>
+              </a:rPr>
+              <a:t>student[0], student[1]</a:t>
+            </a:r>
+            <a:r>
+              <a:rPr lang="en-US" sz="2000" b="1" dirty="0">
+                <a:solidFill>
+                  <a:srgbClr val="336666"/>
+                </a:solidFill>
+                <a:latin typeface="Inconsolata Medium" panose="020B0609030003000000" pitchFamily="49" charset="77"/>
+              </a:rPr>
+              <a:t>)</a:t>
+            </a:r>
+          </a:p>
+          <a:p>
+            <a:pPr marL="0" indent="0">
+              <a:buNone/>
+            </a:pPr>
+            <a:endParaRPr lang="en-US" sz="2000" dirty="0">
+              <a:latin typeface="Gill Sans MT" panose="020B0502020104020203" pitchFamily="34" charset="77"/>
+            </a:endParaRPr>
+          </a:p>
+          <a:p>
+            <a:pPr marL="0" indent="0">
+              <a:buNone/>
+            </a:pPr>
+            <a:r>
+              <a:rPr lang="en-US" sz="2000" b="1" dirty="0">
+                <a:latin typeface="Inconsolata Medium" panose="020B0609030003000000" pitchFamily="49" charset="77"/>
+              </a:rPr>
+              <a:t>Mike 3.2</a:t>
+            </a:r>
+          </a:p>
+          <a:p>
+            <a:pPr marL="0" indent="0">
+              <a:buNone/>
+            </a:pPr>
+            <a:r>
+              <a:rPr lang="en-US" sz="2000" b="1" dirty="0">
+                <a:latin typeface="Inconsolata Medium" panose="020B0609030003000000" pitchFamily="49" charset="77"/>
+              </a:rPr>
+              <a:t>Sarah 3.6</a:t>
+            </a:r>
+          </a:p>
+          <a:p>
+            <a:pPr marL="0" indent="0">
+              <a:buNone/>
+            </a:pPr>
+            <a:r>
+              <a:rPr lang="en-US" sz="2000" b="1" dirty="0">
+                <a:latin typeface="Inconsolata Medium" panose="020B0609030003000000" pitchFamily="49" charset="77"/>
+              </a:rPr>
+              <a:t>Jack 2.8</a:t>
+            </a:r>
+          </a:p>
+          <a:p>
+            <a:pPr marL="0" indent="0">
+              <a:buNone/>
+            </a:pPr>
+            <a:endParaRPr lang="en-US" sz="2000" b="1" dirty="0">
+              <a:latin typeface="Gill Sans MT" panose="020B0502020104020203" pitchFamily="34" charset="77"/>
+            </a:endParaRPr>
+          </a:p>
+          <a:p>
+            <a:pPr marL="0" indent="0">
+              <a:buNone/>
+            </a:pPr>
+            <a:endParaRPr lang="en-US" sz="2000" b="1" dirty="0">
+              <a:latin typeface="Inconsolata Medium" panose="020B0609030003000000" pitchFamily="49" charset="77"/>
+            </a:endParaRPr>
+          </a:p>
+          <a:p>
+            <a:pPr marL="0" indent="0">
+              <a:buNone/>
+            </a:pPr>
+            <a:r>
+              <a:rPr lang="en-US" dirty="0"/>
+              <a:t>  	                </a:t>
+            </a:r>
+          </a:p>
+          <a:p>
+            <a:pPr marL="0" indent="0">
+              <a:buNone/>
+            </a:pPr>
+            <a:endParaRPr lang="en-US" dirty="0"/>
+          </a:p>
+          <a:p>
+            <a:pPr marL="0" indent="0">
+              <a:buNone/>
+            </a:pPr>
+            <a:endParaRPr lang="en-US" dirty="0"/>
+          </a:p>
+          <a:p>
+            <a:pPr marL="0" indent="0">
+              <a:buNone/>
+            </a:pPr>
+            <a:r>
+              <a:rPr lang="en-US" dirty="0"/>
+              <a:t> </a:t>
+            </a:r>
+          </a:p>
+          <a:p>
+            <a:pPr marL="0" indent="0">
+              <a:buNone/>
+            </a:pPr>
+            <a:endParaRPr lang="en-US" dirty="0"/>
+          </a:p>
+          <a:p>
+            <a:pPr marL="0" indent="0">
+              <a:buNone/>
+            </a:pPr>
+            <a:endParaRPr lang="en-US" dirty="0"/>
+          </a:p>
+        </p:txBody>
+      </p:sp>
+    </p:spTree>
+    <p:extLst>
+      <p:ext uri="{BB962C8B-B14F-4D97-AF65-F5344CB8AC3E}">
+        <p14:creationId xmlns:p14="http://schemas.microsoft.com/office/powerpoint/2010/main" val="2834108163"/>
+      </p:ext>
+    </p:extLst>
+  </p:cSld>
+  <p:clrMapOvr>
+    <a:masterClrMapping/>
+  </p:clrMapOvr>
+  <p:timing>
+    <p:tnLst>
+      <p:par>
+        <p:cTn id="1" dur="indefinite" restart="never" nodeType="tmRoot">
+          <p:childTnLst>
+            <p:seq concurrent="1" nextAc="seek">
+              <p:cTn id="2" dur="indefinite" nodeType="mainSeq">
+                <p:childTnLst>
+                  <p:par>
+                    <p:cTn id="3" fill="hold">
+                      <p:stCondLst>
+                        <p:cond delay="indefinite"/>
+                      </p:stCondLst>
+                      <p:childTnLst>
+                        <p:par>
+                          <p:cTn id="4" fill="hold">
+                            <p:stCondLst>
+                              <p:cond delay="0"/>
+                            </p:stCondLst>
+                            <p:childTnLst>
+                              <p:par>
+                                <p:cTn id="5" presetID="1" presetClass="entr" presetSubtype="0" fill="hold" nodeType="clickEffect">
+                                  <p:stCondLst>
+                                    <p:cond delay="0"/>
+                                  </p:stCondLst>
+                                  <p:childTnLst>
+                                    <p:set>
+                                      <p:cBhvr>
+                                        <p:cTn id="6" dur="1" fill="hold">
+                                          <p:stCondLst>
+                                            <p:cond delay="0"/>
+                                          </p:stCondLst>
+                                        </p:cTn>
+                                        <p:tgtEl>
+                                          <p:spTgt spid="9">
+                                            <p:txEl>
+                                              <p:pRg st="2" end="2"/>
+                                            </p:txEl>
+                                          </p:spTgt>
+                                        </p:tgtEl>
+                                        <p:attrNameLst>
+                                          <p:attrName>style.visibility</p:attrName>
+                                        </p:attrNameLst>
+                                      </p:cBhvr>
+                                      <p:to>
+                                        <p:strVal val="visible"/>
+                                      </p:to>
+                                    </p:set>
+                                  </p:childTnLst>
+                                </p:cTn>
+                              </p:par>
+                              <p:par>
+                                <p:cTn id="7" presetID="1" presetClass="entr" presetSubtype="0" fill="hold" nodeType="withEffect">
+                                  <p:stCondLst>
+                                    <p:cond delay="0"/>
+                                  </p:stCondLst>
+                                  <p:childTnLst>
+                                    <p:set>
+                                      <p:cBhvr>
+                                        <p:cTn id="8" dur="1" fill="hold">
+                                          <p:stCondLst>
+                                            <p:cond delay="0"/>
+                                          </p:stCondLst>
+                                        </p:cTn>
+                                        <p:tgtEl>
+                                          <p:spTgt spid="9">
+                                            <p:txEl>
+                                              <p:pRg st="3" end="3"/>
+                                            </p:txEl>
+                                          </p:spTgt>
+                                        </p:tgtEl>
+                                        <p:attrNameLst>
+                                          <p:attrName>style.visibility</p:attrName>
+                                        </p:attrNameLst>
+                                      </p:cBhvr>
+                                      <p:to>
+                                        <p:strVal val="visible"/>
+                                      </p:to>
+                                    </p:set>
+                                  </p:childTnLst>
+                                </p:cTn>
+                              </p:par>
+                              <p:par>
+                                <p:cTn id="9" presetID="1" presetClass="entr" presetSubtype="0" fill="hold" nodeType="withEffect">
+                                  <p:stCondLst>
+                                    <p:cond delay="0"/>
+                                  </p:stCondLst>
+                                  <p:childTnLst>
+                                    <p:set>
+                                      <p:cBhvr>
+                                        <p:cTn id="10" dur="1" fill="hold">
+                                          <p:stCondLst>
+                                            <p:cond delay="0"/>
+                                          </p:stCondLst>
+                                        </p:cTn>
+                                        <p:tgtEl>
+                                          <p:spTgt spid="9">
+                                            <p:txEl>
+                                              <p:pRg st="4" end="4"/>
+                                            </p:txEl>
+                                          </p:spTgt>
+                                        </p:tgtEl>
+                                        <p:attrNameLst>
+                                          <p:attrName>style.visibility</p:attrName>
+                                        </p:attrNameLst>
+                                      </p:cBhvr>
+                                      <p:to>
+                                        <p:strVal val="visible"/>
+                                      </p:to>
+                                    </p:set>
+                                  </p:childTnLst>
+                                </p:cTn>
+                              </p:par>
+                            </p:childTnLst>
+                          </p:cTn>
+                        </p:par>
+                      </p:childTnLst>
+                    </p:cTn>
+                  </p:par>
+                  <p:par>
+                    <p:cTn id="11" fill="hold">
+                      <p:stCondLst>
+                        <p:cond delay="indefinite"/>
+                      </p:stCondLst>
+                      <p:childTnLst>
+                        <p:par>
+                          <p:cTn id="12" fill="hold">
+                            <p:stCondLst>
+                              <p:cond delay="0"/>
+                            </p:stCondLst>
+                            <p:childTnLst>
+                              <p:par>
+                                <p:cTn id="13" presetID="1" presetClass="entr" presetSubtype="0" fill="hold" nodeType="clickEffect">
+                                  <p:stCondLst>
+                                    <p:cond delay="0"/>
+                                  </p:stCondLst>
+                                  <p:childTnLst>
+                                    <p:set>
+                                      <p:cBhvr>
+                                        <p:cTn id="14" dur="1" fill="hold">
+                                          <p:stCondLst>
+                                            <p:cond delay="0"/>
+                                          </p:stCondLst>
+                                        </p:cTn>
+                                        <p:tgtEl>
+                                          <p:spTgt spid="9">
+                                            <p:txEl>
+                                              <p:pRg st="6" end="6"/>
+                                            </p:txEl>
+                                          </p:spTgt>
+                                        </p:tgtEl>
+                                        <p:attrNameLst>
+                                          <p:attrName>style.visibility</p:attrName>
+                                        </p:attrNameLst>
+                                      </p:cBhvr>
+                                      <p:to>
+                                        <p:strVal val="visible"/>
+                                      </p:to>
+                                    </p:set>
+                                  </p:childTnLst>
+                                </p:cTn>
+                              </p:par>
+                              <p:par>
+                                <p:cTn id="15" presetID="1" presetClass="entr" presetSubtype="0" fill="hold" nodeType="withEffect">
+                                  <p:stCondLst>
+                                    <p:cond delay="0"/>
+                                  </p:stCondLst>
+                                  <p:childTnLst>
+                                    <p:set>
+                                      <p:cBhvr>
+                                        <p:cTn id="16" dur="1" fill="hold">
+                                          <p:stCondLst>
+                                            <p:cond delay="0"/>
+                                          </p:stCondLst>
+                                        </p:cTn>
+                                        <p:tgtEl>
+                                          <p:spTgt spid="9">
+                                            <p:txEl>
+                                              <p:pRg st="7" end="7"/>
+                                            </p:txEl>
+                                          </p:spTgt>
+                                        </p:tgtEl>
+                                        <p:attrNameLst>
+                                          <p:attrName>style.visibility</p:attrName>
+                                        </p:attrNameLst>
+                                      </p:cBhvr>
+                                      <p:to>
+                                        <p:strVal val="visible"/>
+                                      </p:to>
+                                    </p:set>
+                                  </p:childTnLst>
+                                </p:cTn>
+                              </p:par>
+                              <p:par>
+                                <p:cTn id="17" presetID="1" presetClass="entr" presetSubtype="0" fill="hold" nodeType="withEffect">
+                                  <p:stCondLst>
+                                    <p:cond delay="0"/>
+                                  </p:stCondLst>
+                                  <p:childTnLst>
+                                    <p:set>
+                                      <p:cBhvr>
+                                        <p:cTn id="18" dur="1" fill="hold">
+                                          <p:stCondLst>
+                                            <p:cond delay="0"/>
+                                          </p:stCondLst>
+                                        </p:cTn>
+                                        <p:tgtEl>
+                                          <p:spTgt spid="9">
+                                            <p:txEl>
+                                              <p:pRg st="8" end="8"/>
+                                            </p:txEl>
+                                          </p:spTgt>
+                                        </p:tgtEl>
+                                        <p:attrNameLst>
+                                          <p:attrName>style.visibility</p:attrName>
+                                        </p:attrNameLst>
+                                      </p:cBhvr>
+                                      <p:to>
+                                        <p:strVal val="visible"/>
+                                      </p:to>
+                                    </p:set>
+                                  </p:childTnLst>
+                                </p:cTn>
+                              </p:par>
+                            </p:childTnLst>
+                          </p:cTn>
+                        </p:par>
+                      </p:childTnLst>
+                    </p:cTn>
+                  </p:par>
+                </p:childTnLst>
+              </p:cTn>
+              <p:prevCondLst>
+                <p:cond evt="onPrev" delay="0">
+                  <p:tgtEl>
+                    <p:sldTgt/>
+                  </p:tgtEl>
+                </p:cond>
+              </p:prevCondLst>
+              <p:nextCondLst>
+                <p:cond evt="onNext" delay="0">
+                  <p:tgtEl>
+                    <p:sldTgt/>
+                  </p:tgtEl>
+                </p:cond>
+              </p:nextCondLst>
+            </p:seq>
+          </p:childTnLst>
+        </p:cTn>
+      </p:par>
+    </p:tnLst>
+  </p:timing>
+</p:sld>
+</file>
+
+<file path=ppt/slides/slide11.xml><?xml version="1.0" encoding="utf-8"?>
+<p:sld xmlns:a="http://schemas.openxmlformats.org/drawingml/2006/main" xmlns:r="http://schemas.openxmlformats.org/officeDocument/2006/relationships" xmlns:p="http://schemas.openxmlformats.org/presentationml/2006/main">
+  <p:cSld>
+    <p:spTree>
+      <p:nvGrpSpPr>
+        <p:cNvPr id="1" name=""/>
+        <p:cNvGrpSpPr/>
+        <p:nvPr/>
+      </p:nvGrpSpPr>
+      <p:grpSpPr>
+        <a:xfrm>
+          <a:off x="0" y="0"/>
+          <a:ext cx="0" cy="0"/>
+          <a:chOff x="0" y="0"/>
+          <a:chExt cx="0" cy="0"/>
+        </a:xfrm>
+      </p:grpSpPr>
+      <p:sp>
+        <p:nvSpPr>
+          <p:cNvPr id="2" name="Title 1">
+            <a:extLst>
+              <a:ext uri="{FF2B5EF4-FFF2-40B4-BE49-F238E27FC236}">
+                <a16:creationId xmlns:a16="http://schemas.microsoft.com/office/drawing/2014/main" id="{AA3A228F-61D0-D949-A5E7-F83756230BF8}"/>
+              </a:ext>
+            </a:extLst>
+          </p:cNvPr>
+          <p:cNvSpPr>
+            <a:spLocks noGrp="1"/>
+          </p:cNvSpPr>
+          <p:nvPr>
+            <p:ph type="title"/>
+          </p:nvPr>
+        </p:nvSpPr>
+        <p:spPr>
+          <a:xfrm>
+            <a:off x="483848" y="467027"/>
+            <a:ext cx="7053542" cy="683886"/>
+          </a:xfrm>
+        </p:spPr>
+        <p:txBody>
+          <a:bodyPr/>
+          <a:lstStyle/>
+          <a:p>
+            <a:r>
+              <a:rPr lang="en-US" dirty="0"/>
+              <a:t>List of Tuples</a:t>
+            </a:r>
+          </a:p>
+        </p:txBody>
+      </p:sp>
+      <p:sp>
+        <p:nvSpPr>
+          <p:cNvPr id="9" name="Content Placeholder 8">
+            <a:extLst>
+              <a:ext uri="{FF2B5EF4-FFF2-40B4-BE49-F238E27FC236}">
+                <a16:creationId xmlns:a16="http://schemas.microsoft.com/office/drawing/2014/main" id="{E3B2E017-30B2-884B-A113-B419A2ED51AD}"/>
+              </a:ext>
+            </a:extLst>
+          </p:cNvPr>
+          <p:cNvSpPr>
+            <a:spLocks noGrp="1"/>
+          </p:cNvSpPr>
+          <p:nvPr>
+            <p:ph idx="1"/>
+          </p:nvPr>
+        </p:nvSpPr>
+        <p:spPr>
+          <a:xfrm>
+            <a:off x="483848" y="1150912"/>
+            <a:ext cx="8051725" cy="4564087"/>
+          </a:xfrm>
+        </p:spPr>
+        <p:txBody>
+          <a:bodyPr>
+            <a:noAutofit/>
+          </a:bodyPr>
+          <a:lstStyle/>
+          <a:p>
+            <a:pPr marL="0" indent="0">
+              <a:buNone/>
+            </a:pPr>
+            <a:r>
+              <a:rPr lang="en-US" dirty="0"/>
+              <a:t>We can form a list of tuples(or of lists) and iterate over them by using nested loop, [] or tuple unpacking.</a:t>
+            </a:r>
+          </a:p>
+          <a:p>
+            <a:pPr marL="0" indent="0">
+              <a:buNone/>
+            </a:pPr>
+            <a:r>
+              <a:rPr lang="en-US" b="1" dirty="0">
+                <a:solidFill>
+                  <a:srgbClr val="FF0000"/>
+                </a:solidFill>
+                <a:latin typeface="Inconsolata Medium" panose="020B0609030003000000" pitchFamily="49" charset="77"/>
+              </a:rPr>
               <a:t>Using tuple unpacking:</a:t>
             </a:r>
           </a:p>
@@ -3995,7 +4669,7 @@
                 </a:solidFill>
                 <a:latin typeface="Inconsolata Medium" panose="020B0609030003000000" pitchFamily="49" charset="77"/>
               </a:rPr>
-              <a:t>3</a:t>
+              <a:t>1</a:t>
             </a:r>
             <a:r>
               <a:rPr lang="en-US" sz="2000" b="1" dirty="0">
@@ -4508,7 +5182,7 @@
 </p:sld>
 </file>
 
-<file path=ppt/slides/slide11.xml><?xml version="1.0" encoding="utf-8"?>
+<file path=ppt/slides/slide12.xml><?xml version="1.0" encoding="utf-8"?>
 <p:sld xmlns:a="http://schemas.openxmlformats.org/drawingml/2006/main" xmlns:r="http://schemas.openxmlformats.org/officeDocument/2006/relationships" xmlns:p="http://schemas.openxmlformats.org/presentationml/2006/main">
   <p:cSld>
     <p:spTree>
@@ -4626,6 +5300,181 @@
                 </a:solidFill>
                 <a:latin typeface="Inconsolata Medium" panose="020B0609030003000000" pitchFamily="49" charset="77"/>
               </a:rPr>
+              <a:t>1</a:t>
+            </a:r>
+            <a:r>
+              <a:rPr lang="en-US" sz="2000" b="1" dirty="0">
+                <a:latin typeface="Inconsolata Medium" panose="020B0609030003000000" pitchFamily="49" charset="77"/>
+              </a:rPr>
+              <a:t>]: </a:t>
+            </a:r>
+            <a:r>
+              <a:rPr lang="en-US" sz="2000" b="1" dirty="0" err="1">
+                <a:solidFill>
+                  <a:srgbClr val="000087"/>
+                </a:solidFill>
+                <a:latin typeface="Inconsolata Medium" panose="020B0609030003000000" pitchFamily="49" charset="77"/>
+              </a:rPr>
+              <a:t>lst</a:t>
+            </a:r>
+            <a:r>
+              <a:rPr lang="en-US" sz="2000" b="1" dirty="0">
+                <a:solidFill>
+                  <a:srgbClr val="000087"/>
+                </a:solidFill>
+                <a:latin typeface="Inconsolata Medium" panose="020B0609030003000000" pitchFamily="49" charset="77"/>
+              </a:rPr>
+              <a:t> </a:t>
+            </a:r>
+            <a:r>
+              <a:rPr lang="en-US" sz="2000" b="1" dirty="0">
+                <a:solidFill>
+                  <a:srgbClr val="545454"/>
+                </a:solidFill>
+                <a:latin typeface="Inconsolata Medium" panose="020B0609030003000000" pitchFamily="49" charset="77"/>
+              </a:rPr>
+              <a:t>= </a:t>
+            </a:r>
+            <a:r>
+              <a:rPr lang="en-US" sz="2000" b="1" dirty="0">
+                <a:latin typeface="Inconsolata Medium" panose="020B0609030003000000" pitchFamily="49" charset="77"/>
+              </a:rPr>
+              <a:t>[</a:t>
+            </a:r>
+            <a:r>
+              <a:rPr lang="en-US" sz="2000" b="1" dirty="0">
+                <a:solidFill>
+                  <a:srgbClr val="FF6600"/>
+                </a:solidFill>
+                <a:latin typeface="Inconsolata Medium" panose="020B0609030003000000" pitchFamily="49" charset="77"/>
+              </a:rPr>
+              <a:t>[1, 2, 3],</a:t>
+            </a:r>
+          </a:p>
+          <a:p>
+            <a:pPr marL="0" indent="0">
+              <a:buNone/>
+            </a:pPr>
+            <a:r>
+              <a:rPr lang="en-US" sz="2000" b="1" dirty="0">
+                <a:solidFill>
+                  <a:srgbClr val="FF6600"/>
+                </a:solidFill>
+                <a:latin typeface="Inconsolata Medium" panose="020B0609030003000000" pitchFamily="49" charset="77"/>
+              </a:rPr>
+              <a:t>              [4, 5, 6], </a:t>
+            </a:r>
+          </a:p>
+          <a:p>
+            <a:pPr marL="0" indent="0">
+              <a:buNone/>
+            </a:pPr>
+            <a:r>
+              <a:rPr lang="en-US" sz="2000" b="1" dirty="0">
+                <a:solidFill>
+                  <a:srgbClr val="FF6600"/>
+                </a:solidFill>
+                <a:latin typeface="Inconsolata Medium" panose="020B0609030003000000" pitchFamily="49" charset="77"/>
+              </a:rPr>
+              <a:t>              [7, 8, 9]</a:t>
+            </a:r>
+            <a:r>
+              <a:rPr lang="en-US" sz="2000" b="1" dirty="0">
+                <a:latin typeface="Inconsolata Medium" panose="020B0609030003000000" pitchFamily="49" charset="77"/>
+              </a:rPr>
+              <a:t>]</a:t>
+            </a:r>
+          </a:p>
+          <a:p>
+            <a:pPr marL="0" indent="0">
+              <a:buNone/>
+            </a:pPr>
+            <a:r>
+              <a:rPr lang="en-US" sz="2000" b="1" dirty="0">
+                <a:solidFill>
+                  <a:srgbClr val="000087"/>
+                </a:solidFill>
+                <a:latin typeface="Inconsolata Medium" panose="020B0609030003000000" pitchFamily="49" charset="77"/>
+              </a:rPr>
+              <a:t>In</a:t>
+            </a:r>
+            <a:r>
+              <a:rPr lang="en-US" sz="2000" b="1" dirty="0">
+                <a:latin typeface="Inconsolata Medium" panose="020B0609030003000000" pitchFamily="49" charset="77"/>
+              </a:rPr>
+              <a:t>[</a:t>
+            </a:r>
+            <a:r>
+              <a:rPr lang="en-US" sz="2000" b="1" dirty="0">
+                <a:solidFill>
+                  <a:srgbClr val="FF6600"/>
+                </a:solidFill>
+                <a:latin typeface="Inconsolata Medium" panose="020B0609030003000000" pitchFamily="49" charset="77"/>
+              </a:rPr>
+              <a:t>2</a:t>
+            </a:r>
+            <a:r>
+              <a:rPr lang="en-US" sz="2000" b="1" dirty="0">
+                <a:latin typeface="Inconsolata Medium" panose="020B0609030003000000" pitchFamily="49" charset="77"/>
+              </a:rPr>
+              <a:t>]: </a:t>
+            </a:r>
+            <a:r>
+              <a:rPr lang="en-US" sz="2000" b="1" dirty="0" err="1">
+                <a:solidFill>
+                  <a:srgbClr val="000087"/>
+                </a:solidFill>
+                <a:latin typeface="Inconsolata Medium" panose="020B0609030003000000" pitchFamily="49" charset="77"/>
+              </a:rPr>
+              <a:t>lst</a:t>
+            </a:r>
+            <a:r>
+              <a:rPr lang="en-US" sz="2000" b="1" dirty="0">
+                <a:solidFill>
+                  <a:srgbClr val="000087"/>
+                </a:solidFill>
+                <a:latin typeface="Inconsolata Medium" panose="020B0609030003000000" pitchFamily="49" charset="77"/>
+              </a:rPr>
+              <a:t>[0]</a:t>
+            </a:r>
+          </a:p>
+          <a:p>
+            <a:pPr marL="0" indent="0">
+              <a:buNone/>
+            </a:pPr>
+            <a:r>
+              <a:rPr lang="en-US" sz="2000" b="1" dirty="0">
+                <a:latin typeface="Inconsolata Medium" panose="020B0609030003000000" pitchFamily="49" charset="77"/>
+              </a:rPr>
+              <a:t>Out [2]: [1, 2, 3] </a:t>
+            </a:r>
+          </a:p>
+          <a:p>
+            <a:pPr marL="0" indent="0">
+              <a:buNone/>
+            </a:pPr>
+            <a:r>
+              <a:rPr lang="en-US" sz="2000" b="1" dirty="0">
+                <a:solidFill>
+                  <a:srgbClr val="000087"/>
+                </a:solidFill>
+                <a:latin typeface="Inconsolata Medium" panose="020B0609030003000000" pitchFamily="49" charset="77"/>
+              </a:rPr>
+              <a:t>In</a:t>
+            </a:r>
+            <a:r>
+              <a:rPr lang="en-US" sz="2000" b="1" dirty="0">
+                <a:latin typeface="Inconsolata Medium" panose="020B0609030003000000" pitchFamily="49" charset="77"/>
+              </a:rPr>
+              <a:t>[</a:t>
+            </a:r>
+            <a:r>
+              <a:rPr lang="en-US" sz="2000" b="1" dirty="0">
+                <a:solidFill>
+                  <a:srgbClr val="FF6600"/>
+                </a:solidFill>
+                <a:latin typeface="Inconsolata Medium" panose="020B0609030003000000" pitchFamily="49" charset="77"/>
+              </a:rPr>
               <a:t>3</a:t>
             </a:r>
             <a:r>
@@ -4650,16 +5499,32 @@
                 </a:solidFill>
                 <a:latin typeface="Inconsolata Medium" panose="020B0609030003000000" pitchFamily="49" charset="77"/>
               </a:rPr>
-              <a:t> </a:t>
-            </a:r>
-            <a:r>
-              <a:rPr lang="en-US" sz="2000" b="1" dirty="0">
-                <a:solidFill>
-                  <a:srgbClr val="545454"/>
-                </a:solidFill>
-                <a:latin typeface="Inconsolata Medium" panose="020B0609030003000000" pitchFamily="49" charset="77"/>
-              </a:rPr>
-              <a:t>= </a:t>
+              <a:t>[1][2]</a:t>
+            </a:r>
+          </a:p>
+          <a:p>
+            <a:pPr marL="0" indent="0">
+              <a:buNone/>
+            </a:pPr>
+            <a:r>
+              <a:rPr lang="en-US" sz="2000" b="1" dirty="0">
+                <a:latin typeface="Inconsolata Medium" panose="020B0609030003000000" pitchFamily="49" charset="77"/>
+              </a:rPr>
+              <a:t>Out [3]: 6 </a:t>
+            </a:r>
+          </a:p>
+          <a:p>
+            <a:pPr marL="0" indent="0">
+              <a:buNone/>
+            </a:pPr>
+            <a:r>
+              <a:rPr lang="en-US" sz="2000" b="1" dirty="0">
+                <a:solidFill>
+                  <a:srgbClr val="000087"/>
+                </a:solidFill>
+                <a:latin typeface="Inconsolata Medium" panose="020B0609030003000000" pitchFamily="49" charset="77"/>
+              </a:rPr>
+              <a:t>In</a:t>
             </a:r>
             <a:r>
               <a:rPr lang="en-US" sz="2000" b="1" dirty="0">
@@ -4674,13 +5539,63 @@
                 </a:solidFill>
                 <a:latin typeface="Inconsolata Medium" panose="020B0609030003000000" pitchFamily="49" charset="77"/>
               </a:rPr>
-              <a:t>[1, 2, 3],</a:t>
-            </a:r>
-          </a:p>
-          <a:p>
-            <a:pPr marL="0" indent="0">
-              <a:buNone/>
-            </a:pPr>
+              <a:t>4</a:t>
+            </a:r>
+            <a:r>
+              <a:rPr lang="en-US" sz="2000" b="1" dirty="0">
+                <a:latin typeface="Inconsolata Medium" panose="020B0609030003000000" pitchFamily="49" charset="77"/>
+              </a:rPr>
+              <a:t>]: </a:t>
+            </a:r>
+            <a:r>
+              <a:rPr lang="en-US" sz="2000" b="1" dirty="0" err="1">
+                <a:solidFill>
+                  <a:srgbClr val="000087"/>
+                </a:solidFill>
+                <a:latin typeface="Inconsolata Medium" panose="020B0609030003000000" pitchFamily="49" charset="77"/>
+              </a:rPr>
+              <a:t>lst</a:t>
+            </a:r>
+            <a:r>
+              <a:rPr lang="en-US" sz="2000" b="1" dirty="0">
+                <a:solidFill>
+                  <a:srgbClr val="000087"/>
+                </a:solidFill>
+                <a:latin typeface="Inconsolata Medium" panose="020B0609030003000000" pitchFamily="49" charset="77"/>
+              </a:rPr>
+              <a:t>[0][0]</a:t>
+            </a:r>
+          </a:p>
+          <a:p>
+            <a:pPr marL="0" indent="0">
+              <a:buNone/>
+            </a:pPr>
+            <a:r>
+              <a:rPr lang="en-US" sz="2000" b="1" dirty="0">
+                <a:latin typeface="Inconsolata Medium" panose="020B0609030003000000" pitchFamily="49" charset="77"/>
+              </a:rPr>
+              <a:t>Out [4]: 1</a:t>
+            </a:r>
+          </a:p>
+          <a:p>
+            <a:pPr marL="0" indent="0">
+              <a:buNone/>
+            </a:pPr>
+            <a:r>
+              <a:rPr lang="en-US" sz="2000" b="1" dirty="0">
+                <a:solidFill>
+                  <a:srgbClr val="000087"/>
+                </a:solidFill>
+                <a:latin typeface="Inconsolata Medium" panose="020B0609030003000000" pitchFamily="49" charset="77"/>
+              </a:rPr>
+              <a:t>In</a:t>
+            </a:r>
+            <a:r>
+              <a:rPr lang="en-US" sz="2000" b="1" dirty="0">
+                <a:latin typeface="Inconsolata Medium" panose="020B0609030003000000" pitchFamily="49" charset="77"/>
+              </a:rPr>
+              <a:t>[</a:t>
+            </a:r>
             <a:r>
               <a:rPr lang="en-US" sz="2000" b="1" dirty="0">
                 <a:solidFill>
@@ -4688,271 +5603,30 @@
                 </a:solidFill>
                 <a:latin typeface="Inconsolata Medium" panose="020B0609030003000000" pitchFamily="49" charset="77"/>
               </a:rPr>
-              <a:t>              [4, 5, 6], </a:t>
-            </a:r>
-          </a:p>
-          <a:p>
-            <a:pPr marL="0" indent="0">
-              <a:buNone/>
-            </a:pPr>
-            <a:r>
-              <a:rPr lang="en-US" sz="2000" b="1" dirty="0">
-                <a:solidFill>
-                  <a:srgbClr val="FF6600"/>
-                </a:solidFill>
-                <a:latin typeface="Inconsolata Medium" panose="020B0609030003000000" pitchFamily="49" charset="77"/>
-              </a:rPr>
-              <a:t>              [7, 8, 9]</a:t>
-            </a:r>
-            <a:r>
-              <a:rPr lang="en-US" sz="2000" b="1" dirty="0">
-                <a:latin typeface="Inconsolata Medium" panose="020B0609030003000000" pitchFamily="49" charset="77"/>
-              </a:rPr>
-              <a:t>]</a:t>
-            </a:r>
-          </a:p>
-          <a:p>
-            <a:pPr marL="0" indent="0">
-              <a:buNone/>
-            </a:pPr>
-            <a:r>
-              <a:rPr lang="en-US" sz="2000" b="1" dirty="0">
+              <a:t>5</a:t>
+            </a:r>
+            <a:r>
+              <a:rPr lang="en-US" sz="2000" b="1" dirty="0">
+                <a:latin typeface="Inconsolata Medium" panose="020B0609030003000000" pitchFamily="49" charset="77"/>
+              </a:rPr>
+              <a:t>]: </a:t>
+            </a:r>
+            <a:r>
+              <a:rPr lang="en-US" sz="2000" b="1" dirty="0" err="1">
                 <a:solidFill>
                   <a:srgbClr val="000087"/>
                 </a:solidFill>
                 <a:latin typeface="Inconsolata Medium" panose="020B0609030003000000" pitchFamily="49" charset="77"/>
               </a:rPr>
-              <a:t>In</a:t>
-            </a:r>
-            <a:r>
-              <a:rPr lang="en-US" sz="2000" b="1" dirty="0">
-                <a:latin typeface="Inconsolata Medium" panose="020B0609030003000000" pitchFamily="49" charset="77"/>
-              </a:rPr>
-              <a:t>[</a:t>
-            </a:r>
-            <a:r>
-              <a:rPr lang="en-US" sz="2000" b="1" dirty="0">
-                <a:solidFill>
-                  <a:srgbClr val="FF6600"/>
-                </a:solidFill>
-                <a:latin typeface="Inconsolata Medium" panose="020B0609030003000000" pitchFamily="49" charset="77"/>
-              </a:rPr>
-              <a:t>3</a:t>
-            </a:r>
-            <a:r>
-              <a:rPr lang="en-US" sz="2000" b="1" dirty="0">
-                <a:latin typeface="Inconsolata Medium" panose="020B0609030003000000" pitchFamily="49" charset="77"/>
-              </a:rPr>
-              <a:t>]: </a:t>
-            </a:r>
-            <a:r>
-              <a:rPr lang="en-US" sz="2000" b="1" dirty="0" err="1">
+              <a:t>lst</a:t>
+            </a:r>
+            <a:r>
+              <a:rPr lang="en-US" sz="2000" b="1" dirty="0">
                 <a:solidFill>
                   <a:srgbClr val="000087"/>
                 </a:solidFill>
                 <a:latin typeface="Inconsolata Medium" panose="020B0609030003000000" pitchFamily="49" charset="77"/>
               </a:rPr>
-              <a:t>lst</a:t>
-            </a:r>
-            <a:r>
-              <a:rPr lang="en-US" sz="2000" b="1" dirty="0">
-                <a:solidFill>
-                  <a:srgbClr val="000087"/>
-                </a:solidFill>
-                <a:latin typeface="Inconsolata Medium" panose="020B0609030003000000" pitchFamily="49" charset="77"/>
-              </a:rPr>
-              <a:t>[0]</a:t>
-            </a:r>
-          </a:p>
-          <a:p>
-            <a:pPr marL="0" indent="0">
-              <a:buNone/>
-            </a:pPr>
-            <a:r>
-              <a:rPr lang="en-US" sz="2000" b="1" dirty="0">
-                <a:latin typeface="Inconsolata Medium" panose="020B0609030003000000" pitchFamily="49" charset="77"/>
-              </a:rPr>
-              <a:t>Out [27]: [1, 2, 3] </a:t>
-            </a:r>
-          </a:p>
-          <a:p>
-            <a:pPr marL="0" indent="0">
-              <a:buNone/>
-            </a:pPr>
-            <a:r>
-              <a:rPr lang="en-US" sz="2000" b="1" dirty="0">
-                <a:solidFill>
-                  <a:srgbClr val="000087"/>
-                </a:solidFill>
-                <a:latin typeface="Inconsolata Medium" panose="020B0609030003000000" pitchFamily="49" charset="77"/>
-              </a:rPr>
-              <a:t>In</a:t>
-            </a:r>
-            <a:r>
-              <a:rPr lang="en-US" sz="2000" b="1" dirty="0">
-                <a:latin typeface="Inconsolata Medium" panose="020B0609030003000000" pitchFamily="49" charset="77"/>
-              </a:rPr>
-              <a:t>[</a:t>
-            </a:r>
-            <a:r>
-              <a:rPr lang="en-US" sz="2000" b="1" dirty="0">
-                <a:solidFill>
-                  <a:srgbClr val="FF6600"/>
-                </a:solidFill>
-                <a:latin typeface="Inconsolata Medium" panose="020B0609030003000000" pitchFamily="49" charset="77"/>
-              </a:rPr>
-              <a:t>3</a:t>
-            </a:r>
-            <a:r>
-              <a:rPr lang="en-US" sz="2000" b="1" dirty="0">
-                <a:latin typeface="Inconsolata Medium" panose="020B0609030003000000" pitchFamily="49" charset="77"/>
-              </a:rPr>
-              <a:t>]: </a:t>
-            </a:r>
-            <a:r>
-              <a:rPr lang="en-US" sz="2000" b="1" dirty="0" err="1">
-                <a:solidFill>
-                  <a:srgbClr val="000087"/>
-                </a:solidFill>
-                <a:latin typeface="Inconsolata Medium" panose="020B0609030003000000" pitchFamily="49" charset="77"/>
-              </a:rPr>
-              <a:t>lst</a:t>
-            </a:r>
-            <a:r>
-              <a:rPr lang="en-US" sz="2000" b="1" dirty="0">
-                <a:solidFill>
-                  <a:srgbClr val="000087"/>
-                </a:solidFill>
-                <a:latin typeface="Inconsolata Medium" panose="020B0609030003000000" pitchFamily="49" charset="77"/>
-              </a:rPr>
-              <a:t>[1][2]</a:t>
-            </a:r>
-          </a:p>
-          <a:p>
-            <a:pPr marL="0" indent="0">
-              <a:buNone/>
-            </a:pPr>
-            <a:r>
-              <a:rPr lang="en-US" sz="2000" b="1" dirty="0">
-                <a:latin typeface="Inconsolata Medium" panose="020B0609030003000000" pitchFamily="49" charset="77"/>
-              </a:rPr>
-              <a:t>Out [27]: 6 </a:t>
-            </a:r>
-          </a:p>
-          <a:p>
-            <a:pPr marL="0" indent="0">
-              <a:buNone/>
-            </a:pPr>
-            <a:r>
-              <a:rPr lang="en-US" sz="2000" b="1" dirty="0">
-                <a:solidFill>
-                  <a:srgbClr val="000087"/>
-                </a:solidFill>
-                <a:latin typeface="Inconsolata Medium" panose="020B0609030003000000" pitchFamily="49" charset="77"/>
-              </a:rPr>
-              <a:t>In</a:t>
-            </a:r>
-            <a:r>
-              <a:rPr lang="en-US" sz="2000" b="1" dirty="0">
-                <a:latin typeface="Inconsolata Medium" panose="020B0609030003000000" pitchFamily="49" charset="77"/>
-              </a:rPr>
-              <a:t>[</a:t>
-            </a:r>
-            <a:r>
-              <a:rPr lang="en-US" sz="2000" b="1" dirty="0">
-                <a:solidFill>
-                  <a:srgbClr val="FF6600"/>
-                </a:solidFill>
-                <a:latin typeface="Inconsolata Medium" panose="020B0609030003000000" pitchFamily="49" charset="77"/>
-              </a:rPr>
-              <a:t>3</a:t>
-            </a:r>
-            <a:r>
-              <a:rPr lang="en-US" sz="2000" b="1" dirty="0">
-                <a:latin typeface="Inconsolata Medium" panose="020B0609030003000000" pitchFamily="49" charset="77"/>
-              </a:rPr>
-              <a:t>]: </a:t>
-            </a:r>
-            <a:r>
-              <a:rPr lang="en-US" sz="2000" b="1" dirty="0" err="1">
-                <a:solidFill>
-                  <a:srgbClr val="000087"/>
-                </a:solidFill>
-                <a:latin typeface="Inconsolata Medium" panose="020B0609030003000000" pitchFamily="49" charset="77"/>
-              </a:rPr>
-              <a:t>lst</a:t>
-            </a:r>
-            <a:r>
-              <a:rPr lang="en-US" sz="2000" b="1" dirty="0">
-                <a:solidFill>
-                  <a:srgbClr val="000087"/>
-                </a:solidFill>
-                <a:latin typeface="Inconsolata Medium" panose="020B0609030003000000" pitchFamily="49" charset="77"/>
-              </a:rPr>
-              <a:t>[0][0]</a:t>
-            </a:r>
-          </a:p>
-          <a:p>
-            <a:pPr marL="0" indent="0">
-              <a:buNone/>
-            </a:pPr>
-            <a:r>
-              <a:rPr lang="en-US" sz="2000" b="1" dirty="0">
-                <a:latin typeface="Inconsolata Medium" panose="020B0609030003000000" pitchFamily="49" charset="77"/>
-              </a:rPr>
-              <a:t>Out [27]: 1</a:t>
-            </a:r>
-          </a:p>
-          <a:p>
-            <a:pPr marL="0" indent="0">
-              <a:buNone/>
-            </a:pPr>
-            <a:r>
-              <a:rPr lang="en-US" sz="2000" b="1" dirty="0">
-                <a:solidFill>
-                  <a:srgbClr val="000087"/>
-                </a:solidFill>
-                <a:latin typeface="Inconsolata Medium" panose="020B0609030003000000" pitchFamily="49" charset="77"/>
-              </a:rPr>
-              <a:t>In</a:t>
-            </a:r>
-            <a:r>
-              <a:rPr lang="en-US" sz="2000" b="1" dirty="0">
-                <a:latin typeface="Inconsolata Medium" panose="020B0609030003000000" pitchFamily="49" charset="77"/>
-              </a:rPr>
-              <a:t>[</a:t>
-            </a:r>
-            <a:r>
-              <a:rPr lang="en-US" sz="2000" b="1" dirty="0">
-                <a:solidFill>
-                  <a:srgbClr val="FF6600"/>
-                </a:solidFill>
-                <a:latin typeface="Inconsolata Medium" panose="020B0609030003000000" pitchFamily="49" charset="77"/>
-              </a:rPr>
-              <a:t>3</a:t>
-            </a:r>
-            <a:r>
-              <a:rPr lang="en-US" sz="2000" b="1" dirty="0">
-                <a:latin typeface="Inconsolata Medium" panose="020B0609030003000000" pitchFamily="49" charset="77"/>
-              </a:rPr>
-              <a:t>]: </a:t>
-            </a:r>
-            <a:r>
-              <a:rPr lang="en-US" sz="2000" b="1" dirty="0" err="1">
-                <a:solidFill>
-                  <a:srgbClr val="000087"/>
-                </a:solidFill>
-                <a:latin typeface="Inconsolata Medium" panose="020B0609030003000000" pitchFamily="49" charset="77"/>
-              </a:rPr>
-              <a:t>lst</a:t>
-            </a:r>
-            <a:r>
-              <a:rPr lang="en-US" sz="2000" b="1" dirty="0">
-                <a:solidFill>
-                  <a:srgbClr val="000087"/>
-                </a:solidFill>
-                <a:latin typeface="Inconsolata Medium" panose="020B0609030003000000" pitchFamily="49" charset="77"/>
-              </a:rPr>
               <a:t>[2][1]</a:t>
             </a:r>
           </a:p>
@@ -4964,7 +5638,7 @@
               <a:rPr lang="en-US" sz="2000" b="1" dirty="0">
                 <a:latin typeface="Inconsolata Medium" panose="020B0609030003000000" pitchFamily="49" charset="77"/>
               </a:rPr>
-              <a:t>Out [27]: 8 </a:t>
+              <a:t>Out [5]: 8 </a:t>
             </a:r>
           </a:p>
           <a:p>
@@ -5444,7 +6118,7 @@
 </p:sld>
 </file>
 
-<file path=ppt/slides/slide12.xml><?xml version="1.0" encoding="utf-8"?>
+<file path=ppt/slides/slide13.xml><?xml version="1.0" encoding="utf-8"?>
 <p:sld xmlns:a="http://schemas.openxmlformats.org/drawingml/2006/main" xmlns:r="http://schemas.openxmlformats.org/officeDocument/2006/relationships" xmlns:p="http://schemas.openxmlformats.org/presentationml/2006/main">
   <p:cSld>
     <p:spTree>
@@ -5527,7 +6201,7 @@
             </a:pPr>
             <a:r>
               <a:rPr lang="en-US" dirty="0"/>
-              <a:t>It is useful to have access to the index of elements when iterating over a list or 2D list. The enumerate() function returns a tuple of (index, value) from an </a:t>
+              <a:t>It is useful to have access to the index of elements when iterating over a list or 2D list. The enumerate() function adds a index to elements of an </a:t>
             </a:r>
             <a:r>
               <a:rPr lang="en-US" dirty="0" err="1"/>
@@ -5535,17 +6209,129 @@
             </a:r>
             <a:r>
               <a:rPr lang="en-US" dirty="0"/>
-              <a:t>. </a:t>
-            </a:r>
-          </a:p>
-          <a:p>
-            <a:pPr marL="0" indent="0">
-              <a:buNone/>
-            </a:pPr>
-            <a:r>
-              <a:rPr lang="en-US" dirty="0"/>
+              <a:t> and returns it.</a:t>
+            </a:r>
+          </a:p>
+          <a:p>
+            <a:pPr marL="0" indent="0">
+              <a:buNone/>
+            </a:pPr>
+            <a:endParaRPr lang="en-US" sz="2000" b="1" dirty="0">
+              <a:solidFill>
+                <a:srgbClr val="000087"/>
+              </a:solidFill>
+              <a:latin typeface="Inconsolata Medium" panose="020B0609030003000000" pitchFamily="49" charset="77"/>
+            </a:endParaRPr>
+          </a:p>
+          <a:p>
+            <a:pPr marL="0" indent="0">
+              <a:buNone/>
+            </a:pPr>
+            <a:r>
+              <a:rPr lang="en-US" sz="2000" b="1" dirty="0">
+                <a:solidFill>
+                  <a:srgbClr val="000087"/>
+                </a:solidFill>
+                <a:latin typeface="Inconsolata Medium" panose="020B0609030003000000" pitchFamily="49" charset="77"/>
+              </a:rPr>
+              <a:t>In </a:t>
+            </a:r>
+            <a:r>
+              <a:rPr lang="en-US" sz="2000" b="1" dirty="0">
+                <a:latin typeface="Inconsolata Medium" panose="020B0609030003000000" pitchFamily="49" charset="77"/>
+              </a:rPr>
+              <a:t>[</a:t>
+            </a:r>
+            <a:r>
+              <a:rPr lang="en-US" sz="2000" b="1" dirty="0">
+                <a:solidFill>
+                  <a:srgbClr val="FF6600"/>
+                </a:solidFill>
+                <a:latin typeface="Inconsolata Medium" panose="020B0609030003000000" pitchFamily="49" charset="77"/>
+              </a:rPr>
+              <a:t>1</a:t>
+            </a:r>
+            <a:r>
+              <a:rPr lang="en-US" sz="2000" b="1" dirty="0">
+                <a:latin typeface="Inconsolata Medium" panose="020B0609030003000000" pitchFamily="49" charset="77"/>
+              </a:rPr>
+              <a:t>]: </a:t>
+            </a:r>
+            <a:r>
+              <a:rPr lang="en-US" sz="2000" b="1" dirty="0" err="1">
+                <a:solidFill>
+                  <a:srgbClr val="000087"/>
+                </a:solidFill>
+                <a:latin typeface="Inconsolata Medium" panose="020B0609030003000000" pitchFamily="49" charset="77"/>
+              </a:rPr>
+              <a:t>lst</a:t>
+            </a:r>
+            <a:r>
+              <a:rPr lang="en-US" sz="2000" b="1" dirty="0">
+                <a:solidFill>
+                  <a:srgbClr val="000087"/>
+                </a:solidFill>
+                <a:latin typeface="Inconsolata Medium" panose="020B0609030003000000" pitchFamily="49" charset="77"/>
+              </a:rPr>
               <a:t> </a:t>
             </a:r>
+            <a:r>
+              <a:rPr lang="en-US" sz="2000" b="1" dirty="0">
+                <a:solidFill>
+                  <a:srgbClr val="545454"/>
+                </a:solidFill>
+                <a:latin typeface="Inconsolata Medium" panose="020B0609030003000000" pitchFamily="49" charset="77"/>
+              </a:rPr>
+              <a:t>= [</a:t>
+            </a:r>
+            <a:r>
+              <a:rPr lang="en-US" sz="2000" b="1" dirty="0">
+                <a:solidFill>
+                  <a:srgbClr val="FF6600"/>
+                </a:solidFill>
+                <a:latin typeface="Inconsolata Medium" panose="020B0609030003000000" pitchFamily="49" charset="77"/>
+              </a:rPr>
+              <a:t>'bread'</a:t>
+            </a:r>
+            <a:r>
+              <a:rPr lang="en-US" sz="2000" b="1" dirty="0">
+                <a:latin typeface="Inconsolata Medium" panose="020B0609030003000000" pitchFamily="49" charset="77"/>
+              </a:rPr>
+              <a:t>, </a:t>
+            </a:r>
+            <a:r>
+              <a:rPr lang="en-US" sz="2000" b="1" dirty="0">
+                <a:solidFill>
+                  <a:srgbClr val="FF6600"/>
+                </a:solidFill>
+                <a:latin typeface="Inconsolata Medium" panose="020B0609030003000000" pitchFamily="49" charset="77"/>
+              </a:rPr>
+              <a:t>'milk</a:t>
+            </a:r>
+            <a:r>
+              <a:rPr lang="en-US" sz="2000" b="1" dirty="0">
+                <a:latin typeface="Inconsolata Medium" panose="020B0609030003000000" pitchFamily="49" charset="77"/>
+              </a:rPr>
+              <a:t>, </a:t>
+            </a:r>
+            <a:r>
+              <a:rPr lang="en-US" sz="2000" b="1" dirty="0">
+                <a:solidFill>
+                  <a:srgbClr val="FF6600"/>
+                </a:solidFill>
+                <a:latin typeface="Inconsolata Medium" panose="020B0609030003000000" pitchFamily="49" charset="77"/>
+              </a:rPr>
+              <a:t>'ham'</a:t>
+            </a:r>
+            <a:r>
+              <a:rPr lang="en-US" sz="2000" b="1" dirty="0">
+                <a:solidFill>
+                  <a:srgbClr val="545454"/>
+                </a:solidFill>
+                <a:latin typeface="Inconsolata Medium" panose="020B0609030003000000" pitchFamily="49" charset="77"/>
+              </a:rPr>
+              <a:t>]</a:t>
+            </a:r>
           </a:p>
           <a:p>
             <a:pPr marL="0" indent="0">
@@ -5573,117 +6359,7 @@
                 </a:solidFill>
                 <a:latin typeface="Inconsolata Medium" panose="020B0609030003000000" pitchFamily="49" charset="77"/>
               </a:rPr>
-              <a:t>27</a:t>
-            </a:r>
-            <a:r>
-              <a:rPr lang="en-US" sz="2000" b="1" dirty="0">
-                <a:latin typeface="Inconsolata Medium" panose="020B0609030003000000" pitchFamily="49" charset="77"/>
-              </a:rPr>
-              <a:t>]: </a:t>
-            </a:r>
-            <a:r>
-              <a:rPr lang="en-US" sz="2000" b="1" dirty="0" err="1">
-                <a:solidFill>
-                  <a:srgbClr val="000087"/>
-                </a:solidFill>
-                <a:latin typeface="Inconsolata Medium" panose="020B0609030003000000" pitchFamily="49" charset="77"/>
-              </a:rPr>
-              <a:t>lst</a:t>
-            </a:r>
-            <a:r>
-              <a:rPr lang="en-US" sz="2000" b="1" dirty="0">
-                <a:solidFill>
-                  <a:srgbClr val="000087"/>
-                </a:solidFill>
-                <a:latin typeface="Inconsolata Medium" panose="020B0609030003000000" pitchFamily="49" charset="77"/>
-              </a:rPr>
-              <a:t> </a:t>
-            </a:r>
-            <a:r>
-              <a:rPr lang="en-US" sz="2000" b="1" dirty="0">
-                <a:solidFill>
-                  <a:srgbClr val="545454"/>
-                </a:solidFill>
-                <a:latin typeface="Inconsolata Medium" panose="020B0609030003000000" pitchFamily="49" charset="77"/>
-              </a:rPr>
-              <a:t>= [</a:t>
-            </a:r>
-            <a:r>
-              <a:rPr lang="en-US" sz="2000" b="1" dirty="0">
-                <a:solidFill>
-                  <a:srgbClr val="FF6600"/>
-                </a:solidFill>
-                <a:latin typeface="Inconsolata Medium" panose="020B0609030003000000" pitchFamily="49" charset="77"/>
-              </a:rPr>
-              <a:t>'bread'</a:t>
-            </a:r>
-            <a:r>
-              <a:rPr lang="en-US" sz="2000" b="1" dirty="0">
-                <a:latin typeface="Inconsolata Medium" panose="020B0609030003000000" pitchFamily="49" charset="77"/>
-              </a:rPr>
-              <a:t>, </a:t>
-            </a:r>
-            <a:r>
-              <a:rPr lang="en-US" sz="2000" b="1" dirty="0">
-                <a:solidFill>
-                  <a:srgbClr val="FF6600"/>
-                </a:solidFill>
-                <a:latin typeface="Inconsolata Medium" panose="020B0609030003000000" pitchFamily="49" charset="77"/>
-              </a:rPr>
-              <a:t>'milk</a:t>
-            </a:r>
-            <a:r>
-              <a:rPr lang="en-US" sz="2000" b="1" dirty="0">
-                <a:latin typeface="Inconsolata Medium" panose="020B0609030003000000" pitchFamily="49" charset="77"/>
-              </a:rPr>
-              <a:t>, </a:t>
-            </a:r>
-            <a:r>
-              <a:rPr lang="en-US" sz="2000" b="1" dirty="0">
-                <a:solidFill>
-                  <a:srgbClr val="FF6600"/>
-                </a:solidFill>
-                <a:latin typeface="Inconsolata Medium" panose="020B0609030003000000" pitchFamily="49" charset="77"/>
-              </a:rPr>
-              <a:t>'ham'</a:t>
-            </a:r>
-            <a:r>
-              <a:rPr lang="en-US" sz="2000" b="1" dirty="0">
-                <a:solidFill>
-                  <a:srgbClr val="545454"/>
-                </a:solidFill>
-                <a:latin typeface="Inconsolata Medium" panose="020B0609030003000000" pitchFamily="49" charset="77"/>
-              </a:rPr>
-              <a:t>]</a:t>
-            </a:r>
-          </a:p>
-          <a:p>
-            <a:pPr marL="0" indent="0">
-              <a:buNone/>
-            </a:pPr>
-            <a:r>
-              <a:rPr lang="en-US" sz="2000" b="1" dirty="0">
-                <a:solidFill>
-                  <a:srgbClr val="000087"/>
-                </a:solidFill>
-                <a:latin typeface="Inconsolata Medium" panose="020B0609030003000000" pitchFamily="49" charset="77"/>
-              </a:rPr>
-              <a:t>In </a:t>
-            </a:r>
-            <a:r>
-              <a:rPr lang="en-US" sz="2000" b="1" dirty="0">
-                <a:latin typeface="Inconsolata Medium" panose="020B0609030003000000" pitchFamily="49" charset="77"/>
-              </a:rPr>
-              <a:t>[</a:t>
-            </a:r>
-            <a:r>
-              <a:rPr lang="en-US" sz="2000" b="1" dirty="0">
-                <a:solidFill>
-                  <a:srgbClr val="FF6600"/>
-                </a:solidFill>
-                <a:latin typeface="Inconsolata Medium" panose="020B0609030003000000" pitchFamily="49" charset="77"/>
-              </a:rPr>
-              <a:t>27</a:t>
+              <a:t>2</a:t>
             </a:r>
             <a:r>
               <a:rPr lang="en-US" sz="2000" b="1" dirty="0">
@@ -5878,6 +6554,9 @@
                     <p:cTn id="3" fill="hold">
                       <p:stCondLst>
                         <p:cond delay="indefinite"/>
+                        <p:cond evt="onBegin" delay="0">
+                          <p:tn val="2"/>
+                        </p:cond>
                       </p:stCondLst>
                       <p:childTnLst>
                         <p:par>
@@ -5887,7 +6566,7 @@
                             </p:stCondLst>
                             <p:childTnLst>
                               <p:par>
-                                <p:cTn id="5" presetID="1" presetClass="entr" presetSubtype="0" fill="hold" nodeType="clickEffect">
+                                <p:cTn id="5" presetID="1" presetClass="entr" presetSubtype="0" fill="hold" nodeType="withEffect">
                                   <p:stCondLst>
                                     <p:cond delay="0"/>
                                   </p:stCondLst>
@@ -5902,7 +6581,7 @@
                                         <p:tgtEl>
                                           <p:spTgt spid="9">
                                             <p:txEl>
-                                              <p:pRg st="2" end="2"/>
+                                              <p:pRg st="3" end="3"/>
                                             </p:txEl>
                                           </p:spTgt>
                                         </p:tgtEl>
@@ -5933,37 +6612,6 @@
                                         <p:tgtEl>
                                           <p:spTgt spid="9">
                                             <p:txEl>
-                                              <p:pRg st="3" end="3"/>
-                                            </p:txEl>
-                                          </p:spTgt>
-                                        </p:tgtEl>
-                                        <p:attrNameLst>
-                                          <p:attrName>style.visibility</p:attrName>
-                                        </p:attrNameLst>
-                                      </p:cBhvr>
-                                      <p:to>
-                                        <p:strVal val="visible"/>
-                                      </p:to>
-                                    </p:set>
-                                  </p:childTnLst>
-                                </p:cTn>
-                              </p:par>
-                              <p:par>
-                                <p:cTn id="9" presetID="1" presetClass="entr" presetSubtype="0" fill="hold" nodeType="withEffect">
-                                  <p:stCondLst>
-                                    <p:cond delay="0"/>
-                                  </p:stCondLst>
-                                  <p:childTnLst>
-                                    <p:set>
-                                      <p:cBhvr>
-                                        <p:cTn id="10" dur="1" fill="hold">
-                                          <p:stCondLst>
-                                            <p:cond delay="0"/>
-                                          </p:stCondLst>
-                                        </p:cTn>
-                                        <p:tgtEl>
-                                          <p:spTgt spid="9">
-                                            <p:txEl>
                                               <p:pRg st="4" end="4"/>
                                             </p:txEl>
                                           </p:spTgt>
@@ -5986,26 +6634,26 @@
                     </p:cTn>
                   </p:par>
                   <p:par>
-                    <p:cTn id="11" fill="hold">
+                    <p:cTn id="9" fill="hold">
                       <p:stCondLst>
                         <p:cond delay="indefinite"/>
                       </p:stCondLst>
                       <p:childTnLst>
                         <p:par>
-                          <p:cTn id="12" fill="hold">
+                          <p:cTn id="10" fill="hold">
                             <p:stCondLst>
                               <p:cond delay="0"/>
                             </p:stCondLst>
                             <p:childTnLst>
                               <p:par>
-                                <p:cTn id="13" presetID="1" presetClass="entr" presetSubtype="0" fill="hold" nodeType="clickEffect">
+                                <p:cTn id="11" presetID="1" presetClass="entr" presetSubtype="0" fill="hold" nodeType="clickEffect">
                                   <p:stCondLst>
                                     <p:cond delay="0"/>
                                   </p:stCondLst>
                                   <p:childTnLst>
                                     <p:set>
                                       <p:cBhvr>
-                                        <p:cTn id="14" dur="1" fill="hold">
+                                        <p:cTn id="12" dur="1" fill="hold">
                                           <p:stCondLst>
                                             <p:cond delay="0"/>
                                           </p:stCondLst>
@@ -6029,14 +6677,14 @@
                                 </p:cTn>
                               </p:par>
                               <p:par>
-                                <p:cTn id="15" presetID="1" presetClass="entr" presetSubtype="0" fill="hold" nodeType="withEffect">
+                                <p:cTn id="13" presetID="1" presetClass="entr" presetSubtype="0" fill="hold" nodeType="withEffect">
                                   <p:stCondLst>
                                     <p:cond delay="0"/>
                                   </p:stCondLst>
                                   <p:childTnLst>
                                     <p:set>
                                       <p:cBhvr>
-                                        <p:cTn id="16" dur="1" fill="hold">
+                                        <p:cTn id="14" dur="1" fill="hold">
                                           <p:stCondLst>
                                             <p:cond delay="0"/>
                                           </p:stCondLst>
@@ -6060,14 +6708,14 @@
                                 </p:cTn>
                               </p:par>
                               <p:par>
-                                <p:cTn id="17" presetID="1" presetClass="entr" presetSubtype="0" fill="hold" nodeType="withEffect">
+                                <p:cTn id="15" presetID="1" presetClass="entr" presetSubtype="0" fill="hold" nodeType="withEffect">
                                   <p:stCondLst>
                                     <p:cond delay="0"/>
                                   </p:stCondLst>
                                   <p:childTnLst>
                                     <p:set>
                                       <p:cBhvr>
-                                        <p:cTn id="18" dur="1" fill="hold">
+                                        <p:cTn id="16" dur="1" fill="hold">
                                           <p:stCondLst>
                                             <p:cond delay="0"/>
                                           </p:stCondLst>
@@ -6121,7 +6769,7 @@
 </p:sld>
 </file>
 
-<file path=ppt/slides/slide13.xml><?xml version="1.0" encoding="utf-8"?>
+<file path=ppt/slides/slide14.xml><?xml version="1.0" encoding="utf-8"?>
 <p:sld xmlns:a="http://schemas.openxmlformats.org/drawingml/2006/main" xmlns:r="http://schemas.openxmlformats.org/officeDocument/2006/relationships" xmlns:p="http://schemas.openxmlformats.org/presentationml/2006/main">
   <p:cSld>
     <p:spTree>
@@ -6242,7 +6890,7 @@
                 </a:solidFill>
                 <a:latin typeface="Inconsolata Medium" panose="020B0609030003000000" pitchFamily="49" charset="77"/>
               </a:rPr>
-              <a:t>27</a:t>
+              <a:t>1</a:t>
             </a:r>
             <a:r>
               <a:rPr lang="en-US" sz="2000" b="1" dirty="0">
@@ -6352,7 +7000,7 @@
                 </a:solidFill>
                 <a:latin typeface="Inconsolata Medium" panose="020B0609030003000000" pitchFamily="49" charset="77"/>
               </a:rPr>
-              <a:t>27</a:t>
+              <a:t>2</a:t>
             </a:r>
             <a:r>
               <a:rPr lang="en-US" sz="2000" b="1" dirty="0">
@@ -6679,7 +7327,7 @@
 </p:sld>
 </file>
 
-<file path=ppt/slides/slide14.xml><?xml version="1.0" encoding="utf-8"?>
+<file path=ppt/slides/slide15.xml><?xml version="1.0" encoding="utf-8"?>
 <p:sld xmlns:a="http://schemas.openxmlformats.org/drawingml/2006/main" xmlns:r="http://schemas.openxmlformats.org/officeDocument/2006/relationships" xmlns:p="http://schemas.openxmlformats.org/presentationml/2006/main">
   <p:cSld>
     <p:spTree>
@@ -6800,7 +7448,7 @@
                 </a:solidFill>
                 <a:latin typeface="Inconsolata Medium" panose="020B0609030003000000" pitchFamily="49" charset="77"/>
               </a:rPr>
-              <a:t>27</a:t>
+              <a:t>1</a:t>
             </a:r>
             <a:r>
               <a:rPr lang="en-US" sz="2000" b="1" dirty="0">
@@ -6910,7 +7558,7 @@
                 </a:solidFill>
                 <a:latin typeface="Inconsolata Medium" panose="020B0609030003000000" pitchFamily="49" charset="77"/>
               </a:rPr>
-              <a:t>27</a:t>
+              <a:t>2</a:t>
             </a:r>
             <a:r>
               <a:rPr lang="en-US" sz="2000" b="1" dirty="0">
@@ -7217,7 +7865,7 @@
 </p:sld>
 </file>
 
-<file path=ppt/slides/slide15.xml><?xml version="1.0" encoding="utf-8"?>
+<file path=ppt/slides/slide16.xml><?xml version="1.0" encoding="utf-8"?>
 <p:sld xmlns:a="http://schemas.openxmlformats.org/drawingml/2006/main" xmlns:r="http://schemas.openxmlformats.org/officeDocument/2006/relationships" xmlns:p="http://schemas.openxmlformats.org/presentationml/2006/main">
   <p:cSld>
     <p:spTree>
@@ -7346,7 +7994,7 @@
                 </a:solidFill>
                 <a:latin typeface="Inconsolata Medium" panose="020B0609030003000000" pitchFamily="49" charset="77"/>
               </a:rPr>
-              <a:t>3</a:t>
+              <a:t>1</a:t>
             </a:r>
             <a:r>
               <a:rPr lang="en-US" sz="2000" b="1" dirty="0">
@@ -7457,7 +8105,7 @@
                 </a:solidFill>
                 <a:latin typeface="Inconsolata Medium" panose="020B0609030003000000" pitchFamily="49" charset="77"/>
               </a:rPr>
-              <a:t>3</a:t>
+              <a:t>2</a:t>
             </a:r>
             <a:r>
               <a:rPr lang="en-US" sz="2000" b="1" dirty="0">
@@ -8213,7 +8861,7 @@
 </p:sld>
 </file>
 
-<file path=ppt/slides/slide16.xml><?xml version="1.0" encoding="utf-8"?>
+<file path=ppt/slides/slide17.xml><?xml version="1.0" encoding="utf-8"?>
 <p:sld xmlns:a="http://schemas.openxmlformats.org/drawingml/2006/main" xmlns:r="http://schemas.openxmlformats.org/officeDocument/2006/relationships" xmlns:p="http://schemas.openxmlformats.org/presentationml/2006/main">
   <p:cSld>
     <p:spTree>
@@ -8651,7 +9299,7 @@
 </p:sld>
 </file>
 
-<file path=ppt/slides/slide17.xml><?xml version="1.0" encoding="utf-8"?>
+<file path=ppt/slides/slide18.xml><?xml version="1.0" encoding="utf-8"?>
 <p:sld xmlns:a="http://schemas.openxmlformats.org/drawingml/2006/main" xmlns:r="http://schemas.openxmlformats.org/officeDocument/2006/relationships" xmlns:p="http://schemas.openxmlformats.org/presentationml/2006/main">
   <p:cSld>
     <p:spTree>
@@ -8797,7 +9445,7 @@
                 </a:solidFill>
                 <a:latin typeface="Inconsolata Medium" panose="020B0609030003000000" pitchFamily="49" charset="77"/>
               </a:rPr>
-              <a:t>27</a:t>
+              <a:t>1</a:t>
             </a:r>
             <a:r>
               <a:rPr lang="en-US" b="1" dirty="0">
@@ -8946,7 +9594,7 @@
                 </a:solidFill>
                 <a:latin typeface="Inconsolata Medium" panose="020B0609030003000000" pitchFamily="49" charset="77"/>
               </a:rPr>
-              <a:t>28</a:t>
+              <a:t>2</a:t>
             </a:r>
             <a:r>
               <a:rPr lang="en-US" b="1" dirty="0">
@@ -8993,7 +9641,7 @@
               <a:rPr lang="en-US" b="1" dirty="0">
                 <a:latin typeface="Inconsolata Medium" panose="020B0609030003000000" pitchFamily="49" charset="77"/>
               </a:rPr>
-              <a:t>Out [28]: 2 </a:t>
+              <a:t>Out [2]: 2 </a:t>
             </a:r>
             <a:endParaRPr lang="en-US" sz="2400" b="1" dirty="0">
               <a:latin typeface="Inconsolata Medium" panose="020B0609030003000000" pitchFamily="49" charset="77"/>
@@ -9025,7 +9673,7 @@
                 </a:solidFill>
                 <a:latin typeface="Inconsolata Medium" panose="020B0609030003000000" pitchFamily="49" charset="77"/>
               </a:rPr>
-              <a:t>28</a:t>
+              <a:t>3</a:t>
             </a:r>
             <a:r>
               <a:rPr lang="en-US" b="1" dirty="0">
@@ -9069,7 +9717,7 @@
               <a:rPr lang="en-US" b="1" dirty="0">
                 <a:latin typeface="Inconsolata Medium" panose="020B0609030003000000" pitchFamily="49" charset="77"/>
               </a:rPr>
-              <a:t>Out [28]: 3 </a:t>
+              <a:t>Out [3]: 3 </a:t>
             </a:r>
           </a:p>
           <a:p>
@@ -9404,7 +10052,7 @@
 </p:sld>
 </file>
 
-<file path=ppt/slides/slide18.xml><?xml version="1.0" encoding="utf-8"?>
+<file path=ppt/slides/slide19.xml><?xml version="1.0" encoding="utf-8"?>
 <p:sld xmlns:a="http://schemas.openxmlformats.org/drawingml/2006/main" xmlns:r="http://schemas.openxmlformats.org/officeDocument/2006/relationships" xmlns:p="http://schemas.openxmlformats.org/presentationml/2006/main">
   <p:cSld>
     <p:spTree>
@@ -9528,7 +10176,7 @@
                 </a:solidFill>
                 <a:latin typeface="Inconsolata Medium" panose="020B0609030003000000" pitchFamily="49" charset="77"/>
               </a:rPr>
-              <a:t>27</a:t>
+              <a:t>1</a:t>
             </a:r>
             <a:r>
               <a:rPr lang="en-US" b="1" dirty="0">
@@ -9694,7 +10342,7 @@
                 </a:solidFill>
                 <a:latin typeface="Inconsolata Medium" panose="020B0609030003000000" pitchFamily="49" charset="77"/>
               </a:rPr>
-              <a:t>29</a:t>
+              <a:t>2</a:t>
             </a:r>
             <a:r>
               <a:rPr lang="en-US" b="1" dirty="0">
@@ -9789,7 +10437,7 @@
                 </a:solidFill>
                 <a:latin typeface="Inconsolata Medium" panose="020B0609030003000000" pitchFamily="49" charset="77"/>
               </a:rPr>
-              <a:t>29</a:t>
+              <a:t>3</a:t>
             </a:r>
             <a:r>
               <a:rPr lang="en-US" b="1" dirty="0">
@@ -9852,7 +10500,7 @@
               <a:buNone/>
             </a:pPr>
             <a:r>
-              <a:rPr lang="en-US" b="1" dirty="0">
+              <a:rPr lang="en-US" b="1">
                 <a:solidFill>
                   <a:srgbClr val="000087"/>
                 </a:solidFill>
@@ -9861,22 +10509,22 @@
               <a:t>In </a:t>
             </a:r>
             <a:r>
-              <a:rPr lang="en-US" b="1" dirty="0">
+              <a:rPr lang="en-US" b="1">
                 <a:latin typeface="Inconsolata Medium" panose="020B0609030003000000" pitchFamily="49" charset="77"/>
               </a:rPr>
               <a:t>[</a:t>
             </a:r>
             <a:r>
-              <a:rPr lang="en-US" b="1" dirty="0">
+              <a:rPr lang="en-US" b="1">
                 <a:solidFill>
                   <a:srgbClr val="FF6600"/>
                 </a:solidFill>
                 <a:latin typeface="Inconsolata Medium" panose="020B0609030003000000" pitchFamily="49" charset="77"/>
               </a:rPr>
-              <a:t>29</a:t>
-            </a:r>
-            <a:r>
-              <a:rPr lang="en-US" b="1" dirty="0">
+              <a:t>4</a:t>
+            </a:r>
+            <a:r>
+              <a:rPr lang="en-US" b="1">
                 <a:latin typeface="Inconsolata Medium" panose="020B0609030003000000" pitchFamily="49" charset="77"/>
               </a:rPr>
               <a:t>]: </a:t>
@@ -10151,7 +10799,7 @@
 </p:sld>
 </file>
 
-<file path=ppt/slides/slide19.xml><?xml version="1.0" encoding="utf-8"?>
+<file path=ppt/slides/slide2.xml><?xml version="1.0" encoding="utf-8"?>
 <p:sld xmlns:a="http://schemas.openxmlformats.org/drawingml/2006/main" xmlns:r="http://schemas.openxmlformats.org/officeDocument/2006/relationships" xmlns:p="http://schemas.openxmlformats.org/presentationml/2006/main">
   <p:cSld>
     <p:spTree>
@@ -10196,6 +10844,218 @@
           <a:p>
             <a:r>
               <a:rPr lang="en-US" dirty="0"/>
+              <a:t>Topics</a:t>
+            </a:r>
+          </a:p>
+        </p:txBody>
+      </p:sp>
+      <p:sp>
+        <p:nvSpPr>
+          <p:cNvPr id="9" name="Content Placeholder 8">
+            <a:extLst>
+              <a:ext uri="{FF2B5EF4-FFF2-40B4-BE49-F238E27FC236}">
+                <a16:creationId xmlns:a16="http://schemas.microsoft.com/office/drawing/2014/main" id="{E3B2E017-30B2-884B-A113-B419A2ED51AD}"/>
+              </a:ext>
+            </a:extLst>
+          </p:cNvPr>
+          <p:cNvSpPr>
+            <a:spLocks noGrp="1"/>
+          </p:cNvSpPr>
+          <p:nvPr>
+            <p:ph idx="1"/>
+          </p:nvPr>
+        </p:nvSpPr>
+        <p:spPr>
+          <a:xfrm>
+            <a:off x="483848" y="1288073"/>
+            <a:ext cx="8051725" cy="4303429"/>
+          </a:xfrm>
+        </p:spPr>
+        <p:txBody>
+          <a:bodyPr/>
+          <a:lstStyle/>
+          <a:p>
+            <a:pPr marL="0" indent="0">
+              <a:buNone/>
+            </a:pPr>
+            <a:endParaRPr lang="en-US" dirty="0">
+              <a:latin typeface="Gill Sans MT" panose="020B0502020104020203" pitchFamily="34" charset="77"/>
+            </a:endParaRPr>
+          </a:p>
+          <a:p>
+            <a:pPr marL="457200" indent="-457200">
+              <a:buAutoNum type="arabicParenR"/>
+            </a:pPr>
+            <a:endParaRPr lang="en-US" dirty="0">
+              <a:latin typeface="Gill Sans MT" panose="020B0502020104020203" pitchFamily="34" charset="77"/>
+            </a:endParaRPr>
+          </a:p>
+          <a:p>
+            <a:pPr marL="457200" indent="-457200">
+              <a:buAutoNum type="arabicParenR"/>
+            </a:pPr>
+            <a:r>
+              <a:rPr lang="en-US" dirty="0">
+                <a:latin typeface="Gill Sans MT" panose="020B0502020104020203" pitchFamily="34" charset="77"/>
+              </a:rPr>
+              <a:t>Tuples</a:t>
+            </a:r>
+          </a:p>
+          <a:p>
+            <a:pPr marL="457200" indent="-457200">
+              <a:buAutoNum type="arabicParenR"/>
+            </a:pPr>
+            <a:r>
+              <a:rPr lang="en-US" dirty="0">
+                <a:latin typeface="Gill Sans MT" panose="020B0502020104020203" pitchFamily="34" charset="77"/>
+              </a:rPr>
+              <a:t>Tuple unpacking</a:t>
+            </a:r>
+          </a:p>
+          <a:p>
+            <a:pPr marL="457200" indent="-457200">
+              <a:buAutoNum type="arabicParenR"/>
+            </a:pPr>
+            <a:r>
+              <a:rPr lang="en-US" dirty="0">
+                <a:latin typeface="Gill Sans MT" panose="020B0502020104020203" pitchFamily="34" charset="77"/>
+              </a:rPr>
+              <a:t>List of tuples, List of lists(2D lists)</a:t>
+            </a:r>
+          </a:p>
+          <a:p>
+            <a:pPr marL="457200" indent="-457200">
+              <a:buAutoNum type="arabicParenR"/>
+            </a:pPr>
+            <a:r>
+              <a:rPr lang="en-US" dirty="0">
+                <a:latin typeface="Gill Sans MT" panose="020B0502020104020203" pitchFamily="34" charset="77"/>
+              </a:rPr>
+              <a:t>enumerate()</a:t>
+            </a:r>
+          </a:p>
+          <a:p>
+            <a:pPr marL="457200" indent="-457200">
+              <a:buAutoNum type="arabicParenR"/>
+            </a:pPr>
+            <a:r>
+              <a:rPr lang="en-US" dirty="0">
+                <a:latin typeface="Gill Sans MT" panose="020B0502020104020203" pitchFamily="34" charset="77"/>
+              </a:rPr>
+              <a:t>Dictionaries</a:t>
+            </a:r>
+          </a:p>
+          <a:p>
+            <a:pPr marL="457200" indent="-457200">
+              <a:buAutoNum type="arabicParenR"/>
+            </a:pPr>
+            <a:r>
+              <a:rPr lang="en-US" dirty="0">
+                <a:latin typeface="Gill Sans MT" panose="020B0502020104020203" pitchFamily="34" charset="77"/>
+              </a:rPr>
+              <a:t>Iterating over a dictionary</a:t>
+            </a:r>
+          </a:p>
+          <a:p>
+            <a:pPr marL="0" indent="0">
+              <a:buNone/>
+            </a:pPr>
+            <a:endParaRPr lang="en-US" dirty="0">
+              <a:latin typeface="Gill Sans MT" panose="020B0502020104020203" pitchFamily="34" charset="77"/>
+            </a:endParaRPr>
+          </a:p>
+          <a:p>
+            <a:pPr marL="457200" indent="-457200">
+              <a:buAutoNum type="arabicParenR"/>
+            </a:pPr>
+            <a:endParaRPr lang="en-US" dirty="0">
+              <a:latin typeface="Gill Sans MT" panose="020B0502020104020203" pitchFamily="34" charset="77"/>
+            </a:endParaRPr>
+          </a:p>
+          <a:p>
+            <a:pPr marL="457200" indent="-457200">
+              <a:buAutoNum type="arabicParenR"/>
+            </a:pPr>
+            <a:endParaRPr lang="en-US" dirty="0">
+              <a:latin typeface="Gill Sans MT" panose="020B0502020104020203" pitchFamily="34" charset="77"/>
+            </a:endParaRPr>
+          </a:p>
+          <a:p>
+            <a:pPr marL="0" indent="0">
+              <a:buNone/>
+            </a:pPr>
+            <a:endParaRPr lang="en-US" dirty="0">
+              <a:latin typeface="Gill Sans MT" panose="020B0502020104020203" pitchFamily="34" charset="77"/>
+            </a:endParaRPr>
+          </a:p>
+          <a:p>
+            <a:pPr marL="0" indent="0">
+              <a:buNone/>
+            </a:pPr>
+            <a:endParaRPr lang="en-US" b="1" dirty="0">
+              <a:latin typeface="Gill Sans MT" panose="020B0502020104020203" pitchFamily="34" charset="77"/>
+            </a:endParaRPr>
+          </a:p>
+        </p:txBody>
+      </p:sp>
+    </p:spTree>
+    <p:extLst>
+      <p:ext uri="{BB962C8B-B14F-4D97-AF65-F5344CB8AC3E}">
+        <p14:creationId xmlns:p14="http://schemas.microsoft.com/office/powerpoint/2010/main" val="131840209"/>
+      </p:ext>
+    </p:extLst>
+  </p:cSld>
+  <p:clrMapOvr>
+    <a:masterClrMapping/>
+  </p:clrMapOvr>
+</p:sld>
+</file>
+
+<file path=ppt/slides/slide20.xml><?xml version="1.0" encoding="utf-8"?>
+<p:sld xmlns:a="http://schemas.openxmlformats.org/drawingml/2006/main" xmlns:r="http://schemas.openxmlformats.org/officeDocument/2006/relationships" xmlns:p="http://schemas.openxmlformats.org/presentationml/2006/main">
+  <p:cSld>
+    <p:spTree>
+      <p:nvGrpSpPr>
+        <p:cNvPr id="1" name=""/>
+        <p:cNvGrpSpPr/>
+        <p:nvPr/>
+      </p:nvGrpSpPr>
+      <p:grpSpPr>
+        <a:xfrm>
+          <a:off x="0" y="0"/>
+          <a:ext cx="0" cy="0"/>
+          <a:chOff x="0" y="0"/>
+          <a:chExt cx="0" cy="0"/>
+        </a:xfrm>
+      </p:grpSpPr>
+      <p:sp>
+        <p:nvSpPr>
+          <p:cNvPr id="2" name="Title 1">
+            <a:extLst>
+              <a:ext uri="{FF2B5EF4-FFF2-40B4-BE49-F238E27FC236}">
+                <a16:creationId xmlns:a16="http://schemas.microsoft.com/office/drawing/2014/main" id="{AA3A228F-61D0-D949-A5E7-F83756230BF8}"/>
+              </a:ext>
+            </a:extLst>
+          </p:cNvPr>
+          <p:cNvSpPr>
+            <a:spLocks noGrp="1"/>
+          </p:cNvSpPr>
+          <p:nvPr>
+            <p:ph type="title"/>
+          </p:nvPr>
+        </p:nvSpPr>
+        <p:spPr>
+          <a:xfrm>
+            <a:off x="483848" y="467027"/>
+            <a:ext cx="7053542" cy="683886"/>
+          </a:xfrm>
+        </p:spPr>
+        <p:txBody>
+          <a:bodyPr/>
+          <a:lstStyle/>
+          <a:p>
+            <a:r>
+              <a:rPr lang="en-US" dirty="0"/>
               <a:t>Dictionaries</a:t>
             </a:r>
           </a:p>
@@ -10271,7 +11131,7 @@
                 </a:solidFill>
                 <a:latin typeface="Inconsolata Medium" panose="020B0609030003000000" pitchFamily="49" charset="77"/>
               </a:rPr>
-              <a:t>27</a:t>
+              <a:t>1</a:t>
             </a:r>
             <a:r>
               <a:rPr lang="en-US" b="1" dirty="0">
@@ -10420,7 +11280,7 @@
                 </a:solidFill>
                 <a:latin typeface="Inconsolata Medium" panose="020B0609030003000000" pitchFamily="49" charset="77"/>
               </a:rPr>
-              <a:t>29</a:t>
+              <a:t>2</a:t>
             </a:r>
             <a:r>
               <a:rPr lang="en-US" b="1" dirty="0">
@@ -10506,7 +11366,7 @@
                 </a:solidFill>
                 <a:latin typeface="Inconsolata Medium" panose="020B0609030003000000" pitchFamily="49" charset="77"/>
               </a:rPr>
-              <a:t>29</a:t>
+              <a:t>3</a:t>
             </a:r>
             <a:r>
               <a:rPr lang="en-US" b="1" dirty="0">
@@ -10588,7 +11448,7 @@
                 </a:solidFill>
                 <a:latin typeface="Inconsolata Medium" panose="020B0609030003000000" pitchFamily="49" charset="77"/>
               </a:rPr>
-              <a:t>29</a:t>
+              <a:t>4</a:t>
             </a:r>
             <a:r>
               <a:rPr lang="en-US" b="1" dirty="0">
@@ -10674,7 +11534,7 @@
                 </a:solidFill>
                 <a:latin typeface="Inconsolata Medium" panose="020B0609030003000000" pitchFamily="49" charset="77"/>
               </a:rPr>
-              <a:t>29</a:t>
+              <a:t>5</a:t>
             </a:r>
             <a:r>
               <a:rPr lang="en-US" b="1" dirty="0">
@@ -10884,7 +11744,7 @@
 </p:sld>
 </file>
 
-<file path=ppt/slides/slide2.xml><?xml version="1.0" encoding="utf-8"?>
+<file path=ppt/slides/slide21.xml><?xml version="1.0" encoding="utf-8"?>
 <p:sld xmlns:a="http://schemas.openxmlformats.org/drawingml/2006/main" xmlns:r="http://schemas.openxmlformats.org/officeDocument/2006/relationships" xmlns:p="http://schemas.openxmlformats.org/presentationml/2006/main">
   <p:cSld>
     <p:spTree>
@@ -10929,218 +11789,6 @@
           <a:p>
             <a:r>
               <a:rPr lang="en-US" dirty="0"/>
-              <a:t>Topics</a:t>
-            </a:r>
-          </a:p>
-        </p:txBody>
-      </p:sp>
-      <p:sp>
-        <p:nvSpPr>
-          <p:cNvPr id="9" name="Content Placeholder 8">
-            <a:extLst>
-              <a:ext uri="{FF2B5EF4-FFF2-40B4-BE49-F238E27FC236}">
-                <a16:creationId xmlns:a16="http://schemas.microsoft.com/office/drawing/2014/main" id="{E3B2E017-30B2-884B-A113-B419A2ED51AD}"/>
-              </a:ext>
-            </a:extLst>
-          </p:cNvPr>
-          <p:cNvSpPr>
-            <a:spLocks noGrp="1"/>
-          </p:cNvSpPr>
-          <p:nvPr>
-            <p:ph idx="1"/>
-          </p:nvPr>
-        </p:nvSpPr>
-        <p:spPr>
-          <a:xfrm>
-            <a:off x="483848" y="1288073"/>
-            <a:ext cx="8051725" cy="4303429"/>
-          </a:xfrm>
-        </p:spPr>
-        <p:txBody>
-          <a:bodyPr/>
-          <a:lstStyle/>
-          <a:p>
-            <a:pPr marL="0" indent="0">
-              <a:buNone/>
-            </a:pPr>
-            <a:endParaRPr lang="en-US" dirty="0">
-              <a:latin typeface="Gill Sans MT" panose="020B0502020104020203" pitchFamily="34" charset="77"/>
-            </a:endParaRPr>
-          </a:p>
-          <a:p>
-            <a:pPr marL="457200" indent="-457200">
-              <a:buAutoNum type="arabicParenR"/>
-            </a:pPr>
-            <a:endParaRPr lang="en-US" dirty="0">
-              <a:latin typeface="Gill Sans MT" panose="020B0502020104020203" pitchFamily="34" charset="77"/>
-            </a:endParaRPr>
-          </a:p>
-          <a:p>
-            <a:pPr marL="457200" indent="-457200">
-              <a:buAutoNum type="arabicParenR"/>
-            </a:pPr>
-            <a:r>
-              <a:rPr lang="en-US" dirty="0">
-                <a:latin typeface="Gill Sans MT" panose="020B0502020104020203" pitchFamily="34" charset="77"/>
-              </a:rPr>
-              <a:t>Tuples</a:t>
-            </a:r>
-          </a:p>
-          <a:p>
-            <a:pPr marL="457200" indent="-457200">
-              <a:buAutoNum type="arabicParenR"/>
-            </a:pPr>
-            <a:r>
-              <a:rPr lang="en-US" dirty="0">
-                <a:latin typeface="Gill Sans MT" panose="020B0502020104020203" pitchFamily="34" charset="77"/>
-              </a:rPr>
-              <a:t>Tuple unpacking</a:t>
-            </a:r>
-          </a:p>
-          <a:p>
-            <a:pPr marL="457200" indent="-457200">
-              <a:buAutoNum type="arabicParenR"/>
-            </a:pPr>
-            <a:r>
-              <a:rPr lang="en-US" dirty="0">
-                <a:latin typeface="Gill Sans MT" panose="020B0502020104020203" pitchFamily="34" charset="77"/>
-              </a:rPr>
-              <a:t>List of tuples, List of lists(2D lists)</a:t>
-            </a:r>
-          </a:p>
-          <a:p>
-            <a:pPr marL="457200" indent="-457200">
-              <a:buAutoNum type="arabicParenR"/>
-            </a:pPr>
-            <a:r>
-              <a:rPr lang="en-US" dirty="0">
-                <a:latin typeface="Gill Sans MT" panose="020B0502020104020203" pitchFamily="34" charset="77"/>
-              </a:rPr>
-              <a:t>enumerate()</a:t>
-            </a:r>
-          </a:p>
-          <a:p>
-            <a:pPr marL="457200" indent="-457200">
-              <a:buAutoNum type="arabicParenR"/>
-            </a:pPr>
-            <a:r>
-              <a:rPr lang="en-US" dirty="0">
-                <a:latin typeface="Gill Sans MT" panose="020B0502020104020203" pitchFamily="34" charset="77"/>
-              </a:rPr>
-              <a:t>Dictionaries</a:t>
-            </a:r>
-          </a:p>
-          <a:p>
-            <a:pPr marL="457200" indent="-457200">
-              <a:buAutoNum type="arabicParenR"/>
-            </a:pPr>
-            <a:r>
-              <a:rPr lang="en-US" dirty="0">
-                <a:latin typeface="Gill Sans MT" panose="020B0502020104020203" pitchFamily="34" charset="77"/>
-              </a:rPr>
-              <a:t>Iterating over a dictionary</a:t>
-            </a:r>
-          </a:p>
-          <a:p>
-            <a:pPr marL="0" indent="0">
-              <a:buNone/>
-            </a:pPr>
-            <a:endParaRPr lang="en-US" dirty="0">
-              <a:latin typeface="Gill Sans MT" panose="020B0502020104020203" pitchFamily="34" charset="77"/>
-            </a:endParaRPr>
-          </a:p>
-          <a:p>
-            <a:pPr marL="457200" indent="-457200">
-              <a:buAutoNum type="arabicParenR"/>
-            </a:pPr>
-            <a:endParaRPr lang="en-US" dirty="0">
-              <a:latin typeface="Gill Sans MT" panose="020B0502020104020203" pitchFamily="34" charset="77"/>
-            </a:endParaRPr>
-          </a:p>
-          <a:p>
-            <a:pPr marL="457200" indent="-457200">
-              <a:buAutoNum type="arabicParenR"/>
-            </a:pPr>
-            <a:endParaRPr lang="en-US" dirty="0">
-              <a:latin typeface="Gill Sans MT" panose="020B0502020104020203" pitchFamily="34" charset="77"/>
-            </a:endParaRPr>
-          </a:p>
-          <a:p>
-            <a:pPr marL="0" indent="0">
-              <a:buNone/>
-            </a:pPr>
-            <a:endParaRPr lang="en-US" dirty="0">
-              <a:latin typeface="Gill Sans MT" panose="020B0502020104020203" pitchFamily="34" charset="77"/>
-            </a:endParaRPr>
-          </a:p>
-          <a:p>
-            <a:pPr marL="0" indent="0">
-              <a:buNone/>
-            </a:pPr>
-            <a:endParaRPr lang="en-US" b="1" dirty="0">
-              <a:latin typeface="Gill Sans MT" panose="020B0502020104020203" pitchFamily="34" charset="77"/>
-            </a:endParaRPr>
-          </a:p>
-        </p:txBody>
-      </p:sp>
-    </p:spTree>
-    <p:extLst>
-      <p:ext uri="{BB962C8B-B14F-4D97-AF65-F5344CB8AC3E}">
-        <p14:creationId xmlns:p14="http://schemas.microsoft.com/office/powerpoint/2010/main" val="131840209"/>
-      </p:ext>
-    </p:extLst>
-  </p:cSld>
-  <p:clrMapOvr>
-    <a:masterClrMapping/>
-  </p:clrMapOvr>
-</p:sld>
-</file>
-
-<file path=ppt/slides/slide20.xml><?xml version="1.0" encoding="utf-8"?>
-<p:sld xmlns:a="http://schemas.openxmlformats.org/drawingml/2006/main" xmlns:r="http://schemas.openxmlformats.org/officeDocument/2006/relationships" xmlns:p="http://schemas.openxmlformats.org/presentationml/2006/main">
-  <p:cSld>
-    <p:spTree>
-      <p:nvGrpSpPr>
-        <p:cNvPr id="1" name=""/>
-        <p:cNvGrpSpPr/>
-        <p:nvPr/>
-      </p:nvGrpSpPr>
-      <p:grpSpPr>
-        <a:xfrm>
-          <a:off x="0" y="0"/>
-          <a:ext cx="0" cy="0"/>
-          <a:chOff x="0" y="0"/>
-          <a:chExt cx="0" cy="0"/>
-        </a:xfrm>
-      </p:grpSpPr>
-      <p:sp>
-        <p:nvSpPr>
-          <p:cNvPr id="2" name="Title 1">
-            <a:extLst>
-              <a:ext uri="{FF2B5EF4-FFF2-40B4-BE49-F238E27FC236}">
-                <a16:creationId xmlns:a16="http://schemas.microsoft.com/office/drawing/2014/main" id="{AA3A228F-61D0-D949-A5E7-F83756230BF8}"/>
-              </a:ext>
-            </a:extLst>
-          </p:cNvPr>
-          <p:cNvSpPr>
-            <a:spLocks noGrp="1"/>
-          </p:cNvSpPr>
-          <p:nvPr>
-            <p:ph type="title"/>
-          </p:nvPr>
-        </p:nvSpPr>
-        <p:spPr>
-          <a:xfrm>
-            <a:off x="483848" y="467027"/>
-            <a:ext cx="7053542" cy="683886"/>
-          </a:xfrm>
-        </p:spPr>
-        <p:txBody>
-          <a:bodyPr/>
-          <a:lstStyle/>
-          <a:p>
-            <a:r>
-              <a:rPr lang="en-US" dirty="0"/>
               <a:t>Dictionaries</a:t>
             </a:r>
           </a:p>
@@ -11179,7 +11827,7 @@
             </a:pPr>
             <a:r>
               <a:rPr lang="en-US" sz="2400" dirty="0"/>
-              <a:t>The keys and values of dictionaries can be different types. However, a dictionary key must be immutable(int, float, bool, str, tuple). A dictionary value can be any object. </a:t>
+              <a:t>The keys and values of dictionaries can be different types. However, a dictionary key must be immutable(int, float, bool, str, tuple).  A dictionary value can be any object. </a:t>
             </a:r>
           </a:p>
           <a:p>
@@ -11216,7 +11864,7 @@
                 </a:solidFill>
                 <a:latin typeface="Inconsolata Medium" panose="020B0609030003000000" pitchFamily="49" charset="77"/>
               </a:rPr>
-              <a:t>27</a:t>
+              <a:t>1</a:t>
             </a:r>
             <a:r>
               <a:rPr lang="en-US" b="1" dirty="0">
@@ -11398,7 +12046,7 @@
                 </a:solidFill>
                 <a:latin typeface="Inconsolata Medium" panose="020B0609030003000000" pitchFamily="49" charset="77"/>
               </a:rPr>
-              <a:t>29</a:t>
+              <a:t>2</a:t>
             </a:r>
             <a:r>
               <a:rPr lang="en-US" b="1" dirty="0">
@@ -11454,7 +12102,7 @@
               <a:rPr lang="en-US" b="1" dirty="0">
                 <a:latin typeface="Inconsolata Medium" panose="020B0609030003000000" pitchFamily="49" charset="77"/>
               </a:rPr>
-              <a:t>Out [28]: 5</a:t>
+              <a:t>Out [2]: 5</a:t>
             </a:r>
           </a:p>
           <a:p>
@@ -11483,7 +12131,7 @@
                 </a:solidFill>
                 <a:latin typeface="Inconsolata Medium" panose="020B0609030003000000" pitchFamily="49" charset="77"/>
               </a:rPr>
-              <a:t>29</a:t>
+              <a:t>3</a:t>
             </a:r>
             <a:r>
               <a:rPr lang="en-US" b="1" dirty="0">
@@ -11539,7 +12187,7 @@
               <a:rPr lang="en-US" b="1" dirty="0">
                 <a:latin typeface="Inconsolata Medium" panose="020B0609030003000000" pitchFamily="49" charset="77"/>
               </a:rPr>
-              <a:t>Out [28]: [1]</a:t>
+              <a:t>Out [3]: [1]</a:t>
             </a:r>
             <a:endParaRPr lang="en-US" b="1" dirty="0">
               <a:solidFill>
@@ -11574,7 +12222,7 @@
                 </a:solidFill>
                 <a:latin typeface="Inconsolata Medium" panose="020B0609030003000000" pitchFamily="49" charset="77"/>
               </a:rPr>
-              <a:t>29</a:t>
+              <a:t>4</a:t>
             </a:r>
             <a:r>
               <a:rPr lang="en-US" b="1" dirty="0">
@@ -11630,7 +12278,7 @@
               <a:rPr lang="en-US" b="1" dirty="0">
                 <a:latin typeface="Inconsolata Medium" panose="020B0609030003000000" pitchFamily="49" charset="77"/>
               </a:rPr>
-              <a:t>Out [28]: 4.5</a:t>
+              <a:t>Out [4]: 4.5</a:t>
             </a:r>
           </a:p>
           <a:p>
@@ -11973,7 +12621,7 @@
 </p:sld>
 </file>
 
-<file path=ppt/slides/slide21.xml><?xml version="1.0" encoding="utf-8"?>
+<file path=ppt/slides/slide22.xml><?xml version="1.0" encoding="utf-8"?>
 <p:sld xmlns:a="http://schemas.openxmlformats.org/drawingml/2006/main" xmlns:r="http://schemas.openxmlformats.org/officeDocument/2006/relationships" xmlns:p="http://schemas.openxmlformats.org/presentationml/2006/main">
   <p:cSld>
     <p:spTree>
@@ -12085,7 +12733,7 @@
                 </a:solidFill>
                 <a:latin typeface="Inconsolata Medium" panose="020B0609030003000000" pitchFamily="49" charset="77"/>
               </a:rPr>
-              <a:t>27</a:t>
+              <a:t>1</a:t>
             </a:r>
             <a:r>
               <a:rPr lang="en-US" b="1" dirty="0">
@@ -12240,7 +12888,7 @@
                 </a:solidFill>
                 <a:latin typeface="Inconsolata Medium" panose="020B0609030003000000" pitchFamily="49" charset="77"/>
               </a:rPr>
-              <a:t>29</a:t>
+              <a:t>2</a:t>
             </a:r>
             <a:r>
               <a:rPr lang="en-US" b="1" dirty="0">
@@ -12341,7 +12989,7 @@
                 </a:solidFill>
                 <a:latin typeface="Inconsolata Medium" panose="020B0609030003000000" pitchFamily="49" charset="77"/>
               </a:rPr>
-              <a:t>29</a:t>
+              <a:t>3</a:t>
             </a:r>
             <a:r>
               <a:rPr lang="en-US" b="1" dirty="0">
@@ -12714,410 +13362,6 @@
 </p:sld>
 </file>
 
-<file path=ppt/slides/slide22.xml><?xml version="1.0" encoding="utf-8"?>
-<p:sld xmlns:a="http://schemas.openxmlformats.org/drawingml/2006/main" xmlns:r="http://schemas.openxmlformats.org/officeDocument/2006/relationships" xmlns:p="http://schemas.openxmlformats.org/presentationml/2006/main">
-  <p:cSld>
-    <p:spTree>
-      <p:nvGrpSpPr>
-        <p:cNvPr id="1" name=""/>
-        <p:cNvGrpSpPr/>
-        <p:nvPr/>
-      </p:nvGrpSpPr>
-      <p:grpSpPr>
-        <a:xfrm>
-          <a:off x="0" y="0"/>
-          <a:ext cx="0" cy="0"/>
-          <a:chOff x="0" y="0"/>
-          <a:chExt cx="0" cy="0"/>
-        </a:xfrm>
-      </p:grpSpPr>
-      <p:sp>
-        <p:nvSpPr>
-          <p:cNvPr id="2" name="Title 1">
-            <a:extLst>
-              <a:ext uri="{FF2B5EF4-FFF2-40B4-BE49-F238E27FC236}">
-                <a16:creationId xmlns:a16="http://schemas.microsoft.com/office/drawing/2014/main" id="{AA3A228F-61D0-D949-A5E7-F83756230BF8}"/>
-              </a:ext>
-            </a:extLst>
-          </p:cNvPr>
-          <p:cNvSpPr>
-            <a:spLocks noGrp="1"/>
-          </p:cNvSpPr>
-          <p:nvPr>
-            <p:ph type="title"/>
-          </p:nvPr>
-        </p:nvSpPr>
-        <p:spPr>
-          <a:xfrm>
-            <a:off x="483848" y="467027"/>
-            <a:ext cx="7053542" cy="683886"/>
-          </a:xfrm>
-        </p:spPr>
-        <p:txBody>
-          <a:bodyPr/>
-          <a:lstStyle/>
-          <a:p>
-            <a:r>
-              <a:rPr lang="en-US" dirty="0"/>
-              <a:t>Membership Operations</a:t>
-            </a:r>
-          </a:p>
-        </p:txBody>
-      </p:sp>
-      <p:sp>
-        <p:nvSpPr>
-          <p:cNvPr id="9" name="Content Placeholder 8">
-            <a:extLst>
-              <a:ext uri="{FF2B5EF4-FFF2-40B4-BE49-F238E27FC236}">
-                <a16:creationId xmlns:a16="http://schemas.microsoft.com/office/drawing/2014/main" id="{E3B2E017-30B2-884B-A113-B419A2ED51AD}"/>
-              </a:ext>
-            </a:extLst>
-          </p:cNvPr>
-          <p:cNvSpPr>
-            <a:spLocks noGrp="1"/>
-          </p:cNvSpPr>
-          <p:nvPr>
-            <p:ph idx="1"/>
-          </p:nvPr>
-        </p:nvSpPr>
-        <p:spPr>
-          <a:xfrm>
-            <a:off x="483848" y="1150913"/>
-            <a:ext cx="8051725" cy="4440590"/>
-          </a:xfrm>
-        </p:spPr>
-        <p:txBody>
-          <a:bodyPr>
-            <a:noAutofit/>
-          </a:bodyPr>
-          <a:lstStyle/>
-          <a:p>
-            <a:pPr marL="0" indent="0">
-              <a:buNone/>
-            </a:pPr>
-            <a:r>
-              <a:rPr lang="en-US" dirty="0">
-                <a:latin typeface="Gill Sans MT" panose="020B0502020104020203" pitchFamily="34" charset="77"/>
-              </a:rPr>
-              <a:t>By default, membership operations checks keys of a dictionary. </a:t>
-            </a:r>
-          </a:p>
-          <a:p>
-            <a:pPr marL="0" indent="0">
-              <a:buNone/>
-            </a:pPr>
-            <a:endParaRPr lang="en-US" b="1" dirty="0">
-              <a:solidFill>
-                <a:srgbClr val="000087"/>
-              </a:solidFill>
-              <a:latin typeface="Inconsolata Medium" panose="020B0609030003000000" pitchFamily="49" charset="77"/>
-            </a:endParaRPr>
-          </a:p>
-          <a:p>
-            <a:pPr marL="0" indent="0">
-              <a:buNone/>
-            </a:pPr>
-            <a:r>
-              <a:rPr lang="en-US" b="1" dirty="0">
-                <a:solidFill>
-                  <a:srgbClr val="000087"/>
-                </a:solidFill>
-                <a:latin typeface="Inconsolata Medium" panose="020B0609030003000000" pitchFamily="49" charset="77"/>
-              </a:rPr>
-              <a:t>In </a:t>
-            </a:r>
-            <a:r>
-              <a:rPr lang="en-US" b="1" dirty="0">
-                <a:latin typeface="Inconsolata Medium" panose="020B0609030003000000" pitchFamily="49" charset="77"/>
-              </a:rPr>
-              <a:t>[</a:t>
-            </a:r>
-            <a:r>
-              <a:rPr lang="en-US" b="1" dirty="0">
-                <a:solidFill>
-                  <a:srgbClr val="FF6600"/>
-                </a:solidFill>
-                <a:latin typeface="Inconsolata Medium" panose="020B0609030003000000" pitchFamily="49" charset="77"/>
-              </a:rPr>
-              <a:t>19</a:t>
-            </a:r>
-            <a:r>
-              <a:rPr lang="en-US" b="1" dirty="0">
-                <a:latin typeface="Inconsolata Medium" panose="020B0609030003000000" pitchFamily="49" charset="77"/>
-              </a:rPr>
-              <a:t>]: </a:t>
-            </a:r>
-            <a:r>
-              <a:rPr lang="en-US" b="1" dirty="0">
-                <a:solidFill>
-                  <a:srgbClr val="000087"/>
-                </a:solidFill>
-                <a:latin typeface="Inconsolata Medium" panose="020B0609030003000000" pitchFamily="49" charset="77"/>
-              </a:rPr>
-              <a:t>numbers </a:t>
-            </a:r>
-            <a:r>
-              <a:rPr lang="en-US" b="1" dirty="0">
-                <a:solidFill>
-                  <a:srgbClr val="545454"/>
-                </a:solidFill>
-                <a:latin typeface="Inconsolata Medium" panose="020B0609030003000000" pitchFamily="49" charset="77"/>
-              </a:rPr>
-              <a:t>= </a:t>
-            </a:r>
-            <a:r>
-              <a:rPr lang="en-US" b="1" dirty="0">
-                <a:latin typeface="Inconsolata Medium" panose="020B0609030003000000" pitchFamily="49" charset="77"/>
-              </a:rPr>
-              <a:t>{</a:t>
-            </a:r>
-            <a:r>
-              <a:rPr lang="en-US" b="1" dirty="0">
-                <a:solidFill>
-                  <a:srgbClr val="CC3300"/>
-                </a:solidFill>
-                <a:latin typeface="Inconsolata Medium" panose="020B0609030003000000" pitchFamily="49" charset="77"/>
-              </a:rPr>
-              <a:t>'one'</a:t>
-            </a:r>
-            <a:r>
-              <a:rPr lang="en-US" b="1" dirty="0">
-                <a:latin typeface="Inconsolata Medium" panose="020B0609030003000000" pitchFamily="49" charset="77"/>
-              </a:rPr>
-              <a:t>:</a:t>
-            </a:r>
-            <a:r>
-              <a:rPr lang="en-US" b="1" dirty="0">
-                <a:solidFill>
-                  <a:srgbClr val="FF6600"/>
-                </a:solidFill>
-                <a:latin typeface="Inconsolata Medium" panose="020B0609030003000000" pitchFamily="49" charset="77"/>
-              </a:rPr>
-              <a:t>1</a:t>
-            </a:r>
-            <a:r>
-              <a:rPr lang="en-US" b="1" dirty="0">
-                <a:latin typeface="Inconsolata Medium" panose="020B0609030003000000" pitchFamily="49" charset="77"/>
-              </a:rPr>
-              <a:t>, </a:t>
-            </a:r>
-            <a:r>
-              <a:rPr lang="en-US" b="1" dirty="0">
-                <a:solidFill>
-                  <a:srgbClr val="CC3300"/>
-                </a:solidFill>
-                <a:latin typeface="Inconsolata Medium" panose="020B0609030003000000" pitchFamily="49" charset="77"/>
-              </a:rPr>
-              <a:t>'two'</a:t>
-            </a:r>
-            <a:r>
-              <a:rPr lang="en-US" b="1" dirty="0">
-                <a:latin typeface="Inconsolata Medium" panose="020B0609030003000000" pitchFamily="49" charset="77"/>
-              </a:rPr>
-              <a:t>:</a:t>
-            </a:r>
-            <a:r>
-              <a:rPr lang="en-US" b="1" dirty="0">
-                <a:solidFill>
-                  <a:srgbClr val="FF6600"/>
-                </a:solidFill>
-                <a:latin typeface="Inconsolata Medium" panose="020B0609030003000000" pitchFamily="49" charset="77"/>
-              </a:rPr>
-              <a:t>2</a:t>
-            </a:r>
-            <a:r>
-              <a:rPr lang="en-US" b="1" dirty="0">
-                <a:latin typeface="Inconsolata Medium" panose="020B0609030003000000" pitchFamily="49" charset="77"/>
-              </a:rPr>
-              <a:t>, </a:t>
-            </a:r>
-            <a:r>
-              <a:rPr lang="en-US" b="1" dirty="0">
-                <a:solidFill>
-                  <a:srgbClr val="CC3300"/>
-                </a:solidFill>
-                <a:latin typeface="Inconsolata Medium" panose="020B0609030003000000" pitchFamily="49" charset="77"/>
-              </a:rPr>
-              <a:t>'three'</a:t>
-            </a:r>
-            <a:r>
-              <a:rPr lang="en-US" b="1" dirty="0">
-                <a:latin typeface="Inconsolata Medium" panose="020B0609030003000000" pitchFamily="49" charset="77"/>
-              </a:rPr>
-              <a:t>:</a:t>
-            </a:r>
-            <a:r>
-              <a:rPr lang="en-US" b="1" dirty="0">
-                <a:solidFill>
-                  <a:srgbClr val="FF6600"/>
-                </a:solidFill>
-                <a:latin typeface="Inconsolata Medium" panose="020B0609030003000000" pitchFamily="49" charset="77"/>
-              </a:rPr>
-              <a:t>3</a:t>
-            </a:r>
-            <a:r>
-              <a:rPr lang="en-US" b="1" dirty="0">
-                <a:latin typeface="Inconsolata Medium" panose="020B0609030003000000" pitchFamily="49" charset="77"/>
-              </a:rPr>
-              <a:t>} </a:t>
-            </a:r>
-          </a:p>
-          <a:p>
-            <a:pPr marL="0" indent="0">
-              <a:buNone/>
-            </a:pPr>
-            <a:endParaRPr lang="en-US" b="1" dirty="0">
-              <a:solidFill>
-                <a:srgbClr val="000087"/>
-              </a:solidFill>
-              <a:latin typeface="Inconsolata Medium" panose="020B0609030003000000" pitchFamily="49" charset="77"/>
-            </a:endParaRPr>
-          </a:p>
-          <a:p>
-            <a:pPr marL="0" indent="0">
-              <a:buNone/>
-            </a:pPr>
-            <a:r>
-              <a:rPr lang="en-US" b="1" dirty="0">
-                <a:solidFill>
-                  <a:srgbClr val="000087"/>
-                </a:solidFill>
-                <a:latin typeface="Inconsolata Medium" panose="020B0609030003000000" pitchFamily="49" charset="77"/>
-              </a:rPr>
-              <a:t>In </a:t>
-            </a:r>
-            <a:r>
-              <a:rPr lang="en-US" b="1" dirty="0">
-                <a:latin typeface="Inconsolata Medium" panose="020B0609030003000000" pitchFamily="49" charset="77"/>
-              </a:rPr>
-              <a:t>[</a:t>
-            </a:r>
-            <a:r>
-              <a:rPr lang="en-US" b="1" dirty="0">
-                <a:solidFill>
-                  <a:srgbClr val="FF6600"/>
-                </a:solidFill>
-                <a:latin typeface="Inconsolata Medium" panose="020B0609030003000000" pitchFamily="49" charset="77"/>
-              </a:rPr>
-              <a:t>20</a:t>
-            </a:r>
-            <a:r>
-              <a:rPr lang="en-US" b="1" dirty="0">
-                <a:latin typeface="Inconsolata Medium" panose="020B0609030003000000" pitchFamily="49" charset="77"/>
-              </a:rPr>
-              <a:t>]:  </a:t>
-            </a:r>
-            <a:r>
-              <a:rPr lang="en-US" b="1" dirty="0">
-                <a:solidFill>
-                  <a:srgbClr val="000087"/>
-                </a:solidFill>
-                <a:latin typeface="Inconsolata Medium" panose="020B0609030003000000" pitchFamily="49" charset="77"/>
-              </a:rPr>
-              <a:t>'one' in numbers </a:t>
-            </a:r>
-            <a:endParaRPr lang="en-US" b="1" dirty="0">
-              <a:latin typeface="Inconsolata Medium" panose="020B0609030003000000" pitchFamily="49" charset="77"/>
-            </a:endParaRPr>
-          </a:p>
-          <a:p>
-            <a:pPr marL="0" indent="0">
-              <a:buNone/>
-            </a:pPr>
-            <a:r>
-              <a:rPr lang="en-US" b="1" dirty="0">
-                <a:latin typeface="Inconsolata Medium" panose="020B0609030003000000" pitchFamily="49" charset="77"/>
-              </a:rPr>
-              <a:t>Out [20]: True </a:t>
-            </a:r>
-            <a:endParaRPr lang="en-US" dirty="0"/>
-          </a:p>
-          <a:p>
-            <a:pPr marL="0" indent="0">
-              <a:buNone/>
-            </a:pPr>
-            <a:endParaRPr lang="en-US" dirty="0"/>
-          </a:p>
-          <a:p>
-            <a:pPr marL="0" indent="0">
-              <a:buNone/>
-            </a:pPr>
-            <a:r>
-              <a:rPr lang="en-US" b="1" dirty="0">
-                <a:solidFill>
-                  <a:srgbClr val="000087"/>
-                </a:solidFill>
-                <a:latin typeface="Inconsolata Medium" panose="020B0609030003000000" pitchFamily="49" charset="77"/>
-              </a:rPr>
-              <a:t>In </a:t>
-            </a:r>
-            <a:r>
-              <a:rPr lang="en-US" b="1" dirty="0">
-                <a:latin typeface="Inconsolata Medium" panose="020B0609030003000000" pitchFamily="49" charset="77"/>
-              </a:rPr>
-              <a:t>[</a:t>
-            </a:r>
-            <a:r>
-              <a:rPr lang="en-US" b="1" dirty="0">
-                <a:solidFill>
-                  <a:srgbClr val="FF6600"/>
-                </a:solidFill>
-                <a:latin typeface="Inconsolata Medium" panose="020B0609030003000000" pitchFamily="49" charset="77"/>
-              </a:rPr>
-              <a:t>20</a:t>
-            </a:r>
-            <a:r>
-              <a:rPr lang="en-US" b="1" dirty="0">
-                <a:latin typeface="Inconsolata Medium" panose="020B0609030003000000" pitchFamily="49" charset="77"/>
-              </a:rPr>
-              <a:t>]:  </a:t>
-            </a:r>
-            <a:r>
-              <a:rPr lang="en-US" b="1" dirty="0">
-                <a:solidFill>
-                  <a:srgbClr val="000087"/>
-                </a:solidFill>
-                <a:latin typeface="Inconsolata Medium" panose="020B0609030003000000" pitchFamily="49" charset="77"/>
-              </a:rPr>
-              <a:t>1 in numbers </a:t>
-            </a:r>
-            <a:endParaRPr lang="en-US" b="1" dirty="0">
-              <a:latin typeface="Inconsolata Medium" panose="020B0609030003000000" pitchFamily="49" charset="77"/>
-            </a:endParaRPr>
-          </a:p>
-          <a:p>
-            <a:pPr marL="0" indent="0">
-              <a:buNone/>
-            </a:pPr>
-            <a:r>
-              <a:rPr lang="en-US" b="1" dirty="0">
-                <a:latin typeface="Inconsolata Medium" panose="020B0609030003000000" pitchFamily="49" charset="77"/>
-              </a:rPr>
-              <a:t>Out [20]: False </a:t>
-            </a:r>
-            <a:endParaRPr lang="en-US" dirty="0"/>
-          </a:p>
-          <a:p>
-            <a:pPr marL="0" indent="0">
-              <a:buNone/>
-            </a:pPr>
-            <a:endParaRPr lang="en-US" dirty="0"/>
-          </a:p>
-        </p:txBody>
-      </p:sp>
-    </p:spTree>
-    <p:extLst>
-      <p:ext uri="{BB962C8B-B14F-4D97-AF65-F5344CB8AC3E}">
-        <p14:creationId xmlns:p14="http://schemas.microsoft.com/office/powerpoint/2010/main" val="2693651593"/>
-      </p:ext>
-    </p:extLst>
-  </p:cSld>
-  <p:clrMapOvr>
-    <a:masterClrMapping/>
-  </p:clrMapOvr>
-</p:sld>
-</file>
-
 <file path=ppt/slides/slide23.xml><?xml version="1.0" encoding="utf-8"?>
 <p:sld xmlns:a="http://schemas.openxmlformats.org/drawingml/2006/main" xmlns:r="http://schemas.openxmlformats.org/officeDocument/2006/relationships" xmlns:p="http://schemas.openxmlformats.org/presentationml/2006/main">
   <p:cSld>
@@ -13162,6 +13406,410 @@
           <a:lstStyle/>
           <a:p>
             <a:r>
+              <a:rPr lang="en-US" dirty="0"/>
+              <a:t>Membership Operations</a:t>
+            </a:r>
+          </a:p>
+        </p:txBody>
+      </p:sp>
+      <p:sp>
+        <p:nvSpPr>
+          <p:cNvPr id="9" name="Content Placeholder 8">
+            <a:extLst>
+              <a:ext uri="{FF2B5EF4-FFF2-40B4-BE49-F238E27FC236}">
+                <a16:creationId xmlns:a16="http://schemas.microsoft.com/office/drawing/2014/main" id="{E3B2E017-30B2-884B-A113-B419A2ED51AD}"/>
+              </a:ext>
+            </a:extLst>
+          </p:cNvPr>
+          <p:cNvSpPr>
+            <a:spLocks noGrp="1"/>
+          </p:cNvSpPr>
+          <p:nvPr>
+            <p:ph idx="1"/>
+          </p:nvPr>
+        </p:nvSpPr>
+        <p:spPr>
+          <a:xfrm>
+            <a:off x="483848" y="1150913"/>
+            <a:ext cx="8051725" cy="4440590"/>
+          </a:xfrm>
+        </p:spPr>
+        <p:txBody>
+          <a:bodyPr>
+            <a:noAutofit/>
+          </a:bodyPr>
+          <a:lstStyle/>
+          <a:p>
+            <a:pPr marL="0" indent="0">
+              <a:buNone/>
+            </a:pPr>
+            <a:r>
+              <a:rPr lang="en-US" dirty="0">
+                <a:latin typeface="Gill Sans MT" panose="020B0502020104020203" pitchFamily="34" charset="77"/>
+              </a:rPr>
+              <a:t>By default, membership operations checks keys of a dictionary. </a:t>
+            </a:r>
+          </a:p>
+          <a:p>
+            <a:pPr marL="0" indent="0">
+              <a:buNone/>
+            </a:pPr>
+            <a:endParaRPr lang="en-US" b="1" dirty="0">
+              <a:solidFill>
+                <a:srgbClr val="000087"/>
+              </a:solidFill>
+              <a:latin typeface="Inconsolata Medium" panose="020B0609030003000000" pitchFamily="49" charset="77"/>
+            </a:endParaRPr>
+          </a:p>
+          <a:p>
+            <a:pPr marL="0" indent="0">
+              <a:buNone/>
+            </a:pPr>
+            <a:r>
+              <a:rPr lang="en-US" b="1" dirty="0">
+                <a:solidFill>
+                  <a:srgbClr val="000087"/>
+                </a:solidFill>
+                <a:latin typeface="Inconsolata Medium" panose="020B0609030003000000" pitchFamily="49" charset="77"/>
+              </a:rPr>
+              <a:t>In </a:t>
+            </a:r>
+            <a:r>
+              <a:rPr lang="en-US" b="1" dirty="0">
+                <a:latin typeface="Inconsolata Medium" panose="020B0609030003000000" pitchFamily="49" charset="77"/>
+              </a:rPr>
+              <a:t>[</a:t>
+            </a:r>
+            <a:r>
+              <a:rPr lang="en-US" b="1" dirty="0">
+                <a:solidFill>
+                  <a:srgbClr val="FF6600"/>
+                </a:solidFill>
+                <a:latin typeface="Inconsolata Medium" panose="020B0609030003000000" pitchFamily="49" charset="77"/>
+              </a:rPr>
+              <a:t>1</a:t>
+            </a:r>
+            <a:r>
+              <a:rPr lang="en-US" b="1" dirty="0">
+                <a:latin typeface="Inconsolata Medium" panose="020B0609030003000000" pitchFamily="49" charset="77"/>
+              </a:rPr>
+              <a:t>]: </a:t>
+            </a:r>
+            <a:r>
+              <a:rPr lang="en-US" b="1" dirty="0">
+                <a:solidFill>
+                  <a:srgbClr val="000087"/>
+                </a:solidFill>
+                <a:latin typeface="Inconsolata Medium" panose="020B0609030003000000" pitchFamily="49" charset="77"/>
+              </a:rPr>
+              <a:t>numbers </a:t>
+            </a:r>
+            <a:r>
+              <a:rPr lang="en-US" b="1" dirty="0">
+                <a:solidFill>
+                  <a:srgbClr val="545454"/>
+                </a:solidFill>
+                <a:latin typeface="Inconsolata Medium" panose="020B0609030003000000" pitchFamily="49" charset="77"/>
+              </a:rPr>
+              <a:t>= </a:t>
+            </a:r>
+            <a:r>
+              <a:rPr lang="en-US" b="1" dirty="0">
+                <a:latin typeface="Inconsolata Medium" panose="020B0609030003000000" pitchFamily="49" charset="77"/>
+              </a:rPr>
+              <a:t>{</a:t>
+            </a:r>
+            <a:r>
+              <a:rPr lang="en-US" b="1" dirty="0">
+                <a:solidFill>
+                  <a:srgbClr val="CC3300"/>
+                </a:solidFill>
+                <a:latin typeface="Inconsolata Medium" panose="020B0609030003000000" pitchFamily="49" charset="77"/>
+              </a:rPr>
+              <a:t>'one'</a:t>
+            </a:r>
+            <a:r>
+              <a:rPr lang="en-US" b="1" dirty="0">
+                <a:latin typeface="Inconsolata Medium" panose="020B0609030003000000" pitchFamily="49" charset="77"/>
+              </a:rPr>
+              <a:t>:</a:t>
+            </a:r>
+            <a:r>
+              <a:rPr lang="en-US" b="1" dirty="0">
+                <a:solidFill>
+                  <a:srgbClr val="FF6600"/>
+                </a:solidFill>
+                <a:latin typeface="Inconsolata Medium" panose="020B0609030003000000" pitchFamily="49" charset="77"/>
+              </a:rPr>
+              <a:t>1</a:t>
+            </a:r>
+            <a:r>
+              <a:rPr lang="en-US" b="1" dirty="0">
+                <a:latin typeface="Inconsolata Medium" panose="020B0609030003000000" pitchFamily="49" charset="77"/>
+              </a:rPr>
+              <a:t>, </a:t>
+            </a:r>
+            <a:r>
+              <a:rPr lang="en-US" b="1" dirty="0">
+                <a:solidFill>
+                  <a:srgbClr val="CC3300"/>
+                </a:solidFill>
+                <a:latin typeface="Inconsolata Medium" panose="020B0609030003000000" pitchFamily="49" charset="77"/>
+              </a:rPr>
+              <a:t>'two'</a:t>
+            </a:r>
+            <a:r>
+              <a:rPr lang="en-US" b="1" dirty="0">
+                <a:latin typeface="Inconsolata Medium" panose="020B0609030003000000" pitchFamily="49" charset="77"/>
+              </a:rPr>
+              <a:t>:</a:t>
+            </a:r>
+            <a:r>
+              <a:rPr lang="en-US" b="1" dirty="0">
+                <a:solidFill>
+                  <a:srgbClr val="FF6600"/>
+                </a:solidFill>
+                <a:latin typeface="Inconsolata Medium" panose="020B0609030003000000" pitchFamily="49" charset="77"/>
+              </a:rPr>
+              <a:t>2</a:t>
+            </a:r>
+            <a:r>
+              <a:rPr lang="en-US" b="1" dirty="0">
+                <a:latin typeface="Inconsolata Medium" panose="020B0609030003000000" pitchFamily="49" charset="77"/>
+              </a:rPr>
+              <a:t>, </a:t>
+            </a:r>
+            <a:r>
+              <a:rPr lang="en-US" b="1" dirty="0">
+                <a:solidFill>
+                  <a:srgbClr val="CC3300"/>
+                </a:solidFill>
+                <a:latin typeface="Inconsolata Medium" panose="020B0609030003000000" pitchFamily="49" charset="77"/>
+              </a:rPr>
+              <a:t>'three'</a:t>
+            </a:r>
+            <a:r>
+              <a:rPr lang="en-US" b="1" dirty="0">
+                <a:latin typeface="Inconsolata Medium" panose="020B0609030003000000" pitchFamily="49" charset="77"/>
+              </a:rPr>
+              <a:t>:</a:t>
+            </a:r>
+            <a:r>
+              <a:rPr lang="en-US" b="1" dirty="0">
+                <a:solidFill>
+                  <a:srgbClr val="FF6600"/>
+                </a:solidFill>
+                <a:latin typeface="Inconsolata Medium" panose="020B0609030003000000" pitchFamily="49" charset="77"/>
+              </a:rPr>
+              <a:t>3</a:t>
+            </a:r>
+            <a:r>
+              <a:rPr lang="en-US" b="1" dirty="0">
+                <a:latin typeface="Inconsolata Medium" panose="020B0609030003000000" pitchFamily="49" charset="77"/>
+              </a:rPr>
+              <a:t>} </a:t>
+            </a:r>
+          </a:p>
+          <a:p>
+            <a:pPr marL="0" indent="0">
+              <a:buNone/>
+            </a:pPr>
+            <a:endParaRPr lang="en-US" b="1" dirty="0">
+              <a:solidFill>
+                <a:srgbClr val="000087"/>
+              </a:solidFill>
+              <a:latin typeface="Inconsolata Medium" panose="020B0609030003000000" pitchFamily="49" charset="77"/>
+            </a:endParaRPr>
+          </a:p>
+          <a:p>
+            <a:pPr marL="0" indent="0">
+              <a:buNone/>
+            </a:pPr>
+            <a:r>
+              <a:rPr lang="en-US" b="1" dirty="0">
+                <a:solidFill>
+                  <a:srgbClr val="000087"/>
+                </a:solidFill>
+                <a:latin typeface="Inconsolata Medium" panose="020B0609030003000000" pitchFamily="49" charset="77"/>
+              </a:rPr>
+              <a:t>In </a:t>
+            </a:r>
+            <a:r>
+              <a:rPr lang="en-US" b="1" dirty="0">
+                <a:latin typeface="Inconsolata Medium" panose="020B0609030003000000" pitchFamily="49" charset="77"/>
+              </a:rPr>
+              <a:t>[</a:t>
+            </a:r>
+            <a:r>
+              <a:rPr lang="en-US" b="1" dirty="0">
+                <a:solidFill>
+                  <a:srgbClr val="FF6600"/>
+                </a:solidFill>
+                <a:latin typeface="Inconsolata Medium" panose="020B0609030003000000" pitchFamily="49" charset="77"/>
+              </a:rPr>
+              <a:t>2</a:t>
+            </a:r>
+            <a:r>
+              <a:rPr lang="en-US" b="1" dirty="0">
+                <a:latin typeface="Inconsolata Medium" panose="020B0609030003000000" pitchFamily="49" charset="77"/>
+              </a:rPr>
+              <a:t>]:  </a:t>
+            </a:r>
+            <a:r>
+              <a:rPr lang="en-US" b="1" dirty="0">
+                <a:solidFill>
+                  <a:srgbClr val="000087"/>
+                </a:solidFill>
+                <a:latin typeface="Inconsolata Medium" panose="020B0609030003000000" pitchFamily="49" charset="77"/>
+              </a:rPr>
+              <a:t>'one' in numbers </a:t>
+            </a:r>
+            <a:endParaRPr lang="en-US" b="1" dirty="0">
+              <a:latin typeface="Inconsolata Medium" panose="020B0609030003000000" pitchFamily="49" charset="77"/>
+            </a:endParaRPr>
+          </a:p>
+          <a:p>
+            <a:pPr marL="0" indent="0">
+              <a:buNone/>
+            </a:pPr>
+            <a:r>
+              <a:rPr lang="en-US" b="1" dirty="0">
+                <a:latin typeface="Inconsolata Medium" panose="020B0609030003000000" pitchFamily="49" charset="77"/>
+              </a:rPr>
+              <a:t>Out [2]: True </a:t>
+            </a:r>
+            <a:endParaRPr lang="en-US" dirty="0"/>
+          </a:p>
+          <a:p>
+            <a:pPr marL="0" indent="0">
+              <a:buNone/>
+            </a:pPr>
+            <a:endParaRPr lang="en-US" dirty="0"/>
+          </a:p>
+          <a:p>
+            <a:pPr marL="0" indent="0">
+              <a:buNone/>
+            </a:pPr>
+            <a:r>
+              <a:rPr lang="en-US" b="1" dirty="0">
+                <a:solidFill>
+                  <a:srgbClr val="000087"/>
+                </a:solidFill>
+                <a:latin typeface="Inconsolata Medium" panose="020B0609030003000000" pitchFamily="49" charset="77"/>
+              </a:rPr>
+              <a:t>In </a:t>
+            </a:r>
+            <a:r>
+              <a:rPr lang="en-US" b="1" dirty="0">
+                <a:latin typeface="Inconsolata Medium" panose="020B0609030003000000" pitchFamily="49" charset="77"/>
+              </a:rPr>
+              <a:t>[</a:t>
+            </a:r>
+            <a:r>
+              <a:rPr lang="en-US" b="1" dirty="0">
+                <a:solidFill>
+                  <a:srgbClr val="FF6600"/>
+                </a:solidFill>
+                <a:latin typeface="Inconsolata Medium" panose="020B0609030003000000" pitchFamily="49" charset="77"/>
+              </a:rPr>
+              <a:t>3</a:t>
+            </a:r>
+            <a:r>
+              <a:rPr lang="en-US" b="1" dirty="0">
+                <a:latin typeface="Inconsolata Medium" panose="020B0609030003000000" pitchFamily="49" charset="77"/>
+              </a:rPr>
+              <a:t>]:  </a:t>
+            </a:r>
+            <a:r>
+              <a:rPr lang="en-US" b="1" dirty="0">
+                <a:solidFill>
+                  <a:srgbClr val="000087"/>
+                </a:solidFill>
+                <a:latin typeface="Inconsolata Medium" panose="020B0609030003000000" pitchFamily="49" charset="77"/>
+              </a:rPr>
+              <a:t>1 in numbers </a:t>
+            </a:r>
+            <a:endParaRPr lang="en-US" b="1" dirty="0">
+              <a:latin typeface="Inconsolata Medium" panose="020B0609030003000000" pitchFamily="49" charset="77"/>
+            </a:endParaRPr>
+          </a:p>
+          <a:p>
+            <a:pPr marL="0" indent="0">
+              <a:buNone/>
+            </a:pPr>
+            <a:r>
+              <a:rPr lang="en-US" b="1" dirty="0">
+                <a:latin typeface="Inconsolata Medium" panose="020B0609030003000000" pitchFamily="49" charset="77"/>
+              </a:rPr>
+              <a:t>Out [3]: False </a:t>
+            </a:r>
+            <a:endParaRPr lang="en-US" dirty="0"/>
+          </a:p>
+          <a:p>
+            <a:pPr marL="0" indent="0">
+              <a:buNone/>
+            </a:pPr>
+            <a:endParaRPr lang="en-US" dirty="0"/>
+          </a:p>
+        </p:txBody>
+      </p:sp>
+    </p:spTree>
+    <p:extLst>
+      <p:ext uri="{BB962C8B-B14F-4D97-AF65-F5344CB8AC3E}">
+        <p14:creationId xmlns:p14="http://schemas.microsoft.com/office/powerpoint/2010/main" val="2693651593"/>
+      </p:ext>
+    </p:extLst>
+  </p:cSld>
+  <p:clrMapOvr>
+    <a:masterClrMapping/>
+  </p:clrMapOvr>
+</p:sld>
+</file>
+
+<file path=ppt/slides/slide24.xml><?xml version="1.0" encoding="utf-8"?>
+<p:sld xmlns:a="http://schemas.openxmlformats.org/drawingml/2006/main" xmlns:r="http://schemas.openxmlformats.org/officeDocument/2006/relationships" xmlns:p="http://schemas.openxmlformats.org/presentationml/2006/main">
+  <p:cSld>
+    <p:spTree>
+      <p:nvGrpSpPr>
+        <p:cNvPr id="1" name=""/>
+        <p:cNvGrpSpPr/>
+        <p:nvPr/>
+      </p:nvGrpSpPr>
+      <p:grpSpPr>
+        <a:xfrm>
+          <a:off x="0" y="0"/>
+          <a:ext cx="0" cy="0"/>
+          <a:chOff x="0" y="0"/>
+          <a:chExt cx="0" cy="0"/>
+        </a:xfrm>
+      </p:grpSpPr>
+      <p:sp>
+        <p:nvSpPr>
+          <p:cNvPr id="2" name="Title 1">
+            <a:extLst>
+              <a:ext uri="{FF2B5EF4-FFF2-40B4-BE49-F238E27FC236}">
+                <a16:creationId xmlns:a16="http://schemas.microsoft.com/office/drawing/2014/main" id="{AA3A228F-61D0-D949-A5E7-F83756230BF8}"/>
+              </a:ext>
+            </a:extLst>
+          </p:cNvPr>
+          <p:cNvSpPr>
+            <a:spLocks noGrp="1"/>
+          </p:cNvSpPr>
+          <p:nvPr>
+            <p:ph type="title"/>
+          </p:nvPr>
+        </p:nvSpPr>
+        <p:spPr>
+          <a:xfrm>
+            <a:off x="483848" y="467027"/>
+            <a:ext cx="7053542" cy="683886"/>
+          </a:xfrm>
+        </p:spPr>
+        <p:txBody>
+          <a:bodyPr/>
+          <a:lstStyle/>
+          <a:p>
+            <a:r>
               <a:rPr lang="en-US" dirty="0" err="1"/>
               <a:t>Iterables</a:t>
             </a:r>
@@ -13248,7 +13896,7 @@
                 </a:solidFill>
                 <a:latin typeface="Inconsolata Medium" panose="020B0609030003000000" pitchFamily="49" charset="77"/>
               </a:rPr>
-              <a:t>27</a:t>
+              <a:t>1</a:t>
             </a:r>
             <a:r>
               <a:rPr lang="en-US" b="1" dirty="0">
@@ -13533,7 +14181,7 @@
                 </a:solidFill>
                 <a:latin typeface="Inconsolata Medium" panose="020B0609030003000000" pitchFamily="49" charset="77"/>
               </a:rPr>
-              <a:t>27</a:t>
+              <a:t>2</a:t>
             </a:r>
             <a:r>
               <a:rPr lang="en-US" b="1" dirty="0">
@@ -13866,7 +14514,7 @@
 </p:sld>
 </file>
 
-<file path=ppt/slides/slide24.xml><?xml version="1.0" encoding="utf-8"?>
+<file path=ppt/slides/slide25.xml><?xml version="1.0" encoding="utf-8"?>
 <p:sld xmlns:a="http://schemas.openxmlformats.org/drawingml/2006/main" xmlns:r="http://schemas.openxmlformats.org/officeDocument/2006/relationships" xmlns:p="http://schemas.openxmlformats.org/presentationml/2006/main">
   <p:cSld>
     <p:spTree>
@@ -13996,7 +14644,7 @@
                 </a:solidFill>
                 <a:latin typeface="Inconsolata Medium" panose="020B0609030003000000" pitchFamily="49" charset="77"/>
               </a:rPr>
-              <a:t>27</a:t>
+              <a:t>1</a:t>
             </a:r>
             <a:r>
               <a:rPr lang="en-US" b="1" dirty="0">
@@ -14519,441 +15167,6 @@
 </p:sld>
 </file>
 
-<file path=ppt/slides/slide25.xml><?xml version="1.0" encoding="utf-8"?>
-<p:sld xmlns:a="http://schemas.openxmlformats.org/drawingml/2006/main" xmlns:r="http://schemas.openxmlformats.org/officeDocument/2006/relationships" xmlns:p="http://schemas.openxmlformats.org/presentationml/2006/main">
-  <p:cSld>
-    <p:spTree>
-      <p:nvGrpSpPr>
-        <p:cNvPr id="1" name=""/>
-        <p:cNvGrpSpPr/>
-        <p:nvPr/>
-      </p:nvGrpSpPr>
-      <p:grpSpPr>
-        <a:xfrm>
-          <a:off x="0" y="0"/>
-          <a:ext cx="0" cy="0"/>
-          <a:chOff x="0" y="0"/>
-          <a:chExt cx="0" cy="0"/>
-        </a:xfrm>
-      </p:grpSpPr>
-      <p:sp>
-        <p:nvSpPr>
-          <p:cNvPr id="2" name="Title 1">
-            <a:extLst>
-              <a:ext uri="{FF2B5EF4-FFF2-40B4-BE49-F238E27FC236}">
-                <a16:creationId xmlns:a16="http://schemas.microsoft.com/office/drawing/2014/main" id="{AA3A228F-61D0-D949-A5E7-F83756230BF8}"/>
-              </a:ext>
-            </a:extLst>
-          </p:cNvPr>
-          <p:cNvSpPr>
-            <a:spLocks noGrp="1"/>
-          </p:cNvSpPr>
-          <p:nvPr>
-            <p:ph type="title"/>
-          </p:nvPr>
-        </p:nvSpPr>
-        <p:spPr>
-          <a:xfrm>
-            <a:off x="483848" y="467027"/>
-            <a:ext cx="7053542" cy="683886"/>
-          </a:xfrm>
-        </p:spPr>
-        <p:txBody>
-          <a:bodyPr/>
-          <a:lstStyle/>
-          <a:p>
-            <a:r>
-              <a:rPr lang="en-US" dirty="0"/>
-              <a:t>Example of a Use </a:t>
-            </a:r>
-            <a:r>
-              <a:rPr lang="en-US"/>
-              <a:t>for Dictionaries</a:t>
-            </a:r>
-            <a:endParaRPr lang="en-US" dirty="0"/>
-          </a:p>
-        </p:txBody>
-      </p:sp>
-      <p:sp>
-        <p:nvSpPr>
-          <p:cNvPr id="9" name="Content Placeholder 8">
-            <a:extLst>
-              <a:ext uri="{FF2B5EF4-FFF2-40B4-BE49-F238E27FC236}">
-                <a16:creationId xmlns:a16="http://schemas.microsoft.com/office/drawing/2014/main" id="{E3B2E017-30B2-884B-A113-B419A2ED51AD}"/>
-              </a:ext>
-            </a:extLst>
-          </p:cNvPr>
-          <p:cNvSpPr>
-            <a:spLocks noGrp="1"/>
-          </p:cNvSpPr>
-          <p:nvPr>
-            <p:ph idx="1"/>
-          </p:nvPr>
-        </p:nvSpPr>
-        <p:spPr>
-          <a:xfrm>
-            <a:off x="483848" y="1150912"/>
-            <a:ext cx="8051725" cy="4564087"/>
-          </a:xfrm>
-        </p:spPr>
-        <p:txBody>
-          <a:bodyPr>
-            <a:noAutofit/>
-          </a:bodyPr>
-          <a:lstStyle/>
-          <a:p>
-            <a:pPr marL="0" indent="0">
-              <a:buNone/>
-            </a:pPr>
-            <a:r>
-              <a:rPr lang="en-US" dirty="0">
-                <a:latin typeface="Gill Sans MT" panose="020B0502020104020203" pitchFamily="34" charset="77"/>
-              </a:rPr>
-              <a:t>Let's manually add test scores to a database.</a:t>
-            </a:r>
-          </a:p>
-          <a:p>
-            <a:pPr marL="0" indent="0">
-              <a:buNone/>
-            </a:pPr>
-            <a:endParaRPr lang="en-US" dirty="0">
-              <a:latin typeface="Gill Sans MT" panose="020B0502020104020203" pitchFamily="34" charset="77"/>
-            </a:endParaRPr>
-          </a:p>
-          <a:p>
-            <a:pPr marL="0" indent="0">
-              <a:buNone/>
-            </a:pPr>
-            <a:r>
-              <a:rPr lang="en-US" b="1" dirty="0">
-                <a:solidFill>
-                  <a:srgbClr val="000087"/>
-                </a:solidFill>
-                <a:latin typeface="Inconsolata Medium" panose="020B0609030003000000" pitchFamily="49" charset="77"/>
-              </a:rPr>
-              <a:t>database </a:t>
-            </a:r>
-            <a:r>
-              <a:rPr lang="en-US" b="1" dirty="0">
-                <a:solidFill>
-                  <a:srgbClr val="545454"/>
-                </a:solidFill>
-                <a:latin typeface="Inconsolata Medium" panose="020B0609030003000000" pitchFamily="49" charset="77"/>
-              </a:rPr>
-              <a:t>= </a:t>
-            </a:r>
-            <a:r>
-              <a:rPr lang="en-US" b="1" dirty="0">
-                <a:latin typeface="Inconsolata Medium" panose="020B0609030003000000" pitchFamily="49" charset="77"/>
-              </a:rPr>
-              <a:t>{</a:t>
-            </a:r>
-            <a:r>
-              <a:rPr lang="en-US" b="1" dirty="0">
-                <a:solidFill>
-                  <a:srgbClr val="CC3300"/>
-                </a:solidFill>
-                <a:latin typeface="Inconsolata Medium" panose="020B0609030003000000" pitchFamily="49" charset="77"/>
-              </a:rPr>
-              <a:t>'Mike'</a:t>
-            </a:r>
-            <a:r>
-              <a:rPr lang="en-US" b="1" dirty="0">
-                <a:latin typeface="Inconsolata Medium" panose="020B0609030003000000" pitchFamily="49" charset="77"/>
-              </a:rPr>
-              <a:t>:</a:t>
-            </a:r>
-            <a:r>
-              <a:rPr lang="en-US" b="1" dirty="0">
-                <a:solidFill>
-                  <a:srgbClr val="FF6600"/>
-                </a:solidFill>
-                <a:latin typeface="Inconsolata Medium" panose="020B0609030003000000" pitchFamily="49" charset="77"/>
-              </a:rPr>
-              <a:t>[70]</a:t>
-            </a:r>
-            <a:r>
-              <a:rPr lang="en-US" b="1" dirty="0">
-                <a:latin typeface="Inconsolata Medium" panose="020B0609030003000000" pitchFamily="49" charset="77"/>
-              </a:rPr>
-              <a:t>, </a:t>
-            </a:r>
-            <a:r>
-              <a:rPr lang="en-US" b="1" dirty="0">
-                <a:solidFill>
-                  <a:srgbClr val="CC3300"/>
-                </a:solidFill>
-                <a:latin typeface="Inconsolata Medium" panose="020B0609030003000000" pitchFamily="49" charset="77"/>
-              </a:rPr>
-              <a:t>'Sarah'</a:t>
-            </a:r>
-            <a:r>
-              <a:rPr lang="en-US" b="1" dirty="0">
-                <a:latin typeface="Inconsolata Medium" panose="020B0609030003000000" pitchFamily="49" charset="77"/>
-              </a:rPr>
-              <a:t>:</a:t>
-            </a:r>
-            <a:r>
-              <a:rPr lang="en-US" b="1" dirty="0">
-                <a:solidFill>
-                  <a:srgbClr val="FF6600"/>
-                </a:solidFill>
-                <a:latin typeface="Inconsolata Medium" panose="020B0609030003000000" pitchFamily="49" charset="77"/>
-              </a:rPr>
-              <a:t>[88]</a:t>
-            </a:r>
-            <a:r>
-              <a:rPr lang="en-US" b="1" dirty="0">
-                <a:latin typeface="Inconsolata Medium" panose="020B0609030003000000" pitchFamily="49" charset="77"/>
-              </a:rPr>
-              <a:t>} </a:t>
-            </a:r>
-          </a:p>
-          <a:p>
-            <a:pPr marL="0" indent="0">
-              <a:buNone/>
-            </a:pPr>
-            <a:r>
-              <a:rPr lang="en-US" b="1" dirty="0" err="1">
-                <a:solidFill>
-                  <a:srgbClr val="000087"/>
-                </a:solidFill>
-                <a:latin typeface="Inconsolata Medium" panose="020B0609030003000000" pitchFamily="49" charset="77"/>
-              </a:rPr>
-              <a:t>names_to_add</a:t>
-            </a:r>
-            <a:r>
-              <a:rPr lang="en-US" b="1" dirty="0">
-                <a:solidFill>
-                  <a:srgbClr val="000087"/>
-                </a:solidFill>
-                <a:latin typeface="Inconsolata Medium" panose="020B0609030003000000" pitchFamily="49" charset="77"/>
-              </a:rPr>
-              <a:t> </a:t>
-            </a:r>
-            <a:r>
-              <a:rPr lang="en-US" b="1" dirty="0">
-                <a:solidFill>
-                  <a:srgbClr val="545454"/>
-                </a:solidFill>
-                <a:latin typeface="Inconsolata Medium" panose="020B0609030003000000" pitchFamily="49" charset="77"/>
-              </a:rPr>
-              <a:t>= </a:t>
-            </a:r>
-            <a:r>
-              <a:rPr lang="en-US" b="1" dirty="0">
-                <a:latin typeface="Inconsolata Medium" panose="020B0609030003000000" pitchFamily="49" charset="77"/>
-              </a:rPr>
-              <a:t>[(</a:t>
-            </a:r>
-            <a:r>
-              <a:rPr lang="en-US" b="1" dirty="0">
-                <a:solidFill>
-                  <a:srgbClr val="CC3300"/>
-                </a:solidFill>
-                <a:latin typeface="Inconsolata Medium" panose="020B0609030003000000" pitchFamily="49" charset="77"/>
-              </a:rPr>
-              <a:t>'Sarah',</a:t>
-            </a:r>
-            <a:r>
-              <a:rPr lang="en-US" b="1" dirty="0">
-                <a:solidFill>
-                  <a:srgbClr val="FF6600"/>
-                </a:solidFill>
-                <a:latin typeface="Inconsolata Medium" panose="020B0609030003000000" pitchFamily="49" charset="77"/>
-              </a:rPr>
-              <a:t>75</a:t>
-            </a:r>
-            <a:r>
-              <a:rPr lang="en-US" b="1" dirty="0">
-                <a:latin typeface="Inconsolata Medium" panose="020B0609030003000000" pitchFamily="49" charset="77"/>
-              </a:rPr>
-              <a:t>), (</a:t>
-            </a:r>
-            <a:r>
-              <a:rPr lang="en-US" b="1" dirty="0">
-                <a:solidFill>
-                  <a:srgbClr val="CC3300"/>
-                </a:solidFill>
-                <a:latin typeface="Inconsolata Medium" panose="020B0609030003000000" pitchFamily="49" charset="77"/>
-              </a:rPr>
-              <a:t>'John',</a:t>
-            </a:r>
-            <a:r>
-              <a:rPr lang="en-US" b="1" dirty="0">
-                <a:solidFill>
-                  <a:srgbClr val="FF6600"/>
-                </a:solidFill>
-                <a:latin typeface="Inconsolata Medium" panose="020B0609030003000000" pitchFamily="49" charset="77"/>
-              </a:rPr>
-              <a:t>90</a:t>
-            </a:r>
-            <a:r>
-              <a:rPr lang="en-US" b="1" dirty="0">
-                <a:latin typeface="Inconsolata Medium" panose="020B0609030003000000" pitchFamily="49" charset="77"/>
-              </a:rPr>
-              <a:t>),</a:t>
-            </a:r>
-            <a:r>
-              <a:rPr lang="en-US" b="1" dirty="0">
-                <a:solidFill>
-                  <a:srgbClr val="FF6600"/>
-                </a:solidFill>
-                <a:latin typeface="Inconsolata Medium" panose="020B0609030003000000" pitchFamily="49" charset="77"/>
-              </a:rPr>
-              <a:t> </a:t>
-            </a:r>
-            <a:r>
-              <a:rPr lang="en-US" b="1" dirty="0">
-                <a:latin typeface="Inconsolata Medium" panose="020B0609030003000000" pitchFamily="49" charset="77"/>
-              </a:rPr>
-              <a:t>(</a:t>
-            </a:r>
-            <a:r>
-              <a:rPr lang="en-US" b="1" dirty="0">
-                <a:solidFill>
-                  <a:srgbClr val="CC3300"/>
-                </a:solidFill>
-                <a:latin typeface="Inconsolata Medium" panose="020B0609030003000000" pitchFamily="49" charset="77"/>
-              </a:rPr>
-              <a:t>'Mike'</a:t>
-            </a:r>
-            <a:r>
-              <a:rPr lang="en-US" b="1" dirty="0">
-                <a:solidFill>
-                  <a:srgbClr val="FF6600"/>
-                </a:solidFill>
-                <a:latin typeface="Inconsolata Medium" panose="020B0609030003000000" pitchFamily="49" charset="77"/>
-              </a:rPr>
-              <a:t>,81</a:t>
-            </a:r>
-            <a:r>
-              <a:rPr lang="en-US" b="1" dirty="0">
-                <a:latin typeface="Inconsolata Medium" panose="020B0609030003000000" pitchFamily="49" charset="77"/>
-              </a:rPr>
-              <a:t>)]</a:t>
-            </a:r>
-          </a:p>
-          <a:p>
-            <a:pPr marL="0" indent="0">
-              <a:buNone/>
-            </a:pPr>
-            <a:r>
-              <a:rPr lang="en-US" b="1" dirty="0">
-                <a:solidFill>
-                  <a:srgbClr val="000087"/>
-                </a:solidFill>
-                <a:latin typeface="Inconsolata Medium" panose="020B0609030003000000" pitchFamily="49" charset="77"/>
-              </a:rPr>
-              <a:t>name, score = </a:t>
-            </a:r>
-            <a:r>
-              <a:rPr lang="en-US" b="1" dirty="0" err="1">
-                <a:solidFill>
-                  <a:srgbClr val="000087"/>
-                </a:solidFill>
-                <a:latin typeface="Inconsolata Medium" panose="020B0609030003000000" pitchFamily="49" charset="77"/>
-              </a:rPr>
-              <a:t>names_to_add</a:t>
-            </a:r>
-            <a:r>
-              <a:rPr lang="en-US" b="1" dirty="0">
-                <a:solidFill>
-                  <a:srgbClr val="000087"/>
-                </a:solidFill>
-                <a:latin typeface="Inconsolata Medium" panose="020B0609030003000000" pitchFamily="49" charset="77"/>
-              </a:rPr>
-              <a:t>[0</a:t>
-            </a:r>
-            <a:r>
-              <a:rPr lang="en-US" b="1">
-                <a:solidFill>
-                  <a:srgbClr val="000087"/>
-                </a:solidFill>
-                <a:latin typeface="Inconsolata Medium" panose="020B0609030003000000" pitchFamily="49" charset="77"/>
-              </a:rPr>
-              <a:t>] </a:t>
-            </a:r>
-            <a:r>
-              <a:rPr lang="en-US" b="1">
-                <a:solidFill>
-                  <a:srgbClr val="336666"/>
-                </a:solidFill>
-                <a:latin typeface="Inconsolata Medium" panose="020B0609030003000000" pitchFamily="49" charset="77"/>
-              </a:rPr>
-              <a:t># </a:t>
-            </a:r>
-            <a:r>
-              <a:rPr lang="en-US" b="1" dirty="0">
-                <a:solidFill>
-                  <a:srgbClr val="336666"/>
-                </a:solidFill>
-                <a:latin typeface="Inconsolata Medium" panose="020B0609030003000000" pitchFamily="49" charset="77"/>
-              </a:rPr>
-              <a:t>unpacking </a:t>
-            </a:r>
-            <a:r>
-              <a:rPr lang="en-US" b="1">
-                <a:solidFill>
-                  <a:srgbClr val="336666"/>
-                </a:solidFill>
-                <a:latin typeface="Inconsolata Medium" panose="020B0609030003000000" pitchFamily="49" charset="77"/>
-              </a:rPr>
-              <a:t>Sarah's info</a:t>
-            </a:r>
-            <a:endParaRPr lang="en-US" b="1" dirty="0">
-              <a:solidFill>
-                <a:srgbClr val="000087"/>
-              </a:solidFill>
-              <a:latin typeface="Inconsolata Medium" panose="020B0609030003000000" pitchFamily="49" charset="77"/>
-            </a:endParaRPr>
-          </a:p>
-          <a:p>
-            <a:pPr marL="0" indent="0">
-              <a:buNone/>
-            </a:pPr>
-            <a:r>
-              <a:rPr lang="en-US" b="1" dirty="0">
-                <a:solidFill>
-                  <a:srgbClr val="000087"/>
-                </a:solidFill>
-                <a:latin typeface="Inconsolata Medium" panose="020B0609030003000000" pitchFamily="49" charset="77"/>
-              </a:rPr>
-              <a:t>database[name].append(score)</a:t>
-            </a:r>
-          </a:p>
-          <a:p>
-            <a:pPr marL="0" indent="0">
-              <a:buNone/>
-            </a:pPr>
-            <a:endParaRPr lang="en-US" b="1" dirty="0">
-              <a:solidFill>
-                <a:srgbClr val="336666"/>
-              </a:solidFill>
-              <a:latin typeface="Inconsolata Medium" panose="020B0609030003000000" pitchFamily="49" charset="77"/>
-            </a:endParaRPr>
-          </a:p>
-          <a:p>
-            <a:pPr marL="0" indent="0">
-              <a:buNone/>
-            </a:pPr>
-            <a:endParaRPr lang="en-US" dirty="0"/>
-          </a:p>
-        </p:txBody>
-      </p:sp>
-    </p:spTree>
-    <p:extLst>
-      <p:ext uri="{BB962C8B-B14F-4D97-AF65-F5344CB8AC3E}">
-        <p14:creationId xmlns:p14="http://schemas.microsoft.com/office/powerpoint/2010/main" val="994161803"/>
-      </p:ext>
-    </p:extLst>
-  </p:cSld>
-  <p:clrMapOvr>
-    <a:masterClrMapping/>
-  </p:clrMapOvr>
-</p:sld>
-</file>
-
 <file path=ppt/slides/slide26.xml><?xml version="1.0" encoding="utf-8"?>
 <p:sld xmlns:a="http://schemas.openxmlformats.org/drawingml/2006/main" xmlns:r="http://schemas.openxmlformats.org/officeDocument/2006/relationships" xmlns:p="http://schemas.openxmlformats.org/presentationml/2006/main">
   <p:cSld>
@@ -15041,6 +15254,17 @@
               <a:buNone/>
             </a:pPr>
             <a:r>
+              <a:rPr lang="en-US" dirty="0">
+                <a:latin typeface="Gill Sans MT" panose="020B0502020104020203" pitchFamily="34" charset="77"/>
+              </a:rPr>
+              <a:t>Let's manually add test scores to a database.</a:t>
+            </a:r>
+          </a:p>
+          <a:p>
+            <a:pPr marL="0" indent="0">
+              <a:buNone/>
+            </a:pPr>
+            <a:r>
               <a:rPr lang="en-US" b="1" dirty="0">
                 <a:solidFill>
                   <a:srgbClr val="000087"/>
@@ -15208,45 +15432,6 @@
               <a:rPr lang="en-US" b="1" dirty="0">
                 <a:latin typeface="Inconsolata Medium" panose="020B0609030003000000" pitchFamily="49" charset="77"/>
               </a:rPr>
-              <a:t>),</a:t>
-            </a:r>
-            <a:r>
-              <a:rPr lang="en-US" b="1" dirty="0">
-                <a:solidFill>
-                  <a:srgbClr val="FF6600"/>
-                </a:solidFill>
-                <a:latin typeface="Inconsolata Medium" panose="020B0609030003000000" pitchFamily="49" charset="77"/>
-              </a:rPr>
-              <a:t> </a:t>
-            </a:r>
-            <a:r>
-              <a:rPr lang="en-US" b="1" dirty="0">
-                <a:latin typeface="Inconsolata Medium" panose="020B0609030003000000" pitchFamily="49" charset="77"/>
-              </a:rPr>
-              <a:t>(</a:t>
-            </a:r>
-            <a:r>
-              <a:rPr lang="en-US" b="1" dirty="0">
-                <a:solidFill>
-                  <a:srgbClr val="CC3300"/>
-                </a:solidFill>
-                <a:latin typeface="Inconsolata Medium" panose="020B0609030003000000" pitchFamily="49" charset="77"/>
-              </a:rPr>
-              <a:t>'Mike'</a:t>
-            </a:r>
-            <a:r>
-              <a:rPr lang="en-US" b="1" dirty="0">
-                <a:solidFill>
-                  <a:srgbClr val="FF6600"/>
-                </a:solidFill>
-                <a:latin typeface="Inconsolata Medium" panose="020B0609030003000000" pitchFamily="49" charset="77"/>
-              </a:rPr>
-              <a:t>,81</a:t>
-            </a:r>
-            <a:r>
-              <a:rPr lang="en-US" b="1" dirty="0">
-                <a:latin typeface="Inconsolata Medium" panose="020B0609030003000000" pitchFamily="49" charset="77"/>
-              </a:rPr>
               <a:t>)]</a:t>
             </a:r>
           </a:p>
@@ -15254,48 +15439,34 @@
             <a:pPr marL="0" indent="0">
               <a:buNone/>
             </a:pPr>
-            <a:endParaRPr lang="en-US" dirty="0"/>
-          </a:p>
-          <a:p>
-            <a:pPr marL="0" indent="0">
-              <a:buNone/>
-            </a:pPr>
-            <a:r>
-              <a:rPr lang="en-US" dirty="0"/>
-              <a:t>We can add new records into our database:</a:t>
-            </a:r>
-            <a:endParaRPr lang="en-US" sz="2000" dirty="0"/>
-          </a:p>
-          <a:p>
-            <a:pPr marL="0" indent="0">
-              <a:buNone/>
-            </a:pPr>
-            <a:r>
-              <a:rPr lang="en-US" sz="2000" b="1" dirty="0">
-                <a:solidFill>
-                  <a:srgbClr val="006699"/>
-                </a:solidFill>
-                <a:latin typeface="Inconsolata Medium" panose="020B0609030003000000" pitchFamily="49" charset="77"/>
-              </a:rPr>
-              <a:t>for </a:t>
-            </a:r>
-            <a:r>
-              <a:rPr lang="en-US" sz="2000" b="1" dirty="0">
+            <a:r>
+              <a:rPr lang="en-US" b="1" dirty="0">
+                <a:solidFill>
+                  <a:srgbClr val="336666"/>
+                </a:solidFill>
+                <a:latin typeface="Inconsolata Medium" panose="020B0609030003000000" pitchFamily="49" charset="77"/>
+              </a:rPr>
+              <a:t># unpacking Sarah's info</a:t>
+            </a:r>
+            <a:endParaRPr lang="en-US" b="1" dirty="0">
+              <a:latin typeface="Inconsolata Medium" panose="020B0609030003000000" pitchFamily="49" charset="77"/>
+            </a:endParaRPr>
+          </a:p>
+          <a:p>
+            <a:pPr marL="0" indent="0">
+              <a:buNone/>
+            </a:pPr>
+            <a:r>
+              <a:rPr lang="en-US" b="1" dirty="0">
                 <a:solidFill>
                   <a:srgbClr val="000087"/>
                 </a:solidFill>
                 <a:latin typeface="Inconsolata Medium" panose="020B0609030003000000" pitchFamily="49" charset="77"/>
               </a:rPr>
-              <a:t>student </a:t>
-            </a:r>
-            <a:r>
-              <a:rPr lang="en-US" sz="2000" b="1" dirty="0">
-                <a:latin typeface="Inconsolata Medium" panose="020B0609030003000000" pitchFamily="49" charset="77"/>
-              </a:rPr>
-              <a:t>in </a:t>
-            </a:r>
-            <a:r>
-              <a:rPr lang="en-US" sz="2000" b="1" dirty="0" err="1">
+              <a:t>name, score = </a:t>
+            </a:r>
+            <a:r>
+              <a:rPr lang="en-US" b="1" dirty="0" err="1">
                 <a:solidFill>
                   <a:srgbClr val="000087"/>
                 </a:solidFill>
@@ -15304,286 +15475,112 @@
               <a:t>names_to_add</a:t>
             </a:r>
             <a:r>
-              <a:rPr lang="en-US" sz="2000" b="1" dirty="0">
+              <a:rPr lang="en-US" b="1" dirty="0">
+                <a:solidFill>
+                  <a:srgbClr val="000087"/>
+                </a:solidFill>
+                <a:latin typeface="Inconsolata Medium" panose="020B0609030003000000" pitchFamily="49" charset="77"/>
+              </a:rPr>
+              <a:t>[0] </a:t>
+            </a:r>
+          </a:p>
+          <a:p>
+            <a:pPr marL="0" indent="0">
+              <a:buNone/>
+            </a:pPr>
+            <a:r>
+              <a:rPr lang="en-US" b="1" dirty="0">
                 <a:solidFill>
                   <a:srgbClr val="336666"/>
                 </a:solidFill>
                 <a:latin typeface="Inconsolata Medium" panose="020B0609030003000000" pitchFamily="49" charset="77"/>
               </a:rPr>
-              <a:t>:</a:t>
-            </a:r>
-          </a:p>
-          <a:p>
-            <a:pPr marL="0" indent="0">
-              <a:buNone/>
-            </a:pPr>
-            <a:r>
-              <a:rPr lang="en-US" sz="2000" b="1" dirty="0">
+              <a:t># since 'Sarah' is already in database</a:t>
+            </a:r>
+            <a:endParaRPr lang="en-US" b="1" dirty="0">
+              <a:solidFill>
+                <a:srgbClr val="000087"/>
+              </a:solidFill>
+              <a:latin typeface="Inconsolata Medium" panose="020B0609030003000000" pitchFamily="49" charset="77"/>
+            </a:endParaRPr>
+          </a:p>
+          <a:p>
+            <a:pPr marL="0" indent="0">
+              <a:buNone/>
+            </a:pPr>
+            <a:r>
+              <a:rPr lang="en-US" b="1" dirty="0">
                 <a:solidFill>
                   <a:srgbClr val="000087"/>
                 </a:solidFill>
                 <a:latin typeface="Inconsolata Medium" panose="020B0609030003000000" pitchFamily="49" charset="77"/>
               </a:rPr>
-              <a:t>	name, score = student  </a:t>
-            </a:r>
-            <a:r>
-              <a:rPr lang="en-US" sz="2000" b="1" dirty="0">
+              <a:t>database[name].append(score) </a:t>
+            </a:r>
+            <a:r>
+              <a:rPr lang="en-US" b="1" dirty="0">
                 <a:solidFill>
                   <a:srgbClr val="336666"/>
                 </a:solidFill>
                 <a:latin typeface="Inconsolata Medium" panose="020B0609030003000000" pitchFamily="49" charset="77"/>
               </a:rPr>
-              <a:t># tuple unpacking </a:t>
-            </a:r>
-          </a:p>
-          <a:p>
-            <a:pPr marL="0" indent="0">
-              <a:buNone/>
-            </a:pPr>
-            <a:r>
-              <a:rPr lang="en-US" sz="2000" b="1" dirty="0">
+              <a:t># add Sarah's score</a:t>
+            </a:r>
+          </a:p>
+          <a:p>
+            <a:pPr marL="0" indent="0">
+              <a:buNone/>
+            </a:pPr>
+            <a:r>
+              <a:rPr lang="en-US" b="1" dirty="0">
                 <a:solidFill>
                   <a:srgbClr val="336666"/>
                 </a:solidFill>
                 <a:latin typeface="Inconsolata Medium" panose="020B0609030003000000" pitchFamily="49" charset="77"/>
               </a:rPr>
-              <a:t>	if </a:t>
-            </a:r>
-            <a:r>
-              <a:rPr lang="en-US" sz="2000" b="1" dirty="0">
+              <a:t>					    # to her record</a:t>
+            </a:r>
+          </a:p>
+          <a:p>
+            <a:pPr marL="0" indent="0">
+              <a:buNone/>
+            </a:pPr>
+            <a:r>
+              <a:rPr lang="en-US" b="1" dirty="0">
+                <a:solidFill>
+                  <a:srgbClr val="336666"/>
+                </a:solidFill>
+                <a:latin typeface="Inconsolata Medium" panose="020B0609030003000000" pitchFamily="49" charset="77"/>
+              </a:rPr>
+              <a:t># since 'John' is not in database, need to initialize</a:t>
+            </a:r>
+          </a:p>
+          <a:p>
+            <a:pPr marL="0" indent="0">
+              <a:buNone/>
+            </a:pPr>
+            <a:r>
+              <a:rPr lang="en-US" b="1" dirty="0">
                 <a:solidFill>
                   <a:srgbClr val="000087"/>
                 </a:solidFill>
                 <a:latin typeface="Inconsolata Medium" panose="020B0609030003000000" pitchFamily="49" charset="77"/>
               </a:rPr>
-              <a:t>name</a:t>
-            </a:r>
-            <a:r>
-              <a:rPr lang="en-US" sz="2000" b="1" dirty="0">
-                <a:solidFill>
-                  <a:srgbClr val="336666"/>
-                </a:solidFill>
-                <a:latin typeface="Inconsolata Medium" panose="020B0609030003000000" pitchFamily="49" charset="77"/>
-              </a:rPr>
-              <a:t> in </a:t>
-            </a:r>
-            <a:r>
-              <a:rPr lang="en-US" sz="2000" b="1" dirty="0">
+              <a:t>database['John'] = []</a:t>
+            </a:r>
+          </a:p>
+          <a:p>
+            <a:pPr marL="0" indent="0">
+              <a:buNone/>
+            </a:pPr>
+            <a:r>
+              <a:rPr lang="en-US" b="1" dirty="0">
                 <a:solidFill>
                   <a:srgbClr val="000087"/>
                 </a:solidFill>
                 <a:latin typeface="Inconsolata Medium" panose="020B0609030003000000" pitchFamily="49" charset="77"/>
               </a:rPr>
-              <a:t>database</a:t>
-            </a:r>
-            <a:r>
-              <a:rPr lang="en-US" sz="2000" b="1" dirty="0">
-                <a:solidFill>
-                  <a:srgbClr val="336666"/>
-                </a:solidFill>
-                <a:latin typeface="Inconsolata Medium" panose="020B0609030003000000" pitchFamily="49" charset="77"/>
-              </a:rPr>
-              <a:t>:</a:t>
-            </a:r>
-          </a:p>
-          <a:p>
-            <a:pPr marL="0" indent="0">
-              <a:buNone/>
-            </a:pPr>
-            <a:r>
-              <a:rPr lang="en-US" sz="2000" b="1" dirty="0">
-                <a:solidFill>
-                  <a:srgbClr val="336666"/>
-                </a:solidFill>
-                <a:latin typeface="Inconsolata Medium" panose="020B0609030003000000" pitchFamily="49" charset="77"/>
-              </a:rPr>
-              <a:t>		</a:t>
-            </a:r>
-            <a:r>
-              <a:rPr lang="en-US" sz="2000" b="1" dirty="0">
-                <a:solidFill>
-                  <a:srgbClr val="000087"/>
-                </a:solidFill>
-                <a:latin typeface="Inconsolata Medium" panose="020B0609030003000000" pitchFamily="49" charset="77"/>
-              </a:rPr>
-              <a:t>database</a:t>
-            </a:r>
-            <a:r>
-              <a:rPr lang="en-US" sz="2000" b="1" dirty="0">
-                <a:solidFill>
-                  <a:srgbClr val="336666"/>
-                </a:solidFill>
-                <a:latin typeface="Inconsolata Medium" panose="020B0609030003000000" pitchFamily="49" charset="77"/>
-              </a:rPr>
-              <a:t>[name].</a:t>
-            </a:r>
-            <a:r>
-              <a:rPr lang="en-US" sz="2000" b="1" dirty="0">
-                <a:solidFill>
-                  <a:srgbClr val="000087"/>
-                </a:solidFill>
-                <a:latin typeface="Inconsolata Medium" panose="020B0609030003000000" pitchFamily="49" charset="77"/>
-              </a:rPr>
-              <a:t>append</a:t>
-            </a:r>
-            <a:r>
-              <a:rPr lang="en-US" sz="2000" b="1" dirty="0">
-                <a:solidFill>
-                  <a:srgbClr val="336666"/>
-                </a:solidFill>
-                <a:latin typeface="Inconsolata Medium" panose="020B0609030003000000" pitchFamily="49" charset="77"/>
-              </a:rPr>
-              <a:t>(</a:t>
-            </a:r>
-            <a:r>
-              <a:rPr lang="en-US" sz="2000" b="1" dirty="0">
-                <a:solidFill>
-                  <a:srgbClr val="CC3300"/>
-                </a:solidFill>
-                <a:latin typeface="Inconsolata Medium" panose="020B0609030003000000" pitchFamily="49" charset="77"/>
-              </a:rPr>
-              <a:t>score</a:t>
-            </a:r>
-            <a:r>
-              <a:rPr lang="en-US" sz="2000" b="1" dirty="0">
-                <a:solidFill>
-                  <a:srgbClr val="336666"/>
-                </a:solidFill>
-                <a:latin typeface="Inconsolata Medium" panose="020B0609030003000000" pitchFamily="49" charset="77"/>
-              </a:rPr>
-              <a:t>)</a:t>
-            </a:r>
-          </a:p>
-          <a:p>
-            <a:pPr marL="0" indent="0">
-              <a:buNone/>
-            </a:pPr>
-            <a:r>
-              <a:rPr lang="en-US" sz="2000" b="1" dirty="0">
-                <a:solidFill>
-                  <a:srgbClr val="336666"/>
-                </a:solidFill>
-                <a:latin typeface="Inconsolata Medium" panose="020B0609030003000000" pitchFamily="49" charset="77"/>
-              </a:rPr>
-              <a:t>	else:</a:t>
-            </a:r>
-          </a:p>
-          <a:p>
-            <a:pPr marL="0" indent="0">
-              <a:buNone/>
-            </a:pPr>
-            <a:r>
-              <a:rPr lang="en-US" sz="2000" b="1" dirty="0">
-                <a:solidFill>
-                  <a:srgbClr val="336666"/>
-                </a:solidFill>
-                <a:latin typeface="Inconsolata Medium" panose="020B0609030003000000" pitchFamily="49" charset="77"/>
-              </a:rPr>
-              <a:t>		</a:t>
-            </a:r>
-            <a:r>
-              <a:rPr lang="en-US" sz="2000" b="1" dirty="0">
-                <a:solidFill>
-                  <a:srgbClr val="000087"/>
-                </a:solidFill>
-                <a:latin typeface="Inconsolata Medium" panose="020B0609030003000000" pitchFamily="49" charset="77"/>
-              </a:rPr>
-              <a:t>database</a:t>
-            </a:r>
-            <a:r>
-              <a:rPr lang="en-US" sz="2000" b="1" dirty="0">
-                <a:solidFill>
-                  <a:srgbClr val="336666"/>
-                </a:solidFill>
-                <a:latin typeface="Inconsolata Medium" panose="020B0609030003000000" pitchFamily="49" charset="77"/>
-              </a:rPr>
-              <a:t>[name] = </a:t>
-            </a:r>
-            <a:r>
-              <a:rPr lang="en-US" sz="2000" b="1" dirty="0">
-                <a:solidFill>
-                  <a:srgbClr val="CC3300"/>
-                </a:solidFill>
-                <a:latin typeface="Inconsolata Medium" panose="020B0609030003000000" pitchFamily="49" charset="77"/>
-              </a:rPr>
-              <a:t>[]  </a:t>
-            </a:r>
-            <a:r>
-              <a:rPr lang="en-US" sz="2000" b="1" dirty="0">
-                <a:solidFill>
-                  <a:srgbClr val="336666"/>
-                </a:solidFill>
-                <a:latin typeface="Inconsolata Medium" panose="020B0609030003000000" pitchFamily="49" charset="77"/>
-              </a:rPr>
-              <a:t># create new key/value </a:t>
-            </a:r>
-          </a:p>
-          <a:p>
-            <a:pPr marL="0" indent="0">
-              <a:buNone/>
-            </a:pPr>
-            <a:r>
-              <a:rPr lang="en-US" sz="2000" b="1" dirty="0">
-                <a:solidFill>
-                  <a:srgbClr val="336666"/>
-                </a:solidFill>
-                <a:latin typeface="Inconsolata Medium" panose="020B0609030003000000" pitchFamily="49" charset="77"/>
-              </a:rPr>
-              <a:t>		</a:t>
-            </a:r>
-            <a:r>
-              <a:rPr lang="en-US" sz="2000" b="1" dirty="0">
-                <a:solidFill>
-                  <a:srgbClr val="000087"/>
-                </a:solidFill>
-                <a:latin typeface="Inconsolata Medium" panose="020B0609030003000000" pitchFamily="49" charset="77"/>
-              </a:rPr>
-              <a:t>database</a:t>
-            </a:r>
-            <a:r>
-              <a:rPr lang="en-US" sz="2000" b="1" dirty="0">
-                <a:solidFill>
-                  <a:srgbClr val="336666"/>
-                </a:solidFill>
-                <a:latin typeface="Inconsolata Medium" panose="020B0609030003000000" pitchFamily="49" charset="77"/>
-              </a:rPr>
-              <a:t>[name].</a:t>
-            </a:r>
-            <a:r>
-              <a:rPr lang="en-US" sz="2000" b="1" dirty="0">
-                <a:solidFill>
-                  <a:srgbClr val="000087"/>
-                </a:solidFill>
-                <a:latin typeface="Inconsolata Medium" panose="020B0609030003000000" pitchFamily="49" charset="77"/>
-              </a:rPr>
-              <a:t>append</a:t>
-            </a:r>
-            <a:r>
-              <a:rPr lang="en-US" sz="2000" b="1" dirty="0">
-                <a:solidFill>
-                  <a:srgbClr val="336666"/>
-                </a:solidFill>
-                <a:latin typeface="Inconsolata Medium" panose="020B0609030003000000" pitchFamily="49" charset="77"/>
-              </a:rPr>
-              <a:t>(</a:t>
-            </a:r>
-            <a:r>
-              <a:rPr lang="en-US" sz="2000" b="1" dirty="0">
-                <a:solidFill>
-                  <a:srgbClr val="CC3300"/>
-                </a:solidFill>
-                <a:latin typeface="Inconsolata Medium" panose="020B0609030003000000" pitchFamily="49" charset="77"/>
-              </a:rPr>
-              <a:t>score</a:t>
-            </a:r>
-            <a:r>
-              <a:rPr lang="en-US" sz="2000" b="1" dirty="0">
-                <a:solidFill>
-                  <a:srgbClr val="336666"/>
-                </a:solidFill>
-                <a:latin typeface="Inconsolata Medium" panose="020B0609030003000000" pitchFamily="49" charset="77"/>
-              </a:rPr>
-              <a:t>) # add score to list </a:t>
+              <a:t>database['John'].append(90)</a:t>
             </a:r>
           </a:p>
           <a:p>
@@ -15608,7 +15605,7 @@
     </p:spTree>
     <p:extLst>
       <p:ext uri="{BB962C8B-B14F-4D97-AF65-F5344CB8AC3E}">
-        <p14:creationId xmlns:p14="http://schemas.microsoft.com/office/powerpoint/2010/main" val="1701624766"/>
+        <p14:creationId xmlns:p14="http://schemas.microsoft.com/office/powerpoint/2010/main" val="994161803"/>
       </p:ext>
     </p:extLst>
   </p:cSld>
@@ -15715,15 +15712,33 @@
                                   </p:childTnLst>
                                 </p:cTn>
                               </p:par>
+                            </p:childTnLst>
+                          </p:cTn>
+                        </p:par>
+                      </p:childTnLst>
+                    </p:cTn>
+                  </p:par>
+                  <p:par>
+                    <p:cTn id="11" fill="hold">
+                      <p:stCondLst>
+                        <p:cond delay="indefinite"/>
+                      </p:stCondLst>
+                      <p:childTnLst>
+                        <p:par>
+                          <p:cTn id="12" fill="hold">
+                            <p:stCondLst>
+                              <p:cond delay="0"/>
+                            </p:stCondLst>
+                            <p:childTnLst>
                               <p:par>
-                                <p:cTn id="11" presetID="1" presetClass="entr" presetSubtype="0" fill="hold" nodeType="withEffect">
+                                <p:cTn id="13" presetID="1" presetClass="entr" presetSubtype="0" fill="hold" nodeType="clickEffect">
                                   <p:stCondLst>
                                     <p:cond delay="0"/>
                                   </p:stCondLst>
                                   <p:childTnLst>
                                     <p:set>
                                       <p:cBhvr>
-                                        <p:cTn id="12" dur="1" fill="hold">
+                                        <p:cTn id="14" dur="1" fill="hold">
                                           <p:stCondLst>
                                             <p:cond delay="0"/>
                                           </p:stCondLst>
@@ -15746,15 +15761,33 @@
                                   </p:childTnLst>
                                 </p:cTn>
                               </p:par>
+                            </p:childTnLst>
+                          </p:cTn>
+                        </p:par>
+                      </p:childTnLst>
+                    </p:cTn>
+                  </p:par>
+                  <p:par>
+                    <p:cTn id="15" fill="hold">
+                      <p:stCondLst>
+                        <p:cond delay="indefinite"/>
+                      </p:stCondLst>
+                      <p:childTnLst>
+                        <p:par>
+                          <p:cTn id="16" fill="hold">
+                            <p:stCondLst>
+                              <p:cond delay="0"/>
+                            </p:stCondLst>
+                            <p:childTnLst>
                               <p:par>
-                                <p:cTn id="13" presetID="1" presetClass="entr" presetSubtype="0" fill="hold" nodeType="withEffect">
+                                <p:cTn id="17" presetID="1" presetClass="entr" presetSubtype="0" fill="hold" nodeType="clickEffect">
                                   <p:stCondLst>
                                     <p:cond delay="0"/>
                                   </p:stCondLst>
                                   <p:childTnLst>
                                     <p:set>
                                       <p:cBhvr>
-                                        <p:cTn id="14" dur="1" fill="hold">
+                                        <p:cTn id="18" dur="1" fill="hold">
                                           <p:stCondLst>
                                             <p:cond delay="0"/>
                                           </p:stCondLst>
@@ -15778,14 +15811,14 @@
                                 </p:cTn>
                               </p:par>
                               <p:par>
-                                <p:cTn id="15" presetID="1" presetClass="entr" presetSubtype="0" fill="hold" nodeType="withEffect">
+                                <p:cTn id="19" presetID="1" presetClass="entr" presetSubtype="0" fill="hold" nodeType="withEffect">
                                   <p:stCondLst>
                                     <p:cond delay="0"/>
                                   </p:stCondLst>
                                   <p:childTnLst>
                                     <p:set>
                                       <p:cBhvr>
-                                        <p:cTn id="16" dur="1" fill="hold">
+                                        <p:cTn id="20" dur="1" fill="hold">
                                           <p:stCondLst>
                                             <p:cond delay="0"/>
                                           </p:stCondLst>
@@ -15815,26 +15848,26 @@
                     </p:cTn>
                   </p:par>
                   <p:par>
-                    <p:cTn id="17" fill="hold">
+                    <p:cTn id="21" fill="hold">
                       <p:stCondLst>
                         <p:cond delay="indefinite"/>
                       </p:stCondLst>
                       <p:childTnLst>
                         <p:par>
-                          <p:cTn id="18" fill="hold">
+                          <p:cTn id="22" fill="hold">
                             <p:stCondLst>
                               <p:cond delay="0"/>
                             </p:stCondLst>
                             <p:childTnLst>
                               <p:par>
-                                <p:cTn id="19" presetID="1" presetClass="entr" presetSubtype="0" fill="hold" nodeType="clickEffect">
+                                <p:cTn id="23" presetID="1" presetClass="entr" presetSubtype="0" fill="hold" nodeType="clickEffect">
                                   <p:stCondLst>
                                     <p:cond delay="0"/>
                                   </p:stCondLst>
                                   <p:childTnLst>
                                     <p:set>
                                       <p:cBhvr>
-                                        <p:cTn id="20" dur="1" fill="hold">
+                                        <p:cTn id="24" dur="1" fill="hold">
                                           <p:stCondLst>
                                             <p:cond delay="0"/>
                                           </p:stCondLst>
@@ -15857,15 +15890,33 @@
                                   </p:childTnLst>
                                 </p:cTn>
                               </p:par>
+                            </p:childTnLst>
+                          </p:cTn>
+                        </p:par>
+                      </p:childTnLst>
+                    </p:cTn>
+                  </p:par>
+                  <p:par>
+                    <p:cTn id="25" fill="hold">
+                      <p:stCondLst>
+                        <p:cond delay="indefinite"/>
+                      </p:stCondLst>
+                      <p:childTnLst>
+                        <p:par>
+                          <p:cTn id="26" fill="hold">
+                            <p:stCondLst>
+                              <p:cond delay="0"/>
+                            </p:stCondLst>
+                            <p:childTnLst>
                               <p:par>
-                                <p:cTn id="21" presetID="1" presetClass="entr" presetSubtype="0" fill="hold" nodeType="withEffect">
+                                <p:cTn id="27" presetID="1" presetClass="entr" presetSubtype="0" fill="hold" nodeType="clickEffect">
                                   <p:stCondLst>
                                     <p:cond delay="0"/>
                                   </p:stCondLst>
                                   <p:childTnLst>
                                     <p:set>
                                       <p:cBhvr>
-                                        <p:cTn id="22" dur="1" fill="hold">
+                                        <p:cTn id="28" dur="1" fill="hold">
                                           <p:stCondLst>
                                             <p:cond delay="0"/>
                                           </p:stCondLst>
@@ -15888,15 +15939,33 @@
                                   </p:childTnLst>
                                 </p:cTn>
                               </p:par>
+                            </p:childTnLst>
+                          </p:cTn>
+                        </p:par>
+                      </p:childTnLst>
+                    </p:cTn>
+                  </p:par>
+                  <p:par>
+                    <p:cTn id="29" fill="hold">
+                      <p:stCondLst>
+                        <p:cond delay="indefinite"/>
+                      </p:stCondLst>
+                      <p:childTnLst>
+                        <p:par>
+                          <p:cTn id="30" fill="hold">
+                            <p:stCondLst>
+                              <p:cond delay="0"/>
+                            </p:stCondLst>
+                            <p:childTnLst>
                               <p:par>
-                                <p:cTn id="23" presetID="1" presetClass="entr" presetSubtype="0" fill="hold" nodeType="withEffect">
+                                <p:cTn id="31" presetID="1" presetClass="entr" presetSubtype="0" fill="hold" nodeType="clickEffect">
                                   <p:stCondLst>
                                     <p:cond delay="0"/>
                                   </p:stCondLst>
                                   <p:childTnLst>
                                     <p:set>
                                       <p:cBhvr>
-                                        <p:cTn id="24" dur="1" fill="hold">
+                                        <p:cTn id="32" dur="1" fill="hold">
                                           <p:stCondLst>
                                             <p:cond delay="0"/>
                                           </p:stCondLst>
@@ -15951,6 +16020,1128 @@
 </file>
 
 <file path=ppt/slides/slide27.xml><?xml version="1.0" encoding="utf-8"?>
+<p:sld xmlns:a="http://schemas.openxmlformats.org/drawingml/2006/main" xmlns:r="http://schemas.openxmlformats.org/officeDocument/2006/relationships" xmlns:p="http://schemas.openxmlformats.org/presentationml/2006/main">
+  <p:cSld>
+    <p:spTree>
+      <p:nvGrpSpPr>
+        <p:cNvPr id="1" name=""/>
+        <p:cNvGrpSpPr/>
+        <p:nvPr/>
+      </p:nvGrpSpPr>
+      <p:grpSpPr>
+        <a:xfrm>
+          <a:off x="0" y="0"/>
+          <a:ext cx="0" cy="0"/>
+          <a:chOff x="0" y="0"/>
+          <a:chExt cx="0" cy="0"/>
+        </a:xfrm>
+      </p:grpSpPr>
+      <p:sp>
+        <p:nvSpPr>
+          <p:cNvPr id="2" name="Title 1">
+            <a:extLst>
+              <a:ext uri="{FF2B5EF4-FFF2-40B4-BE49-F238E27FC236}">
+                <a16:creationId xmlns:a16="http://schemas.microsoft.com/office/drawing/2014/main" id="{AA3A228F-61D0-D949-A5E7-F83756230BF8}"/>
+              </a:ext>
+            </a:extLst>
+          </p:cNvPr>
+          <p:cNvSpPr>
+            <a:spLocks noGrp="1"/>
+          </p:cNvSpPr>
+          <p:nvPr>
+            <p:ph type="title"/>
+          </p:nvPr>
+        </p:nvSpPr>
+        <p:spPr>
+          <a:xfrm>
+            <a:off x="483848" y="467027"/>
+            <a:ext cx="7053542" cy="683886"/>
+          </a:xfrm>
+        </p:spPr>
+        <p:txBody>
+          <a:bodyPr/>
+          <a:lstStyle/>
+          <a:p>
+            <a:r>
+              <a:rPr lang="en-US" dirty="0"/>
+              <a:t>Example of a Use </a:t>
+            </a:r>
+            <a:r>
+              <a:rPr lang="en-US"/>
+              <a:t>for Dictionaries</a:t>
+            </a:r>
+            <a:endParaRPr lang="en-US" dirty="0"/>
+          </a:p>
+        </p:txBody>
+      </p:sp>
+      <p:sp>
+        <p:nvSpPr>
+          <p:cNvPr id="9" name="Content Placeholder 8">
+            <a:extLst>
+              <a:ext uri="{FF2B5EF4-FFF2-40B4-BE49-F238E27FC236}">
+                <a16:creationId xmlns:a16="http://schemas.microsoft.com/office/drawing/2014/main" id="{E3B2E017-30B2-884B-A113-B419A2ED51AD}"/>
+              </a:ext>
+            </a:extLst>
+          </p:cNvPr>
+          <p:cNvSpPr>
+            <a:spLocks noGrp="1"/>
+          </p:cNvSpPr>
+          <p:nvPr>
+            <p:ph idx="1"/>
+          </p:nvPr>
+        </p:nvSpPr>
+        <p:spPr>
+          <a:xfrm>
+            <a:off x="483848" y="1150912"/>
+            <a:ext cx="8051725" cy="4564087"/>
+          </a:xfrm>
+        </p:spPr>
+        <p:txBody>
+          <a:bodyPr>
+            <a:noAutofit/>
+          </a:bodyPr>
+          <a:lstStyle/>
+          <a:p>
+            <a:pPr marL="0" indent="0">
+              <a:buNone/>
+            </a:pPr>
+            <a:r>
+              <a:rPr lang="en-US" dirty="0"/>
+              <a:t>We can automate the previous example using a for loop. </a:t>
+            </a:r>
+            <a:endParaRPr lang="en-US" sz="2000" dirty="0"/>
+          </a:p>
+          <a:p>
+            <a:pPr marL="0" indent="0">
+              <a:buNone/>
+            </a:pPr>
+            <a:endParaRPr lang="en-US" b="1" dirty="0">
+              <a:solidFill>
+                <a:srgbClr val="000087"/>
+              </a:solidFill>
+              <a:latin typeface="Inconsolata Medium" panose="020B0609030003000000" pitchFamily="49" charset="77"/>
+            </a:endParaRPr>
+          </a:p>
+          <a:p>
+            <a:pPr marL="0" indent="0">
+              <a:buNone/>
+            </a:pPr>
+            <a:r>
+              <a:rPr lang="en-US" b="1" dirty="0">
+                <a:solidFill>
+                  <a:srgbClr val="000087"/>
+                </a:solidFill>
+                <a:latin typeface="Inconsolata Medium" panose="020B0609030003000000" pitchFamily="49" charset="77"/>
+              </a:rPr>
+              <a:t>database </a:t>
+            </a:r>
+            <a:r>
+              <a:rPr lang="en-US" b="1" dirty="0">
+                <a:solidFill>
+                  <a:srgbClr val="545454"/>
+                </a:solidFill>
+                <a:latin typeface="Inconsolata Medium" panose="020B0609030003000000" pitchFamily="49" charset="77"/>
+              </a:rPr>
+              <a:t>= </a:t>
+            </a:r>
+            <a:r>
+              <a:rPr lang="en-US" b="1" dirty="0">
+                <a:latin typeface="Inconsolata Medium" panose="020B0609030003000000" pitchFamily="49" charset="77"/>
+              </a:rPr>
+              <a:t>{</a:t>
+            </a:r>
+            <a:r>
+              <a:rPr lang="en-US" b="1" dirty="0">
+                <a:solidFill>
+                  <a:srgbClr val="CC3300"/>
+                </a:solidFill>
+                <a:latin typeface="Inconsolata Medium" panose="020B0609030003000000" pitchFamily="49" charset="77"/>
+              </a:rPr>
+              <a:t>'Mike'</a:t>
+            </a:r>
+            <a:r>
+              <a:rPr lang="en-US" b="1" dirty="0">
+                <a:latin typeface="Inconsolata Medium" panose="020B0609030003000000" pitchFamily="49" charset="77"/>
+              </a:rPr>
+              <a:t>:</a:t>
+            </a:r>
+            <a:r>
+              <a:rPr lang="en-US" b="1" dirty="0">
+                <a:solidFill>
+                  <a:srgbClr val="FF6600"/>
+                </a:solidFill>
+                <a:latin typeface="Inconsolata Medium" panose="020B0609030003000000" pitchFamily="49" charset="77"/>
+              </a:rPr>
+              <a:t>[70]</a:t>
+            </a:r>
+            <a:r>
+              <a:rPr lang="en-US" b="1" dirty="0">
+                <a:latin typeface="Inconsolata Medium" panose="020B0609030003000000" pitchFamily="49" charset="77"/>
+              </a:rPr>
+              <a:t>, </a:t>
+            </a:r>
+            <a:r>
+              <a:rPr lang="en-US" b="1" dirty="0">
+                <a:solidFill>
+                  <a:srgbClr val="CC3300"/>
+                </a:solidFill>
+                <a:latin typeface="Inconsolata Medium" panose="020B0609030003000000" pitchFamily="49" charset="77"/>
+              </a:rPr>
+              <a:t>'Sarah'</a:t>
+            </a:r>
+            <a:r>
+              <a:rPr lang="en-US" b="1" dirty="0">
+                <a:latin typeface="Inconsolata Medium" panose="020B0609030003000000" pitchFamily="49" charset="77"/>
+              </a:rPr>
+              <a:t>:</a:t>
+            </a:r>
+            <a:r>
+              <a:rPr lang="en-US" b="1" dirty="0">
+                <a:solidFill>
+                  <a:srgbClr val="FF6600"/>
+                </a:solidFill>
+                <a:latin typeface="Inconsolata Medium" panose="020B0609030003000000" pitchFamily="49" charset="77"/>
+              </a:rPr>
+              <a:t>[88]</a:t>
+            </a:r>
+            <a:r>
+              <a:rPr lang="en-US" b="1" dirty="0">
+                <a:latin typeface="Inconsolata Medium" panose="020B0609030003000000" pitchFamily="49" charset="77"/>
+              </a:rPr>
+              <a:t>} </a:t>
+            </a:r>
+          </a:p>
+          <a:p>
+            <a:pPr marL="0" indent="0">
+              <a:buNone/>
+            </a:pPr>
+            <a:r>
+              <a:rPr lang="en-US" b="1" dirty="0" err="1">
+                <a:solidFill>
+                  <a:srgbClr val="000087"/>
+                </a:solidFill>
+                <a:latin typeface="Inconsolata Medium" panose="020B0609030003000000" pitchFamily="49" charset="77"/>
+              </a:rPr>
+              <a:t>names_to_add</a:t>
+            </a:r>
+            <a:r>
+              <a:rPr lang="en-US" b="1" dirty="0">
+                <a:solidFill>
+                  <a:srgbClr val="000087"/>
+                </a:solidFill>
+                <a:latin typeface="Inconsolata Medium" panose="020B0609030003000000" pitchFamily="49" charset="77"/>
+              </a:rPr>
+              <a:t> </a:t>
+            </a:r>
+            <a:r>
+              <a:rPr lang="en-US" b="1" dirty="0">
+                <a:solidFill>
+                  <a:srgbClr val="545454"/>
+                </a:solidFill>
+                <a:latin typeface="Inconsolata Medium" panose="020B0609030003000000" pitchFamily="49" charset="77"/>
+              </a:rPr>
+              <a:t>= </a:t>
+            </a:r>
+            <a:r>
+              <a:rPr lang="en-US" b="1" dirty="0">
+                <a:latin typeface="Inconsolata Medium" panose="020B0609030003000000" pitchFamily="49" charset="77"/>
+              </a:rPr>
+              <a:t>[(</a:t>
+            </a:r>
+            <a:r>
+              <a:rPr lang="en-US" b="1" dirty="0">
+                <a:solidFill>
+                  <a:srgbClr val="CC3300"/>
+                </a:solidFill>
+                <a:latin typeface="Inconsolata Medium" panose="020B0609030003000000" pitchFamily="49" charset="77"/>
+              </a:rPr>
+              <a:t>'Sarah',</a:t>
+            </a:r>
+            <a:r>
+              <a:rPr lang="en-US" b="1" dirty="0">
+                <a:solidFill>
+                  <a:srgbClr val="FF6600"/>
+                </a:solidFill>
+                <a:latin typeface="Inconsolata Medium" panose="020B0609030003000000" pitchFamily="49" charset="77"/>
+              </a:rPr>
+              <a:t>75</a:t>
+            </a:r>
+            <a:r>
+              <a:rPr lang="en-US" b="1" dirty="0">
+                <a:latin typeface="Inconsolata Medium" panose="020B0609030003000000" pitchFamily="49" charset="77"/>
+              </a:rPr>
+              <a:t>), (</a:t>
+            </a:r>
+            <a:r>
+              <a:rPr lang="en-US" b="1" dirty="0">
+                <a:solidFill>
+                  <a:srgbClr val="CC3300"/>
+                </a:solidFill>
+                <a:latin typeface="Inconsolata Medium" panose="020B0609030003000000" pitchFamily="49" charset="77"/>
+              </a:rPr>
+              <a:t>'John',</a:t>
+            </a:r>
+            <a:r>
+              <a:rPr lang="en-US" b="1" dirty="0">
+                <a:solidFill>
+                  <a:srgbClr val="FF6600"/>
+                </a:solidFill>
+                <a:latin typeface="Inconsolata Medium" panose="020B0609030003000000" pitchFamily="49" charset="77"/>
+              </a:rPr>
+              <a:t>90</a:t>
+            </a:r>
+            <a:r>
+              <a:rPr lang="en-US" b="1" dirty="0">
+                <a:latin typeface="Inconsolata Medium" panose="020B0609030003000000" pitchFamily="49" charset="77"/>
+              </a:rPr>
+              <a:t>),</a:t>
+            </a:r>
+            <a:r>
+              <a:rPr lang="en-US" b="1" dirty="0">
+                <a:solidFill>
+                  <a:srgbClr val="FF6600"/>
+                </a:solidFill>
+                <a:latin typeface="Inconsolata Medium" panose="020B0609030003000000" pitchFamily="49" charset="77"/>
+              </a:rPr>
+              <a:t> </a:t>
+            </a:r>
+            <a:r>
+              <a:rPr lang="en-US" b="1" dirty="0">
+                <a:latin typeface="Inconsolata Medium" panose="020B0609030003000000" pitchFamily="49" charset="77"/>
+              </a:rPr>
+              <a:t>(</a:t>
+            </a:r>
+            <a:r>
+              <a:rPr lang="en-US" b="1" dirty="0">
+                <a:solidFill>
+                  <a:srgbClr val="CC3300"/>
+                </a:solidFill>
+                <a:latin typeface="Inconsolata Medium" panose="020B0609030003000000" pitchFamily="49" charset="77"/>
+              </a:rPr>
+              <a:t>'Mike'</a:t>
+            </a:r>
+            <a:r>
+              <a:rPr lang="en-US" b="1" dirty="0">
+                <a:solidFill>
+                  <a:srgbClr val="FF6600"/>
+                </a:solidFill>
+                <a:latin typeface="Inconsolata Medium" panose="020B0609030003000000" pitchFamily="49" charset="77"/>
+              </a:rPr>
+              <a:t>,81</a:t>
+            </a:r>
+            <a:r>
+              <a:rPr lang="en-US" b="1" dirty="0">
+                <a:latin typeface="Inconsolata Medium" panose="020B0609030003000000" pitchFamily="49" charset="77"/>
+              </a:rPr>
+              <a:t>)]</a:t>
+            </a:r>
+          </a:p>
+          <a:p>
+            <a:pPr marL="0" indent="0">
+              <a:buNone/>
+            </a:pPr>
+            <a:r>
+              <a:rPr lang="en-US" sz="2000" b="1" dirty="0">
+                <a:solidFill>
+                  <a:srgbClr val="006699"/>
+                </a:solidFill>
+                <a:latin typeface="Inconsolata Medium" panose="020B0609030003000000" pitchFamily="49" charset="77"/>
+              </a:rPr>
+              <a:t>for </a:t>
+            </a:r>
+            <a:r>
+              <a:rPr lang="en-US" sz="2000" b="1" dirty="0">
+                <a:solidFill>
+                  <a:srgbClr val="000087"/>
+                </a:solidFill>
+                <a:latin typeface="Inconsolata Medium" panose="020B0609030003000000" pitchFamily="49" charset="77"/>
+              </a:rPr>
+              <a:t>student </a:t>
+            </a:r>
+            <a:r>
+              <a:rPr lang="en-US" sz="2000" b="1" dirty="0">
+                <a:latin typeface="Inconsolata Medium" panose="020B0609030003000000" pitchFamily="49" charset="77"/>
+              </a:rPr>
+              <a:t>in </a:t>
+            </a:r>
+            <a:r>
+              <a:rPr lang="en-US" sz="2000" b="1" dirty="0" err="1">
+                <a:solidFill>
+                  <a:srgbClr val="000087"/>
+                </a:solidFill>
+                <a:latin typeface="Inconsolata Medium" panose="020B0609030003000000" pitchFamily="49" charset="77"/>
+              </a:rPr>
+              <a:t>names_to_add</a:t>
+            </a:r>
+            <a:r>
+              <a:rPr lang="en-US" sz="2000" b="1" dirty="0">
+                <a:solidFill>
+                  <a:srgbClr val="336666"/>
+                </a:solidFill>
+                <a:latin typeface="Inconsolata Medium" panose="020B0609030003000000" pitchFamily="49" charset="77"/>
+              </a:rPr>
+              <a:t>:</a:t>
+            </a:r>
+          </a:p>
+          <a:p>
+            <a:pPr marL="0" indent="0">
+              <a:buNone/>
+            </a:pPr>
+            <a:r>
+              <a:rPr lang="en-US" sz="2000" b="1" dirty="0">
+                <a:solidFill>
+                  <a:srgbClr val="000087"/>
+                </a:solidFill>
+                <a:latin typeface="Inconsolata Medium" panose="020B0609030003000000" pitchFamily="49" charset="77"/>
+              </a:rPr>
+              <a:t>	name, score = student  </a:t>
+            </a:r>
+            <a:r>
+              <a:rPr lang="en-US" sz="2000" b="1" dirty="0">
+                <a:solidFill>
+                  <a:srgbClr val="336666"/>
+                </a:solidFill>
+                <a:latin typeface="Inconsolata Medium" panose="020B0609030003000000" pitchFamily="49" charset="77"/>
+              </a:rPr>
+              <a:t># tuple unpacking </a:t>
+            </a:r>
+          </a:p>
+          <a:p>
+            <a:pPr marL="0" indent="0">
+              <a:buNone/>
+            </a:pPr>
+            <a:r>
+              <a:rPr lang="en-US" sz="2000" b="1" dirty="0">
+                <a:solidFill>
+                  <a:srgbClr val="336666"/>
+                </a:solidFill>
+                <a:latin typeface="Inconsolata Medium" panose="020B0609030003000000" pitchFamily="49" charset="77"/>
+              </a:rPr>
+              <a:t>	if </a:t>
+            </a:r>
+            <a:r>
+              <a:rPr lang="en-US" sz="2000" b="1" dirty="0">
+                <a:solidFill>
+                  <a:srgbClr val="000087"/>
+                </a:solidFill>
+                <a:latin typeface="Inconsolata Medium" panose="020B0609030003000000" pitchFamily="49" charset="77"/>
+              </a:rPr>
+              <a:t>name</a:t>
+            </a:r>
+            <a:r>
+              <a:rPr lang="en-US" sz="2000" b="1" dirty="0">
+                <a:solidFill>
+                  <a:srgbClr val="336666"/>
+                </a:solidFill>
+                <a:latin typeface="Inconsolata Medium" panose="020B0609030003000000" pitchFamily="49" charset="77"/>
+              </a:rPr>
+              <a:t> in </a:t>
+            </a:r>
+            <a:r>
+              <a:rPr lang="en-US" sz="2000" b="1" dirty="0">
+                <a:solidFill>
+                  <a:srgbClr val="000087"/>
+                </a:solidFill>
+                <a:latin typeface="Inconsolata Medium" panose="020B0609030003000000" pitchFamily="49" charset="77"/>
+              </a:rPr>
+              <a:t>database</a:t>
+            </a:r>
+            <a:r>
+              <a:rPr lang="en-US" sz="2000" b="1" dirty="0">
+                <a:solidFill>
+                  <a:srgbClr val="336666"/>
+                </a:solidFill>
+                <a:latin typeface="Inconsolata Medium" panose="020B0609030003000000" pitchFamily="49" charset="77"/>
+              </a:rPr>
+              <a:t>:</a:t>
+            </a:r>
+          </a:p>
+          <a:p>
+            <a:pPr marL="0" indent="0">
+              <a:buNone/>
+            </a:pPr>
+            <a:r>
+              <a:rPr lang="en-US" sz="2000" b="1" dirty="0">
+                <a:solidFill>
+                  <a:srgbClr val="336666"/>
+                </a:solidFill>
+                <a:latin typeface="Inconsolata Medium" panose="020B0609030003000000" pitchFamily="49" charset="77"/>
+              </a:rPr>
+              <a:t>		</a:t>
+            </a:r>
+            <a:r>
+              <a:rPr lang="en-US" sz="2000" b="1" dirty="0">
+                <a:solidFill>
+                  <a:srgbClr val="000087"/>
+                </a:solidFill>
+                <a:latin typeface="Inconsolata Medium" panose="020B0609030003000000" pitchFamily="49" charset="77"/>
+              </a:rPr>
+              <a:t>database</a:t>
+            </a:r>
+            <a:r>
+              <a:rPr lang="en-US" sz="2000" b="1" dirty="0">
+                <a:solidFill>
+                  <a:srgbClr val="336666"/>
+                </a:solidFill>
+                <a:latin typeface="Inconsolata Medium" panose="020B0609030003000000" pitchFamily="49" charset="77"/>
+              </a:rPr>
+              <a:t>[name].</a:t>
+            </a:r>
+            <a:r>
+              <a:rPr lang="en-US" sz="2000" b="1" dirty="0">
+                <a:solidFill>
+                  <a:srgbClr val="000087"/>
+                </a:solidFill>
+                <a:latin typeface="Inconsolata Medium" panose="020B0609030003000000" pitchFamily="49" charset="77"/>
+              </a:rPr>
+              <a:t>append</a:t>
+            </a:r>
+            <a:r>
+              <a:rPr lang="en-US" sz="2000" b="1" dirty="0">
+                <a:solidFill>
+                  <a:srgbClr val="336666"/>
+                </a:solidFill>
+                <a:latin typeface="Inconsolata Medium" panose="020B0609030003000000" pitchFamily="49" charset="77"/>
+              </a:rPr>
+              <a:t>(</a:t>
+            </a:r>
+            <a:r>
+              <a:rPr lang="en-US" sz="2000" b="1" dirty="0">
+                <a:solidFill>
+                  <a:srgbClr val="CC3300"/>
+                </a:solidFill>
+                <a:latin typeface="Inconsolata Medium" panose="020B0609030003000000" pitchFamily="49" charset="77"/>
+              </a:rPr>
+              <a:t>score</a:t>
+            </a:r>
+            <a:r>
+              <a:rPr lang="en-US" sz="2000" b="1" dirty="0">
+                <a:solidFill>
+                  <a:srgbClr val="336666"/>
+                </a:solidFill>
+                <a:latin typeface="Inconsolata Medium" panose="020B0609030003000000" pitchFamily="49" charset="77"/>
+              </a:rPr>
+              <a:t>)</a:t>
+            </a:r>
+          </a:p>
+          <a:p>
+            <a:pPr marL="0" indent="0">
+              <a:buNone/>
+            </a:pPr>
+            <a:r>
+              <a:rPr lang="en-US" sz="2000" b="1" dirty="0">
+                <a:solidFill>
+                  <a:srgbClr val="336666"/>
+                </a:solidFill>
+                <a:latin typeface="Inconsolata Medium" panose="020B0609030003000000" pitchFamily="49" charset="77"/>
+              </a:rPr>
+              <a:t>	else:</a:t>
+            </a:r>
+          </a:p>
+          <a:p>
+            <a:pPr marL="0" indent="0">
+              <a:buNone/>
+            </a:pPr>
+            <a:r>
+              <a:rPr lang="en-US" sz="2000" b="1" dirty="0">
+                <a:solidFill>
+                  <a:srgbClr val="336666"/>
+                </a:solidFill>
+                <a:latin typeface="Inconsolata Medium" panose="020B0609030003000000" pitchFamily="49" charset="77"/>
+              </a:rPr>
+              <a:t>		</a:t>
+            </a:r>
+            <a:r>
+              <a:rPr lang="en-US" sz="2000" b="1" dirty="0">
+                <a:solidFill>
+                  <a:srgbClr val="000087"/>
+                </a:solidFill>
+                <a:latin typeface="Inconsolata Medium" panose="020B0609030003000000" pitchFamily="49" charset="77"/>
+              </a:rPr>
+              <a:t>database</a:t>
+            </a:r>
+            <a:r>
+              <a:rPr lang="en-US" sz="2000" b="1" dirty="0">
+                <a:solidFill>
+                  <a:srgbClr val="336666"/>
+                </a:solidFill>
+                <a:latin typeface="Inconsolata Medium" panose="020B0609030003000000" pitchFamily="49" charset="77"/>
+              </a:rPr>
+              <a:t>[name] = </a:t>
+            </a:r>
+            <a:r>
+              <a:rPr lang="en-US" sz="2000" b="1" dirty="0">
+                <a:solidFill>
+                  <a:srgbClr val="CC3300"/>
+                </a:solidFill>
+                <a:latin typeface="Inconsolata Medium" panose="020B0609030003000000" pitchFamily="49" charset="77"/>
+              </a:rPr>
+              <a:t>[]  </a:t>
+            </a:r>
+            <a:r>
+              <a:rPr lang="en-US" sz="2000" b="1" dirty="0">
+                <a:solidFill>
+                  <a:srgbClr val="336666"/>
+                </a:solidFill>
+                <a:latin typeface="Inconsolata Medium" panose="020B0609030003000000" pitchFamily="49" charset="77"/>
+              </a:rPr>
+              <a:t># create new key/value </a:t>
+            </a:r>
+          </a:p>
+          <a:p>
+            <a:pPr marL="0" indent="0">
+              <a:buNone/>
+            </a:pPr>
+            <a:r>
+              <a:rPr lang="en-US" sz="2000" b="1" dirty="0">
+                <a:solidFill>
+                  <a:srgbClr val="336666"/>
+                </a:solidFill>
+                <a:latin typeface="Inconsolata Medium" panose="020B0609030003000000" pitchFamily="49" charset="77"/>
+              </a:rPr>
+              <a:t>		</a:t>
+            </a:r>
+            <a:r>
+              <a:rPr lang="en-US" sz="2000" b="1" dirty="0">
+                <a:solidFill>
+                  <a:srgbClr val="000087"/>
+                </a:solidFill>
+                <a:latin typeface="Inconsolata Medium" panose="020B0609030003000000" pitchFamily="49" charset="77"/>
+              </a:rPr>
+              <a:t>database</a:t>
+            </a:r>
+            <a:r>
+              <a:rPr lang="en-US" sz="2000" b="1" dirty="0">
+                <a:solidFill>
+                  <a:srgbClr val="336666"/>
+                </a:solidFill>
+                <a:latin typeface="Inconsolata Medium" panose="020B0609030003000000" pitchFamily="49" charset="77"/>
+              </a:rPr>
+              <a:t>[name].</a:t>
+            </a:r>
+            <a:r>
+              <a:rPr lang="en-US" sz="2000" b="1" dirty="0">
+                <a:solidFill>
+                  <a:srgbClr val="000087"/>
+                </a:solidFill>
+                <a:latin typeface="Inconsolata Medium" panose="020B0609030003000000" pitchFamily="49" charset="77"/>
+              </a:rPr>
+              <a:t>append</a:t>
+            </a:r>
+            <a:r>
+              <a:rPr lang="en-US" sz="2000" b="1" dirty="0">
+                <a:solidFill>
+                  <a:srgbClr val="336666"/>
+                </a:solidFill>
+                <a:latin typeface="Inconsolata Medium" panose="020B0609030003000000" pitchFamily="49" charset="77"/>
+              </a:rPr>
+              <a:t>(</a:t>
+            </a:r>
+            <a:r>
+              <a:rPr lang="en-US" sz="2000" b="1" dirty="0">
+                <a:solidFill>
+                  <a:srgbClr val="CC3300"/>
+                </a:solidFill>
+                <a:latin typeface="Inconsolata Medium" panose="020B0609030003000000" pitchFamily="49" charset="77"/>
+              </a:rPr>
+              <a:t>score</a:t>
+            </a:r>
+            <a:r>
+              <a:rPr lang="en-US" sz="2000" b="1" dirty="0">
+                <a:solidFill>
+                  <a:srgbClr val="336666"/>
+                </a:solidFill>
+                <a:latin typeface="Inconsolata Medium" panose="020B0609030003000000" pitchFamily="49" charset="77"/>
+              </a:rPr>
+              <a:t>) # add score to list </a:t>
+            </a:r>
+          </a:p>
+          <a:p>
+            <a:pPr marL="0" indent="0">
+              <a:buNone/>
+            </a:pPr>
+            <a:endParaRPr lang="en-US" b="1" dirty="0">
+              <a:solidFill>
+                <a:srgbClr val="336666"/>
+              </a:solidFill>
+              <a:latin typeface="Inconsolata Medium" panose="020B0609030003000000" pitchFamily="49" charset="77"/>
+            </a:endParaRPr>
+          </a:p>
+          <a:p>
+            <a:pPr marL="0" indent="0">
+              <a:buNone/>
+            </a:pPr>
+            <a:endParaRPr lang="en-US" dirty="0"/>
+          </a:p>
+        </p:txBody>
+      </p:sp>
+    </p:spTree>
+    <p:extLst>
+      <p:ext uri="{BB962C8B-B14F-4D97-AF65-F5344CB8AC3E}">
+        <p14:creationId xmlns:p14="http://schemas.microsoft.com/office/powerpoint/2010/main" val="1701624766"/>
+      </p:ext>
+    </p:extLst>
+  </p:cSld>
+  <p:clrMapOvr>
+    <a:masterClrMapping/>
+  </p:clrMapOvr>
+  <p:timing>
+    <p:tnLst>
+      <p:par>
+        <p:cTn id="1" dur="indefinite" restart="never" nodeType="tmRoot">
+          <p:childTnLst>
+            <p:seq concurrent="1" nextAc="seek">
+              <p:cTn id="2" dur="indefinite" nodeType="mainSeq">
+                <p:childTnLst>
+                  <p:par>
+                    <p:cTn id="3" fill="hold">
+                      <p:stCondLst>
+                        <p:cond delay="indefinite"/>
+                      </p:stCondLst>
+                      <p:childTnLst>
+                        <p:par>
+                          <p:cTn id="4" fill="hold">
+                            <p:stCondLst>
+                              <p:cond delay="0"/>
+                            </p:stCondLst>
+                            <p:childTnLst>
+                              <p:par>
+                                <p:cTn id="5" presetID="1" presetClass="entr" presetSubtype="0" fill="hold" nodeType="clickEffect">
+                                  <p:stCondLst>
+                                    <p:cond delay="0"/>
+                                  </p:stCondLst>
+                                  <p:childTnLst>
+                                    <p:set>
+                                      <p:cBhvr>
+                                        <p:cTn id="6" dur="1" fill="hold">
+                                          <p:stCondLst>
+                                            <p:cond delay="0"/>
+                                          </p:stCondLst>
+                                        </p:cTn>
+                                        <p:tgtEl>
+                                          <p:spTgt spid="9">
+                                            <p:txEl>
+                                              <p:pRg st="2" end="2"/>
+                                            </p:txEl>
+                                          </p:spTgt>
+                                        </p:tgtEl>
+                                        <p:attrNameLst>
+                                          <p:attrName>style.visibility</p:attrName>
+                                        </p:attrNameLst>
+                                      </p:cBhvr>
+                                      <p:to>
+                                        <p:strVal val="visible"/>
+                                      </p:to>
+                                    </p:set>
+                                  </p:childTnLst>
+                                </p:cTn>
+                              </p:par>
+                              <p:par>
+                                <p:cTn id="7" presetID="1" presetClass="entr" presetSubtype="0" fill="hold" nodeType="withEffect">
+                                  <p:stCondLst>
+                                    <p:cond delay="0"/>
+                                  </p:stCondLst>
+                                  <p:childTnLst>
+                                    <p:set>
+                                      <p:cBhvr>
+                                        <p:cTn id="8" dur="1" fill="hold">
+                                          <p:stCondLst>
+                                            <p:cond delay="0"/>
+                                          </p:stCondLst>
+                                        </p:cTn>
+                                        <p:tgtEl>
+                                          <p:spTgt spid="9">
+                                            <p:txEl>
+                                              <p:pRg st="3" end="3"/>
+                                            </p:txEl>
+                                          </p:spTgt>
+                                        </p:tgtEl>
+                                        <p:attrNameLst>
+                                          <p:attrName>style.visibility</p:attrName>
+                                        </p:attrNameLst>
+                                      </p:cBhvr>
+                                      <p:to>
+                                        <p:strVal val="visible"/>
+                                      </p:to>
+                                    </p:set>
+                                  </p:childTnLst>
+                                </p:cTn>
+                              </p:par>
+                            </p:childTnLst>
+                          </p:cTn>
+                        </p:par>
+                      </p:childTnLst>
+                    </p:cTn>
+                  </p:par>
+                  <p:par>
+                    <p:cTn id="9" fill="hold">
+                      <p:stCondLst>
+                        <p:cond delay="indefinite"/>
+                      </p:stCondLst>
+                      <p:childTnLst>
+                        <p:par>
+                          <p:cTn id="10" fill="hold">
+                            <p:stCondLst>
+                              <p:cond delay="0"/>
+                            </p:stCondLst>
+                            <p:childTnLst>
+                              <p:par>
+                                <p:cTn id="11" presetID="1" presetClass="entr" presetSubtype="0" fill="hold" nodeType="clickEffect">
+                                  <p:stCondLst>
+                                    <p:cond delay="0"/>
+                                  </p:stCondLst>
+                                  <p:childTnLst>
+                                    <p:set>
+                                      <p:cBhvr>
+                                        <p:cTn id="12" dur="1" fill="hold">
+                                          <p:stCondLst>
+                                            <p:cond delay="0"/>
+                                          </p:stCondLst>
+                                        </p:cTn>
+                                        <p:tgtEl>
+                                          <p:spTgt spid="9">
+                                            <p:txEl>
+                                              <p:pRg st="4" end="4"/>
+                                            </p:txEl>
+                                          </p:spTgt>
+                                        </p:tgtEl>
+                                        <p:attrNameLst>
+                                          <p:attrName>style.visibility</p:attrName>
+                                        </p:attrNameLst>
+                                      </p:cBhvr>
+                                      <p:to>
+                                        <p:strVal val="visible"/>
+                                      </p:to>
+                                    </p:set>
+                                  </p:childTnLst>
+                                </p:cTn>
+                              </p:par>
+                            </p:childTnLst>
+                          </p:cTn>
+                        </p:par>
+                      </p:childTnLst>
+                    </p:cTn>
+                  </p:par>
+                  <p:par>
+                    <p:cTn id="13" fill="hold">
+                      <p:stCondLst>
+                        <p:cond delay="indefinite"/>
+                      </p:stCondLst>
+                      <p:childTnLst>
+                        <p:par>
+                          <p:cTn id="14" fill="hold">
+                            <p:stCondLst>
+                              <p:cond delay="0"/>
+                            </p:stCondLst>
+                            <p:childTnLst>
+                              <p:par>
+                                <p:cTn id="15" presetID="1" presetClass="entr" presetSubtype="0" fill="hold" nodeType="clickEffect">
+                                  <p:stCondLst>
+                                    <p:cond delay="0"/>
+                                  </p:stCondLst>
+                                  <p:childTnLst>
+                                    <p:set>
+                                      <p:cBhvr>
+                                        <p:cTn id="16" dur="1" fill="hold">
+                                          <p:stCondLst>
+                                            <p:cond delay="0"/>
+                                          </p:stCondLst>
+                                        </p:cTn>
+                                        <p:tgtEl>
+                                          <p:spTgt spid="9">
+                                            <p:txEl>
+                                              <p:pRg st="5" end="5"/>
+                                            </p:txEl>
+                                          </p:spTgt>
+                                        </p:tgtEl>
+                                        <p:attrNameLst>
+                                          <p:attrName>style.visibility</p:attrName>
+                                        </p:attrNameLst>
+                                      </p:cBhvr>
+                                      <p:to>
+                                        <p:strVal val="visible"/>
+                                      </p:to>
+                                    </p:set>
+                                  </p:childTnLst>
+                                </p:cTn>
+                              </p:par>
+                            </p:childTnLst>
+                          </p:cTn>
+                        </p:par>
+                      </p:childTnLst>
+                    </p:cTn>
+                  </p:par>
+                  <p:par>
+                    <p:cTn id="17" fill="hold">
+                      <p:stCondLst>
+                        <p:cond delay="indefinite"/>
+                      </p:stCondLst>
+                      <p:childTnLst>
+                        <p:par>
+                          <p:cTn id="18" fill="hold">
+                            <p:stCondLst>
+                              <p:cond delay="0"/>
+                            </p:stCondLst>
+                            <p:childTnLst>
+                              <p:par>
+                                <p:cTn id="19" presetID="1" presetClass="entr" presetSubtype="0" fill="hold" nodeType="clickEffect">
+                                  <p:stCondLst>
+                                    <p:cond delay="0"/>
+                                  </p:stCondLst>
+                                  <p:childTnLst>
+                                    <p:set>
+                                      <p:cBhvr>
+                                        <p:cTn id="20" dur="1" fill="hold">
+                                          <p:stCondLst>
+                                            <p:cond delay="0"/>
+                                          </p:stCondLst>
+                                        </p:cTn>
+                                        <p:tgtEl>
+                                          <p:spTgt spid="9">
+                                            <p:txEl>
+                                              <p:pRg st="6" end="6"/>
+                                            </p:txEl>
+                                          </p:spTgt>
+                                        </p:tgtEl>
+                                        <p:attrNameLst>
+                                          <p:attrName>style.visibility</p:attrName>
+                                        </p:attrNameLst>
+                                      </p:cBhvr>
+                                      <p:to>
+                                        <p:strVal val="visible"/>
+                                      </p:to>
+                                    </p:set>
+                                  </p:childTnLst>
+                                </p:cTn>
+                              </p:par>
+                            </p:childTnLst>
+                          </p:cTn>
+                        </p:par>
+                      </p:childTnLst>
+                    </p:cTn>
+                  </p:par>
+                  <p:par>
+                    <p:cTn id="21" fill="hold">
+                      <p:stCondLst>
+                        <p:cond delay="indefinite"/>
+                      </p:stCondLst>
+                      <p:childTnLst>
+                        <p:par>
+                          <p:cTn id="22" fill="hold">
+                            <p:stCondLst>
+                              <p:cond delay="0"/>
+                            </p:stCondLst>
+                            <p:childTnLst>
+                              <p:par>
+                                <p:cTn id="23" presetID="1" presetClass="entr" presetSubtype="0" fill="hold" nodeType="clickEffect">
+                                  <p:stCondLst>
+                                    <p:cond delay="0"/>
+                                  </p:stCondLst>
+                                  <p:childTnLst>
+                                    <p:set>
+                                      <p:cBhvr>
+                                        <p:cTn id="24" dur="1" fill="hold">
+                                          <p:stCondLst>
+                                            <p:cond delay="0"/>
+                                          </p:stCondLst>
+                                        </p:cTn>
+                                        <p:tgtEl>
+                                          <p:spTgt spid="9">
+                                            <p:txEl>
+                                              <p:pRg st="7" end="7"/>
+                                            </p:txEl>
+                                          </p:spTgt>
+                                        </p:tgtEl>
+                                        <p:attrNameLst>
+                                          <p:attrName>style.visibility</p:attrName>
+                                        </p:attrNameLst>
+                                      </p:cBhvr>
+                                      <p:to>
+                                        <p:strVal val="visible"/>
+                                      </p:to>
+                                    </p:set>
+                                  </p:childTnLst>
+                                </p:cTn>
+                              </p:par>
+                            </p:childTnLst>
+                          </p:cTn>
+                        </p:par>
+                      </p:childTnLst>
+                    </p:cTn>
+                  </p:par>
+                  <p:par>
+                    <p:cTn id="25" fill="hold">
+                      <p:stCondLst>
+                        <p:cond delay="indefinite"/>
+                      </p:stCondLst>
+                      <p:childTnLst>
+                        <p:par>
+                          <p:cTn id="26" fill="hold">
+                            <p:stCondLst>
+                              <p:cond delay="0"/>
+                            </p:stCondLst>
+                            <p:childTnLst>
+                              <p:par>
+                                <p:cTn id="27" presetID="1" presetClass="entr" presetSubtype="0" fill="hold" nodeType="clickEffect">
+                                  <p:stCondLst>
+                                    <p:cond delay="0"/>
+                                  </p:stCondLst>
+                                  <p:childTnLst>
+                                    <p:set>
+                                      <p:cBhvr>
+                                        <p:cTn id="28" dur="1" fill="hold">
+                                          <p:stCondLst>
+                                            <p:cond delay="0"/>
+                                          </p:stCondLst>
+                                        </p:cTn>
+                                        <p:tgtEl>
+                                          <p:spTgt spid="9">
+                                            <p:txEl>
+                                              <p:pRg st="8" end="8"/>
+                                            </p:txEl>
+                                          </p:spTgt>
+                                        </p:tgtEl>
+                                        <p:attrNameLst>
+                                          <p:attrName>style.visibility</p:attrName>
+                                        </p:attrNameLst>
+                                      </p:cBhvr>
+                                      <p:to>
+                                        <p:strVal val="visible"/>
+                                      </p:to>
+                                    </p:set>
+                                  </p:childTnLst>
+                                </p:cTn>
+                              </p:par>
+                            </p:childTnLst>
+                          </p:cTn>
+                        </p:par>
+                      </p:childTnLst>
+                    </p:cTn>
+                  </p:par>
+                  <p:par>
+                    <p:cTn id="29" fill="hold">
+                      <p:stCondLst>
+                        <p:cond delay="indefinite"/>
+                      </p:stCondLst>
+                      <p:childTnLst>
+                        <p:par>
+                          <p:cTn id="30" fill="hold">
+                            <p:stCondLst>
+                              <p:cond delay="0"/>
+                            </p:stCondLst>
+                            <p:childTnLst>
+                              <p:par>
+                                <p:cTn id="31" presetID="1" presetClass="entr" presetSubtype="0" fill="hold" nodeType="clickEffect">
+                                  <p:stCondLst>
+                                    <p:cond delay="0"/>
+                                  </p:stCondLst>
+                                  <p:childTnLst>
+                                    <p:set>
+                                      <p:cBhvr>
+                                        <p:cTn id="32" dur="1" fill="hold">
+                                          <p:stCondLst>
+                                            <p:cond delay="0"/>
+                                          </p:stCondLst>
+                                        </p:cTn>
+                                        <p:tgtEl>
+                                          <p:spTgt spid="9">
+                                            <p:txEl>
+                                              <p:pRg st="9" end="9"/>
+                                            </p:txEl>
+                                          </p:spTgt>
+                                        </p:tgtEl>
+                                        <p:attrNameLst>
+                                          <p:attrName>style.visibility</p:attrName>
+                                        </p:attrNameLst>
+                                      </p:cBhvr>
+                                      <p:to>
+                                        <p:strVal val="visible"/>
+                                      </p:to>
+                                    </p:set>
+                                  </p:childTnLst>
+                                </p:cTn>
+                              </p:par>
+                            </p:childTnLst>
+                          </p:cTn>
+                        </p:par>
+                      </p:childTnLst>
+                    </p:cTn>
+                  </p:par>
+                  <p:par>
+                    <p:cTn id="33" fill="hold">
+                      <p:stCondLst>
+                        <p:cond delay="indefinite"/>
+                      </p:stCondLst>
+                      <p:childTnLst>
+                        <p:par>
+                          <p:cTn id="34" fill="hold">
+                            <p:stCondLst>
+                              <p:cond delay="0"/>
+                            </p:stCondLst>
+                            <p:childTnLst>
+                              <p:par>
+                                <p:cTn id="35" presetID="1" presetClass="entr" presetSubtype="0" fill="hold" nodeType="clickEffect">
+                                  <p:stCondLst>
+                                    <p:cond delay="0"/>
+                                  </p:stCondLst>
+                                  <p:childTnLst>
+                                    <p:set>
+                                      <p:cBhvr>
+                                        <p:cTn id="36" dur="1" fill="hold">
+                                          <p:stCondLst>
+                                            <p:cond delay="0"/>
+                                          </p:stCondLst>
+                                        </p:cTn>
+                                        <p:tgtEl>
+                                          <p:spTgt spid="9">
+                                            <p:txEl>
+                                              <p:pRg st="10" end="10"/>
+                                            </p:txEl>
+                                          </p:spTgt>
+                                        </p:tgtEl>
+                                        <p:attrNameLst>
+                                          <p:attrName>style.visibility</p:attrName>
+                                        </p:attrNameLst>
+                                      </p:cBhvr>
+                                      <p:to>
+                                        <p:strVal val="visible"/>
+                                      </p:to>
+                                    </p:set>
+                                  </p:childTnLst>
+                                </p:cTn>
+                              </p:par>
+                            </p:childTnLst>
+                          </p:cTn>
+                        </p:par>
+                      </p:childTnLst>
+                    </p:cTn>
+                  </p:par>
+                </p:childTnLst>
+              </p:cTn>
+              <p:prevCondLst>
+                <p:cond evt="onPrev" delay="0">
+                  <p:tgtEl>
+                    <p:sldTgt/>
+                  </p:tgtEl>
+                </p:cond>
+              </p:prevCondLst>
+              <p:nextCondLst>
+                <p:cond evt="onNext" delay="0">
+                  <p:tgtEl>
+                    <p:sldTgt/>
+                  </p:tgtEl>
+                </p:cond>
+              </p:nextCondLst>
+            </p:seq>
+          </p:childTnLst>
+        </p:cTn>
+      </p:par>
+    </p:tnLst>
+  </p:timing>
+</p:sld>
+</file>
+
+<file path=ppt/slides/slide28.xml><?xml version="1.0" encoding="utf-8"?>
 <p:sld xmlns:a="http://schemas.openxmlformats.org/drawingml/2006/main" xmlns:r="http://schemas.openxmlformats.org/officeDocument/2006/relationships" xmlns:p="http://schemas.openxmlformats.org/presentationml/2006/main">
   <p:cSld>
     <p:spTree>
@@ -16973,270 +18164,6 @@
             <a:pPr marL="0" indent="0">
               <a:buNone/>
             </a:pPr>
-            <a:r>
-              <a:rPr lang="en-US" b="1" dirty="0">
-                <a:solidFill>
-                  <a:srgbClr val="000087"/>
-                </a:solidFill>
-                <a:latin typeface="Inconsolata Medium" panose="020B0609030003000000" pitchFamily="49" charset="77"/>
-              </a:rPr>
-              <a:t>In </a:t>
-            </a:r>
-            <a:r>
-              <a:rPr lang="en-US" b="1" dirty="0">
-                <a:latin typeface="Inconsolata Medium" panose="020B0609030003000000" pitchFamily="49" charset="77"/>
-              </a:rPr>
-              <a:t>[</a:t>
-            </a:r>
-            <a:r>
-              <a:rPr lang="en-US" b="1" dirty="0">
-                <a:solidFill>
-                  <a:srgbClr val="FF6600"/>
-                </a:solidFill>
-                <a:latin typeface="Inconsolata Medium" panose="020B0609030003000000" pitchFamily="49" charset="77"/>
-              </a:rPr>
-              <a:t>1</a:t>
-            </a:r>
-            <a:r>
-              <a:rPr lang="en-US" b="1" dirty="0">
-                <a:latin typeface="Inconsolata Medium" panose="020B0609030003000000" pitchFamily="49" charset="77"/>
-              </a:rPr>
-              <a:t>]: </a:t>
-            </a:r>
-            <a:r>
-              <a:rPr lang="en-US" b="1" dirty="0" err="1">
-                <a:solidFill>
-                  <a:srgbClr val="336666"/>
-                </a:solidFill>
-                <a:latin typeface="Inconsolata Medium" panose="020B0609030003000000" pitchFamily="49" charset="77"/>
-              </a:rPr>
-              <a:t>len</a:t>
-            </a:r>
-            <a:r>
-              <a:rPr lang="en-US" b="1" dirty="0">
-                <a:latin typeface="Inconsolata Medium" panose="020B0609030003000000" pitchFamily="49" charset="77"/>
-              </a:rPr>
-              <a:t>(</a:t>
-            </a:r>
-            <a:r>
-              <a:rPr lang="en-US" b="1" dirty="0">
-                <a:solidFill>
-                  <a:srgbClr val="000087"/>
-                </a:solidFill>
-                <a:latin typeface="Inconsolata Medium" panose="020B0609030003000000" pitchFamily="49" charset="77"/>
-              </a:rPr>
-              <a:t>t</a:t>
-            </a:r>
-            <a:r>
-              <a:rPr lang="en-US" b="1" dirty="0">
-                <a:latin typeface="Inconsolata Medium" panose="020B0609030003000000" pitchFamily="49" charset="77"/>
-              </a:rPr>
-              <a:t>) </a:t>
-            </a:r>
-          </a:p>
-          <a:p>
-            <a:pPr marL="0" indent="0">
-              <a:buNone/>
-            </a:pPr>
-            <a:r>
-              <a:rPr lang="en-US" b="1" dirty="0">
-                <a:latin typeface="Inconsolata Medium" panose="020B0609030003000000" pitchFamily="49" charset="77"/>
-              </a:rPr>
-              <a:t>Out [1]: 3 </a:t>
-            </a:r>
-          </a:p>
-          <a:p>
-            <a:pPr marL="0" indent="0">
-              <a:buNone/>
-            </a:pPr>
-            <a:r>
-              <a:rPr lang="en-US" b="1" dirty="0">
-                <a:solidFill>
-                  <a:srgbClr val="000087"/>
-                </a:solidFill>
-                <a:latin typeface="Inconsolata Medium" panose="020B0609030003000000" pitchFamily="49" charset="77"/>
-              </a:rPr>
-              <a:t>In </a:t>
-            </a:r>
-            <a:r>
-              <a:rPr lang="en-US" b="1" dirty="0">
-                <a:latin typeface="Inconsolata Medium" panose="020B0609030003000000" pitchFamily="49" charset="77"/>
-              </a:rPr>
-              <a:t>[</a:t>
-            </a:r>
-            <a:r>
-              <a:rPr lang="en-US" b="1" dirty="0">
-                <a:solidFill>
-                  <a:srgbClr val="FF6600"/>
-                </a:solidFill>
-                <a:latin typeface="Inconsolata Medium" panose="020B0609030003000000" pitchFamily="49" charset="77"/>
-              </a:rPr>
-              <a:t>2</a:t>
-            </a:r>
-            <a:r>
-              <a:rPr lang="en-US" b="1" dirty="0">
-                <a:latin typeface="Inconsolata Medium" panose="020B0609030003000000" pitchFamily="49" charset="77"/>
-              </a:rPr>
-              <a:t>]: </a:t>
-            </a:r>
-            <a:r>
-              <a:rPr lang="en-US" b="1" dirty="0">
-                <a:solidFill>
-                  <a:srgbClr val="000087"/>
-                </a:solidFill>
-                <a:latin typeface="Inconsolata Medium" panose="020B0609030003000000" pitchFamily="49" charset="77"/>
-              </a:rPr>
-              <a:t>t</a:t>
-            </a:r>
-            <a:r>
-              <a:rPr lang="en-US" b="1" dirty="0">
-                <a:latin typeface="Inconsolata Medium" panose="020B0609030003000000" pitchFamily="49" charset="77"/>
-              </a:rPr>
-              <a:t>[</a:t>
-            </a:r>
-            <a:r>
-              <a:rPr lang="en-US" b="1" dirty="0">
-                <a:solidFill>
-                  <a:srgbClr val="FF6600"/>
-                </a:solidFill>
-                <a:latin typeface="Inconsolata Medium" panose="020B0609030003000000" pitchFamily="49" charset="77"/>
-              </a:rPr>
-              <a:t>0</a:t>
-            </a:r>
-            <a:r>
-              <a:rPr lang="en-US" b="1" dirty="0">
-                <a:latin typeface="Inconsolata Medium" panose="020B0609030003000000" pitchFamily="49" charset="77"/>
-              </a:rPr>
-              <a:t>] </a:t>
-            </a:r>
-            <a:r>
-              <a:rPr lang="en-US" b="1" i="1" dirty="0">
-                <a:solidFill>
-                  <a:srgbClr val="33566B"/>
-                </a:solidFill>
-                <a:latin typeface="Inconsolata Medium" panose="020B0609030003000000" pitchFamily="49" charset="77"/>
-              </a:rPr>
-              <a:t># access a tuple is the same as a list!</a:t>
-            </a:r>
-            <a:endParaRPr lang="en-US" b="1" dirty="0">
-              <a:latin typeface="Inconsolata Medium" panose="020B0609030003000000" pitchFamily="49" charset="77"/>
-            </a:endParaRPr>
-          </a:p>
-          <a:p>
-            <a:pPr marL="0" indent="0">
-              <a:buNone/>
-            </a:pPr>
-            <a:r>
-              <a:rPr lang="en-US" b="1" dirty="0">
-                <a:latin typeface="Inconsolata Medium" panose="020B0609030003000000" pitchFamily="49" charset="77"/>
-              </a:rPr>
-              <a:t>Out [2]: 1 </a:t>
-            </a:r>
-          </a:p>
-          <a:p>
-            <a:pPr marL="0" indent="0">
-              <a:buNone/>
-            </a:pPr>
-            <a:r>
-              <a:rPr lang="en-US" b="1" dirty="0">
-                <a:solidFill>
-                  <a:srgbClr val="000087"/>
-                </a:solidFill>
-                <a:latin typeface="Inconsolata Medium" panose="020B0609030003000000" pitchFamily="49" charset="77"/>
-              </a:rPr>
-              <a:t>In </a:t>
-            </a:r>
-            <a:r>
-              <a:rPr lang="en-US" b="1" dirty="0">
-                <a:latin typeface="Inconsolata Medium" panose="020B0609030003000000" pitchFamily="49" charset="77"/>
-              </a:rPr>
-              <a:t>[</a:t>
-            </a:r>
-            <a:r>
-              <a:rPr lang="en-US" b="1" dirty="0">
-                <a:solidFill>
-                  <a:srgbClr val="FF6600"/>
-                </a:solidFill>
-                <a:latin typeface="Inconsolata Medium" panose="020B0609030003000000" pitchFamily="49" charset="77"/>
-              </a:rPr>
-              <a:t>2</a:t>
-            </a:r>
-            <a:r>
-              <a:rPr lang="en-US" b="1" dirty="0">
-                <a:latin typeface="Inconsolata Medium" panose="020B0609030003000000" pitchFamily="49" charset="77"/>
-              </a:rPr>
-              <a:t>]: </a:t>
-            </a:r>
-            <a:r>
-              <a:rPr lang="en-US" b="1" dirty="0">
-                <a:solidFill>
-                  <a:srgbClr val="000087"/>
-                </a:solidFill>
-                <a:latin typeface="Inconsolata Medium" panose="020B0609030003000000" pitchFamily="49" charset="77"/>
-              </a:rPr>
-              <a:t>t</a:t>
-            </a:r>
-            <a:r>
-              <a:rPr lang="en-US" b="1" dirty="0">
-                <a:latin typeface="Inconsolata Medium" panose="020B0609030003000000" pitchFamily="49" charset="77"/>
-              </a:rPr>
-              <a:t>[</a:t>
-            </a:r>
-            <a:r>
-              <a:rPr lang="en-US" b="1" dirty="0">
-                <a:solidFill>
-                  <a:srgbClr val="FF6600"/>
-                </a:solidFill>
-                <a:latin typeface="Inconsolata Medium" panose="020B0609030003000000" pitchFamily="49" charset="77"/>
-              </a:rPr>
-              <a:t>0:2</a:t>
-            </a:r>
-            <a:r>
-              <a:rPr lang="en-US" b="1" dirty="0">
-                <a:latin typeface="Inconsolata Medium" panose="020B0609030003000000" pitchFamily="49" charset="77"/>
-              </a:rPr>
-              <a:t>] </a:t>
-            </a:r>
-            <a:r>
-              <a:rPr lang="en-US" b="1" i="1" dirty="0">
-                <a:solidFill>
-                  <a:srgbClr val="33566B"/>
-                </a:solidFill>
-                <a:latin typeface="Inconsolata Medium" panose="020B0609030003000000" pitchFamily="49" charset="77"/>
-              </a:rPr>
-              <a:t># slicing is the same</a:t>
-            </a:r>
-            <a:endParaRPr lang="en-US" b="1" dirty="0">
-              <a:latin typeface="Inconsolata Medium" panose="020B0609030003000000" pitchFamily="49" charset="77"/>
-            </a:endParaRPr>
-          </a:p>
-          <a:p>
-            <a:pPr marL="0" indent="0">
-              <a:buNone/>
-            </a:pPr>
-            <a:r>
-              <a:rPr lang="en-US" b="1" dirty="0">
-                <a:latin typeface="Inconsolata Medium" panose="020B0609030003000000" pitchFamily="49" charset="77"/>
-              </a:rPr>
-              <a:t>Out [2]: (1, 2) </a:t>
-            </a:r>
-          </a:p>
-          <a:p>
-            <a:pPr marL="0" indent="0">
-              <a:buNone/>
-            </a:pPr>
-            <a:r>
-              <a:rPr lang="en-US" dirty="0"/>
-              <a:t>Unlike lists, tuples are </a:t>
-            </a:r>
-            <a:r>
-              <a:rPr lang="en-US" i="1" dirty="0"/>
-              <a:t>immutable</a:t>
-            </a:r>
-            <a:r>
-              <a:rPr lang="en-US" dirty="0"/>
-              <a:t>: this means that once they are created, their size and contents cannot be changed: </a:t>
-            </a:r>
             <a:endParaRPr lang="en-US" b="1" dirty="0">
               <a:solidFill>
                 <a:srgbClr val="000087"/>
@@ -17255,6 +18182,116 @@
                 </a:solidFill>
                 <a:latin typeface="Inconsolata Medium" panose="020B0609030003000000" pitchFamily="49" charset="77"/>
               </a:rPr>
+              <a:t>In</a:t>
+            </a:r>
+            <a:r>
+              <a:rPr lang="en-US" b="1" dirty="0">
+                <a:latin typeface="Inconsolata Medium" panose="020B0609030003000000" pitchFamily="49" charset="77"/>
+              </a:rPr>
+              <a:t>[</a:t>
+            </a:r>
+            <a:r>
+              <a:rPr lang="en-US" b="1" dirty="0">
+                <a:solidFill>
+                  <a:srgbClr val="FF6600"/>
+                </a:solidFill>
+                <a:latin typeface="Inconsolata Medium" panose="020B0609030003000000" pitchFamily="49" charset="77"/>
+              </a:rPr>
+              <a:t>1</a:t>
+            </a:r>
+            <a:r>
+              <a:rPr lang="en-US" b="1" dirty="0">
+                <a:latin typeface="Inconsolata Medium" panose="020B0609030003000000" pitchFamily="49" charset="77"/>
+              </a:rPr>
+              <a:t>]:</a:t>
+            </a:r>
+            <a:r>
+              <a:rPr lang="en-US" b="1" dirty="0">
+                <a:solidFill>
+                  <a:srgbClr val="000087"/>
+                </a:solidFill>
+                <a:latin typeface="Inconsolata Medium" panose="020B0609030003000000" pitchFamily="49" charset="77"/>
+              </a:rPr>
+              <a:t>t </a:t>
+            </a:r>
+            <a:r>
+              <a:rPr lang="en-US" b="1" dirty="0">
+                <a:solidFill>
+                  <a:srgbClr val="545454"/>
+                </a:solidFill>
+                <a:latin typeface="Inconsolata Medium" panose="020B0609030003000000" pitchFamily="49" charset="77"/>
+              </a:rPr>
+              <a:t>= </a:t>
+            </a:r>
+            <a:r>
+              <a:rPr lang="en-US" b="1" dirty="0">
+                <a:latin typeface="Inconsolata Medium" panose="020B0609030003000000" pitchFamily="49" charset="77"/>
+              </a:rPr>
+              <a:t>(</a:t>
+            </a:r>
+            <a:r>
+              <a:rPr lang="en-US" b="1" dirty="0">
+                <a:solidFill>
+                  <a:srgbClr val="FF6600"/>
+                </a:solidFill>
+                <a:latin typeface="Inconsolata Medium" panose="020B0609030003000000" pitchFamily="49" charset="77"/>
+              </a:rPr>
+              <a:t>1</a:t>
+            </a:r>
+            <a:r>
+              <a:rPr lang="en-US" b="1" dirty="0">
+                <a:latin typeface="Inconsolata Medium" panose="020B0609030003000000" pitchFamily="49" charset="77"/>
+              </a:rPr>
+              <a:t>, </a:t>
+            </a:r>
+            <a:r>
+              <a:rPr lang="en-US" b="1" dirty="0">
+                <a:solidFill>
+                  <a:srgbClr val="FF6600"/>
+                </a:solidFill>
+                <a:latin typeface="Inconsolata Medium" panose="020B0609030003000000" pitchFamily="49" charset="77"/>
+              </a:rPr>
+              <a:t>2</a:t>
+            </a:r>
+            <a:r>
+              <a:rPr lang="en-US" b="1" dirty="0">
+                <a:latin typeface="Inconsolata Medium" panose="020B0609030003000000" pitchFamily="49" charset="77"/>
+              </a:rPr>
+              <a:t>, </a:t>
+            </a:r>
+            <a:r>
+              <a:rPr lang="en-US" b="1" dirty="0">
+                <a:solidFill>
+                  <a:srgbClr val="FF6600"/>
+                </a:solidFill>
+                <a:latin typeface="Inconsolata Medium" panose="020B0609030003000000" pitchFamily="49" charset="77"/>
+              </a:rPr>
+              <a:t>3</a:t>
+            </a:r>
+            <a:r>
+              <a:rPr lang="en-US" b="1" dirty="0">
+                <a:latin typeface="Inconsolata Medium" panose="020B0609030003000000" pitchFamily="49" charset="77"/>
+              </a:rPr>
+              <a:t>)</a:t>
+            </a:r>
+            <a:endParaRPr lang="en-US" b="1" dirty="0">
+              <a:solidFill>
+                <a:srgbClr val="000087"/>
+              </a:solidFill>
+              <a:latin typeface="Inconsolata Medium" panose="020B0609030003000000" pitchFamily="49" charset="77"/>
+            </a:endParaRPr>
+          </a:p>
+          <a:p>
+            <a:pPr marL="0" indent="0">
+              <a:buNone/>
+            </a:pPr>
+            <a:r>
+              <a:rPr lang="en-US" b="1" dirty="0">
+                <a:solidFill>
+                  <a:srgbClr val="000087"/>
+                </a:solidFill>
+                <a:latin typeface="Inconsolata Medium" panose="020B0609030003000000" pitchFamily="49" charset="77"/>
+              </a:rPr>
               <a:t>In </a:t>
             </a:r>
             <a:r>
@@ -17270,6 +18307,82 @@
                 </a:solidFill>
                 <a:latin typeface="Inconsolata Medium" panose="020B0609030003000000" pitchFamily="49" charset="77"/>
               </a:rPr>
+              <a:t>2</a:t>
+            </a:r>
+            <a:r>
+              <a:rPr lang="en-US" b="1" dirty="0">
+                <a:latin typeface="Inconsolata Medium" panose="020B0609030003000000" pitchFamily="49" charset="77"/>
+              </a:rPr>
+              <a:t>]: </a:t>
+            </a:r>
+            <a:r>
+              <a:rPr lang="en-US" b="1" dirty="0" err="1">
+                <a:solidFill>
+                  <a:srgbClr val="336666"/>
+                </a:solidFill>
+                <a:latin typeface="Inconsolata Medium" panose="020B0609030003000000" pitchFamily="49" charset="77"/>
+              </a:rPr>
+              <a:t>len</a:t>
+            </a:r>
+            <a:r>
+              <a:rPr lang="en-US" b="1" dirty="0">
+                <a:latin typeface="Inconsolata Medium" panose="020B0609030003000000" pitchFamily="49" charset="77"/>
+              </a:rPr>
+              <a:t>(</a:t>
+            </a:r>
+            <a:r>
+              <a:rPr lang="en-US" b="1" dirty="0">
+                <a:solidFill>
+                  <a:srgbClr val="000087"/>
+                </a:solidFill>
+                <a:latin typeface="Inconsolata Medium" panose="020B0609030003000000" pitchFamily="49" charset="77"/>
+              </a:rPr>
+              <a:t>t</a:t>
+            </a:r>
+            <a:r>
+              <a:rPr lang="en-US" b="1" dirty="0">
+                <a:latin typeface="Inconsolata Medium" panose="020B0609030003000000" pitchFamily="49" charset="77"/>
+              </a:rPr>
+              <a:t>) </a:t>
+            </a:r>
+          </a:p>
+          <a:p>
+            <a:pPr marL="0" indent="0">
+              <a:buNone/>
+            </a:pPr>
+            <a:r>
+              <a:rPr lang="en-US" b="1" dirty="0">
+                <a:latin typeface="Inconsolata Medium" panose="020B0609030003000000" pitchFamily="49" charset="77"/>
+              </a:rPr>
+              <a:t>Out [2]: 3 </a:t>
+            </a:r>
+          </a:p>
+          <a:p>
+            <a:pPr marL="0" indent="0">
+              <a:buNone/>
+            </a:pPr>
+            <a:r>
+              <a:rPr lang="en-US" b="1" dirty="0">
+                <a:solidFill>
+                  <a:srgbClr val="000087"/>
+                </a:solidFill>
+                <a:latin typeface="Inconsolata Medium" panose="020B0609030003000000" pitchFamily="49" charset="77"/>
+              </a:rPr>
+              <a:t>In </a:t>
+            </a:r>
+            <a:r>
+              <a:rPr lang="en-US" b="1" dirty="0">
+                <a:latin typeface="Inconsolata Medium" panose="020B0609030003000000" pitchFamily="49" charset="77"/>
+              </a:rPr>
+              <a:t>[</a:t>
+            </a:r>
+            <a:r>
+              <a:rPr lang="en-US" b="1" dirty="0">
+                <a:solidFill>
+                  <a:srgbClr val="FF6600"/>
+                </a:solidFill>
+                <a:latin typeface="Inconsolata Medium" panose="020B0609030003000000" pitchFamily="49" charset="77"/>
+              </a:rPr>
               <a:t>3</a:t>
             </a:r>
             <a:r>
@@ -17306,7 +18419,7 @@
               <a:rPr lang="en-US" b="1" dirty="0">
                 <a:latin typeface="Inconsolata Medium" panose="020B0609030003000000" pitchFamily="49" charset="77"/>
               </a:rPr>
-              <a:t>] = 1   </a:t>
+              <a:t>] </a:t>
             </a:r>
             <a:r>
               <a:rPr lang="en-US" b="1" i="1" dirty="0">
@@ -17315,97 +18428,110 @@
                 </a:solidFill>
                 <a:latin typeface="Inconsolata Medium" panose="020B0609030003000000" pitchFamily="49" charset="77"/>
               </a:rPr>
-              <a:t># error!</a:t>
-            </a:r>
-          </a:p>
-          <a:p>
-            <a:pPr marL="0" indent="0">
-              <a:buNone/>
-            </a:pPr>
-            <a:r>
-              <a:rPr lang="en-US" b="1" dirty="0">
-                <a:solidFill>
-                  <a:srgbClr val="000087"/>
-                </a:solidFill>
-                <a:latin typeface="Inconsolata Medium" panose="020B0609030003000000" pitchFamily="49" charset="77"/>
-              </a:rPr>
-              <a:t>In </a:t>
-            </a:r>
-            <a:r>
-              <a:rPr lang="en-US" b="1" dirty="0">
-                <a:latin typeface="Inconsolata Medium" panose="020B0609030003000000" pitchFamily="49" charset="77"/>
-              </a:rPr>
-              <a:t>[</a:t>
-            </a:r>
-            <a:r>
-              <a:rPr lang="en-US" b="1" dirty="0">
-                <a:solidFill>
-                  <a:srgbClr val="FF6600"/>
-                </a:solidFill>
-                <a:latin typeface="Inconsolata Medium" panose="020B0609030003000000" pitchFamily="49" charset="77"/>
-              </a:rPr>
-              <a:t>4</a:t>
-            </a:r>
-            <a:r>
-              <a:rPr lang="en-US" b="1" dirty="0">
-                <a:latin typeface="Inconsolata Medium" panose="020B0609030003000000" pitchFamily="49" charset="77"/>
-              </a:rPr>
-              <a:t>]: </a:t>
-            </a:r>
-            <a:r>
-              <a:rPr lang="en-US" b="1" dirty="0" err="1">
-                <a:solidFill>
-                  <a:srgbClr val="000087"/>
-                </a:solidFill>
-                <a:latin typeface="Inconsolata Medium" panose="020B0609030003000000" pitchFamily="49" charset="77"/>
-              </a:rPr>
-              <a:t>t.append</a:t>
-            </a:r>
-            <a:r>
-              <a:rPr lang="en-US" b="1" dirty="0">
-                <a:solidFill>
-                  <a:srgbClr val="000087"/>
-                </a:solidFill>
-                <a:latin typeface="Inconsolata Medium" panose="020B0609030003000000" pitchFamily="49" charset="77"/>
-              </a:rPr>
-              <a:t>(</a:t>
-            </a:r>
-            <a:r>
-              <a:rPr lang="en-US" b="1" dirty="0">
-                <a:solidFill>
-                  <a:srgbClr val="FF6600"/>
-                </a:solidFill>
-                <a:latin typeface="Inconsolata Medium" panose="020B0609030003000000" pitchFamily="49" charset="77"/>
-              </a:rPr>
-              <a:t>10</a:t>
-            </a:r>
-            <a:r>
-              <a:rPr lang="en-US" b="1" dirty="0">
-                <a:solidFill>
-                  <a:srgbClr val="000087"/>
-                </a:solidFill>
-                <a:latin typeface="Inconsolata Medium" panose="020B0609030003000000" pitchFamily="49" charset="77"/>
-              </a:rPr>
-              <a:t>)</a:t>
-            </a:r>
-            <a:r>
-              <a:rPr lang="en-US" b="1" dirty="0">
-                <a:latin typeface="Inconsolata Medium" panose="020B0609030003000000" pitchFamily="49" charset="77"/>
-              </a:rPr>
-              <a:t>    </a:t>
-            </a:r>
-            <a:r>
-              <a:rPr lang="en-US" b="1" i="1" dirty="0">
-                <a:solidFill>
-                  <a:srgbClr val="33566B"/>
-                </a:solidFill>
-                <a:latin typeface="Inconsolata Medium" panose="020B0609030003000000" pitchFamily="49" charset="77"/>
-              </a:rPr>
-              <a:t># error!</a:t>
+              <a:t># access a tuple is the same as a list!</a:t>
             </a:r>
             <a:endParaRPr lang="en-US" b="1" dirty="0">
               <a:latin typeface="Inconsolata Medium" panose="020B0609030003000000" pitchFamily="49" charset="77"/>
             </a:endParaRPr>
+          </a:p>
+          <a:p>
+            <a:pPr marL="0" indent="0">
+              <a:buNone/>
+            </a:pPr>
+            <a:r>
+              <a:rPr lang="en-US" b="1" dirty="0">
+                <a:latin typeface="Inconsolata Medium" panose="020B0609030003000000" pitchFamily="49" charset="77"/>
+              </a:rPr>
+              <a:t>Out [3]: 1 </a:t>
+            </a:r>
+          </a:p>
+          <a:p>
+            <a:pPr marL="0" indent="0">
+              <a:buNone/>
+            </a:pPr>
+            <a:r>
+              <a:rPr lang="en-US" b="1" dirty="0">
+                <a:solidFill>
+                  <a:srgbClr val="000087"/>
+                </a:solidFill>
+                <a:latin typeface="Inconsolata Medium" panose="020B0609030003000000" pitchFamily="49" charset="77"/>
+              </a:rPr>
+              <a:t>In </a:t>
+            </a:r>
+            <a:r>
+              <a:rPr lang="en-US" b="1" dirty="0">
+                <a:latin typeface="Inconsolata Medium" panose="020B0609030003000000" pitchFamily="49" charset="77"/>
+              </a:rPr>
+              <a:t>[</a:t>
+            </a:r>
+            <a:r>
+              <a:rPr lang="en-US" b="1" dirty="0">
+                <a:solidFill>
+                  <a:srgbClr val="FF6600"/>
+                </a:solidFill>
+                <a:latin typeface="Inconsolata Medium" panose="020B0609030003000000" pitchFamily="49" charset="77"/>
+              </a:rPr>
+              <a:t>4</a:t>
+            </a:r>
+            <a:r>
+              <a:rPr lang="en-US" b="1" dirty="0">
+                <a:latin typeface="Inconsolata Medium" panose="020B0609030003000000" pitchFamily="49" charset="77"/>
+              </a:rPr>
+              <a:t>]: </a:t>
+            </a:r>
+            <a:r>
+              <a:rPr lang="en-US" b="1" dirty="0">
+                <a:solidFill>
+                  <a:srgbClr val="000087"/>
+                </a:solidFill>
+                <a:latin typeface="Inconsolata Medium" panose="020B0609030003000000" pitchFamily="49" charset="77"/>
+              </a:rPr>
+              <a:t>t</a:t>
+            </a:r>
+            <a:r>
+              <a:rPr lang="en-US" b="1" dirty="0">
+                <a:latin typeface="Inconsolata Medium" panose="020B0609030003000000" pitchFamily="49" charset="77"/>
+              </a:rPr>
+              <a:t>[</a:t>
+            </a:r>
+            <a:r>
+              <a:rPr lang="en-US" b="1" dirty="0">
+                <a:solidFill>
+                  <a:srgbClr val="FF6600"/>
+                </a:solidFill>
+                <a:latin typeface="Inconsolata Medium" panose="020B0609030003000000" pitchFamily="49" charset="77"/>
+              </a:rPr>
+              <a:t>0:2</a:t>
+            </a:r>
+            <a:r>
+              <a:rPr lang="en-US" b="1" dirty="0">
+                <a:latin typeface="Inconsolata Medium" panose="020B0609030003000000" pitchFamily="49" charset="77"/>
+              </a:rPr>
+              <a:t>] </a:t>
+            </a:r>
+            <a:r>
+              <a:rPr lang="en-US" b="1" i="1" dirty="0">
+                <a:solidFill>
+                  <a:srgbClr val="33566B"/>
+                </a:solidFill>
+                <a:latin typeface="Inconsolata Medium" panose="020B0609030003000000" pitchFamily="49" charset="77"/>
+              </a:rPr>
+              <a:t># slicing is the same</a:t>
+            </a:r>
+            <a:endParaRPr lang="en-US" b="1" dirty="0">
+              <a:latin typeface="Inconsolata Medium" panose="020B0609030003000000" pitchFamily="49" charset="77"/>
+            </a:endParaRPr>
+          </a:p>
+          <a:p>
+            <a:pPr marL="0" indent="0">
+              <a:buNone/>
+            </a:pPr>
+            <a:r>
+              <a:rPr lang="en-US" b="1" dirty="0">
+                <a:latin typeface="Inconsolata Medium" panose="020B0609030003000000" pitchFamily="49" charset="77"/>
+              </a:rPr>
+              <a:t>Out [4]: (1, 2) </a:t>
+            </a:r>
           </a:p>
           <a:p>
             <a:pPr marL="0" indent="0">
@@ -17485,7 +18611,7 @@
                                         <p:tgtEl>
                                           <p:spTgt spid="9">
                                             <p:txEl>
-                                              <p:pRg st="1" end="1"/>
+                                              <p:pRg st="3" end="3"/>
                                             </p:txEl>
                                           </p:spTgt>
                                         </p:tgtEl>
@@ -17516,68 +18642,6 @@
                                         <p:tgtEl>
                                           <p:spTgt spid="9">
                                             <p:txEl>
-                                              <p:pRg st="2" end="2"/>
-                                            </p:txEl>
-                                          </p:spTgt>
-                                        </p:tgtEl>
-                                        <p:attrNameLst>
-                                          <p:attrName>style.visibility</p:attrName>
-                                        </p:attrNameLst>
-                                      </p:cBhvr>
-                                      <p:to>
-                                        <p:strVal val="visible"/>
-                                      </p:to>
-                                    </p:set>
-                                  </p:childTnLst>
-                                </p:cTn>
-                              </p:par>
-                              <p:par>
-                                <p:cTn id="9" presetID="1" presetClass="entr" presetSubtype="0" fill="hold" nodeType="withEffect">
-                                  <p:stCondLst>
-                                    <p:cond delay="0"/>
-                                  </p:stCondLst>
-                                  <p:childTnLst>
-                                    <p:set>
-                                      <p:cBhvr>
-                                        <p:cTn id="10" dur="1" fill="hold">
-                                          <p:stCondLst>
-                                            <p:cond delay="0"/>
-                                          </p:stCondLst>
-                                        </p:cTn>
-                                        <p:tgtEl>
-                                          <p:spTgt spid="9">
-                                            <p:txEl>
-                                              <p:pRg st="3" end="3"/>
-                                            </p:txEl>
-                                          </p:spTgt>
-                                        </p:tgtEl>
-                                        <p:attrNameLst>
-                                          <p:attrName>style.visibility</p:attrName>
-                                        </p:attrNameLst>
-                                      </p:cBhvr>
-                                      <p:to>
-                                        <p:strVal val="visible"/>
-                                      </p:to>
-                                    </p:set>
-                                  </p:childTnLst>
-                                </p:cTn>
-                              </p:par>
-                              <p:par>
-                                <p:cTn id="11" presetID="1" presetClass="entr" presetSubtype="0" fill="hold" nodeType="withEffect">
-                                  <p:stCondLst>
-                                    <p:cond delay="0"/>
-                                  </p:stCondLst>
-                                  <p:childTnLst>
-                                    <p:set>
-                                      <p:cBhvr>
-                                        <p:cTn id="12" dur="1" fill="hold">
-                                          <p:stCondLst>
-                                            <p:cond delay="0"/>
-                                          </p:stCondLst>
-                                        </p:cTn>
-                                        <p:tgtEl>
-                                          <p:spTgt spid="9">
-                                            <p:txEl>
                                               <p:pRg st="4" end="4"/>
                                             </p:txEl>
                                           </p:spTgt>
@@ -17600,26 +18664,26 @@
                     </p:cTn>
                   </p:par>
                   <p:par>
-                    <p:cTn id="13" fill="hold">
+                    <p:cTn id="9" fill="hold">
                       <p:stCondLst>
                         <p:cond delay="indefinite"/>
                       </p:stCondLst>
                       <p:childTnLst>
                         <p:par>
-                          <p:cTn id="14" fill="hold">
+                          <p:cTn id="10" fill="hold">
                             <p:stCondLst>
                               <p:cond delay="0"/>
                             </p:stCondLst>
                             <p:childTnLst>
                               <p:par>
-                                <p:cTn id="15" presetID="1" presetClass="entr" presetSubtype="0" fill="hold" nodeType="clickEffect">
+                                <p:cTn id="11" presetID="1" presetClass="entr" presetSubtype="0" fill="hold" nodeType="clickEffect">
                                   <p:stCondLst>
                                     <p:cond delay="0"/>
                                   </p:stCondLst>
                                   <p:childTnLst>
                                     <p:set>
                                       <p:cBhvr>
-                                        <p:cTn id="16" dur="1" fill="hold">
+                                        <p:cTn id="12" dur="1" fill="hold">
                                           <p:stCondLst>
                                             <p:cond delay="0"/>
                                           </p:stCondLst>
@@ -17643,14 +18707,14 @@
                                 </p:cTn>
                               </p:par>
                               <p:par>
-                                <p:cTn id="17" presetID="1" presetClass="entr" presetSubtype="0" fill="hold" nodeType="withEffect">
+                                <p:cTn id="13" presetID="1" presetClass="entr" presetSubtype="0" fill="hold" nodeType="withEffect">
                                   <p:stCondLst>
                                     <p:cond delay="0"/>
                                   </p:stCondLst>
                                   <p:childTnLst>
                                     <p:set>
                                       <p:cBhvr>
-                                        <p:cTn id="18" dur="1" fill="hold">
+                                        <p:cTn id="14" dur="1" fill="hold">
                                           <p:stCondLst>
                                             <p:cond delay="0"/>
                                           </p:stCondLst>
@@ -17680,26 +18744,26 @@
                     </p:cTn>
                   </p:par>
                   <p:par>
-                    <p:cTn id="19" fill="hold">
+                    <p:cTn id="15" fill="hold">
                       <p:stCondLst>
                         <p:cond delay="indefinite"/>
                       </p:stCondLst>
                       <p:childTnLst>
                         <p:par>
-                          <p:cTn id="20" fill="hold">
+                          <p:cTn id="16" fill="hold">
                             <p:stCondLst>
                               <p:cond delay="0"/>
                             </p:stCondLst>
                             <p:childTnLst>
                               <p:par>
-                                <p:cTn id="21" presetID="1" presetClass="entr" presetSubtype="0" fill="hold" nodeType="clickEffect">
+                                <p:cTn id="17" presetID="1" presetClass="entr" presetSubtype="0" fill="hold" nodeType="clickEffect">
                                   <p:stCondLst>
                                     <p:cond delay="0"/>
                                   </p:stCondLst>
                                   <p:childTnLst>
                                     <p:set>
                                       <p:cBhvr>
-                                        <p:cTn id="22" dur="1" fill="hold">
+                                        <p:cTn id="18" dur="1" fill="hold">
                                           <p:stCondLst>
                                             <p:cond delay="0"/>
                                           </p:stCondLst>
@@ -17707,7 +18771,7 @@
                                         <p:tgtEl>
                                           <p:spTgt spid="9">
                                             <p:txEl>
-                                              <p:pRg st="8" end="8"/>
+                                              <p:pRg st="7" end="7"/>
                                             </p:txEl>
                                           </p:spTgt>
                                         </p:tgtEl>
@@ -17722,33 +18786,15 @@
                                   </p:childTnLst>
                                 </p:cTn>
                               </p:par>
-                            </p:childTnLst>
-                          </p:cTn>
-                        </p:par>
-                      </p:childTnLst>
-                    </p:cTn>
-                  </p:par>
-                  <p:par>
-                    <p:cTn id="23" fill="hold">
-                      <p:stCondLst>
-                        <p:cond delay="indefinite"/>
-                      </p:stCondLst>
-                      <p:childTnLst>
-                        <p:par>
-                          <p:cTn id="24" fill="hold">
-                            <p:stCondLst>
-                              <p:cond delay="0"/>
-                            </p:stCondLst>
-                            <p:childTnLst>
                               <p:par>
-                                <p:cTn id="25" presetID="1" presetClass="entr" presetSubtype="0" fill="hold" nodeType="clickEffect">
+                                <p:cTn id="19" presetID="1" presetClass="entr" presetSubtype="0" fill="hold" nodeType="withEffect">
                                   <p:stCondLst>
                                     <p:cond delay="0"/>
                                   </p:stCondLst>
                                   <p:childTnLst>
                                     <p:set>
                                       <p:cBhvr>
-                                        <p:cTn id="26" dur="1" fill="hold">
+                                        <p:cTn id="20" dur="1" fill="hold">
                                           <p:stCondLst>
                                             <p:cond delay="0"/>
                                           </p:stCondLst>
@@ -17756,7 +18802,7 @@
                                         <p:tgtEl>
                                           <p:spTgt spid="9">
                                             <p:txEl>
-                                              <p:pRg st="9" end="9"/>
+                                              <p:pRg st="8" end="8"/>
                                             </p:txEl>
                                           </p:spTgt>
                                         </p:tgtEl>
@@ -17803,6 +18849,453 @@
 </file>
 
 <file path=ppt/slides/slide5.xml><?xml version="1.0" encoding="utf-8"?>
+<p:sld xmlns:a="http://schemas.openxmlformats.org/drawingml/2006/main" xmlns:r="http://schemas.openxmlformats.org/officeDocument/2006/relationships" xmlns:p="http://schemas.openxmlformats.org/presentationml/2006/main">
+  <p:cSld>
+    <p:spTree>
+      <p:nvGrpSpPr>
+        <p:cNvPr id="1" name=""/>
+        <p:cNvGrpSpPr/>
+        <p:nvPr/>
+      </p:nvGrpSpPr>
+      <p:grpSpPr>
+        <a:xfrm>
+          <a:off x="0" y="0"/>
+          <a:ext cx="0" cy="0"/>
+          <a:chOff x="0" y="0"/>
+          <a:chExt cx="0" cy="0"/>
+        </a:xfrm>
+      </p:grpSpPr>
+      <p:sp>
+        <p:nvSpPr>
+          <p:cNvPr id="2" name="Title 1">
+            <a:extLst>
+              <a:ext uri="{FF2B5EF4-FFF2-40B4-BE49-F238E27FC236}">
+                <a16:creationId xmlns:a16="http://schemas.microsoft.com/office/drawing/2014/main" id="{AA3A228F-61D0-D949-A5E7-F83756230BF8}"/>
+              </a:ext>
+            </a:extLst>
+          </p:cNvPr>
+          <p:cNvSpPr>
+            <a:spLocks noGrp="1"/>
+          </p:cNvSpPr>
+          <p:nvPr>
+            <p:ph type="title"/>
+          </p:nvPr>
+        </p:nvSpPr>
+        <p:spPr>
+          <a:xfrm>
+            <a:off x="483848" y="467027"/>
+            <a:ext cx="7053542" cy="683886"/>
+          </a:xfrm>
+        </p:spPr>
+        <p:txBody>
+          <a:bodyPr/>
+          <a:lstStyle/>
+          <a:p>
+            <a:r>
+              <a:rPr lang="en-US" dirty="0"/>
+              <a:t>Tuples</a:t>
+            </a:r>
+          </a:p>
+        </p:txBody>
+      </p:sp>
+      <p:sp>
+        <p:nvSpPr>
+          <p:cNvPr id="9" name="Content Placeholder 8">
+            <a:extLst>
+              <a:ext uri="{FF2B5EF4-FFF2-40B4-BE49-F238E27FC236}">
+                <a16:creationId xmlns:a16="http://schemas.microsoft.com/office/drawing/2014/main" id="{E3B2E017-30B2-884B-A113-B419A2ED51AD}"/>
+              </a:ext>
+            </a:extLst>
+          </p:cNvPr>
+          <p:cNvSpPr>
+            <a:spLocks noGrp="1"/>
+          </p:cNvSpPr>
+          <p:nvPr>
+            <p:ph idx="1"/>
+          </p:nvPr>
+        </p:nvSpPr>
+        <p:spPr>
+          <a:xfrm>
+            <a:off x="483848" y="1007707"/>
+            <a:ext cx="8051725" cy="4583796"/>
+          </a:xfrm>
+        </p:spPr>
+        <p:txBody>
+          <a:bodyPr>
+            <a:normAutofit/>
+          </a:bodyPr>
+          <a:lstStyle/>
+          <a:p>
+            <a:pPr marL="0" indent="0">
+              <a:buNone/>
+            </a:pPr>
+            <a:r>
+              <a:rPr lang="en-US" dirty="0"/>
+              <a:t>Unlike lists, tuples are </a:t>
+            </a:r>
+            <a:r>
+              <a:rPr lang="en-US" i="1" dirty="0"/>
+              <a:t>immutable</a:t>
+            </a:r>
+            <a:r>
+              <a:rPr lang="en-US" dirty="0"/>
+              <a:t>: this means that once they are created, their size and contents cannot be changed: </a:t>
+            </a:r>
+            <a:endParaRPr lang="en-US" b="1" dirty="0">
+              <a:solidFill>
+                <a:srgbClr val="000087"/>
+              </a:solidFill>
+              <a:latin typeface="Inconsolata Medium" panose="020B0609030003000000" pitchFamily="49" charset="77"/>
+            </a:endParaRPr>
+          </a:p>
+          <a:p>
+            <a:pPr marL="0" indent="0">
+              <a:buNone/>
+            </a:pPr>
+            <a:endParaRPr lang="en-US" b="1" dirty="0">
+              <a:solidFill>
+                <a:srgbClr val="000087"/>
+              </a:solidFill>
+              <a:latin typeface="Inconsolata Medium" panose="020B0609030003000000" pitchFamily="49" charset="77"/>
+            </a:endParaRPr>
+          </a:p>
+          <a:p>
+            <a:pPr marL="0" indent="0">
+              <a:buNone/>
+            </a:pPr>
+            <a:r>
+              <a:rPr lang="en-US" b="1" dirty="0">
+                <a:solidFill>
+                  <a:srgbClr val="000087"/>
+                </a:solidFill>
+                <a:latin typeface="Inconsolata Medium" panose="020B0609030003000000" pitchFamily="49" charset="77"/>
+              </a:rPr>
+              <a:t>In </a:t>
+            </a:r>
+            <a:r>
+              <a:rPr lang="en-US" b="1" dirty="0">
+                <a:latin typeface="Inconsolata Medium" panose="020B0609030003000000" pitchFamily="49" charset="77"/>
+              </a:rPr>
+              <a:t>[</a:t>
+            </a:r>
+            <a:r>
+              <a:rPr lang="en-US" b="1" dirty="0">
+                <a:solidFill>
+                  <a:srgbClr val="FF6600"/>
+                </a:solidFill>
+                <a:latin typeface="Inconsolata Medium" panose="020B0609030003000000" pitchFamily="49" charset="77"/>
+              </a:rPr>
+              <a:t>4</a:t>
+            </a:r>
+            <a:r>
+              <a:rPr lang="en-US" b="1" dirty="0">
+                <a:latin typeface="Inconsolata Medium" panose="020B0609030003000000" pitchFamily="49" charset="77"/>
+              </a:rPr>
+              <a:t>]: </a:t>
+            </a:r>
+            <a:r>
+              <a:rPr lang="en-US" b="1" dirty="0">
+                <a:solidFill>
+                  <a:srgbClr val="000087"/>
+                </a:solidFill>
+                <a:latin typeface="Inconsolata Medium" panose="020B0609030003000000" pitchFamily="49" charset="77"/>
+              </a:rPr>
+              <a:t>t</a:t>
+            </a:r>
+            <a:r>
+              <a:rPr lang="en-US" b="1" dirty="0">
+                <a:latin typeface="Inconsolata Medium" panose="020B0609030003000000" pitchFamily="49" charset="77"/>
+              </a:rPr>
+              <a:t>[</a:t>
+            </a:r>
+            <a:r>
+              <a:rPr lang="en-US" b="1" dirty="0">
+                <a:solidFill>
+                  <a:srgbClr val="FF6600"/>
+                </a:solidFill>
+                <a:latin typeface="Inconsolata Medium" panose="020B0609030003000000" pitchFamily="49" charset="77"/>
+              </a:rPr>
+              <a:t>0</a:t>
+            </a:r>
+            <a:r>
+              <a:rPr lang="en-US" b="1" dirty="0">
+                <a:latin typeface="Inconsolata Medium" panose="020B0609030003000000" pitchFamily="49" charset="77"/>
+              </a:rPr>
+              <a:t>] = 1   </a:t>
+            </a:r>
+            <a:r>
+              <a:rPr lang="en-US" b="1" i="1" dirty="0">
+                <a:solidFill>
+                  <a:srgbClr val="33566B"/>
+                </a:solidFill>
+                <a:latin typeface="Inconsolata Medium" panose="020B0609030003000000" pitchFamily="49" charset="77"/>
+              </a:rPr>
+              <a:t># error!</a:t>
+            </a:r>
+          </a:p>
+          <a:p>
+            <a:pPr marL="0" indent="0">
+              <a:buNone/>
+            </a:pPr>
+            <a:r>
+              <a:rPr lang="en-US" b="1" dirty="0">
+                <a:solidFill>
+                  <a:srgbClr val="000087"/>
+                </a:solidFill>
+                <a:latin typeface="Inconsolata Medium" panose="020B0609030003000000" pitchFamily="49" charset="77"/>
+              </a:rPr>
+              <a:t>In </a:t>
+            </a:r>
+            <a:r>
+              <a:rPr lang="en-US" b="1" dirty="0">
+                <a:latin typeface="Inconsolata Medium" panose="020B0609030003000000" pitchFamily="49" charset="77"/>
+              </a:rPr>
+              <a:t>[</a:t>
+            </a:r>
+            <a:r>
+              <a:rPr lang="en-US" b="1" dirty="0">
+                <a:solidFill>
+                  <a:srgbClr val="FF6600"/>
+                </a:solidFill>
+                <a:latin typeface="Inconsolata Medium" panose="020B0609030003000000" pitchFamily="49" charset="77"/>
+              </a:rPr>
+              <a:t>5</a:t>
+            </a:r>
+            <a:r>
+              <a:rPr lang="en-US" b="1" dirty="0">
+                <a:latin typeface="Inconsolata Medium" panose="020B0609030003000000" pitchFamily="49" charset="77"/>
+              </a:rPr>
+              <a:t>]: </a:t>
+            </a:r>
+            <a:r>
+              <a:rPr lang="en-US" b="1" dirty="0" err="1">
+                <a:solidFill>
+                  <a:srgbClr val="000087"/>
+                </a:solidFill>
+                <a:latin typeface="Inconsolata Medium" panose="020B0609030003000000" pitchFamily="49" charset="77"/>
+              </a:rPr>
+              <a:t>t.append</a:t>
+            </a:r>
+            <a:r>
+              <a:rPr lang="en-US" b="1" dirty="0">
+                <a:solidFill>
+                  <a:srgbClr val="000087"/>
+                </a:solidFill>
+                <a:latin typeface="Inconsolata Medium" panose="020B0609030003000000" pitchFamily="49" charset="77"/>
+              </a:rPr>
+              <a:t>(</a:t>
+            </a:r>
+            <a:r>
+              <a:rPr lang="en-US" b="1" dirty="0">
+                <a:solidFill>
+                  <a:srgbClr val="FF6600"/>
+                </a:solidFill>
+                <a:latin typeface="Inconsolata Medium" panose="020B0609030003000000" pitchFamily="49" charset="77"/>
+              </a:rPr>
+              <a:t>10</a:t>
+            </a:r>
+            <a:r>
+              <a:rPr lang="en-US" b="1" dirty="0">
+                <a:solidFill>
+                  <a:srgbClr val="000087"/>
+                </a:solidFill>
+                <a:latin typeface="Inconsolata Medium" panose="020B0609030003000000" pitchFamily="49" charset="77"/>
+              </a:rPr>
+              <a:t>)</a:t>
+            </a:r>
+            <a:r>
+              <a:rPr lang="en-US" b="1" dirty="0">
+                <a:latin typeface="Inconsolata Medium" panose="020B0609030003000000" pitchFamily="49" charset="77"/>
+              </a:rPr>
+              <a:t>    </a:t>
+            </a:r>
+            <a:r>
+              <a:rPr lang="en-US" b="1" i="1" dirty="0">
+                <a:solidFill>
+                  <a:srgbClr val="33566B"/>
+                </a:solidFill>
+                <a:latin typeface="Inconsolata Medium" panose="020B0609030003000000" pitchFamily="49" charset="77"/>
+              </a:rPr>
+              <a:t># error!</a:t>
+            </a:r>
+            <a:endParaRPr lang="en-US" b="1" dirty="0">
+              <a:latin typeface="Inconsolata Medium" panose="020B0609030003000000" pitchFamily="49" charset="77"/>
+            </a:endParaRPr>
+          </a:p>
+          <a:p>
+            <a:pPr marL="0" indent="0">
+              <a:buNone/>
+            </a:pPr>
+            <a:endParaRPr lang="en-US" b="1" dirty="0">
+              <a:latin typeface="Inconsolata Medium" panose="020B0609030003000000" pitchFamily="49" charset="77"/>
+            </a:endParaRPr>
+          </a:p>
+          <a:p>
+            <a:pPr marL="0" indent="0">
+              <a:buNone/>
+            </a:pPr>
+            <a:endParaRPr lang="en-US" b="1" dirty="0">
+              <a:solidFill>
+                <a:srgbClr val="000087"/>
+              </a:solidFill>
+              <a:latin typeface="Inconsolata Medium" panose="020B0609030003000000" pitchFamily="49" charset="77"/>
+            </a:endParaRPr>
+          </a:p>
+          <a:p>
+            <a:pPr marL="0" indent="0">
+              <a:buNone/>
+            </a:pPr>
+            <a:endParaRPr lang="en-US" b="1" dirty="0">
+              <a:solidFill>
+                <a:srgbClr val="000087"/>
+              </a:solidFill>
+              <a:latin typeface="Inconsolata Medium" panose="020B0609030003000000" pitchFamily="49" charset="77"/>
+            </a:endParaRPr>
+          </a:p>
+        </p:txBody>
+      </p:sp>
+    </p:spTree>
+    <p:extLst>
+      <p:ext uri="{BB962C8B-B14F-4D97-AF65-F5344CB8AC3E}">
+        <p14:creationId xmlns:p14="http://schemas.microsoft.com/office/powerpoint/2010/main" val="1363458133"/>
+      </p:ext>
+    </p:extLst>
+  </p:cSld>
+  <p:clrMapOvr>
+    <a:masterClrMapping/>
+  </p:clrMapOvr>
+  <p:timing>
+    <p:tnLst>
+      <p:par>
+        <p:cTn id="1" dur="indefinite" restart="never" nodeType="tmRoot">
+          <p:childTnLst>
+            <p:seq concurrent="1" nextAc="seek">
+              <p:cTn id="2" dur="indefinite" nodeType="mainSeq">
+                <p:childTnLst>
+                  <p:par>
+                    <p:cTn id="3" fill="hold">
+                      <p:stCondLst>
+                        <p:cond delay="indefinite"/>
+                      </p:stCondLst>
+                      <p:childTnLst>
+                        <p:par>
+                          <p:cTn id="4" fill="hold">
+                            <p:stCondLst>
+                              <p:cond delay="0"/>
+                            </p:stCondLst>
+                            <p:childTnLst>
+                              <p:par>
+                                <p:cTn id="5" presetID="1" presetClass="entr" presetSubtype="0" fill="hold" nodeType="clickEffect">
+                                  <p:stCondLst>
+                                    <p:cond delay="0"/>
+                                  </p:stCondLst>
+                                  <p:childTnLst>
+                                    <p:set>
+                                      <p:cBhvr>
+                                        <p:cTn id="6" dur="1" fill="hold">
+                                          <p:stCondLst>
+                                            <p:cond delay="0"/>
+                                          </p:stCondLst>
+                                        </p:cTn>
+                                        <p:tgtEl>
+                                          <p:spTgt spid="9">
+                                            <p:txEl>
+                                              <p:pRg st="2" end="2"/>
+                                            </p:txEl>
+                                          </p:spTgt>
+                                        </p:tgtEl>
+                                        <p:attrNameLst>
+                                          <p:attrName>style.visibility</p:attrName>
+                                        </p:attrNameLst>
+                                      </p:cBhvr>
+                                      <p:to>
+                                        <p:strVal val="visible"/>
+                                      </p:to>
+                                    </p:set>
+                                  </p:childTnLst>
+                                </p:cTn>
+                              </p:par>
+                            </p:childTnLst>
+                          </p:cTn>
+                        </p:par>
+                      </p:childTnLst>
+                    </p:cTn>
+                  </p:par>
+                  <p:par>
+                    <p:cTn id="7" fill="hold">
+                      <p:stCondLst>
+                        <p:cond delay="indefinite"/>
+                      </p:stCondLst>
+                      <p:childTnLst>
+                        <p:par>
+                          <p:cTn id="8" fill="hold">
+                            <p:stCondLst>
+                              <p:cond delay="0"/>
+                            </p:stCondLst>
+                            <p:childTnLst>
+                              <p:par>
+                                <p:cTn id="9" presetID="1" presetClass="entr" presetSubtype="0" fill="hold" nodeType="clickEffect">
+                                  <p:stCondLst>
+                                    <p:cond delay="0"/>
+                                  </p:stCondLst>
+                                  <p:childTnLst>
+                                    <p:set>
+                                      <p:cBhvr>
+                                        <p:cTn id="10" dur="1" fill="hold">
+                                          <p:stCondLst>
+                                            <p:cond delay="0"/>
+                                          </p:stCondLst>
+                                        </p:cTn>
+                                        <p:tgtEl>
+                                          <p:spTgt spid="9">
+                                            <p:txEl>
+                                              <p:pRg st="3" end="3"/>
+                                            </p:txEl>
+                                          </p:spTgt>
+                                        </p:tgtEl>
+                                        <p:attrNameLst>
+                                          <p:attrName>style.visibility</p:attrName>
+                                        </p:attrNameLst>
+                                      </p:cBhvr>
+                                      <p:to>
+                                        <p:strVal val="visible"/>
+                                      </p:to>
+                                    </p:set>
+                                  </p:childTnLst>
+                                </p:cTn>
+                              </p:par>
+                            </p:childTnLst>
+                          </p:cTn>
+                        </p:par>
+                      </p:childTnLst>
+                    </p:cTn>
+                  </p:par>
+                </p:childTnLst>
+              </p:cTn>
+              <p:prevCondLst>
+                <p:cond evt="onPrev" delay="0">
+                  <p:tgtEl>
+                    <p:sldTgt/>
+                  </p:tgtEl>
+                </p:cond>
+              </p:prevCondLst>
+              <p:nextCondLst>
+                <p:cond evt="onNext" delay="0">
+                  <p:tgtEl>
+                    <p:sldTgt/>
+                  </p:tgtEl>
+                </p:cond>
+              </p:nextCondLst>
+            </p:seq>
+          </p:childTnLst>
+        </p:cTn>
+      </p:par>
+    </p:tnLst>
+  </p:timing>
+</p:sld>
+</file>
+
+<file path=ppt/slides/slide6.xml><?xml version="1.0" encoding="utf-8"?>
 <p:sld xmlns:a="http://schemas.openxmlformats.org/drawingml/2006/main" xmlns:r="http://schemas.openxmlformats.org/officeDocument/2006/relationships" xmlns:p="http://schemas.openxmlformats.org/presentationml/2006/main">
   <p:cSld>
     <p:spTree>
@@ -18417,7 +19910,7 @@
 </p:sld>
 </file>
 
-<file path=ppt/slides/slide6.xml><?xml version="1.0" encoding="utf-8"?>
+<file path=ppt/slides/slide7.xml><?xml version="1.0" encoding="utf-8"?>
 <p:sld xmlns:a="http://schemas.openxmlformats.org/drawingml/2006/main" xmlns:r="http://schemas.openxmlformats.org/officeDocument/2006/relationships" xmlns:p="http://schemas.openxmlformats.org/presentationml/2006/main">
   <p:cSld>
     <p:spTree>
@@ -18749,12 +20242,28 @@
               </a:rPr>
               <a:t>2 1</a:t>
             </a:r>
+          </a:p>
+          <a:p>
+            <a:pPr marL="0" indent="0">
+              <a:buNone/>
+            </a:pPr>
             <a:endParaRPr lang="en-US" b="1" dirty="0">
               <a:solidFill>
                 <a:srgbClr val="000087"/>
               </a:solidFill>
               <a:latin typeface="Inconsolata Medium" panose="020B0609030003000000" pitchFamily="49" charset="77"/>
             </a:endParaRPr>
+          </a:p>
+          <a:p>
+            <a:pPr marL="0" indent="0">
+              <a:buNone/>
+            </a:pPr>
+            <a:r>
+              <a:rPr lang="en-US" b="1" dirty="0">
+                <a:latin typeface="Inconsolata Medium" panose="020B0609030003000000" pitchFamily="49" charset="77"/>
+              </a:rPr>
+              <a:t>Note: In Java, you would need a temporary variable for this. </a:t>
+            </a:r>
           </a:p>
         </p:txBody>
       </p:sp>
@@ -18943,539 +20452,15 @@
                                   </p:childTnLst>
                                 </p:cTn>
                               </p:par>
-                            </p:childTnLst>
-                          </p:cTn>
-                        </p:par>
-                      </p:childTnLst>
-                    </p:cTn>
-                  </p:par>
-                </p:childTnLst>
-              </p:cTn>
-              <p:prevCondLst>
-                <p:cond evt="onPrev" delay="0">
-                  <p:tgtEl>
-                    <p:sldTgt/>
-                  </p:tgtEl>
-                </p:cond>
-              </p:prevCondLst>
-              <p:nextCondLst>
-                <p:cond evt="onNext" delay="0">
-                  <p:tgtEl>
-                    <p:sldTgt/>
-                  </p:tgtEl>
-                </p:cond>
-              </p:nextCondLst>
-            </p:seq>
-          </p:childTnLst>
-        </p:cTn>
-      </p:par>
-    </p:tnLst>
-  </p:timing>
-</p:sld>
-</file>
-
-<file path=ppt/slides/slide7.xml><?xml version="1.0" encoding="utf-8"?>
-<p:sld xmlns:a="http://schemas.openxmlformats.org/drawingml/2006/main" xmlns:r="http://schemas.openxmlformats.org/officeDocument/2006/relationships" xmlns:p="http://schemas.openxmlformats.org/presentationml/2006/main">
-  <p:cSld>
-    <p:spTree>
-      <p:nvGrpSpPr>
-        <p:cNvPr id="1" name=""/>
-        <p:cNvGrpSpPr/>
-        <p:nvPr/>
-      </p:nvGrpSpPr>
-      <p:grpSpPr>
-        <a:xfrm>
-          <a:off x="0" y="0"/>
-          <a:ext cx="0" cy="0"/>
-          <a:chOff x="0" y="0"/>
-          <a:chExt cx="0" cy="0"/>
-        </a:xfrm>
-      </p:grpSpPr>
-      <p:sp>
-        <p:nvSpPr>
-          <p:cNvPr id="2" name="Title 1">
-            <a:extLst>
-              <a:ext uri="{FF2B5EF4-FFF2-40B4-BE49-F238E27FC236}">
-                <a16:creationId xmlns:a16="http://schemas.microsoft.com/office/drawing/2014/main" id="{AA3A228F-61D0-D949-A5E7-F83756230BF8}"/>
-              </a:ext>
-            </a:extLst>
-          </p:cNvPr>
-          <p:cNvSpPr>
-            <a:spLocks noGrp="1"/>
-          </p:cNvSpPr>
-          <p:nvPr>
-            <p:ph type="title"/>
-          </p:nvPr>
-        </p:nvSpPr>
-        <p:spPr>
-          <a:xfrm>
-            <a:off x="483848" y="467027"/>
-            <a:ext cx="7053542" cy="683886"/>
-          </a:xfrm>
-        </p:spPr>
-        <p:txBody>
-          <a:bodyPr/>
-          <a:lstStyle/>
-          <a:p>
-            <a:r>
-              <a:rPr lang="en-US" dirty="0"/>
-              <a:t>list(), tuple()</a:t>
-            </a:r>
-          </a:p>
-        </p:txBody>
-      </p:sp>
-      <p:sp>
-        <p:nvSpPr>
-          <p:cNvPr id="9" name="Content Placeholder 8">
-            <a:extLst>
-              <a:ext uri="{FF2B5EF4-FFF2-40B4-BE49-F238E27FC236}">
-                <a16:creationId xmlns:a16="http://schemas.microsoft.com/office/drawing/2014/main" id="{E3B2E017-30B2-884B-A113-B419A2ED51AD}"/>
-              </a:ext>
-            </a:extLst>
-          </p:cNvPr>
-          <p:cNvSpPr>
-            <a:spLocks noGrp="1"/>
-          </p:cNvSpPr>
-          <p:nvPr>
-            <p:ph idx="1"/>
-          </p:nvPr>
-        </p:nvSpPr>
-        <p:spPr>
-          <a:xfrm>
-            <a:off x="483848" y="1150912"/>
-            <a:ext cx="8051725" cy="4564087"/>
-          </a:xfrm>
-        </p:spPr>
-        <p:txBody>
-          <a:bodyPr>
-            <a:noAutofit/>
-          </a:bodyPr>
-          <a:lstStyle/>
-          <a:p>
-            <a:pPr marL="0" indent="0">
-              <a:buNone/>
-            </a:pPr>
-            <a:r>
-              <a:rPr lang="en-US" dirty="0"/>
-              <a:t>Converting between sequences can be done using the appropriate constructors: list(), tuple().</a:t>
-            </a:r>
-          </a:p>
-          <a:p>
-            <a:pPr marL="0" indent="0">
-              <a:buNone/>
-            </a:pPr>
-            <a:endParaRPr lang="en-US" dirty="0"/>
-          </a:p>
-          <a:p>
-            <a:pPr marL="0" indent="0">
-              <a:buNone/>
-            </a:pPr>
-            <a:r>
-              <a:rPr lang="en-US" b="1" dirty="0">
-                <a:solidFill>
-                  <a:srgbClr val="000087"/>
-                </a:solidFill>
-                <a:latin typeface="Inconsolata Medium" panose="020B0609030003000000" pitchFamily="49" charset="77"/>
-              </a:rPr>
-              <a:t>In </a:t>
-            </a:r>
-            <a:r>
-              <a:rPr lang="en-US" b="1" dirty="0">
-                <a:latin typeface="Inconsolata Medium" panose="020B0609030003000000" pitchFamily="49" charset="77"/>
-              </a:rPr>
-              <a:t>[</a:t>
-            </a:r>
-            <a:r>
-              <a:rPr lang="en-US" b="1" dirty="0">
-                <a:solidFill>
-                  <a:srgbClr val="FF6600"/>
-                </a:solidFill>
-                <a:latin typeface="Inconsolata Medium" panose="020B0609030003000000" pitchFamily="49" charset="77"/>
-              </a:rPr>
-              <a:t>26</a:t>
-            </a:r>
-            <a:r>
-              <a:rPr lang="en-US" b="1" dirty="0">
-                <a:latin typeface="Inconsolata Medium" panose="020B0609030003000000" pitchFamily="49" charset="77"/>
-              </a:rPr>
-              <a:t>]: </a:t>
-            </a:r>
-            <a:r>
-              <a:rPr lang="en-US" b="1" dirty="0">
-                <a:solidFill>
-                  <a:srgbClr val="000087"/>
-                </a:solidFill>
-                <a:latin typeface="Inconsolata Medium" panose="020B0609030003000000" pitchFamily="49" charset="77"/>
-              </a:rPr>
-              <a:t>message = </a:t>
-            </a:r>
-            <a:r>
-              <a:rPr lang="en-US" dirty="0">
-                <a:solidFill>
-                  <a:srgbClr val="CC3300"/>
-                </a:solidFill>
-                <a:latin typeface="UbuntuMono"/>
-              </a:rPr>
-              <a:t>“python” </a:t>
-            </a:r>
-            <a:endParaRPr lang="en-US" b="1" dirty="0">
-              <a:solidFill>
-                <a:srgbClr val="000087"/>
-              </a:solidFill>
-              <a:latin typeface="Inconsolata Medium" panose="020B0609030003000000" pitchFamily="49" charset="77"/>
-            </a:endParaRPr>
-          </a:p>
-          <a:p>
-            <a:pPr marL="0" indent="0">
-              <a:buNone/>
-            </a:pPr>
-            <a:r>
-              <a:rPr lang="en-US" b="1" dirty="0">
-                <a:solidFill>
-                  <a:srgbClr val="000087"/>
-                </a:solidFill>
-                <a:latin typeface="Inconsolata Medium" panose="020B0609030003000000" pitchFamily="49" charset="77"/>
-              </a:rPr>
-              <a:t>	    </a:t>
-            </a:r>
-            <a:r>
-              <a:rPr lang="en-US" b="1" dirty="0">
-                <a:solidFill>
-                  <a:srgbClr val="336666"/>
-                </a:solidFill>
-                <a:latin typeface="Inconsolata Medium" panose="020B0609030003000000" pitchFamily="49" charset="77"/>
-              </a:rPr>
-              <a:t>list</a:t>
-            </a:r>
-            <a:r>
-              <a:rPr lang="en-US" b="1" dirty="0">
-                <a:solidFill>
-                  <a:srgbClr val="000087"/>
-                </a:solidFill>
-                <a:latin typeface="Inconsolata Medium" panose="020B0609030003000000" pitchFamily="49" charset="77"/>
-              </a:rPr>
-              <a:t>(message)</a:t>
-            </a:r>
-            <a:endParaRPr lang="en-US" b="1" dirty="0">
-              <a:latin typeface="Inconsolata Medium" panose="020B0609030003000000" pitchFamily="49" charset="77"/>
-            </a:endParaRPr>
-          </a:p>
-          <a:p>
-            <a:pPr marL="0" indent="0">
-              <a:buNone/>
-            </a:pPr>
-            <a:r>
-              <a:rPr lang="en-US" b="1" dirty="0">
-                <a:latin typeface="Inconsolata Medium" panose="020B0609030003000000" pitchFamily="49" charset="77"/>
-              </a:rPr>
-              <a:t>Out [26]: [‘p’, ‘y’, ‘t’, ‘h’, ‘o’, ‘n’] </a:t>
-            </a:r>
-          </a:p>
-          <a:p>
-            <a:pPr marL="0" indent="0">
-              <a:buNone/>
-            </a:pPr>
-            <a:endParaRPr lang="en-US" b="1" dirty="0">
-              <a:latin typeface="Inconsolata Medium" panose="020B0609030003000000" pitchFamily="49" charset="77"/>
-            </a:endParaRPr>
-          </a:p>
-          <a:p>
-            <a:pPr marL="0" indent="0">
-              <a:buNone/>
-            </a:pPr>
-            <a:r>
-              <a:rPr lang="en-US" b="1" dirty="0">
-                <a:solidFill>
-                  <a:srgbClr val="000087"/>
-                </a:solidFill>
-                <a:latin typeface="Inconsolata Medium" panose="020B0609030003000000" pitchFamily="49" charset="77"/>
-              </a:rPr>
-              <a:t>In </a:t>
-            </a:r>
-            <a:r>
-              <a:rPr lang="en-US" b="1" dirty="0">
-                <a:latin typeface="Inconsolata Medium" panose="020B0609030003000000" pitchFamily="49" charset="77"/>
-              </a:rPr>
-              <a:t>[</a:t>
-            </a:r>
-            <a:r>
-              <a:rPr lang="en-US" b="1" dirty="0">
-                <a:solidFill>
-                  <a:srgbClr val="FF6600"/>
-                </a:solidFill>
-                <a:latin typeface="Inconsolata Medium" panose="020B0609030003000000" pitchFamily="49" charset="77"/>
-              </a:rPr>
-              <a:t>27</a:t>
-            </a:r>
-            <a:r>
-              <a:rPr lang="en-US" b="1" dirty="0">
-                <a:latin typeface="Inconsolata Medium" panose="020B0609030003000000" pitchFamily="49" charset="77"/>
-              </a:rPr>
-              <a:t>]: </a:t>
-            </a:r>
-            <a:r>
-              <a:rPr lang="en-US" b="1" dirty="0">
-                <a:solidFill>
-                  <a:srgbClr val="000087"/>
-                </a:solidFill>
-                <a:latin typeface="Inconsolata Medium" panose="020B0609030003000000" pitchFamily="49" charset="77"/>
-              </a:rPr>
-              <a:t>t </a:t>
-            </a:r>
-            <a:r>
-              <a:rPr lang="en-US" b="1" dirty="0">
-                <a:solidFill>
-                  <a:srgbClr val="545454"/>
-                </a:solidFill>
-                <a:latin typeface="Inconsolata Medium" panose="020B0609030003000000" pitchFamily="49" charset="77"/>
-              </a:rPr>
-              <a:t>= [</a:t>
-            </a:r>
-            <a:r>
-              <a:rPr lang="en-US" b="1" dirty="0">
-                <a:solidFill>
-                  <a:srgbClr val="FF6600"/>
-                </a:solidFill>
-                <a:latin typeface="Inconsolata Medium" panose="020B0609030003000000" pitchFamily="49" charset="77"/>
-              </a:rPr>
-              <a:t>1</a:t>
-            </a:r>
-            <a:r>
-              <a:rPr lang="en-US" b="1" dirty="0">
-                <a:latin typeface="Inconsolata Medium" panose="020B0609030003000000" pitchFamily="49" charset="77"/>
-              </a:rPr>
-              <a:t>, </a:t>
-            </a:r>
-            <a:r>
-              <a:rPr lang="en-US" b="1" dirty="0">
-                <a:solidFill>
-                  <a:srgbClr val="FF6600"/>
-                </a:solidFill>
-                <a:latin typeface="Inconsolata Medium" panose="020B0609030003000000" pitchFamily="49" charset="77"/>
-              </a:rPr>
-              <a:t>2</a:t>
-            </a:r>
-            <a:r>
-              <a:rPr lang="en-US" b="1" dirty="0">
-                <a:latin typeface="Inconsolata Medium" panose="020B0609030003000000" pitchFamily="49" charset="77"/>
-              </a:rPr>
-              <a:t>, </a:t>
-            </a:r>
-            <a:r>
-              <a:rPr lang="en-US" b="1" dirty="0">
-                <a:solidFill>
-                  <a:srgbClr val="FF6600"/>
-                </a:solidFill>
-                <a:latin typeface="Inconsolata Medium" panose="020B0609030003000000" pitchFamily="49" charset="77"/>
-              </a:rPr>
-              <a:t>3</a:t>
-            </a:r>
-            <a:r>
-              <a:rPr lang="en-US" b="1" dirty="0">
-                <a:solidFill>
-                  <a:srgbClr val="545454"/>
-                </a:solidFill>
-                <a:latin typeface="Inconsolata Medium" panose="020B0609030003000000" pitchFamily="49" charset="77"/>
-              </a:rPr>
-              <a:t>]</a:t>
-            </a:r>
-            <a:endParaRPr lang="en-US" b="1" dirty="0">
-              <a:latin typeface="Inconsolata Medium" panose="020B0609030003000000" pitchFamily="49" charset="77"/>
-            </a:endParaRPr>
-          </a:p>
-          <a:p>
-            <a:pPr marL="0" indent="0">
-              <a:buNone/>
-            </a:pPr>
-            <a:r>
-              <a:rPr lang="en-US" b="1" i="1" dirty="0">
-                <a:solidFill>
-                  <a:srgbClr val="33566B"/>
-                </a:solidFill>
-                <a:latin typeface="Inconsolata Medium" panose="020B0609030003000000" pitchFamily="49" charset="77"/>
-              </a:rPr>
-              <a:t>	    </a:t>
-            </a:r>
-            <a:r>
-              <a:rPr lang="en-US" b="1" dirty="0">
-                <a:solidFill>
-                  <a:srgbClr val="336666"/>
-                </a:solidFill>
-                <a:latin typeface="Inconsolata Medium" panose="020B0609030003000000" pitchFamily="49" charset="77"/>
-              </a:rPr>
-              <a:t>tuple</a:t>
-            </a:r>
-            <a:r>
-              <a:rPr lang="en-US" b="1" dirty="0">
-                <a:solidFill>
-                  <a:srgbClr val="000087"/>
-                </a:solidFill>
-                <a:latin typeface="Inconsolata Medium" panose="020B0609030003000000" pitchFamily="49" charset="77"/>
-              </a:rPr>
-              <a:t>(t)</a:t>
-            </a:r>
-            <a:endParaRPr lang="en-US" b="1" i="1" dirty="0">
-              <a:solidFill>
-                <a:srgbClr val="33566B"/>
-              </a:solidFill>
-              <a:latin typeface="Inconsolata Medium" panose="020B0609030003000000" pitchFamily="49" charset="77"/>
-            </a:endParaRPr>
-          </a:p>
-          <a:p>
-            <a:pPr marL="0" indent="0">
-              <a:buNone/>
-            </a:pPr>
-            <a:r>
-              <a:rPr lang="en-US" b="1" dirty="0">
-                <a:latin typeface="Inconsolata Medium" panose="020B0609030003000000" pitchFamily="49" charset="77"/>
-              </a:rPr>
-              <a:t>Out [27]: (1, 2, 3) </a:t>
-            </a:r>
-          </a:p>
-          <a:p>
-            <a:pPr marL="0" indent="0">
-              <a:buNone/>
-            </a:pPr>
-            <a:endParaRPr lang="en-US" b="1" dirty="0">
-              <a:latin typeface="Inconsolata Medium" panose="020B0609030003000000" pitchFamily="49" charset="77"/>
-            </a:endParaRPr>
-          </a:p>
-          <a:p>
-            <a:pPr marL="0" indent="0">
-              <a:buNone/>
-            </a:pPr>
-            <a:endParaRPr lang="en-US" dirty="0"/>
-          </a:p>
-          <a:p>
-            <a:pPr marL="0" indent="0">
-              <a:buNone/>
-            </a:pPr>
-            <a:endParaRPr lang="en-US" dirty="0"/>
-          </a:p>
-          <a:p>
-            <a:pPr marL="0" indent="0">
-              <a:buNone/>
-            </a:pPr>
-            <a:r>
-              <a:rPr lang="en-US" dirty="0"/>
-              <a:t> </a:t>
-            </a:r>
-          </a:p>
-          <a:p>
-            <a:pPr marL="0" indent="0">
-              <a:buNone/>
-            </a:pPr>
-            <a:endParaRPr lang="en-US" dirty="0"/>
-          </a:p>
-          <a:p>
-            <a:pPr marL="0" indent="0">
-              <a:buNone/>
-            </a:pPr>
-            <a:endParaRPr lang="en-US" dirty="0"/>
-          </a:p>
-        </p:txBody>
-      </p:sp>
-    </p:spTree>
-    <p:extLst>
-      <p:ext uri="{BB962C8B-B14F-4D97-AF65-F5344CB8AC3E}">
-        <p14:creationId xmlns:p14="http://schemas.microsoft.com/office/powerpoint/2010/main" val="1997478848"/>
-      </p:ext>
-    </p:extLst>
-  </p:cSld>
-  <p:clrMapOvr>
-    <a:masterClrMapping/>
-  </p:clrMapOvr>
-  <p:timing>
-    <p:tnLst>
-      <p:par>
-        <p:cTn id="1" dur="indefinite" restart="never" nodeType="tmRoot">
-          <p:childTnLst>
-            <p:seq concurrent="1" nextAc="seek">
-              <p:cTn id="2" dur="indefinite" nodeType="mainSeq">
-                <p:childTnLst>
-                  <p:par>
-                    <p:cTn id="3" fill="hold">
-                      <p:stCondLst>
-                        <p:cond delay="indefinite"/>
-                      </p:stCondLst>
-                      <p:childTnLst>
-                        <p:par>
-                          <p:cTn id="4" fill="hold">
-                            <p:stCondLst>
-                              <p:cond delay="0"/>
-                            </p:stCondLst>
-                            <p:childTnLst>
                               <p:par>
-                                <p:cTn id="5" presetID="1" presetClass="entr" presetSubtype="0" fill="hold" nodeType="clickEffect">
+                                <p:cTn id="15" presetID="1" presetClass="entr" presetSubtype="0" fill="hold" nodeType="withEffect">
                                   <p:stCondLst>
                                     <p:cond delay="0"/>
                                   </p:stCondLst>
                                   <p:childTnLst>
                                     <p:set>
                                       <p:cBhvr>
-                                        <p:cTn id="6" dur="1" fill="hold">
-                                          <p:stCondLst>
-                                            <p:cond delay="0"/>
-                                          </p:stCondLst>
-                                        </p:cTn>
-                                        <p:tgtEl>
-                                          <p:spTgt spid="9">
-                                            <p:txEl>
-                                              <p:pRg st="6" end="6"/>
-                                            </p:txEl>
-                                          </p:spTgt>
-                                        </p:tgtEl>
-                                        <p:attrNameLst>
-                                          <p:attrName>style.visibility</p:attrName>
-                                        </p:attrNameLst>
-                                      </p:cBhvr>
-                                      <p:to>
-                                        <p:strVal val="visible"/>
-                                      </p:to>
-                                    </p:set>
-                                  </p:childTnLst>
-                                </p:cTn>
-                              </p:par>
-                              <p:par>
-                                <p:cTn id="7" presetID="1" presetClass="entr" presetSubtype="0" fill="hold" nodeType="withEffect">
-                                  <p:stCondLst>
-                                    <p:cond delay="0"/>
-                                  </p:stCondLst>
-                                  <p:childTnLst>
-                                    <p:set>
-                                      <p:cBhvr>
-                                        <p:cTn id="8" dur="1" fill="hold">
-                                          <p:stCondLst>
-                                            <p:cond delay="0"/>
-                                          </p:stCondLst>
-                                        </p:cTn>
-                                        <p:tgtEl>
-                                          <p:spTgt spid="9">
-                                            <p:txEl>
-                                              <p:pRg st="7" end="7"/>
-                                            </p:txEl>
-                                          </p:spTgt>
-                                        </p:tgtEl>
-                                        <p:attrNameLst>
-                                          <p:attrName>style.visibility</p:attrName>
-                                        </p:attrNameLst>
-                                      </p:cBhvr>
-                                      <p:to>
-                                        <p:strVal val="visible"/>
-                                      </p:to>
-                                    </p:set>
-                                  </p:childTnLst>
-                                </p:cTn>
-                              </p:par>
-                              <p:par>
-                                <p:cTn id="9" presetID="1" presetClass="entr" presetSubtype="0" fill="hold" nodeType="withEffect">
-                                  <p:stCondLst>
-                                    <p:cond delay="0"/>
-                                  </p:stCondLst>
-                                  <p:childTnLst>
-                                    <p:set>
-                                      <p:cBhvr>
-                                        <p:cTn id="10" dur="1" fill="hold">
+                                        <p:cTn id="16" dur="1" fill="hold">
                                           <p:stCondLst>
                                             <p:cond delay="0"/>
                                           </p:stCondLst>
@@ -19574,7 +20559,7 @@
           <a:p>
             <a:r>
               <a:rPr lang="en-US" dirty="0"/>
-              <a:t>List of Tuples</a:t>
+              <a:t>list(), tuple()</a:t>
             </a:r>
           </a:p>
         </p:txBody>
@@ -19612,6 +20597,718 @@
             </a:pPr>
             <a:r>
               <a:rPr lang="en-US" dirty="0"/>
+              <a:t>Converting between sequences can be done using the appropriate constructors: list(), tuple().</a:t>
+            </a:r>
+          </a:p>
+          <a:p>
+            <a:pPr marL="0" indent="0">
+              <a:buNone/>
+            </a:pPr>
+            <a:endParaRPr lang="en-US" dirty="0"/>
+          </a:p>
+          <a:p>
+            <a:pPr marL="0" indent="0">
+              <a:buNone/>
+            </a:pPr>
+            <a:endParaRPr lang="en-US" b="1" dirty="0">
+              <a:latin typeface="Inconsolata Medium" panose="020B0609030003000000" pitchFamily="49" charset="77"/>
+            </a:endParaRPr>
+          </a:p>
+          <a:p>
+            <a:pPr marL="0" indent="0">
+              <a:buNone/>
+            </a:pPr>
+            <a:r>
+              <a:rPr lang="en-US" b="1" dirty="0">
+                <a:solidFill>
+                  <a:srgbClr val="000087"/>
+                </a:solidFill>
+                <a:latin typeface="Inconsolata Medium" panose="020B0609030003000000" pitchFamily="49" charset="77"/>
+              </a:rPr>
+              <a:t>In </a:t>
+            </a:r>
+            <a:r>
+              <a:rPr lang="en-US" b="1" dirty="0">
+                <a:latin typeface="Inconsolata Medium" panose="020B0609030003000000" pitchFamily="49" charset="77"/>
+              </a:rPr>
+              <a:t>[</a:t>
+            </a:r>
+            <a:r>
+              <a:rPr lang="en-US" b="1" dirty="0">
+                <a:solidFill>
+                  <a:srgbClr val="FF6600"/>
+                </a:solidFill>
+                <a:latin typeface="Inconsolata Medium" panose="020B0609030003000000" pitchFamily="49" charset="77"/>
+              </a:rPr>
+              <a:t>1</a:t>
+            </a:r>
+            <a:r>
+              <a:rPr lang="en-US" b="1" dirty="0">
+                <a:latin typeface="Inconsolata Medium" panose="020B0609030003000000" pitchFamily="49" charset="77"/>
+              </a:rPr>
+              <a:t>]: </a:t>
+            </a:r>
+            <a:r>
+              <a:rPr lang="en-US" b="1" dirty="0">
+                <a:solidFill>
+                  <a:srgbClr val="000087"/>
+                </a:solidFill>
+                <a:latin typeface="Inconsolata Medium" panose="020B0609030003000000" pitchFamily="49" charset="77"/>
+              </a:rPr>
+              <a:t>t </a:t>
+            </a:r>
+            <a:r>
+              <a:rPr lang="en-US" b="1" dirty="0">
+                <a:solidFill>
+                  <a:srgbClr val="545454"/>
+                </a:solidFill>
+                <a:latin typeface="Inconsolata Medium" panose="020B0609030003000000" pitchFamily="49" charset="77"/>
+              </a:rPr>
+              <a:t>= [</a:t>
+            </a:r>
+            <a:r>
+              <a:rPr lang="en-US" b="1" dirty="0">
+                <a:solidFill>
+                  <a:srgbClr val="FF6600"/>
+                </a:solidFill>
+                <a:latin typeface="Inconsolata Medium" panose="020B0609030003000000" pitchFamily="49" charset="77"/>
+              </a:rPr>
+              <a:t>1</a:t>
+            </a:r>
+            <a:r>
+              <a:rPr lang="en-US" b="1" dirty="0">
+                <a:latin typeface="Inconsolata Medium" panose="020B0609030003000000" pitchFamily="49" charset="77"/>
+              </a:rPr>
+              <a:t>, </a:t>
+            </a:r>
+            <a:r>
+              <a:rPr lang="en-US" b="1" dirty="0">
+                <a:solidFill>
+                  <a:srgbClr val="FF6600"/>
+                </a:solidFill>
+                <a:latin typeface="Inconsolata Medium" panose="020B0609030003000000" pitchFamily="49" charset="77"/>
+              </a:rPr>
+              <a:t>2</a:t>
+            </a:r>
+            <a:r>
+              <a:rPr lang="en-US" b="1" dirty="0">
+                <a:latin typeface="Inconsolata Medium" panose="020B0609030003000000" pitchFamily="49" charset="77"/>
+              </a:rPr>
+              <a:t>, </a:t>
+            </a:r>
+            <a:r>
+              <a:rPr lang="en-US" b="1" dirty="0">
+                <a:solidFill>
+                  <a:srgbClr val="FF6600"/>
+                </a:solidFill>
+                <a:latin typeface="Inconsolata Medium" panose="020B0609030003000000" pitchFamily="49" charset="77"/>
+              </a:rPr>
+              <a:t>3</a:t>
+            </a:r>
+            <a:r>
+              <a:rPr lang="en-US" b="1" dirty="0">
+                <a:solidFill>
+                  <a:srgbClr val="545454"/>
+                </a:solidFill>
+                <a:latin typeface="Inconsolata Medium" panose="020B0609030003000000" pitchFamily="49" charset="77"/>
+              </a:rPr>
+              <a:t>]</a:t>
+            </a:r>
+            <a:endParaRPr lang="en-US" b="1" dirty="0">
+              <a:latin typeface="Inconsolata Medium" panose="020B0609030003000000" pitchFamily="49" charset="77"/>
+            </a:endParaRPr>
+          </a:p>
+          <a:p>
+            <a:pPr marL="0" indent="0">
+              <a:buNone/>
+            </a:pPr>
+            <a:r>
+              <a:rPr lang="en-US" b="1" i="1" dirty="0">
+                <a:solidFill>
+                  <a:srgbClr val="33566B"/>
+                </a:solidFill>
+                <a:latin typeface="Inconsolata Medium" panose="020B0609030003000000" pitchFamily="49" charset="77"/>
+              </a:rPr>
+              <a:t>	   </a:t>
+            </a:r>
+            <a:r>
+              <a:rPr lang="en-US" b="1" dirty="0">
+                <a:solidFill>
+                  <a:srgbClr val="336666"/>
+                </a:solidFill>
+                <a:latin typeface="Inconsolata Medium" panose="020B0609030003000000" pitchFamily="49" charset="77"/>
+              </a:rPr>
+              <a:t>tuple</a:t>
+            </a:r>
+            <a:r>
+              <a:rPr lang="en-US" b="1" dirty="0">
+                <a:solidFill>
+                  <a:srgbClr val="000087"/>
+                </a:solidFill>
+                <a:latin typeface="Inconsolata Medium" panose="020B0609030003000000" pitchFamily="49" charset="77"/>
+              </a:rPr>
+              <a:t>(t)</a:t>
+            </a:r>
+            <a:endParaRPr lang="en-US" b="1" i="1" dirty="0">
+              <a:solidFill>
+                <a:srgbClr val="33566B"/>
+              </a:solidFill>
+              <a:latin typeface="Inconsolata Medium" panose="020B0609030003000000" pitchFamily="49" charset="77"/>
+            </a:endParaRPr>
+          </a:p>
+          <a:p>
+            <a:pPr marL="0" indent="0">
+              <a:buNone/>
+            </a:pPr>
+            <a:r>
+              <a:rPr lang="en-US" b="1" dirty="0">
+                <a:latin typeface="Inconsolata Medium" panose="020B0609030003000000" pitchFamily="49" charset="77"/>
+              </a:rPr>
+              <a:t>Out [1]: (1, 2, 3) </a:t>
+            </a:r>
+          </a:p>
+          <a:p>
+            <a:pPr marL="0" indent="0">
+              <a:buNone/>
+            </a:pPr>
+            <a:endParaRPr lang="en-US" b="1" dirty="0">
+              <a:latin typeface="Inconsolata Medium" panose="020B0609030003000000" pitchFamily="49" charset="77"/>
+            </a:endParaRPr>
+          </a:p>
+          <a:p>
+            <a:pPr marL="0" indent="0">
+              <a:buNone/>
+            </a:pPr>
+            <a:r>
+              <a:rPr lang="en-US" b="1" dirty="0">
+                <a:solidFill>
+                  <a:srgbClr val="000087"/>
+                </a:solidFill>
+                <a:latin typeface="Inconsolata Medium" panose="020B0609030003000000" pitchFamily="49" charset="77"/>
+              </a:rPr>
+              <a:t>In </a:t>
+            </a:r>
+            <a:r>
+              <a:rPr lang="en-US" b="1" dirty="0">
+                <a:latin typeface="Inconsolata Medium" panose="020B0609030003000000" pitchFamily="49" charset="77"/>
+              </a:rPr>
+              <a:t>[</a:t>
+            </a:r>
+            <a:r>
+              <a:rPr lang="en-US" b="1" dirty="0">
+                <a:solidFill>
+                  <a:srgbClr val="FF6600"/>
+                </a:solidFill>
+                <a:latin typeface="Inconsolata Medium" panose="020B0609030003000000" pitchFamily="49" charset="77"/>
+              </a:rPr>
+              <a:t>2</a:t>
+            </a:r>
+            <a:r>
+              <a:rPr lang="en-US" b="1" dirty="0">
+                <a:latin typeface="Inconsolata Medium" panose="020B0609030003000000" pitchFamily="49" charset="77"/>
+              </a:rPr>
+              <a:t>]: </a:t>
+            </a:r>
+            <a:r>
+              <a:rPr lang="en-US" b="1" dirty="0">
+                <a:solidFill>
+                  <a:srgbClr val="000087"/>
+                </a:solidFill>
+                <a:latin typeface="Inconsolata Medium" panose="020B0609030003000000" pitchFamily="49" charset="77"/>
+              </a:rPr>
+              <a:t>s </a:t>
+            </a:r>
+            <a:r>
+              <a:rPr lang="en-US" b="1" dirty="0">
+                <a:solidFill>
+                  <a:srgbClr val="545454"/>
+                </a:solidFill>
+                <a:latin typeface="Inconsolata Medium" panose="020B0609030003000000" pitchFamily="49" charset="77"/>
+              </a:rPr>
+              <a:t>= (</a:t>
+            </a:r>
+            <a:r>
+              <a:rPr lang="en-US" b="1" dirty="0">
+                <a:solidFill>
+                  <a:srgbClr val="FF6600"/>
+                </a:solidFill>
+                <a:latin typeface="Inconsolata Medium" panose="020B0609030003000000" pitchFamily="49" charset="77"/>
+              </a:rPr>
+              <a:t>1</a:t>
+            </a:r>
+            <a:r>
+              <a:rPr lang="en-US" b="1" dirty="0">
+                <a:latin typeface="Inconsolata Medium" panose="020B0609030003000000" pitchFamily="49" charset="77"/>
+              </a:rPr>
+              <a:t>, </a:t>
+            </a:r>
+            <a:r>
+              <a:rPr lang="en-US" b="1" dirty="0">
+                <a:solidFill>
+                  <a:srgbClr val="FF6600"/>
+                </a:solidFill>
+                <a:latin typeface="Inconsolata Medium" panose="020B0609030003000000" pitchFamily="49" charset="77"/>
+              </a:rPr>
+              <a:t>2</a:t>
+            </a:r>
+            <a:r>
+              <a:rPr lang="en-US" b="1" dirty="0">
+                <a:latin typeface="Inconsolata Medium" panose="020B0609030003000000" pitchFamily="49" charset="77"/>
+              </a:rPr>
+              <a:t>, </a:t>
+            </a:r>
+            <a:r>
+              <a:rPr lang="en-US" b="1" dirty="0">
+                <a:solidFill>
+                  <a:srgbClr val="FF6600"/>
+                </a:solidFill>
+                <a:latin typeface="Inconsolata Medium" panose="020B0609030003000000" pitchFamily="49" charset="77"/>
+              </a:rPr>
+              <a:t>3</a:t>
+            </a:r>
+            <a:r>
+              <a:rPr lang="en-US" b="1" dirty="0">
+                <a:solidFill>
+                  <a:srgbClr val="545454"/>
+                </a:solidFill>
+                <a:latin typeface="Inconsolata Medium" panose="020B0609030003000000" pitchFamily="49" charset="77"/>
+              </a:rPr>
+              <a:t>)</a:t>
+            </a:r>
+            <a:endParaRPr lang="en-US" b="1" dirty="0">
+              <a:latin typeface="Inconsolata Medium" panose="020B0609030003000000" pitchFamily="49" charset="77"/>
+            </a:endParaRPr>
+          </a:p>
+          <a:p>
+            <a:pPr marL="0" indent="0">
+              <a:buNone/>
+            </a:pPr>
+            <a:r>
+              <a:rPr lang="en-US" b="1" i="1" dirty="0">
+                <a:solidFill>
+                  <a:srgbClr val="33566B"/>
+                </a:solidFill>
+                <a:latin typeface="Inconsolata Medium" panose="020B0609030003000000" pitchFamily="49" charset="77"/>
+              </a:rPr>
+              <a:t>	   </a:t>
+            </a:r>
+            <a:r>
+              <a:rPr lang="en-US" b="1" dirty="0">
+                <a:solidFill>
+                  <a:srgbClr val="336666"/>
+                </a:solidFill>
+                <a:latin typeface="Inconsolata Medium" panose="020B0609030003000000" pitchFamily="49" charset="77"/>
+              </a:rPr>
+              <a:t>list</a:t>
+            </a:r>
+            <a:r>
+              <a:rPr lang="en-US" b="1" dirty="0">
+                <a:solidFill>
+                  <a:srgbClr val="000087"/>
+                </a:solidFill>
+                <a:latin typeface="Inconsolata Medium" panose="020B0609030003000000" pitchFamily="49" charset="77"/>
+              </a:rPr>
+              <a:t>(s)</a:t>
+            </a:r>
+            <a:endParaRPr lang="en-US" b="1" i="1" dirty="0">
+              <a:solidFill>
+                <a:srgbClr val="33566B"/>
+              </a:solidFill>
+              <a:latin typeface="Inconsolata Medium" panose="020B0609030003000000" pitchFamily="49" charset="77"/>
+            </a:endParaRPr>
+          </a:p>
+          <a:p>
+            <a:pPr marL="0" indent="0">
+              <a:buNone/>
+            </a:pPr>
+            <a:r>
+              <a:rPr lang="en-US" b="1" dirty="0">
+                <a:latin typeface="Inconsolata Medium" panose="020B0609030003000000" pitchFamily="49" charset="77"/>
+              </a:rPr>
+              <a:t>Out [2]: [1, 2, 3] </a:t>
+            </a:r>
+          </a:p>
+          <a:p>
+            <a:pPr marL="0" indent="0">
+              <a:buNone/>
+            </a:pPr>
+            <a:endParaRPr lang="en-US" b="1" dirty="0">
+              <a:latin typeface="Inconsolata Medium" panose="020B0609030003000000" pitchFamily="49" charset="77"/>
+            </a:endParaRPr>
+          </a:p>
+          <a:p>
+            <a:pPr marL="0" indent="0">
+              <a:buNone/>
+            </a:pPr>
+            <a:endParaRPr lang="en-US" b="1" dirty="0">
+              <a:latin typeface="Inconsolata Medium" panose="020B0609030003000000" pitchFamily="49" charset="77"/>
+            </a:endParaRPr>
+          </a:p>
+          <a:p>
+            <a:pPr marL="0" indent="0">
+              <a:buNone/>
+            </a:pPr>
+            <a:endParaRPr lang="en-US" dirty="0"/>
+          </a:p>
+          <a:p>
+            <a:pPr marL="0" indent="0">
+              <a:buNone/>
+            </a:pPr>
+            <a:endParaRPr lang="en-US" dirty="0"/>
+          </a:p>
+          <a:p>
+            <a:pPr marL="0" indent="0">
+              <a:buNone/>
+            </a:pPr>
+            <a:r>
+              <a:rPr lang="en-US" dirty="0"/>
+              <a:t> </a:t>
+            </a:r>
+          </a:p>
+          <a:p>
+            <a:pPr marL="0" indent="0">
+              <a:buNone/>
+            </a:pPr>
+            <a:endParaRPr lang="en-US" dirty="0"/>
+          </a:p>
+          <a:p>
+            <a:pPr marL="0" indent="0">
+              <a:buNone/>
+            </a:pPr>
+            <a:endParaRPr lang="en-US" dirty="0"/>
+          </a:p>
+        </p:txBody>
+      </p:sp>
+    </p:spTree>
+    <p:extLst>
+      <p:ext uri="{BB962C8B-B14F-4D97-AF65-F5344CB8AC3E}">
+        <p14:creationId xmlns:p14="http://schemas.microsoft.com/office/powerpoint/2010/main" val="1997478848"/>
+      </p:ext>
+    </p:extLst>
+  </p:cSld>
+  <p:clrMapOvr>
+    <a:masterClrMapping/>
+  </p:clrMapOvr>
+  <p:timing>
+    <p:tnLst>
+      <p:par>
+        <p:cTn id="1" dur="indefinite" restart="never" nodeType="tmRoot">
+          <p:childTnLst>
+            <p:seq concurrent="1" nextAc="seek">
+              <p:cTn id="2" dur="indefinite" nodeType="mainSeq">
+                <p:childTnLst>
+                  <p:par>
+                    <p:cTn id="3" fill="hold">
+                      <p:stCondLst>
+                        <p:cond delay="indefinite"/>
+                      </p:stCondLst>
+                      <p:childTnLst>
+                        <p:par>
+                          <p:cTn id="4" fill="hold">
+                            <p:stCondLst>
+                              <p:cond delay="0"/>
+                            </p:stCondLst>
+                            <p:childTnLst>
+                              <p:par>
+                                <p:cTn id="5" presetID="1" presetClass="entr" presetSubtype="0" fill="hold" nodeType="clickEffect">
+                                  <p:stCondLst>
+                                    <p:cond delay="0"/>
+                                  </p:stCondLst>
+                                  <p:childTnLst>
+                                    <p:set>
+                                      <p:cBhvr>
+                                        <p:cTn id="6" dur="1" fill="hold">
+                                          <p:stCondLst>
+                                            <p:cond delay="0"/>
+                                          </p:stCondLst>
+                                        </p:cTn>
+                                        <p:tgtEl>
+                                          <p:spTgt spid="9">
+                                            <p:txEl>
+                                              <p:pRg st="3" end="3"/>
+                                            </p:txEl>
+                                          </p:spTgt>
+                                        </p:tgtEl>
+                                        <p:attrNameLst>
+                                          <p:attrName>style.visibility</p:attrName>
+                                        </p:attrNameLst>
+                                      </p:cBhvr>
+                                      <p:to>
+                                        <p:strVal val="visible"/>
+                                      </p:to>
+                                    </p:set>
+                                  </p:childTnLst>
+                                </p:cTn>
+                              </p:par>
+                              <p:par>
+                                <p:cTn id="7" presetID="1" presetClass="entr" presetSubtype="0" fill="hold" nodeType="withEffect">
+                                  <p:stCondLst>
+                                    <p:cond delay="0"/>
+                                  </p:stCondLst>
+                                  <p:childTnLst>
+                                    <p:set>
+                                      <p:cBhvr>
+                                        <p:cTn id="8" dur="1" fill="hold">
+                                          <p:stCondLst>
+                                            <p:cond delay="0"/>
+                                          </p:stCondLst>
+                                        </p:cTn>
+                                        <p:tgtEl>
+                                          <p:spTgt spid="9">
+                                            <p:txEl>
+                                              <p:pRg st="4" end="4"/>
+                                            </p:txEl>
+                                          </p:spTgt>
+                                        </p:tgtEl>
+                                        <p:attrNameLst>
+                                          <p:attrName>style.visibility</p:attrName>
+                                        </p:attrNameLst>
+                                      </p:cBhvr>
+                                      <p:to>
+                                        <p:strVal val="visible"/>
+                                      </p:to>
+                                    </p:set>
+                                  </p:childTnLst>
+                                </p:cTn>
+                              </p:par>
+                              <p:par>
+                                <p:cTn id="9" presetID="1" presetClass="entr" presetSubtype="0" fill="hold" nodeType="withEffect">
+                                  <p:stCondLst>
+                                    <p:cond delay="0"/>
+                                  </p:stCondLst>
+                                  <p:childTnLst>
+                                    <p:set>
+                                      <p:cBhvr>
+                                        <p:cTn id="10" dur="1" fill="hold">
+                                          <p:stCondLst>
+                                            <p:cond delay="0"/>
+                                          </p:stCondLst>
+                                        </p:cTn>
+                                        <p:tgtEl>
+                                          <p:spTgt spid="9">
+                                            <p:txEl>
+                                              <p:pRg st="5" end="5"/>
+                                            </p:txEl>
+                                          </p:spTgt>
+                                        </p:tgtEl>
+                                        <p:attrNameLst>
+                                          <p:attrName>style.visibility</p:attrName>
+                                        </p:attrNameLst>
+                                      </p:cBhvr>
+                                      <p:to>
+                                        <p:strVal val="visible"/>
+                                      </p:to>
+                                    </p:set>
+                                  </p:childTnLst>
+                                </p:cTn>
+                              </p:par>
+                              <p:par>
+                                <p:cTn id="11" presetID="1" presetClass="entr" presetSubtype="0" fill="hold" nodeType="withEffect">
+                                  <p:stCondLst>
+                                    <p:cond delay="0"/>
+                                  </p:stCondLst>
+                                  <p:childTnLst>
+                                    <p:set>
+                                      <p:cBhvr>
+                                        <p:cTn id="12" dur="1" fill="hold">
+                                          <p:stCondLst>
+                                            <p:cond delay="0"/>
+                                          </p:stCondLst>
+                                        </p:cTn>
+                                        <p:tgtEl>
+                                          <p:spTgt spid="9">
+                                            <p:txEl>
+                                              <p:pRg st="7" end="7"/>
+                                            </p:txEl>
+                                          </p:spTgt>
+                                        </p:tgtEl>
+                                        <p:attrNameLst>
+                                          <p:attrName>style.visibility</p:attrName>
+                                        </p:attrNameLst>
+                                      </p:cBhvr>
+                                      <p:to>
+                                        <p:strVal val="visible"/>
+                                      </p:to>
+                                    </p:set>
+                                  </p:childTnLst>
+                                </p:cTn>
+                              </p:par>
+                              <p:par>
+                                <p:cTn id="13" presetID="1" presetClass="entr" presetSubtype="0" fill="hold" nodeType="withEffect">
+                                  <p:stCondLst>
+                                    <p:cond delay="0"/>
+                                  </p:stCondLst>
+                                  <p:childTnLst>
+                                    <p:set>
+                                      <p:cBhvr>
+                                        <p:cTn id="14" dur="1" fill="hold">
+                                          <p:stCondLst>
+                                            <p:cond delay="0"/>
+                                          </p:stCondLst>
+                                        </p:cTn>
+                                        <p:tgtEl>
+                                          <p:spTgt spid="9">
+                                            <p:txEl>
+                                              <p:pRg st="8" end="8"/>
+                                            </p:txEl>
+                                          </p:spTgt>
+                                        </p:tgtEl>
+                                        <p:attrNameLst>
+                                          <p:attrName>style.visibility</p:attrName>
+                                        </p:attrNameLst>
+                                      </p:cBhvr>
+                                      <p:to>
+                                        <p:strVal val="visible"/>
+                                      </p:to>
+                                    </p:set>
+                                  </p:childTnLst>
+                                </p:cTn>
+                              </p:par>
+                              <p:par>
+                                <p:cTn id="15" presetID="1" presetClass="entr" presetSubtype="0" fill="hold" nodeType="withEffect">
+                                  <p:stCondLst>
+                                    <p:cond delay="0"/>
+                                  </p:stCondLst>
+                                  <p:childTnLst>
+                                    <p:set>
+                                      <p:cBhvr>
+                                        <p:cTn id="16" dur="1" fill="hold">
+                                          <p:stCondLst>
+                                            <p:cond delay="0"/>
+                                          </p:stCondLst>
+                                        </p:cTn>
+                                        <p:tgtEl>
+                                          <p:spTgt spid="9">
+                                            <p:txEl>
+                                              <p:pRg st="9" end="9"/>
+                                            </p:txEl>
+                                          </p:spTgt>
+                                        </p:tgtEl>
+                                        <p:attrNameLst>
+                                          <p:attrName>style.visibility</p:attrName>
+                                        </p:attrNameLst>
+                                      </p:cBhvr>
+                                      <p:to>
+                                        <p:strVal val="visible"/>
+                                      </p:to>
+                                    </p:set>
+                                  </p:childTnLst>
+                                </p:cTn>
+                              </p:par>
+                            </p:childTnLst>
+                          </p:cTn>
+                        </p:par>
+                      </p:childTnLst>
+                    </p:cTn>
+                  </p:par>
+                </p:childTnLst>
+              </p:cTn>
+              <p:prevCondLst>
+                <p:cond evt="onPrev" delay="0">
+                  <p:tgtEl>
+                    <p:sldTgt/>
+                  </p:tgtEl>
+                </p:cond>
+              </p:prevCondLst>
+              <p:nextCondLst>
+                <p:cond evt="onNext" delay="0">
+                  <p:tgtEl>
+                    <p:sldTgt/>
+                  </p:tgtEl>
+                </p:cond>
+              </p:nextCondLst>
+            </p:seq>
+          </p:childTnLst>
+        </p:cTn>
+      </p:par>
+    </p:tnLst>
+  </p:timing>
+</p:sld>
+</file>
+
+<file path=ppt/slides/slide9.xml><?xml version="1.0" encoding="utf-8"?>
+<p:sld xmlns:a="http://schemas.openxmlformats.org/drawingml/2006/main" xmlns:r="http://schemas.openxmlformats.org/officeDocument/2006/relationships" xmlns:p="http://schemas.openxmlformats.org/presentationml/2006/main">
+  <p:cSld>
+    <p:spTree>
+      <p:nvGrpSpPr>
+        <p:cNvPr id="1" name=""/>
+        <p:cNvGrpSpPr/>
+        <p:nvPr/>
+      </p:nvGrpSpPr>
+      <p:grpSpPr>
+        <a:xfrm>
+          <a:off x="0" y="0"/>
+          <a:ext cx="0" cy="0"/>
+          <a:chOff x="0" y="0"/>
+          <a:chExt cx="0" cy="0"/>
+        </a:xfrm>
+      </p:grpSpPr>
+      <p:sp>
+        <p:nvSpPr>
+          <p:cNvPr id="2" name="Title 1">
+            <a:extLst>
+              <a:ext uri="{FF2B5EF4-FFF2-40B4-BE49-F238E27FC236}">
+                <a16:creationId xmlns:a16="http://schemas.microsoft.com/office/drawing/2014/main" id="{AA3A228F-61D0-D949-A5E7-F83756230BF8}"/>
+              </a:ext>
+            </a:extLst>
+          </p:cNvPr>
+          <p:cNvSpPr>
+            <a:spLocks noGrp="1"/>
+          </p:cNvSpPr>
+          <p:nvPr>
+            <p:ph type="title"/>
+          </p:nvPr>
+        </p:nvSpPr>
+        <p:spPr>
+          <a:xfrm>
+            <a:off x="483848" y="467027"/>
+            <a:ext cx="7053542" cy="683886"/>
+          </a:xfrm>
+        </p:spPr>
+        <p:txBody>
+          <a:bodyPr/>
+          <a:lstStyle/>
+          <a:p>
+            <a:r>
+              <a:rPr lang="en-US" dirty="0"/>
+              <a:t>List of Tuples</a:t>
+            </a:r>
+          </a:p>
+        </p:txBody>
+      </p:sp>
+      <p:sp>
+        <p:nvSpPr>
+          <p:cNvPr id="9" name="Content Placeholder 8">
+            <a:extLst>
+              <a:ext uri="{FF2B5EF4-FFF2-40B4-BE49-F238E27FC236}">
+                <a16:creationId xmlns:a16="http://schemas.microsoft.com/office/drawing/2014/main" id="{E3B2E017-30B2-884B-A113-B419A2ED51AD}"/>
+              </a:ext>
+            </a:extLst>
+          </p:cNvPr>
+          <p:cNvSpPr>
+            <a:spLocks noGrp="1"/>
+          </p:cNvSpPr>
+          <p:nvPr>
+            <p:ph idx="1"/>
+          </p:nvPr>
+        </p:nvSpPr>
+        <p:spPr>
+          <a:xfrm>
+            <a:off x="483848" y="1150912"/>
+            <a:ext cx="8051725" cy="4564087"/>
+          </a:xfrm>
+        </p:spPr>
+        <p:txBody>
+          <a:bodyPr>
+            <a:noAutofit/>
+          </a:bodyPr>
+          <a:lstStyle/>
+          <a:p>
+            <a:pPr marL="0" indent="0">
+              <a:buNone/>
+            </a:pPr>
+            <a:r>
+              <a:rPr lang="en-US" dirty="0"/>
               <a:t>We can form a list of tuples(or of lists) and iterate over them by using nested loop, [] or tuple unpacking.</a:t>
             </a:r>
           </a:p>
@@ -19655,7 +21352,7 @@
                 </a:solidFill>
                 <a:latin typeface="Inconsolata Medium" panose="020B0609030003000000" pitchFamily="49" charset="77"/>
               </a:rPr>
-              <a:t>3</a:t>
+              <a:t>1</a:t>
             </a:r>
             <a:r>
               <a:rPr lang="en-US" sz="2000" b="1" dirty="0">
@@ -20363,640 +22060,6 @@
 </p:sld>
 </file>
 
-<file path=ppt/slides/slide9.xml><?xml version="1.0" encoding="utf-8"?>
-<p:sld xmlns:a="http://schemas.openxmlformats.org/drawingml/2006/main" xmlns:r="http://schemas.openxmlformats.org/officeDocument/2006/relationships" xmlns:p="http://schemas.openxmlformats.org/presentationml/2006/main">
-  <p:cSld>
-    <p:spTree>
-      <p:nvGrpSpPr>
-        <p:cNvPr id="1" name=""/>
-        <p:cNvGrpSpPr/>
-        <p:nvPr/>
-      </p:nvGrpSpPr>
-      <p:grpSpPr>
-        <a:xfrm>
-          <a:off x="0" y="0"/>
-          <a:ext cx="0" cy="0"/>
-          <a:chOff x="0" y="0"/>
-          <a:chExt cx="0" cy="0"/>
-        </a:xfrm>
-      </p:grpSpPr>
-      <p:sp>
-        <p:nvSpPr>
-          <p:cNvPr id="2" name="Title 1">
-            <a:extLst>
-              <a:ext uri="{FF2B5EF4-FFF2-40B4-BE49-F238E27FC236}">
-                <a16:creationId xmlns:a16="http://schemas.microsoft.com/office/drawing/2014/main" id="{AA3A228F-61D0-D949-A5E7-F83756230BF8}"/>
-              </a:ext>
-            </a:extLst>
-          </p:cNvPr>
-          <p:cNvSpPr>
-            <a:spLocks noGrp="1"/>
-          </p:cNvSpPr>
-          <p:nvPr>
-            <p:ph type="title"/>
-          </p:nvPr>
-        </p:nvSpPr>
-        <p:spPr>
-          <a:xfrm>
-            <a:off x="483848" y="467027"/>
-            <a:ext cx="7053542" cy="683886"/>
-          </a:xfrm>
-        </p:spPr>
-        <p:txBody>
-          <a:bodyPr/>
-          <a:lstStyle/>
-          <a:p>
-            <a:r>
-              <a:rPr lang="en-US" dirty="0"/>
-              <a:t>List of Tuples</a:t>
-            </a:r>
-          </a:p>
-        </p:txBody>
-      </p:sp>
-      <p:sp>
-        <p:nvSpPr>
-          <p:cNvPr id="9" name="Content Placeholder 8">
-            <a:extLst>
-              <a:ext uri="{FF2B5EF4-FFF2-40B4-BE49-F238E27FC236}">
-                <a16:creationId xmlns:a16="http://schemas.microsoft.com/office/drawing/2014/main" id="{E3B2E017-30B2-884B-A113-B419A2ED51AD}"/>
-              </a:ext>
-            </a:extLst>
-          </p:cNvPr>
-          <p:cNvSpPr>
-            <a:spLocks noGrp="1"/>
-          </p:cNvSpPr>
-          <p:nvPr>
-            <p:ph idx="1"/>
-          </p:nvPr>
-        </p:nvSpPr>
-        <p:spPr>
-          <a:xfrm>
-            <a:off x="483848" y="1150912"/>
-            <a:ext cx="8051725" cy="4564087"/>
-          </a:xfrm>
-        </p:spPr>
-        <p:txBody>
-          <a:bodyPr>
-            <a:noAutofit/>
-          </a:bodyPr>
-          <a:lstStyle/>
-          <a:p>
-            <a:pPr marL="0" indent="0">
-              <a:buNone/>
-            </a:pPr>
-            <a:r>
-              <a:rPr lang="en-US" dirty="0"/>
-              <a:t>We can form a list of tuples(or of lists) and iterate over them by using nested loop, [] or tuple unpacking.</a:t>
-            </a:r>
-          </a:p>
-          <a:p>
-            <a:pPr marL="0" indent="0">
-              <a:buNone/>
-            </a:pPr>
-            <a:r>
-              <a:rPr lang="en-US" b="1" dirty="0">
-                <a:solidFill>
-                  <a:srgbClr val="FF0000"/>
-                </a:solidFill>
-                <a:latin typeface="Inconsolata Medium" panose="020B0609030003000000" pitchFamily="49" charset="77"/>
-              </a:rPr>
-              <a:t>Using []:</a:t>
-            </a:r>
-          </a:p>
-          <a:p>
-            <a:pPr marL="0" indent="0">
-              <a:buNone/>
-            </a:pPr>
-            <a:r>
-              <a:rPr lang="en-US" sz="2000" b="1" dirty="0">
-                <a:solidFill>
-                  <a:srgbClr val="000087"/>
-                </a:solidFill>
-                <a:latin typeface="Inconsolata Medium" panose="020B0609030003000000" pitchFamily="49" charset="77"/>
-              </a:rPr>
-              <a:t>In</a:t>
-            </a:r>
-            <a:r>
-              <a:rPr lang="en-US" sz="2000" b="1" dirty="0">
-                <a:latin typeface="Inconsolata Medium" panose="020B0609030003000000" pitchFamily="49" charset="77"/>
-              </a:rPr>
-              <a:t>[</a:t>
-            </a:r>
-            <a:r>
-              <a:rPr lang="en-US" sz="2000" b="1" dirty="0">
-                <a:solidFill>
-                  <a:srgbClr val="FF6600"/>
-                </a:solidFill>
-                <a:latin typeface="Inconsolata Medium" panose="020B0609030003000000" pitchFamily="49" charset="77"/>
-              </a:rPr>
-              <a:t>3</a:t>
-            </a:r>
-            <a:r>
-              <a:rPr lang="en-US" sz="2000" b="1" dirty="0">
-                <a:latin typeface="Inconsolata Medium" panose="020B0609030003000000" pitchFamily="49" charset="77"/>
-              </a:rPr>
-              <a:t>]: </a:t>
-            </a:r>
-            <a:r>
-              <a:rPr lang="en-US" sz="2000" b="1" dirty="0" err="1">
-                <a:solidFill>
-                  <a:srgbClr val="000087"/>
-                </a:solidFill>
-                <a:latin typeface="Inconsolata Medium" panose="020B0609030003000000" pitchFamily="49" charset="77"/>
-              </a:rPr>
-              <a:t>lst</a:t>
-            </a:r>
-            <a:r>
-              <a:rPr lang="en-US" sz="2000" b="1" dirty="0">
-                <a:solidFill>
-                  <a:srgbClr val="000087"/>
-                </a:solidFill>
-                <a:latin typeface="Inconsolata Medium" panose="020B0609030003000000" pitchFamily="49" charset="77"/>
-              </a:rPr>
-              <a:t> </a:t>
-            </a:r>
-            <a:r>
-              <a:rPr lang="en-US" sz="2000" b="1" dirty="0">
-                <a:solidFill>
-                  <a:srgbClr val="545454"/>
-                </a:solidFill>
-                <a:latin typeface="Inconsolata Medium" panose="020B0609030003000000" pitchFamily="49" charset="77"/>
-              </a:rPr>
-              <a:t>= </a:t>
-            </a:r>
-            <a:r>
-              <a:rPr lang="en-US" sz="2000" b="1" dirty="0">
-                <a:latin typeface="Inconsolata Medium" panose="020B0609030003000000" pitchFamily="49" charset="77"/>
-              </a:rPr>
-              <a:t>[</a:t>
-            </a:r>
-            <a:r>
-              <a:rPr lang="en-US" sz="2000" b="1" dirty="0">
-                <a:solidFill>
-                  <a:srgbClr val="FF6600"/>
-                </a:solidFill>
-                <a:latin typeface="Inconsolata Medium" panose="020B0609030003000000" pitchFamily="49" charset="77"/>
-              </a:rPr>
-              <a:t>(“Mike”, 3.2), (“Sarah”, 3.6), (“Jack”, 2.8)</a:t>
-            </a:r>
-            <a:r>
-              <a:rPr lang="en-US" sz="2000" b="1" dirty="0">
-                <a:latin typeface="Inconsolata Medium" panose="020B0609030003000000" pitchFamily="49" charset="77"/>
-              </a:rPr>
-              <a:t>]</a:t>
-            </a:r>
-          </a:p>
-          <a:p>
-            <a:pPr marL="0" indent="0">
-              <a:buNone/>
-            </a:pPr>
-            <a:r>
-              <a:rPr lang="en-US" sz="2000" b="1" dirty="0">
-                <a:latin typeface="Inconsolata Medium" panose="020B0609030003000000" pitchFamily="49" charset="77"/>
-              </a:rPr>
-              <a:t>	  </a:t>
-            </a:r>
-            <a:r>
-              <a:rPr lang="en-US" sz="2000" b="1" dirty="0">
-                <a:solidFill>
-                  <a:srgbClr val="006699"/>
-                </a:solidFill>
-                <a:latin typeface="Inconsolata Medium" panose="020B0609030003000000" pitchFamily="49" charset="77"/>
-              </a:rPr>
-              <a:t>for </a:t>
-            </a:r>
-            <a:r>
-              <a:rPr lang="en-US" sz="2000" b="1" dirty="0">
-                <a:solidFill>
-                  <a:srgbClr val="000087"/>
-                </a:solidFill>
-                <a:latin typeface="Inconsolata Medium" panose="020B0609030003000000" pitchFamily="49" charset="77"/>
-              </a:rPr>
-              <a:t>student </a:t>
-            </a:r>
-            <a:r>
-              <a:rPr lang="en-US" sz="2000" b="1" dirty="0">
-                <a:latin typeface="Inconsolata Medium" panose="020B0609030003000000" pitchFamily="49" charset="77"/>
-              </a:rPr>
-              <a:t>in </a:t>
-            </a:r>
-            <a:r>
-              <a:rPr lang="en-US" sz="2000" b="1" dirty="0" err="1">
-                <a:solidFill>
-                  <a:srgbClr val="336666"/>
-                </a:solidFill>
-                <a:latin typeface="Inconsolata Medium" panose="020B0609030003000000" pitchFamily="49" charset="77"/>
-              </a:rPr>
-              <a:t>lst</a:t>
-            </a:r>
-            <a:r>
-              <a:rPr lang="en-US" sz="2000" b="1" dirty="0">
-                <a:solidFill>
-                  <a:srgbClr val="336666"/>
-                </a:solidFill>
-                <a:latin typeface="Inconsolata Medium" panose="020B0609030003000000" pitchFamily="49" charset="77"/>
-              </a:rPr>
-              <a:t>:</a:t>
-            </a:r>
-          </a:p>
-          <a:p>
-            <a:pPr marL="0" indent="0">
-              <a:buNone/>
-            </a:pPr>
-            <a:r>
-              <a:rPr lang="en-US" sz="2000" b="1" dirty="0">
-                <a:solidFill>
-                  <a:srgbClr val="336666"/>
-                </a:solidFill>
-                <a:latin typeface="Inconsolata Medium" panose="020B0609030003000000" pitchFamily="49" charset="77"/>
-              </a:rPr>
-              <a:t>		print(</a:t>
-            </a:r>
-            <a:r>
-              <a:rPr lang="en-US" sz="2000" b="1" dirty="0">
-                <a:solidFill>
-                  <a:srgbClr val="000087"/>
-                </a:solidFill>
-                <a:latin typeface="Inconsolata Medium" panose="020B0609030003000000" pitchFamily="49" charset="77"/>
-              </a:rPr>
-              <a:t>student[0], student[1]</a:t>
-            </a:r>
-            <a:r>
-              <a:rPr lang="en-US" sz="2000" b="1" dirty="0">
-                <a:solidFill>
-                  <a:srgbClr val="336666"/>
-                </a:solidFill>
-                <a:latin typeface="Inconsolata Medium" panose="020B0609030003000000" pitchFamily="49" charset="77"/>
-              </a:rPr>
-              <a:t>)</a:t>
-            </a:r>
-          </a:p>
-          <a:p>
-            <a:pPr marL="0" indent="0">
-              <a:buNone/>
-            </a:pPr>
-            <a:endParaRPr lang="en-US" sz="2000" dirty="0">
-              <a:latin typeface="Gill Sans MT" panose="020B0502020104020203" pitchFamily="34" charset="77"/>
-            </a:endParaRPr>
-          </a:p>
-          <a:p>
-            <a:pPr marL="0" indent="0">
-              <a:buNone/>
-            </a:pPr>
-            <a:r>
-              <a:rPr lang="en-US" sz="2000" b="1" dirty="0">
-                <a:latin typeface="Inconsolata Medium" panose="020B0609030003000000" pitchFamily="49" charset="77"/>
-              </a:rPr>
-              <a:t>Mike 3.2</a:t>
-            </a:r>
-          </a:p>
-          <a:p>
-            <a:pPr marL="0" indent="0">
-              <a:buNone/>
-            </a:pPr>
-            <a:r>
-              <a:rPr lang="en-US" sz="2000" b="1" dirty="0">
-                <a:latin typeface="Inconsolata Medium" panose="020B0609030003000000" pitchFamily="49" charset="77"/>
-              </a:rPr>
-              <a:t>Sarah 3.6</a:t>
-            </a:r>
-          </a:p>
-          <a:p>
-            <a:pPr marL="0" indent="0">
-              <a:buNone/>
-            </a:pPr>
-            <a:r>
-              <a:rPr lang="en-US" sz="2000" b="1" dirty="0">
-                <a:latin typeface="Inconsolata Medium" panose="020B0609030003000000" pitchFamily="49" charset="77"/>
-              </a:rPr>
-              <a:t>Jack 2.8</a:t>
-            </a:r>
-          </a:p>
-          <a:p>
-            <a:pPr marL="0" indent="0">
-              <a:buNone/>
-            </a:pPr>
-            <a:endParaRPr lang="en-US" sz="2000" b="1" dirty="0">
-              <a:latin typeface="Gill Sans MT" panose="020B0502020104020203" pitchFamily="34" charset="77"/>
-            </a:endParaRPr>
-          </a:p>
-          <a:p>
-            <a:pPr marL="0" indent="0">
-              <a:buNone/>
-            </a:pPr>
-            <a:endParaRPr lang="en-US" sz="2000" b="1" dirty="0">
-              <a:latin typeface="Inconsolata Medium" panose="020B0609030003000000" pitchFamily="49" charset="77"/>
-            </a:endParaRPr>
-          </a:p>
-          <a:p>
-            <a:pPr marL="0" indent="0">
-              <a:buNone/>
-            </a:pPr>
-            <a:r>
-              <a:rPr lang="en-US" dirty="0"/>
-              <a:t>  	                </a:t>
-            </a:r>
-          </a:p>
-          <a:p>
-            <a:pPr marL="0" indent="0">
-              <a:buNone/>
-            </a:pPr>
-            <a:endParaRPr lang="en-US" dirty="0"/>
-          </a:p>
-          <a:p>
-            <a:pPr marL="0" indent="0">
-              <a:buNone/>
-            </a:pPr>
-            <a:endParaRPr lang="en-US" dirty="0"/>
-          </a:p>
-          <a:p>
-            <a:pPr marL="0" indent="0">
-              <a:buNone/>
-            </a:pPr>
-            <a:r>
-              <a:rPr lang="en-US" dirty="0"/>
-              <a:t> </a:t>
-            </a:r>
-          </a:p>
-          <a:p>
-            <a:pPr marL="0" indent="0">
-              <a:buNone/>
-            </a:pPr>
-            <a:endParaRPr lang="en-US" dirty="0"/>
-          </a:p>
-          <a:p>
-            <a:pPr marL="0" indent="0">
-              <a:buNone/>
-            </a:pPr>
-            <a:endParaRPr lang="en-US" dirty="0"/>
-          </a:p>
-        </p:txBody>
-      </p:sp>
-    </p:spTree>
-    <p:extLst>
-      <p:ext uri="{BB962C8B-B14F-4D97-AF65-F5344CB8AC3E}">
-        <p14:creationId xmlns:p14="http://schemas.microsoft.com/office/powerpoint/2010/main" val="2834108163"/>
-      </p:ext>
-    </p:extLst>
-  </p:cSld>
-  <p:clrMapOvr>
-    <a:masterClrMapping/>
-  </p:clrMapOvr>
-  <p:timing>
-    <p:tnLst>
-      <p:par>
-        <p:cTn id="1" dur="indefinite" restart="never" nodeType="tmRoot">
-          <p:childTnLst>
-            <p:seq concurrent="1" nextAc="seek">
-              <p:cTn id="2" dur="indefinite" nodeType="mainSeq">
-                <p:childTnLst>
-                  <p:par>
-                    <p:cTn id="3" fill="hold">
-                      <p:stCondLst>
-                        <p:cond delay="indefinite"/>
-                      </p:stCondLst>
-                      <p:childTnLst>
-                        <p:par>
-                          <p:cTn id="4" fill="hold">
-                            <p:stCondLst>
-                              <p:cond delay="0"/>
-                            </p:stCondLst>
-                            <p:childTnLst>
-                              <p:par>
-                                <p:cTn id="5" presetID="1" presetClass="entr" presetSubtype="0" fill="hold" nodeType="clickEffect">
-                                  <p:stCondLst>
-                                    <p:cond delay="0"/>
-                                  </p:stCondLst>
-                                  <p:childTnLst>
-                                    <p:set>
-                                      <p:cBhvr>
-                                        <p:cTn id="6" dur="1" fill="hold">
-                                          <p:stCondLst>
-                                            <p:cond delay="0"/>
-                                          </p:stCondLst>
-                                        </p:cTn>
-                                        <p:tgtEl>
-                                          <p:spTgt spid="9">
-                                            <p:txEl>
-                                              <p:pRg st="2" end="2"/>
-                                            </p:txEl>
-                                          </p:spTgt>
-                                        </p:tgtEl>
-                                        <p:attrNameLst>
-                                          <p:attrName>style.visibility</p:attrName>
-                                        </p:attrNameLst>
-                                      </p:cBhvr>
-                                      <p:to>
-                                        <p:strVal val="visible"/>
-                                      </p:to>
-                                    </p:set>
-                                  </p:childTnLst>
-                                </p:cTn>
-                              </p:par>
-                              <p:par>
-                                <p:cTn id="7" presetID="1" presetClass="entr" presetSubtype="0" fill="hold" nodeType="withEffect">
-                                  <p:stCondLst>
-                                    <p:cond delay="0"/>
-                                  </p:stCondLst>
-                                  <p:childTnLst>
-                                    <p:set>
-                                      <p:cBhvr>
-                                        <p:cTn id="8" dur="1" fill="hold">
-                                          <p:stCondLst>
-                                            <p:cond delay="0"/>
-                                          </p:stCondLst>
-                                        </p:cTn>
-                                        <p:tgtEl>
-                                          <p:spTgt spid="9">
-                                            <p:txEl>
-                                              <p:pRg st="3" end="3"/>
-                                            </p:txEl>
-                                          </p:spTgt>
-                                        </p:tgtEl>
-                                        <p:attrNameLst>
-                                          <p:attrName>style.visibility</p:attrName>
-                                        </p:attrNameLst>
-                                      </p:cBhvr>
-                                      <p:to>
-                                        <p:strVal val="visible"/>
-                                      </p:to>
-                                    </p:set>
-                                  </p:childTnLst>
-                                </p:cTn>
-                              </p:par>
-                              <p:par>
-                                <p:cTn id="9" presetID="1" presetClass="entr" presetSubtype="0" fill="hold" nodeType="withEffect">
-                                  <p:stCondLst>
-                                    <p:cond delay="0"/>
-                                  </p:stCondLst>
-                                  <p:childTnLst>
-                                    <p:set>
-                                      <p:cBhvr>
-                                        <p:cTn id="10" dur="1" fill="hold">
-                                          <p:stCondLst>
-                                            <p:cond delay="0"/>
-                                          </p:stCondLst>
-                                        </p:cTn>
-                                        <p:tgtEl>
-                                          <p:spTgt spid="9">
-                                            <p:txEl>
-                                              <p:pRg st="4" end="4"/>
-                                            </p:txEl>
-                                          </p:spTgt>
-                                        </p:tgtEl>
-                                        <p:attrNameLst>
-                                          <p:attrName>style.visibility</p:attrName>
-                                        </p:attrNameLst>
-                                      </p:cBhvr>
-                                      <p:to>
-                                        <p:strVal val="visible"/>
-                                      </p:to>
-                                    </p:set>
-                                  </p:childTnLst>
-                                </p:cTn>
-                              </p:par>
-                            </p:childTnLst>
-                          </p:cTn>
-                        </p:par>
-                      </p:childTnLst>
-                    </p:cTn>
-                  </p:par>
-                  <p:par>
-                    <p:cTn id="11" fill="hold">
-                      <p:stCondLst>
-                        <p:cond delay="indefinite"/>
-                      </p:stCondLst>
-                      <p:childTnLst>
-                        <p:par>
-                          <p:cTn id="12" fill="hold">
-                            <p:stCondLst>
-                              <p:cond delay="0"/>
-                            </p:stCondLst>
-                            <p:childTnLst>
-                              <p:par>
-                                <p:cTn id="13" presetID="1" presetClass="entr" presetSubtype="0" fill="hold" nodeType="clickEffect">
-                                  <p:stCondLst>
-                                    <p:cond delay="0"/>
-                                  </p:stCondLst>
-                                  <p:childTnLst>
-                                    <p:set>
-                                      <p:cBhvr>
-                                        <p:cTn id="14" dur="1" fill="hold">
-                                          <p:stCondLst>
-                                            <p:cond delay="0"/>
-                                          </p:stCondLst>
-                                        </p:cTn>
-                                        <p:tgtEl>
-                                          <p:spTgt spid="9">
-                                            <p:txEl>
-                                              <p:pRg st="6" end="6"/>
-                                            </p:txEl>
-                                          </p:spTgt>
-                                        </p:tgtEl>
-                                        <p:attrNameLst>
-                                          <p:attrName>style.visibility</p:attrName>
-                                        </p:attrNameLst>
-                                      </p:cBhvr>
-                                      <p:to>
-                                        <p:strVal val="visible"/>
-                                      </p:to>
-                                    </p:set>
-                                  </p:childTnLst>
-                                </p:cTn>
-                              </p:par>
-                              <p:par>
-                                <p:cTn id="15" presetID="1" presetClass="entr" presetSubtype="0" fill="hold" nodeType="withEffect">
-                                  <p:stCondLst>
-                                    <p:cond delay="0"/>
-                                  </p:stCondLst>
-                                  <p:childTnLst>
-                                    <p:set>
-                                      <p:cBhvr>
-                                        <p:cTn id="16" dur="1" fill="hold">
-                                          <p:stCondLst>
-                                            <p:cond delay="0"/>
-                                          </p:stCondLst>
-                                        </p:cTn>
-                                        <p:tgtEl>
-                                          <p:spTgt spid="9">
-                                            <p:txEl>
-                                              <p:pRg st="7" end="7"/>
-                                            </p:txEl>
-                                          </p:spTgt>
-                                        </p:tgtEl>
-                                        <p:attrNameLst>
-                                          <p:attrName>style.visibility</p:attrName>
-                                        </p:attrNameLst>
-                                      </p:cBhvr>
-                                      <p:to>
-                                        <p:strVal val="visible"/>
-                                      </p:to>
-                                    </p:set>
-                                  </p:childTnLst>
-                                </p:cTn>
-                              </p:par>
-                              <p:par>
-                                <p:cTn id="17" presetID="1" presetClass="entr" presetSubtype="0" fill="hold" nodeType="withEffect">
-                                  <p:stCondLst>
-                                    <p:cond delay="0"/>
-                                  </p:stCondLst>
-                                  <p:childTnLst>
-                                    <p:set>
-                                      <p:cBhvr>
-                                        <p:cTn id="18" dur="1" fill="hold">
-                                          <p:stCondLst>
-                                            <p:cond delay="0"/>
-                                          </p:stCondLst>
-                                        </p:cTn>
-                                        <p:tgtEl>
-                                          <p:spTgt spid="9">
-                                            <p:txEl>
-                                              <p:pRg st="8" end="8"/>
-                                            </p:txEl>
-                                          </p:spTgt>
-                                        </p:tgtEl>
-                                        <p:attrNameLst>
-                                          <p:attrName>style.visibility</p:attrName>
-                                        </p:attrNameLst>
-                                      </p:cBhvr>
-                                      <p:to>
-                                        <p:strVal val="visible"/>
-                                      </p:to>
-                                    </p:set>
-                                  </p:childTnLst>
-                                </p:cTn>
-                              </p:par>
-                            </p:childTnLst>
-                          </p:cTn>
-                        </p:par>
-                      </p:childTnLst>
-                    </p:cTn>
-                  </p:par>
-                </p:childTnLst>
-              </p:cTn>
-              <p:prevCondLst>
-                <p:cond evt="onPrev" delay="0">
-                  <p:tgtEl>
-                    <p:sldTgt/>
-                  </p:tgtEl>
-                </p:cond>
-              </p:prevCondLst>
-              <p:nextCondLst>
-                <p:cond evt="onNext" delay="0">
-                  <p:tgtEl>
-                    <p:sldTgt/>
-                  </p:tgtEl>
-                </p:cond>
-              </p:nextCondLst>
-            </p:seq>
-          </p:childTnLst>
-        </p:cTn>
-      </p:par>
-    </p:tnLst>
-  </p:timing>
-</p:sld>
-</file>
-
 <file path=ppt/theme/theme1.xml><?xml version="1.0" encoding="utf-8"?>
 <a:theme xmlns:a="http://schemas.openxmlformats.org/drawingml/2006/main" name="Office Theme">
   <a:themeElements>

--- a/courses/apcsp/lect7.pptx
+++ b/courses/apcsp/lect7.pptx
@@ -29,10 +29,11 @@
     <p:sldId id="316" r:id="rId23"/>
     <p:sldId id="325" r:id="rId24"/>
     <p:sldId id="318" r:id="rId25"/>
-    <p:sldId id="317" r:id="rId26"/>
-    <p:sldId id="340" r:id="rId27"/>
-    <p:sldId id="348" r:id="rId28"/>
-    <p:sldId id="284" r:id="rId29"/>
+    <p:sldId id="351" r:id="rId26"/>
+    <p:sldId id="317" r:id="rId27"/>
+    <p:sldId id="340" r:id="rId28"/>
+    <p:sldId id="348" r:id="rId29"/>
+    <p:sldId id="284" r:id="rId30"/>
   </p:sldIdLst>
   <p:sldSz cx="9144000" cy="5715000" type="screen16x10"/>
   <p:notesSz cx="6858000" cy="9144000"/>
@@ -142,7 +143,7 @@
 <file path=ppt/revisionInfo.xml><?xml version="1.0" encoding="utf-8"?>
 <p1510:revInfo xmlns:a="http://schemas.openxmlformats.org/drawingml/2006/main" xmlns:r="http://schemas.openxmlformats.org/officeDocument/2006/relationships" xmlns:p1510="http://schemas.microsoft.com/office/powerpoint/2015/10/main">
   <p1510:revLst>
-    <p1510:client id="{6ED56420-F59F-4945-BA02-53AF79C1F3AC}" v="1187" dt="2019-10-21T15:58:28.940"/>
+    <p1510:client id="{6ED56420-F59F-4945-BA02-53AF79C1F3AC}" v="1380" dt="2019-10-21T16:48:20.641"/>
   </p1510:revLst>
 </p1510:revInfo>
 </file>
@@ -265,7 +266,7 @@
   <pc:docChgLst>
     <pc:chgData name="Long B Nguyen" userId="f59fb8f3-a021-417a-8bc1-65c8d471c621" providerId="ADAL" clId="{6ED56420-F59F-4945-BA02-53AF79C1F3AC}"/>
     <pc:docChg chg="undo custSel addSld delSld modSld sldOrd">
-      <pc:chgData name="Long B Nguyen" userId="f59fb8f3-a021-417a-8bc1-65c8d471c621" providerId="ADAL" clId="{6ED56420-F59F-4945-BA02-53AF79C1F3AC}" dt="2019-10-21T15:58:28.940" v="5005"/>
+      <pc:chgData name="Long B Nguyen" userId="f59fb8f3-a021-417a-8bc1-65c8d471c621" providerId="ADAL" clId="{6ED56420-F59F-4945-BA02-53AF79C1F3AC}" dt="2019-10-21T17:31:15.907" v="5199" actId="2696"/>
       <pc:docMkLst>
         <pc:docMk/>
       </pc:docMkLst>
@@ -360,13 +361,13 @@
         </pc:spChg>
       </pc:sldChg>
       <pc:sldChg chg="modSp modAnim">
-        <pc:chgData name="Long B Nguyen" userId="f59fb8f3-a021-417a-8bc1-65c8d471c621" providerId="ADAL" clId="{6ED56420-F59F-4945-BA02-53AF79C1F3AC}" dt="2019-10-21T15:56:38.773" v="4948" actId="20577"/>
+        <pc:chgData name="Long B Nguyen" userId="f59fb8f3-a021-417a-8bc1-65c8d471c621" providerId="ADAL" clId="{6ED56420-F59F-4945-BA02-53AF79C1F3AC}" dt="2019-10-21T16:47:49.430" v="5182" actId="20577"/>
         <pc:sldMkLst>
           <pc:docMk/>
           <pc:sldMk cId="67073653" sldId="318"/>
         </pc:sldMkLst>
         <pc:spChg chg="mod">
-          <ac:chgData name="Long B Nguyen" userId="f59fb8f3-a021-417a-8bc1-65c8d471c621" providerId="ADAL" clId="{6ED56420-F59F-4945-BA02-53AF79C1F3AC}" dt="2019-10-21T15:56:38.773" v="4948" actId="20577"/>
+          <ac:chgData name="Long B Nguyen" userId="f59fb8f3-a021-417a-8bc1-65c8d471c621" providerId="ADAL" clId="{6ED56420-F59F-4945-BA02-53AF79C1F3AC}" dt="2019-10-21T16:47:49.430" v="5182" actId="20577"/>
           <ac:spMkLst>
             <pc:docMk/>
             <pc:sldMk cId="67073653" sldId="318"/>
@@ -739,6 +740,36 @@
           <ac:spMkLst>
             <pc:docMk/>
             <pc:sldMk cId="1363458133" sldId="349"/>
+            <ac:spMk id="9" creationId="{E3B2E017-30B2-884B-A113-B419A2ED51AD}"/>
+          </ac:spMkLst>
+        </pc:spChg>
+      </pc:sldChg>
+      <pc:sldChg chg="modSp add del modAnim">
+        <pc:chgData name="Long B Nguyen" userId="f59fb8f3-a021-417a-8bc1-65c8d471c621" providerId="ADAL" clId="{6ED56420-F59F-4945-BA02-53AF79C1F3AC}" dt="2019-10-21T17:31:15.907" v="5199" actId="2696"/>
+        <pc:sldMkLst>
+          <pc:docMk/>
+          <pc:sldMk cId="1708348349" sldId="350"/>
+        </pc:sldMkLst>
+        <pc:spChg chg="mod">
+          <ac:chgData name="Long B Nguyen" userId="f59fb8f3-a021-417a-8bc1-65c8d471c621" providerId="ADAL" clId="{6ED56420-F59F-4945-BA02-53AF79C1F3AC}" dt="2019-10-21T16:46:10.672" v="5122"/>
+          <ac:spMkLst>
+            <pc:docMk/>
+            <pc:sldMk cId="1708348349" sldId="350"/>
+            <ac:spMk id="9" creationId="{E3B2E017-30B2-884B-A113-B419A2ED51AD}"/>
+          </ac:spMkLst>
+        </pc:spChg>
+      </pc:sldChg>
+      <pc:sldChg chg="modSp add modAnim">
+        <pc:chgData name="Long B Nguyen" userId="f59fb8f3-a021-417a-8bc1-65c8d471c621" providerId="ADAL" clId="{6ED56420-F59F-4945-BA02-53AF79C1F3AC}" dt="2019-10-21T16:48:20.640" v="5198"/>
+        <pc:sldMkLst>
+          <pc:docMk/>
+          <pc:sldMk cId="651500207" sldId="351"/>
+        </pc:sldMkLst>
+        <pc:spChg chg="mod">
+          <ac:chgData name="Long B Nguyen" userId="f59fb8f3-a021-417a-8bc1-65c8d471c621" providerId="ADAL" clId="{6ED56420-F59F-4945-BA02-53AF79C1F3AC}" dt="2019-10-21T16:48:02.815" v="5197" actId="20577"/>
+          <ac:spMkLst>
+            <pc:docMk/>
+            <pc:sldMk cId="651500207" sldId="351"/>
             <ac:spMk id="9" creationId="{E3B2E017-30B2-884B-A113-B419A2ED51AD}"/>
           </ac:spMkLst>
         </pc:spChg>
@@ -13852,6 +13883,11 @@
               <a:rPr lang="en-US" dirty="0"/>
               <a:t>It is easy to iterate over keys of the dictionary. The default loop iterates over the keys. </a:t>
             </a:r>
+          </a:p>
+          <a:p>
+            <a:pPr marL="0" indent="0">
+              <a:buNone/>
+            </a:pPr>
             <a:endParaRPr lang="en-US" b="1" dirty="0">
               <a:solidFill>
                 <a:srgbClr val="000087"/>
@@ -13863,17 +13899,6 @@
             <a:pPr marL="0" indent="0">
               <a:buNone/>
             </a:pPr>
-            <a:endParaRPr lang="en-US" b="1" dirty="0">
-              <a:solidFill>
-                <a:srgbClr val="000087"/>
-              </a:solidFill>
-              <a:latin typeface="Inconsolata Medium" panose="020B0609030003000000" pitchFamily="49" charset="77"/>
-            </a:endParaRPr>
-          </a:p>
-          <a:p>
-            <a:pPr marL="0" indent="0">
-              <a:buNone/>
-            </a:pPr>
             <a:r>
               <a:rPr lang="en-US" b="1" dirty="0">
                 <a:solidFill>
@@ -14138,181 +14163,6 @@
             <a:r>
               <a:rPr lang="en-US" dirty="0"/>
               <a:t>one two three</a:t>
-            </a:r>
-          </a:p>
-          <a:p>
-            <a:pPr marL="0" indent="0">
-              <a:buNone/>
-            </a:pPr>
-            <a:endParaRPr lang="en-US" dirty="0"/>
-          </a:p>
-          <a:p>
-            <a:pPr marL="0" indent="0">
-              <a:buNone/>
-            </a:pPr>
-            <a:r>
-              <a:rPr lang="en-US" dirty="0"/>
-              <a:t>To iterate over values of the dictionary use, values().</a:t>
-            </a:r>
-          </a:p>
-          <a:p>
-            <a:pPr marL="0" indent="0">
-              <a:buNone/>
-            </a:pPr>
-            <a:r>
-              <a:rPr lang="en-US" b="1" dirty="0">
-                <a:solidFill>
-                  <a:srgbClr val="000087"/>
-                </a:solidFill>
-                <a:latin typeface="Inconsolata Medium" panose="020B0609030003000000" pitchFamily="49" charset="77"/>
-              </a:rPr>
-              <a:t>In </a:t>
-            </a:r>
-            <a:r>
-              <a:rPr lang="en-US" b="1" dirty="0">
-                <a:latin typeface="Inconsolata Medium" panose="020B0609030003000000" pitchFamily="49" charset="77"/>
-              </a:rPr>
-              <a:t>[</a:t>
-            </a:r>
-            <a:r>
-              <a:rPr lang="en-US" b="1" dirty="0">
-                <a:solidFill>
-                  <a:srgbClr val="FF6600"/>
-                </a:solidFill>
-                <a:latin typeface="Inconsolata Medium" panose="020B0609030003000000" pitchFamily="49" charset="77"/>
-              </a:rPr>
-              <a:t>2</a:t>
-            </a:r>
-            <a:r>
-              <a:rPr lang="en-US" b="1" dirty="0">
-                <a:latin typeface="Inconsolata Medium" panose="020B0609030003000000" pitchFamily="49" charset="77"/>
-              </a:rPr>
-              <a:t>]: </a:t>
-            </a:r>
-            <a:r>
-              <a:rPr lang="en-US" b="1" dirty="0">
-                <a:solidFill>
-                  <a:srgbClr val="006699"/>
-                </a:solidFill>
-                <a:latin typeface="Inconsolata Medium" panose="020B0609030003000000" pitchFamily="49" charset="77"/>
-              </a:rPr>
-              <a:t>for </a:t>
-            </a:r>
-            <a:r>
-              <a:rPr lang="en-US" b="1" dirty="0">
-                <a:solidFill>
-                  <a:srgbClr val="000087"/>
-                </a:solidFill>
-                <a:latin typeface="Inconsolata Medium" panose="020B0609030003000000" pitchFamily="49" charset="77"/>
-              </a:rPr>
-              <a:t>x </a:t>
-            </a:r>
-            <a:r>
-              <a:rPr lang="en-US" b="1" dirty="0">
-                <a:latin typeface="Inconsolata Medium" panose="020B0609030003000000" pitchFamily="49" charset="77"/>
-              </a:rPr>
-              <a:t>in </a:t>
-            </a:r>
-            <a:r>
-              <a:rPr lang="en-US" b="1" dirty="0" err="1">
-                <a:solidFill>
-                  <a:srgbClr val="336666"/>
-                </a:solidFill>
-                <a:latin typeface="Inconsolata Medium" panose="020B0609030003000000" pitchFamily="49" charset="77"/>
-              </a:rPr>
-              <a:t>numbers.values</a:t>
-            </a:r>
-            <a:r>
-              <a:rPr lang="en-US" b="1" dirty="0">
-                <a:solidFill>
-                  <a:srgbClr val="336666"/>
-                </a:solidFill>
-                <a:latin typeface="Inconsolata Medium" panose="020B0609030003000000" pitchFamily="49" charset="77"/>
-              </a:rPr>
-              <a:t>()</a:t>
-            </a:r>
-            <a:r>
-              <a:rPr lang="en-US" b="1" dirty="0">
-                <a:latin typeface="Inconsolata Medium" panose="020B0609030003000000" pitchFamily="49" charset="77"/>
-              </a:rPr>
-              <a:t>: </a:t>
-            </a:r>
-          </a:p>
-          <a:p>
-            <a:pPr marL="0" indent="0">
-              <a:buNone/>
-            </a:pPr>
-            <a:r>
-              <a:rPr lang="en-US" b="1" dirty="0">
-                <a:solidFill>
-                  <a:srgbClr val="006699"/>
-                </a:solidFill>
-                <a:latin typeface="Inconsolata Medium" panose="020B0609030003000000" pitchFamily="49" charset="77"/>
-              </a:rPr>
-              <a:t>		  print</a:t>
-            </a:r>
-            <a:r>
-              <a:rPr lang="en-US" b="1" dirty="0">
-                <a:latin typeface="Inconsolata Medium" panose="020B0609030003000000" pitchFamily="49" charset="77"/>
-              </a:rPr>
-              <a:t>(</a:t>
-            </a:r>
-            <a:r>
-              <a:rPr lang="en-US" b="1" dirty="0">
-                <a:solidFill>
-                  <a:srgbClr val="000087"/>
-                </a:solidFill>
-                <a:latin typeface="Inconsolata Medium" panose="020B0609030003000000" pitchFamily="49" charset="77"/>
-              </a:rPr>
-              <a:t>x</a:t>
-            </a:r>
-            <a:r>
-              <a:rPr lang="en-US" b="1" dirty="0">
-                <a:latin typeface="Inconsolata Medium" panose="020B0609030003000000" pitchFamily="49" charset="77"/>
-              </a:rPr>
-              <a:t>, </a:t>
-            </a:r>
-            <a:r>
-              <a:rPr lang="en-US" b="1" dirty="0">
-                <a:solidFill>
-                  <a:srgbClr val="000087"/>
-                </a:solidFill>
-                <a:latin typeface="Inconsolata Medium" panose="020B0609030003000000" pitchFamily="49" charset="77"/>
-              </a:rPr>
-              <a:t>end</a:t>
-            </a:r>
-            <a:r>
-              <a:rPr lang="en-US" b="1" dirty="0">
-                <a:solidFill>
-                  <a:srgbClr val="545454"/>
-                </a:solidFill>
-                <a:latin typeface="Inconsolata Medium" panose="020B0609030003000000" pitchFamily="49" charset="77"/>
-              </a:rPr>
-              <a:t>=</a:t>
-            </a:r>
-            <a:r>
-              <a:rPr lang="en-US" b="1" dirty="0">
-                <a:solidFill>
-                  <a:srgbClr val="CC3300"/>
-                </a:solidFill>
-                <a:latin typeface="Inconsolata Medium" panose="020B0609030003000000" pitchFamily="49" charset="77"/>
-              </a:rPr>
-              <a:t>‘ ’</a:t>
-            </a:r>
-            <a:r>
-              <a:rPr lang="en-US" b="1" dirty="0">
-                <a:latin typeface="Inconsolata Medium" panose="020B0609030003000000" pitchFamily="49" charset="77"/>
-              </a:rPr>
-              <a:t>) </a:t>
-            </a:r>
-          </a:p>
-          <a:p>
-            <a:pPr marL="0" indent="0">
-              <a:buNone/>
-            </a:pPr>
-            <a:r>
-              <a:rPr lang="en-US" dirty="0"/>
-              <a:t>1 2 3</a:t>
             </a:r>
           </a:p>
           <a:p>
@@ -14515,6 +14365,727 @@
 </file>
 
 <file path=ppt/slides/slide25.xml><?xml version="1.0" encoding="utf-8"?>
+<p:sld xmlns:a="http://schemas.openxmlformats.org/drawingml/2006/main" xmlns:r="http://schemas.openxmlformats.org/officeDocument/2006/relationships" xmlns:p="http://schemas.openxmlformats.org/presentationml/2006/main">
+  <p:cSld>
+    <p:spTree>
+      <p:nvGrpSpPr>
+        <p:cNvPr id="1" name=""/>
+        <p:cNvGrpSpPr/>
+        <p:nvPr/>
+      </p:nvGrpSpPr>
+      <p:grpSpPr>
+        <a:xfrm>
+          <a:off x="0" y="0"/>
+          <a:ext cx="0" cy="0"/>
+          <a:chOff x="0" y="0"/>
+          <a:chExt cx="0" cy="0"/>
+        </a:xfrm>
+      </p:grpSpPr>
+      <p:sp>
+        <p:nvSpPr>
+          <p:cNvPr id="2" name="Title 1">
+            <a:extLst>
+              <a:ext uri="{FF2B5EF4-FFF2-40B4-BE49-F238E27FC236}">
+                <a16:creationId xmlns:a16="http://schemas.microsoft.com/office/drawing/2014/main" id="{AA3A228F-61D0-D949-A5E7-F83756230BF8}"/>
+              </a:ext>
+            </a:extLst>
+          </p:cNvPr>
+          <p:cNvSpPr>
+            <a:spLocks noGrp="1"/>
+          </p:cNvSpPr>
+          <p:nvPr>
+            <p:ph type="title"/>
+          </p:nvPr>
+        </p:nvSpPr>
+        <p:spPr>
+          <a:xfrm>
+            <a:off x="483848" y="467027"/>
+            <a:ext cx="7053542" cy="683886"/>
+          </a:xfrm>
+        </p:spPr>
+        <p:txBody>
+          <a:bodyPr/>
+          <a:lstStyle/>
+          <a:p>
+            <a:r>
+              <a:rPr lang="en-US" dirty="0" err="1"/>
+              <a:t>Iterables</a:t>
+            </a:r>
+            <a:endParaRPr lang="en-US" dirty="0"/>
+          </a:p>
+        </p:txBody>
+      </p:sp>
+      <p:sp>
+        <p:nvSpPr>
+          <p:cNvPr id="9" name="Content Placeholder 8">
+            <a:extLst>
+              <a:ext uri="{FF2B5EF4-FFF2-40B4-BE49-F238E27FC236}">
+                <a16:creationId xmlns:a16="http://schemas.microsoft.com/office/drawing/2014/main" id="{E3B2E017-30B2-884B-A113-B419A2ED51AD}"/>
+              </a:ext>
+            </a:extLst>
+          </p:cNvPr>
+          <p:cNvSpPr>
+            <a:spLocks noGrp="1"/>
+          </p:cNvSpPr>
+          <p:nvPr>
+            <p:ph idx="1"/>
+          </p:nvPr>
+        </p:nvSpPr>
+        <p:spPr>
+          <a:xfrm>
+            <a:off x="483848" y="1150912"/>
+            <a:ext cx="8051725" cy="4564087"/>
+          </a:xfrm>
+        </p:spPr>
+        <p:txBody>
+          <a:bodyPr>
+            <a:noAutofit/>
+          </a:bodyPr>
+          <a:lstStyle/>
+          <a:p>
+            <a:pPr marL="0" indent="0">
+              <a:buNone/>
+            </a:pPr>
+            <a:r>
+              <a:rPr lang="en-US" dirty="0"/>
+              <a:t>To iterate over values of the dictionary use, values().</a:t>
+            </a:r>
+          </a:p>
+          <a:p>
+            <a:pPr marL="0" indent="0">
+              <a:buNone/>
+            </a:pPr>
+            <a:r>
+              <a:rPr lang="en-US" b="1" dirty="0">
+                <a:solidFill>
+                  <a:srgbClr val="000087"/>
+                </a:solidFill>
+                <a:latin typeface="Inconsolata Medium" panose="020B0609030003000000" pitchFamily="49" charset="77"/>
+              </a:rPr>
+              <a:t>In </a:t>
+            </a:r>
+            <a:r>
+              <a:rPr lang="en-US" b="1" dirty="0">
+                <a:latin typeface="Inconsolata Medium" panose="020B0609030003000000" pitchFamily="49" charset="77"/>
+              </a:rPr>
+              <a:t>[</a:t>
+            </a:r>
+            <a:r>
+              <a:rPr lang="en-US" b="1" dirty="0">
+                <a:solidFill>
+                  <a:srgbClr val="FF6600"/>
+                </a:solidFill>
+                <a:latin typeface="Inconsolata Medium" panose="020B0609030003000000" pitchFamily="49" charset="77"/>
+              </a:rPr>
+              <a:t>1</a:t>
+            </a:r>
+            <a:r>
+              <a:rPr lang="en-US" b="1" dirty="0">
+                <a:latin typeface="Inconsolata Medium" panose="020B0609030003000000" pitchFamily="49" charset="77"/>
+              </a:rPr>
+              <a:t>]: </a:t>
+            </a:r>
+            <a:r>
+              <a:rPr lang="en-US" b="1" dirty="0">
+                <a:solidFill>
+                  <a:srgbClr val="006699"/>
+                </a:solidFill>
+                <a:latin typeface="Inconsolata Medium" panose="020B0609030003000000" pitchFamily="49" charset="77"/>
+              </a:rPr>
+              <a:t>for </a:t>
+            </a:r>
+            <a:r>
+              <a:rPr lang="en-US" b="1" dirty="0">
+                <a:solidFill>
+                  <a:srgbClr val="000087"/>
+                </a:solidFill>
+                <a:latin typeface="Inconsolata Medium" panose="020B0609030003000000" pitchFamily="49" charset="77"/>
+              </a:rPr>
+              <a:t>x </a:t>
+            </a:r>
+            <a:r>
+              <a:rPr lang="en-US" b="1" dirty="0">
+                <a:latin typeface="Inconsolata Medium" panose="020B0609030003000000" pitchFamily="49" charset="77"/>
+              </a:rPr>
+              <a:t>in </a:t>
+            </a:r>
+            <a:r>
+              <a:rPr lang="en-US" b="1" dirty="0" err="1">
+                <a:solidFill>
+                  <a:srgbClr val="336666"/>
+                </a:solidFill>
+                <a:latin typeface="Inconsolata Medium" panose="020B0609030003000000" pitchFamily="49" charset="77"/>
+              </a:rPr>
+              <a:t>numbers.values</a:t>
+            </a:r>
+            <a:r>
+              <a:rPr lang="en-US" b="1" dirty="0">
+                <a:solidFill>
+                  <a:srgbClr val="336666"/>
+                </a:solidFill>
+                <a:latin typeface="Inconsolata Medium" panose="020B0609030003000000" pitchFamily="49" charset="77"/>
+              </a:rPr>
+              <a:t>()</a:t>
+            </a:r>
+            <a:r>
+              <a:rPr lang="en-US" b="1" dirty="0">
+                <a:latin typeface="Inconsolata Medium" panose="020B0609030003000000" pitchFamily="49" charset="77"/>
+              </a:rPr>
+              <a:t>: </a:t>
+            </a:r>
+          </a:p>
+          <a:p>
+            <a:pPr marL="0" indent="0">
+              <a:buNone/>
+            </a:pPr>
+            <a:r>
+              <a:rPr lang="en-US" b="1" dirty="0">
+                <a:solidFill>
+                  <a:srgbClr val="006699"/>
+                </a:solidFill>
+                <a:latin typeface="Inconsolata Medium" panose="020B0609030003000000" pitchFamily="49" charset="77"/>
+              </a:rPr>
+              <a:t>		  print</a:t>
+            </a:r>
+            <a:r>
+              <a:rPr lang="en-US" b="1" dirty="0">
+                <a:latin typeface="Inconsolata Medium" panose="020B0609030003000000" pitchFamily="49" charset="77"/>
+              </a:rPr>
+              <a:t>(</a:t>
+            </a:r>
+            <a:r>
+              <a:rPr lang="en-US" b="1" dirty="0">
+                <a:solidFill>
+                  <a:srgbClr val="000087"/>
+                </a:solidFill>
+                <a:latin typeface="Inconsolata Medium" panose="020B0609030003000000" pitchFamily="49" charset="77"/>
+              </a:rPr>
+              <a:t>x</a:t>
+            </a:r>
+            <a:r>
+              <a:rPr lang="en-US" b="1" dirty="0">
+                <a:latin typeface="Inconsolata Medium" panose="020B0609030003000000" pitchFamily="49" charset="77"/>
+              </a:rPr>
+              <a:t>, </a:t>
+            </a:r>
+            <a:r>
+              <a:rPr lang="en-US" b="1" dirty="0">
+                <a:solidFill>
+                  <a:srgbClr val="000087"/>
+                </a:solidFill>
+                <a:latin typeface="Inconsolata Medium" panose="020B0609030003000000" pitchFamily="49" charset="77"/>
+              </a:rPr>
+              <a:t>end</a:t>
+            </a:r>
+            <a:r>
+              <a:rPr lang="en-US" b="1" dirty="0">
+                <a:solidFill>
+                  <a:srgbClr val="545454"/>
+                </a:solidFill>
+                <a:latin typeface="Inconsolata Medium" panose="020B0609030003000000" pitchFamily="49" charset="77"/>
+              </a:rPr>
+              <a:t>=</a:t>
+            </a:r>
+            <a:r>
+              <a:rPr lang="en-US" b="1" dirty="0">
+                <a:solidFill>
+                  <a:srgbClr val="CC3300"/>
+                </a:solidFill>
+                <a:latin typeface="Inconsolata Medium" panose="020B0609030003000000" pitchFamily="49" charset="77"/>
+              </a:rPr>
+              <a:t>‘ ’</a:t>
+            </a:r>
+            <a:r>
+              <a:rPr lang="en-US" b="1" dirty="0">
+                <a:latin typeface="Inconsolata Medium" panose="020B0609030003000000" pitchFamily="49" charset="77"/>
+              </a:rPr>
+              <a:t>) </a:t>
+            </a:r>
+          </a:p>
+          <a:p>
+            <a:pPr marL="0" indent="0">
+              <a:buNone/>
+            </a:pPr>
+            <a:r>
+              <a:rPr lang="en-US" dirty="0"/>
+              <a:t>1 2 3</a:t>
+            </a:r>
+          </a:p>
+          <a:p>
+            <a:pPr marL="0" indent="0">
+              <a:buNone/>
+            </a:pPr>
+            <a:endParaRPr lang="en-US" dirty="0"/>
+          </a:p>
+          <a:p>
+            <a:pPr marL="0" indent="0">
+              <a:buNone/>
+            </a:pPr>
+            <a:r>
+              <a:rPr lang="en-US" dirty="0"/>
+              <a:t>OR use indexing. </a:t>
+            </a:r>
+          </a:p>
+          <a:p>
+            <a:pPr marL="0" indent="0">
+              <a:buNone/>
+            </a:pPr>
+            <a:endParaRPr lang="en-US" b="1" dirty="0">
+              <a:solidFill>
+                <a:srgbClr val="000087"/>
+              </a:solidFill>
+              <a:latin typeface="Inconsolata Medium" panose="020B0609030003000000" pitchFamily="49" charset="77"/>
+            </a:endParaRPr>
+          </a:p>
+          <a:p>
+            <a:pPr marL="0" indent="0">
+              <a:buNone/>
+            </a:pPr>
+            <a:r>
+              <a:rPr lang="en-US" b="1" dirty="0">
+                <a:solidFill>
+                  <a:srgbClr val="000087"/>
+                </a:solidFill>
+                <a:latin typeface="Inconsolata Medium" panose="020B0609030003000000" pitchFamily="49" charset="77"/>
+              </a:rPr>
+              <a:t>In </a:t>
+            </a:r>
+            <a:r>
+              <a:rPr lang="en-US" b="1" dirty="0">
+                <a:latin typeface="Inconsolata Medium" panose="020B0609030003000000" pitchFamily="49" charset="77"/>
+              </a:rPr>
+              <a:t>[</a:t>
+            </a:r>
+            <a:r>
+              <a:rPr lang="en-US" b="1" dirty="0">
+                <a:solidFill>
+                  <a:srgbClr val="FF6600"/>
+                </a:solidFill>
+                <a:latin typeface="Inconsolata Medium" panose="020B0609030003000000" pitchFamily="49" charset="77"/>
+              </a:rPr>
+              <a:t>2</a:t>
+            </a:r>
+            <a:r>
+              <a:rPr lang="en-US" b="1" dirty="0">
+                <a:latin typeface="Inconsolata Medium" panose="020B0609030003000000" pitchFamily="49" charset="77"/>
+              </a:rPr>
+              <a:t>]: </a:t>
+            </a:r>
+            <a:r>
+              <a:rPr lang="en-US" b="1" dirty="0">
+                <a:solidFill>
+                  <a:srgbClr val="000087"/>
+                </a:solidFill>
+                <a:latin typeface="Inconsolata Medium" panose="020B0609030003000000" pitchFamily="49" charset="77"/>
+              </a:rPr>
+              <a:t>numbers </a:t>
+            </a:r>
+            <a:r>
+              <a:rPr lang="en-US" b="1" dirty="0">
+                <a:solidFill>
+                  <a:srgbClr val="545454"/>
+                </a:solidFill>
+                <a:latin typeface="Inconsolata Medium" panose="020B0609030003000000" pitchFamily="49" charset="77"/>
+              </a:rPr>
+              <a:t>= </a:t>
+            </a:r>
+            <a:r>
+              <a:rPr lang="en-US" b="1" dirty="0">
+                <a:latin typeface="Inconsolata Medium" panose="020B0609030003000000" pitchFamily="49" charset="77"/>
+              </a:rPr>
+              <a:t>{</a:t>
+            </a:r>
+            <a:r>
+              <a:rPr lang="en-US" b="1" dirty="0">
+                <a:solidFill>
+                  <a:srgbClr val="CC3300"/>
+                </a:solidFill>
+                <a:latin typeface="Inconsolata Medium" panose="020B0609030003000000" pitchFamily="49" charset="77"/>
+              </a:rPr>
+              <a:t>'one'</a:t>
+            </a:r>
+            <a:r>
+              <a:rPr lang="en-US" b="1" dirty="0">
+                <a:latin typeface="Inconsolata Medium" panose="020B0609030003000000" pitchFamily="49" charset="77"/>
+              </a:rPr>
+              <a:t>:</a:t>
+            </a:r>
+            <a:r>
+              <a:rPr lang="en-US" b="1" dirty="0">
+                <a:solidFill>
+                  <a:srgbClr val="FF6600"/>
+                </a:solidFill>
+                <a:latin typeface="Inconsolata Medium" panose="020B0609030003000000" pitchFamily="49" charset="77"/>
+              </a:rPr>
+              <a:t>1</a:t>
+            </a:r>
+            <a:r>
+              <a:rPr lang="en-US" b="1" dirty="0">
+                <a:latin typeface="Inconsolata Medium" panose="020B0609030003000000" pitchFamily="49" charset="77"/>
+              </a:rPr>
+              <a:t>, </a:t>
+            </a:r>
+            <a:r>
+              <a:rPr lang="en-US" b="1" dirty="0">
+                <a:solidFill>
+                  <a:srgbClr val="CC3300"/>
+                </a:solidFill>
+                <a:latin typeface="Inconsolata Medium" panose="020B0609030003000000" pitchFamily="49" charset="77"/>
+              </a:rPr>
+              <a:t>'two'</a:t>
+            </a:r>
+            <a:r>
+              <a:rPr lang="en-US" b="1" dirty="0">
+                <a:latin typeface="Inconsolata Medium" panose="020B0609030003000000" pitchFamily="49" charset="77"/>
+              </a:rPr>
+              <a:t>:</a:t>
+            </a:r>
+            <a:r>
+              <a:rPr lang="en-US" b="1" dirty="0">
+                <a:solidFill>
+                  <a:srgbClr val="FF6600"/>
+                </a:solidFill>
+                <a:latin typeface="Inconsolata Medium" panose="020B0609030003000000" pitchFamily="49" charset="77"/>
+              </a:rPr>
+              <a:t>2</a:t>
+            </a:r>
+            <a:r>
+              <a:rPr lang="en-US" b="1" dirty="0">
+                <a:latin typeface="Inconsolata Medium" panose="020B0609030003000000" pitchFamily="49" charset="77"/>
+              </a:rPr>
+              <a:t>, </a:t>
+            </a:r>
+            <a:r>
+              <a:rPr lang="en-US" b="1" dirty="0">
+                <a:solidFill>
+                  <a:srgbClr val="CC3300"/>
+                </a:solidFill>
+                <a:latin typeface="Inconsolata Medium" panose="020B0609030003000000" pitchFamily="49" charset="77"/>
+              </a:rPr>
+              <a:t>'three'</a:t>
+            </a:r>
+            <a:r>
+              <a:rPr lang="en-US" b="1" dirty="0">
+                <a:latin typeface="Inconsolata Medium" panose="020B0609030003000000" pitchFamily="49" charset="77"/>
+              </a:rPr>
+              <a:t>:</a:t>
+            </a:r>
+            <a:r>
+              <a:rPr lang="en-US" b="1" dirty="0">
+                <a:solidFill>
+                  <a:srgbClr val="FF6600"/>
+                </a:solidFill>
+                <a:latin typeface="Inconsolata Medium" panose="020B0609030003000000" pitchFamily="49" charset="77"/>
+              </a:rPr>
+              <a:t>3</a:t>
+            </a:r>
+            <a:r>
+              <a:rPr lang="en-US" b="1" dirty="0">
+                <a:latin typeface="Inconsolata Medium" panose="020B0609030003000000" pitchFamily="49" charset="77"/>
+              </a:rPr>
+              <a:t>} </a:t>
+            </a:r>
+          </a:p>
+          <a:p>
+            <a:pPr marL="0" indent="0">
+              <a:buNone/>
+            </a:pPr>
+            <a:r>
+              <a:rPr lang="en-US" b="1" dirty="0">
+                <a:solidFill>
+                  <a:srgbClr val="006699"/>
+                </a:solidFill>
+                <a:latin typeface="Inconsolata Medium" panose="020B0609030003000000" pitchFamily="49" charset="77"/>
+              </a:rPr>
+              <a:t>	    for </a:t>
+            </a:r>
+            <a:r>
+              <a:rPr lang="en-US" b="1" dirty="0">
+                <a:solidFill>
+                  <a:srgbClr val="000087"/>
+                </a:solidFill>
+                <a:latin typeface="Inconsolata Medium" panose="020B0609030003000000" pitchFamily="49" charset="77"/>
+              </a:rPr>
+              <a:t>x </a:t>
+            </a:r>
+            <a:r>
+              <a:rPr lang="en-US" b="1" dirty="0">
+                <a:latin typeface="Inconsolata Medium" panose="020B0609030003000000" pitchFamily="49" charset="77"/>
+              </a:rPr>
+              <a:t>in </a:t>
+            </a:r>
+            <a:r>
+              <a:rPr lang="en-US" b="1" dirty="0">
+                <a:solidFill>
+                  <a:srgbClr val="336666"/>
+                </a:solidFill>
+                <a:latin typeface="Inconsolata Medium" panose="020B0609030003000000" pitchFamily="49" charset="77"/>
+              </a:rPr>
+              <a:t>numbers</a:t>
+            </a:r>
+            <a:r>
+              <a:rPr lang="en-US" b="1" dirty="0">
+                <a:latin typeface="Inconsolata Medium" panose="020B0609030003000000" pitchFamily="49" charset="77"/>
+              </a:rPr>
+              <a:t>: </a:t>
+            </a:r>
+          </a:p>
+          <a:p>
+            <a:pPr marL="0" indent="0">
+              <a:buNone/>
+            </a:pPr>
+            <a:r>
+              <a:rPr lang="en-US" b="1" dirty="0">
+                <a:solidFill>
+                  <a:srgbClr val="006699"/>
+                </a:solidFill>
+                <a:latin typeface="Inconsolata Medium" panose="020B0609030003000000" pitchFamily="49" charset="77"/>
+              </a:rPr>
+              <a:t>		  print</a:t>
+            </a:r>
+            <a:r>
+              <a:rPr lang="en-US" b="1" dirty="0">
+                <a:latin typeface="Inconsolata Medium" panose="020B0609030003000000" pitchFamily="49" charset="77"/>
+              </a:rPr>
+              <a:t>(</a:t>
+            </a:r>
+            <a:r>
+              <a:rPr lang="en-US" b="1" dirty="0">
+                <a:solidFill>
+                  <a:srgbClr val="000087"/>
+                </a:solidFill>
+                <a:latin typeface="Inconsolata Medium" panose="020B0609030003000000" pitchFamily="49" charset="77"/>
+              </a:rPr>
+              <a:t>numbers[x], end=" "</a:t>
+            </a:r>
+            <a:r>
+              <a:rPr lang="en-US" b="1" dirty="0">
+                <a:latin typeface="Inconsolata Medium" panose="020B0609030003000000" pitchFamily="49" charset="77"/>
+              </a:rPr>
+              <a:t>) </a:t>
+            </a:r>
+          </a:p>
+          <a:p>
+            <a:pPr marL="0" indent="0">
+              <a:buNone/>
+            </a:pPr>
+            <a:r>
+              <a:rPr lang="en-US" dirty="0"/>
+              <a:t>1 2 3</a:t>
+            </a:r>
+          </a:p>
+          <a:p>
+            <a:pPr marL="0" indent="0">
+              <a:buNone/>
+            </a:pPr>
+            <a:endParaRPr lang="en-US" dirty="0"/>
+          </a:p>
+          <a:p>
+            <a:pPr marL="0" indent="0">
+              <a:buNone/>
+            </a:pPr>
+            <a:endParaRPr lang="en-US" dirty="0"/>
+          </a:p>
+          <a:p>
+            <a:pPr marL="0" indent="0">
+              <a:buNone/>
+            </a:pPr>
+            <a:endParaRPr lang="en-US" dirty="0"/>
+          </a:p>
+          <a:p>
+            <a:pPr marL="0" indent="0">
+              <a:buNone/>
+            </a:pPr>
+            <a:endParaRPr lang="en-US" dirty="0"/>
+          </a:p>
+        </p:txBody>
+      </p:sp>
+    </p:spTree>
+    <p:extLst>
+      <p:ext uri="{BB962C8B-B14F-4D97-AF65-F5344CB8AC3E}">
+        <p14:creationId xmlns:p14="http://schemas.microsoft.com/office/powerpoint/2010/main" val="651500207"/>
+      </p:ext>
+    </p:extLst>
+  </p:cSld>
+  <p:clrMapOvr>
+    <a:masterClrMapping/>
+  </p:clrMapOvr>
+  <p:timing>
+    <p:tnLst>
+      <p:par>
+        <p:cTn id="1" dur="indefinite" restart="never" nodeType="tmRoot">
+          <p:childTnLst>
+            <p:seq concurrent="1" nextAc="seek">
+              <p:cTn id="2" dur="indefinite" nodeType="mainSeq">
+                <p:childTnLst>
+                  <p:par>
+                    <p:cTn id="3" fill="hold">
+                      <p:stCondLst>
+                        <p:cond delay="indefinite"/>
+                      </p:stCondLst>
+                      <p:childTnLst>
+                        <p:par>
+                          <p:cTn id="4" fill="hold">
+                            <p:stCondLst>
+                              <p:cond delay="0"/>
+                            </p:stCondLst>
+                            <p:childTnLst>
+                              <p:par>
+                                <p:cTn id="5" presetID="1" presetClass="entr" presetSubtype="0" fill="hold" nodeType="clickEffect">
+                                  <p:stCondLst>
+                                    <p:cond delay="0"/>
+                                  </p:stCondLst>
+                                  <p:childTnLst>
+                                    <p:set>
+                                      <p:cBhvr>
+                                        <p:cTn id="6" dur="1" fill="hold">
+                                          <p:stCondLst>
+                                            <p:cond delay="0"/>
+                                          </p:stCondLst>
+                                        </p:cTn>
+                                        <p:tgtEl>
+                                          <p:spTgt spid="9">
+                                            <p:txEl>
+                                              <p:pRg st="7" end="7"/>
+                                            </p:txEl>
+                                          </p:spTgt>
+                                        </p:tgtEl>
+                                        <p:attrNameLst>
+                                          <p:attrName>style.visibility</p:attrName>
+                                        </p:attrNameLst>
+                                      </p:cBhvr>
+                                      <p:to>
+                                        <p:strVal val="visible"/>
+                                      </p:to>
+                                    </p:set>
+                                  </p:childTnLst>
+                                </p:cTn>
+                              </p:par>
+                              <p:par>
+                                <p:cTn id="7" presetID="1" presetClass="entr" presetSubtype="0" fill="hold" nodeType="withEffect">
+                                  <p:stCondLst>
+                                    <p:cond delay="0"/>
+                                  </p:stCondLst>
+                                  <p:childTnLst>
+                                    <p:set>
+                                      <p:cBhvr>
+                                        <p:cTn id="8" dur="1" fill="hold">
+                                          <p:stCondLst>
+                                            <p:cond delay="0"/>
+                                          </p:stCondLst>
+                                        </p:cTn>
+                                        <p:tgtEl>
+                                          <p:spTgt spid="9">
+                                            <p:txEl>
+                                              <p:pRg st="8" end="8"/>
+                                            </p:txEl>
+                                          </p:spTgt>
+                                        </p:tgtEl>
+                                        <p:attrNameLst>
+                                          <p:attrName>style.visibility</p:attrName>
+                                        </p:attrNameLst>
+                                      </p:cBhvr>
+                                      <p:to>
+                                        <p:strVal val="visible"/>
+                                      </p:to>
+                                    </p:set>
+                                  </p:childTnLst>
+                                </p:cTn>
+                              </p:par>
+                              <p:par>
+                                <p:cTn id="9" presetID="1" presetClass="entr" presetSubtype="0" fill="hold" nodeType="withEffect">
+                                  <p:stCondLst>
+                                    <p:cond delay="0"/>
+                                  </p:stCondLst>
+                                  <p:childTnLst>
+                                    <p:set>
+                                      <p:cBhvr>
+                                        <p:cTn id="10" dur="1" fill="hold">
+                                          <p:stCondLst>
+                                            <p:cond delay="0"/>
+                                          </p:stCondLst>
+                                        </p:cTn>
+                                        <p:tgtEl>
+                                          <p:spTgt spid="9">
+                                            <p:txEl>
+                                              <p:pRg st="9" end="9"/>
+                                            </p:txEl>
+                                          </p:spTgt>
+                                        </p:tgtEl>
+                                        <p:attrNameLst>
+                                          <p:attrName>style.visibility</p:attrName>
+                                        </p:attrNameLst>
+                                      </p:cBhvr>
+                                      <p:to>
+                                        <p:strVal val="visible"/>
+                                      </p:to>
+                                    </p:set>
+                                  </p:childTnLst>
+                                </p:cTn>
+                              </p:par>
+                              <p:par>
+                                <p:cTn id="11" presetID="1" presetClass="entr" presetSubtype="0" fill="hold" nodeType="withEffect">
+                                  <p:stCondLst>
+                                    <p:cond delay="0"/>
+                                  </p:stCondLst>
+                                  <p:childTnLst>
+                                    <p:set>
+                                      <p:cBhvr>
+                                        <p:cTn id="12" dur="1" fill="hold">
+                                          <p:stCondLst>
+                                            <p:cond delay="0"/>
+                                          </p:stCondLst>
+                                        </p:cTn>
+                                        <p:tgtEl>
+                                          <p:spTgt spid="9">
+                                            <p:txEl>
+                                              <p:pRg st="10" end="10"/>
+                                            </p:txEl>
+                                          </p:spTgt>
+                                        </p:tgtEl>
+                                        <p:attrNameLst>
+                                          <p:attrName>style.visibility</p:attrName>
+                                        </p:attrNameLst>
+                                      </p:cBhvr>
+                                      <p:to>
+                                        <p:strVal val="visible"/>
+                                      </p:to>
+                                    </p:set>
+                                  </p:childTnLst>
+                                </p:cTn>
+                              </p:par>
+                            </p:childTnLst>
+                          </p:cTn>
+                        </p:par>
+                      </p:childTnLst>
+                    </p:cTn>
+                  </p:par>
+                </p:childTnLst>
+              </p:cTn>
+              <p:prevCondLst>
+                <p:cond evt="onPrev" delay="0">
+                  <p:tgtEl>
+                    <p:sldTgt/>
+                  </p:tgtEl>
+                </p:cond>
+              </p:prevCondLst>
+              <p:nextCondLst>
+                <p:cond evt="onNext" delay="0">
+                  <p:tgtEl>
+                    <p:sldTgt/>
+                  </p:tgtEl>
+                </p:cond>
+              </p:nextCondLst>
+            </p:seq>
+          </p:childTnLst>
+        </p:cTn>
+      </p:par>
+    </p:tnLst>
+  </p:timing>
+</p:sld>
+</file>
+
+<file path=ppt/slides/slide26.xml><?xml version="1.0" encoding="utf-8"?>
 <p:sld xmlns:a="http://schemas.openxmlformats.org/drawingml/2006/main" xmlns:r="http://schemas.openxmlformats.org/officeDocument/2006/relationships" xmlns:p="http://schemas.openxmlformats.org/presentationml/2006/main">
   <p:cSld>
     <p:spTree>
@@ -15167,7 +15738,7 @@
 </p:sld>
 </file>
 
-<file path=ppt/slides/slide26.xml><?xml version="1.0" encoding="utf-8"?>
+<file path=ppt/slides/slide27.xml><?xml version="1.0" encoding="utf-8"?>
 <p:sld xmlns:a="http://schemas.openxmlformats.org/drawingml/2006/main" xmlns:r="http://schemas.openxmlformats.org/officeDocument/2006/relationships" xmlns:p="http://schemas.openxmlformats.org/presentationml/2006/main">
   <p:cSld>
     <p:spTree>
@@ -16019,7 +16590,7 @@
 </p:sld>
 </file>
 
-<file path=ppt/slides/slide27.xml><?xml version="1.0" encoding="utf-8"?>
+<file path=ppt/slides/slide28.xml><?xml version="1.0" encoding="utf-8"?>
 <p:sld xmlns:a="http://schemas.openxmlformats.org/drawingml/2006/main" xmlns:r="http://schemas.openxmlformats.org/officeDocument/2006/relationships" xmlns:p="http://schemas.openxmlformats.org/presentationml/2006/main">
   <p:cSld>
     <p:spTree>
@@ -17141,7 +17712,7 @@
 </p:sld>
 </file>
 
-<file path=ppt/slides/slide28.xml><?xml version="1.0" encoding="utf-8"?>
+<file path=ppt/slides/slide29.xml><?xml version="1.0" encoding="utf-8"?>
 <p:sld xmlns:a="http://schemas.openxmlformats.org/drawingml/2006/main" xmlns:r="http://schemas.openxmlformats.org/officeDocument/2006/relationships" xmlns:p="http://schemas.openxmlformats.org/presentationml/2006/main">
   <p:cSld>
     <p:spTree>

--- a/courses/apcsp/lect7.pptx
+++ b/courses/apcsp/lect7.pptx
@@ -143,7 +143,7 @@
 <file path=ppt/revisionInfo.xml><?xml version="1.0" encoding="utf-8"?>
 <p1510:revInfo xmlns:a="http://schemas.openxmlformats.org/drawingml/2006/main" xmlns:r="http://schemas.openxmlformats.org/officeDocument/2006/relationships" xmlns:p1510="http://schemas.microsoft.com/office/powerpoint/2015/10/main">
   <p1510:revLst>
-    <p1510:client id="{6ED56420-F59F-4945-BA02-53AF79C1F3AC}" v="1380" dt="2019-10-21T16:48:20.641"/>
+    <p1510:client id="{6ED56420-F59F-4945-BA02-53AF79C1F3AC}" v="1409" dt="2019-10-22T01:07:09.945"/>
   </p1510:revLst>
 </p1510:revInfo>
 </file>
@@ -266,7 +266,7 @@
   <pc:docChgLst>
     <pc:chgData name="Long B Nguyen" userId="f59fb8f3-a021-417a-8bc1-65c8d471c621" providerId="ADAL" clId="{6ED56420-F59F-4945-BA02-53AF79C1F3AC}"/>
     <pc:docChg chg="undo custSel addSld delSld modSld sldOrd">
-      <pc:chgData name="Long B Nguyen" userId="f59fb8f3-a021-417a-8bc1-65c8d471c621" providerId="ADAL" clId="{6ED56420-F59F-4945-BA02-53AF79C1F3AC}" dt="2019-10-21T17:31:15.907" v="5199" actId="2696"/>
+      <pc:chgData name="Long B Nguyen" userId="f59fb8f3-a021-417a-8bc1-65c8d471c621" providerId="ADAL" clId="{6ED56420-F59F-4945-BA02-53AF79C1F3AC}" dt="2019-10-22T01:07:09.945" v="5228" actId="20577"/>
       <pc:docMkLst>
         <pc:docMk/>
       </pc:docMkLst>
@@ -715,13 +715,13 @@
         </pc:spChg>
       </pc:sldChg>
       <pc:sldChg chg="modSp add modAnim">
-        <pc:chgData name="Long B Nguyen" userId="f59fb8f3-a021-417a-8bc1-65c8d471c621" providerId="ADAL" clId="{6ED56420-F59F-4945-BA02-53AF79C1F3AC}" dt="2019-10-21T15:56:15.262" v="4941"/>
+        <pc:chgData name="Long B Nguyen" userId="f59fb8f3-a021-417a-8bc1-65c8d471c621" providerId="ADAL" clId="{6ED56420-F59F-4945-BA02-53AF79C1F3AC}" dt="2019-10-22T01:07:09.945" v="5228" actId="20577"/>
         <pc:sldMkLst>
           <pc:docMk/>
           <pc:sldMk cId="1701624766" sldId="348"/>
         </pc:sldMkLst>
         <pc:spChg chg="mod">
-          <ac:chgData name="Long B Nguyen" userId="f59fb8f3-a021-417a-8bc1-65c8d471c621" providerId="ADAL" clId="{6ED56420-F59F-4945-BA02-53AF79C1F3AC}" dt="2019-10-21T15:54:33.189" v="4915" actId="20577"/>
+          <ac:chgData name="Long B Nguyen" userId="f59fb8f3-a021-417a-8bc1-65c8d471c621" providerId="ADAL" clId="{6ED56420-F59F-4945-BA02-53AF79C1F3AC}" dt="2019-10-22T01:07:09.945" v="5228" actId="20577"/>
           <ac:spMkLst>
             <pc:docMk/>
             <pc:sldMk cId="1701624766" sldId="348"/>
@@ -17006,7 +17006,7 @@
                 </a:solidFill>
                 <a:latin typeface="Inconsolata Medium" panose="020B0609030003000000" pitchFamily="49" charset="77"/>
               </a:rPr>
-              <a:t> in </a:t>
+              <a:t> not in </a:t>
             </a:r>
             <a:r>
               <a:rPr lang="en-US" sz="2000" b="1" dirty="0">
@@ -17056,124 +17056,24 @@
                 </a:solidFill>
                 <a:latin typeface="Inconsolata Medium" panose="020B0609030003000000" pitchFamily="49" charset="77"/>
               </a:rPr>
-              <a:t>[name].</a:t>
-            </a:r>
-            <a:r>
-              <a:rPr lang="en-US" sz="2000" b="1" dirty="0">
-                <a:solidFill>
-                  <a:srgbClr val="000087"/>
-                </a:solidFill>
-                <a:latin typeface="Inconsolata Medium" panose="020B0609030003000000" pitchFamily="49" charset="77"/>
-              </a:rPr>
-              <a:t>append</a:t>
-            </a:r>
-            <a:r>
-              <a:rPr lang="en-US" sz="2000" b="1" dirty="0">
+              <a:t>[name] = [] # create new key/value </a:t>
+            </a:r>
+          </a:p>
+          <a:p>
+            <a:pPr marL="0" indent="0">
+              <a:buNone/>
+            </a:pPr>
+            <a:r>
+              <a:rPr lang="en-US" sz="2000" b="1">
                 <a:solidFill>
                   <a:srgbClr val="336666"/>
                 </a:solidFill>
                 <a:latin typeface="Inconsolata Medium" panose="020B0609030003000000" pitchFamily="49" charset="77"/>
               </a:rPr>
-              <a:t>(</a:t>
-            </a:r>
-            <a:r>
-              <a:rPr lang="en-US" sz="2000" b="1" dirty="0">
-                <a:solidFill>
-                  <a:srgbClr val="CC3300"/>
-                </a:solidFill>
-                <a:latin typeface="Inconsolata Medium" panose="020B0609030003000000" pitchFamily="49" charset="77"/>
-              </a:rPr>
-              <a:t>score</a:t>
-            </a:r>
-            <a:r>
-              <a:rPr lang="en-US" sz="2000" b="1" dirty="0">
-                <a:solidFill>
-                  <a:srgbClr val="336666"/>
-                </a:solidFill>
-                <a:latin typeface="Inconsolata Medium" panose="020B0609030003000000" pitchFamily="49" charset="77"/>
-              </a:rPr>
-              <a:t>)</a:t>
-            </a:r>
-          </a:p>
-          <a:p>
-            <a:pPr marL="0" indent="0">
-              <a:buNone/>
-            </a:pPr>
-            <a:r>
-              <a:rPr lang="en-US" sz="2000" b="1" dirty="0">
-                <a:solidFill>
-                  <a:srgbClr val="336666"/>
-                </a:solidFill>
-                <a:latin typeface="Inconsolata Medium" panose="020B0609030003000000" pitchFamily="49" charset="77"/>
-              </a:rPr>
-              <a:t>	else:</a:t>
-            </a:r>
-          </a:p>
-          <a:p>
-            <a:pPr marL="0" indent="0">
-              <a:buNone/>
-            </a:pPr>
-            <a:r>
-              <a:rPr lang="en-US" sz="2000" b="1" dirty="0">
-                <a:solidFill>
-                  <a:srgbClr val="336666"/>
-                </a:solidFill>
-                <a:latin typeface="Inconsolata Medium" panose="020B0609030003000000" pitchFamily="49" charset="77"/>
-              </a:rPr>
-              <a:t>		</a:t>
-            </a:r>
-            <a:r>
-              <a:rPr lang="en-US" sz="2000" b="1" dirty="0">
-                <a:solidFill>
-                  <a:srgbClr val="000087"/>
-                </a:solidFill>
-                <a:latin typeface="Inconsolata Medium" panose="020B0609030003000000" pitchFamily="49" charset="77"/>
-              </a:rPr>
-              <a:t>database</a:t>
-            </a:r>
-            <a:r>
-              <a:rPr lang="en-US" sz="2000" b="1" dirty="0">
-                <a:solidFill>
-                  <a:srgbClr val="336666"/>
-                </a:solidFill>
-                <a:latin typeface="Inconsolata Medium" panose="020B0609030003000000" pitchFamily="49" charset="77"/>
-              </a:rPr>
-              <a:t>[name] = </a:t>
-            </a:r>
-            <a:r>
-              <a:rPr lang="en-US" sz="2000" b="1" dirty="0">
-                <a:solidFill>
-                  <a:srgbClr val="CC3300"/>
-                </a:solidFill>
-                <a:latin typeface="Inconsolata Medium" panose="020B0609030003000000" pitchFamily="49" charset="77"/>
-              </a:rPr>
-              <a:t>[]  </a:t>
-            </a:r>
-            <a:r>
-              <a:rPr lang="en-US" sz="2000" b="1" dirty="0">
-                <a:solidFill>
-                  <a:srgbClr val="336666"/>
-                </a:solidFill>
-                <a:latin typeface="Inconsolata Medium" panose="020B0609030003000000" pitchFamily="49" charset="77"/>
-              </a:rPr>
-              <a:t># create new key/value </a:t>
-            </a:r>
-          </a:p>
-          <a:p>
-            <a:pPr marL="0" indent="0">
-              <a:buNone/>
-            </a:pPr>
-            <a:r>
-              <a:rPr lang="en-US" sz="2000" b="1" dirty="0">
-                <a:solidFill>
-                  <a:srgbClr val="336666"/>
-                </a:solidFill>
-                <a:latin typeface="Inconsolata Medium" panose="020B0609030003000000" pitchFamily="49" charset="77"/>
-              </a:rPr>
-              <a:t>		</a:t>
-            </a:r>
-            <a:r>
-              <a:rPr lang="en-US" sz="2000" b="1" dirty="0">
+              <a:t>	</a:t>
+            </a:r>
+            <a:r>
+              <a:rPr lang="en-US" sz="2000" b="1">
                 <a:solidFill>
                   <a:srgbClr val="000087"/>
                 </a:solidFill>
@@ -17569,104 +17469,6 @@
                                           <p:spTgt spid="9">
                                             <p:txEl>
                                               <p:pRg st="8" end="8"/>
-                                            </p:txEl>
-                                          </p:spTgt>
-                                        </p:tgtEl>
-                                        <p:attrNameLst>
-                                          <p:attrName>style.visibility</p:attrName>
-                                        </p:attrNameLst>
-                                      </p:cBhvr>
-                                      <p:to>
-                                        <p:strVal val="visible"/>
-                                      </p:to>
-                                    </p:set>
-                                  </p:childTnLst>
-                                </p:cTn>
-                              </p:par>
-                            </p:childTnLst>
-                          </p:cTn>
-                        </p:par>
-                      </p:childTnLst>
-                    </p:cTn>
-                  </p:par>
-                  <p:par>
-                    <p:cTn id="29" fill="hold">
-                      <p:stCondLst>
-                        <p:cond delay="indefinite"/>
-                      </p:stCondLst>
-                      <p:childTnLst>
-                        <p:par>
-                          <p:cTn id="30" fill="hold">
-                            <p:stCondLst>
-                              <p:cond delay="0"/>
-                            </p:stCondLst>
-                            <p:childTnLst>
-                              <p:par>
-                                <p:cTn id="31" presetID="1" presetClass="entr" presetSubtype="0" fill="hold" nodeType="clickEffect">
-                                  <p:stCondLst>
-                                    <p:cond delay="0"/>
-                                  </p:stCondLst>
-                                  <p:childTnLst>
-                                    <p:set>
-                                      <p:cBhvr>
-                                        <p:cTn id="32" dur="1" fill="hold">
-                                          <p:stCondLst>
-                                            <p:cond delay="0"/>
-                                          </p:stCondLst>
-                                        </p:cTn>
-                                        <p:tgtEl>
-                                          <p:spTgt spid="9">
-                                            <p:txEl>
-                                              <p:pRg st="9" end="9"/>
-                                            </p:txEl>
-                                          </p:spTgt>
-                                        </p:tgtEl>
-                                        <p:attrNameLst>
-                                          <p:attrName>style.visibility</p:attrName>
-                                        </p:attrNameLst>
-                                      </p:cBhvr>
-                                      <p:to>
-                                        <p:strVal val="visible"/>
-                                      </p:to>
-                                    </p:set>
-                                  </p:childTnLst>
-                                </p:cTn>
-                              </p:par>
-                            </p:childTnLst>
-                          </p:cTn>
-                        </p:par>
-                      </p:childTnLst>
-                    </p:cTn>
-                  </p:par>
-                  <p:par>
-                    <p:cTn id="33" fill="hold">
-                      <p:stCondLst>
-                        <p:cond delay="indefinite"/>
-                      </p:stCondLst>
-                      <p:childTnLst>
-                        <p:par>
-                          <p:cTn id="34" fill="hold">
-                            <p:stCondLst>
-                              <p:cond delay="0"/>
-                            </p:stCondLst>
-                            <p:childTnLst>
-                              <p:par>
-                                <p:cTn id="35" presetID="1" presetClass="entr" presetSubtype="0" fill="hold" nodeType="clickEffect">
-                                  <p:stCondLst>
-                                    <p:cond delay="0"/>
-                                  </p:stCondLst>
-                                  <p:childTnLst>
-                                    <p:set>
-                                      <p:cBhvr>
-                                        <p:cTn id="36" dur="1" fill="hold">
-                                          <p:stCondLst>
-                                            <p:cond delay="0"/>
-                                          </p:stCondLst>
-                                        </p:cTn>
-                                        <p:tgtEl>
-                                          <p:spTgt spid="9">
-                                            <p:txEl>
-                                              <p:pRg st="10" end="10"/>
                                             </p:txEl>
                                           </p:spTgt>
                                         </p:tgtEl>

--- a/courses/apcsp/lect7.pptx
+++ b/courses/apcsp/lect7.pptx
@@ -17,23 +17,24 @@
     <p:sldId id="341" r:id="rId11"/>
     <p:sldId id="337" r:id="rId12"/>
     <p:sldId id="343" r:id="rId13"/>
-    <p:sldId id="344" r:id="rId14"/>
-    <p:sldId id="345" r:id="rId15"/>
-    <p:sldId id="347" r:id="rId16"/>
-    <p:sldId id="346" r:id="rId17"/>
-    <p:sldId id="313" r:id="rId18"/>
-    <p:sldId id="339" r:id="rId19"/>
-    <p:sldId id="314" r:id="rId20"/>
-    <p:sldId id="338" r:id="rId21"/>
-    <p:sldId id="342" r:id="rId22"/>
-    <p:sldId id="316" r:id="rId23"/>
-    <p:sldId id="325" r:id="rId24"/>
-    <p:sldId id="318" r:id="rId25"/>
-    <p:sldId id="351" r:id="rId26"/>
-    <p:sldId id="317" r:id="rId27"/>
-    <p:sldId id="340" r:id="rId28"/>
-    <p:sldId id="348" r:id="rId29"/>
-    <p:sldId id="284" r:id="rId30"/>
+    <p:sldId id="352" r:id="rId14"/>
+    <p:sldId id="344" r:id="rId15"/>
+    <p:sldId id="345" r:id="rId16"/>
+    <p:sldId id="347" r:id="rId17"/>
+    <p:sldId id="346" r:id="rId18"/>
+    <p:sldId id="313" r:id="rId19"/>
+    <p:sldId id="339" r:id="rId20"/>
+    <p:sldId id="314" r:id="rId21"/>
+    <p:sldId id="338" r:id="rId22"/>
+    <p:sldId id="342" r:id="rId23"/>
+    <p:sldId id="316" r:id="rId24"/>
+    <p:sldId id="325" r:id="rId25"/>
+    <p:sldId id="318" r:id="rId26"/>
+    <p:sldId id="351" r:id="rId27"/>
+    <p:sldId id="317" r:id="rId28"/>
+    <p:sldId id="340" r:id="rId29"/>
+    <p:sldId id="348" r:id="rId30"/>
+    <p:sldId id="284" r:id="rId31"/>
   </p:sldIdLst>
   <p:sldSz cx="9144000" cy="5715000" type="screen16x10"/>
   <p:notesSz cx="6858000" cy="9144000"/>
@@ -143,7 +144,7 @@
 <file path=ppt/revisionInfo.xml><?xml version="1.0" encoding="utf-8"?>
 <p1510:revInfo xmlns:a="http://schemas.openxmlformats.org/drawingml/2006/main" xmlns:r="http://schemas.openxmlformats.org/officeDocument/2006/relationships" xmlns:p1510="http://schemas.microsoft.com/office/powerpoint/2015/10/main">
   <p1510:revLst>
-    <p1510:client id="{6ED56420-F59F-4945-BA02-53AF79C1F3AC}" v="1409" dt="2019-10-22T01:07:09.945"/>
+    <p1510:client id="{6ED56420-F59F-4945-BA02-53AF79C1F3AC}" v="1577" dt="2019-10-22T14:22:15.711"/>
   </p1510:revLst>
 </p1510:revInfo>
 </file>
@@ -266,7 +267,7 @@
   <pc:docChgLst>
     <pc:chgData name="Long B Nguyen" userId="f59fb8f3-a021-417a-8bc1-65c8d471c621" providerId="ADAL" clId="{6ED56420-F59F-4945-BA02-53AF79C1F3AC}"/>
     <pc:docChg chg="undo custSel addSld delSld modSld sldOrd">
-      <pc:chgData name="Long B Nguyen" userId="f59fb8f3-a021-417a-8bc1-65c8d471c621" providerId="ADAL" clId="{6ED56420-F59F-4945-BA02-53AF79C1F3AC}" dt="2019-10-22T01:07:09.945" v="5228" actId="20577"/>
+      <pc:chgData name="Long B Nguyen" userId="f59fb8f3-a021-417a-8bc1-65c8d471c621" providerId="ADAL" clId="{6ED56420-F59F-4945-BA02-53AF79C1F3AC}" dt="2019-10-22T14:22:15.711" v="5396" actId="207"/>
       <pc:docMkLst>
         <pc:docMk/>
       </pc:docMkLst>
@@ -774,6 +775,21 @@
           </ac:spMkLst>
         </pc:spChg>
       </pc:sldChg>
+      <pc:sldChg chg="modSp add modAnim">
+        <pc:chgData name="Long B Nguyen" userId="f59fb8f3-a021-417a-8bc1-65c8d471c621" providerId="ADAL" clId="{6ED56420-F59F-4945-BA02-53AF79C1F3AC}" dt="2019-10-22T14:22:15.711" v="5396" actId="207"/>
+        <pc:sldMkLst>
+          <pc:docMk/>
+          <pc:sldMk cId="2425898968" sldId="352"/>
+        </pc:sldMkLst>
+        <pc:spChg chg="mod">
+          <ac:chgData name="Long B Nguyen" userId="f59fb8f3-a021-417a-8bc1-65c8d471c621" providerId="ADAL" clId="{6ED56420-F59F-4945-BA02-53AF79C1F3AC}" dt="2019-10-22T14:22:15.711" v="5396" actId="207"/>
+          <ac:spMkLst>
+            <pc:docMk/>
+            <pc:sldMk cId="2425898968" sldId="352"/>
+            <ac:spMk id="9" creationId="{E3B2E017-30B2-884B-A113-B419A2ED51AD}"/>
+          </ac:spMkLst>
+        </pc:spChg>
+      </pc:sldChg>
     </pc:docChg>
   </pc:docChgLst>
   <pc:docChgLst>
@@ -913,7 +929,7 @@
           <a:p>
             <a:fld id="{4AAD347D-5ACD-4C99-B74B-A9C85AD731AF}" type="datetimeFigureOut">
               <a:rPr lang="en-US" smtClean="0"/>
-              <a:t>10/21/19</a:t>
+              <a:t>10/22/19</a:t>
             </a:fld>
             <a:endParaRPr lang="en-US" dirty="0"/>
           </a:p>
@@ -1083,7 +1099,7 @@
           <a:p>
             <a:fld id="{4509A250-FF31-4206-8172-F9D3106AACB1}" type="datetimeFigureOut">
               <a:rPr lang="en-US" smtClean="0"/>
-              <a:t>10/21/19</a:t>
+              <a:t>10/22/19</a:t>
             </a:fld>
             <a:endParaRPr lang="en-US" dirty="0"/>
           </a:p>
@@ -1263,7 +1279,7 @@
           <a:p>
             <a:fld id="{4509A250-FF31-4206-8172-F9D3106AACB1}" type="datetimeFigureOut">
               <a:rPr lang="en-US" smtClean="0"/>
-              <a:t>10/21/19</a:t>
+              <a:t>10/22/19</a:t>
             </a:fld>
             <a:endParaRPr lang="en-US" dirty="0"/>
           </a:p>
@@ -1433,7 +1449,7 @@
           <a:p>
             <a:fld id="{4509A250-FF31-4206-8172-F9D3106AACB1}" type="datetimeFigureOut">
               <a:rPr lang="en-US" smtClean="0"/>
-              <a:t>10/21/19</a:t>
+              <a:t>10/22/19</a:t>
             </a:fld>
             <a:endParaRPr lang="en-US" dirty="0"/>
           </a:p>
@@ -1679,7 +1695,7 @@
           <a:p>
             <a:fld id="{9796027F-7875-4030-9381-8BD8C4F21935}" type="datetimeFigureOut">
               <a:rPr lang="en-US" smtClean="0"/>
-              <a:t>10/21/19</a:t>
+              <a:t>10/22/19</a:t>
             </a:fld>
             <a:endParaRPr lang="en-US" dirty="0"/>
           </a:p>
@@ -1911,7 +1927,7 @@
           <a:p>
             <a:fld id="{9796027F-7875-4030-9381-8BD8C4F21935}" type="datetimeFigureOut">
               <a:rPr lang="en-US" smtClean="0"/>
-              <a:t>10/21/19</a:t>
+              <a:t>10/22/19</a:t>
             </a:fld>
             <a:endParaRPr lang="en-US" dirty="0"/>
           </a:p>
@@ -2278,7 +2294,7 @@
           <a:p>
             <a:fld id="{9796027F-7875-4030-9381-8BD8C4F21935}" type="datetimeFigureOut">
               <a:rPr lang="en-US" smtClean="0"/>
-              <a:t>10/21/19</a:t>
+              <a:t>10/22/19</a:t>
             </a:fld>
             <a:endParaRPr lang="en-US" dirty="0"/>
           </a:p>
@@ -2396,7 +2412,7 @@
           <a:p>
             <a:fld id="{4509A250-FF31-4206-8172-F9D3106AACB1}" type="datetimeFigureOut">
               <a:rPr lang="en-US" smtClean="0"/>
-              <a:t>10/21/19</a:t>
+              <a:t>10/22/19</a:t>
             </a:fld>
             <a:endParaRPr lang="en-US" dirty="0"/>
           </a:p>
@@ -2491,7 +2507,7 @@
           <a:p>
             <a:fld id="{4509A250-FF31-4206-8172-F9D3106AACB1}" type="datetimeFigureOut">
               <a:rPr lang="en-US" smtClean="0"/>
-              <a:t>10/21/19</a:t>
+              <a:t>10/22/19</a:t>
             </a:fld>
             <a:endParaRPr lang="en-US" dirty="0"/>
           </a:p>
@@ -2768,7 +2784,7 @@
           <a:p>
             <a:fld id="{4509A250-FF31-4206-8172-F9D3106AACB1}" type="datetimeFigureOut">
               <a:rPr lang="en-US" smtClean="0"/>
-              <a:t>10/21/19</a:t>
+              <a:t>10/22/19</a:t>
             </a:fld>
             <a:endParaRPr lang="en-US" dirty="0"/>
           </a:p>
@@ -3025,7 +3041,7 @@
           <a:p>
             <a:fld id="{4509A250-FF31-4206-8172-F9D3106AACB1}" type="datetimeFigureOut">
               <a:rPr lang="en-US" smtClean="0"/>
-              <a:t>10/21/19</a:t>
+              <a:t>10/22/19</a:t>
             </a:fld>
             <a:endParaRPr lang="en-US" dirty="0"/>
           </a:p>
@@ -3238,7 +3254,7 @@
           <a:p>
             <a:fld id="{4AAD347D-5ACD-4C99-B74B-A9C85AD731AF}" type="datetimeFigureOut">
               <a:rPr lang="en-US" smtClean="0"/>
-              <a:t>10/21/19</a:t>
+              <a:t>10/22/19</a:t>
             </a:fld>
             <a:endParaRPr lang="en-US" dirty="0"/>
           </a:p>
@@ -6194,6 +6210,866 @@
           <a:p>
             <a:r>
               <a:rPr lang="en-US" dirty="0"/>
+              <a:t>List of Lists(2D lists)</a:t>
+            </a:r>
+          </a:p>
+        </p:txBody>
+      </p:sp>
+      <p:sp>
+        <p:nvSpPr>
+          <p:cNvPr id="9" name="Content Placeholder 8">
+            <a:extLst>
+              <a:ext uri="{FF2B5EF4-FFF2-40B4-BE49-F238E27FC236}">
+                <a16:creationId xmlns:a16="http://schemas.microsoft.com/office/drawing/2014/main" id="{E3B2E017-30B2-884B-A113-B419A2ED51AD}"/>
+              </a:ext>
+            </a:extLst>
+          </p:cNvPr>
+          <p:cNvSpPr>
+            <a:spLocks noGrp="1"/>
+          </p:cNvSpPr>
+          <p:nvPr>
+            <p:ph idx="1"/>
+          </p:nvPr>
+        </p:nvSpPr>
+        <p:spPr>
+          <a:xfrm>
+            <a:off x="483848" y="1150912"/>
+            <a:ext cx="8051725" cy="4564087"/>
+          </a:xfrm>
+        </p:spPr>
+        <p:txBody>
+          <a:bodyPr>
+            <a:noAutofit/>
+          </a:bodyPr>
+          <a:lstStyle/>
+          <a:p>
+            <a:pPr marL="0" indent="0">
+              <a:buNone/>
+            </a:pPr>
+            <a:r>
+              <a:rPr lang="en-US" dirty="0"/>
+              <a:t>Compute the sum of a 2D list.</a:t>
+            </a:r>
+          </a:p>
+          <a:p>
+            <a:pPr marL="0" indent="0">
+              <a:buNone/>
+            </a:pPr>
+            <a:endParaRPr lang="en-US" sz="2000" b="1" dirty="0">
+              <a:solidFill>
+                <a:srgbClr val="000087"/>
+              </a:solidFill>
+              <a:latin typeface="Inconsolata Medium" panose="020B0609030003000000" pitchFamily="49" charset="77"/>
+            </a:endParaRPr>
+          </a:p>
+          <a:p>
+            <a:pPr marL="0" indent="0">
+              <a:buNone/>
+            </a:pPr>
+            <a:r>
+              <a:rPr lang="en-US" sz="2000" b="1" dirty="0">
+                <a:solidFill>
+                  <a:srgbClr val="000087"/>
+                </a:solidFill>
+                <a:latin typeface="Inconsolata Medium" panose="020B0609030003000000" pitchFamily="49" charset="77"/>
+              </a:rPr>
+              <a:t>In</a:t>
+            </a:r>
+            <a:r>
+              <a:rPr lang="en-US" sz="2000" b="1" dirty="0">
+                <a:latin typeface="Inconsolata Medium" panose="020B0609030003000000" pitchFamily="49" charset="77"/>
+              </a:rPr>
+              <a:t>[</a:t>
+            </a:r>
+            <a:r>
+              <a:rPr lang="en-US" sz="2000" b="1" dirty="0">
+                <a:solidFill>
+                  <a:srgbClr val="FF6600"/>
+                </a:solidFill>
+                <a:latin typeface="Inconsolata Medium" panose="020B0609030003000000" pitchFamily="49" charset="77"/>
+              </a:rPr>
+              <a:t>1</a:t>
+            </a:r>
+            <a:r>
+              <a:rPr lang="en-US" sz="2000" b="1" dirty="0">
+                <a:latin typeface="Inconsolata Medium" panose="020B0609030003000000" pitchFamily="49" charset="77"/>
+              </a:rPr>
+              <a:t>]: </a:t>
+            </a:r>
+            <a:r>
+              <a:rPr lang="en-US" sz="2000" b="1" dirty="0" err="1">
+                <a:solidFill>
+                  <a:srgbClr val="000087"/>
+                </a:solidFill>
+                <a:latin typeface="Inconsolata Medium" panose="020B0609030003000000" pitchFamily="49" charset="77"/>
+              </a:rPr>
+              <a:t>lst</a:t>
+            </a:r>
+            <a:r>
+              <a:rPr lang="en-US" sz="2000" b="1" dirty="0">
+                <a:solidFill>
+                  <a:srgbClr val="000087"/>
+                </a:solidFill>
+                <a:latin typeface="Inconsolata Medium" panose="020B0609030003000000" pitchFamily="49" charset="77"/>
+              </a:rPr>
+              <a:t> </a:t>
+            </a:r>
+            <a:r>
+              <a:rPr lang="en-US" sz="2000" b="1" dirty="0">
+                <a:solidFill>
+                  <a:srgbClr val="545454"/>
+                </a:solidFill>
+                <a:latin typeface="Inconsolata Medium" panose="020B0609030003000000" pitchFamily="49" charset="77"/>
+              </a:rPr>
+              <a:t>= </a:t>
+            </a:r>
+            <a:r>
+              <a:rPr lang="en-US" sz="2000" b="1" dirty="0">
+                <a:latin typeface="Inconsolata Medium" panose="020B0609030003000000" pitchFamily="49" charset="77"/>
+              </a:rPr>
+              <a:t>[</a:t>
+            </a:r>
+            <a:r>
+              <a:rPr lang="en-US" sz="2000" b="1" dirty="0">
+                <a:solidFill>
+                  <a:srgbClr val="FF6600"/>
+                </a:solidFill>
+                <a:latin typeface="Inconsolata Medium" panose="020B0609030003000000" pitchFamily="49" charset="77"/>
+              </a:rPr>
+              <a:t>[1, 2, 3],</a:t>
+            </a:r>
+          </a:p>
+          <a:p>
+            <a:pPr marL="0" indent="0">
+              <a:buNone/>
+            </a:pPr>
+            <a:r>
+              <a:rPr lang="en-US" sz="2000" b="1" dirty="0">
+                <a:solidFill>
+                  <a:srgbClr val="FF6600"/>
+                </a:solidFill>
+                <a:latin typeface="Inconsolata Medium" panose="020B0609030003000000" pitchFamily="49" charset="77"/>
+              </a:rPr>
+              <a:t>              [4, 5, 6], </a:t>
+            </a:r>
+          </a:p>
+          <a:p>
+            <a:pPr marL="0" indent="0">
+              <a:buNone/>
+            </a:pPr>
+            <a:r>
+              <a:rPr lang="en-US" sz="2000" b="1" dirty="0">
+                <a:solidFill>
+                  <a:srgbClr val="FF6600"/>
+                </a:solidFill>
+                <a:latin typeface="Inconsolata Medium" panose="020B0609030003000000" pitchFamily="49" charset="77"/>
+              </a:rPr>
+              <a:t>              [7, 8, 9]</a:t>
+            </a:r>
+            <a:r>
+              <a:rPr lang="en-US" sz="2000" b="1" dirty="0">
+                <a:latin typeface="Inconsolata Medium" panose="020B0609030003000000" pitchFamily="49" charset="77"/>
+              </a:rPr>
+              <a:t>]</a:t>
+            </a:r>
+          </a:p>
+          <a:p>
+            <a:pPr marL="0" indent="0">
+              <a:buNone/>
+            </a:pPr>
+            <a:r>
+              <a:rPr lang="en-US" sz="2000" b="1" dirty="0">
+                <a:solidFill>
+                  <a:srgbClr val="000087"/>
+                </a:solidFill>
+                <a:latin typeface="Inconsolata Medium" panose="020B0609030003000000" pitchFamily="49" charset="77"/>
+              </a:rPr>
+              <a:t>In</a:t>
+            </a:r>
+            <a:r>
+              <a:rPr lang="en-US" sz="2000" b="1" dirty="0">
+                <a:latin typeface="Inconsolata Medium" panose="020B0609030003000000" pitchFamily="49" charset="77"/>
+              </a:rPr>
+              <a:t>[</a:t>
+            </a:r>
+            <a:r>
+              <a:rPr lang="en-US" sz="2000" b="1" dirty="0">
+                <a:solidFill>
+                  <a:srgbClr val="FF6600"/>
+                </a:solidFill>
+                <a:latin typeface="Inconsolata Medium" panose="020B0609030003000000" pitchFamily="49" charset="77"/>
+              </a:rPr>
+              <a:t>2</a:t>
+            </a:r>
+            <a:r>
+              <a:rPr lang="en-US" sz="2000" b="1" dirty="0">
+                <a:latin typeface="Inconsolata Medium" panose="020B0609030003000000" pitchFamily="49" charset="77"/>
+              </a:rPr>
+              <a:t>]: </a:t>
+            </a:r>
+            <a:r>
+              <a:rPr lang="en-US" sz="2000" b="1" dirty="0">
+                <a:solidFill>
+                  <a:srgbClr val="000087"/>
+                </a:solidFill>
+                <a:latin typeface="Inconsolata Medium" panose="020B0609030003000000" pitchFamily="49" charset="77"/>
+              </a:rPr>
+              <a:t>sum = 0</a:t>
+            </a:r>
+          </a:p>
+          <a:p>
+            <a:pPr marL="0" indent="0">
+              <a:buNone/>
+            </a:pPr>
+            <a:r>
+              <a:rPr lang="en-US" sz="2000" b="1" dirty="0">
+                <a:solidFill>
+                  <a:srgbClr val="000087"/>
+                </a:solidFill>
+                <a:latin typeface="Inconsolata Medium" panose="020B0609030003000000" pitchFamily="49" charset="77"/>
+              </a:rPr>
+              <a:t>	  for </a:t>
+            </a:r>
+            <a:r>
+              <a:rPr lang="en-US" sz="2000" b="1" dirty="0">
+                <a:solidFill>
+                  <a:srgbClr val="FF0000"/>
+                </a:solidFill>
+                <a:latin typeface="Inconsolata Medium" panose="020B0609030003000000" pitchFamily="49" charset="77"/>
+              </a:rPr>
+              <a:t>row</a:t>
+            </a:r>
+            <a:r>
+              <a:rPr lang="en-US" sz="2000" b="1" dirty="0">
+                <a:solidFill>
+                  <a:srgbClr val="000087"/>
+                </a:solidFill>
+                <a:latin typeface="Inconsolata Medium" panose="020B0609030003000000" pitchFamily="49" charset="77"/>
+              </a:rPr>
+              <a:t> in </a:t>
+            </a:r>
+            <a:r>
+              <a:rPr lang="en-US" sz="2000" b="1" dirty="0" err="1">
+                <a:solidFill>
+                  <a:srgbClr val="00B050"/>
+                </a:solidFill>
+                <a:latin typeface="Inconsolata Medium" panose="020B0609030003000000" pitchFamily="49" charset="77"/>
+              </a:rPr>
+              <a:t>lst</a:t>
+            </a:r>
+            <a:r>
+              <a:rPr lang="en-US" sz="2000" b="1" dirty="0">
+                <a:solidFill>
+                  <a:srgbClr val="000087"/>
+                </a:solidFill>
+                <a:latin typeface="Inconsolata Medium" panose="020B0609030003000000" pitchFamily="49" charset="77"/>
+              </a:rPr>
+              <a:t>:</a:t>
+            </a:r>
+          </a:p>
+          <a:p>
+            <a:pPr marL="0" indent="0">
+              <a:buNone/>
+            </a:pPr>
+            <a:r>
+              <a:rPr lang="en-US" sz="2000" b="1" dirty="0">
+                <a:solidFill>
+                  <a:srgbClr val="000087"/>
+                </a:solidFill>
+                <a:latin typeface="Inconsolata Medium" panose="020B0609030003000000" pitchFamily="49" charset="77"/>
+              </a:rPr>
+              <a:t>		for </a:t>
+            </a:r>
+            <a:r>
+              <a:rPr lang="en-US" sz="2000" b="1" dirty="0">
+                <a:solidFill>
+                  <a:srgbClr val="FF0000"/>
+                </a:solidFill>
+                <a:latin typeface="Inconsolata Medium" panose="020B0609030003000000" pitchFamily="49" charset="77"/>
+              </a:rPr>
+              <a:t>item</a:t>
+            </a:r>
+            <a:r>
+              <a:rPr lang="en-US" sz="2000" b="1" dirty="0">
+                <a:solidFill>
+                  <a:srgbClr val="000087"/>
+                </a:solidFill>
+                <a:latin typeface="Inconsolata Medium" panose="020B0609030003000000" pitchFamily="49" charset="77"/>
+              </a:rPr>
+              <a:t> in </a:t>
+            </a:r>
+            <a:r>
+              <a:rPr lang="en-US" sz="2000" b="1" dirty="0">
+                <a:solidFill>
+                  <a:srgbClr val="00B050"/>
+                </a:solidFill>
+                <a:latin typeface="Inconsolata Medium" panose="020B0609030003000000" pitchFamily="49" charset="77"/>
+              </a:rPr>
+              <a:t>row</a:t>
+            </a:r>
+            <a:r>
+              <a:rPr lang="en-US" sz="2000" b="1" dirty="0">
+                <a:solidFill>
+                  <a:srgbClr val="000087"/>
+                </a:solidFill>
+                <a:latin typeface="Inconsolata Medium" panose="020B0609030003000000" pitchFamily="49" charset="77"/>
+              </a:rPr>
+              <a:t>:</a:t>
+            </a:r>
+          </a:p>
+          <a:p>
+            <a:pPr marL="0" indent="0">
+              <a:buNone/>
+            </a:pPr>
+            <a:r>
+              <a:rPr lang="en-US" sz="2000" b="1" dirty="0">
+                <a:solidFill>
+                  <a:srgbClr val="000087"/>
+                </a:solidFill>
+                <a:latin typeface="Inconsolata Medium" panose="020B0609030003000000" pitchFamily="49" charset="77"/>
+              </a:rPr>
+              <a:t>			sum += item</a:t>
+            </a:r>
+          </a:p>
+          <a:p>
+            <a:pPr marL="0" indent="0">
+              <a:buNone/>
+            </a:pPr>
+            <a:r>
+              <a:rPr lang="en-US" sz="2000" b="1" dirty="0">
+                <a:solidFill>
+                  <a:srgbClr val="000087"/>
+                </a:solidFill>
+                <a:latin typeface="Inconsolata Medium" panose="020B0609030003000000" pitchFamily="49" charset="77"/>
+              </a:rPr>
+              <a:t>	  print(sum)</a:t>
+            </a:r>
+          </a:p>
+          <a:p>
+            <a:pPr marL="0" indent="0">
+              <a:buNone/>
+            </a:pPr>
+            <a:r>
+              <a:rPr lang="en-US" sz="2000" b="1" dirty="0">
+                <a:latin typeface="Inconsolata Medium" panose="020B0609030003000000" pitchFamily="49" charset="77"/>
+              </a:rPr>
+              <a:t>45</a:t>
+            </a:r>
+          </a:p>
+          <a:p>
+            <a:pPr marL="0" indent="0">
+              <a:buNone/>
+            </a:pPr>
+            <a:endParaRPr lang="en-US" sz="2000" b="1" dirty="0">
+              <a:solidFill>
+                <a:srgbClr val="000087"/>
+              </a:solidFill>
+              <a:latin typeface="Inconsolata Medium" panose="020B0609030003000000" pitchFamily="49" charset="77"/>
+            </a:endParaRPr>
+          </a:p>
+          <a:p>
+            <a:pPr marL="0" indent="0">
+              <a:buNone/>
+            </a:pPr>
+            <a:r>
+              <a:rPr lang="en-US" sz="2000" b="1" dirty="0">
+                <a:solidFill>
+                  <a:srgbClr val="000087"/>
+                </a:solidFill>
+                <a:latin typeface="Inconsolata Medium" panose="020B0609030003000000" pitchFamily="49" charset="77"/>
+              </a:rPr>
+              <a:t>	  </a:t>
+            </a:r>
+            <a:r>
+              <a:rPr lang="en-US" sz="2000" b="1" dirty="0">
+                <a:latin typeface="Inconsolata Medium" panose="020B0609030003000000" pitchFamily="49" charset="77"/>
+              </a:rPr>
+              <a:t> </a:t>
+            </a:r>
+          </a:p>
+          <a:p>
+            <a:pPr marL="0" indent="0">
+              <a:buNone/>
+            </a:pPr>
+            <a:endParaRPr lang="en-US" sz="2000" b="1" dirty="0">
+              <a:latin typeface="Inconsolata Medium" panose="020B0609030003000000" pitchFamily="49" charset="77"/>
+            </a:endParaRPr>
+          </a:p>
+          <a:p>
+            <a:pPr marL="0" indent="0">
+              <a:buNone/>
+            </a:pPr>
+            <a:r>
+              <a:rPr lang="en-US" dirty="0"/>
+              <a:t> 	                </a:t>
+            </a:r>
+          </a:p>
+          <a:p>
+            <a:pPr marL="0" indent="0">
+              <a:buNone/>
+            </a:pPr>
+            <a:endParaRPr lang="en-US" dirty="0"/>
+          </a:p>
+          <a:p>
+            <a:pPr marL="0" indent="0">
+              <a:buNone/>
+            </a:pPr>
+            <a:endParaRPr lang="en-US" dirty="0"/>
+          </a:p>
+          <a:p>
+            <a:pPr marL="0" indent="0">
+              <a:buNone/>
+            </a:pPr>
+            <a:r>
+              <a:rPr lang="en-US" dirty="0"/>
+              <a:t> </a:t>
+            </a:r>
+          </a:p>
+          <a:p>
+            <a:pPr marL="0" indent="0">
+              <a:buNone/>
+            </a:pPr>
+            <a:endParaRPr lang="en-US" dirty="0"/>
+          </a:p>
+          <a:p>
+            <a:pPr marL="0" indent="0">
+              <a:buNone/>
+            </a:pPr>
+            <a:endParaRPr lang="en-US" dirty="0"/>
+          </a:p>
+        </p:txBody>
+      </p:sp>
+    </p:spTree>
+    <p:extLst>
+      <p:ext uri="{BB962C8B-B14F-4D97-AF65-F5344CB8AC3E}">
+        <p14:creationId xmlns:p14="http://schemas.microsoft.com/office/powerpoint/2010/main" val="2425898968"/>
+      </p:ext>
+    </p:extLst>
+  </p:cSld>
+  <p:clrMapOvr>
+    <a:masterClrMapping/>
+  </p:clrMapOvr>
+  <p:timing>
+    <p:tnLst>
+      <p:par>
+        <p:cTn id="1" dur="indefinite" restart="never" nodeType="tmRoot">
+          <p:childTnLst>
+            <p:seq concurrent="1" nextAc="seek">
+              <p:cTn id="2" dur="indefinite" nodeType="mainSeq">
+                <p:childTnLst>
+                  <p:par>
+                    <p:cTn id="3" fill="hold">
+                      <p:stCondLst>
+                        <p:cond delay="indefinite"/>
+                      </p:stCondLst>
+                      <p:childTnLst>
+                        <p:par>
+                          <p:cTn id="4" fill="hold">
+                            <p:stCondLst>
+                              <p:cond delay="0"/>
+                            </p:stCondLst>
+                            <p:childTnLst>
+                              <p:par>
+                                <p:cTn id="5" presetID="1" presetClass="entr" presetSubtype="0" fill="hold" nodeType="clickEffect">
+                                  <p:stCondLst>
+                                    <p:cond delay="0"/>
+                                  </p:stCondLst>
+                                  <p:childTnLst>
+                                    <p:set>
+                                      <p:cBhvr>
+                                        <p:cTn id="6" dur="1" fill="hold">
+                                          <p:stCondLst>
+                                            <p:cond delay="0"/>
+                                          </p:stCondLst>
+                                        </p:cTn>
+                                        <p:tgtEl>
+                                          <p:spTgt spid="9">
+                                            <p:txEl>
+                                              <p:pRg st="5" end="5"/>
+                                            </p:txEl>
+                                          </p:spTgt>
+                                        </p:tgtEl>
+                                        <p:attrNameLst>
+                                          <p:attrName>style.visibility</p:attrName>
+                                        </p:attrNameLst>
+                                      </p:cBhvr>
+                                      <p:to>
+                                        <p:strVal val="visible"/>
+                                      </p:to>
+                                    </p:set>
+                                  </p:childTnLst>
+                                </p:cTn>
+                              </p:par>
+                            </p:childTnLst>
+                          </p:cTn>
+                        </p:par>
+                      </p:childTnLst>
+                    </p:cTn>
+                  </p:par>
+                  <p:par>
+                    <p:cTn id="7" fill="hold">
+                      <p:stCondLst>
+                        <p:cond delay="indefinite"/>
+                      </p:stCondLst>
+                      <p:childTnLst>
+                        <p:par>
+                          <p:cTn id="8" fill="hold">
+                            <p:stCondLst>
+                              <p:cond delay="0"/>
+                            </p:stCondLst>
+                            <p:childTnLst>
+                              <p:par>
+                                <p:cTn id="9" presetID="1" presetClass="entr" presetSubtype="0" fill="hold" nodeType="clickEffect">
+                                  <p:stCondLst>
+                                    <p:cond delay="0"/>
+                                  </p:stCondLst>
+                                  <p:childTnLst>
+                                    <p:set>
+                                      <p:cBhvr>
+                                        <p:cTn id="10" dur="1" fill="hold">
+                                          <p:stCondLst>
+                                            <p:cond delay="0"/>
+                                          </p:stCondLst>
+                                        </p:cTn>
+                                        <p:tgtEl>
+                                          <p:spTgt spid="9">
+                                            <p:txEl>
+                                              <p:pRg st="6" end="6"/>
+                                            </p:txEl>
+                                          </p:spTgt>
+                                        </p:tgtEl>
+                                        <p:attrNameLst>
+                                          <p:attrName>style.visibility</p:attrName>
+                                        </p:attrNameLst>
+                                      </p:cBhvr>
+                                      <p:to>
+                                        <p:strVal val="visible"/>
+                                      </p:to>
+                                    </p:set>
+                                  </p:childTnLst>
+                                </p:cTn>
+                              </p:par>
+                            </p:childTnLst>
+                          </p:cTn>
+                        </p:par>
+                      </p:childTnLst>
+                    </p:cTn>
+                  </p:par>
+                  <p:par>
+                    <p:cTn id="11" fill="hold">
+                      <p:stCondLst>
+                        <p:cond delay="indefinite"/>
+                      </p:stCondLst>
+                      <p:childTnLst>
+                        <p:par>
+                          <p:cTn id="12" fill="hold">
+                            <p:stCondLst>
+                              <p:cond delay="0"/>
+                            </p:stCondLst>
+                            <p:childTnLst>
+                              <p:par>
+                                <p:cTn id="13" presetID="1" presetClass="entr" presetSubtype="0" fill="hold" nodeType="clickEffect">
+                                  <p:stCondLst>
+                                    <p:cond delay="0"/>
+                                  </p:stCondLst>
+                                  <p:childTnLst>
+                                    <p:set>
+                                      <p:cBhvr>
+                                        <p:cTn id="14" dur="1" fill="hold">
+                                          <p:stCondLst>
+                                            <p:cond delay="0"/>
+                                          </p:stCondLst>
+                                        </p:cTn>
+                                        <p:tgtEl>
+                                          <p:spTgt spid="9">
+                                            <p:txEl>
+                                              <p:pRg st="7" end="7"/>
+                                            </p:txEl>
+                                          </p:spTgt>
+                                        </p:tgtEl>
+                                        <p:attrNameLst>
+                                          <p:attrName>style.visibility</p:attrName>
+                                        </p:attrNameLst>
+                                      </p:cBhvr>
+                                      <p:to>
+                                        <p:strVal val="visible"/>
+                                      </p:to>
+                                    </p:set>
+                                  </p:childTnLst>
+                                </p:cTn>
+                              </p:par>
+                            </p:childTnLst>
+                          </p:cTn>
+                        </p:par>
+                      </p:childTnLst>
+                    </p:cTn>
+                  </p:par>
+                  <p:par>
+                    <p:cTn id="15" fill="hold">
+                      <p:stCondLst>
+                        <p:cond delay="indefinite"/>
+                      </p:stCondLst>
+                      <p:childTnLst>
+                        <p:par>
+                          <p:cTn id="16" fill="hold">
+                            <p:stCondLst>
+                              <p:cond delay="0"/>
+                            </p:stCondLst>
+                            <p:childTnLst>
+                              <p:par>
+                                <p:cTn id="17" presetID="1" presetClass="entr" presetSubtype="0" fill="hold" nodeType="clickEffect">
+                                  <p:stCondLst>
+                                    <p:cond delay="0"/>
+                                  </p:stCondLst>
+                                  <p:childTnLst>
+                                    <p:set>
+                                      <p:cBhvr>
+                                        <p:cTn id="18" dur="1" fill="hold">
+                                          <p:stCondLst>
+                                            <p:cond delay="0"/>
+                                          </p:stCondLst>
+                                        </p:cTn>
+                                        <p:tgtEl>
+                                          <p:spTgt spid="9">
+                                            <p:txEl>
+                                              <p:pRg st="8" end="8"/>
+                                            </p:txEl>
+                                          </p:spTgt>
+                                        </p:tgtEl>
+                                        <p:attrNameLst>
+                                          <p:attrName>style.visibility</p:attrName>
+                                        </p:attrNameLst>
+                                      </p:cBhvr>
+                                      <p:to>
+                                        <p:strVal val="visible"/>
+                                      </p:to>
+                                    </p:set>
+                                  </p:childTnLst>
+                                </p:cTn>
+                              </p:par>
+                            </p:childTnLst>
+                          </p:cTn>
+                        </p:par>
+                      </p:childTnLst>
+                    </p:cTn>
+                  </p:par>
+                  <p:par>
+                    <p:cTn id="19" fill="hold">
+                      <p:stCondLst>
+                        <p:cond delay="indefinite"/>
+                      </p:stCondLst>
+                      <p:childTnLst>
+                        <p:par>
+                          <p:cTn id="20" fill="hold">
+                            <p:stCondLst>
+                              <p:cond delay="0"/>
+                            </p:stCondLst>
+                            <p:childTnLst>
+                              <p:par>
+                                <p:cTn id="21" presetID="1" presetClass="entr" presetSubtype="0" fill="hold" nodeType="clickEffect">
+                                  <p:stCondLst>
+                                    <p:cond delay="0"/>
+                                  </p:stCondLst>
+                                  <p:childTnLst>
+                                    <p:set>
+                                      <p:cBhvr>
+                                        <p:cTn id="22" dur="1" fill="hold">
+                                          <p:stCondLst>
+                                            <p:cond delay="0"/>
+                                          </p:stCondLst>
+                                        </p:cTn>
+                                        <p:tgtEl>
+                                          <p:spTgt spid="9">
+                                            <p:txEl>
+                                              <p:pRg st="9" end="9"/>
+                                            </p:txEl>
+                                          </p:spTgt>
+                                        </p:tgtEl>
+                                        <p:attrNameLst>
+                                          <p:attrName>style.visibility</p:attrName>
+                                        </p:attrNameLst>
+                                      </p:cBhvr>
+                                      <p:to>
+                                        <p:strVal val="visible"/>
+                                      </p:to>
+                                    </p:set>
+                                  </p:childTnLst>
+                                </p:cTn>
+                              </p:par>
+                            </p:childTnLst>
+                          </p:cTn>
+                        </p:par>
+                      </p:childTnLst>
+                    </p:cTn>
+                  </p:par>
+                  <p:par>
+                    <p:cTn id="23" fill="hold">
+                      <p:stCondLst>
+                        <p:cond delay="indefinite"/>
+                      </p:stCondLst>
+                      <p:childTnLst>
+                        <p:par>
+                          <p:cTn id="24" fill="hold">
+                            <p:stCondLst>
+                              <p:cond delay="0"/>
+                            </p:stCondLst>
+                            <p:childTnLst>
+                              <p:par>
+                                <p:cTn id="25" presetID="1" presetClass="entr" presetSubtype="0" fill="hold" nodeType="clickEffect">
+                                  <p:stCondLst>
+                                    <p:cond delay="0"/>
+                                  </p:stCondLst>
+                                  <p:childTnLst>
+                                    <p:set>
+                                      <p:cBhvr>
+                                        <p:cTn id="26" dur="1" fill="hold">
+                                          <p:stCondLst>
+                                            <p:cond delay="0"/>
+                                          </p:stCondLst>
+                                        </p:cTn>
+                                        <p:tgtEl>
+                                          <p:spTgt spid="9">
+                                            <p:txEl>
+                                              <p:pRg st="10" end="10"/>
+                                            </p:txEl>
+                                          </p:spTgt>
+                                        </p:tgtEl>
+                                        <p:attrNameLst>
+                                          <p:attrName>style.visibility</p:attrName>
+                                        </p:attrNameLst>
+                                      </p:cBhvr>
+                                      <p:to>
+                                        <p:strVal val="visible"/>
+                                      </p:to>
+                                    </p:set>
+                                  </p:childTnLst>
+                                </p:cTn>
+                              </p:par>
+                            </p:childTnLst>
+                          </p:cTn>
+                        </p:par>
+                      </p:childTnLst>
+                    </p:cTn>
+                  </p:par>
+                  <p:par>
+                    <p:cTn id="27" fill="hold">
+                      <p:stCondLst>
+                        <p:cond delay="indefinite"/>
+                      </p:stCondLst>
+                      <p:childTnLst>
+                        <p:par>
+                          <p:cTn id="28" fill="hold">
+                            <p:stCondLst>
+                              <p:cond delay="0"/>
+                            </p:stCondLst>
+                            <p:childTnLst>
+                              <p:par>
+                                <p:cTn id="29" presetID="1" presetClass="entr" presetSubtype="0" fill="hold" nodeType="clickEffect">
+                                  <p:stCondLst>
+                                    <p:cond delay="0"/>
+                                  </p:stCondLst>
+                                  <p:childTnLst>
+                                    <p:set>
+                                      <p:cBhvr>
+                                        <p:cTn id="30" dur="1" fill="hold">
+                                          <p:stCondLst>
+                                            <p:cond delay="0"/>
+                                          </p:stCondLst>
+                                        </p:cTn>
+                                        <p:tgtEl>
+                                          <p:spTgt spid="9">
+                                            <p:txEl>
+                                              <p:pRg st="12" end="12"/>
+                                            </p:txEl>
+                                          </p:spTgt>
+                                        </p:tgtEl>
+                                        <p:attrNameLst>
+                                          <p:attrName>style.visibility</p:attrName>
+                                        </p:attrNameLst>
+                                      </p:cBhvr>
+                                      <p:to>
+                                        <p:strVal val="visible"/>
+                                      </p:to>
+                                    </p:set>
+                                  </p:childTnLst>
+                                </p:cTn>
+                              </p:par>
+                            </p:childTnLst>
+                          </p:cTn>
+                        </p:par>
+                      </p:childTnLst>
+                    </p:cTn>
+                  </p:par>
+                </p:childTnLst>
+              </p:cTn>
+              <p:prevCondLst>
+                <p:cond evt="onPrev" delay="0">
+                  <p:tgtEl>
+                    <p:sldTgt/>
+                  </p:tgtEl>
+                </p:cond>
+              </p:prevCondLst>
+              <p:nextCondLst>
+                <p:cond evt="onNext" delay="0">
+                  <p:tgtEl>
+                    <p:sldTgt/>
+                  </p:tgtEl>
+                </p:cond>
+              </p:nextCondLst>
+            </p:seq>
+          </p:childTnLst>
+        </p:cTn>
+      </p:par>
+    </p:tnLst>
+  </p:timing>
+</p:sld>
+</file>
+
+<file path=ppt/slides/slide14.xml><?xml version="1.0" encoding="utf-8"?>
+<p:sld xmlns:a="http://schemas.openxmlformats.org/drawingml/2006/main" xmlns:r="http://schemas.openxmlformats.org/officeDocument/2006/relationships" xmlns:p="http://schemas.openxmlformats.org/presentationml/2006/main">
+  <p:cSld>
+    <p:spTree>
+      <p:nvGrpSpPr>
+        <p:cNvPr id="1" name=""/>
+        <p:cNvGrpSpPr/>
+        <p:nvPr/>
+      </p:nvGrpSpPr>
+      <p:grpSpPr>
+        <a:xfrm>
+          <a:off x="0" y="0"/>
+          <a:ext cx="0" cy="0"/>
+          <a:chOff x="0" y="0"/>
+          <a:chExt cx="0" cy="0"/>
+        </a:xfrm>
+      </p:grpSpPr>
+      <p:sp>
+        <p:nvSpPr>
+          <p:cNvPr id="2" name="Title 1">
+            <a:extLst>
+              <a:ext uri="{FF2B5EF4-FFF2-40B4-BE49-F238E27FC236}">
+                <a16:creationId xmlns:a16="http://schemas.microsoft.com/office/drawing/2014/main" id="{AA3A228F-61D0-D949-A5E7-F83756230BF8}"/>
+              </a:ext>
+            </a:extLst>
+          </p:cNvPr>
+          <p:cNvSpPr>
+            <a:spLocks noGrp="1"/>
+          </p:cNvSpPr>
+          <p:nvPr>
+            <p:ph type="title"/>
+          </p:nvPr>
+        </p:nvSpPr>
+        <p:spPr>
+          <a:xfrm>
+            <a:off x="483848" y="467027"/>
+            <a:ext cx="7053542" cy="683886"/>
+          </a:xfrm>
+        </p:spPr>
+        <p:txBody>
+          <a:bodyPr/>
+          <a:lstStyle/>
+          <a:p>
+            <a:r>
+              <a:rPr lang="en-US" dirty="0"/>
               <a:t>enumerate()</a:t>
             </a:r>
           </a:p>
@@ -6800,7 +7676,7 @@
 </p:sld>
 </file>
 
-<file path=ppt/slides/slide14.xml><?xml version="1.0" encoding="utf-8"?>
+<file path=ppt/slides/slide15.xml><?xml version="1.0" encoding="utf-8"?>
 <p:sld xmlns:a="http://schemas.openxmlformats.org/drawingml/2006/main" xmlns:r="http://schemas.openxmlformats.org/officeDocument/2006/relationships" xmlns:p="http://schemas.openxmlformats.org/presentationml/2006/main">
   <p:cSld>
     <p:spTree>
@@ -7358,7 +8234,7 @@
 </p:sld>
 </file>
 
-<file path=ppt/slides/slide15.xml><?xml version="1.0" encoding="utf-8"?>
+<file path=ppt/slides/slide16.xml><?xml version="1.0" encoding="utf-8"?>
 <p:sld xmlns:a="http://schemas.openxmlformats.org/drawingml/2006/main" xmlns:r="http://schemas.openxmlformats.org/officeDocument/2006/relationships" xmlns:p="http://schemas.openxmlformats.org/presentationml/2006/main">
   <p:cSld>
     <p:spTree>
@@ -7896,7 +8772,7 @@
 </p:sld>
 </file>
 
-<file path=ppt/slides/slide16.xml><?xml version="1.0" encoding="utf-8"?>
+<file path=ppt/slides/slide17.xml><?xml version="1.0" encoding="utf-8"?>
 <p:sld xmlns:a="http://schemas.openxmlformats.org/drawingml/2006/main" xmlns:r="http://schemas.openxmlformats.org/officeDocument/2006/relationships" xmlns:p="http://schemas.openxmlformats.org/presentationml/2006/main">
   <p:cSld>
     <p:spTree>
@@ -8892,7 +9768,7 @@
 </p:sld>
 </file>
 
-<file path=ppt/slides/slide17.xml><?xml version="1.0" encoding="utf-8"?>
+<file path=ppt/slides/slide18.xml><?xml version="1.0" encoding="utf-8"?>
 <p:sld xmlns:a="http://schemas.openxmlformats.org/drawingml/2006/main" xmlns:r="http://schemas.openxmlformats.org/officeDocument/2006/relationships" xmlns:p="http://schemas.openxmlformats.org/presentationml/2006/main">
   <p:cSld>
     <p:spTree>
@@ -9330,7 +10206,7 @@
 </p:sld>
 </file>
 
-<file path=ppt/slides/slide18.xml><?xml version="1.0" encoding="utf-8"?>
+<file path=ppt/slides/slide19.xml><?xml version="1.0" encoding="utf-8"?>
 <p:sld xmlns:a="http://schemas.openxmlformats.org/drawingml/2006/main" xmlns:r="http://schemas.openxmlformats.org/officeDocument/2006/relationships" xmlns:p="http://schemas.openxmlformats.org/presentationml/2006/main">
   <p:cSld>
     <p:spTree>
@@ -10083,7 +10959,219 @@
 </p:sld>
 </file>
 
-<file path=ppt/slides/slide19.xml><?xml version="1.0" encoding="utf-8"?>
+<file path=ppt/slides/slide2.xml><?xml version="1.0" encoding="utf-8"?>
+<p:sld xmlns:a="http://schemas.openxmlformats.org/drawingml/2006/main" xmlns:r="http://schemas.openxmlformats.org/officeDocument/2006/relationships" xmlns:p="http://schemas.openxmlformats.org/presentationml/2006/main">
+  <p:cSld>
+    <p:spTree>
+      <p:nvGrpSpPr>
+        <p:cNvPr id="1" name=""/>
+        <p:cNvGrpSpPr/>
+        <p:nvPr/>
+      </p:nvGrpSpPr>
+      <p:grpSpPr>
+        <a:xfrm>
+          <a:off x="0" y="0"/>
+          <a:ext cx="0" cy="0"/>
+          <a:chOff x="0" y="0"/>
+          <a:chExt cx="0" cy="0"/>
+        </a:xfrm>
+      </p:grpSpPr>
+      <p:sp>
+        <p:nvSpPr>
+          <p:cNvPr id="2" name="Title 1">
+            <a:extLst>
+              <a:ext uri="{FF2B5EF4-FFF2-40B4-BE49-F238E27FC236}">
+                <a16:creationId xmlns:a16="http://schemas.microsoft.com/office/drawing/2014/main" id="{AA3A228F-61D0-D949-A5E7-F83756230BF8}"/>
+              </a:ext>
+            </a:extLst>
+          </p:cNvPr>
+          <p:cNvSpPr>
+            <a:spLocks noGrp="1"/>
+          </p:cNvSpPr>
+          <p:nvPr>
+            <p:ph type="title"/>
+          </p:nvPr>
+        </p:nvSpPr>
+        <p:spPr>
+          <a:xfrm>
+            <a:off x="483848" y="467027"/>
+            <a:ext cx="7053542" cy="683886"/>
+          </a:xfrm>
+        </p:spPr>
+        <p:txBody>
+          <a:bodyPr/>
+          <a:lstStyle/>
+          <a:p>
+            <a:r>
+              <a:rPr lang="en-US" dirty="0"/>
+              <a:t>Topics</a:t>
+            </a:r>
+          </a:p>
+        </p:txBody>
+      </p:sp>
+      <p:sp>
+        <p:nvSpPr>
+          <p:cNvPr id="9" name="Content Placeholder 8">
+            <a:extLst>
+              <a:ext uri="{FF2B5EF4-FFF2-40B4-BE49-F238E27FC236}">
+                <a16:creationId xmlns:a16="http://schemas.microsoft.com/office/drawing/2014/main" id="{E3B2E017-30B2-884B-A113-B419A2ED51AD}"/>
+              </a:ext>
+            </a:extLst>
+          </p:cNvPr>
+          <p:cNvSpPr>
+            <a:spLocks noGrp="1"/>
+          </p:cNvSpPr>
+          <p:nvPr>
+            <p:ph idx="1"/>
+          </p:nvPr>
+        </p:nvSpPr>
+        <p:spPr>
+          <a:xfrm>
+            <a:off x="483848" y="1288073"/>
+            <a:ext cx="8051725" cy="4303429"/>
+          </a:xfrm>
+        </p:spPr>
+        <p:txBody>
+          <a:bodyPr/>
+          <a:lstStyle/>
+          <a:p>
+            <a:pPr marL="0" indent="0">
+              <a:buNone/>
+            </a:pPr>
+            <a:endParaRPr lang="en-US" dirty="0">
+              <a:latin typeface="Gill Sans MT" panose="020B0502020104020203" pitchFamily="34" charset="77"/>
+            </a:endParaRPr>
+          </a:p>
+          <a:p>
+            <a:pPr marL="457200" indent="-457200">
+              <a:buAutoNum type="arabicParenR"/>
+            </a:pPr>
+            <a:endParaRPr lang="en-US" dirty="0">
+              <a:latin typeface="Gill Sans MT" panose="020B0502020104020203" pitchFamily="34" charset="77"/>
+            </a:endParaRPr>
+          </a:p>
+          <a:p>
+            <a:pPr marL="457200" indent="-457200">
+              <a:buAutoNum type="arabicParenR"/>
+            </a:pPr>
+            <a:r>
+              <a:rPr lang="en-US" dirty="0">
+                <a:latin typeface="Gill Sans MT" panose="020B0502020104020203" pitchFamily="34" charset="77"/>
+              </a:rPr>
+              <a:t>Tuples</a:t>
+            </a:r>
+          </a:p>
+          <a:p>
+            <a:pPr marL="457200" indent="-457200">
+              <a:buAutoNum type="arabicParenR"/>
+            </a:pPr>
+            <a:r>
+              <a:rPr lang="en-US" dirty="0">
+                <a:latin typeface="Gill Sans MT" panose="020B0502020104020203" pitchFamily="34" charset="77"/>
+              </a:rPr>
+              <a:t>Tuple unpacking</a:t>
+            </a:r>
+          </a:p>
+          <a:p>
+            <a:pPr marL="457200" indent="-457200">
+              <a:buAutoNum type="arabicParenR"/>
+            </a:pPr>
+            <a:r>
+              <a:rPr lang="en-US" dirty="0">
+                <a:latin typeface="Gill Sans MT" panose="020B0502020104020203" pitchFamily="34" charset="77"/>
+              </a:rPr>
+              <a:t>List of tuples, List of lists(2D lists)</a:t>
+            </a:r>
+          </a:p>
+          <a:p>
+            <a:pPr marL="457200" indent="-457200">
+              <a:buAutoNum type="arabicParenR"/>
+            </a:pPr>
+            <a:r>
+              <a:rPr lang="en-US" dirty="0">
+                <a:latin typeface="Gill Sans MT" panose="020B0502020104020203" pitchFamily="34" charset="77"/>
+              </a:rPr>
+              <a:t>enumerate()</a:t>
+            </a:r>
+          </a:p>
+          <a:p>
+            <a:pPr marL="457200" indent="-457200">
+              <a:buAutoNum type="arabicParenR"/>
+            </a:pPr>
+            <a:r>
+              <a:rPr lang="en-US" dirty="0">
+                <a:latin typeface="Gill Sans MT" panose="020B0502020104020203" pitchFamily="34" charset="77"/>
+              </a:rPr>
+              <a:t>Dictionaries</a:t>
+            </a:r>
+          </a:p>
+          <a:p>
+            <a:pPr marL="457200" indent="-457200">
+              <a:buAutoNum type="arabicParenR"/>
+            </a:pPr>
+            <a:r>
+              <a:rPr lang="en-US" dirty="0">
+                <a:latin typeface="Gill Sans MT" panose="020B0502020104020203" pitchFamily="34" charset="77"/>
+              </a:rPr>
+              <a:t>Iterating over a dictionary</a:t>
+            </a:r>
+          </a:p>
+          <a:p>
+            <a:pPr marL="0" indent="0">
+              <a:buNone/>
+            </a:pPr>
+            <a:endParaRPr lang="en-US" dirty="0">
+              <a:latin typeface="Gill Sans MT" panose="020B0502020104020203" pitchFamily="34" charset="77"/>
+            </a:endParaRPr>
+          </a:p>
+          <a:p>
+            <a:pPr marL="457200" indent="-457200">
+              <a:buAutoNum type="arabicParenR"/>
+            </a:pPr>
+            <a:endParaRPr lang="en-US" dirty="0">
+              <a:latin typeface="Gill Sans MT" panose="020B0502020104020203" pitchFamily="34" charset="77"/>
+            </a:endParaRPr>
+          </a:p>
+          <a:p>
+            <a:pPr marL="457200" indent="-457200">
+              <a:buAutoNum type="arabicParenR"/>
+            </a:pPr>
+            <a:endParaRPr lang="en-US" dirty="0">
+              <a:latin typeface="Gill Sans MT" panose="020B0502020104020203" pitchFamily="34" charset="77"/>
+            </a:endParaRPr>
+          </a:p>
+          <a:p>
+            <a:pPr marL="0" indent="0">
+              <a:buNone/>
+            </a:pPr>
+            <a:endParaRPr lang="en-US" dirty="0">
+              <a:latin typeface="Gill Sans MT" panose="020B0502020104020203" pitchFamily="34" charset="77"/>
+            </a:endParaRPr>
+          </a:p>
+          <a:p>
+            <a:pPr marL="0" indent="0">
+              <a:buNone/>
+            </a:pPr>
+            <a:endParaRPr lang="en-US" b="1" dirty="0">
+              <a:latin typeface="Gill Sans MT" panose="020B0502020104020203" pitchFamily="34" charset="77"/>
+            </a:endParaRPr>
+          </a:p>
+        </p:txBody>
+      </p:sp>
+    </p:spTree>
+    <p:extLst>
+      <p:ext uri="{BB962C8B-B14F-4D97-AF65-F5344CB8AC3E}">
+        <p14:creationId xmlns:p14="http://schemas.microsoft.com/office/powerpoint/2010/main" val="131840209"/>
+      </p:ext>
+    </p:extLst>
+  </p:cSld>
+  <p:clrMapOvr>
+    <a:masterClrMapping/>
+  </p:clrMapOvr>
+</p:sld>
+</file>
+
+<file path=ppt/slides/slide20.xml><?xml version="1.0" encoding="utf-8"?>
 <p:sld xmlns:a="http://schemas.openxmlformats.org/drawingml/2006/main" xmlns:r="http://schemas.openxmlformats.org/officeDocument/2006/relationships" xmlns:p="http://schemas.openxmlformats.org/presentationml/2006/main">
   <p:cSld>
     <p:spTree>
@@ -10830,219 +11918,7 @@
 </p:sld>
 </file>
 
-<file path=ppt/slides/slide2.xml><?xml version="1.0" encoding="utf-8"?>
-<p:sld xmlns:a="http://schemas.openxmlformats.org/drawingml/2006/main" xmlns:r="http://schemas.openxmlformats.org/officeDocument/2006/relationships" xmlns:p="http://schemas.openxmlformats.org/presentationml/2006/main">
-  <p:cSld>
-    <p:spTree>
-      <p:nvGrpSpPr>
-        <p:cNvPr id="1" name=""/>
-        <p:cNvGrpSpPr/>
-        <p:nvPr/>
-      </p:nvGrpSpPr>
-      <p:grpSpPr>
-        <a:xfrm>
-          <a:off x="0" y="0"/>
-          <a:ext cx="0" cy="0"/>
-          <a:chOff x="0" y="0"/>
-          <a:chExt cx="0" cy="0"/>
-        </a:xfrm>
-      </p:grpSpPr>
-      <p:sp>
-        <p:nvSpPr>
-          <p:cNvPr id="2" name="Title 1">
-            <a:extLst>
-              <a:ext uri="{FF2B5EF4-FFF2-40B4-BE49-F238E27FC236}">
-                <a16:creationId xmlns:a16="http://schemas.microsoft.com/office/drawing/2014/main" id="{AA3A228F-61D0-D949-A5E7-F83756230BF8}"/>
-              </a:ext>
-            </a:extLst>
-          </p:cNvPr>
-          <p:cNvSpPr>
-            <a:spLocks noGrp="1"/>
-          </p:cNvSpPr>
-          <p:nvPr>
-            <p:ph type="title"/>
-          </p:nvPr>
-        </p:nvSpPr>
-        <p:spPr>
-          <a:xfrm>
-            <a:off x="483848" y="467027"/>
-            <a:ext cx="7053542" cy="683886"/>
-          </a:xfrm>
-        </p:spPr>
-        <p:txBody>
-          <a:bodyPr/>
-          <a:lstStyle/>
-          <a:p>
-            <a:r>
-              <a:rPr lang="en-US" dirty="0"/>
-              <a:t>Topics</a:t>
-            </a:r>
-          </a:p>
-        </p:txBody>
-      </p:sp>
-      <p:sp>
-        <p:nvSpPr>
-          <p:cNvPr id="9" name="Content Placeholder 8">
-            <a:extLst>
-              <a:ext uri="{FF2B5EF4-FFF2-40B4-BE49-F238E27FC236}">
-                <a16:creationId xmlns:a16="http://schemas.microsoft.com/office/drawing/2014/main" id="{E3B2E017-30B2-884B-A113-B419A2ED51AD}"/>
-              </a:ext>
-            </a:extLst>
-          </p:cNvPr>
-          <p:cNvSpPr>
-            <a:spLocks noGrp="1"/>
-          </p:cNvSpPr>
-          <p:nvPr>
-            <p:ph idx="1"/>
-          </p:nvPr>
-        </p:nvSpPr>
-        <p:spPr>
-          <a:xfrm>
-            <a:off x="483848" y="1288073"/>
-            <a:ext cx="8051725" cy="4303429"/>
-          </a:xfrm>
-        </p:spPr>
-        <p:txBody>
-          <a:bodyPr/>
-          <a:lstStyle/>
-          <a:p>
-            <a:pPr marL="0" indent="0">
-              <a:buNone/>
-            </a:pPr>
-            <a:endParaRPr lang="en-US" dirty="0">
-              <a:latin typeface="Gill Sans MT" panose="020B0502020104020203" pitchFamily="34" charset="77"/>
-            </a:endParaRPr>
-          </a:p>
-          <a:p>
-            <a:pPr marL="457200" indent="-457200">
-              <a:buAutoNum type="arabicParenR"/>
-            </a:pPr>
-            <a:endParaRPr lang="en-US" dirty="0">
-              <a:latin typeface="Gill Sans MT" panose="020B0502020104020203" pitchFamily="34" charset="77"/>
-            </a:endParaRPr>
-          </a:p>
-          <a:p>
-            <a:pPr marL="457200" indent="-457200">
-              <a:buAutoNum type="arabicParenR"/>
-            </a:pPr>
-            <a:r>
-              <a:rPr lang="en-US" dirty="0">
-                <a:latin typeface="Gill Sans MT" panose="020B0502020104020203" pitchFamily="34" charset="77"/>
-              </a:rPr>
-              <a:t>Tuples</a:t>
-            </a:r>
-          </a:p>
-          <a:p>
-            <a:pPr marL="457200" indent="-457200">
-              <a:buAutoNum type="arabicParenR"/>
-            </a:pPr>
-            <a:r>
-              <a:rPr lang="en-US" dirty="0">
-                <a:latin typeface="Gill Sans MT" panose="020B0502020104020203" pitchFamily="34" charset="77"/>
-              </a:rPr>
-              <a:t>Tuple unpacking</a:t>
-            </a:r>
-          </a:p>
-          <a:p>
-            <a:pPr marL="457200" indent="-457200">
-              <a:buAutoNum type="arabicParenR"/>
-            </a:pPr>
-            <a:r>
-              <a:rPr lang="en-US" dirty="0">
-                <a:latin typeface="Gill Sans MT" panose="020B0502020104020203" pitchFamily="34" charset="77"/>
-              </a:rPr>
-              <a:t>List of tuples, List of lists(2D lists)</a:t>
-            </a:r>
-          </a:p>
-          <a:p>
-            <a:pPr marL="457200" indent="-457200">
-              <a:buAutoNum type="arabicParenR"/>
-            </a:pPr>
-            <a:r>
-              <a:rPr lang="en-US" dirty="0">
-                <a:latin typeface="Gill Sans MT" panose="020B0502020104020203" pitchFamily="34" charset="77"/>
-              </a:rPr>
-              <a:t>enumerate()</a:t>
-            </a:r>
-          </a:p>
-          <a:p>
-            <a:pPr marL="457200" indent="-457200">
-              <a:buAutoNum type="arabicParenR"/>
-            </a:pPr>
-            <a:r>
-              <a:rPr lang="en-US" dirty="0">
-                <a:latin typeface="Gill Sans MT" panose="020B0502020104020203" pitchFamily="34" charset="77"/>
-              </a:rPr>
-              <a:t>Dictionaries</a:t>
-            </a:r>
-          </a:p>
-          <a:p>
-            <a:pPr marL="457200" indent="-457200">
-              <a:buAutoNum type="arabicParenR"/>
-            </a:pPr>
-            <a:r>
-              <a:rPr lang="en-US" dirty="0">
-                <a:latin typeface="Gill Sans MT" panose="020B0502020104020203" pitchFamily="34" charset="77"/>
-              </a:rPr>
-              <a:t>Iterating over a dictionary</a:t>
-            </a:r>
-          </a:p>
-          <a:p>
-            <a:pPr marL="0" indent="0">
-              <a:buNone/>
-            </a:pPr>
-            <a:endParaRPr lang="en-US" dirty="0">
-              <a:latin typeface="Gill Sans MT" panose="020B0502020104020203" pitchFamily="34" charset="77"/>
-            </a:endParaRPr>
-          </a:p>
-          <a:p>
-            <a:pPr marL="457200" indent="-457200">
-              <a:buAutoNum type="arabicParenR"/>
-            </a:pPr>
-            <a:endParaRPr lang="en-US" dirty="0">
-              <a:latin typeface="Gill Sans MT" panose="020B0502020104020203" pitchFamily="34" charset="77"/>
-            </a:endParaRPr>
-          </a:p>
-          <a:p>
-            <a:pPr marL="457200" indent="-457200">
-              <a:buAutoNum type="arabicParenR"/>
-            </a:pPr>
-            <a:endParaRPr lang="en-US" dirty="0">
-              <a:latin typeface="Gill Sans MT" panose="020B0502020104020203" pitchFamily="34" charset="77"/>
-            </a:endParaRPr>
-          </a:p>
-          <a:p>
-            <a:pPr marL="0" indent="0">
-              <a:buNone/>
-            </a:pPr>
-            <a:endParaRPr lang="en-US" dirty="0">
-              <a:latin typeface="Gill Sans MT" panose="020B0502020104020203" pitchFamily="34" charset="77"/>
-            </a:endParaRPr>
-          </a:p>
-          <a:p>
-            <a:pPr marL="0" indent="0">
-              <a:buNone/>
-            </a:pPr>
-            <a:endParaRPr lang="en-US" b="1" dirty="0">
-              <a:latin typeface="Gill Sans MT" panose="020B0502020104020203" pitchFamily="34" charset="77"/>
-            </a:endParaRPr>
-          </a:p>
-        </p:txBody>
-      </p:sp>
-    </p:spTree>
-    <p:extLst>
-      <p:ext uri="{BB962C8B-B14F-4D97-AF65-F5344CB8AC3E}">
-        <p14:creationId xmlns:p14="http://schemas.microsoft.com/office/powerpoint/2010/main" val="131840209"/>
-      </p:ext>
-    </p:extLst>
-  </p:cSld>
-  <p:clrMapOvr>
-    <a:masterClrMapping/>
-  </p:clrMapOvr>
-</p:sld>
-</file>
-
-<file path=ppt/slides/slide20.xml><?xml version="1.0" encoding="utf-8"?>
+<file path=ppt/slides/slide21.xml><?xml version="1.0" encoding="utf-8"?>
 <p:sld xmlns:a="http://schemas.openxmlformats.org/drawingml/2006/main" xmlns:r="http://schemas.openxmlformats.org/officeDocument/2006/relationships" xmlns:p="http://schemas.openxmlformats.org/presentationml/2006/main">
   <p:cSld>
     <p:spTree>
@@ -11775,7 +12651,7 @@
 </p:sld>
 </file>
 
-<file path=ppt/slides/slide21.xml><?xml version="1.0" encoding="utf-8"?>
+<file path=ppt/slides/slide22.xml><?xml version="1.0" encoding="utf-8"?>
 <p:sld xmlns:a="http://schemas.openxmlformats.org/drawingml/2006/main" xmlns:r="http://schemas.openxmlformats.org/officeDocument/2006/relationships" xmlns:p="http://schemas.openxmlformats.org/presentationml/2006/main">
   <p:cSld>
     <p:spTree>
@@ -12652,7 +13528,7 @@
 </p:sld>
 </file>
 
-<file path=ppt/slides/slide22.xml><?xml version="1.0" encoding="utf-8"?>
+<file path=ppt/slides/slide23.xml><?xml version="1.0" encoding="utf-8"?>
 <p:sld xmlns:a="http://schemas.openxmlformats.org/drawingml/2006/main" xmlns:r="http://schemas.openxmlformats.org/officeDocument/2006/relationships" xmlns:p="http://schemas.openxmlformats.org/presentationml/2006/main">
   <p:cSld>
     <p:spTree>
@@ -13393,7 +14269,7 @@
 </p:sld>
 </file>
 
-<file path=ppt/slides/slide23.xml><?xml version="1.0" encoding="utf-8"?>
+<file path=ppt/slides/slide24.xml><?xml version="1.0" encoding="utf-8"?>
 <p:sld xmlns:a="http://schemas.openxmlformats.org/drawingml/2006/main" xmlns:r="http://schemas.openxmlformats.org/officeDocument/2006/relationships" xmlns:p="http://schemas.openxmlformats.org/presentationml/2006/main">
   <p:cSld>
     <p:spTree>
@@ -13797,7 +14673,7 @@
 </p:sld>
 </file>
 
-<file path=ppt/slides/slide24.xml><?xml version="1.0" encoding="utf-8"?>
+<file path=ppt/slides/slide25.xml><?xml version="1.0" encoding="utf-8"?>
 <p:sld xmlns:a="http://schemas.openxmlformats.org/drawingml/2006/main" xmlns:r="http://schemas.openxmlformats.org/officeDocument/2006/relationships" xmlns:p="http://schemas.openxmlformats.org/presentationml/2006/main">
   <p:cSld>
     <p:spTree>
@@ -14364,7 +15240,7 @@
 </p:sld>
 </file>
 
-<file path=ppt/slides/slide25.xml><?xml version="1.0" encoding="utf-8"?>
+<file path=ppt/slides/slide26.xml><?xml version="1.0" encoding="utf-8"?>
 <p:sld xmlns:a="http://schemas.openxmlformats.org/drawingml/2006/main" xmlns:r="http://schemas.openxmlformats.org/officeDocument/2006/relationships" xmlns:p="http://schemas.openxmlformats.org/presentationml/2006/main">
   <p:cSld>
     <p:spTree>
@@ -15085,7 +15961,7 @@
 </p:sld>
 </file>
 
-<file path=ppt/slides/slide26.xml><?xml version="1.0" encoding="utf-8"?>
+<file path=ppt/slides/slide27.xml><?xml version="1.0" encoding="utf-8"?>
 <p:sld xmlns:a="http://schemas.openxmlformats.org/drawingml/2006/main" xmlns:r="http://schemas.openxmlformats.org/officeDocument/2006/relationships" xmlns:p="http://schemas.openxmlformats.org/presentationml/2006/main">
   <p:cSld>
     <p:spTree>
@@ -15738,7 +16614,7 @@
 </p:sld>
 </file>
 
-<file path=ppt/slides/slide27.xml><?xml version="1.0" encoding="utf-8"?>
+<file path=ppt/slides/slide28.xml><?xml version="1.0" encoding="utf-8"?>
 <p:sld xmlns:a="http://schemas.openxmlformats.org/drawingml/2006/main" xmlns:r="http://schemas.openxmlformats.org/officeDocument/2006/relationships" xmlns:p="http://schemas.openxmlformats.org/presentationml/2006/main">
   <p:cSld>
     <p:spTree>
@@ -16590,7 +17466,7 @@
 </p:sld>
 </file>
 
-<file path=ppt/slides/slide28.xml><?xml version="1.0" encoding="utf-8"?>
+<file path=ppt/slides/slide29.xml><?xml version="1.0" encoding="utf-8"?>
 <p:sld xmlns:a="http://schemas.openxmlformats.org/drawingml/2006/main" xmlns:r="http://schemas.openxmlformats.org/officeDocument/2006/relationships" xmlns:p="http://schemas.openxmlformats.org/presentationml/2006/main">
   <p:cSld>
     <p:spTree>
@@ -17511,137 +18387,6 @@
       </p:par>
     </p:tnLst>
   </p:timing>
-</p:sld>
-</file>
-
-<file path=ppt/slides/slide29.xml><?xml version="1.0" encoding="utf-8"?>
-<p:sld xmlns:a="http://schemas.openxmlformats.org/drawingml/2006/main" xmlns:r="http://schemas.openxmlformats.org/officeDocument/2006/relationships" xmlns:p="http://schemas.openxmlformats.org/presentationml/2006/main">
-  <p:cSld>
-    <p:spTree>
-      <p:nvGrpSpPr>
-        <p:cNvPr id="1" name=""/>
-        <p:cNvGrpSpPr/>
-        <p:nvPr/>
-      </p:nvGrpSpPr>
-      <p:grpSpPr>
-        <a:xfrm>
-          <a:off x="0" y="0"/>
-          <a:ext cx="0" cy="0"/>
-          <a:chOff x="0" y="0"/>
-          <a:chExt cx="0" cy="0"/>
-        </a:xfrm>
-      </p:grpSpPr>
-      <p:sp>
-        <p:nvSpPr>
-          <p:cNvPr id="2" name="Title 1">
-            <a:extLst>
-              <a:ext uri="{FF2B5EF4-FFF2-40B4-BE49-F238E27FC236}">
-                <a16:creationId xmlns:a16="http://schemas.microsoft.com/office/drawing/2014/main" id="{AA3A228F-61D0-D949-A5E7-F83756230BF8}"/>
-              </a:ext>
-            </a:extLst>
-          </p:cNvPr>
-          <p:cNvSpPr>
-            <a:spLocks noGrp="1"/>
-          </p:cNvSpPr>
-          <p:nvPr>
-            <p:ph type="title"/>
-          </p:nvPr>
-        </p:nvSpPr>
-        <p:spPr>
-          <a:xfrm>
-            <a:off x="483848" y="467027"/>
-            <a:ext cx="7053542" cy="683886"/>
-          </a:xfrm>
-        </p:spPr>
-        <p:txBody>
-          <a:bodyPr/>
-          <a:lstStyle/>
-          <a:p>
-            <a:r>
-              <a:rPr lang="en-US" dirty="0"/>
-              <a:t>References</a:t>
-            </a:r>
-          </a:p>
-        </p:txBody>
-      </p:sp>
-      <p:sp>
-        <p:nvSpPr>
-          <p:cNvPr id="9" name="Content Placeholder 8">
-            <a:extLst>
-              <a:ext uri="{FF2B5EF4-FFF2-40B4-BE49-F238E27FC236}">
-                <a16:creationId xmlns:a16="http://schemas.microsoft.com/office/drawing/2014/main" id="{E3B2E017-30B2-884B-A113-B419A2ED51AD}"/>
-              </a:ext>
-            </a:extLst>
-          </p:cNvPr>
-          <p:cNvSpPr>
-            <a:spLocks noGrp="1"/>
-          </p:cNvSpPr>
-          <p:nvPr>
-            <p:ph idx="1"/>
-          </p:nvPr>
-        </p:nvSpPr>
-        <p:spPr>
-          <a:xfrm>
-            <a:off x="483848" y="1150913"/>
-            <a:ext cx="8051725" cy="4440590"/>
-          </a:xfrm>
-        </p:spPr>
-        <p:txBody>
-          <a:bodyPr>
-            <a:noAutofit/>
-          </a:bodyPr>
-          <a:lstStyle/>
-          <a:p>
-            <a:pPr marL="0" indent="0">
-              <a:buNone/>
-            </a:pPr>
-            <a:endParaRPr lang="en-US" dirty="0"/>
-          </a:p>
-          <a:p>
-            <a:pPr marL="0" indent="0">
-              <a:buNone/>
-            </a:pPr>
-            <a:endParaRPr lang="en-US" dirty="0"/>
-          </a:p>
-          <a:p>
-            <a:pPr marL="457200" indent="-457200">
-              <a:buAutoNum type="arabicParenR"/>
-            </a:pPr>
-            <a:r>
-              <a:rPr lang="en-US" dirty="0" err="1"/>
-              <a:t>Vanderplas</a:t>
-            </a:r>
-            <a:r>
-              <a:rPr lang="en-US" dirty="0"/>
-              <a:t>, Jake, A Whirlwind Tour of Python, </a:t>
-            </a:r>
-            <a:r>
-              <a:rPr lang="en-US" dirty="0" err="1"/>
-              <a:t>O’reilly</a:t>
-            </a:r>
-            <a:r>
-              <a:rPr lang="en-US" dirty="0"/>
-              <a:t> Media. </a:t>
-            </a:r>
-          </a:p>
-          <a:p>
-            <a:pPr marL="0" indent="0">
-              <a:buNone/>
-            </a:pPr>
-            <a:endParaRPr lang="en-US" dirty="0"/>
-          </a:p>
-        </p:txBody>
-      </p:sp>
-    </p:spTree>
-    <p:extLst>
-      <p:ext uri="{BB962C8B-B14F-4D97-AF65-F5344CB8AC3E}">
-        <p14:creationId xmlns:p14="http://schemas.microsoft.com/office/powerpoint/2010/main" val="1438711869"/>
-      </p:ext>
-    </p:extLst>
-  </p:cSld>
-  <p:clrMapOvr>
-    <a:masterClrMapping/>
-  </p:clrMapOvr>
 </p:sld>
 </file>
 
@@ -18444,6 +19189,137 @@
       </p:par>
     </p:tnLst>
   </p:timing>
+</p:sld>
+</file>
+
+<file path=ppt/slides/slide30.xml><?xml version="1.0" encoding="utf-8"?>
+<p:sld xmlns:a="http://schemas.openxmlformats.org/drawingml/2006/main" xmlns:r="http://schemas.openxmlformats.org/officeDocument/2006/relationships" xmlns:p="http://schemas.openxmlformats.org/presentationml/2006/main">
+  <p:cSld>
+    <p:spTree>
+      <p:nvGrpSpPr>
+        <p:cNvPr id="1" name=""/>
+        <p:cNvGrpSpPr/>
+        <p:nvPr/>
+      </p:nvGrpSpPr>
+      <p:grpSpPr>
+        <a:xfrm>
+          <a:off x="0" y="0"/>
+          <a:ext cx="0" cy="0"/>
+          <a:chOff x="0" y="0"/>
+          <a:chExt cx="0" cy="0"/>
+        </a:xfrm>
+      </p:grpSpPr>
+      <p:sp>
+        <p:nvSpPr>
+          <p:cNvPr id="2" name="Title 1">
+            <a:extLst>
+              <a:ext uri="{FF2B5EF4-FFF2-40B4-BE49-F238E27FC236}">
+                <a16:creationId xmlns:a16="http://schemas.microsoft.com/office/drawing/2014/main" id="{AA3A228F-61D0-D949-A5E7-F83756230BF8}"/>
+              </a:ext>
+            </a:extLst>
+          </p:cNvPr>
+          <p:cNvSpPr>
+            <a:spLocks noGrp="1"/>
+          </p:cNvSpPr>
+          <p:nvPr>
+            <p:ph type="title"/>
+          </p:nvPr>
+        </p:nvSpPr>
+        <p:spPr>
+          <a:xfrm>
+            <a:off x="483848" y="467027"/>
+            <a:ext cx="7053542" cy="683886"/>
+          </a:xfrm>
+        </p:spPr>
+        <p:txBody>
+          <a:bodyPr/>
+          <a:lstStyle/>
+          <a:p>
+            <a:r>
+              <a:rPr lang="en-US" dirty="0"/>
+              <a:t>References</a:t>
+            </a:r>
+          </a:p>
+        </p:txBody>
+      </p:sp>
+      <p:sp>
+        <p:nvSpPr>
+          <p:cNvPr id="9" name="Content Placeholder 8">
+            <a:extLst>
+              <a:ext uri="{FF2B5EF4-FFF2-40B4-BE49-F238E27FC236}">
+                <a16:creationId xmlns:a16="http://schemas.microsoft.com/office/drawing/2014/main" id="{E3B2E017-30B2-884B-A113-B419A2ED51AD}"/>
+              </a:ext>
+            </a:extLst>
+          </p:cNvPr>
+          <p:cNvSpPr>
+            <a:spLocks noGrp="1"/>
+          </p:cNvSpPr>
+          <p:nvPr>
+            <p:ph idx="1"/>
+          </p:nvPr>
+        </p:nvSpPr>
+        <p:spPr>
+          <a:xfrm>
+            <a:off x="483848" y="1150913"/>
+            <a:ext cx="8051725" cy="4440590"/>
+          </a:xfrm>
+        </p:spPr>
+        <p:txBody>
+          <a:bodyPr>
+            <a:noAutofit/>
+          </a:bodyPr>
+          <a:lstStyle/>
+          <a:p>
+            <a:pPr marL="0" indent="0">
+              <a:buNone/>
+            </a:pPr>
+            <a:endParaRPr lang="en-US" dirty="0"/>
+          </a:p>
+          <a:p>
+            <a:pPr marL="0" indent="0">
+              <a:buNone/>
+            </a:pPr>
+            <a:endParaRPr lang="en-US" dirty="0"/>
+          </a:p>
+          <a:p>
+            <a:pPr marL="457200" indent="-457200">
+              <a:buAutoNum type="arabicParenR"/>
+            </a:pPr>
+            <a:r>
+              <a:rPr lang="en-US" dirty="0" err="1"/>
+              <a:t>Vanderplas</a:t>
+            </a:r>
+            <a:r>
+              <a:rPr lang="en-US" dirty="0"/>
+              <a:t>, Jake, A Whirlwind Tour of Python, </a:t>
+            </a:r>
+            <a:r>
+              <a:rPr lang="en-US" dirty="0" err="1"/>
+              <a:t>O’reilly</a:t>
+            </a:r>
+            <a:r>
+              <a:rPr lang="en-US" dirty="0"/>
+              <a:t> Media. </a:t>
+            </a:r>
+          </a:p>
+          <a:p>
+            <a:pPr marL="0" indent="0">
+              <a:buNone/>
+            </a:pPr>
+            <a:endParaRPr lang="en-US" dirty="0"/>
+          </a:p>
+        </p:txBody>
+      </p:sp>
+    </p:spTree>
+    <p:extLst>
+      <p:ext uri="{BB962C8B-B14F-4D97-AF65-F5344CB8AC3E}">
+        <p14:creationId xmlns:p14="http://schemas.microsoft.com/office/powerpoint/2010/main" val="1438711869"/>
+      </p:ext>
+    </p:extLst>
+  </p:cSld>
+  <p:clrMapOvr>
+    <a:masterClrMapping/>
+  </p:clrMapOvr>
 </p:sld>
 </file>
 

--- a/courses/apcsp/lect7.pptx
+++ b/courses/apcsp/lect7.pptx
@@ -144,7 +144,7 @@
 <file path=ppt/revisionInfo.xml><?xml version="1.0" encoding="utf-8"?>
 <p1510:revInfo xmlns:a="http://schemas.openxmlformats.org/drawingml/2006/main" xmlns:r="http://schemas.openxmlformats.org/officeDocument/2006/relationships" xmlns:p1510="http://schemas.microsoft.com/office/powerpoint/2015/10/main">
   <p1510:revLst>
-    <p1510:client id="{668B5952-4FAF-5144-B2D4-2A40AC3B34FF}" v="700" dt="2020-12-03T15:37:08.784"/>
+    <p1510:client id="{668B5952-4FAF-5144-B2D4-2A40AC3B34FF}" v="716" dt="2020-12-15T17:39:57.743"/>
   </p1510:revLst>
 </p1510:revInfo>
 </file>
@@ -762,7 +762,7 @@
   <pc:docChgLst>
     <pc:chgData name="Long B Nguyen" userId="f59fb8f3-a021-417a-8bc1-65c8d471c621" providerId="ADAL" clId="{668B5952-4FAF-5144-B2D4-2A40AC3B34FF}"/>
     <pc:docChg chg="custSel addSld delSld modSld">
-      <pc:chgData name="Long B Nguyen" userId="f59fb8f3-a021-417a-8bc1-65c8d471c621" providerId="ADAL" clId="{668B5952-4FAF-5144-B2D4-2A40AC3B34FF}" dt="2020-12-03T15:37:08.774" v="743"/>
+      <pc:chgData name="Long B Nguyen" userId="f59fb8f3-a021-417a-8bc1-65c8d471c621" providerId="ADAL" clId="{668B5952-4FAF-5144-B2D4-2A40AC3B34FF}" dt="2020-12-15T17:40:02.015" v="760" actId="14100"/>
       <pc:docMkLst>
         <pc:docMk/>
       </pc:docMkLst>
@@ -1081,7 +1081,7 @@
         </pc:spChg>
       </pc:sldChg>
       <pc:sldChg chg="modSp mod">
-        <pc:chgData name="Long B Nguyen" userId="f59fb8f3-a021-417a-8bc1-65c8d471c621" providerId="ADAL" clId="{668B5952-4FAF-5144-B2D4-2A40AC3B34FF}" dt="2020-12-02T01:00:46.011" v="157" actId="14100"/>
+        <pc:chgData name="Long B Nguyen" userId="f59fb8f3-a021-417a-8bc1-65c8d471c621" providerId="ADAL" clId="{668B5952-4FAF-5144-B2D4-2A40AC3B34FF}" dt="2020-12-15T17:40:02.015" v="760" actId="14100"/>
         <pc:sldMkLst>
           <pc:docMk/>
           <pc:sldMk cId="641334177" sldId="308"/>
@@ -1095,7 +1095,7 @@
           </ac:spMkLst>
         </pc:spChg>
         <pc:spChg chg="mod">
-          <ac:chgData name="Long B Nguyen" userId="f59fb8f3-a021-417a-8bc1-65c8d471c621" providerId="ADAL" clId="{668B5952-4FAF-5144-B2D4-2A40AC3B34FF}" dt="2020-12-02T01:00:46.011" v="157" actId="14100"/>
+          <ac:chgData name="Long B Nguyen" userId="f59fb8f3-a021-417a-8bc1-65c8d471c621" providerId="ADAL" clId="{668B5952-4FAF-5144-B2D4-2A40AC3B34FF}" dt="2020-12-15T17:40:02.015" v="760" actId="14100"/>
           <ac:spMkLst>
             <pc:docMk/>
             <pc:sldMk cId="641334177" sldId="308"/>
@@ -1127,7 +1127,7 @@
         </pc:spChg>
       </pc:sldChg>
       <pc:sldChg chg="modSp mod modAnim">
-        <pc:chgData name="Long B Nguyen" userId="f59fb8f3-a021-417a-8bc1-65c8d471c621" providerId="ADAL" clId="{668B5952-4FAF-5144-B2D4-2A40AC3B34FF}" dt="2020-12-03T15:36:53.483" v="741" actId="20577"/>
+        <pc:chgData name="Long B Nguyen" userId="f59fb8f3-a021-417a-8bc1-65c8d471c621" providerId="ADAL" clId="{668B5952-4FAF-5144-B2D4-2A40AC3B34FF}" dt="2020-12-04T14:10:32.424" v="744" actId="20577"/>
         <pc:sldMkLst>
           <pc:docMk/>
           <pc:sldMk cId="4013144405" sldId="310"/>
@@ -1141,7 +1141,7 @@
           </ac:spMkLst>
         </pc:spChg>
         <pc:spChg chg="mod">
-          <ac:chgData name="Long B Nguyen" userId="f59fb8f3-a021-417a-8bc1-65c8d471c621" providerId="ADAL" clId="{668B5952-4FAF-5144-B2D4-2A40AC3B34FF}" dt="2020-12-03T15:36:53.483" v="741" actId="20577"/>
+          <ac:chgData name="Long B Nguyen" userId="f59fb8f3-a021-417a-8bc1-65c8d471c621" providerId="ADAL" clId="{668B5952-4FAF-5144-B2D4-2A40AC3B34FF}" dt="2020-12-04T14:10:32.424" v="744" actId="20577"/>
           <ac:spMkLst>
             <pc:docMk/>
             <pc:sldMk cId="4013144405" sldId="310"/>
@@ -1338,7 +1338,7 @@
           <a:p>
             <a:fld id="{4AAD347D-5ACD-4C99-B74B-A9C85AD731AF}" type="datetimeFigureOut">
               <a:rPr lang="en-US" smtClean="0"/>
-              <a:t>12/3/20</a:t>
+              <a:t>12/15/20</a:t>
             </a:fld>
             <a:endParaRPr lang="en-US" dirty="0"/>
           </a:p>
@@ -1508,7 +1508,7 @@
           <a:p>
             <a:fld id="{4509A250-FF31-4206-8172-F9D3106AACB1}" type="datetimeFigureOut">
               <a:rPr lang="en-US" smtClean="0"/>
-              <a:t>12/3/20</a:t>
+              <a:t>12/15/20</a:t>
             </a:fld>
             <a:endParaRPr lang="en-US" dirty="0"/>
           </a:p>
@@ -1688,7 +1688,7 @@
           <a:p>
             <a:fld id="{4509A250-FF31-4206-8172-F9D3106AACB1}" type="datetimeFigureOut">
               <a:rPr lang="en-US" smtClean="0"/>
-              <a:t>12/3/20</a:t>
+              <a:t>12/15/20</a:t>
             </a:fld>
             <a:endParaRPr lang="en-US" dirty="0"/>
           </a:p>
@@ -1858,7 +1858,7 @@
           <a:p>
             <a:fld id="{4509A250-FF31-4206-8172-F9D3106AACB1}" type="datetimeFigureOut">
               <a:rPr lang="en-US" smtClean="0"/>
-              <a:t>12/3/20</a:t>
+              <a:t>12/15/20</a:t>
             </a:fld>
             <a:endParaRPr lang="en-US" dirty="0"/>
           </a:p>
@@ -2104,7 +2104,7 @@
           <a:p>
             <a:fld id="{9796027F-7875-4030-9381-8BD8C4F21935}" type="datetimeFigureOut">
               <a:rPr lang="en-US" smtClean="0"/>
-              <a:t>12/3/20</a:t>
+              <a:t>12/15/20</a:t>
             </a:fld>
             <a:endParaRPr lang="en-US" dirty="0"/>
           </a:p>
@@ -2336,7 +2336,7 @@
           <a:p>
             <a:fld id="{9796027F-7875-4030-9381-8BD8C4F21935}" type="datetimeFigureOut">
               <a:rPr lang="en-US" smtClean="0"/>
-              <a:t>12/3/20</a:t>
+              <a:t>12/15/20</a:t>
             </a:fld>
             <a:endParaRPr lang="en-US" dirty="0"/>
           </a:p>
@@ -2703,7 +2703,7 @@
           <a:p>
             <a:fld id="{9796027F-7875-4030-9381-8BD8C4F21935}" type="datetimeFigureOut">
               <a:rPr lang="en-US" smtClean="0"/>
-              <a:t>12/3/20</a:t>
+              <a:t>12/15/20</a:t>
             </a:fld>
             <a:endParaRPr lang="en-US" dirty="0"/>
           </a:p>
@@ -2821,7 +2821,7 @@
           <a:p>
             <a:fld id="{4509A250-FF31-4206-8172-F9D3106AACB1}" type="datetimeFigureOut">
               <a:rPr lang="en-US" smtClean="0"/>
-              <a:t>12/3/20</a:t>
+              <a:t>12/15/20</a:t>
             </a:fld>
             <a:endParaRPr lang="en-US" dirty="0"/>
           </a:p>
@@ -2916,7 +2916,7 @@
           <a:p>
             <a:fld id="{4509A250-FF31-4206-8172-F9D3106AACB1}" type="datetimeFigureOut">
               <a:rPr lang="en-US" smtClean="0"/>
-              <a:t>12/3/20</a:t>
+              <a:t>12/15/20</a:t>
             </a:fld>
             <a:endParaRPr lang="en-US" dirty="0"/>
           </a:p>
@@ -3193,7 +3193,7 @@
           <a:p>
             <a:fld id="{4509A250-FF31-4206-8172-F9D3106AACB1}" type="datetimeFigureOut">
               <a:rPr lang="en-US" smtClean="0"/>
-              <a:t>12/3/20</a:t>
+              <a:t>12/15/20</a:t>
             </a:fld>
             <a:endParaRPr lang="en-US" dirty="0"/>
           </a:p>
@@ -3450,7 +3450,7 @@
           <a:p>
             <a:fld id="{4509A250-FF31-4206-8172-F9D3106AACB1}" type="datetimeFigureOut">
               <a:rPr lang="en-US" smtClean="0"/>
-              <a:t>12/3/20</a:t>
+              <a:t>12/15/20</a:t>
             </a:fld>
             <a:endParaRPr lang="en-US" dirty="0"/>
           </a:p>
@@ -3663,7 +3663,7 @@
           <a:p>
             <a:fld id="{4AAD347D-5ACD-4C99-B74B-A9C85AD731AF}" type="datetimeFigureOut">
               <a:rPr lang="en-US" smtClean="0"/>
-              <a:t>12/3/20</a:t>
+              <a:t>12/15/20</a:t>
             </a:fld>
             <a:endParaRPr lang="en-US" dirty="0"/>
           </a:p>
@@ -8175,7 +8175,7 @@
               <a:rPr lang="en-US" b="1" dirty="0">
                 <a:latin typeface="Inconsolata" panose="020B0609030003000000" pitchFamily="49" charset="77"/>
               </a:rPr>
-              <a:t>]: ‘average is 2.0.' </a:t>
+              <a:t>]: ‘average is 2.0' </a:t>
             </a:r>
           </a:p>
           <a:p>
@@ -14857,7 +14857,7 @@
         <p:spPr>
           <a:xfrm>
             <a:off x="252355" y="807383"/>
-            <a:ext cx="8639289" cy="4784120"/>
+            <a:ext cx="8891645" cy="4784120"/>
           </a:xfrm>
         </p:spPr>
         <p:txBody>
@@ -15196,7 +15196,7 @@
                 </a:solidFill>
                 <a:latin typeface="Inconsolata" panose="020B0609030003000000" pitchFamily="49" charset="77"/>
               </a:rPr>
-              <a:t># concatenate </a:t>
+              <a:t># concatenate character at index </a:t>
             </a:r>
             <a:r>
               <a:rPr lang="en-US" sz="2000" b="1" i="1" dirty="0" err="1">
@@ -15205,16 +15205,7 @@
                 </a:solidFill>
                 <a:latin typeface="Inconsolata" panose="020B0609030003000000" pitchFamily="49" charset="77"/>
               </a:rPr>
-              <a:t>ith</a:t>
-            </a:r>
-            <a:r>
-              <a:rPr lang="en-US" sz="2000" b="1" i="1" dirty="0">
-                <a:solidFill>
-                  <a:srgbClr val="33566B"/>
-                </a:solidFill>
-                <a:latin typeface="Inconsolata" panose="020B0609030003000000" pitchFamily="49" charset="77"/>
-              </a:rPr>
-              <a:t> character</a:t>
+              <a:t>i</a:t>
             </a:r>
             <a:endParaRPr lang="en-US" sz="2000" b="1" dirty="0">
               <a:solidFill>

--- a/courses/apcsp/lect7.pptx
+++ b/courses/apcsp/lect7.pptx
@@ -142,7 +142,7 @@
 <file path=ppt/revisionInfo.xml><?xml version="1.0" encoding="utf-8"?>
 <p1510:revInfo xmlns:a="http://schemas.openxmlformats.org/drawingml/2006/main" xmlns:r="http://schemas.openxmlformats.org/officeDocument/2006/relationships" xmlns:p1510="http://schemas.microsoft.com/office/powerpoint/2015/10/main">
   <p1510:revLst>
-    <p1510:client id="{F75EDA11-D5F5-A647-A905-569752EB74A6}" v="1822" dt="2021-11-07T14:36:37.496"/>
+    <p1510:client id="{F75EDA11-D5F5-A647-A905-569752EB74A6}" v="1824" dt="2021-11-07T17:20:15.030"/>
   </p1510:revLst>
 </p1510:revInfo>
 </file>
@@ -1196,7 +1196,7 @@
   <pc:docChgLst>
     <pc:chgData name="Long B Nguyen" userId="f59fb8f3-a021-417a-8bc1-65c8d471c621" providerId="ADAL" clId="{F75EDA11-D5F5-A647-A905-569752EB74A6}"/>
     <pc:docChg chg="undo custSel addSld delSld modSld">
-      <pc:chgData name="Long B Nguyen" userId="f59fb8f3-a021-417a-8bc1-65c8d471c621" providerId="ADAL" clId="{F75EDA11-D5F5-A647-A905-569752EB74A6}" dt="2021-11-07T14:36:37.496" v="4363"/>
+      <pc:chgData name="Long B Nguyen" userId="f59fb8f3-a021-417a-8bc1-65c8d471c621" providerId="ADAL" clId="{F75EDA11-D5F5-A647-A905-569752EB74A6}" dt="2021-11-07T17:20:38.721" v="4369" actId="2711"/>
       <pc:docMkLst>
         <pc:docMk/>
       </pc:docMkLst>
@@ -1673,13 +1673,13 @@
         </pc:spChg>
       </pc:sldChg>
       <pc:sldChg chg="modSp add modAnim">
-        <pc:chgData name="Long B Nguyen" userId="f59fb8f3-a021-417a-8bc1-65c8d471c621" providerId="ADAL" clId="{F75EDA11-D5F5-A647-A905-569752EB74A6}" dt="2021-11-07T13:35:58.423" v="3073" actId="207"/>
+        <pc:chgData name="Long B Nguyen" userId="f59fb8f3-a021-417a-8bc1-65c8d471c621" providerId="ADAL" clId="{F75EDA11-D5F5-A647-A905-569752EB74A6}" dt="2021-11-07T17:20:15.029" v="4368" actId="20577"/>
         <pc:sldMkLst>
           <pc:docMk/>
           <pc:sldMk cId="3947917998" sldId="363"/>
         </pc:sldMkLst>
         <pc:spChg chg="mod">
-          <ac:chgData name="Long B Nguyen" userId="f59fb8f3-a021-417a-8bc1-65c8d471c621" providerId="ADAL" clId="{F75EDA11-D5F5-A647-A905-569752EB74A6}" dt="2021-11-07T13:35:58.423" v="3073" actId="207"/>
+          <ac:chgData name="Long B Nguyen" userId="f59fb8f3-a021-417a-8bc1-65c8d471c621" providerId="ADAL" clId="{F75EDA11-D5F5-A647-A905-569752EB74A6}" dt="2021-11-07T17:20:15.029" v="4368" actId="20577"/>
           <ac:spMkLst>
             <pc:docMk/>
             <pc:sldMk cId="3947917998" sldId="363"/>
@@ -1711,7 +1711,7 @@
         </pc:spChg>
       </pc:sldChg>
       <pc:sldChg chg="modSp add mod">
-        <pc:chgData name="Long B Nguyen" userId="f59fb8f3-a021-417a-8bc1-65c8d471c621" providerId="ADAL" clId="{F75EDA11-D5F5-A647-A905-569752EB74A6}" dt="2021-11-07T14:29:37.557" v="3877" actId="20577"/>
+        <pc:chgData name="Long B Nguyen" userId="f59fb8f3-a021-417a-8bc1-65c8d471c621" providerId="ADAL" clId="{F75EDA11-D5F5-A647-A905-569752EB74A6}" dt="2021-11-07T17:20:38.721" v="4369" actId="2711"/>
         <pc:sldMkLst>
           <pc:docMk/>
           <pc:sldMk cId="31725581" sldId="365"/>
@@ -1725,7 +1725,7 @@
           </ac:spMkLst>
         </pc:spChg>
         <pc:spChg chg="mod">
-          <ac:chgData name="Long B Nguyen" userId="f59fb8f3-a021-417a-8bc1-65c8d471c621" providerId="ADAL" clId="{F75EDA11-D5F5-A647-A905-569752EB74A6}" dt="2021-11-07T14:29:37.557" v="3877" actId="20577"/>
+          <ac:chgData name="Long B Nguyen" userId="f59fb8f3-a021-417a-8bc1-65c8d471c621" providerId="ADAL" clId="{F75EDA11-D5F5-A647-A905-569752EB74A6}" dt="2021-11-07T17:20:38.721" v="4369" actId="2711"/>
           <ac:spMkLst>
             <pc:docMk/>
             <pc:sldMk cId="31725581" sldId="365"/>
@@ -1734,7 +1734,7 @@
         </pc:spChg>
       </pc:sldChg>
       <pc:sldChg chg="modSp add mod">
-        <pc:chgData name="Long B Nguyen" userId="f59fb8f3-a021-417a-8bc1-65c8d471c621" providerId="ADAL" clId="{F75EDA11-D5F5-A647-A905-569752EB74A6}" dt="2021-11-07T14:33:55.004" v="4256" actId="20577"/>
+        <pc:chgData name="Long B Nguyen" userId="f59fb8f3-a021-417a-8bc1-65c8d471c621" providerId="ADAL" clId="{F75EDA11-D5F5-A647-A905-569752EB74A6}" dt="2021-11-07T17:18:23.708" v="4366" actId="20577"/>
         <pc:sldMkLst>
           <pc:docMk/>
           <pc:sldMk cId="626030496" sldId="366"/>
@@ -1748,7 +1748,7 @@
           </ac:spMkLst>
         </pc:spChg>
         <pc:spChg chg="mod">
-          <ac:chgData name="Long B Nguyen" userId="f59fb8f3-a021-417a-8bc1-65c8d471c621" providerId="ADAL" clId="{F75EDA11-D5F5-A647-A905-569752EB74A6}" dt="2021-11-07T14:33:55.004" v="4256" actId="20577"/>
+          <ac:chgData name="Long B Nguyen" userId="f59fb8f3-a021-417a-8bc1-65c8d471c621" providerId="ADAL" clId="{F75EDA11-D5F5-A647-A905-569752EB74A6}" dt="2021-11-07T17:18:23.708" v="4366" actId="20577"/>
           <ac:spMkLst>
             <pc:docMk/>
             <pc:sldMk cId="626030496" sldId="366"/>
@@ -15706,7 +15706,19 @@
               <a:rPr lang="en-US" dirty="0">
                 <a:latin typeface="Gill Sans MT" panose="020B0502020104020203" pitchFamily="34" charset="77"/>
               </a:rPr>
-              <a:t>Use split() in your code to convert text into a list of words.</a:t>
+              <a:t>Use split() in your code to convert </a:t>
+            </a:r>
+            <a:r>
+              <a:rPr lang="en-US" dirty="0">
+                <a:latin typeface="INCONSOLATA" panose="020B0609030003000000" pitchFamily="49" charset="77"/>
+              </a:rPr>
+              <a:t>text</a:t>
+            </a:r>
+            <a:r>
+              <a:rPr lang="en-US" dirty="0">
+                <a:latin typeface="Gill Sans MT" panose="020B0502020104020203" pitchFamily="34" charset="77"/>
+              </a:rPr>
+              <a:t> into a list of words.</a:t>
             </a:r>
             <a:r>
               <a:rPr lang="en-US" dirty="0">
@@ -15944,7 +15956,7 @@
               <a:rPr lang="en-US" dirty="0">
                 <a:latin typeface="Gill Sans MT" panose="020B0502020104020203" pitchFamily="34" charset="77"/>
               </a:rPr>
-              <a:t>You can use the previous lab to do simple word counts in Shakespeare's text. </a:t>
+              <a:t>You can use the previous lab to do simple word counts in Shakespeare's texts. </a:t>
             </a:r>
           </a:p>
           <a:p>

--- a/courses/apcsp/lect7.pptx
+++ b/courses/apcsp/lect7.pptx
@@ -142,7 +142,7 @@
 <file path=ppt/revisionInfo.xml><?xml version="1.0" encoding="utf-8"?>
 <p1510:revInfo xmlns:a="http://schemas.openxmlformats.org/drawingml/2006/main" xmlns:r="http://schemas.openxmlformats.org/officeDocument/2006/relationships" xmlns:p1510="http://schemas.microsoft.com/office/powerpoint/2015/10/main">
   <p1510:revLst>
-    <p1510:client id="{F75EDA11-D5F5-A647-A905-569752EB74A6}" v="1824" dt="2021-11-07T17:20:15.030"/>
+    <p1510:client id="{F75EDA11-D5F5-A647-A905-569752EB74A6}" v="1877" dt="2021-11-09T13:53:26.849"/>
   </p1510:revLst>
 </p1510:revInfo>
 </file>
@@ -1196,7 +1196,7 @@
   <pc:docChgLst>
     <pc:chgData name="Long B Nguyen" userId="f59fb8f3-a021-417a-8bc1-65c8d471c621" providerId="ADAL" clId="{F75EDA11-D5F5-A647-A905-569752EB74A6}"/>
     <pc:docChg chg="undo custSel addSld delSld modSld">
-      <pc:chgData name="Long B Nguyen" userId="f59fb8f3-a021-417a-8bc1-65c8d471c621" providerId="ADAL" clId="{F75EDA11-D5F5-A647-A905-569752EB74A6}" dt="2021-11-07T17:20:38.721" v="4369" actId="2711"/>
+      <pc:chgData name="Long B Nguyen" userId="f59fb8f3-a021-417a-8bc1-65c8d471c621" providerId="ADAL" clId="{F75EDA11-D5F5-A647-A905-569752EB74A6}" dt="2021-11-09T13:53:35.657" v="4423" actId="14100"/>
       <pc:docMkLst>
         <pc:docMk/>
       </pc:docMkLst>
@@ -1211,6 +1211,21 @@
           <ac:spMkLst>
             <pc:docMk/>
             <pc:sldMk cId="2207246265" sldId="257"/>
+            <ac:spMk id="9" creationId="{E3B2E017-30B2-884B-A113-B419A2ED51AD}"/>
+          </ac:spMkLst>
+        </pc:spChg>
+      </pc:sldChg>
+      <pc:sldChg chg="modSp">
+        <pc:chgData name="Long B Nguyen" userId="f59fb8f3-a021-417a-8bc1-65c8d471c621" providerId="ADAL" clId="{F75EDA11-D5F5-A647-A905-569752EB74A6}" dt="2021-11-09T13:51:21.049" v="4383" actId="20577"/>
+        <pc:sldMkLst>
+          <pc:docMk/>
+          <pc:sldMk cId="4018759955" sldId="274"/>
+        </pc:sldMkLst>
+        <pc:spChg chg="mod">
+          <ac:chgData name="Long B Nguyen" userId="f59fb8f3-a021-417a-8bc1-65c8d471c621" providerId="ADAL" clId="{F75EDA11-D5F5-A647-A905-569752EB74A6}" dt="2021-11-09T13:51:21.049" v="4383" actId="20577"/>
+          <ac:spMkLst>
+            <pc:docMk/>
+            <pc:sldMk cId="4018759955" sldId="274"/>
             <ac:spMk id="9" creationId="{E3B2E017-30B2-884B-A113-B419A2ED51AD}"/>
           </ac:spMkLst>
         </pc:spChg>
@@ -1519,14 +1534,14 @@
           </ac:cxnSpMkLst>
         </pc:cxnChg>
       </pc:sldChg>
-      <pc:sldChg chg="modSp add modAnim">
-        <pc:chgData name="Long B Nguyen" userId="f59fb8f3-a021-417a-8bc1-65c8d471c621" providerId="ADAL" clId="{F75EDA11-D5F5-A647-A905-569752EB74A6}" dt="2021-11-07T13:50:20.407" v="3100" actId="20577"/>
+      <pc:sldChg chg="modSp add mod modAnim">
+        <pc:chgData name="Long B Nguyen" userId="f59fb8f3-a021-417a-8bc1-65c8d471c621" providerId="ADAL" clId="{F75EDA11-D5F5-A647-A905-569752EB74A6}" dt="2021-11-09T13:53:35.657" v="4423" actId="14100"/>
         <pc:sldMkLst>
           <pc:docMk/>
           <pc:sldMk cId="3041297697" sldId="358"/>
         </pc:sldMkLst>
         <pc:spChg chg="mod">
-          <ac:chgData name="Long B Nguyen" userId="f59fb8f3-a021-417a-8bc1-65c8d471c621" providerId="ADAL" clId="{F75EDA11-D5F5-A647-A905-569752EB74A6}" dt="2021-11-07T13:50:20.407" v="3100" actId="20577"/>
+          <ac:chgData name="Long B Nguyen" userId="f59fb8f3-a021-417a-8bc1-65c8d471c621" providerId="ADAL" clId="{F75EDA11-D5F5-A647-A905-569752EB74A6}" dt="2021-11-09T13:53:35.657" v="4423" actId="14100"/>
           <ac:spMkLst>
             <pc:docMk/>
             <pc:sldMk cId="3041297697" sldId="358"/>
@@ -2344,7 +2359,7 @@
           <a:p>
             <a:fld id="{4AAD347D-5ACD-4C99-B74B-A9C85AD731AF}" type="datetimeFigureOut">
               <a:rPr lang="en-US" smtClean="0"/>
-              <a:t>11/7/21</a:t>
+              <a:t>11/9/21</a:t>
             </a:fld>
             <a:endParaRPr lang="en-US" dirty="0"/>
           </a:p>
@@ -2514,7 +2529,7 @@
           <a:p>
             <a:fld id="{4509A250-FF31-4206-8172-F9D3106AACB1}" type="datetimeFigureOut">
               <a:rPr lang="en-US" smtClean="0"/>
-              <a:t>11/7/21</a:t>
+              <a:t>11/9/21</a:t>
             </a:fld>
             <a:endParaRPr lang="en-US" dirty="0"/>
           </a:p>
@@ -2694,7 +2709,7 @@
           <a:p>
             <a:fld id="{4509A250-FF31-4206-8172-F9D3106AACB1}" type="datetimeFigureOut">
               <a:rPr lang="en-US" smtClean="0"/>
-              <a:t>11/7/21</a:t>
+              <a:t>11/9/21</a:t>
             </a:fld>
             <a:endParaRPr lang="en-US" dirty="0"/>
           </a:p>
@@ -2864,7 +2879,7 @@
           <a:p>
             <a:fld id="{4509A250-FF31-4206-8172-F9D3106AACB1}" type="datetimeFigureOut">
               <a:rPr lang="en-US" smtClean="0"/>
-              <a:t>11/7/21</a:t>
+              <a:t>11/9/21</a:t>
             </a:fld>
             <a:endParaRPr lang="en-US" dirty="0"/>
           </a:p>
@@ -3110,7 +3125,7 @@
           <a:p>
             <a:fld id="{9796027F-7875-4030-9381-8BD8C4F21935}" type="datetimeFigureOut">
               <a:rPr lang="en-US" smtClean="0"/>
-              <a:t>11/7/21</a:t>
+              <a:t>11/9/21</a:t>
             </a:fld>
             <a:endParaRPr lang="en-US" dirty="0"/>
           </a:p>
@@ -3342,7 +3357,7 @@
           <a:p>
             <a:fld id="{9796027F-7875-4030-9381-8BD8C4F21935}" type="datetimeFigureOut">
               <a:rPr lang="en-US" smtClean="0"/>
-              <a:t>11/7/21</a:t>
+              <a:t>11/9/21</a:t>
             </a:fld>
             <a:endParaRPr lang="en-US" dirty="0"/>
           </a:p>
@@ -3709,7 +3724,7 @@
           <a:p>
             <a:fld id="{9796027F-7875-4030-9381-8BD8C4F21935}" type="datetimeFigureOut">
               <a:rPr lang="en-US" smtClean="0"/>
-              <a:t>11/7/21</a:t>
+              <a:t>11/9/21</a:t>
             </a:fld>
             <a:endParaRPr lang="en-US" dirty="0"/>
           </a:p>
@@ -3827,7 +3842,7 @@
           <a:p>
             <a:fld id="{4509A250-FF31-4206-8172-F9D3106AACB1}" type="datetimeFigureOut">
               <a:rPr lang="en-US" smtClean="0"/>
-              <a:t>11/7/21</a:t>
+              <a:t>11/9/21</a:t>
             </a:fld>
             <a:endParaRPr lang="en-US" dirty="0"/>
           </a:p>
@@ -3922,7 +3937,7 @@
           <a:p>
             <a:fld id="{4509A250-FF31-4206-8172-F9D3106AACB1}" type="datetimeFigureOut">
               <a:rPr lang="en-US" smtClean="0"/>
-              <a:t>11/7/21</a:t>
+              <a:t>11/9/21</a:t>
             </a:fld>
             <a:endParaRPr lang="en-US" dirty="0"/>
           </a:p>
@@ -4199,7 +4214,7 @@
           <a:p>
             <a:fld id="{4509A250-FF31-4206-8172-F9D3106AACB1}" type="datetimeFigureOut">
               <a:rPr lang="en-US" smtClean="0"/>
-              <a:t>11/7/21</a:t>
+              <a:t>11/9/21</a:t>
             </a:fld>
             <a:endParaRPr lang="en-US" dirty="0"/>
           </a:p>
@@ -4456,7 +4471,7 @@
           <a:p>
             <a:fld id="{4509A250-FF31-4206-8172-F9D3106AACB1}" type="datetimeFigureOut">
               <a:rPr lang="en-US" smtClean="0"/>
-              <a:t>11/7/21</a:t>
+              <a:t>11/9/21</a:t>
             </a:fld>
             <a:endParaRPr lang="en-US" dirty="0"/>
           </a:p>
@@ -4669,7 +4684,7 @@
           <a:p>
             <a:fld id="{4AAD347D-5ACD-4C99-B74B-A9C85AD731AF}" type="datetimeFigureOut">
               <a:rPr lang="en-US" smtClean="0"/>
-              <a:t>11/7/21</a:t>
+              <a:t>11/9/21</a:t>
             </a:fld>
             <a:endParaRPr lang="en-US" dirty="0"/>
           </a:p>
@@ -6955,7 +6970,7 @@
         <p:spPr>
           <a:xfrm>
             <a:off x="333377" y="807383"/>
-            <a:ext cx="8051725" cy="4440590"/>
+            <a:ext cx="8592993" cy="4440590"/>
           </a:xfrm>
         </p:spPr>
         <p:txBody>
@@ -7155,6 +7170,59 @@
                 <a:latin typeface="Inconsolata" panose="020B0609030003000000" pitchFamily="49" charset="77"/>
               </a:rPr>
               <a:t>hibyehi</a:t>
+            </a:r>
+            <a:endParaRPr lang="en-US" b="1" dirty="0">
+              <a:solidFill>
+                <a:schemeClr val="accent1"/>
+              </a:solidFill>
+              <a:latin typeface="Inconsolata" panose="020B0609030003000000" pitchFamily="49" charset="77"/>
+            </a:endParaRPr>
+          </a:p>
+          <a:p>
+            <a:pPr marL="0" indent="0">
+              <a:buNone/>
+            </a:pPr>
+            <a:r>
+              <a:rPr lang="en-US" b="1" dirty="0">
+                <a:solidFill>
+                  <a:srgbClr val="000087"/>
+                </a:solidFill>
+                <a:latin typeface="Inconsolata" panose="020B0609030003000000" pitchFamily="49" charset="77"/>
+              </a:rPr>
+              <a:t>print(</a:t>
+            </a:r>
+            <a:r>
+              <a:rPr lang="en-US" b="1" dirty="0">
+                <a:latin typeface="Inconsolata" panose="020B0609030003000000" pitchFamily="49" charset="77"/>
+              </a:rPr>
+              <a:t>s)			</a:t>
+            </a:r>
+            <a:r>
+              <a:rPr lang="en-US" b="1" dirty="0">
+                <a:solidFill>
+                  <a:schemeClr val="accent1"/>
+                </a:solidFill>
+                <a:latin typeface="Inconsolata" panose="020B0609030003000000" pitchFamily="49" charset="77"/>
+              </a:rPr>
+              <a:t># </a:t>
+            </a:r>
+            <a:r>
+              <a:rPr lang="en-US" b="1" dirty="0" err="1">
+                <a:solidFill>
+                  <a:schemeClr val="accent1"/>
+                </a:solidFill>
+                <a:latin typeface="Inconsolata" panose="020B0609030003000000" pitchFamily="49" charset="77"/>
+              </a:rPr>
+              <a:t>hellobyehi</a:t>
+            </a:r>
+            <a:r>
+              <a:rPr lang="en-US" b="1" dirty="0">
+                <a:solidFill>
+                  <a:schemeClr val="accent1"/>
+                </a:solidFill>
+                <a:latin typeface="Inconsolata" panose="020B0609030003000000" pitchFamily="49" charset="77"/>
+              </a:rPr>
+              <a:t>, s is unchanged by replace</a:t>
             </a:r>
             <a:endParaRPr lang="en-US" b="1" dirty="0">
               <a:latin typeface="Inconsolata" panose="020B0609030003000000" pitchFamily="49" charset="77"/>
@@ -7611,6 +7679,55 @@
                                           <p:spTgt spid="9">
                                             <p:txEl>
                                               <p:pRg st="9" end="9"/>
+                                            </p:txEl>
+                                          </p:spTgt>
+                                        </p:tgtEl>
+                                        <p:attrNameLst>
+                                          <p:attrName>style.visibility</p:attrName>
+                                        </p:attrNameLst>
+                                      </p:cBhvr>
+                                      <p:to>
+                                        <p:strVal val="visible"/>
+                                      </p:to>
+                                    </p:set>
+                                  </p:childTnLst>
+                                </p:cTn>
+                              </p:par>
+                            </p:childTnLst>
+                          </p:cTn>
+                        </p:par>
+                      </p:childTnLst>
+                    </p:cTn>
+                  </p:par>
+                  <p:par>
+                    <p:cTn id="31" fill="hold">
+                      <p:stCondLst>
+                        <p:cond delay="indefinite"/>
+                      </p:stCondLst>
+                      <p:childTnLst>
+                        <p:par>
+                          <p:cTn id="32" fill="hold">
+                            <p:stCondLst>
+                              <p:cond delay="0"/>
+                            </p:stCondLst>
+                            <p:childTnLst>
+                              <p:par>
+                                <p:cTn id="33" presetID="1" presetClass="entr" presetSubtype="0" fill="hold" nodeType="clickEffect">
+                                  <p:stCondLst>
+                                    <p:cond delay="0"/>
+                                  </p:stCondLst>
+                                  <p:childTnLst>
+                                    <p:set>
+                                      <p:cBhvr>
+                                        <p:cTn id="34" dur="1" fill="hold">
+                                          <p:stCondLst>
+                                            <p:cond delay="0"/>
+                                          </p:stCondLst>
+                                        </p:cTn>
+                                        <p:tgtEl>
+                                          <p:spTgt spid="9">
+                                            <p:txEl>
+                                              <p:pRg st="10" end="10"/>
                                             </p:txEl>
                                           </p:spTgt>
                                         </p:tgtEl>
@@ -16541,7 +16658,7 @@
               <a:rPr lang="en-US" dirty="0">
                 <a:latin typeface="Gill Sans MT" panose="020B0502020104020203" pitchFamily="34" charset="77"/>
               </a:rPr>
-              <a:t> method can compute the length of a string. </a:t>
+              <a:t> function can compute the length of a string. </a:t>
             </a:r>
           </a:p>
           <a:p>

--- a/courses/apcsp/lect7.pptx
+++ b/courses/apcsp/lect7.pptx
@@ -142,7 +142,7 @@
 <file path=ppt/revisionInfo.xml><?xml version="1.0" encoding="utf-8"?>
 <p1510:revInfo xmlns:a="http://schemas.openxmlformats.org/drawingml/2006/main" xmlns:r="http://schemas.openxmlformats.org/officeDocument/2006/relationships" xmlns:p1510="http://schemas.microsoft.com/office/powerpoint/2015/10/main">
   <p1510:revLst>
-    <p1510:client id="{F75EDA11-D5F5-A647-A905-569752EB74A6}" v="1877" dt="2021-11-09T13:53:26.849"/>
+    <p1510:client id="{F75EDA11-D5F5-A647-A905-569752EB74A6}" v="1899" dt="2021-11-12T14:09:59.307"/>
   </p1510:revLst>
 </p1510:revInfo>
 </file>
@@ -1196,7 +1196,7 @@
   <pc:docChgLst>
     <pc:chgData name="Long B Nguyen" userId="f59fb8f3-a021-417a-8bc1-65c8d471c621" providerId="ADAL" clId="{F75EDA11-D5F5-A647-A905-569752EB74A6}"/>
     <pc:docChg chg="undo custSel addSld delSld modSld">
-      <pc:chgData name="Long B Nguyen" userId="f59fb8f3-a021-417a-8bc1-65c8d471c621" providerId="ADAL" clId="{F75EDA11-D5F5-A647-A905-569752EB74A6}" dt="2021-11-09T13:53:35.657" v="4423" actId="14100"/>
+      <pc:chgData name="Long B Nguyen" userId="f59fb8f3-a021-417a-8bc1-65c8d471c621" providerId="ADAL" clId="{F75EDA11-D5F5-A647-A905-569752EB74A6}" dt="2021-11-12T14:09:59.307" v="4445" actId="20577"/>
       <pc:docMkLst>
         <pc:docMk/>
       </pc:docMkLst>
@@ -1348,6 +1348,21 @@
             <ac:graphicFrameMk id="3" creationId="{57EBABBC-BF53-D54B-B535-A6EEF3CDBAF8}"/>
           </ac:graphicFrameMkLst>
         </pc:graphicFrameChg>
+      </pc:sldChg>
+      <pc:sldChg chg="modSp">
+        <pc:chgData name="Long B Nguyen" userId="f59fb8f3-a021-417a-8bc1-65c8d471c621" providerId="ADAL" clId="{F75EDA11-D5F5-A647-A905-569752EB74A6}" dt="2021-11-12T14:09:59.307" v="4445" actId="20577"/>
+        <pc:sldMkLst>
+          <pc:docMk/>
+          <pc:sldMk cId="2221515130" sldId="302"/>
+        </pc:sldMkLst>
+        <pc:spChg chg="mod">
+          <ac:chgData name="Long B Nguyen" userId="f59fb8f3-a021-417a-8bc1-65c8d471c621" providerId="ADAL" clId="{F75EDA11-D5F5-A647-A905-569752EB74A6}" dt="2021-11-12T14:09:59.307" v="4445" actId="20577"/>
+          <ac:spMkLst>
+            <pc:docMk/>
+            <pc:sldMk cId="2221515130" sldId="302"/>
+            <ac:spMk id="9" creationId="{E3B2E017-30B2-884B-A113-B419A2ED51AD}"/>
+          </ac:spMkLst>
+        </pc:spChg>
       </pc:sldChg>
       <pc:sldChg chg="modSp add mod modAnim">
         <pc:chgData name="Long B Nguyen" userId="f59fb8f3-a021-417a-8bc1-65c8d471c621" providerId="ADAL" clId="{F75EDA11-D5F5-A647-A905-569752EB74A6}" dt="2021-11-06T05:27:51.043" v="2077" actId="20577"/>
@@ -2359,7 +2374,7 @@
           <a:p>
             <a:fld id="{4AAD347D-5ACD-4C99-B74B-A9C85AD731AF}" type="datetimeFigureOut">
               <a:rPr lang="en-US" smtClean="0"/>
-              <a:t>11/9/21</a:t>
+              <a:t>11/12/21</a:t>
             </a:fld>
             <a:endParaRPr lang="en-US" dirty="0"/>
           </a:p>
@@ -2529,7 +2544,7 @@
           <a:p>
             <a:fld id="{4509A250-FF31-4206-8172-F9D3106AACB1}" type="datetimeFigureOut">
               <a:rPr lang="en-US" smtClean="0"/>
-              <a:t>11/9/21</a:t>
+              <a:t>11/12/21</a:t>
             </a:fld>
             <a:endParaRPr lang="en-US" dirty="0"/>
           </a:p>
@@ -2709,7 +2724,7 @@
           <a:p>
             <a:fld id="{4509A250-FF31-4206-8172-F9D3106AACB1}" type="datetimeFigureOut">
               <a:rPr lang="en-US" smtClean="0"/>
-              <a:t>11/9/21</a:t>
+              <a:t>11/12/21</a:t>
             </a:fld>
             <a:endParaRPr lang="en-US" dirty="0"/>
           </a:p>
@@ -2879,7 +2894,7 @@
           <a:p>
             <a:fld id="{4509A250-FF31-4206-8172-F9D3106AACB1}" type="datetimeFigureOut">
               <a:rPr lang="en-US" smtClean="0"/>
-              <a:t>11/9/21</a:t>
+              <a:t>11/12/21</a:t>
             </a:fld>
             <a:endParaRPr lang="en-US" dirty="0"/>
           </a:p>
@@ -3125,7 +3140,7 @@
           <a:p>
             <a:fld id="{9796027F-7875-4030-9381-8BD8C4F21935}" type="datetimeFigureOut">
               <a:rPr lang="en-US" smtClean="0"/>
-              <a:t>11/9/21</a:t>
+              <a:t>11/12/21</a:t>
             </a:fld>
             <a:endParaRPr lang="en-US" dirty="0"/>
           </a:p>
@@ -3357,7 +3372,7 @@
           <a:p>
             <a:fld id="{9796027F-7875-4030-9381-8BD8C4F21935}" type="datetimeFigureOut">
               <a:rPr lang="en-US" smtClean="0"/>
-              <a:t>11/9/21</a:t>
+              <a:t>11/12/21</a:t>
             </a:fld>
             <a:endParaRPr lang="en-US" dirty="0"/>
           </a:p>
@@ -3724,7 +3739,7 @@
           <a:p>
             <a:fld id="{9796027F-7875-4030-9381-8BD8C4F21935}" type="datetimeFigureOut">
               <a:rPr lang="en-US" smtClean="0"/>
-              <a:t>11/9/21</a:t>
+              <a:t>11/12/21</a:t>
             </a:fld>
             <a:endParaRPr lang="en-US" dirty="0"/>
           </a:p>
@@ -3842,7 +3857,7 @@
           <a:p>
             <a:fld id="{4509A250-FF31-4206-8172-F9D3106AACB1}" type="datetimeFigureOut">
               <a:rPr lang="en-US" smtClean="0"/>
-              <a:t>11/9/21</a:t>
+              <a:t>11/12/21</a:t>
             </a:fld>
             <a:endParaRPr lang="en-US" dirty="0"/>
           </a:p>
@@ -3937,7 +3952,7 @@
           <a:p>
             <a:fld id="{4509A250-FF31-4206-8172-F9D3106AACB1}" type="datetimeFigureOut">
               <a:rPr lang="en-US" smtClean="0"/>
-              <a:t>11/9/21</a:t>
+              <a:t>11/12/21</a:t>
             </a:fld>
             <a:endParaRPr lang="en-US" dirty="0"/>
           </a:p>
@@ -4214,7 +4229,7 @@
           <a:p>
             <a:fld id="{4509A250-FF31-4206-8172-F9D3106AACB1}" type="datetimeFigureOut">
               <a:rPr lang="en-US" smtClean="0"/>
-              <a:t>11/9/21</a:t>
+              <a:t>11/12/21</a:t>
             </a:fld>
             <a:endParaRPr lang="en-US" dirty="0"/>
           </a:p>
@@ -4471,7 +4486,7 @@
           <a:p>
             <a:fld id="{4509A250-FF31-4206-8172-F9D3106AACB1}" type="datetimeFigureOut">
               <a:rPr lang="en-US" smtClean="0"/>
-              <a:t>11/9/21</a:t>
+              <a:t>11/12/21</a:t>
             </a:fld>
             <a:endParaRPr lang="en-US" dirty="0"/>
           </a:p>
@@ -4684,7 +4699,7 @@
           <a:p>
             <a:fld id="{4AAD347D-5ACD-4C99-B74B-A9C85AD731AF}" type="datetimeFigureOut">
               <a:rPr lang="en-US" smtClean="0"/>
-              <a:t>11/9/21</a:t>
+              <a:t>11/12/21</a:t>
             </a:fld>
             <a:endParaRPr lang="en-US" dirty="0"/>
           </a:p>
@@ -19012,6 +19027,59 @@
                 </a:solidFill>
                 <a:latin typeface="Inconsolata" panose="020B0609030003000000" pitchFamily="49" charset="77"/>
               </a:rPr>
+              <a:t>print(</a:t>
+            </a:r>
+            <a:r>
+              <a:rPr lang="en-US" sz="1900" b="1">
+                <a:solidFill>
+                  <a:srgbClr val="000087"/>
+                </a:solidFill>
+                <a:latin typeface="Inconsolata" panose="020B0609030003000000" pitchFamily="49" charset="77"/>
+              </a:rPr>
+              <a:t>language</a:t>
+            </a:r>
+            <a:r>
+              <a:rPr lang="en-US" sz="1900" b="1">
+                <a:latin typeface="Inconsolata" panose="020B0609030003000000" pitchFamily="49" charset="77"/>
+              </a:rPr>
+              <a:t>[</a:t>
+            </a:r>
+            <a:r>
+              <a:rPr lang="en-US" sz="1900" b="1">
+                <a:solidFill>
+                  <a:srgbClr val="FF6600"/>
+                </a:solidFill>
+                <a:latin typeface="Inconsolata" panose="020B0609030003000000" pitchFamily="49" charset="77"/>
+              </a:rPr>
+              <a:t>2:5:-1</a:t>
+            </a:r>
+            <a:r>
+              <a:rPr lang="en-US" sz="1900" b="1">
+                <a:latin typeface="Inconsolata" panose="020B0609030003000000" pitchFamily="49" charset="77"/>
+              </a:rPr>
+              <a:t>])  </a:t>
+            </a:r>
+            <a:r>
+              <a:rPr lang="en-US" sz="1900" b="1" i="1" dirty="0">
+                <a:solidFill>
+                  <a:srgbClr val="33566B"/>
+                </a:solidFill>
+                <a:latin typeface="Inconsolata" panose="020B0609030003000000" pitchFamily="49" charset="77"/>
+              </a:rPr>
+              <a:t># empty string</a:t>
+            </a:r>
+          </a:p>
+          <a:p>
+            <a:pPr marL="0" indent="0">
+              <a:buNone/>
+            </a:pPr>
+            <a:r>
+              <a:rPr lang="en-US" sz="1900" b="1" dirty="0">
+                <a:solidFill>
+                  <a:srgbClr val="000087"/>
+                </a:solidFill>
+                <a:latin typeface="Inconsolata" panose="020B0609030003000000" pitchFamily="49" charset="77"/>
+              </a:rPr>
               <a:t>print(language</a:t>
             </a:r>
             <a:r>
@@ -19021,93 +19089,19 @@
               <a:t>[</a:t>
             </a:r>
             <a:r>
-              <a:rPr lang="en-US" sz="1900" b="1" i="1" dirty="0">
-                <a:solidFill>
-                  <a:srgbClr val="000087"/>
-                </a:solidFill>
-                <a:latin typeface="Inconsolata" panose="020B0609030003000000" pitchFamily="49" charset="77"/>
-              </a:rPr>
-              <a:t>language</a:t>
-            </a:r>
-            <a:r>
               <a:rPr lang="en-US" sz="1900" b="1" dirty="0">
-                <a:latin typeface="Inconsolata" panose="020B0609030003000000" pitchFamily="49" charset="77"/>
-              </a:rPr>
-              <a:t>[</a:t>
+                <a:solidFill>
+                  <a:srgbClr val="FF6600"/>
+                </a:solidFill>
+                <a:latin typeface="Inconsolata" panose="020B0609030003000000" pitchFamily="49" charset="77"/>
+              </a:rPr>
+              <a:t>5:2:-1</a:t>
             </a:r>
             <a:r>
               <a:rPr lang="en-US" sz="1900" b="1" dirty="0">
-                <a:solidFill>
-                  <a:srgbClr val="FF6600"/>
-                </a:solidFill>
-                <a:latin typeface="Inconsolata" panose="020B0609030003000000" pitchFamily="49" charset="77"/>
-              </a:rPr>
-              <a:t>2:5:-1</a:t>
-            </a:r>
-            <a:r>
-              <a:rPr lang="en-US" sz="1900" b="1" dirty="0">
-                <a:latin typeface="Inconsolata" panose="020B0609030003000000" pitchFamily="49" charset="77"/>
-              </a:rPr>
-              <a:t>] ])  </a:t>
-            </a:r>
-            <a:r>
-              <a:rPr lang="en-US" sz="1900" b="1" i="1" dirty="0">
-                <a:solidFill>
-                  <a:srgbClr val="33566B"/>
-                </a:solidFill>
-                <a:latin typeface="Inconsolata" panose="020B0609030003000000" pitchFamily="49" charset="77"/>
-              </a:rPr>
-              <a:t># empty string</a:t>
-            </a:r>
-          </a:p>
-          <a:p>
-            <a:pPr marL="0" indent="0">
-              <a:buNone/>
-            </a:pPr>
-            <a:r>
-              <a:rPr lang="en-US" sz="1900" b="1" dirty="0">
-                <a:solidFill>
-                  <a:srgbClr val="000087"/>
-                </a:solidFill>
-                <a:latin typeface="Inconsolata" panose="020B0609030003000000" pitchFamily="49" charset="77"/>
-              </a:rPr>
-              <a:t>print(language</a:t>
-            </a:r>
-            <a:r>
-              <a:rPr lang="en-US" sz="1900" b="1" dirty="0">
-                <a:latin typeface="Inconsolata" panose="020B0609030003000000" pitchFamily="49" charset="77"/>
-              </a:rPr>
-              <a:t>[</a:t>
-            </a:r>
-            <a:r>
-              <a:rPr lang="en-US" sz="1900" b="1" i="1" dirty="0">
-                <a:solidFill>
-                  <a:srgbClr val="000087"/>
-                </a:solidFill>
-                <a:latin typeface="Inconsolata" panose="020B0609030003000000" pitchFamily="49" charset="77"/>
-              </a:rPr>
-              <a:t>language</a:t>
-            </a:r>
-            <a:r>
-              <a:rPr lang="en-US" sz="1900" b="1" dirty="0">
-                <a:latin typeface="Inconsolata" panose="020B0609030003000000" pitchFamily="49" charset="77"/>
-              </a:rPr>
-              <a:t>[</a:t>
-            </a:r>
-            <a:r>
-              <a:rPr lang="en-US" sz="1900" b="1" dirty="0">
-                <a:solidFill>
-                  <a:srgbClr val="FF6600"/>
-                </a:solidFill>
-                <a:latin typeface="Inconsolata" panose="020B0609030003000000" pitchFamily="49" charset="77"/>
-              </a:rPr>
-              <a:t>5:2:-1</a:t>
-            </a:r>
-            <a:r>
-              <a:rPr lang="en-US" sz="1900" b="1" dirty="0">
-                <a:latin typeface="Inconsolata" panose="020B0609030003000000" pitchFamily="49" charset="77"/>
-              </a:rPr>
-              <a:t>] ])  </a:t>
+                <a:latin typeface="Inconsolata" panose="020B0609030003000000" pitchFamily="49" charset="77"/>
+              </a:rPr>
+              <a:t>])  </a:t>
             </a:r>
             <a:r>
               <a:rPr lang="en-US" sz="1900" b="1" i="1" dirty="0">

--- a/courses/apcsp/lect7.pptx
+++ b/courses/apcsp/lect7.pptx
@@ -5,7 +5,7 @@
     <p:sldMasterId id="2147483791" r:id="rId1"/>
   </p:sldMasterIdLst>
   <p:notesMasterIdLst>
-    <p:notesMasterId r:id="rId24"/>
+    <p:notesMasterId r:id="rId27"/>
   </p:notesMasterIdLst>
   <p:sldIdLst>
     <p:sldId id="256" r:id="rId2"/>
@@ -19,17 +19,20 @@
     <p:sldId id="322" r:id="rId10"/>
     <p:sldId id="324" r:id="rId11"/>
     <p:sldId id="332" r:id="rId12"/>
-    <p:sldId id="302" r:id="rId13"/>
-    <p:sldId id="306" r:id="rId14"/>
-    <p:sldId id="337" r:id="rId15"/>
-    <p:sldId id="334" r:id="rId16"/>
-    <p:sldId id="336" r:id="rId17"/>
-    <p:sldId id="341" r:id="rId18"/>
-    <p:sldId id="342" r:id="rId19"/>
-    <p:sldId id="323" r:id="rId20"/>
-    <p:sldId id="325" r:id="rId21"/>
-    <p:sldId id="331" r:id="rId22"/>
-    <p:sldId id="316" r:id="rId23"/>
+    <p:sldId id="346" r:id="rId13"/>
+    <p:sldId id="347" r:id="rId14"/>
+    <p:sldId id="348" r:id="rId15"/>
+    <p:sldId id="302" r:id="rId16"/>
+    <p:sldId id="306" r:id="rId17"/>
+    <p:sldId id="337" r:id="rId18"/>
+    <p:sldId id="334" r:id="rId19"/>
+    <p:sldId id="336" r:id="rId20"/>
+    <p:sldId id="341" r:id="rId21"/>
+    <p:sldId id="342" r:id="rId22"/>
+    <p:sldId id="323" r:id="rId23"/>
+    <p:sldId id="325" r:id="rId24"/>
+    <p:sldId id="331" r:id="rId25"/>
+    <p:sldId id="316" r:id="rId26"/>
   </p:sldIdLst>
   <p:sldSz cx="9144000" cy="5715000" type="screen16x10"/>
   <p:notesSz cx="6858000" cy="9144000"/>
@@ -139,7 +142,7 @@
 <file path=ppt/revisionInfo.xml><?xml version="1.0" encoding="utf-8"?>
 <p1510:revInfo xmlns:a="http://schemas.openxmlformats.org/drawingml/2006/main" xmlns:r="http://schemas.openxmlformats.org/officeDocument/2006/relationships" xmlns:p1510="http://schemas.microsoft.com/office/powerpoint/2015/10/main">
   <p1510:revLst>
-    <p1510:client id="{24BC78E0-AD37-BF4F-8E04-6828975F313B}" v="1768" dt="2022-11-22T13:07:38.883"/>
+    <p1510:client id="{24BC78E0-AD37-BF4F-8E04-6828975F313B}" v="1916" dt="2022-11-22T13:42:08.385"/>
   </p1510:revLst>
 </p1510:revInfo>
 </file>
@@ -1772,7 +1775,7 @@
   <pc:docChgLst>
     <pc:chgData name="Long Nguyen" userId="f59fb8f3-a021-417a-8bc1-65c8d471c621" providerId="ADAL" clId="{24BC78E0-AD37-BF4F-8E04-6828975F313B}"/>
     <pc:docChg chg="undo custSel addSld delSld modSld">
-      <pc:chgData name="Long Nguyen" userId="f59fb8f3-a021-417a-8bc1-65c8d471c621" providerId="ADAL" clId="{24BC78E0-AD37-BF4F-8E04-6828975F313B}" dt="2022-11-22T13:09:54.049" v="3049" actId="20577"/>
+      <pc:chgData name="Long Nguyen" userId="f59fb8f3-a021-417a-8bc1-65c8d471c621" providerId="ADAL" clId="{24BC78E0-AD37-BF4F-8E04-6828975F313B}" dt="2022-11-22T13:42:08.385" v="4431"/>
       <pc:docMkLst>
         <pc:docMk/>
       </pc:docMkLst>
@@ -1828,8 +1831,8 @@
           </ac:spMkLst>
         </pc:spChg>
       </pc:sldChg>
-      <pc:sldChg chg="modSp mod">
-        <pc:chgData name="Long Nguyen" userId="f59fb8f3-a021-417a-8bc1-65c8d471c621" providerId="ADAL" clId="{24BC78E0-AD37-BF4F-8E04-6828975F313B}" dt="2022-11-22T13:09:54.049" v="3049" actId="20577"/>
+      <pc:sldChg chg="modSp mod modAnim">
+        <pc:chgData name="Long Nguyen" userId="f59fb8f3-a021-417a-8bc1-65c8d471c621" providerId="ADAL" clId="{24BC78E0-AD37-BF4F-8E04-6828975F313B}" dt="2022-11-22T13:42:08.385" v="4431"/>
         <pc:sldMkLst>
           <pc:docMk/>
           <pc:sldMk cId="1289346350" sldId="323"/>
@@ -1865,14 +1868,22 @@
           </ac:spMkLst>
         </pc:spChg>
       </pc:sldChg>
-      <pc:sldChg chg="modSp modAnim">
-        <pc:chgData name="Long Nguyen" userId="f59fb8f3-a021-417a-8bc1-65c8d471c621" providerId="ADAL" clId="{24BC78E0-AD37-BF4F-8E04-6828975F313B}" dt="2022-11-22T12:59:13.162" v="2398" actId="20577"/>
+      <pc:sldChg chg="addSp modSp mod modAnim">
+        <pc:chgData name="Long Nguyen" userId="f59fb8f3-a021-417a-8bc1-65c8d471c621" providerId="ADAL" clId="{24BC78E0-AD37-BF4F-8E04-6828975F313B}" dt="2022-11-22T13:35:11.529" v="4349"/>
         <pc:sldMkLst>
           <pc:docMk/>
           <pc:sldMk cId="2023389722" sldId="333"/>
         </pc:sldMkLst>
+        <pc:spChg chg="add mod">
+          <ac:chgData name="Long Nguyen" userId="f59fb8f3-a021-417a-8bc1-65c8d471c621" providerId="ADAL" clId="{24BC78E0-AD37-BF4F-8E04-6828975F313B}" dt="2022-11-22T13:34:49.844" v="4348" actId="1076"/>
+          <ac:spMkLst>
+            <pc:docMk/>
+            <pc:sldMk cId="2023389722" sldId="333"/>
+            <ac:spMk id="4" creationId="{B8979A2B-F24F-CA14-4D7B-E47B5DB99A14}"/>
+          </ac:spMkLst>
+        </pc:spChg>
         <pc:spChg chg="mod">
-          <ac:chgData name="Long Nguyen" userId="f59fb8f3-a021-417a-8bc1-65c8d471c621" providerId="ADAL" clId="{24BC78E0-AD37-BF4F-8E04-6828975F313B}" dt="2022-11-22T12:59:13.162" v="2398" actId="20577"/>
+          <ac:chgData name="Long Nguyen" userId="f59fb8f3-a021-417a-8bc1-65c8d471c621" providerId="ADAL" clId="{24BC78E0-AD37-BF4F-8E04-6828975F313B}" dt="2022-11-22T13:34:44.901" v="4347" actId="20577"/>
           <ac:spMkLst>
             <pc:docMk/>
             <pc:sldMk cId="2023389722" sldId="333"/>
@@ -1939,8 +1950,8 @@
           </ac:spMkLst>
         </pc:spChg>
       </pc:sldChg>
-      <pc:sldChg chg="modSp">
-        <pc:chgData name="Long Nguyen" userId="f59fb8f3-a021-417a-8bc1-65c8d471c621" providerId="ADAL" clId="{24BC78E0-AD37-BF4F-8E04-6828975F313B}" dt="2022-11-21T16:56:00.840" v="979" actId="20577"/>
+      <pc:sldChg chg="modSp modAnim">
+        <pc:chgData name="Long Nguyen" userId="f59fb8f3-a021-417a-8bc1-65c8d471c621" providerId="ADAL" clId="{24BC78E0-AD37-BF4F-8E04-6828975F313B}" dt="2022-11-22T13:41:38.709" v="4426"/>
         <pc:sldMkLst>
           <pc:docMk/>
           <pc:sldMk cId="214403129" sldId="341"/>
@@ -1970,7 +1981,7 @@
         </pc:spChg>
       </pc:sldChg>
       <pc:sldChg chg="addSp modSp add mod modAnim">
-        <pc:chgData name="Long Nguyen" userId="f59fb8f3-a021-417a-8bc1-65c8d471c621" providerId="ADAL" clId="{24BC78E0-AD37-BF4F-8E04-6828975F313B}" dt="2022-11-20T19:30:54.288" v="961" actId="20577"/>
+        <pc:chgData name="Long Nguyen" userId="f59fb8f3-a021-417a-8bc1-65c8d471c621" providerId="ADAL" clId="{24BC78E0-AD37-BF4F-8E04-6828975F313B}" dt="2022-11-22T13:35:31.330" v="4353"/>
         <pc:sldMkLst>
           <pc:docMk/>
           <pc:sldMk cId="2606545419" sldId="343"/>
@@ -2009,7 +2020,7 @@
         </pc:spChg>
       </pc:sldChg>
       <pc:sldChg chg="addSp delSp modSp add mod modAnim">
-        <pc:chgData name="Long Nguyen" userId="f59fb8f3-a021-417a-8bc1-65c8d471c621" providerId="ADAL" clId="{24BC78E0-AD37-BF4F-8E04-6828975F313B}" dt="2022-11-21T18:33:36.223" v="1704" actId="5793"/>
+        <pc:chgData name="Long Nguyen" userId="f59fb8f3-a021-417a-8bc1-65c8d471c621" providerId="ADAL" clId="{24BC78E0-AD37-BF4F-8E04-6828975F313B}" dt="2022-11-22T13:36:13.482" v="4357"/>
         <pc:sldMkLst>
           <pc:docMk/>
           <pc:sldMk cId="987062073" sldId="344"/>
@@ -2056,7 +2067,7 @@
         </pc:spChg>
       </pc:sldChg>
       <pc:sldChg chg="delSp modSp add mod delAnim modAnim">
-        <pc:chgData name="Long Nguyen" userId="f59fb8f3-a021-417a-8bc1-65c8d471c621" providerId="ADAL" clId="{24BC78E0-AD37-BF4F-8E04-6828975F313B}" dt="2022-11-22T13:03:23.167" v="2657" actId="20577"/>
+        <pc:chgData name="Long Nguyen" userId="f59fb8f3-a021-417a-8bc1-65c8d471c621" providerId="ADAL" clId="{24BC78E0-AD37-BF4F-8E04-6828975F313B}" dt="2022-11-22T13:35:50.541" v="4356"/>
         <pc:sldMkLst>
           <pc:docMk/>
           <pc:sldMk cId="2587142351" sldId="345"/>
@@ -2077,6 +2088,171 @@
             <ac:spMk id="9" creationId="{E3B2E017-30B2-884B-A113-B419A2ED51AD}"/>
           </ac:spMkLst>
         </pc:spChg>
+      </pc:sldChg>
+      <pc:sldChg chg="addSp delSp modSp new mod modAnim">
+        <pc:chgData name="Long Nguyen" userId="f59fb8f3-a021-417a-8bc1-65c8d471c621" providerId="ADAL" clId="{24BC78E0-AD37-BF4F-8E04-6828975F313B}" dt="2022-11-22T13:32:05.033" v="4247"/>
+        <pc:sldMkLst>
+          <pc:docMk/>
+          <pc:sldMk cId="4154830339" sldId="346"/>
+        </pc:sldMkLst>
+        <pc:spChg chg="mod">
+          <ac:chgData name="Long Nguyen" userId="f59fb8f3-a021-417a-8bc1-65c8d471c621" providerId="ADAL" clId="{24BC78E0-AD37-BF4F-8E04-6828975F313B}" dt="2022-11-22T13:16:21.867" v="3073" actId="20577"/>
+          <ac:spMkLst>
+            <pc:docMk/>
+            <pc:sldMk cId="4154830339" sldId="346"/>
+            <ac:spMk id="2" creationId="{41B7F7A7-6B2E-DE37-195D-17E81AB0729C}"/>
+          </ac:spMkLst>
+        </pc:spChg>
+        <pc:spChg chg="del">
+          <ac:chgData name="Long Nguyen" userId="f59fb8f3-a021-417a-8bc1-65c8d471c621" providerId="ADAL" clId="{24BC78E0-AD37-BF4F-8E04-6828975F313B}" dt="2022-11-22T13:16:24.573" v="3074"/>
+          <ac:spMkLst>
+            <pc:docMk/>
+            <pc:sldMk cId="4154830339" sldId="346"/>
+            <ac:spMk id="3" creationId="{FEB6BBE9-33A0-3688-4A66-4BBC1F2498BC}"/>
+          </ac:spMkLst>
+        </pc:spChg>
+        <pc:spChg chg="add del mod">
+          <ac:chgData name="Long Nguyen" userId="f59fb8f3-a021-417a-8bc1-65c8d471c621" providerId="ADAL" clId="{24BC78E0-AD37-BF4F-8E04-6828975F313B}" dt="2022-11-22T13:16:33.947" v="3079"/>
+          <ac:spMkLst>
+            <pc:docMk/>
+            <pc:sldMk cId="4154830339" sldId="346"/>
+            <ac:spMk id="6" creationId="{F388711C-1B56-3B8B-5561-B90D67DD3844}"/>
+          </ac:spMkLst>
+        </pc:spChg>
+        <pc:spChg chg="add mod">
+          <ac:chgData name="Long Nguyen" userId="f59fb8f3-a021-417a-8bc1-65c8d471c621" providerId="ADAL" clId="{24BC78E0-AD37-BF4F-8E04-6828975F313B}" dt="2022-11-22T13:18:05.307" v="3350" actId="207"/>
+          <ac:spMkLst>
+            <pc:docMk/>
+            <pc:sldMk cId="4154830339" sldId="346"/>
+            <ac:spMk id="7" creationId="{D7EE8EA4-4A52-E685-9BCF-86FB845B3E9D}"/>
+          </ac:spMkLst>
+        </pc:spChg>
+        <pc:picChg chg="add mod">
+          <ac:chgData name="Long Nguyen" userId="f59fb8f3-a021-417a-8bc1-65c8d471c621" providerId="ADAL" clId="{24BC78E0-AD37-BF4F-8E04-6828975F313B}" dt="2022-11-22T13:18:20.943" v="3352" actId="1076"/>
+          <ac:picMkLst>
+            <pc:docMk/>
+            <pc:sldMk cId="4154830339" sldId="346"/>
+            <ac:picMk id="5" creationId="{F7655787-6359-0AC5-A683-B2C1A300DB2E}"/>
+          </ac:picMkLst>
+        </pc:picChg>
+      </pc:sldChg>
+      <pc:sldChg chg="addSp delSp modSp add mod modAnim">
+        <pc:chgData name="Long Nguyen" userId="f59fb8f3-a021-417a-8bc1-65c8d471c621" providerId="ADAL" clId="{24BC78E0-AD37-BF4F-8E04-6828975F313B}" dt="2022-11-22T13:39:14.936" v="4424" actId="20577"/>
+        <pc:sldMkLst>
+          <pc:docMk/>
+          <pc:sldMk cId="2871520391" sldId="347"/>
+        </pc:sldMkLst>
+        <pc:spChg chg="add del mod">
+          <ac:chgData name="Long Nguyen" userId="f59fb8f3-a021-417a-8bc1-65c8d471c621" providerId="ADAL" clId="{24BC78E0-AD37-BF4F-8E04-6828975F313B}" dt="2022-11-22T13:20:22.867" v="3603" actId="478"/>
+          <ac:spMkLst>
+            <pc:docMk/>
+            <pc:sldMk cId="2871520391" sldId="347"/>
+            <ac:spMk id="6" creationId="{8CA29BCF-A86B-561F-F8CC-28617A3A928E}"/>
+          </ac:spMkLst>
+        </pc:spChg>
+        <pc:spChg chg="mod">
+          <ac:chgData name="Long Nguyen" userId="f59fb8f3-a021-417a-8bc1-65c8d471c621" providerId="ADAL" clId="{24BC78E0-AD37-BF4F-8E04-6828975F313B}" dt="2022-11-22T13:23:33.137" v="3879" actId="113"/>
+          <ac:spMkLst>
+            <pc:docMk/>
+            <pc:sldMk cId="2871520391" sldId="347"/>
+            <ac:spMk id="7" creationId="{D7EE8EA4-4A52-E685-9BCF-86FB845B3E9D}"/>
+          </ac:spMkLst>
+        </pc:spChg>
+        <pc:spChg chg="add mod">
+          <ac:chgData name="Long Nguyen" userId="f59fb8f3-a021-417a-8bc1-65c8d471c621" providerId="ADAL" clId="{24BC78E0-AD37-BF4F-8E04-6828975F313B}" dt="2022-11-22T13:39:14.936" v="4424" actId="20577"/>
+          <ac:spMkLst>
+            <pc:docMk/>
+            <pc:sldMk cId="2871520391" sldId="347"/>
+            <ac:spMk id="8" creationId="{D316B1A1-5824-82F8-0714-BBC978F1DC74}"/>
+          </ac:spMkLst>
+        </pc:spChg>
+        <pc:spChg chg="add mod">
+          <ac:chgData name="Long Nguyen" userId="f59fb8f3-a021-417a-8bc1-65c8d471c621" providerId="ADAL" clId="{24BC78E0-AD37-BF4F-8E04-6828975F313B}" dt="2022-11-22T13:21:49.630" v="3754"/>
+          <ac:spMkLst>
+            <pc:docMk/>
+            <pc:sldMk cId="2871520391" sldId="347"/>
+            <ac:spMk id="9" creationId="{09FCE996-06E8-D2D7-09A7-47B3124708FF}"/>
+          </ac:spMkLst>
+        </pc:spChg>
+        <pc:picChg chg="del">
+          <ac:chgData name="Long Nguyen" userId="f59fb8f3-a021-417a-8bc1-65c8d471c621" providerId="ADAL" clId="{24BC78E0-AD37-BF4F-8E04-6828975F313B}" dt="2022-11-22T13:20:13.919" v="3602" actId="478"/>
+          <ac:picMkLst>
+            <pc:docMk/>
+            <pc:sldMk cId="2871520391" sldId="347"/>
+            <ac:picMk id="5" creationId="{F7655787-6359-0AC5-A683-B2C1A300DB2E}"/>
+          </ac:picMkLst>
+        </pc:picChg>
+        <pc:cxnChg chg="add mod">
+          <ac:chgData name="Long Nguyen" userId="f59fb8f3-a021-417a-8bc1-65c8d471c621" providerId="ADAL" clId="{24BC78E0-AD37-BF4F-8E04-6828975F313B}" dt="2022-11-22T13:22:09.486" v="3764" actId="692"/>
+          <ac:cxnSpMkLst>
+            <pc:docMk/>
+            <pc:sldMk cId="2871520391" sldId="347"/>
+            <ac:cxnSpMk id="11" creationId="{D0876692-EEB1-854F-1C57-F19444F62257}"/>
+          </ac:cxnSpMkLst>
+        </pc:cxnChg>
+        <pc:cxnChg chg="add mod">
+          <ac:chgData name="Long Nguyen" userId="f59fb8f3-a021-417a-8bc1-65c8d471c621" providerId="ADAL" clId="{24BC78E0-AD37-BF4F-8E04-6828975F313B}" dt="2022-11-22T13:22:15.873" v="3766" actId="1076"/>
+          <ac:cxnSpMkLst>
+            <pc:docMk/>
+            <pc:sldMk cId="2871520391" sldId="347"/>
+            <ac:cxnSpMk id="14" creationId="{1842D776-97AC-D91C-679B-EA96117EA9E9}"/>
+          </ac:cxnSpMkLst>
+        </pc:cxnChg>
+      </pc:sldChg>
+      <pc:sldChg chg="addSp modSp add mod modAnim">
+        <pc:chgData name="Long Nguyen" userId="f59fb8f3-a021-417a-8bc1-65c8d471c621" providerId="ADAL" clId="{24BC78E0-AD37-BF4F-8E04-6828975F313B}" dt="2022-11-22T13:32:50.832" v="4254"/>
+        <pc:sldMkLst>
+          <pc:docMk/>
+          <pc:sldMk cId="1645223167" sldId="348"/>
+        </pc:sldMkLst>
+        <pc:spChg chg="mod">
+          <ac:chgData name="Long Nguyen" userId="f59fb8f3-a021-417a-8bc1-65c8d471c621" providerId="ADAL" clId="{24BC78E0-AD37-BF4F-8E04-6828975F313B}" dt="2022-11-22T13:30:06.556" v="4226" actId="20577"/>
+          <ac:spMkLst>
+            <pc:docMk/>
+            <pc:sldMk cId="1645223167" sldId="348"/>
+            <ac:spMk id="7" creationId="{D7EE8EA4-4A52-E685-9BCF-86FB845B3E9D}"/>
+          </ac:spMkLst>
+        </pc:spChg>
+        <pc:spChg chg="mod">
+          <ac:chgData name="Long Nguyen" userId="f59fb8f3-a021-417a-8bc1-65c8d471c621" providerId="ADAL" clId="{24BC78E0-AD37-BF4F-8E04-6828975F313B}" dt="2022-11-22T13:29:20.495" v="4221" actId="20577"/>
+          <ac:spMkLst>
+            <pc:docMk/>
+            <pc:sldMk cId="1645223167" sldId="348"/>
+            <ac:spMk id="8" creationId="{D316B1A1-5824-82F8-0714-BBC978F1DC74}"/>
+          </ac:spMkLst>
+        </pc:spChg>
+        <pc:spChg chg="mod">
+          <ac:chgData name="Long Nguyen" userId="f59fb8f3-a021-417a-8bc1-65c8d471c621" providerId="ADAL" clId="{24BC78E0-AD37-BF4F-8E04-6828975F313B}" dt="2022-11-22T13:29:28.386" v="4222" actId="20577"/>
+          <ac:spMkLst>
+            <pc:docMk/>
+            <pc:sldMk cId="1645223167" sldId="348"/>
+            <ac:spMk id="9" creationId="{09FCE996-06E8-D2D7-09A7-47B3124708FF}"/>
+          </ac:spMkLst>
+        </pc:spChg>
+        <pc:spChg chg="add mod">
+          <ac:chgData name="Long Nguyen" userId="f59fb8f3-a021-417a-8bc1-65c8d471c621" providerId="ADAL" clId="{24BC78E0-AD37-BF4F-8E04-6828975F313B}" dt="2022-11-22T13:31:14.851" v="4244" actId="20577"/>
+          <ac:spMkLst>
+            <pc:docMk/>
+            <pc:sldMk cId="1645223167" sldId="348"/>
+            <ac:spMk id="10" creationId="{08E5EC2F-AF05-FEF1-53DC-6C6361D7C31E}"/>
+          </ac:spMkLst>
+        </pc:spChg>
+        <pc:cxnChg chg="mod">
+          <ac:chgData name="Long Nguyen" userId="f59fb8f3-a021-417a-8bc1-65c8d471c621" providerId="ADAL" clId="{24BC78E0-AD37-BF4F-8E04-6828975F313B}" dt="2022-11-22T13:27:20.176" v="4115" actId="14100"/>
+          <ac:cxnSpMkLst>
+            <pc:docMk/>
+            <pc:sldMk cId="1645223167" sldId="348"/>
+            <ac:cxnSpMk id="11" creationId="{D0876692-EEB1-854F-1C57-F19444F62257}"/>
+          </ac:cxnSpMkLst>
+        </pc:cxnChg>
+        <pc:cxnChg chg="mod">
+          <ac:chgData name="Long Nguyen" userId="f59fb8f3-a021-417a-8bc1-65c8d471c621" providerId="ADAL" clId="{24BC78E0-AD37-BF4F-8E04-6828975F313B}" dt="2022-11-22T13:27:13.893" v="4112" actId="14100"/>
+          <ac:cxnSpMkLst>
+            <pc:docMk/>
+            <pc:sldMk cId="1645223167" sldId="348"/>
+            <ac:cxnSpMk id="14" creationId="{1842D776-97AC-D91C-679B-EA96117EA9E9}"/>
+          </ac:cxnSpMkLst>
+        </pc:cxnChg>
       </pc:sldChg>
     </pc:docChg>
   </pc:docChgLst>
@@ -8002,6 +8178,1774 @@
           <p:cNvPr id="2" name="Title 1">
             <a:extLst>
               <a:ext uri="{FF2B5EF4-FFF2-40B4-BE49-F238E27FC236}">
+                <a16:creationId xmlns:a16="http://schemas.microsoft.com/office/drawing/2014/main" id="{41B7F7A7-6B2E-DE37-195D-17E81AB0729C}"/>
+              </a:ext>
+            </a:extLst>
+          </p:cNvPr>
+          <p:cNvSpPr>
+            <a:spLocks noGrp="1"/>
+          </p:cNvSpPr>
+          <p:nvPr>
+            <p:ph type="title"/>
+          </p:nvPr>
+        </p:nvSpPr>
+        <p:spPr>
+          <a:xfrm>
+            <a:off x="0" y="113770"/>
+            <a:ext cx="7886700" cy="728187"/>
+          </a:xfrm>
+        </p:spPr>
+        <p:txBody>
+          <a:bodyPr/>
+          <a:lstStyle/>
+          <a:p>
+            <a:r>
+              <a:rPr lang="en-US"/>
+              <a:t>AP Exam: Repeat Until</a:t>
+            </a:r>
+          </a:p>
+        </p:txBody>
+      </p:sp>
+      <p:pic>
+        <p:nvPicPr>
+          <p:cNvPr id="5" name="Content Placeholder 4">
+            <a:extLst>
+              <a:ext uri="{FF2B5EF4-FFF2-40B4-BE49-F238E27FC236}">
+                <a16:creationId xmlns:a16="http://schemas.microsoft.com/office/drawing/2014/main" id="{F7655787-6359-0AC5-A683-B2C1A300DB2E}"/>
+              </a:ext>
+            </a:extLst>
+          </p:cNvPr>
+          <p:cNvPicPr>
+            <a:picLocks noGrp="1" noChangeAspect="1"/>
+          </p:cNvPicPr>
+          <p:nvPr>
+            <p:ph idx="1"/>
+          </p:nvPr>
+        </p:nvPicPr>
+        <p:blipFill>
+          <a:blip r:embed="rId2"/>
+          <a:stretch>
+            <a:fillRect/>
+          </a:stretch>
+        </p:blipFill>
+        <p:spPr>
+          <a:xfrm>
+            <a:off x="410250" y="3166212"/>
+            <a:ext cx="8323500" cy="2282882"/>
+          </a:xfrm>
+          <a:prstGeom prst="rect">
+            <a:avLst/>
+          </a:prstGeom>
+        </p:spPr>
+      </p:pic>
+      <p:sp>
+        <p:nvSpPr>
+          <p:cNvPr id="4" name="Slide Number Placeholder 3">
+            <a:extLst>
+              <a:ext uri="{FF2B5EF4-FFF2-40B4-BE49-F238E27FC236}">
+                <a16:creationId xmlns:a16="http://schemas.microsoft.com/office/drawing/2014/main" id="{DDE56D61-0125-A962-C885-64E704C5382D}"/>
+              </a:ext>
+            </a:extLst>
+          </p:cNvPr>
+          <p:cNvSpPr>
+            <a:spLocks noGrp="1"/>
+          </p:cNvSpPr>
+          <p:nvPr>
+            <p:ph type="sldNum" sz="quarter" idx="12"/>
+          </p:nvPr>
+        </p:nvSpPr>
+        <p:spPr/>
+        <p:txBody>
+          <a:bodyPr/>
+          <a:lstStyle/>
+          <a:p>
+            <a:fld id="{D57F1E4F-1CFF-5643-939E-02111984F565}" type="slidenum">
+              <a:rPr lang="en-US" smtClean="0"/>
+              <a:t>12</a:t>
+            </a:fld>
+            <a:endParaRPr lang="en-US" dirty="0"/>
+          </a:p>
+        </p:txBody>
+      </p:sp>
+      <p:sp>
+        <p:nvSpPr>
+          <p:cNvPr id="7" name="TextBox 6">
+            <a:extLst>
+              <a:ext uri="{FF2B5EF4-FFF2-40B4-BE49-F238E27FC236}">
+                <a16:creationId xmlns:a16="http://schemas.microsoft.com/office/drawing/2014/main" id="{D7EE8EA4-4A52-E685-9BCF-86FB845B3E9D}"/>
+              </a:ext>
+            </a:extLst>
+          </p:cNvPr>
+          <p:cNvSpPr txBox="1"/>
+          <p:nvPr/>
+        </p:nvSpPr>
+        <p:spPr>
+          <a:xfrm>
+            <a:off x="212351" y="841957"/>
+            <a:ext cx="8480398" cy="2031325"/>
+          </a:xfrm>
+          <a:prstGeom prst="rect">
+            <a:avLst/>
+          </a:prstGeom>
+          <a:noFill/>
+        </p:spPr>
+        <p:txBody>
+          <a:bodyPr wrap="none" rtlCol="0">
+            <a:spAutoFit/>
+          </a:bodyPr>
+          <a:lstStyle/>
+          <a:p>
+            <a:r>
+              <a:rPr lang="en-US" sz="2100"/>
+              <a:t>The AP exam does not have a while loop. It has something equivalent called </a:t>
+            </a:r>
+          </a:p>
+          <a:p>
+            <a:r>
+              <a:rPr lang="en-US" sz="2100"/>
+              <a:t>a “Repeat Until” loop. </a:t>
+            </a:r>
+          </a:p>
+          <a:p>
+            <a:endParaRPr lang="en-US" sz="2100"/>
+          </a:p>
+          <a:p>
+            <a:r>
+              <a:rPr lang="en-US" sz="2100"/>
+              <a:t>In Python, a while loop </a:t>
+            </a:r>
+            <a:r>
+              <a:rPr lang="en-US" sz="2100">
+                <a:solidFill>
+                  <a:srgbClr val="FF0000"/>
+                </a:solidFill>
+              </a:rPr>
+              <a:t>repeats as long as the condition is true. </a:t>
+            </a:r>
+          </a:p>
+          <a:p>
+            <a:endParaRPr lang="en-US" sz="2100"/>
+          </a:p>
+          <a:p>
+            <a:r>
+              <a:rPr lang="en-US" sz="2100"/>
+              <a:t>On the AP exam, a repeat until loop </a:t>
+            </a:r>
+            <a:r>
+              <a:rPr lang="en-US" sz="2100">
+                <a:solidFill>
+                  <a:srgbClr val="FF0000"/>
+                </a:solidFill>
+              </a:rPr>
+              <a:t>repeats until the condition is true. </a:t>
+            </a:r>
+          </a:p>
+        </p:txBody>
+      </p:sp>
+    </p:spTree>
+    <p:extLst>
+      <p:ext uri="{BB962C8B-B14F-4D97-AF65-F5344CB8AC3E}">
+        <p14:creationId xmlns:p14="http://schemas.microsoft.com/office/powerpoint/2010/main" val="4154830339"/>
+      </p:ext>
+    </p:extLst>
+  </p:cSld>
+  <p:clrMapOvr>
+    <a:masterClrMapping/>
+  </p:clrMapOvr>
+  <p:timing>
+    <p:tnLst>
+      <p:par>
+        <p:cTn id="1" dur="indefinite" restart="never" nodeType="tmRoot">
+          <p:childTnLst>
+            <p:seq concurrent="1" nextAc="seek">
+              <p:cTn id="2" dur="indefinite" nodeType="mainSeq">
+                <p:childTnLst>
+                  <p:par>
+                    <p:cTn id="3" fill="hold">
+                      <p:stCondLst>
+                        <p:cond delay="indefinite"/>
+                      </p:stCondLst>
+                      <p:childTnLst>
+                        <p:par>
+                          <p:cTn id="4" fill="hold">
+                            <p:stCondLst>
+                              <p:cond delay="0"/>
+                            </p:stCondLst>
+                            <p:childTnLst>
+                              <p:par>
+                                <p:cTn id="5" presetID="1" presetClass="entr" presetSubtype="0" fill="hold" nodeType="clickEffect">
+                                  <p:stCondLst>
+                                    <p:cond delay="0"/>
+                                  </p:stCondLst>
+                                  <p:childTnLst>
+                                    <p:set>
+                                      <p:cBhvr>
+                                        <p:cTn id="6" dur="1" fill="hold">
+                                          <p:stCondLst>
+                                            <p:cond delay="0"/>
+                                          </p:stCondLst>
+                                        </p:cTn>
+                                        <p:tgtEl>
+                                          <p:spTgt spid="7">
+                                            <p:txEl>
+                                              <p:pRg st="3" end="3"/>
+                                            </p:txEl>
+                                          </p:spTgt>
+                                        </p:tgtEl>
+                                        <p:attrNameLst>
+                                          <p:attrName>style.visibility</p:attrName>
+                                        </p:attrNameLst>
+                                      </p:cBhvr>
+                                      <p:to>
+                                        <p:strVal val="visible"/>
+                                      </p:to>
+                                    </p:set>
+                                  </p:childTnLst>
+                                </p:cTn>
+                              </p:par>
+                            </p:childTnLst>
+                          </p:cTn>
+                        </p:par>
+                      </p:childTnLst>
+                    </p:cTn>
+                  </p:par>
+                  <p:par>
+                    <p:cTn id="7" fill="hold">
+                      <p:stCondLst>
+                        <p:cond delay="indefinite"/>
+                      </p:stCondLst>
+                      <p:childTnLst>
+                        <p:par>
+                          <p:cTn id="8" fill="hold">
+                            <p:stCondLst>
+                              <p:cond delay="0"/>
+                            </p:stCondLst>
+                            <p:childTnLst>
+                              <p:par>
+                                <p:cTn id="9" presetID="1" presetClass="entr" presetSubtype="0" fill="hold" nodeType="clickEffect">
+                                  <p:stCondLst>
+                                    <p:cond delay="0"/>
+                                  </p:stCondLst>
+                                  <p:childTnLst>
+                                    <p:set>
+                                      <p:cBhvr>
+                                        <p:cTn id="10" dur="1" fill="hold">
+                                          <p:stCondLst>
+                                            <p:cond delay="0"/>
+                                          </p:stCondLst>
+                                        </p:cTn>
+                                        <p:tgtEl>
+                                          <p:spTgt spid="7">
+                                            <p:txEl>
+                                              <p:pRg st="5" end="5"/>
+                                            </p:txEl>
+                                          </p:spTgt>
+                                        </p:tgtEl>
+                                        <p:attrNameLst>
+                                          <p:attrName>style.visibility</p:attrName>
+                                        </p:attrNameLst>
+                                      </p:cBhvr>
+                                      <p:to>
+                                        <p:strVal val="visible"/>
+                                      </p:to>
+                                    </p:set>
+                                  </p:childTnLst>
+                                </p:cTn>
+                              </p:par>
+                            </p:childTnLst>
+                          </p:cTn>
+                        </p:par>
+                      </p:childTnLst>
+                    </p:cTn>
+                  </p:par>
+                  <p:par>
+                    <p:cTn id="11" fill="hold">
+                      <p:stCondLst>
+                        <p:cond delay="indefinite"/>
+                      </p:stCondLst>
+                      <p:childTnLst>
+                        <p:par>
+                          <p:cTn id="12" fill="hold">
+                            <p:stCondLst>
+                              <p:cond delay="0"/>
+                            </p:stCondLst>
+                            <p:childTnLst>
+                              <p:par>
+                                <p:cTn id="13" presetID="1" presetClass="entr" presetSubtype="0" fill="hold" nodeType="clickEffect">
+                                  <p:stCondLst>
+                                    <p:cond delay="0"/>
+                                  </p:stCondLst>
+                                  <p:childTnLst>
+                                    <p:set>
+                                      <p:cBhvr>
+                                        <p:cTn id="14" dur="1" fill="hold">
+                                          <p:stCondLst>
+                                            <p:cond delay="0"/>
+                                          </p:stCondLst>
+                                        </p:cTn>
+                                        <p:tgtEl>
+                                          <p:spTgt spid="5"/>
+                                        </p:tgtEl>
+                                        <p:attrNameLst>
+                                          <p:attrName>style.visibility</p:attrName>
+                                        </p:attrNameLst>
+                                      </p:cBhvr>
+                                      <p:to>
+                                        <p:strVal val="visible"/>
+                                      </p:to>
+                                    </p:set>
+                                  </p:childTnLst>
+                                </p:cTn>
+                              </p:par>
+                            </p:childTnLst>
+                          </p:cTn>
+                        </p:par>
+                      </p:childTnLst>
+                    </p:cTn>
+                  </p:par>
+                </p:childTnLst>
+              </p:cTn>
+              <p:prevCondLst>
+                <p:cond evt="onPrev" delay="0">
+                  <p:tgtEl>
+                    <p:sldTgt/>
+                  </p:tgtEl>
+                </p:cond>
+              </p:prevCondLst>
+              <p:nextCondLst>
+                <p:cond evt="onNext" delay="0">
+                  <p:tgtEl>
+                    <p:sldTgt/>
+                  </p:tgtEl>
+                </p:cond>
+              </p:nextCondLst>
+            </p:seq>
+          </p:childTnLst>
+        </p:cTn>
+      </p:par>
+    </p:tnLst>
+  </p:timing>
+</p:sld>
+</file>
+
+<file path=ppt/slides/slide13.xml><?xml version="1.0" encoding="utf-8"?>
+<p:sld xmlns:a="http://schemas.openxmlformats.org/drawingml/2006/main" xmlns:r="http://schemas.openxmlformats.org/officeDocument/2006/relationships" xmlns:p="http://schemas.openxmlformats.org/presentationml/2006/main">
+  <p:cSld>
+    <p:spTree>
+      <p:nvGrpSpPr>
+        <p:cNvPr id="1" name=""/>
+        <p:cNvGrpSpPr/>
+        <p:nvPr/>
+      </p:nvGrpSpPr>
+      <p:grpSpPr>
+        <a:xfrm>
+          <a:off x="0" y="0"/>
+          <a:ext cx="0" cy="0"/>
+          <a:chOff x="0" y="0"/>
+          <a:chExt cx="0" cy="0"/>
+        </a:xfrm>
+      </p:grpSpPr>
+      <p:sp>
+        <p:nvSpPr>
+          <p:cNvPr id="2" name="Title 1">
+            <a:extLst>
+              <a:ext uri="{FF2B5EF4-FFF2-40B4-BE49-F238E27FC236}">
+                <a16:creationId xmlns:a16="http://schemas.microsoft.com/office/drawing/2014/main" id="{41B7F7A7-6B2E-DE37-195D-17E81AB0729C}"/>
+              </a:ext>
+            </a:extLst>
+          </p:cNvPr>
+          <p:cNvSpPr>
+            <a:spLocks noGrp="1"/>
+          </p:cNvSpPr>
+          <p:nvPr>
+            <p:ph type="title"/>
+          </p:nvPr>
+        </p:nvSpPr>
+        <p:spPr>
+          <a:xfrm>
+            <a:off x="0" y="113770"/>
+            <a:ext cx="7886700" cy="728187"/>
+          </a:xfrm>
+        </p:spPr>
+        <p:txBody>
+          <a:bodyPr/>
+          <a:lstStyle/>
+          <a:p>
+            <a:r>
+              <a:rPr lang="en-US"/>
+              <a:t>AP Exam: Repeat Until</a:t>
+            </a:r>
+          </a:p>
+        </p:txBody>
+      </p:sp>
+      <p:sp>
+        <p:nvSpPr>
+          <p:cNvPr id="4" name="Slide Number Placeholder 3">
+            <a:extLst>
+              <a:ext uri="{FF2B5EF4-FFF2-40B4-BE49-F238E27FC236}">
+                <a16:creationId xmlns:a16="http://schemas.microsoft.com/office/drawing/2014/main" id="{DDE56D61-0125-A962-C885-64E704C5382D}"/>
+              </a:ext>
+            </a:extLst>
+          </p:cNvPr>
+          <p:cNvSpPr>
+            <a:spLocks noGrp="1"/>
+          </p:cNvSpPr>
+          <p:nvPr>
+            <p:ph type="sldNum" sz="quarter" idx="12"/>
+          </p:nvPr>
+        </p:nvSpPr>
+        <p:spPr/>
+        <p:txBody>
+          <a:bodyPr/>
+          <a:lstStyle/>
+          <a:p>
+            <a:fld id="{D57F1E4F-1CFF-5643-939E-02111984F565}" type="slidenum">
+              <a:rPr lang="en-US" smtClean="0"/>
+              <a:t>13</a:t>
+            </a:fld>
+            <a:endParaRPr lang="en-US" dirty="0"/>
+          </a:p>
+        </p:txBody>
+      </p:sp>
+      <p:sp>
+        <p:nvSpPr>
+          <p:cNvPr id="7" name="TextBox 6">
+            <a:extLst>
+              <a:ext uri="{FF2B5EF4-FFF2-40B4-BE49-F238E27FC236}">
+                <a16:creationId xmlns:a16="http://schemas.microsoft.com/office/drawing/2014/main" id="{D7EE8EA4-4A52-E685-9BCF-86FB845B3E9D}"/>
+              </a:ext>
+            </a:extLst>
+          </p:cNvPr>
+          <p:cNvSpPr txBox="1"/>
+          <p:nvPr/>
+        </p:nvSpPr>
+        <p:spPr>
+          <a:xfrm>
+            <a:off x="212351" y="841957"/>
+            <a:ext cx="8427756" cy="2677656"/>
+          </a:xfrm>
+          <a:prstGeom prst="rect">
+            <a:avLst/>
+          </a:prstGeom>
+          <a:noFill/>
+        </p:spPr>
+        <p:txBody>
+          <a:bodyPr wrap="none" rtlCol="0">
+            <a:spAutoFit/>
+          </a:bodyPr>
+          <a:lstStyle/>
+          <a:p>
+            <a:r>
+              <a:rPr lang="en-US" sz="2100"/>
+              <a:t>A Python while loop can be translated to a repeat until loop and vice versa:</a:t>
+            </a:r>
+          </a:p>
+          <a:p>
+            <a:endParaRPr lang="en-US" sz="2100">
+              <a:solidFill>
+                <a:srgbClr val="FF0000"/>
+              </a:solidFill>
+            </a:endParaRPr>
+          </a:p>
+          <a:p>
+            <a:r>
+              <a:rPr lang="en-US" sz="2100" b="1"/>
+              <a:t>The following two loops are equivalent:</a:t>
+            </a:r>
+          </a:p>
+          <a:p>
+            <a:endParaRPr lang="en-US" sz="2100">
+              <a:solidFill>
+                <a:srgbClr val="FF0000"/>
+              </a:solidFill>
+            </a:endParaRPr>
+          </a:p>
+          <a:p>
+            <a:r>
+              <a:rPr lang="en-US" sz="2100"/>
+              <a:t>Python									AP Exam</a:t>
+            </a:r>
+          </a:p>
+          <a:p>
+            <a:endParaRPr lang="en-US" sz="2100">
+              <a:solidFill>
+                <a:srgbClr val="FF0000"/>
+              </a:solidFill>
+            </a:endParaRPr>
+          </a:p>
+          <a:p>
+            <a:r>
+              <a:rPr lang="en-US" sz="2100"/>
+              <a:t>while condition:							REPEAT UNTIL(not condition):</a:t>
+            </a:r>
+          </a:p>
+          <a:p>
+            <a:r>
+              <a:rPr lang="en-US" sz="2100"/>
+              <a:t>	block of statements						block of statements</a:t>
+            </a:r>
+          </a:p>
+        </p:txBody>
+      </p:sp>
+      <p:sp>
+        <p:nvSpPr>
+          <p:cNvPr id="8" name="TextBox 7">
+            <a:extLst>
+              <a:ext uri="{FF2B5EF4-FFF2-40B4-BE49-F238E27FC236}">
+                <a16:creationId xmlns:a16="http://schemas.microsoft.com/office/drawing/2014/main" id="{D316B1A1-5824-82F8-0714-BBC978F1DC74}"/>
+              </a:ext>
+            </a:extLst>
+          </p:cNvPr>
+          <p:cNvSpPr txBox="1"/>
+          <p:nvPr/>
+        </p:nvSpPr>
+        <p:spPr>
+          <a:xfrm>
+            <a:off x="4337311" y="4296938"/>
+            <a:ext cx="4699363" cy="1384995"/>
+          </a:xfrm>
+          <a:prstGeom prst="rect">
+            <a:avLst/>
+          </a:prstGeom>
+          <a:noFill/>
+        </p:spPr>
+        <p:txBody>
+          <a:bodyPr wrap="none" rtlCol="0">
+            <a:spAutoFit/>
+          </a:bodyPr>
+          <a:lstStyle/>
+          <a:p>
+            <a:r>
+              <a:rPr lang="en-US" sz="2100"/>
+              <a:t>This loop repeats until “not condition”</a:t>
+            </a:r>
+          </a:p>
+          <a:p>
+            <a:r>
+              <a:rPr lang="en-US" sz="2100"/>
+              <a:t>is true, that is, it repeats until condition is</a:t>
+            </a:r>
+          </a:p>
+          <a:p>
+            <a:r>
+              <a:rPr lang="en-US" sz="2100"/>
+              <a:t>False. In other words, it also terminates </a:t>
+            </a:r>
+          </a:p>
+          <a:p>
+            <a:r>
+              <a:rPr lang="en-US" sz="2100"/>
+              <a:t>when condition is False. </a:t>
+            </a:r>
+          </a:p>
+        </p:txBody>
+      </p:sp>
+      <p:sp>
+        <p:nvSpPr>
+          <p:cNvPr id="9" name="TextBox 8">
+            <a:extLst>
+              <a:ext uri="{FF2B5EF4-FFF2-40B4-BE49-F238E27FC236}">
+                <a16:creationId xmlns:a16="http://schemas.microsoft.com/office/drawing/2014/main" id="{09FCE996-06E8-D2D7-09A7-47B3124708FF}"/>
+              </a:ext>
+            </a:extLst>
+          </p:cNvPr>
+          <p:cNvSpPr txBox="1"/>
+          <p:nvPr/>
+        </p:nvSpPr>
+        <p:spPr>
+          <a:xfrm>
+            <a:off x="242831" y="4296939"/>
+            <a:ext cx="3775393" cy="1061829"/>
+          </a:xfrm>
+          <a:prstGeom prst="rect">
+            <a:avLst/>
+          </a:prstGeom>
+          <a:noFill/>
+        </p:spPr>
+        <p:txBody>
+          <a:bodyPr wrap="none" rtlCol="0">
+            <a:spAutoFit/>
+          </a:bodyPr>
+          <a:lstStyle/>
+          <a:p>
+            <a:r>
+              <a:rPr lang="en-US" sz="2100"/>
+              <a:t>This loop repeats as long as </a:t>
+            </a:r>
+          </a:p>
+          <a:p>
+            <a:r>
+              <a:rPr lang="en-US" sz="2100"/>
+              <a:t>condition is True and terminates </a:t>
+            </a:r>
+          </a:p>
+          <a:p>
+            <a:r>
+              <a:rPr lang="en-US" sz="2100"/>
+              <a:t>when condition is False. </a:t>
+            </a:r>
+          </a:p>
+        </p:txBody>
+      </p:sp>
+      <p:cxnSp>
+        <p:nvCxnSpPr>
+          <p:cNvPr id="11" name="Straight Arrow Connector 10">
+            <a:extLst>
+              <a:ext uri="{FF2B5EF4-FFF2-40B4-BE49-F238E27FC236}">
+                <a16:creationId xmlns:a16="http://schemas.microsoft.com/office/drawing/2014/main" id="{D0876692-EEB1-854F-1C57-F19444F62257}"/>
+              </a:ext>
+            </a:extLst>
+          </p:cNvPr>
+          <p:cNvCxnSpPr>
+            <a:cxnSpLocks/>
+          </p:cNvCxnSpPr>
+          <p:nvPr/>
+        </p:nvCxnSpPr>
+        <p:spPr>
+          <a:xfrm flipH="1" flipV="1">
+            <a:off x="1798320" y="3519613"/>
+            <a:ext cx="426720" cy="709794"/>
+          </a:xfrm>
+          <a:prstGeom prst="straightConnector1">
+            <a:avLst/>
+          </a:prstGeom>
+          <a:ln w="25400">
+            <a:tailEnd type="triangle"/>
+          </a:ln>
+        </p:spPr>
+        <p:style>
+          <a:lnRef idx="1">
+            <a:schemeClr val="accent1"/>
+          </a:lnRef>
+          <a:fillRef idx="0">
+            <a:schemeClr val="accent1"/>
+          </a:fillRef>
+          <a:effectRef idx="0">
+            <a:schemeClr val="accent1"/>
+          </a:effectRef>
+          <a:fontRef idx="minor">
+            <a:schemeClr val="tx1"/>
+          </a:fontRef>
+        </p:style>
+      </p:cxnSp>
+      <p:cxnSp>
+        <p:nvCxnSpPr>
+          <p:cNvPr id="14" name="Straight Arrow Connector 13">
+            <a:extLst>
+              <a:ext uri="{FF2B5EF4-FFF2-40B4-BE49-F238E27FC236}">
+                <a16:creationId xmlns:a16="http://schemas.microsoft.com/office/drawing/2014/main" id="{1842D776-97AC-D91C-679B-EA96117EA9E9}"/>
+              </a:ext>
+            </a:extLst>
+          </p:cNvPr>
+          <p:cNvCxnSpPr>
+            <a:cxnSpLocks/>
+          </p:cNvCxnSpPr>
+          <p:nvPr/>
+        </p:nvCxnSpPr>
+        <p:spPr>
+          <a:xfrm flipH="1" flipV="1">
+            <a:off x="5567680" y="3519613"/>
+            <a:ext cx="426720" cy="709794"/>
+          </a:xfrm>
+          <a:prstGeom prst="straightConnector1">
+            <a:avLst/>
+          </a:prstGeom>
+          <a:ln w="25400">
+            <a:tailEnd type="triangle"/>
+          </a:ln>
+        </p:spPr>
+        <p:style>
+          <a:lnRef idx="1">
+            <a:schemeClr val="accent1"/>
+          </a:lnRef>
+          <a:fillRef idx="0">
+            <a:schemeClr val="accent1"/>
+          </a:fillRef>
+          <a:effectRef idx="0">
+            <a:schemeClr val="accent1"/>
+          </a:effectRef>
+          <a:fontRef idx="minor">
+            <a:schemeClr val="tx1"/>
+          </a:fontRef>
+        </p:style>
+      </p:cxnSp>
+    </p:spTree>
+    <p:extLst>
+      <p:ext uri="{BB962C8B-B14F-4D97-AF65-F5344CB8AC3E}">
+        <p14:creationId xmlns:p14="http://schemas.microsoft.com/office/powerpoint/2010/main" val="2871520391"/>
+      </p:ext>
+    </p:extLst>
+  </p:cSld>
+  <p:clrMapOvr>
+    <a:masterClrMapping/>
+  </p:clrMapOvr>
+  <p:timing>
+    <p:tnLst>
+      <p:par>
+        <p:cTn id="1" dur="indefinite" restart="never" nodeType="tmRoot">
+          <p:childTnLst>
+            <p:seq concurrent="1" nextAc="seek">
+              <p:cTn id="2" dur="indefinite" nodeType="mainSeq">
+                <p:childTnLst>
+                  <p:par>
+                    <p:cTn id="3" fill="hold">
+                      <p:stCondLst>
+                        <p:cond delay="indefinite"/>
+                      </p:stCondLst>
+                      <p:childTnLst>
+                        <p:par>
+                          <p:cTn id="4" fill="hold">
+                            <p:stCondLst>
+                              <p:cond delay="0"/>
+                            </p:stCondLst>
+                            <p:childTnLst>
+                              <p:par>
+                                <p:cTn id="5" presetID="1" presetClass="entr" presetSubtype="0" fill="hold" nodeType="clickEffect">
+                                  <p:stCondLst>
+                                    <p:cond delay="0"/>
+                                  </p:stCondLst>
+                                  <p:childTnLst>
+                                    <p:set>
+                                      <p:cBhvr>
+                                        <p:cTn id="6" dur="1" fill="hold">
+                                          <p:stCondLst>
+                                            <p:cond delay="0"/>
+                                          </p:stCondLst>
+                                        </p:cTn>
+                                        <p:tgtEl>
+                                          <p:spTgt spid="7">
+                                            <p:txEl>
+                                              <p:pRg st="2" end="2"/>
+                                            </p:txEl>
+                                          </p:spTgt>
+                                        </p:tgtEl>
+                                        <p:attrNameLst>
+                                          <p:attrName>style.visibility</p:attrName>
+                                        </p:attrNameLst>
+                                      </p:cBhvr>
+                                      <p:to>
+                                        <p:strVal val="visible"/>
+                                      </p:to>
+                                    </p:set>
+                                  </p:childTnLst>
+                                </p:cTn>
+                              </p:par>
+                            </p:childTnLst>
+                          </p:cTn>
+                        </p:par>
+                      </p:childTnLst>
+                    </p:cTn>
+                  </p:par>
+                  <p:par>
+                    <p:cTn id="7" fill="hold">
+                      <p:stCondLst>
+                        <p:cond delay="indefinite"/>
+                      </p:stCondLst>
+                      <p:childTnLst>
+                        <p:par>
+                          <p:cTn id="8" fill="hold">
+                            <p:stCondLst>
+                              <p:cond delay="0"/>
+                            </p:stCondLst>
+                            <p:childTnLst>
+                              <p:par>
+                                <p:cTn id="9" presetID="1" presetClass="entr" presetSubtype="0" fill="hold" nodeType="clickEffect">
+                                  <p:stCondLst>
+                                    <p:cond delay="0"/>
+                                  </p:stCondLst>
+                                  <p:childTnLst>
+                                    <p:set>
+                                      <p:cBhvr>
+                                        <p:cTn id="10" dur="1" fill="hold">
+                                          <p:stCondLst>
+                                            <p:cond delay="0"/>
+                                          </p:stCondLst>
+                                        </p:cTn>
+                                        <p:tgtEl>
+                                          <p:spTgt spid="7">
+                                            <p:txEl>
+                                              <p:pRg st="4" end="4"/>
+                                            </p:txEl>
+                                          </p:spTgt>
+                                        </p:tgtEl>
+                                        <p:attrNameLst>
+                                          <p:attrName>style.visibility</p:attrName>
+                                        </p:attrNameLst>
+                                      </p:cBhvr>
+                                      <p:to>
+                                        <p:strVal val="visible"/>
+                                      </p:to>
+                                    </p:set>
+                                  </p:childTnLst>
+                                </p:cTn>
+                              </p:par>
+                              <p:par>
+                                <p:cTn id="11" presetID="1" presetClass="entr" presetSubtype="0" fill="hold" nodeType="withEffect">
+                                  <p:stCondLst>
+                                    <p:cond delay="0"/>
+                                  </p:stCondLst>
+                                  <p:childTnLst>
+                                    <p:set>
+                                      <p:cBhvr>
+                                        <p:cTn id="12" dur="1" fill="hold">
+                                          <p:stCondLst>
+                                            <p:cond delay="0"/>
+                                          </p:stCondLst>
+                                        </p:cTn>
+                                        <p:tgtEl>
+                                          <p:spTgt spid="7">
+                                            <p:txEl>
+                                              <p:pRg st="6" end="6"/>
+                                            </p:txEl>
+                                          </p:spTgt>
+                                        </p:tgtEl>
+                                        <p:attrNameLst>
+                                          <p:attrName>style.visibility</p:attrName>
+                                        </p:attrNameLst>
+                                      </p:cBhvr>
+                                      <p:to>
+                                        <p:strVal val="visible"/>
+                                      </p:to>
+                                    </p:set>
+                                  </p:childTnLst>
+                                </p:cTn>
+                              </p:par>
+                              <p:par>
+                                <p:cTn id="13" presetID="1" presetClass="entr" presetSubtype="0" fill="hold" nodeType="withEffect">
+                                  <p:stCondLst>
+                                    <p:cond delay="0"/>
+                                  </p:stCondLst>
+                                  <p:childTnLst>
+                                    <p:set>
+                                      <p:cBhvr>
+                                        <p:cTn id="14" dur="1" fill="hold">
+                                          <p:stCondLst>
+                                            <p:cond delay="0"/>
+                                          </p:stCondLst>
+                                        </p:cTn>
+                                        <p:tgtEl>
+                                          <p:spTgt spid="7">
+                                            <p:txEl>
+                                              <p:pRg st="7" end="7"/>
+                                            </p:txEl>
+                                          </p:spTgt>
+                                        </p:tgtEl>
+                                        <p:attrNameLst>
+                                          <p:attrName>style.visibility</p:attrName>
+                                        </p:attrNameLst>
+                                      </p:cBhvr>
+                                      <p:to>
+                                        <p:strVal val="visible"/>
+                                      </p:to>
+                                    </p:set>
+                                  </p:childTnLst>
+                                </p:cTn>
+                              </p:par>
+                            </p:childTnLst>
+                          </p:cTn>
+                        </p:par>
+                      </p:childTnLst>
+                    </p:cTn>
+                  </p:par>
+                  <p:par>
+                    <p:cTn id="15" fill="hold">
+                      <p:stCondLst>
+                        <p:cond delay="indefinite"/>
+                      </p:stCondLst>
+                      <p:childTnLst>
+                        <p:par>
+                          <p:cTn id="16" fill="hold">
+                            <p:stCondLst>
+                              <p:cond delay="0"/>
+                            </p:stCondLst>
+                            <p:childTnLst>
+                              <p:par>
+                                <p:cTn id="17" presetID="1" presetClass="entr" presetSubtype="0" fill="hold" nodeType="clickEffect">
+                                  <p:stCondLst>
+                                    <p:cond delay="0"/>
+                                  </p:stCondLst>
+                                  <p:childTnLst>
+                                    <p:set>
+                                      <p:cBhvr>
+                                        <p:cTn id="18" dur="1" fill="hold">
+                                          <p:stCondLst>
+                                            <p:cond delay="0"/>
+                                          </p:stCondLst>
+                                        </p:cTn>
+                                        <p:tgtEl>
+                                          <p:spTgt spid="11"/>
+                                        </p:tgtEl>
+                                        <p:attrNameLst>
+                                          <p:attrName>style.visibility</p:attrName>
+                                        </p:attrNameLst>
+                                      </p:cBhvr>
+                                      <p:to>
+                                        <p:strVal val="visible"/>
+                                      </p:to>
+                                    </p:set>
+                                  </p:childTnLst>
+                                </p:cTn>
+                              </p:par>
+                              <p:par>
+                                <p:cTn id="19" presetID="1" presetClass="entr" presetSubtype="0" fill="hold" grpId="0" nodeType="withEffect">
+                                  <p:stCondLst>
+                                    <p:cond delay="0"/>
+                                  </p:stCondLst>
+                                  <p:childTnLst>
+                                    <p:set>
+                                      <p:cBhvr>
+                                        <p:cTn id="20" dur="1" fill="hold">
+                                          <p:stCondLst>
+                                            <p:cond delay="0"/>
+                                          </p:stCondLst>
+                                        </p:cTn>
+                                        <p:tgtEl>
+                                          <p:spTgt spid="9"/>
+                                        </p:tgtEl>
+                                        <p:attrNameLst>
+                                          <p:attrName>style.visibility</p:attrName>
+                                        </p:attrNameLst>
+                                      </p:cBhvr>
+                                      <p:to>
+                                        <p:strVal val="visible"/>
+                                      </p:to>
+                                    </p:set>
+                                  </p:childTnLst>
+                                </p:cTn>
+                              </p:par>
+                            </p:childTnLst>
+                          </p:cTn>
+                        </p:par>
+                      </p:childTnLst>
+                    </p:cTn>
+                  </p:par>
+                  <p:par>
+                    <p:cTn id="21" fill="hold">
+                      <p:stCondLst>
+                        <p:cond delay="indefinite"/>
+                      </p:stCondLst>
+                      <p:childTnLst>
+                        <p:par>
+                          <p:cTn id="22" fill="hold">
+                            <p:stCondLst>
+                              <p:cond delay="0"/>
+                            </p:stCondLst>
+                            <p:childTnLst>
+                              <p:par>
+                                <p:cTn id="23" presetID="1" presetClass="entr" presetSubtype="0" fill="hold" nodeType="clickEffect">
+                                  <p:stCondLst>
+                                    <p:cond delay="0"/>
+                                  </p:stCondLst>
+                                  <p:childTnLst>
+                                    <p:set>
+                                      <p:cBhvr>
+                                        <p:cTn id="24" dur="1" fill="hold">
+                                          <p:stCondLst>
+                                            <p:cond delay="0"/>
+                                          </p:stCondLst>
+                                        </p:cTn>
+                                        <p:tgtEl>
+                                          <p:spTgt spid="14"/>
+                                        </p:tgtEl>
+                                        <p:attrNameLst>
+                                          <p:attrName>style.visibility</p:attrName>
+                                        </p:attrNameLst>
+                                      </p:cBhvr>
+                                      <p:to>
+                                        <p:strVal val="visible"/>
+                                      </p:to>
+                                    </p:set>
+                                  </p:childTnLst>
+                                </p:cTn>
+                              </p:par>
+                              <p:par>
+                                <p:cTn id="25" presetID="1" presetClass="entr" presetSubtype="0" fill="hold" grpId="0" nodeType="withEffect">
+                                  <p:stCondLst>
+                                    <p:cond delay="0"/>
+                                  </p:stCondLst>
+                                  <p:childTnLst>
+                                    <p:set>
+                                      <p:cBhvr>
+                                        <p:cTn id="26" dur="1" fill="hold">
+                                          <p:stCondLst>
+                                            <p:cond delay="0"/>
+                                          </p:stCondLst>
+                                        </p:cTn>
+                                        <p:tgtEl>
+                                          <p:spTgt spid="8"/>
+                                        </p:tgtEl>
+                                        <p:attrNameLst>
+                                          <p:attrName>style.visibility</p:attrName>
+                                        </p:attrNameLst>
+                                      </p:cBhvr>
+                                      <p:to>
+                                        <p:strVal val="visible"/>
+                                      </p:to>
+                                    </p:set>
+                                  </p:childTnLst>
+                                </p:cTn>
+                              </p:par>
+                            </p:childTnLst>
+                          </p:cTn>
+                        </p:par>
+                      </p:childTnLst>
+                    </p:cTn>
+                  </p:par>
+                </p:childTnLst>
+              </p:cTn>
+              <p:prevCondLst>
+                <p:cond evt="onPrev" delay="0">
+                  <p:tgtEl>
+                    <p:sldTgt/>
+                  </p:tgtEl>
+                </p:cond>
+              </p:prevCondLst>
+              <p:nextCondLst>
+                <p:cond evt="onNext" delay="0">
+                  <p:tgtEl>
+                    <p:sldTgt/>
+                  </p:tgtEl>
+                </p:cond>
+              </p:nextCondLst>
+            </p:seq>
+          </p:childTnLst>
+        </p:cTn>
+      </p:par>
+    </p:tnLst>
+    <p:bldLst>
+      <p:bldP spid="8" grpId="0"/>
+      <p:bldP spid="9" grpId="0"/>
+    </p:bldLst>
+  </p:timing>
+</p:sld>
+</file>
+
+<file path=ppt/slides/slide14.xml><?xml version="1.0" encoding="utf-8"?>
+<p:sld xmlns:a="http://schemas.openxmlformats.org/drawingml/2006/main" xmlns:r="http://schemas.openxmlformats.org/officeDocument/2006/relationships" xmlns:p="http://schemas.openxmlformats.org/presentationml/2006/main">
+  <p:cSld>
+    <p:spTree>
+      <p:nvGrpSpPr>
+        <p:cNvPr id="1" name=""/>
+        <p:cNvGrpSpPr/>
+        <p:nvPr/>
+      </p:nvGrpSpPr>
+      <p:grpSpPr>
+        <a:xfrm>
+          <a:off x="0" y="0"/>
+          <a:ext cx="0" cy="0"/>
+          <a:chOff x="0" y="0"/>
+          <a:chExt cx="0" cy="0"/>
+        </a:xfrm>
+      </p:grpSpPr>
+      <p:sp>
+        <p:nvSpPr>
+          <p:cNvPr id="2" name="Title 1">
+            <a:extLst>
+              <a:ext uri="{FF2B5EF4-FFF2-40B4-BE49-F238E27FC236}">
+                <a16:creationId xmlns:a16="http://schemas.microsoft.com/office/drawing/2014/main" id="{41B7F7A7-6B2E-DE37-195D-17E81AB0729C}"/>
+              </a:ext>
+            </a:extLst>
+          </p:cNvPr>
+          <p:cNvSpPr>
+            <a:spLocks noGrp="1"/>
+          </p:cNvSpPr>
+          <p:nvPr>
+            <p:ph type="title"/>
+          </p:nvPr>
+        </p:nvSpPr>
+        <p:spPr>
+          <a:xfrm>
+            <a:off x="0" y="113770"/>
+            <a:ext cx="7886700" cy="728187"/>
+          </a:xfrm>
+        </p:spPr>
+        <p:txBody>
+          <a:bodyPr/>
+          <a:lstStyle/>
+          <a:p>
+            <a:r>
+              <a:rPr lang="en-US"/>
+              <a:t>AP Exam: Repeat Until</a:t>
+            </a:r>
+          </a:p>
+        </p:txBody>
+      </p:sp>
+      <p:sp>
+        <p:nvSpPr>
+          <p:cNvPr id="4" name="Slide Number Placeholder 3">
+            <a:extLst>
+              <a:ext uri="{FF2B5EF4-FFF2-40B4-BE49-F238E27FC236}">
+                <a16:creationId xmlns:a16="http://schemas.microsoft.com/office/drawing/2014/main" id="{DDE56D61-0125-A962-C885-64E704C5382D}"/>
+              </a:ext>
+            </a:extLst>
+          </p:cNvPr>
+          <p:cNvSpPr>
+            <a:spLocks noGrp="1"/>
+          </p:cNvSpPr>
+          <p:nvPr>
+            <p:ph type="sldNum" sz="quarter" idx="12"/>
+          </p:nvPr>
+        </p:nvSpPr>
+        <p:spPr/>
+        <p:txBody>
+          <a:bodyPr/>
+          <a:lstStyle/>
+          <a:p>
+            <a:fld id="{D57F1E4F-1CFF-5643-939E-02111984F565}" type="slidenum">
+              <a:rPr lang="en-US" smtClean="0"/>
+              <a:t>14</a:t>
+            </a:fld>
+            <a:endParaRPr lang="en-US" dirty="0"/>
+          </a:p>
+        </p:txBody>
+      </p:sp>
+      <mc:AlternateContent xmlns:mc="http://schemas.openxmlformats.org/markup-compatibility/2006">
+        <mc:Choice xmlns:a14="http://schemas.microsoft.com/office/drawing/2010/main" Requires="a14">
+          <p:sp>
+            <p:nvSpPr>
+              <p:cNvPr id="7" name="TextBox 6">
+                <a:extLst>
+                  <a:ext uri="{FF2B5EF4-FFF2-40B4-BE49-F238E27FC236}">
+                    <a16:creationId xmlns:a16="http://schemas.microsoft.com/office/drawing/2014/main" id="{D7EE8EA4-4A52-E685-9BCF-86FB845B3E9D}"/>
+                  </a:ext>
+                </a:extLst>
+              </p:cNvPr>
+              <p:cNvSpPr txBox="1"/>
+              <p:nvPr/>
+            </p:nvSpPr>
+            <p:spPr>
+              <a:xfrm>
+                <a:off x="212351" y="841957"/>
+                <a:ext cx="7327647" cy="3000821"/>
+              </a:xfrm>
+              <a:prstGeom prst="rect">
+                <a:avLst/>
+              </a:prstGeom>
+              <a:noFill/>
+            </p:spPr>
+            <p:txBody>
+              <a:bodyPr wrap="none" rtlCol="0">
+                <a:spAutoFit/>
+              </a:bodyPr>
+              <a:lstStyle/>
+              <a:p>
+                <a:r>
+                  <a:rPr lang="en-US" sz="2100"/>
+                  <a:t>Here is an example.</a:t>
+                </a:r>
+              </a:p>
+              <a:p>
+                <a:endParaRPr lang="en-US" sz="2100">
+                  <a:solidFill>
+                    <a:srgbClr val="FF0000"/>
+                  </a:solidFill>
+                </a:endParaRPr>
+              </a:p>
+              <a:p>
+                <a:r>
+                  <a:rPr lang="en-US" sz="2100" b="1"/>
+                  <a:t>The following two loops are equivalent:</a:t>
+                </a:r>
+              </a:p>
+              <a:p>
+                <a:endParaRPr lang="en-US" sz="2100">
+                  <a:solidFill>
+                    <a:srgbClr val="FF0000"/>
+                  </a:solidFill>
+                </a:endParaRPr>
+              </a:p>
+              <a:p>
+                <a:r>
+                  <a:rPr lang="en-US" sz="2100"/>
+                  <a:t>Python									AP Exam</a:t>
+                </a:r>
+              </a:p>
+              <a:p>
+                <a:r>
+                  <a:rPr lang="en-US" sz="2100"/>
+                  <a:t>count = 0									count </a:t>
+                </a:r>
+                <a14:m>
+                  <m:oMath xmlns:m="http://schemas.openxmlformats.org/officeDocument/2006/math">
+                    <m:r>
+                      <a:rPr lang="en-US" sz="2100" i="1">
+                        <a:latin typeface="Cambria Math" panose="02040503050406030204" pitchFamily="18" charset="0"/>
+                        <a:ea typeface="Cambria Math" panose="02040503050406030204" pitchFamily="18" charset="0"/>
+                      </a:rPr>
+                      <m:t>←</m:t>
+                    </m:r>
+                  </m:oMath>
+                </a14:m>
+                <a:r>
+                  <a:rPr lang="en-US" sz="2100"/>
+                  <a:t> 0</a:t>
+                </a:r>
+              </a:p>
+              <a:p>
+                <a:r>
+                  <a:rPr lang="en-US" sz="2100"/>
+                  <a:t>while count &lt; 5:							REPEAT UNTIL(count &gt;= 5):</a:t>
+                </a:r>
+              </a:p>
+              <a:p>
+                <a:r>
+                  <a:rPr lang="en-US" sz="2100"/>
+                  <a:t>	count = count + 2						 count </a:t>
+                </a:r>
+                <a14:m>
+                  <m:oMath xmlns:m="http://schemas.openxmlformats.org/officeDocument/2006/math">
+                    <m:r>
+                      <a:rPr lang="en-US" sz="2100" i="1">
+                        <a:latin typeface="Cambria Math" panose="02040503050406030204" pitchFamily="18" charset="0"/>
+                        <a:ea typeface="Cambria Math" panose="02040503050406030204" pitchFamily="18" charset="0"/>
+                      </a:rPr>
+                      <m:t>←</m:t>
+                    </m:r>
+                  </m:oMath>
+                </a14:m>
+                <a:r>
+                  <a:rPr lang="en-US" sz="2100"/>
+                  <a:t> count + 2</a:t>
+                </a:r>
+              </a:p>
+              <a:p>
+                <a:r>
+                  <a:rPr lang="en-US" sz="2100"/>
+                  <a:t>	print(count, end=“ ”)					 DISPLAY(count)	</a:t>
+                </a:r>
+              </a:p>
+            </p:txBody>
+          </p:sp>
+        </mc:Choice>
+        <mc:Fallback>
+          <p:sp>
+            <p:nvSpPr>
+              <p:cNvPr id="7" name="TextBox 6">
+                <a:extLst>
+                  <a:ext uri="{FF2B5EF4-FFF2-40B4-BE49-F238E27FC236}">
+                    <a16:creationId xmlns:a16="http://schemas.microsoft.com/office/drawing/2014/main" id="{D7EE8EA4-4A52-E685-9BCF-86FB845B3E9D}"/>
+                  </a:ext>
+                </a:extLst>
+              </p:cNvPr>
+              <p:cNvSpPr txBox="1">
+                <a:spLocks noRot="1" noChangeAspect="1" noMove="1" noResize="1" noEditPoints="1" noAdjustHandles="1" noChangeArrowheads="1" noChangeShapeType="1" noTextEdit="1"/>
+              </p:cNvSpPr>
+              <p:nvPr/>
+            </p:nvSpPr>
+            <p:spPr>
+              <a:xfrm>
+                <a:off x="212351" y="841957"/>
+                <a:ext cx="7327647" cy="3000821"/>
+              </a:xfrm>
+              <a:prstGeom prst="rect">
+                <a:avLst/>
+              </a:prstGeom>
+              <a:blipFill>
+                <a:blip r:embed="rId2"/>
+                <a:stretch>
+                  <a:fillRect l="-865" t="-1266" b="-2954"/>
+                </a:stretch>
+              </a:blipFill>
+            </p:spPr>
+            <p:txBody>
+              <a:bodyPr/>
+              <a:lstStyle/>
+              <a:p>
+                <a:r>
+                  <a:rPr lang="en-US">
+                    <a:noFill/>
+                  </a:rPr>
+                  <a:t> </a:t>
+                </a:r>
+              </a:p>
+            </p:txBody>
+          </p:sp>
+        </mc:Fallback>
+      </mc:AlternateContent>
+      <p:sp>
+        <p:nvSpPr>
+          <p:cNvPr id="8" name="TextBox 7">
+            <a:extLst>
+              <a:ext uri="{FF2B5EF4-FFF2-40B4-BE49-F238E27FC236}">
+                <a16:creationId xmlns:a16="http://schemas.microsoft.com/office/drawing/2014/main" id="{D316B1A1-5824-82F8-0714-BBC978F1DC74}"/>
+              </a:ext>
+            </a:extLst>
+          </p:cNvPr>
+          <p:cNvSpPr txBox="1"/>
+          <p:nvPr/>
+        </p:nvSpPr>
+        <p:spPr>
+          <a:xfrm>
+            <a:off x="4337311" y="4296938"/>
+            <a:ext cx="4780219" cy="1061829"/>
+          </a:xfrm>
+          <a:prstGeom prst="rect">
+            <a:avLst/>
+          </a:prstGeom>
+          <a:noFill/>
+        </p:spPr>
+        <p:txBody>
+          <a:bodyPr wrap="none" rtlCol="0">
+            <a:spAutoFit/>
+          </a:bodyPr>
+          <a:lstStyle/>
+          <a:p>
+            <a:r>
+              <a:rPr lang="en-US" sz="2100"/>
+              <a:t>This loop repeats until count &gt;= 5, that is,</a:t>
+            </a:r>
+          </a:p>
+          <a:p>
+            <a:r>
+              <a:rPr lang="en-US" sz="2100"/>
+              <a:t>it also repeats as long as count &lt; 5 and</a:t>
+            </a:r>
+          </a:p>
+          <a:p>
+            <a:r>
+              <a:rPr lang="en-US" sz="2100"/>
+              <a:t>termintes when count &gt;= 5</a:t>
+            </a:r>
+          </a:p>
+        </p:txBody>
+      </p:sp>
+      <p:sp>
+        <p:nvSpPr>
+          <p:cNvPr id="9" name="TextBox 8">
+            <a:extLst>
+              <a:ext uri="{FF2B5EF4-FFF2-40B4-BE49-F238E27FC236}">
+                <a16:creationId xmlns:a16="http://schemas.microsoft.com/office/drawing/2014/main" id="{09FCE996-06E8-D2D7-09A7-47B3124708FF}"/>
+              </a:ext>
+            </a:extLst>
+          </p:cNvPr>
+          <p:cNvSpPr txBox="1"/>
+          <p:nvPr/>
+        </p:nvSpPr>
+        <p:spPr>
+          <a:xfrm>
+            <a:off x="242831" y="4296939"/>
+            <a:ext cx="3624710" cy="1061829"/>
+          </a:xfrm>
+          <a:prstGeom prst="rect">
+            <a:avLst/>
+          </a:prstGeom>
+          <a:noFill/>
+        </p:spPr>
+        <p:txBody>
+          <a:bodyPr wrap="none" rtlCol="0">
+            <a:spAutoFit/>
+          </a:bodyPr>
+          <a:lstStyle/>
+          <a:p>
+            <a:r>
+              <a:rPr lang="en-US" sz="2100"/>
+              <a:t>This loop repeats as long as </a:t>
+            </a:r>
+          </a:p>
+          <a:p>
+            <a:r>
+              <a:rPr lang="en-US" sz="2100"/>
+              <a:t>count &lt; 5 and terminates when</a:t>
+            </a:r>
+          </a:p>
+          <a:p>
+            <a:r>
+              <a:rPr lang="en-US" sz="2100"/>
+              <a:t>count &gt;= 5</a:t>
+            </a:r>
+          </a:p>
+        </p:txBody>
+      </p:sp>
+      <p:cxnSp>
+        <p:nvCxnSpPr>
+          <p:cNvPr id="11" name="Straight Arrow Connector 10">
+            <a:extLst>
+              <a:ext uri="{FF2B5EF4-FFF2-40B4-BE49-F238E27FC236}">
+                <a16:creationId xmlns:a16="http://schemas.microsoft.com/office/drawing/2014/main" id="{D0876692-EEB1-854F-1C57-F19444F62257}"/>
+              </a:ext>
+            </a:extLst>
+          </p:cNvPr>
+          <p:cNvCxnSpPr>
+            <a:cxnSpLocks/>
+          </p:cNvCxnSpPr>
+          <p:nvPr/>
+        </p:nvCxnSpPr>
+        <p:spPr>
+          <a:xfrm flipH="1" flipV="1">
+            <a:off x="1889760" y="3842778"/>
+            <a:ext cx="312746" cy="454160"/>
+          </a:xfrm>
+          <a:prstGeom prst="straightConnector1">
+            <a:avLst/>
+          </a:prstGeom>
+          <a:ln w="25400">
+            <a:tailEnd type="triangle"/>
+          </a:ln>
+        </p:spPr>
+        <p:style>
+          <a:lnRef idx="1">
+            <a:schemeClr val="accent1"/>
+          </a:lnRef>
+          <a:fillRef idx="0">
+            <a:schemeClr val="accent1"/>
+          </a:fillRef>
+          <a:effectRef idx="0">
+            <a:schemeClr val="accent1"/>
+          </a:effectRef>
+          <a:fontRef idx="minor">
+            <a:schemeClr val="tx1"/>
+          </a:fontRef>
+        </p:style>
+      </p:cxnSp>
+      <p:cxnSp>
+        <p:nvCxnSpPr>
+          <p:cNvPr id="14" name="Straight Arrow Connector 13">
+            <a:extLst>
+              <a:ext uri="{FF2B5EF4-FFF2-40B4-BE49-F238E27FC236}">
+                <a16:creationId xmlns:a16="http://schemas.microsoft.com/office/drawing/2014/main" id="{1842D776-97AC-D91C-679B-EA96117EA9E9}"/>
+              </a:ext>
+            </a:extLst>
+          </p:cNvPr>
+          <p:cNvCxnSpPr>
+            <a:cxnSpLocks/>
+          </p:cNvCxnSpPr>
+          <p:nvPr/>
+        </p:nvCxnSpPr>
+        <p:spPr>
+          <a:xfrm flipH="1" flipV="1">
+            <a:off x="5933440" y="3842778"/>
+            <a:ext cx="299673" cy="454160"/>
+          </a:xfrm>
+          <a:prstGeom prst="straightConnector1">
+            <a:avLst/>
+          </a:prstGeom>
+          <a:ln w="25400">
+            <a:tailEnd type="triangle"/>
+          </a:ln>
+        </p:spPr>
+        <p:style>
+          <a:lnRef idx="1">
+            <a:schemeClr val="accent1"/>
+          </a:lnRef>
+          <a:fillRef idx="0">
+            <a:schemeClr val="accent1"/>
+          </a:fillRef>
+          <a:effectRef idx="0">
+            <a:schemeClr val="accent1"/>
+          </a:effectRef>
+          <a:fontRef idx="minor">
+            <a:schemeClr val="tx1"/>
+          </a:fontRef>
+        </p:style>
+      </p:cxnSp>
+      <p:sp>
+        <p:nvSpPr>
+          <p:cNvPr id="10" name="TextBox 9">
+            <a:extLst>
+              <a:ext uri="{FF2B5EF4-FFF2-40B4-BE49-F238E27FC236}">
+                <a16:creationId xmlns:a16="http://schemas.microsoft.com/office/drawing/2014/main" id="{08E5EC2F-AF05-FEF1-53DC-6C6361D7C31E}"/>
+              </a:ext>
+            </a:extLst>
+          </p:cNvPr>
+          <p:cNvSpPr txBox="1"/>
+          <p:nvPr/>
+        </p:nvSpPr>
+        <p:spPr>
+          <a:xfrm>
+            <a:off x="7752349" y="2088059"/>
+            <a:ext cx="1091966" cy="769441"/>
+          </a:xfrm>
+          <a:prstGeom prst="rect">
+            <a:avLst/>
+          </a:prstGeom>
+          <a:noFill/>
+        </p:spPr>
+        <p:txBody>
+          <a:bodyPr wrap="none" rtlCol="0">
+            <a:spAutoFit/>
+          </a:bodyPr>
+          <a:lstStyle/>
+          <a:p>
+            <a:r>
+              <a:rPr lang="en-US" sz="2200">
+                <a:solidFill>
+                  <a:srgbClr val="FF0000"/>
+                </a:solidFill>
+              </a:rPr>
+              <a:t>Output:</a:t>
+            </a:r>
+          </a:p>
+          <a:p>
+            <a:r>
+              <a:rPr lang="en-US" sz="2200">
+                <a:solidFill>
+                  <a:srgbClr val="FF0000"/>
+                </a:solidFill>
+              </a:rPr>
+              <a:t>2 4 6</a:t>
+            </a:r>
+          </a:p>
+        </p:txBody>
+      </p:sp>
+    </p:spTree>
+    <p:extLst>
+      <p:ext uri="{BB962C8B-B14F-4D97-AF65-F5344CB8AC3E}">
+        <p14:creationId xmlns:p14="http://schemas.microsoft.com/office/powerpoint/2010/main" val="1645223167"/>
+      </p:ext>
+    </p:extLst>
+  </p:cSld>
+  <p:clrMapOvr>
+    <a:masterClrMapping/>
+  </p:clrMapOvr>
+  <p:timing>
+    <p:tnLst>
+      <p:par>
+        <p:cTn id="1" dur="indefinite" restart="never" nodeType="tmRoot">
+          <p:childTnLst>
+            <p:seq concurrent="1" nextAc="seek">
+              <p:cTn id="2" dur="indefinite" nodeType="mainSeq">
+                <p:childTnLst>
+                  <p:par>
+                    <p:cTn id="3" fill="hold">
+                      <p:stCondLst>
+                        <p:cond delay="indefinite"/>
+                      </p:stCondLst>
+                      <p:childTnLst>
+                        <p:par>
+                          <p:cTn id="4" fill="hold">
+                            <p:stCondLst>
+                              <p:cond delay="0"/>
+                            </p:stCondLst>
+                            <p:childTnLst>
+                              <p:par>
+                                <p:cTn id="5" presetID="1" presetClass="entr" presetSubtype="0" fill="hold" grpId="0" nodeType="clickEffect">
+                                  <p:stCondLst>
+                                    <p:cond delay="0"/>
+                                  </p:stCondLst>
+                                  <p:childTnLst>
+                                    <p:set>
+                                      <p:cBhvr>
+                                        <p:cTn id="6" dur="1" fill="hold">
+                                          <p:stCondLst>
+                                            <p:cond delay="0"/>
+                                          </p:stCondLst>
+                                        </p:cTn>
+                                        <p:tgtEl>
+                                          <p:spTgt spid="10"/>
+                                        </p:tgtEl>
+                                        <p:attrNameLst>
+                                          <p:attrName>style.visibility</p:attrName>
+                                        </p:attrNameLst>
+                                      </p:cBhvr>
+                                      <p:to>
+                                        <p:strVal val="visible"/>
+                                      </p:to>
+                                    </p:set>
+                                  </p:childTnLst>
+                                </p:cTn>
+                              </p:par>
+                            </p:childTnLst>
+                          </p:cTn>
+                        </p:par>
+                      </p:childTnLst>
+                    </p:cTn>
+                  </p:par>
+                  <p:par>
+                    <p:cTn id="7" fill="hold">
+                      <p:stCondLst>
+                        <p:cond delay="indefinite"/>
+                      </p:stCondLst>
+                      <p:childTnLst>
+                        <p:par>
+                          <p:cTn id="8" fill="hold">
+                            <p:stCondLst>
+                              <p:cond delay="0"/>
+                            </p:stCondLst>
+                            <p:childTnLst>
+                              <p:par>
+                                <p:cTn id="9" presetID="1" presetClass="entr" presetSubtype="0" fill="hold" nodeType="clickEffect">
+                                  <p:stCondLst>
+                                    <p:cond delay="0"/>
+                                  </p:stCondLst>
+                                  <p:childTnLst>
+                                    <p:set>
+                                      <p:cBhvr>
+                                        <p:cTn id="10" dur="1" fill="hold">
+                                          <p:stCondLst>
+                                            <p:cond delay="0"/>
+                                          </p:stCondLst>
+                                        </p:cTn>
+                                        <p:tgtEl>
+                                          <p:spTgt spid="11"/>
+                                        </p:tgtEl>
+                                        <p:attrNameLst>
+                                          <p:attrName>style.visibility</p:attrName>
+                                        </p:attrNameLst>
+                                      </p:cBhvr>
+                                      <p:to>
+                                        <p:strVal val="visible"/>
+                                      </p:to>
+                                    </p:set>
+                                  </p:childTnLst>
+                                </p:cTn>
+                              </p:par>
+                              <p:par>
+                                <p:cTn id="11" presetID="1" presetClass="entr" presetSubtype="0" fill="hold" grpId="0" nodeType="withEffect">
+                                  <p:stCondLst>
+                                    <p:cond delay="0"/>
+                                  </p:stCondLst>
+                                  <p:childTnLst>
+                                    <p:set>
+                                      <p:cBhvr>
+                                        <p:cTn id="12" dur="1" fill="hold">
+                                          <p:stCondLst>
+                                            <p:cond delay="0"/>
+                                          </p:stCondLst>
+                                        </p:cTn>
+                                        <p:tgtEl>
+                                          <p:spTgt spid="9"/>
+                                        </p:tgtEl>
+                                        <p:attrNameLst>
+                                          <p:attrName>style.visibility</p:attrName>
+                                        </p:attrNameLst>
+                                      </p:cBhvr>
+                                      <p:to>
+                                        <p:strVal val="visible"/>
+                                      </p:to>
+                                    </p:set>
+                                  </p:childTnLst>
+                                </p:cTn>
+                              </p:par>
+                            </p:childTnLst>
+                          </p:cTn>
+                        </p:par>
+                      </p:childTnLst>
+                    </p:cTn>
+                  </p:par>
+                  <p:par>
+                    <p:cTn id="13" fill="hold">
+                      <p:stCondLst>
+                        <p:cond delay="indefinite"/>
+                      </p:stCondLst>
+                      <p:childTnLst>
+                        <p:par>
+                          <p:cTn id="14" fill="hold">
+                            <p:stCondLst>
+                              <p:cond delay="0"/>
+                            </p:stCondLst>
+                            <p:childTnLst>
+                              <p:par>
+                                <p:cTn id="15" presetID="1" presetClass="entr" presetSubtype="0" fill="hold" nodeType="clickEffect">
+                                  <p:stCondLst>
+                                    <p:cond delay="0"/>
+                                  </p:stCondLst>
+                                  <p:childTnLst>
+                                    <p:set>
+                                      <p:cBhvr>
+                                        <p:cTn id="16" dur="1" fill="hold">
+                                          <p:stCondLst>
+                                            <p:cond delay="0"/>
+                                          </p:stCondLst>
+                                        </p:cTn>
+                                        <p:tgtEl>
+                                          <p:spTgt spid="14"/>
+                                        </p:tgtEl>
+                                        <p:attrNameLst>
+                                          <p:attrName>style.visibility</p:attrName>
+                                        </p:attrNameLst>
+                                      </p:cBhvr>
+                                      <p:to>
+                                        <p:strVal val="visible"/>
+                                      </p:to>
+                                    </p:set>
+                                  </p:childTnLst>
+                                </p:cTn>
+                              </p:par>
+                              <p:par>
+                                <p:cTn id="17" presetID="1" presetClass="entr" presetSubtype="0" fill="hold" grpId="0" nodeType="withEffect">
+                                  <p:stCondLst>
+                                    <p:cond delay="0"/>
+                                  </p:stCondLst>
+                                  <p:childTnLst>
+                                    <p:set>
+                                      <p:cBhvr>
+                                        <p:cTn id="18" dur="1" fill="hold">
+                                          <p:stCondLst>
+                                            <p:cond delay="0"/>
+                                          </p:stCondLst>
+                                        </p:cTn>
+                                        <p:tgtEl>
+                                          <p:spTgt spid="8"/>
+                                        </p:tgtEl>
+                                        <p:attrNameLst>
+                                          <p:attrName>style.visibility</p:attrName>
+                                        </p:attrNameLst>
+                                      </p:cBhvr>
+                                      <p:to>
+                                        <p:strVal val="visible"/>
+                                      </p:to>
+                                    </p:set>
+                                  </p:childTnLst>
+                                </p:cTn>
+                              </p:par>
+                            </p:childTnLst>
+                          </p:cTn>
+                        </p:par>
+                      </p:childTnLst>
+                    </p:cTn>
+                  </p:par>
+                </p:childTnLst>
+              </p:cTn>
+              <p:prevCondLst>
+                <p:cond evt="onPrev" delay="0">
+                  <p:tgtEl>
+                    <p:sldTgt/>
+                  </p:tgtEl>
+                </p:cond>
+              </p:prevCondLst>
+              <p:nextCondLst>
+                <p:cond evt="onNext" delay="0">
+                  <p:tgtEl>
+                    <p:sldTgt/>
+                  </p:tgtEl>
+                </p:cond>
+              </p:nextCondLst>
+            </p:seq>
+          </p:childTnLst>
+        </p:cTn>
+      </p:par>
+    </p:tnLst>
+    <p:bldLst>
+      <p:bldP spid="8" grpId="0"/>
+      <p:bldP spid="9" grpId="0"/>
+      <p:bldP spid="10" grpId="0"/>
+    </p:bldLst>
+  </p:timing>
+</p:sld>
+</file>
+
+<file path=ppt/slides/slide15.xml><?xml version="1.0" encoding="utf-8"?>
+<p:sld xmlns:a="http://schemas.openxmlformats.org/drawingml/2006/main" xmlns:r="http://schemas.openxmlformats.org/officeDocument/2006/relationships" xmlns:p="http://schemas.openxmlformats.org/presentationml/2006/main">
+  <p:cSld>
+    <p:spTree>
+      <p:nvGrpSpPr>
+        <p:cNvPr id="1" name=""/>
+        <p:cNvGrpSpPr/>
+        <p:nvPr/>
+      </p:nvGrpSpPr>
+      <p:grpSpPr>
+        <a:xfrm>
+          <a:off x="0" y="0"/>
+          <a:ext cx="0" cy="0"/>
+          <a:chOff x="0" y="0"/>
+          <a:chExt cx="0" cy="0"/>
+        </a:xfrm>
+      </p:grpSpPr>
+      <p:sp>
+        <p:nvSpPr>
+          <p:cNvPr id="2" name="Title 1">
+            <a:extLst>
+              <a:ext uri="{FF2B5EF4-FFF2-40B4-BE49-F238E27FC236}">
                 <a16:creationId xmlns:a16="http://schemas.microsoft.com/office/drawing/2014/main" id="{AA3A228F-61D0-D949-A5E7-F83756230BF8}"/>
               </a:ext>
             </a:extLst>
@@ -8453,7 +10397,7 @@
           <a:p>
             <a:fld id="{D57F1E4F-1CFF-5643-939E-02111984F565}" type="slidenum">
               <a:rPr lang="en-US" smtClean="0"/>
-              <a:t>12</a:t>
+              <a:t>15</a:t>
             </a:fld>
             <a:endParaRPr lang="en-US" dirty="0"/>
           </a:p>
@@ -8693,7 +10637,7 @@
 </p:sld>
 </file>
 
-<file path=ppt/slides/slide13.xml><?xml version="1.0" encoding="utf-8"?>
+<file path=ppt/slides/slide16.xml><?xml version="1.0" encoding="utf-8"?>
 <p:sld xmlns:a="http://schemas.openxmlformats.org/drawingml/2006/main" xmlns:r="http://schemas.openxmlformats.org/officeDocument/2006/relationships" xmlns:p="http://schemas.openxmlformats.org/presentationml/2006/main">
   <p:cSld>
     <p:spTree>
@@ -9070,7 +11014,7 @@
           <a:p>
             <a:fld id="{D57F1E4F-1CFF-5643-939E-02111984F565}" type="slidenum">
               <a:rPr lang="en-US" smtClean="0"/>
-              <a:t>13</a:t>
+              <a:t>16</a:t>
             </a:fld>
             <a:endParaRPr lang="en-US" dirty="0"/>
           </a:p>
@@ -9292,7 +11236,7 @@
 </p:sld>
 </file>
 
-<file path=ppt/slides/slide14.xml><?xml version="1.0" encoding="utf-8"?>
+<file path=ppt/slides/slide17.xml><?xml version="1.0" encoding="utf-8"?>
 <p:sld xmlns:a="http://schemas.openxmlformats.org/drawingml/2006/main" xmlns:r="http://schemas.openxmlformats.org/officeDocument/2006/relationships" xmlns:p="http://schemas.openxmlformats.org/presentationml/2006/main">
   <p:cSld>
     <p:spTree>
@@ -9548,7 +11492,7 @@
           <a:p>
             <a:fld id="{D57F1E4F-1CFF-5643-939E-02111984F565}" type="slidenum">
               <a:rPr lang="en-US" smtClean="0"/>
-              <a:t>14</a:t>
+              <a:t>17</a:t>
             </a:fld>
             <a:endParaRPr lang="en-US" dirty="0"/>
           </a:p>
@@ -9792,7 +11736,7 @@
 </p:sld>
 </file>
 
-<file path=ppt/slides/slide15.xml><?xml version="1.0" encoding="utf-8"?>
+<file path=ppt/slides/slide18.xml><?xml version="1.0" encoding="utf-8"?>
 <p:sld xmlns:a="http://schemas.openxmlformats.org/drawingml/2006/main" xmlns:r="http://schemas.openxmlformats.org/officeDocument/2006/relationships" xmlns:p="http://schemas.openxmlformats.org/presentationml/2006/main">
   <p:cSld>
     <p:spTree>
@@ -10130,7 +12074,7 @@
           <a:p>
             <a:fld id="{D57F1E4F-1CFF-5643-939E-02111984F565}" type="slidenum">
               <a:rPr lang="en-US" smtClean="0"/>
-              <a:t>15</a:t>
+              <a:t>18</a:t>
             </a:fld>
             <a:endParaRPr lang="en-US" dirty="0"/>
           </a:p>
@@ -10570,7 +12514,7 @@
 </p:sld>
 </file>
 
-<file path=ppt/slides/slide16.xml><?xml version="1.0" encoding="utf-8"?>
+<file path=ppt/slides/slide19.xml><?xml version="1.0" encoding="utf-8"?>
 <p:sld xmlns:a="http://schemas.openxmlformats.org/drawingml/2006/main" xmlns:r="http://schemas.openxmlformats.org/officeDocument/2006/relationships" xmlns:p="http://schemas.openxmlformats.org/presentationml/2006/main">
   <p:cSld>
     <p:spTree>
@@ -10962,7 +12906,7 @@
           <a:p>
             <a:fld id="{D57F1E4F-1CFF-5643-939E-02111984F565}" type="slidenum">
               <a:rPr lang="en-US" smtClean="0"/>
-              <a:t>16</a:t>
+              <a:t>19</a:t>
             </a:fld>
             <a:endParaRPr lang="en-US" dirty="0"/>
           </a:p>
@@ -11402,7 +13346,403 @@
 </p:sld>
 </file>
 
-<file path=ppt/slides/slide17.xml><?xml version="1.0" encoding="utf-8"?>
+<file path=ppt/slides/slide2.xml><?xml version="1.0" encoding="utf-8"?>
+<p:sld xmlns:a="http://schemas.openxmlformats.org/drawingml/2006/main" xmlns:r="http://schemas.openxmlformats.org/officeDocument/2006/relationships" xmlns:p="http://schemas.openxmlformats.org/presentationml/2006/main">
+  <p:cSld>
+    <p:spTree>
+      <p:nvGrpSpPr>
+        <p:cNvPr id="1" name=""/>
+        <p:cNvGrpSpPr/>
+        <p:nvPr/>
+      </p:nvGrpSpPr>
+      <p:grpSpPr>
+        <a:xfrm>
+          <a:off x="0" y="0"/>
+          <a:ext cx="0" cy="0"/>
+          <a:chOff x="0" y="0"/>
+          <a:chExt cx="0" cy="0"/>
+        </a:xfrm>
+      </p:grpSpPr>
+      <p:sp>
+        <p:nvSpPr>
+          <p:cNvPr id="2" name="Title 1">
+            <a:extLst>
+              <a:ext uri="{FF2B5EF4-FFF2-40B4-BE49-F238E27FC236}">
+                <a16:creationId xmlns:a16="http://schemas.microsoft.com/office/drawing/2014/main" id="{AA3A228F-61D0-D949-A5E7-F83756230BF8}"/>
+              </a:ext>
+            </a:extLst>
+          </p:cNvPr>
+          <p:cNvSpPr>
+            <a:spLocks noGrp="1"/>
+          </p:cNvSpPr>
+          <p:nvPr>
+            <p:ph type="title"/>
+          </p:nvPr>
+        </p:nvSpPr>
+        <p:spPr>
+          <a:xfrm>
+            <a:off x="169682" y="134007"/>
+            <a:ext cx="7053542" cy="683886"/>
+          </a:xfrm>
+        </p:spPr>
+        <p:txBody>
+          <a:bodyPr/>
+          <a:lstStyle/>
+          <a:p>
+            <a:r>
+              <a:rPr lang="en-US" dirty="0"/>
+              <a:t>Indefinite Loop</a:t>
+            </a:r>
+          </a:p>
+        </p:txBody>
+      </p:sp>
+      <p:sp>
+        <p:nvSpPr>
+          <p:cNvPr id="9" name="Content Placeholder 8">
+            <a:extLst>
+              <a:ext uri="{FF2B5EF4-FFF2-40B4-BE49-F238E27FC236}">
+                <a16:creationId xmlns:a16="http://schemas.microsoft.com/office/drawing/2014/main" id="{E3B2E017-30B2-884B-A113-B419A2ED51AD}"/>
+              </a:ext>
+            </a:extLst>
+          </p:cNvPr>
+          <p:cNvSpPr>
+            <a:spLocks noGrp="1"/>
+          </p:cNvSpPr>
+          <p:nvPr>
+            <p:ph idx="1"/>
+          </p:nvPr>
+        </p:nvSpPr>
+        <p:spPr>
+          <a:xfrm>
+            <a:off x="169682" y="1007165"/>
+            <a:ext cx="8804636" cy="4573828"/>
+          </a:xfrm>
+        </p:spPr>
+        <p:txBody>
+          <a:bodyPr>
+            <a:normAutofit/>
+          </a:bodyPr>
+          <a:lstStyle/>
+          <a:p>
+            <a:pPr marL="0" indent="0">
+              <a:buNone/>
+            </a:pPr>
+            <a:r>
+              <a:rPr lang="en-US" dirty="0"/>
+              <a:t>A </a:t>
+            </a:r>
+            <a:r>
+              <a:rPr lang="en-US" b="1" dirty="0"/>
+              <a:t>for </a:t>
+            </a:r>
+            <a:r>
+              <a:rPr lang="en-US" dirty="0"/>
+              <a:t>loop, we discussed earlier is an example of a </a:t>
+            </a:r>
+            <a:r>
+              <a:rPr lang="en-US" b="1" dirty="0"/>
+              <a:t>definite loop</a:t>
+            </a:r>
+            <a:r>
+              <a:rPr lang="en-US" dirty="0"/>
+              <a:t>, the number of iterations can be specified ahead of time by the programmer.</a:t>
+            </a:r>
+          </a:p>
+          <a:p>
+            <a:pPr marL="0" indent="0">
+              <a:buNone/>
+            </a:pPr>
+            <a:endParaRPr lang="en-US" dirty="0"/>
+          </a:p>
+          <a:p>
+            <a:pPr marL="0" indent="0">
+              <a:buNone/>
+            </a:pPr>
+            <a:r>
+              <a:rPr lang="en-US" dirty="0"/>
+              <a:t>In some cases, however, the number of iterations can be unknown.  This type of loop is called an </a:t>
+            </a:r>
+            <a:r>
+              <a:rPr lang="en-US" b="1" dirty="0"/>
+              <a:t>indefinite loop.  </a:t>
+            </a:r>
+            <a:r>
+              <a:rPr lang="en-US" dirty="0"/>
+              <a:t>For example, a user is asked to enter a sequence of positive numbers. The user can enter 0 to finish with their inputs. The number of inputs the user enter is not known in advance. </a:t>
+            </a:r>
+          </a:p>
+          <a:p>
+            <a:pPr marL="0" indent="0">
+              <a:buNone/>
+            </a:pPr>
+            <a:endParaRPr lang="en-US" dirty="0"/>
+          </a:p>
+          <a:p>
+            <a:pPr marL="0" indent="0">
+              <a:buNone/>
+            </a:pPr>
+            <a:r>
+              <a:rPr lang="en-US" dirty="0"/>
+              <a:t>In this section, we explore the use of the </a:t>
+            </a:r>
+            <a:r>
+              <a:rPr lang="en-US" b="1" dirty="0"/>
+              <a:t>while </a:t>
+            </a:r>
+            <a:r>
+              <a:rPr lang="en-US" dirty="0"/>
+              <a:t>loop to describe conditional iteration: iteration that repeats as long as a condition is true. </a:t>
+            </a:r>
+          </a:p>
+          <a:p>
+            <a:pPr marL="0" indent="0">
+              <a:buNone/>
+            </a:pPr>
+            <a:endParaRPr lang="en-US" dirty="0"/>
+          </a:p>
+          <a:p>
+            <a:pPr marL="0" indent="0">
+              <a:buNone/>
+            </a:pPr>
+            <a:r>
+              <a:rPr lang="en-US" dirty="0"/>
+              <a:t>Between the two loops, the for loop is more common. </a:t>
+            </a:r>
+          </a:p>
+          <a:p>
+            <a:pPr marL="0" indent="0">
+              <a:buNone/>
+            </a:pPr>
+            <a:endParaRPr lang="en-US" dirty="0"/>
+          </a:p>
+          <a:p>
+            <a:pPr marL="0" indent="0">
+              <a:buNone/>
+            </a:pPr>
+            <a:endParaRPr lang="en-US" dirty="0"/>
+          </a:p>
+        </p:txBody>
+      </p:sp>
+      <p:sp>
+        <p:nvSpPr>
+          <p:cNvPr id="3" name="Slide Number Placeholder 2">
+            <a:extLst>
+              <a:ext uri="{FF2B5EF4-FFF2-40B4-BE49-F238E27FC236}">
+                <a16:creationId xmlns:a16="http://schemas.microsoft.com/office/drawing/2014/main" id="{BDC2059B-C28B-4640-BA06-033C10FB8E3F}"/>
+              </a:ext>
+            </a:extLst>
+          </p:cNvPr>
+          <p:cNvSpPr>
+            <a:spLocks noGrp="1"/>
+          </p:cNvSpPr>
+          <p:nvPr>
+            <p:ph type="sldNum" sz="quarter" idx="12"/>
+          </p:nvPr>
+        </p:nvSpPr>
+        <p:spPr/>
+        <p:txBody>
+          <a:bodyPr/>
+          <a:lstStyle/>
+          <a:p>
+            <a:fld id="{D57F1E4F-1CFF-5643-939E-02111984F565}" type="slidenum">
+              <a:rPr lang="en-US" smtClean="0"/>
+              <a:t>2</a:t>
+            </a:fld>
+            <a:endParaRPr lang="en-US" dirty="0"/>
+          </a:p>
+        </p:txBody>
+      </p:sp>
+    </p:spTree>
+    <p:extLst>
+      <p:ext uri="{BB962C8B-B14F-4D97-AF65-F5344CB8AC3E}">
+        <p14:creationId xmlns:p14="http://schemas.microsoft.com/office/powerpoint/2010/main" val="924617162"/>
+      </p:ext>
+    </p:extLst>
+  </p:cSld>
+  <p:clrMapOvr>
+    <a:masterClrMapping/>
+  </p:clrMapOvr>
+  <p:timing>
+    <p:tnLst>
+      <p:par>
+        <p:cTn id="1" dur="indefinite" restart="never" nodeType="tmRoot">
+          <p:childTnLst>
+            <p:seq concurrent="1" nextAc="seek">
+              <p:cTn id="2" dur="indefinite" nodeType="mainSeq">
+                <p:childTnLst>
+                  <p:par>
+                    <p:cTn id="3" fill="hold">
+                      <p:stCondLst>
+                        <p:cond delay="indefinite"/>
+                      </p:stCondLst>
+                      <p:childTnLst>
+                        <p:par>
+                          <p:cTn id="4" fill="hold">
+                            <p:stCondLst>
+                              <p:cond delay="0"/>
+                            </p:stCondLst>
+                            <p:childTnLst>
+                              <p:par>
+                                <p:cTn id="5" presetID="1" presetClass="entr" presetSubtype="0" fill="hold" nodeType="clickEffect">
+                                  <p:stCondLst>
+                                    <p:cond delay="0"/>
+                                  </p:stCondLst>
+                                  <p:childTnLst>
+                                    <p:set>
+                                      <p:cBhvr>
+                                        <p:cTn id="6" dur="1" fill="hold">
+                                          <p:stCondLst>
+                                            <p:cond delay="0"/>
+                                          </p:stCondLst>
+                                        </p:cTn>
+                                        <p:tgtEl>
+                                          <p:spTgt spid="9">
+                                            <p:txEl>
+                                              <p:pRg st="2" end="2"/>
+                                            </p:txEl>
+                                          </p:spTgt>
+                                        </p:tgtEl>
+                                        <p:attrNameLst>
+                                          <p:attrName>style.visibility</p:attrName>
+                                        </p:attrNameLst>
+                                      </p:cBhvr>
+                                      <p:to>
+                                        <p:strVal val="visible"/>
+                                      </p:to>
+                                    </p:set>
+                                  </p:childTnLst>
+                                </p:cTn>
+                              </p:par>
+                            </p:childTnLst>
+                          </p:cTn>
+                        </p:par>
+                      </p:childTnLst>
+                    </p:cTn>
+                  </p:par>
+                  <p:par>
+                    <p:cTn id="7" fill="hold">
+                      <p:stCondLst>
+                        <p:cond delay="indefinite"/>
+                      </p:stCondLst>
+                      <p:childTnLst>
+                        <p:par>
+                          <p:cTn id="8" fill="hold">
+                            <p:stCondLst>
+                              <p:cond delay="0"/>
+                            </p:stCondLst>
+                            <p:childTnLst>
+                              <p:par>
+                                <p:cTn id="9" presetID="1" presetClass="entr" presetSubtype="0" fill="hold" nodeType="clickEffect">
+                                  <p:stCondLst>
+                                    <p:cond delay="0"/>
+                                  </p:stCondLst>
+                                  <p:childTnLst>
+                                    <p:set>
+                                      <p:cBhvr>
+                                        <p:cTn id="10" dur="1" fill="hold">
+                                          <p:stCondLst>
+                                            <p:cond delay="0"/>
+                                          </p:stCondLst>
+                                        </p:cTn>
+                                        <p:tgtEl>
+                                          <p:spTgt spid="9">
+                                            <p:txEl>
+                                              <p:pRg st="4" end="4"/>
+                                            </p:txEl>
+                                          </p:spTgt>
+                                        </p:tgtEl>
+                                        <p:attrNameLst>
+                                          <p:attrName>style.visibility</p:attrName>
+                                        </p:attrNameLst>
+                                      </p:cBhvr>
+                                      <p:to>
+                                        <p:strVal val="visible"/>
+                                      </p:to>
+                                    </p:set>
+                                  </p:childTnLst>
+                                </p:cTn>
+                              </p:par>
+                            </p:childTnLst>
+                          </p:cTn>
+                        </p:par>
+                      </p:childTnLst>
+                    </p:cTn>
+                  </p:par>
+                  <p:par>
+                    <p:cTn id="11" fill="hold">
+                      <p:stCondLst>
+                        <p:cond delay="indefinite"/>
+                      </p:stCondLst>
+                      <p:childTnLst>
+                        <p:par>
+                          <p:cTn id="12" fill="hold">
+                            <p:stCondLst>
+                              <p:cond delay="0"/>
+                            </p:stCondLst>
+                            <p:childTnLst>
+                              <p:par>
+                                <p:cTn id="13" presetID="1" presetClass="entr" presetSubtype="0" fill="hold" nodeType="clickEffect">
+                                  <p:stCondLst>
+                                    <p:cond delay="0"/>
+                                  </p:stCondLst>
+                                  <p:childTnLst>
+                                    <p:set>
+                                      <p:cBhvr>
+                                        <p:cTn id="14" dur="1" fill="hold">
+                                          <p:stCondLst>
+                                            <p:cond delay="0"/>
+                                          </p:stCondLst>
+                                        </p:cTn>
+                                        <p:tgtEl>
+                                          <p:spTgt spid="9">
+                                            <p:txEl>
+                                              <p:pRg st="6" end="6"/>
+                                            </p:txEl>
+                                          </p:spTgt>
+                                        </p:tgtEl>
+                                        <p:attrNameLst>
+                                          <p:attrName>style.visibility</p:attrName>
+                                        </p:attrNameLst>
+                                      </p:cBhvr>
+                                      <p:to>
+                                        <p:strVal val="visible"/>
+                                      </p:to>
+                                    </p:set>
+                                  </p:childTnLst>
+                                </p:cTn>
+                              </p:par>
+                            </p:childTnLst>
+                          </p:cTn>
+                        </p:par>
+                      </p:childTnLst>
+                    </p:cTn>
+                  </p:par>
+                </p:childTnLst>
+              </p:cTn>
+              <p:prevCondLst>
+                <p:cond evt="onPrev" delay="0">
+                  <p:tgtEl>
+                    <p:sldTgt/>
+                  </p:tgtEl>
+                </p:cond>
+              </p:prevCondLst>
+              <p:nextCondLst>
+                <p:cond evt="onNext" delay="0">
+                  <p:tgtEl>
+                    <p:sldTgt/>
+                  </p:tgtEl>
+                </p:cond>
+              </p:nextCondLst>
+            </p:seq>
+          </p:childTnLst>
+        </p:cTn>
+      </p:par>
+    </p:tnLst>
+  </p:timing>
+</p:sld>
+</file>
+
+<file path=ppt/slides/slide20.xml><?xml version="1.0" encoding="utf-8"?>
 <p:sld xmlns:a="http://schemas.openxmlformats.org/drawingml/2006/main" xmlns:r="http://schemas.openxmlformats.org/officeDocument/2006/relationships" xmlns:p="http://schemas.openxmlformats.org/presentationml/2006/main">
   <p:cSld>
     <p:spTree>
@@ -11636,7 +13976,7 @@
           <a:p>
             <a:fld id="{D57F1E4F-1CFF-5643-939E-02111984F565}" type="slidenum">
               <a:rPr lang="en-US" smtClean="0"/>
-              <a:t>17</a:t>
+              <a:t>20</a:t>
             </a:fld>
             <a:endParaRPr lang="en-US" dirty="0"/>
           </a:p>
@@ -11801,26 +14141,39 @@
                                   </p:childTnLst>
                                 </p:cTn>
                               </p:par>
-                            </p:childTnLst>
-                          </p:cTn>
-                        </p:par>
-                      </p:childTnLst>
-                    </p:cTn>
-                  </p:par>
-                  <p:par>
-                    <p:cTn id="15" fill="hold">
-                      <p:stCondLst>
-                        <p:cond delay="indefinite"/>
-                      </p:stCondLst>
-                      <p:childTnLst>
-                        <p:par>
-                          <p:cTn id="16" fill="hold">
-                            <p:stCondLst>
-                              <p:cond delay="0"/>
-                            </p:stCondLst>
-                            <p:childTnLst>
                               <p:par>
-                                <p:cTn id="17" presetID="1" presetClass="entr" presetSubtype="0" fill="hold" nodeType="clickEffect">
+                                <p:cTn id="15" presetID="1" presetClass="entr" presetSubtype="0" fill="hold" nodeType="withEffect">
+                                  <p:stCondLst>
+                                    <p:cond delay="0"/>
+                                  </p:stCondLst>
+                                  <p:childTnLst>
+                                    <p:set>
+                                      <p:cBhvr>
+                                        <p:cTn id="16" dur="1" fill="hold">
+                                          <p:stCondLst>
+                                            <p:cond delay="0"/>
+                                          </p:stCondLst>
+                                        </p:cTn>
+                                        <p:tgtEl>
+                                          <p:spTgt spid="9">
+                                            <p:txEl>
+                                              <p:pRg st="8" end="8"/>
+                                            </p:txEl>
+                                          </p:spTgt>
+                                        </p:tgtEl>
+                                        <p:attrNameLst>
+                                          <p:attrName>style.visibility</p:attrName>
+                                        </p:attrNameLst>
+                                      </p:cBhvr>
+                                      <p:to>
+                                        <p:strVal val="visible"/>
+                                      </p:to>
+                                    </p:set>
+                                  </p:childTnLst>
+                                </p:cTn>
+                              </p:par>
+                              <p:par>
+                                <p:cTn id="17" presetID="1" presetClass="entr" presetSubtype="0" fill="hold" nodeType="withEffect">
                                   <p:stCondLst>
                                     <p:cond delay="0"/>
                                   </p:stCondLst>
@@ -11835,7 +14188,7 @@
                                         <p:tgtEl>
                                           <p:spTgt spid="9">
                                             <p:txEl>
-                                              <p:pRg st="7" end="7"/>
+                                              <p:pRg st="9" end="9"/>
                                             </p:txEl>
                                           </p:spTgt>
                                         </p:tgtEl>
@@ -11881,7 +14234,7 @@
 </p:sld>
 </file>
 
-<file path=ppt/slides/slide18.xml><?xml version="1.0" encoding="utf-8"?>
+<file path=ppt/slides/slide21.xml><?xml version="1.0" encoding="utf-8"?>
 <p:sld xmlns:a="http://schemas.openxmlformats.org/drawingml/2006/main" xmlns:r="http://schemas.openxmlformats.org/officeDocument/2006/relationships" xmlns:p="http://schemas.openxmlformats.org/presentationml/2006/main">
   <p:cSld>
     <p:spTree>
@@ -12427,7 +14780,7 @@
           <a:p>
             <a:fld id="{D57F1E4F-1CFF-5643-939E-02111984F565}" type="slidenum">
               <a:rPr lang="en-US" smtClean="0"/>
-              <a:t>18</a:t>
+              <a:t>21</a:t>
             </a:fld>
             <a:endParaRPr lang="en-US" dirty="0"/>
           </a:p>
@@ -12819,7 +15172,7 @@
 </p:sld>
 </file>
 
-<file path=ppt/slides/slide19.xml><?xml version="1.0" encoding="utf-8"?>
+<file path=ppt/slides/slide22.xml><?xml version="1.0" encoding="utf-8"?>
 <p:sld xmlns:a="http://schemas.openxmlformats.org/drawingml/2006/main" xmlns:r="http://schemas.openxmlformats.org/officeDocument/2006/relationships" xmlns:p="http://schemas.openxmlformats.org/presentationml/2006/main">
   <p:cSld>
     <p:spTree>
@@ -13181,7 +15534,7 @@
           <a:p>
             <a:fld id="{D57F1E4F-1CFF-5643-939E-02111984F565}" type="slidenum">
               <a:rPr lang="en-US" smtClean="0"/>
-              <a:t>19</a:t>
+              <a:t>22</a:t>
             </a:fld>
             <a:endParaRPr lang="en-US" dirty="0"/>
           </a:p>
@@ -13191,225 +15544,6 @@
     <p:extLst>
       <p:ext uri="{BB962C8B-B14F-4D97-AF65-F5344CB8AC3E}">
         <p14:creationId xmlns:p14="http://schemas.microsoft.com/office/powerpoint/2010/main" val="1289346350"/>
-      </p:ext>
-    </p:extLst>
-  </p:cSld>
-  <p:clrMapOvr>
-    <a:masterClrMapping/>
-  </p:clrMapOvr>
-</p:sld>
-</file>
-
-<file path=ppt/slides/slide2.xml><?xml version="1.0" encoding="utf-8"?>
-<p:sld xmlns:a="http://schemas.openxmlformats.org/drawingml/2006/main" xmlns:r="http://schemas.openxmlformats.org/officeDocument/2006/relationships" xmlns:p="http://schemas.openxmlformats.org/presentationml/2006/main">
-  <p:cSld>
-    <p:spTree>
-      <p:nvGrpSpPr>
-        <p:cNvPr id="1" name=""/>
-        <p:cNvGrpSpPr/>
-        <p:nvPr/>
-      </p:nvGrpSpPr>
-      <p:grpSpPr>
-        <a:xfrm>
-          <a:off x="0" y="0"/>
-          <a:ext cx="0" cy="0"/>
-          <a:chOff x="0" y="0"/>
-          <a:chExt cx="0" cy="0"/>
-        </a:xfrm>
-      </p:grpSpPr>
-      <p:sp>
-        <p:nvSpPr>
-          <p:cNvPr id="2" name="Title 1">
-            <a:extLst>
-              <a:ext uri="{FF2B5EF4-FFF2-40B4-BE49-F238E27FC236}">
-                <a16:creationId xmlns:a16="http://schemas.microsoft.com/office/drawing/2014/main" id="{AA3A228F-61D0-D949-A5E7-F83756230BF8}"/>
-              </a:ext>
-            </a:extLst>
-          </p:cNvPr>
-          <p:cNvSpPr>
-            <a:spLocks noGrp="1"/>
-          </p:cNvSpPr>
-          <p:nvPr>
-            <p:ph type="title"/>
-          </p:nvPr>
-        </p:nvSpPr>
-        <p:spPr>
-          <a:xfrm>
-            <a:off x="169682" y="134007"/>
-            <a:ext cx="7053542" cy="683886"/>
-          </a:xfrm>
-        </p:spPr>
-        <p:txBody>
-          <a:bodyPr/>
-          <a:lstStyle/>
-          <a:p>
-            <a:r>
-              <a:rPr lang="en-US" dirty="0"/>
-              <a:t>Indefinite Loop</a:t>
-            </a:r>
-          </a:p>
-        </p:txBody>
-      </p:sp>
-      <p:sp>
-        <p:nvSpPr>
-          <p:cNvPr id="9" name="Content Placeholder 8">
-            <a:extLst>
-              <a:ext uri="{FF2B5EF4-FFF2-40B4-BE49-F238E27FC236}">
-                <a16:creationId xmlns:a16="http://schemas.microsoft.com/office/drawing/2014/main" id="{E3B2E017-30B2-884B-A113-B419A2ED51AD}"/>
-              </a:ext>
-            </a:extLst>
-          </p:cNvPr>
-          <p:cNvSpPr>
-            <a:spLocks noGrp="1"/>
-          </p:cNvSpPr>
-          <p:nvPr>
-            <p:ph idx="1"/>
-          </p:nvPr>
-        </p:nvSpPr>
-        <p:spPr>
-          <a:xfrm>
-            <a:off x="169682" y="1007165"/>
-            <a:ext cx="8804636" cy="4573828"/>
-          </a:xfrm>
-        </p:spPr>
-        <p:txBody>
-          <a:bodyPr>
-            <a:normAutofit/>
-          </a:bodyPr>
-          <a:lstStyle/>
-          <a:p>
-            <a:pPr marL="0" indent="0">
-              <a:buNone/>
-            </a:pPr>
-            <a:r>
-              <a:rPr lang="en-US" dirty="0"/>
-              <a:t>A </a:t>
-            </a:r>
-            <a:r>
-              <a:rPr lang="en-US" b="1" dirty="0"/>
-              <a:t>for </a:t>
-            </a:r>
-            <a:r>
-              <a:rPr lang="en-US" dirty="0"/>
-              <a:t>loop, we discussed earlier is an example of a </a:t>
-            </a:r>
-            <a:r>
-              <a:rPr lang="en-US" b="1" dirty="0"/>
-              <a:t>definite loop</a:t>
-            </a:r>
-            <a:r>
-              <a:rPr lang="en-US" dirty="0"/>
-              <a:t>, the number of iterations can be specified ahead of time by the programmer.</a:t>
-            </a:r>
-          </a:p>
-          <a:p>
-            <a:pPr marL="0" indent="0">
-              <a:buNone/>
-            </a:pPr>
-            <a:endParaRPr lang="en-US" dirty="0"/>
-          </a:p>
-          <a:p>
-            <a:pPr marL="0" indent="0">
-              <a:buNone/>
-            </a:pPr>
-            <a:r>
-              <a:rPr lang="en-US" dirty="0"/>
-              <a:t>In some cases, however, the number of iterations can be unknown.  This type of loop is called an </a:t>
-            </a:r>
-            <a:r>
-              <a:rPr lang="en-US" b="1" dirty="0"/>
-              <a:t>indefinite loop.  </a:t>
-            </a:r>
-            <a:r>
-              <a:rPr lang="en-US" dirty="0"/>
-              <a:t>For example, a user is asked to enter a sequence of positive numbers. The user can enter 0 to finish with their inputs. The number of inputs the user enter is not known in advance. </a:t>
-            </a:r>
-          </a:p>
-          <a:p>
-            <a:pPr marL="0" indent="0">
-              <a:buNone/>
-            </a:pPr>
-            <a:endParaRPr lang="en-US" dirty="0"/>
-          </a:p>
-          <a:p>
-            <a:pPr marL="0" indent="0">
-              <a:buNone/>
-            </a:pPr>
-            <a:r>
-              <a:rPr lang="en-US" dirty="0"/>
-              <a:t>In this section, we explore the use of the </a:t>
-            </a:r>
-            <a:r>
-              <a:rPr lang="en-US" b="1" dirty="0"/>
-              <a:t>while </a:t>
-            </a:r>
-            <a:r>
-              <a:rPr lang="en-US" dirty="0"/>
-              <a:t>loop to describe conditional iteration: iteration that repeats as long as a condition is true. </a:t>
-            </a:r>
-          </a:p>
-          <a:p>
-            <a:pPr marL="0" indent="0">
-              <a:buNone/>
-            </a:pPr>
-            <a:endParaRPr lang="en-US" dirty="0"/>
-          </a:p>
-          <a:p>
-            <a:pPr marL="0" indent="0">
-              <a:buNone/>
-            </a:pPr>
-            <a:r>
-              <a:rPr lang="en-US" dirty="0"/>
-              <a:t>Between the two loops, the for loop is more common. </a:t>
-            </a:r>
-          </a:p>
-          <a:p>
-            <a:pPr marL="0" indent="0">
-              <a:buNone/>
-            </a:pPr>
-            <a:endParaRPr lang="en-US" dirty="0"/>
-          </a:p>
-          <a:p>
-            <a:pPr marL="0" indent="0">
-              <a:buNone/>
-            </a:pPr>
-            <a:endParaRPr lang="en-US" dirty="0"/>
-          </a:p>
-        </p:txBody>
-      </p:sp>
-      <p:sp>
-        <p:nvSpPr>
-          <p:cNvPr id="3" name="Slide Number Placeholder 2">
-            <a:extLst>
-              <a:ext uri="{FF2B5EF4-FFF2-40B4-BE49-F238E27FC236}">
-                <a16:creationId xmlns:a16="http://schemas.microsoft.com/office/drawing/2014/main" id="{BDC2059B-C28B-4640-BA06-033C10FB8E3F}"/>
-              </a:ext>
-            </a:extLst>
-          </p:cNvPr>
-          <p:cNvSpPr>
-            <a:spLocks noGrp="1"/>
-          </p:cNvSpPr>
-          <p:nvPr>
-            <p:ph type="sldNum" sz="quarter" idx="12"/>
-          </p:nvPr>
-        </p:nvSpPr>
-        <p:spPr/>
-        <p:txBody>
-          <a:bodyPr/>
-          <a:lstStyle/>
-          <a:p>
-            <a:fld id="{D57F1E4F-1CFF-5643-939E-02111984F565}" type="slidenum">
-              <a:rPr lang="en-US" smtClean="0"/>
-              <a:t>2</a:t>
-            </a:fld>
-            <a:endParaRPr lang="en-US" dirty="0"/>
-          </a:p>
-        </p:txBody>
-      </p:sp>
-    </p:spTree>
-    <p:extLst>
-      <p:ext uri="{BB962C8B-B14F-4D97-AF65-F5344CB8AC3E}">
-        <p14:creationId xmlns:p14="http://schemas.microsoft.com/office/powerpoint/2010/main" val="924617162"/>
       </p:ext>
     </p:extLst>
   </p:cSld>
@@ -13516,6 +15650,37 @@
                                   </p:childTnLst>
                                 </p:cTn>
                               </p:par>
+                              <p:par>
+                                <p:cTn id="11" presetID="1" presetClass="entr" presetSubtype="0" fill="hold" nodeType="withEffect">
+                                  <p:stCondLst>
+                                    <p:cond delay="0"/>
+                                  </p:stCondLst>
+                                  <p:childTnLst>
+                                    <p:set>
+                                      <p:cBhvr>
+                                        <p:cTn id="12" dur="1" fill="hold">
+                                          <p:stCondLst>
+                                            <p:cond delay="0"/>
+                                          </p:stCondLst>
+                                        </p:cTn>
+                                        <p:tgtEl>
+                                          <p:spTgt spid="9">
+                                            <p:txEl>
+                                              <p:pRg st="5" end="5"/>
+                                            </p:txEl>
+                                          </p:spTgt>
+                                        </p:tgtEl>
+                                        <p:attrNameLst>
+                                          <p:attrName>style.visibility</p:attrName>
+                                        </p:attrNameLst>
+                                      </p:cBhvr>
+                                      <p:to>
+                                        <p:strVal val="visible"/>
+                                      </p:to>
+                                    </p:set>
+                                  </p:childTnLst>
+                                </p:cTn>
+                              </p:par>
                             </p:childTnLst>
                           </p:cTn>
                         </p:par>
@@ -13523,26 +15688,26 @@
                     </p:cTn>
                   </p:par>
                   <p:par>
-                    <p:cTn id="11" fill="hold">
+                    <p:cTn id="13" fill="hold">
                       <p:stCondLst>
                         <p:cond delay="indefinite"/>
                       </p:stCondLst>
                       <p:childTnLst>
                         <p:par>
-                          <p:cTn id="12" fill="hold">
+                          <p:cTn id="14" fill="hold">
                             <p:stCondLst>
                               <p:cond delay="0"/>
                             </p:stCondLst>
                             <p:childTnLst>
                               <p:par>
-                                <p:cTn id="13" presetID="1" presetClass="entr" presetSubtype="0" fill="hold" nodeType="clickEffect">
+                                <p:cTn id="15" presetID="1" presetClass="entr" presetSubtype="0" fill="hold" nodeType="clickEffect">
                                   <p:stCondLst>
                                     <p:cond delay="0"/>
                                   </p:stCondLst>
                                   <p:childTnLst>
                                     <p:set>
                                       <p:cBhvr>
-                                        <p:cTn id="14" dur="1" fill="hold">
+                                        <p:cTn id="16" dur="1" fill="hold">
                                           <p:stCondLst>
                                             <p:cond delay="0"/>
                                           </p:stCondLst>
@@ -13551,6 +15716,135 @@
                                           <p:spTgt spid="9">
                                             <p:txEl>
                                               <p:pRg st="6" end="6"/>
+                                            </p:txEl>
+                                          </p:spTgt>
+                                        </p:tgtEl>
+                                        <p:attrNameLst>
+                                          <p:attrName>style.visibility</p:attrName>
+                                        </p:attrNameLst>
+                                      </p:cBhvr>
+                                      <p:to>
+                                        <p:strVal val="visible"/>
+                                      </p:to>
+                                    </p:set>
+                                  </p:childTnLst>
+                                </p:cTn>
+                              </p:par>
+                              <p:par>
+                                <p:cTn id="17" presetID="1" presetClass="entr" presetSubtype="0" fill="hold" nodeType="withEffect">
+                                  <p:stCondLst>
+                                    <p:cond delay="0"/>
+                                  </p:stCondLst>
+                                  <p:childTnLst>
+                                    <p:set>
+                                      <p:cBhvr>
+                                        <p:cTn id="18" dur="1" fill="hold">
+                                          <p:stCondLst>
+                                            <p:cond delay="0"/>
+                                          </p:stCondLst>
+                                        </p:cTn>
+                                        <p:tgtEl>
+                                          <p:spTgt spid="9">
+                                            <p:txEl>
+                                              <p:pRg st="7" end="7"/>
+                                            </p:txEl>
+                                          </p:spTgt>
+                                        </p:tgtEl>
+                                        <p:attrNameLst>
+                                          <p:attrName>style.visibility</p:attrName>
+                                        </p:attrNameLst>
+                                      </p:cBhvr>
+                                      <p:to>
+                                        <p:strVal val="visible"/>
+                                      </p:to>
+                                    </p:set>
+                                  </p:childTnLst>
+                                </p:cTn>
+                              </p:par>
+                            </p:childTnLst>
+                          </p:cTn>
+                        </p:par>
+                      </p:childTnLst>
+                    </p:cTn>
+                  </p:par>
+                  <p:par>
+                    <p:cTn id="19" fill="hold">
+                      <p:stCondLst>
+                        <p:cond delay="indefinite"/>
+                      </p:stCondLst>
+                      <p:childTnLst>
+                        <p:par>
+                          <p:cTn id="20" fill="hold">
+                            <p:stCondLst>
+                              <p:cond delay="0"/>
+                            </p:stCondLst>
+                            <p:childTnLst>
+                              <p:par>
+                                <p:cTn id="21" presetID="1" presetClass="entr" presetSubtype="0" fill="hold" nodeType="clickEffect">
+                                  <p:stCondLst>
+                                    <p:cond delay="0"/>
+                                  </p:stCondLst>
+                                  <p:childTnLst>
+                                    <p:set>
+                                      <p:cBhvr>
+                                        <p:cTn id="22" dur="1" fill="hold">
+                                          <p:stCondLst>
+                                            <p:cond delay="0"/>
+                                          </p:stCondLst>
+                                        </p:cTn>
+                                        <p:tgtEl>
+                                          <p:spTgt spid="9">
+                                            <p:txEl>
+                                              <p:pRg st="8" end="8"/>
+                                            </p:txEl>
+                                          </p:spTgt>
+                                        </p:tgtEl>
+                                        <p:attrNameLst>
+                                          <p:attrName>style.visibility</p:attrName>
+                                        </p:attrNameLst>
+                                      </p:cBhvr>
+                                      <p:to>
+                                        <p:strVal val="visible"/>
+                                      </p:to>
+                                    </p:set>
+                                  </p:childTnLst>
+                                </p:cTn>
+                              </p:par>
+                            </p:childTnLst>
+                          </p:cTn>
+                        </p:par>
+                      </p:childTnLst>
+                    </p:cTn>
+                  </p:par>
+                  <p:par>
+                    <p:cTn id="23" fill="hold">
+                      <p:stCondLst>
+                        <p:cond delay="indefinite"/>
+                      </p:stCondLst>
+                      <p:childTnLst>
+                        <p:par>
+                          <p:cTn id="24" fill="hold">
+                            <p:stCondLst>
+                              <p:cond delay="0"/>
+                            </p:stCondLst>
+                            <p:childTnLst>
+                              <p:par>
+                                <p:cTn id="25" presetID="1" presetClass="entr" presetSubtype="0" fill="hold" nodeType="clickEffect">
+                                  <p:stCondLst>
+                                    <p:cond delay="0"/>
+                                  </p:stCondLst>
+                                  <p:childTnLst>
+                                    <p:set>
+                                      <p:cBhvr>
+                                        <p:cTn id="26" dur="1" fill="hold">
+                                          <p:stCondLst>
+                                            <p:cond delay="0"/>
+                                          </p:stCondLst>
+                                        </p:cTn>
+                                        <p:tgtEl>
+                                          <p:spTgt spid="9">
+                                            <p:txEl>
+                                              <p:pRg st="10" end="10"/>
                                             </p:txEl>
                                           </p:spTgt>
                                         </p:tgtEl>
@@ -13596,7 +15890,7 @@
 </p:sld>
 </file>
 
-<file path=ppt/slides/slide20.xml><?xml version="1.0" encoding="utf-8"?>
+<file path=ppt/slides/slide23.xml><?xml version="1.0" encoding="utf-8"?>
 <p:sld xmlns:a="http://schemas.openxmlformats.org/drawingml/2006/main" xmlns:r="http://schemas.openxmlformats.org/officeDocument/2006/relationships" xmlns:p="http://schemas.openxmlformats.org/presentationml/2006/main">
   <p:cSld>
     <p:spTree>
@@ -13862,7 +16156,7 @@
           <a:p>
             <a:fld id="{D57F1E4F-1CFF-5643-939E-02111984F565}" type="slidenum">
               <a:rPr lang="en-US" smtClean="0"/>
-              <a:t>20</a:t>
+              <a:t>23</a:t>
             </a:fld>
             <a:endParaRPr lang="en-US" dirty="0"/>
           </a:p>
@@ -14089,7 +16383,7 @@
 </p:sld>
 </file>
 
-<file path=ppt/slides/slide21.xml><?xml version="1.0" encoding="utf-8"?>
+<file path=ppt/slides/slide24.xml><?xml version="1.0" encoding="utf-8"?>
 <p:sld xmlns:a="http://schemas.openxmlformats.org/drawingml/2006/main" xmlns:r="http://schemas.openxmlformats.org/officeDocument/2006/relationships" xmlns:p="http://schemas.openxmlformats.org/presentationml/2006/main">
   <p:cSld>
     <p:spTree>
@@ -14574,7 +16868,7 @@
           <a:p>
             <a:fld id="{D57F1E4F-1CFF-5643-939E-02111984F565}" type="slidenum">
               <a:rPr lang="en-US" smtClean="0"/>
-              <a:t>21</a:t>
+              <a:t>24</a:t>
             </a:fld>
             <a:endParaRPr lang="en-US" dirty="0"/>
           </a:p>
@@ -15309,7 +17603,7 @@
 </p:sld>
 </file>
 
-<file path=ppt/slides/slide22.xml><?xml version="1.0" encoding="utf-8"?>
+<file path=ppt/slides/slide25.xml><?xml version="1.0" encoding="utf-8"?>
 <p:sld xmlns:a="http://schemas.openxmlformats.org/drawingml/2006/main" xmlns:r="http://schemas.openxmlformats.org/officeDocument/2006/relationships" xmlns:p="http://schemas.openxmlformats.org/presentationml/2006/main">
   <p:cSld>
     <p:spTree>
@@ -15472,7 +17766,7 @@
           <a:p>
             <a:fld id="{D57F1E4F-1CFF-5643-939E-02111984F565}" type="slidenum">
               <a:rPr lang="en-US" smtClean="0"/>
-              <a:t>22</a:t>
+              <a:t>25</a:t>
             </a:fld>
             <a:endParaRPr lang="en-US" dirty="0"/>
           </a:p>
@@ -15990,18 +18284,6 @@
             <a:pPr marL="0" indent="0">
               <a:buNone/>
             </a:pPr>
-            <a:endParaRPr lang="en-US" dirty="0"/>
-          </a:p>
-          <a:p>
-            <a:pPr marL="0" indent="0">
-              <a:buNone/>
-            </a:pPr>
-            <a:endParaRPr lang="en-US" dirty="0"/>
-          </a:p>
-          <a:p>
-            <a:pPr marL="0" indent="0">
-              <a:buNone/>
-            </a:pPr>
             <a:r>
               <a:rPr lang="en-US" dirty="0"/>
               <a:t>For loops are commonly used for definite loops: loops where the number of iterations is known in advance. For example, count the number of prime numbers between 1 and 1000. Loop 1000 times from 1 to 1000. </a:t>
@@ -16074,6 +18356,65 @@
               <a:t>4</a:t>
             </a:fld>
             <a:endParaRPr lang="en-US" dirty="0"/>
+          </a:p>
+        </p:txBody>
+      </p:sp>
+      <p:sp>
+        <p:nvSpPr>
+          <p:cNvPr id="4" name="TextBox 3">
+            <a:extLst>
+              <a:ext uri="{FF2B5EF4-FFF2-40B4-BE49-F238E27FC236}">
+                <a16:creationId xmlns:a16="http://schemas.microsoft.com/office/drawing/2014/main" id="{B8979A2B-F24F-CA14-4D7B-E47B5DB99A14}"/>
+              </a:ext>
+            </a:extLst>
+          </p:cNvPr>
+          <p:cNvSpPr txBox="1"/>
+          <p:nvPr/>
+        </p:nvSpPr>
+        <p:spPr>
+          <a:xfrm>
+            <a:off x="5248170" y="4045858"/>
+            <a:ext cx="3726148" cy="1061829"/>
+          </a:xfrm>
+          <a:prstGeom prst="rect">
+            <a:avLst/>
+          </a:prstGeom>
+          <a:noFill/>
+        </p:spPr>
+        <p:txBody>
+          <a:bodyPr wrap="none" rtlCol="0">
+            <a:spAutoFit/>
+          </a:bodyPr>
+          <a:lstStyle/>
+          <a:p>
+            <a:r>
+              <a:rPr lang="en-US" sz="2100">
+                <a:solidFill>
+                  <a:srgbClr val="FF0000"/>
+                </a:solidFill>
+              </a:rPr>
+              <a:t>We can’t predict the number</a:t>
+            </a:r>
+          </a:p>
+          <a:p>
+            <a:r>
+              <a:rPr lang="en-US" sz="2100">
+                <a:solidFill>
+                  <a:srgbClr val="FF0000"/>
+                </a:solidFill>
+              </a:rPr>
+              <a:t>of iterations required before the</a:t>
+            </a:r>
+          </a:p>
+          <a:p>
+            <a:r>
+              <a:rPr lang="en-US" sz="2100">
+                <a:solidFill>
+                  <a:srgbClr val="FF0000"/>
+                </a:solidFill>
+              </a:rPr>
+              <a:t>loop terminates. </a:t>
+            </a:r>
           </a:p>
         </p:txBody>
       </p:sp>
@@ -16123,7 +18464,7 @@
                                         <p:tgtEl>
                                           <p:spTgt spid="9">
                                             <p:txEl>
-                                              <p:pRg st="4" end="4"/>
+                                              <p:pRg st="2" end="2"/>
                                             </p:txEl>
                                           </p:spTgt>
                                         </p:tgtEl>
@@ -16172,7 +18513,7 @@
                                         <p:tgtEl>
                                           <p:spTgt spid="9">
                                             <p:txEl>
-                                              <p:pRg st="6" end="6"/>
+                                              <p:pRg st="4" end="4"/>
                                             </p:txEl>
                                           </p:spTgt>
                                         </p:tgtEl>
@@ -16221,9 +18562,54 @@
                                         <p:tgtEl>
                                           <p:spTgt spid="9">
                                             <p:txEl>
-                                              <p:pRg st="7" end="7"/>
+                                              <p:pRg st="5" end="5"/>
                                             </p:txEl>
                                           </p:spTgt>
+                                        </p:tgtEl>
+                                        <p:attrNameLst>
+                                          <p:attrName>style.visibility</p:attrName>
+                                        </p:attrNameLst>
+                                      </p:cBhvr>
+                                      <p:to>
+                                        <p:strVal val="visible"/>
+                                      </p:to>
+                                    </p:set>
+                                  </p:childTnLst>
+                                </p:cTn>
+                              </p:par>
+                            </p:childTnLst>
+                          </p:cTn>
+                        </p:par>
+                      </p:childTnLst>
+                    </p:cTn>
+                  </p:par>
+                  <p:par>
+                    <p:cTn id="15" fill="hold">
+                      <p:stCondLst>
+                        <p:cond delay="indefinite"/>
+                      </p:stCondLst>
+                      <p:childTnLst>
+                        <p:par>
+                          <p:cTn id="16" fill="hold">
+                            <p:stCondLst>
+                              <p:cond delay="0"/>
+                            </p:stCondLst>
+                            <p:childTnLst>
+                              <p:par>
+                                <p:cTn id="17" presetID="1" presetClass="entr" presetSubtype="0" fill="hold" grpId="0" nodeType="clickEffect">
+                                  <p:stCondLst>
+                                    <p:cond delay="0"/>
+                                  </p:stCondLst>
+                                  <p:childTnLst>
+                                    <p:set>
+                                      <p:cBhvr>
+                                        <p:cTn id="18" dur="1" fill="hold">
+                                          <p:stCondLst>
+                                            <p:cond delay="0"/>
+                                          </p:stCondLst>
+                                        </p:cTn>
+                                        <p:tgtEl>
+                                          <p:spTgt spid="4"/>
                                         </p:tgtEl>
                                         <p:attrNameLst>
                                           <p:attrName>style.visibility</p:attrName>
@@ -16263,6 +18649,9 @@
         </p:cTn>
       </p:par>
     </p:tnLst>
+    <p:bldLst>
+      <p:bldP spid="4" grpId="0"/>
+    </p:bldLst>
   </p:timing>
 </p:sld>
 </file>
@@ -16640,6 +19029,476 @@
   <p:clrMapOvr>
     <a:masterClrMapping/>
   </p:clrMapOvr>
+  <p:timing>
+    <p:tnLst>
+      <p:par>
+        <p:cTn id="1" dur="indefinite" restart="never" nodeType="tmRoot">
+          <p:childTnLst>
+            <p:seq concurrent="1" nextAc="seek">
+              <p:cTn id="2" dur="indefinite" nodeType="mainSeq">
+                <p:childTnLst>
+                  <p:par>
+                    <p:cTn id="3" fill="hold">
+                      <p:stCondLst>
+                        <p:cond delay="indefinite"/>
+                      </p:stCondLst>
+                      <p:childTnLst>
+                        <p:par>
+                          <p:cTn id="4" fill="hold">
+                            <p:stCondLst>
+                              <p:cond delay="0"/>
+                            </p:stCondLst>
+                            <p:childTnLst>
+                              <p:par>
+                                <p:cTn id="5" presetID="1" presetClass="entr" presetSubtype="0" fill="hold" nodeType="clickEffect">
+                                  <p:stCondLst>
+                                    <p:cond delay="0"/>
+                                  </p:stCondLst>
+                                  <p:childTnLst>
+                                    <p:set>
+                                      <p:cBhvr>
+                                        <p:cTn id="6" dur="1" fill="hold">
+                                          <p:stCondLst>
+                                            <p:cond delay="0"/>
+                                          </p:stCondLst>
+                                        </p:cTn>
+                                        <p:tgtEl>
+                                          <p:spTgt spid="9">
+                                            <p:txEl>
+                                              <p:pRg st="2" end="2"/>
+                                            </p:txEl>
+                                          </p:spTgt>
+                                        </p:tgtEl>
+                                        <p:attrNameLst>
+                                          <p:attrName>style.visibility</p:attrName>
+                                        </p:attrNameLst>
+                                      </p:cBhvr>
+                                      <p:to>
+                                        <p:strVal val="visible"/>
+                                      </p:to>
+                                    </p:set>
+                                  </p:childTnLst>
+                                </p:cTn>
+                              </p:par>
+                              <p:par>
+                                <p:cTn id="7" presetID="1" presetClass="entr" presetSubtype="0" fill="hold" nodeType="withEffect">
+                                  <p:stCondLst>
+                                    <p:cond delay="0"/>
+                                  </p:stCondLst>
+                                  <p:childTnLst>
+                                    <p:set>
+                                      <p:cBhvr>
+                                        <p:cTn id="8" dur="1" fill="hold">
+                                          <p:stCondLst>
+                                            <p:cond delay="0"/>
+                                          </p:stCondLst>
+                                        </p:cTn>
+                                        <p:tgtEl>
+                                          <p:spTgt spid="9">
+                                            <p:txEl>
+                                              <p:pRg st="3" end="3"/>
+                                            </p:txEl>
+                                          </p:spTgt>
+                                        </p:tgtEl>
+                                        <p:attrNameLst>
+                                          <p:attrName>style.visibility</p:attrName>
+                                        </p:attrNameLst>
+                                      </p:cBhvr>
+                                      <p:to>
+                                        <p:strVal val="visible"/>
+                                      </p:to>
+                                    </p:set>
+                                  </p:childTnLst>
+                                </p:cTn>
+                              </p:par>
+                              <p:par>
+                                <p:cTn id="9" presetID="1" presetClass="entr" presetSubtype="0" fill="hold" nodeType="withEffect">
+                                  <p:stCondLst>
+                                    <p:cond delay="0"/>
+                                  </p:stCondLst>
+                                  <p:childTnLst>
+                                    <p:set>
+                                      <p:cBhvr>
+                                        <p:cTn id="10" dur="1" fill="hold">
+                                          <p:stCondLst>
+                                            <p:cond delay="0"/>
+                                          </p:stCondLst>
+                                        </p:cTn>
+                                        <p:tgtEl>
+                                          <p:spTgt spid="9">
+                                            <p:txEl>
+                                              <p:pRg st="4" end="4"/>
+                                            </p:txEl>
+                                          </p:spTgt>
+                                        </p:tgtEl>
+                                        <p:attrNameLst>
+                                          <p:attrName>style.visibility</p:attrName>
+                                        </p:attrNameLst>
+                                      </p:cBhvr>
+                                      <p:to>
+                                        <p:strVal val="visible"/>
+                                      </p:to>
+                                    </p:set>
+                                  </p:childTnLst>
+                                </p:cTn>
+                              </p:par>
+                            </p:childTnLst>
+                          </p:cTn>
+                        </p:par>
+                      </p:childTnLst>
+                    </p:cTn>
+                  </p:par>
+                  <p:par>
+                    <p:cTn id="11" fill="hold">
+                      <p:stCondLst>
+                        <p:cond delay="indefinite"/>
+                      </p:stCondLst>
+                      <p:childTnLst>
+                        <p:par>
+                          <p:cTn id="12" fill="hold">
+                            <p:stCondLst>
+                              <p:cond delay="0"/>
+                            </p:stCondLst>
+                            <p:childTnLst>
+                              <p:par>
+                                <p:cTn id="13" presetID="1" presetClass="entr" presetSubtype="0" fill="hold" grpId="0" nodeType="clickEffect">
+                                  <p:stCondLst>
+                                    <p:cond delay="0"/>
+                                  </p:stCondLst>
+                                  <p:childTnLst>
+                                    <p:set>
+                                      <p:cBhvr>
+                                        <p:cTn id="14" dur="1" fill="hold">
+                                          <p:stCondLst>
+                                            <p:cond delay="0"/>
+                                          </p:stCondLst>
+                                        </p:cTn>
+                                        <p:tgtEl>
+                                          <p:spTgt spid="5"/>
+                                        </p:tgtEl>
+                                        <p:attrNameLst>
+                                          <p:attrName>style.visibility</p:attrName>
+                                        </p:attrNameLst>
+                                      </p:cBhvr>
+                                      <p:to>
+                                        <p:strVal val="visible"/>
+                                      </p:to>
+                                    </p:set>
+                                  </p:childTnLst>
+                                </p:cTn>
+                              </p:par>
+                            </p:childTnLst>
+                          </p:cTn>
+                        </p:par>
+                      </p:childTnLst>
+                    </p:cTn>
+                  </p:par>
+                  <p:par>
+                    <p:cTn id="15" fill="hold">
+                      <p:stCondLst>
+                        <p:cond delay="indefinite"/>
+                      </p:stCondLst>
+                      <p:childTnLst>
+                        <p:par>
+                          <p:cTn id="16" fill="hold">
+                            <p:stCondLst>
+                              <p:cond delay="0"/>
+                            </p:stCondLst>
+                            <p:childTnLst>
+                              <p:par>
+                                <p:cTn id="17" presetID="1" presetClass="entr" presetSubtype="0" fill="hold" nodeType="clickEffect">
+                                  <p:stCondLst>
+                                    <p:cond delay="0"/>
+                                  </p:stCondLst>
+                                  <p:childTnLst>
+                                    <p:set>
+                                      <p:cBhvr>
+                                        <p:cTn id="18" dur="1" fill="hold">
+                                          <p:stCondLst>
+                                            <p:cond delay="0"/>
+                                          </p:stCondLst>
+                                        </p:cTn>
+                                        <p:tgtEl>
+                                          <p:spTgt spid="9">
+                                            <p:txEl>
+                                              <p:pRg st="6" end="6"/>
+                                            </p:txEl>
+                                          </p:spTgt>
+                                        </p:tgtEl>
+                                        <p:attrNameLst>
+                                          <p:attrName>style.visibility</p:attrName>
+                                        </p:attrNameLst>
+                                      </p:cBhvr>
+                                      <p:to>
+                                        <p:strVal val="visible"/>
+                                      </p:to>
+                                    </p:set>
+                                  </p:childTnLst>
+                                </p:cTn>
+                              </p:par>
+                              <p:par>
+                                <p:cTn id="19" presetID="1" presetClass="entr" presetSubtype="0" fill="hold" nodeType="withEffect">
+                                  <p:stCondLst>
+                                    <p:cond delay="0"/>
+                                  </p:stCondLst>
+                                  <p:childTnLst>
+                                    <p:set>
+                                      <p:cBhvr>
+                                        <p:cTn id="20" dur="1" fill="hold">
+                                          <p:stCondLst>
+                                            <p:cond delay="0"/>
+                                          </p:stCondLst>
+                                        </p:cTn>
+                                        <p:tgtEl>
+                                          <p:spTgt spid="9">
+                                            <p:txEl>
+                                              <p:pRg st="8" end="8"/>
+                                            </p:txEl>
+                                          </p:spTgt>
+                                        </p:tgtEl>
+                                        <p:attrNameLst>
+                                          <p:attrName>style.visibility</p:attrName>
+                                        </p:attrNameLst>
+                                      </p:cBhvr>
+                                      <p:to>
+                                        <p:strVal val="visible"/>
+                                      </p:to>
+                                    </p:set>
+                                  </p:childTnLst>
+                                </p:cTn>
+                              </p:par>
+                              <p:par>
+                                <p:cTn id="21" presetID="1" presetClass="entr" presetSubtype="0" fill="hold" nodeType="withEffect">
+                                  <p:stCondLst>
+                                    <p:cond delay="0"/>
+                                  </p:stCondLst>
+                                  <p:childTnLst>
+                                    <p:set>
+                                      <p:cBhvr>
+                                        <p:cTn id="22" dur="1" fill="hold">
+                                          <p:stCondLst>
+                                            <p:cond delay="0"/>
+                                          </p:stCondLst>
+                                        </p:cTn>
+                                        <p:tgtEl>
+                                          <p:spTgt spid="9">
+                                            <p:txEl>
+                                              <p:pRg st="9" end="9"/>
+                                            </p:txEl>
+                                          </p:spTgt>
+                                        </p:tgtEl>
+                                        <p:attrNameLst>
+                                          <p:attrName>style.visibility</p:attrName>
+                                        </p:attrNameLst>
+                                      </p:cBhvr>
+                                      <p:to>
+                                        <p:strVal val="visible"/>
+                                      </p:to>
+                                    </p:set>
+                                  </p:childTnLst>
+                                </p:cTn>
+                              </p:par>
+                              <p:par>
+                                <p:cTn id="23" presetID="1" presetClass="entr" presetSubtype="0" fill="hold" nodeType="withEffect">
+                                  <p:stCondLst>
+                                    <p:cond delay="0"/>
+                                  </p:stCondLst>
+                                  <p:childTnLst>
+                                    <p:set>
+                                      <p:cBhvr>
+                                        <p:cTn id="24" dur="1" fill="hold">
+                                          <p:stCondLst>
+                                            <p:cond delay="0"/>
+                                          </p:stCondLst>
+                                        </p:cTn>
+                                        <p:tgtEl>
+                                          <p:spTgt spid="9">
+                                            <p:txEl>
+                                              <p:pRg st="10" end="10"/>
+                                            </p:txEl>
+                                          </p:spTgt>
+                                        </p:tgtEl>
+                                        <p:attrNameLst>
+                                          <p:attrName>style.visibility</p:attrName>
+                                        </p:attrNameLst>
+                                      </p:cBhvr>
+                                      <p:to>
+                                        <p:strVal val="visible"/>
+                                      </p:to>
+                                    </p:set>
+                                  </p:childTnLst>
+                                </p:cTn>
+                              </p:par>
+                              <p:par>
+                                <p:cTn id="25" presetID="1" presetClass="entr" presetSubtype="0" fill="hold" nodeType="withEffect">
+                                  <p:stCondLst>
+                                    <p:cond delay="0"/>
+                                  </p:stCondLst>
+                                  <p:childTnLst>
+                                    <p:set>
+                                      <p:cBhvr>
+                                        <p:cTn id="26" dur="1" fill="hold">
+                                          <p:stCondLst>
+                                            <p:cond delay="0"/>
+                                          </p:stCondLst>
+                                        </p:cTn>
+                                        <p:tgtEl>
+                                          <p:spTgt spid="9">
+                                            <p:txEl>
+                                              <p:pRg st="11" end="11"/>
+                                            </p:txEl>
+                                          </p:spTgt>
+                                        </p:tgtEl>
+                                        <p:attrNameLst>
+                                          <p:attrName>style.visibility</p:attrName>
+                                        </p:attrNameLst>
+                                      </p:cBhvr>
+                                      <p:to>
+                                        <p:strVal val="visible"/>
+                                      </p:to>
+                                    </p:set>
+                                  </p:childTnLst>
+                                </p:cTn>
+                              </p:par>
+                              <p:par>
+                                <p:cTn id="27" presetID="1" presetClass="entr" presetSubtype="0" fill="hold" nodeType="withEffect">
+                                  <p:stCondLst>
+                                    <p:cond delay="0"/>
+                                  </p:stCondLst>
+                                  <p:childTnLst>
+                                    <p:set>
+                                      <p:cBhvr>
+                                        <p:cTn id="28" dur="1" fill="hold">
+                                          <p:stCondLst>
+                                            <p:cond delay="0"/>
+                                          </p:stCondLst>
+                                        </p:cTn>
+                                        <p:tgtEl>
+                                          <p:spTgt spid="9">
+                                            <p:txEl>
+                                              <p:pRg st="12" end="12"/>
+                                            </p:txEl>
+                                          </p:spTgt>
+                                        </p:tgtEl>
+                                        <p:attrNameLst>
+                                          <p:attrName>style.visibility</p:attrName>
+                                        </p:attrNameLst>
+                                      </p:cBhvr>
+                                      <p:to>
+                                        <p:strVal val="visible"/>
+                                      </p:to>
+                                    </p:set>
+                                  </p:childTnLst>
+                                </p:cTn>
+                              </p:par>
+                              <p:par>
+                                <p:cTn id="29" presetID="1" presetClass="entr" presetSubtype="0" fill="hold" nodeType="withEffect">
+                                  <p:stCondLst>
+                                    <p:cond delay="0"/>
+                                  </p:stCondLst>
+                                  <p:childTnLst>
+                                    <p:set>
+                                      <p:cBhvr>
+                                        <p:cTn id="30" dur="1" fill="hold">
+                                          <p:stCondLst>
+                                            <p:cond delay="0"/>
+                                          </p:stCondLst>
+                                        </p:cTn>
+                                        <p:tgtEl>
+                                          <p:spTgt spid="9">
+                                            <p:txEl>
+                                              <p:pRg st="13" end="13"/>
+                                            </p:txEl>
+                                          </p:spTgt>
+                                        </p:tgtEl>
+                                        <p:attrNameLst>
+                                          <p:attrName>style.visibility</p:attrName>
+                                        </p:attrNameLst>
+                                      </p:cBhvr>
+                                      <p:to>
+                                        <p:strVal val="visible"/>
+                                      </p:to>
+                                    </p:set>
+                                  </p:childTnLst>
+                                </p:cTn>
+                              </p:par>
+                            </p:childTnLst>
+                          </p:cTn>
+                        </p:par>
+                      </p:childTnLst>
+                    </p:cTn>
+                  </p:par>
+                  <p:par>
+                    <p:cTn id="31" fill="hold">
+                      <p:stCondLst>
+                        <p:cond delay="indefinite"/>
+                      </p:stCondLst>
+                      <p:childTnLst>
+                        <p:par>
+                          <p:cTn id="32" fill="hold">
+                            <p:stCondLst>
+                              <p:cond delay="0"/>
+                            </p:stCondLst>
+                            <p:childTnLst>
+                              <p:par>
+                                <p:cTn id="33" presetID="1" presetClass="entr" presetSubtype="0" fill="hold" grpId="0" nodeType="clickEffect">
+                                  <p:stCondLst>
+                                    <p:cond delay="0"/>
+                                  </p:stCondLst>
+                                  <p:childTnLst>
+                                    <p:set>
+                                      <p:cBhvr>
+                                        <p:cTn id="34" dur="1" fill="hold">
+                                          <p:stCondLst>
+                                            <p:cond delay="0"/>
+                                          </p:stCondLst>
+                                        </p:cTn>
+                                        <p:tgtEl>
+                                          <p:spTgt spid="4"/>
+                                        </p:tgtEl>
+                                        <p:attrNameLst>
+                                          <p:attrName>style.visibility</p:attrName>
+                                        </p:attrNameLst>
+                                      </p:cBhvr>
+                                      <p:to>
+                                        <p:strVal val="visible"/>
+                                      </p:to>
+                                    </p:set>
+                                  </p:childTnLst>
+                                </p:cTn>
+                              </p:par>
+                            </p:childTnLst>
+                          </p:cTn>
+                        </p:par>
+                      </p:childTnLst>
+                    </p:cTn>
+                  </p:par>
+                </p:childTnLst>
+              </p:cTn>
+              <p:prevCondLst>
+                <p:cond evt="onPrev" delay="0">
+                  <p:tgtEl>
+                    <p:sldTgt/>
+                  </p:tgtEl>
+                </p:cond>
+              </p:prevCondLst>
+              <p:nextCondLst>
+                <p:cond evt="onNext" delay="0">
+                  <p:tgtEl>
+                    <p:sldTgt/>
+                  </p:tgtEl>
+                </p:cond>
+              </p:nextCondLst>
+            </p:seq>
+          </p:childTnLst>
+        </p:cTn>
+      </p:par>
+    </p:tnLst>
+    <p:bldLst>
+      <p:bldP spid="4" grpId="0"/>
+      <p:bldP spid="5" grpId="0"/>
+    </p:bldLst>
+  </p:timing>
 </p:sld>
 </file>
 
@@ -17327,6 +20186,55 @@
                       </p:childTnLst>
                     </p:cTn>
                   </p:par>
+                  <p:par>
+                    <p:cTn id="31" fill="hold">
+                      <p:stCondLst>
+                        <p:cond delay="indefinite"/>
+                      </p:stCondLst>
+                      <p:childTnLst>
+                        <p:par>
+                          <p:cTn id="32" fill="hold">
+                            <p:stCondLst>
+                              <p:cond delay="0"/>
+                            </p:stCondLst>
+                            <p:childTnLst>
+                              <p:par>
+                                <p:cTn id="33" presetID="1" presetClass="entr" presetSubtype="0" fill="hold" nodeType="clickEffect">
+                                  <p:stCondLst>
+                                    <p:cond delay="0"/>
+                                  </p:stCondLst>
+                                  <p:childTnLst>
+                                    <p:set>
+                                      <p:cBhvr>
+                                        <p:cTn id="34" dur="1" fill="hold">
+                                          <p:stCondLst>
+                                            <p:cond delay="0"/>
+                                          </p:stCondLst>
+                                        </p:cTn>
+                                        <p:tgtEl>
+                                          <p:spTgt spid="9">
+                                            <p:txEl>
+                                              <p:pRg st="12" end="12"/>
+                                            </p:txEl>
+                                          </p:spTgt>
+                                        </p:tgtEl>
+                                        <p:attrNameLst>
+                                          <p:attrName>style.visibility</p:attrName>
+                                        </p:attrNameLst>
+                                      </p:cBhvr>
+                                      <p:to>
+                                        <p:strVal val="visible"/>
+                                      </p:to>
+                                    </p:set>
+                                  </p:childTnLst>
+                                </p:cTn>
+                              </p:par>
+                            </p:childTnLst>
+                          </p:cTn>
+                        </p:par>
+                      </p:childTnLst>
+                    </p:cTn>
+                  </p:par>
                 </p:childTnLst>
               </p:cTn>
               <p:prevCondLst>
@@ -17636,6 +20544,245 @@
   <p:clrMapOvr>
     <a:masterClrMapping/>
   </p:clrMapOvr>
+  <p:timing>
+    <p:tnLst>
+      <p:par>
+        <p:cTn id="1" dur="indefinite" restart="never" nodeType="tmRoot">
+          <p:childTnLst>
+            <p:seq concurrent="1" nextAc="seek">
+              <p:cTn id="2" dur="indefinite" nodeType="mainSeq">
+                <p:childTnLst>
+                  <p:par>
+                    <p:cTn id="3" fill="hold">
+                      <p:stCondLst>
+                        <p:cond delay="indefinite"/>
+                      </p:stCondLst>
+                      <p:childTnLst>
+                        <p:par>
+                          <p:cTn id="4" fill="hold">
+                            <p:stCondLst>
+                              <p:cond delay="0"/>
+                            </p:stCondLst>
+                            <p:childTnLst>
+                              <p:par>
+                                <p:cTn id="5" presetID="1" presetClass="entr" presetSubtype="0" fill="hold" nodeType="clickEffect">
+                                  <p:stCondLst>
+                                    <p:cond delay="0"/>
+                                  </p:stCondLst>
+                                  <p:childTnLst>
+                                    <p:set>
+                                      <p:cBhvr>
+                                        <p:cTn id="6" dur="1" fill="hold">
+                                          <p:stCondLst>
+                                            <p:cond delay="0"/>
+                                          </p:stCondLst>
+                                        </p:cTn>
+                                        <p:tgtEl>
+                                          <p:spTgt spid="9">
+                                            <p:txEl>
+                                              <p:pRg st="4" end="4"/>
+                                            </p:txEl>
+                                          </p:spTgt>
+                                        </p:tgtEl>
+                                        <p:attrNameLst>
+                                          <p:attrName>style.visibility</p:attrName>
+                                        </p:attrNameLst>
+                                      </p:cBhvr>
+                                      <p:to>
+                                        <p:strVal val="visible"/>
+                                      </p:to>
+                                    </p:set>
+                                  </p:childTnLst>
+                                </p:cTn>
+                              </p:par>
+                              <p:par>
+                                <p:cTn id="7" presetID="1" presetClass="entr" presetSubtype="0" fill="hold" nodeType="withEffect">
+                                  <p:stCondLst>
+                                    <p:cond delay="0"/>
+                                  </p:stCondLst>
+                                  <p:childTnLst>
+                                    <p:set>
+                                      <p:cBhvr>
+                                        <p:cTn id="8" dur="1" fill="hold">
+                                          <p:stCondLst>
+                                            <p:cond delay="0"/>
+                                          </p:stCondLst>
+                                        </p:cTn>
+                                        <p:tgtEl>
+                                          <p:spTgt spid="9">
+                                            <p:txEl>
+                                              <p:pRg st="5" end="5"/>
+                                            </p:txEl>
+                                          </p:spTgt>
+                                        </p:tgtEl>
+                                        <p:attrNameLst>
+                                          <p:attrName>style.visibility</p:attrName>
+                                        </p:attrNameLst>
+                                      </p:cBhvr>
+                                      <p:to>
+                                        <p:strVal val="visible"/>
+                                      </p:to>
+                                    </p:set>
+                                  </p:childTnLst>
+                                </p:cTn>
+                              </p:par>
+                            </p:childTnLst>
+                          </p:cTn>
+                        </p:par>
+                      </p:childTnLst>
+                    </p:cTn>
+                  </p:par>
+                  <p:par>
+                    <p:cTn id="9" fill="hold">
+                      <p:stCondLst>
+                        <p:cond delay="indefinite"/>
+                      </p:stCondLst>
+                      <p:childTnLst>
+                        <p:par>
+                          <p:cTn id="10" fill="hold">
+                            <p:stCondLst>
+                              <p:cond delay="0"/>
+                            </p:stCondLst>
+                            <p:childTnLst>
+                              <p:par>
+                                <p:cTn id="11" presetID="1" presetClass="entr" presetSubtype="0" fill="hold" nodeType="clickEffect">
+                                  <p:stCondLst>
+                                    <p:cond delay="0"/>
+                                  </p:stCondLst>
+                                  <p:childTnLst>
+                                    <p:set>
+                                      <p:cBhvr>
+                                        <p:cTn id="12" dur="1" fill="hold">
+                                          <p:stCondLst>
+                                            <p:cond delay="0"/>
+                                          </p:stCondLst>
+                                        </p:cTn>
+                                        <p:tgtEl>
+                                          <p:spTgt spid="9">
+                                            <p:txEl>
+                                              <p:pRg st="6" end="6"/>
+                                            </p:txEl>
+                                          </p:spTgt>
+                                        </p:tgtEl>
+                                        <p:attrNameLst>
+                                          <p:attrName>style.visibility</p:attrName>
+                                        </p:attrNameLst>
+                                      </p:cBhvr>
+                                      <p:to>
+                                        <p:strVal val="visible"/>
+                                      </p:to>
+                                    </p:set>
+                                  </p:childTnLst>
+                                </p:cTn>
+                              </p:par>
+                              <p:par>
+                                <p:cTn id="13" presetID="1" presetClass="entr" presetSubtype="0" fill="hold" nodeType="withEffect">
+                                  <p:stCondLst>
+                                    <p:cond delay="0"/>
+                                  </p:stCondLst>
+                                  <p:childTnLst>
+                                    <p:set>
+                                      <p:cBhvr>
+                                        <p:cTn id="14" dur="1" fill="hold">
+                                          <p:stCondLst>
+                                            <p:cond delay="0"/>
+                                          </p:stCondLst>
+                                        </p:cTn>
+                                        <p:tgtEl>
+                                          <p:spTgt spid="9">
+                                            <p:txEl>
+                                              <p:pRg st="7" end="7"/>
+                                            </p:txEl>
+                                          </p:spTgt>
+                                        </p:tgtEl>
+                                        <p:attrNameLst>
+                                          <p:attrName>style.visibility</p:attrName>
+                                        </p:attrNameLst>
+                                      </p:cBhvr>
+                                      <p:to>
+                                        <p:strVal val="visible"/>
+                                      </p:to>
+                                    </p:set>
+                                  </p:childTnLst>
+                                </p:cTn>
+                              </p:par>
+                            </p:childTnLst>
+                          </p:cTn>
+                        </p:par>
+                      </p:childTnLst>
+                    </p:cTn>
+                  </p:par>
+                  <p:par>
+                    <p:cTn id="15" fill="hold">
+                      <p:stCondLst>
+                        <p:cond delay="indefinite"/>
+                      </p:stCondLst>
+                      <p:childTnLst>
+                        <p:par>
+                          <p:cTn id="16" fill="hold">
+                            <p:stCondLst>
+                              <p:cond delay="0"/>
+                            </p:stCondLst>
+                            <p:childTnLst>
+                              <p:par>
+                                <p:cTn id="17" presetID="1" presetClass="entr" presetSubtype="0" fill="hold" nodeType="clickEffect">
+                                  <p:stCondLst>
+                                    <p:cond delay="0"/>
+                                  </p:stCondLst>
+                                  <p:childTnLst>
+                                    <p:set>
+                                      <p:cBhvr>
+                                        <p:cTn id="18" dur="1" fill="hold">
+                                          <p:stCondLst>
+                                            <p:cond delay="0"/>
+                                          </p:stCondLst>
+                                        </p:cTn>
+                                        <p:tgtEl>
+                                          <p:spTgt spid="9">
+                                            <p:txEl>
+                                              <p:pRg st="8" end="8"/>
+                                            </p:txEl>
+                                          </p:spTgt>
+                                        </p:tgtEl>
+                                        <p:attrNameLst>
+                                          <p:attrName>style.visibility</p:attrName>
+                                        </p:attrNameLst>
+                                      </p:cBhvr>
+                                      <p:to>
+                                        <p:strVal val="visible"/>
+                                      </p:to>
+                                    </p:set>
+                                  </p:childTnLst>
+                                </p:cTn>
+                              </p:par>
+                            </p:childTnLst>
+                          </p:cTn>
+                        </p:par>
+                      </p:childTnLst>
+                    </p:cTn>
+                  </p:par>
+                </p:childTnLst>
+              </p:cTn>
+              <p:prevCondLst>
+                <p:cond evt="onPrev" delay="0">
+                  <p:tgtEl>
+                    <p:sldTgt/>
+                  </p:tgtEl>
+                </p:cond>
+              </p:prevCondLst>
+              <p:nextCondLst>
+                <p:cond evt="onNext" delay="0">
+                  <p:tgtEl>
+                    <p:sldTgt/>
+                  </p:tgtEl>
+                </p:cond>
+              </p:nextCondLst>
+            </p:seq>
+          </p:childTnLst>
+        </p:cTn>
+      </p:par>
+    </p:tnLst>
+  </p:timing>
 </p:sld>
 </file>
 

--- a/courses/apcsp/lect7.pptx
+++ b/courses/apcsp/lect7.pptx
@@ -142,7 +142,7 @@
 <file path=ppt/revisionInfo.xml><?xml version="1.0" encoding="utf-8"?>
 <p1510:revInfo xmlns:a="http://schemas.openxmlformats.org/drawingml/2006/main" xmlns:r="http://schemas.openxmlformats.org/officeDocument/2006/relationships" xmlns:p1510="http://schemas.microsoft.com/office/powerpoint/2015/10/main">
   <p1510:revLst>
-    <p1510:client id="{24BC78E0-AD37-BF4F-8E04-6828975F313B}" v="1916" dt="2022-11-22T13:42:08.385"/>
+    <p1510:client id="{24BC78E0-AD37-BF4F-8E04-6828975F313B}" v="1917" dt="2022-11-28T16:36:02.697"/>
   </p1510:revLst>
 </p1510:revInfo>
 </file>
@@ -1775,7 +1775,7 @@
   <pc:docChgLst>
     <pc:chgData name="Long Nguyen" userId="f59fb8f3-a021-417a-8bc1-65c8d471c621" providerId="ADAL" clId="{24BC78E0-AD37-BF4F-8E04-6828975F313B}"/>
     <pc:docChg chg="undo custSel addSld delSld modSld">
-      <pc:chgData name="Long Nguyen" userId="f59fb8f3-a021-417a-8bc1-65c8d471c621" providerId="ADAL" clId="{24BC78E0-AD37-BF4F-8E04-6828975F313B}" dt="2022-11-22T13:42:08.385" v="4431"/>
+      <pc:chgData name="Long Nguyen" userId="f59fb8f3-a021-417a-8bc1-65c8d471c621" providerId="ADAL" clId="{24BC78E0-AD37-BF4F-8E04-6828975F313B}" dt="2022-11-28T16:36:02.696" v="4432" actId="20577"/>
       <pc:docMkLst>
         <pc:docMk/>
       </pc:docMkLst>
@@ -2067,7 +2067,7 @@
         </pc:spChg>
       </pc:sldChg>
       <pc:sldChg chg="delSp modSp add mod delAnim modAnim">
-        <pc:chgData name="Long Nguyen" userId="f59fb8f3-a021-417a-8bc1-65c8d471c621" providerId="ADAL" clId="{24BC78E0-AD37-BF4F-8E04-6828975F313B}" dt="2022-11-22T13:35:50.541" v="4356"/>
+        <pc:chgData name="Long Nguyen" userId="f59fb8f3-a021-417a-8bc1-65c8d471c621" providerId="ADAL" clId="{24BC78E0-AD37-BF4F-8E04-6828975F313B}" dt="2022-11-28T16:36:02.696" v="4432" actId="20577"/>
         <pc:sldMkLst>
           <pc:docMk/>
           <pc:sldMk cId="2587142351" sldId="345"/>
@@ -2081,7 +2081,7 @@
           </ac:spMkLst>
         </pc:spChg>
         <pc:spChg chg="mod">
-          <ac:chgData name="Long Nguyen" userId="f59fb8f3-a021-417a-8bc1-65c8d471c621" providerId="ADAL" clId="{24BC78E0-AD37-BF4F-8E04-6828975F313B}" dt="2022-11-22T13:03:23.167" v="2657" actId="20577"/>
+          <ac:chgData name="Long Nguyen" userId="f59fb8f3-a021-417a-8bc1-65c8d471c621" providerId="ADAL" clId="{24BC78E0-AD37-BF4F-8E04-6828975F313B}" dt="2022-11-28T16:36:02.696" v="4432" actId="20577"/>
           <ac:spMkLst>
             <pc:docMk/>
             <pc:sldMk cId="2587142351" sldId="345"/>
@@ -3151,7 +3151,7 @@
           <a:p>
             <a:fld id="{A72EAE5B-FAC7-1D4A-97BD-119B918062BA}" type="datetimeFigureOut">
               <a:rPr lang="en-US" smtClean="0"/>
-              <a:t>11/22/22</a:t>
+              <a:t>11/28/22</a:t>
             </a:fld>
             <a:endParaRPr lang="en-US"/>
           </a:p>
@@ -3549,7 +3549,7 @@
           <a:p>
             <a:fld id="{82CFC92D-B69B-DD42-9FFD-8548C975772E}" type="datetime1">
               <a:rPr lang="en-US" smtClean="0"/>
-              <a:t>11/22/22</a:t>
+              <a:t>11/28/22</a:t>
             </a:fld>
             <a:endParaRPr lang="en-US" dirty="0"/>
           </a:p>
@@ -3719,7 +3719,7 @@
           <a:p>
             <a:fld id="{1A921C1C-C077-844A-871D-D078BA708997}" type="datetime1">
               <a:rPr lang="en-US" smtClean="0"/>
-              <a:t>11/22/22</a:t>
+              <a:t>11/28/22</a:t>
             </a:fld>
             <a:endParaRPr lang="en-US" dirty="0"/>
           </a:p>
@@ -3899,7 +3899,7 @@
           <a:p>
             <a:fld id="{96B8A7E2-D08C-624D-9173-CD4D0F66ACD6}" type="datetime1">
               <a:rPr lang="en-US" smtClean="0"/>
-              <a:t>11/22/22</a:t>
+              <a:t>11/28/22</a:t>
             </a:fld>
             <a:endParaRPr lang="en-US" dirty="0"/>
           </a:p>
@@ -4069,7 +4069,7 @@
           <a:p>
             <a:fld id="{E8D26D7E-151F-BF4A-BA82-4192DBA7F96C}" type="datetime1">
               <a:rPr lang="en-US" smtClean="0"/>
-              <a:t>11/22/22</a:t>
+              <a:t>11/28/22</a:t>
             </a:fld>
             <a:endParaRPr lang="en-US" dirty="0"/>
           </a:p>
@@ -4315,7 +4315,7 @@
           <a:p>
             <a:fld id="{1A6DE5AC-A485-2841-98DC-CEC47774A2EE}" type="datetime1">
               <a:rPr lang="en-US" smtClean="0"/>
-              <a:t>11/22/22</a:t>
+              <a:t>11/28/22</a:t>
             </a:fld>
             <a:endParaRPr lang="en-US" dirty="0"/>
           </a:p>
@@ -4547,7 +4547,7 @@
           <a:p>
             <a:fld id="{3A74C248-7EDD-B449-8D04-7FD85432CD97}" type="datetime1">
               <a:rPr lang="en-US" smtClean="0"/>
-              <a:t>11/22/22</a:t>
+              <a:t>11/28/22</a:t>
             </a:fld>
             <a:endParaRPr lang="en-US" dirty="0"/>
           </a:p>
@@ -4914,7 +4914,7 @@
           <a:p>
             <a:fld id="{BB935A3B-74DE-714A-86E9-1E979217BF76}" type="datetime1">
               <a:rPr lang="en-US" smtClean="0"/>
-              <a:t>11/22/22</a:t>
+              <a:t>11/28/22</a:t>
             </a:fld>
             <a:endParaRPr lang="en-US" dirty="0"/>
           </a:p>
@@ -5032,7 +5032,7 @@
           <a:p>
             <a:fld id="{1AF4CE23-CE3D-CB43-A359-0E3B60CC494B}" type="datetime1">
               <a:rPr lang="en-US" smtClean="0"/>
-              <a:t>11/22/22</a:t>
+              <a:t>11/28/22</a:t>
             </a:fld>
             <a:endParaRPr lang="en-US" dirty="0"/>
           </a:p>
@@ -5127,7 +5127,7 @@
           <a:p>
             <a:fld id="{50DFAC4E-8793-5C4C-A345-2711F8FFE92F}" type="datetime1">
               <a:rPr lang="en-US" smtClean="0"/>
-              <a:t>11/22/22</a:t>
+              <a:t>11/28/22</a:t>
             </a:fld>
             <a:endParaRPr lang="en-US" dirty="0"/>
           </a:p>
@@ -5404,7 +5404,7 @@
           <a:p>
             <a:fld id="{1AC5FF9F-8E44-0F4F-8BBA-F52D813C03E4}" type="datetime1">
               <a:rPr lang="en-US" smtClean="0"/>
-              <a:t>11/22/22</a:t>
+              <a:t>11/28/22</a:t>
             </a:fld>
             <a:endParaRPr lang="en-US" dirty="0"/>
           </a:p>
@@ -5661,7 +5661,7 @@
           <a:p>
             <a:fld id="{7F8D8EB2-A56C-E94B-9C30-E7CE215C46FD}" type="datetime1">
               <a:rPr lang="en-US" smtClean="0"/>
-              <a:t>11/22/22</a:t>
+              <a:t>11/28/22</a:t>
             </a:fld>
             <a:endParaRPr lang="en-US" dirty="0"/>
           </a:p>
@@ -5874,7 +5874,7 @@
           <a:p>
             <a:fld id="{8E3764FC-F343-EC4C-ADA6-BCB8E6623870}" type="datetime1">
               <a:rPr lang="en-US" smtClean="0"/>
-              <a:t>11/22/22</a:t>
+              <a:t>11/28/22</a:t>
             </a:fld>
             <a:endParaRPr lang="en-US" dirty="0"/>
           </a:p>
@@ -9299,8 +9299,8 @@
           </a:p>
         </p:txBody>
       </p:sp>
-      <mc:AlternateContent xmlns:mc="http://schemas.openxmlformats.org/markup-compatibility/2006">
-        <mc:Choice xmlns:a14="http://schemas.microsoft.com/office/drawing/2010/main" Requires="a14">
+      <mc:AlternateContent xmlns:mc="http://schemas.openxmlformats.org/markup-compatibility/2006" xmlns:a14="http://schemas.microsoft.com/office/drawing/2010/main">
+        <mc:Choice Requires="a14">
           <p:sp>
             <p:nvSpPr>
               <p:cNvPr id="7" name="TextBox 6">
@@ -9417,7 +9417,7 @@
             </p:txBody>
           </p:sp>
         </mc:Choice>
-        <mc:Fallback>
+        <mc:Fallback xmlns="">
           <p:sp>
             <p:nvSpPr>
               <p:cNvPr id="7" name="TextBox 6">
@@ -20484,7 +20484,7 @@
                 <a:latin typeface="Inconsolata" pitchFamily="49" charset="77"/>
                 <a:ea typeface="Inconsolata" pitchFamily="49" charset="77"/>
               </a:rPr>
-              <a:t># while loop termintes if i is prime</a:t>
+              <a:t># while loop terminates if i is prime</a:t>
             </a:r>
             <a:endParaRPr lang="en-US" dirty="0">
               <a:latin typeface="Inconsolata" pitchFamily="49" charset="77"/>

--- a/courses/apcsp/lect7.pptx
+++ b/courses/apcsp/lect7.pptx
@@ -142,7 +142,7 @@
 <file path=ppt/revisionInfo.xml><?xml version="1.0" encoding="utf-8"?>
 <p1510:revInfo xmlns:a="http://schemas.openxmlformats.org/drawingml/2006/main" xmlns:r="http://schemas.openxmlformats.org/officeDocument/2006/relationships" xmlns:p1510="http://schemas.microsoft.com/office/powerpoint/2015/10/main">
   <p1510:revLst>
-    <p1510:client id="{24BC78E0-AD37-BF4F-8E04-6828975F313B}" v="1917" dt="2022-11-28T16:36:02.697"/>
+    <p1510:client id="{24BC78E0-AD37-BF4F-8E04-6828975F313B}" v="1921" dt="2022-11-28T16:45:33.525"/>
   </p1510:revLst>
 </p1510:revInfo>
 </file>
@@ -1775,7 +1775,7 @@
   <pc:docChgLst>
     <pc:chgData name="Long Nguyen" userId="f59fb8f3-a021-417a-8bc1-65c8d471c621" providerId="ADAL" clId="{24BC78E0-AD37-BF4F-8E04-6828975F313B}"/>
     <pc:docChg chg="undo custSel addSld delSld modSld">
-      <pc:chgData name="Long Nguyen" userId="f59fb8f3-a021-417a-8bc1-65c8d471c621" providerId="ADAL" clId="{24BC78E0-AD37-BF4F-8E04-6828975F313B}" dt="2022-11-28T16:36:02.696" v="4432" actId="20577"/>
+      <pc:chgData name="Long Nguyen" userId="f59fb8f3-a021-417a-8bc1-65c8d471c621" providerId="ADAL" clId="{24BC78E0-AD37-BF4F-8E04-6828975F313B}" dt="2022-11-28T16:45:33.525" v="4436" actId="207"/>
       <pc:docMkLst>
         <pc:docMk/>
       </pc:docMkLst>
@@ -1869,7 +1869,7 @@
         </pc:spChg>
       </pc:sldChg>
       <pc:sldChg chg="addSp modSp mod modAnim">
-        <pc:chgData name="Long Nguyen" userId="f59fb8f3-a021-417a-8bc1-65c8d471c621" providerId="ADAL" clId="{24BC78E0-AD37-BF4F-8E04-6828975F313B}" dt="2022-11-22T13:35:11.529" v="4349"/>
+        <pc:chgData name="Long Nguyen" userId="f59fb8f3-a021-417a-8bc1-65c8d471c621" providerId="ADAL" clId="{24BC78E0-AD37-BF4F-8E04-6828975F313B}" dt="2022-11-28T16:45:33.525" v="4436" actId="207"/>
         <pc:sldMkLst>
           <pc:docMk/>
           <pc:sldMk cId="2023389722" sldId="333"/>
@@ -1883,7 +1883,7 @@
           </ac:spMkLst>
         </pc:spChg>
         <pc:spChg chg="mod">
-          <ac:chgData name="Long Nguyen" userId="f59fb8f3-a021-417a-8bc1-65c8d471c621" providerId="ADAL" clId="{24BC78E0-AD37-BF4F-8E04-6828975F313B}" dt="2022-11-22T13:34:44.901" v="4347" actId="20577"/>
+          <ac:chgData name="Long Nguyen" userId="f59fb8f3-a021-417a-8bc1-65c8d471c621" providerId="ADAL" clId="{24BC78E0-AD37-BF4F-8E04-6828975F313B}" dt="2022-11-28T16:45:33.525" v="4436" actId="207"/>
           <ac:spMkLst>
             <pc:docMk/>
             <pc:sldMk cId="2023389722" sldId="333"/>
@@ -18316,16 +18316,60 @@
             </a:pPr>
             <a:r>
               <a:rPr lang="en-US" dirty="0"/>
-              <a:t>Sample run(9 iterations): 4 6 5 5 7 8 10 2 2</a:t>
-            </a:r>
-          </a:p>
-          <a:p>
-            <a:pPr marL="0" indent="0">
-              <a:buNone/>
-            </a:pPr>
+              <a:t>Sample run(9 iterations): 4 6 </a:t>
+            </a:r>
+            <a:r>
+              <a:rPr lang="en-US" dirty="0">
+                <a:solidFill>
+                  <a:srgbClr val="FF0000"/>
+                </a:solidFill>
+              </a:rPr>
+              <a:t>5 5</a:t>
+            </a:r>
             <a:r>
               <a:rPr lang="en-US" dirty="0"/>
-              <a:t>Sample run(5 iterations): 5 7 2 5 2 </a:t>
+              <a:t> </a:t>
+            </a:r>
+            <a:r>
+              <a:rPr lang="en-US" dirty="0">
+                <a:solidFill>
+                  <a:srgbClr val="FF0000"/>
+                </a:solidFill>
+              </a:rPr>
+              <a:t>7</a:t>
+            </a:r>
+            <a:r>
+              <a:rPr lang="en-US" dirty="0"/>
+              <a:t> 8 10 </a:t>
+            </a:r>
+            <a:r>
+              <a:rPr lang="en-US" dirty="0">
+                <a:solidFill>
+                  <a:srgbClr val="FF0000"/>
+                </a:solidFill>
+              </a:rPr>
+              <a:t>2 2</a:t>
+            </a:r>
+          </a:p>
+          <a:p>
+            <a:pPr marL="0" indent="0">
+              <a:buNone/>
+            </a:pPr>
+            <a:r>
+              <a:rPr lang="en-US" dirty="0"/>
+              <a:t>Sample run(5 iterations): </a:t>
+            </a:r>
+            <a:r>
+              <a:rPr lang="en-US" dirty="0">
+                <a:solidFill>
+                  <a:srgbClr val="FF0000"/>
+                </a:solidFill>
+              </a:rPr>
+              <a:t>5 7 2 5 2</a:t>
+            </a:r>
+            <a:r>
+              <a:rPr lang="en-US" dirty="0"/>
+              <a:t> </a:t>
             </a:r>
           </a:p>
         </p:txBody>

--- a/courses/apcsp/lect7.pptx
+++ b/courses/apcsp/lect7.pptx
@@ -142,1141 +142,13 @@
 <file path=ppt/revisionInfo.xml><?xml version="1.0" encoding="utf-8"?>
 <p1510:revInfo xmlns:a="http://schemas.openxmlformats.org/drawingml/2006/main" xmlns:r="http://schemas.openxmlformats.org/officeDocument/2006/relationships" xmlns:p1510="http://schemas.microsoft.com/office/powerpoint/2015/10/main">
   <p1510:revLst>
-    <p1510:client id="{24BC78E0-AD37-BF4F-8E04-6828975F313B}" v="1921" dt="2022-11-28T16:45:33.525"/>
+    <p1510:client id="{A3D41F2E-F718-0D48-9E9E-6F861B85D77A}" v="1" dt="2023-11-27T14:51:48.242"/>
   </p1510:revLst>
 </p1510:revInfo>
 </file>
 
 <file path=ppt/changesInfos/changesInfo1.xml><?xml version="1.0" encoding="utf-8"?>
 <pc:chgInfo xmlns:a="http://schemas.openxmlformats.org/drawingml/2006/main" xmlns:r="http://schemas.openxmlformats.org/officeDocument/2006/relationships" xmlns:ac="http://schemas.microsoft.com/office/drawing/2013/main/command" xmlns:pc="http://schemas.microsoft.com/office/powerpoint/2013/main/command">
-  <pc:docChgLst>
-    <pc:chgData name="Long B Nguyen" userId="f59fb8f3-a021-417a-8bc1-65c8d471c621" providerId="ADAL" clId="{CC9C9D9A-5149-2947-86C0-576F501F60DC}"/>
-    <pc:docChg chg="addSld modSld">
-      <pc:chgData name="Long B Nguyen" userId="f59fb8f3-a021-417a-8bc1-65c8d471c621" providerId="ADAL" clId="{CC9C9D9A-5149-2947-86C0-576F501F60DC}" dt="2020-01-05T21:59:55.597" v="2392" actId="14100"/>
-      <pc:docMkLst>
-        <pc:docMk/>
-      </pc:docMkLst>
-      <pc:sldChg chg="modSp add modAnim">
-        <pc:chgData name="Long B Nguyen" userId="f59fb8f3-a021-417a-8bc1-65c8d471c621" providerId="ADAL" clId="{CC9C9D9A-5149-2947-86C0-576F501F60DC}" dt="2020-01-04T15:49:37.373" v="563" actId="20577"/>
-        <pc:sldMkLst>
-          <pc:docMk/>
-          <pc:sldMk cId="924617162" sldId="319"/>
-        </pc:sldMkLst>
-        <pc:spChg chg="mod">
-          <ac:chgData name="Long B Nguyen" userId="f59fb8f3-a021-417a-8bc1-65c8d471c621" providerId="ADAL" clId="{CC9C9D9A-5149-2947-86C0-576F501F60DC}" dt="2020-01-04T15:45:14.876" v="4" actId="20577"/>
-          <ac:spMkLst>
-            <pc:docMk/>
-            <pc:sldMk cId="924617162" sldId="319"/>
-            <ac:spMk id="2" creationId="{AA3A228F-61D0-D949-A5E7-F83756230BF8}"/>
-          </ac:spMkLst>
-        </pc:spChg>
-        <pc:spChg chg="mod">
-          <ac:chgData name="Long B Nguyen" userId="f59fb8f3-a021-417a-8bc1-65c8d471c621" providerId="ADAL" clId="{CC9C9D9A-5149-2947-86C0-576F501F60DC}" dt="2020-01-04T15:49:37.373" v="563" actId="20577"/>
-          <ac:spMkLst>
-            <pc:docMk/>
-            <pc:sldMk cId="924617162" sldId="319"/>
-            <ac:spMk id="9" creationId="{E3B2E017-30B2-884B-A113-B419A2ED51AD}"/>
-          </ac:spMkLst>
-        </pc:spChg>
-      </pc:sldChg>
-      <pc:sldChg chg="modSp add">
-        <pc:chgData name="Long B Nguyen" userId="f59fb8f3-a021-417a-8bc1-65c8d471c621" providerId="ADAL" clId="{CC9C9D9A-5149-2947-86C0-576F501F60DC}" dt="2020-01-04T15:57:55.835" v="789" actId="14100"/>
-        <pc:sldMkLst>
-          <pc:docMk/>
-          <pc:sldMk cId="3758830494" sldId="320"/>
-        </pc:sldMkLst>
-        <pc:spChg chg="mod">
-          <ac:chgData name="Long B Nguyen" userId="f59fb8f3-a021-417a-8bc1-65c8d471c621" providerId="ADAL" clId="{CC9C9D9A-5149-2947-86C0-576F501F60DC}" dt="2020-01-04T15:57:52.065" v="788" actId="1076"/>
-          <ac:spMkLst>
-            <pc:docMk/>
-            <pc:sldMk cId="3758830494" sldId="320"/>
-            <ac:spMk id="2" creationId="{AA3A228F-61D0-D949-A5E7-F83756230BF8}"/>
-          </ac:spMkLst>
-        </pc:spChg>
-        <pc:spChg chg="mod">
-          <ac:chgData name="Long B Nguyen" userId="f59fb8f3-a021-417a-8bc1-65c8d471c621" providerId="ADAL" clId="{CC9C9D9A-5149-2947-86C0-576F501F60DC}" dt="2020-01-04T15:57:55.835" v="789" actId="14100"/>
-          <ac:spMkLst>
-            <pc:docMk/>
-            <pc:sldMk cId="3758830494" sldId="320"/>
-            <ac:spMk id="9" creationId="{E3B2E017-30B2-884B-A113-B419A2ED51AD}"/>
-          </ac:spMkLst>
-        </pc:spChg>
-      </pc:sldChg>
-      <pc:sldChg chg="modSp add">
-        <pc:chgData name="Long B Nguyen" userId="f59fb8f3-a021-417a-8bc1-65c8d471c621" providerId="ADAL" clId="{CC9C9D9A-5149-2947-86C0-576F501F60DC}" dt="2020-01-05T21:51:37.442" v="2325" actId="20577"/>
-        <pc:sldMkLst>
-          <pc:docMk/>
-          <pc:sldMk cId="1022945305" sldId="321"/>
-        </pc:sldMkLst>
-        <pc:spChg chg="mod">
-          <ac:chgData name="Long B Nguyen" userId="f59fb8f3-a021-417a-8bc1-65c8d471c621" providerId="ADAL" clId="{CC9C9D9A-5149-2947-86C0-576F501F60DC}" dt="2020-01-05T21:51:37.442" v="2325" actId="20577"/>
-          <ac:spMkLst>
-            <pc:docMk/>
-            <pc:sldMk cId="1022945305" sldId="321"/>
-            <ac:spMk id="2" creationId="{AA3A228F-61D0-D949-A5E7-F83756230BF8}"/>
-          </ac:spMkLst>
-        </pc:spChg>
-        <pc:spChg chg="mod">
-          <ac:chgData name="Long B Nguyen" userId="f59fb8f3-a021-417a-8bc1-65c8d471c621" providerId="ADAL" clId="{CC9C9D9A-5149-2947-86C0-576F501F60DC}" dt="2020-01-05T21:33:21.485" v="2304" actId="20577"/>
-          <ac:spMkLst>
-            <pc:docMk/>
-            <pc:sldMk cId="1022945305" sldId="321"/>
-            <ac:spMk id="9" creationId="{E3B2E017-30B2-884B-A113-B419A2ED51AD}"/>
-          </ac:spMkLst>
-        </pc:spChg>
-      </pc:sldChg>
-      <pc:sldChg chg="modSp add">
-        <pc:chgData name="Long B Nguyen" userId="f59fb8f3-a021-417a-8bc1-65c8d471c621" providerId="ADAL" clId="{CC9C9D9A-5149-2947-86C0-576F501F60DC}" dt="2020-01-04T17:41:57.489" v="1203" actId="20577"/>
-        <pc:sldMkLst>
-          <pc:docMk/>
-          <pc:sldMk cId="3456840474" sldId="322"/>
-        </pc:sldMkLst>
-        <pc:spChg chg="mod">
-          <ac:chgData name="Long B Nguyen" userId="f59fb8f3-a021-417a-8bc1-65c8d471c621" providerId="ADAL" clId="{CC9C9D9A-5149-2947-86C0-576F501F60DC}" dt="2020-01-04T17:41:57.489" v="1203" actId="20577"/>
-          <ac:spMkLst>
-            <pc:docMk/>
-            <pc:sldMk cId="3456840474" sldId="322"/>
-            <ac:spMk id="9" creationId="{E3B2E017-30B2-884B-A113-B419A2ED51AD}"/>
-          </ac:spMkLst>
-        </pc:spChg>
-      </pc:sldChg>
-      <pc:sldChg chg="modSp add">
-        <pc:chgData name="Long B Nguyen" userId="f59fb8f3-a021-417a-8bc1-65c8d471c621" providerId="ADAL" clId="{CC9C9D9A-5149-2947-86C0-576F501F60DC}" dt="2020-01-04T18:38:26.241" v="1214" actId="113"/>
-        <pc:sldMkLst>
-          <pc:docMk/>
-          <pc:sldMk cId="1062075874" sldId="323"/>
-        </pc:sldMkLst>
-        <pc:spChg chg="mod">
-          <ac:chgData name="Long B Nguyen" userId="f59fb8f3-a021-417a-8bc1-65c8d471c621" providerId="ADAL" clId="{CC9C9D9A-5149-2947-86C0-576F501F60DC}" dt="2020-01-04T18:38:26.241" v="1214" actId="113"/>
-          <ac:spMkLst>
-            <pc:docMk/>
-            <pc:sldMk cId="1062075874" sldId="323"/>
-            <ac:spMk id="9" creationId="{E3B2E017-30B2-884B-A113-B419A2ED51AD}"/>
-          </ac:spMkLst>
-        </pc:spChg>
-      </pc:sldChg>
-      <pc:sldChg chg="modSp add">
-        <pc:chgData name="Long B Nguyen" userId="f59fb8f3-a021-417a-8bc1-65c8d471c621" providerId="ADAL" clId="{CC9C9D9A-5149-2947-86C0-576F501F60DC}" dt="2020-01-04T20:58:36.932" v="1972" actId="20577"/>
-        <pc:sldMkLst>
-          <pc:docMk/>
-          <pc:sldMk cId="1310010799" sldId="324"/>
-        </pc:sldMkLst>
-        <pc:spChg chg="mod">
-          <ac:chgData name="Long B Nguyen" userId="f59fb8f3-a021-417a-8bc1-65c8d471c621" providerId="ADAL" clId="{CC9C9D9A-5149-2947-86C0-576F501F60DC}" dt="2020-01-04T20:55:25.731" v="1962" actId="1076"/>
-          <ac:spMkLst>
-            <pc:docMk/>
-            <pc:sldMk cId="1310010799" sldId="324"/>
-            <ac:spMk id="2" creationId="{AA3A228F-61D0-D949-A5E7-F83756230BF8}"/>
-          </ac:spMkLst>
-        </pc:spChg>
-        <pc:spChg chg="mod">
-          <ac:chgData name="Long B Nguyen" userId="f59fb8f3-a021-417a-8bc1-65c8d471c621" providerId="ADAL" clId="{CC9C9D9A-5149-2947-86C0-576F501F60DC}" dt="2020-01-04T20:58:36.932" v="1972" actId="20577"/>
-          <ac:spMkLst>
-            <pc:docMk/>
-            <pc:sldMk cId="1310010799" sldId="324"/>
-            <ac:spMk id="9" creationId="{E3B2E017-30B2-884B-A113-B419A2ED51AD}"/>
-          </ac:spMkLst>
-        </pc:spChg>
-      </pc:sldChg>
-      <pc:sldChg chg="modSp add">
-        <pc:chgData name="Long B Nguyen" userId="f59fb8f3-a021-417a-8bc1-65c8d471c621" providerId="ADAL" clId="{CC9C9D9A-5149-2947-86C0-576F501F60DC}" dt="2020-01-05T21:27:04.952" v="2119" actId="20577"/>
-        <pc:sldMkLst>
-          <pc:docMk/>
-          <pc:sldMk cId="3314372952" sldId="325"/>
-        </pc:sldMkLst>
-        <pc:spChg chg="mod">
-          <ac:chgData name="Long B Nguyen" userId="f59fb8f3-a021-417a-8bc1-65c8d471c621" providerId="ADAL" clId="{CC9C9D9A-5149-2947-86C0-576F501F60DC}" dt="2020-01-05T21:26:41.210" v="2114" actId="20577"/>
-          <ac:spMkLst>
-            <pc:docMk/>
-            <pc:sldMk cId="3314372952" sldId="325"/>
-            <ac:spMk id="2" creationId="{AA3A228F-61D0-D949-A5E7-F83756230BF8}"/>
-          </ac:spMkLst>
-        </pc:spChg>
-        <pc:spChg chg="mod">
-          <ac:chgData name="Long B Nguyen" userId="f59fb8f3-a021-417a-8bc1-65c8d471c621" providerId="ADAL" clId="{CC9C9D9A-5149-2947-86C0-576F501F60DC}" dt="2020-01-05T21:27:04.952" v="2119" actId="20577"/>
-          <ac:spMkLst>
-            <pc:docMk/>
-            <pc:sldMk cId="3314372952" sldId="325"/>
-            <ac:spMk id="9" creationId="{E3B2E017-30B2-884B-A113-B419A2ED51AD}"/>
-          </ac:spMkLst>
-        </pc:spChg>
-      </pc:sldChg>
-      <pc:sldChg chg="modSp add">
-        <pc:chgData name="Long B Nguyen" userId="f59fb8f3-a021-417a-8bc1-65c8d471c621" providerId="ADAL" clId="{CC9C9D9A-5149-2947-86C0-576F501F60DC}" dt="2020-01-05T21:29:58.563" v="2178" actId="20577"/>
-        <pc:sldMkLst>
-          <pc:docMk/>
-          <pc:sldMk cId="3117943122" sldId="326"/>
-        </pc:sldMkLst>
-        <pc:spChg chg="mod">
-          <ac:chgData name="Long B Nguyen" userId="f59fb8f3-a021-417a-8bc1-65c8d471c621" providerId="ADAL" clId="{CC9C9D9A-5149-2947-86C0-576F501F60DC}" dt="2020-01-05T21:29:58.563" v="2178" actId="20577"/>
-          <ac:spMkLst>
-            <pc:docMk/>
-            <pc:sldMk cId="3117943122" sldId="326"/>
-            <ac:spMk id="9" creationId="{E3B2E017-30B2-884B-A113-B419A2ED51AD}"/>
-          </ac:spMkLst>
-        </pc:spChg>
-      </pc:sldChg>
-      <pc:sldChg chg="modSp add">
-        <pc:chgData name="Long B Nguyen" userId="f59fb8f3-a021-417a-8bc1-65c8d471c621" providerId="ADAL" clId="{CC9C9D9A-5149-2947-86C0-576F501F60DC}" dt="2020-01-05T21:59:55.597" v="2392" actId="14100"/>
-        <pc:sldMkLst>
-          <pc:docMk/>
-          <pc:sldMk cId="1025618360" sldId="327"/>
-        </pc:sldMkLst>
-        <pc:spChg chg="mod">
-          <ac:chgData name="Long B Nguyen" userId="f59fb8f3-a021-417a-8bc1-65c8d471c621" providerId="ADAL" clId="{CC9C9D9A-5149-2947-86C0-576F501F60DC}" dt="2020-01-05T21:59:55.597" v="2392" actId="14100"/>
-          <ac:spMkLst>
-            <pc:docMk/>
-            <pc:sldMk cId="1025618360" sldId="327"/>
-            <ac:spMk id="9" creationId="{E3B2E017-30B2-884B-A113-B419A2ED51AD}"/>
-          </ac:spMkLst>
-        </pc:spChg>
-      </pc:sldChg>
-      <pc:sldChg chg="modSp add">
-        <pc:chgData name="Long B Nguyen" userId="f59fb8f3-a021-417a-8bc1-65c8d471c621" providerId="ADAL" clId="{CC9C9D9A-5149-2947-86C0-576F501F60DC}" dt="2020-01-05T21:54:47.081" v="2356" actId="2711"/>
-        <pc:sldMkLst>
-          <pc:docMk/>
-          <pc:sldMk cId="3894299887" sldId="328"/>
-        </pc:sldMkLst>
-        <pc:spChg chg="mod">
-          <ac:chgData name="Long B Nguyen" userId="f59fb8f3-a021-417a-8bc1-65c8d471c621" providerId="ADAL" clId="{CC9C9D9A-5149-2947-86C0-576F501F60DC}" dt="2020-01-05T21:51:41.306" v="2327" actId="20577"/>
-          <ac:spMkLst>
-            <pc:docMk/>
-            <pc:sldMk cId="3894299887" sldId="328"/>
-            <ac:spMk id="2" creationId="{AA3A228F-61D0-D949-A5E7-F83756230BF8}"/>
-          </ac:spMkLst>
-        </pc:spChg>
-        <pc:spChg chg="mod">
-          <ac:chgData name="Long B Nguyen" userId="f59fb8f3-a021-417a-8bc1-65c8d471c621" providerId="ADAL" clId="{CC9C9D9A-5149-2947-86C0-576F501F60DC}" dt="2020-01-05T21:54:47.081" v="2356" actId="2711"/>
-          <ac:spMkLst>
-            <pc:docMk/>
-            <pc:sldMk cId="3894299887" sldId="328"/>
-            <ac:spMk id="9" creationId="{E3B2E017-30B2-884B-A113-B419A2ED51AD}"/>
-          </ac:spMkLst>
-        </pc:spChg>
-      </pc:sldChg>
-      <pc:sldChg chg="add">
-        <pc:chgData name="Long B Nguyen" userId="f59fb8f3-a021-417a-8bc1-65c8d471c621" providerId="ADAL" clId="{CC9C9D9A-5149-2947-86C0-576F501F60DC}" dt="2020-01-05T21:57:38.736" v="2357"/>
-        <pc:sldMkLst>
-          <pc:docMk/>
-          <pc:sldMk cId="4294143140" sldId="329"/>
-        </pc:sldMkLst>
-      </pc:sldChg>
-    </pc:docChg>
-  </pc:docChgLst>
-  <pc:docChgLst>
-    <pc:chgData name="Long B Nguyen" userId="f59fb8f3-a021-417a-8bc1-65c8d471c621" providerId="ADAL" clId="{4F0F93AB-943A-FD4E-8DF3-2A5EF8EE30F9}"/>
-    <pc:docChg chg="addSld modSld">
-      <pc:chgData name="Long B Nguyen" userId="f59fb8f3-a021-417a-8bc1-65c8d471c621" providerId="ADAL" clId="{4F0F93AB-943A-FD4E-8DF3-2A5EF8EE30F9}" dt="2021-11-29T19:06:07.156" v="159" actId="20577"/>
-      <pc:docMkLst>
-        <pc:docMk/>
-      </pc:docMkLst>
-      <pc:sldChg chg="addSp modSp">
-        <pc:chgData name="Long B Nguyen" userId="f59fb8f3-a021-417a-8bc1-65c8d471c621" providerId="ADAL" clId="{4F0F93AB-943A-FD4E-8DF3-2A5EF8EE30F9}" dt="2021-11-29T17:27:25.318" v="1"/>
-        <pc:sldMkLst>
-          <pc:docMk/>
-          <pc:sldMk cId="4247104139" sldId="256"/>
-        </pc:sldMkLst>
-        <pc:spChg chg="add mod">
-          <ac:chgData name="Long B Nguyen" userId="f59fb8f3-a021-417a-8bc1-65c8d471c621" providerId="ADAL" clId="{4F0F93AB-943A-FD4E-8DF3-2A5EF8EE30F9}" dt="2021-11-29T17:27:25.318" v="1"/>
-          <ac:spMkLst>
-            <pc:docMk/>
-            <pc:sldMk cId="4247104139" sldId="256"/>
-            <ac:spMk id="5" creationId="{B2BC8EC2-B682-6F4D-9E6C-B5FCC03B133E}"/>
-          </ac:spMkLst>
-        </pc:spChg>
-      </pc:sldChg>
-      <pc:sldChg chg="addSp modSp">
-        <pc:chgData name="Long B Nguyen" userId="f59fb8f3-a021-417a-8bc1-65c8d471c621" providerId="ADAL" clId="{4F0F93AB-943A-FD4E-8DF3-2A5EF8EE30F9}" dt="2021-11-29T17:27:25.318" v="1"/>
-        <pc:sldMkLst>
-          <pc:docMk/>
-          <pc:sldMk cId="403449732" sldId="302"/>
-        </pc:sldMkLst>
-        <pc:spChg chg="add mod">
-          <ac:chgData name="Long B Nguyen" userId="f59fb8f3-a021-417a-8bc1-65c8d471c621" providerId="ADAL" clId="{4F0F93AB-943A-FD4E-8DF3-2A5EF8EE30F9}" dt="2021-11-29T17:27:25.318" v="1"/>
-          <ac:spMkLst>
-            <pc:docMk/>
-            <pc:sldMk cId="403449732" sldId="302"/>
-            <ac:spMk id="3" creationId="{B16612CE-F205-704B-A1A0-DA8AFE914EE0}"/>
-          </ac:spMkLst>
-        </pc:spChg>
-      </pc:sldChg>
-      <pc:sldChg chg="addSp modSp">
-        <pc:chgData name="Long B Nguyen" userId="f59fb8f3-a021-417a-8bc1-65c8d471c621" providerId="ADAL" clId="{4F0F93AB-943A-FD4E-8DF3-2A5EF8EE30F9}" dt="2021-11-29T17:27:25.318" v="1"/>
-        <pc:sldMkLst>
-          <pc:docMk/>
-          <pc:sldMk cId="370395365" sldId="306"/>
-        </pc:sldMkLst>
-        <pc:spChg chg="add mod">
-          <ac:chgData name="Long B Nguyen" userId="f59fb8f3-a021-417a-8bc1-65c8d471c621" providerId="ADAL" clId="{4F0F93AB-943A-FD4E-8DF3-2A5EF8EE30F9}" dt="2021-11-29T17:27:25.318" v="1"/>
-          <ac:spMkLst>
-            <pc:docMk/>
-            <pc:sldMk cId="370395365" sldId="306"/>
-            <ac:spMk id="3" creationId="{079F9442-BDD5-664F-B683-5FEDE5D4DFC6}"/>
-          </ac:spMkLst>
-        </pc:spChg>
-      </pc:sldChg>
-      <pc:sldChg chg="addSp modSp">
-        <pc:chgData name="Long B Nguyen" userId="f59fb8f3-a021-417a-8bc1-65c8d471c621" providerId="ADAL" clId="{4F0F93AB-943A-FD4E-8DF3-2A5EF8EE30F9}" dt="2021-11-29T17:27:25.318" v="1"/>
-        <pc:sldMkLst>
-          <pc:docMk/>
-          <pc:sldMk cId="224751101" sldId="307"/>
-        </pc:sldMkLst>
-        <pc:spChg chg="add mod">
-          <ac:chgData name="Long B Nguyen" userId="f59fb8f3-a021-417a-8bc1-65c8d471c621" providerId="ADAL" clId="{4F0F93AB-943A-FD4E-8DF3-2A5EF8EE30F9}" dt="2021-11-29T17:27:25.318" v="1"/>
-          <ac:spMkLst>
-            <pc:docMk/>
-            <pc:sldMk cId="224751101" sldId="307"/>
-            <ac:spMk id="3" creationId="{EBA6D9F6-F879-B64D-A123-E8BD5ADAF5FF}"/>
-          </ac:spMkLst>
-        </pc:spChg>
-      </pc:sldChg>
-      <pc:sldChg chg="addSp modSp">
-        <pc:chgData name="Long B Nguyen" userId="f59fb8f3-a021-417a-8bc1-65c8d471c621" providerId="ADAL" clId="{4F0F93AB-943A-FD4E-8DF3-2A5EF8EE30F9}" dt="2021-11-29T17:27:25.318" v="1"/>
-        <pc:sldMkLst>
-          <pc:docMk/>
-          <pc:sldMk cId="1452600724" sldId="316"/>
-        </pc:sldMkLst>
-        <pc:spChg chg="add mod">
-          <ac:chgData name="Long B Nguyen" userId="f59fb8f3-a021-417a-8bc1-65c8d471c621" providerId="ADAL" clId="{4F0F93AB-943A-FD4E-8DF3-2A5EF8EE30F9}" dt="2021-11-29T17:27:25.318" v="1"/>
-          <ac:spMkLst>
-            <pc:docMk/>
-            <pc:sldMk cId="1452600724" sldId="316"/>
-            <ac:spMk id="3" creationId="{A6EC21DB-BE94-5A4E-B755-315F7F935D76}"/>
-          </ac:spMkLst>
-        </pc:spChg>
-      </pc:sldChg>
-      <pc:sldChg chg="addSp modSp">
-        <pc:chgData name="Long B Nguyen" userId="f59fb8f3-a021-417a-8bc1-65c8d471c621" providerId="ADAL" clId="{4F0F93AB-943A-FD4E-8DF3-2A5EF8EE30F9}" dt="2021-11-29T17:27:25.318" v="1"/>
-        <pc:sldMkLst>
-          <pc:docMk/>
-          <pc:sldMk cId="924617162" sldId="319"/>
-        </pc:sldMkLst>
-        <pc:spChg chg="add mod">
-          <ac:chgData name="Long B Nguyen" userId="f59fb8f3-a021-417a-8bc1-65c8d471c621" providerId="ADAL" clId="{4F0F93AB-943A-FD4E-8DF3-2A5EF8EE30F9}" dt="2021-11-29T17:27:25.318" v="1"/>
-          <ac:spMkLst>
-            <pc:docMk/>
-            <pc:sldMk cId="924617162" sldId="319"/>
-            <ac:spMk id="3" creationId="{BDC2059B-C28B-4640-BA06-033C10FB8E3F}"/>
-          </ac:spMkLst>
-        </pc:spChg>
-      </pc:sldChg>
-      <pc:sldChg chg="addSp modSp">
-        <pc:chgData name="Long B Nguyen" userId="f59fb8f3-a021-417a-8bc1-65c8d471c621" providerId="ADAL" clId="{4F0F93AB-943A-FD4E-8DF3-2A5EF8EE30F9}" dt="2021-11-29T17:27:25.318" v="1"/>
-        <pc:sldMkLst>
-          <pc:docMk/>
-          <pc:sldMk cId="3758830494" sldId="320"/>
-        </pc:sldMkLst>
-        <pc:spChg chg="add mod">
-          <ac:chgData name="Long B Nguyen" userId="f59fb8f3-a021-417a-8bc1-65c8d471c621" providerId="ADAL" clId="{4F0F93AB-943A-FD4E-8DF3-2A5EF8EE30F9}" dt="2021-11-29T17:27:25.318" v="1"/>
-          <ac:spMkLst>
-            <pc:docMk/>
-            <pc:sldMk cId="3758830494" sldId="320"/>
-            <ac:spMk id="3" creationId="{E2921E85-92BD-2245-8705-A9D236339CAB}"/>
-          </ac:spMkLst>
-        </pc:spChg>
-      </pc:sldChg>
-      <pc:sldChg chg="addSp modSp">
-        <pc:chgData name="Long B Nguyen" userId="f59fb8f3-a021-417a-8bc1-65c8d471c621" providerId="ADAL" clId="{4F0F93AB-943A-FD4E-8DF3-2A5EF8EE30F9}" dt="2021-11-29T17:27:25.318" v="1"/>
-        <pc:sldMkLst>
-          <pc:docMk/>
-          <pc:sldMk cId="1022945305" sldId="321"/>
-        </pc:sldMkLst>
-        <pc:spChg chg="add mod">
-          <ac:chgData name="Long B Nguyen" userId="f59fb8f3-a021-417a-8bc1-65c8d471c621" providerId="ADAL" clId="{4F0F93AB-943A-FD4E-8DF3-2A5EF8EE30F9}" dt="2021-11-29T17:27:25.318" v="1"/>
-          <ac:spMkLst>
-            <pc:docMk/>
-            <pc:sldMk cId="1022945305" sldId="321"/>
-            <ac:spMk id="4" creationId="{D9791036-EBBC-1043-9CA9-F3A064B804DF}"/>
-          </ac:spMkLst>
-        </pc:spChg>
-      </pc:sldChg>
-      <pc:sldChg chg="addSp modSp">
-        <pc:chgData name="Long B Nguyen" userId="f59fb8f3-a021-417a-8bc1-65c8d471c621" providerId="ADAL" clId="{4F0F93AB-943A-FD4E-8DF3-2A5EF8EE30F9}" dt="2021-11-29T18:28:05.398" v="9"/>
-        <pc:sldMkLst>
-          <pc:docMk/>
-          <pc:sldMk cId="3456840474" sldId="322"/>
-        </pc:sldMkLst>
-        <pc:spChg chg="add mod">
-          <ac:chgData name="Long B Nguyen" userId="f59fb8f3-a021-417a-8bc1-65c8d471c621" providerId="ADAL" clId="{4F0F93AB-943A-FD4E-8DF3-2A5EF8EE30F9}" dt="2021-11-29T17:27:25.318" v="1"/>
-          <ac:spMkLst>
-            <pc:docMk/>
-            <pc:sldMk cId="3456840474" sldId="322"/>
-            <ac:spMk id="3" creationId="{CC2FA81F-03BB-8F4F-850A-A518C2411A1F}"/>
-          </ac:spMkLst>
-        </pc:spChg>
-        <pc:spChg chg="mod">
-          <ac:chgData name="Long B Nguyen" userId="f59fb8f3-a021-417a-8bc1-65c8d471c621" providerId="ADAL" clId="{4F0F93AB-943A-FD4E-8DF3-2A5EF8EE30F9}" dt="2021-11-29T18:28:05.398" v="9"/>
-          <ac:spMkLst>
-            <pc:docMk/>
-            <pc:sldMk cId="3456840474" sldId="322"/>
-            <ac:spMk id="9" creationId="{E3B2E017-30B2-884B-A113-B419A2ED51AD}"/>
-          </ac:spMkLst>
-        </pc:spChg>
-      </pc:sldChg>
-      <pc:sldChg chg="addSp modSp">
-        <pc:chgData name="Long B Nguyen" userId="f59fb8f3-a021-417a-8bc1-65c8d471c621" providerId="ADAL" clId="{4F0F93AB-943A-FD4E-8DF3-2A5EF8EE30F9}" dt="2021-11-29T18:28:27.791" v="12" actId="207"/>
-        <pc:sldMkLst>
-          <pc:docMk/>
-          <pc:sldMk cId="1062075874" sldId="323"/>
-        </pc:sldMkLst>
-        <pc:spChg chg="add mod">
-          <ac:chgData name="Long B Nguyen" userId="f59fb8f3-a021-417a-8bc1-65c8d471c621" providerId="ADAL" clId="{4F0F93AB-943A-FD4E-8DF3-2A5EF8EE30F9}" dt="2021-11-29T17:27:25.318" v="1"/>
-          <ac:spMkLst>
-            <pc:docMk/>
-            <pc:sldMk cId="1062075874" sldId="323"/>
-            <ac:spMk id="3" creationId="{E6BB2C50-2D6D-3845-88A0-760C2F31B7F1}"/>
-          </ac:spMkLst>
-        </pc:spChg>
-        <pc:spChg chg="mod">
-          <ac:chgData name="Long B Nguyen" userId="f59fb8f3-a021-417a-8bc1-65c8d471c621" providerId="ADAL" clId="{4F0F93AB-943A-FD4E-8DF3-2A5EF8EE30F9}" dt="2021-11-29T18:28:27.791" v="12" actId="207"/>
-          <ac:spMkLst>
-            <pc:docMk/>
-            <pc:sldMk cId="1062075874" sldId="323"/>
-            <ac:spMk id="9" creationId="{E3B2E017-30B2-884B-A113-B419A2ED51AD}"/>
-          </ac:spMkLst>
-        </pc:spChg>
-      </pc:sldChg>
-      <pc:sldChg chg="addSp modSp">
-        <pc:chgData name="Long B Nguyen" userId="f59fb8f3-a021-417a-8bc1-65c8d471c621" providerId="ADAL" clId="{4F0F93AB-943A-FD4E-8DF3-2A5EF8EE30F9}" dt="2021-11-29T17:27:25.318" v="1"/>
-        <pc:sldMkLst>
-          <pc:docMk/>
-          <pc:sldMk cId="1310010799" sldId="324"/>
-        </pc:sldMkLst>
-        <pc:spChg chg="add mod">
-          <ac:chgData name="Long B Nguyen" userId="f59fb8f3-a021-417a-8bc1-65c8d471c621" providerId="ADAL" clId="{4F0F93AB-943A-FD4E-8DF3-2A5EF8EE30F9}" dt="2021-11-29T17:27:25.318" v="1"/>
-          <ac:spMkLst>
-            <pc:docMk/>
-            <pc:sldMk cId="1310010799" sldId="324"/>
-            <ac:spMk id="3" creationId="{FF1B6A0E-7C7A-634F-BD13-8643F7F1AE4F}"/>
-          </ac:spMkLst>
-        </pc:spChg>
-      </pc:sldChg>
-      <pc:sldChg chg="addSp modSp">
-        <pc:chgData name="Long B Nguyen" userId="f59fb8f3-a021-417a-8bc1-65c8d471c621" providerId="ADAL" clId="{4F0F93AB-943A-FD4E-8DF3-2A5EF8EE30F9}" dt="2021-11-29T17:27:25.318" v="1"/>
-        <pc:sldMkLst>
-          <pc:docMk/>
-          <pc:sldMk cId="451405738" sldId="325"/>
-        </pc:sldMkLst>
-        <pc:spChg chg="add mod">
-          <ac:chgData name="Long B Nguyen" userId="f59fb8f3-a021-417a-8bc1-65c8d471c621" providerId="ADAL" clId="{4F0F93AB-943A-FD4E-8DF3-2A5EF8EE30F9}" dt="2021-11-29T17:27:25.318" v="1"/>
-          <ac:spMkLst>
-            <pc:docMk/>
-            <pc:sldMk cId="451405738" sldId="325"/>
-            <ac:spMk id="3" creationId="{72F8AA9C-740A-0B4D-9AD6-D531DA9B9312}"/>
-          </ac:spMkLst>
-        </pc:spChg>
-      </pc:sldChg>
-      <pc:sldChg chg="addSp modSp">
-        <pc:chgData name="Long B Nguyen" userId="f59fb8f3-a021-417a-8bc1-65c8d471c621" providerId="ADAL" clId="{4F0F93AB-943A-FD4E-8DF3-2A5EF8EE30F9}" dt="2021-11-29T18:27:05.725" v="3" actId="207"/>
-        <pc:sldMkLst>
-          <pc:docMk/>
-          <pc:sldMk cId="1724104636" sldId="327"/>
-        </pc:sldMkLst>
-        <pc:spChg chg="add mod">
-          <ac:chgData name="Long B Nguyen" userId="f59fb8f3-a021-417a-8bc1-65c8d471c621" providerId="ADAL" clId="{4F0F93AB-943A-FD4E-8DF3-2A5EF8EE30F9}" dt="2021-11-29T17:27:25.318" v="1"/>
-          <ac:spMkLst>
-            <pc:docMk/>
-            <pc:sldMk cId="1724104636" sldId="327"/>
-            <ac:spMk id="3" creationId="{BCC2F645-119F-024F-873B-D01338AB7CFC}"/>
-          </ac:spMkLst>
-        </pc:spChg>
-        <pc:spChg chg="mod">
-          <ac:chgData name="Long B Nguyen" userId="f59fb8f3-a021-417a-8bc1-65c8d471c621" providerId="ADAL" clId="{4F0F93AB-943A-FD4E-8DF3-2A5EF8EE30F9}" dt="2021-11-29T18:27:05.725" v="3" actId="207"/>
-          <ac:spMkLst>
-            <pc:docMk/>
-            <pc:sldMk cId="1724104636" sldId="327"/>
-            <ac:spMk id="9" creationId="{E3B2E017-30B2-884B-A113-B419A2ED51AD}"/>
-          </ac:spMkLst>
-        </pc:spChg>
-      </pc:sldChg>
-      <pc:sldChg chg="addSp modSp">
-        <pc:chgData name="Long B Nguyen" userId="f59fb8f3-a021-417a-8bc1-65c8d471c621" providerId="ADAL" clId="{4F0F93AB-943A-FD4E-8DF3-2A5EF8EE30F9}" dt="2021-11-29T17:27:25.318" v="1"/>
-        <pc:sldMkLst>
-          <pc:docMk/>
-          <pc:sldMk cId="3894299887" sldId="328"/>
-        </pc:sldMkLst>
-        <pc:spChg chg="add mod">
-          <ac:chgData name="Long B Nguyen" userId="f59fb8f3-a021-417a-8bc1-65c8d471c621" providerId="ADAL" clId="{4F0F93AB-943A-FD4E-8DF3-2A5EF8EE30F9}" dt="2021-11-29T17:27:25.318" v="1"/>
-          <ac:spMkLst>
-            <pc:docMk/>
-            <pc:sldMk cId="3894299887" sldId="328"/>
-            <ac:spMk id="3" creationId="{08CC6065-403A-EE41-909D-293639D20DA3}"/>
-          </ac:spMkLst>
-        </pc:spChg>
-      </pc:sldChg>
-      <pc:sldChg chg="addSp modSp">
-        <pc:chgData name="Long B Nguyen" userId="f59fb8f3-a021-417a-8bc1-65c8d471c621" providerId="ADAL" clId="{4F0F93AB-943A-FD4E-8DF3-2A5EF8EE30F9}" dt="2021-11-29T18:27:56.570" v="8" actId="207"/>
-        <pc:sldMkLst>
-          <pc:docMk/>
-          <pc:sldMk cId="4294143140" sldId="329"/>
-        </pc:sldMkLst>
-        <pc:spChg chg="add mod">
-          <ac:chgData name="Long B Nguyen" userId="f59fb8f3-a021-417a-8bc1-65c8d471c621" providerId="ADAL" clId="{4F0F93AB-943A-FD4E-8DF3-2A5EF8EE30F9}" dt="2021-11-29T17:27:25.318" v="1"/>
-          <ac:spMkLst>
-            <pc:docMk/>
-            <pc:sldMk cId="4294143140" sldId="329"/>
-            <ac:spMk id="3" creationId="{EC90FA93-9BA3-C942-ADC3-F78FED46447E}"/>
-          </ac:spMkLst>
-        </pc:spChg>
-        <pc:spChg chg="mod">
-          <ac:chgData name="Long B Nguyen" userId="f59fb8f3-a021-417a-8bc1-65c8d471c621" providerId="ADAL" clId="{4F0F93AB-943A-FD4E-8DF3-2A5EF8EE30F9}" dt="2021-11-29T18:27:56.570" v="8" actId="207"/>
-          <ac:spMkLst>
-            <pc:docMk/>
-            <pc:sldMk cId="4294143140" sldId="329"/>
-            <ac:spMk id="9" creationId="{E3B2E017-30B2-884B-A113-B419A2ED51AD}"/>
-          </ac:spMkLst>
-        </pc:spChg>
-      </pc:sldChg>
-      <pc:sldChg chg="addSp modSp">
-        <pc:chgData name="Long B Nguyen" userId="f59fb8f3-a021-417a-8bc1-65c8d471c621" providerId="ADAL" clId="{4F0F93AB-943A-FD4E-8DF3-2A5EF8EE30F9}" dt="2021-11-29T18:27:19.949" v="4"/>
-        <pc:sldMkLst>
-          <pc:docMk/>
-          <pc:sldMk cId="3594730708" sldId="330"/>
-        </pc:sldMkLst>
-        <pc:spChg chg="add mod">
-          <ac:chgData name="Long B Nguyen" userId="f59fb8f3-a021-417a-8bc1-65c8d471c621" providerId="ADAL" clId="{4F0F93AB-943A-FD4E-8DF3-2A5EF8EE30F9}" dt="2021-11-29T17:27:25.318" v="1"/>
-          <ac:spMkLst>
-            <pc:docMk/>
-            <pc:sldMk cId="3594730708" sldId="330"/>
-            <ac:spMk id="3" creationId="{93848D8B-7F38-C24B-9E96-0219B9F33CC1}"/>
-          </ac:spMkLst>
-        </pc:spChg>
-        <pc:spChg chg="mod">
-          <ac:chgData name="Long B Nguyen" userId="f59fb8f3-a021-417a-8bc1-65c8d471c621" providerId="ADAL" clId="{4F0F93AB-943A-FD4E-8DF3-2A5EF8EE30F9}" dt="2021-11-29T18:27:19.949" v="4"/>
-          <ac:spMkLst>
-            <pc:docMk/>
-            <pc:sldMk cId="3594730708" sldId="330"/>
-            <ac:spMk id="9" creationId="{E3B2E017-30B2-884B-A113-B419A2ED51AD}"/>
-          </ac:spMkLst>
-        </pc:spChg>
-      </pc:sldChg>
-      <pc:sldChg chg="addSp modSp">
-        <pc:chgData name="Long B Nguyen" userId="f59fb8f3-a021-417a-8bc1-65c8d471c621" providerId="ADAL" clId="{4F0F93AB-943A-FD4E-8DF3-2A5EF8EE30F9}" dt="2021-11-29T17:27:25.318" v="1"/>
-        <pc:sldMkLst>
-          <pc:docMk/>
-          <pc:sldMk cId="1712009111" sldId="331"/>
-        </pc:sldMkLst>
-        <pc:spChg chg="add mod">
-          <ac:chgData name="Long B Nguyen" userId="f59fb8f3-a021-417a-8bc1-65c8d471c621" providerId="ADAL" clId="{4F0F93AB-943A-FD4E-8DF3-2A5EF8EE30F9}" dt="2021-11-29T17:27:25.318" v="1"/>
-          <ac:spMkLst>
-            <pc:docMk/>
-            <pc:sldMk cId="1712009111" sldId="331"/>
-            <ac:spMk id="3" creationId="{71A391CE-3106-A64C-86FD-38D7AFDB1446}"/>
-          </ac:spMkLst>
-        </pc:spChg>
-      </pc:sldChg>
-      <pc:sldChg chg="addSp modSp">
-        <pc:chgData name="Long B Nguyen" userId="f59fb8f3-a021-417a-8bc1-65c8d471c621" providerId="ADAL" clId="{4F0F93AB-943A-FD4E-8DF3-2A5EF8EE30F9}" dt="2021-11-29T18:28:50.780" v="14" actId="207"/>
-        <pc:sldMkLst>
-          <pc:docMk/>
-          <pc:sldMk cId="3124353102" sldId="332"/>
-        </pc:sldMkLst>
-        <pc:spChg chg="add mod">
-          <ac:chgData name="Long B Nguyen" userId="f59fb8f3-a021-417a-8bc1-65c8d471c621" providerId="ADAL" clId="{4F0F93AB-943A-FD4E-8DF3-2A5EF8EE30F9}" dt="2021-11-29T17:27:25.318" v="1"/>
-          <ac:spMkLst>
-            <pc:docMk/>
-            <pc:sldMk cId="3124353102" sldId="332"/>
-            <ac:spMk id="3" creationId="{393B07D7-C9D9-954D-97C6-2A5FB5603F99}"/>
-          </ac:spMkLst>
-        </pc:spChg>
-        <pc:spChg chg="mod">
-          <ac:chgData name="Long B Nguyen" userId="f59fb8f3-a021-417a-8bc1-65c8d471c621" providerId="ADAL" clId="{4F0F93AB-943A-FD4E-8DF3-2A5EF8EE30F9}" dt="2021-11-29T18:28:50.780" v="14" actId="207"/>
-          <ac:spMkLst>
-            <pc:docMk/>
-            <pc:sldMk cId="3124353102" sldId="332"/>
-            <ac:spMk id="9" creationId="{E3B2E017-30B2-884B-A113-B419A2ED51AD}"/>
-          </ac:spMkLst>
-        </pc:spChg>
-      </pc:sldChg>
-      <pc:sldChg chg="addSp modSp modAnim">
-        <pc:chgData name="Long B Nguyen" userId="f59fb8f3-a021-417a-8bc1-65c8d471c621" providerId="ADAL" clId="{4F0F93AB-943A-FD4E-8DF3-2A5EF8EE30F9}" dt="2021-11-29T17:27:25.318" v="1"/>
-        <pc:sldMkLst>
-          <pc:docMk/>
-          <pc:sldMk cId="2023389722" sldId="333"/>
-        </pc:sldMkLst>
-        <pc:spChg chg="add mod">
-          <ac:chgData name="Long B Nguyen" userId="f59fb8f3-a021-417a-8bc1-65c8d471c621" providerId="ADAL" clId="{4F0F93AB-943A-FD4E-8DF3-2A5EF8EE30F9}" dt="2021-11-29T17:27:25.318" v="1"/>
-          <ac:spMkLst>
-            <pc:docMk/>
-            <pc:sldMk cId="2023389722" sldId="333"/>
-            <ac:spMk id="3" creationId="{3EA68713-CEA0-764E-8333-024802A96FE5}"/>
-          </ac:spMkLst>
-        </pc:spChg>
-      </pc:sldChg>
-      <pc:sldChg chg="addSp modSp">
-        <pc:chgData name="Long B Nguyen" userId="f59fb8f3-a021-417a-8bc1-65c8d471c621" providerId="ADAL" clId="{4F0F93AB-943A-FD4E-8DF3-2A5EF8EE30F9}" dt="2021-11-29T17:27:25.318" v="1"/>
-        <pc:sldMkLst>
-          <pc:docMk/>
-          <pc:sldMk cId="1330680031" sldId="334"/>
-        </pc:sldMkLst>
-        <pc:spChg chg="add mod">
-          <ac:chgData name="Long B Nguyen" userId="f59fb8f3-a021-417a-8bc1-65c8d471c621" providerId="ADAL" clId="{4F0F93AB-943A-FD4E-8DF3-2A5EF8EE30F9}" dt="2021-11-29T17:27:25.318" v="1"/>
-          <ac:spMkLst>
-            <pc:docMk/>
-            <pc:sldMk cId="1330680031" sldId="334"/>
-            <ac:spMk id="4" creationId="{9D9AD293-8923-2F42-8581-E79C1EA45B01}"/>
-          </ac:spMkLst>
-        </pc:spChg>
-      </pc:sldChg>
-      <pc:sldChg chg="addSp modSp">
-        <pc:chgData name="Long B Nguyen" userId="f59fb8f3-a021-417a-8bc1-65c8d471c621" providerId="ADAL" clId="{4F0F93AB-943A-FD4E-8DF3-2A5EF8EE30F9}" dt="2021-11-29T17:27:25.318" v="1"/>
-        <pc:sldMkLst>
-          <pc:docMk/>
-          <pc:sldMk cId="1205733451" sldId="335"/>
-        </pc:sldMkLst>
-        <pc:spChg chg="add mod">
-          <ac:chgData name="Long B Nguyen" userId="f59fb8f3-a021-417a-8bc1-65c8d471c621" providerId="ADAL" clId="{4F0F93AB-943A-FD4E-8DF3-2A5EF8EE30F9}" dt="2021-11-29T17:27:25.318" v="1"/>
-          <ac:spMkLst>
-            <pc:docMk/>
-            <pc:sldMk cId="1205733451" sldId="335"/>
-            <ac:spMk id="3" creationId="{3690ACAD-D471-614E-9143-D07140CF8606}"/>
-          </ac:spMkLst>
-        </pc:spChg>
-      </pc:sldChg>
-      <pc:sldChg chg="modSp add mod">
-        <pc:chgData name="Long B Nguyen" userId="f59fb8f3-a021-417a-8bc1-65c8d471c621" providerId="ADAL" clId="{4F0F93AB-943A-FD4E-8DF3-2A5EF8EE30F9}" dt="2021-11-29T19:06:07.156" v="159" actId="20577"/>
-        <pc:sldMkLst>
-          <pc:docMk/>
-          <pc:sldMk cId="3536550318" sldId="336"/>
-        </pc:sldMkLst>
-        <pc:spChg chg="mod">
-          <ac:chgData name="Long B Nguyen" userId="f59fb8f3-a021-417a-8bc1-65c8d471c621" providerId="ADAL" clId="{4F0F93AB-943A-FD4E-8DF3-2A5EF8EE30F9}" dt="2021-11-29T18:30:44.780" v="42" actId="20577"/>
-          <ac:spMkLst>
-            <pc:docMk/>
-            <pc:sldMk cId="3536550318" sldId="336"/>
-            <ac:spMk id="2" creationId="{AA3A228F-61D0-D949-A5E7-F83756230BF8}"/>
-          </ac:spMkLst>
-        </pc:spChg>
-        <pc:spChg chg="mod">
-          <ac:chgData name="Long B Nguyen" userId="f59fb8f3-a021-417a-8bc1-65c8d471c621" providerId="ADAL" clId="{4F0F93AB-943A-FD4E-8DF3-2A5EF8EE30F9}" dt="2021-11-29T19:06:07.156" v="159" actId="20577"/>
-          <ac:spMkLst>
-            <pc:docMk/>
-            <pc:sldMk cId="3536550318" sldId="336"/>
-            <ac:spMk id="9" creationId="{E3B2E017-30B2-884B-A113-B419A2ED51AD}"/>
-          </ac:spMkLst>
-        </pc:spChg>
-      </pc:sldChg>
-      <pc:sldChg chg="modSp add mod modAnim">
-        <pc:chgData name="Long B Nguyen" userId="f59fb8f3-a021-417a-8bc1-65c8d471c621" providerId="ADAL" clId="{4F0F93AB-943A-FD4E-8DF3-2A5EF8EE30F9}" dt="2021-11-29T18:33:31.535" v="151" actId="1036"/>
-        <pc:sldMkLst>
-          <pc:docMk/>
-          <pc:sldMk cId="278063722" sldId="337"/>
-        </pc:sldMkLst>
-        <pc:spChg chg="mod">
-          <ac:chgData name="Long B Nguyen" userId="f59fb8f3-a021-417a-8bc1-65c8d471c621" providerId="ADAL" clId="{4F0F93AB-943A-FD4E-8DF3-2A5EF8EE30F9}" dt="2021-11-29T18:33:31.535" v="151" actId="1036"/>
-          <ac:spMkLst>
-            <pc:docMk/>
-            <pc:sldMk cId="278063722" sldId="337"/>
-            <ac:spMk id="3" creationId="{48DA4FF1-142A-6D44-9986-344D8D8232A1}"/>
-          </ac:spMkLst>
-        </pc:spChg>
-        <pc:spChg chg="mod">
-          <ac:chgData name="Long B Nguyen" userId="f59fb8f3-a021-417a-8bc1-65c8d471c621" providerId="ADAL" clId="{4F0F93AB-943A-FD4E-8DF3-2A5EF8EE30F9}" dt="2021-11-29T18:33:26.464" v="139" actId="20577"/>
-          <ac:spMkLst>
-            <pc:docMk/>
-            <pc:sldMk cId="278063722" sldId="337"/>
-            <ac:spMk id="9" creationId="{E3B2E017-30B2-884B-A113-B419A2ED51AD}"/>
-          </ac:spMkLst>
-        </pc:spChg>
-      </pc:sldChg>
-    </pc:docChg>
-  </pc:docChgLst>
-  <pc:docChgLst>
-    <pc:chgData name="Long B Nguyen" userId="f59fb8f3-a021-417a-8bc1-65c8d471c621" providerId="ADAL" clId="{A54A5039-9BC6-1548-AC61-7314DB675A9D}"/>
-    <pc:docChg chg="undo custSel addSld delSld modSld">
-      <pc:chgData name="Long B Nguyen" userId="f59fb8f3-a021-417a-8bc1-65c8d471c621" providerId="ADAL" clId="{A54A5039-9BC6-1548-AC61-7314DB675A9D}" dt="2019-09-25T14:26:33.714" v="2899" actId="20577"/>
-      <pc:docMkLst>
-        <pc:docMk/>
-      </pc:docMkLst>
-      <pc:sldChg chg="modSp">
-        <pc:chgData name="Long B Nguyen" userId="f59fb8f3-a021-417a-8bc1-65c8d471c621" providerId="ADAL" clId="{A54A5039-9BC6-1548-AC61-7314DB675A9D}" dt="2019-09-25T14:17:33.020" v="2843" actId="20577"/>
-        <pc:sldMkLst>
-          <pc:docMk/>
-          <pc:sldMk cId="4247104139" sldId="256"/>
-        </pc:sldMkLst>
-        <pc:spChg chg="mod">
-          <ac:chgData name="Long B Nguyen" userId="f59fb8f3-a021-417a-8bc1-65c8d471c621" providerId="ADAL" clId="{A54A5039-9BC6-1548-AC61-7314DB675A9D}" dt="2019-09-25T14:17:33.020" v="2843" actId="20577"/>
-          <ac:spMkLst>
-            <pc:docMk/>
-            <pc:sldMk cId="4247104139" sldId="256"/>
-            <ac:spMk id="3" creationId="{1BDC47C8-6776-7B44-9CD4-95FC91452D62}"/>
-          </ac:spMkLst>
-        </pc:spChg>
-      </pc:sldChg>
-      <pc:sldChg chg="modSp modAnim">
-        <pc:chgData name="Long B Nguyen" userId="f59fb8f3-a021-417a-8bc1-65c8d471c621" providerId="ADAL" clId="{A54A5039-9BC6-1548-AC61-7314DB675A9D}" dt="2019-09-24T11:45:26.007" v="2185" actId="20577"/>
-        <pc:sldMkLst>
-          <pc:docMk/>
-          <pc:sldMk cId="1438711869" sldId="284"/>
-        </pc:sldMkLst>
-        <pc:spChg chg="mod">
-          <ac:chgData name="Long B Nguyen" userId="f59fb8f3-a021-417a-8bc1-65c8d471c621" providerId="ADAL" clId="{A54A5039-9BC6-1548-AC61-7314DB675A9D}" dt="2019-09-24T11:43:23.898" v="2145" actId="20577"/>
-          <ac:spMkLst>
-            <pc:docMk/>
-            <pc:sldMk cId="1438711869" sldId="284"/>
-            <ac:spMk id="2" creationId="{AA3A228F-61D0-D949-A5E7-F83756230BF8}"/>
-          </ac:spMkLst>
-        </pc:spChg>
-        <pc:spChg chg="mod">
-          <ac:chgData name="Long B Nguyen" userId="f59fb8f3-a021-417a-8bc1-65c8d471c621" providerId="ADAL" clId="{A54A5039-9BC6-1548-AC61-7314DB675A9D}" dt="2019-09-24T11:45:26.007" v="2185" actId="20577"/>
-          <ac:spMkLst>
-            <pc:docMk/>
-            <pc:sldMk cId="1438711869" sldId="284"/>
-            <ac:spMk id="9" creationId="{E3B2E017-30B2-884B-A113-B419A2ED51AD}"/>
-          </ac:spMkLst>
-        </pc:spChg>
-      </pc:sldChg>
-      <pc:sldChg chg="modSp">
-        <pc:chgData name="Long B Nguyen" userId="f59fb8f3-a021-417a-8bc1-65c8d471c621" providerId="ADAL" clId="{A54A5039-9BC6-1548-AC61-7314DB675A9D}" dt="2019-09-19T14:18:56.959" v="28" actId="20577"/>
-        <pc:sldMkLst>
-          <pc:docMk/>
-          <pc:sldMk cId="131840209" sldId="286"/>
-        </pc:sldMkLst>
-        <pc:spChg chg="mod">
-          <ac:chgData name="Long B Nguyen" userId="f59fb8f3-a021-417a-8bc1-65c8d471c621" providerId="ADAL" clId="{A54A5039-9BC6-1548-AC61-7314DB675A9D}" dt="2019-09-19T14:18:56.959" v="28" actId="20577"/>
-          <ac:spMkLst>
-            <pc:docMk/>
-            <pc:sldMk cId="131840209" sldId="286"/>
-            <ac:spMk id="9" creationId="{E3B2E017-30B2-884B-A113-B419A2ED51AD}"/>
-          </ac:spMkLst>
-        </pc:spChg>
-      </pc:sldChg>
-      <pc:sldChg chg="modSp add del modAnim">
-        <pc:chgData name="Long B Nguyen" userId="f59fb8f3-a021-417a-8bc1-65c8d471c621" providerId="ADAL" clId="{A54A5039-9BC6-1548-AC61-7314DB675A9D}" dt="2019-09-24T11:43:26.738" v="2146" actId="2696"/>
-        <pc:sldMkLst>
-          <pc:docMk/>
-          <pc:sldMk cId="3439768680" sldId="294"/>
-        </pc:sldMkLst>
-        <pc:spChg chg="mod">
-          <ac:chgData name="Long B Nguyen" userId="f59fb8f3-a021-417a-8bc1-65c8d471c621" providerId="ADAL" clId="{A54A5039-9BC6-1548-AC61-7314DB675A9D}" dt="2019-09-24T11:40:12.100" v="2004"/>
-          <ac:spMkLst>
-            <pc:docMk/>
-            <pc:sldMk cId="3439768680" sldId="294"/>
-            <ac:spMk id="40963" creationId="{66AA56B3-AB86-6341-92AC-3BDB5774CCA3}"/>
-          </ac:spMkLst>
-        </pc:spChg>
-      </pc:sldChg>
-      <pc:sldChg chg="addSp modSp modAnim">
-        <pc:chgData name="Long B Nguyen" userId="f59fb8f3-a021-417a-8bc1-65c8d471c621" providerId="ADAL" clId="{A54A5039-9BC6-1548-AC61-7314DB675A9D}" dt="2019-09-23T12:04:10.373" v="1911"/>
-        <pc:sldMkLst>
-          <pc:docMk/>
-          <pc:sldMk cId="1816941262" sldId="295"/>
-        </pc:sldMkLst>
-        <pc:spChg chg="add mod">
-          <ac:chgData name="Long B Nguyen" userId="f59fb8f3-a021-417a-8bc1-65c8d471c621" providerId="ADAL" clId="{A54A5039-9BC6-1548-AC61-7314DB675A9D}" dt="2019-09-23T12:03:30.239" v="1901" actId="1076"/>
-          <ac:spMkLst>
-            <pc:docMk/>
-            <pc:sldMk cId="1816941262" sldId="295"/>
-            <ac:spMk id="3" creationId="{53AD888D-2F6F-BB43-86CA-1A3B376061A2}"/>
-          </ac:spMkLst>
-        </pc:spChg>
-        <pc:spChg chg="mod">
-          <ac:chgData name="Long B Nguyen" userId="f59fb8f3-a021-417a-8bc1-65c8d471c621" providerId="ADAL" clId="{A54A5039-9BC6-1548-AC61-7314DB675A9D}" dt="2019-09-23T11:58:12.789" v="1765" actId="20577"/>
-          <ac:spMkLst>
-            <pc:docMk/>
-            <pc:sldMk cId="1816941262" sldId="295"/>
-            <ac:spMk id="9" creationId="{E3B2E017-30B2-884B-A113-B419A2ED51AD}"/>
-          </ac:spMkLst>
-        </pc:spChg>
-        <pc:cxnChg chg="add mod">
-          <ac:chgData name="Long B Nguyen" userId="f59fb8f3-a021-417a-8bc1-65c8d471c621" providerId="ADAL" clId="{A54A5039-9BC6-1548-AC61-7314DB675A9D}" dt="2019-09-23T12:03:49.489" v="1909" actId="692"/>
-          <ac:cxnSpMkLst>
-            <pc:docMk/>
-            <pc:sldMk cId="1816941262" sldId="295"/>
-            <ac:cxnSpMk id="5" creationId="{0FA56ED4-EC25-B14C-B73E-DC4E17ADBF86}"/>
-          </ac:cxnSpMkLst>
-        </pc:cxnChg>
-      </pc:sldChg>
-      <pc:sldChg chg="modSp modAnim">
-        <pc:chgData name="Long B Nguyen" userId="f59fb8f3-a021-417a-8bc1-65c8d471c621" providerId="ADAL" clId="{A54A5039-9BC6-1548-AC61-7314DB675A9D}" dt="2019-09-23T11:59:17.508" v="1794"/>
-        <pc:sldMkLst>
-          <pc:docMk/>
-          <pc:sldMk cId="553003360" sldId="296"/>
-        </pc:sldMkLst>
-        <pc:spChg chg="mod">
-          <ac:chgData name="Long B Nguyen" userId="f59fb8f3-a021-417a-8bc1-65c8d471c621" providerId="ADAL" clId="{A54A5039-9BC6-1548-AC61-7314DB675A9D}" dt="2019-09-23T11:59:10.982" v="1792" actId="20577"/>
-          <ac:spMkLst>
-            <pc:docMk/>
-            <pc:sldMk cId="553003360" sldId="296"/>
-            <ac:spMk id="9" creationId="{E3B2E017-30B2-884B-A113-B419A2ED51AD}"/>
-          </ac:spMkLst>
-        </pc:spChg>
-      </pc:sldChg>
-      <pc:sldChg chg="modSp modAnim">
-        <pc:chgData name="Long B Nguyen" userId="f59fb8f3-a021-417a-8bc1-65c8d471c621" providerId="ADAL" clId="{A54A5039-9BC6-1548-AC61-7314DB675A9D}" dt="2019-09-23T11:59:34.632" v="1798"/>
-        <pc:sldMkLst>
-          <pc:docMk/>
-          <pc:sldMk cId="3006175481" sldId="297"/>
-        </pc:sldMkLst>
-        <pc:spChg chg="mod">
-          <ac:chgData name="Long B Nguyen" userId="f59fb8f3-a021-417a-8bc1-65c8d471c621" providerId="ADAL" clId="{A54A5039-9BC6-1548-AC61-7314DB675A9D}" dt="2019-09-23T11:59:28.174" v="1796" actId="20577"/>
-          <ac:spMkLst>
-            <pc:docMk/>
-            <pc:sldMk cId="3006175481" sldId="297"/>
-            <ac:spMk id="9" creationId="{E3B2E017-30B2-884B-A113-B419A2ED51AD}"/>
-          </ac:spMkLst>
-        </pc:spChg>
-      </pc:sldChg>
-      <pc:sldChg chg="modSp modAnim">
-        <pc:chgData name="Long B Nguyen" userId="f59fb8f3-a021-417a-8bc1-65c8d471c621" providerId="ADAL" clId="{A54A5039-9BC6-1548-AC61-7314DB675A9D}" dt="2019-09-23T12:06:41.861" v="1992"/>
-        <pc:sldMkLst>
-          <pc:docMk/>
-          <pc:sldMk cId="3150557076" sldId="298"/>
-        </pc:sldMkLst>
-        <pc:spChg chg="mod">
-          <ac:chgData name="Long B Nguyen" userId="f59fb8f3-a021-417a-8bc1-65c8d471c621" providerId="ADAL" clId="{A54A5039-9BC6-1548-AC61-7314DB675A9D}" dt="2019-09-23T12:05:19.573" v="1985" actId="20577"/>
-          <ac:spMkLst>
-            <pc:docMk/>
-            <pc:sldMk cId="3150557076" sldId="298"/>
-            <ac:spMk id="9" creationId="{E3B2E017-30B2-884B-A113-B419A2ED51AD}"/>
-          </ac:spMkLst>
-        </pc:spChg>
-      </pc:sldChg>
-      <pc:sldChg chg="addSp delSp modSp modAnim">
-        <pc:chgData name="Long B Nguyen" userId="f59fb8f3-a021-417a-8bc1-65c8d471c621" providerId="ADAL" clId="{A54A5039-9BC6-1548-AC61-7314DB675A9D}" dt="2019-09-23T12:01:44.436" v="1840"/>
-        <pc:sldMkLst>
-          <pc:docMk/>
-          <pc:sldMk cId="128704095" sldId="302"/>
-        </pc:sldMkLst>
-        <pc:spChg chg="add del">
-          <ac:chgData name="Long B Nguyen" userId="f59fb8f3-a021-417a-8bc1-65c8d471c621" providerId="ADAL" clId="{A54A5039-9BC6-1548-AC61-7314DB675A9D}" dt="2019-09-19T16:47:34.465" v="464"/>
-          <ac:spMkLst>
-            <pc:docMk/>
-            <pc:sldMk cId="128704095" sldId="302"/>
-            <ac:spMk id="3" creationId="{EA19F625-AB76-8A4B-B39A-0F2D018DC68D}"/>
-          </ac:spMkLst>
-        </pc:spChg>
-        <pc:spChg chg="mod">
-          <ac:chgData name="Long B Nguyen" userId="f59fb8f3-a021-417a-8bc1-65c8d471c621" providerId="ADAL" clId="{A54A5039-9BC6-1548-AC61-7314DB675A9D}" dt="2019-09-23T12:01:36.243" v="1838" actId="20577"/>
-          <ac:spMkLst>
-            <pc:docMk/>
-            <pc:sldMk cId="128704095" sldId="302"/>
-            <ac:spMk id="9" creationId="{E3B2E017-30B2-884B-A113-B419A2ED51AD}"/>
-          </ac:spMkLst>
-        </pc:spChg>
-      </pc:sldChg>
-      <pc:sldChg chg="modSp add modAnim">
-        <pc:chgData name="Long B Nguyen" userId="f59fb8f3-a021-417a-8bc1-65c8d471c621" providerId="ADAL" clId="{A54A5039-9BC6-1548-AC61-7314DB675A9D}" dt="2019-09-23T12:00:26.516" v="1826" actId="20577"/>
-        <pc:sldMkLst>
-          <pc:docMk/>
-          <pc:sldMk cId="3275945509" sldId="303"/>
-        </pc:sldMkLst>
-        <pc:spChg chg="mod">
-          <ac:chgData name="Long B Nguyen" userId="f59fb8f3-a021-417a-8bc1-65c8d471c621" providerId="ADAL" clId="{A54A5039-9BC6-1548-AC61-7314DB675A9D}" dt="2019-09-23T12:00:26.516" v="1826" actId="20577"/>
-          <ac:spMkLst>
-            <pc:docMk/>
-            <pc:sldMk cId="3275945509" sldId="303"/>
-            <ac:spMk id="9" creationId="{E3B2E017-30B2-884B-A113-B419A2ED51AD}"/>
-          </ac:spMkLst>
-        </pc:spChg>
-      </pc:sldChg>
-      <pc:sldChg chg="modSp add modAnim">
-        <pc:chgData name="Long B Nguyen" userId="f59fb8f3-a021-417a-8bc1-65c8d471c621" providerId="ADAL" clId="{A54A5039-9BC6-1548-AC61-7314DB675A9D}" dt="2019-09-23T12:00:38.314" v="1827"/>
-        <pc:sldMkLst>
-          <pc:docMk/>
-          <pc:sldMk cId="406772024" sldId="304"/>
-        </pc:sldMkLst>
-        <pc:spChg chg="mod">
-          <ac:chgData name="Long B Nguyen" userId="f59fb8f3-a021-417a-8bc1-65c8d471c621" providerId="ADAL" clId="{A54A5039-9BC6-1548-AC61-7314DB675A9D}" dt="2019-09-23T12:00:12.500" v="1808" actId="20577"/>
-          <ac:spMkLst>
-            <pc:docMk/>
-            <pc:sldMk cId="406772024" sldId="304"/>
-            <ac:spMk id="9" creationId="{E3B2E017-30B2-884B-A113-B419A2ED51AD}"/>
-          </ac:spMkLst>
-        </pc:spChg>
-      </pc:sldChg>
-      <pc:sldChg chg="modSp add modAnim">
-        <pc:chgData name="Long B Nguyen" userId="f59fb8f3-a021-417a-8bc1-65c8d471c621" providerId="ADAL" clId="{A54A5039-9BC6-1548-AC61-7314DB675A9D}" dt="2019-09-23T13:27:58.707" v="2000" actId="20577"/>
-        <pc:sldMkLst>
-          <pc:docMk/>
-          <pc:sldMk cId="1703902501" sldId="305"/>
-        </pc:sldMkLst>
-        <pc:spChg chg="mod">
-          <ac:chgData name="Long B Nguyen" userId="f59fb8f3-a021-417a-8bc1-65c8d471c621" providerId="ADAL" clId="{A54A5039-9BC6-1548-AC61-7314DB675A9D}" dt="2019-09-19T14:31:00.333" v="110" actId="20577"/>
-          <ac:spMkLst>
-            <pc:docMk/>
-            <pc:sldMk cId="1703902501" sldId="305"/>
-            <ac:spMk id="2" creationId="{AA3A228F-61D0-D949-A5E7-F83756230BF8}"/>
-          </ac:spMkLst>
-        </pc:spChg>
-        <pc:spChg chg="mod">
-          <ac:chgData name="Long B Nguyen" userId="f59fb8f3-a021-417a-8bc1-65c8d471c621" providerId="ADAL" clId="{A54A5039-9BC6-1548-AC61-7314DB675A9D}" dt="2019-09-23T13:27:58.707" v="2000" actId="20577"/>
-          <ac:spMkLst>
-            <pc:docMk/>
-            <pc:sldMk cId="1703902501" sldId="305"/>
-            <ac:spMk id="9" creationId="{E3B2E017-30B2-884B-A113-B419A2ED51AD}"/>
-          </ac:spMkLst>
-        </pc:spChg>
-      </pc:sldChg>
-      <pc:sldChg chg="modSp add modAnim">
-        <pc:chgData name="Long B Nguyen" userId="f59fb8f3-a021-417a-8bc1-65c8d471c621" providerId="ADAL" clId="{A54A5039-9BC6-1548-AC61-7314DB675A9D}" dt="2019-09-23T12:01:58.728" v="1843"/>
-        <pc:sldMkLst>
-          <pc:docMk/>
-          <pc:sldMk cId="3614829039" sldId="306"/>
-        </pc:sldMkLst>
-        <pc:spChg chg="mod">
-          <ac:chgData name="Long B Nguyen" userId="f59fb8f3-a021-417a-8bc1-65c8d471c621" providerId="ADAL" clId="{A54A5039-9BC6-1548-AC61-7314DB675A9D}" dt="2019-09-19T16:51:57.917" v="536" actId="20577"/>
-          <ac:spMkLst>
-            <pc:docMk/>
-            <pc:sldMk cId="3614829039" sldId="306"/>
-            <ac:spMk id="2" creationId="{AA3A228F-61D0-D949-A5E7-F83756230BF8}"/>
-          </ac:spMkLst>
-        </pc:spChg>
-        <pc:spChg chg="mod">
-          <ac:chgData name="Long B Nguyen" userId="f59fb8f3-a021-417a-8bc1-65c8d471c621" providerId="ADAL" clId="{A54A5039-9BC6-1548-AC61-7314DB675A9D}" dt="2019-09-23T12:01:50.092" v="1842" actId="20577"/>
-          <ac:spMkLst>
-            <pc:docMk/>
-            <pc:sldMk cId="3614829039" sldId="306"/>
-            <ac:spMk id="9" creationId="{E3B2E017-30B2-884B-A113-B419A2ED51AD}"/>
-          </ac:spMkLst>
-        </pc:spChg>
-      </pc:sldChg>
-      <pc:sldChg chg="modSp add modAnim">
-        <pc:chgData name="Long B Nguyen" userId="f59fb8f3-a021-417a-8bc1-65c8d471c621" providerId="ADAL" clId="{A54A5039-9BC6-1548-AC61-7314DB675A9D}" dt="2019-09-23T12:02:15.154" v="1846"/>
-        <pc:sldMkLst>
-          <pc:docMk/>
-          <pc:sldMk cId="295911327" sldId="307"/>
-        </pc:sldMkLst>
-        <pc:spChg chg="mod">
-          <ac:chgData name="Long B Nguyen" userId="f59fb8f3-a021-417a-8bc1-65c8d471c621" providerId="ADAL" clId="{A54A5039-9BC6-1548-AC61-7314DB675A9D}" dt="2019-09-19T17:17:25.590" v="539" actId="20577"/>
-          <ac:spMkLst>
-            <pc:docMk/>
-            <pc:sldMk cId="295911327" sldId="307"/>
-            <ac:spMk id="2" creationId="{AA3A228F-61D0-D949-A5E7-F83756230BF8}"/>
-          </ac:spMkLst>
-        </pc:spChg>
-        <pc:spChg chg="mod">
-          <ac:chgData name="Long B Nguyen" userId="f59fb8f3-a021-417a-8bc1-65c8d471c621" providerId="ADAL" clId="{A54A5039-9BC6-1548-AC61-7314DB675A9D}" dt="2019-09-23T12:02:10.526" v="1845" actId="20577"/>
-          <ac:spMkLst>
-            <pc:docMk/>
-            <pc:sldMk cId="295911327" sldId="307"/>
-            <ac:spMk id="9" creationId="{E3B2E017-30B2-884B-A113-B419A2ED51AD}"/>
-          </ac:spMkLst>
-        </pc:spChg>
-      </pc:sldChg>
-      <pc:sldChg chg="modSp add modAnim">
-        <pc:chgData name="Long B Nguyen" userId="f59fb8f3-a021-417a-8bc1-65c8d471c621" providerId="ADAL" clId="{A54A5039-9BC6-1548-AC61-7314DB675A9D}" dt="2019-09-23T12:01:05.311" v="1832"/>
-        <pc:sldMkLst>
-          <pc:docMk/>
-          <pc:sldMk cId="67957925" sldId="308"/>
-        </pc:sldMkLst>
-        <pc:spChg chg="mod">
-          <ac:chgData name="Long B Nguyen" userId="f59fb8f3-a021-417a-8bc1-65c8d471c621" providerId="ADAL" clId="{A54A5039-9BC6-1548-AC61-7314DB675A9D}" dt="2019-09-20T12:22:34.233" v="599" actId="20577"/>
-          <ac:spMkLst>
-            <pc:docMk/>
-            <pc:sldMk cId="67957925" sldId="308"/>
-            <ac:spMk id="2" creationId="{AA3A228F-61D0-D949-A5E7-F83756230BF8}"/>
-          </ac:spMkLst>
-        </pc:spChg>
-        <pc:spChg chg="mod">
-          <ac:chgData name="Long B Nguyen" userId="f59fb8f3-a021-417a-8bc1-65c8d471c621" providerId="ADAL" clId="{A54A5039-9BC6-1548-AC61-7314DB675A9D}" dt="2019-09-20T12:37:26.490" v="1123" actId="20577"/>
-          <ac:spMkLst>
-            <pc:docMk/>
-            <pc:sldMk cId="67957925" sldId="308"/>
-            <ac:spMk id="9" creationId="{E3B2E017-30B2-884B-A113-B419A2ED51AD}"/>
-          </ac:spMkLst>
-        </pc:spChg>
-      </pc:sldChg>
-      <pc:sldChg chg="modSp add modAnim">
-        <pc:chgData name="Long B Nguyen" userId="f59fb8f3-a021-417a-8bc1-65c8d471c621" providerId="ADAL" clId="{A54A5039-9BC6-1548-AC61-7314DB675A9D}" dt="2019-09-23T12:01:18.117" v="1835"/>
-        <pc:sldMkLst>
-          <pc:docMk/>
-          <pc:sldMk cId="1872435103" sldId="309"/>
-        </pc:sldMkLst>
-        <pc:spChg chg="mod">
-          <ac:chgData name="Long B Nguyen" userId="f59fb8f3-a021-417a-8bc1-65c8d471c621" providerId="ADAL" clId="{A54A5039-9BC6-1548-AC61-7314DB675A9D}" dt="2019-09-20T12:24:39.851" v="793" actId="20577"/>
-          <ac:spMkLst>
-            <pc:docMk/>
-            <pc:sldMk cId="1872435103" sldId="309"/>
-            <ac:spMk id="2" creationId="{AA3A228F-61D0-D949-A5E7-F83756230BF8}"/>
-          </ac:spMkLst>
-        </pc:spChg>
-        <pc:spChg chg="mod">
-          <ac:chgData name="Long B Nguyen" userId="f59fb8f3-a021-417a-8bc1-65c8d471c621" providerId="ADAL" clId="{A54A5039-9BC6-1548-AC61-7314DB675A9D}" dt="2019-09-20T12:37:20.580" v="1117" actId="20577"/>
-          <ac:spMkLst>
-            <pc:docMk/>
-            <pc:sldMk cId="1872435103" sldId="309"/>
-            <ac:spMk id="9" creationId="{E3B2E017-30B2-884B-A113-B419A2ED51AD}"/>
-          </ac:spMkLst>
-        </pc:spChg>
-      </pc:sldChg>
-      <pc:sldChg chg="modSp add">
-        <pc:chgData name="Long B Nguyen" userId="f59fb8f3-a021-417a-8bc1-65c8d471c621" providerId="ADAL" clId="{A54A5039-9BC6-1548-AC61-7314DB675A9D}" dt="2019-09-20T12:40:48.118" v="1409" actId="20577"/>
-        <pc:sldMkLst>
-          <pc:docMk/>
-          <pc:sldMk cId="4088965571" sldId="310"/>
-        </pc:sldMkLst>
-        <pc:spChg chg="mod">
-          <ac:chgData name="Long B Nguyen" userId="f59fb8f3-a021-417a-8bc1-65c8d471c621" providerId="ADAL" clId="{A54A5039-9BC6-1548-AC61-7314DB675A9D}" dt="2019-09-20T12:40:48.118" v="1409" actId="20577"/>
-          <ac:spMkLst>
-            <pc:docMk/>
-            <pc:sldMk cId="4088965571" sldId="310"/>
-            <ac:spMk id="2" creationId="{AA3A228F-61D0-D949-A5E7-F83756230BF8}"/>
-          </ac:spMkLst>
-        </pc:spChg>
-        <pc:spChg chg="mod">
-          <ac:chgData name="Long B Nguyen" userId="f59fb8f3-a021-417a-8bc1-65c8d471c621" providerId="ADAL" clId="{A54A5039-9BC6-1548-AC61-7314DB675A9D}" dt="2019-09-20T12:40:27.809" v="1394" actId="255"/>
-          <ac:spMkLst>
-            <pc:docMk/>
-            <pc:sldMk cId="4088965571" sldId="310"/>
-            <ac:spMk id="9" creationId="{E3B2E017-30B2-884B-A113-B419A2ED51AD}"/>
-          </ac:spMkLst>
-        </pc:spChg>
-      </pc:sldChg>
-      <pc:sldChg chg="modSp add modAnim">
-        <pc:chgData name="Long B Nguyen" userId="f59fb8f3-a021-417a-8bc1-65c8d471c621" providerId="ADAL" clId="{A54A5039-9BC6-1548-AC61-7314DB675A9D}" dt="2019-09-23T12:01:26.997" v="1836"/>
-        <pc:sldMkLst>
-          <pc:docMk/>
-          <pc:sldMk cId="2255846137" sldId="311"/>
-        </pc:sldMkLst>
-        <pc:spChg chg="mod">
-          <ac:chgData name="Long B Nguyen" userId="f59fb8f3-a021-417a-8bc1-65c8d471c621" providerId="ADAL" clId="{A54A5039-9BC6-1548-AC61-7314DB675A9D}" dt="2019-09-20T12:42:38.115" v="1565" actId="20577"/>
-          <ac:spMkLst>
-            <pc:docMk/>
-            <pc:sldMk cId="2255846137" sldId="311"/>
-            <ac:spMk id="2" creationId="{AA3A228F-61D0-D949-A5E7-F83756230BF8}"/>
-          </ac:spMkLst>
-        </pc:spChg>
-        <pc:spChg chg="mod">
-          <ac:chgData name="Long B Nguyen" userId="f59fb8f3-a021-417a-8bc1-65c8d471c621" providerId="ADAL" clId="{A54A5039-9BC6-1548-AC61-7314DB675A9D}" dt="2019-09-20T12:43:18.312" v="1623" actId="20577"/>
-          <ac:spMkLst>
-            <pc:docMk/>
-            <pc:sldMk cId="2255846137" sldId="311"/>
-            <ac:spMk id="9" creationId="{E3B2E017-30B2-884B-A113-B419A2ED51AD}"/>
-          </ac:spMkLst>
-        </pc:spChg>
-      </pc:sldChg>
-      <pc:sldChg chg="modSp add">
-        <pc:chgData name="Long B Nguyen" userId="f59fb8f3-a021-417a-8bc1-65c8d471c621" providerId="ADAL" clId="{A54A5039-9BC6-1548-AC61-7314DB675A9D}" dt="2019-09-23T11:49:40.764" v="1759" actId="20577"/>
-        <pc:sldMkLst>
-          <pc:docMk/>
-          <pc:sldMk cId="1513627164" sldId="312"/>
-        </pc:sldMkLst>
-        <pc:spChg chg="mod">
-          <ac:chgData name="Long B Nguyen" userId="f59fb8f3-a021-417a-8bc1-65c8d471c621" providerId="ADAL" clId="{A54A5039-9BC6-1548-AC61-7314DB675A9D}" dt="2019-09-20T12:44:10.623" v="1625" actId="20577"/>
-          <ac:spMkLst>
-            <pc:docMk/>
-            <pc:sldMk cId="1513627164" sldId="312"/>
-            <ac:spMk id="2" creationId="{AA3A228F-61D0-D949-A5E7-F83756230BF8}"/>
-          </ac:spMkLst>
-        </pc:spChg>
-        <pc:spChg chg="mod">
-          <ac:chgData name="Long B Nguyen" userId="f59fb8f3-a021-417a-8bc1-65c8d471c621" providerId="ADAL" clId="{A54A5039-9BC6-1548-AC61-7314DB675A9D}" dt="2019-09-23T11:49:40.764" v="1759" actId="20577"/>
-          <ac:spMkLst>
-            <pc:docMk/>
-            <pc:sldMk cId="1513627164" sldId="312"/>
-            <ac:spMk id="9" creationId="{E3B2E017-30B2-884B-A113-B419A2ED51AD}"/>
-          </ac:spMkLst>
-        </pc:spChg>
-      </pc:sldChg>
-      <pc:sldChg chg="modSp add modAnim">
-        <pc:chgData name="Long B Nguyen" userId="f59fb8f3-a021-417a-8bc1-65c8d471c621" providerId="ADAL" clId="{A54A5039-9BC6-1548-AC61-7314DB675A9D}" dt="2019-09-23T11:58:57.499" v="1789"/>
-        <pc:sldMkLst>
-          <pc:docMk/>
-          <pc:sldMk cId="2097059918" sldId="313"/>
-        </pc:sldMkLst>
-        <pc:spChg chg="mod">
-          <ac:chgData name="Long B Nguyen" userId="f59fb8f3-a021-417a-8bc1-65c8d471c621" providerId="ADAL" clId="{A54A5039-9BC6-1548-AC61-7314DB675A9D}" dt="2019-09-23T11:58:47.576" v="1783" actId="20577"/>
-          <ac:spMkLst>
-            <pc:docMk/>
-            <pc:sldMk cId="2097059918" sldId="313"/>
-            <ac:spMk id="9" creationId="{E3B2E017-30B2-884B-A113-B419A2ED51AD}"/>
-          </ac:spMkLst>
-        </pc:spChg>
-      </pc:sldChg>
-      <pc:sldChg chg="modSp add del">
-        <pc:chgData name="Long B Nguyen" userId="f59fb8f3-a021-417a-8bc1-65c8d471c621" providerId="ADAL" clId="{A54A5039-9BC6-1548-AC61-7314DB675A9D}" dt="2019-09-24T11:43:27.284" v="2147" actId="2696"/>
-        <pc:sldMkLst>
-          <pc:docMk/>
-          <pc:sldMk cId="3916896519" sldId="314"/>
-        </pc:sldMkLst>
-        <pc:spChg chg="mod">
-          <ac:chgData name="Long B Nguyen" userId="f59fb8f3-a021-417a-8bc1-65c8d471c621" providerId="ADAL" clId="{A54A5039-9BC6-1548-AC61-7314DB675A9D}" dt="2019-09-24T11:40:07.514" v="2003"/>
-          <ac:spMkLst>
-            <pc:docMk/>
-            <pc:sldMk cId="3916896519" sldId="314"/>
-            <ac:spMk id="2" creationId="{AA3A228F-61D0-D949-A5E7-F83756230BF8}"/>
-          </ac:spMkLst>
-        </pc:spChg>
-        <pc:spChg chg="mod">
-          <ac:chgData name="Long B Nguyen" userId="f59fb8f3-a021-417a-8bc1-65c8d471c621" providerId="ADAL" clId="{A54A5039-9BC6-1548-AC61-7314DB675A9D}" dt="2019-09-24T11:41:32.486" v="2043"/>
-          <ac:spMkLst>
-            <pc:docMk/>
-            <pc:sldMk cId="3916896519" sldId="314"/>
-            <ac:spMk id="9" creationId="{E3B2E017-30B2-884B-A113-B419A2ED51AD}"/>
-          </ac:spMkLst>
-        </pc:spChg>
-      </pc:sldChg>
-      <pc:sldChg chg="modSp add del">
-        <pc:chgData name="Long B Nguyen" userId="f59fb8f3-a021-417a-8bc1-65c8d471c621" providerId="ADAL" clId="{A54A5039-9BC6-1548-AC61-7314DB675A9D}" dt="2019-09-24T14:05:24.942" v="2839" actId="2696"/>
-        <pc:sldMkLst>
-          <pc:docMk/>
-          <pc:sldMk cId="2798321153" sldId="315"/>
-        </pc:sldMkLst>
-        <pc:spChg chg="mod">
-          <ac:chgData name="Long B Nguyen" userId="f59fb8f3-a021-417a-8bc1-65c8d471c621" providerId="ADAL" clId="{A54A5039-9BC6-1548-AC61-7314DB675A9D}" dt="2019-09-24T11:47:07.801" v="2189" actId="20577"/>
-          <ac:spMkLst>
-            <pc:docMk/>
-            <pc:sldMk cId="2798321153" sldId="315"/>
-            <ac:spMk id="2" creationId="{AA3A228F-61D0-D949-A5E7-F83756230BF8}"/>
-          </ac:spMkLst>
-        </pc:spChg>
-        <pc:spChg chg="mod">
-          <ac:chgData name="Long B Nguyen" userId="f59fb8f3-a021-417a-8bc1-65c8d471c621" providerId="ADAL" clId="{A54A5039-9BC6-1548-AC61-7314DB675A9D}" dt="2019-09-24T11:53:13.884" v="2630" actId="20577"/>
-          <ac:spMkLst>
-            <pc:docMk/>
-            <pc:sldMk cId="2798321153" sldId="315"/>
-            <ac:spMk id="9" creationId="{E3B2E017-30B2-884B-A113-B419A2ED51AD}"/>
-          </ac:spMkLst>
-        </pc:spChg>
-      </pc:sldChg>
-      <pc:sldChg chg="add">
-        <pc:chgData name="Long B Nguyen" userId="f59fb8f3-a021-417a-8bc1-65c8d471c621" providerId="ADAL" clId="{A54A5039-9BC6-1548-AC61-7314DB675A9D}" dt="2019-09-24T11:47:01.081" v="2186"/>
-        <pc:sldMkLst>
-          <pc:docMk/>
-          <pc:sldMk cId="1452600724" sldId="316"/>
-        </pc:sldMkLst>
-      </pc:sldChg>
-      <pc:sldChg chg="modSp add">
-        <pc:chgData name="Long B Nguyen" userId="f59fb8f3-a021-417a-8bc1-65c8d471c621" providerId="ADAL" clId="{A54A5039-9BC6-1548-AC61-7314DB675A9D}" dt="2019-09-25T14:26:33.714" v="2899" actId="20577"/>
-        <pc:sldMkLst>
-          <pc:docMk/>
-          <pc:sldMk cId="1787114790" sldId="317"/>
-        </pc:sldMkLst>
-        <pc:spChg chg="mod">
-          <ac:chgData name="Long B Nguyen" userId="f59fb8f3-a021-417a-8bc1-65c8d471c621" providerId="ADAL" clId="{A54A5039-9BC6-1548-AC61-7314DB675A9D}" dt="2019-09-24T11:53:24.383" v="2634" actId="20577"/>
-          <ac:spMkLst>
-            <pc:docMk/>
-            <pc:sldMk cId="1787114790" sldId="317"/>
-            <ac:spMk id="2" creationId="{AA3A228F-61D0-D949-A5E7-F83756230BF8}"/>
-          </ac:spMkLst>
-        </pc:spChg>
-        <pc:spChg chg="mod">
-          <ac:chgData name="Long B Nguyen" userId="f59fb8f3-a021-417a-8bc1-65c8d471c621" providerId="ADAL" clId="{A54A5039-9BC6-1548-AC61-7314DB675A9D}" dt="2019-09-25T14:26:33.714" v="2899" actId="20577"/>
-          <ac:spMkLst>
-            <pc:docMk/>
-            <pc:sldMk cId="1787114790" sldId="317"/>
-            <ac:spMk id="9" creationId="{E3B2E017-30B2-884B-A113-B419A2ED51AD}"/>
-          </ac:spMkLst>
-        </pc:spChg>
-      </pc:sldChg>
-      <pc:sldChg chg="modSp add">
-        <pc:chgData name="Long B Nguyen" userId="f59fb8f3-a021-417a-8bc1-65c8d471c621" providerId="ADAL" clId="{A54A5039-9BC6-1548-AC61-7314DB675A9D}" dt="2019-09-24T13:44:10.963" v="2838" actId="20577"/>
-        <pc:sldMkLst>
-          <pc:docMk/>
-          <pc:sldMk cId="1215229427" sldId="318"/>
-        </pc:sldMkLst>
-        <pc:spChg chg="mod">
-          <ac:chgData name="Long B Nguyen" userId="f59fb8f3-a021-417a-8bc1-65c8d471c621" providerId="ADAL" clId="{A54A5039-9BC6-1548-AC61-7314DB675A9D}" dt="2019-09-24T13:44:10.963" v="2838" actId="20577"/>
-          <ac:spMkLst>
-            <pc:docMk/>
-            <pc:sldMk cId="1215229427" sldId="318"/>
-            <ac:spMk id="9" creationId="{E3B2E017-30B2-884B-A113-B419A2ED51AD}"/>
-          </ac:spMkLst>
-        </pc:spChg>
-      </pc:sldChg>
-    </pc:docChg>
-  </pc:docChgLst>
   <pc:docChgLst>
     <pc:chgData name="Long Nguyen" userId="f59fb8f3-a021-417a-8bc1-65c8d471c621" providerId="ADAL" clId="{C0A99E2D-18F5-9E43-BFDB-896345788C44}"/>
     <pc:docChg chg="undo custSel addSld delSld modSld">
@@ -2257,23 +1129,913 @@
     </pc:docChg>
   </pc:docChgLst>
   <pc:docChgLst>
-    <pc:chgData name="Long B Nguyen" userId="f59fb8f3-a021-417a-8bc1-65c8d471c621" providerId="ADAL" clId="{3CB66211-2DF4-2442-833E-8DD261694FF0}"/>
+    <pc:chgData name="Long B Nguyen" userId="f59fb8f3-a021-417a-8bc1-65c8d471c621" providerId="ADAL" clId="{4F0F93AB-943A-FD4E-8DF3-2A5EF8EE30F9}"/>
     <pc:docChg chg="addSld modSld">
-      <pc:chgData name="Long B Nguyen" userId="f59fb8f3-a021-417a-8bc1-65c8d471c621" providerId="ADAL" clId="{3CB66211-2DF4-2442-833E-8DD261694FF0}" dt="2021-11-07T17:24:01.542" v="250" actId="20577"/>
+      <pc:chgData name="Long B Nguyen" userId="f59fb8f3-a021-417a-8bc1-65c8d471c621" providerId="ADAL" clId="{4F0F93AB-943A-FD4E-8DF3-2A5EF8EE30F9}" dt="2021-11-29T19:06:07.156" v="159" actId="20577"/>
       <pc:docMkLst>
         <pc:docMk/>
       </pc:docMkLst>
-      <pc:sldChg chg="modSp add modAnim">
-        <pc:chgData name="Long B Nguyen" userId="f59fb8f3-a021-417a-8bc1-65c8d471c621" providerId="ADAL" clId="{3CB66211-2DF4-2442-833E-8DD261694FF0}" dt="2021-11-07T17:24:01.542" v="250" actId="20577"/>
+      <pc:sldChg chg="addSp modSp">
+        <pc:chgData name="Long B Nguyen" userId="f59fb8f3-a021-417a-8bc1-65c8d471c621" providerId="ADAL" clId="{4F0F93AB-943A-FD4E-8DF3-2A5EF8EE30F9}" dt="2021-11-29T17:27:25.318" v="1"/>
+        <pc:sldMkLst>
+          <pc:docMk/>
+          <pc:sldMk cId="4247104139" sldId="256"/>
+        </pc:sldMkLst>
+        <pc:spChg chg="add mod">
+          <ac:chgData name="Long B Nguyen" userId="f59fb8f3-a021-417a-8bc1-65c8d471c621" providerId="ADAL" clId="{4F0F93AB-943A-FD4E-8DF3-2A5EF8EE30F9}" dt="2021-11-29T17:27:25.318" v="1"/>
+          <ac:spMkLst>
+            <pc:docMk/>
+            <pc:sldMk cId="4247104139" sldId="256"/>
+            <ac:spMk id="5" creationId="{B2BC8EC2-B682-6F4D-9E6C-B5FCC03B133E}"/>
+          </ac:spMkLst>
+        </pc:spChg>
+      </pc:sldChg>
+      <pc:sldChg chg="addSp modSp">
+        <pc:chgData name="Long B Nguyen" userId="f59fb8f3-a021-417a-8bc1-65c8d471c621" providerId="ADAL" clId="{4F0F93AB-943A-FD4E-8DF3-2A5EF8EE30F9}" dt="2021-11-29T17:27:25.318" v="1"/>
+        <pc:sldMkLst>
+          <pc:docMk/>
+          <pc:sldMk cId="403449732" sldId="302"/>
+        </pc:sldMkLst>
+        <pc:spChg chg="add mod">
+          <ac:chgData name="Long B Nguyen" userId="f59fb8f3-a021-417a-8bc1-65c8d471c621" providerId="ADAL" clId="{4F0F93AB-943A-FD4E-8DF3-2A5EF8EE30F9}" dt="2021-11-29T17:27:25.318" v="1"/>
+          <ac:spMkLst>
+            <pc:docMk/>
+            <pc:sldMk cId="403449732" sldId="302"/>
+            <ac:spMk id="3" creationId="{B16612CE-F205-704B-A1A0-DA8AFE914EE0}"/>
+          </ac:spMkLst>
+        </pc:spChg>
+      </pc:sldChg>
+      <pc:sldChg chg="addSp modSp">
+        <pc:chgData name="Long B Nguyen" userId="f59fb8f3-a021-417a-8bc1-65c8d471c621" providerId="ADAL" clId="{4F0F93AB-943A-FD4E-8DF3-2A5EF8EE30F9}" dt="2021-11-29T17:27:25.318" v="1"/>
+        <pc:sldMkLst>
+          <pc:docMk/>
+          <pc:sldMk cId="370395365" sldId="306"/>
+        </pc:sldMkLst>
+        <pc:spChg chg="add mod">
+          <ac:chgData name="Long B Nguyen" userId="f59fb8f3-a021-417a-8bc1-65c8d471c621" providerId="ADAL" clId="{4F0F93AB-943A-FD4E-8DF3-2A5EF8EE30F9}" dt="2021-11-29T17:27:25.318" v="1"/>
+          <ac:spMkLst>
+            <pc:docMk/>
+            <pc:sldMk cId="370395365" sldId="306"/>
+            <ac:spMk id="3" creationId="{079F9442-BDD5-664F-B683-5FEDE5D4DFC6}"/>
+          </ac:spMkLst>
+        </pc:spChg>
+      </pc:sldChg>
+      <pc:sldChg chg="addSp modSp">
+        <pc:chgData name="Long B Nguyen" userId="f59fb8f3-a021-417a-8bc1-65c8d471c621" providerId="ADAL" clId="{4F0F93AB-943A-FD4E-8DF3-2A5EF8EE30F9}" dt="2021-11-29T17:27:25.318" v="1"/>
+        <pc:sldMkLst>
+          <pc:docMk/>
+          <pc:sldMk cId="224751101" sldId="307"/>
+        </pc:sldMkLst>
+        <pc:spChg chg="add mod">
+          <ac:chgData name="Long B Nguyen" userId="f59fb8f3-a021-417a-8bc1-65c8d471c621" providerId="ADAL" clId="{4F0F93AB-943A-FD4E-8DF3-2A5EF8EE30F9}" dt="2021-11-29T17:27:25.318" v="1"/>
+          <ac:spMkLst>
+            <pc:docMk/>
+            <pc:sldMk cId="224751101" sldId="307"/>
+            <ac:spMk id="3" creationId="{EBA6D9F6-F879-B64D-A123-E8BD5ADAF5FF}"/>
+          </ac:spMkLst>
+        </pc:spChg>
+      </pc:sldChg>
+      <pc:sldChg chg="addSp modSp">
+        <pc:chgData name="Long B Nguyen" userId="f59fb8f3-a021-417a-8bc1-65c8d471c621" providerId="ADAL" clId="{4F0F93AB-943A-FD4E-8DF3-2A5EF8EE30F9}" dt="2021-11-29T17:27:25.318" v="1"/>
+        <pc:sldMkLst>
+          <pc:docMk/>
+          <pc:sldMk cId="1452600724" sldId="316"/>
+        </pc:sldMkLst>
+        <pc:spChg chg="add mod">
+          <ac:chgData name="Long B Nguyen" userId="f59fb8f3-a021-417a-8bc1-65c8d471c621" providerId="ADAL" clId="{4F0F93AB-943A-FD4E-8DF3-2A5EF8EE30F9}" dt="2021-11-29T17:27:25.318" v="1"/>
+          <ac:spMkLst>
+            <pc:docMk/>
+            <pc:sldMk cId="1452600724" sldId="316"/>
+            <ac:spMk id="3" creationId="{A6EC21DB-BE94-5A4E-B755-315F7F935D76}"/>
+          </ac:spMkLst>
+        </pc:spChg>
+      </pc:sldChg>
+      <pc:sldChg chg="addSp modSp">
+        <pc:chgData name="Long B Nguyen" userId="f59fb8f3-a021-417a-8bc1-65c8d471c621" providerId="ADAL" clId="{4F0F93AB-943A-FD4E-8DF3-2A5EF8EE30F9}" dt="2021-11-29T17:27:25.318" v="1"/>
+        <pc:sldMkLst>
+          <pc:docMk/>
+          <pc:sldMk cId="924617162" sldId="319"/>
+        </pc:sldMkLst>
+        <pc:spChg chg="add mod">
+          <ac:chgData name="Long B Nguyen" userId="f59fb8f3-a021-417a-8bc1-65c8d471c621" providerId="ADAL" clId="{4F0F93AB-943A-FD4E-8DF3-2A5EF8EE30F9}" dt="2021-11-29T17:27:25.318" v="1"/>
+          <ac:spMkLst>
+            <pc:docMk/>
+            <pc:sldMk cId="924617162" sldId="319"/>
+            <ac:spMk id="3" creationId="{BDC2059B-C28B-4640-BA06-033C10FB8E3F}"/>
+          </ac:spMkLst>
+        </pc:spChg>
+      </pc:sldChg>
+      <pc:sldChg chg="addSp modSp">
+        <pc:chgData name="Long B Nguyen" userId="f59fb8f3-a021-417a-8bc1-65c8d471c621" providerId="ADAL" clId="{4F0F93AB-943A-FD4E-8DF3-2A5EF8EE30F9}" dt="2021-11-29T17:27:25.318" v="1"/>
+        <pc:sldMkLst>
+          <pc:docMk/>
+          <pc:sldMk cId="3758830494" sldId="320"/>
+        </pc:sldMkLst>
+        <pc:spChg chg="add mod">
+          <ac:chgData name="Long B Nguyen" userId="f59fb8f3-a021-417a-8bc1-65c8d471c621" providerId="ADAL" clId="{4F0F93AB-943A-FD4E-8DF3-2A5EF8EE30F9}" dt="2021-11-29T17:27:25.318" v="1"/>
+          <ac:spMkLst>
+            <pc:docMk/>
+            <pc:sldMk cId="3758830494" sldId="320"/>
+            <ac:spMk id="3" creationId="{E2921E85-92BD-2245-8705-A9D236339CAB}"/>
+          </ac:spMkLst>
+        </pc:spChg>
+      </pc:sldChg>
+      <pc:sldChg chg="addSp modSp">
+        <pc:chgData name="Long B Nguyen" userId="f59fb8f3-a021-417a-8bc1-65c8d471c621" providerId="ADAL" clId="{4F0F93AB-943A-FD4E-8DF3-2A5EF8EE30F9}" dt="2021-11-29T17:27:25.318" v="1"/>
+        <pc:sldMkLst>
+          <pc:docMk/>
+          <pc:sldMk cId="1022945305" sldId="321"/>
+        </pc:sldMkLst>
+        <pc:spChg chg="add mod">
+          <ac:chgData name="Long B Nguyen" userId="f59fb8f3-a021-417a-8bc1-65c8d471c621" providerId="ADAL" clId="{4F0F93AB-943A-FD4E-8DF3-2A5EF8EE30F9}" dt="2021-11-29T17:27:25.318" v="1"/>
+          <ac:spMkLst>
+            <pc:docMk/>
+            <pc:sldMk cId="1022945305" sldId="321"/>
+            <ac:spMk id="4" creationId="{D9791036-EBBC-1043-9CA9-F3A064B804DF}"/>
+          </ac:spMkLst>
+        </pc:spChg>
+      </pc:sldChg>
+      <pc:sldChg chg="addSp modSp">
+        <pc:chgData name="Long B Nguyen" userId="f59fb8f3-a021-417a-8bc1-65c8d471c621" providerId="ADAL" clId="{4F0F93AB-943A-FD4E-8DF3-2A5EF8EE30F9}" dt="2021-11-29T18:28:05.398" v="9"/>
+        <pc:sldMkLst>
+          <pc:docMk/>
+          <pc:sldMk cId="3456840474" sldId="322"/>
+        </pc:sldMkLst>
+        <pc:spChg chg="add mod">
+          <ac:chgData name="Long B Nguyen" userId="f59fb8f3-a021-417a-8bc1-65c8d471c621" providerId="ADAL" clId="{4F0F93AB-943A-FD4E-8DF3-2A5EF8EE30F9}" dt="2021-11-29T17:27:25.318" v="1"/>
+          <ac:spMkLst>
+            <pc:docMk/>
+            <pc:sldMk cId="3456840474" sldId="322"/>
+            <ac:spMk id="3" creationId="{CC2FA81F-03BB-8F4F-850A-A518C2411A1F}"/>
+          </ac:spMkLst>
+        </pc:spChg>
+        <pc:spChg chg="mod">
+          <ac:chgData name="Long B Nguyen" userId="f59fb8f3-a021-417a-8bc1-65c8d471c621" providerId="ADAL" clId="{4F0F93AB-943A-FD4E-8DF3-2A5EF8EE30F9}" dt="2021-11-29T18:28:05.398" v="9"/>
+          <ac:spMkLst>
+            <pc:docMk/>
+            <pc:sldMk cId="3456840474" sldId="322"/>
+            <ac:spMk id="9" creationId="{E3B2E017-30B2-884B-A113-B419A2ED51AD}"/>
+          </ac:spMkLst>
+        </pc:spChg>
+      </pc:sldChg>
+      <pc:sldChg chg="addSp modSp">
+        <pc:chgData name="Long B Nguyen" userId="f59fb8f3-a021-417a-8bc1-65c8d471c621" providerId="ADAL" clId="{4F0F93AB-943A-FD4E-8DF3-2A5EF8EE30F9}" dt="2021-11-29T18:28:27.791" v="12" actId="207"/>
+        <pc:sldMkLst>
+          <pc:docMk/>
+          <pc:sldMk cId="1062075874" sldId="323"/>
+        </pc:sldMkLst>
+        <pc:spChg chg="add mod">
+          <ac:chgData name="Long B Nguyen" userId="f59fb8f3-a021-417a-8bc1-65c8d471c621" providerId="ADAL" clId="{4F0F93AB-943A-FD4E-8DF3-2A5EF8EE30F9}" dt="2021-11-29T17:27:25.318" v="1"/>
+          <ac:spMkLst>
+            <pc:docMk/>
+            <pc:sldMk cId="1062075874" sldId="323"/>
+            <ac:spMk id="3" creationId="{E6BB2C50-2D6D-3845-88A0-760C2F31B7F1}"/>
+          </ac:spMkLst>
+        </pc:spChg>
+        <pc:spChg chg="mod">
+          <ac:chgData name="Long B Nguyen" userId="f59fb8f3-a021-417a-8bc1-65c8d471c621" providerId="ADAL" clId="{4F0F93AB-943A-FD4E-8DF3-2A5EF8EE30F9}" dt="2021-11-29T18:28:27.791" v="12" actId="207"/>
+          <ac:spMkLst>
+            <pc:docMk/>
+            <pc:sldMk cId="1062075874" sldId="323"/>
+            <ac:spMk id="9" creationId="{E3B2E017-30B2-884B-A113-B419A2ED51AD}"/>
+          </ac:spMkLst>
+        </pc:spChg>
+      </pc:sldChg>
+      <pc:sldChg chg="addSp modSp">
+        <pc:chgData name="Long B Nguyen" userId="f59fb8f3-a021-417a-8bc1-65c8d471c621" providerId="ADAL" clId="{4F0F93AB-943A-FD4E-8DF3-2A5EF8EE30F9}" dt="2021-11-29T17:27:25.318" v="1"/>
+        <pc:sldMkLst>
+          <pc:docMk/>
+          <pc:sldMk cId="1310010799" sldId="324"/>
+        </pc:sldMkLst>
+        <pc:spChg chg="add mod">
+          <ac:chgData name="Long B Nguyen" userId="f59fb8f3-a021-417a-8bc1-65c8d471c621" providerId="ADAL" clId="{4F0F93AB-943A-FD4E-8DF3-2A5EF8EE30F9}" dt="2021-11-29T17:27:25.318" v="1"/>
+          <ac:spMkLst>
+            <pc:docMk/>
+            <pc:sldMk cId="1310010799" sldId="324"/>
+            <ac:spMk id="3" creationId="{FF1B6A0E-7C7A-634F-BD13-8643F7F1AE4F}"/>
+          </ac:spMkLst>
+        </pc:spChg>
+      </pc:sldChg>
+      <pc:sldChg chg="addSp modSp">
+        <pc:chgData name="Long B Nguyen" userId="f59fb8f3-a021-417a-8bc1-65c8d471c621" providerId="ADAL" clId="{4F0F93AB-943A-FD4E-8DF3-2A5EF8EE30F9}" dt="2021-11-29T17:27:25.318" v="1"/>
+        <pc:sldMkLst>
+          <pc:docMk/>
+          <pc:sldMk cId="451405738" sldId="325"/>
+        </pc:sldMkLst>
+        <pc:spChg chg="add mod">
+          <ac:chgData name="Long B Nguyen" userId="f59fb8f3-a021-417a-8bc1-65c8d471c621" providerId="ADAL" clId="{4F0F93AB-943A-FD4E-8DF3-2A5EF8EE30F9}" dt="2021-11-29T17:27:25.318" v="1"/>
+          <ac:spMkLst>
+            <pc:docMk/>
+            <pc:sldMk cId="451405738" sldId="325"/>
+            <ac:spMk id="3" creationId="{72F8AA9C-740A-0B4D-9AD6-D531DA9B9312}"/>
+          </ac:spMkLst>
+        </pc:spChg>
+      </pc:sldChg>
+      <pc:sldChg chg="addSp modSp">
+        <pc:chgData name="Long B Nguyen" userId="f59fb8f3-a021-417a-8bc1-65c8d471c621" providerId="ADAL" clId="{4F0F93AB-943A-FD4E-8DF3-2A5EF8EE30F9}" dt="2021-11-29T18:27:05.725" v="3" actId="207"/>
+        <pc:sldMkLst>
+          <pc:docMk/>
+          <pc:sldMk cId="1724104636" sldId="327"/>
+        </pc:sldMkLst>
+        <pc:spChg chg="add mod">
+          <ac:chgData name="Long B Nguyen" userId="f59fb8f3-a021-417a-8bc1-65c8d471c621" providerId="ADAL" clId="{4F0F93AB-943A-FD4E-8DF3-2A5EF8EE30F9}" dt="2021-11-29T17:27:25.318" v="1"/>
+          <ac:spMkLst>
+            <pc:docMk/>
+            <pc:sldMk cId="1724104636" sldId="327"/>
+            <ac:spMk id="3" creationId="{BCC2F645-119F-024F-873B-D01338AB7CFC}"/>
+          </ac:spMkLst>
+        </pc:spChg>
+        <pc:spChg chg="mod">
+          <ac:chgData name="Long B Nguyen" userId="f59fb8f3-a021-417a-8bc1-65c8d471c621" providerId="ADAL" clId="{4F0F93AB-943A-FD4E-8DF3-2A5EF8EE30F9}" dt="2021-11-29T18:27:05.725" v="3" actId="207"/>
+          <ac:spMkLst>
+            <pc:docMk/>
+            <pc:sldMk cId="1724104636" sldId="327"/>
+            <ac:spMk id="9" creationId="{E3B2E017-30B2-884B-A113-B419A2ED51AD}"/>
+          </ac:spMkLst>
+        </pc:spChg>
+      </pc:sldChg>
+      <pc:sldChg chg="addSp modSp">
+        <pc:chgData name="Long B Nguyen" userId="f59fb8f3-a021-417a-8bc1-65c8d471c621" providerId="ADAL" clId="{4F0F93AB-943A-FD4E-8DF3-2A5EF8EE30F9}" dt="2021-11-29T17:27:25.318" v="1"/>
+        <pc:sldMkLst>
+          <pc:docMk/>
+          <pc:sldMk cId="3894299887" sldId="328"/>
+        </pc:sldMkLst>
+        <pc:spChg chg="add mod">
+          <ac:chgData name="Long B Nguyen" userId="f59fb8f3-a021-417a-8bc1-65c8d471c621" providerId="ADAL" clId="{4F0F93AB-943A-FD4E-8DF3-2A5EF8EE30F9}" dt="2021-11-29T17:27:25.318" v="1"/>
+          <ac:spMkLst>
+            <pc:docMk/>
+            <pc:sldMk cId="3894299887" sldId="328"/>
+            <ac:spMk id="3" creationId="{08CC6065-403A-EE41-909D-293639D20DA3}"/>
+          </ac:spMkLst>
+        </pc:spChg>
+      </pc:sldChg>
+      <pc:sldChg chg="addSp modSp">
+        <pc:chgData name="Long B Nguyen" userId="f59fb8f3-a021-417a-8bc1-65c8d471c621" providerId="ADAL" clId="{4F0F93AB-943A-FD4E-8DF3-2A5EF8EE30F9}" dt="2021-11-29T18:27:56.570" v="8" actId="207"/>
+        <pc:sldMkLst>
+          <pc:docMk/>
+          <pc:sldMk cId="4294143140" sldId="329"/>
+        </pc:sldMkLst>
+        <pc:spChg chg="add mod">
+          <ac:chgData name="Long B Nguyen" userId="f59fb8f3-a021-417a-8bc1-65c8d471c621" providerId="ADAL" clId="{4F0F93AB-943A-FD4E-8DF3-2A5EF8EE30F9}" dt="2021-11-29T17:27:25.318" v="1"/>
+          <ac:spMkLst>
+            <pc:docMk/>
+            <pc:sldMk cId="4294143140" sldId="329"/>
+            <ac:spMk id="3" creationId="{EC90FA93-9BA3-C942-ADC3-F78FED46447E}"/>
+          </ac:spMkLst>
+        </pc:spChg>
+        <pc:spChg chg="mod">
+          <ac:chgData name="Long B Nguyen" userId="f59fb8f3-a021-417a-8bc1-65c8d471c621" providerId="ADAL" clId="{4F0F93AB-943A-FD4E-8DF3-2A5EF8EE30F9}" dt="2021-11-29T18:27:56.570" v="8" actId="207"/>
+          <ac:spMkLst>
+            <pc:docMk/>
+            <pc:sldMk cId="4294143140" sldId="329"/>
+            <ac:spMk id="9" creationId="{E3B2E017-30B2-884B-A113-B419A2ED51AD}"/>
+          </ac:spMkLst>
+        </pc:spChg>
+      </pc:sldChg>
+      <pc:sldChg chg="addSp modSp">
+        <pc:chgData name="Long B Nguyen" userId="f59fb8f3-a021-417a-8bc1-65c8d471c621" providerId="ADAL" clId="{4F0F93AB-943A-FD4E-8DF3-2A5EF8EE30F9}" dt="2021-11-29T18:27:19.949" v="4"/>
+        <pc:sldMkLst>
+          <pc:docMk/>
+          <pc:sldMk cId="3594730708" sldId="330"/>
+        </pc:sldMkLst>
+        <pc:spChg chg="add mod">
+          <ac:chgData name="Long B Nguyen" userId="f59fb8f3-a021-417a-8bc1-65c8d471c621" providerId="ADAL" clId="{4F0F93AB-943A-FD4E-8DF3-2A5EF8EE30F9}" dt="2021-11-29T17:27:25.318" v="1"/>
+          <ac:spMkLst>
+            <pc:docMk/>
+            <pc:sldMk cId="3594730708" sldId="330"/>
+            <ac:spMk id="3" creationId="{93848D8B-7F38-C24B-9E96-0219B9F33CC1}"/>
+          </ac:spMkLst>
+        </pc:spChg>
+        <pc:spChg chg="mod">
+          <ac:chgData name="Long B Nguyen" userId="f59fb8f3-a021-417a-8bc1-65c8d471c621" providerId="ADAL" clId="{4F0F93AB-943A-FD4E-8DF3-2A5EF8EE30F9}" dt="2021-11-29T18:27:19.949" v="4"/>
+          <ac:spMkLst>
+            <pc:docMk/>
+            <pc:sldMk cId="3594730708" sldId="330"/>
+            <ac:spMk id="9" creationId="{E3B2E017-30B2-884B-A113-B419A2ED51AD}"/>
+          </ac:spMkLst>
+        </pc:spChg>
+      </pc:sldChg>
+      <pc:sldChg chg="addSp modSp">
+        <pc:chgData name="Long B Nguyen" userId="f59fb8f3-a021-417a-8bc1-65c8d471c621" providerId="ADAL" clId="{4F0F93AB-943A-FD4E-8DF3-2A5EF8EE30F9}" dt="2021-11-29T17:27:25.318" v="1"/>
+        <pc:sldMkLst>
+          <pc:docMk/>
+          <pc:sldMk cId="1712009111" sldId="331"/>
+        </pc:sldMkLst>
+        <pc:spChg chg="add mod">
+          <ac:chgData name="Long B Nguyen" userId="f59fb8f3-a021-417a-8bc1-65c8d471c621" providerId="ADAL" clId="{4F0F93AB-943A-FD4E-8DF3-2A5EF8EE30F9}" dt="2021-11-29T17:27:25.318" v="1"/>
+          <ac:spMkLst>
+            <pc:docMk/>
+            <pc:sldMk cId="1712009111" sldId="331"/>
+            <ac:spMk id="3" creationId="{71A391CE-3106-A64C-86FD-38D7AFDB1446}"/>
+          </ac:spMkLst>
+        </pc:spChg>
+      </pc:sldChg>
+      <pc:sldChg chg="addSp modSp">
+        <pc:chgData name="Long B Nguyen" userId="f59fb8f3-a021-417a-8bc1-65c8d471c621" providerId="ADAL" clId="{4F0F93AB-943A-FD4E-8DF3-2A5EF8EE30F9}" dt="2021-11-29T18:28:50.780" v="14" actId="207"/>
+        <pc:sldMkLst>
+          <pc:docMk/>
+          <pc:sldMk cId="3124353102" sldId="332"/>
+        </pc:sldMkLst>
+        <pc:spChg chg="add mod">
+          <ac:chgData name="Long B Nguyen" userId="f59fb8f3-a021-417a-8bc1-65c8d471c621" providerId="ADAL" clId="{4F0F93AB-943A-FD4E-8DF3-2A5EF8EE30F9}" dt="2021-11-29T17:27:25.318" v="1"/>
+          <ac:spMkLst>
+            <pc:docMk/>
+            <pc:sldMk cId="3124353102" sldId="332"/>
+            <ac:spMk id="3" creationId="{393B07D7-C9D9-954D-97C6-2A5FB5603F99}"/>
+          </ac:spMkLst>
+        </pc:spChg>
+        <pc:spChg chg="mod">
+          <ac:chgData name="Long B Nguyen" userId="f59fb8f3-a021-417a-8bc1-65c8d471c621" providerId="ADAL" clId="{4F0F93AB-943A-FD4E-8DF3-2A5EF8EE30F9}" dt="2021-11-29T18:28:50.780" v="14" actId="207"/>
+          <ac:spMkLst>
+            <pc:docMk/>
+            <pc:sldMk cId="3124353102" sldId="332"/>
+            <ac:spMk id="9" creationId="{E3B2E017-30B2-884B-A113-B419A2ED51AD}"/>
+          </ac:spMkLst>
+        </pc:spChg>
+      </pc:sldChg>
+      <pc:sldChg chg="addSp modSp modAnim">
+        <pc:chgData name="Long B Nguyen" userId="f59fb8f3-a021-417a-8bc1-65c8d471c621" providerId="ADAL" clId="{4F0F93AB-943A-FD4E-8DF3-2A5EF8EE30F9}" dt="2021-11-29T17:27:25.318" v="1"/>
         <pc:sldMkLst>
           <pc:docMk/>
           <pc:sldMk cId="2023389722" sldId="333"/>
         </pc:sldMkLst>
-        <pc:spChg chg="mod">
-          <ac:chgData name="Long B Nguyen" userId="f59fb8f3-a021-417a-8bc1-65c8d471c621" providerId="ADAL" clId="{3CB66211-2DF4-2442-833E-8DD261694FF0}" dt="2021-11-07T17:24:01.542" v="250" actId="20577"/>
+        <pc:spChg chg="add mod">
+          <ac:chgData name="Long B Nguyen" userId="f59fb8f3-a021-417a-8bc1-65c8d471c621" providerId="ADAL" clId="{4F0F93AB-943A-FD4E-8DF3-2A5EF8EE30F9}" dt="2021-11-29T17:27:25.318" v="1"/>
           <ac:spMkLst>
             <pc:docMk/>
             <pc:sldMk cId="2023389722" sldId="333"/>
+            <ac:spMk id="3" creationId="{3EA68713-CEA0-764E-8333-024802A96FE5}"/>
+          </ac:spMkLst>
+        </pc:spChg>
+      </pc:sldChg>
+      <pc:sldChg chg="addSp modSp">
+        <pc:chgData name="Long B Nguyen" userId="f59fb8f3-a021-417a-8bc1-65c8d471c621" providerId="ADAL" clId="{4F0F93AB-943A-FD4E-8DF3-2A5EF8EE30F9}" dt="2021-11-29T17:27:25.318" v="1"/>
+        <pc:sldMkLst>
+          <pc:docMk/>
+          <pc:sldMk cId="1330680031" sldId="334"/>
+        </pc:sldMkLst>
+        <pc:spChg chg="add mod">
+          <ac:chgData name="Long B Nguyen" userId="f59fb8f3-a021-417a-8bc1-65c8d471c621" providerId="ADAL" clId="{4F0F93AB-943A-FD4E-8DF3-2A5EF8EE30F9}" dt="2021-11-29T17:27:25.318" v="1"/>
+          <ac:spMkLst>
+            <pc:docMk/>
+            <pc:sldMk cId="1330680031" sldId="334"/>
+            <ac:spMk id="4" creationId="{9D9AD293-8923-2F42-8581-E79C1EA45B01}"/>
+          </ac:spMkLst>
+        </pc:spChg>
+      </pc:sldChg>
+      <pc:sldChg chg="addSp modSp">
+        <pc:chgData name="Long B Nguyen" userId="f59fb8f3-a021-417a-8bc1-65c8d471c621" providerId="ADAL" clId="{4F0F93AB-943A-FD4E-8DF3-2A5EF8EE30F9}" dt="2021-11-29T17:27:25.318" v="1"/>
+        <pc:sldMkLst>
+          <pc:docMk/>
+          <pc:sldMk cId="1205733451" sldId="335"/>
+        </pc:sldMkLst>
+        <pc:spChg chg="add mod">
+          <ac:chgData name="Long B Nguyen" userId="f59fb8f3-a021-417a-8bc1-65c8d471c621" providerId="ADAL" clId="{4F0F93AB-943A-FD4E-8DF3-2A5EF8EE30F9}" dt="2021-11-29T17:27:25.318" v="1"/>
+          <ac:spMkLst>
+            <pc:docMk/>
+            <pc:sldMk cId="1205733451" sldId="335"/>
+            <ac:spMk id="3" creationId="{3690ACAD-D471-614E-9143-D07140CF8606}"/>
+          </ac:spMkLst>
+        </pc:spChg>
+      </pc:sldChg>
+      <pc:sldChg chg="modSp add mod">
+        <pc:chgData name="Long B Nguyen" userId="f59fb8f3-a021-417a-8bc1-65c8d471c621" providerId="ADAL" clId="{4F0F93AB-943A-FD4E-8DF3-2A5EF8EE30F9}" dt="2021-11-29T19:06:07.156" v="159" actId="20577"/>
+        <pc:sldMkLst>
+          <pc:docMk/>
+          <pc:sldMk cId="3536550318" sldId="336"/>
+        </pc:sldMkLst>
+        <pc:spChg chg="mod">
+          <ac:chgData name="Long B Nguyen" userId="f59fb8f3-a021-417a-8bc1-65c8d471c621" providerId="ADAL" clId="{4F0F93AB-943A-FD4E-8DF3-2A5EF8EE30F9}" dt="2021-11-29T18:30:44.780" v="42" actId="20577"/>
+          <ac:spMkLst>
+            <pc:docMk/>
+            <pc:sldMk cId="3536550318" sldId="336"/>
+            <ac:spMk id="2" creationId="{AA3A228F-61D0-D949-A5E7-F83756230BF8}"/>
+          </ac:spMkLst>
+        </pc:spChg>
+        <pc:spChg chg="mod">
+          <ac:chgData name="Long B Nguyen" userId="f59fb8f3-a021-417a-8bc1-65c8d471c621" providerId="ADAL" clId="{4F0F93AB-943A-FD4E-8DF3-2A5EF8EE30F9}" dt="2021-11-29T19:06:07.156" v="159" actId="20577"/>
+          <ac:spMkLst>
+            <pc:docMk/>
+            <pc:sldMk cId="3536550318" sldId="336"/>
+            <ac:spMk id="9" creationId="{E3B2E017-30B2-884B-A113-B419A2ED51AD}"/>
+          </ac:spMkLst>
+        </pc:spChg>
+      </pc:sldChg>
+      <pc:sldChg chg="modSp add mod modAnim">
+        <pc:chgData name="Long B Nguyen" userId="f59fb8f3-a021-417a-8bc1-65c8d471c621" providerId="ADAL" clId="{4F0F93AB-943A-FD4E-8DF3-2A5EF8EE30F9}" dt="2021-11-29T18:33:31.535" v="151" actId="1036"/>
+        <pc:sldMkLst>
+          <pc:docMk/>
+          <pc:sldMk cId="278063722" sldId="337"/>
+        </pc:sldMkLst>
+        <pc:spChg chg="mod">
+          <ac:chgData name="Long B Nguyen" userId="f59fb8f3-a021-417a-8bc1-65c8d471c621" providerId="ADAL" clId="{4F0F93AB-943A-FD4E-8DF3-2A5EF8EE30F9}" dt="2021-11-29T18:33:31.535" v="151" actId="1036"/>
+          <ac:spMkLst>
+            <pc:docMk/>
+            <pc:sldMk cId="278063722" sldId="337"/>
+            <ac:spMk id="3" creationId="{48DA4FF1-142A-6D44-9986-344D8D8232A1}"/>
+          </ac:spMkLst>
+        </pc:spChg>
+        <pc:spChg chg="mod">
+          <ac:chgData name="Long B Nguyen" userId="f59fb8f3-a021-417a-8bc1-65c8d471c621" providerId="ADAL" clId="{4F0F93AB-943A-FD4E-8DF3-2A5EF8EE30F9}" dt="2021-11-29T18:33:26.464" v="139" actId="20577"/>
+          <ac:spMkLst>
+            <pc:docMk/>
+            <pc:sldMk cId="278063722" sldId="337"/>
+            <ac:spMk id="9" creationId="{E3B2E017-30B2-884B-A113-B419A2ED51AD}"/>
+          </ac:spMkLst>
+        </pc:spChg>
+      </pc:sldChg>
+    </pc:docChg>
+  </pc:docChgLst>
+  <pc:docChgLst>
+    <pc:chgData name="Long B Nguyen" userId="f59fb8f3-a021-417a-8bc1-65c8d471c621" providerId="ADAL" clId="{A54A5039-9BC6-1548-AC61-7314DB675A9D}"/>
+    <pc:docChg chg="undo custSel addSld delSld modSld">
+      <pc:chgData name="Long B Nguyen" userId="f59fb8f3-a021-417a-8bc1-65c8d471c621" providerId="ADAL" clId="{A54A5039-9BC6-1548-AC61-7314DB675A9D}" dt="2019-09-25T14:26:33.714" v="2899" actId="20577"/>
+      <pc:docMkLst>
+        <pc:docMk/>
+      </pc:docMkLst>
+      <pc:sldChg chg="modSp">
+        <pc:chgData name="Long B Nguyen" userId="f59fb8f3-a021-417a-8bc1-65c8d471c621" providerId="ADAL" clId="{A54A5039-9BC6-1548-AC61-7314DB675A9D}" dt="2019-09-25T14:17:33.020" v="2843" actId="20577"/>
+        <pc:sldMkLst>
+          <pc:docMk/>
+          <pc:sldMk cId="4247104139" sldId="256"/>
+        </pc:sldMkLst>
+        <pc:spChg chg="mod">
+          <ac:chgData name="Long B Nguyen" userId="f59fb8f3-a021-417a-8bc1-65c8d471c621" providerId="ADAL" clId="{A54A5039-9BC6-1548-AC61-7314DB675A9D}" dt="2019-09-25T14:17:33.020" v="2843" actId="20577"/>
+          <ac:spMkLst>
+            <pc:docMk/>
+            <pc:sldMk cId="4247104139" sldId="256"/>
+            <ac:spMk id="3" creationId="{1BDC47C8-6776-7B44-9CD4-95FC91452D62}"/>
+          </ac:spMkLst>
+        </pc:spChg>
+      </pc:sldChg>
+      <pc:sldChg chg="modSp modAnim">
+        <pc:chgData name="Long B Nguyen" userId="f59fb8f3-a021-417a-8bc1-65c8d471c621" providerId="ADAL" clId="{A54A5039-9BC6-1548-AC61-7314DB675A9D}" dt="2019-09-24T11:45:26.007" v="2185" actId="20577"/>
+        <pc:sldMkLst>
+          <pc:docMk/>
+          <pc:sldMk cId="1438711869" sldId="284"/>
+        </pc:sldMkLst>
+        <pc:spChg chg="mod">
+          <ac:chgData name="Long B Nguyen" userId="f59fb8f3-a021-417a-8bc1-65c8d471c621" providerId="ADAL" clId="{A54A5039-9BC6-1548-AC61-7314DB675A9D}" dt="2019-09-24T11:43:23.898" v="2145" actId="20577"/>
+          <ac:spMkLst>
+            <pc:docMk/>
+            <pc:sldMk cId="1438711869" sldId="284"/>
+            <ac:spMk id="2" creationId="{AA3A228F-61D0-D949-A5E7-F83756230BF8}"/>
+          </ac:spMkLst>
+        </pc:spChg>
+        <pc:spChg chg="mod">
+          <ac:chgData name="Long B Nguyen" userId="f59fb8f3-a021-417a-8bc1-65c8d471c621" providerId="ADAL" clId="{A54A5039-9BC6-1548-AC61-7314DB675A9D}" dt="2019-09-24T11:45:26.007" v="2185" actId="20577"/>
+          <ac:spMkLst>
+            <pc:docMk/>
+            <pc:sldMk cId="1438711869" sldId="284"/>
+            <ac:spMk id="9" creationId="{E3B2E017-30B2-884B-A113-B419A2ED51AD}"/>
+          </ac:spMkLst>
+        </pc:spChg>
+      </pc:sldChg>
+      <pc:sldChg chg="modSp">
+        <pc:chgData name="Long B Nguyen" userId="f59fb8f3-a021-417a-8bc1-65c8d471c621" providerId="ADAL" clId="{A54A5039-9BC6-1548-AC61-7314DB675A9D}" dt="2019-09-19T14:18:56.959" v="28" actId="20577"/>
+        <pc:sldMkLst>
+          <pc:docMk/>
+          <pc:sldMk cId="131840209" sldId="286"/>
+        </pc:sldMkLst>
+        <pc:spChg chg="mod">
+          <ac:chgData name="Long B Nguyen" userId="f59fb8f3-a021-417a-8bc1-65c8d471c621" providerId="ADAL" clId="{A54A5039-9BC6-1548-AC61-7314DB675A9D}" dt="2019-09-19T14:18:56.959" v="28" actId="20577"/>
+          <ac:spMkLst>
+            <pc:docMk/>
+            <pc:sldMk cId="131840209" sldId="286"/>
+            <ac:spMk id="9" creationId="{E3B2E017-30B2-884B-A113-B419A2ED51AD}"/>
+          </ac:spMkLst>
+        </pc:spChg>
+      </pc:sldChg>
+      <pc:sldChg chg="modSp add del modAnim">
+        <pc:chgData name="Long B Nguyen" userId="f59fb8f3-a021-417a-8bc1-65c8d471c621" providerId="ADAL" clId="{A54A5039-9BC6-1548-AC61-7314DB675A9D}" dt="2019-09-24T11:43:26.738" v="2146" actId="2696"/>
+        <pc:sldMkLst>
+          <pc:docMk/>
+          <pc:sldMk cId="3439768680" sldId="294"/>
+        </pc:sldMkLst>
+        <pc:spChg chg="mod">
+          <ac:chgData name="Long B Nguyen" userId="f59fb8f3-a021-417a-8bc1-65c8d471c621" providerId="ADAL" clId="{A54A5039-9BC6-1548-AC61-7314DB675A9D}" dt="2019-09-24T11:40:12.100" v="2004"/>
+          <ac:spMkLst>
+            <pc:docMk/>
+            <pc:sldMk cId="3439768680" sldId="294"/>
+            <ac:spMk id="40963" creationId="{66AA56B3-AB86-6341-92AC-3BDB5774CCA3}"/>
+          </ac:spMkLst>
+        </pc:spChg>
+      </pc:sldChg>
+      <pc:sldChg chg="addSp modSp modAnim">
+        <pc:chgData name="Long B Nguyen" userId="f59fb8f3-a021-417a-8bc1-65c8d471c621" providerId="ADAL" clId="{A54A5039-9BC6-1548-AC61-7314DB675A9D}" dt="2019-09-23T12:04:10.373" v="1911"/>
+        <pc:sldMkLst>
+          <pc:docMk/>
+          <pc:sldMk cId="1816941262" sldId="295"/>
+        </pc:sldMkLst>
+        <pc:spChg chg="add mod">
+          <ac:chgData name="Long B Nguyen" userId="f59fb8f3-a021-417a-8bc1-65c8d471c621" providerId="ADAL" clId="{A54A5039-9BC6-1548-AC61-7314DB675A9D}" dt="2019-09-23T12:03:30.239" v="1901" actId="1076"/>
+          <ac:spMkLst>
+            <pc:docMk/>
+            <pc:sldMk cId="1816941262" sldId="295"/>
+            <ac:spMk id="3" creationId="{53AD888D-2F6F-BB43-86CA-1A3B376061A2}"/>
+          </ac:spMkLst>
+        </pc:spChg>
+        <pc:spChg chg="mod">
+          <ac:chgData name="Long B Nguyen" userId="f59fb8f3-a021-417a-8bc1-65c8d471c621" providerId="ADAL" clId="{A54A5039-9BC6-1548-AC61-7314DB675A9D}" dt="2019-09-23T11:58:12.789" v="1765" actId="20577"/>
+          <ac:spMkLst>
+            <pc:docMk/>
+            <pc:sldMk cId="1816941262" sldId="295"/>
+            <ac:spMk id="9" creationId="{E3B2E017-30B2-884B-A113-B419A2ED51AD}"/>
+          </ac:spMkLst>
+        </pc:spChg>
+        <pc:cxnChg chg="add mod">
+          <ac:chgData name="Long B Nguyen" userId="f59fb8f3-a021-417a-8bc1-65c8d471c621" providerId="ADAL" clId="{A54A5039-9BC6-1548-AC61-7314DB675A9D}" dt="2019-09-23T12:03:49.489" v="1909" actId="692"/>
+          <ac:cxnSpMkLst>
+            <pc:docMk/>
+            <pc:sldMk cId="1816941262" sldId="295"/>
+            <ac:cxnSpMk id="5" creationId="{0FA56ED4-EC25-B14C-B73E-DC4E17ADBF86}"/>
+          </ac:cxnSpMkLst>
+        </pc:cxnChg>
+      </pc:sldChg>
+      <pc:sldChg chg="modSp modAnim">
+        <pc:chgData name="Long B Nguyen" userId="f59fb8f3-a021-417a-8bc1-65c8d471c621" providerId="ADAL" clId="{A54A5039-9BC6-1548-AC61-7314DB675A9D}" dt="2019-09-23T11:59:17.508" v="1794"/>
+        <pc:sldMkLst>
+          <pc:docMk/>
+          <pc:sldMk cId="553003360" sldId="296"/>
+        </pc:sldMkLst>
+        <pc:spChg chg="mod">
+          <ac:chgData name="Long B Nguyen" userId="f59fb8f3-a021-417a-8bc1-65c8d471c621" providerId="ADAL" clId="{A54A5039-9BC6-1548-AC61-7314DB675A9D}" dt="2019-09-23T11:59:10.982" v="1792" actId="20577"/>
+          <ac:spMkLst>
+            <pc:docMk/>
+            <pc:sldMk cId="553003360" sldId="296"/>
+            <ac:spMk id="9" creationId="{E3B2E017-30B2-884B-A113-B419A2ED51AD}"/>
+          </ac:spMkLst>
+        </pc:spChg>
+      </pc:sldChg>
+      <pc:sldChg chg="modSp modAnim">
+        <pc:chgData name="Long B Nguyen" userId="f59fb8f3-a021-417a-8bc1-65c8d471c621" providerId="ADAL" clId="{A54A5039-9BC6-1548-AC61-7314DB675A9D}" dt="2019-09-23T11:59:34.632" v="1798"/>
+        <pc:sldMkLst>
+          <pc:docMk/>
+          <pc:sldMk cId="3006175481" sldId="297"/>
+        </pc:sldMkLst>
+        <pc:spChg chg="mod">
+          <ac:chgData name="Long B Nguyen" userId="f59fb8f3-a021-417a-8bc1-65c8d471c621" providerId="ADAL" clId="{A54A5039-9BC6-1548-AC61-7314DB675A9D}" dt="2019-09-23T11:59:28.174" v="1796" actId="20577"/>
+          <ac:spMkLst>
+            <pc:docMk/>
+            <pc:sldMk cId="3006175481" sldId="297"/>
+            <ac:spMk id="9" creationId="{E3B2E017-30B2-884B-A113-B419A2ED51AD}"/>
+          </ac:spMkLst>
+        </pc:spChg>
+      </pc:sldChg>
+      <pc:sldChg chg="modSp modAnim">
+        <pc:chgData name="Long B Nguyen" userId="f59fb8f3-a021-417a-8bc1-65c8d471c621" providerId="ADAL" clId="{A54A5039-9BC6-1548-AC61-7314DB675A9D}" dt="2019-09-23T12:06:41.861" v="1992"/>
+        <pc:sldMkLst>
+          <pc:docMk/>
+          <pc:sldMk cId="3150557076" sldId="298"/>
+        </pc:sldMkLst>
+        <pc:spChg chg="mod">
+          <ac:chgData name="Long B Nguyen" userId="f59fb8f3-a021-417a-8bc1-65c8d471c621" providerId="ADAL" clId="{A54A5039-9BC6-1548-AC61-7314DB675A9D}" dt="2019-09-23T12:05:19.573" v="1985" actId="20577"/>
+          <ac:spMkLst>
+            <pc:docMk/>
+            <pc:sldMk cId="3150557076" sldId="298"/>
+            <ac:spMk id="9" creationId="{E3B2E017-30B2-884B-A113-B419A2ED51AD}"/>
+          </ac:spMkLst>
+        </pc:spChg>
+      </pc:sldChg>
+      <pc:sldChg chg="addSp delSp modSp modAnim">
+        <pc:chgData name="Long B Nguyen" userId="f59fb8f3-a021-417a-8bc1-65c8d471c621" providerId="ADAL" clId="{A54A5039-9BC6-1548-AC61-7314DB675A9D}" dt="2019-09-23T12:01:44.436" v="1840"/>
+        <pc:sldMkLst>
+          <pc:docMk/>
+          <pc:sldMk cId="128704095" sldId="302"/>
+        </pc:sldMkLst>
+        <pc:spChg chg="add del">
+          <ac:chgData name="Long B Nguyen" userId="f59fb8f3-a021-417a-8bc1-65c8d471c621" providerId="ADAL" clId="{A54A5039-9BC6-1548-AC61-7314DB675A9D}" dt="2019-09-19T16:47:34.465" v="464"/>
+          <ac:spMkLst>
+            <pc:docMk/>
+            <pc:sldMk cId="128704095" sldId="302"/>
+            <ac:spMk id="3" creationId="{EA19F625-AB76-8A4B-B39A-0F2D018DC68D}"/>
+          </ac:spMkLst>
+        </pc:spChg>
+        <pc:spChg chg="mod">
+          <ac:chgData name="Long B Nguyen" userId="f59fb8f3-a021-417a-8bc1-65c8d471c621" providerId="ADAL" clId="{A54A5039-9BC6-1548-AC61-7314DB675A9D}" dt="2019-09-23T12:01:36.243" v="1838" actId="20577"/>
+          <ac:spMkLst>
+            <pc:docMk/>
+            <pc:sldMk cId="128704095" sldId="302"/>
+            <ac:spMk id="9" creationId="{E3B2E017-30B2-884B-A113-B419A2ED51AD}"/>
+          </ac:spMkLst>
+        </pc:spChg>
+      </pc:sldChg>
+      <pc:sldChg chg="modSp add modAnim">
+        <pc:chgData name="Long B Nguyen" userId="f59fb8f3-a021-417a-8bc1-65c8d471c621" providerId="ADAL" clId="{A54A5039-9BC6-1548-AC61-7314DB675A9D}" dt="2019-09-23T12:00:26.516" v="1826" actId="20577"/>
+        <pc:sldMkLst>
+          <pc:docMk/>
+          <pc:sldMk cId="3275945509" sldId="303"/>
+        </pc:sldMkLst>
+        <pc:spChg chg="mod">
+          <ac:chgData name="Long B Nguyen" userId="f59fb8f3-a021-417a-8bc1-65c8d471c621" providerId="ADAL" clId="{A54A5039-9BC6-1548-AC61-7314DB675A9D}" dt="2019-09-23T12:00:26.516" v="1826" actId="20577"/>
+          <ac:spMkLst>
+            <pc:docMk/>
+            <pc:sldMk cId="3275945509" sldId="303"/>
+            <ac:spMk id="9" creationId="{E3B2E017-30B2-884B-A113-B419A2ED51AD}"/>
+          </ac:spMkLst>
+        </pc:spChg>
+      </pc:sldChg>
+      <pc:sldChg chg="modSp add modAnim">
+        <pc:chgData name="Long B Nguyen" userId="f59fb8f3-a021-417a-8bc1-65c8d471c621" providerId="ADAL" clId="{A54A5039-9BC6-1548-AC61-7314DB675A9D}" dt="2019-09-23T12:00:38.314" v="1827"/>
+        <pc:sldMkLst>
+          <pc:docMk/>
+          <pc:sldMk cId="406772024" sldId="304"/>
+        </pc:sldMkLst>
+        <pc:spChg chg="mod">
+          <ac:chgData name="Long B Nguyen" userId="f59fb8f3-a021-417a-8bc1-65c8d471c621" providerId="ADAL" clId="{A54A5039-9BC6-1548-AC61-7314DB675A9D}" dt="2019-09-23T12:00:12.500" v="1808" actId="20577"/>
+          <ac:spMkLst>
+            <pc:docMk/>
+            <pc:sldMk cId="406772024" sldId="304"/>
+            <ac:spMk id="9" creationId="{E3B2E017-30B2-884B-A113-B419A2ED51AD}"/>
+          </ac:spMkLst>
+        </pc:spChg>
+      </pc:sldChg>
+      <pc:sldChg chg="modSp add modAnim">
+        <pc:chgData name="Long B Nguyen" userId="f59fb8f3-a021-417a-8bc1-65c8d471c621" providerId="ADAL" clId="{A54A5039-9BC6-1548-AC61-7314DB675A9D}" dt="2019-09-23T13:27:58.707" v="2000" actId="20577"/>
+        <pc:sldMkLst>
+          <pc:docMk/>
+          <pc:sldMk cId="1703902501" sldId="305"/>
+        </pc:sldMkLst>
+        <pc:spChg chg="mod">
+          <ac:chgData name="Long B Nguyen" userId="f59fb8f3-a021-417a-8bc1-65c8d471c621" providerId="ADAL" clId="{A54A5039-9BC6-1548-AC61-7314DB675A9D}" dt="2019-09-19T14:31:00.333" v="110" actId="20577"/>
+          <ac:spMkLst>
+            <pc:docMk/>
+            <pc:sldMk cId="1703902501" sldId="305"/>
+            <ac:spMk id="2" creationId="{AA3A228F-61D0-D949-A5E7-F83756230BF8}"/>
+          </ac:spMkLst>
+        </pc:spChg>
+        <pc:spChg chg="mod">
+          <ac:chgData name="Long B Nguyen" userId="f59fb8f3-a021-417a-8bc1-65c8d471c621" providerId="ADAL" clId="{A54A5039-9BC6-1548-AC61-7314DB675A9D}" dt="2019-09-23T13:27:58.707" v="2000" actId="20577"/>
+          <ac:spMkLst>
+            <pc:docMk/>
+            <pc:sldMk cId="1703902501" sldId="305"/>
+            <ac:spMk id="9" creationId="{E3B2E017-30B2-884B-A113-B419A2ED51AD}"/>
+          </ac:spMkLst>
+        </pc:spChg>
+      </pc:sldChg>
+      <pc:sldChg chg="modSp add modAnim">
+        <pc:chgData name="Long B Nguyen" userId="f59fb8f3-a021-417a-8bc1-65c8d471c621" providerId="ADAL" clId="{A54A5039-9BC6-1548-AC61-7314DB675A9D}" dt="2019-09-23T12:01:58.728" v="1843"/>
+        <pc:sldMkLst>
+          <pc:docMk/>
+          <pc:sldMk cId="3614829039" sldId="306"/>
+        </pc:sldMkLst>
+        <pc:spChg chg="mod">
+          <ac:chgData name="Long B Nguyen" userId="f59fb8f3-a021-417a-8bc1-65c8d471c621" providerId="ADAL" clId="{A54A5039-9BC6-1548-AC61-7314DB675A9D}" dt="2019-09-19T16:51:57.917" v="536" actId="20577"/>
+          <ac:spMkLst>
+            <pc:docMk/>
+            <pc:sldMk cId="3614829039" sldId="306"/>
+            <ac:spMk id="2" creationId="{AA3A228F-61D0-D949-A5E7-F83756230BF8}"/>
+          </ac:spMkLst>
+        </pc:spChg>
+        <pc:spChg chg="mod">
+          <ac:chgData name="Long B Nguyen" userId="f59fb8f3-a021-417a-8bc1-65c8d471c621" providerId="ADAL" clId="{A54A5039-9BC6-1548-AC61-7314DB675A9D}" dt="2019-09-23T12:01:50.092" v="1842" actId="20577"/>
+          <ac:spMkLst>
+            <pc:docMk/>
+            <pc:sldMk cId="3614829039" sldId="306"/>
+            <ac:spMk id="9" creationId="{E3B2E017-30B2-884B-A113-B419A2ED51AD}"/>
+          </ac:spMkLst>
+        </pc:spChg>
+      </pc:sldChg>
+      <pc:sldChg chg="modSp add modAnim">
+        <pc:chgData name="Long B Nguyen" userId="f59fb8f3-a021-417a-8bc1-65c8d471c621" providerId="ADAL" clId="{A54A5039-9BC6-1548-AC61-7314DB675A9D}" dt="2019-09-23T12:02:15.154" v="1846"/>
+        <pc:sldMkLst>
+          <pc:docMk/>
+          <pc:sldMk cId="295911327" sldId="307"/>
+        </pc:sldMkLst>
+        <pc:spChg chg="mod">
+          <ac:chgData name="Long B Nguyen" userId="f59fb8f3-a021-417a-8bc1-65c8d471c621" providerId="ADAL" clId="{A54A5039-9BC6-1548-AC61-7314DB675A9D}" dt="2019-09-19T17:17:25.590" v="539" actId="20577"/>
+          <ac:spMkLst>
+            <pc:docMk/>
+            <pc:sldMk cId="295911327" sldId="307"/>
+            <ac:spMk id="2" creationId="{AA3A228F-61D0-D949-A5E7-F83756230BF8}"/>
+          </ac:spMkLst>
+        </pc:spChg>
+        <pc:spChg chg="mod">
+          <ac:chgData name="Long B Nguyen" userId="f59fb8f3-a021-417a-8bc1-65c8d471c621" providerId="ADAL" clId="{A54A5039-9BC6-1548-AC61-7314DB675A9D}" dt="2019-09-23T12:02:10.526" v="1845" actId="20577"/>
+          <ac:spMkLst>
+            <pc:docMk/>
+            <pc:sldMk cId="295911327" sldId="307"/>
+            <ac:spMk id="9" creationId="{E3B2E017-30B2-884B-A113-B419A2ED51AD}"/>
+          </ac:spMkLst>
+        </pc:spChg>
+      </pc:sldChg>
+      <pc:sldChg chg="modSp add modAnim">
+        <pc:chgData name="Long B Nguyen" userId="f59fb8f3-a021-417a-8bc1-65c8d471c621" providerId="ADAL" clId="{A54A5039-9BC6-1548-AC61-7314DB675A9D}" dt="2019-09-23T12:01:05.311" v="1832"/>
+        <pc:sldMkLst>
+          <pc:docMk/>
+          <pc:sldMk cId="67957925" sldId="308"/>
+        </pc:sldMkLst>
+        <pc:spChg chg="mod">
+          <ac:chgData name="Long B Nguyen" userId="f59fb8f3-a021-417a-8bc1-65c8d471c621" providerId="ADAL" clId="{A54A5039-9BC6-1548-AC61-7314DB675A9D}" dt="2019-09-20T12:22:34.233" v="599" actId="20577"/>
+          <ac:spMkLst>
+            <pc:docMk/>
+            <pc:sldMk cId="67957925" sldId="308"/>
+            <ac:spMk id="2" creationId="{AA3A228F-61D0-D949-A5E7-F83756230BF8}"/>
+          </ac:spMkLst>
+        </pc:spChg>
+        <pc:spChg chg="mod">
+          <ac:chgData name="Long B Nguyen" userId="f59fb8f3-a021-417a-8bc1-65c8d471c621" providerId="ADAL" clId="{A54A5039-9BC6-1548-AC61-7314DB675A9D}" dt="2019-09-20T12:37:26.490" v="1123" actId="20577"/>
+          <ac:spMkLst>
+            <pc:docMk/>
+            <pc:sldMk cId="67957925" sldId="308"/>
+            <ac:spMk id="9" creationId="{E3B2E017-30B2-884B-A113-B419A2ED51AD}"/>
+          </ac:spMkLst>
+        </pc:spChg>
+      </pc:sldChg>
+      <pc:sldChg chg="modSp add modAnim">
+        <pc:chgData name="Long B Nguyen" userId="f59fb8f3-a021-417a-8bc1-65c8d471c621" providerId="ADAL" clId="{A54A5039-9BC6-1548-AC61-7314DB675A9D}" dt="2019-09-23T12:01:18.117" v="1835"/>
+        <pc:sldMkLst>
+          <pc:docMk/>
+          <pc:sldMk cId="1872435103" sldId="309"/>
+        </pc:sldMkLst>
+        <pc:spChg chg="mod">
+          <ac:chgData name="Long B Nguyen" userId="f59fb8f3-a021-417a-8bc1-65c8d471c621" providerId="ADAL" clId="{A54A5039-9BC6-1548-AC61-7314DB675A9D}" dt="2019-09-20T12:24:39.851" v="793" actId="20577"/>
+          <ac:spMkLst>
+            <pc:docMk/>
+            <pc:sldMk cId="1872435103" sldId="309"/>
+            <ac:spMk id="2" creationId="{AA3A228F-61D0-D949-A5E7-F83756230BF8}"/>
+          </ac:spMkLst>
+        </pc:spChg>
+        <pc:spChg chg="mod">
+          <ac:chgData name="Long B Nguyen" userId="f59fb8f3-a021-417a-8bc1-65c8d471c621" providerId="ADAL" clId="{A54A5039-9BC6-1548-AC61-7314DB675A9D}" dt="2019-09-20T12:37:20.580" v="1117" actId="20577"/>
+          <ac:spMkLst>
+            <pc:docMk/>
+            <pc:sldMk cId="1872435103" sldId="309"/>
+            <ac:spMk id="9" creationId="{E3B2E017-30B2-884B-A113-B419A2ED51AD}"/>
+          </ac:spMkLst>
+        </pc:spChg>
+      </pc:sldChg>
+      <pc:sldChg chg="modSp add">
+        <pc:chgData name="Long B Nguyen" userId="f59fb8f3-a021-417a-8bc1-65c8d471c621" providerId="ADAL" clId="{A54A5039-9BC6-1548-AC61-7314DB675A9D}" dt="2019-09-20T12:40:48.118" v="1409" actId="20577"/>
+        <pc:sldMkLst>
+          <pc:docMk/>
+          <pc:sldMk cId="4088965571" sldId="310"/>
+        </pc:sldMkLst>
+        <pc:spChg chg="mod">
+          <ac:chgData name="Long B Nguyen" userId="f59fb8f3-a021-417a-8bc1-65c8d471c621" providerId="ADAL" clId="{A54A5039-9BC6-1548-AC61-7314DB675A9D}" dt="2019-09-20T12:40:48.118" v="1409" actId="20577"/>
+          <ac:spMkLst>
+            <pc:docMk/>
+            <pc:sldMk cId="4088965571" sldId="310"/>
+            <ac:spMk id="2" creationId="{AA3A228F-61D0-D949-A5E7-F83756230BF8}"/>
+          </ac:spMkLst>
+        </pc:spChg>
+        <pc:spChg chg="mod">
+          <ac:chgData name="Long B Nguyen" userId="f59fb8f3-a021-417a-8bc1-65c8d471c621" providerId="ADAL" clId="{A54A5039-9BC6-1548-AC61-7314DB675A9D}" dt="2019-09-20T12:40:27.809" v="1394" actId="255"/>
+          <ac:spMkLst>
+            <pc:docMk/>
+            <pc:sldMk cId="4088965571" sldId="310"/>
+            <ac:spMk id="9" creationId="{E3B2E017-30B2-884B-A113-B419A2ED51AD}"/>
+          </ac:spMkLst>
+        </pc:spChg>
+      </pc:sldChg>
+      <pc:sldChg chg="modSp add modAnim">
+        <pc:chgData name="Long B Nguyen" userId="f59fb8f3-a021-417a-8bc1-65c8d471c621" providerId="ADAL" clId="{A54A5039-9BC6-1548-AC61-7314DB675A9D}" dt="2019-09-23T12:01:26.997" v="1836"/>
+        <pc:sldMkLst>
+          <pc:docMk/>
+          <pc:sldMk cId="2255846137" sldId="311"/>
+        </pc:sldMkLst>
+        <pc:spChg chg="mod">
+          <ac:chgData name="Long B Nguyen" userId="f59fb8f3-a021-417a-8bc1-65c8d471c621" providerId="ADAL" clId="{A54A5039-9BC6-1548-AC61-7314DB675A9D}" dt="2019-09-20T12:42:38.115" v="1565" actId="20577"/>
+          <ac:spMkLst>
+            <pc:docMk/>
+            <pc:sldMk cId="2255846137" sldId="311"/>
+            <ac:spMk id="2" creationId="{AA3A228F-61D0-D949-A5E7-F83756230BF8}"/>
+          </ac:spMkLst>
+        </pc:spChg>
+        <pc:spChg chg="mod">
+          <ac:chgData name="Long B Nguyen" userId="f59fb8f3-a021-417a-8bc1-65c8d471c621" providerId="ADAL" clId="{A54A5039-9BC6-1548-AC61-7314DB675A9D}" dt="2019-09-20T12:43:18.312" v="1623" actId="20577"/>
+          <ac:spMkLst>
+            <pc:docMk/>
+            <pc:sldMk cId="2255846137" sldId="311"/>
+            <ac:spMk id="9" creationId="{E3B2E017-30B2-884B-A113-B419A2ED51AD}"/>
+          </ac:spMkLst>
+        </pc:spChg>
+      </pc:sldChg>
+      <pc:sldChg chg="modSp add">
+        <pc:chgData name="Long B Nguyen" userId="f59fb8f3-a021-417a-8bc1-65c8d471c621" providerId="ADAL" clId="{A54A5039-9BC6-1548-AC61-7314DB675A9D}" dt="2019-09-23T11:49:40.764" v="1759" actId="20577"/>
+        <pc:sldMkLst>
+          <pc:docMk/>
+          <pc:sldMk cId="1513627164" sldId="312"/>
+        </pc:sldMkLst>
+        <pc:spChg chg="mod">
+          <ac:chgData name="Long B Nguyen" userId="f59fb8f3-a021-417a-8bc1-65c8d471c621" providerId="ADAL" clId="{A54A5039-9BC6-1548-AC61-7314DB675A9D}" dt="2019-09-20T12:44:10.623" v="1625" actId="20577"/>
+          <ac:spMkLst>
+            <pc:docMk/>
+            <pc:sldMk cId="1513627164" sldId="312"/>
+            <ac:spMk id="2" creationId="{AA3A228F-61D0-D949-A5E7-F83756230BF8}"/>
+          </ac:spMkLst>
+        </pc:spChg>
+        <pc:spChg chg="mod">
+          <ac:chgData name="Long B Nguyen" userId="f59fb8f3-a021-417a-8bc1-65c8d471c621" providerId="ADAL" clId="{A54A5039-9BC6-1548-AC61-7314DB675A9D}" dt="2019-09-23T11:49:40.764" v="1759" actId="20577"/>
+          <ac:spMkLst>
+            <pc:docMk/>
+            <pc:sldMk cId="1513627164" sldId="312"/>
+            <ac:spMk id="9" creationId="{E3B2E017-30B2-884B-A113-B419A2ED51AD}"/>
+          </ac:spMkLst>
+        </pc:spChg>
+      </pc:sldChg>
+      <pc:sldChg chg="modSp add modAnim">
+        <pc:chgData name="Long B Nguyen" userId="f59fb8f3-a021-417a-8bc1-65c8d471c621" providerId="ADAL" clId="{A54A5039-9BC6-1548-AC61-7314DB675A9D}" dt="2019-09-23T11:58:57.499" v="1789"/>
+        <pc:sldMkLst>
+          <pc:docMk/>
+          <pc:sldMk cId="2097059918" sldId="313"/>
+        </pc:sldMkLst>
+        <pc:spChg chg="mod">
+          <ac:chgData name="Long B Nguyen" userId="f59fb8f3-a021-417a-8bc1-65c8d471c621" providerId="ADAL" clId="{A54A5039-9BC6-1548-AC61-7314DB675A9D}" dt="2019-09-23T11:58:47.576" v="1783" actId="20577"/>
+          <ac:spMkLst>
+            <pc:docMk/>
+            <pc:sldMk cId="2097059918" sldId="313"/>
+            <ac:spMk id="9" creationId="{E3B2E017-30B2-884B-A113-B419A2ED51AD}"/>
+          </ac:spMkLst>
+        </pc:spChg>
+      </pc:sldChg>
+      <pc:sldChg chg="modSp add del">
+        <pc:chgData name="Long B Nguyen" userId="f59fb8f3-a021-417a-8bc1-65c8d471c621" providerId="ADAL" clId="{A54A5039-9BC6-1548-AC61-7314DB675A9D}" dt="2019-09-24T11:43:27.284" v="2147" actId="2696"/>
+        <pc:sldMkLst>
+          <pc:docMk/>
+          <pc:sldMk cId="3916896519" sldId="314"/>
+        </pc:sldMkLst>
+        <pc:spChg chg="mod">
+          <ac:chgData name="Long B Nguyen" userId="f59fb8f3-a021-417a-8bc1-65c8d471c621" providerId="ADAL" clId="{A54A5039-9BC6-1548-AC61-7314DB675A9D}" dt="2019-09-24T11:40:07.514" v="2003"/>
+          <ac:spMkLst>
+            <pc:docMk/>
+            <pc:sldMk cId="3916896519" sldId="314"/>
+            <ac:spMk id="2" creationId="{AA3A228F-61D0-D949-A5E7-F83756230BF8}"/>
+          </ac:spMkLst>
+        </pc:spChg>
+        <pc:spChg chg="mod">
+          <ac:chgData name="Long B Nguyen" userId="f59fb8f3-a021-417a-8bc1-65c8d471c621" providerId="ADAL" clId="{A54A5039-9BC6-1548-AC61-7314DB675A9D}" dt="2019-09-24T11:41:32.486" v="2043"/>
+          <ac:spMkLst>
+            <pc:docMk/>
+            <pc:sldMk cId="3916896519" sldId="314"/>
+            <ac:spMk id="9" creationId="{E3B2E017-30B2-884B-A113-B419A2ED51AD}"/>
+          </ac:spMkLst>
+        </pc:spChg>
+      </pc:sldChg>
+      <pc:sldChg chg="modSp add del">
+        <pc:chgData name="Long B Nguyen" userId="f59fb8f3-a021-417a-8bc1-65c8d471c621" providerId="ADAL" clId="{A54A5039-9BC6-1548-AC61-7314DB675A9D}" dt="2019-09-24T14:05:24.942" v="2839" actId="2696"/>
+        <pc:sldMkLst>
+          <pc:docMk/>
+          <pc:sldMk cId="2798321153" sldId="315"/>
+        </pc:sldMkLst>
+        <pc:spChg chg="mod">
+          <ac:chgData name="Long B Nguyen" userId="f59fb8f3-a021-417a-8bc1-65c8d471c621" providerId="ADAL" clId="{A54A5039-9BC6-1548-AC61-7314DB675A9D}" dt="2019-09-24T11:47:07.801" v="2189" actId="20577"/>
+          <ac:spMkLst>
+            <pc:docMk/>
+            <pc:sldMk cId="2798321153" sldId="315"/>
+            <ac:spMk id="2" creationId="{AA3A228F-61D0-D949-A5E7-F83756230BF8}"/>
+          </ac:spMkLst>
+        </pc:spChg>
+        <pc:spChg chg="mod">
+          <ac:chgData name="Long B Nguyen" userId="f59fb8f3-a021-417a-8bc1-65c8d471c621" providerId="ADAL" clId="{A54A5039-9BC6-1548-AC61-7314DB675A9D}" dt="2019-09-24T11:53:13.884" v="2630" actId="20577"/>
+          <ac:spMkLst>
+            <pc:docMk/>
+            <pc:sldMk cId="2798321153" sldId="315"/>
+            <ac:spMk id="9" creationId="{E3B2E017-30B2-884B-A113-B419A2ED51AD}"/>
+          </ac:spMkLst>
+        </pc:spChg>
+      </pc:sldChg>
+      <pc:sldChg chg="add">
+        <pc:chgData name="Long B Nguyen" userId="f59fb8f3-a021-417a-8bc1-65c8d471c621" providerId="ADAL" clId="{A54A5039-9BC6-1548-AC61-7314DB675A9D}" dt="2019-09-24T11:47:01.081" v="2186"/>
+        <pc:sldMkLst>
+          <pc:docMk/>
+          <pc:sldMk cId="1452600724" sldId="316"/>
+        </pc:sldMkLst>
+      </pc:sldChg>
+      <pc:sldChg chg="modSp add">
+        <pc:chgData name="Long B Nguyen" userId="f59fb8f3-a021-417a-8bc1-65c8d471c621" providerId="ADAL" clId="{A54A5039-9BC6-1548-AC61-7314DB675A9D}" dt="2019-09-25T14:26:33.714" v="2899" actId="20577"/>
+        <pc:sldMkLst>
+          <pc:docMk/>
+          <pc:sldMk cId="1787114790" sldId="317"/>
+        </pc:sldMkLst>
+        <pc:spChg chg="mod">
+          <ac:chgData name="Long B Nguyen" userId="f59fb8f3-a021-417a-8bc1-65c8d471c621" providerId="ADAL" clId="{A54A5039-9BC6-1548-AC61-7314DB675A9D}" dt="2019-09-24T11:53:24.383" v="2634" actId="20577"/>
+          <ac:spMkLst>
+            <pc:docMk/>
+            <pc:sldMk cId="1787114790" sldId="317"/>
+            <ac:spMk id="2" creationId="{AA3A228F-61D0-D949-A5E7-F83756230BF8}"/>
+          </ac:spMkLst>
+        </pc:spChg>
+        <pc:spChg chg="mod">
+          <ac:chgData name="Long B Nguyen" userId="f59fb8f3-a021-417a-8bc1-65c8d471c621" providerId="ADAL" clId="{A54A5039-9BC6-1548-AC61-7314DB675A9D}" dt="2019-09-25T14:26:33.714" v="2899" actId="20577"/>
+          <ac:spMkLst>
+            <pc:docMk/>
+            <pc:sldMk cId="1787114790" sldId="317"/>
+            <ac:spMk id="9" creationId="{E3B2E017-30B2-884B-A113-B419A2ED51AD}"/>
+          </ac:spMkLst>
+        </pc:spChg>
+      </pc:sldChg>
+      <pc:sldChg chg="modSp add">
+        <pc:chgData name="Long B Nguyen" userId="f59fb8f3-a021-417a-8bc1-65c8d471c621" providerId="ADAL" clId="{A54A5039-9BC6-1548-AC61-7314DB675A9D}" dt="2019-09-24T13:44:10.963" v="2838" actId="20577"/>
+        <pc:sldMkLst>
+          <pc:docMk/>
+          <pc:sldMk cId="1215229427" sldId="318"/>
+        </pc:sldMkLst>
+        <pc:spChg chg="mod">
+          <ac:chgData name="Long B Nguyen" userId="f59fb8f3-a021-417a-8bc1-65c8d471c621" providerId="ADAL" clId="{A54A5039-9BC6-1548-AC61-7314DB675A9D}" dt="2019-09-24T13:44:10.963" v="2838" actId="20577"/>
+          <ac:spMkLst>
+            <pc:docMk/>
+            <pc:sldMk cId="1215229427" sldId="318"/>
             <ac:spMk id="9" creationId="{E3B2E017-30B2-884B-A113-B419A2ED51AD}"/>
           </ac:spMkLst>
         </pc:spChg>
@@ -2614,6 +2376,337 @@
           <ac:spMkLst>
             <pc:docMk/>
             <pc:sldMk cId="3124353102" sldId="332"/>
+            <ac:spMk id="9" creationId="{E3B2E017-30B2-884B-A113-B419A2ED51AD}"/>
+          </ac:spMkLst>
+        </pc:spChg>
+      </pc:sldChg>
+    </pc:docChg>
+  </pc:docChgLst>
+  <pc:docChgLst>
+    <pc:chgData name="Long B Nguyen" userId="f59fb8f3-a021-417a-8bc1-65c8d471c621" providerId="ADAL" clId="{03B59D2A-58F7-2C47-BB72-AE152660F162}"/>
+    <pc:docChg chg="addSld modSld">
+      <pc:chgData name="Long B Nguyen" userId="f59fb8f3-a021-417a-8bc1-65c8d471c621" providerId="ADAL" clId="{03B59D2A-58F7-2C47-BB72-AE152660F162}" dt="2021-06-05T16:01:06.129" v="84" actId="20577"/>
+      <pc:docMkLst>
+        <pc:docMk/>
+      </pc:docMkLst>
+      <pc:sldChg chg="modSp mod">
+        <pc:chgData name="Long B Nguyen" userId="f59fb8f3-a021-417a-8bc1-65c8d471c621" providerId="ADAL" clId="{03B59D2A-58F7-2C47-BB72-AE152660F162}" dt="2021-06-05T15:57:48.063" v="34" actId="1037"/>
+        <pc:sldMkLst>
+          <pc:docMk/>
+          <pc:sldMk cId="4247104139" sldId="256"/>
+        </pc:sldMkLst>
+        <pc:spChg chg="mod">
+          <ac:chgData name="Long B Nguyen" userId="f59fb8f3-a021-417a-8bc1-65c8d471c621" providerId="ADAL" clId="{03B59D2A-58F7-2C47-BB72-AE152660F162}" dt="2021-06-05T15:57:48.063" v="34" actId="1037"/>
+          <ac:spMkLst>
+            <pc:docMk/>
+            <pc:sldMk cId="4247104139" sldId="256"/>
+            <ac:spMk id="3" creationId="{1BDC47C8-6776-7B44-9CD4-95FC91452D62}"/>
+          </ac:spMkLst>
+        </pc:spChg>
+      </pc:sldChg>
+      <pc:sldChg chg="modSp add mod">
+        <pc:chgData name="Long B Nguyen" userId="f59fb8f3-a021-417a-8bc1-65c8d471c621" providerId="ADAL" clId="{03B59D2A-58F7-2C47-BB72-AE152660F162}" dt="2021-06-05T16:00:22.832" v="50" actId="20577"/>
+        <pc:sldMkLst>
+          <pc:docMk/>
+          <pc:sldMk cId="403449732" sldId="302"/>
+        </pc:sldMkLst>
+        <pc:spChg chg="mod">
+          <ac:chgData name="Long B Nguyen" userId="f59fb8f3-a021-417a-8bc1-65c8d471c621" providerId="ADAL" clId="{03B59D2A-58F7-2C47-BB72-AE152660F162}" dt="2021-06-05T16:00:06.744" v="35" actId="1076"/>
+          <ac:spMkLst>
+            <pc:docMk/>
+            <pc:sldMk cId="403449732" sldId="302"/>
+            <ac:spMk id="2" creationId="{AA3A228F-61D0-D949-A5E7-F83756230BF8}"/>
+          </ac:spMkLst>
+        </pc:spChg>
+        <pc:spChg chg="mod">
+          <ac:chgData name="Long B Nguyen" userId="f59fb8f3-a021-417a-8bc1-65c8d471c621" providerId="ADAL" clId="{03B59D2A-58F7-2C47-BB72-AE152660F162}" dt="2021-06-05T16:00:22.832" v="50" actId="20577"/>
+          <ac:spMkLst>
+            <pc:docMk/>
+            <pc:sldMk cId="403449732" sldId="302"/>
+            <ac:spMk id="9" creationId="{E3B2E017-30B2-884B-A113-B419A2ED51AD}"/>
+          </ac:spMkLst>
+        </pc:spChg>
+      </pc:sldChg>
+      <pc:sldChg chg="modSp add mod">
+        <pc:chgData name="Long B Nguyen" userId="f59fb8f3-a021-417a-8bc1-65c8d471c621" providerId="ADAL" clId="{03B59D2A-58F7-2C47-BB72-AE152660F162}" dt="2021-06-05T16:00:47.158" v="66" actId="20577"/>
+        <pc:sldMkLst>
+          <pc:docMk/>
+          <pc:sldMk cId="370395365" sldId="306"/>
+        </pc:sldMkLst>
+        <pc:spChg chg="mod">
+          <ac:chgData name="Long B Nguyen" userId="f59fb8f3-a021-417a-8bc1-65c8d471c621" providerId="ADAL" clId="{03B59D2A-58F7-2C47-BB72-AE152660F162}" dt="2021-06-05T16:00:29.774" v="51" actId="1076"/>
+          <ac:spMkLst>
+            <pc:docMk/>
+            <pc:sldMk cId="370395365" sldId="306"/>
+            <ac:spMk id="2" creationId="{AA3A228F-61D0-D949-A5E7-F83756230BF8}"/>
+          </ac:spMkLst>
+        </pc:spChg>
+        <pc:spChg chg="mod">
+          <ac:chgData name="Long B Nguyen" userId="f59fb8f3-a021-417a-8bc1-65c8d471c621" providerId="ADAL" clId="{03B59D2A-58F7-2C47-BB72-AE152660F162}" dt="2021-06-05T16:00:47.158" v="66" actId="20577"/>
+          <ac:spMkLst>
+            <pc:docMk/>
+            <pc:sldMk cId="370395365" sldId="306"/>
+            <ac:spMk id="9" creationId="{E3B2E017-30B2-884B-A113-B419A2ED51AD}"/>
+          </ac:spMkLst>
+        </pc:spChg>
+      </pc:sldChg>
+      <pc:sldChg chg="modSp add mod">
+        <pc:chgData name="Long B Nguyen" userId="f59fb8f3-a021-417a-8bc1-65c8d471c621" providerId="ADAL" clId="{03B59D2A-58F7-2C47-BB72-AE152660F162}" dt="2021-06-05T16:01:06.129" v="84" actId="20577"/>
+        <pc:sldMkLst>
+          <pc:docMk/>
+          <pc:sldMk cId="224751101" sldId="307"/>
+        </pc:sldMkLst>
+        <pc:spChg chg="mod">
+          <ac:chgData name="Long B Nguyen" userId="f59fb8f3-a021-417a-8bc1-65c8d471c621" providerId="ADAL" clId="{03B59D2A-58F7-2C47-BB72-AE152660F162}" dt="2021-06-05T16:00:53.536" v="67" actId="1076"/>
+          <ac:spMkLst>
+            <pc:docMk/>
+            <pc:sldMk cId="224751101" sldId="307"/>
+            <ac:spMk id="2" creationId="{AA3A228F-61D0-D949-A5E7-F83756230BF8}"/>
+          </ac:spMkLst>
+        </pc:spChg>
+        <pc:spChg chg="mod">
+          <ac:chgData name="Long B Nguyen" userId="f59fb8f3-a021-417a-8bc1-65c8d471c621" providerId="ADAL" clId="{03B59D2A-58F7-2C47-BB72-AE152660F162}" dt="2021-06-05T16:01:06.129" v="84" actId="20577"/>
+          <ac:spMkLst>
+            <pc:docMk/>
+            <pc:sldMk cId="224751101" sldId="307"/>
+            <ac:spMk id="9" creationId="{E3B2E017-30B2-884B-A113-B419A2ED51AD}"/>
+          </ac:spMkLst>
+        </pc:spChg>
+      </pc:sldChg>
+    </pc:docChg>
+  </pc:docChgLst>
+  <pc:docChgLst>
+    <pc:chgData name="Long B Nguyen" userId="f59fb8f3-a021-417a-8bc1-65c8d471c621" providerId="ADAL" clId="{CC9C9D9A-5149-2947-86C0-576F501F60DC}"/>
+    <pc:docChg chg="addSld modSld">
+      <pc:chgData name="Long B Nguyen" userId="f59fb8f3-a021-417a-8bc1-65c8d471c621" providerId="ADAL" clId="{CC9C9D9A-5149-2947-86C0-576F501F60DC}" dt="2020-01-05T21:59:55.597" v="2392" actId="14100"/>
+      <pc:docMkLst>
+        <pc:docMk/>
+      </pc:docMkLst>
+      <pc:sldChg chg="modSp add modAnim">
+        <pc:chgData name="Long B Nguyen" userId="f59fb8f3-a021-417a-8bc1-65c8d471c621" providerId="ADAL" clId="{CC9C9D9A-5149-2947-86C0-576F501F60DC}" dt="2020-01-04T15:49:37.373" v="563" actId="20577"/>
+        <pc:sldMkLst>
+          <pc:docMk/>
+          <pc:sldMk cId="924617162" sldId="319"/>
+        </pc:sldMkLst>
+        <pc:spChg chg="mod">
+          <ac:chgData name="Long B Nguyen" userId="f59fb8f3-a021-417a-8bc1-65c8d471c621" providerId="ADAL" clId="{CC9C9D9A-5149-2947-86C0-576F501F60DC}" dt="2020-01-04T15:45:14.876" v="4" actId="20577"/>
+          <ac:spMkLst>
+            <pc:docMk/>
+            <pc:sldMk cId="924617162" sldId="319"/>
+            <ac:spMk id="2" creationId="{AA3A228F-61D0-D949-A5E7-F83756230BF8}"/>
+          </ac:spMkLst>
+        </pc:spChg>
+        <pc:spChg chg="mod">
+          <ac:chgData name="Long B Nguyen" userId="f59fb8f3-a021-417a-8bc1-65c8d471c621" providerId="ADAL" clId="{CC9C9D9A-5149-2947-86C0-576F501F60DC}" dt="2020-01-04T15:49:37.373" v="563" actId="20577"/>
+          <ac:spMkLst>
+            <pc:docMk/>
+            <pc:sldMk cId="924617162" sldId="319"/>
+            <ac:spMk id="9" creationId="{E3B2E017-30B2-884B-A113-B419A2ED51AD}"/>
+          </ac:spMkLst>
+        </pc:spChg>
+      </pc:sldChg>
+      <pc:sldChg chg="modSp add">
+        <pc:chgData name="Long B Nguyen" userId="f59fb8f3-a021-417a-8bc1-65c8d471c621" providerId="ADAL" clId="{CC9C9D9A-5149-2947-86C0-576F501F60DC}" dt="2020-01-04T15:57:55.835" v="789" actId="14100"/>
+        <pc:sldMkLst>
+          <pc:docMk/>
+          <pc:sldMk cId="3758830494" sldId="320"/>
+        </pc:sldMkLst>
+        <pc:spChg chg="mod">
+          <ac:chgData name="Long B Nguyen" userId="f59fb8f3-a021-417a-8bc1-65c8d471c621" providerId="ADAL" clId="{CC9C9D9A-5149-2947-86C0-576F501F60DC}" dt="2020-01-04T15:57:52.065" v="788" actId="1076"/>
+          <ac:spMkLst>
+            <pc:docMk/>
+            <pc:sldMk cId="3758830494" sldId="320"/>
+            <ac:spMk id="2" creationId="{AA3A228F-61D0-D949-A5E7-F83756230BF8}"/>
+          </ac:spMkLst>
+        </pc:spChg>
+        <pc:spChg chg="mod">
+          <ac:chgData name="Long B Nguyen" userId="f59fb8f3-a021-417a-8bc1-65c8d471c621" providerId="ADAL" clId="{CC9C9D9A-5149-2947-86C0-576F501F60DC}" dt="2020-01-04T15:57:55.835" v="789" actId="14100"/>
+          <ac:spMkLst>
+            <pc:docMk/>
+            <pc:sldMk cId="3758830494" sldId="320"/>
+            <ac:spMk id="9" creationId="{E3B2E017-30B2-884B-A113-B419A2ED51AD}"/>
+          </ac:spMkLst>
+        </pc:spChg>
+      </pc:sldChg>
+      <pc:sldChg chg="modSp add">
+        <pc:chgData name="Long B Nguyen" userId="f59fb8f3-a021-417a-8bc1-65c8d471c621" providerId="ADAL" clId="{CC9C9D9A-5149-2947-86C0-576F501F60DC}" dt="2020-01-05T21:51:37.442" v="2325" actId="20577"/>
+        <pc:sldMkLst>
+          <pc:docMk/>
+          <pc:sldMk cId="1022945305" sldId="321"/>
+        </pc:sldMkLst>
+        <pc:spChg chg="mod">
+          <ac:chgData name="Long B Nguyen" userId="f59fb8f3-a021-417a-8bc1-65c8d471c621" providerId="ADAL" clId="{CC9C9D9A-5149-2947-86C0-576F501F60DC}" dt="2020-01-05T21:51:37.442" v="2325" actId="20577"/>
+          <ac:spMkLst>
+            <pc:docMk/>
+            <pc:sldMk cId="1022945305" sldId="321"/>
+            <ac:spMk id="2" creationId="{AA3A228F-61D0-D949-A5E7-F83756230BF8}"/>
+          </ac:spMkLst>
+        </pc:spChg>
+        <pc:spChg chg="mod">
+          <ac:chgData name="Long B Nguyen" userId="f59fb8f3-a021-417a-8bc1-65c8d471c621" providerId="ADAL" clId="{CC9C9D9A-5149-2947-86C0-576F501F60DC}" dt="2020-01-05T21:33:21.485" v="2304" actId="20577"/>
+          <ac:spMkLst>
+            <pc:docMk/>
+            <pc:sldMk cId="1022945305" sldId="321"/>
+            <ac:spMk id="9" creationId="{E3B2E017-30B2-884B-A113-B419A2ED51AD}"/>
+          </ac:spMkLst>
+        </pc:spChg>
+      </pc:sldChg>
+      <pc:sldChg chg="modSp add">
+        <pc:chgData name="Long B Nguyen" userId="f59fb8f3-a021-417a-8bc1-65c8d471c621" providerId="ADAL" clId="{CC9C9D9A-5149-2947-86C0-576F501F60DC}" dt="2020-01-04T17:41:57.489" v="1203" actId="20577"/>
+        <pc:sldMkLst>
+          <pc:docMk/>
+          <pc:sldMk cId="3456840474" sldId="322"/>
+        </pc:sldMkLst>
+        <pc:spChg chg="mod">
+          <ac:chgData name="Long B Nguyen" userId="f59fb8f3-a021-417a-8bc1-65c8d471c621" providerId="ADAL" clId="{CC9C9D9A-5149-2947-86C0-576F501F60DC}" dt="2020-01-04T17:41:57.489" v="1203" actId="20577"/>
+          <ac:spMkLst>
+            <pc:docMk/>
+            <pc:sldMk cId="3456840474" sldId="322"/>
+            <ac:spMk id="9" creationId="{E3B2E017-30B2-884B-A113-B419A2ED51AD}"/>
+          </ac:spMkLst>
+        </pc:spChg>
+      </pc:sldChg>
+      <pc:sldChg chg="modSp add">
+        <pc:chgData name="Long B Nguyen" userId="f59fb8f3-a021-417a-8bc1-65c8d471c621" providerId="ADAL" clId="{CC9C9D9A-5149-2947-86C0-576F501F60DC}" dt="2020-01-04T18:38:26.241" v="1214" actId="113"/>
+        <pc:sldMkLst>
+          <pc:docMk/>
+          <pc:sldMk cId="1062075874" sldId="323"/>
+        </pc:sldMkLst>
+        <pc:spChg chg="mod">
+          <ac:chgData name="Long B Nguyen" userId="f59fb8f3-a021-417a-8bc1-65c8d471c621" providerId="ADAL" clId="{CC9C9D9A-5149-2947-86C0-576F501F60DC}" dt="2020-01-04T18:38:26.241" v="1214" actId="113"/>
+          <ac:spMkLst>
+            <pc:docMk/>
+            <pc:sldMk cId="1062075874" sldId="323"/>
+            <ac:spMk id="9" creationId="{E3B2E017-30B2-884B-A113-B419A2ED51AD}"/>
+          </ac:spMkLst>
+        </pc:spChg>
+      </pc:sldChg>
+      <pc:sldChg chg="modSp add">
+        <pc:chgData name="Long B Nguyen" userId="f59fb8f3-a021-417a-8bc1-65c8d471c621" providerId="ADAL" clId="{CC9C9D9A-5149-2947-86C0-576F501F60DC}" dt="2020-01-04T20:58:36.932" v="1972" actId="20577"/>
+        <pc:sldMkLst>
+          <pc:docMk/>
+          <pc:sldMk cId="1310010799" sldId="324"/>
+        </pc:sldMkLst>
+        <pc:spChg chg="mod">
+          <ac:chgData name="Long B Nguyen" userId="f59fb8f3-a021-417a-8bc1-65c8d471c621" providerId="ADAL" clId="{CC9C9D9A-5149-2947-86C0-576F501F60DC}" dt="2020-01-04T20:55:25.731" v="1962" actId="1076"/>
+          <ac:spMkLst>
+            <pc:docMk/>
+            <pc:sldMk cId="1310010799" sldId="324"/>
+            <ac:spMk id="2" creationId="{AA3A228F-61D0-D949-A5E7-F83756230BF8}"/>
+          </ac:spMkLst>
+        </pc:spChg>
+        <pc:spChg chg="mod">
+          <ac:chgData name="Long B Nguyen" userId="f59fb8f3-a021-417a-8bc1-65c8d471c621" providerId="ADAL" clId="{CC9C9D9A-5149-2947-86C0-576F501F60DC}" dt="2020-01-04T20:58:36.932" v="1972" actId="20577"/>
+          <ac:spMkLst>
+            <pc:docMk/>
+            <pc:sldMk cId="1310010799" sldId="324"/>
+            <ac:spMk id="9" creationId="{E3B2E017-30B2-884B-A113-B419A2ED51AD}"/>
+          </ac:spMkLst>
+        </pc:spChg>
+      </pc:sldChg>
+      <pc:sldChg chg="modSp add">
+        <pc:chgData name="Long B Nguyen" userId="f59fb8f3-a021-417a-8bc1-65c8d471c621" providerId="ADAL" clId="{CC9C9D9A-5149-2947-86C0-576F501F60DC}" dt="2020-01-05T21:27:04.952" v="2119" actId="20577"/>
+        <pc:sldMkLst>
+          <pc:docMk/>
+          <pc:sldMk cId="3314372952" sldId="325"/>
+        </pc:sldMkLst>
+        <pc:spChg chg="mod">
+          <ac:chgData name="Long B Nguyen" userId="f59fb8f3-a021-417a-8bc1-65c8d471c621" providerId="ADAL" clId="{CC9C9D9A-5149-2947-86C0-576F501F60DC}" dt="2020-01-05T21:26:41.210" v="2114" actId="20577"/>
+          <ac:spMkLst>
+            <pc:docMk/>
+            <pc:sldMk cId="3314372952" sldId="325"/>
+            <ac:spMk id="2" creationId="{AA3A228F-61D0-D949-A5E7-F83756230BF8}"/>
+          </ac:spMkLst>
+        </pc:spChg>
+        <pc:spChg chg="mod">
+          <ac:chgData name="Long B Nguyen" userId="f59fb8f3-a021-417a-8bc1-65c8d471c621" providerId="ADAL" clId="{CC9C9D9A-5149-2947-86C0-576F501F60DC}" dt="2020-01-05T21:27:04.952" v="2119" actId="20577"/>
+          <ac:spMkLst>
+            <pc:docMk/>
+            <pc:sldMk cId="3314372952" sldId="325"/>
+            <ac:spMk id="9" creationId="{E3B2E017-30B2-884B-A113-B419A2ED51AD}"/>
+          </ac:spMkLst>
+        </pc:spChg>
+      </pc:sldChg>
+      <pc:sldChg chg="modSp add">
+        <pc:chgData name="Long B Nguyen" userId="f59fb8f3-a021-417a-8bc1-65c8d471c621" providerId="ADAL" clId="{CC9C9D9A-5149-2947-86C0-576F501F60DC}" dt="2020-01-05T21:29:58.563" v="2178" actId="20577"/>
+        <pc:sldMkLst>
+          <pc:docMk/>
+          <pc:sldMk cId="3117943122" sldId="326"/>
+        </pc:sldMkLst>
+        <pc:spChg chg="mod">
+          <ac:chgData name="Long B Nguyen" userId="f59fb8f3-a021-417a-8bc1-65c8d471c621" providerId="ADAL" clId="{CC9C9D9A-5149-2947-86C0-576F501F60DC}" dt="2020-01-05T21:29:58.563" v="2178" actId="20577"/>
+          <ac:spMkLst>
+            <pc:docMk/>
+            <pc:sldMk cId="3117943122" sldId="326"/>
+            <ac:spMk id="9" creationId="{E3B2E017-30B2-884B-A113-B419A2ED51AD}"/>
+          </ac:spMkLst>
+        </pc:spChg>
+      </pc:sldChg>
+      <pc:sldChg chg="modSp add">
+        <pc:chgData name="Long B Nguyen" userId="f59fb8f3-a021-417a-8bc1-65c8d471c621" providerId="ADAL" clId="{CC9C9D9A-5149-2947-86C0-576F501F60DC}" dt="2020-01-05T21:59:55.597" v="2392" actId="14100"/>
+        <pc:sldMkLst>
+          <pc:docMk/>
+          <pc:sldMk cId="1025618360" sldId="327"/>
+        </pc:sldMkLst>
+        <pc:spChg chg="mod">
+          <ac:chgData name="Long B Nguyen" userId="f59fb8f3-a021-417a-8bc1-65c8d471c621" providerId="ADAL" clId="{CC9C9D9A-5149-2947-86C0-576F501F60DC}" dt="2020-01-05T21:59:55.597" v="2392" actId="14100"/>
+          <ac:spMkLst>
+            <pc:docMk/>
+            <pc:sldMk cId="1025618360" sldId="327"/>
+            <ac:spMk id="9" creationId="{E3B2E017-30B2-884B-A113-B419A2ED51AD}"/>
+          </ac:spMkLst>
+        </pc:spChg>
+      </pc:sldChg>
+      <pc:sldChg chg="modSp add">
+        <pc:chgData name="Long B Nguyen" userId="f59fb8f3-a021-417a-8bc1-65c8d471c621" providerId="ADAL" clId="{CC9C9D9A-5149-2947-86C0-576F501F60DC}" dt="2020-01-05T21:54:47.081" v="2356" actId="2711"/>
+        <pc:sldMkLst>
+          <pc:docMk/>
+          <pc:sldMk cId="3894299887" sldId="328"/>
+        </pc:sldMkLst>
+        <pc:spChg chg="mod">
+          <ac:chgData name="Long B Nguyen" userId="f59fb8f3-a021-417a-8bc1-65c8d471c621" providerId="ADAL" clId="{CC9C9D9A-5149-2947-86C0-576F501F60DC}" dt="2020-01-05T21:51:41.306" v="2327" actId="20577"/>
+          <ac:spMkLst>
+            <pc:docMk/>
+            <pc:sldMk cId="3894299887" sldId="328"/>
+            <ac:spMk id="2" creationId="{AA3A228F-61D0-D949-A5E7-F83756230BF8}"/>
+          </ac:spMkLst>
+        </pc:spChg>
+        <pc:spChg chg="mod">
+          <ac:chgData name="Long B Nguyen" userId="f59fb8f3-a021-417a-8bc1-65c8d471c621" providerId="ADAL" clId="{CC9C9D9A-5149-2947-86C0-576F501F60DC}" dt="2020-01-05T21:54:47.081" v="2356" actId="2711"/>
+          <ac:spMkLst>
+            <pc:docMk/>
+            <pc:sldMk cId="3894299887" sldId="328"/>
+            <ac:spMk id="9" creationId="{E3B2E017-30B2-884B-A113-B419A2ED51AD}"/>
+          </ac:spMkLst>
+        </pc:spChg>
+      </pc:sldChg>
+      <pc:sldChg chg="add">
+        <pc:chgData name="Long B Nguyen" userId="f59fb8f3-a021-417a-8bc1-65c8d471c621" providerId="ADAL" clId="{CC9C9D9A-5149-2947-86C0-576F501F60DC}" dt="2020-01-05T21:57:38.736" v="2357"/>
+        <pc:sldMkLst>
+          <pc:docMk/>
+          <pc:sldMk cId="4294143140" sldId="329"/>
+        </pc:sldMkLst>
+      </pc:sldChg>
+    </pc:docChg>
+  </pc:docChgLst>
+  <pc:docChgLst>
+    <pc:chgData name="Long B Nguyen" userId="f59fb8f3-a021-417a-8bc1-65c8d471c621" providerId="ADAL" clId="{3CB66211-2DF4-2442-833E-8DD261694FF0}"/>
+    <pc:docChg chg="addSld modSld">
+      <pc:chgData name="Long B Nguyen" userId="f59fb8f3-a021-417a-8bc1-65c8d471c621" providerId="ADAL" clId="{3CB66211-2DF4-2442-833E-8DD261694FF0}" dt="2021-11-07T17:24:01.542" v="250" actId="20577"/>
+      <pc:docMkLst>
+        <pc:docMk/>
+      </pc:docMkLst>
+      <pc:sldChg chg="modSp add modAnim">
+        <pc:chgData name="Long B Nguyen" userId="f59fb8f3-a021-417a-8bc1-65c8d471c621" providerId="ADAL" clId="{3CB66211-2DF4-2442-833E-8DD261694FF0}" dt="2021-11-07T17:24:01.542" v="250" actId="20577"/>
+        <pc:sldMkLst>
+          <pc:docMk/>
+          <pc:sldMk cId="2023389722" sldId="333"/>
+        </pc:sldMkLst>
+        <pc:spChg chg="mod">
+          <ac:chgData name="Long B Nguyen" userId="f59fb8f3-a021-417a-8bc1-65c8d471c621" providerId="ADAL" clId="{3CB66211-2DF4-2442-833E-8DD261694FF0}" dt="2021-11-07T17:24:01.542" v="250" actId="20577"/>
+          <ac:spMkLst>
+            <pc:docMk/>
+            <pc:sldMk cId="2023389722" sldId="333"/>
             <ac:spMk id="9" creationId="{E3B2E017-30B2-884B-A113-B419A2ED51AD}"/>
           </ac:spMkLst>
         </pc:spChg>
@@ -2974,95 +3067,18 @@
     </pc:docChg>
   </pc:docChgLst>
   <pc:docChgLst>
-    <pc:chgData name="Long B Nguyen" userId="f59fb8f3-a021-417a-8bc1-65c8d471c621" providerId="ADAL" clId="{03B59D2A-58F7-2C47-BB72-AE152660F162}"/>
-    <pc:docChg chg="addSld modSld">
-      <pc:chgData name="Long B Nguyen" userId="f59fb8f3-a021-417a-8bc1-65c8d471c621" providerId="ADAL" clId="{03B59D2A-58F7-2C47-BB72-AE152660F162}" dt="2021-06-05T16:01:06.129" v="84" actId="20577"/>
+    <pc:chgData name="Long B Nguyen" userId="f59fb8f3-a021-417a-8bc1-65c8d471c621" providerId="ADAL" clId="{A3D41F2E-F718-0D48-9E9E-6F861B85D77A}"/>
+    <pc:docChg chg="modSld">
+      <pc:chgData name="Long B Nguyen" userId="f59fb8f3-a021-417a-8bc1-65c8d471c621" providerId="ADAL" clId="{A3D41F2E-F718-0D48-9E9E-6F861B85D77A}" dt="2023-11-27T14:51:48.236" v="0"/>
       <pc:docMkLst>
         <pc:docMk/>
       </pc:docMkLst>
-      <pc:sldChg chg="modSp mod">
-        <pc:chgData name="Long B Nguyen" userId="f59fb8f3-a021-417a-8bc1-65c8d471c621" providerId="ADAL" clId="{03B59D2A-58F7-2C47-BB72-AE152660F162}" dt="2021-06-05T15:57:48.063" v="34" actId="1037"/>
-        <pc:sldMkLst>
-          <pc:docMk/>
-          <pc:sldMk cId="4247104139" sldId="256"/>
-        </pc:sldMkLst>
-        <pc:spChg chg="mod">
-          <ac:chgData name="Long B Nguyen" userId="f59fb8f3-a021-417a-8bc1-65c8d471c621" providerId="ADAL" clId="{03B59D2A-58F7-2C47-BB72-AE152660F162}" dt="2021-06-05T15:57:48.063" v="34" actId="1037"/>
-          <ac:spMkLst>
-            <pc:docMk/>
-            <pc:sldMk cId="4247104139" sldId="256"/>
-            <ac:spMk id="3" creationId="{1BDC47C8-6776-7B44-9CD4-95FC91452D62}"/>
-          </ac:spMkLst>
-        </pc:spChg>
-      </pc:sldChg>
-      <pc:sldChg chg="modSp add mod">
-        <pc:chgData name="Long B Nguyen" userId="f59fb8f3-a021-417a-8bc1-65c8d471c621" providerId="ADAL" clId="{03B59D2A-58F7-2C47-BB72-AE152660F162}" dt="2021-06-05T16:00:22.832" v="50" actId="20577"/>
+      <pc:sldChg chg="modAnim">
+        <pc:chgData name="Long B Nguyen" userId="f59fb8f3-a021-417a-8bc1-65c8d471c621" providerId="ADAL" clId="{A3D41F2E-F718-0D48-9E9E-6F861B85D77A}" dt="2023-11-27T14:51:48.236" v="0"/>
         <pc:sldMkLst>
           <pc:docMk/>
           <pc:sldMk cId="403449732" sldId="302"/>
         </pc:sldMkLst>
-        <pc:spChg chg="mod">
-          <ac:chgData name="Long B Nguyen" userId="f59fb8f3-a021-417a-8bc1-65c8d471c621" providerId="ADAL" clId="{03B59D2A-58F7-2C47-BB72-AE152660F162}" dt="2021-06-05T16:00:06.744" v="35" actId="1076"/>
-          <ac:spMkLst>
-            <pc:docMk/>
-            <pc:sldMk cId="403449732" sldId="302"/>
-            <ac:spMk id="2" creationId="{AA3A228F-61D0-D949-A5E7-F83756230BF8}"/>
-          </ac:spMkLst>
-        </pc:spChg>
-        <pc:spChg chg="mod">
-          <ac:chgData name="Long B Nguyen" userId="f59fb8f3-a021-417a-8bc1-65c8d471c621" providerId="ADAL" clId="{03B59D2A-58F7-2C47-BB72-AE152660F162}" dt="2021-06-05T16:00:22.832" v="50" actId="20577"/>
-          <ac:spMkLst>
-            <pc:docMk/>
-            <pc:sldMk cId="403449732" sldId="302"/>
-            <ac:spMk id="9" creationId="{E3B2E017-30B2-884B-A113-B419A2ED51AD}"/>
-          </ac:spMkLst>
-        </pc:spChg>
-      </pc:sldChg>
-      <pc:sldChg chg="modSp add mod">
-        <pc:chgData name="Long B Nguyen" userId="f59fb8f3-a021-417a-8bc1-65c8d471c621" providerId="ADAL" clId="{03B59D2A-58F7-2C47-BB72-AE152660F162}" dt="2021-06-05T16:00:47.158" v="66" actId="20577"/>
-        <pc:sldMkLst>
-          <pc:docMk/>
-          <pc:sldMk cId="370395365" sldId="306"/>
-        </pc:sldMkLst>
-        <pc:spChg chg="mod">
-          <ac:chgData name="Long B Nguyen" userId="f59fb8f3-a021-417a-8bc1-65c8d471c621" providerId="ADAL" clId="{03B59D2A-58F7-2C47-BB72-AE152660F162}" dt="2021-06-05T16:00:29.774" v="51" actId="1076"/>
-          <ac:spMkLst>
-            <pc:docMk/>
-            <pc:sldMk cId="370395365" sldId="306"/>
-            <ac:spMk id="2" creationId="{AA3A228F-61D0-D949-A5E7-F83756230BF8}"/>
-          </ac:spMkLst>
-        </pc:spChg>
-        <pc:spChg chg="mod">
-          <ac:chgData name="Long B Nguyen" userId="f59fb8f3-a021-417a-8bc1-65c8d471c621" providerId="ADAL" clId="{03B59D2A-58F7-2C47-BB72-AE152660F162}" dt="2021-06-05T16:00:47.158" v="66" actId="20577"/>
-          <ac:spMkLst>
-            <pc:docMk/>
-            <pc:sldMk cId="370395365" sldId="306"/>
-            <ac:spMk id="9" creationId="{E3B2E017-30B2-884B-A113-B419A2ED51AD}"/>
-          </ac:spMkLst>
-        </pc:spChg>
-      </pc:sldChg>
-      <pc:sldChg chg="modSp add mod">
-        <pc:chgData name="Long B Nguyen" userId="f59fb8f3-a021-417a-8bc1-65c8d471c621" providerId="ADAL" clId="{03B59D2A-58F7-2C47-BB72-AE152660F162}" dt="2021-06-05T16:01:06.129" v="84" actId="20577"/>
-        <pc:sldMkLst>
-          <pc:docMk/>
-          <pc:sldMk cId="224751101" sldId="307"/>
-        </pc:sldMkLst>
-        <pc:spChg chg="mod">
-          <ac:chgData name="Long B Nguyen" userId="f59fb8f3-a021-417a-8bc1-65c8d471c621" providerId="ADAL" clId="{03B59D2A-58F7-2C47-BB72-AE152660F162}" dt="2021-06-05T16:00:53.536" v="67" actId="1076"/>
-          <ac:spMkLst>
-            <pc:docMk/>
-            <pc:sldMk cId="224751101" sldId="307"/>
-            <ac:spMk id="2" creationId="{AA3A228F-61D0-D949-A5E7-F83756230BF8}"/>
-          </ac:spMkLst>
-        </pc:spChg>
-        <pc:spChg chg="mod">
-          <ac:chgData name="Long B Nguyen" userId="f59fb8f3-a021-417a-8bc1-65c8d471c621" providerId="ADAL" clId="{03B59D2A-58F7-2C47-BB72-AE152660F162}" dt="2021-06-05T16:01:06.129" v="84" actId="20577"/>
-          <ac:spMkLst>
-            <pc:docMk/>
-            <pc:sldMk cId="224751101" sldId="307"/>
-            <ac:spMk id="9" creationId="{E3B2E017-30B2-884B-A113-B419A2ED51AD}"/>
-          </ac:spMkLst>
-        </pc:spChg>
       </pc:sldChg>
     </pc:docChg>
   </pc:docChgLst>
@@ -3151,7 +3167,7 @@
           <a:p>
             <a:fld id="{A72EAE5B-FAC7-1D4A-97BD-119B918062BA}" type="datetimeFigureOut">
               <a:rPr lang="en-US" smtClean="0"/>
-              <a:t>11/28/22</a:t>
+              <a:t>11/27/23</a:t>
             </a:fld>
             <a:endParaRPr lang="en-US"/>
           </a:p>
@@ -3549,7 +3565,7 @@
           <a:p>
             <a:fld id="{82CFC92D-B69B-DD42-9FFD-8548C975772E}" type="datetime1">
               <a:rPr lang="en-US" smtClean="0"/>
-              <a:t>11/28/22</a:t>
+              <a:t>11/27/23</a:t>
             </a:fld>
             <a:endParaRPr lang="en-US" dirty="0"/>
           </a:p>
@@ -3719,7 +3735,7 @@
           <a:p>
             <a:fld id="{1A921C1C-C077-844A-871D-D078BA708997}" type="datetime1">
               <a:rPr lang="en-US" smtClean="0"/>
-              <a:t>11/28/22</a:t>
+              <a:t>11/27/23</a:t>
             </a:fld>
             <a:endParaRPr lang="en-US" dirty="0"/>
           </a:p>
@@ -3899,7 +3915,7 @@
           <a:p>
             <a:fld id="{96B8A7E2-D08C-624D-9173-CD4D0F66ACD6}" type="datetime1">
               <a:rPr lang="en-US" smtClean="0"/>
-              <a:t>11/28/22</a:t>
+              <a:t>11/27/23</a:t>
             </a:fld>
             <a:endParaRPr lang="en-US" dirty="0"/>
           </a:p>
@@ -4069,7 +4085,7 @@
           <a:p>
             <a:fld id="{E8D26D7E-151F-BF4A-BA82-4192DBA7F96C}" type="datetime1">
               <a:rPr lang="en-US" smtClean="0"/>
-              <a:t>11/28/22</a:t>
+              <a:t>11/27/23</a:t>
             </a:fld>
             <a:endParaRPr lang="en-US" dirty="0"/>
           </a:p>
@@ -4315,7 +4331,7 @@
           <a:p>
             <a:fld id="{1A6DE5AC-A485-2841-98DC-CEC47774A2EE}" type="datetime1">
               <a:rPr lang="en-US" smtClean="0"/>
-              <a:t>11/28/22</a:t>
+              <a:t>11/27/23</a:t>
             </a:fld>
             <a:endParaRPr lang="en-US" dirty="0"/>
           </a:p>
@@ -4547,7 +4563,7 @@
           <a:p>
             <a:fld id="{3A74C248-7EDD-B449-8D04-7FD85432CD97}" type="datetime1">
               <a:rPr lang="en-US" smtClean="0"/>
-              <a:t>11/28/22</a:t>
+              <a:t>11/27/23</a:t>
             </a:fld>
             <a:endParaRPr lang="en-US" dirty="0"/>
           </a:p>
@@ -4914,7 +4930,7 @@
           <a:p>
             <a:fld id="{BB935A3B-74DE-714A-86E9-1E979217BF76}" type="datetime1">
               <a:rPr lang="en-US" smtClean="0"/>
-              <a:t>11/28/22</a:t>
+              <a:t>11/27/23</a:t>
             </a:fld>
             <a:endParaRPr lang="en-US" dirty="0"/>
           </a:p>
@@ -5032,7 +5048,7 @@
           <a:p>
             <a:fld id="{1AF4CE23-CE3D-CB43-A359-0E3B60CC494B}" type="datetime1">
               <a:rPr lang="en-US" smtClean="0"/>
-              <a:t>11/28/22</a:t>
+              <a:t>11/27/23</a:t>
             </a:fld>
             <a:endParaRPr lang="en-US" dirty="0"/>
           </a:p>
@@ -5127,7 +5143,7 @@
           <a:p>
             <a:fld id="{50DFAC4E-8793-5C4C-A345-2711F8FFE92F}" type="datetime1">
               <a:rPr lang="en-US" smtClean="0"/>
-              <a:t>11/28/22</a:t>
+              <a:t>11/27/23</a:t>
             </a:fld>
             <a:endParaRPr lang="en-US" dirty="0"/>
           </a:p>
@@ -5404,7 +5420,7 @@
           <a:p>
             <a:fld id="{1AC5FF9F-8E44-0F4F-8BBA-F52D813C03E4}" type="datetime1">
               <a:rPr lang="en-US" smtClean="0"/>
-              <a:t>11/28/22</a:t>
+              <a:t>11/27/23</a:t>
             </a:fld>
             <a:endParaRPr lang="en-US" dirty="0"/>
           </a:p>
@@ -5661,7 +5677,7 @@
           <a:p>
             <a:fld id="{7F8D8EB2-A56C-E94B-9C30-E7CE215C46FD}" type="datetime1">
               <a:rPr lang="en-US" smtClean="0"/>
-              <a:t>11/28/22</a:t>
+              <a:t>11/27/23</a:t>
             </a:fld>
             <a:endParaRPr lang="en-US" dirty="0"/>
           </a:p>
@@ -5874,7 +5890,7 @@
           <a:p>
             <a:fld id="{8E3764FC-F343-EC4C-ADA6-BCB8E6623870}" type="datetime1">
               <a:rPr lang="en-US" smtClean="0"/>
-              <a:t>11/28/22</a:t>
+              <a:t>11/27/23</a:t>
             </a:fld>
             <a:endParaRPr lang="en-US" dirty="0"/>
           </a:p>
@@ -10592,6 +10608,117 @@
                                           <p:spTgt spid="9">
                                             <p:txEl>
                                               <p:pRg st="6" end="6"/>
+                                            </p:txEl>
+                                          </p:spTgt>
+                                        </p:tgtEl>
+                                        <p:attrNameLst>
+                                          <p:attrName>style.visibility</p:attrName>
+                                        </p:attrNameLst>
+                                      </p:cBhvr>
+                                      <p:to>
+                                        <p:strVal val="visible"/>
+                                      </p:to>
+                                    </p:set>
+                                  </p:childTnLst>
+                                </p:cTn>
+                              </p:par>
+                            </p:childTnLst>
+                          </p:cTn>
+                        </p:par>
+                      </p:childTnLst>
+                    </p:cTn>
+                  </p:par>
+                  <p:par>
+                    <p:cTn id="17" fill="hold">
+                      <p:stCondLst>
+                        <p:cond delay="indefinite"/>
+                      </p:stCondLst>
+                      <p:childTnLst>
+                        <p:par>
+                          <p:cTn id="18" fill="hold">
+                            <p:stCondLst>
+                              <p:cond delay="0"/>
+                            </p:stCondLst>
+                            <p:childTnLst>
+                              <p:par>
+                                <p:cTn id="19" presetID="1" presetClass="entr" presetSubtype="0" fill="hold" nodeType="clickEffect">
+                                  <p:stCondLst>
+                                    <p:cond delay="0"/>
+                                  </p:stCondLst>
+                                  <p:childTnLst>
+                                    <p:set>
+                                      <p:cBhvr>
+                                        <p:cTn id="20" dur="1" fill="hold">
+                                          <p:stCondLst>
+                                            <p:cond delay="0"/>
+                                          </p:stCondLst>
+                                        </p:cTn>
+                                        <p:tgtEl>
+                                          <p:spTgt spid="9">
+                                            <p:txEl>
+                                              <p:pRg st="8" end="8"/>
+                                            </p:txEl>
+                                          </p:spTgt>
+                                        </p:tgtEl>
+                                        <p:attrNameLst>
+                                          <p:attrName>style.visibility</p:attrName>
+                                        </p:attrNameLst>
+                                      </p:cBhvr>
+                                      <p:to>
+                                        <p:strVal val="visible"/>
+                                      </p:to>
+                                    </p:set>
+                                  </p:childTnLst>
+                                </p:cTn>
+                              </p:par>
+                              <p:par>
+                                <p:cTn id="21" presetID="1" presetClass="entr" presetSubtype="0" fill="hold" nodeType="withEffect">
+                                  <p:stCondLst>
+                                    <p:cond delay="0"/>
+                                  </p:stCondLst>
+                                  <p:childTnLst>
+                                    <p:set>
+                                      <p:cBhvr>
+                                        <p:cTn id="22" dur="1" fill="hold">
+                                          <p:stCondLst>
+                                            <p:cond delay="0"/>
+                                          </p:stCondLst>
+                                        </p:cTn>
+                                        <p:tgtEl>
+                                          <p:spTgt spid="9">
+                                            <p:txEl>
+                                              <p:pRg st="9" end="9"/>
+                                            </p:txEl>
+                                          </p:spTgt>
+                                        </p:tgtEl>
+                                        <p:attrNameLst>
+                                          <p:attrName>style.visibility</p:attrName>
+                                        </p:attrNameLst>
+                                      </p:cBhvr>
+                                      <p:to>
+                                        <p:strVal val="visible"/>
+                                      </p:to>
+                                    </p:set>
+                                  </p:childTnLst>
+                                </p:cTn>
+                              </p:par>
+                              <p:par>
+                                <p:cTn id="23" presetID="1" presetClass="entr" presetSubtype="0" fill="hold" nodeType="withEffect">
+                                  <p:stCondLst>
+                                    <p:cond delay="0"/>
+                                  </p:stCondLst>
+                                  <p:childTnLst>
+                                    <p:set>
+                                      <p:cBhvr>
+                                        <p:cTn id="24" dur="1" fill="hold">
+                                          <p:stCondLst>
+                                            <p:cond delay="0"/>
+                                          </p:stCondLst>
+                                        </p:cTn>
+                                        <p:tgtEl>
+                                          <p:spTgt spid="9">
+                                            <p:txEl>
+                                              <p:pRg st="10" end="10"/>
                                             </p:txEl>
                                           </p:spTgt>
                                         </p:tgtEl>

--- a/courses/apcsp/lect7.pptx
+++ b/courses/apcsp/lect7.pptx
@@ -5,7 +5,7 @@
     <p:sldMasterId id="2147483791" r:id="rId1"/>
   </p:sldMasterIdLst>
   <p:notesMasterIdLst>
-    <p:notesMasterId r:id="rId27"/>
+    <p:notesMasterId r:id="rId24"/>
   </p:notesMasterIdLst>
   <p:sldIdLst>
     <p:sldId id="256" r:id="rId2"/>
@@ -24,15 +24,12 @@
     <p:sldId id="348" r:id="rId15"/>
     <p:sldId id="302" r:id="rId16"/>
     <p:sldId id="306" r:id="rId17"/>
-    <p:sldId id="337" r:id="rId18"/>
-    <p:sldId id="334" r:id="rId19"/>
-    <p:sldId id="336" r:id="rId20"/>
-    <p:sldId id="341" r:id="rId21"/>
-    <p:sldId id="342" r:id="rId22"/>
-    <p:sldId id="323" r:id="rId23"/>
-    <p:sldId id="325" r:id="rId24"/>
-    <p:sldId id="331" r:id="rId25"/>
-    <p:sldId id="316" r:id="rId26"/>
+    <p:sldId id="341" r:id="rId18"/>
+    <p:sldId id="342" r:id="rId19"/>
+    <p:sldId id="323" r:id="rId20"/>
+    <p:sldId id="325" r:id="rId21"/>
+    <p:sldId id="331" r:id="rId22"/>
+    <p:sldId id="316" r:id="rId23"/>
   </p:sldIdLst>
   <p:sldSz cx="9144000" cy="5715000" type="screen16x10"/>
   <p:notesSz cx="6858000" cy="9144000"/>
@@ -139,511 +136,8 @@
 </p:presentation>
 </file>
 
-<file path=ppt/revisionInfo.xml><?xml version="1.0" encoding="utf-8"?>
-<p1510:revInfo xmlns:a="http://schemas.openxmlformats.org/drawingml/2006/main" xmlns:r="http://schemas.openxmlformats.org/officeDocument/2006/relationships" xmlns:p1510="http://schemas.microsoft.com/office/powerpoint/2015/10/main">
-  <p1510:revLst>
-    <p1510:client id="{A3D41F2E-F718-0D48-9E9E-6F861B85D77A}" v="1" dt="2023-11-27T14:51:48.242"/>
-  </p1510:revLst>
-</p1510:revInfo>
-</file>
-
 <file path=ppt/changesInfos/changesInfo1.xml><?xml version="1.0" encoding="utf-8"?>
 <pc:chgInfo xmlns:a="http://schemas.openxmlformats.org/drawingml/2006/main" xmlns:r="http://schemas.openxmlformats.org/officeDocument/2006/relationships" xmlns:ac="http://schemas.microsoft.com/office/drawing/2013/main/command" xmlns:pc="http://schemas.microsoft.com/office/powerpoint/2013/main/command">
-  <pc:docChgLst>
-    <pc:chgData name="Long Nguyen" userId="f59fb8f3-a021-417a-8bc1-65c8d471c621" providerId="ADAL" clId="{C0A99E2D-18F5-9E43-BFDB-896345788C44}"/>
-    <pc:docChg chg="undo custSel addSld delSld modSld">
-      <pc:chgData name="Long Nguyen" userId="f59fb8f3-a021-417a-8bc1-65c8d471c621" providerId="ADAL" clId="{C0A99E2D-18F5-9E43-BFDB-896345788C44}" dt="2022-11-18T18:29:22.997" v="3239" actId="20577"/>
-      <pc:docMkLst>
-        <pc:docMk/>
-      </pc:docMkLst>
-      <pc:sldChg chg="modSp mod">
-        <pc:chgData name="Long Nguyen" userId="f59fb8f3-a021-417a-8bc1-65c8d471c621" providerId="ADAL" clId="{C0A99E2D-18F5-9E43-BFDB-896345788C44}" dt="2022-11-18T17:09:00.224" v="1668" actId="20577"/>
-        <pc:sldMkLst>
-          <pc:docMk/>
-          <pc:sldMk cId="4247104139" sldId="256"/>
-        </pc:sldMkLst>
-        <pc:spChg chg="mod">
-          <ac:chgData name="Long Nguyen" userId="f59fb8f3-a021-417a-8bc1-65c8d471c621" providerId="ADAL" clId="{C0A99E2D-18F5-9E43-BFDB-896345788C44}" dt="2022-11-18T17:09:00.224" v="1668" actId="20577"/>
-          <ac:spMkLst>
-            <pc:docMk/>
-            <pc:sldMk cId="4247104139" sldId="256"/>
-            <ac:spMk id="3" creationId="{1BDC47C8-6776-7B44-9CD4-95FC91452D62}"/>
-          </ac:spMkLst>
-        </pc:spChg>
-      </pc:sldChg>
-      <pc:sldChg chg="modSp modAnim">
-        <pc:chgData name="Long Nguyen" userId="f59fb8f3-a021-417a-8bc1-65c8d471c621" providerId="ADAL" clId="{C0A99E2D-18F5-9E43-BFDB-896345788C44}" dt="2022-11-18T15:33:03.868" v="1501"/>
-        <pc:sldMkLst>
-          <pc:docMk/>
-          <pc:sldMk cId="403449732" sldId="302"/>
-        </pc:sldMkLst>
-        <pc:spChg chg="mod">
-          <ac:chgData name="Long Nguyen" userId="f59fb8f3-a021-417a-8bc1-65c8d471c621" providerId="ADAL" clId="{C0A99E2D-18F5-9E43-BFDB-896345788C44}" dt="2022-11-18T15:33:03.868" v="1501"/>
-          <ac:spMkLst>
-            <pc:docMk/>
-            <pc:sldMk cId="403449732" sldId="302"/>
-            <ac:spMk id="9" creationId="{E3B2E017-30B2-884B-A113-B419A2ED51AD}"/>
-          </ac:spMkLst>
-        </pc:spChg>
-      </pc:sldChg>
-      <pc:sldChg chg="modSp modAnim">
-        <pc:chgData name="Long Nguyen" userId="f59fb8f3-a021-417a-8bc1-65c8d471c621" providerId="ADAL" clId="{C0A99E2D-18F5-9E43-BFDB-896345788C44}" dt="2022-11-18T15:31:24.629" v="1473" actId="20577"/>
-        <pc:sldMkLst>
-          <pc:docMk/>
-          <pc:sldMk cId="370395365" sldId="306"/>
-        </pc:sldMkLst>
-        <pc:spChg chg="mod">
-          <ac:chgData name="Long Nguyen" userId="f59fb8f3-a021-417a-8bc1-65c8d471c621" providerId="ADAL" clId="{C0A99E2D-18F5-9E43-BFDB-896345788C44}" dt="2022-11-18T15:30:17.248" v="1463" actId="20577"/>
-          <ac:spMkLst>
-            <pc:docMk/>
-            <pc:sldMk cId="370395365" sldId="306"/>
-            <ac:spMk id="9" creationId="{E3B2E017-30B2-884B-A113-B419A2ED51AD}"/>
-          </ac:spMkLst>
-        </pc:spChg>
-      </pc:sldChg>
-      <pc:sldChg chg="del">
-        <pc:chgData name="Long Nguyen" userId="f59fb8f3-a021-417a-8bc1-65c8d471c621" providerId="ADAL" clId="{C0A99E2D-18F5-9E43-BFDB-896345788C44}" dt="2022-11-18T15:12:17.990" v="1313" actId="2696"/>
-        <pc:sldMkLst>
-          <pc:docMk/>
-          <pc:sldMk cId="224751101" sldId="307"/>
-        </pc:sldMkLst>
-      </pc:sldChg>
-      <pc:sldChg chg="modSp">
-        <pc:chgData name="Long Nguyen" userId="f59fb8f3-a021-417a-8bc1-65c8d471c621" providerId="ADAL" clId="{C0A99E2D-18F5-9E43-BFDB-896345788C44}" dt="2022-11-18T14:52:29.707" v="19" actId="20577"/>
-        <pc:sldMkLst>
-          <pc:docMk/>
-          <pc:sldMk cId="924617162" sldId="319"/>
-        </pc:sldMkLst>
-        <pc:spChg chg="mod">
-          <ac:chgData name="Long Nguyen" userId="f59fb8f3-a021-417a-8bc1-65c8d471c621" providerId="ADAL" clId="{C0A99E2D-18F5-9E43-BFDB-896345788C44}" dt="2022-11-18T14:52:29.707" v="19" actId="20577"/>
-          <ac:spMkLst>
-            <pc:docMk/>
-            <pc:sldMk cId="924617162" sldId="319"/>
-            <ac:spMk id="9" creationId="{E3B2E017-30B2-884B-A113-B419A2ED51AD}"/>
-          </ac:spMkLst>
-        </pc:spChg>
-      </pc:sldChg>
-      <pc:sldChg chg="modSp mod">
-        <pc:chgData name="Long Nguyen" userId="f59fb8f3-a021-417a-8bc1-65c8d471c621" providerId="ADAL" clId="{C0A99E2D-18F5-9E43-BFDB-896345788C44}" dt="2022-11-18T14:54:08.948" v="92" actId="207"/>
-        <pc:sldMkLst>
-          <pc:docMk/>
-          <pc:sldMk cId="1022945305" sldId="321"/>
-        </pc:sldMkLst>
-        <pc:spChg chg="mod">
-          <ac:chgData name="Long Nguyen" userId="f59fb8f3-a021-417a-8bc1-65c8d471c621" providerId="ADAL" clId="{C0A99E2D-18F5-9E43-BFDB-896345788C44}" dt="2022-11-18T14:54:08.948" v="92" actId="207"/>
-          <ac:spMkLst>
-            <pc:docMk/>
-            <pc:sldMk cId="1022945305" sldId="321"/>
-            <ac:spMk id="9" creationId="{E3B2E017-30B2-884B-A113-B419A2ED51AD}"/>
-          </ac:spMkLst>
-        </pc:spChg>
-      </pc:sldChg>
-      <pc:sldChg chg="modSp">
-        <pc:chgData name="Long Nguyen" userId="f59fb8f3-a021-417a-8bc1-65c8d471c621" providerId="ADAL" clId="{C0A99E2D-18F5-9E43-BFDB-896345788C44}" dt="2022-11-18T18:29:22.997" v="3239" actId="20577"/>
-        <pc:sldMkLst>
-          <pc:docMk/>
-          <pc:sldMk cId="3456840474" sldId="322"/>
-        </pc:sldMkLst>
-        <pc:spChg chg="mod">
-          <ac:chgData name="Long Nguyen" userId="f59fb8f3-a021-417a-8bc1-65c8d471c621" providerId="ADAL" clId="{C0A99E2D-18F5-9E43-BFDB-896345788C44}" dt="2022-11-18T18:29:22.997" v="3239" actId="20577"/>
-          <ac:spMkLst>
-            <pc:docMk/>
-            <pc:sldMk cId="3456840474" sldId="322"/>
-            <ac:spMk id="9" creationId="{E3B2E017-30B2-884B-A113-B419A2ED51AD}"/>
-          </ac:spMkLst>
-        </pc:spChg>
-      </pc:sldChg>
-      <pc:sldChg chg="del">
-        <pc:chgData name="Long Nguyen" userId="f59fb8f3-a021-417a-8bc1-65c8d471c621" providerId="ADAL" clId="{C0A99E2D-18F5-9E43-BFDB-896345788C44}" dt="2022-11-18T15:10:21.843" v="1310" actId="2696"/>
-        <pc:sldMkLst>
-          <pc:docMk/>
-          <pc:sldMk cId="1062075874" sldId="323"/>
-        </pc:sldMkLst>
-      </pc:sldChg>
-      <pc:sldChg chg="delSp modSp add mod delAnim modAnim">
-        <pc:chgData name="Long Nguyen" userId="f59fb8f3-a021-417a-8bc1-65c8d471c621" providerId="ADAL" clId="{C0A99E2D-18F5-9E43-BFDB-896345788C44}" dt="2022-11-18T18:24:51.963" v="3198" actId="20577"/>
-        <pc:sldMkLst>
-          <pc:docMk/>
-          <pc:sldMk cId="1289346350" sldId="323"/>
-        </pc:sldMkLst>
-        <pc:spChg chg="del">
-          <ac:chgData name="Long Nguyen" userId="f59fb8f3-a021-417a-8bc1-65c8d471c621" providerId="ADAL" clId="{C0A99E2D-18F5-9E43-BFDB-896345788C44}" dt="2022-11-18T18:23:44.857" v="3089" actId="478"/>
-          <ac:spMkLst>
-            <pc:docMk/>
-            <pc:sldMk cId="1289346350" sldId="323"/>
-            <ac:spMk id="3" creationId="{1F595A19-8A49-BF47-A3C1-91AA31CC8096}"/>
-          </ac:spMkLst>
-        </pc:spChg>
-        <pc:spChg chg="mod">
-          <ac:chgData name="Long Nguyen" userId="f59fb8f3-a021-417a-8bc1-65c8d471c621" providerId="ADAL" clId="{C0A99E2D-18F5-9E43-BFDB-896345788C44}" dt="2022-11-18T18:24:51.963" v="3198" actId="20577"/>
-          <ac:spMkLst>
-            <pc:docMk/>
-            <pc:sldMk cId="1289346350" sldId="323"/>
-            <ac:spMk id="9" creationId="{E3B2E017-30B2-884B-A113-B419A2ED51AD}"/>
-          </ac:spMkLst>
-        </pc:spChg>
-      </pc:sldChg>
-      <pc:sldChg chg="modSp mod">
-        <pc:chgData name="Long Nguyen" userId="f59fb8f3-a021-417a-8bc1-65c8d471c621" providerId="ADAL" clId="{C0A99E2D-18F5-9E43-BFDB-896345788C44}" dt="2022-11-18T14:52:27.598" v="4" actId="27636"/>
-        <pc:sldMkLst>
-          <pc:docMk/>
-          <pc:sldMk cId="451405738" sldId="325"/>
-        </pc:sldMkLst>
-        <pc:spChg chg="mod">
-          <ac:chgData name="Long Nguyen" userId="f59fb8f3-a021-417a-8bc1-65c8d471c621" providerId="ADAL" clId="{C0A99E2D-18F5-9E43-BFDB-896345788C44}" dt="2022-11-18T14:52:27.598" v="4" actId="27636"/>
-          <ac:spMkLst>
-            <pc:docMk/>
-            <pc:sldMk cId="451405738" sldId="325"/>
-            <ac:spMk id="9" creationId="{E3B2E017-30B2-884B-A113-B419A2ED51AD}"/>
-          </ac:spMkLst>
-        </pc:spChg>
-      </pc:sldChg>
-      <pc:sldChg chg="del">
-        <pc:chgData name="Long Nguyen" userId="f59fb8f3-a021-417a-8bc1-65c8d471c621" providerId="ADAL" clId="{C0A99E2D-18F5-9E43-BFDB-896345788C44}" dt="2022-11-18T15:10:26.723" v="1311" actId="2696"/>
-        <pc:sldMkLst>
-          <pc:docMk/>
-          <pc:sldMk cId="1724104636" sldId="327"/>
-        </pc:sldMkLst>
-      </pc:sldChg>
-      <pc:sldChg chg="addSp modSp mod">
-        <pc:chgData name="Long Nguyen" userId="f59fb8f3-a021-417a-8bc1-65c8d471c621" providerId="ADAL" clId="{C0A99E2D-18F5-9E43-BFDB-896345788C44}" dt="2022-11-18T14:55:27.223" v="181" actId="20577"/>
-        <pc:sldMkLst>
-          <pc:docMk/>
-          <pc:sldMk cId="3894299887" sldId="328"/>
-        </pc:sldMkLst>
-        <pc:spChg chg="add mod">
-          <ac:chgData name="Long Nguyen" userId="f59fb8f3-a021-417a-8bc1-65c8d471c621" providerId="ADAL" clId="{C0A99E2D-18F5-9E43-BFDB-896345788C44}" dt="2022-11-18T14:55:27.223" v="181" actId="20577"/>
-          <ac:spMkLst>
-            <pc:docMk/>
-            <pc:sldMk cId="3894299887" sldId="328"/>
-            <ac:spMk id="4" creationId="{D5BEFAB6-CD8E-6C57-18BE-976F815BE08C}"/>
-          </ac:spMkLst>
-        </pc:spChg>
-        <pc:spChg chg="mod">
-          <ac:chgData name="Long Nguyen" userId="f59fb8f3-a021-417a-8bc1-65c8d471c621" providerId="ADAL" clId="{C0A99E2D-18F5-9E43-BFDB-896345788C44}" dt="2022-11-18T14:54:24.577" v="93"/>
-          <ac:spMkLst>
-            <pc:docMk/>
-            <pc:sldMk cId="3894299887" sldId="328"/>
-            <ac:spMk id="9" creationId="{E3B2E017-30B2-884B-A113-B419A2ED51AD}"/>
-          </ac:spMkLst>
-        </pc:spChg>
-      </pc:sldChg>
-      <pc:sldChg chg="modSp">
-        <pc:chgData name="Long Nguyen" userId="f59fb8f3-a021-417a-8bc1-65c8d471c621" providerId="ADAL" clId="{C0A99E2D-18F5-9E43-BFDB-896345788C44}" dt="2022-11-18T18:29:06.486" v="3219" actId="20577"/>
-        <pc:sldMkLst>
-          <pc:docMk/>
-          <pc:sldMk cId="4294143140" sldId="329"/>
-        </pc:sldMkLst>
-        <pc:spChg chg="mod">
-          <ac:chgData name="Long Nguyen" userId="f59fb8f3-a021-417a-8bc1-65c8d471c621" providerId="ADAL" clId="{C0A99E2D-18F5-9E43-BFDB-896345788C44}" dt="2022-11-18T18:29:06.486" v="3219" actId="20577"/>
-          <ac:spMkLst>
-            <pc:docMk/>
-            <pc:sldMk cId="4294143140" sldId="329"/>
-            <ac:spMk id="9" creationId="{E3B2E017-30B2-884B-A113-B419A2ED51AD}"/>
-          </ac:spMkLst>
-        </pc:spChg>
-      </pc:sldChg>
-      <pc:sldChg chg="modSp del mod">
-        <pc:chgData name="Long Nguyen" userId="f59fb8f3-a021-417a-8bc1-65c8d471c621" providerId="ADAL" clId="{C0A99E2D-18F5-9E43-BFDB-896345788C44}" dt="2022-11-18T15:10:32.121" v="1312" actId="2696"/>
-        <pc:sldMkLst>
-          <pc:docMk/>
-          <pc:sldMk cId="3594730708" sldId="330"/>
-        </pc:sldMkLst>
-        <pc:spChg chg="mod">
-          <ac:chgData name="Long Nguyen" userId="f59fb8f3-a021-417a-8bc1-65c8d471c621" providerId="ADAL" clId="{C0A99E2D-18F5-9E43-BFDB-896345788C44}" dt="2022-11-18T14:52:27.570" v="2" actId="27636"/>
-          <ac:spMkLst>
-            <pc:docMk/>
-            <pc:sldMk cId="3594730708" sldId="330"/>
-            <ac:spMk id="9" creationId="{E3B2E017-30B2-884B-A113-B419A2ED51AD}"/>
-          </ac:spMkLst>
-        </pc:spChg>
-      </pc:sldChg>
-      <pc:sldChg chg="modSp mod">
-        <pc:chgData name="Long Nguyen" userId="f59fb8f3-a021-417a-8bc1-65c8d471c621" providerId="ADAL" clId="{C0A99E2D-18F5-9E43-BFDB-896345788C44}" dt="2022-11-18T14:52:27.603" v="5" actId="27636"/>
-        <pc:sldMkLst>
-          <pc:docMk/>
-          <pc:sldMk cId="1712009111" sldId="331"/>
-        </pc:sldMkLst>
-        <pc:spChg chg="mod">
-          <ac:chgData name="Long Nguyen" userId="f59fb8f3-a021-417a-8bc1-65c8d471c621" providerId="ADAL" clId="{C0A99E2D-18F5-9E43-BFDB-896345788C44}" dt="2022-11-18T14:52:27.603" v="5" actId="27636"/>
-          <ac:spMkLst>
-            <pc:docMk/>
-            <pc:sldMk cId="1712009111" sldId="331"/>
-            <ac:spMk id="9" creationId="{E3B2E017-30B2-884B-A113-B419A2ED51AD}"/>
-          </ac:spMkLst>
-        </pc:spChg>
-      </pc:sldChg>
-      <pc:sldChg chg="modSp">
-        <pc:chgData name="Long Nguyen" userId="f59fb8f3-a021-417a-8bc1-65c8d471c621" providerId="ADAL" clId="{C0A99E2D-18F5-9E43-BFDB-896345788C44}" dt="2022-11-18T15:29:12.242" v="1439" actId="20577"/>
-        <pc:sldMkLst>
-          <pc:docMk/>
-          <pc:sldMk cId="3124353102" sldId="332"/>
-        </pc:sldMkLst>
-        <pc:spChg chg="mod">
-          <ac:chgData name="Long Nguyen" userId="f59fb8f3-a021-417a-8bc1-65c8d471c621" providerId="ADAL" clId="{C0A99E2D-18F5-9E43-BFDB-896345788C44}" dt="2022-11-18T15:29:12.242" v="1439" actId="20577"/>
-          <ac:spMkLst>
-            <pc:docMk/>
-            <pc:sldMk cId="3124353102" sldId="332"/>
-            <ac:spMk id="9" creationId="{E3B2E017-30B2-884B-A113-B419A2ED51AD}"/>
-          </ac:spMkLst>
-        </pc:spChg>
-      </pc:sldChg>
-      <pc:sldChg chg="modSp mod">
-        <pc:chgData name="Long Nguyen" userId="f59fb8f3-a021-417a-8bc1-65c8d471c621" providerId="ADAL" clId="{C0A99E2D-18F5-9E43-BFDB-896345788C44}" dt="2022-11-18T14:56:52.533" v="193" actId="20577"/>
-        <pc:sldMkLst>
-          <pc:docMk/>
-          <pc:sldMk cId="2023389722" sldId="333"/>
-        </pc:sldMkLst>
-        <pc:spChg chg="mod">
-          <ac:chgData name="Long Nguyen" userId="f59fb8f3-a021-417a-8bc1-65c8d471c621" providerId="ADAL" clId="{C0A99E2D-18F5-9E43-BFDB-896345788C44}" dt="2022-11-18T14:56:52.533" v="193" actId="20577"/>
-          <ac:spMkLst>
-            <pc:docMk/>
-            <pc:sldMk cId="2023389722" sldId="333"/>
-            <ac:spMk id="2" creationId="{AA3A228F-61D0-D949-A5E7-F83756230BF8}"/>
-          </ac:spMkLst>
-        </pc:spChg>
-      </pc:sldChg>
-      <pc:sldChg chg="modSp">
-        <pc:chgData name="Long Nguyen" userId="f59fb8f3-a021-417a-8bc1-65c8d471c621" providerId="ADAL" clId="{C0A99E2D-18F5-9E43-BFDB-896345788C44}" dt="2022-11-18T15:36:48.357" v="1566" actId="20577"/>
-        <pc:sldMkLst>
-          <pc:docMk/>
-          <pc:sldMk cId="1330680031" sldId="334"/>
-        </pc:sldMkLst>
-        <pc:spChg chg="mod">
-          <ac:chgData name="Long Nguyen" userId="f59fb8f3-a021-417a-8bc1-65c8d471c621" providerId="ADAL" clId="{C0A99E2D-18F5-9E43-BFDB-896345788C44}" dt="2022-11-18T15:36:48.357" v="1566" actId="20577"/>
-          <ac:spMkLst>
-            <pc:docMk/>
-            <pc:sldMk cId="1330680031" sldId="334"/>
-            <ac:spMk id="9" creationId="{E3B2E017-30B2-884B-A113-B419A2ED51AD}"/>
-          </ac:spMkLst>
-        </pc:spChg>
-      </pc:sldChg>
-      <pc:sldChg chg="add del">
-        <pc:chgData name="Long Nguyen" userId="f59fb8f3-a021-417a-8bc1-65c8d471c621" providerId="ADAL" clId="{C0A99E2D-18F5-9E43-BFDB-896345788C44}" dt="2022-11-18T18:16:21.299" v="2336" actId="2696"/>
-        <pc:sldMkLst>
-          <pc:docMk/>
-          <pc:sldMk cId="247153204" sldId="335"/>
-        </pc:sldMkLst>
-      </pc:sldChg>
-      <pc:sldChg chg="del">
-        <pc:chgData name="Long Nguyen" userId="f59fb8f3-a021-417a-8bc1-65c8d471c621" providerId="ADAL" clId="{C0A99E2D-18F5-9E43-BFDB-896345788C44}" dt="2022-11-18T15:13:13.597" v="1314" actId="2696"/>
-        <pc:sldMkLst>
-          <pc:docMk/>
-          <pc:sldMk cId="1205733451" sldId="335"/>
-        </pc:sldMkLst>
-      </pc:sldChg>
-      <pc:sldChg chg="add">
-        <pc:chgData name="Long Nguyen" userId="f59fb8f3-a021-417a-8bc1-65c8d471c621" providerId="ADAL" clId="{C0A99E2D-18F5-9E43-BFDB-896345788C44}" dt="2022-11-18T18:16:25.075" v="2337"/>
-        <pc:sldMkLst>
-          <pc:docMk/>
-          <pc:sldMk cId="1890898425" sldId="335"/>
-        </pc:sldMkLst>
-      </pc:sldChg>
-      <pc:sldChg chg="modSp">
-        <pc:chgData name="Long Nguyen" userId="f59fb8f3-a021-417a-8bc1-65c8d471c621" providerId="ADAL" clId="{C0A99E2D-18F5-9E43-BFDB-896345788C44}" dt="2022-11-18T15:37:13.780" v="1645" actId="20577"/>
-        <pc:sldMkLst>
-          <pc:docMk/>
-          <pc:sldMk cId="278063722" sldId="337"/>
-        </pc:sldMkLst>
-        <pc:spChg chg="mod">
-          <ac:chgData name="Long Nguyen" userId="f59fb8f3-a021-417a-8bc1-65c8d471c621" providerId="ADAL" clId="{C0A99E2D-18F5-9E43-BFDB-896345788C44}" dt="2022-11-18T15:37:13.780" v="1645" actId="20577"/>
-          <ac:spMkLst>
-            <pc:docMk/>
-            <pc:sldMk cId="278063722" sldId="337"/>
-            <ac:spMk id="9" creationId="{E3B2E017-30B2-884B-A113-B419A2ED51AD}"/>
-          </ac:spMkLst>
-        </pc:spChg>
-      </pc:sldChg>
-      <pc:sldChg chg="addSp modSp add mod modAnim">
-        <pc:chgData name="Long Nguyen" userId="f59fb8f3-a021-417a-8bc1-65c8d471c621" providerId="ADAL" clId="{C0A99E2D-18F5-9E43-BFDB-896345788C44}" dt="2022-11-18T15:08:37.405" v="1303"/>
-        <pc:sldMkLst>
-          <pc:docMk/>
-          <pc:sldMk cId="35900965" sldId="338"/>
-        </pc:sldMkLst>
-        <pc:spChg chg="mod">
-          <ac:chgData name="Long Nguyen" userId="f59fb8f3-a021-417a-8bc1-65c8d471c621" providerId="ADAL" clId="{C0A99E2D-18F5-9E43-BFDB-896345788C44}" dt="2022-11-18T14:59:23.836" v="590" actId="20577"/>
-          <ac:spMkLst>
-            <pc:docMk/>
-            <pc:sldMk cId="35900965" sldId="338"/>
-            <ac:spMk id="2" creationId="{AA3A228F-61D0-D949-A5E7-F83756230BF8}"/>
-          </ac:spMkLst>
-        </pc:spChg>
-        <pc:spChg chg="add mod">
-          <ac:chgData name="Long Nguyen" userId="f59fb8f3-a021-417a-8bc1-65c8d471c621" providerId="ADAL" clId="{C0A99E2D-18F5-9E43-BFDB-896345788C44}" dt="2022-11-18T15:03:53.112" v="991" actId="1076"/>
-          <ac:spMkLst>
-            <pc:docMk/>
-            <pc:sldMk cId="35900965" sldId="338"/>
-            <ac:spMk id="4" creationId="{0714DE20-EF7E-EBDA-EA62-28784138E496}"/>
-          </ac:spMkLst>
-        </pc:spChg>
-        <pc:spChg chg="mod">
-          <ac:chgData name="Long Nguyen" userId="f59fb8f3-a021-417a-8bc1-65c8d471c621" providerId="ADAL" clId="{C0A99E2D-18F5-9E43-BFDB-896345788C44}" dt="2022-11-18T15:00:19.078" v="738" actId="20577"/>
-          <ac:spMkLst>
-            <pc:docMk/>
-            <pc:sldMk cId="35900965" sldId="338"/>
-            <ac:spMk id="9" creationId="{E3B2E017-30B2-884B-A113-B419A2ED51AD}"/>
-          </ac:spMkLst>
-        </pc:spChg>
-      </pc:sldChg>
-      <pc:sldChg chg="addSp modSp add mod modAnim">
-        <pc:chgData name="Long Nguyen" userId="f59fb8f3-a021-417a-8bc1-65c8d471c621" providerId="ADAL" clId="{C0A99E2D-18F5-9E43-BFDB-896345788C44}" dt="2022-11-18T15:08:55.866" v="1306"/>
-        <pc:sldMkLst>
-          <pc:docMk/>
-          <pc:sldMk cId="2718921247" sldId="339"/>
-        </pc:sldMkLst>
-        <pc:spChg chg="mod">
-          <ac:chgData name="Long Nguyen" userId="f59fb8f3-a021-417a-8bc1-65c8d471c621" providerId="ADAL" clId="{C0A99E2D-18F5-9E43-BFDB-896345788C44}" dt="2022-11-18T14:59:28.056" v="593" actId="20577"/>
-          <ac:spMkLst>
-            <pc:docMk/>
-            <pc:sldMk cId="2718921247" sldId="339"/>
-            <ac:spMk id="2" creationId="{AA3A228F-61D0-D949-A5E7-F83756230BF8}"/>
-          </ac:spMkLst>
-        </pc:spChg>
-        <pc:spChg chg="add mod">
-          <ac:chgData name="Long Nguyen" userId="f59fb8f3-a021-417a-8bc1-65c8d471c621" providerId="ADAL" clId="{C0A99E2D-18F5-9E43-BFDB-896345788C44}" dt="2022-11-18T15:04:01.332" v="997" actId="20577"/>
-          <ac:spMkLst>
-            <pc:docMk/>
-            <pc:sldMk cId="2718921247" sldId="339"/>
-            <ac:spMk id="4" creationId="{9547AF43-A199-3ACC-B67C-B3223C66E6F9}"/>
-          </ac:spMkLst>
-        </pc:spChg>
-        <pc:spChg chg="mod">
-          <ac:chgData name="Long Nguyen" userId="f59fb8f3-a021-417a-8bc1-65c8d471c621" providerId="ADAL" clId="{C0A99E2D-18F5-9E43-BFDB-896345788C44}" dt="2022-11-18T15:03:17.963" v="918" actId="2711"/>
-          <ac:spMkLst>
-            <pc:docMk/>
-            <pc:sldMk cId="2718921247" sldId="339"/>
-            <ac:spMk id="9" creationId="{E3B2E017-30B2-884B-A113-B419A2ED51AD}"/>
-          </ac:spMkLst>
-        </pc:spChg>
-      </pc:sldChg>
-      <pc:sldChg chg="addSp modSp add mod modAnim">
-        <pc:chgData name="Long Nguyen" userId="f59fb8f3-a021-417a-8bc1-65c8d471c621" providerId="ADAL" clId="{C0A99E2D-18F5-9E43-BFDB-896345788C44}" dt="2022-11-18T15:09:14.854" v="1309"/>
-        <pc:sldMkLst>
-          <pc:docMk/>
-          <pc:sldMk cId="260345328" sldId="340"/>
-        </pc:sldMkLst>
-        <pc:spChg chg="mod">
-          <ac:chgData name="Long Nguyen" userId="f59fb8f3-a021-417a-8bc1-65c8d471c621" providerId="ADAL" clId="{C0A99E2D-18F5-9E43-BFDB-896345788C44}" dt="2022-11-18T15:00:24.214" v="741" actId="20577"/>
-          <ac:spMkLst>
-            <pc:docMk/>
-            <pc:sldMk cId="260345328" sldId="340"/>
-            <ac:spMk id="2" creationId="{AA3A228F-61D0-D949-A5E7-F83756230BF8}"/>
-          </ac:spMkLst>
-        </pc:spChg>
-        <pc:spChg chg="add mod">
-          <ac:chgData name="Long Nguyen" userId="f59fb8f3-a021-417a-8bc1-65c8d471c621" providerId="ADAL" clId="{C0A99E2D-18F5-9E43-BFDB-896345788C44}" dt="2022-11-18T15:08:00.559" v="1300" actId="1076"/>
-          <ac:spMkLst>
-            <pc:docMk/>
-            <pc:sldMk cId="260345328" sldId="340"/>
-            <ac:spMk id="4" creationId="{63C7E71D-1520-0AC0-9E55-F525A561D566}"/>
-          </ac:spMkLst>
-        </pc:spChg>
-        <pc:spChg chg="mod">
-          <ac:chgData name="Long Nguyen" userId="f59fb8f3-a021-417a-8bc1-65c8d471c621" providerId="ADAL" clId="{C0A99E2D-18F5-9E43-BFDB-896345788C44}" dt="2022-11-18T15:07:25.161" v="1250" actId="20577"/>
-          <ac:spMkLst>
-            <pc:docMk/>
-            <pc:sldMk cId="260345328" sldId="340"/>
-            <ac:spMk id="9" creationId="{E3B2E017-30B2-884B-A113-B419A2ED51AD}"/>
-          </ac:spMkLst>
-        </pc:spChg>
-      </pc:sldChg>
-      <pc:sldChg chg="modSp add mod modAnim">
-        <pc:chgData name="Long Nguyen" userId="f59fb8f3-a021-417a-8bc1-65c8d471c621" providerId="ADAL" clId="{C0A99E2D-18F5-9E43-BFDB-896345788C44}" dt="2022-11-18T18:15:40.876" v="2331" actId="113"/>
-        <pc:sldMkLst>
-          <pc:docMk/>
-          <pc:sldMk cId="214403129" sldId="341"/>
-        </pc:sldMkLst>
-        <pc:spChg chg="mod">
-          <ac:chgData name="Long Nguyen" userId="f59fb8f3-a021-417a-8bc1-65c8d471c621" providerId="ADAL" clId="{C0A99E2D-18F5-9E43-BFDB-896345788C44}" dt="2022-11-18T17:12:39.266" v="1989" actId="20577"/>
-          <ac:spMkLst>
-            <pc:docMk/>
-            <pc:sldMk cId="214403129" sldId="341"/>
-            <ac:spMk id="2" creationId="{AA3A228F-61D0-D949-A5E7-F83756230BF8}"/>
-          </ac:spMkLst>
-        </pc:spChg>
-        <pc:spChg chg="mod">
-          <ac:chgData name="Long Nguyen" userId="f59fb8f3-a021-417a-8bc1-65c8d471c621" providerId="ADAL" clId="{C0A99E2D-18F5-9E43-BFDB-896345788C44}" dt="2022-11-18T18:15:40.876" v="2331" actId="113"/>
-          <ac:spMkLst>
-            <pc:docMk/>
-            <pc:sldMk cId="214403129" sldId="341"/>
-            <ac:spMk id="9" creationId="{E3B2E017-30B2-884B-A113-B419A2ED51AD}"/>
-          </ac:spMkLst>
-        </pc:spChg>
-      </pc:sldChg>
-      <pc:sldChg chg="modSp add del mod modAnim">
-        <pc:chgData name="Long Nguyen" userId="f59fb8f3-a021-417a-8bc1-65c8d471c621" providerId="ADAL" clId="{C0A99E2D-18F5-9E43-BFDB-896345788C44}" dt="2022-11-18T18:21:51.694" v="2855" actId="20577"/>
-        <pc:sldMkLst>
-          <pc:docMk/>
-          <pc:sldMk cId="2112071836" sldId="342"/>
-        </pc:sldMkLst>
-        <pc:spChg chg="mod">
-          <ac:chgData name="Long Nguyen" userId="f59fb8f3-a021-417a-8bc1-65c8d471c621" providerId="ADAL" clId="{C0A99E2D-18F5-9E43-BFDB-896345788C44}" dt="2022-11-18T18:21:51.694" v="2855" actId="20577"/>
-          <ac:spMkLst>
-            <pc:docMk/>
-            <pc:sldMk cId="2112071836" sldId="342"/>
-            <ac:spMk id="9" creationId="{E3B2E017-30B2-884B-A113-B419A2ED51AD}"/>
-          </ac:spMkLst>
-        </pc:spChg>
-      </pc:sldChg>
-      <pc:sldChg chg="add del">
-        <pc:chgData name="Long Nguyen" userId="f59fb8f3-a021-417a-8bc1-65c8d471c621" providerId="ADAL" clId="{C0A99E2D-18F5-9E43-BFDB-896345788C44}" dt="2022-11-18T18:20:20.787" v="2663" actId="2696"/>
-        <pc:sldMkLst>
-          <pc:docMk/>
-          <pc:sldMk cId="1363458133" sldId="349"/>
-        </pc:sldMkLst>
-      </pc:sldChg>
-      <pc:sldChg chg="add del">
-        <pc:chgData name="Long Nguyen" userId="f59fb8f3-a021-417a-8bc1-65c8d471c621" providerId="ADAL" clId="{C0A99E2D-18F5-9E43-BFDB-896345788C44}" dt="2022-11-18T18:20:05.816" v="2660" actId="2696"/>
-        <pc:sldMkLst>
-          <pc:docMk/>
-          <pc:sldMk cId="3783627139" sldId="350"/>
-        </pc:sldMkLst>
-      </pc:sldChg>
-      <pc:sldChg chg="add del">
-        <pc:chgData name="Long Nguyen" userId="f59fb8f3-a021-417a-8bc1-65c8d471c621" providerId="ADAL" clId="{C0A99E2D-18F5-9E43-BFDB-896345788C44}" dt="2022-11-18T18:20:07.791" v="2661" actId="2696"/>
-        <pc:sldMkLst>
-          <pc:docMk/>
-          <pc:sldMk cId="1997478848" sldId="351"/>
-        </pc:sldMkLst>
-      </pc:sldChg>
-      <pc:sldChg chg="add del">
-        <pc:chgData name="Long Nguyen" userId="f59fb8f3-a021-417a-8bc1-65c8d471c621" providerId="ADAL" clId="{C0A99E2D-18F5-9E43-BFDB-896345788C44}" dt="2022-11-18T18:20:11.808" v="2662" actId="2696"/>
-        <pc:sldMkLst>
-          <pc:docMk/>
-          <pc:sldMk cId="1998372078" sldId="352"/>
-        </pc:sldMkLst>
-      </pc:sldChg>
-      <pc:sldChg chg="add del">
-        <pc:chgData name="Long Nguyen" userId="f59fb8f3-a021-417a-8bc1-65c8d471c621" providerId="ADAL" clId="{C0A99E2D-18F5-9E43-BFDB-896345788C44}" dt="2022-11-18T18:23:21.462" v="3083" actId="2696"/>
-        <pc:sldMkLst>
-          <pc:docMk/>
-          <pc:sldMk cId="2834108163" sldId="353"/>
-        </pc:sldMkLst>
-      </pc:sldChg>
-      <pc:sldChg chg="modSp add del">
-        <pc:chgData name="Long Nguyen" userId="f59fb8f3-a021-417a-8bc1-65c8d471c621" providerId="ADAL" clId="{C0A99E2D-18F5-9E43-BFDB-896345788C44}" dt="2022-11-18T18:24:08.849" v="3091" actId="2696"/>
-        <pc:sldMkLst>
-          <pc:docMk/>
-          <pc:sldMk cId="2765901336" sldId="354"/>
-        </pc:sldMkLst>
-        <pc:spChg chg="mod">
-          <ac:chgData name="Long Nguyen" userId="f59fb8f3-a021-417a-8bc1-65c8d471c621" providerId="ADAL" clId="{C0A99E2D-18F5-9E43-BFDB-896345788C44}" dt="2022-11-18T18:23:29.025" v="3084" actId="20577"/>
-          <ac:spMkLst>
-            <pc:docMk/>
-            <pc:sldMk cId="2765901336" sldId="354"/>
-            <ac:spMk id="9" creationId="{E3B2E017-30B2-884B-A113-B419A2ED51AD}"/>
-          </ac:spMkLst>
-        </pc:spChg>
-      </pc:sldChg>
-      <pc:sldChg chg="add del">
-        <pc:chgData name="Long Nguyen" userId="f59fb8f3-a021-417a-8bc1-65c8d471c621" providerId="ADAL" clId="{C0A99E2D-18F5-9E43-BFDB-896345788C44}" dt="2022-11-18T18:25:02.741" v="3199" actId="2696"/>
-        <pc:sldMkLst>
-          <pc:docMk/>
-          <pc:sldMk cId="4169441446" sldId="355"/>
-        </pc:sldMkLst>
-      </pc:sldChg>
-    </pc:docChg>
-  </pc:docChgLst>
   <pc:docChgLst>
     <pc:chgData name="Long Nguyen" userId="f59fb8f3-a021-417a-8bc1-65c8d471c621" providerId="ADAL" clId="{24BC78E0-AD37-BF4F-8E04-6828975F313B}"/>
     <pc:docChg chg="undo custSel addSld delSld modSld">
@@ -657,14 +151,6 @@
           <pc:docMk/>
           <pc:sldMk cId="924617162" sldId="319"/>
         </pc:sldMkLst>
-        <pc:spChg chg="mod">
-          <ac:chgData name="Long Nguyen" userId="f59fb8f3-a021-417a-8bc1-65c8d471c621" providerId="ADAL" clId="{24BC78E0-AD37-BF4F-8E04-6828975F313B}" dt="2022-11-19T17:28:01.005" v="245" actId="20577"/>
-          <ac:spMkLst>
-            <pc:docMk/>
-            <pc:sldMk cId="924617162" sldId="319"/>
-            <ac:spMk id="9" creationId="{E3B2E017-30B2-884B-A113-B419A2ED51AD}"/>
-          </ac:spMkLst>
-        </pc:spChg>
       </pc:sldChg>
       <pc:sldChg chg="modSp">
         <pc:chgData name="Long Nguyen" userId="f59fb8f3-a021-417a-8bc1-65c8d471c621" providerId="ADAL" clId="{24BC78E0-AD37-BF4F-8E04-6828975F313B}" dt="2022-11-19T17:21:49.201" v="120" actId="207"/>
@@ -672,14 +158,6 @@
           <pc:docMk/>
           <pc:sldMk cId="3758830494" sldId="320"/>
         </pc:sldMkLst>
-        <pc:spChg chg="mod">
-          <ac:chgData name="Long Nguyen" userId="f59fb8f3-a021-417a-8bc1-65c8d471c621" providerId="ADAL" clId="{24BC78E0-AD37-BF4F-8E04-6828975F313B}" dt="2022-11-19T17:21:49.201" v="120" actId="207"/>
-          <ac:spMkLst>
-            <pc:docMk/>
-            <pc:sldMk cId="3758830494" sldId="320"/>
-            <ac:spMk id="9" creationId="{E3B2E017-30B2-884B-A113-B419A2ED51AD}"/>
-          </ac:spMkLst>
-        </pc:spChg>
       </pc:sldChg>
       <pc:sldChg chg="del">
         <pc:chgData name="Long Nguyen" userId="f59fb8f3-a021-417a-8bc1-65c8d471c621" providerId="ADAL" clId="{24BC78E0-AD37-BF4F-8E04-6828975F313B}" dt="2022-11-19T17:28:17.265" v="246" actId="2696"/>
@@ -694,14 +172,6 @@
           <pc:docMk/>
           <pc:sldMk cId="3456840474" sldId="322"/>
         </pc:sldMkLst>
-        <pc:spChg chg="mod">
-          <ac:chgData name="Long Nguyen" userId="f59fb8f3-a021-417a-8bc1-65c8d471c621" providerId="ADAL" clId="{24BC78E0-AD37-BF4F-8E04-6828975F313B}" dt="2022-11-21T18:43:21.299" v="2047" actId="20577"/>
-          <ac:spMkLst>
-            <pc:docMk/>
-            <pc:sldMk cId="3456840474" sldId="322"/>
-            <ac:spMk id="9" creationId="{E3B2E017-30B2-884B-A113-B419A2ED51AD}"/>
-          </ac:spMkLst>
-        </pc:spChg>
       </pc:sldChg>
       <pc:sldChg chg="modSp mod modAnim">
         <pc:chgData name="Long Nguyen" userId="f59fb8f3-a021-417a-8bc1-65c8d471c621" providerId="ADAL" clId="{24BC78E0-AD37-BF4F-8E04-6828975F313B}" dt="2022-11-22T13:42:08.385" v="4431"/>
@@ -709,14 +179,6 @@
           <pc:docMk/>
           <pc:sldMk cId="1289346350" sldId="323"/>
         </pc:sldMkLst>
-        <pc:spChg chg="mod">
-          <ac:chgData name="Long Nguyen" userId="f59fb8f3-a021-417a-8bc1-65c8d471c621" providerId="ADAL" clId="{24BC78E0-AD37-BF4F-8E04-6828975F313B}" dt="2022-11-22T13:09:54.049" v="3049" actId="20577"/>
-          <ac:spMkLst>
-            <pc:docMk/>
-            <pc:sldMk cId="1289346350" sldId="323"/>
-            <ac:spMk id="9" creationId="{E3B2E017-30B2-884B-A113-B419A2ED51AD}"/>
-          </ac:spMkLst>
-        </pc:spChg>
       </pc:sldChg>
       <pc:sldChg chg="del">
         <pc:chgData name="Long Nguyen" userId="f59fb8f3-a021-417a-8bc1-65c8d471c621" providerId="ADAL" clId="{24BC78E0-AD37-BF4F-8E04-6828975F313B}" dt="2022-11-19T17:28:18.332" v="247" actId="2696"/>
@@ -731,14 +193,6 @@
           <pc:docMk/>
           <pc:sldMk cId="4294143140" sldId="329"/>
         </pc:sldMkLst>
-        <pc:spChg chg="mod">
-          <ac:chgData name="Long Nguyen" userId="f59fb8f3-a021-417a-8bc1-65c8d471c621" providerId="ADAL" clId="{24BC78E0-AD37-BF4F-8E04-6828975F313B}" dt="2022-11-21T18:42:57.334" v="2038" actId="20577"/>
-          <ac:spMkLst>
-            <pc:docMk/>
-            <pc:sldMk cId="4294143140" sldId="329"/>
-            <ac:spMk id="9" creationId="{E3B2E017-30B2-884B-A113-B419A2ED51AD}"/>
-          </ac:spMkLst>
-        </pc:spChg>
       </pc:sldChg>
       <pc:sldChg chg="addSp modSp mod modAnim">
         <pc:chgData name="Long Nguyen" userId="f59fb8f3-a021-417a-8bc1-65c8d471c621" providerId="ADAL" clId="{24BC78E0-AD37-BF4F-8E04-6828975F313B}" dt="2022-11-28T16:45:33.525" v="4436" actId="207"/>
@@ -746,22 +200,6 @@
           <pc:docMk/>
           <pc:sldMk cId="2023389722" sldId="333"/>
         </pc:sldMkLst>
-        <pc:spChg chg="add mod">
-          <ac:chgData name="Long Nguyen" userId="f59fb8f3-a021-417a-8bc1-65c8d471c621" providerId="ADAL" clId="{24BC78E0-AD37-BF4F-8E04-6828975F313B}" dt="2022-11-22T13:34:49.844" v="4348" actId="1076"/>
-          <ac:spMkLst>
-            <pc:docMk/>
-            <pc:sldMk cId="2023389722" sldId="333"/>
-            <ac:spMk id="4" creationId="{B8979A2B-F24F-CA14-4D7B-E47B5DB99A14}"/>
-          </ac:spMkLst>
-        </pc:spChg>
-        <pc:spChg chg="mod">
-          <ac:chgData name="Long Nguyen" userId="f59fb8f3-a021-417a-8bc1-65c8d471c621" providerId="ADAL" clId="{24BC78E0-AD37-BF4F-8E04-6828975F313B}" dt="2022-11-28T16:45:33.525" v="4436" actId="207"/>
-          <ac:spMkLst>
-            <pc:docMk/>
-            <pc:sldMk cId="2023389722" sldId="333"/>
-            <ac:spMk id="9" creationId="{E3B2E017-30B2-884B-A113-B419A2ED51AD}"/>
-          </ac:spMkLst>
-        </pc:spChg>
       </pc:sldChg>
       <pc:sldChg chg="del">
         <pc:chgData name="Long Nguyen" userId="f59fb8f3-a021-417a-8bc1-65c8d471c621" providerId="ADAL" clId="{24BC78E0-AD37-BF4F-8E04-6828975F313B}" dt="2022-11-21T16:58:23.419" v="1069" actId="2696"/>
@@ -776,14 +214,6 @@
           <pc:docMk/>
           <pc:sldMk cId="278063722" sldId="337"/>
         </pc:sldMkLst>
-        <pc:spChg chg="mod">
-          <ac:chgData name="Long Nguyen" userId="f59fb8f3-a021-417a-8bc1-65c8d471c621" providerId="ADAL" clId="{24BC78E0-AD37-BF4F-8E04-6828975F313B}" dt="2022-11-22T13:06:26.032" v="2735" actId="113"/>
-          <ac:spMkLst>
-            <pc:docMk/>
-            <pc:sldMk cId="278063722" sldId="337"/>
-            <ac:spMk id="9" creationId="{E3B2E017-30B2-884B-A113-B419A2ED51AD}"/>
-          </ac:spMkLst>
-        </pc:spChg>
       </pc:sldChg>
       <pc:sldChg chg="del">
         <pc:chgData name="Long Nguyen" userId="f59fb8f3-a021-417a-8bc1-65c8d471c621" providerId="ADAL" clId="{24BC78E0-AD37-BF4F-8E04-6828975F313B}" dt="2022-11-22T13:03:49.114" v="2658" actId="2696"/>
@@ -805,22 +235,6 @@
           <pc:docMk/>
           <pc:sldMk cId="260345328" sldId="340"/>
         </pc:sldMkLst>
-        <pc:spChg chg="mod">
-          <ac:chgData name="Long Nguyen" userId="f59fb8f3-a021-417a-8bc1-65c8d471c621" providerId="ADAL" clId="{24BC78E0-AD37-BF4F-8E04-6828975F313B}" dt="2022-11-19T17:05:52.639" v="2" actId="20577"/>
-          <ac:spMkLst>
-            <pc:docMk/>
-            <pc:sldMk cId="260345328" sldId="340"/>
-            <ac:spMk id="4" creationId="{63C7E71D-1520-0AC0-9E55-F525A561D566}"/>
-          </ac:spMkLst>
-        </pc:spChg>
-        <pc:spChg chg="mod">
-          <ac:chgData name="Long Nguyen" userId="f59fb8f3-a021-417a-8bc1-65c8d471c621" providerId="ADAL" clId="{24BC78E0-AD37-BF4F-8E04-6828975F313B}" dt="2022-11-19T17:06:09.193" v="8" actId="20577"/>
-          <ac:spMkLst>
-            <pc:docMk/>
-            <pc:sldMk cId="260345328" sldId="340"/>
-            <ac:spMk id="9" creationId="{E3B2E017-30B2-884B-A113-B419A2ED51AD}"/>
-          </ac:spMkLst>
-        </pc:spChg>
       </pc:sldChg>
       <pc:sldChg chg="modSp modAnim">
         <pc:chgData name="Long Nguyen" userId="f59fb8f3-a021-417a-8bc1-65c8d471c621" providerId="ADAL" clId="{24BC78E0-AD37-BF4F-8E04-6828975F313B}" dt="2022-11-22T13:41:38.709" v="4426"/>
@@ -828,14 +242,6 @@
           <pc:docMk/>
           <pc:sldMk cId="214403129" sldId="341"/>
         </pc:sldMkLst>
-        <pc:spChg chg="mod">
-          <ac:chgData name="Long Nguyen" userId="f59fb8f3-a021-417a-8bc1-65c8d471c621" providerId="ADAL" clId="{24BC78E0-AD37-BF4F-8E04-6828975F313B}" dt="2022-11-21T16:56:00.840" v="979" actId="20577"/>
-          <ac:spMkLst>
-            <pc:docMk/>
-            <pc:sldMk cId="214403129" sldId="341"/>
-            <ac:spMk id="9" creationId="{E3B2E017-30B2-884B-A113-B419A2ED51AD}"/>
-          </ac:spMkLst>
-        </pc:spChg>
       </pc:sldChg>
       <pc:sldChg chg="modSp">
         <pc:chgData name="Long Nguyen" userId="f59fb8f3-a021-417a-8bc1-65c8d471c621" providerId="ADAL" clId="{24BC78E0-AD37-BF4F-8E04-6828975F313B}" dt="2022-11-22T13:07:38.883" v="2741" actId="20577"/>
@@ -843,14 +249,6 @@
           <pc:docMk/>
           <pc:sldMk cId="2112071836" sldId="342"/>
         </pc:sldMkLst>
-        <pc:spChg chg="mod">
-          <ac:chgData name="Long Nguyen" userId="f59fb8f3-a021-417a-8bc1-65c8d471c621" providerId="ADAL" clId="{24BC78E0-AD37-BF4F-8E04-6828975F313B}" dt="2022-11-22T13:07:38.883" v="2741" actId="20577"/>
-          <ac:spMkLst>
-            <pc:docMk/>
-            <pc:sldMk cId="2112071836" sldId="342"/>
-            <ac:spMk id="9" creationId="{E3B2E017-30B2-884B-A113-B419A2ED51AD}"/>
-          </ac:spMkLst>
-        </pc:spChg>
       </pc:sldChg>
       <pc:sldChg chg="addSp modSp add mod modAnim">
         <pc:chgData name="Long Nguyen" userId="f59fb8f3-a021-417a-8bc1-65c8d471c621" providerId="ADAL" clId="{24BC78E0-AD37-BF4F-8E04-6828975F313B}" dt="2022-11-22T13:35:31.330" v="4353"/>
@@ -858,38 +256,6 @@
           <pc:docMk/>
           <pc:sldMk cId="2606545419" sldId="343"/>
         </pc:sldMkLst>
-        <pc:spChg chg="mod">
-          <ac:chgData name="Long Nguyen" userId="f59fb8f3-a021-417a-8bc1-65c8d471c621" providerId="ADAL" clId="{24BC78E0-AD37-BF4F-8E04-6828975F313B}" dt="2022-11-19T17:28:49.707" v="278" actId="20577"/>
-          <ac:spMkLst>
-            <pc:docMk/>
-            <pc:sldMk cId="2606545419" sldId="343"/>
-            <ac:spMk id="2" creationId="{AA3A228F-61D0-D949-A5E7-F83756230BF8}"/>
-          </ac:spMkLst>
-        </pc:spChg>
-        <pc:spChg chg="add mod">
-          <ac:chgData name="Long Nguyen" userId="f59fb8f3-a021-417a-8bc1-65c8d471c621" providerId="ADAL" clId="{24BC78E0-AD37-BF4F-8E04-6828975F313B}" dt="2022-11-20T19:29:04.872" v="959" actId="20577"/>
-          <ac:spMkLst>
-            <pc:docMk/>
-            <pc:sldMk cId="2606545419" sldId="343"/>
-            <ac:spMk id="4" creationId="{7356A20A-B13B-0BAD-4735-965081616BF0}"/>
-          </ac:spMkLst>
-        </pc:spChg>
-        <pc:spChg chg="add mod">
-          <ac:chgData name="Long Nguyen" userId="f59fb8f3-a021-417a-8bc1-65c8d471c621" providerId="ADAL" clId="{24BC78E0-AD37-BF4F-8E04-6828975F313B}" dt="2022-11-20T19:28:55.422" v="932" actId="20577"/>
-          <ac:spMkLst>
-            <pc:docMk/>
-            <pc:sldMk cId="2606545419" sldId="343"/>
-            <ac:spMk id="5" creationId="{E1311FF4-9BB7-DADA-F0B2-3329D147B70D}"/>
-          </ac:spMkLst>
-        </pc:spChg>
-        <pc:spChg chg="mod">
-          <ac:chgData name="Long Nguyen" userId="f59fb8f3-a021-417a-8bc1-65c8d471c621" providerId="ADAL" clId="{24BC78E0-AD37-BF4F-8E04-6828975F313B}" dt="2022-11-20T19:30:54.288" v="961" actId="20577"/>
-          <ac:spMkLst>
-            <pc:docMk/>
-            <pc:sldMk cId="2606545419" sldId="343"/>
-            <ac:spMk id="9" creationId="{E3B2E017-30B2-884B-A113-B419A2ED51AD}"/>
-          </ac:spMkLst>
-        </pc:spChg>
       </pc:sldChg>
       <pc:sldChg chg="addSp delSp modSp add mod modAnim">
         <pc:chgData name="Long Nguyen" userId="f59fb8f3-a021-417a-8bc1-65c8d471c621" providerId="ADAL" clId="{24BC78E0-AD37-BF4F-8E04-6828975F313B}" dt="2022-11-22T13:36:13.482" v="4357"/>
@@ -897,46 +263,6 @@
           <pc:docMk/>
           <pc:sldMk cId="987062073" sldId="344"/>
         </pc:sldMkLst>
-        <pc:spChg chg="mod">
-          <ac:chgData name="Long Nguyen" userId="f59fb8f3-a021-417a-8bc1-65c8d471c621" providerId="ADAL" clId="{24BC78E0-AD37-BF4F-8E04-6828975F313B}" dt="2022-11-21T17:12:57.110" v="1695" actId="20577"/>
-          <ac:spMkLst>
-            <pc:docMk/>
-            <pc:sldMk cId="987062073" sldId="344"/>
-            <ac:spMk id="2" creationId="{AA3A228F-61D0-D949-A5E7-F83756230BF8}"/>
-          </ac:spMkLst>
-        </pc:spChg>
-        <pc:spChg chg="del">
-          <ac:chgData name="Long Nguyen" userId="f59fb8f3-a021-417a-8bc1-65c8d471c621" providerId="ADAL" clId="{24BC78E0-AD37-BF4F-8E04-6828975F313B}" dt="2022-11-21T17:02:52.998" v="1286" actId="478"/>
-          <ac:spMkLst>
-            <pc:docMk/>
-            <pc:sldMk cId="987062073" sldId="344"/>
-            <ac:spMk id="4" creationId="{7356A20A-B13B-0BAD-4735-965081616BF0}"/>
-          </ac:spMkLst>
-        </pc:spChg>
-        <pc:spChg chg="del mod">
-          <ac:chgData name="Long Nguyen" userId="f59fb8f3-a021-417a-8bc1-65c8d471c621" providerId="ADAL" clId="{24BC78E0-AD37-BF4F-8E04-6828975F313B}" dt="2022-11-21T17:01:22.760" v="1230" actId="478"/>
-          <ac:spMkLst>
-            <pc:docMk/>
-            <pc:sldMk cId="987062073" sldId="344"/>
-            <ac:spMk id="5" creationId="{E1311FF4-9BB7-DADA-F0B2-3329D147B70D}"/>
-          </ac:spMkLst>
-        </pc:spChg>
-        <pc:spChg chg="add mod">
-          <ac:chgData name="Long Nguyen" userId="f59fb8f3-a021-417a-8bc1-65c8d471c621" providerId="ADAL" clId="{24BC78E0-AD37-BF4F-8E04-6828975F313B}" dt="2022-11-21T17:06:55.322" v="1560" actId="20577"/>
-          <ac:spMkLst>
-            <pc:docMk/>
-            <pc:sldMk cId="987062073" sldId="344"/>
-            <ac:spMk id="6" creationId="{C83ACF6C-86F3-1E5F-011C-F8E5B4F7850C}"/>
-          </ac:spMkLst>
-        </pc:spChg>
-        <pc:spChg chg="mod">
-          <ac:chgData name="Long Nguyen" userId="f59fb8f3-a021-417a-8bc1-65c8d471c621" providerId="ADAL" clId="{24BC78E0-AD37-BF4F-8E04-6828975F313B}" dt="2022-11-21T18:33:36.223" v="1704" actId="5793"/>
-          <ac:spMkLst>
-            <pc:docMk/>
-            <pc:sldMk cId="987062073" sldId="344"/>
-            <ac:spMk id="9" creationId="{E3B2E017-30B2-884B-A113-B419A2ED51AD}"/>
-          </ac:spMkLst>
-        </pc:spChg>
       </pc:sldChg>
       <pc:sldChg chg="delSp modSp add mod delAnim modAnim">
         <pc:chgData name="Long Nguyen" userId="f59fb8f3-a021-417a-8bc1-65c8d471c621" providerId="ADAL" clId="{24BC78E0-AD37-BF4F-8E04-6828975F313B}" dt="2022-11-28T16:36:02.696" v="4432" actId="20577"/>
@@ -944,22 +270,6 @@
           <pc:docMk/>
           <pc:sldMk cId="2587142351" sldId="345"/>
         </pc:sldMkLst>
-        <pc:spChg chg="del">
-          <ac:chgData name="Long Nguyen" userId="f59fb8f3-a021-417a-8bc1-65c8d471c621" providerId="ADAL" clId="{24BC78E0-AD37-BF4F-8E04-6828975F313B}" dt="2022-11-21T18:33:26.094" v="1699" actId="478"/>
-          <ac:spMkLst>
-            <pc:docMk/>
-            <pc:sldMk cId="2587142351" sldId="345"/>
-            <ac:spMk id="6" creationId="{C83ACF6C-86F3-1E5F-011C-F8E5B4F7850C}"/>
-          </ac:spMkLst>
-        </pc:spChg>
-        <pc:spChg chg="mod">
-          <ac:chgData name="Long Nguyen" userId="f59fb8f3-a021-417a-8bc1-65c8d471c621" providerId="ADAL" clId="{24BC78E0-AD37-BF4F-8E04-6828975F313B}" dt="2022-11-28T16:36:02.696" v="4432" actId="20577"/>
-          <ac:spMkLst>
-            <pc:docMk/>
-            <pc:sldMk cId="2587142351" sldId="345"/>
-            <ac:spMk id="9" creationId="{E3B2E017-30B2-884B-A113-B419A2ED51AD}"/>
-          </ac:spMkLst>
-        </pc:spChg>
       </pc:sldChg>
       <pc:sldChg chg="addSp delSp modSp new mod modAnim">
         <pc:chgData name="Long Nguyen" userId="f59fb8f3-a021-417a-8bc1-65c8d471c621" providerId="ADAL" clId="{24BC78E0-AD37-BF4F-8E04-6828975F313B}" dt="2022-11-22T13:32:05.033" v="4247"/>
@@ -967,46 +277,6 @@
           <pc:docMk/>
           <pc:sldMk cId="4154830339" sldId="346"/>
         </pc:sldMkLst>
-        <pc:spChg chg="mod">
-          <ac:chgData name="Long Nguyen" userId="f59fb8f3-a021-417a-8bc1-65c8d471c621" providerId="ADAL" clId="{24BC78E0-AD37-BF4F-8E04-6828975F313B}" dt="2022-11-22T13:16:21.867" v="3073" actId="20577"/>
-          <ac:spMkLst>
-            <pc:docMk/>
-            <pc:sldMk cId="4154830339" sldId="346"/>
-            <ac:spMk id="2" creationId="{41B7F7A7-6B2E-DE37-195D-17E81AB0729C}"/>
-          </ac:spMkLst>
-        </pc:spChg>
-        <pc:spChg chg="del">
-          <ac:chgData name="Long Nguyen" userId="f59fb8f3-a021-417a-8bc1-65c8d471c621" providerId="ADAL" clId="{24BC78E0-AD37-BF4F-8E04-6828975F313B}" dt="2022-11-22T13:16:24.573" v="3074"/>
-          <ac:spMkLst>
-            <pc:docMk/>
-            <pc:sldMk cId="4154830339" sldId="346"/>
-            <ac:spMk id="3" creationId="{FEB6BBE9-33A0-3688-4A66-4BBC1F2498BC}"/>
-          </ac:spMkLst>
-        </pc:spChg>
-        <pc:spChg chg="add del mod">
-          <ac:chgData name="Long Nguyen" userId="f59fb8f3-a021-417a-8bc1-65c8d471c621" providerId="ADAL" clId="{24BC78E0-AD37-BF4F-8E04-6828975F313B}" dt="2022-11-22T13:16:33.947" v="3079"/>
-          <ac:spMkLst>
-            <pc:docMk/>
-            <pc:sldMk cId="4154830339" sldId="346"/>
-            <ac:spMk id="6" creationId="{F388711C-1B56-3B8B-5561-B90D67DD3844}"/>
-          </ac:spMkLst>
-        </pc:spChg>
-        <pc:spChg chg="add mod">
-          <ac:chgData name="Long Nguyen" userId="f59fb8f3-a021-417a-8bc1-65c8d471c621" providerId="ADAL" clId="{24BC78E0-AD37-BF4F-8E04-6828975F313B}" dt="2022-11-22T13:18:05.307" v="3350" actId="207"/>
-          <ac:spMkLst>
-            <pc:docMk/>
-            <pc:sldMk cId="4154830339" sldId="346"/>
-            <ac:spMk id="7" creationId="{D7EE8EA4-4A52-E685-9BCF-86FB845B3E9D}"/>
-          </ac:spMkLst>
-        </pc:spChg>
-        <pc:picChg chg="add mod">
-          <ac:chgData name="Long Nguyen" userId="f59fb8f3-a021-417a-8bc1-65c8d471c621" providerId="ADAL" clId="{24BC78E0-AD37-BF4F-8E04-6828975F313B}" dt="2022-11-22T13:18:20.943" v="3352" actId="1076"/>
-          <ac:picMkLst>
-            <pc:docMk/>
-            <pc:sldMk cId="4154830339" sldId="346"/>
-            <ac:picMk id="5" creationId="{F7655787-6359-0AC5-A683-B2C1A300DB2E}"/>
-          </ac:picMkLst>
-        </pc:picChg>
       </pc:sldChg>
       <pc:sldChg chg="addSp delSp modSp add mod modAnim">
         <pc:chgData name="Long Nguyen" userId="f59fb8f3-a021-417a-8bc1-65c8d471c621" providerId="ADAL" clId="{24BC78E0-AD37-BF4F-8E04-6828975F313B}" dt="2022-11-22T13:39:14.936" v="4424" actId="20577"/>
@@ -1014,62 +284,6 @@
           <pc:docMk/>
           <pc:sldMk cId="2871520391" sldId="347"/>
         </pc:sldMkLst>
-        <pc:spChg chg="add del mod">
-          <ac:chgData name="Long Nguyen" userId="f59fb8f3-a021-417a-8bc1-65c8d471c621" providerId="ADAL" clId="{24BC78E0-AD37-BF4F-8E04-6828975F313B}" dt="2022-11-22T13:20:22.867" v="3603" actId="478"/>
-          <ac:spMkLst>
-            <pc:docMk/>
-            <pc:sldMk cId="2871520391" sldId="347"/>
-            <ac:spMk id="6" creationId="{8CA29BCF-A86B-561F-F8CC-28617A3A928E}"/>
-          </ac:spMkLst>
-        </pc:spChg>
-        <pc:spChg chg="mod">
-          <ac:chgData name="Long Nguyen" userId="f59fb8f3-a021-417a-8bc1-65c8d471c621" providerId="ADAL" clId="{24BC78E0-AD37-BF4F-8E04-6828975F313B}" dt="2022-11-22T13:23:33.137" v="3879" actId="113"/>
-          <ac:spMkLst>
-            <pc:docMk/>
-            <pc:sldMk cId="2871520391" sldId="347"/>
-            <ac:spMk id="7" creationId="{D7EE8EA4-4A52-E685-9BCF-86FB845B3E9D}"/>
-          </ac:spMkLst>
-        </pc:spChg>
-        <pc:spChg chg="add mod">
-          <ac:chgData name="Long Nguyen" userId="f59fb8f3-a021-417a-8bc1-65c8d471c621" providerId="ADAL" clId="{24BC78E0-AD37-BF4F-8E04-6828975F313B}" dt="2022-11-22T13:39:14.936" v="4424" actId="20577"/>
-          <ac:spMkLst>
-            <pc:docMk/>
-            <pc:sldMk cId="2871520391" sldId="347"/>
-            <ac:spMk id="8" creationId="{D316B1A1-5824-82F8-0714-BBC978F1DC74}"/>
-          </ac:spMkLst>
-        </pc:spChg>
-        <pc:spChg chg="add mod">
-          <ac:chgData name="Long Nguyen" userId="f59fb8f3-a021-417a-8bc1-65c8d471c621" providerId="ADAL" clId="{24BC78E0-AD37-BF4F-8E04-6828975F313B}" dt="2022-11-22T13:21:49.630" v="3754"/>
-          <ac:spMkLst>
-            <pc:docMk/>
-            <pc:sldMk cId="2871520391" sldId="347"/>
-            <ac:spMk id="9" creationId="{09FCE996-06E8-D2D7-09A7-47B3124708FF}"/>
-          </ac:spMkLst>
-        </pc:spChg>
-        <pc:picChg chg="del">
-          <ac:chgData name="Long Nguyen" userId="f59fb8f3-a021-417a-8bc1-65c8d471c621" providerId="ADAL" clId="{24BC78E0-AD37-BF4F-8E04-6828975F313B}" dt="2022-11-22T13:20:13.919" v="3602" actId="478"/>
-          <ac:picMkLst>
-            <pc:docMk/>
-            <pc:sldMk cId="2871520391" sldId="347"/>
-            <ac:picMk id="5" creationId="{F7655787-6359-0AC5-A683-B2C1A300DB2E}"/>
-          </ac:picMkLst>
-        </pc:picChg>
-        <pc:cxnChg chg="add mod">
-          <ac:chgData name="Long Nguyen" userId="f59fb8f3-a021-417a-8bc1-65c8d471c621" providerId="ADAL" clId="{24BC78E0-AD37-BF4F-8E04-6828975F313B}" dt="2022-11-22T13:22:09.486" v="3764" actId="692"/>
-          <ac:cxnSpMkLst>
-            <pc:docMk/>
-            <pc:sldMk cId="2871520391" sldId="347"/>
-            <ac:cxnSpMk id="11" creationId="{D0876692-EEB1-854F-1C57-F19444F62257}"/>
-          </ac:cxnSpMkLst>
-        </pc:cxnChg>
-        <pc:cxnChg chg="add mod">
-          <ac:chgData name="Long Nguyen" userId="f59fb8f3-a021-417a-8bc1-65c8d471c621" providerId="ADAL" clId="{24BC78E0-AD37-BF4F-8E04-6828975F313B}" dt="2022-11-22T13:22:15.873" v="3766" actId="1076"/>
-          <ac:cxnSpMkLst>
-            <pc:docMk/>
-            <pc:sldMk cId="2871520391" sldId="347"/>
-            <ac:cxnSpMk id="14" creationId="{1842D776-97AC-D91C-679B-EA96117EA9E9}"/>
-          </ac:cxnSpMkLst>
-        </pc:cxnChg>
       </pc:sldChg>
       <pc:sldChg chg="addSp modSp add mod modAnim">
         <pc:chgData name="Long Nguyen" userId="f59fb8f3-a021-417a-8bc1-65c8d471c621" providerId="ADAL" clId="{24BC78E0-AD37-BF4F-8E04-6828975F313B}" dt="2022-11-22T13:32:50.832" v="4254"/>
@@ -1077,54 +291,59 @@
           <pc:docMk/>
           <pc:sldMk cId="1645223167" sldId="348"/>
         </pc:sldMkLst>
-        <pc:spChg chg="mod">
-          <ac:chgData name="Long Nguyen" userId="f59fb8f3-a021-417a-8bc1-65c8d471c621" providerId="ADAL" clId="{24BC78E0-AD37-BF4F-8E04-6828975F313B}" dt="2022-11-22T13:30:06.556" v="4226" actId="20577"/>
-          <ac:spMkLst>
-            <pc:docMk/>
-            <pc:sldMk cId="1645223167" sldId="348"/>
-            <ac:spMk id="7" creationId="{D7EE8EA4-4A52-E685-9BCF-86FB845B3E9D}"/>
-          </ac:spMkLst>
-        </pc:spChg>
-        <pc:spChg chg="mod">
-          <ac:chgData name="Long Nguyen" userId="f59fb8f3-a021-417a-8bc1-65c8d471c621" providerId="ADAL" clId="{24BC78E0-AD37-BF4F-8E04-6828975F313B}" dt="2022-11-22T13:29:20.495" v="4221" actId="20577"/>
-          <ac:spMkLst>
-            <pc:docMk/>
-            <pc:sldMk cId="1645223167" sldId="348"/>
-            <ac:spMk id="8" creationId="{D316B1A1-5824-82F8-0714-BBC978F1DC74}"/>
-          </ac:spMkLst>
-        </pc:spChg>
-        <pc:spChg chg="mod">
-          <ac:chgData name="Long Nguyen" userId="f59fb8f3-a021-417a-8bc1-65c8d471c621" providerId="ADAL" clId="{24BC78E0-AD37-BF4F-8E04-6828975F313B}" dt="2022-11-22T13:29:28.386" v="4222" actId="20577"/>
-          <ac:spMkLst>
-            <pc:docMk/>
-            <pc:sldMk cId="1645223167" sldId="348"/>
-            <ac:spMk id="9" creationId="{09FCE996-06E8-D2D7-09A7-47B3124708FF}"/>
-          </ac:spMkLst>
-        </pc:spChg>
-        <pc:spChg chg="add mod">
-          <ac:chgData name="Long Nguyen" userId="f59fb8f3-a021-417a-8bc1-65c8d471c621" providerId="ADAL" clId="{24BC78E0-AD37-BF4F-8E04-6828975F313B}" dt="2022-11-22T13:31:14.851" v="4244" actId="20577"/>
-          <ac:spMkLst>
-            <pc:docMk/>
-            <pc:sldMk cId="1645223167" sldId="348"/>
-            <ac:spMk id="10" creationId="{08E5EC2F-AF05-FEF1-53DC-6C6361D7C31E}"/>
-          </ac:spMkLst>
-        </pc:spChg>
-        <pc:cxnChg chg="mod">
-          <ac:chgData name="Long Nguyen" userId="f59fb8f3-a021-417a-8bc1-65c8d471c621" providerId="ADAL" clId="{24BC78E0-AD37-BF4F-8E04-6828975F313B}" dt="2022-11-22T13:27:20.176" v="4115" actId="14100"/>
-          <ac:cxnSpMkLst>
-            <pc:docMk/>
-            <pc:sldMk cId="1645223167" sldId="348"/>
-            <ac:cxnSpMk id="11" creationId="{D0876692-EEB1-854F-1C57-F19444F62257}"/>
-          </ac:cxnSpMkLst>
-        </pc:cxnChg>
-        <pc:cxnChg chg="mod">
-          <ac:chgData name="Long Nguyen" userId="f59fb8f3-a021-417a-8bc1-65c8d471c621" providerId="ADAL" clId="{24BC78E0-AD37-BF4F-8E04-6828975F313B}" dt="2022-11-22T13:27:13.893" v="4112" actId="14100"/>
-          <ac:cxnSpMkLst>
-            <pc:docMk/>
-            <pc:sldMk cId="1645223167" sldId="348"/>
-            <ac:cxnSpMk id="14" creationId="{1842D776-97AC-D91C-679B-EA96117EA9E9}"/>
-          </ac:cxnSpMkLst>
-        </pc:cxnChg>
+      </pc:sldChg>
+    </pc:docChg>
+  </pc:docChgLst>
+  <pc:docChgLst>
+    <pc:chgData name="Long B Nguyen" userId="f59fb8f3-a021-417a-8bc1-65c8d471c621" providerId="ADAL" clId="{A3D41F2E-F718-0D48-9E9E-6F861B85D77A}"/>
+    <pc:docChg chg="modSld">
+      <pc:chgData name="Long B Nguyen" userId="f59fb8f3-a021-417a-8bc1-65c8d471c621" providerId="ADAL" clId="{A3D41F2E-F718-0D48-9E9E-6F861B85D77A}" dt="2023-11-27T14:51:48.236" v="0"/>
+      <pc:docMkLst>
+        <pc:docMk/>
+      </pc:docMkLst>
+      <pc:sldChg chg="modAnim">
+        <pc:chgData name="Long B Nguyen" userId="f59fb8f3-a021-417a-8bc1-65c8d471c621" providerId="ADAL" clId="{A3D41F2E-F718-0D48-9E9E-6F861B85D77A}" dt="2023-11-27T14:51:48.236" v="0"/>
+        <pc:sldMkLst>
+          <pc:docMk/>
+          <pc:sldMk cId="403449732" sldId="302"/>
+        </pc:sldMkLst>
+      </pc:sldChg>
+    </pc:docChg>
+  </pc:docChgLst>
+  <pc:docChgLst>
+    <pc:chgData name="Long B Nguyen" userId="f59fb8f3-a021-417a-8bc1-65c8d471c621" providerId="ADAL" clId="{03B59D2A-58F7-2C47-BB72-AE152660F162}"/>
+    <pc:docChg chg="addSld modSld">
+      <pc:chgData name="Long B Nguyen" userId="f59fb8f3-a021-417a-8bc1-65c8d471c621" providerId="ADAL" clId="{03B59D2A-58F7-2C47-BB72-AE152660F162}" dt="2021-06-05T16:01:06.129" v="84" actId="20577"/>
+      <pc:docMkLst>
+        <pc:docMk/>
+      </pc:docMkLst>
+      <pc:sldChg chg="modSp mod">
+        <pc:chgData name="Long B Nguyen" userId="f59fb8f3-a021-417a-8bc1-65c8d471c621" providerId="ADAL" clId="{03B59D2A-58F7-2C47-BB72-AE152660F162}" dt="2021-06-05T15:57:48.063" v="34" actId="1037"/>
+        <pc:sldMkLst>
+          <pc:docMk/>
+          <pc:sldMk cId="4247104139" sldId="256"/>
+        </pc:sldMkLst>
+      </pc:sldChg>
+      <pc:sldChg chg="modSp add mod">
+        <pc:chgData name="Long B Nguyen" userId="f59fb8f3-a021-417a-8bc1-65c8d471c621" providerId="ADAL" clId="{03B59D2A-58F7-2C47-BB72-AE152660F162}" dt="2021-06-05T16:00:22.832" v="50" actId="20577"/>
+        <pc:sldMkLst>
+          <pc:docMk/>
+          <pc:sldMk cId="403449732" sldId="302"/>
+        </pc:sldMkLst>
+      </pc:sldChg>
+      <pc:sldChg chg="modSp add mod">
+        <pc:chgData name="Long B Nguyen" userId="f59fb8f3-a021-417a-8bc1-65c8d471c621" providerId="ADAL" clId="{03B59D2A-58F7-2C47-BB72-AE152660F162}" dt="2021-06-05T16:00:47.158" v="66" actId="20577"/>
+        <pc:sldMkLst>
+          <pc:docMk/>
+          <pc:sldMk cId="370395365" sldId="306"/>
+        </pc:sldMkLst>
+      </pc:sldChg>
+      <pc:sldChg chg="modSp add mod">
+        <pc:chgData name="Long B Nguyen" userId="f59fb8f3-a021-417a-8bc1-65c8d471c621" providerId="ADAL" clId="{03B59D2A-58F7-2C47-BB72-AE152660F162}" dt="2021-06-05T16:01:06.129" v="84" actId="20577"/>
+        <pc:sldMkLst>
+          <pc:docMk/>
+          <pc:sldMk cId="224751101" sldId="307"/>
+        </pc:sldMkLst>
       </pc:sldChg>
     </pc:docChg>
   </pc:docChgLst>
@@ -1141,14 +360,6 @@
           <pc:docMk/>
           <pc:sldMk cId="4247104139" sldId="256"/>
         </pc:sldMkLst>
-        <pc:spChg chg="add mod">
-          <ac:chgData name="Long B Nguyen" userId="f59fb8f3-a021-417a-8bc1-65c8d471c621" providerId="ADAL" clId="{4F0F93AB-943A-FD4E-8DF3-2A5EF8EE30F9}" dt="2021-11-29T17:27:25.318" v="1"/>
-          <ac:spMkLst>
-            <pc:docMk/>
-            <pc:sldMk cId="4247104139" sldId="256"/>
-            <ac:spMk id="5" creationId="{B2BC8EC2-B682-6F4D-9E6C-B5FCC03B133E}"/>
-          </ac:spMkLst>
-        </pc:spChg>
       </pc:sldChg>
       <pc:sldChg chg="addSp modSp">
         <pc:chgData name="Long B Nguyen" userId="f59fb8f3-a021-417a-8bc1-65c8d471c621" providerId="ADAL" clId="{4F0F93AB-943A-FD4E-8DF3-2A5EF8EE30F9}" dt="2021-11-29T17:27:25.318" v="1"/>
@@ -1156,14 +367,6 @@
           <pc:docMk/>
           <pc:sldMk cId="403449732" sldId="302"/>
         </pc:sldMkLst>
-        <pc:spChg chg="add mod">
-          <ac:chgData name="Long B Nguyen" userId="f59fb8f3-a021-417a-8bc1-65c8d471c621" providerId="ADAL" clId="{4F0F93AB-943A-FD4E-8DF3-2A5EF8EE30F9}" dt="2021-11-29T17:27:25.318" v="1"/>
-          <ac:spMkLst>
-            <pc:docMk/>
-            <pc:sldMk cId="403449732" sldId="302"/>
-            <ac:spMk id="3" creationId="{B16612CE-F205-704B-A1A0-DA8AFE914EE0}"/>
-          </ac:spMkLst>
-        </pc:spChg>
       </pc:sldChg>
       <pc:sldChg chg="addSp modSp">
         <pc:chgData name="Long B Nguyen" userId="f59fb8f3-a021-417a-8bc1-65c8d471c621" providerId="ADAL" clId="{4F0F93AB-943A-FD4E-8DF3-2A5EF8EE30F9}" dt="2021-11-29T17:27:25.318" v="1"/>
@@ -1171,14 +374,6 @@
           <pc:docMk/>
           <pc:sldMk cId="370395365" sldId="306"/>
         </pc:sldMkLst>
-        <pc:spChg chg="add mod">
-          <ac:chgData name="Long B Nguyen" userId="f59fb8f3-a021-417a-8bc1-65c8d471c621" providerId="ADAL" clId="{4F0F93AB-943A-FD4E-8DF3-2A5EF8EE30F9}" dt="2021-11-29T17:27:25.318" v="1"/>
-          <ac:spMkLst>
-            <pc:docMk/>
-            <pc:sldMk cId="370395365" sldId="306"/>
-            <ac:spMk id="3" creationId="{079F9442-BDD5-664F-B683-5FEDE5D4DFC6}"/>
-          </ac:spMkLst>
-        </pc:spChg>
       </pc:sldChg>
       <pc:sldChg chg="addSp modSp">
         <pc:chgData name="Long B Nguyen" userId="f59fb8f3-a021-417a-8bc1-65c8d471c621" providerId="ADAL" clId="{4F0F93AB-943A-FD4E-8DF3-2A5EF8EE30F9}" dt="2021-11-29T17:27:25.318" v="1"/>
@@ -1186,14 +381,6 @@
           <pc:docMk/>
           <pc:sldMk cId="224751101" sldId="307"/>
         </pc:sldMkLst>
-        <pc:spChg chg="add mod">
-          <ac:chgData name="Long B Nguyen" userId="f59fb8f3-a021-417a-8bc1-65c8d471c621" providerId="ADAL" clId="{4F0F93AB-943A-FD4E-8DF3-2A5EF8EE30F9}" dt="2021-11-29T17:27:25.318" v="1"/>
-          <ac:spMkLst>
-            <pc:docMk/>
-            <pc:sldMk cId="224751101" sldId="307"/>
-            <ac:spMk id="3" creationId="{EBA6D9F6-F879-B64D-A123-E8BD5ADAF5FF}"/>
-          </ac:spMkLst>
-        </pc:spChg>
       </pc:sldChg>
       <pc:sldChg chg="addSp modSp">
         <pc:chgData name="Long B Nguyen" userId="f59fb8f3-a021-417a-8bc1-65c8d471c621" providerId="ADAL" clId="{4F0F93AB-943A-FD4E-8DF3-2A5EF8EE30F9}" dt="2021-11-29T17:27:25.318" v="1"/>
@@ -1201,14 +388,6 @@
           <pc:docMk/>
           <pc:sldMk cId="1452600724" sldId="316"/>
         </pc:sldMkLst>
-        <pc:spChg chg="add mod">
-          <ac:chgData name="Long B Nguyen" userId="f59fb8f3-a021-417a-8bc1-65c8d471c621" providerId="ADAL" clId="{4F0F93AB-943A-FD4E-8DF3-2A5EF8EE30F9}" dt="2021-11-29T17:27:25.318" v="1"/>
-          <ac:spMkLst>
-            <pc:docMk/>
-            <pc:sldMk cId="1452600724" sldId="316"/>
-            <ac:spMk id="3" creationId="{A6EC21DB-BE94-5A4E-B755-315F7F935D76}"/>
-          </ac:spMkLst>
-        </pc:spChg>
       </pc:sldChg>
       <pc:sldChg chg="addSp modSp">
         <pc:chgData name="Long B Nguyen" userId="f59fb8f3-a021-417a-8bc1-65c8d471c621" providerId="ADAL" clId="{4F0F93AB-943A-FD4E-8DF3-2A5EF8EE30F9}" dt="2021-11-29T17:27:25.318" v="1"/>
@@ -1216,14 +395,6 @@
           <pc:docMk/>
           <pc:sldMk cId="924617162" sldId="319"/>
         </pc:sldMkLst>
-        <pc:spChg chg="add mod">
-          <ac:chgData name="Long B Nguyen" userId="f59fb8f3-a021-417a-8bc1-65c8d471c621" providerId="ADAL" clId="{4F0F93AB-943A-FD4E-8DF3-2A5EF8EE30F9}" dt="2021-11-29T17:27:25.318" v="1"/>
-          <ac:spMkLst>
-            <pc:docMk/>
-            <pc:sldMk cId="924617162" sldId="319"/>
-            <ac:spMk id="3" creationId="{BDC2059B-C28B-4640-BA06-033C10FB8E3F}"/>
-          </ac:spMkLst>
-        </pc:spChg>
       </pc:sldChg>
       <pc:sldChg chg="addSp modSp">
         <pc:chgData name="Long B Nguyen" userId="f59fb8f3-a021-417a-8bc1-65c8d471c621" providerId="ADAL" clId="{4F0F93AB-943A-FD4E-8DF3-2A5EF8EE30F9}" dt="2021-11-29T17:27:25.318" v="1"/>
@@ -1231,14 +402,6 @@
           <pc:docMk/>
           <pc:sldMk cId="3758830494" sldId="320"/>
         </pc:sldMkLst>
-        <pc:spChg chg="add mod">
-          <ac:chgData name="Long B Nguyen" userId="f59fb8f3-a021-417a-8bc1-65c8d471c621" providerId="ADAL" clId="{4F0F93AB-943A-FD4E-8DF3-2A5EF8EE30F9}" dt="2021-11-29T17:27:25.318" v="1"/>
-          <ac:spMkLst>
-            <pc:docMk/>
-            <pc:sldMk cId="3758830494" sldId="320"/>
-            <ac:spMk id="3" creationId="{E2921E85-92BD-2245-8705-A9D236339CAB}"/>
-          </ac:spMkLst>
-        </pc:spChg>
       </pc:sldChg>
       <pc:sldChg chg="addSp modSp">
         <pc:chgData name="Long B Nguyen" userId="f59fb8f3-a021-417a-8bc1-65c8d471c621" providerId="ADAL" clId="{4F0F93AB-943A-FD4E-8DF3-2A5EF8EE30F9}" dt="2021-11-29T17:27:25.318" v="1"/>
@@ -1246,14 +409,6 @@
           <pc:docMk/>
           <pc:sldMk cId="1022945305" sldId="321"/>
         </pc:sldMkLst>
-        <pc:spChg chg="add mod">
-          <ac:chgData name="Long B Nguyen" userId="f59fb8f3-a021-417a-8bc1-65c8d471c621" providerId="ADAL" clId="{4F0F93AB-943A-FD4E-8DF3-2A5EF8EE30F9}" dt="2021-11-29T17:27:25.318" v="1"/>
-          <ac:spMkLst>
-            <pc:docMk/>
-            <pc:sldMk cId="1022945305" sldId="321"/>
-            <ac:spMk id="4" creationId="{D9791036-EBBC-1043-9CA9-F3A064B804DF}"/>
-          </ac:spMkLst>
-        </pc:spChg>
       </pc:sldChg>
       <pc:sldChg chg="addSp modSp">
         <pc:chgData name="Long B Nguyen" userId="f59fb8f3-a021-417a-8bc1-65c8d471c621" providerId="ADAL" clId="{4F0F93AB-943A-FD4E-8DF3-2A5EF8EE30F9}" dt="2021-11-29T18:28:05.398" v="9"/>
@@ -1261,22 +416,6 @@
           <pc:docMk/>
           <pc:sldMk cId="3456840474" sldId="322"/>
         </pc:sldMkLst>
-        <pc:spChg chg="add mod">
-          <ac:chgData name="Long B Nguyen" userId="f59fb8f3-a021-417a-8bc1-65c8d471c621" providerId="ADAL" clId="{4F0F93AB-943A-FD4E-8DF3-2A5EF8EE30F9}" dt="2021-11-29T17:27:25.318" v="1"/>
-          <ac:spMkLst>
-            <pc:docMk/>
-            <pc:sldMk cId="3456840474" sldId="322"/>
-            <ac:spMk id="3" creationId="{CC2FA81F-03BB-8F4F-850A-A518C2411A1F}"/>
-          </ac:spMkLst>
-        </pc:spChg>
-        <pc:spChg chg="mod">
-          <ac:chgData name="Long B Nguyen" userId="f59fb8f3-a021-417a-8bc1-65c8d471c621" providerId="ADAL" clId="{4F0F93AB-943A-FD4E-8DF3-2A5EF8EE30F9}" dt="2021-11-29T18:28:05.398" v="9"/>
-          <ac:spMkLst>
-            <pc:docMk/>
-            <pc:sldMk cId="3456840474" sldId="322"/>
-            <ac:spMk id="9" creationId="{E3B2E017-30B2-884B-A113-B419A2ED51AD}"/>
-          </ac:spMkLst>
-        </pc:spChg>
       </pc:sldChg>
       <pc:sldChg chg="addSp modSp">
         <pc:chgData name="Long B Nguyen" userId="f59fb8f3-a021-417a-8bc1-65c8d471c621" providerId="ADAL" clId="{4F0F93AB-943A-FD4E-8DF3-2A5EF8EE30F9}" dt="2021-11-29T18:28:27.791" v="12" actId="207"/>
@@ -1284,22 +423,6 @@
           <pc:docMk/>
           <pc:sldMk cId="1062075874" sldId="323"/>
         </pc:sldMkLst>
-        <pc:spChg chg="add mod">
-          <ac:chgData name="Long B Nguyen" userId="f59fb8f3-a021-417a-8bc1-65c8d471c621" providerId="ADAL" clId="{4F0F93AB-943A-FD4E-8DF3-2A5EF8EE30F9}" dt="2021-11-29T17:27:25.318" v="1"/>
-          <ac:spMkLst>
-            <pc:docMk/>
-            <pc:sldMk cId="1062075874" sldId="323"/>
-            <ac:spMk id="3" creationId="{E6BB2C50-2D6D-3845-88A0-760C2F31B7F1}"/>
-          </ac:spMkLst>
-        </pc:spChg>
-        <pc:spChg chg="mod">
-          <ac:chgData name="Long B Nguyen" userId="f59fb8f3-a021-417a-8bc1-65c8d471c621" providerId="ADAL" clId="{4F0F93AB-943A-FD4E-8DF3-2A5EF8EE30F9}" dt="2021-11-29T18:28:27.791" v="12" actId="207"/>
-          <ac:spMkLst>
-            <pc:docMk/>
-            <pc:sldMk cId="1062075874" sldId="323"/>
-            <ac:spMk id="9" creationId="{E3B2E017-30B2-884B-A113-B419A2ED51AD}"/>
-          </ac:spMkLst>
-        </pc:spChg>
       </pc:sldChg>
       <pc:sldChg chg="addSp modSp">
         <pc:chgData name="Long B Nguyen" userId="f59fb8f3-a021-417a-8bc1-65c8d471c621" providerId="ADAL" clId="{4F0F93AB-943A-FD4E-8DF3-2A5EF8EE30F9}" dt="2021-11-29T17:27:25.318" v="1"/>
@@ -1307,14 +430,6 @@
           <pc:docMk/>
           <pc:sldMk cId="1310010799" sldId="324"/>
         </pc:sldMkLst>
-        <pc:spChg chg="add mod">
-          <ac:chgData name="Long B Nguyen" userId="f59fb8f3-a021-417a-8bc1-65c8d471c621" providerId="ADAL" clId="{4F0F93AB-943A-FD4E-8DF3-2A5EF8EE30F9}" dt="2021-11-29T17:27:25.318" v="1"/>
-          <ac:spMkLst>
-            <pc:docMk/>
-            <pc:sldMk cId="1310010799" sldId="324"/>
-            <ac:spMk id="3" creationId="{FF1B6A0E-7C7A-634F-BD13-8643F7F1AE4F}"/>
-          </ac:spMkLst>
-        </pc:spChg>
       </pc:sldChg>
       <pc:sldChg chg="addSp modSp">
         <pc:chgData name="Long B Nguyen" userId="f59fb8f3-a021-417a-8bc1-65c8d471c621" providerId="ADAL" clId="{4F0F93AB-943A-FD4E-8DF3-2A5EF8EE30F9}" dt="2021-11-29T17:27:25.318" v="1"/>
@@ -1322,14 +437,6 @@
           <pc:docMk/>
           <pc:sldMk cId="451405738" sldId="325"/>
         </pc:sldMkLst>
-        <pc:spChg chg="add mod">
-          <ac:chgData name="Long B Nguyen" userId="f59fb8f3-a021-417a-8bc1-65c8d471c621" providerId="ADAL" clId="{4F0F93AB-943A-FD4E-8DF3-2A5EF8EE30F9}" dt="2021-11-29T17:27:25.318" v="1"/>
-          <ac:spMkLst>
-            <pc:docMk/>
-            <pc:sldMk cId="451405738" sldId="325"/>
-            <ac:spMk id="3" creationId="{72F8AA9C-740A-0B4D-9AD6-D531DA9B9312}"/>
-          </ac:spMkLst>
-        </pc:spChg>
       </pc:sldChg>
       <pc:sldChg chg="addSp modSp">
         <pc:chgData name="Long B Nguyen" userId="f59fb8f3-a021-417a-8bc1-65c8d471c621" providerId="ADAL" clId="{4F0F93AB-943A-FD4E-8DF3-2A5EF8EE30F9}" dt="2021-11-29T18:27:05.725" v="3" actId="207"/>
@@ -1337,22 +444,6 @@
           <pc:docMk/>
           <pc:sldMk cId="1724104636" sldId="327"/>
         </pc:sldMkLst>
-        <pc:spChg chg="add mod">
-          <ac:chgData name="Long B Nguyen" userId="f59fb8f3-a021-417a-8bc1-65c8d471c621" providerId="ADAL" clId="{4F0F93AB-943A-FD4E-8DF3-2A5EF8EE30F9}" dt="2021-11-29T17:27:25.318" v="1"/>
-          <ac:spMkLst>
-            <pc:docMk/>
-            <pc:sldMk cId="1724104636" sldId="327"/>
-            <ac:spMk id="3" creationId="{BCC2F645-119F-024F-873B-D01338AB7CFC}"/>
-          </ac:spMkLst>
-        </pc:spChg>
-        <pc:spChg chg="mod">
-          <ac:chgData name="Long B Nguyen" userId="f59fb8f3-a021-417a-8bc1-65c8d471c621" providerId="ADAL" clId="{4F0F93AB-943A-FD4E-8DF3-2A5EF8EE30F9}" dt="2021-11-29T18:27:05.725" v="3" actId="207"/>
-          <ac:spMkLst>
-            <pc:docMk/>
-            <pc:sldMk cId="1724104636" sldId="327"/>
-            <ac:spMk id="9" creationId="{E3B2E017-30B2-884B-A113-B419A2ED51AD}"/>
-          </ac:spMkLst>
-        </pc:spChg>
       </pc:sldChg>
       <pc:sldChg chg="addSp modSp">
         <pc:chgData name="Long B Nguyen" userId="f59fb8f3-a021-417a-8bc1-65c8d471c621" providerId="ADAL" clId="{4F0F93AB-943A-FD4E-8DF3-2A5EF8EE30F9}" dt="2021-11-29T17:27:25.318" v="1"/>
@@ -1360,14 +451,6 @@
           <pc:docMk/>
           <pc:sldMk cId="3894299887" sldId="328"/>
         </pc:sldMkLst>
-        <pc:spChg chg="add mod">
-          <ac:chgData name="Long B Nguyen" userId="f59fb8f3-a021-417a-8bc1-65c8d471c621" providerId="ADAL" clId="{4F0F93AB-943A-FD4E-8DF3-2A5EF8EE30F9}" dt="2021-11-29T17:27:25.318" v="1"/>
-          <ac:spMkLst>
-            <pc:docMk/>
-            <pc:sldMk cId="3894299887" sldId="328"/>
-            <ac:spMk id="3" creationId="{08CC6065-403A-EE41-909D-293639D20DA3}"/>
-          </ac:spMkLst>
-        </pc:spChg>
       </pc:sldChg>
       <pc:sldChg chg="addSp modSp">
         <pc:chgData name="Long B Nguyen" userId="f59fb8f3-a021-417a-8bc1-65c8d471c621" providerId="ADAL" clId="{4F0F93AB-943A-FD4E-8DF3-2A5EF8EE30F9}" dt="2021-11-29T18:27:56.570" v="8" actId="207"/>
@@ -1375,22 +458,6 @@
           <pc:docMk/>
           <pc:sldMk cId="4294143140" sldId="329"/>
         </pc:sldMkLst>
-        <pc:spChg chg="add mod">
-          <ac:chgData name="Long B Nguyen" userId="f59fb8f3-a021-417a-8bc1-65c8d471c621" providerId="ADAL" clId="{4F0F93AB-943A-FD4E-8DF3-2A5EF8EE30F9}" dt="2021-11-29T17:27:25.318" v="1"/>
-          <ac:spMkLst>
-            <pc:docMk/>
-            <pc:sldMk cId="4294143140" sldId="329"/>
-            <ac:spMk id="3" creationId="{EC90FA93-9BA3-C942-ADC3-F78FED46447E}"/>
-          </ac:spMkLst>
-        </pc:spChg>
-        <pc:spChg chg="mod">
-          <ac:chgData name="Long B Nguyen" userId="f59fb8f3-a021-417a-8bc1-65c8d471c621" providerId="ADAL" clId="{4F0F93AB-943A-FD4E-8DF3-2A5EF8EE30F9}" dt="2021-11-29T18:27:56.570" v="8" actId="207"/>
-          <ac:spMkLst>
-            <pc:docMk/>
-            <pc:sldMk cId="4294143140" sldId="329"/>
-            <ac:spMk id="9" creationId="{E3B2E017-30B2-884B-A113-B419A2ED51AD}"/>
-          </ac:spMkLst>
-        </pc:spChg>
       </pc:sldChg>
       <pc:sldChg chg="addSp modSp">
         <pc:chgData name="Long B Nguyen" userId="f59fb8f3-a021-417a-8bc1-65c8d471c621" providerId="ADAL" clId="{4F0F93AB-943A-FD4E-8DF3-2A5EF8EE30F9}" dt="2021-11-29T18:27:19.949" v="4"/>
@@ -1398,22 +465,6 @@
           <pc:docMk/>
           <pc:sldMk cId="3594730708" sldId="330"/>
         </pc:sldMkLst>
-        <pc:spChg chg="add mod">
-          <ac:chgData name="Long B Nguyen" userId="f59fb8f3-a021-417a-8bc1-65c8d471c621" providerId="ADAL" clId="{4F0F93AB-943A-FD4E-8DF3-2A5EF8EE30F9}" dt="2021-11-29T17:27:25.318" v="1"/>
-          <ac:spMkLst>
-            <pc:docMk/>
-            <pc:sldMk cId="3594730708" sldId="330"/>
-            <ac:spMk id="3" creationId="{93848D8B-7F38-C24B-9E96-0219B9F33CC1}"/>
-          </ac:spMkLst>
-        </pc:spChg>
-        <pc:spChg chg="mod">
-          <ac:chgData name="Long B Nguyen" userId="f59fb8f3-a021-417a-8bc1-65c8d471c621" providerId="ADAL" clId="{4F0F93AB-943A-FD4E-8DF3-2A5EF8EE30F9}" dt="2021-11-29T18:27:19.949" v="4"/>
-          <ac:spMkLst>
-            <pc:docMk/>
-            <pc:sldMk cId="3594730708" sldId="330"/>
-            <ac:spMk id="9" creationId="{E3B2E017-30B2-884B-A113-B419A2ED51AD}"/>
-          </ac:spMkLst>
-        </pc:spChg>
       </pc:sldChg>
       <pc:sldChg chg="addSp modSp">
         <pc:chgData name="Long B Nguyen" userId="f59fb8f3-a021-417a-8bc1-65c8d471c621" providerId="ADAL" clId="{4F0F93AB-943A-FD4E-8DF3-2A5EF8EE30F9}" dt="2021-11-29T17:27:25.318" v="1"/>
@@ -1421,14 +472,6 @@
           <pc:docMk/>
           <pc:sldMk cId="1712009111" sldId="331"/>
         </pc:sldMkLst>
-        <pc:spChg chg="add mod">
-          <ac:chgData name="Long B Nguyen" userId="f59fb8f3-a021-417a-8bc1-65c8d471c621" providerId="ADAL" clId="{4F0F93AB-943A-FD4E-8DF3-2A5EF8EE30F9}" dt="2021-11-29T17:27:25.318" v="1"/>
-          <ac:spMkLst>
-            <pc:docMk/>
-            <pc:sldMk cId="1712009111" sldId="331"/>
-            <ac:spMk id="3" creationId="{71A391CE-3106-A64C-86FD-38D7AFDB1446}"/>
-          </ac:spMkLst>
-        </pc:spChg>
       </pc:sldChg>
       <pc:sldChg chg="addSp modSp">
         <pc:chgData name="Long B Nguyen" userId="f59fb8f3-a021-417a-8bc1-65c8d471c621" providerId="ADAL" clId="{4F0F93AB-943A-FD4E-8DF3-2A5EF8EE30F9}" dt="2021-11-29T18:28:50.780" v="14" actId="207"/>
@@ -1436,22 +479,6 @@
           <pc:docMk/>
           <pc:sldMk cId="3124353102" sldId="332"/>
         </pc:sldMkLst>
-        <pc:spChg chg="add mod">
-          <ac:chgData name="Long B Nguyen" userId="f59fb8f3-a021-417a-8bc1-65c8d471c621" providerId="ADAL" clId="{4F0F93AB-943A-FD4E-8DF3-2A5EF8EE30F9}" dt="2021-11-29T17:27:25.318" v="1"/>
-          <ac:spMkLst>
-            <pc:docMk/>
-            <pc:sldMk cId="3124353102" sldId="332"/>
-            <ac:spMk id="3" creationId="{393B07D7-C9D9-954D-97C6-2A5FB5603F99}"/>
-          </ac:spMkLst>
-        </pc:spChg>
-        <pc:spChg chg="mod">
-          <ac:chgData name="Long B Nguyen" userId="f59fb8f3-a021-417a-8bc1-65c8d471c621" providerId="ADAL" clId="{4F0F93AB-943A-FD4E-8DF3-2A5EF8EE30F9}" dt="2021-11-29T18:28:50.780" v="14" actId="207"/>
-          <ac:spMkLst>
-            <pc:docMk/>
-            <pc:sldMk cId="3124353102" sldId="332"/>
-            <ac:spMk id="9" creationId="{E3B2E017-30B2-884B-A113-B419A2ED51AD}"/>
-          </ac:spMkLst>
-        </pc:spChg>
       </pc:sldChg>
       <pc:sldChg chg="addSp modSp modAnim">
         <pc:chgData name="Long B Nguyen" userId="f59fb8f3-a021-417a-8bc1-65c8d471c621" providerId="ADAL" clId="{4F0F93AB-943A-FD4E-8DF3-2A5EF8EE30F9}" dt="2021-11-29T17:27:25.318" v="1"/>
@@ -1459,14 +486,6 @@
           <pc:docMk/>
           <pc:sldMk cId="2023389722" sldId="333"/>
         </pc:sldMkLst>
-        <pc:spChg chg="add mod">
-          <ac:chgData name="Long B Nguyen" userId="f59fb8f3-a021-417a-8bc1-65c8d471c621" providerId="ADAL" clId="{4F0F93AB-943A-FD4E-8DF3-2A5EF8EE30F9}" dt="2021-11-29T17:27:25.318" v="1"/>
-          <ac:spMkLst>
-            <pc:docMk/>
-            <pc:sldMk cId="2023389722" sldId="333"/>
-            <ac:spMk id="3" creationId="{3EA68713-CEA0-764E-8333-024802A96FE5}"/>
-          </ac:spMkLst>
-        </pc:spChg>
       </pc:sldChg>
       <pc:sldChg chg="addSp modSp">
         <pc:chgData name="Long B Nguyen" userId="f59fb8f3-a021-417a-8bc1-65c8d471c621" providerId="ADAL" clId="{4F0F93AB-943A-FD4E-8DF3-2A5EF8EE30F9}" dt="2021-11-29T17:27:25.318" v="1"/>
@@ -1474,14 +493,6 @@
           <pc:docMk/>
           <pc:sldMk cId="1330680031" sldId="334"/>
         </pc:sldMkLst>
-        <pc:spChg chg="add mod">
-          <ac:chgData name="Long B Nguyen" userId="f59fb8f3-a021-417a-8bc1-65c8d471c621" providerId="ADAL" clId="{4F0F93AB-943A-FD4E-8DF3-2A5EF8EE30F9}" dt="2021-11-29T17:27:25.318" v="1"/>
-          <ac:spMkLst>
-            <pc:docMk/>
-            <pc:sldMk cId="1330680031" sldId="334"/>
-            <ac:spMk id="4" creationId="{9D9AD293-8923-2F42-8581-E79C1EA45B01}"/>
-          </ac:spMkLst>
-        </pc:spChg>
       </pc:sldChg>
       <pc:sldChg chg="addSp modSp">
         <pc:chgData name="Long B Nguyen" userId="f59fb8f3-a021-417a-8bc1-65c8d471c621" providerId="ADAL" clId="{4F0F93AB-943A-FD4E-8DF3-2A5EF8EE30F9}" dt="2021-11-29T17:27:25.318" v="1"/>
@@ -1489,14 +500,6 @@
           <pc:docMk/>
           <pc:sldMk cId="1205733451" sldId="335"/>
         </pc:sldMkLst>
-        <pc:spChg chg="add mod">
-          <ac:chgData name="Long B Nguyen" userId="f59fb8f3-a021-417a-8bc1-65c8d471c621" providerId="ADAL" clId="{4F0F93AB-943A-FD4E-8DF3-2A5EF8EE30F9}" dt="2021-11-29T17:27:25.318" v="1"/>
-          <ac:spMkLst>
-            <pc:docMk/>
-            <pc:sldMk cId="1205733451" sldId="335"/>
-            <ac:spMk id="3" creationId="{3690ACAD-D471-614E-9143-D07140CF8606}"/>
-          </ac:spMkLst>
-        </pc:spChg>
       </pc:sldChg>
       <pc:sldChg chg="modSp add mod">
         <pc:chgData name="Long B Nguyen" userId="f59fb8f3-a021-417a-8bc1-65c8d471c621" providerId="ADAL" clId="{4F0F93AB-943A-FD4E-8DF3-2A5EF8EE30F9}" dt="2021-11-29T19:06:07.156" v="159" actId="20577"/>
@@ -1504,22 +507,6 @@
           <pc:docMk/>
           <pc:sldMk cId="3536550318" sldId="336"/>
         </pc:sldMkLst>
-        <pc:spChg chg="mod">
-          <ac:chgData name="Long B Nguyen" userId="f59fb8f3-a021-417a-8bc1-65c8d471c621" providerId="ADAL" clId="{4F0F93AB-943A-FD4E-8DF3-2A5EF8EE30F9}" dt="2021-11-29T18:30:44.780" v="42" actId="20577"/>
-          <ac:spMkLst>
-            <pc:docMk/>
-            <pc:sldMk cId="3536550318" sldId="336"/>
-            <ac:spMk id="2" creationId="{AA3A228F-61D0-D949-A5E7-F83756230BF8}"/>
-          </ac:spMkLst>
-        </pc:spChg>
-        <pc:spChg chg="mod">
-          <ac:chgData name="Long B Nguyen" userId="f59fb8f3-a021-417a-8bc1-65c8d471c621" providerId="ADAL" clId="{4F0F93AB-943A-FD4E-8DF3-2A5EF8EE30F9}" dt="2021-11-29T19:06:07.156" v="159" actId="20577"/>
-          <ac:spMkLst>
-            <pc:docMk/>
-            <pc:sldMk cId="3536550318" sldId="336"/>
-            <ac:spMk id="9" creationId="{E3B2E017-30B2-884B-A113-B419A2ED51AD}"/>
-          </ac:spMkLst>
-        </pc:spChg>
       </pc:sldChg>
       <pc:sldChg chg="modSp add mod modAnim">
         <pc:chgData name="Long B Nguyen" userId="f59fb8f3-a021-417a-8bc1-65c8d471c621" providerId="ADAL" clId="{4F0F93AB-943A-FD4E-8DF3-2A5EF8EE30F9}" dt="2021-11-29T18:33:31.535" v="151" actId="1036"/>
@@ -1527,22 +514,22 @@
           <pc:docMk/>
           <pc:sldMk cId="278063722" sldId="337"/>
         </pc:sldMkLst>
-        <pc:spChg chg="mod">
-          <ac:chgData name="Long B Nguyen" userId="f59fb8f3-a021-417a-8bc1-65c8d471c621" providerId="ADAL" clId="{4F0F93AB-943A-FD4E-8DF3-2A5EF8EE30F9}" dt="2021-11-29T18:33:31.535" v="151" actId="1036"/>
-          <ac:spMkLst>
-            <pc:docMk/>
-            <pc:sldMk cId="278063722" sldId="337"/>
-            <ac:spMk id="3" creationId="{48DA4FF1-142A-6D44-9986-344D8D8232A1}"/>
-          </ac:spMkLst>
-        </pc:spChg>
-        <pc:spChg chg="mod">
-          <ac:chgData name="Long B Nguyen" userId="f59fb8f3-a021-417a-8bc1-65c8d471c621" providerId="ADAL" clId="{4F0F93AB-943A-FD4E-8DF3-2A5EF8EE30F9}" dt="2021-11-29T18:33:26.464" v="139" actId="20577"/>
-          <ac:spMkLst>
-            <pc:docMk/>
-            <pc:sldMk cId="278063722" sldId="337"/>
-            <ac:spMk id="9" creationId="{E3B2E017-30B2-884B-A113-B419A2ED51AD}"/>
-          </ac:spMkLst>
-        </pc:spChg>
+      </pc:sldChg>
+    </pc:docChg>
+  </pc:docChgLst>
+  <pc:docChgLst>
+    <pc:chgData name="Long B Nguyen" userId="f59fb8f3-a021-417a-8bc1-65c8d471c621" providerId="ADAL" clId="{B5860C40-AA08-4447-A918-2D2782E0FC0B}"/>
+    <pc:docChg chg="delSld modSld">
+      <pc:chgData name="Long B Nguyen" userId="f59fb8f3-a021-417a-8bc1-65c8d471c621" providerId="ADAL" clId="{B5860C40-AA08-4447-A918-2D2782E0FC0B}" dt="2019-09-16T13:59:20.091" v="35" actId="2696"/>
+      <pc:docMkLst>
+        <pc:docMk/>
+      </pc:docMkLst>
+      <pc:sldChg chg="modSp">
+        <pc:chgData name="Long B Nguyen" userId="f59fb8f3-a021-417a-8bc1-65c8d471c621" providerId="ADAL" clId="{B5860C40-AA08-4447-A918-2D2782E0FC0B}" dt="2019-09-16T13:58:36.640" v="18" actId="20577"/>
+        <pc:sldMkLst>
+          <pc:docMk/>
+          <pc:sldMk cId="4247104139" sldId="256"/>
+        </pc:sldMkLst>
       </pc:sldChg>
     </pc:docChg>
   </pc:docChgLst>
@@ -1559,14 +546,6 @@
           <pc:docMk/>
           <pc:sldMk cId="4247104139" sldId="256"/>
         </pc:sldMkLst>
-        <pc:spChg chg="mod">
-          <ac:chgData name="Long B Nguyen" userId="f59fb8f3-a021-417a-8bc1-65c8d471c621" providerId="ADAL" clId="{A54A5039-9BC6-1548-AC61-7314DB675A9D}" dt="2019-09-25T14:17:33.020" v="2843" actId="20577"/>
-          <ac:spMkLst>
-            <pc:docMk/>
-            <pc:sldMk cId="4247104139" sldId="256"/>
-            <ac:spMk id="3" creationId="{1BDC47C8-6776-7B44-9CD4-95FC91452D62}"/>
-          </ac:spMkLst>
-        </pc:spChg>
       </pc:sldChg>
       <pc:sldChg chg="modSp modAnim">
         <pc:chgData name="Long B Nguyen" userId="f59fb8f3-a021-417a-8bc1-65c8d471c621" providerId="ADAL" clId="{A54A5039-9BC6-1548-AC61-7314DB675A9D}" dt="2019-09-24T11:45:26.007" v="2185" actId="20577"/>
@@ -1574,22 +553,6 @@
           <pc:docMk/>
           <pc:sldMk cId="1438711869" sldId="284"/>
         </pc:sldMkLst>
-        <pc:spChg chg="mod">
-          <ac:chgData name="Long B Nguyen" userId="f59fb8f3-a021-417a-8bc1-65c8d471c621" providerId="ADAL" clId="{A54A5039-9BC6-1548-AC61-7314DB675A9D}" dt="2019-09-24T11:43:23.898" v="2145" actId="20577"/>
-          <ac:spMkLst>
-            <pc:docMk/>
-            <pc:sldMk cId="1438711869" sldId="284"/>
-            <ac:spMk id="2" creationId="{AA3A228F-61D0-D949-A5E7-F83756230BF8}"/>
-          </ac:spMkLst>
-        </pc:spChg>
-        <pc:spChg chg="mod">
-          <ac:chgData name="Long B Nguyen" userId="f59fb8f3-a021-417a-8bc1-65c8d471c621" providerId="ADAL" clId="{A54A5039-9BC6-1548-AC61-7314DB675A9D}" dt="2019-09-24T11:45:26.007" v="2185" actId="20577"/>
-          <ac:spMkLst>
-            <pc:docMk/>
-            <pc:sldMk cId="1438711869" sldId="284"/>
-            <ac:spMk id="9" creationId="{E3B2E017-30B2-884B-A113-B419A2ED51AD}"/>
-          </ac:spMkLst>
-        </pc:spChg>
       </pc:sldChg>
       <pc:sldChg chg="modSp">
         <pc:chgData name="Long B Nguyen" userId="f59fb8f3-a021-417a-8bc1-65c8d471c621" providerId="ADAL" clId="{A54A5039-9BC6-1548-AC61-7314DB675A9D}" dt="2019-09-19T14:18:56.959" v="28" actId="20577"/>
@@ -1597,14 +560,6 @@
           <pc:docMk/>
           <pc:sldMk cId="131840209" sldId="286"/>
         </pc:sldMkLst>
-        <pc:spChg chg="mod">
-          <ac:chgData name="Long B Nguyen" userId="f59fb8f3-a021-417a-8bc1-65c8d471c621" providerId="ADAL" clId="{A54A5039-9BC6-1548-AC61-7314DB675A9D}" dt="2019-09-19T14:18:56.959" v="28" actId="20577"/>
-          <ac:spMkLst>
-            <pc:docMk/>
-            <pc:sldMk cId="131840209" sldId="286"/>
-            <ac:spMk id="9" creationId="{E3B2E017-30B2-884B-A113-B419A2ED51AD}"/>
-          </ac:spMkLst>
-        </pc:spChg>
       </pc:sldChg>
       <pc:sldChg chg="modSp add del modAnim">
         <pc:chgData name="Long B Nguyen" userId="f59fb8f3-a021-417a-8bc1-65c8d471c621" providerId="ADAL" clId="{A54A5039-9BC6-1548-AC61-7314DB675A9D}" dt="2019-09-24T11:43:26.738" v="2146" actId="2696"/>
@@ -1612,14 +567,6 @@
           <pc:docMk/>
           <pc:sldMk cId="3439768680" sldId="294"/>
         </pc:sldMkLst>
-        <pc:spChg chg="mod">
-          <ac:chgData name="Long B Nguyen" userId="f59fb8f3-a021-417a-8bc1-65c8d471c621" providerId="ADAL" clId="{A54A5039-9BC6-1548-AC61-7314DB675A9D}" dt="2019-09-24T11:40:12.100" v="2004"/>
-          <ac:spMkLst>
-            <pc:docMk/>
-            <pc:sldMk cId="3439768680" sldId="294"/>
-            <ac:spMk id="40963" creationId="{66AA56B3-AB86-6341-92AC-3BDB5774CCA3}"/>
-          </ac:spMkLst>
-        </pc:spChg>
       </pc:sldChg>
       <pc:sldChg chg="addSp modSp modAnim">
         <pc:chgData name="Long B Nguyen" userId="f59fb8f3-a021-417a-8bc1-65c8d471c621" providerId="ADAL" clId="{A54A5039-9BC6-1548-AC61-7314DB675A9D}" dt="2019-09-23T12:04:10.373" v="1911"/>
@@ -1627,30 +574,6 @@
           <pc:docMk/>
           <pc:sldMk cId="1816941262" sldId="295"/>
         </pc:sldMkLst>
-        <pc:spChg chg="add mod">
-          <ac:chgData name="Long B Nguyen" userId="f59fb8f3-a021-417a-8bc1-65c8d471c621" providerId="ADAL" clId="{A54A5039-9BC6-1548-AC61-7314DB675A9D}" dt="2019-09-23T12:03:30.239" v="1901" actId="1076"/>
-          <ac:spMkLst>
-            <pc:docMk/>
-            <pc:sldMk cId="1816941262" sldId="295"/>
-            <ac:spMk id="3" creationId="{53AD888D-2F6F-BB43-86CA-1A3B376061A2}"/>
-          </ac:spMkLst>
-        </pc:spChg>
-        <pc:spChg chg="mod">
-          <ac:chgData name="Long B Nguyen" userId="f59fb8f3-a021-417a-8bc1-65c8d471c621" providerId="ADAL" clId="{A54A5039-9BC6-1548-AC61-7314DB675A9D}" dt="2019-09-23T11:58:12.789" v="1765" actId="20577"/>
-          <ac:spMkLst>
-            <pc:docMk/>
-            <pc:sldMk cId="1816941262" sldId="295"/>
-            <ac:spMk id="9" creationId="{E3B2E017-30B2-884B-A113-B419A2ED51AD}"/>
-          </ac:spMkLst>
-        </pc:spChg>
-        <pc:cxnChg chg="add mod">
-          <ac:chgData name="Long B Nguyen" userId="f59fb8f3-a021-417a-8bc1-65c8d471c621" providerId="ADAL" clId="{A54A5039-9BC6-1548-AC61-7314DB675A9D}" dt="2019-09-23T12:03:49.489" v="1909" actId="692"/>
-          <ac:cxnSpMkLst>
-            <pc:docMk/>
-            <pc:sldMk cId="1816941262" sldId="295"/>
-            <ac:cxnSpMk id="5" creationId="{0FA56ED4-EC25-B14C-B73E-DC4E17ADBF86}"/>
-          </ac:cxnSpMkLst>
-        </pc:cxnChg>
       </pc:sldChg>
       <pc:sldChg chg="modSp modAnim">
         <pc:chgData name="Long B Nguyen" userId="f59fb8f3-a021-417a-8bc1-65c8d471c621" providerId="ADAL" clId="{A54A5039-9BC6-1548-AC61-7314DB675A9D}" dt="2019-09-23T11:59:17.508" v="1794"/>
@@ -1658,14 +581,6 @@
           <pc:docMk/>
           <pc:sldMk cId="553003360" sldId="296"/>
         </pc:sldMkLst>
-        <pc:spChg chg="mod">
-          <ac:chgData name="Long B Nguyen" userId="f59fb8f3-a021-417a-8bc1-65c8d471c621" providerId="ADAL" clId="{A54A5039-9BC6-1548-AC61-7314DB675A9D}" dt="2019-09-23T11:59:10.982" v="1792" actId="20577"/>
-          <ac:spMkLst>
-            <pc:docMk/>
-            <pc:sldMk cId="553003360" sldId="296"/>
-            <ac:spMk id="9" creationId="{E3B2E017-30B2-884B-A113-B419A2ED51AD}"/>
-          </ac:spMkLst>
-        </pc:spChg>
       </pc:sldChg>
       <pc:sldChg chg="modSp modAnim">
         <pc:chgData name="Long B Nguyen" userId="f59fb8f3-a021-417a-8bc1-65c8d471c621" providerId="ADAL" clId="{A54A5039-9BC6-1548-AC61-7314DB675A9D}" dt="2019-09-23T11:59:34.632" v="1798"/>
@@ -1673,14 +588,6 @@
           <pc:docMk/>
           <pc:sldMk cId="3006175481" sldId="297"/>
         </pc:sldMkLst>
-        <pc:spChg chg="mod">
-          <ac:chgData name="Long B Nguyen" userId="f59fb8f3-a021-417a-8bc1-65c8d471c621" providerId="ADAL" clId="{A54A5039-9BC6-1548-AC61-7314DB675A9D}" dt="2019-09-23T11:59:28.174" v="1796" actId="20577"/>
-          <ac:spMkLst>
-            <pc:docMk/>
-            <pc:sldMk cId="3006175481" sldId="297"/>
-            <ac:spMk id="9" creationId="{E3B2E017-30B2-884B-A113-B419A2ED51AD}"/>
-          </ac:spMkLst>
-        </pc:spChg>
       </pc:sldChg>
       <pc:sldChg chg="modSp modAnim">
         <pc:chgData name="Long B Nguyen" userId="f59fb8f3-a021-417a-8bc1-65c8d471c621" providerId="ADAL" clId="{A54A5039-9BC6-1548-AC61-7314DB675A9D}" dt="2019-09-23T12:06:41.861" v="1992"/>
@@ -1688,14 +595,6 @@
           <pc:docMk/>
           <pc:sldMk cId="3150557076" sldId="298"/>
         </pc:sldMkLst>
-        <pc:spChg chg="mod">
-          <ac:chgData name="Long B Nguyen" userId="f59fb8f3-a021-417a-8bc1-65c8d471c621" providerId="ADAL" clId="{A54A5039-9BC6-1548-AC61-7314DB675A9D}" dt="2019-09-23T12:05:19.573" v="1985" actId="20577"/>
-          <ac:spMkLst>
-            <pc:docMk/>
-            <pc:sldMk cId="3150557076" sldId="298"/>
-            <ac:spMk id="9" creationId="{E3B2E017-30B2-884B-A113-B419A2ED51AD}"/>
-          </ac:spMkLst>
-        </pc:spChg>
       </pc:sldChg>
       <pc:sldChg chg="addSp delSp modSp modAnim">
         <pc:chgData name="Long B Nguyen" userId="f59fb8f3-a021-417a-8bc1-65c8d471c621" providerId="ADAL" clId="{A54A5039-9BC6-1548-AC61-7314DB675A9D}" dt="2019-09-23T12:01:44.436" v="1840"/>
@@ -1703,22 +602,6 @@
           <pc:docMk/>
           <pc:sldMk cId="128704095" sldId="302"/>
         </pc:sldMkLst>
-        <pc:spChg chg="add del">
-          <ac:chgData name="Long B Nguyen" userId="f59fb8f3-a021-417a-8bc1-65c8d471c621" providerId="ADAL" clId="{A54A5039-9BC6-1548-AC61-7314DB675A9D}" dt="2019-09-19T16:47:34.465" v="464"/>
-          <ac:spMkLst>
-            <pc:docMk/>
-            <pc:sldMk cId="128704095" sldId="302"/>
-            <ac:spMk id="3" creationId="{EA19F625-AB76-8A4B-B39A-0F2D018DC68D}"/>
-          </ac:spMkLst>
-        </pc:spChg>
-        <pc:spChg chg="mod">
-          <ac:chgData name="Long B Nguyen" userId="f59fb8f3-a021-417a-8bc1-65c8d471c621" providerId="ADAL" clId="{A54A5039-9BC6-1548-AC61-7314DB675A9D}" dt="2019-09-23T12:01:36.243" v="1838" actId="20577"/>
-          <ac:spMkLst>
-            <pc:docMk/>
-            <pc:sldMk cId="128704095" sldId="302"/>
-            <ac:spMk id="9" creationId="{E3B2E017-30B2-884B-A113-B419A2ED51AD}"/>
-          </ac:spMkLst>
-        </pc:spChg>
       </pc:sldChg>
       <pc:sldChg chg="modSp add modAnim">
         <pc:chgData name="Long B Nguyen" userId="f59fb8f3-a021-417a-8bc1-65c8d471c621" providerId="ADAL" clId="{A54A5039-9BC6-1548-AC61-7314DB675A9D}" dt="2019-09-23T12:00:26.516" v="1826" actId="20577"/>
@@ -1726,14 +609,6 @@
           <pc:docMk/>
           <pc:sldMk cId="3275945509" sldId="303"/>
         </pc:sldMkLst>
-        <pc:spChg chg="mod">
-          <ac:chgData name="Long B Nguyen" userId="f59fb8f3-a021-417a-8bc1-65c8d471c621" providerId="ADAL" clId="{A54A5039-9BC6-1548-AC61-7314DB675A9D}" dt="2019-09-23T12:00:26.516" v="1826" actId="20577"/>
-          <ac:spMkLst>
-            <pc:docMk/>
-            <pc:sldMk cId="3275945509" sldId="303"/>
-            <ac:spMk id="9" creationId="{E3B2E017-30B2-884B-A113-B419A2ED51AD}"/>
-          </ac:spMkLst>
-        </pc:spChg>
       </pc:sldChg>
       <pc:sldChg chg="modSp add modAnim">
         <pc:chgData name="Long B Nguyen" userId="f59fb8f3-a021-417a-8bc1-65c8d471c621" providerId="ADAL" clId="{A54A5039-9BC6-1548-AC61-7314DB675A9D}" dt="2019-09-23T12:00:38.314" v="1827"/>
@@ -1741,14 +616,6 @@
           <pc:docMk/>
           <pc:sldMk cId="406772024" sldId="304"/>
         </pc:sldMkLst>
-        <pc:spChg chg="mod">
-          <ac:chgData name="Long B Nguyen" userId="f59fb8f3-a021-417a-8bc1-65c8d471c621" providerId="ADAL" clId="{A54A5039-9BC6-1548-AC61-7314DB675A9D}" dt="2019-09-23T12:00:12.500" v="1808" actId="20577"/>
-          <ac:spMkLst>
-            <pc:docMk/>
-            <pc:sldMk cId="406772024" sldId="304"/>
-            <ac:spMk id="9" creationId="{E3B2E017-30B2-884B-A113-B419A2ED51AD}"/>
-          </ac:spMkLst>
-        </pc:spChg>
       </pc:sldChg>
       <pc:sldChg chg="modSp add modAnim">
         <pc:chgData name="Long B Nguyen" userId="f59fb8f3-a021-417a-8bc1-65c8d471c621" providerId="ADAL" clId="{A54A5039-9BC6-1548-AC61-7314DB675A9D}" dt="2019-09-23T13:27:58.707" v="2000" actId="20577"/>
@@ -1756,22 +623,6 @@
           <pc:docMk/>
           <pc:sldMk cId="1703902501" sldId="305"/>
         </pc:sldMkLst>
-        <pc:spChg chg="mod">
-          <ac:chgData name="Long B Nguyen" userId="f59fb8f3-a021-417a-8bc1-65c8d471c621" providerId="ADAL" clId="{A54A5039-9BC6-1548-AC61-7314DB675A9D}" dt="2019-09-19T14:31:00.333" v="110" actId="20577"/>
-          <ac:spMkLst>
-            <pc:docMk/>
-            <pc:sldMk cId="1703902501" sldId="305"/>
-            <ac:spMk id="2" creationId="{AA3A228F-61D0-D949-A5E7-F83756230BF8}"/>
-          </ac:spMkLst>
-        </pc:spChg>
-        <pc:spChg chg="mod">
-          <ac:chgData name="Long B Nguyen" userId="f59fb8f3-a021-417a-8bc1-65c8d471c621" providerId="ADAL" clId="{A54A5039-9BC6-1548-AC61-7314DB675A9D}" dt="2019-09-23T13:27:58.707" v="2000" actId="20577"/>
-          <ac:spMkLst>
-            <pc:docMk/>
-            <pc:sldMk cId="1703902501" sldId="305"/>
-            <ac:spMk id="9" creationId="{E3B2E017-30B2-884B-A113-B419A2ED51AD}"/>
-          </ac:spMkLst>
-        </pc:spChg>
       </pc:sldChg>
       <pc:sldChg chg="modSp add modAnim">
         <pc:chgData name="Long B Nguyen" userId="f59fb8f3-a021-417a-8bc1-65c8d471c621" providerId="ADAL" clId="{A54A5039-9BC6-1548-AC61-7314DB675A9D}" dt="2019-09-23T12:01:58.728" v="1843"/>
@@ -1779,22 +630,6 @@
           <pc:docMk/>
           <pc:sldMk cId="3614829039" sldId="306"/>
         </pc:sldMkLst>
-        <pc:spChg chg="mod">
-          <ac:chgData name="Long B Nguyen" userId="f59fb8f3-a021-417a-8bc1-65c8d471c621" providerId="ADAL" clId="{A54A5039-9BC6-1548-AC61-7314DB675A9D}" dt="2019-09-19T16:51:57.917" v="536" actId="20577"/>
-          <ac:spMkLst>
-            <pc:docMk/>
-            <pc:sldMk cId="3614829039" sldId="306"/>
-            <ac:spMk id="2" creationId="{AA3A228F-61D0-D949-A5E7-F83756230BF8}"/>
-          </ac:spMkLst>
-        </pc:spChg>
-        <pc:spChg chg="mod">
-          <ac:chgData name="Long B Nguyen" userId="f59fb8f3-a021-417a-8bc1-65c8d471c621" providerId="ADAL" clId="{A54A5039-9BC6-1548-AC61-7314DB675A9D}" dt="2019-09-23T12:01:50.092" v="1842" actId="20577"/>
-          <ac:spMkLst>
-            <pc:docMk/>
-            <pc:sldMk cId="3614829039" sldId="306"/>
-            <ac:spMk id="9" creationId="{E3B2E017-30B2-884B-A113-B419A2ED51AD}"/>
-          </ac:spMkLst>
-        </pc:spChg>
       </pc:sldChg>
       <pc:sldChg chg="modSp add modAnim">
         <pc:chgData name="Long B Nguyen" userId="f59fb8f3-a021-417a-8bc1-65c8d471c621" providerId="ADAL" clId="{A54A5039-9BC6-1548-AC61-7314DB675A9D}" dt="2019-09-23T12:02:15.154" v="1846"/>
@@ -1802,22 +637,6 @@
           <pc:docMk/>
           <pc:sldMk cId="295911327" sldId="307"/>
         </pc:sldMkLst>
-        <pc:spChg chg="mod">
-          <ac:chgData name="Long B Nguyen" userId="f59fb8f3-a021-417a-8bc1-65c8d471c621" providerId="ADAL" clId="{A54A5039-9BC6-1548-AC61-7314DB675A9D}" dt="2019-09-19T17:17:25.590" v="539" actId="20577"/>
-          <ac:spMkLst>
-            <pc:docMk/>
-            <pc:sldMk cId="295911327" sldId="307"/>
-            <ac:spMk id="2" creationId="{AA3A228F-61D0-D949-A5E7-F83756230BF8}"/>
-          </ac:spMkLst>
-        </pc:spChg>
-        <pc:spChg chg="mod">
-          <ac:chgData name="Long B Nguyen" userId="f59fb8f3-a021-417a-8bc1-65c8d471c621" providerId="ADAL" clId="{A54A5039-9BC6-1548-AC61-7314DB675A9D}" dt="2019-09-23T12:02:10.526" v="1845" actId="20577"/>
-          <ac:spMkLst>
-            <pc:docMk/>
-            <pc:sldMk cId="295911327" sldId="307"/>
-            <ac:spMk id="9" creationId="{E3B2E017-30B2-884B-A113-B419A2ED51AD}"/>
-          </ac:spMkLst>
-        </pc:spChg>
       </pc:sldChg>
       <pc:sldChg chg="modSp add modAnim">
         <pc:chgData name="Long B Nguyen" userId="f59fb8f3-a021-417a-8bc1-65c8d471c621" providerId="ADAL" clId="{A54A5039-9BC6-1548-AC61-7314DB675A9D}" dt="2019-09-23T12:01:05.311" v="1832"/>
@@ -1825,22 +644,6 @@
           <pc:docMk/>
           <pc:sldMk cId="67957925" sldId="308"/>
         </pc:sldMkLst>
-        <pc:spChg chg="mod">
-          <ac:chgData name="Long B Nguyen" userId="f59fb8f3-a021-417a-8bc1-65c8d471c621" providerId="ADAL" clId="{A54A5039-9BC6-1548-AC61-7314DB675A9D}" dt="2019-09-20T12:22:34.233" v="599" actId="20577"/>
-          <ac:spMkLst>
-            <pc:docMk/>
-            <pc:sldMk cId="67957925" sldId="308"/>
-            <ac:spMk id="2" creationId="{AA3A228F-61D0-D949-A5E7-F83756230BF8}"/>
-          </ac:spMkLst>
-        </pc:spChg>
-        <pc:spChg chg="mod">
-          <ac:chgData name="Long B Nguyen" userId="f59fb8f3-a021-417a-8bc1-65c8d471c621" providerId="ADAL" clId="{A54A5039-9BC6-1548-AC61-7314DB675A9D}" dt="2019-09-20T12:37:26.490" v="1123" actId="20577"/>
-          <ac:spMkLst>
-            <pc:docMk/>
-            <pc:sldMk cId="67957925" sldId="308"/>
-            <ac:spMk id="9" creationId="{E3B2E017-30B2-884B-A113-B419A2ED51AD}"/>
-          </ac:spMkLst>
-        </pc:spChg>
       </pc:sldChg>
       <pc:sldChg chg="modSp add modAnim">
         <pc:chgData name="Long B Nguyen" userId="f59fb8f3-a021-417a-8bc1-65c8d471c621" providerId="ADAL" clId="{A54A5039-9BC6-1548-AC61-7314DB675A9D}" dt="2019-09-23T12:01:18.117" v="1835"/>
@@ -1848,22 +651,6 @@
           <pc:docMk/>
           <pc:sldMk cId="1872435103" sldId="309"/>
         </pc:sldMkLst>
-        <pc:spChg chg="mod">
-          <ac:chgData name="Long B Nguyen" userId="f59fb8f3-a021-417a-8bc1-65c8d471c621" providerId="ADAL" clId="{A54A5039-9BC6-1548-AC61-7314DB675A9D}" dt="2019-09-20T12:24:39.851" v="793" actId="20577"/>
-          <ac:spMkLst>
-            <pc:docMk/>
-            <pc:sldMk cId="1872435103" sldId="309"/>
-            <ac:spMk id="2" creationId="{AA3A228F-61D0-D949-A5E7-F83756230BF8}"/>
-          </ac:spMkLst>
-        </pc:spChg>
-        <pc:spChg chg="mod">
-          <ac:chgData name="Long B Nguyen" userId="f59fb8f3-a021-417a-8bc1-65c8d471c621" providerId="ADAL" clId="{A54A5039-9BC6-1548-AC61-7314DB675A9D}" dt="2019-09-20T12:37:20.580" v="1117" actId="20577"/>
-          <ac:spMkLst>
-            <pc:docMk/>
-            <pc:sldMk cId="1872435103" sldId="309"/>
-            <ac:spMk id="9" creationId="{E3B2E017-30B2-884B-A113-B419A2ED51AD}"/>
-          </ac:spMkLst>
-        </pc:spChg>
       </pc:sldChg>
       <pc:sldChg chg="modSp add">
         <pc:chgData name="Long B Nguyen" userId="f59fb8f3-a021-417a-8bc1-65c8d471c621" providerId="ADAL" clId="{A54A5039-9BC6-1548-AC61-7314DB675A9D}" dt="2019-09-20T12:40:48.118" v="1409" actId="20577"/>
@@ -1871,22 +658,6 @@
           <pc:docMk/>
           <pc:sldMk cId="4088965571" sldId="310"/>
         </pc:sldMkLst>
-        <pc:spChg chg="mod">
-          <ac:chgData name="Long B Nguyen" userId="f59fb8f3-a021-417a-8bc1-65c8d471c621" providerId="ADAL" clId="{A54A5039-9BC6-1548-AC61-7314DB675A9D}" dt="2019-09-20T12:40:48.118" v="1409" actId="20577"/>
-          <ac:spMkLst>
-            <pc:docMk/>
-            <pc:sldMk cId="4088965571" sldId="310"/>
-            <ac:spMk id="2" creationId="{AA3A228F-61D0-D949-A5E7-F83756230BF8}"/>
-          </ac:spMkLst>
-        </pc:spChg>
-        <pc:spChg chg="mod">
-          <ac:chgData name="Long B Nguyen" userId="f59fb8f3-a021-417a-8bc1-65c8d471c621" providerId="ADAL" clId="{A54A5039-9BC6-1548-AC61-7314DB675A9D}" dt="2019-09-20T12:40:27.809" v="1394" actId="255"/>
-          <ac:spMkLst>
-            <pc:docMk/>
-            <pc:sldMk cId="4088965571" sldId="310"/>
-            <ac:spMk id="9" creationId="{E3B2E017-30B2-884B-A113-B419A2ED51AD}"/>
-          </ac:spMkLst>
-        </pc:spChg>
       </pc:sldChg>
       <pc:sldChg chg="modSp add modAnim">
         <pc:chgData name="Long B Nguyen" userId="f59fb8f3-a021-417a-8bc1-65c8d471c621" providerId="ADAL" clId="{A54A5039-9BC6-1548-AC61-7314DB675A9D}" dt="2019-09-23T12:01:26.997" v="1836"/>
@@ -1894,22 +665,6 @@
           <pc:docMk/>
           <pc:sldMk cId="2255846137" sldId="311"/>
         </pc:sldMkLst>
-        <pc:spChg chg="mod">
-          <ac:chgData name="Long B Nguyen" userId="f59fb8f3-a021-417a-8bc1-65c8d471c621" providerId="ADAL" clId="{A54A5039-9BC6-1548-AC61-7314DB675A9D}" dt="2019-09-20T12:42:38.115" v="1565" actId="20577"/>
-          <ac:spMkLst>
-            <pc:docMk/>
-            <pc:sldMk cId="2255846137" sldId="311"/>
-            <ac:spMk id="2" creationId="{AA3A228F-61D0-D949-A5E7-F83756230BF8}"/>
-          </ac:spMkLst>
-        </pc:spChg>
-        <pc:spChg chg="mod">
-          <ac:chgData name="Long B Nguyen" userId="f59fb8f3-a021-417a-8bc1-65c8d471c621" providerId="ADAL" clId="{A54A5039-9BC6-1548-AC61-7314DB675A9D}" dt="2019-09-20T12:43:18.312" v="1623" actId="20577"/>
-          <ac:spMkLst>
-            <pc:docMk/>
-            <pc:sldMk cId="2255846137" sldId="311"/>
-            <ac:spMk id="9" creationId="{E3B2E017-30B2-884B-A113-B419A2ED51AD}"/>
-          </ac:spMkLst>
-        </pc:spChg>
       </pc:sldChg>
       <pc:sldChg chg="modSp add">
         <pc:chgData name="Long B Nguyen" userId="f59fb8f3-a021-417a-8bc1-65c8d471c621" providerId="ADAL" clId="{A54A5039-9BC6-1548-AC61-7314DB675A9D}" dt="2019-09-23T11:49:40.764" v="1759" actId="20577"/>
@@ -1917,22 +672,6 @@
           <pc:docMk/>
           <pc:sldMk cId="1513627164" sldId="312"/>
         </pc:sldMkLst>
-        <pc:spChg chg="mod">
-          <ac:chgData name="Long B Nguyen" userId="f59fb8f3-a021-417a-8bc1-65c8d471c621" providerId="ADAL" clId="{A54A5039-9BC6-1548-AC61-7314DB675A9D}" dt="2019-09-20T12:44:10.623" v="1625" actId="20577"/>
-          <ac:spMkLst>
-            <pc:docMk/>
-            <pc:sldMk cId="1513627164" sldId="312"/>
-            <ac:spMk id="2" creationId="{AA3A228F-61D0-D949-A5E7-F83756230BF8}"/>
-          </ac:spMkLst>
-        </pc:spChg>
-        <pc:spChg chg="mod">
-          <ac:chgData name="Long B Nguyen" userId="f59fb8f3-a021-417a-8bc1-65c8d471c621" providerId="ADAL" clId="{A54A5039-9BC6-1548-AC61-7314DB675A9D}" dt="2019-09-23T11:49:40.764" v="1759" actId="20577"/>
-          <ac:spMkLst>
-            <pc:docMk/>
-            <pc:sldMk cId="1513627164" sldId="312"/>
-            <ac:spMk id="9" creationId="{E3B2E017-30B2-884B-A113-B419A2ED51AD}"/>
-          </ac:spMkLst>
-        </pc:spChg>
       </pc:sldChg>
       <pc:sldChg chg="modSp add modAnim">
         <pc:chgData name="Long B Nguyen" userId="f59fb8f3-a021-417a-8bc1-65c8d471c621" providerId="ADAL" clId="{A54A5039-9BC6-1548-AC61-7314DB675A9D}" dt="2019-09-23T11:58:57.499" v="1789"/>
@@ -1940,14 +679,6 @@
           <pc:docMk/>
           <pc:sldMk cId="2097059918" sldId="313"/>
         </pc:sldMkLst>
-        <pc:spChg chg="mod">
-          <ac:chgData name="Long B Nguyen" userId="f59fb8f3-a021-417a-8bc1-65c8d471c621" providerId="ADAL" clId="{A54A5039-9BC6-1548-AC61-7314DB675A9D}" dt="2019-09-23T11:58:47.576" v="1783" actId="20577"/>
-          <ac:spMkLst>
-            <pc:docMk/>
-            <pc:sldMk cId="2097059918" sldId="313"/>
-            <ac:spMk id="9" creationId="{E3B2E017-30B2-884B-A113-B419A2ED51AD}"/>
-          </ac:spMkLst>
-        </pc:spChg>
       </pc:sldChg>
       <pc:sldChg chg="modSp add del">
         <pc:chgData name="Long B Nguyen" userId="f59fb8f3-a021-417a-8bc1-65c8d471c621" providerId="ADAL" clId="{A54A5039-9BC6-1548-AC61-7314DB675A9D}" dt="2019-09-24T11:43:27.284" v="2147" actId="2696"/>
@@ -1955,22 +686,6 @@
           <pc:docMk/>
           <pc:sldMk cId="3916896519" sldId="314"/>
         </pc:sldMkLst>
-        <pc:spChg chg="mod">
-          <ac:chgData name="Long B Nguyen" userId="f59fb8f3-a021-417a-8bc1-65c8d471c621" providerId="ADAL" clId="{A54A5039-9BC6-1548-AC61-7314DB675A9D}" dt="2019-09-24T11:40:07.514" v="2003"/>
-          <ac:spMkLst>
-            <pc:docMk/>
-            <pc:sldMk cId="3916896519" sldId="314"/>
-            <ac:spMk id="2" creationId="{AA3A228F-61D0-D949-A5E7-F83756230BF8}"/>
-          </ac:spMkLst>
-        </pc:spChg>
-        <pc:spChg chg="mod">
-          <ac:chgData name="Long B Nguyen" userId="f59fb8f3-a021-417a-8bc1-65c8d471c621" providerId="ADAL" clId="{A54A5039-9BC6-1548-AC61-7314DB675A9D}" dt="2019-09-24T11:41:32.486" v="2043"/>
-          <ac:spMkLst>
-            <pc:docMk/>
-            <pc:sldMk cId="3916896519" sldId="314"/>
-            <ac:spMk id="9" creationId="{E3B2E017-30B2-884B-A113-B419A2ED51AD}"/>
-          </ac:spMkLst>
-        </pc:spChg>
       </pc:sldChg>
       <pc:sldChg chg="modSp add del">
         <pc:chgData name="Long B Nguyen" userId="f59fb8f3-a021-417a-8bc1-65c8d471c621" providerId="ADAL" clId="{A54A5039-9BC6-1548-AC61-7314DB675A9D}" dt="2019-09-24T14:05:24.942" v="2839" actId="2696"/>
@@ -1978,22 +693,6 @@
           <pc:docMk/>
           <pc:sldMk cId="2798321153" sldId="315"/>
         </pc:sldMkLst>
-        <pc:spChg chg="mod">
-          <ac:chgData name="Long B Nguyen" userId="f59fb8f3-a021-417a-8bc1-65c8d471c621" providerId="ADAL" clId="{A54A5039-9BC6-1548-AC61-7314DB675A9D}" dt="2019-09-24T11:47:07.801" v="2189" actId="20577"/>
-          <ac:spMkLst>
-            <pc:docMk/>
-            <pc:sldMk cId="2798321153" sldId="315"/>
-            <ac:spMk id="2" creationId="{AA3A228F-61D0-D949-A5E7-F83756230BF8}"/>
-          </ac:spMkLst>
-        </pc:spChg>
-        <pc:spChg chg="mod">
-          <ac:chgData name="Long B Nguyen" userId="f59fb8f3-a021-417a-8bc1-65c8d471c621" providerId="ADAL" clId="{A54A5039-9BC6-1548-AC61-7314DB675A9D}" dt="2019-09-24T11:53:13.884" v="2630" actId="20577"/>
-          <ac:spMkLst>
-            <pc:docMk/>
-            <pc:sldMk cId="2798321153" sldId="315"/>
-            <ac:spMk id="9" creationId="{E3B2E017-30B2-884B-A113-B419A2ED51AD}"/>
-          </ac:spMkLst>
-        </pc:spChg>
       </pc:sldChg>
       <pc:sldChg chg="add">
         <pc:chgData name="Long B Nguyen" userId="f59fb8f3-a021-417a-8bc1-65c8d471c621" providerId="ADAL" clId="{A54A5039-9BC6-1548-AC61-7314DB675A9D}" dt="2019-09-24T11:47:01.081" v="2186"/>
@@ -2008,22 +707,6 @@
           <pc:docMk/>
           <pc:sldMk cId="1787114790" sldId="317"/>
         </pc:sldMkLst>
-        <pc:spChg chg="mod">
-          <ac:chgData name="Long B Nguyen" userId="f59fb8f3-a021-417a-8bc1-65c8d471c621" providerId="ADAL" clId="{A54A5039-9BC6-1548-AC61-7314DB675A9D}" dt="2019-09-24T11:53:24.383" v="2634" actId="20577"/>
-          <ac:spMkLst>
-            <pc:docMk/>
-            <pc:sldMk cId="1787114790" sldId="317"/>
-            <ac:spMk id="2" creationId="{AA3A228F-61D0-D949-A5E7-F83756230BF8}"/>
-          </ac:spMkLst>
-        </pc:spChg>
-        <pc:spChg chg="mod">
-          <ac:chgData name="Long B Nguyen" userId="f59fb8f3-a021-417a-8bc1-65c8d471c621" providerId="ADAL" clId="{A54A5039-9BC6-1548-AC61-7314DB675A9D}" dt="2019-09-25T14:26:33.714" v="2899" actId="20577"/>
-          <ac:spMkLst>
-            <pc:docMk/>
-            <pc:sldMk cId="1787114790" sldId="317"/>
-            <ac:spMk id="9" creationId="{E3B2E017-30B2-884B-A113-B419A2ED51AD}"/>
-          </ac:spMkLst>
-        </pc:spChg>
       </pc:sldChg>
       <pc:sldChg chg="modSp add">
         <pc:chgData name="Long B Nguyen" userId="f59fb8f3-a021-417a-8bc1-65c8d471c621" providerId="ADAL" clId="{A54A5039-9BC6-1548-AC61-7314DB675A9D}" dt="2019-09-24T13:44:10.963" v="2838" actId="20577"/>
@@ -2031,660 +714,35 @@
           <pc:docMk/>
           <pc:sldMk cId="1215229427" sldId="318"/>
         </pc:sldMkLst>
-        <pc:spChg chg="mod">
-          <ac:chgData name="Long B Nguyen" userId="f59fb8f3-a021-417a-8bc1-65c8d471c621" providerId="ADAL" clId="{A54A5039-9BC6-1548-AC61-7314DB675A9D}" dt="2019-09-24T13:44:10.963" v="2838" actId="20577"/>
-          <ac:spMkLst>
-            <pc:docMk/>
-            <pc:sldMk cId="1215229427" sldId="318"/>
-            <ac:spMk id="9" creationId="{E3B2E017-30B2-884B-A113-B419A2ED51AD}"/>
-          </ac:spMkLst>
-        </pc:spChg>
       </pc:sldChg>
     </pc:docChg>
   </pc:docChgLst>
   <pc:docChgLst>
-    <pc:chgData name="Long B Nguyen" userId="f59fb8f3-a021-417a-8bc1-65c8d471c621" providerId="ADAL" clId="{4D090DEB-D33E-0146-8FDE-1BD7A7A456A7}"/>
-    <pc:docChg chg="undo custSel modSld">
-      <pc:chgData name="Long B Nguyen" userId="f59fb8f3-a021-417a-8bc1-65c8d471c621" providerId="ADAL" clId="{4D090DEB-D33E-0146-8FDE-1BD7A7A456A7}" dt="2020-11-20T14:06:48.637" v="1117" actId="20577"/>
+    <pc:chgData name="Long B Nguyen" userId="f59fb8f3-a021-417a-8bc1-65c8d471c621" providerId="ADAL" clId="{93BE87BA-F8CA-5C1F-82FF-B4CAB5F485A1}"/>
+    <pc:docChg chg="delSld">
+      <pc:chgData name="Long B Nguyen" userId="f59fb8f3-a021-417a-8bc1-65c8d471c621" providerId="ADAL" clId="{93BE87BA-F8CA-5C1F-82FF-B4CAB5F485A1}" dt="2025-11-17T18:12:08.449" v="0" actId="2696"/>
       <pc:docMkLst>
         <pc:docMk/>
       </pc:docMkLst>
-      <pc:sldChg chg="modSp mod modAnim">
-        <pc:chgData name="Long B Nguyen" userId="f59fb8f3-a021-417a-8bc1-65c8d471c621" providerId="ADAL" clId="{4D090DEB-D33E-0146-8FDE-1BD7A7A456A7}" dt="2020-11-19T04:45:19.757" v="781" actId="1076"/>
+      <pc:sldChg chg="del">
+        <pc:chgData name="Long B Nguyen" userId="f59fb8f3-a021-417a-8bc1-65c8d471c621" providerId="ADAL" clId="{93BE87BA-F8CA-5C1F-82FF-B4CAB5F485A1}" dt="2025-11-17T18:12:08.449" v="0" actId="2696"/>
         <pc:sldMkLst>
           <pc:docMk/>
-          <pc:sldMk cId="924617162" sldId="319"/>
+          <pc:sldMk cId="1330680031" sldId="334"/>
         </pc:sldMkLst>
-        <pc:spChg chg="mod">
-          <ac:chgData name="Long B Nguyen" userId="f59fb8f3-a021-417a-8bc1-65c8d471c621" providerId="ADAL" clId="{4D090DEB-D33E-0146-8FDE-1BD7A7A456A7}" dt="2020-11-19T04:45:19.757" v="781" actId="1076"/>
-          <ac:spMkLst>
-            <pc:docMk/>
-            <pc:sldMk cId="924617162" sldId="319"/>
-            <ac:spMk id="2" creationId="{AA3A228F-61D0-D949-A5E7-F83756230BF8}"/>
-          </ac:spMkLst>
-        </pc:spChg>
-        <pc:spChg chg="mod">
-          <ac:chgData name="Long B Nguyen" userId="f59fb8f3-a021-417a-8bc1-65c8d471c621" providerId="ADAL" clId="{4D090DEB-D33E-0146-8FDE-1BD7A7A456A7}" dt="2020-11-19T04:45:14.666" v="779" actId="14100"/>
-          <ac:spMkLst>
-            <pc:docMk/>
-            <pc:sldMk cId="924617162" sldId="319"/>
-            <ac:spMk id="9" creationId="{E3B2E017-30B2-884B-A113-B419A2ED51AD}"/>
-          </ac:spMkLst>
-        </pc:spChg>
       </pc:sldChg>
-      <pc:sldChg chg="modSp mod modAnim">
-        <pc:chgData name="Long B Nguyen" userId="f59fb8f3-a021-417a-8bc1-65c8d471c621" providerId="ADAL" clId="{4D090DEB-D33E-0146-8FDE-1BD7A7A456A7}" dt="2020-11-19T04:33:36.604" v="547"/>
+      <pc:sldChg chg="del">
+        <pc:chgData name="Long B Nguyen" userId="f59fb8f3-a021-417a-8bc1-65c8d471c621" providerId="ADAL" clId="{93BE87BA-F8CA-5C1F-82FF-B4CAB5F485A1}" dt="2025-11-17T18:12:08.449" v="0" actId="2696"/>
         <pc:sldMkLst>
           <pc:docMk/>
-          <pc:sldMk cId="3758830494" sldId="320"/>
+          <pc:sldMk cId="3536550318" sldId="336"/>
         </pc:sldMkLst>
-        <pc:spChg chg="mod">
-          <ac:chgData name="Long B Nguyen" userId="f59fb8f3-a021-417a-8bc1-65c8d471c621" providerId="ADAL" clId="{4D090DEB-D33E-0146-8FDE-1BD7A7A456A7}" dt="2020-11-19T04:26:47.866" v="412" actId="1076"/>
-          <ac:spMkLst>
-            <pc:docMk/>
-            <pc:sldMk cId="3758830494" sldId="320"/>
-            <ac:spMk id="2" creationId="{AA3A228F-61D0-D949-A5E7-F83756230BF8}"/>
-          </ac:spMkLst>
-        </pc:spChg>
-        <pc:spChg chg="mod">
-          <ac:chgData name="Long B Nguyen" userId="f59fb8f3-a021-417a-8bc1-65c8d471c621" providerId="ADAL" clId="{4D090DEB-D33E-0146-8FDE-1BD7A7A456A7}" dt="2020-11-19T04:26:45.399" v="411" actId="14100"/>
-          <ac:spMkLst>
-            <pc:docMk/>
-            <pc:sldMk cId="3758830494" sldId="320"/>
-            <ac:spMk id="9" creationId="{E3B2E017-30B2-884B-A113-B419A2ED51AD}"/>
-          </ac:spMkLst>
-        </pc:spChg>
       </pc:sldChg>
-      <pc:sldChg chg="addSp modSp mod modAnim">
-        <pc:chgData name="Long B Nguyen" userId="f59fb8f3-a021-417a-8bc1-65c8d471c621" providerId="ADAL" clId="{4D090DEB-D33E-0146-8FDE-1BD7A7A456A7}" dt="2020-11-19T13:05:31.040" v="1113"/>
+      <pc:sldChg chg="del">
+        <pc:chgData name="Long B Nguyen" userId="f59fb8f3-a021-417a-8bc1-65c8d471c621" providerId="ADAL" clId="{93BE87BA-F8CA-5C1F-82FF-B4CAB5F485A1}" dt="2025-11-17T18:12:08.449" v="0" actId="2696"/>
         <pc:sldMkLst>
           <pc:docMk/>
-          <pc:sldMk cId="1022945305" sldId="321"/>
-        </pc:sldMkLst>
-        <pc:spChg chg="mod">
-          <ac:chgData name="Long B Nguyen" userId="f59fb8f3-a021-417a-8bc1-65c8d471c621" providerId="ADAL" clId="{4D090DEB-D33E-0146-8FDE-1BD7A7A456A7}" dt="2020-11-19T04:26:53.269" v="413" actId="1076"/>
-          <ac:spMkLst>
-            <pc:docMk/>
-            <pc:sldMk cId="1022945305" sldId="321"/>
-            <ac:spMk id="2" creationId="{AA3A228F-61D0-D949-A5E7-F83756230BF8}"/>
-          </ac:spMkLst>
-        </pc:spChg>
-        <pc:spChg chg="add mod">
-          <ac:chgData name="Long B Nguyen" userId="f59fb8f3-a021-417a-8bc1-65c8d471c621" providerId="ADAL" clId="{4D090DEB-D33E-0146-8FDE-1BD7A7A456A7}" dt="2020-11-19T13:05:18.398" v="1111" actId="1076"/>
-          <ac:spMkLst>
-            <pc:docMk/>
-            <pc:sldMk cId="1022945305" sldId="321"/>
-            <ac:spMk id="3" creationId="{3C72A7FE-2096-AA46-B5B0-556366A0BFB1}"/>
-          </ac:spMkLst>
-        </pc:spChg>
-        <pc:spChg chg="add mod">
-          <ac:chgData name="Long B Nguyen" userId="f59fb8f3-a021-417a-8bc1-65c8d471c621" providerId="ADAL" clId="{4D090DEB-D33E-0146-8FDE-1BD7A7A456A7}" dt="2020-11-19T13:05:16.504" v="1110" actId="1076"/>
-          <ac:spMkLst>
-            <pc:docMk/>
-            <pc:sldMk cId="1022945305" sldId="321"/>
-            <ac:spMk id="5" creationId="{DD72A416-729A-D14D-937B-E31E95D5697D}"/>
-          </ac:spMkLst>
-        </pc:spChg>
-        <pc:spChg chg="mod">
-          <ac:chgData name="Long B Nguyen" userId="f59fb8f3-a021-417a-8bc1-65c8d471c621" providerId="ADAL" clId="{4D090DEB-D33E-0146-8FDE-1BD7A7A456A7}" dt="2020-11-19T13:03:48.213" v="952" actId="20577"/>
-          <ac:spMkLst>
-            <pc:docMk/>
-            <pc:sldMk cId="1022945305" sldId="321"/>
-            <ac:spMk id="9" creationId="{E3B2E017-30B2-884B-A113-B419A2ED51AD}"/>
-          </ac:spMkLst>
-        </pc:spChg>
-      </pc:sldChg>
-      <pc:sldChg chg="modSp mod modAnim">
-        <pc:chgData name="Long B Nguyen" userId="f59fb8f3-a021-417a-8bc1-65c8d471c621" providerId="ADAL" clId="{4D090DEB-D33E-0146-8FDE-1BD7A7A456A7}" dt="2020-11-19T04:38:55.983" v="637"/>
-        <pc:sldMkLst>
-          <pc:docMk/>
-          <pc:sldMk cId="3456840474" sldId="322"/>
-        </pc:sldMkLst>
-        <pc:spChg chg="mod">
-          <ac:chgData name="Long B Nguyen" userId="f59fb8f3-a021-417a-8bc1-65c8d471c621" providerId="ADAL" clId="{4D090DEB-D33E-0146-8FDE-1BD7A7A456A7}" dt="2020-11-19T04:37:10.670" v="621" actId="1076"/>
-          <ac:spMkLst>
-            <pc:docMk/>
-            <pc:sldMk cId="3456840474" sldId="322"/>
-            <ac:spMk id="2" creationId="{AA3A228F-61D0-D949-A5E7-F83756230BF8}"/>
-          </ac:spMkLst>
-        </pc:spChg>
-        <pc:spChg chg="mod">
-          <ac:chgData name="Long B Nguyen" userId="f59fb8f3-a021-417a-8bc1-65c8d471c621" providerId="ADAL" clId="{4D090DEB-D33E-0146-8FDE-1BD7A7A456A7}" dt="2020-11-19T04:36:58.455" v="610" actId="20577"/>
-          <ac:spMkLst>
-            <pc:docMk/>
-            <pc:sldMk cId="3456840474" sldId="322"/>
-            <ac:spMk id="9" creationId="{E3B2E017-30B2-884B-A113-B419A2ED51AD}"/>
-          </ac:spMkLst>
-        </pc:spChg>
-      </pc:sldChg>
-      <pc:sldChg chg="modSp mod modAnim">
-        <pc:chgData name="Long B Nguyen" userId="f59fb8f3-a021-417a-8bc1-65c8d471c621" providerId="ADAL" clId="{4D090DEB-D33E-0146-8FDE-1BD7A7A456A7}" dt="2020-11-19T04:37:41.967" v="627"/>
-        <pc:sldMkLst>
-          <pc:docMk/>
-          <pc:sldMk cId="1062075874" sldId="323"/>
-        </pc:sldMkLst>
-        <pc:spChg chg="mod">
-          <ac:chgData name="Long B Nguyen" userId="f59fb8f3-a021-417a-8bc1-65c8d471c621" providerId="ADAL" clId="{4D090DEB-D33E-0146-8FDE-1BD7A7A456A7}" dt="2020-11-19T04:30:28.655" v="535" actId="20577"/>
-          <ac:spMkLst>
-            <pc:docMk/>
-            <pc:sldMk cId="1062075874" sldId="323"/>
-            <ac:spMk id="2" creationId="{AA3A228F-61D0-D949-A5E7-F83756230BF8}"/>
-          </ac:spMkLst>
-        </pc:spChg>
-        <pc:spChg chg="mod">
-          <ac:chgData name="Long B Nguyen" userId="f59fb8f3-a021-417a-8bc1-65c8d471c621" providerId="ADAL" clId="{4D090DEB-D33E-0146-8FDE-1BD7A7A456A7}" dt="2020-11-19T04:29:52.399" v="506" actId="14100"/>
-          <ac:spMkLst>
-            <pc:docMk/>
-            <pc:sldMk cId="1062075874" sldId="323"/>
-            <ac:spMk id="9" creationId="{E3B2E017-30B2-884B-A113-B419A2ED51AD}"/>
-          </ac:spMkLst>
-        </pc:spChg>
-      </pc:sldChg>
-      <pc:sldChg chg="modSp mod modAnim">
-        <pc:chgData name="Long B Nguyen" userId="f59fb8f3-a021-417a-8bc1-65c8d471c621" providerId="ADAL" clId="{4D090DEB-D33E-0146-8FDE-1BD7A7A456A7}" dt="2020-11-19T04:48:10.088" v="870"/>
-        <pc:sldMkLst>
-          <pc:docMk/>
-          <pc:sldMk cId="1310010799" sldId="324"/>
-        </pc:sldMkLst>
-        <pc:spChg chg="mod">
-          <ac:chgData name="Long B Nguyen" userId="f59fb8f3-a021-417a-8bc1-65c8d471c621" providerId="ADAL" clId="{4D090DEB-D33E-0146-8FDE-1BD7A7A456A7}" dt="2020-11-19T04:31:04.571" v="539" actId="1076"/>
-          <ac:spMkLst>
-            <pc:docMk/>
-            <pc:sldMk cId="1310010799" sldId="324"/>
-            <ac:spMk id="2" creationId="{AA3A228F-61D0-D949-A5E7-F83756230BF8}"/>
-          </ac:spMkLst>
-        </pc:spChg>
-        <pc:spChg chg="mod">
-          <ac:chgData name="Long B Nguyen" userId="f59fb8f3-a021-417a-8bc1-65c8d471c621" providerId="ADAL" clId="{4D090DEB-D33E-0146-8FDE-1BD7A7A456A7}" dt="2020-11-19T04:30:58.529" v="538" actId="1076"/>
-          <ac:spMkLst>
-            <pc:docMk/>
-            <pc:sldMk cId="1310010799" sldId="324"/>
-            <ac:spMk id="9" creationId="{E3B2E017-30B2-884B-A113-B419A2ED51AD}"/>
-          </ac:spMkLst>
-        </pc:spChg>
-      </pc:sldChg>
-      <pc:sldChg chg="modSp mod modAnim">
-        <pc:chgData name="Long B Nguyen" userId="f59fb8f3-a021-417a-8bc1-65c8d471c621" providerId="ADAL" clId="{4D090DEB-D33E-0146-8FDE-1BD7A7A456A7}" dt="2020-11-19T04:49:22.406" v="887"/>
-        <pc:sldMkLst>
-          <pc:docMk/>
-          <pc:sldMk cId="3314372952" sldId="325"/>
-        </pc:sldMkLst>
-        <pc:spChg chg="mod">
-          <ac:chgData name="Long B Nguyen" userId="f59fb8f3-a021-417a-8bc1-65c8d471c621" providerId="ADAL" clId="{4D090DEB-D33E-0146-8FDE-1BD7A7A456A7}" dt="2020-11-12T12:08:02.340" v="146" actId="1076"/>
-          <ac:spMkLst>
-            <pc:docMk/>
-            <pc:sldMk cId="3314372952" sldId="325"/>
-            <ac:spMk id="2" creationId="{AA3A228F-61D0-D949-A5E7-F83756230BF8}"/>
-          </ac:spMkLst>
-        </pc:spChg>
-        <pc:spChg chg="mod">
-          <ac:chgData name="Long B Nguyen" userId="f59fb8f3-a021-417a-8bc1-65c8d471c621" providerId="ADAL" clId="{4D090DEB-D33E-0146-8FDE-1BD7A7A456A7}" dt="2020-11-19T04:49:09.844" v="883" actId="20577"/>
-          <ac:spMkLst>
-            <pc:docMk/>
-            <pc:sldMk cId="3314372952" sldId="325"/>
-            <ac:spMk id="9" creationId="{E3B2E017-30B2-884B-A113-B419A2ED51AD}"/>
-          </ac:spMkLst>
-        </pc:spChg>
-      </pc:sldChg>
-      <pc:sldChg chg="modSp mod modAnim">
-        <pc:chgData name="Long B Nguyen" userId="f59fb8f3-a021-417a-8bc1-65c8d471c621" providerId="ADAL" clId="{4D090DEB-D33E-0146-8FDE-1BD7A7A456A7}" dt="2020-11-19T04:38:18.076" v="631"/>
-        <pc:sldMkLst>
-          <pc:docMk/>
-          <pc:sldMk cId="1724104636" sldId="327"/>
-        </pc:sldMkLst>
-        <pc:spChg chg="mod">
-          <ac:chgData name="Long B Nguyen" userId="f59fb8f3-a021-417a-8bc1-65c8d471c621" providerId="ADAL" clId="{4D090DEB-D33E-0146-8FDE-1BD7A7A456A7}" dt="2020-11-19T04:30:22.456" v="522" actId="20577"/>
-          <ac:spMkLst>
-            <pc:docMk/>
-            <pc:sldMk cId="1724104636" sldId="327"/>
-            <ac:spMk id="2" creationId="{AA3A228F-61D0-D949-A5E7-F83756230BF8}"/>
-          </ac:spMkLst>
-        </pc:spChg>
-        <pc:spChg chg="mod">
-          <ac:chgData name="Long B Nguyen" userId="f59fb8f3-a021-417a-8bc1-65c8d471c621" providerId="ADAL" clId="{4D090DEB-D33E-0146-8FDE-1BD7A7A456A7}" dt="2020-11-19T04:30:06.009" v="508" actId="14100"/>
-          <ac:spMkLst>
-            <pc:docMk/>
-            <pc:sldMk cId="1724104636" sldId="327"/>
-            <ac:spMk id="9" creationId="{E3B2E017-30B2-884B-A113-B419A2ED51AD}"/>
-          </ac:spMkLst>
-        </pc:spChg>
-      </pc:sldChg>
-      <pc:sldChg chg="modSp mod modAnim">
-        <pc:chgData name="Long B Nguyen" userId="f59fb8f3-a021-417a-8bc1-65c8d471c621" providerId="ADAL" clId="{4D090DEB-D33E-0146-8FDE-1BD7A7A456A7}" dt="2020-11-19T04:35:29.630" v="597"/>
-        <pc:sldMkLst>
-          <pc:docMk/>
-          <pc:sldMk cId="3894299887" sldId="328"/>
-        </pc:sldMkLst>
-        <pc:spChg chg="mod">
-          <ac:chgData name="Long B Nguyen" userId="f59fb8f3-a021-417a-8bc1-65c8d471c621" providerId="ADAL" clId="{4D090DEB-D33E-0146-8FDE-1BD7A7A456A7}" dt="2020-11-19T04:28:32.104" v="469" actId="1076"/>
-          <ac:spMkLst>
-            <pc:docMk/>
-            <pc:sldMk cId="3894299887" sldId="328"/>
-            <ac:spMk id="2" creationId="{AA3A228F-61D0-D949-A5E7-F83756230BF8}"/>
-          </ac:spMkLst>
-        </pc:spChg>
-        <pc:spChg chg="mod">
-          <ac:chgData name="Long B Nguyen" userId="f59fb8f3-a021-417a-8bc1-65c8d471c621" providerId="ADAL" clId="{4D090DEB-D33E-0146-8FDE-1BD7A7A456A7}" dt="2020-11-19T04:35:17.641" v="595" actId="20577"/>
-          <ac:spMkLst>
-            <pc:docMk/>
-            <pc:sldMk cId="3894299887" sldId="328"/>
-            <ac:spMk id="9" creationId="{E3B2E017-30B2-884B-A113-B419A2ED51AD}"/>
-          </ac:spMkLst>
-        </pc:spChg>
-      </pc:sldChg>
-      <pc:sldChg chg="modSp mod modAnim">
-        <pc:chgData name="Long B Nguyen" userId="f59fb8f3-a021-417a-8bc1-65c8d471c621" providerId="ADAL" clId="{4D090DEB-D33E-0146-8FDE-1BD7A7A456A7}" dt="2020-11-19T04:35:59.803" v="602"/>
-        <pc:sldMkLst>
-          <pc:docMk/>
-          <pc:sldMk cId="4294143140" sldId="329"/>
-        </pc:sldMkLst>
-        <pc:spChg chg="mod">
-          <ac:chgData name="Long B Nguyen" userId="f59fb8f3-a021-417a-8bc1-65c8d471c621" providerId="ADAL" clId="{4D090DEB-D33E-0146-8FDE-1BD7A7A456A7}" dt="2020-11-19T04:29:15.696" v="503" actId="1076"/>
-          <ac:spMkLst>
-            <pc:docMk/>
-            <pc:sldMk cId="4294143140" sldId="329"/>
-            <ac:spMk id="2" creationId="{AA3A228F-61D0-D949-A5E7-F83756230BF8}"/>
-          </ac:spMkLst>
-        </pc:spChg>
-        <pc:spChg chg="mod">
-          <ac:chgData name="Long B Nguyen" userId="f59fb8f3-a021-417a-8bc1-65c8d471c621" providerId="ADAL" clId="{4D090DEB-D33E-0146-8FDE-1BD7A7A456A7}" dt="2020-11-19T04:29:13.159" v="502" actId="14100"/>
-          <ac:spMkLst>
-            <pc:docMk/>
-            <pc:sldMk cId="4294143140" sldId="329"/>
-            <ac:spMk id="9" creationId="{E3B2E017-30B2-884B-A113-B419A2ED51AD}"/>
-          </ac:spMkLst>
-        </pc:spChg>
-      </pc:sldChg>
-      <pc:sldChg chg="modSp mod modAnim">
-        <pc:chgData name="Long B Nguyen" userId="f59fb8f3-a021-417a-8bc1-65c8d471c621" providerId="ADAL" clId="{4D090DEB-D33E-0146-8FDE-1BD7A7A456A7}" dt="2020-11-19T04:47:48.607" v="864"/>
-        <pc:sldMkLst>
-          <pc:docMk/>
-          <pc:sldMk cId="3594730708" sldId="330"/>
-        </pc:sldMkLst>
-        <pc:spChg chg="mod">
-          <ac:chgData name="Long B Nguyen" userId="f59fb8f3-a021-417a-8bc1-65c8d471c621" providerId="ADAL" clId="{4D090DEB-D33E-0146-8FDE-1BD7A7A456A7}" dt="2020-11-19T04:30:51.008" v="537" actId="1076"/>
-          <ac:spMkLst>
-            <pc:docMk/>
-            <pc:sldMk cId="3594730708" sldId="330"/>
-            <ac:spMk id="2" creationId="{AA3A228F-61D0-D949-A5E7-F83756230BF8}"/>
-          </ac:spMkLst>
-        </pc:spChg>
-        <pc:spChg chg="mod">
-          <ac:chgData name="Long B Nguyen" userId="f59fb8f3-a021-417a-8bc1-65c8d471c621" providerId="ADAL" clId="{4D090DEB-D33E-0146-8FDE-1BD7A7A456A7}" dt="2020-11-19T04:47:45.452" v="863" actId="14100"/>
-          <ac:spMkLst>
-            <pc:docMk/>
-            <pc:sldMk cId="3594730708" sldId="330"/>
-            <ac:spMk id="9" creationId="{E3B2E017-30B2-884B-A113-B419A2ED51AD}"/>
-          </ac:spMkLst>
-        </pc:spChg>
-      </pc:sldChg>
-      <pc:sldChg chg="addSp delSp modSp mod modAnim">
-        <pc:chgData name="Long B Nguyen" userId="f59fb8f3-a021-417a-8bc1-65c8d471c621" providerId="ADAL" clId="{4D090DEB-D33E-0146-8FDE-1BD7A7A456A7}" dt="2020-11-19T04:50:19.326" v="901"/>
-        <pc:sldMkLst>
-          <pc:docMk/>
-          <pc:sldMk cId="3870816631" sldId="331"/>
-        </pc:sldMkLst>
-        <pc:spChg chg="mod">
-          <ac:chgData name="Long B Nguyen" userId="f59fb8f3-a021-417a-8bc1-65c8d471c621" providerId="ADAL" clId="{4D090DEB-D33E-0146-8FDE-1BD7A7A456A7}" dt="2020-11-19T04:32:15.917" v="542" actId="255"/>
-          <ac:spMkLst>
-            <pc:docMk/>
-            <pc:sldMk cId="3870816631" sldId="331"/>
-            <ac:spMk id="2" creationId="{AA3A228F-61D0-D949-A5E7-F83756230BF8}"/>
-          </ac:spMkLst>
-        </pc:spChg>
-        <pc:spChg chg="add del mod">
-          <ac:chgData name="Long B Nguyen" userId="f59fb8f3-a021-417a-8bc1-65c8d471c621" providerId="ADAL" clId="{4D090DEB-D33E-0146-8FDE-1BD7A7A456A7}" dt="2020-11-12T13:15:47.185" v="400"/>
-          <ac:spMkLst>
-            <pc:docMk/>
-            <pc:sldMk cId="3870816631" sldId="331"/>
-            <ac:spMk id="3" creationId="{E68AA33E-8791-084B-A0F9-C8D0D2031050}"/>
-          </ac:spMkLst>
-        </pc:spChg>
-        <pc:spChg chg="add mod">
-          <ac:chgData name="Long B Nguyen" userId="f59fb8f3-a021-417a-8bc1-65c8d471c621" providerId="ADAL" clId="{4D090DEB-D33E-0146-8FDE-1BD7A7A456A7}" dt="2020-11-12T13:15:40.658" v="398" actId="207"/>
-          <ac:spMkLst>
-            <pc:docMk/>
-            <pc:sldMk cId="3870816631" sldId="331"/>
-            <ac:spMk id="4" creationId="{82B7CFAA-F2D6-8B42-AC58-997AD5662DAB}"/>
-          </ac:spMkLst>
-        </pc:spChg>
-        <pc:spChg chg="mod">
-          <ac:chgData name="Long B Nguyen" userId="f59fb8f3-a021-417a-8bc1-65c8d471c621" providerId="ADAL" clId="{4D090DEB-D33E-0146-8FDE-1BD7A7A456A7}" dt="2020-11-19T04:32:21.193" v="543" actId="14100"/>
-          <ac:spMkLst>
-            <pc:docMk/>
-            <pc:sldMk cId="3870816631" sldId="331"/>
-            <ac:spMk id="9" creationId="{E3B2E017-30B2-884B-A113-B419A2ED51AD}"/>
-          </ac:spMkLst>
-        </pc:spChg>
-      </pc:sldChg>
-      <pc:sldChg chg="modSp mod modAnim">
-        <pc:chgData name="Long B Nguyen" userId="f59fb8f3-a021-417a-8bc1-65c8d471c621" providerId="ADAL" clId="{4D090DEB-D33E-0146-8FDE-1BD7A7A456A7}" dt="2020-11-20T14:06:48.637" v="1117" actId="20577"/>
-        <pc:sldMkLst>
-          <pc:docMk/>
-          <pc:sldMk cId="3124353102" sldId="332"/>
-        </pc:sldMkLst>
-        <pc:spChg chg="mod">
-          <ac:chgData name="Long B Nguyen" userId="f59fb8f3-a021-417a-8bc1-65c8d471c621" providerId="ADAL" clId="{4D090DEB-D33E-0146-8FDE-1BD7A7A456A7}" dt="2020-11-19T04:31:26.138" v="540" actId="1076"/>
-          <ac:spMkLst>
-            <pc:docMk/>
-            <pc:sldMk cId="3124353102" sldId="332"/>
-            <ac:spMk id="2" creationId="{AA3A228F-61D0-D949-A5E7-F83756230BF8}"/>
-          </ac:spMkLst>
-        </pc:spChg>
-        <pc:spChg chg="mod">
-          <ac:chgData name="Long B Nguyen" userId="f59fb8f3-a021-417a-8bc1-65c8d471c621" providerId="ADAL" clId="{4D090DEB-D33E-0146-8FDE-1BD7A7A456A7}" dt="2020-11-20T14:06:48.637" v="1117" actId="20577"/>
-          <ac:spMkLst>
-            <pc:docMk/>
-            <pc:sldMk cId="3124353102" sldId="332"/>
-            <ac:spMk id="9" creationId="{E3B2E017-30B2-884B-A113-B419A2ED51AD}"/>
-          </ac:spMkLst>
-        </pc:spChg>
-      </pc:sldChg>
-    </pc:docChg>
-  </pc:docChgLst>
-  <pc:docChgLst>
-    <pc:chgData name="Long B Nguyen" userId="f59fb8f3-a021-417a-8bc1-65c8d471c621" providerId="ADAL" clId="{03B59D2A-58F7-2C47-BB72-AE152660F162}"/>
-    <pc:docChg chg="addSld modSld">
-      <pc:chgData name="Long B Nguyen" userId="f59fb8f3-a021-417a-8bc1-65c8d471c621" providerId="ADAL" clId="{03B59D2A-58F7-2C47-BB72-AE152660F162}" dt="2021-06-05T16:01:06.129" v="84" actId="20577"/>
-      <pc:docMkLst>
-        <pc:docMk/>
-      </pc:docMkLst>
-      <pc:sldChg chg="modSp mod">
-        <pc:chgData name="Long B Nguyen" userId="f59fb8f3-a021-417a-8bc1-65c8d471c621" providerId="ADAL" clId="{03B59D2A-58F7-2C47-BB72-AE152660F162}" dt="2021-06-05T15:57:48.063" v="34" actId="1037"/>
-        <pc:sldMkLst>
-          <pc:docMk/>
-          <pc:sldMk cId="4247104139" sldId="256"/>
-        </pc:sldMkLst>
-        <pc:spChg chg="mod">
-          <ac:chgData name="Long B Nguyen" userId="f59fb8f3-a021-417a-8bc1-65c8d471c621" providerId="ADAL" clId="{03B59D2A-58F7-2C47-BB72-AE152660F162}" dt="2021-06-05T15:57:48.063" v="34" actId="1037"/>
-          <ac:spMkLst>
-            <pc:docMk/>
-            <pc:sldMk cId="4247104139" sldId="256"/>
-            <ac:spMk id="3" creationId="{1BDC47C8-6776-7B44-9CD4-95FC91452D62}"/>
-          </ac:spMkLst>
-        </pc:spChg>
-      </pc:sldChg>
-      <pc:sldChg chg="modSp add mod">
-        <pc:chgData name="Long B Nguyen" userId="f59fb8f3-a021-417a-8bc1-65c8d471c621" providerId="ADAL" clId="{03B59D2A-58F7-2C47-BB72-AE152660F162}" dt="2021-06-05T16:00:22.832" v="50" actId="20577"/>
-        <pc:sldMkLst>
-          <pc:docMk/>
-          <pc:sldMk cId="403449732" sldId="302"/>
-        </pc:sldMkLst>
-        <pc:spChg chg="mod">
-          <ac:chgData name="Long B Nguyen" userId="f59fb8f3-a021-417a-8bc1-65c8d471c621" providerId="ADAL" clId="{03B59D2A-58F7-2C47-BB72-AE152660F162}" dt="2021-06-05T16:00:06.744" v="35" actId="1076"/>
-          <ac:spMkLst>
-            <pc:docMk/>
-            <pc:sldMk cId="403449732" sldId="302"/>
-            <ac:spMk id="2" creationId="{AA3A228F-61D0-D949-A5E7-F83756230BF8}"/>
-          </ac:spMkLst>
-        </pc:spChg>
-        <pc:spChg chg="mod">
-          <ac:chgData name="Long B Nguyen" userId="f59fb8f3-a021-417a-8bc1-65c8d471c621" providerId="ADAL" clId="{03B59D2A-58F7-2C47-BB72-AE152660F162}" dt="2021-06-05T16:00:22.832" v="50" actId="20577"/>
-          <ac:spMkLst>
-            <pc:docMk/>
-            <pc:sldMk cId="403449732" sldId="302"/>
-            <ac:spMk id="9" creationId="{E3B2E017-30B2-884B-A113-B419A2ED51AD}"/>
-          </ac:spMkLst>
-        </pc:spChg>
-      </pc:sldChg>
-      <pc:sldChg chg="modSp add mod">
-        <pc:chgData name="Long B Nguyen" userId="f59fb8f3-a021-417a-8bc1-65c8d471c621" providerId="ADAL" clId="{03B59D2A-58F7-2C47-BB72-AE152660F162}" dt="2021-06-05T16:00:47.158" v="66" actId="20577"/>
-        <pc:sldMkLst>
-          <pc:docMk/>
-          <pc:sldMk cId="370395365" sldId="306"/>
-        </pc:sldMkLst>
-        <pc:spChg chg="mod">
-          <ac:chgData name="Long B Nguyen" userId="f59fb8f3-a021-417a-8bc1-65c8d471c621" providerId="ADAL" clId="{03B59D2A-58F7-2C47-BB72-AE152660F162}" dt="2021-06-05T16:00:29.774" v="51" actId="1076"/>
-          <ac:spMkLst>
-            <pc:docMk/>
-            <pc:sldMk cId="370395365" sldId="306"/>
-            <ac:spMk id="2" creationId="{AA3A228F-61D0-D949-A5E7-F83756230BF8}"/>
-          </ac:spMkLst>
-        </pc:spChg>
-        <pc:spChg chg="mod">
-          <ac:chgData name="Long B Nguyen" userId="f59fb8f3-a021-417a-8bc1-65c8d471c621" providerId="ADAL" clId="{03B59D2A-58F7-2C47-BB72-AE152660F162}" dt="2021-06-05T16:00:47.158" v="66" actId="20577"/>
-          <ac:spMkLst>
-            <pc:docMk/>
-            <pc:sldMk cId="370395365" sldId="306"/>
-            <ac:spMk id="9" creationId="{E3B2E017-30B2-884B-A113-B419A2ED51AD}"/>
-          </ac:spMkLst>
-        </pc:spChg>
-      </pc:sldChg>
-      <pc:sldChg chg="modSp add mod">
-        <pc:chgData name="Long B Nguyen" userId="f59fb8f3-a021-417a-8bc1-65c8d471c621" providerId="ADAL" clId="{03B59D2A-58F7-2C47-BB72-AE152660F162}" dt="2021-06-05T16:01:06.129" v="84" actId="20577"/>
-        <pc:sldMkLst>
-          <pc:docMk/>
-          <pc:sldMk cId="224751101" sldId="307"/>
-        </pc:sldMkLst>
-        <pc:spChg chg="mod">
-          <ac:chgData name="Long B Nguyen" userId="f59fb8f3-a021-417a-8bc1-65c8d471c621" providerId="ADAL" clId="{03B59D2A-58F7-2C47-BB72-AE152660F162}" dt="2021-06-05T16:00:53.536" v="67" actId="1076"/>
-          <ac:spMkLst>
-            <pc:docMk/>
-            <pc:sldMk cId="224751101" sldId="307"/>
-            <ac:spMk id="2" creationId="{AA3A228F-61D0-D949-A5E7-F83756230BF8}"/>
-          </ac:spMkLst>
-        </pc:spChg>
-        <pc:spChg chg="mod">
-          <ac:chgData name="Long B Nguyen" userId="f59fb8f3-a021-417a-8bc1-65c8d471c621" providerId="ADAL" clId="{03B59D2A-58F7-2C47-BB72-AE152660F162}" dt="2021-06-05T16:01:06.129" v="84" actId="20577"/>
-          <ac:spMkLst>
-            <pc:docMk/>
-            <pc:sldMk cId="224751101" sldId="307"/>
-            <ac:spMk id="9" creationId="{E3B2E017-30B2-884B-A113-B419A2ED51AD}"/>
-          </ac:spMkLst>
-        </pc:spChg>
-      </pc:sldChg>
-    </pc:docChg>
-  </pc:docChgLst>
-  <pc:docChgLst>
-    <pc:chgData name="Long B Nguyen" userId="f59fb8f3-a021-417a-8bc1-65c8d471c621" providerId="ADAL" clId="{CC9C9D9A-5149-2947-86C0-576F501F60DC}"/>
-    <pc:docChg chg="addSld modSld">
-      <pc:chgData name="Long B Nguyen" userId="f59fb8f3-a021-417a-8bc1-65c8d471c621" providerId="ADAL" clId="{CC9C9D9A-5149-2947-86C0-576F501F60DC}" dt="2020-01-05T21:59:55.597" v="2392" actId="14100"/>
-      <pc:docMkLst>
-        <pc:docMk/>
-      </pc:docMkLst>
-      <pc:sldChg chg="modSp add modAnim">
-        <pc:chgData name="Long B Nguyen" userId="f59fb8f3-a021-417a-8bc1-65c8d471c621" providerId="ADAL" clId="{CC9C9D9A-5149-2947-86C0-576F501F60DC}" dt="2020-01-04T15:49:37.373" v="563" actId="20577"/>
-        <pc:sldMkLst>
-          <pc:docMk/>
-          <pc:sldMk cId="924617162" sldId="319"/>
-        </pc:sldMkLst>
-        <pc:spChg chg="mod">
-          <ac:chgData name="Long B Nguyen" userId="f59fb8f3-a021-417a-8bc1-65c8d471c621" providerId="ADAL" clId="{CC9C9D9A-5149-2947-86C0-576F501F60DC}" dt="2020-01-04T15:45:14.876" v="4" actId="20577"/>
-          <ac:spMkLst>
-            <pc:docMk/>
-            <pc:sldMk cId="924617162" sldId="319"/>
-            <ac:spMk id="2" creationId="{AA3A228F-61D0-D949-A5E7-F83756230BF8}"/>
-          </ac:spMkLst>
-        </pc:spChg>
-        <pc:spChg chg="mod">
-          <ac:chgData name="Long B Nguyen" userId="f59fb8f3-a021-417a-8bc1-65c8d471c621" providerId="ADAL" clId="{CC9C9D9A-5149-2947-86C0-576F501F60DC}" dt="2020-01-04T15:49:37.373" v="563" actId="20577"/>
-          <ac:spMkLst>
-            <pc:docMk/>
-            <pc:sldMk cId="924617162" sldId="319"/>
-            <ac:spMk id="9" creationId="{E3B2E017-30B2-884B-A113-B419A2ED51AD}"/>
-          </ac:spMkLst>
-        </pc:spChg>
-      </pc:sldChg>
-      <pc:sldChg chg="modSp add">
-        <pc:chgData name="Long B Nguyen" userId="f59fb8f3-a021-417a-8bc1-65c8d471c621" providerId="ADAL" clId="{CC9C9D9A-5149-2947-86C0-576F501F60DC}" dt="2020-01-04T15:57:55.835" v="789" actId="14100"/>
-        <pc:sldMkLst>
-          <pc:docMk/>
-          <pc:sldMk cId="3758830494" sldId="320"/>
-        </pc:sldMkLst>
-        <pc:spChg chg="mod">
-          <ac:chgData name="Long B Nguyen" userId="f59fb8f3-a021-417a-8bc1-65c8d471c621" providerId="ADAL" clId="{CC9C9D9A-5149-2947-86C0-576F501F60DC}" dt="2020-01-04T15:57:52.065" v="788" actId="1076"/>
-          <ac:spMkLst>
-            <pc:docMk/>
-            <pc:sldMk cId="3758830494" sldId="320"/>
-            <ac:spMk id="2" creationId="{AA3A228F-61D0-D949-A5E7-F83756230BF8}"/>
-          </ac:spMkLst>
-        </pc:spChg>
-        <pc:spChg chg="mod">
-          <ac:chgData name="Long B Nguyen" userId="f59fb8f3-a021-417a-8bc1-65c8d471c621" providerId="ADAL" clId="{CC9C9D9A-5149-2947-86C0-576F501F60DC}" dt="2020-01-04T15:57:55.835" v="789" actId="14100"/>
-          <ac:spMkLst>
-            <pc:docMk/>
-            <pc:sldMk cId="3758830494" sldId="320"/>
-            <ac:spMk id="9" creationId="{E3B2E017-30B2-884B-A113-B419A2ED51AD}"/>
-          </ac:spMkLst>
-        </pc:spChg>
-      </pc:sldChg>
-      <pc:sldChg chg="modSp add">
-        <pc:chgData name="Long B Nguyen" userId="f59fb8f3-a021-417a-8bc1-65c8d471c621" providerId="ADAL" clId="{CC9C9D9A-5149-2947-86C0-576F501F60DC}" dt="2020-01-05T21:51:37.442" v="2325" actId="20577"/>
-        <pc:sldMkLst>
-          <pc:docMk/>
-          <pc:sldMk cId="1022945305" sldId="321"/>
-        </pc:sldMkLst>
-        <pc:spChg chg="mod">
-          <ac:chgData name="Long B Nguyen" userId="f59fb8f3-a021-417a-8bc1-65c8d471c621" providerId="ADAL" clId="{CC9C9D9A-5149-2947-86C0-576F501F60DC}" dt="2020-01-05T21:51:37.442" v="2325" actId="20577"/>
-          <ac:spMkLst>
-            <pc:docMk/>
-            <pc:sldMk cId="1022945305" sldId="321"/>
-            <ac:spMk id="2" creationId="{AA3A228F-61D0-D949-A5E7-F83756230BF8}"/>
-          </ac:spMkLst>
-        </pc:spChg>
-        <pc:spChg chg="mod">
-          <ac:chgData name="Long B Nguyen" userId="f59fb8f3-a021-417a-8bc1-65c8d471c621" providerId="ADAL" clId="{CC9C9D9A-5149-2947-86C0-576F501F60DC}" dt="2020-01-05T21:33:21.485" v="2304" actId="20577"/>
-          <ac:spMkLst>
-            <pc:docMk/>
-            <pc:sldMk cId="1022945305" sldId="321"/>
-            <ac:spMk id="9" creationId="{E3B2E017-30B2-884B-A113-B419A2ED51AD}"/>
-          </ac:spMkLst>
-        </pc:spChg>
-      </pc:sldChg>
-      <pc:sldChg chg="modSp add">
-        <pc:chgData name="Long B Nguyen" userId="f59fb8f3-a021-417a-8bc1-65c8d471c621" providerId="ADAL" clId="{CC9C9D9A-5149-2947-86C0-576F501F60DC}" dt="2020-01-04T17:41:57.489" v="1203" actId="20577"/>
-        <pc:sldMkLst>
-          <pc:docMk/>
-          <pc:sldMk cId="3456840474" sldId="322"/>
-        </pc:sldMkLst>
-        <pc:spChg chg="mod">
-          <ac:chgData name="Long B Nguyen" userId="f59fb8f3-a021-417a-8bc1-65c8d471c621" providerId="ADAL" clId="{CC9C9D9A-5149-2947-86C0-576F501F60DC}" dt="2020-01-04T17:41:57.489" v="1203" actId="20577"/>
-          <ac:spMkLst>
-            <pc:docMk/>
-            <pc:sldMk cId="3456840474" sldId="322"/>
-            <ac:spMk id="9" creationId="{E3B2E017-30B2-884B-A113-B419A2ED51AD}"/>
-          </ac:spMkLst>
-        </pc:spChg>
-      </pc:sldChg>
-      <pc:sldChg chg="modSp add">
-        <pc:chgData name="Long B Nguyen" userId="f59fb8f3-a021-417a-8bc1-65c8d471c621" providerId="ADAL" clId="{CC9C9D9A-5149-2947-86C0-576F501F60DC}" dt="2020-01-04T18:38:26.241" v="1214" actId="113"/>
-        <pc:sldMkLst>
-          <pc:docMk/>
-          <pc:sldMk cId="1062075874" sldId="323"/>
-        </pc:sldMkLst>
-        <pc:spChg chg="mod">
-          <ac:chgData name="Long B Nguyen" userId="f59fb8f3-a021-417a-8bc1-65c8d471c621" providerId="ADAL" clId="{CC9C9D9A-5149-2947-86C0-576F501F60DC}" dt="2020-01-04T18:38:26.241" v="1214" actId="113"/>
-          <ac:spMkLst>
-            <pc:docMk/>
-            <pc:sldMk cId="1062075874" sldId="323"/>
-            <ac:spMk id="9" creationId="{E3B2E017-30B2-884B-A113-B419A2ED51AD}"/>
-          </ac:spMkLst>
-        </pc:spChg>
-      </pc:sldChg>
-      <pc:sldChg chg="modSp add">
-        <pc:chgData name="Long B Nguyen" userId="f59fb8f3-a021-417a-8bc1-65c8d471c621" providerId="ADAL" clId="{CC9C9D9A-5149-2947-86C0-576F501F60DC}" dt="2020-01-04T20:58:36.932" v="1972" actId="20577"/>
-        <pc:sldMkLst>
-          <pc:docMk/>
-          <pc:sldMk cId="1310010799" sldId="324"/>
-        </pc:sldMkLst>
-        <pc:spChg chg="mod">
-          <ac:chgData name="Long B Nguyen" userId="f59fb8f3-a021-417a-8bc1-65c8d471c621" providerId="ADAL" clId="{CC9C9D9A-5149-2947-86C0-576F501F60DC}" dt="2020-01-04T20:55:25.731" v="1962" actId="1076"/>
-          <ac:spMkLst>
-            <pc:docMk/>
-            <pc:sldMk cId="1310010799" sldId="324"/>
-            <ac:spMk id="2" creationId="{AA3A228F-61D0-D949-A5E7-F83756230BF8}"/>
-          </ac:spMkLst>
-        </pc:spChg>
-        <pc:spChg chg="mod">
-          <ac:chgData name="Long B Nguyen" userId="f59fb8f3-a021-417a-8bc1-65c8d471c621" providerId="ADAL" clId="{CC9C9D9A-5149-2947-86C0-576F501F60DC}" dt="2020-01-04T20:58:36.932" v="1972" actId="20577"/>
-          <ac:spMkLst>
-            <pc:docMk/>
-            <pc:sldMk cId="1310010799" sldId="324"/>
-            <ac:spMk id="9" creationId="{E3B2E017-30B2-884B-A113-B419A2ED51AD}"/>
-          </ac:spMkLst>
-        </pc:spChg>
-      </pc:sldChg>
-      <pc:sldChg chg="modSp add">
-        <pc:chgData name="Long B Nguyen" userId="f59fb8f3-a021-417a-8bc1-65c8d471c621" providerId="ADAL" clId="{CC9C9D9A-5149-2947-86C0-576F501F60DC}" dt="2020-01-05T21:27:04.952" v="2119" actId="20577"/>
-        <pc:sldMkLst>
-          <pc:docMk/>
-          <pc:sldMk cId="3314372952" sldId="325"/>
-        </pc:sldMkLst>
-        <pc:spChg chg="mod">
-          <ac:chgData name="Long B Nguyen" userId="f59fb8f3-a021-417a-8bc1-65c8d471c621" providerId="ADAL" clId="{CC9C9D9A-5149-2947-86C0-576F501F60DC}" dt="2020-01-05T21:26:41.210" v="2114" actId="20577"/>
-          <ac:spMkLst>
-            <pc:docMk/>
-            <pc:sldMk cId="3314372952" sldId="325"/>
-            <ac:spMk id="2" creationId="{AA3A228F-61D0-D949-A5E7-F83756230BF8}"/>
-          </ac:spMkLst>
-        </pc:spChg>
-        <pc:spChg chg="mod">
-          <ac:chgData name="Long B Nguyen" userId="f59fb8f3-a021-417a-8bc1-65c8d471c621" providerId="ADAL" clId="{CC9C9D9A-5149-2947-86C0-576F501F60DC}" dt="2020-01-05T21:27:04.952" v="2119" actId="20577"/>
-          <ac:spMkLst>
-            <pc:docMk/>
-            <pc:sldMk cId="3314372952" sldId="325"/>
-            <ac:spMk id="9" creationId="{E3B2E017-30B2-884B-A113-B419A2ED51AD}"/>
-          </ac:spMkLst>
-        </pc:spChg>
-      </pc:sldChg>
-      <pc:sldChg chg="modSp add">
-        <pc:chgData name="Long B Nguyen" userId="f59fb8f3-a021-417a-8bc1-65c8d471c621" providerId="ADAL" clId="{CC9C9D9A-5149-2947-86C0-576F501F60DC}" dt="2020-01-05T21:29:58.563" v="2178" actId="20577"/>
-        <pc:sldMkLst>
-          <pc:docMk/>
-          <pc:sldMk cId="3117943122" sldId="326"/>
-        </pc:sldMkLst>
-        <pc:spChg chg="mod">
-          <ac:chgData name="Long B Nguyen" userId="f59fb8f3-a021-417a-8bc1-65c8d471c621" providerId="ADAL" clId="{CC9C9D9A-5149-2947-86C0-576F501F60DC}" dt="2020-01-05T21:29:58.563" v="2178" actId="20577"/>
-          <ac:spMkLst>
-            <pc:docMk/>
-            <pc:sldMk cId="3117943122" sldId="326"/>
-            <ac:spMk id="9" creationId="{E3B2E017-30B2-884B-A113-B419A2ED51AD}"/>
-          </ac:spMkLst>
-        </pc:spChg>
-      </pc:sldChg>
-      <pc:sldChg chg="modSp add">
-        <pc:chgData name="Long B Nguyen" userId="f59fb8f3-a021-417a-8bc1-65c8d471c621" providerId="ADAL" clId="{CC9C9D9A-5149-2947-86C0-576F501F60DC}" dt="2020-01-05T21:59:55.597" v="2392" actId="14100"/>
-        <pc:sldMkLst>
-          <pc:docMk/>
-          <pc:sldMk cId="1025618360" sldId="327"/>
-        </pc:sldMkLst>
-        <pc:spChg chg="mod">
-          <ac:chgData name="Long B Nguyen" userId="f59fb8f3-a021-417a-8bc1-65c8d471c621" providerId="ADAL" clId="{CC9C9D9A-5149-2947-86C0-576F501F60DC}" dt="2020-01-05T21:59:55.597" v="2392" actId="14100"/>
-          <ac:spMkLst>
-            <pc:docMk/>
-            <pc:sldMk cId="1025618360" sldId="327"/>
-            <ac:spMk id="9" creationId="{E3B2E017-30B2-884B-A113-B419A2ED51AD}"/>
-          </ac:spMkLst>
-        </pc:spChg>
-      </pc:sldChg>
-      <pc:sldChg chg="modSp add">
-        <pc:chgData name="Long B Nguyen" userId="f59fb8f3-a021-417a-8bc1-65c8d471c621" providerId="ADAL" clId="{CC9C9D9A-5149-2947-86C0-576F501F60DC}" dt="2020-01-05T21:54:47.081" v="2356" actId="2711"/>
-        <pc:sldMkLst>
-          <pc:docMk/>
-          <pc:sldMk cId="3894299887" sldId="328"/>
-        </pc:sldMkLst>
-        <pc:spChg chg="mod">
-          <ac:chgData name="Long B Nguyen" userId="f59fb8f3-a021-417a-8bc1-65c8d471c621" providerId="ADAL" clId="{CC9C9D9A-5149-2947-86C0-576F501F60DC}" dt="2020-01-05T21:51:41.306" v="2327" actId="20577"/>
-          <ac:spMkLst>
-            <pc:docMk/>
-            <pc:sldMk cId="3894299887" sldId="328"/>
-            <ac:spMk id="2" creationId="{AA3A228F-61D0-D949-A5E7-F83756230BF8}"/>
-          </ac:spMkLst>
-        </pc:spChg>
-        <pc:spChg chg="mod">
-          <ac:chgData name="Long B Nguyen" userId="f59fb8f3-a021-417a-8bc1-65c8d471c621" providerId="ADAL" clId="{CC9C9D9A-5149-2947-86C0-576F501F60DC}" dt="2020-01-05T21:54:47.081" v="2356" actId="2711"/>
-          <ac:spMkLst>
-            <pc:docMk/>
-            <pc:sldMk cId="3894299887" sldId="328"/>
-            <ac:spMk id="9" creationId="{E3B2E017-30B2-884B-A113-B419A2ED51AD}"/>
-          </ac:spMkLst>
-        </pc:spChg>
-      </pc:sldChg>
-      <pc:sldChg chg="add">
-        <pc:chgData name="Long B Nguyen" userId="f59fb8f3-a021-417a-8bc1-65c8d471c621" providerId="ADAL" clId="{CC9C9D9A-5149-2947-86C0-576F501F60DC}" dt="2020-01-05T21:57:38.736" v="2357"/>
-        <pc:sldMkLst>
-          <pc:docMk/>
-          <pc:sldMk cId="4294143140" sldId="329"/>
+          <pc:sldMk cId="278063722" sldId="337"/>
         </pc:sldMkLst>
       </pc:sldChg>
     </pc:docChg>
@@ -2702,14 +760,106 @@
           <pc:docMk/>
           <pc:sldMk cId="2023389722" sldId="333"/>
         </pc:sldMkLst>
-        <pc:spChg chg="mod">
-          <ac:chgData name="Long B Nguyen" userId="f59fb8f3-a021-417a-8bc1-65c8d471c621" providerId="ADAL" clId="{3CB66211-2DF4-2442-833E-8DD261694FF0}" dt="2021-11-07T17:24:01.542" v="250" actId="20577"/>
-          <ac:spMkLst>
-            <pc:docMk/>
-            <pc:sldMk cId="2023389722" sldId="333"/>
-            <ac:spMk id="9" creationId="{E3B2E017-30B2-884B-A113-B419A2ED51AD}"/>
-          </ac:spMkLst>
-        </pc:spChg>
+      </pc:sldChg>
+    </pc:docChg>
+  </pc:docChgLst>
+  <pc:docChgLst>
+    <pc:chgData name="Long B Nguyen" userId="f59fb8f3-a021-417a-8bc1-65c8d471c621" providerId="ADAL" clId="{4D090DEB-D33E-0146-8FDE-1BD7A7A456A7}"/>
+    <pc:docChg chg="undo custSel modSld">
+      <pc:chgData name="Long B Nguyen" userId="f59fb8f3-a021-417a-8bc1-65c8d471c621" providerId="ADAL" clId="{4D090DEB-D33E-0146-8FDE-1BD7A7A456A7}" dt="2020-11-20T14:06:48.637" v="1117" actId="20577"/>
+      <pc:docMkLst>
+        <pc:docMk/>
+      </pc:docMkLst>
+      <pc:sldChg chg="modSp mod modAnim">
+        <pc:chgData name="Long B Nguyen" userId="f59fb8f3-a021-417a-8bc1-65c8d471c621" providerId="ADAL" clId="{4D090DEB-D33E-0146-8FDE-1BD7A7A456A7}" dt="2020-11-19T04:45:19.757" v="781" actId="1076"/>
+        <pc:sldMkLst>
+          <pc:docMk/>
+          <pc:sldMk cId="924617162" sldId="319"/>
+        </pc:sldMkLst>
+      </pc:sldChg>
+      <pc:sldChg chg="modSp mod modAnim">
+        <pc:chgData name="Long B Nguyen" userId="f59fb8f3-a021-417a-8bc1-65c8d471c621" providerId="ADAL" clId="{4D090DEB-D33E-0146-8FDE-1BD7A7A456A7}" dt="2020-11-19T04:33:36.604" v="547"/>
+        <pc:sldMkLst>
+          <pc:docMk/>
+          <pc:sldMk cId="3758830494" sldId="320"/>
+        </pc:sldMkLst>
+      </pc:sldChg>
+      <pc:sldChg chg="addSp modSp mod modAnim">
+        <pc:chgData name="Long B Nguyen" userId="f59fb8f3-a021-417a-8bc1-65c8d471c621" providerId="ADAL" clId="{4D090DEB-D33E-0146-8FDE-1BD7A7A456A7}" dt="2020-11-19T13:05:31.040" v="1113"/>
+        <pc:sldMkLst>
+          <pc:docMk/>
+          <pc:sldMk cId="1022945305" sldId="321"/>
+        </pc:sldMkLst>
+      </pc:sldChg>
+      <pc:sldChg chg="modSp mod modAnim">
+        <pc:chgData name="Long B Nguyen" userId="f59fb8f3-a021-417a-8bc1-65c8d471c621" providerId="ADAL" clId="{4D090DEB-D33E-0146-8FDE-1BD7A7A456A7}" dt="2020-11-19T04:38:55.983" v="637"/>
+        <pc:sldMkLst>
+          <pc:docMk/>
+          <pc:sldMk cId="3456840474" sldId="322"/>
+        </pc:sldMkLst>
+      </pc:sldChg>
+      <pc:sldChg chg="modSp mod modAnim">
+        <pc:chgData name="Long B Nguyen" userId="f59fb8f3-a021-417a-8bc1-65c8d471c621" providerId="ADAL" clId="{4D090DEB-D33E-0146-8FDE-1BD7A7A456A7}" dt="2020-11-19T04:37:41.967" v="627"/>
+        <pc:sldMkLst>
+          <pc:docMk/>
+          <pc:sldMk cId="1062075874" sldId="323"/>
+        </pc:sldMkLst>
+      </pc:sldChg>
+      <pc:sldChg chg="modSp mod modAnim">
+        <pc:chgData name="Long B Nguyen" userId="f59fb8f3-a021-417a-8bc1-65c8d471c621" providerId="ADAL" clId="{4D090DEB-D33E-0146-8FDE-1BD7A7A456A7}" dt="2020-11-19T04:48:10.088" v="870"/>
+        <pc:sldMkLst>
+          <pc:docMk/>
+          <pc:sldMk cId="1310010799" sldId="324"/>
+        </pc:sldMkLst>
+      </pc:sldChg>
+      <pc:sldChg chg="modSp mod modAnim">
+        <pc:chgData name="Long B Nguyen" userId="f59fb8f3-a021-417a-8bc1-65c8d471c621" providerId="ADAL" clId="{4D090DEB-D33E-0146-8FDE-1BD7A7A456A7}" dt="2020-11-19T04:49:22.406" v="887"/>
+        <pc:sldMkLst>
+          <pc:docMk/>
+          <pc:sldMk cId="3314372952" sldId="325"/>
+        </pc:sldMkLst>
+      </pc:sldChg>
+      <pc:sldChg chg="modSp mod modAnim">
+        <pc:chgData name="Long B Nguyen" userId="f59fb8f3-a021-417a-8bc1-65c8d471c621" providerId="ADAL" clId="{4D090DEB-D33E-0146-8FDE-1BD7A7A456A7}" dt="2020-11-19T04:38:18.076" v="631"/>
+        <pc:sldMkLst>
+          <pc:docMk/>
+          <pc:sldMk cId="1724104636" sldId="327"/>
+        </pc:sldMkLst>
+      </pc:sldChg>
+      <pc:sldChg chg="modSp mod modAnim">
+        <pc:chgData name="Long B Nguyen" userId="f59fb8f3-a021-417a-8bc1-65c8d471c621" providerId="ADAL" clId="{4D090DEB-D33E-0146-8FDE-1BD7A7A456A7}" dt="2020-11-19T04:35:29.630" v="597"/>
+        <pc:sldMkLst>
+          <pc:docMk/>
+          <pc:sldMk cId="3894299887" sldId="328"/>
+        </pc:sldMkLst>
+      </pc:sldChg>
+      <pc:sldChg chg="modSp mod modAnim">
+        <pc:chgData name="Long B Nguyen" userId="f59fb8f3-a021-417a-8bc1-65c8d471c621" providerId="ADAL" clId="{4D090DEB-D33E-0146-8FDE-1BD7A7A456A7}" dt="2020-11-19T04:35:59.803" v="602"/>
+        <pc:sldMkLst>
+          <pc:docMk/>
+          <pc:sldMk cId="4294143140" sldId="329"/>
+        </pc:sldMkLst>
+      </pc:sldChg>
+      <pc:sldChg chg="modSp mod modAnim">
+        <pc:chgData name="Long B Nguyen" userId="f59fb8f3-a021-417a-8bc1-65c8d471c621" providerId="ADAL" clId="{4D090DEB-D33E-0146-8FDE-1BD7A7A456A7}" dt="2020-11-19T04:47:48.607" v="864"/>
+        <pc:sldMkLst>
+          <pc:docMk/>
+          <pc:sldMk cId="3594730708" sldId="330"/>
+        </pc:sldMkLst>
+      </pc:sldChg>
+      <pc:sldChg chg="addSp delSp modSp mod modAnim">
+        <pc:chgData name="Long B Nguyen" userId="f59fb8f3-a021-417a-8bc1-65c8d471c621" providerId="ADAL" clId="{4D090DEB-D33E-0146-8FDE-1BD7A7A456A7}" dt="2020-11-19T04:50:19.326" v="901"/>
+        <pc:sldMkLst>
+          <pc:docMk/>
+          <pc:sldMk cId="3870816631" sldId="331"/>
+        </pc:sldMkLst>
+      </pc:sldChg>
+      <pc:sldChg chg="modSp mod modAnim">
+        <pc:chgData name="Long B Nguyen" userId="f59fb8f3-a021-417a-8bc1-65c8d471c621" providerId="ADAL" clId="{4D090DEB-D33E-0146-8FDE-1BD7A7A456A7}" dt="2020-11-20T14:06:48.637" v="1117" actId="20577"/>
+        <pc:sldMkLst>
+          <pc:docMk/>
+          <pc:sldMk cId="3124353102" sldId="332"/>
+        </pc:sldMkLst>
       </pc:sldChg>
     </pc:docChg>
   </pc:docChgLst>
@@ -2726,14 +876,6 @@
           <pc:docMk/>
           <pc:sldMk cId="4247104139" sldId="256"/>
         </pc:sldMkLst>
-        <pc:spChg chg="mod">
-          <ac:chgData name="Long B Nguyen" userId="f59fb8f3-a021-417a-8bc1-65c8d471c621" providerId="ADAL" clId="{AA9102B5-DACA-D841-B260-AEEBF90FC60A}" dt="2020-01-05T22:05:23.536" v="23" actId="20577"/>
-          <ac:spMkLst>
-            <pc:docMk/>
-            <pc:sldMk cId="4247104139" sldId="256"/>
-            <ac:spMk id="3" creationId="{1BDC47C8-6776-7B44-9CD4-95FC91452D62}"/>
-          </ac:spMkLst>
-        </pc:spChg>
       </pc:sldChg>
       <pc:sldChg chg="del">
         <pc:chgData name="Long B Nguyen" userId="f59fb8f3-a021-417a-8bc1-65c8d471c621" providerId="ADAL" clId="{AA9102B5-DACA-D841-B260-AEEBF90FC60A}" dt="2020-01-05T22:05:52.483" v="41" actId="2696"/>
@@ -2867,14 +1009,6 @@
           <pc:docMk/>
           <pc:sldMk cId="1452600724" sldId="316"/>
         </pc:sldMkLst>
-        <pc:spChg chg="mod">
-          <ac:chgData name="Long B Nguyen" userId="f59fb8f3-a021-417a-8bc1-65c8d471c621" providerId="ADAL" clId="{AA9102B5-DACA-D841-B260-AEEBF90FC60A}" dt="2020-01-06T15:37:30.346" v="948" actId="20577"/>
-          <ac:spMkLst>
-            <pc:docMk/>
-            <pc:sldMk cId="1452600724" sldId="316"/>
-            <ac:spMk id="9" creationId="{E3B2E017-30B2-884B-A113-B419A2ED51AD}"/>
-          </ac:spMkLst>
-        </pc:spChg>
       </pc:sldChg>
       <pc:sldChg chg="del">
         <pc:chgData name="Long B Nguyen" userId="f59fb8f3-a021-417a-8bc1-65c8d471c621" providerId="ADAL" clId="{AA9102B5-DACA-D841-B260-AEEBF90FC60A}" dt="2020-01-06T15:03:11.354" v="848" actId="2696"/>
@@ -2896,14 +1030,6 @@
           <pc:docMk/>
           <pc:sldMk cId="924617162" sldId="319"/>
         </pc:sldMkLst>
-        <pc:spChg chg="mod">
-          <ac:chgData name="Long B Nguyen" userId="f59fb8f3-a021-417a-8bc1-65c8d471c621" providerId="ADAL" clId="{AA9102B5-DACA-D841-B260-AEEBF90FC60A}" dt="2020-01-06T01:48:03.413" v="110" actId="20577"/>
-          <ac:spMkLst>
-            <pc:docMk/>
-            <pc:sldMk cId="924617162" sldId="319"/>
-            <ac:spMk id="9" creationId="{E3B2E017-30B2-884B-A113-B419A2ED51AD}"/>
-          </ac:spMkLst>
-        </pc:spChg>
       </pc:sldChg>
       <pc:sldChg chg="modSp">
         <pc:chgData name="Long B Nguyen" userId="f59fb8f3-a021-417a-8bc1-65c8d471c621" providerId="ADAL" clId="{AA9102B5-DACA-D841-B260-AEEBF90FC60A}" dt="2020-01-06T01:56:11.549" v="712" actId="1076"/>
@@ -2911,14 +1037,6 @@
           <pc:docMk/>
           <pc:sldMk cId="1310010799" sldId="324"/>
         </pc:sldMkLst>
-        <pc:spChg chg="mod">
-          <ac:chgData name="Long B Nguyen" userId="f59fb8f3-a021-417a-8bc1-65c8d471c621" providerId="ADAL" clId="{AA9102B5-DACA-D841-B260-AEEBF90FC60A}" dt="2020-01-06T01:56:11.549" v="712" actId="1076"/>
-          <ac:spMkLst>
-            <pc:docMk/>
-            <pc:sldMk cId="1310010799" sldId="324"/>
-            <ac:spMk id="9" creationId="{E3B2E017-30B2-884B-A113-B419A2ED51AD}"/>
-          </ac:spMkLst>
-        </pc:spChg>
       </pc:sldChg>
       <pc:sldChg chg="modSp">
         <pc:chgData name="Long B Nguyen" userId="f59fb8f3-a021-417a-8bc1-65c8d471c621" providerId="ADAL" clId="{AA9102B5-DACA-D841-B260-AEEBF90FC60A}" dt="2020-01-06T15:35:11.658" v="853" actId="20577"/>
@@ -2926,22 +1044,6 @@
           <pc:docMk/>
           <pc:sldMk cId="3314372952" sldId="325"/>
         </pc:sldMkLst>
-        <pc:spChg chg="mod">
-          <ac:chgData name="Long B Nguyen" userId="f59fb8f3-a021-417a-8bc1-65c8d471c621" providerId="ADAL" clId="{AA9102B5-DACA-D841-B260-AEEBF90FC60A}" dt="2020-01-06T15:35:11.658" v="853" actId="20577"/>
-          <ac:spMkLst>
-            <pc:docMk/>
-            <pc:sldMk cId="3314372952" sldId="325"/>
-            <ac:spMk id="2" creationId="{AA3A228F-61D0-D949-A5E7-F83756230BF8}"/>
-          </ac:spMkLst>
-        </pc:spChg>
-        <pc:spChg chg="mod">
-          <ac:chgData name="Long B Nguyen" userId="f59fb8f3-a021-417a-8bc1-65c8d471c621" providerId="ADAL" clId="{AA9102B5-DACA-D841-B260-AEEBF90FC60A}" dt="2020-01-06T15:02:45.351" v="846" actId="20577"/>
-          <ac:spMkLst>
-            <pc:docMk/>
-            <pc:sldMk cId="3314372952" sldId="325"/>
-            <ac:spMk id="9" creationId="{E3B2E017-30B2-884B-A113-B419A2ED51AD}"/>
-          </ac:spMkLst>
-        </pc:spChg>
       </pc:sldChg>
       <pc:sldChg chg="del">
         <pc:chgData name="Long B Nguyen" userId="f59fb8f3-a021-417a-8bc1-65c8d471c621" providerId="ADAL" clId="{AA9102B5-DACA-D841-B260-AEEBF90FC60A}" dt="2020-01-06T15:03:07.580" v="847" actId="2696"/>
@@ -2963,14 +1065,6 @@
           <pc:docMk/>
           <pc:sldMk cId="1724104636" sldId="327"/>
         </pc:sldMkLst>
-        <pc:spChg chg="mod">
-          <ac:chgData name="Long B Nguyen" userId="f59fb8f3-a021-417a-8bc1-65c8d471c621" providerId="ADAL" clId="{AA9102B5-DACA-D841-B260-AEEBF90FC60A}" dt="2020-01-06T15:00:48.763" v="818" actId="113"/>
-          <ac:spMkLst>
-            <pc:docMk/>
-            <pc:sldMk cId="1724104636" sldId="327"/>
-            <ac:spMk id="9" creationId="{E3B2E017-30B2-884B-A113-B419A2ED51AD}"/>
-          </ac:spMkLst>
-        </pc:spChg>
       </pc:sldChg>
       <pc:sldChg chg="modSp">
         <pc:chgData name="Long B Nguyen" userId="f59fb8f3-a021-417a-8bc1-65c8d471c621" providerId="ADAL" clId="{AA9102B5-DACA-D841-B260-AEEBF90FC60A}" dt="2020-01-06T01:55:34.369" v="708" actId="20577"/>
@@ -2978,14 +1072,6 @@
           <pc:docMk/>
           <pc:sldMk cId="4294143140" sldId="329"/>
         </pc:sldMkLst>
-        <pc:spChg chg="mod">
-          <ac:chgData name="Long B Nguyen" userId="f59fb8f3-a021-417a-8bc1-65c8d471c621" providerId="ADAL" clId="{AA9102B5-DACA-D841-B260-AEEBF90FC60A}" dt="2020-01-06T01:55:34.369" v="708" actId="20577"/>
-          <ac:spMkLst>
-            <pc:docMk/>
-            <pc:sldMk cId="4294143140" sldId="329"/>
-            <ac:spMk id="9" creationId="{E3B2E017-30B2-884B-A113-B419A2ED51AD}"/>
-          </ac:spMkLst>
-        </pc:spChg>
       </pc:sldChg>
       <pc:sldChg chg="modSp add">
         <pc:chgData name="Long B Nguyen" userId="f59fb8f3-a021-417a-8bc1-65c8d471c621" providerId="ADAL" clId="{AA9102B5-DACA-D841-B260-AEEBF90FC60A}" dt="2020-01-06T15:01:01.638" v="819" actId="2711"/>
@@ -2993,14 +1079,6 @@
           <pc:docMk/>
           <pc:sldMk cId="3594730708" sldId="330"/>
         </pc:sldMkLst>
-        <pc:spChg chg="mod">
-          <ac:chgData name="Long B Nguyen" userId="f59fb8f3-a021-417a-8bc1-65c8d471c621" providerId="ADAL" clId="{AA9102B5-DACA-D841-B260-AEEBF90FC60A}" dt="2020-01-06T15:01:01.638" v="819" actId="2711"/>
-          <ac:spMkLst>
-            <pc:docMk/>
-            <pc:sldMk cId="3594730708" sldId="330"/>
-            <ac:spMk id="9" creationId="{E3B2E017-30B2-884B-A113-B419A2ED51AD}"/>
-          </ac:spMkLst>
-        </pc:spChg>
       </pc:sldChg>
       <pc:sldChg chg="modSp add">
         <pc:chgData name="Long B Nguyen" userId="f59fb8f3-a021-417a-8bc1-65c8d471c621" providerId="ADAL" clId="{AA9102B5-DACA-D841-B260-AEEBF90FC60A}" dt="2020-01-06T02:00:17.493" v="815" actId="255"/>
@@ -3008,14 +1086,6 @@
           <pc:docMk/>
           <pc:sldMk cId="3870816631" sldId="331"/>
         </pc:sldMkLst>
-        <pc:spChg chg="mod">
-          <ac:chgData name="Long B Nguyen" userId="f59fb8f3-a021-417a-8bc1-65c8d471c621" providerId="ADAL" clId="{AA9102B5-DACA-D841-B260-AEEBF90FC60A}" dt="2020-01-06T02:00:17.493" v="815" actId="255"/>
-          <ac:spMkLst>
-            <pc:docMk/>
-            <pc:sldMk cId="3870816631" sldId="331"/>
-            <ac:spMk id="9" creationId="{E3B2E017-30B2-884B-A113-B419A2ED51AD}"/>
-          </ac:spMkLst>
-        </pc:spChg>
       </pc:sldChg>
       <pc:sldChg chg="modSp add">
         <pc:chgData name="Long B Nguyen" userId="f59fb8f3-a021-417a-8bc1-65c8d471c621" providerId="ADAL" clId="{AA9102B5-DACA-D841-B260-AEEBF90FC60A}" dt="2020-01-06T17:07:10.515" v="1519" actId="2711"/>
@@ -3023,61 +1093,338 @@
           <pc:docMk/>
           <pc:sldMk cId="3124353102" sldId="332"/>
         </pc:sldMkLst>
-        <pc:spChg chg="mod">
-          <ac:chgData name="Long B Nguyen" userId="f59fb8f3-a021-417a-8bc1-65c8d471c621" providerId="ADAL" clId="{AA9102B5-DACA-D841-B260-AEEBF90FC60A}" dt="2020-01-06T17:03:36.721" v="1332" actId="20577"/>
-          <ac:spMkLst>
-            <pc:docMk/>
-            <pc:sldMk cId="3124353102" sldId="332"/>
-            <ac:spMk id="2" creationId="{AA3A228F-61D0-D949-A5E7-F83756230BF8}"/>
-          </ac:spMkLst>
-        </pc:spChg>
-        <pc:spChg chg="mod">
-          <ac:chgData name="Long B Nguyen" userId="f59fb8f3-a021-417a-8bc1-65c8d471c621" providerId="ADAL" clId="{AA9102B5-DACA-D841-B260-AEEBF90FC60A}" dt="2020-01-06T17:07:10.515" v="1519" actId="2711"/>
-          <ac:spMkLst>
-            <pc:docMk/>
-            <pc:sldMk cId="3124353102" sldId="332"/>
-            <ac:spMk id="9" creationId="{E3B2E017-30B2-884B-A113-B419A2ED51AD}"/>
-          </ac:spMkLst>
-        </pc:spChg>
       </pc:sldChg>
     </pc:docChg>
   </pc:docChgLst>
   <pc:docChgLst>
-    <pc:chgData name="Long B Nguyen" userId="f59fb8f3-a021-417a-8bc1-65c8d471c621" providerId="ADAL" clId="{B5860C40-AA08-4447-A918-2D2782E0FC0B}"/>
-    <pc:docChg chg="delSld modSld">
-      <pc:chgData name="Long B Nguyen" userId="f59fb8f3-a021-417a-8bc1-65c8d471c621" providerId="ADAL" clId="{B5860C40-AA08-4447-A918-2D2782E0FC0B}" dt="2019-09-16T13:59:20.091" v="35" actId="2696"/>
+    <pc:chgData name="Long Nguyen" userId="f59fb8f3-a021-417a-8bc1-65c8d471c621" providerId="ADAL" clId="{C0A99E2D-18F5-9E43-BFDB-896345788C44}"/>
+    <pc:docChg chg="undo custSel addSld delSld modSld">
+      <pc:chgData name="Long Nguyen" userId="f59fb8f3-a021-417a-8bc1-65c8d471c621" providerId="ADAL" clId="{C0A99E2D-18F5-9E43-BFDB-896345788C44}" dt="2022-11-18T18:29:22.997" v="3239" actId="20577"/>
       <pc:docMkLst>
         <pc:docMk/>
       </pc:docMkLst>
-      <pc:sldChg chg="modSp">
-        <pc:chgData name="Long B Nguyen" userId="f59fb8f3-a021-417a-8bc1-65c8d471c621" providerId="ADAL" clId="{B5860C40-AA08-4447-A918-2D2782E0FC0B}" dt="2019-09-16T13:58:36.640" v="18" actId="20577"/>
+      <pc:sldChg chg="modSp mod">
+        <pc:chgData name="Long Nguyen" userId="f59fb8f3-a021-417a-8bc1-65c8d471c621" providerId="ADAL" clId="{C0A99E2D-18F5-9E43-BFDB-896345788C44}" dt="2022-11-18T17:09:00.224" v="1668" actId="20577"/>
         <pc:sldMkLst>
           <pc:docMk/>
           <pc:sldMk cId="4247104139" sldId="256"/>
         </pc:sldMkLst>
-        <pc:spChg chg="mod">
-          <ac:chgData name="Long B Nguyen" userId="f59fb8f3-a021-417a-8bc1-65c8d471c621" providerId="ADAL" clId="{B5860C40-AA08-4447-A918-2D2782E0FC0B}" dt="2019-09-16T13:58:36.640" v="18" actId="20577"/>
-          <ac:spMkLst>
-            <pc:docMk/>
-            <pc:sldMk cId="4247104139" sldId="256"/>
-            <ac:spMk id="3" creationId="{1BDC47C8-6776-7B44-9CD4-95FC91452D62}"/>
-          </ac:spMkLst>
-        </pc:spChg>
+      </pc:sldChg>
+      <pc:sldChg chg="modSp modAnim">
+        <pc:chgData name="Long Nguyen" userId="f59fb8f3-a021-417a-8bc1-65c8d471c621" providerId="ADAL" clId="{C0A99E2D-18F5-9E43-BFDB-896345788C44}" dt="2022-11-18T15:33:03.868" v="1501"/>
+        <pc:sldMkLst>
+          <pc:docMk/>
+          <pc:sldMk cId="403449732" sldId="302"/>
+        </pc:sldMkLst>
+      </pc:sldChg>
+      <pc:sldChg chg="modSp modAnim">
+        <pc:chgData name="Long Nguyen" userId="f59fb8f3-a021-417a-8bc1-65c8d471c621" providerId="ADAL" clId="{C0A99E2D-18F5-9E43-BFDB-896345788C44}" dt="2022-11-18T15:31:24.629" v="1473" actId="20577"/>
+        <pc:sldMkLst>
+          <pc:docMk/>
+          <pc:sldMk cId="370395365" sldId="306"/>
+        </pc:sldMkLst>
+      </pc:sldChg>
+      <pc:sldChg chg="del">
+        <pc:chgData name="Long Nguyen" userId="f59fb8f3-a021-417a-8bc1-65c8d471c621" providerId="ADAL" clId="{C0A99E2D-18F5-9E43-BFDB-896345788C44}" dt="2022-11-18T15:12:17.990" v="1313" actId="2696"/>
+        <pc:sldMkLst>
+          <pc:docMk/>
+          <pc:sldMk cId="224751101" sldId="307"/>
+        </pc:sldMkLst>
+      </pc:sldChg>
+      <pc:sldChg chg="modSp">
+        <pc:chgData name="Long Nguyen" userId="f59fb8f3-a021-417a-8bc1-65c8d471c621" providerId="ADAL" clId="{C0A99E2D-18F5-9E43-BFDB-896345788C44}" dt="2022-11-18T14:52:29.707" v="19" actId="20577"/>
+        <pc:sldMkLst>
+          <pc:docMk/>
+          <pc:sldMk cId="924617162" sldId="319"/>
+        </pc:sldMkLst>
+      </pc:sldChg>
+      <pc:sldChg chg="modSp mod">
+        <pc:chgData name="Long Nguyen" userId="f59fb8f3-a021-417a-8bc1-65c8d471c621" providerId="ADAL" clId="{C0A99E2D-18F5-9E43-BFDB-896345788C44}" dt="2022-11-18T14:54:08.948" v="92" actId="207"/>
+        <pc:sldMkLst>
+          <pc:docMk/>
+          <pc:sldMk cId="1022945305" sldId="321"/>
+        </pc:sldMkLst>
+      </pc:sldChg>
+      <pc:sldChg chg="modSp">
+        <pc:chgData name="Long Nguyen" userId="f59fb8f3-a021-417a-8bc1-65c8d471c621" providerId="ADAL" clId="{C0A99E2D-18F5-9E43-BFDB-896345788C44}" dt="2022-11-18T18:29:22.997" v="3239" actId="20577"/>
+        <pc:sldMkLst>
+          <pc:docMk/>
+          <pc:sldMk cId="3456840474" sldId="322"/>
+        </pc:sldMkLst>
+      </pc:sldChg>
+      <pc:sldChg chg="del">
+        <pc:chgData name="Long Nguyen" userId="f59fb8f3-a021-417a-8bc1-65c8d471c621" providerId="ADAL" clId="{C0A99E2D-18F5-9E43-BFDB-896345788C44}" dt="2022-11-18T15:10:21.843" v="1310" actId="2696"/>
+        <pc:sldMkLst>
+          <pc:docMk/>
+          <pc:sldMk cId="1062075874" sldId="323"/>
+        </pc:sldMkLst>
+      </pc:sldChg>
+      <pc:sldChg chg="delSp modSp add mod delAnim modAnim">
+        <pc:chgData name="Long Nguyen" userId="f59fb8f3-a021-417a-8bc1-65c8d471c621" providerId="ADAL" clId="{C0A99E2D-18F5-9E43-BFDB-896345788C44}" dt="2022-11-18T18:24:51.963" v="3198" actId="20577"/>
+        <pc:sldMkLst>
+          <pc:docMk/>
+          <pc:sldMk cId="1289346350" sldId="323"/>
+        </pc:sldMkLst>
+      </pc:sldChg>
+      <pc:sldChg chg="modSp mod">
+        <pc:chgData name="Long Nguyen" userId="f59fb8f3-a021-417a-8bc1-65c8d471c621" providerId="ADAL" clId="{C0A99E2D-18F5-9E43-BFDB-896345788C44}" dt="2022-11-18T14:52:27.598" v="4" actId="27636"/>
+        <pc:sldMkLst>
+          <pc:docMk/>
+          <pc:sldMk cId="451405738" sldId="325"/>
+        </pc:sldMkLst>
+      </pc:sldChg>
+      <pc:sldChg chg="del">
+        <pc:chgData name="Long Nguyen" userId="f59fb8f3-a021-417a-8bc1-65c8d471c621" providerId="ADAL" clId="{C0A99E2D-18F5-9E43-BFDB-896345788C44}" dt="2022-11-18T15:10:26.723" v="1311" actId="2696"/>
+        <pc:sldMkLst>
+          <pc:docMk/>
+          <pc:sldMk cId="1724104636" sldId="327"/>
+        </pc:sldMkLst>
+      </pc:sldChg>
+      <pc:sldChg chg="addSp modSp mod">
+        <pc:chgData name="Long Nguyen" userId="f59fb8f3-a021-417a-8bc1-65c8d471c621" providerId="ADAL" clId="{C0A99E2D-18F5-9E43-BFDB-896345788C44}" dt="2022-11-18T14:55:27.223" v="181" actId="20577"/>
+        <pc:sldMkLst>
+          <pc:docMk/>
+          <pc:sldMk cId="3894299887" sldId="328"/>
+        </pc:sldMkLst>
+      </pc:sldChg>
+      <pc:sldChg chg="modSp">
+        <pc:chgData name="Long Nguyen" userId="f59fb8f3-a021-417a-8bc1-65c8d471c621" providerId="ADAL" clId="{C0A99E2D-18F5-9E43-BFDB-896345788C44}" dt="2022-11-18T18:29:06.486" v="3219" actId="20577"/>
+        <pc:sldMkLst>
+          <pc:docMk/>
+          <pc:sldMk cId="4294143140" sldId="329"/>
+        </pc:sldMkLst>
+      </pc:sldChg>
+      <pc:sldChg chg="modSp del mod">
+        <pc:chgData name="Long Nguyen" userId="f59fb8f3-a021-417a-8bc1-65c8d471c621" providerId="ADAL" clId="{C0A99E2D-18F5-9E43-BFDB-896345788C44}" dt="2022-11-18T15:10:32.121" v="1312" actId="2696"/>
+        <pc:sldMkLst>
+          <pc:docMk/>
+          <pc:sldMk cId="3594730708" sldId="330"/>
+        </pc:sldMkLst>
+      </pc:sldChg>
+      <pc:sldChg chg="modSp mod">
+        <pc:chgData name="Long Nguyen" userId="f59fb8f3-a021-417a-8bc1-65c8d471c621" providerId="ADAL" clId="{C0A99E2D-18F5-9E43-BFDB-896345788C44}" dt="2022-11-18T14:52:27.603" v="5" actId="27636"/>
+        <pc:sldMkLst>
+          <pc:docMk/>
+          <pc:sldMk cId="1712009111" sldId="331"/>
+        </pc:sldMkLst>
+      </pc:sldChg>
+      <pc:sldChg chg="modSp">
+        <pc:chgData name="Long Nguyen" userId="f59fb8f3-a021-417a-8bc1-65c8d471c621" providerId="ADAL" clId="{C0A99E2D-18F5-9E43-BFDB-896345788C44}" dt="2022-11-18T15:29:12.242" v="1439" actId="20577"/>
+        <pc:sldMkLst>
+          <pc:docMk/>
+          <pc:sldMk cId="3124353102" sldId="332"/>
+        </pc:sldMkLst>
+      </pc:sldChg>
+      <pc:sldChg chg="modSp mod">
+        <pc:chgData name="Long Nguyen" userId="f59fb8f3-a021-417a-8bc1-65c8d471c621" providerId="ADAL" clId="{C0A99E2D-18F5-9E43-BFDB-896345788C44}" dt="2022-11-18T14:56:52.533" v="193" actId="20577"/>
+        <pc:sldMkLst>
+          <pc:docMk/>
+          <pc:sldMk cId="2023389722" sldId="333"/>
+        </pc:sldMkLst>
+      </pc:sldChg>
+      <pc:sldChg chg="modSp">
+        <pc:chgData name="Long Nguyen" userId="f59fb8f3-a021-417a-8bc1-65c8d471c621" providerId="ADAL" clId="{C0A99E2D-18F5-9E43-BFDB-896345788C44}" dt="2022-11-18T15:36:48.357" v="1566" actId="20577"/>
+        <pc:sldMkLst>
+          <pc:docMk/>
+          <pc:sldMk cId="1330680031" sldId="334"/>
+        </pc:sldMkLst>
+      </pc:sldChg>
+      <pc:sldChg chg="add del">
+        <pc:chgData name="Long Nguyen" userId="f59fb8f3-a021-417a-8bc1-65c8d471c621" providerId="ADAL" clId="{C0A99E2D-18F5-9E43-BFDB-896345788C44}" dt="2022-11-18T18:16:21.299" v="2336" actId="2696"/>
+        <pc:sldMkLst>
+          <pc:docMk/>
+          <pc:sldMk cId="247153204" sldId="335"/>
+        </pc:sldMkLst>
+      </pc:sldChg>
+      <pc:sldChg chg="del">
+        <pc:chgData name="Long Nguyen" userId="f59fb8f3-a021-417a-8bc1-65c8d471c621" providerId="ADAL" clId="{C0A99E2D-18F5-9E43-BFDB-896345788C44}" dt="2022-11-18T15:13:13.597" v="1314" actId="2696"/>
+        <pc:sldMkLst>
+          <pc:docMk/>
+          <pc:sldMk cId="1205733451" sldId="335"/>
+        </pc:sldMkLst>
+      </pc:sldChg>
+      <pc:sldChg chg="add">
+        <pc:chgData name="Long Nguyen" userId="f59fb8f3-a021-417a-8bc1-65c8d471c621" providerId="ADAL" clId="{C0A99E2D-18F5-9E43-BFDB-896345788C44}" dt="2022-11-18T18:16:25.075" v="2337"/>
+        <pc:sldMkLst>
+          <pc:docMk/>
+          <pc:sldMk cId="1890898425" sldId="335"/>
+        </pc:sldMkLst>
+      </pc:sldChg>
+      <pc:sldChg chg="modSp">
+        <pc:chgData name="Long Nguyen" userId="f59fb8f3-a021-417a-8bc1-65c8d471c621" providerId="ADAL" clId="{C0A99E2D-18F5-9E43-BFDB-896345788C44}" dt="2022-11-18T15:37:13.780" v="1645" actId="20577"/>
+        <pc:sldMkLst>
+          <pc:docMk/>
+          <pc:sldMk cId="278063722" sldId="337"/>
+        </pc:sldMkLst>
+      </pc:sldChg>
+      <pc:sldChg chg="addSp modSp add mod modAnim">
+        <pc:chgData name="Long Nguyen" userId="f59fb8f3-a021-417a-8bc1-65c8d471c621" providerId="ADAL" clId="{C0A99E2D-18F5-9E43-BFDB-896345788C44}" dt="2022-11-18T15:08:37.405" v="1303"/>
+        <pc:sldMkLst>
+          <pc:docMk/>
+          <pc:sldMk cId="35900965" sldId="338"/>
+        </pc:sldMkLst>
+      </pc:sldChg>
+      <pc:sldChg chg="addSp modSp add mod modAnim">
+        <pc:chgData name="Long Nguyen" userId="f59fb8f3-a021-417a-8bc1-65c8d471c621" providerId="ADAL" clId="{C0A99E2D-18F5-9E43-BFDB-896345788C44}" dt="2022-11-18T15:08:55.866" v="1306"/>
+        <pc:sldMkLst>
+          <pc:docMk/>
+          <pc:sldMk cId="2718921247" sldId="339"/>
+        </pc:sldMkLst>
+      </pc:sldChg>
+      <pc:sldChg chg="addSp modSp add mod modAnim">
+        <pc:chgData name="Long Nguyen" userId="f59fb8f3-a021-417a-8bc1-65c8d471c621" providerId="ADAL" clId="{C0A99E2D-18F5-9E43-BFDB-896345788C44}" dt="2022-11-18T15:09:14.854" v="1309"/>
+        <pc:sldMkLst>
+          <pc:docMk/>
+          <pc:sldMk cId="260345328" sldId="340"/>
+        </pc:sldMkLst>
+      </pc:sldChg>
+      <pc:sldChg chg="modSp add mod modAnim">
+        <pc:chgData name="Long Nguyen" userId="f59fb8f3-a021-417a-8bc1-65c8d471c621" providerId="ADAL" clId="{C0A99E2D-18F5-9E43-BFDB-896345788C44}" dt="2022-11-18T18:15:40.876" v="2331" actId="113"/>
+        <pc:sldMkLst>
+          <pc:docMk/>
+          <pc:sldMk cId="214403129" sldId="341"/>
+        </pc:sldMkLst>
+      </pc:sldChg>
+      <pc:sldChg chg="modSp add del mod modAnim">
+        <pc:chgData name="Long Nguyen" userId="f59fb8f3-a021-417a-8bc1-65c8d471c621" providerId="ADAL" clId="{C0A99E2D-18F5-9E43-BFDB-896345788C44}" dt="2022-11-18T18:21:51.694" v="2855" actId="20577"/>
+        <pc:sldMkLst>
+          <pc:docMk/>
+          <pc:sldMk cId="2112071836" sldId="342"/>
+        </pc:sldMkLst>
+      </pc:sldChg>
+      <pc:sldChg chg="add del">
+        <pc:chgData name="Long Nguyen" userId="f59fb8f3-a021-417a-8bc1-65c8d471c621" providerId="ADAL" clId="{C0A99E2D-18F5-9E43-BFDB-896345788C44}" dt="2022-11-18T18:20:20.787" v="2663" actId="2696"/>
+        <pc:sldMkLst>
+          <pc:docMk/>
+          <pc:sldMk cId="1363458133" sldId="349"/>
+        </pc:sldMkLst>
+      </pc:sldChg>
+      <pc:sldChg chg="add del">
+        <pc:chgData name="Long Nguyen" userId="f59fb8f3-a021-417a-8bc1-65c8d471c621" providerId="ADAL" clId="{C0A99E2D-18F5-9E43-BFDB-896345788C44}" dt="2022-11-18T18:20:05.816" v="2660" actId="2696"/>
+        <pc:sldMkLst>
+          <pc:docMk/>
+          <pc:sldMk cId="3783627139" sldId="350"/>
+        </pc:sldMkLst>
+      </pc:sldChg>
+      <pc:sldChg chg="add del">
+        <pc:chgData name="Long Nguyen" userId="f59fb8f3-a021-417a-8bc1-65c8d471c621" providerId="ADAL" clId="{C0A99E2D-18F5-9E43-BFDB-896345788C44}" dt="2022-11-18T18:20:07.791" v="2661" actId="2696"/>
+        <pc:sldMkLst>
+          <pc:docMk/>
+          <pc:sldMk cId="1997478848" sldId="351"/>
+        </pc:sldMkLst>
+      </pc:sldChg>
+      <pc:sldChg chg="add del">
+        <pc:chgData name="Long Nguyen" userId="f59fb8f3-a021-417a-8bc1-65c8d471c621" providerId="ADAL" clId="{C0A99E2D-18F5-9E43-BFDB-896345788C44}" dt="2022-11-18T18:20:11.808" v="2662" actId="2696"/>
+        <pc:sldMkLst>
+          <pc:docMk/>
+          <pc:sldMk cId="1998372078" sldId="352"/>
+        </pc:sldMkLst>
+      </pc:sldChg>
+      <pc:sldChg chg="add del">
+        <pc:chgData name="Long Nguyen" userId="f59fb8f3-a021-417a-8bc1-65c8d471c621" providerId="ADAL" clId="{C0A99E2D-18F5-9E43-BFDB-896345788C44}" dt="2022-11-18T18:23:21.462" v="3083" actId="2696"/>
+        <pc:sldMkLst>
+          <pc:docMk/>
+          <pc:sldMk cId="2834108163" sldId="353"/>
+        </pc:sldMkLst>
+      </pc:sldChg>
+      <pc:sldChg chg="modSp add del">
+        <pc:chgData name="Long Nguyen" userId="f59fb8f3-a021-417a-8bc1-65c8d471c621" providerId="ADAL" clId="{C0A99E2D-18F5-9E43-BFDB-896345788C44}" dt="2022-11-18T18:24:08.849" v="3091" actId="2696"/>
+        <pc:sldMkLst>
+          <pc:docMk/>
+          <pc:sldMk cId="2765901336" sldId="354"/>
+        </pc:sldMkLst>
+      </pc:sldChg>
+      <pc:sldChg chg="add del">
+        <pc:chgData name="Long Nguyen" userId="f59fb8f3-a021-417a-8bc1-65c8d471c621" providerId="ADAL" clId="{C0A99E2D-18F5-9E43-BFDB-896345788C44}" dt="2022-11-18T18:25:02.741" v="3199" actId="2696"/>
+        <pc:sldMkLst>
+          <pc:docMk/>
+          <pc:sldMk cId="4169441446" sldId="355"/>
+        </pc:sldMkLst>
       </pc:sldChg>
     </pc:docChg>
   </pc:docChgLst>
   <pc:docChgLst>
-    <pc:chgData name="Long B Nguyen" userId="f59fb8f3-a021-417a-8bc1-65c8d471c621" providerId="ADAL" clId="{A3D41F2E-F718-0D48-9E9E-6F861B85D77A}"/>
-    <pc:docChg chg="modSld">
-      <pc:chgData name="Long B Nguyen" userId="f59fb8f3-a021-417a-8bc1-65c8d471c621" providerId="ADAL" clId="{A3D41F2E-F718-0D48-9E9E-6F861B85D77A}" dt="2023-11-27T14:51:48.236" v="0"/>
+    <pc:chgData name="Long B Nguyen" userId="f59fb8f3-a021-417a-8bc1-65c8d471c621" providerId="ADAL" clId="{CC9C9D9A-5149-2947-86C0-576F501F60DC}"/>
+    <pc:docChg chg="addSld modSld">
+      <pc:chgData name="Long B Nguyen" userId="f59fb8f3-a021-417a-8bc1-65c8d471c621" providerId="ADAL" clId="{CC9C9D9A-5149-2947-86C0-576F501F60DC}" dt="2020-01-05T21:59:55.597" v="2392" actId="14100"/>
       <pc:docMkLst>
         <pc:docMk/>
       </pc:docMkLst>
-      <pc:sldChg chg="modAnim">
-        <pc:chgData name="Long B Nguyen" userId="f59fb8f3-a021-417a-8bc1-65c8d471c621" providerId="ADAL" clId="{A3D41F2E-F718-0D48-9E9E-6F861B85D77A}" dt="2023-11-27T14:51:48.236" v="0"/>
+      <pc:sldChg chg="modSp add modAnim">
+        <pc:chgData name="Long B Nguyen" userId="f59fb8f3-a021-417a-8bc1-65c8d471c621" providerId="ADAL" clId="{CC9C9D9A-5149-2947-86C0-576F501F60DC}" dt="2020-01-04T15:49:37.373" v="563" actId="20577"/>
         <pc:sldMkLst>
           <pc:docMk/>
-          <pc:sldMk cId="403449732" sldId="302"/>
+          <pc:sldMk cId="924617162" sldId="319"/>
+        </pc:sldMkLst>
+      </pc:sldChg>
+      <pc:sldChg chg="modSp add">
+        <pc:chgData name="Long B Nguyen" userId="f59fb8f3-a021-417a-8bc1-65c8d471c621" providerId="ADAL" clId="{CC9C9D9A-5149-2947-86C0-576F501F60DC}" dt="2020-01-04T15:57:55.835" v="789" actId="14100"/>
+        <pc:sldMkLst>
+          <pc:docMk/>
+          <pc:sldMk cId="3758830494" sldId="320"/>
+        </pc:sldMkLst>
+      </pc:sldChg>
+      <pc:sldChg chg="modSp add">
+        <pc:chgData name="Long B Nguyen" userId="f59fb8f3-a021-417a-8bc1-65c8d471c621" providerId="ADAL" clId="{CC9C9D9A-5149-2947-86C0-576F501F60DC}" dt="2020-01-05T21:51:37.442" v="2325" actId="20577"/>
+        <pc:sldMkLst>
+          <pc:docMk/>
+          <pc:sldMk cId="1022945305" sldId="321"/>
+        </pc:sldMkLst>
+      </pc:sldChg>
+      <pc:sldChg chg="modSp add">
+        <pc:chgData name="Long B Nguyen" userId="f59fb8f3-a021-417a-8bc1-65c8d471c621" providerId="ADAL" clId="{CC9C9D9A-5149-2947-86C0-576F501F60DC}" dt="2020-01-04T17:41:57.489" v="1203" actId="20577"/>
+        <pc:sldMkLst>
+          <pc:docMk/>
+          <pc:sldMk cId="3456840474" sldId="322"/>
+        </pc:sldMkLst>
+      </pc:sldChg>
+      <pc:sldChg chg="modSp add">
+        <pc:chgData name="Long B Nguyen" userId="f59fb8f3-a021-417a-8bc1-65c8d471c621" providerId="ADAL" clId="{CC9C9D9A-5149-2947-86C0-576F501F60DC}" dt="2020-01-04T18:38:26.241" v="1214" actId="113"/>
+        <pc:sldMkLst>
+          <pc:docMk/>
+          <pc:sldMk cId="1062075874" sldId="323"/>
+        </pc:sldMkLst>
+      </pc:sldChg>
+      <pc:sldChg chg="modSp add">
+        <pc:chgData name="Long B Nguyen" userId="f59fb8f3-a021-417a-8bc1-65c8d471c621" providerId="ADAL" clId="{CC9C9D9A-5149-2947-86C0-576F501F60DC}" dt="2020-01-04T20:58:36.932" v="1972" actId="20577"/>
+        <pc:sldMkLst>
+          <pc:docMk/>
+          <pc:sldMk cId="1310010799" sldId="324"/>
+        </pc:sldMkLst>
+      </pc:sldChg>
+      <pc:sldChg chg="modSp add">
+        <pc:chgData name="Long B Nguyen" userId="f59fb8f3-a021-417a-8bc1-65c8d471c621" providerId="ADAL" clId="{CC9C9D9A-5149-2947-86C0-576F501F60DC}" dt="2020-01-05T21:27:04.952" v="2119" actId="20577"/>
+        <pc:sldMkLst>
+          <pc:docMk/>
+          <pc:sldMk cId="3314372952" sldId="325"/>
+        </pc:sldMkLst>
+      </pc:sldChg>
+      <pc:sldChg chg="modSp add">
+        <pc:chgData name="Long B Nguyen" userId="f59fb8f3-a021-417a-8bc1-65c8d471c621" providerId="ADAL" clId="{CC9C9D9A-5149-2947-86C0-576F501F60DC}" dt="2020-01-05T21:29:58.563" v="2178" actId="20577"/>
+        <pc:sldMkLst>
+          <pc:docMk/>
+          <pc:sldMk cId="3117943122" sldId="326"/>
+        </pc:sldMkLst>
+      </pc:sldChg>
+      <pc:sldChg chg="modSp add">
+        <pc:chgData name="Long B Nguyen" userId="f59fb8f3-a021-417a-8bc1-65c8d471c621" providerId="ADAL" clId="{CC9C9D9A-5149-2947-86C0-576F501F60DC}" dt="2020-01-05T21:59:55.597" v="2392" actId="14100"/>
+        <pc:sldMkLst>
+          <pc:docMk/>
+          <pc:sldMk cId="1025618360" sldId="327"/>
+        </pc:sldMkLst>
+      </pc:sldChg>
+      <pc:sldChg chg="modSp add">
+        <pc:chgData name="Long B Nguyen" userId="f59fb8f3-a021-417a-8bc1-65c8d471c621" providerId="ADAL" clId="{CC9C9D9A-5149-2947-86C0-576F501F60DC}" dt="2020-01-05T21:54:47.081" v="2356" actId="2711"/>
+        <pc:sldMkLst>
+          <pc:docMk/>
+          <pc:sldMk cId="3894299887" sldId="328"/>
+        </pc:sldMkLst>
+      </pc:sldChg>
+      <pc:sldChg chg="add">
+        <pc:chgData name="Long B Nguyen" userId="f59fb8f3-a021-417a-8bc1-65c8d471c621" providerId="ADAL" clId="{CC9C9D9A-5149-2947-86C0-576F501F60DC}" dt="2020-01-05T21:57:38.736" v="2357"/>
+        <pc:sldMkLst>
+          <pc:docMk/>
+          <pc:sldMk cId="4294143140" sldId="329"/>
         </pc:sldMkLst>
       </pc:sldChg>
     </pc:docChg>
@@ -3167,7 +1514,7 @@
           <a:p>
             <a:fld id="{A72EAE5B-FAC7-1D4A-97BD-119B918062BA}" type="datetimeFigureOut">
               <a:rPr lang="en-US" smtClean="0"/>
-              <a:t>11/27/23</a:t>
+              <a:t>11/17/25</a:t>
             </a:fld>
             <a:endParaRPr lang="en-US"/>
           </a:p>
@@ -3565,7 +1912,7 @@
           <a:p>
             <a:fld id="{82CFC92D-B69B-DD42-9FFD-8548C975772E}" type="datetime1">
               <a:rPr lang="en-US" smtClean="0"/>
-              <a:t>11/27/23</a:t>
+              <a:t>11/17/25</a:t>
             </a:fld>
             <a:endParaRPr lang="en-US" dirty="0"/>
           </a:p>
@@ -3735,7 +2082,7 @@
           <a:p>
             <a:fld id="{1A921C1C-C077-844A-871D-D078BA708997}" type="datetime1">
               <a:rPr lang="en-US" smtClean="0"/>
-              <a:t>11/27/23</a:t>
+              <a:t>11/17/25</a:t>
             </a:fld>
             <a:endParaRPr lang="en-US" dirty="0"/>
           </a:p>
@@ -3915,7 +2262,7 @@
           <a:p>
             <a:fld id="{96B8A7E2-D08C-624D-9173-CD4D0F66ACD6}" type="datetime1">
               <a:rPr lang="en-US" smtClean="0"/>
-              <a:t>11/27/23</a:t>
+              <a:t>11/17/25</a:t>
             </a:fld>
             <a:endParaRPr lang="en-US" dirty="0"/>
           </a:p>
@@ -4085,7 +2432,7 @@
           <a:p>
             <a:fld id="{E8D26D7E-151F-BF4A-BA82-4192DBA7F96C}" type="datetime1">
               <a:rPr lang="en-US" smtClean="0"/>
-              <a:t>11/27/23</a:t>
+              <a:t>11/17/25</a:t>
             </a:fld>
             <a:endParaRPr lang="en-US" dirty="0"/>
           </a:p>
@@ -4331,7 +2678,7 @@
           <a:p>
             <a:fld id="{1A6DE5AC-A485-2841-98DC-CEC47774A2EE}" type="datetime1">
               <a:rPr lang="en-US" smtClean="0"/>
-              <a:t>11/27/23</a:t>
+              <a:t>11/17/25</a:t>
             </a:fld>
             <a:endParaRPr lang="en-US" dirty="0"/>
           </a:p>
@@ -4563,7 +2910,7 @@
           <a:p>
             <a:fld id="{3A74C248-7EDD-B449-8D04-7FD85432CD97}" type="datetime1">
               <a:rPr lang="en-US" smtClean="0"/>
-              <a:t>11/27/23</a:t>
+              <a:t>11/17/25</a:t>
             </a:fld>
             <a:endParaRPr lang="en-US" dirty="0"/>
           </a:p>
@@ -4930,7 +3277,7 @@
           <a:p>
             <a:fld id="{BB935A3B-74DE-714A-86E9-1E979217BF76}" type="datetime1">
               <a:rPr lang="en-US" smtClean="0"/>
-              <a:t>11/27/23</a:t>
+              <a:t>11/17/25</a:t>
             </a:fld>
             <a:endParaRPr lang="en-US" dirty="0"/>
           </a:p>
@@ -5048,7 +3395,7 @@
           <a:p>
             <a:fld id="{1AF4CE23-CE3D-CB43-A359-0E3B60CC494B}" type="datetime1">
               <a:rPr lang="en-US" smtClean="0"/>
-              <a:t>11/27/23</a:t>
+              <a:t>11/17/25</a:t>
             </a:fld>
             <a:endParaRPr lang="en-US" dirty="0"/>
           </a:p>
@@ -5143,7 +3490,7 @@
           <a:p>
             <a:fld id="{50DFAC4E-8793-5C4C-A345-2711F8FFE92F}" type="datetime1">
               <a:rPr lang="en-US" smtClean="0"/>
-              <a:t>11/27/23</a:t>
+              <a:t>11/17/25</a:t>
             </a:fld>
             <a:endParaRPr lang="en-US" dirty="0"/>
           </a:p>
@@ -5420,7 +3767,7 @@
           <a:p>
             <a:fld id="{1AC5FF9F-8E44-0F4F-8BBA-F52D813C03E4}" type="datetime1">
               <a:rPr lang="en-US" smtClean="0"/>
-              <a:t>11/27/23</a:t>
+              <a:t>11/17/25</a:t>
             </a:fld>
             <a:endParaRPr lang="en-US" dirty="0"/>
           </a:p>
@@ -5677,7 +4024,7 @@
           <a:p>
             <a:fld id="{7F8D8EB2-A56C-E94B-9C30-E7CE215C46FD}" type="datetime1">
               <a:rPr lang="en-US" smtClean="0"/>
-              <a:t>11/27/23</a:t>
+              <a:t>11/17/25</a:t>
             </a:fld>
             <a:endParaRPr lang="en-US" dirty="0"/>
           </a:p>
@@ -5890,7 +4237,7 @@
           <a:p>
             <a:fld id="{8E3764FC-F343-EC4C-ADA6-BCB8E6623870}" type="datetime1">
               <a:rPr lang="en-US" smtClean="0"/>
-              <a:t>11/27/23</a:t>
+              <a:t>11/17/25</a:t>
             </a:fld>
             <a:endParaRPr lang="en-US" dirty="0"/>
           </a:p>
@@ -11398,2512 +9745,6 @@
         </p:nvSpPr>
         <p:spPr>
           <a:xfrm>
-            <a:off x="170339" y="134008"/>
-            <a:ext cx="7053542" cy="683886"/>
-          </a:xfrm>
-        </p:spPr>
-        <p:txBody>
-          <a:bodyPr/>
-          <a:lstStyle/>
-          <a:p>
-            <a:r>
-              <a:rPr lang="en-US" dirty="0"/>
-              <a:t>Sum of 2D lists</a:t>
-            </a:r>
-          </a:p>
-        </p:txBody>
-      </p:sp>
-      <p:sp>
-        <p:nvSpPr>
-          <p:cNvPr id="9" name="Content Placeholder 8">
-            <a:extLst>
-              <a:ext uri="{FF2B5EF4-FFF2-40B4-BE49-F238E27FC236}">
-                <a16:creationId xmlns:a16="http://schemas.microsoft.com/office/drawing/2014/main" id="{E3B2E017-30B2-884B-A113-B419A2ED51AD}"/>
-              </a:ext>
-            </a:extLst>
-          </p:cNvPr>
-          <p:cNvSpPr>
-            <a:spLocks noGrp="1"/>
-          </p:cNvSpPr>
-          <p:nvPr>
-            <p:ph idx="1"/>
-          </p:nvPr>
-        </p:nvSpPr>
-        <p:spPr>
-          <a:xfrm>
-            <a:off x="170340" y="817895"/>
-            <a:ext cx="8365234" cy="4763098"/>
-          </a:xfrm>
-        </p:spPr>
-        <p:txBody>
-          <a:bodyPr>
-            <a:normAutofit/>
-          </a:bodyPr>
-          <a:lstStyle/>
-          <a:p>
-            <a:pPr marL="0" indent="0">
-              <a:buNone/>
-            </a:pPr>
-            <a:r>
-              <a:rPr lang="en-US" dirty="0">
-                <a:latin typeface="Gill Sans MT" panose="020B0502020104020203" pitchFamily="34" charset="77"/>
-              </a:rPr>
-              <a:t>A 2D list is a list of lists. It can represent data from an excel sheet or pixels in an image(more on this in a later lecture). </a:t>
-            </a:r>
-          </a:p>
-          <a:p>
-            <a:pPr marL="0" indent="0">
-              <a:buNone/>
-            </a:pPr>
-            <a:endParaRPr lang="en-US" dirty="0">
-              <a:latin typeface="INCONSOLATA" panose="020B0609030003000000" pitchFamily="49" charset="77"/>
-            </a:endParaRPr>
-          </a:p>
-          <a:p>
-            <a:pPr marL="0" indent="0">
-              <a:buNone/>
-            </a:pPr>
-            <a:r>
-              <a:rPr lang="en-US" dirty="0">
-                <a:latin typeface="INCONSOLATA" panose="020B0609030003000000" pitchFamily="49" charset="77"/>
-              </a:rPr>
-              <a:t>list2d = [	[1, 2, 5],</a:t>
-            </a:r>
-          </a:p>
-          <a:p>
-            <a:pPr marL="0" indent="0">
-              <a:buNone/>
-            </a:pPr>
-            <a:r>
-              <a:rPr lang="en-US" dirty="0">
-                <a:latin typeface="INCONSOLATA" panose="020B0609030003000000" pitchFamily="49" charset="77"/>
-              </a:rPr>
-              <a:t>		[3, -1, 6],</a:t>
-            </a:r>
-          </a:p>
-          <a:p>
-            <a:pPr marL="0" indent="0">
-              <a:buNone/>
-            </a:pPr>
-            <a:r>
-              <a:rPr lang="en-US" dirty="0">
-                <a:latin typeface="INCONSOLATA" panose="020B0609030003000000" pitchFamily="49" charset="77"/>
-              </a:rPr>
-              <a:t>		[10, 1, 0]]</a:t>
-            </a:r>
-          </a:p>
-          <a:p>
-            <a:pPr marL="0" indent="0">
-              <a:buNone/>
-            </a:pPr>
-            <a:r>
-              <a:rPr lang="en-US" dirty="0">
-                <a:latin typeface="Inconsolata" panose="020B0609030003000000" pitchFamily="49" charset="77"/>
-              </a:rPr>
-              <a:t>print(list2d[0])	# [1, 2, 5]</a:t>
-            </a:r>
-          </a:p>
-          <a:p>
-            <a:pPr marL="0" indent="0">
-              <a:buNone/>
-            </a:pPr>
-            <a:r>
-              <a:rPr lang="en-US" dirty="0">
-                <a:latin typeface="Inconsolata" panose="020B0609030003000000" pitchFamily="49" charset="77"/>
-              </a:rPr>
-              <a:t>print(list2d[0][1])	# 2</a:t>
-            </a:r>
-          </a:p>
-          <a:p>
-            <a:pPr marL="0" indent="0">
-              <a:buNone/>
-            </a:pPr>
-            <a:r>
-              <a:rPr lang="en-US" dirty="0">
-                <a:latin typeface="Inconsolata" panose="020B0609030003000000" pitchFamily="49" charset="77"/>
-              </a:rPr>
-              <a:t>print(list2d[2][0])	# 10</a:t>
-            </a:r>
-          </a:p>
-          <a:p>
-            <a:pPr marL="0" indent="0">
-              <a:buNone/>
-            </a:pPr>
-            <a:endParaRPr lang="en-US" b="1" dirty="0">
-              <a:latin typeface="Inconsolata" panose="020B0609030003000000" pitchFamily="49" charset="77"/>
-            </a:endParaRPr>
-          </a:p>
-          <a:p>
-            <a:pPr marL="0" indent="0">
-              <a:buNone/>
-            </a:pPr>
-            <a:endParaRPr lang="en-US" b="1" dirty="0">
-              <a:latin typeface="Inconsolata" panose="020B0609030003000000" pitchFamily="49" charset="77"/>
-            </a:endParaRPr>
-          </a:p>
-        </p:txBody>
-      </p:sp>
-      <p:sp>
-        <p:nvSpPr>
-          <p:cNvPr id="3" name="TextBox 2">
-            <a:extLst>
-              <a:ext uri="{FF2B5EF4-FFF2-40B4-BE49-F238E27FC236}">
-                <a16:creationId xmlns:a16="http://schemas.microsoft.com/office/drawing/2014/main" id="{48DA4FF1-142A-6D44-9986-344D8D8232A1}"/>
-              </a:ext>
-            </a:extLst>
-          </p:cNvPr>
-          <p:cNvSpPr txBox="1"/>
-          <p:nvPr/>
-        </p:nvSpPr>
-        <p:spPr>
-          <a:xfrm>
-            <a:off x="3610024" y="1681300"/>
-            <a:ext cx="5786322" cy="1015663"/>
-          </a:xfrm>
-          <a:prstGeom prst="rect">
-            <a:avLst/>
-          </a:prstGeom>
-          <a:noFill/>
-        </p:spPr>
-        <p:txBody>
-          <a:bodyPr wrap="square" rtlCol="0">
-            <a:spAutoFit/>
-          </a:bodyPr>
-          <a:lstStyle/>
-          <a:p>
-            <a:r>
-              <a:rPr lang="en-US" sz="2000" dirty="0">
-                <a:solidFill>
-                  <a:srgbClr val="FF0000"/>
-                </a:solidFill>
-              </a:rPr>
-              <a:t>Equivalently:</a:t>
-            </a:r>
-          </a:p>
-          <a:p>
-            <a:r>
-              <a:rPr lang="en-US" sz="2000" dirty="0">
-                <a:solidFill>
-                  <a:srgbClr val="FF0000"/>
-                </a:solidFill>
-                <a:latin typeface="INCONSOLATA" panose="020B0609030003000000" pitchFamily="49" charset="77"/>
-              </a:rPr>
-              <a:t>list2d = [[1, 2, 5],[3, -1, 6],[10, 1, 0]]</a:t>
-            </a:r>
-          </a:p>
-          <a:p>
-            <a:endParaRPr lang="en-US" sz="2000" dirty="0"/>
-          </a:p>
-        </p:txBody>
-      </p:sp>
-      <p:sp>
-        <p:nvSpPr>
-          <p:cNvPr id="4" name="Slide Number Placeholder 3">
-            <a:extLst>
-              <a:ext uri="{FF2B5EF4-FFF2-40B4-BE49-F238E27FC236}">
-                <a16:creationId xmlns:a16="http://schemas.microsoft.com/office/drawing/2014/main" id="{9D9AD293-8923-2F42-8581-E79C1EA45B01}"/>
-              </a:ext>
-            </a:extLst>
-          </p:cNvPr>
-          <p:cNvSpPr>
-            <a:spLocks noGrp="1"/>
-          </p:cNvSpPr>
-          <p:nvPr>
-            <p:ph type="sldNum" sz="quarter" idx="12"/>
-          </p:nvPr>
-        </p:nvSpPr>
-        <p:spPr/>
-        <p:txBody>
-          <a:bodyPr/>
-          <a:lstStyle/>
-          <a:p>
-            <a:fld id="{D57F1E4F-1CFF-5643-939E-02111984F565}" type="slidenum">
-              <a:rPr lang="en-US" smtClean="0"/>
-              <a:t>17</a:t>
-            </a:fld>
-            <a:endParaRPr lang="en-US" dirty="0"/>
-          </a:p>
-        </p:txBody>
-      </p:sp>
-    </p:spTree>
-    <p:extLst>
-      <p:ext uri="{BB962C8B-B14F-4D97-AF65-F5344CB8AC3E}">
-        <p14:creationId xmlns:p14="http://schemas.microsoft.com/office/powerpoint/2010/main" val="278063722"/>
-      </p:ext>
-    </p:extLst>
-  </p:cSld>
-  <p:clrMapOvr>
-    <a:masterClrMapping/>
-  </p:clrMapOvr>
-  <p:timing>
-    <p:tnLst>
-      <p:par>
-        <p:cTn id="1" dur="indefinite" restart="never" nodeType="tmRoot">
-          <p:childTnLst>
-            <p:seq concurrent="1" nextAc="seek">
-              <p:cTn id="2" dur="indefinite" nodeType="mainSeq">
-                <p:childTnLst>
-                  <p:par>
-                    <p:cTn id="3" fill="hold">
-                      <p:stCondLst>
-                        <p:cond delay="indefinite"/>
-                      </p:stCondLst>
-                      <p:childTnLst>
-                        <p:par>
-                          <p:cTn id="4" fill="hold">
-                            <p:stCondLst>
-                              <p:cond delay="0"/>
-                            </p:stCondLst>
-                            <p:childTnLst>
-                              <p:par>
-                                <p:cTn id="5" presetID="1" presetClass="entr" presetSubtype="0" fill="hold" grpId="0" nodeType="clickEffect">
-                                  <p:stCondLst>
-                                    <p:cond delay="0"/>
-                                  </p:stCondLst>
-                                  <p:childTnLst>
-                                    <p:set>
-                                      <p:cBhvr>
-                                        <p:cTn id="6" dur="1" fill="hold">
-                                          <p:stCondLst>
-                                            <p:cond delay="0"/>
-                                          </p:stCondLst>
-                                        </p:cTn>
-                                        <p:tgtEl>
-                                          <p:spTgt spid="3"/>
-                                        </p:tgtEl>
-                                        <p:attrNameLst>
-                                          <p:attrName>style.visibility</p:attrName>
-                                        </p:attrNameLst>
-                                      </p:cBhvr>
-                                      <p:to>
-                                        <p:strVal val="visible"/>
-                                      </p:to>
-                                    </p:set>
-                                  </p:childTnLst>
-                                </p:cTn>
-                              </p:par>
-                            </p:childTnLst>
-                          </p:cTn>
-                        </p:par>
-                      </p:childTnLst>
-                    </p:cTn>
-                  </p:par>
-                  <p:par>
-                    <p:cTn id="7" fill="hold">
-                      <p:stCondLst>
-                        <p:cond delay="indefinite"/>
-                      </p:stCondLst>
-                      <p:childTnLst>
-                        <p:par>
-                          <p:cTn id="8" fill="hold">
-                            <p:stCondLst>
-                              <p:cond delay="0"/>
-                            </p:stCondLst>
-                            <p:childTnLst>
-                              <p:par>
-                                <p:cTn id="9" presetID="1" presetClass="entr" presetSubtype="0" fill="hold" nodeType="clickEffect">
-                                  <p:stCondLst>
-                                    <p:cond delay="0"/>
-                                  </p:stCondLst>
-                                  <p:childTnLst>
-                                    <p:set>
-                                      <p:cBhvr>
-                                        <p:cTn id="10" dur="1" fill="hold">
-                                          <p:stCondLst>
-                                            <p:cond delay="0"/>
-                                          </p:stCondLst>
-                                        </p:cTn>
-                                        <p:tgtEl>
-                                          <p:spTgt spid="9">
-                                            <p:txEl>
-                                              <p:pRg st="5" end="5"/>
-                                            </p:txEl>
-                                          </p:spTgt>
-                                        </p:tgtEl>
-                                        <p:attrNameLst>
-                                          <p:attrName>style.visibility</p:attrName>
-                                        </p:attrNameLst>
-                                      </p:cBhvr>
-                                      <p:to>
-                                        <p:strVal val="visible"/>
-                                      </p:to>
-                                    </p:set>
-                                  </p:childTnLst>
-                                </p:cTn>
-                              </p:par>
-                            </p:childTnLst>
-                          </p:cTn>
-                        </p:par>
-                      </p:childTnLst>
-                    </p:cTn>
-                  </p:par>
-                  <p:par>
-                    <p:cTn id="11" fill="hold">
-                      <p:stCondLst>
-                        <p:cond delay="indefinite"/>
-                      </p:stCondLst>
-                      <p:childTnLst>
-                        <p:par>
-                          <p:cTn id="12" fill="hold">
-                            <p:stCondLst>
-                              <p:cond delay="0"/>
-                            </p:stCondLst>
-                            <p:childTnLst>
-                              <p:par>
-                                <p:cTn id="13" presetID="1" presetClass="entr" presetSubtype="0" fill="hold" nodeType="clickEffect">
-                                  <p:stCondLst>
-                                    <p:cond delay="0"/>
-                                  </p:stCondLst>
-                                  <p:childTnLst>
-                                    <p:set>
-                                      <p:cBhvr>
-                                        <p:cTn id="14" dur="1" fill="hold">
-                                          <p:stCondLst>
-                                            <p:cond delay="0"/>
-                                          </p:stCondLst>
-                                        </p:cTn>
-                                        <p:tgtEl>
-                                          <p:spTgt spid="9">
-                                            <p:txEl>
-                                              <p:pRg st="6" end="6"/>
-                                            </p:txEl>
-                                          </p:spTgt>
-                                        </p:tgtEl>
-                                        <p:attrNameLst>
-                                          <p:attrName>style.visibility</p:attrName>
-                                        </p:attrNameLst>
-                                      </p:cBhvr>
-                                      <p:to>
-                                        <p:strVal val="visible"/>
-                                      </p:to>
-                                    </p:set>
-                                  </p:childTnLst>
-                                </p:cTn>
-                              </p:par>
-                            </p:childTnLst>
-                          </p:cTn>
-                        </p:par>
-                      </p:childTnLst>
-                    </p:cTn>
-                  </p:par>
-                  <p:par>
-                    <p:cTn id="15" fill="hold">
-                      <p:stCondLst>
-                        <p:cond delay="indefinite"/>
-                      </p:stCondLst>
-                      <p:childTnLst>
-                        <p:par>
-                          <p:cTn id="16" fill="hold">
-                            <p:stCondLst>
-                              <p:cond delay="0"/>
-                            </p:stCondLst>
-                            <p:childTnLst>
-                              <p:par>
-                                <p:cTn id="17" presetID="1" presetClass="entr" presetSubtype="0" fill="hold" nodeType="clickEffect">
-                                  <p:stCondLst>
-                                    <p:cond delay="0"/>
-                                  </p:stCondLst>
-                                  <p:childTnLst>
-                                    <p:set>
-                                      <p:cBhvr>
-                                        <p:cTn id="18" dur="1" fill="hold">
-                                          <p:stCondLst>
-                                            <p:cond delay="0"/>
-                                          </p:stCondLst>
-                                        </p:cTn>
-                                        <p:tgtEl>
-                                          <p:spTgt spid="9">
-                                            <p:txEl>
-                                              <p:pRg st="7" end="7"/>
-                                            </p:txEl>
-                                          </p:spTgt>
-                                        </p:tgtEl>
-                                        <p:attrNameLst>
-                                          <p:attrName>style.visibility</p:attrName>
-                                        </p:attrNameLst>
-                                      </p:cBhvr>
-                                      <p:to>
-                                        <p:strVal val="visible"/>
-                                      </p:to>
-                                    </p:set>
-                                  </p:childTnLst>
-                                </p:cTn>
-                              </p:par>
-                            </p:childTnLst>
-                          </p:cTn>
-                        </p:par>
-                      </p:childTnLst>
-                    </p:cTn>
-                  </p:par>
-                </p:childTnLst>
-              </p:cTn>
-              <p:prevCondLst>
-                <p:cond evt="onPrev" delay="0">
-                  <p:tgtEl>
-                    <p:sldTgt/>
-                  </p:tgtEl>
-                </p:cond>
-              </p:prevCondLst>
-              <p:nextCondLst>
-                <p:cond evt="onNext" delay="0">
-                  <p:tgtEl>
-                    <p:sldTgt/>
-                  </p:tgtEl>
-                </p:cond>
-              </p:nextCondLst>
-            </p:seq>
-          </p:childTnLst>
-        </p:cTn>
-      </p:par>
-    </p:tnLst>
-    <p:bldLst>
-      <p:bldP spid="3" grpId="0"/>
-    </p:bldLst>
-  </p:timing>
-</p:sld>
-</file>
-
-<file path=ppt/slides/slide18.xml><?xml version="1.0" encoding="utf-8"?>
-<p:sld xmlns:a="http://schemas.openxmlformats.org/drawingml/2006/main" xmlns:r="http://schemas.openxmlformats.org/officeDocument/2006/relationships" xmlns:p="http://schemas.openxmlformats.org/presentationml/2006/main">
-  <p:cSld>
-    <p:spTree>
-      <p:nvGrpSpPr>
-        <p:cNvPr id="1" name=""/>
-        <p:cNvGrpSpPr/>
-        <p:nvPr/>
-      </p:nvGrpSpPr>
-      <p:grpSpPr>
-        <a:xfrm>
-          <a:off x="0" y="0"/>
-          <a:ext cx="0" cy="0"/>
-          <a:chOff x="0" y="0"/>
-          <a:chExt cx="0" cy="0"/>
-        </a:xfrm>
-      </p:grpSpPr>
-      <p:sp>
-        <p:nvSpPr>
-          <p:cNvPr id="2" name="Title 1">
-            <a:extLst>
-              <a:ext uri="{FF2B5EF4-FFF2-40B4-BE49-F238E27FC236}">
-                <a16:creationId xmlns:a16="http://schemas.microsoft.com/office/drawing/2014/main" id="{AA3A228F-61D0-D949-A5E7-F83756230BF8}"/>
-              </a:ext>
-            </a:extLst>
-          </p:cNvPr>
-          <p:cNvSpPr>
-            <a:spLocks noGrp="1"/>
-          </p:cNvSpPr>
-          <p:nvPr>
-            <p:ph type="title"/>
-          </p:nvPr>
-        </p:nvSpPr>
-        <p:spPr>
-          <a:xfrm>
-            <a:off x="170339" y="134008"/>
-            <a:ext cx="7053542" cy="683886"/>
-          </a:xfrm>
-        </p:spPr>
-        <p:txBody>
-          <a:bodyPr/>
-          <a:lstStyle/>
-          <a:p>
-            <a:r>
-              <a:rPr lang="en-US" dirty="0"/>
-              <a:t>Sum of 2D lists</a:t>
-            </a:r>
-          </a:p>
-        </p:txBody>
-      </p:sp>
-      <p:sp>
-        <p:nvSpPr>
-          <p:cNvPr id="9" name="Content Placeholder 8">
-            <a:extLst>
-              <a:ext uri="{FF2B5EF4-FFF2-40B4-BE49-F238E27FC236}">
-                <a16:creationId xmlns:a16="http://schemas.microsoft.com/office/drawing/2014/main" id="{E3B2E017-30B2-884B-A113-B419A2ED51AD}"/>
-              </a:ext>
-            </a:extLst>
-          </p:cNvPr>
-          <p:cNvSpPr>
-            <a:spLocks noGrp="1"/>
-          </p:cNvSpPr>
-          <p:nvPr>
-            <p:ph idx="1"/>
-          </p:nvPr>
-        </p:nvSpPr>
-        <p:spPr>
-          <a:xfrm>
-            <a:off x="170340" y="817895"/>
-            <a:ext cx="8365234" cy="4763098"/>
-          </a:xfrm>
-        </p:spPr>
-        <p:txBody>
-          <a:bodyPr>
-            <a:normAutofit/>
-          </a:bodyPr>
-          <a:lstStyle/>
-          <a:p>
-            <a:pPr marL="0" indent="0">
-              <a:buNone/>
-            </a:pPr>
-            <a:r>
-              <a:rPr lang="en-US" dirty="0">
-                <a:latin typeface="Gill Sans MT" panose="020B0502020104020203" pitchFamily="34" charset="77"/>
-              </a:rPr>
-              <a:t>Nested loops is often used to traverse 2-dimensional data. </a:t>
-            </a:r>
-          </a:p>
-          <a:p>
-            <a:pPr marL="0" indent="0">
-              <a:buNone/>
-            </a:pPr>
-            <a:r>
-              <a:rPr lang="en-US" dirty="0">
-                <a:latin typeface="INCONSOLATA" panose="020B0609030003000000" pitchFamily="49" charset="77"/>
-              </a:rPr>
-              <a:t>list2d = [[1, 2, 5],</a:t>
-            </a:r>
-          </a:p>
-          <a:p>
-            <a:pPr marL="0" indent="0">
-              <a:buNone/>
-            </a:pPr>
-            <a:r>
-              <a:rPr lang="en-US" dirty="0">
-                <a:latin typeface="INCONSOLATA" panose="020B0609030003000000" pitchFamily="49" charset="77"/>
-              </a:rPr>
-              <a:t>		[3, -1, 6],</a:t>
-            </a:r>
-          </a:p>
-          <a:p>
-            <a:pPr marL="0" indent="0">
-              <a:buNone/>
-            </a:pPr>
-            <a:r>
-              <a:rPr lang="en-US" dirty="0">
-                <a:latin typeface="INCONSOLATA" panose="020B0609030003000000" pitchFamily="49" charset="77"/>
-              </a:rPr>
-              <a:t>		[10, 1, 0]]</a:t>
-            </a:r>
-          </a:p>
-          <a:p>
-            <a:pPr marL="0" indent="0">
-              <a:buNone/>
-            </a:pPr>
-            <a:r>
-              <a:rPr lang="en-US" dirty="0">
-                <a:latin typeface="INCONSOLATA" panose="020B0609030003000000" pitchFamily="49" charset="77"/>
-              </a:rPr>
-              <a:t>sum = 0</a:t>
-            </a:r>
-          </a:p>
-          <a:p>
-            <a:pPr marL="0" indent="0">
-              <a:buNone/>
-            </a:pPr>
-            <a:r>
-              <a:rPr lang="en-US" b="1" dirty="0">
-                <a:solidFill>
-                  <a:srgbClr val="006699"/>
-                </a:solidFill>
-                <a:latin typeface="Inconsolata" panose="020B0609030003000000" pitchFamily="49" charset="77"/>
-              </a:rPr>
-              <a:t>for </a:t>
-            </a:r>
-            <a:r>
-              <a:rPr lang="en-US" b="1" dirty="0">
-                <a:solidFill>
-                  <a:srgbClr val="000087"/>
-                </a:solidFill>
-                <a:latin typeface="Inconsolata" panose="020B0609030003000000" pitchFamily="49" charset="77"/>
-              </a:rPr>
-              <a:t>row </a:t>
-            </a:r>
-            <a:r>
-              <a:rPr lang="en-US" b="1" dirty="0">
-                <a:latin typeface="Inconsolata" panose="020B0609030003000000" pitchFamily="49" charset="77"/>
-              </a:rPr>
-              <a:t>in list2d:</a:t>
-            </a:r>
-          </a:p>
-          <a:p>
-            <a:pPr marL="0" indent="0">
-              <a:buNone/>
-            </a:pPr>
-            <a:r>
-              <a:rPr lang="en-US" b="1" dirty="0">
-                <a:solidFill>
-                  <a:srgbClr val="FF6600"/>
-                </a:solidFill>
-                <a:latin typeface="Inconsolata" panose="020B0609030003000000" pitchFamily="49" charset="77"/>
-              </a:rPr>
-              <a:t>	</a:t>
-            </a:r>
-            <a:r>
-              <a:rPr lang="en-US" b="1" dirty="0">
-                <a:solidFill>
-                  <a:srgbClr val="006699"/>
-                </a:solidFill>
-                <a:latin typeface="Inconsolata" panose="020B0609030003000000" pitchFamily="49" charset="77"/>
-              </a:rPr>
-              <a:t>for </a:t>
-            </a:r>
-            <a:r>
-              <a:rPr lang="en-US" b="1" dirty="0">
-                <a:solidFill>
-                  <a:srgbClr val="000087"/>
-                </a:solidFill>
-                <a:latin typeface="Inconsolata" panose="020B0609030003000000" pitchFamily="49" charset="77"/>
-              </a:rPr>
-              <a:t>num </a:t>
-            </a:r>
-            <a:r>
-              <a:rPr lang="en-US" b="1" dirty="0">
-                <a:latin typeface="Inconsolata" panose="020B0609030003000000" pitchFamily="49" charset="77"/>
-              </a:rPr>
-              <a:t>in row: </a:t>
-            </a:r>
-          </a:p>
-          <a:p>
-            <a:pPr marL="0" indent="0">
-              <a:buNone/>
-            </a:pPr>
-            <a:r>
-              <a:rPr lang="en-US" b="1" dirty="0">
-                <a:solidFill>
-                  <a:srgbClr val="006699"/>
-                </a:solidFill>
-                <a:latin typeface="Inconsolata" panose="020B0609030003000000" pitchFamily="49" charset="77"/>
-              </a:rPr>
-              <a:t>		sum += num</a:t>
-            </a:r>
-            <a:r>
-              <a:rPr lang="en-US" b="1" dirty="0">
-                <a:latin typeface="Inconsolata" panose="020B0609030003000000" pitchFamily="49" charset="77"/>
-              </a:rPr>
-              <a:t> </a:t>
-            </a:r>
-          </a:p>
-          <a:p>
-            <a:pPr marL="0" indent="0">
-              <a:buNone/>
-            </a:pPr>
-            <a:r>
-              <a:rPr lang="en-US" b="1" dirty="0">
-                <a:latin typeface="Inconsolata" panose="020B0609030003000000" pitchFamily="49" charset="77"/>
-              </a:rPr>
-              <a:t>print(sum)</a:t>
-            </a:r>
-          </a:p>
-          <a:p>
-            <a:pPr marL="0" indent="0">
-              <a:buNone/>
-            </a:pPr>
-            <a:endParaRPr lang="en-US" b="1" dirty="0">
-              <a:latin typeface="Inconsolata" panose="020B0609030003000000" pitchFamily="49" charset="77"/>
-            </a:endParaRPr>
-          </a:p>
-          <a:p>
-            <a:pPr marL="0" indent="0">
-              <a:buNone/>
-            </a:pPr>
-            <a:r>
-              <a:rPr lang="en-US" dirty="0">
-                <a:latin typeface="Gill Sans MT" panose="020B0502020104020203" pitchFamily="34" charset="77"/>
-              </a:rPr>
-              <a:t>Output:</a:t>
-            </a:r>
-          </a:p>
-          <a:p>
-            <a:pPr marL="0" indent="0">
-              <a:buNone/>
-            </a:pPr>
-            <a:r>
-              <a:rPr lang="en-US" dirty="0">
-                <a:latin typeface="Gill Sans MT" panose="020B0502020104020203" pitchFamily="34" charset="77"/>
-              </a:rPr>
-              <a:t>27</a:t>
-            </a:r>
-          </a:p>
-        </p:txBody>
-      </p:sp>
-      <p:sp>
-        <p:nvSpPr>
-          <p:cNvPr id="3" name="TextBox 2">
-            <a:extLst>
-              <a:ext uri="{FF2B5EF4-FFF2-40B4-BE49-F238E27FC236}">
-                <a16:creationId xmlns:a16="http://schemas.microsoft.com/office/drawing/2014/main" id="{48DA4FF1-142A-6D44-9986-344D8D8232A1}"/>
-              </a:ext>
-            </a:extLst>
-          </p:cNvPr>
-          <p:cNvSpPr txBox="1"/>
-          <p:nvPr/>
-        </p:nvSpPr>
-        <p:spPr>
-          <a:xfrm>
-            <a:off x="3610024" y="1166950"/>
-            <a:ext cx="5786322" cy="1015663"/>
-          </a:xfrm>
-          <a:prstGeom prst="rect">
-            <a:avLst/>
-          </a:prstGeom>
-          <a:noFill/>
-        </p:spPr>
-        <p:txBody>
-          <a:bodyPr wrap="square" rtlCol="0">
-            <a:spAutoFit/>
-          </a:bodyPr>
-          <a:lstStyle/>
-          <a:p>
-            <a:r>
-              <a:rPr lang="en-US" sz="2000" dirty="0">
-                <a:solidFill>
-                  <a:srgbClr val="FF0000"/>
-                </a:solidFill>
-              </a:rPr>
-              <a:t>Equivalently:</a:t>
-            </a:r>
-          </a:p>
-          <a:p>
-            <a:r>
-              <a:rPr lang="en-US" sz="2000" dirty="0">
-                <a:solidFill>
-                  <a:srgbClr val="FF0000"/>
-                </a:solidFill>
-                <a:latin typeface="INCONSOLATA" panose="020B0609030003000000" pitchFamily="49" charset="77"/>
-              </a:rPr>
-              <a:t>list2d = [[1, 2, 5],[3, -1, 6],[10, 1, 0]]</a:t>
-            </a:r>
-          </a:p>
-          <a:p>
-            <a:endParaRPr lang="en-US" sz="2000" dirty="0"/>
-          </a:p>
-        </p:txBody>
-      </p:sp>
-      <p:sp>
-        <p:nvSpPr>
-          <p:cNvPr id="4" name="Slide Number Placeholder 3">
-            <a:extLst>
-              <a:ext uri="{FF2B5EF4-FFF2-40B4-BE49-F238E27FC236}">
-                <a16:creationId xmlns:a16="http://schemas.microsoft.com/office/drawing/2014/main" id="{9D9AD293-8923-2F42-8581-E79C1EA45B01}"/>
-              </a:ext>
-            </a:extLst>
-          </p:cNvPr>
-          <p:cNvSpPr>
-            <a:spLocks noGrp="1"/>
-          </p:cNvSpPr>
-          <p:nvPr>
-            <p:ph type="sldNum" sz="quarter" idx="12"/>
-          </p:nvPr>
-        </p:nvSpPr>
-        <p:spPr/>
-        <p:txBody>
-          <a:bodyPr/>
-          <a:lstStyle/>
-          <a:p>
-            <a:fld id="{D57F1E4F-1CFF-5643-939E-02111984F565}" type="slidenum">
-              <a:rPr lang="en-US" smtClean="0"/>
-              <a:t>18</a:t>
-            </a:fld>
-            <a:endParaRPr lang="en-US" dirty="0"/>
-          </a:p>
-        </p:txBody>
-      </p:sp>
-    </p:spTree>
-    <p:extLst>
-      <p:ext uri="{BB962C8B-B14F-4D97-AF65-F5344CB8AC3E}">
-        <p14:creationId xmlns:p14="http://schemas.microsoft.com/office/powerpoint/2010/main" val="1330680031"/>
-      </p:ext>
-    </p:extLst>
-  </p:cSld>
-  <p:clrMapOvr>
-    <a:masterClrMapping/>
-  </p:clrMapOvr>
-  <p:timing>
-    <p:tnLst>
-      <p:par>
-        <p:cTn id="1" dur="indefinite" restart="never" nodeType="tmRoot">
-          <p:childTnLst>
-            <p:seq concurrent="1" nextAc="seek">
-              <p:cTn id="2" dur="indefinite" nodeType="mainSeq">
-                <p:childTnLst>
-                  <p:par>
-                    <p:cTn id="3" fill="hold">
-                      <p:stCondLst>
-                        <p:cond delay="indefinite"/>
-                      </p:stCondLst>
-                      <p:childTnLst>
-                        <p:par>
-                          <p:cTn id="4" fill="hold">
-                            <p:stCondLst>
-                              <p:cond delay="0"/>
-                            </p:stCondLst>
-                            <p:childTnLst>
-                              <p:par>
-                                <p:cTn id="5" presetID="1" presetClass="entr" presetSubtype="0" fill="hold" grpId="0" nodeType="clickEffect">
-                                  <p:stCondLst>
-                                    <p:cond delay="0"/>
-                                  </p:stCondLst>
-                                  <p:childTnLst>
-                                    <p:set>
-                                      <p:cBhvr>
-                                        <p:cTn id="6" dur="1" fill="hold">
-                                          <p:stCondLst>
-                                            <p:cond delay="0"/>
-                                          </p:stCondLst>
-                                        </p:cTn>
-                                        <p:tgtEl>
-                                          <p:spTgt spid="3"/>
-                                        </p:tgtEl>
-                                        <p:attrNameLst>
-                                          <p:attrName>style.visibility</p:attrName>
-                                        </p:attrNameLst>
-                                      </p:cBhvr>
-                                      <p:to>
-                                        <p:strVal val="visible"/>
-                                      </p:to>
-                                    </p:set>
-                                  </p:childTnLst>
-                                </p:cTn>
-                              </p:par>
-                            </p:childTnLst>
-                          </p:cTn>
-                        </p:par>
-                      </p:childTnLst>
-                    </p:cTn>
-                  </p:par>
-                  <p:par>
-                    <p:cTn id="7" fill="hold">
-                      <p:stCondLst>
-                        <p:cond delay="indefinite"/>
-                      </p:stCondLst>
-                      <p:childTnLst>
-                        <p:par>
-                          <p:cTn id="8" fill="hold">
-                            <p:stCondLst>
-                              <p:cond delay="0"/>
-                            </p:stCondLst>
-                            <p:childTnLst>
-                              <p:par>
-                                <p:cTn id="9" presetID="1" presetClass="entr" presetSubtype="0" fill="hold" nodeType="clickEffect">
-                                  <p:stCondLst>
-                                    <p:cond delay="0"/>
-                                  </p:stCondLst>
-                                  <p:childTnLst>
-                                    <p:set>
-                                      <p:cBhvr>
-                                        <p:cTn id="10" dur="1" fill="hold">
-                                          <p:stCondLst>
-                                            <p:cond delay="0"/>
-                                          </p:stCondLst>
-                                        </p:cTn>
-                                        <p:tgtEl>
-                                          <p:spTgt spid="9">
-                                            <p:txEl>
-                                              <p:pRg st="4" end="4"/>
-                                            </p:txEl>
-                                          </p:spTgt>
-                                        </p:tgtEl>
-                                        <p:attrNameLst>
-                                          <p:attrName>style.visibility</p:attrName>
-                                        </p:attrNameLst>
-                                      </p:cBhvr>
-                                      <p:to>
-                                        <p:strVal val="visible"/>
-                                      </p:to>
-                                    </p:set>
-                                  </p:childTnLst>
-                                </p:cTn>
-                              </p:par>
-                            </p:childTnLst>
-                          </p:cTn>
-                        </p:par>
-                      </p:childTnLst>
-                    </p:cTn>
-                  </p:par>
-                  <p:par>
-                    <p:cTn id="11" fill="hold">
-                      <p:stCondLst>
-                        <p:cond delay="indefinite"/>
-                      </p:stCondLst>
-                      <p:childTnLst>
-                        <p:par>
-                          <p:cTn id="12" fill="hold">
-                            <p:stCondLst>
-                              <p:cond delay="0"/>
-                            </p:stCondLst>
-                            <p:childTnLst>
-                              <p:par>
-                                <p:cTn id="13" presetID="1" presetClass="entr" presetSubtype="0" fill="hold" nodeType="clickEffect">
-                                  <p:stCondLst>
-                                    <p:cond delay="0"/>
-                                  </p:stCondLst>
-                                  <p:childTnLst>
-                                    <p:set>
-                                      <p:cBhvr>
-                                        <p:cTn id="14" dur="1" fill="hold">
-                                          <p:stCondLst>
-                                            <p:cond delay="0"/>
-                                          </p:stCondLst>
-                                        </p:cTn>
-                                        <p:tgtEl>
-                                          <p:spTgt spid="9">
-                                            <p:txEl>
-                                              <p:pRg st="5" end="5"/>
-                                            </p:txEl>
-                                          </p:spTgt>
-                                        </p:tgtEl>
-                                        <p:attrNameLst>
-                                          <p:attrName>style.visibility</p:attrName>
-                                        </p:attrNameLst>
-                                      </p:cBhvr>
-                                      <p:to>
-                                        <p:strVal val="visible"/>
-                                      </p:to>
-                                    </p:set>
-                                  </p:childTnLst>
-                                </p:cTn>
-                              </p:par>
-                            </p:childTnLst>
-                          </p:cTn>
-                        </p:par>
-                      </p:childTnLst>
-                    </p:cTn>
-                  </p:par>
-                  <p:par>
-                    <p:cTn id="15" fill="hold">
-                      <p:stCondLst>
-                        <p:cond delay="indefinite"/>
-                      </p:stCondLst>
-                      <p:childTnLst>
-                        <p:par>
-                          <p:cTn id="16" fill="hold">
-                            <p:stCondLst>
-                              <p:cond delay="0"/>
-                            </p:stCondLst>
-                            <p:childTnLst>
-                              <p:par>
-                                <p:cTn id="17" presetID="1" presetClass="entr" presetSubtype="0" fill="hold" nodeType="clickEffect">
-                                  <p:stCondLst>
-                                    <p:cond delay="0"/>
-                                  </p:stCondLst>
-                                  <p:childTnLst>
-                                    <p:set>
-                                      <p:cBhvr>
-                                        <p:cTn id="18" dur="1" fill="hold">
-                                          <p:stCondLst>
-                                            <p:cond delay="0"/>
-                                          </p:stCondLst>
-                                        </p:cTn>
-                                        <p:tgtEl>
-                                          <p:spTgt spid="9">
-                                            <p:txEl>
-                                              <p:pRg st="6" end="6"/>
-                                            </p:txEl>
-                                          </p:spTgt>
-                                        </p:tgtEl>
-                                        <p:attrNameLst>
-                                          <p:attrName>style.visibility</p:attrName>
-                                        </p:attrNameLst>
-                                      </p:cBhvr>
-                                      <p:to>
-                                        <p:strVal val="visible"/>
-                                      </p:to>
-                                    </p:set>
-                                  </p:childTnLst>
-                                </p:cTn>
-                              </p:par>
-                            </p:childTnLst>
-                          </p:cTn>
-                        </p:par>
-                      </p:childTnLst>
-                    </p:cTn>
-                  </p:par>
-                  <p:par>
-                    <p:cTn id="19" fill="hold">
-                      <p:stCondLst>
-                        <p:cond delay="indefinite"/>
-                      </p:stCondLst>
-                      <p:childTnLst>
-                        <p:par>
-                          <p:cTn id="20" fill="hold">
-                            <p:stCondLst>
-                              <p:cond delay="0"/>
-                            </p:stCondLst>
-                            <p:childTnLst>
-                              <p:par>
-                                <p:cTn id="21" presetID="1" presetClass="entr" presetSubtype="0" fill="hold" nodeType="clickEffect">
-                                  <p:stCondLst>
-                                    <p:cond delay="0"/>
-                                  </p:stCondLst>
-                                  <p:childTnLst>
-                                    <p:set>
-                                      <p:cBhvr>
-                                        <p:cTn id="22" dur="1" fill="hold">
-                                          <p:stCondLst>
-                                            <p:cond delay="0"/>
-                                          </p:stCondLst>
-                                        </p:cTn>
-                                        <p:tgtEl>
-                                          <p:spTgt spid="9">
-                                            <p:txEl>
-                                              <p:pRg st="7" end="7"/>
-                                            </p:txEl>
-                                          </p:spTgt>
-                                        </p:tgtEl>
-                                        <p:attrNameLst>
-                                          <p:attrName>style.visibility</p:attrName>
-                                        </p:attrNameLst>
-                                      </p:cBhvr>
-                                      <p:to>
-                                        <p:strVal val="visible"/>
-                                      </p:to>
-                                    </p:set>
-                                  </p:childTnLst>
-                                </p:cTn>
-                              </p:par>
-                            </p:childTnLst>
-                          </p:cTn>
-                        </p:par>
-                      </p:childTnLst>
-                    </p:cTn>
-                  </p:par>
-                  <p:par>
-                    <p:cTn id="23" fill="hold">
-                      <p:stCondLst>
-                        <p:cond delay="indefinite"/>
-                      </p:stCondLst>
-                      <p:childTnLst>
-                        <p:par>
-                          <p:cTn id="24" fill="hold">
-                            <p:stCondLst>
-                              <p:cond delay="0"/>
-                            </p:stCondLst>
-                            <p:childTnLst>
-                              <p:par>
-                                <p:cTn id="25" presetID="1" presetClass="entr" presetSubtype="0" fill="hold" nodeType="clickEffect">
-                                  <p:stCondLst>
-                                    <p:cond delay="0"/>
-                                  </p:stCondLst>
-                                  <p:childTnLst>
-                                    <p:set>
-                                      <p:cBhvr>
-                                        <p:cTn id="26" dur="1" fill="hold">
-                                          <p:stCondLst>
-                                            <p:cond delay="0"/>
-                                          </p:stCondLst>
-                                        </p:cTn>
-                                        <p:tgtEl>
-                                          <p:spTgt spid="9">
-                                            <p:txEl>
-                                              <p:pRg st="8" end="8"/>
-                                            </p:txEl>
-                                          </p:spTgt>
-                                        </p:tgtEl>
-                                        <p:attrNameLst>
-                                          <p:attrName>style.visibility</p:attrName>
-                                        </p:attrNameLst>
-                                      </p:cBhvr>
-                                      <p:to>
-                                        <p:strVal val="visible"/>
-                                      </p:to>
-                                    </p:set>
-                                  </p:childTnLst>
-                                </p:cTn>
-                              </p:par>
-                            </p:childTnLst>
-                          </p:cTn>
-                        </p:par>
-                      </p:childTnLst>
-                    </p:cTn>
-                  </p:par>
-                  <p:par>
-                    <p:cTn id="27" fill="hold">
-                      <p:stCondLst>
-                        <p:cond delay="indefinite"/>
-                      </p:stCondLst>
-                      <p:childTnLst>
-                        <p:par>
-                          <p:cTn id="28" fill="hold">
-                            <p:stCondLst>
-                              <p:cond delay="0"/>
-                            </p:stCondLst>
-                            <p:childTnLst>
-                              <p:par>
-                                <p:cTn id="29" presetID="1" presetClass="entr" presetSubtype="0" fill="hold" nodeType="clickEffect">
-                                  <p:stCondLst>
-                                    <p:cond delay="0"/>
-                                  </p:stCondLst>
-                                  <p:childTnLst>
-                                    <p:set>
-                                      <p:cBhvr>
-                                        <p:cTn id="30" dur="1" fill="hold">
-                                          <p:stCondLst>
-                                            <p:cond delay="0"/>
-                                          </p:stCondLst>
-                                        </p:cTn>
-                                        <p:tgtEl>
-                                          <p:spTgt spid="9">
-                                            <p:txEl>
-                                              <p:pRg st="10" end="10"/>
-                                            </p:txEl>
-                                          </p:spTgt>
-                                        </p:tgtEl>
-                                        <p:attrNameLst>
-                                          <p:attrName>style.visibility</p:attrName>
-                                        </p:attrNameLst>
-                                      </p:cBhvr>
-                                      <p:to>
-                                        <p:strVal val="visible"/>
-                                      </p:to>
-                                    </p:set>
-                                  </p:childTnLst>
-                                </p:cTn>
-                              </p:par>
-                            </p:childTnLst>
-                          </p:cTn>
-                        </p:par>
-                      </p:childTnLst>
-                    </p:cTn>
-                  </p:par>
-                  <p:par>
-                    <p:cTn id="31" fill="hold">
-                      <p:stCondLst>
-                        <p:cond delay="indefinite"/>
-                      </p:stCondLst>
-                      <p:childTnLst>
-                        <p:par>
-                          <p:cTn id="32" fill="hold">
-                            <p:stCondLst>
-                              <p:cond delay="0"/>
-                            </p:stCondLst>
-                            <p:childTnLst>
-                              <p:par>
-                                <p:cTn id="33" presetID="1" presetClass="entr" presetSubtype="0" fill="hold" nodeType="clickEffect">
-                                  <p:stCondLst>
-                                    <p:cond delay="0"/>
-                                  </p:stCondLst>
-                                  <p:childTnLst>
-                                    <p:set>
-                                      <p:cBhvr>
-                                        <p:cTn id="34" dur="1" fill="hold">
-                                          <p:stCondLst>
-                                            <p:cond delay="0"/>
-                                          </p:stCondLst>
-                                        </p:cTn>
-                                        <p:tgtEl>
-                                          <p:spTgt spid="9">
-                                            <p:txEl>
-                                              <p:pRg st="11" end="11"/>
-                                            </p:txEl>
-                                          </p:spTgt>
-                                        </p:tgtEl>
-                                        <p:attrNameLst>
-                                          <p:attrName>style.visibility</p:attrName>
-                                        </p:attrNameLst>
-                                      </p:cBhvr>
-                                      <p:to>
-                                        <p:strVal val="visible"/>
-                                      </p:to>
-                                    </p:set>
-                                  </p:childTnLst>
-                                </p:cTn>
-                              </p:par>
-                            </p:childTnLst>
-                          </p:cTn>
-                        </p:par>
-                      </p:childTnLst>
-                    </p:cTn>
-                  </p:par>
-                </p:childTnLst>
-              </p:cTn>
-              <p:prevCondLst>
-                <p:cond evt="onPrev" delay="0">
-                  <p:tgtEl>
-                    <p:sldTgt/>
-                  </p:tgtEl>
-                </p:cond>
-              </p:prevCondLst>
-              <p:nextCondLst>
-                <p:cond evt="onNext" delay="0">
-                  <p:tgtEl>
-                    <p:sldTgt/>
-                  </p:tgtEl>
-                </p:cond>
-              </p:nextCondLst>
-            </p:seq>
-          </p:childTnLst>
-        </p:cTn>
-      </p:par>
-    </p:tnLst>
-    <p:bldLst>
-      <p:bldP spid="3" grpId="0"/>
-    </p:bldLst>
-  </p:timing>
-</p:sld>
-</file>
-
-<file path=ppt/slides/slide19.xml><?xml version="1.0" encoding="utf-8"?>
-<p:sld xmlns:a="http://schemas.openxmlformats.org/drawingml/2006/main" xmlns:r="http://schemas.openxmlformats.org/officeDocument/2006/relationships" xmlns:p="http://schemas.openxmlformats.org/presentationml/2006/main">
-  <p:cSld>
-    <p:spTree>
-      <p:nvGrpSpPr>
-        <p:cNvPr id="1" name=""/>
-        <p:cNvGrpSpPr/>
-        <p:nvPr/>
-      </p:nvGrpSpPr>
-      <p:grpSpPr>
-        <a:xfrm>
-          <a:off x="0" y="0"/>
-          <a:ext cx="0" cy="0"/>
-          <a:chOff x="0" y="0"/>
-          <a:chExt cx="0" cy="0"/>
-        </a:xfrm>
-      </p:grpSpPr>
-      <p:sp>
-        <p:nvSpPr>
-          <p:cNvPr id="2" name="Title 1">
-            <a:extLst>
-              <a:ext uri="{FF2B5EF4-FFF2-40B4-BE49-F238E27FC236}">
-                <a16:creationId xmlns:a16="http://schemas.microsoft.com/office/drawing/2014/main" id="{AA3A228F-61D0-D949-A5E7-F83756230BF8}"/>
-              </a:ext>
-            </a:extLst>
-          </p:cNvPr>
-          <p:cNvSpPr>
-            <a:spLocks noGrp="1"/>
-          </p:cNvSpPr>
-          <p:nvPr>
-            <p:ph type="title"/>
-          </p:nvPr>
-        </p:nvSpPr>
-        <p:spPr>
-          <a:xfrm>
-            <a:off x="170339" y="134008"/>
-            <a:ext cx="7053542" cy="683886"/>
-          </a:xfrm>
-        </p:spPr>
-        <p:txBody>
-          <a:bodyPr/>
-          <a:lstStyle/>
-          <a:p>
-            <a:r>
-              <a:rPr lang="en-US" dirty="0"/>
-              <a:t>Sum of 2D lists(Using Indices)</a:t>
-            </a:r>
-          </a:p>
-        </p:txBody>
-      </p:sp>
-      <p:sp>
-        <p:nvSpPr>
-          <p:cNvPr id="9" name="Content Placeholder 8">
-            <a:extLst>
-              <a:ext uri="{FF2B5EF4-FFF2-40B4-BE49-F238E27FC236}">
-                <a16:creationId xmlns:a16="http://schemas.microsoft.com/office/drawing/2014/main" id="{E3B2E017-30B2-884B-A113-B419A2ED51AD}"/>
-              </a:ext>
-            </a:extLst>
-          </p:cNvPr>
-          <p:cNvSpPr>
-            <a:spLocks noGrp="1"/>
-          </p:cNvSpPr>
-          <p:nvPr>
-            <p:ph idx="1"/>
-          </p:nvPr>
-        </p:nvSpPr>
-        <p:spPr>
-          <a:xfrm>
-            <a:off x="170340" y="817895"/>
-            <a:ext cx="8365234" cy="4763098"/>
-          </a:xfrm>
-        </p:spPr>
-        <p:txBody>
-          <a:bodyPr>
-            <a:normAutofit/>
-          </a:bodyPr>
-          <a:lstStyle/>
-          <a:p>
-            <a:pPr marL="0" indent="0">
-              <a:buNone/>
-            </a:pPr>
-            <a:r>
-              <a:rPr lang="en-US" dirty="0">
-                <a:latin typeface="Gill Sans MT" panose="020B0502020104020203" pitchFamily="34" charset="77"/>
-              </a:rPr>
-              <a:t>A 2D list is a list of lists. </a:t>
-            </a:r>
-          </a:p>
-          <a:p>
-            <a:pPr marL="0" indent="0">
-              <a:buNone/>
-            </a:pPr>
-            <a:r>
-              <a:rPr lang="en-US" dirty="0">
-                <a:latin typeface="INCONSOLATA" panose="020B0609030003000000" pitchFamily="49" charset="77"/>
-              </a:rPr>
-              <a:t>list2d = [[1, 2, 5],</a:t>
-            </a:r>
-          </a:p>
-          <a:p>
-            <a:pPr marL="0" indent="0">
-              <a:buNone/>
-            </a:pPr>
-            <a:r>
-              <a:rPr lang="en-US" dirty="0">
-                <a:latin typeface="INCONSOLATA" panose="020B0609030003000000" pitchFamily="49" charset="77"/>
-              </a:rPr>
-              <a:t>		[3, -1, 6],</a:t>
-            </a:r>
-          </a:p>
-          <a:p>
-            <a:pPr marL="0" indent="0">
-              <a:buNone/>
-            </a:pPr>
-            <a:r>
-              <a:rPr lang="en-US" dirty="0">
-                <a:latin typeface="INCONSOLATA" panose="020B0609030003000000" pitchFamily="49" charset="77"/>
-              </a:rPr>
-              <a:t>		[10, 1, 0]]</a:t>
-            </a:r>
-          </a:p>
-          <a:p>
-            <a:pPr marL="0" indent="0">
-              <a:buNone/>
-            </a:pPr>
-            <a:r>
-              <a:rPr lang="en-US" dirty="0">
-                <a:latin typeface="INCONSOLATA" panose="020B0609030003000000" pitchFamily="49" charset="77"/>
-              </a:rPr>
-              <a:t>sum = 0</a:t>
-            </a:r>
-          </a:p>
-          <a:p>
-            <a:pPr marL="0" indent="0">
-              <a:buNone/>
-            </a:pPr>
-            <a:r>
-              <a:rPr lang="en-US" b="1" dirty="0">
-                <a:solidFill>
-                  <a:srgbClr val="006699"/>
-                </a:solidFill>
-                <a:latin typeface="Inconsolata" panose="020B0609030003000000" pitchFamily="49" charset="77"/>
-              </a:rPr>
-              <a:t>for </a:t>
-            </a:r>
-            <a:r>
-              <a:rPr lang="en-US" b="1" dirty="0" err="1">
-                <a:solidFill>
-                  <a:srgbClr val="000087"/>
-                </a:solidFill>
-                <a:latin typeface="Inconsolata" panose="020B0609030003000000" pitchFamily="49" charset="77"/>
-              </a:rPr>
-              <a:t>i</a:t>
-            </a:r>
-            <a:r>
-              <a:rPr lang="en-US" b="1" dirty="0">
-                <a:solidFill>
-                  <a:srgbClr val="000087"/>
-                </a:solidFill>
-                <a:latin typeface="Inconsolata" panose="020B0609030003000000" pitchFamily="49" charset="77"/>
-              </a:rPr>
-              <a:t> </a:t>
-            </a:r>
-            <a:r>
-              <a:rPr lang="en-US" b="1" dirty="0">
-                <a:latin typeface="Inconsolata" panose="020B0609030003000000" pitchFamily="49" charset="77"/>
-              </a:rPr>
-              <a:t>in range(</a:t>
-            </a:r>
-            <a:r>
-              <a:rPr lang="en-US" b="1" dirty="0" err="1">
-                <a:latin typeface="Inconsolata" panose="020B0609030003000000" pitchFamily="49" charset="77"/>
-              </a:rPr>
-              <a:t>len</a:t>
-            </a:r>
-            <a:r>
-              <a:rPr lang="en-US" b="1" dirty="0">
-                <a:latin typeface="Inconsolata" panose="020B0609030003000000" pitchFamily="49" charset="77"/>
-              </a:rPr>
-              <a:t>(list2d)):</a:t>
-            </a:r>
-          </a:p>
-          <a:p>
-            <a:pPr marL="0" indent="0">
-              <a:buNone/>
-            </a:pPr>
-            <a:r>
-              <a:rPr lang="en-US" b="1" dirty="0">
-                <a:solidFill>
-                  <a:srgbClr val="FF6600"/>
-                </a:solidFill>
-                <a:latin typeface="Inconsolata" panose="020B0609030003000000" pitchFamily="49" charset="77"/>
-              </a:rPr>
-              <a:t>	</a:t>
-            </a:r>
-            <a:r>
-              <a:rPr lang="en-US" b="1" dirty="0">
-                <a:solidFill>
-                  <a:srgbClr val="006699"/>
-                </a:solidFill>
-                <a:latin typeface="Inconsolata" panose="020B0609030003000000" pitchFamily="49" charset="77"/>
-              </a:rPr>
-              <a:t>for j </a:t>
-            </a:r>
-            <a:r>
-              <a:rPr lang="en-US" b="1" dirty="0">
-                <a:latin typeface="Inconsolata" panose="020B0609030003000000" pitchFamily="49" charset="77"/>
-              </a:rPr>
-              <a:t>in range(</a:t>
-            </a:r>
-            <a:r>
-              <a:rPr lang="en-US" b="1" dirty="0" err="1">
-                <a:latin typeface="Inconsolata" panose="020B0609030003000000" pitchFamily="49" charset="77"/>
-              </a:rPr>
-              <a:t>len</a:t>
-            </a:r>
-            <a:r>
-              <a:rPr lang="en-US" b="1" dirty="0">
-                <a:latin typeface="Inconsolata" panose="020B0609030003000000" pitchFamily="49" charset="77"/>
-              </a:rPr>
-              <a:t>(list2d[</a:t>
-            </a:r>
-            <a:r>
-              <a:rPr lang="en-US" b="1" dirty="0" err="1">
-                <a:latin typeface="Inconsolata" panose="020B0609030003000000" pitchFamily="49" charset="77"/>
-              </a:rPr>
-              <a:t>i</a:t>
-            </a:r>
-            <a:r>
-              <a:rPr lang="en-US" b="1">
-                <a:latin typeface="Inconsolata" panose="020B0609030003000000" pitchFamily="49" charset="77"/>
-              </a:rPr>
-              <a:t>])): </a:t>
-            </a:r>
-            <a:endParaRPr lang="en-US" b="1" dirty="0">
-              <a:latin typeface="Inconsolata" panose="020B0609030003000000" pitchFamily="49" charset="77"/>
-            </a:endParaRPr>
-          </a:p>
-          <a:p>
-            <a:pPr marL="0" indent="0">
-              <a:buNone/>
-            </a:pPr>
-            <a:r>
-              <a:rPr lang="en-US" b="1" dirty="0">
-                <a:solidFill>
-                  <a:srgbClr val="006699"/>
-                </a:solidFill>
-                <a:latin typeface="Inconsolata" panose="020B0609030003000000" pitchFamily="49" charset="77"/>
-              </a:rPr>
-              <a:t>		sum += list2d[</a:t>
-            </a:r>
-            <a:r>
-              <a:rPr lang="en-US" b="1" dirty="0" err="1">
-                <a:solidFill>
-                  <a:srgbClr val="006699"/>
-                </a:solidFill>
-                <a:latin typeface="Inconsolata" panose="020B0609030003000000" pitchFamily="49" charset="77"/>
-              </a:rPr>
-              <a:t>i</a:t>
-            </a:r>
-            <a:r>
-              <a:rPr lang="en-US" b="1" dirty="0">
-                <a:solidFill>
-                  <a:srgbClr val="006699"/>
-                </a:solidFill>
-                <a:latin typeface="Inconsolata" panose="020B0609030003000000" pitchFamily="49" charset="77"/>
-              </a:rPr>
-              <a:t>][j]</a:t>
-            </a:r>
-            <a:endParaRPr lang="en-US" b="1" dirty="0">
-              <a:latin typeface="Inconsolata" panose="020B0609030003000000" pitchFamily="49" charset="77"/>
-            </a:endParaRPr>
-          </a:p>
-          <a:p>
-            <a:pPr marL="0" indent="0">
-              <a:buNone/>
-            </a:pPr>
-            <a:r>
-              <a:rPr lang="en-US" b="1" dirty="0">
-                <a:latin typeface="Inconsolata" panose="020B0609030003000000" pitchFamily="49" charset="77"/>
-              </a:rPr>
-              <a:t>print(sum)</a:t>
-            </a:r>
-          </a:p>
-          <a:p>
-            <a:pPr marL="0" indent="0">
-              <a:buNone/>
-            </a:pPr>
-            <a:endParaRPr lang="en-US" b="1" dirty="0">
-              <a:latin typeface="Inconsolata" panose="020B0609030003000000" pitchFamily="49" charset="77"/>
-            </a:endParaRPr>
-          </a:p>
-          <a:p>
-            <a:pPr marL="0" indent="0">
-              <a:buNone/>
-            </a:pPr>
-            <a:r>
-              <a:rPr lang="en-US" dirty="0">
-                <a:latin typeface="Gill Sans MT" panose="020B0502020104020203" pitchFamily="34" charset="77"/>
-              </a:rPr>
-              <a:t>Output:</a:t>
-            </a:r>
-          </a:p>
-          <a:p>
-            <a:pPr marL="0" indent="0">
-              <a:buNone/>
-            </a:pPr>
-            <a:r>
-              <a:rPr lang="en-US" dirty="0">
-                <a:latin typeface="Gill Sans MT" panose="020B0502020104020203" pitchFamily="34" charset="77"/>
-              </a:rPr>
-              <a:t>27</a:t>
-            </a:r>
-          </a:p>
-        </p:txBody>
-      </p:sp>
-      <p:sp>
-        <p:nvSpPr>
-          <p:cNvPr id="3" name="TextBox 2">
-            <a:extLst>
-              <a:ext uri="{FF2B5EF4-FFF2-40B4-BE49-F238E27FC236}">
-                <a16:creationId xmlns:a16="http://schemas.microsoft.com/office/drawing/2014/main" id="{48DA4FF1-142A-6D44-9986-344D8D8232A1}"/>
-              </a:ext>
-            </a:extLst>
-          </p:cNvPr>
-          <p:cNvSpPr txBox="1"/>
-          <p:nvPr/>
-        </p:nvSpPr>
-        <p:spPr>
-          <a:xfrm>
-            <a:off x="3610024" y="1166950"/>
-            <a:ext cx="5786322" cy="1015663"/>
-          </a:xfrm>
-          <a:prstGeom prst="rect">
-            <a:avLst/>
-          </a:prstGeom>
-          <a:noFill/>
-        </p:spPr>
-        <p:txBody>
-          <a:bodyPr wrap="square" rtlCol="0">
-            <a:spAutoFit/>
-          </a:bodyPr>
-          <a:lstStyle/>
-          <a:p>
-            <a:r>
-              <a:rPr lang="en-US" sz="2000" dirty="0">
-                <a:solidFill>
-                  <a:srgbClr val="FF0000"/>
-                </a:solidFill>
-              </a:rPr>
-              <a:t>Equivalently:</a:t>
-            </a:r>
-          </a:p>
-          <a:p>
-            <a:r>
-              <a:rPr lang="en-US" sz="2000" dirty="0">
-                <a:solidFill>
-                  <a:srgbClr val="FF0000"/>
-                </a:solidFill>
-                <a:latin typeface="INCONSOLATA" panose="020B0609030003000000" pitchFamily="49" charset="77"/>
-              </a:rPr>
-              <a:t>list2d = [[1, 2, 5],[3, -1, 6],[10, 1, 0]]</a:t>
-            </a:r>
-          </a:p>
-          <a:p>
-            <a:endParaRPr lang="en-US" sz="2000" dirty="0"/>
-          </a:p>
-        </p:txBody>
-      </p:sp>
-      <p:sp>
-        <p:nvSpPr>
-          <p:cNvPr id="4" name="Slide Number Placeholder 3">
-            <a:extLst>
-              <a:ext uri="{FF2B5EF4-FFF2-40B4-BE49-F238E27FC236}">
-                <a16:creationId xmlns:a16="http://schemas.microsoft.com/office/drawing/2014/main" id="{9D9AD293-8923-2F42-8581-E79C1EA45B01}"/>
-              </a:ext>
-            </a:extLst>
-          </p:cNvPr>
-          <p:cNvSpPr>
-            <a:spLocks noGrp="1"/>
-          </p:cNvSpPr>
-          <p:nvPr>
-            <p:ph type="sldNum" sz="quarter" idx="12"/>
-          </p:nvPr>
-        </p:nvSpPr>
-        <p:spPr/>
-        <p:txBody>
-          <a:bodyPr/>
-          <a:lstStyle/>
-          <a:p>
-            <a:fld id="{D57F1E4F-1CFF-5643-939E-02111984F565}" type="slidenum">
-              <a:rPr lang="en-US" smtClean="0"/>
-              <a:t>19</a:t>
-            </a:fld>
-            <a:endParaRPr lang="en-US" dirty="0"/>
-          </a:p>
-        </p:txBody>
-      </p:sp>
-    </p:spTree>
-    <p:extLst>
-      <p:ext uri="{BB962C8B-B14F-4D97-AF65-F5344CB8AC3E}">
-        <p14:creationId xmlns:p14="http://schemas.microsoft.com/office/powerpoint/2010/main" val="3536550318"/>
-      </p:ext>
-    </p:extLst>
-  </p:cSld>
-  <p:clrMapOvr>
-    <a:masterClrMapping/>
-  </p:clrMapOvr>
-  <p:timing>
-    <p:tnLst>
-      <p:par>
-        <p:cTn id="1" dur="indefinite" restart="never" nodeType="tmRoot">
-          <p:childTnLst>
-            <p:seq concurrent="1" nextAc="seek">
-              <p:cTn id="2" dur="indefinite" nodeType="mainSeq">
-                <p:childTnLst>
-                  <p:par>
-                    <p:cTn id="3" fill="hold">
-                      <p:stCondLst>
-                        <p:cond delay="indefinite"/>
-                      </p:stCondLst>
-                      <p:childTnLst>
-                        <p:par>
-                          <p:cTn id="4" fill="hold">
-                            <p:stCondLst>
-                              <p:cond delay="0"/>
-                            </p:stCondLst>
-                            <p:childTnLst>
-                              <p:par>
-                                <p:cTn id="5" presetID="1" presetClass="entr" presetSubtype="0" fill="hold" grpId="0" nodeType="clickEffect">
-                                  <p:stCondLst>
-                                    <p:cond delay="0"/>
-                                  </p:stCondLst>
-                                  <p:childTnLst>
-                                    <p:set>
-                                      <p:cBhvr>
-                                        <p:cTn id="6" dur="1" fill="hold">
-                                          <p:stCondLst>
-                                            <p:cond delay="0"/>
-                                          </p:stCondLst>
-                                        </p:cTn>
-                                        <p:tgtEl>
-                                          <p:spTgt spid="3"/>
-                                        </p:tgtEl>
-                                        <p:attrNameLst>
-                                          <p:attrName>style.visibility</p:attrName>
-                                        </p:attrNameLst>
-                                      </p:cBhvr>
-                                      <p:to>
-                                        <p:strVal val="visible"/>
-                                      </p:to>
-                                    </p:set>
-                                  </p:childTnLst>
-                                </p:cTn>
-                              </p:par>
-                            </p:childTnLst>
-                          </p:cTn>
-                        </p:par>
-                      </p:childTnLst>
-                    </p:cTn>
-                  </p:par>
-                  <p:par>
-                    <p:cTn id="7" fill="hold">
-                      <p:stCondLst>
-                        <p:cond delay="indefinite"/>
-                      </p:stCondLst>
-                      <p:childTnLst>
-                        <p:par>
-                          <p:cTn id="8" fill="hold">
-                            <p:stCondLst>
-                              <p:cond delay="0"/>
-                            </p:stCondLst>
-                            <p:childTnLst>
-                              <p:par>
-                                <p:cTn id="9" presetID="1" presetClass="entr" presetSubtype="0" fill="hold" nodeType="clickEffect">
-                                  <p:stCondLst>
-                                    <p:cond delay="0"/>
-                                  </p:stCondLst>
-                                  <p:childTnLst>
-                                    <p:set>
-                                      <p:cBhvr>
-                                        <p:cTn id="10" dur="1" fill="hold">
-                                          <p:stCondLst>
-                                            <p:cond delay="0"/>
-                                          </p:stCondLst>
-                                        </p:cTn>
-                                        <p:tgtEl>
-                                          <p:spTgt spid="9">
-                                            <p:txEl>
-                                              <p:pRg st="4" end="4"/>
-                                            </p:txEl>
-                                          </p:spTgt>
-                                        </p:tgtEl>
-                                        <p:attrNameLst>
-                                          <p:attrName>style.visibility</p:attrName>
-                                        </p:attrNameLst>
-                                      </p:cBhvr>
-                                      <p:to>
-                                        <p:strVal val="visible"/>
-                                      </p:to>
-                                    </p:set>
-                                  </p:childTnLst>
-                                </p:cTn>
-                              </p:par>
-                            </p:childTnLst>
-                          </p:cTn>
-                        </p:par>
-                      </p:childTnLst>
-                    </p:cTn>
-                  </p:par>
-                  <p:par>
-                    <p:cTn id="11" fill="hold">
-                      <p:stCondLst>
-                        <p:cond delay="indefinite"/>
-                      </p:stCondLst>
-                      <p:childTnLst>
-                        <p:par>
-                          <p:cTn id="12" fill="hold">
-                            <p:stCondLst>
-                              <p:cond delay="0"/>
-                            </p:stCondLst>
-                            <p:childTnLst>
-                              <p:par>
-                                <p:cTn id="13" presetID="1" presetClass="entr" presetSubtype="0" fill="hold" nodeType="clickEffect">
-                                  <p:stCondLst>
-                                    <p:cond delay="0"/>
-                                  </p:stCondLst>
-                                  <p:childTnLst>
-                                    <p:set>
-                                      <p:cBhvr>
-                                        <p:cTn id="14" dur="1" fill="hold">
-                                          <p:stCondLst>
-                                            <p:cond delay="0"/>
-                                          </p:stCondLst>
-                                        </p:cTn>
-                                        <p:tgtEl>
-                                          <p:spTgt spid="9">
-                                            <p:txEl>
-                                              <p:pRg st="5" end="5"/>
-                                            </p:txEl>
-                                          </p:spTgt>
-                                        </p:tgtEl>
-                                        <p:attrNameLst>
-                                          <p:attrName>style.visibility</p:attrName>
-                                        </p:attrNameLst>
-                                      </p:cBhvr>
-                                      <p:to>
-                                        <p:strVal val="visible"/>
-                                      </p:to>
-                                    </p:set>
-                                  </p:childTnLst>
-                                </p:cTn>
-                              </p:par>
-                            </p:childTnLst>
-                          </p:cTn>
-                        </p:par>
-                      </p:childTnLst>
-                    </p:cTn>
-                  </p:par>
-                  <p:par>
-                    <p:cTn id="15" fill="hold">
-                      <p:stCondLst>
-                        <p:cond delay="indefinite"/>
-                      </p:stCondLst>
-                      <p:childTnLst>
-                        <p:par>
-                          <p:cTn id="16" fill="hold">
-                            <p:stCondLst>
-                              <p:cond delay="0"/>
-                            </p:stCondLst>
-                            <p:childTnLst>
-                              <p:par>
-                                <p:cTn id="17" presetID="1" presetClass="entr" presetSubtype="0" fill="hold" nodeType="clickEffect">
-                                  <p:stCondLst>
-                                    <p:cond delay="0"/>
-                                  </p:stCondLst>
-                                  <p:childTnLst>
-                                    <p:set>
-                                      <p:cBhvr>
-                                        <p:cTn id="18" dur="1" fill="hold">
-                                          <p:stCondLst>
-                                            <p:cond delay="0"/>
-                                          </p:stCondLst>
-                                        </p:cTn>
-                                        <p:tgtEl>
-                                          <p:spTgt spid="9">
-                                            <p:txEl>
-                                              <p:pRg st="6" end="6"/>
-                                            </p:txEl>
-                                          </p:spTgt>
-                                        </p:tgtEl>
-                                        <p:attrNameLst>
-                                          <p:attrName>style.visibility</p:attrName>
-                                        </p:attrNameLst>
-                                      </p:cBhvr>
-                                      <p:to>
-                                        <p:strVal val="visible"/>
-                                      </p:to>
-                                    </p:set>
-                                  </p:childTnLst>
-                                </p:cTn>
-                              </p:par>
-                            </p:childTnLst>
-                          </p:cTn>
-                        </p:par>
-                      </p:childTnLst>
-                    </p:cTn>
-                  </p:par>
-                  <p:par>
-                    <p:cTn id="19" fill="hold">
-                      <p:stCondLst>
-                        <p:cond delay="indefinite"/>
-                      </p:stCondLst>
-                      <p:childTnLst>
-                        <p:par>
-                          <p:cTn id="20" fill="hold">
-                            <p:stCondLst>
-                              <p:cond delay="0"/>
-                            </p:stCondLst>
-                            <p:childTnLst>
-                              <p:par>
-                                <p:cTn id="21" presetID="1" presetClass="entr" presetSubtype="0" fill="hold" nodeType="clickEffect">
-                                  <p:stCondLst>
-                                    <p:cond delay="0"/>
-                                  </p:stCondLst>
-                                  <p:childTnLst>
-                                    <p:set>
-                                      <p:cBhvr>
-                                        <p:cTn id="22" dur="1" fill="hold">
-                                          <p:stCondLst>
-                                            <p:cond delay="0"/>
-                                          </p:stCondLst>
-                                        </p:cTn>
-                                        <p:tgtEl>
-                                          <p:spTgt spid="9">
-                                            <p:txEl>
-                                              <p:pRg st="7" end="7"/>
-                                            </p:txEl>
-                                          </p:spTgt>
-                                        </p:tgtEl>
-                                        <p:attrNameLst>
-                                          <p:attrName>style.visibility</p:attrName>
-                                        </p:attrNameLst>
-                                      </p:cBhvr>
-                                      <p:to>
-                                        <p:strVal val="visible"/>
-                                      </p:to>
-                                    </p:set>
-                                  </p:childTnLst>
-                                </p:cTn>
-                              </p:par>
-                            </p:childTnLst>
-                          </p:cTn>
-                        </p:par>
-                      </p:childTnLst>
-                    </p:cTn>
-                  </p:par>
-                  <p:par>
-                    <p:cTn id="23" fill="hold">
-                      <p:stCondLst>
-                        <p:cond delay="indefinite"/>
-                      </p:stCondLst>
-                      <p:childTnLst>
-                        <p:par>
-                          <p:cTn id="24" fill="hold">
-                            <p:stCondLst>
-                              <p:cond delay="0"/>
-                            </p:stCondLst>
-                            <p:childTnLst>
-                              <p:par>
-                                <p:cTn id="25" presetID="1" presetClass="entr" presetSubtype="0" fill="hold" nodeType="clickEffect">
-                                  <p:stCondLst>
-                                    <p:cond delay="0"/>
-                                  </p:stCondLst>
-                                  <p:childTnLst>
-                                    <p:set>
-                                      <p:cBhvr>
-                                        <p:cTn id="26" dur="1" fill="hold">
-                                          <p:stCondLst>
-                                            <p:cond delay="0"/>
-                                          </p:stCondLst>
-                                        </p:cTn>
-                                        <p:tgtEl>
-                                          <p:spTgt spid="9">
-                                            <p:txEl>
-                                              <p:pRg st="8" end="8"/>
-                                            </p:txEl>
-                                          </p:spTgt>
-                                        </p:tgtEl>
-                                        <p:attrNameLst>
-                                          <p:attrName>style.visibility</p:attrName>
-                                        </p:attrNameLst>
-                                      </p:cBhvr>
-                                      <p:to>
-                                        <p:strVal val="visible"/>
-                                      </p:to>
-                                    </p:set>
-                                  </p:childTnLst>
-                                </p:cTn>
-                              </p:par>
-                            </p:childTnLst>
-                          </p:cTn>
-                        </p:par>
-                      </p:childTnLst>
-                    </p:cTn>
-                  </p:par>
-                  <p:par>
-                    <p:cTn id="27" fill="hold">
-                      <p:stCondLst>
-                        <p:cond delay="indefinite"/>
-                      </p:stCondLst>
-                      <p:childTnLst>
-                        <p:par>
-                          <p:cTn id="28" fill="hold">
-                            <p:stCondLst>
-                              <p:cond delay="0"/>
-                            </p:stCondLst>
-                            <p:childTnLst>
-                              <p:par>
-                                <p:cTn id="29" presetID="1" presetClass="entr" presetSubtype="0" fill="hold" nodeType="clickEffect">
-                                  <p:stCondLst>
-                                    <p:cond delay="0"/>
-                                  </p:stCondLst>
-                                  <p:childTnLst>
-                                    <p:set>
-                                      <p:cBhvr>
-                                        <p:cTn id="30" dur="1" fill="hold">
-                                          <p:stCondLst>
-                                            <p:cond delay="0"/>
-                                          </p:stCondLst>
-                                        </p:cTn>
-                                        <p:tgtEl>
-                                          <p:spTgt spid="9">
-                                            <p:txEl>
-                                              <p:pRg st="10" end="10"/>
-                                            </p:txEl>
-                                          </p:spTgt>
-                                        </p:tgtEl>
-                                        <p:attrNameLst>
-                                          <p:attrName>style.visibility</p:attrName>
-                                        </p:attrNameLst>
-                                      </p:cBhvr>
-                                      <p:to>
-                                        <p:strVal val="visible"/>
-                                      </p:to>
-                                    </p:set>
-                                  </p:childTnLst>
-                                </p:cTn>
-                              </p:par>
-                            </p:childTnLst>
-                          </p:cTn>
-                        </p:par>
-                      </p:childTnLst>
-                    </p:cTn>
-                  </p:par>
-                  <p:par>
-                    <p:cTn id="31" fill="hold">
-                      <p:stCondLst>
-                        <p:cond delay="indefinite"/>
-                      </p:stCondLst>
-                      <p:childTnLst>
-                        <p:par>
-                          <p:cTn id="32" fill="hold">
-                            <p:stCondLst>
-                              <p:cond delay="0"/>
-                            </p:stCondLst>
-                            <p:childTnLst>
-                              <p:par>
-                                <p:cTn id="33" presetID="1" presetClass="entr" presetSubtype="0" fill="hold" nodeType="clickEffect">
-                                  <p:stCondLst>
-                                    <p:cond delay="0"/>
-                                  </p:stCondLst>
-                                  <p:childTnLst>
-                                    <p:set>
-                                      <p:cBhvr>
-                                        <p:cTn id="34" dur="1" fill="hold">
-                                          <p:stCondLst>
-                                            <p:cond delay="0"/>
-                                          </p:stCondLst>
-                                        </p:cTn>
-                                        <p:tgtEl>
-                                          <p:spTgt spid="9">
-                                            <p:txEl>
-                                              <p:pRg st="11" end="11"/>
-                                            </p:txEl>
-                                          </p:spTgt>
-                                        </p:tgtEl>
-                                        <p:attrNameLst>
-                                          <p:attrName>style.visibility</p:attrName>
-                                        </p:attrNameLst>
-                                      </p:cBhvr>
-                                      <p:to>
-                                        <p:strVal val="visible"/>
-                                      </p:to>
-                                    </p:set>
-                                  </p:childTnLst>
-                                </p:cTn>
-                              </p:par>
-                            </p:childTnLst>
-                          </p:cTn>
-                        </p:par>
-                      </p:childTnLst>
-                    </p:cTn>
-                  </p:par>
-                </p:childTnLst>
-              </p:cTn>
-              <p:prevCondLst>
-                <p:cond evt="onPrev" delay="0">
-                  <p:tgtEl>
-                    <p:sldTgt/>
-                  </p:tgtEl>
-                </p:cond>
-              </p:prevCondLst>
-              <p:nextCondLst>
-                <p:cond evt="onNext" delay="0">
-                  <p:tgtEl>
-                    <p:sldTgt/>
-                  </p:tgtEl>
-                </p:cond>
-              </p:nextCondLst>
-            </p:seq>
-          </p:childTnLst>
-        </p:cTn>
-      </p:par>
-    </p:tnLst>
-    <p:bldLst>
-      <p:bldP spid="3" grpId="0"/>
-    </p:bldLst>
-  </p:timing>
-</p:sld>
-</file>
-
-<file path=ppt/slides/slide2.xml><?xml version="1.0" encoding="utf-8"?>
-<p:sld xmlns:a="http://schemas.openxmlformats.org/drawingml/2006/main" xmlns:r="http://schemas.openxmlformats.org/officeDocument/2006/relationships" xmlns:p="http://schemas.openxmlformats.org/presentationml/2006/main">
-  <p:cSld>
-    <p:spTree>
-      <p:nvGrpSpPr>
-        <p:cNvPr id="1" name=""/>
-        <p:cNvGrpSpPr/>
-        <p:nvPr/>
-      </p:nvGrpSpPr>
-      <p:grpSpPr>
-        <a:xfrm>
-          <a:off x="0" y="0"/>
-          <a:ext cx="0" cy="0"/>
-          <a:chOff x="0" y="0"/>
-          <a:chExt cx="0" cy="0"/>
-        </a:xfrm>
-      </p:grpSpPr>
-      <p:sp>
-        <p:nvSpPr>
-          <p:cNvPr id="2" name="Title 1">
-            <a:extLst>
-              <a:ext uri="{FF2B5EF4-FFF2-40B4-BE49-F238E27FC236}">
-                <a16:creationId xmlns:a16="http://schemas.microsoft.com/office/drawing/2014/main" id="{AA3A228F-61D0-D949-A5E7-F83756230BF8}"/>
-              </a:ext>
-            </a:extLst>
-          </p:cNvPr>
-          <p:cNvSpPr>
-            <a:spLocks noGrp="1"/>
-          </p:cNvSpPr>
-          <p:nvPr>
-            <p:ph type="title"/>
-          </p:nvPr>
-        </p:nvSpPr>
-        <p:spPr>
-          <a:xfrm>
-            <a:off x="169682" y="134007"/>
-            <a:ext cx="7053542" cy="683886"/>
-          </a:xfrm>
-        </p:spPr>
-        <p:txBody>
-          <a:bodyPr/>
-          <a:lstStyle/>
-          <a:p>
-            <a:r>
-              <a:rPr lang="en-US" dirty="0"/>
-              <a:t>Indefinite Loop</a:t>
-            </a:r>
-          </a:p>
-        </p:txBody>
-      </p:sp>
-      <p:sp>
-        <p:nvSpPr>
-          <p:cNvPr id="9" name="Content Placeholder 8">
-            <a:extLst>
-              <a:ext uri="{FF2B5EF4-FFF2-40B4-BE49-F238E27FC236}">
-                <a16:creationId xmlns:a16="http://schemas.microsoft.com/office/drawing/2014/main" id="{E3B2E017-30B2-884B-A113-B419A2ED51AD}"/>
-              </a:ext>
-            </a:extLst>
-          </p:cNvPr>
-          <p:cNvSpPr>
-            <a:spLocks noGrp="1"/>
-          </p:cNvSpPr>
-          <p:nvPr>
-            <p:ph idx="1"/>
-          </p:nvPr>
-        </p:nvSpPr>
-        <p:spPr>
-          <a:xfrm>
-            <a:off x="169682" y="1007165"/>
-            <a:ext cx="8804636" cy="4573828"/>
-          </a:xfrm>
-        </p:spPr>
-        <p:txBody>
-          <a:bodyPr>
-            <a:normAutofit/>
-          </a:bodyPr>
-          <a:lstStyle/>
-          <a:p>
-            <a:pPr marL="0" indent="0">
-              <a:buNone/>
-            </a:pPr>
-            <a:r>
-              <a:rPr lang="en-US" dirty="0"/>
-              <a:t>A </a:t>
-            </a:r>
-            <a:r>
-              <a:rPr lang="en-US" b="1" dirty="0"/>
-              <a:t>for </a:t>
-            </a:r>
-            <a:r>
-              <a:rPr lang="en-US" dirty="0"/>
-              <a:t>loop, we discussed earlier is an example of a </a:t>
-            </a:r>
-            <a:r>
-              <a:rPr lang="en-US" b="1" dirty="0"/>
-              <a:t>definite loop</a:t>
-            </a:r>
-            <a:r>
-              <a:rPr lang="en-US" dirty="0"/>
-              <a:t>, the number of iterations can be specified ahead of time by the programmer.</a:t>
-            </a:r>
-          </a:p>
-          <a:p>
-            <a:pPr marL="0" indent="0">
-              <a:buNone/>
-            </a:pPr>
-            <a:endParaRPr lang="en-US" dirty="0"/>
-          </a:p>
-          <a:p>
-            <a:pPr marL="0" indent="0">
-              <a:buNone/>
-            </a:pPr>
-            <a:r>
-              <a:rPr lang="en-US" dirty="0"/>
-              <a:t>In some cases, however, the number of iterations can be unknown.  This type of loop is called an </a:t>
-            </a:r>
-            <a:r>
-              <a:rPr lang="en-US" b="1" dirty="0"/>
-              <a:t>indefinite loop.  </a:t>
-            </a:r>
-            <a:r>
-              <a:rPr lang="en-US" dirty="0"/>
-              <a:t>For example, a user is asked to enter a sequence of positive numbers. The user can enter 0 to finish with their inputs. The number of inputs the user enter is not known in advance. </a:t>
-            </a:r>
-          </a:p>
-          <a:p>
-            <a:pPr marL="0" indent="0">
-              <a:buNone/>
-            </a:pPr>
-            <a:endParaRPr lang="en-US" dirty="0"/>
-          </a:p>
-          <a:p>
-            <a:pPr marL="0" indent="0">
-              <a:buNone/>
-            </a:pPr>
-            <a:r>
-              <a:rPr lang="en-US" dirty="0"/>
-              <a:t>In this section, we explore the use of the </a:t>
-            </a:r>
-            <a:r>
-              <a:rPr lang="en-US" b="1" dirty="0"/>
-              <a:t>while </a:t>
-            </a:r>
-            <a:r>
-              <a:rPr lang="en-US" dirty="0"/>
-              <a:t>loop to describe conditional iteration: iteration that repeats as long as a condition is true. </a:t>
-            </a:r>
-          </a:p>
-          <a:p>
-            <a:pPr marL="0" indent="0">
-              <a:buNone/>
-            </a:pPr>
-            <a:endParaRPr lang="en-US" dirty="0"/>
-          </a:p>
-          <a:p>
-            <a:pPr marL="0" indent="0">
-              <a:buNone/>
-            </a:pPr>
-            <a:r>
-              <a:rPr lang="en-US" dirty="0"/>
-              <a:t>Between the two loops, the for loop is more common. </a:t>
-            </a:r>
-          </a:p>
-          <a:p>
-            <a:pPr marL="0" indent="0">
-              <a:buNone/>
-            </a:pPr>
-            <a:endParaRPr lang="en-US" dirty="0"/>
-          </a:p>
-          <a:p>
-            <a:pPr marL="0" indent="0">
-              <a:buNone/>
-            </a:pPr>
-            <a:endParaRPr lang="en-US" dirty="0"/>
-          </a:p>
-        </p:txBody>
-      </p:sp>
-      <p:sp>
-        <p:nvSpPr>
-          <p:cNvPr id="3" name="Slide Number Placeholder 2">
-            <a:extLst>
-              <a:ext uri="{FF2B5EF4-FFF2-40B4-BE49-F238E27FC236}">
-                <a16:creationId xmlns:a16="http://schemas.microsoft.com/office/drawing/2014/main" id="{BDC2059B-C28B-4640-BA06-033C10FB8E3F}"/>
-              </a:ext>
-            </a:extLst>
-          </p:cNvPr>
-          <p:cNvSpPr>
-            <a:spLocks noGrp="1"/>
-          </p:cNvSpPr>
-          <p:nvPr>
-            <p:ph type="sldNum" sz="quarter" idx="12"/>
-          </p:nvPr>
-        </p:nvSpPr>
-        <p:spPr/>
-        <p:txBody>
-          <a:bodyPr/>
-          <a:lstStyle/>
-          <a:p>
-            <a:fld id="{D57F1E4F-1CFF-5643-939E-02111984F565}" type="slidenum">
-              <a:rPr lang="en-US" smtClean="0"/>
-              <a:t>2</a:t>
-            </a:fld>
-            <a:endParaRPr lang="en-US" dirty="0"/>
-          </a:p>
-        </p:txBody>
-      </p:sp>
-    </p:spTree>
-    <p:extLst>
-      <p:ext uri="{BB962C8B-B14F-4D97-AF65-F5344CB8AC3E}">
-        <p14:creationId xmlns:p14="http://schemas.microsoft.com/office/powerpoint/2010/main" val="924617162"/>
-      </p:ext>
-    </p:extLst>
-  </p:cSld>
-  <p:clrMapOvr>
-    <a:masterClrMapping/>
-  </p:clrMapOvr>
-  <p:timing>
-    <p:tnLst>
-      <p:par>
-        <p:cTn id="1" dur="indefinite" restart="never" nodeType="tmRoot">
-          <p:childTnLst>
-            <p:seq concurrent="1" nextAc="seek">
-              <p:cTn id="2" dur="indefinite" nodeType="mainSeq">
-                <p:childTnLst>
-                  <p:par>
-                    <p:cTn id="3" fill="hold">
-                      <p:stCondLst>
-                        <p:cond delay="indefinite"/>
-                      </p:stCondLst>
-                      <p:childTnLst>
-                        <p:par>
-                          <p:cTn id="4" fill="hold">
-                            <p:stCondLst>
-                              <p:cond delay="0"/>
-                            </p:stCondLst>
-                            <p:childTnLst>
-                              <p:par>
-                                <p:cTn id="5" presetID="1" presetClass="entr" presetSubtype="0" fill="hold" nodeType="clickEffect">
-                                  <p:stCondLst>
-                                    <p:cond delay="0"/>
-                                  </p:stCondLst>
-                                  <p:childTnLst>
-                                    <p:set>
-                                      <p:cBhvr>
-                                        <p:cTn id="6" dur="1" fill="hold">
-                                          <p:stCondLst>
-                                            <p:cond delay="0"/>
-                                          </p:stCondLst>
-                                        </p:cTn>
-                                        <p:tgtEl>
-                                          <p:spTgt spid="9">
-                                            <p:txEl>
-                                              <p:pRg st="2" end="2"/>
-                                            </p:txEl>
-                                          </p:spTgt>
-                                        </p:tgtEl>
-                                        <p:attrNameLst>
-                                          <p:attrName>style.visibility</p:attrName>
-                                        </p:attrNameLst>
-                                      </p:cBhvr>
-                                      <p:to>
-                                        <p:strVal val="visible"/>
-                                      </p:to>
-                                    </p:set>
-                                  </p:childTnLst>
-                                </p:cTn>
-                              </p:par>
-                            </p:childTnLst>
-                          </p:cTn>
-                        </p:par>
-                      </p:childTnLst>
-                    </p:cTn>
-                  </p:par>
-                  <p:par>
-                    <p:cTn id="7" fill="hold">
-                      <p:stCondLst>
-                        <p:cond delay="indefinite"/>
-                      </p:stCondLst>
-                      <p:childTnLst>
-                        <p:par>
-                          <p:cTn id="8" fill="hold">
-                            <p:stCondLst>
-                              <p:cond delay="0"/>
-                            </p:stCondLst>
-                            <p:childTnLst>
-                              <p:par>
-                                <p:cTn id="9" presetID="1" presetClass="entr" presetSubtype="0" fill="hold" nodeType="clickEffect">
-                                  <p:stCondLst>
-                                    <p:cond delay="0"/>
-                                  </p:stCondLst>
-                                  <p:childTnLst>
-                                    <p:set>
-                                      <p:cBhvr>
-                                        <p:cTn id="10" dur="1" fill="hold">
-                                          <p:stCondLst>
-                                            <p:cond delay="0"/>
-                                          </p:stCondLst>
-                                        </p:cTn>
-                                        <p:tgtEl>
-                                          <p:spTgt spid="9">
-                                            <p:txEl>
-                                              <p:pRg st="4" end="4"/>
-                                            </p:txEl>
-                                          </p:spTgt>
-                                        </p:tgtEl>
-                                        <p:attrNameLst>
-                                          <p:attrName>style.visibility</p:attrName>
-                                        </p:attrNameLst>
-                                      </p:cBhvr>
-                                      <p:to>
-                                        <p:strVal val="visible"/>
-                                      </p:to>
-                                    </p:set>
-                                  </p:childTnLst>
-                                </p:cTn>
-                              </p:par>
-                            </p:childTnLst>
-                          </p:cTn>
-                        </p:par>
-                      </p:childTnLst>
-                    </p:cTn>
-                  </p:par>
-                  <p:par>
-                    <p:cTn id="11" fill="hold">
-                      <p:stCondLst>
-                        <p:cond delay="indefinite"/>
-                      </p:stCondLst>
-                      <p:childTnLst>
-                        <p:par>
-                          <p:cTn id="12" fill="hold">
-                            <p:stCondLst>
-                              <p:cond delay="0"/>
-                            </p:stCondLst>
-                            <p:childTnLst>
-                              <p:par>
-                                <p:cTn id="13" presetID="1" presetClass="entr" presetSubtype="0" fill="hold" nodeType="clickEffect">
-                                  <p:stCondLst>
-                                    <p:cond delay="0"/>
-                                  </p:stCondLst>
-                                  <p:childTnLst>
-                                    <p:set>
-                                      <p:cBhvr>
-                                        <p:cTn id="14" dur="1" fill="hold">
-                                          <p:stCondLst>
-                                            <p:cond delay="0"/>
-                                          </p:stCondLst>
-                                        </p:cTn>
-                                        <p:tgtEl>
-                                          <p:spTgt spid="9">
-                                            <p:txEl>
-                                              <p:pRg st="6" end="6"/>
-                                            </p:txEl>
-                                          </p:spTgt>
-                                        </p:tgtEl>
-                                        <p:attrNameLst>
-                                          <p:attrName>style.visibility</p:attrName>
-                                        </p:attrNameLst>
-                                      </p:cBhvr>
-                                      <p:to>
-                                        <p:strVal val="visible"/>
-                                      </p:to>
-                                    </p:set>
-                                  </p:childTnLst>
-                                </p:cTn>
-                              </p:par>
-                            </p:childTnLst>
-                          </p:cTn>
-                        </p:par>
-                      </p:childTnLst>
-                    </p:cTn>
-                  </p:par>
-                </p:childTnLst>
-              </p:cTn>
-              <p:prevCondLst>
-                <p:cond evt="onPrev" delay="0">
-                  <p:tgtEl>
-                    <p:sldTgt/>
-                  </p:tgtEl>
-                </p:cond>
-              </p:prevCondLst>
-              <p:nextCondLst>
-                <p:cond evt="onNext" delay="0">
-                  <p:tgtEl>
-                    <p:sldTgt/>
-                  </p:tgtEl>
-                </p:cond>
-              </p:nextCondLst>
-            </p:seq>
-          </p:childTnLst>
-        </p:cTn>
-      </p:par>
-    </p:tnLst>
-  </p:timing>
-</p:sld>
-</file>
-
-<file path=ppt/slides/slide20.xml><?xml version="1.0" encoding="utf-8"?>
-<p:sld xmlns:a="http://schemas.openxmlformats.org/drawingml/2006/main" xmlns:r="http://schemas.openxmlformats.org/officeDocument/2006/relationships" xmlns:p="http://schemas.openxmlformats.org/presentationml/2006/main">
-  <p:cSld>
-    <p:spTree>
-      <p:nvGrpSpPr>
-        <p:cNvPr id="1" name=""/>
-        <p:cNvGrpSpPr/>
-        <p:nvPr/>
-      </p:nvGrpSpPr>
-      <p:grpSpPr>
-        <a:xfrm>
-          <a:off x="0" y="0"/>
-          <a:ext cx="0" cy="0"/>
-          <a:chOff x="0" y="0"/>
-          <a:chExt cx="0" cy="0"/>
-        </a:xfrm>
-      </p:grpSpPr>
-      <p:sp>
-        <p:nvSpPr>
-          <p:cNvPr id="2" name="Title 1">
-            <a:extLst>
-              <a:ext uri="{FF2B5EF4-FFF2-40B4-BE49-F238E27FC236}">
-                <a16:creationId xmlns:a16="http://schemas.microsoft.com/office/drawing/2014/main" id="{AA3A228F-61D0-D949-A5E7-F83756230BF8}"/>
-              </a:ext>
-            </a:extLst>
-          </p:cNvPr>
-          <p:cNvSpPr>
-            <a:spLocks noGrp="1"/>
-          </p:cNvSpPr>
-          <p:nvPr>
-            <p:ph type="title"/>
-          </p:nvPr>
-        </p:nvSpPr>
-        <p:spPr>
-          <a:xfrm>
             <a:off x="185898" y="123498"/>
             <a:ext cx="7053542" cy="683886"/>
           </a:xfrm>
@@ -14103,7 +9944,7 @@
           <a:p>
             <a:fld id="{D57F1E4F-1CFF-5643-939E-02111984F565}" type="slidenum">
               <a:rPr lang="en-US" smtClean="0"/>
-              <a:t>20</a:t>
+              <a:t>17</a:t>
             </a:fld>
             <a:endParaRPr lang="en-US" dirty="0"/>
           </a:p>
@@ -14361,7 +10202,7 @@
 </p:sld>
 </file>
 
-<file path=ppt/slides/slide21.xml><?xml version="1.0" encoding="utf-8"?>
+<file path=ppt/slides/slide18.xml><?xml version="1.0" encoding="utf-8"?>
 <p:sld xmlns:a="http://schemas.openxmlformats.org/drawingml/2006/main" xmlns:r="http://schemas.openxmlformats.org/officeDocument/2006/relationships" xmlns:p="http://schemas.openxmlformats.org/presentationml/2006/main">
   <p:cSld>
     <p:spTree>
@@ -14907,7 +10748,7 @@
           <a:p>
             <a:fld id="{D57F1E4F-1CFF-5643-939E-02111984F565}" type="slidenum">
               <a:rPr lang="en-US" smtClean="0"/>
-              <a:t>21</a:t>
+              <a:t>18</a:t>
             </a:fld>
             <a:endParaRPr lang="en-US" dirty="0"/>
           </a:p>
@@ -15299,7 +11140,7 @@
 </p:sld>
 </file>
 
-<file path=ppt/slides/slide22.xml><?xml version="1.0" encoding="utf-8"?>
+<file path=ppt/slides/slide19.xml><?xml version="1.0" encoding="utf-8"?>
 <p:sld xmlns:a="http://schemas.openxmlformats.org/drawingml/2006/main" xmlns:r="http://schemas.openxmlformats.org/officeDocument/2006/relationships" xmlns:p="http://schemas.openxmlformats.org/presentationml/2006/main">
   <p:cSld>
     <p:spTree>
@@ -15661,7 +11502,7 @@
           <a:p>
             <a:fld id="{D57F1E4F-1CFF-5643-939E-02111984F565}" type="slidenum">
               <a:rPr lang="en-US" smtClean="0"/>
-              <a:t>22</a:t>
+              <a:t>19</a:t>
             </a:fld>
             <a:endParaRPr lang="en-US" dirty="0"/>
           </a:p>
@@ -16017,7 +11858,403 @@
 </p:sld>
 </file>
 
-<file path=ppt/slides/slide23.xml><?xml version="1.0" encoding="utf-8"?>
+<file path=ppt/slides/slide2.xml><?xml version="1.0" encoding="utf-8"?>
+<p:sld xmlns:a="http://schemas.openxmlformats.org/drawingml/2006/main" xmlns:r="http://schemas.openxmlformats.org/officeDocument/2006/relationships" xmlns:p="http://schemas.openxmlformats.org/presentationml/2006/main">
+  <p:cSld>
+    <p:spTree>
+      <p:nvGrpSpPr>
+        <p:cNvPr id="1" name=""/>
+        <p:cNvGrpSpPr/>
+        <p:nvPr/>
+      </p:nvGrpSpPr>
+      <p:grpSpPr>
+        <a:xfrm>
+          <a:off x="0" y="0"/>
+          <a:ext cx="0" cy="0"/>
+          <a:chOff x="0" y="0"/>
+          <a:chExt cx="0" cy="0"/>
+        </a:xfrm>
+      </p:grpSpPr>
+      <p:sp>
+        <p:nvSpPr>
+          <p:cNvPr id="2" name="Title 1">
+            <a:extLst>
+              <a:ext uri="{FF2B5EF4-FFF2-40B4-BE49-F238E27FC236}">
+                <a16:creationId xmlns:a16="http://schemas.microsoft.com/office/drawing/2014/main" id="{AA3A228F-61D0-D949-A5E7-F83756230BF8}"/>
+              </a:ext>
+            </a:extLst>
+          </p:cNvPr>
+          <p:cNvSpPr>
+            <a:spLocks noGrp="1"/>
+          </p:cNvSpPr>
+          <p:nvPr>
+            <p:ph type="title"/>
+          </p:nvPr>
+        </p:nvSpPr>
+        <p:spPr>
+          <a:xfrm>
+            <a:off x="169682" y="134007"/>
+            <a:ext cx="7053542" cy="683886"/>
+          </a:xfrm>
+        </p:spPr>
+        <p:txBody>
+          <a:bodyPr/>
+          <a:lstStyle/>
+          <a:p>
+            <a:r>
+              <a:rPr lang="en-US" dirty="0"/>
+              <a:t>Indefinite Loop</a:t>
+            </a:r>
+          </a:p>
+        </p:txBody>
+      </p:sp>
+      <p:sp>
+        <p:nvSpPr>
+          <p:cNvPr id="9" name="Content Placeholder 8">
+            <a:extLst>
+              <a:ext uri="{FF2B5EF4-FFF2-40B4-BE49-F238E27FC236}">
+                <a16:creationId xmlns:a16="http://schemas.microsoft.com/office/drawing/2014/main" id="{E3B2E017-30B2-884B-A113-B419A2ED51AD}"/>
+              </a:ext>
+            </a:extLst>
+          </p:cNvPr>
+          <p:cNvSpPr>
+            <a:spLocks noGrp="1"/>
+          </p:cNvSpPr>
+          <p:nvPr>
+            <p:ph idx="1"/>
+          </p:nvPr>
+        </p:nvSpPr>
+        <p:spPr>
+          <a:xfrm>
+            <a:off x="169682" y="1007165"/>
+            <a:ext cx="8804636" cy="4573828"/>
+          </a:xfrm>
+        </p:spPr>
+        <p:txBody>
+          <a:bodyPr>
+            <a:normAutofit/>
+          </a:bodyPr>
+          <a:lstStyle/>
+          <a:p>
+            <a:pPr marL="0" indent="0">
+              <a:buNone/>
+            </a:pPr>
+            <a:r>
+              <a:rPr lang="en-US" dirty="0"/>
+              <a:t>A </a:t>
+            </a:r>
+            <a:r>
+              <a:rPr lang="en-US" b="1" dirty="0"/>
+              <a:t>for </a:t>
+            </a:r>
+            <a:r>
+              <a:rPr lang="en-US" dirty="0"/>
+              <a:t>loop, we discussed earlier is an example of a </a:t>
+            </a:r>
+            <a:r>
+              <a:rPr lang="en-US" b="1" dirty="0"/>
+              <a:t>definite loop</a:t>
+            </a:r>
+            <a:r>
+              <a:rPr lang="en-US" dirty="0"/>
+              <a:t>, the number of iterations can be specified ahead of time by the programmer.</a:t>
+            </a:r>
+          </a:p>
+          <a:p>
+            <a:pPr marL="0" indent="0">
+              <a:buNone/>
+            </a:pPr>
+            <a:endParaRPr lang="en-US" dirty="0"/>
+          </a:p>
+          <a:p>
+            <a:pPr marL="0" indent="0">
+              <a:buNone/>
+            </a:pPr>
+            <a:r>
+              <a:rPr lang="en-US" dirty="0"/>
+              <a:t>In some cases, however, the number of iterations can be unknown.  This type of loop is called an </a:t>
+            </a:r>
+            <a:r>
+              <a:rPr lang="en-US" b="1" dirty="0"/>
+              <a:t>indefinite loop.  </a:t>
+            </a:r>
+            <a:r>
+              <a:rPr lang="en-US" dirty="0"/>
+              <a:t>For example, a user is asked to enter a sequence of positive numbers. The user can enter 0 to finish with their inputs. The number of inputs the user enter is not known in advance. </a:t>
+            </a:r>
+          </a:p>
+          <a:p>
+            <a:pPr marL="0" indent="0">
+              <a:buNone/>
+            </a:pPr>
+            <a:endParaRPr lang="en-US" dirty="0"/>
+          </a:p>
+          <a:p>
+            <a:pPr marL="0" indent="0">
+              <a:buNone/>
+            </a:pPr>
+            <a:r>
+              <a:rPr lang="en-US" dirty="0"/>
+              <a:t>In this section, we explore the use of the </a:t>
+            </a:r>
+            <a:r>
+              <a:rPr lang="en-US" b="1" dirty="0"/>
+              <a:t>while </a:t>
+            </a:r>
+            <a:r>
+              <a:rPr lang="en-US" dirty="0"/>
+              <a:t>loop to describe conditional iteration: iteration that repeats as long as a condition is true. </a:t>
+            </a:r>
+          </a:p>
+          <a:p>
+            <a:pPr marL="0" indent="0">
+              <a:buNone/>
+            </a:pPr>
+            <a:endParaRPr lang="en-US" dirty="0"/>
+          </a:p>
+          <a:p>
+            <a:pPr marL="0" indent="0">
+              <a:buNone/>
+            </a:pPr>
+            <a:r>
+              <a:rPr lang="en-US" dirty="0"/>
+              <a:t>Between the two loops, the for loop is more common. </a:t>
+            </a:r>
+          </a:p>
+          <a:p>
+            <a:pPr marL="0" indent="0">
+              <a:buNone/>
+            </a:pPr>
+            <a:endParaRPr lang="en-US" dirty="0"/>
+          </a:p>
+          <a:p>
+            <a:pPr marL="0" indent="0">
+              <a:buNone/>
+            </a:pPr>
+            <a:endParaRPr lang="en-US" dirty="0"/>
+          </a:p>
+        </p:txBody>
+      </p:sp>
+      <p:sp>
+        <p:nvSpPr>
+          <p:cNvPr id="3" name="Slide Number Placeholder 2">
+            <a:extLst>
+              <a:ext uri="{FF2B5EF4-FFF2-40B4-BE49-F238E27FC236}">
+                <a16:creationId xmlns:a16="http://schemas.microsoft.com/office/drawing/2014/main" id="{BDC2059B-C28B-4640-BA06-033C10FB8E3F}"/>
+              </a:ext>
+            </a:extLst>
+          </p:cNvPr>
+          <p:cNvSpPr>
+            <a:spLocks noGrp="1"/>
+          </p:cNvSpPr>
+          <p:nvPr>
+            <p:ph type="sldNum" sz="quarter" idx="12"/>
+          </p:nvPr>
+        </p:nvSpPr>
+        <p:spPr/>
+        <p:txBody>
+          <a:bodyPr/>
+          <a:lstStyle/>
+          <a:p>
+            <a:fld id="{D57F1E4F-1CFF-5643-939E-02111984F565}" type="slidenum">
+              <a:rPr lang="en-US" smtClean="0"/>
+              <a:t>2</a:t>
+            </a:fld>
+            <a:endParaRPr lang="en-US" dirty="0"/>
+          </a:p>
+        </p:txBody>
+      </p:sp>
+    </p:spTree>
+    <p:extLst>
+      <p:ext uri="{BB962C8B-B14F-4D97-AF65-F5344CB8AC3E}">
+        <p14:creationId xmlns:p14="http://schemas.microsoft.com/office/powerpoint/2010/main" val="924617162"/>
+      </p:ext>
+    </p:extLst>
+  </p:cSld>
+  <p:clrMapOvr>
+    <a:masterClrMapping/>
+  </p:clrMapOvr>
+  <p:timing>
+    <p:tnLst>
+      <p:par>
+        <p:cTn id="1" dur="indefinite" restart="never" nodeType="tmRoot">
+          <p:childTnLst>
+            <p:seq concurrent="1" nextAc="seek">
+              <p:cTn id="2" dur="indefinite" nodeType="mainSeq">
+                <p:childTnLst>
+                  <p:par>
+                    <p:cTn id="3" fill="hold">
+                      <p:stCondLst>
+                        <p:cond delay="indefinite"/>
+                      </p:stCondLst>
+                      <p:childTnLst>
+                        <p:par>
+                          <p:cTn id="4" fill="hold">
+                            <p:stCondLst>
+                              <p:cond delay="0"/>
+                            </p:stCondLst>
+                            <p:childTnLst>
+                              <p:par>
+                                <p:cTn id="5" presetID="1" presetClass="entr" presetSubtype="0" fill="hold" nodeType="clickEffect">
+                                  <p:stCondLst>
+                                    <p:cond delay="0"/>
+                                  </p:stCondLst>
+                                  <p:childTnLst>
+                                    <p:set>
+                                      <p:cBhvr>
+                                        <p:cTn id="6" dur="1" fill="hold">
+                                          <p:stCondLst>
+                                            <p:cond delay="0"/>
+                                          </p:stCondLst>
+                                        </p:cTn>
+                                        <p:tgtEl>
+                                          <p:spTgt spid="9">
+                                            <p:txEl>
+                                              <p:pRg st="2" end="2"/>
+                                            </p:txEl>
+                                          </p:spTgt>
+                                        </p:tgtEl>
+                                        <p:attrNameLst>
+                                          <p:attrName>style.visibility</p:attrName>
+                                        </p:attrNameLst>
+                                      </p:cBhvr>
+                                      <p:to>
+                                        <p:strVal val="visible"/>
+                                      </p:to>
+                                    </p:set>
+                                  </p:childTnLst>
+                                </p:cTn>
+                              </p:par>
+                            </p:childTnLst>
+                          </p:cTn>
+                        </p:par>
+                      </p:childTnLst>
+                    </p:cTn>
+                  </p:par>
+                  <p:par>
+                    <p:cTn id="7" fill="hold">
+                      <p:stCondLst>
+                        <p:cond delay="indefinite"/>
+                      </p:stCondLst>
+                      <p:childTnLst>
+                        <p:par>
+                          <p:cTn id="8" fill="hold">
+                            <p:stCondLst>
+                              <p:cond delay="0"/>
+                            </p:stCondLst>
+                            <p:childTnLst>
+                              <p:par>
+                                <p:cTn id="9" presetID="1" presetClass="entr" presetSubtype="0" fill="hold" nodeType="clickEffect">
+                                  <p:stCondLst>
+                                    <p:cond delay="0"/>
+                                  </p:stCondLst>
+                                  <p:childTnLst>
+                                    <p:set>
+                                      <p:cBhvr>
+                                        <p:cTn id="10" dur="1" fill="hold">
+                                          <p:stCondLst>
+                                            <p:cond delay="0"/>
+                                          </p:stCondLst>
+                                        </p:cTn>
+                                        <p:tgtEl>
+                                          <p:spTgt spid="9">
+                                            <p:txEl>
+                                              <p:pRg st="4" end="4"/>
+                                            </p:txEl>
+                                          </p:spTgt>
+                                        </p:tgtEl>
+                                        <p:attrNameLst>
+                                          <p:attrName>style.visibility</p:attrName>
+                                        </p:attrNameLst>
+                                      </p:cBhvr>
+                                      <p:to>
+                                        <p:strVal val="visible"/>
+                                      </p:to>
+                                    </p:set>
+                                  </p:childTnLst>
+                                </p:cTn>
+                              </p:par>
+                            </p:childTnLst>
+                          </p:cTn>
+                        </p:par>
+                      </p:childTnLst>
+                    </p:cTn>
+                  </p:par>
+                  <p:par>
+                    <p:cTn id="11" fill="hold">
+                      <p:stCondLst>
+                        <p:cond delay="indefinite"/>
+                      </p:stCondLst>
+                      <p:childTnLst>
+                        <p:par>
+                          <p:cTn id="12" fill="hold">
+                            <p:stCondLst>
+                              <p:cond delay="0"/>
+                            </p:stCondLst>
+                            <p:childTnLst>
+                              <p:par>
+                                <p:cTn id="13" presetID="1" presetClass="entr" presetSubtype="0" fill="hold" nodeType="clickEffect">
+                                  <p:stCondLst>
+                                    <p:cond delay="0"/>
+                                  </p:stCondLst>
+                                  <p:childTnLst>
+                                    <p:set>
+                                      <p:cBhvr>
+                                        <p:cTn id="14" dur="1" fill="hold">
+                                          <p:stCondLst>
+                                            <p:cond delay="0"/>
+                                          </p:stCondLst>
+                                        </p:cTn>
+                                        <p:tgtEl>
+                                          <p:spTgt spid="9">
+                                            <p:txEl>
+                                              <p:pRg st="6" end="6"/>
+                                            </p:txEl>
+                                          </p:spTgt>
+                                        </p:tgtEl>
+                                        <p:attrNameLst>
+                                          <p:attrName>style.visibility</p:attrName>
+                                        </p:attrNameLst>
+                                      </p:cBhvr>
+                                      <p:to>
+                                        <p:strVal val="visible"/>
+                                      </p:to>
+                                    </p:set>
+                                  </p:childTnLst>
+                                </p:cTn>
+                              </p:par>
+                            </p:childTnLst>
+                          </p:cTn>
+                        </p:par>
+                      </p:childTnLst>
+                    </p:cTn>
+                  </p:par>
+                </p:childTnLst>
+              </p:cTn>
+              <p:prevCondLst>
+                <p:cond evt="onPrev" delay="0">
+                  <p:tgtEl>
+                    <p:sldTgt/>
+                  </p:tgtEl>
+                </p:cond>
+              </p:prevCondLst>
+              <p:nextCondLst>
+                <p:cond evt="onNext" delay="0">
+                  <p:tgtEl>
+                    <p:sldTgt/>
+                  </p:tgtEl>
+                </p:cond>
+              </p:nextCondLst>
+            </p:seq>
+          </p:childTnLst>
+        </p:cTn>
+      </p:par>
+    </p:tnLst>
+  </p:timing>
+</p:sld>
+</file>
+
+<file path=ppt/slides/slide20.xml><?xml version="1.0" encoding="utf-8"?>
 <p:sld xmlns:a="http://schemas.openxmlformats.org/drawingml/2006/main" xmlns:r="http://schemas.openxmlformats.org/officeDocument/2006/relationships" xmlns:p="http://schemas.openxmlformats.org/presentationml/2006/main">
   <p:cSld>
     <p:spTree>
@@ -16283,7 +12520,7 @@
           <a:p>
             <a:fld id="{D57F1E4F-1CFF-5643-939E-02111984F565}" type="slidenum">
               <a:rPr lang="en-US" smtClean="0"/>
-              <a:t>23</a:t>
+              <a:t>20</a:t>
             </a:fld>
             <a:endParaRPr lang="en-US" dirty="0"/>
           </a:p>
@@ -16510,7 +12747,7 @@
 </p:sld>
 </file>
 
-<file path=ppt/slides/slide24.xml><?xml version="1.0" encoding="utf-8"?>
+<file path=ppt/slides/slide21.xml><?xml version="1.0" encoding="utf-8"?>
 <p:sld xmlns:a="http://schemas.openxmlformats.org/drawingml/2006/main" xmlns:r="http://schemas.openxmlformats.org/officeDocument/2006/relationships" xmlns:p="http://schemas.openxmlformats.org/presentationml/2006/main">
   <p:cSld>
     <p:spTree>
@@ -16995,7 +13232,7 @@
           <a:p>
             <a:fld id="{D57F1E4F-1CFF-5643-939E-02111984F565}" type="slidenum">
               <a:rPr lang="en-US" smtClean="0"/>
-              <a:t>24</a:t>
+              <a:t>21</a:t>
             </a:fld>
             <a:endParaRPr lang="en-US" dirty="0"/>
           </a:p>
@@ -17730,7 +13967,7 @@
 </p:sld>
 </file>
 
-<file path=ppt/slides/slide25.xml><?xml version="1.0" encoding="utf-8"?>
+<file path=ppt/slides/slide22.xml><?xml version="1.0" encoding="utf-8"?>
 <p:sld xmlns:a="http://schemas.openxmlformats.org/drawingml/2006/main" xmlns:r="http://schemas.openxmlformats.org/officeDocument/2006/relationships" xmlns:p="http://schemas.openxmlformats.org/presentationml/2006/main">
   <p:cSld>
     <p:spTree>
@@ -17893,7 +14130,7 @@
           <a:p>
             <a:fld id="{D57F1E4F-1CFF-5643-939E-02111984F565}" type="slidenum">
               <a:rPr lang="en-US" smtClean="0"/>
-              <a:t>25</a:t>
+              <a:t>22</a:t>
             </a:fld>
             <a:endParaRPr lang="en-US" dirty="0"/>
           </a:p>
